--- a/126-AzureCost/Azure Cost PBI BootCamp.pptx
+++ b/126-AzureCost/Azure Cost PBI BootCamp.pptx
@@ -5,38 +5,39 @@
     <p:sldMasterId id="2147484229" r:id="rId4"/>
   </p:sldMasterIdLst>
   <p:notesMasterIdLst>
-    <p:notesMasterId r:id="rId31"/>
+    <p:notesMasterId r:id="rId32"/>
   </p:notesMasterIdLst>
   <p:handoutMasterIdLst>
-    <p:handoutMasterId r:id="rId32"/>
+    <p:handoutMasterId r:id="rId33"/>
   </p:handoutMasterIdLst>
   <p:sldIdLst>
     <p:sldId id="1661" r:id="rId5"/>
     <p:sldId id="2051" r:id="rId6"/>
-    <p:sldId id="2052" r:id="rId7"/>
-    <p:sldId id="2053" r:id="rId8"/>
-    <p:sldId id="1660" r:id="rId9"/>
-    <p:sldId id="1670" r:id="rId10"/>
-    <p:sldId id="1548" r:id="rId11"/>
-    <p:sldId id="1635" r:id="rId12"/>
-    <p:sldId id="1523" r:id="rId13"/>
-    <p:sldId id="1716" r:id="rId14"/>
-    <p:sldId id="1524" r:id="rId15"/>
-    <p:sldId id="1906" r:id="rId16"/>
-    <p:sldId id="1947" r:id="rId17"/>
-    <p:sldId id="1946" r:id="rId18"/>
-    <p:sldId id="2045" r:id="rId19"/>
-    <p:sldId id="2046" r:id="rId20"/>
-    <p:sldId id="1995" r:id="rId21"/>
-    <p:sldId id="1994" r:id="rId22"/>
-    <p:sldId id="2042" r:id="rId23"/>
-    <p:sldId id="1941" r:id="rId24"/>
-    <p:sldId id="1804" r:id="rId25"/>
-    <p:sldId id="1527" r:id="rId26"/>
-    <p:sldId id="1529" r:id="rId27"/>
-    <p:sldId id="1530" r:id="rId28"/>
-    <p:sldId id="1531" r:id="rId29"/>
-    <p:sldId id="1532" r:id="rId30"/>
+    <p:sldId id="2054" r:id="rId7"/>
+    <p:sldId id="2052" r:id="rId8"/>
+    <p:sldId id="2053" r:id="rId9"/>
+    <p:sldId id="1660" r:id="rId10"/>
+    <p:sldId id="1670" r:id="rId11"/>
+    <p:sldId id="1548" r:id="rId12"/>
+    <p:sldId id="1635" r:id="rId13"/>
+    <p:sldId id="1523" r:id="rId14"/>
+    <p:sldId id="1716" r:id="rId15"/>
+    <p:sldId id="1524" r:id="rId16"/>
+    <p:sldId id="1906" r:id="rId17"/>
+    <p:sldId id="1947" r:id="rId18"/>
+    <p:sldId id="1946" r:id="rId19"/>
+    <p:sldId id="2045" r:id="rId20"/>
+    <p:sldId id="2046" r:id="rId21"/>
+    <p:sldId id="1995" r:id="rId22"/>
+    <p:sldId id="1994" r:id="rId23"/>
+    <p:sldId id="2042" r:id="rId24"/>
+    <p:sldId id="1941" r:id="rId25"/>
+    <p:sldId id="1804" r:id="rId26"/>
+    <p:sldId id="1527" r:id="rId27"/>
+    <p:sldId id="1529" r:id="rId28"/>
+    <p:sldId id="1530" r:id="rId29"/>
+    <p:sldId id="1531" r:id="rId30"/>
+    <p:sldId id="1532" r:id="rId31"/>
   </p:sldIdLst>
   <p:sldSz cx="12192000" cy="6858000"/>
   <p:notesSz cx="6858000" cy="9144000"/>
@@ -142,6 +143,7 @@
           <p14:sldIdLst>
             <p14:sldId id="1661"/>
             <p14:sldId id="2051"/>
+            <p14:sldId id="2054"/>
           </p14:sldIdLst>
         </p14:section>
         <p14:section name="Advanced Technical Tips" id="{C2204EC9-CF4E-4BCE-A19D-8EF7015C5371}">
@@ -313,7 +315,7 @@
               <a:rPr lang="en-US" smtClean="0">
                 <a:latin typeface="Segoe UI" pitchFamily="34" charset="0"/>
               </a:rPr>
-              <a:t>10/14/2022 10:53 AM</a:t>
+              <a:t>10/17/2022 9:01 AM</a:t>
             </a:fld>
             <a:endParaRPr lang="en-US" dirty="0">
               <a:latin typeface="Segoe UI" pitchFamily="34" charset="0"/>
@@ -591,7 +593,7 @@
           <a:p>
             <a:fld id="{386CE63F-9E7F-4C04-9D0D-FCA25A8E9E86}" type="datetime8">
               <a:rPr lang="en-US" smtClean="0"/>
-              <a:t>10/14/2022 10:53 AM</a:t>
+              <a:t>10/17/2022 9:00 AM</a:t>
             </a:fld>
             <a:endParaRPr lang="en-US" dirty="0"/>
           </a:p>
@@ -958,7 +960,7 @@
           <a:p>
             <a:fld id="{62C61DAB-D93E-49CA-B245-379601CFE8D0}" type="datetime8">
               <a:rPr lang="en-US" smtClean="0"/>
-              <a:t>10/14/2022 10:53 AM</a:t>
+              <a:t>10/17/2022 9:00 AM</a:t>
             </a:fld>
             <a:endParaRPr lang="en-US" dirty="0"/>
           </a:p>
@@ -1123,7 +1125,7 @@
           <a:p>
             <a:fld id="{49B14B72-BE03-4760-B747-D349DA60D861}" type="datetime8">
               <a:rPr lang="en-US" smtClean="0"/>
-              <a:t>10/14/2022 10:53 AM</a:t>
+              <a:t>10/17/2022 9:00 AM</a:t>
             </a:fld>
             <a:endParaRPr lang="en-US" dirty="0"/>
           </a:p>
@@ -1156,7 +1158,7 @@
     </p:spTree>
     <p:extLst>
       <p:ext uri="{BB962C8B-B14F-4D97-AF65-F5344CB8AC3E}">
-        <p14:creationId xmlns:p14="http://schemas.microsoft.com/office/powerpoint/2010/main" val="1565198508"/>
+        <p14:creationId xmlns:p14="http://schemas.microsoft.com/office/powerpoint/2010/main" val="2470583919"/>
       </p:ext>
     </p:extLst>
   </p:cSld>
@@ -1286,9 +1288,9 @@
           <a:bodyPr/>
           <a:lstStyle/>
           <a:p>
-            <a:fld id="{54A7B7B7-C694-4FC8-B0BD-20DAA0A272F9}" type="datetime8">
+            <a:fld id="{49B14B72-BE03-4760-B747-D349DA60D861}" type="datetime8">
               <a:rPr lang="en-US" smtClean="0"/>
-              <a:t>10/14/2022 10:53 AM</a:t>
+              <a:t>10/17/2022 9:00 AM</a:t>
             </a:fld>
             <a:endParaRPr lang="en-US" dirty="0"/>
           </a:p>
@@ -1311,7 +1313,8 @@
           <a:p>
             <a:fld id="{B4008EB6-D09E-4580-8CD6-DDB14511944F}" type="slidenum">
               <a:rPr lang="en-US" smtClean="0"/>
-              <a:t>17</a:t>
+              <a:pPr/>
+              <a:t>13</a:t>
             </a:fld>
             <a:endParaRPr lang="en-US" dirty="0"/>
           </a:p>
@@ -1320,7 +1323,7 @@
     </p:spTree>
     <p:extLst>
       <p:ext uri="{BB962C8B-B14F-4D97-AF65-F5344CB8AC3E}">
-        <p14:creationId xmlns:p14="http://schemas.microsoft.com/office/powerpoint/2010/main" val="103154412"/>
+        <p14:creationId xmlns:p14="http://schemas.microsoft.com/office/powerpoint/2010/main" val="1565198508"/>
       </p:ext>
     </p:extLst>
   </p:cSld>
@@ -1450,9 +1453,9 @@
           <a:bodyPr/>
           <a:lstStyle/>
           <a:p>
-            <a:fld id="{91FF42D5-4657-4D58-A751-082C26315A19}" type="datetime8">
+            <a:fld id="{54A7B7B7-C694-4FC8-B0BD-20DAA0A272F9}" type="datetime8">
               <a:rPr lang="en-US" smtClean="0"/>
-              <a:t>10/14/2022 10:53 AM</a:t>
+              <a:t>10/17/2022 9:00 AM</a:t>
             </a:fld>
             <a:endParaRPr lang="en-US" dirty="0"/>
           </a:p>
@@ -1475,7 +1478,6 @@
           <a:p>
             <a:fld id="{B4008EB6-D09E-4580-8CD6-DDB14511944F}" type="slidenum">
               <a:rPr lang="en-US" smtClean="0"/>
-              <a:pPr/>
               <a:t>18</a:t>
             </a:fld>
             <a:endParaRPr lang="en-US" dirty="0"/>
@@ -1485,7 +1487,7 @@
     </p:spTree>
     <p:extLst>
       <p:ext uri="{BB962C8B-B14F-4D97-AF65-F5344CB8AC3E}">
-        <p14:creationId xmlns:p14="http://schemas.microsoft.com/office/powerpoint/2010/main" val="3383938246"/>
+        <p14:creationId xmlns:p14="http://schemas.microsoft.com/office/powerpoint/2010/main" val="103154412"/>
       </p:ext>
     </p:extLst>
   </p:cSld>
@@ -1545,12 +1547,12 @@
       </p:sp>
       <p:sp>
         <p:nvSpPr>
-          <p:cNvPr id="4" name="Slide Number Placeholder 3"/>
+          <p:cNvPr id="4" name="Header Placeholder 3"/>
           <p:cNvSpPr>
             <a:spLocks noGrp="1"/>
           </p:cNvSpPr>
           <p:nvPr>
-            <p:ph type="sldNum" sz="quarter" idx="10"/>
+            <p:ph type="hdr" sz="quarter" idx="10"/>
           </p:nvPr>
         </p:nvSpPr>
         <p:spPr/>
@@ -1558,57 +1560,18 @@
           <a:bodyPr/>
           <a:lstStyle/>
           <a:p>
-            <a:fld id="{C5079D02-5D34-4786-9834-A1F44E52D535}" type="slidenum">
-              <a:rPr lang="en-US" smtClean="0"/>
-              <a:t>19</a:t>
-            </a:fld>
             <a:endParaRPr lang="en-US" dirty="0"/>
           </a:p>
         </p:txBody>
       </p:sp>
       <p:sp>
         <p:nvSpPr>
-          <p:cNvPr id="5" name="Date Placeholder 4">
-            <a:extLst>
-              <a:ext uri="{FF2B5EF4-FFF2-40B4-BE49-F238E27FC236}">
-                <a16:creationId xmlns:a16="http://schemas.microsoft.com/office/drawing/2014/main" id="{58E3CE72-94EE-4689-AB80-A0CFFB93F1EA}"/>
-              </a:ext>
-            </a:extLst>
-          </p:cNvPr>
+          <p:cNvPr id="5" name="Footer Placeholder 4"/>
           <p:cNvSpPr>
             <a:spLocks noGrp="1"/>
           </p:cNvSpPr>
           <p:nvPr>
-            <p:ph type="dt" idx="11"/>
-          </p:nvPr>
-        </p:nvSpPr>
-        <p:spPr/>
-        <p:txBody>
-          <a:bodyPr/>
-          <a:lstStyle/>
-          <a:p>
-            <a:fld id="{480C6978-FA11-423D-8FDA-CB59A4787224}" type="datetime8">
-              <a:rPr lang="en-US" smtClean="0"/>
-              <a:t>10/14/2022 10:53 AM</a:t>
-            </a:fld>
-            <a:endParaRPr lang="en-US" dirty="0"/>
-          </a:p>
-        </p:txBody>
-      </p:sp>
-      <p:sp>
-        <p:nvSpPr>
-          <p:cNvPr id="6" name="Footer Placeholder 5">
-            <a:extLst>
-              <a:ext uri="{FF2B5EF4-FFF2-40B4-BE49-F238E27FC236}">
-                <a16:creationId xmlns:a16="http://schemas.microsoft.com/office/drawing/2014/main" id="{1AF229CA-F1E4-48C0-AD59-34CCFB3BE2A2}"/>
-              </a:ext>
-            </a:extLst>
-          </p:cNvPr>
-          <p:cNvSpPr>
-            <a:spLocks noGrp="1"/>
-          </p:cNvSpPr>
-          <p:nvPr>
-            <p:ph type="ftr" sz="quarter" idx="12"/>
+            <p:ph type="ftr" sz="quarter" idx="11"/>
           </p:nvPr>
         </p:nvSpPr>
         <p:spPr/>
@@ -1641,18 +1604,12 @@
       </p:sp>
       <p:sp>
         <p:nvSpPr>
-          <p:cNvPr id="7" name="Header Placeholder 6">
-            <a:extLst>
-              <a:ext uri="{FF2B5EF4-FFF2-40B4-BE49-F238E27FC236}">
-                <a16:creationId xmlns:a16="http://schemas.microsoft.com/office/drawing/2014/main" id="{1C7DFC74-16C9-4146-B136-C825DE01E4DA}"/>
-              </a:ext>
-            </a:extLst>
-          </p:cNvPr>
+          <p:cNvPr id="6" name="Date Placeholder 5"/>
           <p:cNvSpPr>
             <a:spLocks noGrp="1"/>
           </p:cNvSpPr>
           <p:nvPr>
-            <p:ph type="hdr" sz="quarter" idx="13"/>
+            <p:ph type="dt" idx="12"/>
           </p:nvPr>
         </p:nvSpPr>
         <p:spPr/>
@@ -1660,6 +1617,34 @@
           <a:bodyPr/>
           <a:lstStyle/>
           <a:p>
+            <a:fld id="{91FF42D5-4657-4D58-A751-082C26315A19}" type="datetime8">
+              <a:rPr lang="en-US" smtClean="0"/>
+              <a:t>10/17/2022 9:00 AM</a:t>
+            </a:fld>
+            <a:endParaRPr lang="en-US" dirty="0"/>
+          </a:p>
+        </p:txBody>
+      </p:sp>
+      <p:sp>
+        <p:nvSpPr>
+          <p:cNvPr id="7" name="Slide Number Placeholder 6"/>
+          <p:cNvSpPr>
+            <a:spLocks noGrp="1"/>
+          </p:cNvSpPr>
+          <p:nvPr>
+            <p:ph type="sldNum" sz="quarter" idx="13"/>
+          </p:nvPr>
+        </p:nvSpPr>
+        <p:spPr/>
+        <p:txBody>
+          <a:bodyPr/>
+          <a:lstStyle/>
+          <a:p>
+            <a:fld id="{B4008EB6-D09E-4580-8CD6-DDB14511944F}" type="slidenum">
+              <a:rPr lang="en-US" smtClean="0"/>
+              <a:pPr/>
+              <a:t>19</a:t>
+            </a:fld>
             <a:endParaRPr lang="en-US" dirty="0"/>
           </a:p>
         </p:txBody>
@@ -1667,7 +1652,7 @@
     </p:spTree>
     <p:extLst>
       <p:ext uri="{BB962C8B-B14F-4D97-AF65-F5344CB8AC3E}">
-        <p14:creationId xmlns:p14="http://schemas.microsoft.com/office/powerpoint/2010/main" val="2741036457"/>
+        <p14:creationId xmlns:p14="http://schemas.microsoft.com/office/powerpoint/2010/main" val="3383938246"/>
       </p:ext>
     </p:extLst>
   </p:cSld>
@@ -1727,12 +1712,12 @@
       </p:sp>
       <p:sp>
         <p:nvSpPr>
-          <p:cNvPr id="6" name="Date Placeholder 5"/>
+          <p:cNvPr id="4" name="Slide Number Placeholder 3"/>
           <p:cNvSpPr>
             <a:spLocks noGrp="1"/>
           </p:cNvSpPr>
           <p:nvPr>
-            <p:ph type="dt" idx="12"/>
+            <p:ph type="sldNum" sz="quarter" idx="10"/>
           </p:nvPr>
         </p:nvSpPr>
         <p:spPr/>
@@ -1740,32 +1725,8 @@
           <a:bodyPr/>
           <a:lstStyle/>
           <a:p>
-            <a:fld id="{353CB5B1-3D40-4389-814A-A3E0AEC8E2FF}" type="datetime8">
+            <a:fld id="{C5079D02-5D34-4786-9834-A1F44E52D535}" type="slidenum">
               <a:rPr lang="en-US" smtClean="0"/>
-              <a:t>10/14/2022 10:53 AM</a:t>
-            </a:fld>
-            <a:endParaRPr lang="en-US" dirty="0"/>
-          </a:p>
-        </p:txBody>
-      </p:sp>
-      <p:sp>
-        <p:nvSpPr>
-          <p:cNvPr id="7" name="Slide Number Placeholder 6"/>
-          <p:cNvSpPr>
-            <a:spLocks noGrp="1"/>
-          </p:cNvSpPr>
-          <p:nvPr>
-            <p:ph type="sldNum" sz="quarter" idx="13"/>
-          </p:nvPr>
-        </p:nvSpPr>
-        <p:spPr/>
-        <p:txBody>
-          <a:bodyPr/>
-          <a:lstStyle/>
-          <a:p>
-            <a:fld id="{B4008EB6-D09E-4580-8CD6-DDB14511944F}" type="slidenum">
-              <a:rPr lang="en-US" smtClean="0"/>
-              <a:pPr/>
               <a:t>20</a:t>
             </a:fld>
             <a:endParaRPr lang="en-US" dirty="0"/>
@@ -1774,10 +1735,10 @@
       </p:sp>
       <p:sp>
         <p:nvSpPr>
-          <p:cNvPr id="8" name="Footer Placeholder 7">
+          <p:cNvPr id="5" name="Date Placeholder 4">
             <a:extLst>
               <a:ext uri="{FF2B5EF4-FFF2-40B4-BE49-F238E27FC236}">
-                <a16:creationId xmlns:a16="http://schemas.microsoft.com/office/drawing/2014/main" id="{AB0A3098-74CE-4AF5-9C5C-C2A7A2AE65A8}"/>
+                <a16:creationId xmlns:a16="http://schemas.microsoft.com/office/drawing/2014/main" id="{58E3CE72-94EE-4689-AB80-A0CFFB93F1EA}"/>
               </a:ext>
             </a:extLst>
           </p:cNvPr>
@@ -1785,7 +1746,36 @@
             <a:spLocks noGrp="1"/>
           </p:cNvSpPr>
           <p:nvPr>
-            <p:ph type="ftr" sz="quarter" idx="14"/>
+            <p:ph type="dt" idx="11"/>
+          </p:nvPr>
+        </p:nvSpPr>
+        <p:spPr/>
+        <p:txBody>
+          <a:bodyPr/>
+          <a:lstStyle/>
+          <a:p>
+            <a:fld id="{480C6978-FA11-423D-8FDA-CB59A4787224}" type="datetime8">
+              <a:rPr lang="en-US" smtClean="0"/>
+              <a:t>10/17/2022 9:00 AM</a:t>
+            </a:fld>
+            <a:endParaRPr lang="en-US" dirty="0"/>
+          </a:p>
+        </p:txBody>
+      </p:sp>
+      <p:sp>
+        <p:nvSpPr>
+          <p:cNvPr id="6" name="Footer Placeholder 5">
+            <a:extLst>
+              <a:ext uri="{FF2B5EF4-FFF2-40B4-BE49-F238E27FC236}">
+                <a16:creationId xmlns:a16="http://schemas.microsoft.com/office/drawing/2014/main" id="{1AF229CA-F1E4-48C0-AD59-34CCFB3BE2A2}"/>
+              </a:ext>
+            </a:extLst>
+          </p:cNvPr>
+          <p:cNvSpPr>
+            <a:spLocks noGrp="1"/>
+          </p:cNvSpPr>
+          <p:nvPr>
+            <p:ph type="ftr" sz="quarter" idx="12"/>
           </p:nvPr>
         </p:nvSpPr>
         <p:spPr/>
@@ -1818,10 +1808,10 @@
       </p:sp>
       <p:sp>
         <p:nvSpPr>
-          <p:cNvPr id="9" name="Header Placeholder 8">
+          <p:cNvPr id="7" name="Header Placeholder 6">
             <a:extLst>
               <a:ext uri="{FF2B5EF4-FFF2-40B4-BE49-F238E27FC236}">
-                <a16:creationId xmlns:a16="http://schemas.microsoft.com/office/drawing/2014/main" id="{E0F78483-C1B0-470C-ACDF-3FFAE031C6ED}"/>
+                <a16:creationId xmlns:a16="http://schemas.microsoft.com/office/drawing/2014/main" id="{1C7DFC74-16C9-4146-B136-C825DE01E4DA}"/>
               </a:ext>
             </a:extLst>
           </p:cNvPr>
@@ -1829,7 +1819,7 @@
             <a:spLocks noGrp="1"/>
           </p:cNvSpPr>
           <p:nvPr>
-            <p:ph type="hdr" sz="quarter" idx="15"/>
+            <p:ph type="hdr" sz="quarter" idx="13"/>
           </p:nvPr>
         </p:nvSpPr>
         <p:spPr/>
@@ -1844,7 +1834,7 @@
     </p:spTree>
     <p:extLst>
       <p:ext uri="{BB962C8B-B14F-4D97-AF65-F5344CB8AC3E}">
-        <p14:creationId xmlns:p14="http://schemas.microsoft.com/office/powerpoint/2010/main" val="379290385"/>
+        <p14:creationId xmlns:p14="http://schemas.microsoft.com/office/powerpoint/2010/main" val="2741036457"/>
       </p:ext>
     </p:extLst>
   </p:cSld>
@@ -1919,7 +1909,7 @@
           <a:p>
             <a:fld id="{353CB5B1-3D40-4389-814A-A3E0AEC8E2FF}" type="datetime8">
               <a:rPr lang="en-US" smtClean="0"/>
-              <a:t>10/14/2022 10:53 AM</a:t>
+              <a:t>10/17/2022 9:00 AM</a:t>
             </a:fld>
             <a:endParaRPr lang="en-US" dirty="0"/>
           </a:p>
@@ -2021,7 +2011,7 @@
     </p:spTree>
     <p:extLst>
       <p:ext uri="{BB962C8B-B14F-4D97-AF65-F5344CB8AC3E}">
-        <p14:creationId xmlns:p14="http://schemas.microsoft.com/office/powerpoint/2010/main" val="2255619978"/>
+        <p14:creationId xmlns:p14="http://schemas.microsoft.com/office/powerpoint/2010/main" val="379290385"/>
       </p:ext>
     </p:extLst>
   </p:cSld>
@@ -2081,12 +2071,12 @@
       </p:sp>
       <p:sp>
         <p:nvSpPr>
-          <p:cNvPr id="4" name="Header Placeholder 3"/>
+          <p:cNvPr id="6" name="Date Placeholder 5"/>
           <p:cNvSpPr>
             <a:spLocks noGrp="1"/>
           </p:cNvSpPr>
           <p:nvPr>
-            <p:ph type="hdr" sz="quarter" idx="10"/>
+            <p:ph type="dt" idx="12"/>
           </p:nvPr>
         </p:nvSpPr>
         <p:spPr/>
@@ -2094,18 +2084,52 @@
           <a:bodyPr/>
           <a:lstStyle/>
           <a:p>
+            <a:fld id="{353CB5B1-3D40-4389-814A-A3E0AEC8E2FF}" type="datetime8">
+              <a:rPr lang="en-US" smtClean="0"/>
+              <a:t>10/17/2022 9:00 AM</a:t>
+            </a:fld>
             <a:endParaRPr lang="en-US" dirty="0"/>
           </a:p>
         </p:txBody>
       </p:sp>
       <p:sp>
         <p:nvSpPr>
-          <p:cNvPr id="5" name="Footer Placeholder 4"/>
+          <p:cNvPr id="7" name="Slide Number Placeholder 6"/>
           <p:cNvSpPr>
             <a:spLocks noGrp="1"/>
           </p:cNvSpPr>
           <p:nvPr>
-            <p:ph type="ftr" sz="quarter" idx="11"/>
+            <p:ph type="sldNum" sz="quarter" idx="13"/>
+          </p:nvPr>
+        </p:nvSpPr>
+        <p:spPr/>
+        <p:txBody>
+          <a:bodyPr/>
+          <a:lstStyle/>
+          <a:p>
+            <a:fld id="{B4008EB6-D09E-4580-8CD6-DDB14511944F}" type="slidenum">
+              <a:rPr lang="en-US" smtClean="0"/>
+              <a:pPr/>
+              <a:t>22</a:t>
+            </a:fld>
+            <a:endParaRPr lang="en-US" dirty="0"/>
+          </a:p>
+        </p:txBody>
+      </p:sp>
+      <p:sp>
+        <p:nvSpPr>
+          <p:cNvPr id="8" name="Footer Placeholder 7">
+            <a:extLst>
+              <a:ext uri="{FF2B5EF4-FFF2-40B4-BE49-F238E27FC236}">
+                <a16:creationId xmlns:a16="http://schemas.microsoft.com/office/drawing/2014/main" id="{AB0A3098-74CE-4AF5-9C5C-C2A7A2AE65A8}"/>
+              </a:ext>
+            </a:extLst>
+          </p:cNvPr>
+          <p:cNvSpPr>
+            <a:spLocks noGrp="1"/>
+          </p:cNvSpPr>
+          <p:nvPr>
+            <p:ph type="ftr" sz="quarter" idx="14"/>
           </p:nvPr>
         </p:nvSpPr>
         <p:spPr/>
@@ -2138,12 +2162,18 @@
       </p:sp>
       <p:sp>
         <p:nvSpPr>
-          <p:cNvPr id="6" name="Date Placeholder 5"/>
+          <p:cNvPr id="9" name="Header Placeholder 8">
+            <a:extLst>
+              <a:ext uri="{FF2B5EF4-FFF2-40B4-BE49-F238E27FC236}">
+                <a16:creationId xmlns:a16="http://schemas.microsoft.com/office/drawing/2014/main" id="{E0F78483-C1B0-470C-ACDF-3FFAE031C6ED}"/>
+              </a:ext>
+            </a:extLst>
+          </p:cNvPr>
           <p:cNvSpPr>
             <a:spLocks noGrp="1"/>
           </p:cNvSpPr>
           <p:nvPr>
-            <p:ph type="dt" idx="12"/>
+            <p:ph type="hdr" sz="quarter" idx="15"/>
           </p:nvPr>
         </p:nvSpPr>
         <p:spPr/>
@@ -2151,34 +2181,6 @@
           <a:bodyPr/>
           <a:lstStyle/>
           <a:p>
-            <a:fld id="{B16574EE-8191-4BCC-ABE6-D00A4F4D7690}" type="datetime8">
-              <a:rPr lang="en-US" smtClean="0"/>
-              <a:t>10/14/2022 10:53 AM</a:t>
-            </a:fld>
-            <a:endParaRPr lang="en-US" dirty="0"/>
-          </a:p>
-        </p:txBody>
-      </p:sp>
-      <p:sp>
-        <p:nvSpPr>
-          <p:cNvPr id="7" name="Slide Number Placeholder 6"/>
-          <p:cNvSpPr>
-            <a:spLocks noGrp="1"/>
-          </p:cNvSpPr>
-          <p:nvPr>
-            <p:ph type="sldNum" sz="quarter" idx="13"/>
-          </p:nvPr>
-        </p:nvSpPr>
-        <p:spPr/>
-        <p:txBody>
-          <a:bodyPr/>
-          <a:lstStyle/>
-          <a:p>
-            <a:fld id="{B4008EB6-D09E-4580-8CD6-DDB14511944F}" type="slidenum">
-              <a:rPr lang="en-US" smtClean="0"/>
-              <a:pPr/>
-              <a:t>22</a:t>
-            </a:fld>
             <a:endParaRPr lang="en-US" dirty="0"/>
           </a:p>
         </p:txBody>
@@ -2186,7 +2188,7 @@
     </p:spTree>
     <p:extLst>
       <p:ext uri="{BB962C8B-B14F-4D97-AF65-F5344CB8AC3E}">
-        <p14:creationId xmlns:p14="http://schemas.microsoft.com/office/powerpoint/2010/main" val="511922872"/>
+        <p14:creationId xmlns:p14="http://schemas.microsoft.com/office/powerpoint/2010/main" val="2255619978"/>
       </p:ext>
     </p:extLst>
   </p:cSld>
@@ -2316,9 +2318,9 @@
           <a:bodyPr/>
           <a:lstStyle/>
           <a:p>
-            <a:fld id="{E2F19A73-88F5-4B80-A929-CF8E66EE5449}" type="datetime8">
+            <a:fld id="{B16574EE-8191-4BCC-ABE6-D00A4F4D7690}" type="datetime8">
               <a:rPr lang="en-US" smtClean="0"/>
-              <a:t>10/14/2022 10:53 AM</a:t>
+              <a:t>10/17/2022 9:00 AM</a:t>
             </a:fld>
             <a:endParaRPr lang="en-US" dirty="0"/>
           </a:p>
@@ -2351,7 +2353,7 @@
     </p:spTree>
     <p:extLst>
       <p:ext uri="{BB962C8B-B14F-4D97-AF65-F5344CB8AC3E}">
-        <p14:creationId xmlns:p14="http://schemas.microsoft.com/office/powerpoint/2010/main" val="2548236910"/>
+        <p14:creationId xmlns:p14="http://schemas.microsoft.com/office/powerpoint/2010/main" val="511922872"/>
       </p:ext>
     </p:extLst>
   </p:cSld>
@@ -2411,12 +2413,12 @@
       </p:sp>
       <p:sp>
         <p:nvSpPr>
-          <p:cNvPr id="6" name="Slide Number Placeholder 5"/>
+          <p:cNvPr id="4" name="Header Placeholder 3"/>
           <p:cNvSpPr>
             <a:spLocks noGrp="1"/>
           </p:cNvSpPr>
           <p:nvPr>
-            <p:ph type="sldNum" sz="quarter" idx="12"/>
+            <p:ph type="hdr" sz="quarter" idx="10"/>
           </p:nvPr>
         </p:nvSpPr>
         <p:spPr/>
@@ -2424,46 +2426,18 @@
           <a:bodyPr/>
           <a:lstStyle/>
           <a:p>
-            <a:fld id="{B4008EB6-D09E-4580-8CD6-DDB14511944F}" type="slidenum">
-              <a:rPr lang="en-US" smtClean="0"/>
-              <a:pPr/>
-              <a:t>24</a:t>
-            </a:fld>
             <a:endParaRPr lang="en-US" dirty="0"/>
           </a:p>
         </p:txBody>
       </p:sp>
       <p:sp>
         <p:nvSpPr>
-          <p:cNvPr id="10" name="Date Placeholder 9"/>
+          <p:cNvPr id="5" name="Footer Placeholder 4"/>
           <p:cNvSpPr>
             <a:spLocks noGrp="1"/>
           </p:cNvSpPr>
           <p:nvPr>
-            <p:ph type="dt" idx="13"/>
-          </p:nvPr>
-        </p:nvSpPr>
-        <p:spPr/>
-        <p:txBody>
-          <a:bodyPr/>
-          <a:lstStyle/>
-          <a:p>
-            <a:fld id="{D44C3489-8257-4E60-994D-6A5CEE67ED71}" type="datetime8">
-              <a:rPr lang="en-US" smtClean="0"/>
-              <a:t>10/14/2022 10:53 AM</a:t>
-            </a:fld>
-            <a:endParaRPr lang="en-US" dirty="0"/>
-          </a:p>
-        </p:txBody>
-      </p:sp>
-      <p:sp>
-        <p:nvSpPr>
-          <p:cNvPr id="4" name="Footer Placeholder 3"/>
-          <p:cNvSpPr>
-            <a:spLocks noGrp="1"/>
-          </p:cNvSpPr>
-          <p:nvPr>
-            <p:ph type="ftr" sz="quarter" idx="14"/>
+            <p:ph type="ftr" sz="quarter" idx="11"/>
           </p:nvPr>
         </p:nvSpPr>
         <p:spPr/>
@@ -2496,12 +2470,12 @@
       </p:sp>
       <p:sp>
         <p:nvSpPr>
-          <p:cNvPr id="5" name="Header Placeholder 4"/>
+          <p:cNvPr id="6" name="Date Placeholder 5"/>
           <p:cNvSpPr>
             <a:spLocks noGrp="1"/>
           </p:cNvSpPr>
           <p:nvPr>
-            <p:ph type="hdr" sz="quarter" idx="15"/>
+            <p:ph type="dt" idx="12"/>
           </p:nvPr>
         </p:nvSpPr>
         <p:spPr/>
@@ -2509,6 +2483,34 @@
           <a:bodyPr/>
           <a:lstStyle/>
           <a:p>
+            <a:fld id="{E2F19A73-88F5-4B80-A929-CF8E66EE5449}" type="datetime8">
+              <a:rPr lang="en-US" smtClean="0"/>
+              <a:t>10/17/2022 9:00 AM</a:t>
+            </a:fld>
+            <a:endParaRPr lang="en-US" dirty="0"/>
+          </a:p>
+        </p:txBody>
+      </p:sp>
+      <p:sp>
+        <p:nvSpPr>
+          <p:cNvPr id="7" name="Slide Number Placeholder 6"/>
+          <p:cNvSpPr>
+            <a:spLocks noGrp="1"/>
+          </p:cNvSpPr>
+          <p:nvPr>
+            <p:ph type="sldNum" sz="quarter" idx="13"/>
+          </p:nvPr>
+        </p:nvSpPr>
+        <p:spPr/>
+        <p:txBody>
+          <a:bodyPr/>
+          <a:lstStyle/>
+          <a:p>
+            <a:fld id="{B4008EB6-D09E-4580-8CD6-DDB14511944F}" type="slidenum">
+              <a:rPr lang="en-US" smtClean="0"/>
+              <a:pPr/>
+              <a:t>24</a:t>
+            </a:fld>
             <a:endParaRPr lang="en-US" dirty="0"/>
           </a:p>
         </p:txBody>
@@ -2516,7 +2518,7 @@
     </p:spTree>
     <p:extLst>
       <p:ext uri="{BB962C8B-B14F-4D97-AF65-F5344CB8AC3E}">
-        <p14:creationId xmlns:p14="http://schemas.microsoft.com/office/powerpoint/2010/main" val="3104623784"/>
+        <p14:creationId xmlns:p14="http://schemas.microsoft.com/office/powerpoint/2010/main" val="2548236910"/>
       </p:ext>
     </p:extLst>
   </p:cSld>
@@ -2553,12 +2555,7 @@
             <p:ph type="sldImg"/>
           </p:nvPr>
         </p:nvSpPr>
-        <p:spPr>
-          <a:xfrm>
-            <a:off x="381000" y="685800"/>
-            <a:ext cx="6096000" cy="3429000"/>
-          </a:xfrm>
-        </p:spPr>
+        <p:spPr/>
       </p:sp>
       <p:sp>
         <p:nvSpPr>
@@ -2572,9 +2569,7 @@
         </p:nvSpPr>
         <p:spPr/>
         <p:txBody>
-          <a:bodyPr>
-            <a:normAutofit/>
-          </a:bodyPr>
+          <a:bodyPr/>
           <a:lstStyle/>
           <a:p>
             <a:endParaRPr lang="en-US" dirty="0"/>
@@ -2583,43 +2578,36 @@
       </p:sp>
       <p:sp>
         <p:nvSpPr>
-          <p:cNvPr id="4" name="Header Placeholder 3"/>
+          <p:cNvPr id="6" name="Slide Number Placeholder 5"/>
           <p:cNvSpPr>
             <a:spLocks noGrp="1"/>
           </p:cNvSpPr>
           <p:nvPr>
-            <p:ph type="hdr" sz="quarter" idx="10"/>
+            <p:ph type="sldNum" sz="quarter" idx="12"/>
           </p:nvPr>
         </p:nvSpPr>
-        <p:spPr>
-          <a:xfrm>
-            <a:off x="0" y="0"/>
-            <a:ext cx="2971800" cy="457200"/>
-          </a:xfrm>
-          <a:prstGeom prst="rect">
-            <a:avLst/>
-          </a:prstGeom>
-        </p:spPr>
+        <p:spPr/>
         <p:txBody>
           <a:bodyPr/>
           <a:lstStyle/>
           <a:p>
-            <a:endParaRPr lang="en-US" dirty="0">
-              <a:solidFill>
-                <a:prstClr val="black"/>
-              </a:solidFill>
-            </a:endParaRPr>
+            <a:fld id="{B4008EB6-D09E-4580-8CD6-DDB14511944F}" type="slidenum">
+              <a:rPr lang="en-US" smtClean="0"/>
+              <a:pPr/>
+              <a:t>25</a:t>
+            </a:fld>
+            <a:endParaRPr lang="en-US" dirty="0"/>
           </a:p>
         </p:txBody>
       </p:sp>
       <p:sp>
         <p:nvSpPr>
-          <p:cNvPr id="5" name="Date Placeholder 4"/>
+          <p:cNvPr id="10" name="Date Placeholder 9"/>
           <p:cNvSpPr>
             <a:spLocks noGrp="1"/>
           </p:cNvSpPr>
           <p:nvPr>
-            <p:ph type="dt" idx="11"/>
+            <p:ph type="dt" idx="13"/>
           </p:nvPr>
         </p:nvSpPr>
         <p:spPr/>
@@ -2627,57 +2615,17 @@
           <a:bodyPr/>
           <a:lstStyle/>
           <a:p>
-            <a:fld id="{C0CB9372-CA2B-44D2-90ED-A4A158EB6F2D}" type="datetime8">
-              <a:rPr lang="en-US" smtClean="0">
-                <a:solidFill>
-                  <a:prstClr val="black"/>
-                </a:solidFill>
-              </a:rPr>
-              <a:t>10/14/2022 10:53 AM</a:t>
+            <a:fld id="{D44C3489-8257-4E60-994D-6A5CEE67ED71}" type="datetime8">
+              <a:rPr lang="en-US" smtClean="0"/>
+              <a:t>10/17/2022 9:00 AM</a:t>
             </a:fld>
-            <a:endParaRPr lang="en-US" dirty="0">
-              <a:solidFill>
-                <a:prstClr val="black"/>
-              </a:solidFill>
-            </a:endParaRPr>
+            <a:endParaRPr lang="en-US" dirty="0"/>
           </a:p>
         </p:txBody>
       </p:sp>
       <p:sp>
         <p:nvSpPr>
-          <p:cNvPr id="7" name="Slide Number Placeholder 6"/>
-          <p:cNvSpPr>
-            <a:spLocks noGrp="1"/>
-          </p:cNvSpPr>
-          <p:nvPr>
-            <p:ph type="sldNum" sz="quarter" idx="13"/>
-          </p:nvPr>
-        </p:nvSpPr>
-        <p:spPr/>
-        <p:txBody>
-          <a:bodyPr/>
-          <a:lstStyle/>
-          <a:p>
-            <a:fld id="{EC87E0CF-87F6-4B58-B8B8-DCAB2DAAF3CA}" type="slidenum">
-              <a:rPr lang="en-US" smtClean="0">
-                <a:solidFill>
-                  <a:prstClr val="black"/>
-                </a:solidFill>
-              </a:rPr>
-              <a:pPr/>
-              <a:t>25</a:t>
-            </a:fld>
-            <a:endParaRPr lang="en-US" dirty="0">
-              <a:solidFill>
-                <a:prstClr val="black"/>
-              </a:solidFill>
-            </a:endParaRPr>
-          </a:p>
-        </p:txBody>
-      </p:sp>
-      <p:sp>
-        <p:nvSpPr>
-          <p:cNvPr id="6" name="Footer Placeholder 5"/>
+          <p:cNvPr id="4" name="Footer Placeholder 3"/>
           <p:cNvSpPr>
             <a:spLocks noGrp="1"/>
           </p:cNvSpPr>
@@ -2713,10 +2661,29 @@
           </a:p>
         </p:txBody>
       </p:sp>
+      <p:sp>
+        <p:nvSpPr>
+          <p:cNvPr id="5" name="Header Placeholder 4"/>
+          <p:cNvSpPr>
+            <a:spLocks noGrp="1"/>
+          </p:cNvSpPr>
+          <p:nvPr>
+            <p:ph type="hdr" sz="quarter" idx="15"/>
+          </p:nvPr>
+        </p:nvSpPr>
+        <p:spPr/>
+        <p:txBody>
+          <a:bodyPr/>
+          <a:lstStyle/>
+          <a:p>
+            <a:endParaRPr lang="en-US" dirty="0"/>
+          </a:p>
+        </p:txBody>
+      </p:sp>
     </p:spTree>
     <p:extLst>
       <p:ext uri="{BB962C8B-B14F-4D97-AF65-F5344CB8AC3E}">
-        <p14:creationId xmlns:p14="http://schemas.microsoft.com/office/powerpoint/2010/main" val="247942525"/>
+        <p14:creationId xmlns:p14="http://schemas.microsoft.com/office/powerpoint/2010/main" val="3104623784"/>
       </p:ext>
     </p:extLst>
   </p:cSld>
@@ -2770,101 +2737,7 @@
           <a:bodyPr/>
           <a:lstStyle/>
           <a:p>
-            <a:pPr algn="l" rtl="0"/>
-            <a:br>
-              <a:rPr lang="en-US" b="0" i="0" dirty="0">
-                <a:solidFill>
-                  <a:srgbClr val="EEEEEE"/>
-                </a:solidFill>
-                <a:effectLst/>
-                <a:latin typeface="YouTube Noto"/>
-              </a:rPr>
-            </a:br>
-            <a:endParaRPr lang="en-US" b="0" i="0" dirty="0">
-              <a:solidFill>
-                <a:srgbClr val="EEEEEE"/>
-              </a:solidFill>
-              <a:effectLst/>
-              <a:latin typeface="YouTube Noto"/>
-            </a:endParaRPr>
-          </a:p>
-          <a:p>
-            <a:pPr marL="0" marR="0" lvl="0" indent="0" algn="l" defTabSz="914367" rtl="0" eaLnBrk="1" fontAlgn="auto" latinLnBrk="0" hangingPunct="1">
-              <a:lnSpc>
-                <a:spcPct val="90000"/>
-              </a:lnSpc>
-              <a:spcBef>
-                <a:spcPts val="0"/>
-              </a:spcBef>
-              <a:spcAft>
-                <a:spcPts val="333"/>
-              </a:spcAft>
-              <a:buClrTx/>
-              <a:buSzTx/>
-              <a:buFontTx/>
-              <a:buNone/>
-              <a:tabLst/>
-              <a:defRPr/>
-            </a:pPr>
-            <a:r>
-              <a:rPr lang="en-US" b="0" i="0" dirty="0">
-                <a:effectLst/>
-                <a:latin typeface="Roboto" panose="02000000000000000000" pitchFamily="2" charset="0"/>
-              </a:rPr>
-              <a:t>The best way to connect to a SharePoint Folder to speed up your Excel and Power BI data refresh</a:t>
-            </a:r>
-          </a:p>
-          <a:p>
-            <a:pPr algn="l" rtl="0"/>
-            <a:r>
-              <a:rPr lang="en-US" b="0" i="0" dirty="0">
-                <a:solidFill>
-                  <a:srgbClr val="EEEEEE"/>
-                </a:solidFill>
-                <a:effectLst/>
-                <a:latin typeface="YouTube Noto"/>
-              </a:rPr>
-              <a:t>https://www.youtube.com/watch?v=-XE7HEZbQiY</a:t>
-            </a:r>
-          </a:p>
-          <a:p>
-            <a:pPr algn="l" rtl="0"/>
-            <a:endParaRPr lang="en-US" b="0" i="0" dirty="0">
-              <a:solidFill>
-                <a:srgbClr val="EEEEEE"/>
-              </a:solidFill>
-              <a:effectLst/>
-              <a:latin typeface="YouTube Noto"/>
-            </a:endParaRPr>
-          </a:p>
-          <a:p>
-            <a:pPr algn="l" rtl="0"/>
-            <a:endParaRPr lang="en-US" b="0" i="0" dirty="0">
-              <a:solidFill>
-                <a:srgbClr val="EEEEEE"/>
-              </a:solidFill>
-              <a:effectLst/>
-              <a:latin typeface="YouTube Noto"/>
-            </a:endParaRPr>
-          </a:p>
-          <a:p>
-            <a:pPr algn="l"/>
-            <a:r>
-              <a:rPr lang="en-US" b="0" i="0" dirty="0">
-                <a:solidFill>
-                  <a:srgbClr val="000000"/>
-                </a:solidFill>
-                <a:effectLst/>
-                <a:latin typeface="var(--ytd-video-primary-info-renderer-title-font-family,inherit)"/>
-              </a:rPr>
-              <a:t>Power BI - Use relative references to avoid combine &amp; transform errors</a:t>
-            </a:r>
-          </a:p>
-          <a:p>
-            <a:r>
-              <a:rPr lang="en-US" dirty="0"/>
-              <a:t>https://www.youtube.com/watch?v=nscUeOL5m90</a:t>
-            </a:r>
+            <a:endParaRPr lang="en-US" dirty="0"/>
           </a:p>
         </p:txBody>
       </p:sp>
@@ -2958,7 +2831,7 @@
           <a:p>
             <a:fld id="{386CE63F-9E7F-4C04-9D0D-FCA25A8E9E86}" type="datetime8">
               <a:rPr lang="en-US" smtClean="0"/>
-              <a:t>10/14/2022 11:00 AM</a:t>
+              <a:t>10/17/2022 9:00 AM</a:t>
             </a:fld>
             <a:endParaRPr lang="en-US" dirty="0"/>
           </a:p>
@@ -2982,7 +2855,7 @@
             <a:fld id="{B4008EB6-D09E-4580-8CD6-DDB14511944F}" type="slidenum">
               <a:rPr lang="en-US" smtClean="0"/>
               <a:pPr/>
-              <a:t>3</a:t>
+              <a:t>2</a:t>
             </a:fld>
             <a:endParaRPr lang="en-US" dirty="0"/>
           </a:p>
@@ -2991,7 +2864,7 @@
     </p:spTree>
     <p:extLst>
       <p:ext uri="{BB962C8B-B14F-4D97-AF65-F5344CB8AC3E}">
-        <p14:creationId xmlns:p14="http://schemas.microsoft.com/office/powerpoint/2010/main" val="1076171450"/>
+        <p14:creationId xmlns:p14="http://schemas.microsoft.com/office/powerpoint/2010/main" val="513124412"/>
       </p:ext>
     </p:extLst>
   </p:cSld>
@@ -3102,13 +2975,13 @@
           <a:bodyPr/>
           <a:lstStyle/>
           <a:p>
-            <a:fld id="{0ECFDC7D-F4BE-4668-920D-08874925A5D7}" type="datetime8">
+            <a:fld id="{C0CB9372-CA2B-44D2-90ED-A4A158EB6F2D}" type="datetime8">
               <a:rPr lang="en-US" smtClean="0">
                 <a:solidFill>
                   <a:prstClr val="black"/>
                 </a:solidFill>
               </a:rPr>
-              <a:t>10/14/2022 10:53 AM</a:t>
+              <a:t>10/17/2022 9:00 AM</a:t>
             </a:fld>
             <a:endParaRPr lang="en-US" dirty="0">
               <a:solidFill>
@@ -3141,6 +3014,206 @@
               </a:rPr>
               <a:pPr/>
               <a:t>26</a:t>
+            </a:fld>
+            <a:endParaRPr lang="en-US" dirty="0">
+              <a:solidFill>
+                <a:prstClr val="black"/>
+              </a:solidFill>
+            </a:endParaRPr>
+          </a:p>
+        </p:txBody>
+      </p:sp>
+      <p:sp>
+        <p:nvSpPr>
+          <p:cNvPr id="6" name="Footer Placeholder 5"/>
+          <p:cNvSpPr>
+            <a:spLocks noGrp="1"/>
+          </p:cNvSpPr>
+          <p:nvPr>
+            <p:ph type="ftr" sz="quarter" idx="14"/>
+          </p:nvPr>
+        </p:nvSpPr>
+        <p:spPr/>
+        <p:txBody>
+          <a:bodyPr/>
+          <a:lstStyle/>
+          <a:p>
+            <a:pPr defTabSz="914099" eaLnBrk="0" hangingPunct="0"/>
+            <a:r>
+              <a:rPr lang="en-US" sz="400" dirty="0">
+                <a:gradFill>
+                  <a:gsLst>
+                    <a:gs pos="0">
+                      <a:prstClr val="black"/>
+                    </a:gs>
+                    <a:gs pos="100000">
+                      <a:prstClr val="black"/>
+                    </a:gs>
+                  </a:gsLst>
+                  <a:lin ang="5400000" scaled="0"/>
+                </a:gradFill>
+                <a:latin typeface="Segoe UI" pitchFamily="34" charset="0"/>
+                <a:ea typeface="Segoe UI" pitchFamily="34" charset="0"/>
+                <a:cs typeface="Segoe UI" pitchFamily="34" charset="0"/>
+              </a:rPr>
+              <a:t>© Microsoft Corporation. All rights reserved. MICROSOFT MAKES NO WARRANTIES, EXPRESS, IMPLIED OR STATUTORY, AS TO THE INFORMATION IN THIS PRESENTATION.</a:t>
+            </a:r>
+          </a:p>
+        </p:txBody>
+      </p:sp>
+    </p:spTree>
+    <p:extLst>
+      <p:ext uri="{BB962C8B-B14F-4D97-AF65-F5344CB8AC3E}">
+        <p14:creationId xmlns:p14="http://schemas.microsoft.com/office/powerpoint/2010/main" val="247942525"/>
+      </p:ext>
+    </p:extLst>
+  </p:cSld>
+  <p:clrMapOvr>
+    <a:masterClrMapping/>
+  </p:clrMapOvr>
+</p:notes>
+</file>
+
+<file path=ppt/notesSlides/notesSlide21.xml><?xml version="1.0" encoding="utf-8"?>
+<p:notes xmlns:a="http://schemas.openxmlformats.org/drawingml/2006/main" xmlns:r="http://schemas.openxmlformats.org/officeDocument/2006/relationships" xmlns:p="http://schemas.openxmlformats.org/presentationml/2006/main">
+  <p:cSld>
+    <p:spTree>
+      <p:nvGrpSpPr>
+        <p:cNvPr id="1" name=""/>
+        <p:cNvGrpSpPr/>
+        <p:nvPr/>
+      </p:nvGrpSpPr>
+      <p:grpSpPr>
+        <a:xfrm>
+          <a:off x="0" y="0"/>
+          <a:ext cx="0" cy="0"/>
+          <a:chOff x="0" y="0"/>
+          <a:chExt cx="0" cy="0"/>
+        </a:xfrm>
+      </p:grpSpPr>
+      <p:sp>
+        <p:nvSpPr>
+          <p:cNvPr id="2" name="Slide Image Placeholder 1"/>
+          <p:cNvSpPr>
+            <a:spLocks noGrp="1" noRot="1" noChangeAspect="1"/>
+          </p:cNvSpPr>
+          <p:nvPr>
+            <p:ph type="sldImg"/>
+          </p:nvPr>
+        </p:nvSpPr>
+        <p:spPr>
+          <a:xfrm>
+            <a:off x="381000" y="685800"/>
+            <a:ext cx="6096000" cy="3429000"/>
+          </a:xfrm>
+        </p:spPr>
+      </p:sp>
+      <p:sp>
+        <p:nvSpPr>
+          <p:cNvPr id="3" name="Notes Placeholder 2"/>
+          <p:cNvSpPr>
+            <a:spLocks noGrp="1"/>
+          </p:cNvSpPr>
+          <p:nvPr>
+            <p:ph type="body" idx="1"/>
+          </p:nvPr>
+        </p:nvSpPr>
+        <p:spPr/>
+        <p:txBody>
+          <a:bodyPr>
+            <a:normAutofit/>
+          </a:bodyPr>
+          <a:lstStyle/>
+          <a:p>
+            <a:endParaRPr lang="en-US" dirty="0"/>
+          </a:p>
+        </p:txBody>
+      </p:sp>
+      <p:sp>
+        <p:nvSpPr>
+          <p:cNvPr id="4" name="Header Placeholder 3"/>
+          <p:cNvSpPr>
+            <a:spLocks noGrp="1"/>
+          </p:cNvSpPr>
+          <p:nvPr>
+            <p:ph type="hdr" sz="quarter" idx="10"/>
+          </p:nvPr>
+        </p:nvSpPr>
+        <p:spPr>
+          <a:xfrm>
+            <a:off x="0" y="0"/>
+            <a:ext cx="2971800" cy="457200"/>
+          </a:xfrm>
+          <a:prstGeom prst="rect">
+            <a:avLst/>
+          </a:prstGeom>
+        </p:spPr>
+        <p:txBody>
+          <a:bodyPr/>
+          <a:lstStyle/>
+          <a:p>
+            <a:endParaRPr lang="en-US" dirty="0">
+              <a:solidFill>
+                <a:prstClr val="black"/>
+              </a:solidFill>
+            </a:endParaRPr>
+          </a:p>
+        </p:txBody>
+      </p:sp>
+      <p:sp>
+        <p:nvSpPr>
+          <p:cNvPr id="5" name="Date Placeholder 4"/>
+          <p:cNvSpPr>
+            <a:spLocks noGrp="1"/>
+          </p:cNvSpPr>
+          <p:nvPr>
+            <p:ph type="dt" idx="11"/>
+          </p:nvPr>
+        </p:nvSpPr>
+        <p:spPr/>
+        <p:txBody>
+          <a:bodyPr/>
+          <a:lstStyle/>
+          <a:p>
+            <a:fld id="{0ECFDC7D-F4BE-4668-920D-08874925A5D7}" type="datetime8">
+              <a:rPr lang="en-US" smtClean="0">
+                <a:solidFill>
+                  <a:prstClr val="black"/>
+                </a:solidFill>
+              </a:rPr>
+              <a:t>10/17/2022 9:00 AM</a:t>
+            </a:fld>
+            <a:endParaRPr lang="en-US" dirty="0">
+              <a:solidFill>
+                <a:prstClr val="black"/>
+              </a:solidFill>
+            </a:endParaRPr>
+          </a:p>
+        </p:txBody>
+      </p:sp>
+      <p:sp>
+        <p:nvSpPr>
+          <p:cNvPr id="7" name="Slide Number Placeholder 6"/>
+          <p:cNvSpPr>
+            <a:spLocks noGrp="1"/>
+          </p:cNvSpPr>
+          <p:nvPr>
+            <p:ph type="sldNum" sz="quarter" idx="13"/>
+          </p:nvPr>
+        </p:nvSpPr>
+        <p:spPr/>
+        <p:txBody>
+          <a:bodyPr/>
+          <a:lstStyle/>
+          <a:p>
+            <a:fld id="{EC87E0CF-87F6-4B58-B8B8-DCAB2DAAF3CA}" type="slidenum">
+              <a:rPr lang="en-US" smtClean="0">
+                <a:solidFill>
+                  <a:prstClr val="black"/>
+                </a:solidFill>
+              </a:rPr>
+              <a:pPr/>
+              <a:t>27</a:t>
             </a:fld>
             <a:endParaRPr lang="en-US" dirty="0">
               <a:solidFill>
@@ -3245,7 +3318,101 @@
           <a:bodyPr/>
           <a:lstStyle/>
           <a:p>
-            <a:endParaRPr lang="en-US" dirty="0"/>
+            <a:pPr algn="l" rtl="0"/>
+            <a:br>
+              <a:rPr lang="en-US" b="0" i="0" dirty="0">
+                <a:solidFill>
+                  <a:srgbClr val="EEEEEE"/>
+                </a:solidFill>
+                <a:effectLst/>
+                <a:latin typeface="YouTube Noto"/>
+              </a:rPr>
+            </a:br>
+            <a:endParaRPr lang="en-US" b="0" i="0" dirty="0">
+              <a:solidFill>
+                <a:srgbClr val="EEEEEE"/>
+              </a:solidFill>
+              <a:effectLst/>
+              <a:latin typeface="YouTube Noto"/>
+            </a:endParaRPr>
+          </a:p>
+          <a:p>
+            <a:pPr marL="0" marR="0" lvl="0" indent="0" algn="l" defTabSz="914367" rtl="0" eaLnBrk="1" fontAlgn="auto" latinLnBrk="0" hangingPunct="1">
+              <a:lnSpc>
+                <a:spcPct val="90000"/>
+              </a:lnSpc>
+              <a:spcBef>
+                <a:spcPts val="0"/>
+              </a:spcBef>
+              <a:spcAft>
+                <a:spcPts val="333"/>
+              </a:spcAft>
+              <a:buClrTx/>
+              <a:buSzTx/>
+              <a:buFontTx/>
+              <a:buNone/>
+              <a:tabLst/>
+              <a:defRPr/>
+            </a:pPr>
+            <a:r>
+              <a:rPr lang="en-US" b="0" i="0" dirty="0">
+                <a:effectLst/>
+                <a:latin typeface="Roboto" panose="02000000000000000000" pitchFamily="2" charset="0"/>
+              </a:rPr>
+              <a:t>The best way to connect to a SharePoint Folder to speed up your Excel and Power BI data refresh</a:t>
+            </a:r>
+          </a:p>
+          <a:p>
+            <a:pPr algn="l" rtl="0"/>
+            <a:r>
+              <a:rPr lang="en-US" b="0" i="0" dirty="0">
+                <a:solidFill>
+                  <a:srgbClr val="EEEEEE"/>
+                </a:solidFill>
+                <a:effectLst/>
+                <a:latin typeface="YouTube Noto"/>
+              </a:rPr>
+              <a:t>https://www.youtube.com/watch?v=-XE7HEZbQiY</a:t>
+            </a:r>
+          </a:p>
+          <a:p>
+            <a:pPr algn="l" rtl="0"/>
+            <a:endParaRPr lang="en-US" b="0" i="0" dirty="0">
+              <a:solidFill>
+                <a:srgbClr val="EEEEEE"/>
+              </a:solidFill>
+              <a:effectLst/>
+              <a:latin typeface="YouTube Noto"/>
+            </a:endParaRPr>
+          </a:p>
+          <a:p>
+            <a:pPr algn="l" rtl="0"/>
+            <a:endParaRPr lang="en-US" b="0" i="0" dirty="0">
+              <a:solidFill>
+                <a:srgbClr val="EEEEEE"/>
+              </a:solidFill>
+              <a:effectLst/>
+              <a:latin typeface="YouTube Noto"/>
+            </a:endParaRPr>
+          </a:p>
+          <a:p>
+            <a:pPr algn="l"/>
+            <a:r>
+              <a:rPr lang="en-US" b="0" i="0" dirty="0">
+                <a:solidFill>
+                  <a:srgbClr val="000000"/>
+                </a:solidFill>
+                <a:effectLst/>
+                <a:latin typeface="var(--ytd-video-primary-info-renderer-title-font-family,inherit)"/>
+              </a:rPr>
+              <a:t>Power BI - Use relative references to avoid combine &amp; transform errors</a:t>
+            </a:r>
+          </a:p>
+          <a:p>
+            <a:r>
+              <a:rPr lang="en-US" dirty="0"/>
+              <a:t>https://www.youtube.com/watch?v=nscUeOL5m90</a:t>
+            </a:r>
           </a:p>
         </p:txBody>
       </p:sp>
@@ -3256,7 +3423,7 @@
             <a:spLocks noGrp="1"/>
           </p:cNvSpPr>
           <p:nvPr>
-            <p:ph type="hdr" sz="quarter" idx="10"/>
+            <p:ph type="hdr" sz="quarter"/>
           </p:nvPr>
         </p:nvSpPr>
         <p:spPr/>
@@ -3275,7 +3442,7 @@
             <a:spLocks noGrp="1"/>
           </p:cNvSpPr>
           <p:nvPr>
-            <p:ph type="ftr" sz="quarter" idx="11"/>
+            <p:ph type="ftr" sz="quarter" idx="4"/>
           </p:nvPr>
         </p:nvSpPr>
         <p:spPr/>
@@ -3285,7 +3452,7 @@
           <a:p>
             <a:pPr defTabSz="914099" eaLnBrk="0" hangingPunct="0"/>
             <a:r>
-              <a:rPr lang="en-US" sz="400" dirty="0">
+              <a:rPr lang="en-US" sz="400">
                 <a:gradFill>
                   <a:gsLst>
                     <a:gs pos="0">
@@ -3303,6 +3470,22 @@
               </a:rPr>
               <a:t>© Microsoft Corporation. All rights reserved. MICROSOFT MAKES NO WARRANTIES, EXPRESS, IMPLIED OR STATUTORY, AS TO THE INFORMATION IN THIS PRESENTATION.</a:t>
             </a:r>
+            <a:endParaRPr lang="en-US" sz="400" dirty="0">
+              <a:gradFill>
+                <a:gsLst>
+                  <a:gs pos="0">
+                    <a:prstClr val="black"/>
+                  </a:gs>
+                  <a:gs pos="100000">
+                    <a:prstClr val="black"/>
+                  </a:gs>
+                </a:gsLst>
+                <a:lin ang="5400000" scaled="0"/>
+              </a:gradFill>
+              <a:latin typeface="Segoe UI" pitchFamily="34" charset="0"/>
+              <a:ea typeface="Segoe UI" pitchFamily="34" charset="0"/>
+              <a:cs typeface="Segoe UI" pitchFamily="34" charset="0"/>
+            </a:endParaRPr>
           </a:p>
         </p:txBody>
       </p:sp>
@@ -3313,7 +3496,7 @@
             <a:spLocks noGrp="1"/>
           </p:cNvSpPr>
           <p:nvPr>
-            <p:ph type="dt" idx="12"/>
+            <p:ph type="dt" idx="1"/>
           </p:nvPr>
         </p:nvSpPr>
         <p:spPr/>
@@ -3321,9 +3504,9 @@
           <a:bodyPr/>
           <a:lstStyle/>
           <a:p>
-            <a:fld id="{72E0C910-0166-48E0-B8EF-5071277A02A8}" type="datetime8">
+            <a:fld id="{386CE63F-9E7F-4C04-9D0D-FCA25A8E9E86}" type="datetime8">
               <a:rPr lang="en-US" smtClean="0"/>
-              <a:t>10/14/2022 10:53 AM</a:t>
+              <a:t>10/17/2022 9:00 AM</a:t>
             </a:fld>
             <a:endParaRPr lang="en-US" dirty="0"/>
           </a:p>
@@ -3336,7 +3519,7 @@
             <a:spLocks noGrp="1"/>
           </p:cNvSpPr>
           <p:nvPr>
-            <p:ph type="sldNum" sz="quarter" idx="13"/>
+            <p:ph type="sldNum" sz="quarter" idx="5"/>
           </p:nvPr>
         </p:nvSpPr>
         <p:spPr/>
@@ -3347,7 +3530,7 @@
             <a:fld id="{B4008EB6-D09E-4580-8CD6-DDB14511944F}" type="slidenum">
               <a:rPr lang="en-US" smtClean="0"/>
               <a:pPr/>
-              <a:t>5</a:t>
+              <a:t>4</a:t>
             </a:fld>
             <a:endParaRPr lang="en-US" dirty="0"/>
           </a:p>
@@ -3356,7 +3539,7 @@
     </p:spTree>
     <p:extLst>
       <p:ext uri="{BB962C8B-B14F-4D97-AF65-F5344CB8AC3E}">
-        <p14:creationId xmlns:p14="http://schemas.microsoft.com/office/powerpoint/2010/main" val="1601089676"/>
+        <p14:creationId xmlns:p14="http://schemas.microsoft.com/office/powerpoint/2010/main" val="1076171450"/>
       </p:ext>
     </p:extLst>
   </p:cSld>
@@ -3486,9 +3669,9 @@
           <a:bodyPr/>
           <a:lstStyle/>
           <a:p>
-            <a:fld id="{9427A7F7-BB1E-479D-AFAA-B52F4D0C99F2}" type="datetime8">
+            <a:fld id="{72E0C910-0166-48E0-B8EF-5071277A02A8}" type="datetime8">
               <a:rPr lang="en-US" smtClean="0"/>
-              <a:t>10/14/2022 10:53 AM</a:t>
+              <a:t>10/17/2022 9:00 AM</a:t>
             </a:fld>
             <a:endParaRPr lang="en-US" dirty="0"/>
           </a:p>
@@ -3521,7 +3704,7 @@
     </p:spTree>
     <p:extLst>
       <p:ext uri="{BB962C8B-B14F-4D97-AF65-F5344CB8AC3E}">
-        <p14:creationId xmlns:p14="http://schemas.microsoft.com/office/powerpoint/2010/main" val="1958519690"/>
+        <p14:creationId xmlns:p14="http://schemas.microsoft.com/office/powerpoint/2010/main" val="1601089676"/>
       </p:ext>
     </p:extLst>
   </p:cSld>
@@ -3651,9 +3834,9 @@
           <a:bodyPr/>
           <a:lstStyle/>
           <a:p>
-            <a:fld id="{2D0AF0B6-AF0D-4EDB-B60E-27694EB68262}" type="datetime8">
+            <a:fld id="{9427A7F7-BB1E-479D-AFAA-B52F4D0C99F2}" type="datetime8">
               <a:rPr lang="en-US" smtClean="0"/>
-              <a:t>10/14/2022 10:53 AM</a:t>
+              <a:t>10/17/2022 9:00 AM</a:t>
             </a:fld>
             <a:endParaRPr lang="en-US" dirty="0"/>
           </a:p>
@@ -3686,7 +3869,7 @@
     </p:spTree>
     <p:extLst>
       <p:ext uri="{BB962C8B-B14F-4D97-AF65-F5344CB8AC3E}">
-        <p14:creationId xmlns:p14="http://schemas.microsoft.com/office/powerpoint/2010/main" val="2942578556"/>
+        <p14:creationId xmlns:p14="http://schemas.microsoft.com/office/powerpoint/2010/main" val="1958519690"/>
       </p:ext>
     </p:extLst>
   </p:cSld>
@@ -3746,59 +3929,12 @@
       </p:sp>
       <p:sp>
         <p:nvSpPr>
-          <p:cNvPr id="6" name="Slide Number Placeholder 5"/>
+          <p:cNvPr id="4" name="Header Placeholder 3"/>
           <p:cNvSpPr>
             <a:spLocks noGrp="1"/>
           </p:cNvSpPr>
           <p:nvPr>
-            <p:ph type="sldNum" sz="quarter" idx="12"/>
-          </p:nvPr>
-        </p:nvSpPr>
-        <p:spPr/>
-        <p:txBody>
-          <a:bodyPr/>
-          <a:lstStyle/>
-          <a:p>
-            <a:fld id="{B4008EB6-D09E-4580-8CD6-DDB14511944F}" type="slidenum">
-              <a:rPr lang="en-US" smtClean="0"/>
-              <a:pPr/>
-              <a:t>8</a:t>
-            </a:fld>
-            <a:endParaRPr lang="en-US" dirty="0"/>
-          </a:p>
-        </p:txBody>
-      </p:sp>
-      <p:sp>
-        <p:nvSpPr>
-          <p:cNvPr id="10" name="Date Placeholder 9"/>
-          <p:cNvSpPr>
-            <a:spLocks noGrp="1"/>
-          </p:cNvSpPr>
-          <p:nvPr>
-            <p:ph type="dt" idx="13"/>
-          </p:nvPr>
-        </p:nvSpPr>
-        <p:spPr/>
-        <p:txBody>
-          <a:bodyPr/>
-          <a:lstStyle/>
-          <a:p>
-            <a:fld id="{1D9BFF88-B9B5-4B68-BAE1-09ACB5D03C54}" type="datetime8">
-              <a:rPr lang="en-US" smtClean="0"/>
-              <a:t>10/14/2022 10:53 AM</a:t>
-            </a:fld>
-            <a:endParaRPr lang="en-US" dirty="0"/>
-          </a:p>
-        </p:txBody>
-      </p:sp>
-      <p:sp>
-        <p:nvSpPr>
-          <p:cNvPr id="12" name="Header Placeholder 11"/>
-          <p:cNvSpPr>
-            <a:spLocks noGrp="1"/>
-          </p:cNvSpPr>
-          <p:nvPr>
-            <p:ph type="hdr" sz="quarter" idx="15"/>
+            <p:ph type="hdr" sz="quarter" idx="10"/>
           </p:nvPr>
         </p:nvSpPr>
         <p:spPr/>
@@ -3817,7 +3953,7 @@
             <a:spLocks noGrp="1"/>
           </p:cNvSpPr>
           <p:nvPr>
-            <p:ph type="ftr" sz="quarter" idx="16"/>
+            <p:ph type="ftr" sz="quarter" idx="11"/>
           </p:nvPr>
         </p:nvSpPr>
         <p:spPr/>
@@ -3848,10 +3984,57 @@
           </a:p>
         </p:txBody>
       </p:sp>
+      <p:sp>
+        <p:nvSpPr>
+          <p:cNvPr id="6" name="Date Placeholder 5"/>
+          <p:cNvSpPr>
+            <a:spLocks noGrp="1"/>
+          </p:cNvSpPr>
+          <p:nvPr>
+            <p:ph type="dt" idx="12"/>
+          </p:nvPr>
+        </p:nvSpPr>
+        <p:spPr/>
+        <p:txBody>
+          <a:bodyPr/>
+          <a:lstStyle/>
+          <a:p>
+            <a:fld id="{2D0AF0B6-AF0D-4EDB-B60E-27694EB68262}" type="datetime8">
+              <a:rPr lang="en-US" smtClean="0"/>
+              <a:t>10/17/2022 9:00 AM</a:t>
+            </a:fld>
+            <a:endParaRPr lang="en-US" dirty="0"/>
+          </a:p>
+        </p:txBody>
+      </p:sp>
+      <p:sp>
+        <p:nvSpPr>
+          <p:cNvPr id="7" name="Slide Number Placeholder 6"/>
+          <p:cNvSpPr>
+            <a:spLocks noGrp="1"/>
+          </p:cNvSpPr>
+          <p:nvPr>
+            <p:ph type="sldNum" sz="quarter" idx="13"/>
+          </p:nvPr>
+        </p:nvSpPr>
+        <p:spPr/>
+        <p:txBody>
+          <a:bodyPr/>
+          <a:lstStyle/>
+          <a:p>
+            <a:fld id="{B4008EB6-D09E-4580-8CD6-DDB14511944F}" type="slidenum">
+              <a:rPr lang="en-US" smtClean="0"/>
+              <a:pPr/>
+              <a:t>8</a:t>
+            </a:fld>
+            <a:endParaRPr lang="en-US" dirty="0"/>
+          </a:p>
+        </p:txBody>
+      </p:sp>
     </p:spTree>
     <p:extLst>
       <p:ext uri="{BB962C8B-B14F-4D97-AF65-F5344CB8AC3E}">
-        <p14:creationId xmlns:p14="http://schemas.microsoft.com/office/powerpoint/2010/main" val="3460838768"/>
+        <p14:creationId xmlns:p14="http://schemas.microsoft.com/office/powerpoint/2010/main" val="2942578556"/>
       </p:ext>
     </p:extLst>
   </p:cSld>
@@ -3888,15 +4071,7 @@
             <p:ph type="sldImg"/>
           </p:nvPr>
         </p:nvSpPr>
-        <p:spPr>
-          <a:xfrm>
-            <a:off x="381000" y="685800"/>
-            <a:ext cx="6096000" cy="3429000"/>
-          </a:xfrm>
-          <a:prstGeom prst="rect">
-            <a:avLst/>
-          </a:prstGeom>
-        </p:spPr>
+        <p:spPr/>
       </p:sp>
       <p:sp>
         <p:nvSpPr>
@@ -3908,59 +4083,18 @@
             <p:ph type="body" idx="1"/>
           </p:nvPr>
         </p:nvSpPr>
-        <p:spPr>
-          <a:xfrm>
-            <a:off x="685800" y="4343400"/>
-            <a:ext cx="5486400" cy="4114800"/>
-          </a:xfrm>
-          <a:prstGeom prst="rect">
-            <a:avLst/>
-          </a:prstGeom>
-        </p:spPr>
-        <p:txBody>
-          <a:bodyPr>
-            <a:normAutofit/>
-          </a:bodyPr>
-          <a:lstStyle/>
-          <a:p>
-            <a:endParaRPr lang="en-US" dirty="0"/>
-          </a:p>
-        </p:txBody>
-      </p:sp>
-      <p:sp>
-        <p:nvSpPr>
-          <p:cNvPr id="4" name="Date Placeholder 3"/>
-          <p:cNvSpPr>
-            <a:spLocks noGrp="1"/>
-          </p:cNvSpPr>
-          <p:nvPr>
-            <p:ph type="dt" idx="10"/>
-          </p:nvPr>
-        </p:nvSpPr>
-        <p:spPr>
-          <a:xfrm>
-            <a:off x="3884613" y="0"/>
-            <a:ext cx="2971800" cy="457200"/>
-          </a:xfrm>
-          <a:prstGeom prst="rect">
-            <a:avLst/>
-          </a:prstGeom>
-        </p:spPr>
+        <p:spPr/>
         <p:txBody>
           <a:bodyPr/>
           <a:lstStyle/>
           <a:p>
-            <a:fld id="{06C18626-F474-479E-937A-543AA55347B1}" type="datetime8">
-              <a:rPr lang="en-US" smtClean="0"/>
-              <a:t>10/14/2022 10:53 AM</a:t>
-            </a:fld>
             <a:endParaRPr lang="en-US" dirty="0"/>
           </a:p>
         </p:txBody>
       </p:sp>
       <p:sp>
         <p:nvSpPr>
-          <p:cNvPr id="7" name="Slide Number Placeholder 6"/>
+          <p:cNvPr id="6" name="Slide Number Placeholder 5"/>
           <p:cNvSpPr>
             <a:spLocks noGrp="1"/>
           </p:cNvSpPr>
@@ -3968,20 +4102,12 @@
             <p:ph type="sldNum" sz="quarter" idx="12"/>
           </p:nvPr>
         </p:nvSpPr>
-        <p:spPr>
-          <a:xfrm>
-            <a:off x="6172199" y="8685213"/>
-            <a:ext cx="684213" cy="457200"/>
-          </a:xfrm>
-          <a:prstGeom prst="rect">
-            <a:avLst/>
-          </a:prstGeom>
-        </p:spPr>
+        <p:spPr/>
         <p:txBody>
           <a:bodyPr/>
           <a:lstStyle/>
           <a:p>
-            <a:fld id="{8B263312-38AA-4E1E-B2B5-0F8F122B24FE}" type="slidenum">
+            <a:fld id="{B4008EB6-D09E-4580-8CD6-DDB14511944F}" type="slidenum">
               <a:rPr lang="en-US" smtClean="0"/>
               <a:pPr/>
               <a:t>9</a:t>
@@ -3992,12 +4118,54 @@
       </p:sp>
       <p:sp>
         <p:nvSpPr>
-          <p:cNvPr id="6" name="Footer Placeholder 5"/>
+          <p:cNvPr id="10" name="Date Placeholder 9"/>
           <p:cNvSpPr>
             <a:spLocks noGrp="1"/>
           </p:cNvSpPr>
           <p:nvPr>
-            <p:ph type="ftr" sz="quarter" idx="13"/>
+            <p:ph type="dt" idx="13"/>
+          </p:nvPr>
+        </p:nvSpPr>
+        <p:spPr/>
+        <p:txBody>
+          <a:bodyPr/>
+          <a:lstStyle/>
+          <a:p>
+            <a:fld id="{1D9BFF88-B9B5-4B68-BAE1-09ACB5D03C54}" type="datetime8">
+              <a:rPr lang="en-US" smtClean="0"/>
+              <a:t>10/17/2022 9:00 AM</a:t>
+            </a:fld>
+            <a:endParaRPr lang="en-US" dirty="0"/>
+          </a:p>
+        </p:txBody>
+      </p:sp>
+      <p:sp>
+        <p:nvSpPr>
+          <p:cNvPr id="12" name="Header Placeholder 11"/>
+          <p:cNvSpPr>
+            <a:spLocks noGrp="1"/>
+          </p:cNvSpPr>
+          <p:nvPr>
+            <p:ph type="hdr" sz="quarter" idx="15"/>
+          </p:nvPr>
+        </p:nvSpPr>
+        <p:spPr/>
+        <p:txBody>
+          <a:bodyPr/>
+          <a:lstStyle/>
+          <a:p>
+            <a:endParaRPr lang="en-US" dirty="0"/>
+          </a:p>
+        </p:txBody>
+      </p:sp>
+      <p:sp>
+        <p:nvSpPr>
+          <p:cNvPr id="5" name="Footer Placeholder 4"/>
+          <p:cNvSpPr>
+            <a:spLocks noGrp="1"/>
+          </p:cNvSpPr>
+          <p:nvPr>
+            <p:ph type="ftr" sz="quarter" idx="16"/>
           </p:nvPr>
         </p:nvSpPr>
         <p:spPr/>
@@ -4028,29 +4196,10 @@
           </a:p>
         </p:txBody>
       </p:sp>
-      <p:sp>
-        <p:nvSpPr>
-          <p:cNvPr id="9" name="Header Placeholder 8"/>
-          <p:cNvSpPr>
-            <a:spLocks noGrp="1"/>
-          </p:cNvSpPr>
-          <p:nvPr>
-            <p:ph type="hdr" sz="quarter" idx="14"/>
-          </p:nvPr>
-        </p:nvSpPr>
-        <p:spPr/>
-        <p:txBody>
-          <a:bodyPr/>
-          <a:lstStyle/>
-          <a:p>
-            <a:endParaRPr lang="en-US" dirty="0"/>
-          </a:p>
-        </p:txBody>
-      </p:sp>
     </p:spTree>
     <p:extLst>
       <p:ext uri="{BB962C8B-B14F-4D97-AF65-F5344CB8AC3E}">
-        <p14:creationId xmlns:p14="http://schemas.microsoft.com/office/powerpoint/2010/main" val="52846919"/>
+        <p14:creationId xmlns:p14="http://schemas.microsoft.com/office/powerpoint/2010/main" val="3460838768"/>
       </p:ext>
     </p:extLst>
   </p:cSld>
@@ -4087,7 +4236,15 @@
             <p:ph type="sldImg"/>
           </p:nvPr>
         </p:nvSpPr>
-        <p:spPr/>
+        <p:spPr>
+          <a:xfrm>
+            <a:off x="381000" y="685800"/>
+            <a:ext cx="6096000" cy="3429000"/>
+          </a:xfrm>
+          <a:prstGeom prst="rect">
+            <a:avLst/>
+          </a:prstGeom>
+        </p:spPr>
       </p:sp>
       <p:sp>
         <p:nvSpPr>
@@ -4099,9 +4256,19 @@
             <p:ph type="body" idx="1"/>
           </p:nvPr>
         </p:nvSpPr>
-        <p:spPr/>
+        <p:spPr>
+          <a:xfrm>
+            <a:off x="685800" y="4343400"/>
+            <a:ext cx="5486400" cy="4114800"/>
+          </a:xfrm>
+          <a:prstGeom prst="rect">
+            <a:avLst/>
+          </a:prstGeom>
+        </p:spPr>
         <p:txBody>
-          <a:bodyPr/>
+          <a:bodyPr>
+            <a:normAutofit/>
+          </a:bodyPr>
           <a:lstStyle/>
           <a:p>
             <a:endParaRPr lang="en-US" dirty="0"/>
@@ -4110,31 +4277,75 @@
       </p:sp>
       <p:sp>
         <p:nvSpPr>
-          <p:cNvPr id="4" name="Header Placeholder 3"/>
+          <p:cNvPr id="4" name="Date Placeholder 3"/>
           <p:cNvSpPr>
             <a:spLocks noGrp="1"/>
           </p:cNvSpPr>
           <p:nvPr>
-            <p:ph type="hdr" sz="quarter" idx="10"/>
+            <p:ph type="dt" idx="10"/>
           </p:nvPr>
         </p:nvSpPr>
-        <p:spPr/>
+        <p:spPr>
+          <a:xfrm>
+            <a:off x="3884613" y="0"/>
+            <a:ext cx="2971800" cy="457200"/>
+          </a:xfrm>
+          <a:prstGeom prst="rect">
+            <a:avLst/>
+          </a:prstGeom>
+        </p:spPr>
         <p:txBody>
           <a:bodyPr/>
           <a:lstStyle/>
           <a:p>
+            <a:fld id="{06C18626-F474-479E-937A-543AA55347B1}" type="datetime8">
+              <a:rPr lang="en-US" smtClean="0"/>
+              <a:t>10/17/2022 9:00 AM</a:t>
+            </a:fld>
             <a:endParaRPr lang="en-US" dirty="0"/>
           </a:p>
         </p:txBody>
       </p:sp>
       <p:sp>
         <p:nvSpPr>
-          <p:cNvPr id="5" name="Footer Placeholder 4"/>
+          <p:cNvPr id="7" name="Slide Number Placeholder 6"/>
           <p:cNvSpPr>
             <a:spLocks noGrp="1"/>
           </p:cNvSpPr>
           <p:nvPr>
-            <p:ph type="ftr" sz="quarter" idx="11"/>
+            <p:ph type="sldNum" sz="quarter" idx="12"/>
+          </p:nvPr>
+        </p:nvSpPr>
+        <p:spPr>
+          <a:xfrm>
+            <a:off x="6172199" y="8685213"/>
+            <a:ext cx="684213" cy="457200"/>
+          </a:xfrm>
+          <a:prstGeom prst="rect">
+            <a:avLst/>
+          </a:prstGeom>
+        </p:spPr>
+        <p:txBody>
+          <a:bodyPr/>
+          <a:lstStyle/>
+          <a:p>
+            <a:fld id="{8B263312-38AA-4E1E-B2B5-0F8F122B24FE}" type="slidenum">
+              <a:rPr lang="en-US" smtClean="0"/>
+              <a:pPr/>
+              <a:t>10</a:t>
+            </a:fld>
+            <a:endParaRPr lang="en-US" dirty="0"/>
+          </a:p>
+        </p:txBody>
+      </p:sp>
+      <p:sp>
+        <p:nvSpPr>
+          <p:cNvPr id="6" name="Footer Placeholder 5"/>
+          <p:cNvSpPr>
+            <a:spLocks noGrp="1"/>
+          </p:cNvSpPr>
+          <p:nvPr>
+            <p:ph type="ftr" sz="quarter" idx="13"/>
           </p:nvPr>
         </p:nvSpPr>
         <p:spPr/>
@@ -4167,12 +4378,12 @@
       </p:sp>
       <p:sp>
         <p:nvSpPr>
-          <p:cNvPr id="6" name="Date Placeholder 5"/>
+          <p:cNvPr id="9" name="Header Placeholder 8"/>
           <p:cNvSpPr>
             <a:spLocks noGrp="1"/>
           </p:cNvSpPr>
           <p:nvPr>
-            <p:ph type="dt" idx="12"/>
+            <p:ph type="hdr" sz="quarter" idx="14"/>
           </p:nvPr>
         </p:nvSpPr>
         <p:spPr/>
@@ -4180,34 +4391,6 @@
           <a:bodyPr/>
           <a:lstStyle/>
           <a:p>
-            <a:fld id="{A5CD2277-7C1A-43CA-8676-87B24AD584BD}" type="datetime8">
-              <a:rPr lang="en-US" smtClean="0"/>
-              <a:t>10/14/2022 10:53 AM</a:t>
-            </a:fld>
-            <a:endParaRPr lang="en-US" dirty="0"/>
-          </a:p>
-        </p:txBody>
-      </p:sp>
-      <p:sp>
-        <p:nvSpPr>
-          <p:cNvPr id="7" name="Slide Number Placeholder 6"/>
-          <p:cNvSpPr>
-            <a:spLocks noGrp="1"/>
-          </p:cNvSpPr>
-          <p:nvPr>
-            <p:ph type="sldNum" sz="quarter" idx="13"/>
-          </p:nvPr>
-        </p:nvSpPr>
-        <p:spPr/>
-        <p:txBody>
-          <a:bodyPr/>
-          <a:lstStyle/>
-          <a:p>
-            <a:fld id="{B4008EB6-D09E-4580-8CD6-DDB14511944F}" type="slidenum">
-              <a:rPr lang="en-US" smtClean="0"/>
-              <a:pPr/>
-              <a:t>10</a:t>
-            </a:fld>
             <a:endParaRPr lang="en-US" dirty="0"/>
           </a:p>
         </p:txBody>
@@ -4215,7 +4398,7 @@
     </p:spTree>
     <p:extLst>
       <p:ext uri="{BB962C8B-B14F-4D97-AF65-F5344CB8AC3E}">
-        <p14:creationId xmlns:p14="http://schemas.microsoft.com/office/powerpoint/2010/main" val="2389542826"/>
+        <p14:creationId xmlns:p14="http://schemas.microsoft.com/office/powerpoint/2010/main" val="52846919"/>
       </p:ext>
     </p:extLst>
   </p:cSld>
@@ -4345,9 +4528,9 @@
           <a:bodyPr/>
           <a:lstStyle/>
           <a:p>
-            <a:fld id="{49B14B72-BE03-4760-B747-D349DA60D861}" type="datetime8">
+            <a:fld id="{A5CD2277-7C1A-43CA-8676-87B24AD584BD}" type="datetime8">
               <a:rPr lang="en-US" smtClean="0"/>
-              <a:t>10/14/2022 10:53 AM</a:t>
+              <a:t>10/17/2022 9:00 AM</a:t>
             </a:fld>
             <a:endParaRPr lang="en-US" dirty="0"/>
           </a:p>
@@ -4380,7 +4563,7 @@
     </p:spTree>
     <p:extLst>
       <p:ext uri="{BB962C8B-B14F-4D97-AF65-F5344CB8AC3E}">
-        <p14:creationId xmlns:p14="http://schemas.microsoft.com/office/powerpoint/2010/main" val="2470583919"/>
+        <p14:creationId xmlns:p14="http://schemas.microsoft.com/office/powerpoint/2010/main" val="2389542826"/>
       </p:ext>
     </p:extLst>
   </p:cSld>
@@ -14079,13 +14262,7 @@
       </p:grpSpPr>
       <p:sp>
         <p:nvSpPr>
-          <p:cNvPr id="8" name="Title 7">
-            <a:extLst>
-              <a:ext uri="{FF2B5EF4-FFF2-40B4-BE49-F238E27FC236}">
-                <a16:creationId xmlns:a16="http://schemas.microsoft.com/office/drawing/2014/main" id="{D18A1E48-C74E-4B7C-95F4-2342DAC963A9}"/>
-              </a:ext>
-            </a:extLst>
-          </p:cNvPr>
+          <p:cNvPr id="2" name="Title 1"/>
           <p:cNvSpPr>
             <a:spLocks noGrp="1"/>
           </p:cNvSpPr>
@@ -14095,8 +14272,8 @@
         </p:nvSpPr>
         <p:spPr>
           <a:xfrm>
-            <a:off x="588263" y="588963"/>
-            <a:ext cx="4158362" cy="2535236"/>
+            <a:off x="588263" y="457200"/>
+            <a:ext cx="11018520" cy="861774"/>
           </a:xfrm>
         </p:spPr>
         <p:txBody>
@@ -14105,20 +14282,22 @@
           <a:p>
             <a:r>
               <a:rPr lang="en-US" dirty="0"/>
-              <a:t>Title square photo layout</a:t>
-            </a:r>
+              <a:t>Bullet points layout with subtitle</a:t>
+            </a:r>
+            <a:br>
+              <a:rPr lang="en-US" dirty="0"/>
+            </a:br>
+            <a:r>
+              <a:rPr lang="en-US" sz="2000" spc="0" dirty="0"/>
+              <a:t>Set the subtitle to 20pt in the same text block, with character spacing Normal</a:t>
+            </a:r>
+            <a:endParaRPr lang="en-US" sz="2000" dirty="0"/>
           </a:p>
         </p:txBody>
       </p:sp>
       <p:sp>
         <p:nvSpPr>
-          <p:cNvPr id="3" name="Text Placeholder 2">
-            <a:extLst>
-              <a:ext uri="{FF2B5EF4-FFF2-40B4-BE49-F238E27FC236}">
-                <a16:creationId xmlns:a16="http://schemas.microsoft.com/office/drawing/2014/main" id="{EB03E4EA-274B-4BE4-9A52-00B5B2697A08}"/>
-              </a:ext>
-            </a:extLst>
-          </p:cNvPr>
+          <p:cNvPr id="3" name="Text Placeholder 2"/>
           <p:cNvSpPr>
             <a:spLocks noGrp="1"/>
           </p:cNvSpPr>
@@ -14128,8 +14307,8 @@
         </p:nvSpPr>
         <p:spPr>
           <a:xfrm>
-            <a:off x="584200" y="3535540"/>
-            <a:ext cx="4162425" cy="2733497"/>
+            <a:off x="590868" y="2023428"/>
+            <a:ext cx="11018520" cy="2308324"/>
           </a:xfrm>
         </p:spPr>
         <p:txBody>
@@ -14138,33 +14317,153 @@
           <a:p>
             <a:r>
               <a:rPr lang="en-US" dirty="0"/>
-              <a:t>Smaller text</a:t>
+              <a:t>Move the text block down vertically to align to lower guide</a:t>
+            </a:r>
+          </a:p>
+          <a:p>
+            <a:r>
+              <a:rPr lang="en-US" dirty="0"/>
+              <a:t>If you don’t see guidelines, click on the View menu, </a:t>
+            </a:r>
+            <a:br>
+              <a:rPr lang="en-US" dirty="0"/>
+            </a:br>
+            <a:r>
+              <a:rPr lang="en-US" dirty="0"/>
+              <a:t>and then check the box in front of “Guides”</a:t>
+            </a:r>
+          </a:p>
+          <a:p>
+            <a:endParaRPr lang="en-US" dirty="0"/>
+          </a:p>
+          <a:p>
+            <a:pPr lvl="0"/>
+            <a:r>
+              <a:rPr lang="en-US" dirty="0"/>
+              <a:t>Hyperlink style: </a:t>
+            </a:r>
+            <a:r>
+              <a:rPr lang="en-US" dirty="0">
+                <a:hlinkClick r:id="rId3"/>
+              </a:rPr>
+              <a:t>www.microsoft.com</a:t>
+            </a:r>
+            <a:r>
+              <a:rPr lang="en-US" dirty="0"/>
+              <a:t> </a:t>
             </a:r>
           </a:p>
         </p:txBody>
       </p:sp>
       <p:sp>
         <p:nvSpPr>
-          <p:cNvPr id="6" name="Picture Placeholder 5" descr="This photo is a 'placeholder' only. Drag or drop your photo here, or click and tap the center to insert a photo.">
+          <p:cNvPr id="5" name="Freeform: Shape 4" descr="arrow pointing to the guideline referenced in the description">
             <a:extLst>
               <a:ext uri="{FF2B5EF4-FFF2-40B4-BE49-F238E27FC236}">
-                <a16:creationId xmlns:a16="http://schemas.microsoft.com/office/drawing/2014/main" id="{90EC379E-CA6F-458B-BB1A-FE53731504E9}"/>
+                <a16:creationId xmlns:a16="http://schemas.microsoft.com/office/drawing/2014/main" id="{E5C95B55-C8C2-4281-8822-EF25FF1047B7}"/>
               </a:ext>
             </a:extLst>
           </p:cNvPr>
-          <p:cNvSpPr>
-            <a:spLocks noGrp="1"/>
-          </p:cNvSpPr>
-          <p:nvPr>
-            <p:ph type="pic" sz="quarter" idx="11"/>
-          </p:nvPr>
-        </p:nvSpPr>
-        <p:spPr/>
+          <p:cNvSpPr/>
+          <p:nvPr/>
+        </p:nvSpPr>
+        <p:spPr bwMode="auto">
+          <a:xfrm>
+            <a:off x="9892076" y="2012178"/>
+            <a:ext cx="224827" cy="266861"/>
+          </a:xfrm>
+          <a:custGeom>
+            <a:avLst/>
+            <a:gdLst>
+              <a:gd name="connsiteX0" fmla="*/ 0 w 822960"/>
+              <a:gd name="connsiteY0" fmla="*/ 205740 h 205740"/>
+              <a:gd name="connsiteX1" fmla="*/ 822960 w 822960"/>
+              <a:gd name="connsiteY1" fmla="*/ 205740 h 205740"/>
+              <a:gd name="connsiteX2" fmla="*/ 822960 w 822960"/>
+              <a:gd name="connsiteY2" fmla="*/ 0 h 205740"/>
+              <a:gd name="connsiteX0" fmla="*/ 0 w 533552"/>
+              <a:gd name="connsiteY0" fmla="*/ 205740 h 205740"/>
+              <a:gd name="connsiteX1" fmla="*/ 533552 w 533552"/>
+              <a:gd name="connsiteY1" fmla="*/ 205740 h 205740"/>
+              <a:gd name="connsiteX2" fmla="*/ 533552 w 533552"/>
+              <a:gd name="connsiteY2" fmla="*/ 0 h 205740"/>
+              <a:gd name="connsiteX0" fmla="*/ 0 w 533552"/>
+              <a:gd name="connsiteY0" fmla="*/ 192713 h 192713"/>
+              <a:gd name="connsiteX1" fmla="*/ 533552 w 533552"/>
+              <a:gd name="connsiteY1" fmla="*/ 192713 h 192713"/>
+              <a:gd name="connsiteX2" fmla="*/ 533552 w 533552"/>
+              <a:gd name="connsiteY2" fmla="*/ 0 h 192713"/>
+              <a:gd name="connsiteX0" fmla="*/ 0 w 541591"/>
+              <a:gd name="connsiteY0" fmla="*/ 208345 h 208345"/>
+              <a:gd name="connsiteX1" fmla="*/ 533552 w 541591"/>
+              <a:gd name="connsiteY1" fmla="*/ 208345 h 208345"/>
+              <a:gd name="connsiteX2" fmla="*/ 541591 w 541591"/>
+              <a:gd name="connsiteY2" fmla="*/ 0 h 208345"/>
+            </a:gdLst>
+            <a:ahLst/>
+            <a:cxnLst>
+              <a:cxn ang="0">
+                <a:pos x="connsiteX0" y="connsiteY0"/>
+              </a:cxn>
+              <a:cxn ang="0">
+                <a:pos x="connsiteX1" y="connsiteY1"/>
+              </a:cxn>
+              <a:cxn ang="0">
+                <a:pos x="connsiteX2" y="connsiteY2"/>
+              </a:cxn>
+            </a:cxnLst>
+            <a:rect l="l" t="t" r="r" b="b"/>
+            <a:pathLst>
+              <a:path w="541591" h="208345">
+                <a:moveTo>
+                  <a:pt x="0" y="208345"/>
+                </a:moveTo>
+                <a:lnTo>
+                  <a:pt x="533552" y="208345"/>
+                </a:lnTo>
+                <a:lnTo>
+                  <a:pt x="541591" y="0"/>
+                </a:lnTo>
+              </a:path>
+            </a:pathLst>
+          </a:custGeom>
+          <a:noFill/>
+          <a:ln>
+            <a:solidFill>
+              <a:schemeClr val="tx1"/>
+            </a:solidFill>
+            <a:headEnd type="none" w="med" len="med"/>
+            <a:tailEnd type="arrow" w="lg" len="med"/>
+          </a:ln>
+          <a:effectLst/>
+        </p:spPr>
+        <p:style>
+          <a:lnRef idx="1">
+            <a:schemeClr val="accent2"/>
+          </a:lnRef>
+          <a:fillRef idx="3">
+            <a:schemeClr val="accent2"/>
+          </a:fillRef>
+          <a:effectRef idx="2">
+            <a:schemeClr val="accent2"/>
+          </a:effectRef>
+          <a:fontRef idx="minor">
+            <a:schemeClr val="lt1"/>
+          </a:fontRef>
+        </p:style>
+        <p:txBody>
+          <a:bodyPr rtlCol="0" anchor="ctr"/>
+          <a:lstStyle/>
+          <a:p>
+            <a:pPr algn="ctr"/>
+            <a:endParaRPr lang="en-US" dirty="0"/>
+          </a:p>
+        </p:txBody>
       </p:sp>
     </p:spTree>
     <p:extLst>
       <p:ext uri="{BB962C8B-B14F-4D97-AF65-F5344CB8AC3E}">
-        <p14:creationId xmlns:p14="http://schemas.microsoft.com/office/powerpoint/2010/main" val="1490695021"/>
+        <p14:creationId xmlns:p14="http://schemas.microsoft.com/office/powerpoint/2010/main" val="1995050349"/>
       </p:ext>
     </p:extLst>
   </p:cSld>
@@ -14210,24 +14509,62 @@
             <p:ph type="title"/>
           </p:nvPr>
         </p:nvSpPr>
-        <p:spPr/>
+        <p:spPr>
+          <a:xfrm>
+            <a:off x="588263" y="588963"/>
+            <a:ext cx="4158362" cy="2535236"/>
+          </a:xfrm>
+        </p:spPr>
         <p:txBody>
           <a:bodyPr/>
           <a:lstStyle/>
           <a:p>
             <a:r>
               <a:rPr lang="en-US" dirty="0"/>
-              <a:t>Square photo layout </a:t>
+              <a:t>Title square photo layout</a:t>
             </a:r>
           </a:p>
         </p:txBody>
       </p:sp>
       <p:sp>
         <p:nvSpPr>
-          <p:cNvPr id="2" name="Picture Placeholder 1" descr="This photo is a 'placeholder' only. Drag or drop your photo here, or click and tap the center to insert a photo.">
+          <p:cNvPr id="3" name="Text Placeholder 2">
             <a:extLst>
               <a:ext uri="{FF2B5EF4-FFF2-40B4-BE49-F238E27FC236}">
-                <a16:creationId xmlns:a16="http://schemas.microsoft.com/office/drawing/2014/main" id="{EAE4E439-9990-4EB5-BA7C-DB1E71AEDCD9}"/>
+                <a16:creationId xmlns:a16="http://schemas.microsoft.com/office/drawing/2014/main" id="{EB03E4EA-274B-4BE4-9A52-00B5B2697A08}"/>
+              </a:ext>
+            </a:extLst>
+          </p:cNvPr>
+          <p:cNvSpPr>
+            <a:spLocks noGrp="1"/>
+          </p:cNvSpPr>
+          <p:nvPr>
+            <p:ph type="body" sz="quarter" idx="10"/>
+          </p:nvPr>
+        </p:nvSpPr>
+        <p:spPr>
+          <a:xfrm>
+            <a:off x="584200" y="3535540"/>
+            <a:ext cx="4162425" cy="2733497"/>
+          </a:xfrm>
+        </p:spPr>
+        <p:txBody>
+          <a:bodyPr/>
+          <a:lstStyle/>
+          <a:p>
+            <a:r>
+              <a:rPr lang="en-US" dirty="0"/>
+              <a:t>Smaller text</a:t>
+            </a:r>
+          </a:p>
+        </p:txBody>
+      </p:sp>
+      <p:sp>
+        <p:nvSpPr>
+          <p:cNvPr id="6" name="Picture Placeholder 5" descr="This photo is a 'placeholder' only. Drag or drop your photo here, or click and tap the center to insert a photo.">
+            <a:extLst>
+              <a:ext uri="{FF2B5EF4-FFF2-40B4-BE49-F238E27FC236}">
+                <a16:creationId xmlns:a16="http://schemas.microsoft.com/office/drawing/2014/main" id="{90EC379E-CA6F-458B-BB1A-FE53731504E9}"/>
               </a:ext>
             </a:extLst>
           </p:cNvPr>
@@ -14243,7 +14580,7 @@
     </p:spTree>
     <p:extLst>
       <p:ext uri="{BB962C8B-B14F-4D97-AF65-F5344CB8AC3E}">
-        <p14:creationId xmlns:p14="http://schemas.microsoft.com/office/powerpoint/2010/main" val="1811665972"/>
+        <p14:creationId xmlns:p14="http://schemas.microsoft.com/office/powerpoint/2010/main" val="1490695021"/>
       </p:ext>
     </p:extLst>
   </p:cSld>
@@ -14289,29 +14626,24 @@
             <p:ph type="title"/>
           </p:nvPr>
         </p:nvSpPr>
-        <p:spPr>
-          <a:xfrm>
-            <a:off x="588263" y="457200"/>
-            <a:ext cx="11018520" cy="553998"/>
-          </a:xfrm>
-        </p:spPr>
+        <p:spPr/>
         <p:txBody>
           <a:bodyPr/>
           <a:lstStyle/>
           <a:p>
             <a:r>
               <a:rPr lang="en-US" dirty="0"/>
-              <a:t>Side-by-side photo layout</a:t>
+              <a:t>Square photo layout </a:t>
             </a:r>
           </a:p>
         </p:txBody>
       </p:sp>
       <p:sp>
         <p:nvSpPr>
-          <p:cNvPr id="4" name="Text Placeholder 3">
+          <p:cNvPr id="2" name="Picture Placeholder 1" descr="This photo is a 'placeholder' only. Drag or drop your photo here, or click and tap the center to insert a photo.">
             <a:extLst>
               <a:ext uri="{FF2B5EF4-FFF2-40B4-BE49-F238E27FC236}">
-                <a16:creationId xmlns:a16="http://schemas.microsoft.com/office/drawing/2014/main" id="{DBFED5CB-0F60-480C-8DFA-C6BECBE03F8D}"/>
+                <a16:creationId xmlns:a16="http://schemas.microsoft.com/office/drawing/2014/main" id="{EAE4E439-9990-4EB5-BA7C-DB1E71AEDCD9}"/>
               </a:ext>
             </a:extLst>
           </p:cNvPr>
@@ -14319,91 +14651,7 @@
             <a:spLocks noGrp="1"/>
           </p:cNvSpPr>
           <p:nvPr>
-            <p:ph type="body" sz="quarter" idx="16"/>
-          </p:nvPr>
-        </p:nvSpPr>
-        <p:spPr>
-          <a:xfrm>
-            <a:off x="584199" y="5689600"/>
-            <a:ext cx="5367528" cy="307777"/>
-          </a:xfrm>
-        </p:spPr>
-        <p:txBody>
-          <a:bodyPr/>
-          <a:lstStyle/>
-          <a:p>
-            <a:r>
-              <a:rPr lang="en-US" dirty="0"/>
-              <a:t>Text placeholder</a:t>
-            </a:r>
-          </a:p>
-        </p:txBody>
-      </p:sp>
-      <p:sp>
-        <p:nvSpPr>
-          <p:cNvPr id="2" name="Picture Placeholder 1" descr="This photo is a 'placeholder' only. Drag or drop your photo here, or click and tap the center to insert a photo.">
-            <a:extLst>
-              <a:ext uri="{FF2B5EF4-FFF2-40B4-BE49-F238E27FC236}">
-                <a16:creationId xmlns:a16="http://schemas.microsoft.com/office/drawing/2014/main" id="{AE18F87B-97E7-4FBB-B0C7-4CEB990A7F1B}"/>
-              </a:ext>
-            </a:extLst>
-          </p:cNvPr>
-          <p:cNvSpPr>
-            <a:spLocks noGrp="1"/>
-          </p:cNvSpPr>
-          <p:nvPr>
-            <p:ph type="pic" sz="quarter" idx="13"/>
-          </p:nvPr>
-        </p:nvSpPr>
-        <p:spPr/>
-      </p:sp>
-      <p:sp>
-        <p:nvSpPr>
-          <p:cNvPr id="6" name="Text Placeholder 5">
-            <a:extLst>
-              <a:ext uri="{FF2B5EF4-FFF2-40B4-BE49-F238E27FC236}">
-                <a16:creationId xmlns:a16="http://schemas.microsoft.com/office/drawing/2014/main" id="{1B0E91F6-F618-4448-89FB-05078231BEA7}"/>
-              </a:ext>
-            </a:extLst>
-          </p:cNvPr>
-          <p:cNvSpPr>
-            <a:spLocks noGrp="1"/>
-          </p:cNvSpPr>
-          <p:nvPr>
-            <p:ph type="body" sz="quarter" idx="18"/>
-          </p:nvPr>
-        </p:nvSpPr>
-        <p:spPr>
-          <a:xfrm>
-            <a:off x="6241860" y="5689600"/>
-            <a:ext cx="5367528" cy="307777"/>
-          </a:xfrm>
-        </p:spPr>
-        <p:txBody>
-          <a:bodyPr/>
-          <a:lstStyle/>
-          <a:p>
-            <a:r>
-              <a:rPr lang="en-US" dirty="0"/>
-              <a:t>Text placeholder</a:t>
-            </a:r>
-          </a:p>
-        </p:txBody>
-      </p:sp>
-      <p:sp>
-        <p:nvSpPr>
-          <p:cNvPr id="3" name="Picture Placeholder 2" descr="This photo is a 'placeholder' only. Drag or drop your photo here, or click and tap the center to insert a photo.">
-            <a:extLst>
-              <a:ext uri="{FF2B5EF4-FFF2-40B4-BE49-F238E27FC236}">
-                <a16:creationId xmlns:a16="http://schemas.microsoft.com/office/drawing/2014/main" id="{E16DC59E-65F2-4652-B8B5-10F074366FB7}"/>
-              </a:ext>
-            </a:extLst>
-          </p:cNvPr>
-          <p:cNvSpPr>
-            <a:spLocks noGrp="1"/>
-          </p:cNvSpPr>
-          <p:nvPr>
-            <p:ph type="pic" sz="quarter" idx="15"/>
+            <p:ph type="pic" sz="quarter" idx="11"/>
           </p:nvPr>
         </p:nvSpPr>
         <p:spPr/>
@@ -14411,7 +14659,7 @@
     </p:spTree>
     <p:extLst>
       <p:ext uri="{BB962C8B-B14F-4D97-AF65-F5344CB8AC3E}">
-        <p14:creationId xmlns:p14="http://schemas.microsoft.com/office/powerpoint/2010/main" val="696467548"/>
+        <p14:creationId xmlns:p14="http://schemas.microsoft.com/office/powerpoint/2010/main" val="1811665972"/>
       </p:ext>
     </p:extLst>
   </p:cSld>
@@ -14443,10 +14691,10 @@
       </p:grpSpPr>
       <p:sp>
         <p:nvSpPr>
-          <p:cNvPr id="7" name="Title 6">
+          <p:cNvPr id="8" name="Title 7">
             <a:extLst>
               <a:ext uri="{FF2B5EF4-FFF2-40B4-BE49-F238E27FC236}">
-                <a16:creationId xmlns:a16="http://schemas.microsoft.com/office/drawing/2014/main" id="{9BB51B6F-A6B6-4C5C-87D8-20DB1C857613}"/>
+                <a16:creationId xmlns:a16="http://schemas.microsoft.com/office/drawing/2014/main" id="{D18A1E48-C74E-4B7C-95F4-2342DAC963A9}"/>
               </a:ext>
             </a:extLst>
           </p:cNvPr>
@@ -14469,17 +14717,17 @@
           <a:p>
             <a:r>
               <a:rPr lang="en-US" dirty="0"/>
-              <a:t>Three photos layout</a:t>
+              <a:t>Side-by-side photo layout</a:t>
             </a:r>
           </a:p>
         </p:txBody>
       </p:sp>
       <p:sp>
         <p:nvSpPr>
-          <p:cNvPr id="11" name="Text Placeholder 10">
+          <p:cNvPr id="4" name="Text Placeholder 3">
             <a:extLst>
               <a:ext uri="{FF2B5EF4-FFF2-40B4-BE49-F238E27FC236}">
-                <a16:creationId xmlns:a16="http://schemas.microsoft.com/office/drawing/2014/main" id="{0CF24D87-8BE8-48F5-A782-AABCF1702CF5}"/>
+                <a16:creationId xmlns:a16="http://schemas.microsoft.com/office/drawing/2014/main" id="{DBFED5CB-0F60-480C-8DFA-C6BECBE03F8D}"/>
               </a:ext>
             </a:extLst>
           </p:cNvPr>
@@ -14492,8 +14740,8 @@
         </p:nvSpPr>
         <p:spPr>
           <a:xfrm>
-            <a:off x="582613" y="5689600"/>
-            <a:ext cx="3475037" cy="307777"/>
+            <a:off x="584199" y="5689600"/>
+            <a:ext cx="5367528" cy="307777"/>
           </a:xfrm>
         </p:spPr>
         <p:txBody>
@@ -14509,10 +14757,10 @@
       </p:sp>
       <p:sp>
         <p:nvSpPr>
-          <p:cNvPr id="8" name="Picture Placeholder 7" descr="This photo is a 'placeholder' only. Drag or drop your photo here, or click and tap the center to insert a photo.">
+          <p:cNvPr id="2" name="Picture Placeholder 1" descr="This photo is a 'placeholder' only. Drag or drop your photo here, or click and tap the center to insert a photo.">
             <a:extLst>
               <a:ext uri="{FF2B5EF4-FFF2-40B4-BE49-F238E27FC236}">
-                <a16:creationId xmlns:a16="http://schemas.microsoft.com/office/drawing/2014/main" id="{6B56B57A-5CF7-448F-BC81-137D7A82A0EC}"/>
+                <a16:creationId xmlns:a16="http://schemas.microsoft.com/office/drawing/2014/main" id="{AE18F87B-97E7-4FBB-B0C7-4CEB990A7F1B}"/>
               </a:ext>
             </a:extLst>
           </p:cNvPr>
@@ -14527,61 +14775,10 @@
       </p:sp>
       <p:sp>
         <p:nvSpPr>
-          <p:cNvPr id="12" name="Text Placeholder 11">
+          <p:cNvPr id="6" name="Text Placeholder 5">
             <a:extLst>
               <a:ext uri="{FF2B5EF4-FFF2-40B4-BE49-F238E27FC236}">
-                <a16:creationId xmlns:a16="http://schemas.microsoft.com/office/drawing/2014/main" id="{42466CB0-8E3A-4B11-BE5B-DB09D902EB09}"/>
-              </a:ext>
-            </a:extLst>
-          </p:cNvPr>
-          <p:cNvSpPr>
-            <a:spLocks noGrp="1"/>
-          </p:cNvSpPr>
-          <p:nvPr>
-            <p:ph type="body" sz="quarter" idx="17"/>
-          </p:nvPr>
-        </p:nvSpPr>
-        <p:spPr>
-          <a:xfrm>
-            <a:off x="4358640" y="5689600"/>
-            <a:ext cx="3475037" cy="307777"/>
-          </a:xfrm>
-        </p:spPr>
-        <p:txBody>
-          <a:bodyPr/>
-          <a:lstStyle/>
-          <a:p>
-            <a:r>
-              <a:rPr lang="en-US" dirty="0"/>
-              <a:t>Text placeholder</a:t>
-            </a:r>
-          </a:p>
-        </p:txBody>
-      </p:sp>
-      <p:sp>
-        <p:nvSpPr>
-          <p:cNvPr id="9" name="Picture Placeholder 8" descr="This photo is a 'placeholder' only. Drag or drop your photo here, or click and tap the center to insert a photo.">
-            <a:extLst>
-              <a:ext uri="{FF2B5EF4-FFF2-40B4-BE49-F238E27FC236}">
-                <a16:creationId xmlns:a16="http://schemas.microsoft.com/office/drawing/2014/main" id="{A078E6D4-B91A-431C-8C2F-A6FD9891FF29}"/>
-              </a:ext>
-            </a:extLst>
-          </p:cNvPr>
-          <p:cNvSpPr>
-            <a:spLocks noGrp="1"/>
-          </p:cNvSpPr>
-          <p:nvPr>
-            <p:ph type="pic" sz="quarter" idx="14"/>
-          </p:nvPr>
-        </p:nvSpPr>
-        <p:spPr/>
-      </p:sp>
-      <p:sp>
-        <p:nvSpPr>
-          <p:cNvPr id="13" name="Text Placeholder 12">
-            <a:extLst>
-              <a:ext uri="{FF2B5EF4-FFF2-40B4-BE49-F238E27FC236}">
-                <a16:creationId xmlns:a16="http://schemas.microsoft.com/office/drawing/2014/main" id="{062B81A3-15C0-4615-9103-E530FFE58E9B}"/>
+                <a16:creationId xmlns:a16="http://schemas.microsoft.com/office/drawing/2014/main" id="{1B0E91F6-F618-4448-89FB-05078231BEA7}"/>
               </a:ext>
             </a:extLst>
           </p:cNvPr>
@@ -14594,8 +14791,8 @@
         </p:nvSpPr>
         <p:spPr>
           <a:xfrm>
-            <a:off x="8134351" y="5689600"/>
-            <a:ext cx="3475037" cy="307777"/>
+            <a:off x="6241860" y="5689600"/>
+            <a:ext cx="5367528" cy="307777"/>
           </a:xfrm>
         </p:spPr>
         <p:txBody>
@@ -14611,10 +14808,10 @@
       </p:sp>
       <p:sp>
         <p:nvSpPr>
-          <p:cNvPr id="10" name="Picture Placeholder 9" descr="This photo is a 'placeholder' only. Drag or drop your photo here, or click and tap the center to insert a photo.">
+          <p:cNvPr id="3" name="Picture Placeholder 2" descr="This photo is a 'placeholder' only. Drag or drop your photo here, or click and tap the center to insert a photo.">
             <a:extLst>
               <a:ext uri="{FF2B5EF4-FFF2-40B4-BE49-F238E27FC236}">
-                <a16:creationId xmlns:a16="http://schemas.microsoft.com/office/drawing/2014/main" id="{C3281AC1-12FA-4321-9290-F3FD9C085409}"/>
+                <a16:creationId xmlns:a16="http://schemas.microsoft.com/office/drawing/2014/main" id="{E16DC59E-65F2-4652-B8B5-10F074366FB7}"/>
               </a:ext>
             </a:extLst>
           </p:cNvPr>
@@ -14630,7 +14827,7 @@
     </p:spTree>
     <p:extLst>
       <p:ext uri="{BB962C8B-B14F-4D97-AF65-F5344CB8AC3E}">
-        <p14:creationId xmlns:p14="http://schemas.microsoft.com/office/powerpoint/2010/main" val="3964713026"/>
+        <p14:creationId xmlns:p14="http://schemas.microsoft.com/office/powerpoint/2010/main" val="696467548"/>
       </p:ext>
     </p:extLst>
   </p:cSld>
@@ -14665,7 +14862,7 @@
           <p:cNvPr id="7" name="Title 6">
             <a:extLst>
               <a:ext uri="{FF2B5EF4-FFF2-40B4-BE49-F238E27FC236}">
-                <a16:creationId xmlns:a16="http://schemas.microsoft.com/office/drawing/2014/main" id="{A4E6FC63-1669-41F3-A9A6-39B6FB141690}"/>
+                <a16:creationId xmlns:a16="http://schemas.microsoft.com/office/drawing/2014/main" id="{9BB51B6F-A6B6-4C5C-87D8-20DB1C857613}"/>
               </a:ext>
             </a:extLst>
           </p:cNvPr>
@@ -14688,7 +14885,7 @@
           <a:p>
             <a:r>
               <a:rPr lang="en-US" dirty="0"/>
-              <a:t>Four photos layout</a:t>
+              <a:t>Three photos layout</a:t>
             </a:r>
           </a:p>
         </p:txBody>
@@ -14698,7 +14895,7 @@
           <p:cNvPr id="11" name="Text Placeholder 10">
             <a:extLst>
               <a:ext uri="{FF2B5EF4-FFF2-40B4-BE49-F238E27FC236}">
-                <a16:creationId xmlns:a16="http://schemas.microsoft.com/office/drawing/2014/main" id="{A209D23C-50F2-48D6-BAA7-3B9D6572CD44}"/>
+                <a16:creationId xmlns:a16="http://schemas.microsoft.com/office/drawing/2014/main" id="{0CF24D87-8BE8-48F5-A782-AABCF1702CF5}"/>
               </a:ext>
             </a:extLst>
           </p:cNvPr>
@@ -14711,8 +14908,8 @@
         </p:nvSpPr>
         <p:spPr>
           <a:xfrm>
-            <a:off x="582613" y="4753938"/>
-            <a:ext cx="2532888" cy="307777"/>
+            <a:off x="582613" y="5689600"/>
+            <a:ext cx="3475037" cy="307777"/>
           </a:xfrm>
         </p:spPr>
         <p:txBody>
@@ -14731,7 +14928,7 @@
           <p:cNvPr id="8" name="Picture Placeholder 7" descr="This photo is a 'placeholder' only. Drag or drop your photo here, or click and tap the center to insert a photo.">
             <a:extLst>
               <a:ext uri="{FF2B5EF4-FFF2-40B4-BE49-F238E27FC236}">
-                <a16:creationId xmlns:a16="http://schemas.microsoft.com/office/drawing/2014/main" id="{CB9E5AC9-345E-4231-A0B1-CA5FC2605BC1}"/>
+                <a16:creationId xmlns:a16="http://schemas.microsoft.com/office/drawing/2014/main" id="{6B56B57A-5CF7-448F-BC81-137D7A82A0EC}"/>
               </a:ext>
             </a:extLst>
           </p:cNvPr>
@@ -14749,7 +14946,7 @@
           <p:cNvPr id="12" name="Text Placeholder 11">
             <a:extLst>
               <a:ext uri="{FF2B5EF4-FFF2-40B4-BE49-F238E27FC236}">
-                <a16:creationId xmlns:a16="http://schemas.microsoft.com/office/drawing/2014/main" id="{92F542C4-C40B-41ED-B136-472CCC2DF00E}"/>
+                <a16:creationId xmlns:a16="http://schemas.microsoft.com/office/drawing/2014/main" id="{42466CB0-8E3A-4B11-BE5B-DB09D902EB09}"/>
               </a:ext>
             </a:extLst>
           </p:cNvPr>
@@ -14762,8 +14959,8 @@
         </p:nvSpPr>
         <p:spPr>
           <a:xfrm>
-            <a:off x="3413908" y="4753938"/>
-            <a:ext cx="2532888" cy="307777"/>
+            <a:off x="4358640" y="5689600"/>
+            <a:ext cx="3475037" cy="307777"/>
           </a:xfrm>
         </p:spPr>
         <p:txBody>
@@ -14782,7 +14979,7 @@
           <p:cNvPr id="9" name="Picture Placeholder 8" descr="This photo is a 'placeholder' only. Drag or drop your photo here, or click and tap the center to insert a photo.">
             <a:extLst>
               <a:ext uri="{FF2B5EF4-FFF2-40B4-BE49-F238E27FC236}">
-                <a16:creationId xmlns:a16="http://schemas.microsoft.com/office/drawing/2014/main" id="{D5125A72-F156-43CC-A8E4-C1D71612492F}"/>
+                <a16:creationId xmlns:a16="http://schemas.microsoft.com/office/drawing/2014/main" id="{A078E6D4-B91A-431C-8C2F-A6FD9891FF29}"/>
               </a:ext>
             </a:extLst>
           </p:cNvPr>
@@ -14800,7 +14997,7 @@
           <p:cNvPr id="13" name="Text Placeholder 12">
             <a:extLst>
               <a:ext uri="{FF2B5EF4-FFF2-40B4-BE49-F238E27FC236}">
-                <a16:creationId xmlns:a16="http://schemas.microsoft.com/office/drawing/2014/main" id="{B43BB8B0-C02C-44E6-A828-FE52984E9278}"/>
+                <a16:creationId xmlns:a16="http://schemas.microsoft.com/office/drawing/2014/main" id="{062B81A3-15C0-4615-9103-E530FFE58E9B}"/>
               </a:ext>
             </a:extLst>
           </p:cNvPr>
@@ -14813,8 +15010,8 @@
         </p:nvSpPr>
         <p:spPr>
           <a:xfrm>
-            <a:off x="6245204" y="4753938"/>
-            <a:ext cx="2532888" cy="307777"/>
+            <a:off x="8134351" y="5689600"/>
+            <a:ext cx="3475037" cy="307777"/>
           </a:xfrm>
         </p:spPr>
         <p:txBody>
@@ -14833,7 +15030,7 @@
           <p:cNvPr id="10" name="Picture Placeholder 9" descr="This photo is a 'placeholder' only. Drag or drop your photo here, or click and tap the center to insert a photo.">
             <a:extLst>
               <a:ext uri="{FF2B5EF4-FFF2-40B4-BE49-F238E27FC236}">
-                <a16:creationId xmlns:a16="http://schemas.microsoft.com/office/drawing/2014/main" id="{3183C00D-DE72-42D6-B0F6-E0FC1CAC99CF}"/>
+                <a16:creationId xmlns:a16="http://schemas.microsoft.com/office/drawing/2014/main" id="{C3281AC1-12FA-4321-9290-F3FD9C085409}"/>
               </a:ext>
             </a:extLst>
           </p:cNvPr>
@@ -14846,61 +15043,10 @@
         </p:nvSpPr>
         <p:spPr/>
       </p:sp>
-      <p:sp>
-        <p:nvSpPr>
-          <p:cNvPr id="15" name="Text Placeholder 14">
-            <a:extLst>
-              <a:ext uri="{FF2B5EF4-FFF2-40B4-BE49-F238E27FC236}">
-                <a16:creationId xmlns:a16="http://schemas.microsoft.com/office/drawing/2014/main" id="{4A98B624-6FA8-4859-B87B-A01D7E95DB26}"/>
-              </a:ext>
-            </a:extLst>
-          </p:cNvPr>
-          <p:cNvSpPr>
-            <a:spLocks noGrp="1"/>
-          </p:cNvSpPr>
-          <p:nvPr>
-            <p:ph type="body" sz="quarter" idx="20"/>
-          </p:nvPr>
-        </p:nvSpPr>
-        <p:spPr>
-          <a:xfrm>
-            <a:off x="9076500" y="4753938"/>
-            <a:ext cx="2532888" cy="307777"/>
-          </a:xfrm>
-        </p:spPr>
-        <p:txBody>
-          <a:bodyPr/>
-          <a:lstStyle/>
-          <a:p>
-            <a:r>
-              <a:rPr lang="en-US" dirty="0"/>
-              <a:t>Text placeholder</a:t>
-            </a:r>
-          </a:p>
-        </p:txBody>
-      </p:sp>
-      <p:sp>
-        <p:nvSpPr>
-          <p:cNvPr id="14" name="Picture Placeholder 13" descr="This photo is a 'placeholder' only. Drag or drop your photo here, or click and tap the center to insert a photo.">
-            <a:extLst>
-              <a:ext uri="{FF2B5EF4-FFF2-40B4-BE49-F238E27FC236}">
-                <a16:creationId xmlns:a16="http://schemas.microsoft.com/office/drawing/2014/main" id="{CF615145-50B1-4694-973A-724322B099D6}"/>
-              </a:ext>
-            </a:extLst>
-          </p:cNvPr>
-          <p:cNvSpPr>
-            <a:spLocks noGrp="1"/>
-          </p:cNvSpPr>
-          <p:nvPr>
-            <p:ph type="pic" sz="quarter" idx="19"/>
-          </p:nvPr>
-        </p:nvSpPr>
-        <p:spPr/>
-      </p:sp>
     </p:spTree>
     <p:extLst>
       <p:ext uri="{BB962C8B-B14F-4D97-AF65-F5344CB8AC3E}">
-        <p14:creationId xmlns:p14="http://schemas.microsoft.com/office/powerpoint/2010/main" val="2504275049"/>
+        <p14:creationId xmlns:p14="http://schemas.microsoft.com/office/powerpoint/2010/main" val="3964713026"/>
       </p:ext>
     </p:extLst>
   </p:cSld>
@@ -14932,10 +15078,10 @@
       </p:grpSpPr>
       <p:sp>
         <p:nvSpPr>
-          <p:cNvPr id="2" name="Title 1">
+          <p:cNvPr id="7" name="Title 6">
             <a:extLst>
               <a:ext uri="{FF2B5EF4-FFF2-40B4-BE49-F238E27FC236}">
-                <a16:creationId xmlns:a16="http://schemas.microsoft.com/office/drawing/2014/main" id="{4FE98B5C-48BE-4909-9F4A-A4186BB35065}"/>
+                <a16:creationId xmlns:a16="http://schemas.microsoft.com/office/drawing/2014/main" id="{A4E6FC63-1669-41F3-A9A6-39B6FB141690}"/>
               </a:ext>
             </a:extLst>
           </p:cNvPr>
@@ -14948,7 +15094,7 @@
         </p:nvSpPr>
         <p:spPr>
           <a:xfrm>
-            <a:off x="588263" y="5436128"/>
+            <a:off x="588263" y="457200"/>
             <a:ext cx="11018520" cy="553998"/>
           </a:xfrm>
         </p:spPr>
@@ -14958,17 +15104,17 @@
           <a:p>
             <a:r>
               <a:rPr lang="en-US" dirty="0"/>
-              <a:t>Top photo with Title</a:t>
+              <a:t>Four photos layout</a:t>
             </a:r>
           </a:p>
         </p:txBody>
       </p:sp>
       <p:sp>
         <p:nvSpPr>
-          <p:cNvPr id="3" name="Picture Placeholder 2" descr="This photo is a 'placeholder' only. Drag or drop your photo here, or click and tap the center to insert a photo.">
+          <p:cNvPr id="11" name="Text Placeholder 10">
             <a:extLst>
               <a:ext uri="{FF2B5EF4-FFF2-40B4-BE49-F238E27FC236}">
-                <a16:creationId xmlns:a16="http://schemas.microsoft.com/office/drawing/2014/main" id="{3E53C251-F0C1-4DAA-BF3B-F3E1C6002804}"/>
+                <a16:creationId xmlns:a16="http://schemas.microsoft.com/office/drawing/2014/main" id="{A209D23C-50F2-48D6-BAA7-3B9D6572CD44}"/>
               </a:ext>
             </a:extLst>
           </p:cNvPr>
@@ -14976,7 +15122,193 @@
             <a:spLocks noGrp="1"/>
           </p:cNvSpPr>
           <p:nvPr>
-            <p:ph type="pic" sz="quarter" idx="11"/>
+            <p:ph type="body" sz="quarter" idx="16"/>
+          </p:nvPr>
+        </p:nvSpPr>
+        <p:spPr>
+          <a:xfrm>
+            <a:off x="582613" y="4753938"/>
+            <a:ext cx="2532888" cy="307777"/>
+          </a:xfrm>
+        </p:spPr>
+        <p:txBody>
+          <a:bodyPr/>
+          <a:lstStyle/>
+          <a:p>
+            <a:r>
+              <a:rPr lang="en-US" dirty="0"/>
+              <a:t>Text placeholder</a:t>
+            </a:r>
+          </a:p>
+        </p:txBody>
+      </p:sp>
+      <p:sp>
+        <p:nvSpPr>
+          <p:cNvPr id="8" name="Picture Placeholder 7" descr="This photo is a 'placeholder' only. Drag or drop your photo here, or click and tap the center to insert a photo.">
+            <a:extLst>
+              <a:ext uri="{FF2B5EF4-FFF2-40B4-BE49-F238E27FC236}">
+                <a16:creationId xmlns:a16="http://schemas.microsoft.com/office/drawing/2014/main" id="{CB9E5AC9-345E-4231-A0B1-CA5FC2605BC1}"/>
+              </a:ext>
+            </a:extLst>
+          </p:cNvPr>
+          <p:cNvSpPr>
+            <a:spLocks noGrp="1"/>
+          </p:cNvSpPr>
+          <p:nvPr>
+            <p:ph type="pic" sz="quarter" idx="13"/>
+          </p:nvPr>
+        </p:nvSpPr>
+        <p:spPr/>
+      </p:sp>
+      <p:sp>
+        <p:nvSpPr>
+          <p:cNvPr id="12" name="Text Placeholder 11">
+            <a:extLst>
+              <a:ext uri="{FF2B5EF4-FFF2-40B4-BE49-F238E27FC236}">
+                <a16:creationId xmlns:a16="http://schemas.microsoft.com/office/drawing/2014/main" id="{92F542C4-C40B-41ED-B136-472CCC2DF00E}"/>
+              </a:ext>
+            </a:extLst>
+          </p:cNvPr>
+          <p:cNvSpPr>
+            <a:spLocks noGrp="1"/>
+          </p:cNvSpPr>
+          <p:nvPr>
+            <p:ph type="body" sz="quarter" idx="17"/>
+          </p:nvPr>
+        </p:nvSpPr>
+        <p:spPr>
+          <a:xfrm>
+            <a:off x="3413908" y="4753938"/>
+            <a:ext cx="2532888" cy="307777"/>
+          </a:xfrm>
+        </p:spPr>
+        <p:txBody>
+          <a:bodyPr/>
+          <a:lstStyle/>
+          <a:p>
+            <a:r>
+              <a:rPr lang="en-US" dirty="0"/>
+              <a:t>Text placeholder</a:t>
+            </a:r>
+          </a:p>
+        </p:txBody>
+      </p:sp>
+      <p:sp>
+        <p:nvSpPr>
+          <p:cNvPr id="9" name="Picture Placeholder 8" descr="This photo is a 'placeholder' only. Drag or drop your photo here, or click and tap the center to insert a photo.">
+            <a:extLst>
+              <a:ext uri="{FF2B5EF4-FFF2-40B4-BE49-F238E27FC236}">
+                <a16:creationId xmlns:a16="http://schemas.microsoft.com/office/drawing/2014/main" id="{D5125A72-F156-43CC-A8E4-C1D71612492F}"/>
+              </a:ext>
+            </a:extLst>
+          </p:cNvPr>
+          <p:cNvSpPr>
+            <a:spLocks noGrp="1"/>
+          </p:cNvSpPr>
+          <p:nvPr>
+            <p:ph type="pic" sz="quarter" idx="14"/>
+          </p:nvPr>
+        </p:nvSpPr>
+        <p:spPr/>
+      </p:sp>
+      <p:sp>
+        <p:nvSpPr>
+          <p:cNvPr id="13" name="Text Placeholder 12">
+            <a:extLst>
+              <a:ext uri="{FF2B5EF4-FFF2-40B4-BE49-F238E27FC236}">
+                <a16:creationId xmlns:a16="http://schemas.microsoft.com/office/drawing/2014/main" id="{B43BB8B0-C02C-44E6-A828-FE52984E9278}"/>
+              </a:ext>
+            </a:extLst>
+          </p:cNvPr>
+          <p:cNvSpPr>
+            <a:spLocks noGrp="1"/>
+          </p:cNvSpPr>
+          <p:nvPr>
+            <p:ph type="body" sz="quarter" idx="18"/>
+          </p:nvPr>
+        </p:nvSpPr>
+        <p:spPr>
+          <a:xfrm>
+            <a:off x="6245204" y="4753938"/>
+            <a:ext cx="2532888" cy="307777"/>
+          </a:xfrm>
+        </p:spPr>
+        <p:txBody>
+          <a:bodyPr/>
+          <a:lstStyle/>
+          <a:p>
+            <a:r>
+              <a:rPr lang="en-US" dirty="0"/>
+              <a:t>Text placeholder</a:t>
+            </a:r>
+          </a:p>
+        </p:txBody>
+      </p:sp>
+      <p:sp>
+        <p:nvSpPr>
+          <p:cNvPr id="10" name="Picture Placeholder 9" descr="This photo is a 'placeholder' only. Drag or drop your photo here, or click and tap the center to insert a photo.">
+            <a:extLst>
+              <a:ext uri="{FF2B5EF4-FFF2-40B4-BE49-F238E27FC236}">
+                <a16:creationId xmlns:a16="http://schemas.microsoft.com/office/drawing/2014/main" id="{3183C00D-DE72-42D6-B0F6-E0FC1CAC99CF}"/>
+              </a:ext>
+            </a:extLst>
+          </p:cNvPr>
+          <p:cNvSpPr>
+            <a:spLocks noGrp="1"/>
+          </p:cNvSpPr>
+          <p:nvPr>
+            <p:ph type="pic" sz="quarter" idx="15"/>
+          </p:nvPr>
+        </p:nvSpPr>
+        <p:spPr/>
+      </p:sp>
+      <p:sp>
+        <p:nvSpPr>
+          <p:cNvPr id="15" name="Text Placeholder 14">
+            <a:extLst>
+              <a:ext uri="{FF2B5EF4-FFF2-40B4-BE49-F238E27FC236}">
+                <a16:creationId xmlns:a16="http://schemas.microsoft.com/office/drawing/2014/main" id="{4A98B624-6FA8-4859-B87B-A01D7E95DB26}"/>
+              </a:ext>
+            </a:extLst>
+          </p:cNvPr>
+          <p:cNvSpPr>
+            <a:spLocks noGrp="1"/>
+          </p:cNvSpPr>
+          <p:nvPr>
+            <p:ph type="body" sz="quarter" idx="20"/>
+          </p:nvPr>
+        </p:nvSpPr>
+        <p:spPr>
+          <a:xfrm>
+            <a:off x="9076500" y="4753938"/>
+            <a:ext cx="2532888" cy="307777"/>
+          </a:xfrm>
+        </p:spPr>
+        <p:txBody>
+          <a:bodyPr/>
+          <a:lstStyle/>
+          <a:p>
+            <a:r>
+              <a:rPr lang="en-US" dirty="0"/>
+              <a:t>Text placeholder</a:t>
+            </a:r>
+          </a:p>
+        </p:txBody>
+      </p:sp>
+      <p:sp>
+        <p:nvSpPr>
+          <p:cNvPr id="14" name="Picture Placeholder 13" descr="This photo is a 'placeholder' only. Drag or drop your photo here, or click and tap the center to insert a photo.">
+            <a:extLst>
+              <a:ext uri="{FF2B5EF4-FFF2-40B4-BE49-F238E27FC236}">
+                <a16:creationId xmlns:a16="http://schemas.microsoft.com/office/drawing/2014/main" id="{CF615145-50B1-4694-973A-724322B099D6}"/>
+              </a:ext>
+            </a:extLst>
+          </p:cNvPr>
+          <p:cNvSpPr>
+            <a:spLocks noGrp="1"/>
+          </p:cNvSpPr>
+          <p:nvPr>
+            <p:ph type="pic" sz="quarter" idx="19"/>
           </p:nvPr>
         </p:nvSpPr>
         <p:spPr/>
@@ -14984,7 +15316,7 @@
     </p:spTree>
     <p:extLst>
       <p:ext uri="{BB962C8B-B14F-4D97-AF65-F5344CB8AC3E}">
-        <p14:creationId xmlns:p14="http://schemas.microsoft.com/office/powerpoint/2010/main" val="544100002"/>
+        <p14:creationId xmlns:p14="http://schemas.microsoft.com/office/powerpoint/2010/main" val="2504275049"/>
       </p:ext>
     </p:extLst>
   </p:cSld>
@@ -15016,6 +15348,90 @@
       </p:grpSpPr>
       <p:sp>
         <p:nvSpPr>
+          <p:cNvPr id="2" name="Title 1">
+            <a:extLst>
+              <a:ext uri="{FF2B5EF4-FFF2-40B4-BE49-F238E27FC236}">
+                <a16:creationId xmlns:a16="http://schemas.microsoft.com/office/drawing/2014/main" id="{4FE98B5C-48BE-4909-9F4A-A4186BB35065}"/>
+              </a:ext>
+            </a:extLst>
+          </p:cNvPr>
+          <p:cNvSpPr>
+            <a:spLocks noGrp="1"/>
+          </p:cNvSpPr>
+          <p:nvPr>
+            <p:ph type="title"/>
+          </p:nvPr>
+        </p:nvSpPr>
+        <p:spPr>
+          <a:xfrm>
+            <a:off x="588263" y="5436128"/>
+            <a:ext cx="11018520" cy="553998"/>
+          </a:xfrm>
+        </p:spPr>
+        <p:txBody>
+          <a:bodyPr/>
+          <a:lstStyle/>
+          <a:p>
+            <a:r>
+              <a:rPr lang="en-US" dirty="0"/>
+              <a:t>Top photo with Title</a:t>
+            </a:r>
+          </a:p>
+        </p:txBody>
+      </p:sp>
+      <p:sp>
+        <p:nvSpPr>
+          <p:cNvPr id="3" name="Picture Placeholder 2" descr="This photo is a 'placeholder' only. Drag or drop your photo here, or click and tap the center to insert a photo.">
+            <a:extLst>
+              <a:ext uri="{FF2B5EF4-FFF2-40B4-BE49-F238E27FC236}">
+                <a16:creationId xmlns:a16="http://schemas.microsoft.com/office/drawing/2014/main" id="{3E53C251-F0C1-4DAA-BF3B-F3E1C6002804}"/>
+              </a:ext>
+            </a:extLst>
+          </p:cNvPr>
+          <p:cNvSpPr>
+            <a:spLocks noGrp="1"/>
+          </p:cNvSpPr>
+          <p:nvPr>
+            <p:ph type="pic" sz="quarter" idx="11"/>
+          </p:nvPr>
+        </p:nvSpPr>
+        <p:spPr/>
+      </p:sp>
+    </p:spTree>
+    <p:extLst>
+      <p:ext uri="{BB962C8B-B14F-4D97-AF65-F5344CB8AC3E}">
+        <p14:creationId xmlns:p14="http://schemas.microsoft.com/office/powerpoint/2010/main" val="544100002"/>
+      </p:ext>
+    </p:extLst>
+  </p:cSld>
+  <p:clrMapOvr>
+    <a:masterClrMapping/>
+  </p:clrMapOvr>
+  <p:transition>
+    <p:fade/>
+  </p:transition>
+</p:sld>
+</file>
+
+<file path=ppt/slides/slide17.xml><?xml version="1.0" encoding="utf-8"?>
+<p:sld xmlns:a="http://schemas.openxmlformats.org/drawingml/2006/main" xmlns:r="http://schemas.openxmlformats.org/officeDocument/2006/relationships" xmlns:p="http://schemas.openxmlformats.org/presentationml/2006/main">
+  <p:cSld>
+    <p:spTree>
+      <p:nvGrpSpPr>
+        <p:cNvPr id="1" name=""/>
+        <p:cNvGrpSpPr/>
+        <p:nvPr/>
+      </p:nvGrpSpPr>
+      <p:grpSpPr>
+        <a:xfrm>
+          <a:off x="0" y="0"/>
+          <a:ext cx="0" cy="0"/>
+          <a:chOff x="0" y="0"/>
+          <a:chExt cx="0" cy="0"/>
+        </a:xfrm>
+      </p:grpSpPr>
+      <p:sp>
+        <p:nvSpPr>
           <p:cNvPr id="2" name="Picture Placeholder 1" descr="This photo is a 'placeholder' only. Drag or drop your photo here, or click and tap the center to insert a photo.">
             <a:extLst>
               <a:ext uri="{FF2B5EF4-FFF2-40B4-BE49-F238E27FC236}">
@@ -15083,7 +15499,7 @@
 </p:sld>
 </file>
 
-<file path=ppt/slides/slide17.xml><?xml version="1.0" encoding="utf-8"?>
+<file path=ppt/slides/slide18.xml><?xml version="1.0" encoding="utf-8"?>
 <p:sld xmlns:a="http://schemas.openxmlformats.org/drawingml/2006/main" xmlns:r="http://schemas.openxmlformats.org/officeDocument/2006/relationships" xmlns:p="http://schemas.openxmlformats.org/presentationml/2006/main">
   <p:cSld>
     <p:spTree>
@@ -16644,7 +17060,7 @@
 </p:sld>
 </file>
 
-<file path=ppt/slides/slide18.xml><?xml version="1.0" encoding="utf-8"?>
+<file path=ppt/slides/slide19.xml><?xml version="1.0" encoding="utf-8"?>
 <p:sld xmlns:a="http://schemas.openxmlformats.org/drawingml/2006/main" xmlns:r="http://schemas.openxmlformats.org/officeDocument/2006/relationships" xmlns:p="http://schemas.openxmlformats.org/presentationml/2006/main">
   <p:cSld>
     <p:spTree>
@@ -21935,7 +22351,125 @@
 </p:sld>
 </file>
 
-<file path=ppt/slides/slide19.xml><?xml version="1.0" encoding="utf-8"?>
+<file path=ppt/slides/slide2.xml><?xml version="1.0" encoding="utf-8"?>
+<p:sld xmlns:a="http://schemas.openxmlformats.org/drawingml/2006/main" xmlns:r="http://schemas.openxmlformats.org/officeDocument/2006/relationships" xmlns:p="http://schemas.openxmlformats.org/presentationml/2006/main">
+  <p:cSld>
+    <p:spTree>
+      <p:nvGrpSpPr>
+        <p:cNvPr id="1" name=""/>
+        <p:cNvGrpSpPr/>
+        <p:nvPr/>
+      </p:nvGrpSpPr>
+      <p:grpSpPr>
+        <a:xfrm>
+          <a:off x="0" y="0"/>
+          <a:ext cx="0" cy="0"/>
+          <a:chOff x="0" y="0"/>
+          <a:chExt cx="0" cy="0"/>
+        </a:xfrm>
+      </p:grpSpPr>
+      <p:sp>
+        <p:nvSpPr>
+          <p:cNvPr id="6" name="Title 5">
+            <a:extLst>
+              <a:ext uri="{FF2B5EF4-FFF2-40B4-BE49-F238E27FC236}">
+                <a16:creationId xmlns:a16="http://schemas.microsoft.com/office/drawing/2014/main" id="{E7BF15BD-001C-49B3-9A01-B39DEDA47564}"/>
+              </a:ext>
+            </a:extLst>
+          </p:cNvPr>
+          <p:cNvSpPr>
+            <a:spLocks noGrp="1"/>
+          </p:cNvSpPr>
+          <p:nvPr>
+            <p:ph type="title"/>
+          </p:nvPr>
+        </p:nvSpPr>
+        <p:spPr>
+          <a:xfrm>
+            <a:off x="585216" y="2309812"/>
+            <a:ext cx="3182027" cy="553998"/>
+          </a:xfrm>
+        </p:spPr>
+        <p:txBody>
+          <a:bodyPr/>
+          <a:lstStyle/>
+          <a:p>
+            <a:r>
+              <a:rPr lang="en-US" dirty="0"/>
+              <a:t>Agenda</a:t>
+            </a:r>
+          </a:p>
+        </p:txBody>
+      </p:sp>
+      <p:sp>
+        <p:nvSpPr>
+          <p:cNvPr id="7" name="Text Placeholder 6">
+            <a:extLst>
+              <a:ext uri="{FF2B5EF4-FFF2-40B4-BE49-F238E27FC236}">
+                <a16:creationId xmlns:a16="http://schemas.microsoft.com/office/drawing/2014/main" id="{61F6BD0B-C4D8-42DE-A3A7-50D8219CE639}"/>
+              </a:ext>
+            </a:extLst>
+          </p:cNvPr>
+          <p:cNvSpPr>
+            <a:spLocks noGrp="1"/>
+          </p:cNvSpPr>
+          <p:nvPr>
+            <p:ph type="body" sz="quarter" idx="11"/>
+          </p:nvPr>
+        </p:nvSpPr>
+        <p:spPr>
+          <a:xfrm>
+            <a:off x="4354523" y="2309812"/>
+            <a:ext cx="7254865" cy="2289858"/>
+          </a:xfrm>
+        </p:spPr>
+        <p:txBody>
+          <a:bodyPr/>
+          <a:lstStyle/>
+          <a:p>
+            <a:r>
+              <a:rPr lang="en-IE" dirty="0"/>
+              <a:t>Introduction</a:t>
+            </a:r>
+          </a:p>
+          <a:p>
+            <a:r>
+              <a:rPr lang="en-US" dirty="0"/>
+              <a:t>Brief overview</a:t>
+            </a:r>
+          </a:p>
+          <a:p>
+            <a:r>
+              <a:rPr lang="en-US" dirty="0"/>
+              <a:t>Step by Step</a:t>
+            </a:r>
+          </a:p>
+          <a:p>
+            <a:r>
+              <a:rPr lang="en-US" dirty="0" err="1"/>
+              <a:t>QnA</a:t>
+            </a:r>
+            <a:endParaRPr lang="en-IE" dirty="0"/>
+          </a:p>
+        </p:txBody>
+      </p:sp>
+    </p:spTree>
+    <p:extLst>
+      <p:ext uri="{BB962C8B-B14F-4D97-AF65-F5344CB8AC3E}">
+        <p14:creationId xmlns:p14="http://schemas.microsoft.com/office/powerpoint/2010/main" val="4178565498"/>
+      </p:ext>
+    </p:extLst>
+  </p:cSld>
+  <p:clrMapOvr>
+    <a:masterClrMapping/>
+  </p:clrMapOvr>
+  <p:transition>
+    <p:fade/>
+  </p:transition>
+</p:sld>
+</file>
+
+<file path=ppt/slides/slide20.xml><?xml version="1.0" encoding="utf-8"?>
 <p:sld xmlns:a="http://schemas.openxmlformats.org/drawingml/2006/main" xmlns:r="http://schemas.openxmlformats.org/officeDocument/2006/relationships" xmlns:p="http://schemas.openxmlformats.org/presentationml/2006/main">
   <p:cSld>
     <p:spTree>
@@ -26136,106 +26670,7 @@
 </p:sld>
 </file>
 
-<file path=ppt/slides/slide2.xml><?xml version="1.0" encoding="utf-8"?>
-<p:sld xmlns:a="http://schemas.openxmlformats.org/drawingml/2006/main" xmlns:r="http://schemas.openxmlformats.org/officeDocument/2006/relationships" xmlns:p="http://schemas.openxmlformats.org/presentationml/2006/main">
-  <p:cSld>
-    <p:spTree>
-      <p:nvGrpSpPr>
-        <p:cNvPr id="1" name=""/>
-        <p:cNvGrpSpPr/>
-        <p:nvPr/>
-      </p:nvGrpSpPr>
-      <p:grpSpPr>
-        <a:xfrm>
-          <a:off x="0" y="0"/>
-          <a:ext cx="0" cy="0"/>
-          <a:chOff x="0" y="0"/>
-          <a:chExt cx="0" cy="0"/>
-        </a:xfrm>
-      </p:grpSpPr>
-      <p:sp>
-        <p:nvSpPr>
-          <p:cNvPr id="6" name="Title 5">
-            <a:extLst>
-              <a:ext uri="{FF2B5EF4-FFF2-40B4-BE49-F238E27FC236}">
-                <a16:creationId xmlns:a16="http://schemas.microsoft.com/office/drawing/2014/main" id="{E7BF15BD-001C-49B3-9A01-B39DEDA47564}"/>
-              </a:ext>
-            </a:extLst>
-          </p:cNvPr>
-          <p:cNvSpPr>
-            <a:spLocks noGrp="1"/>
-          </p:cNvSpPr>
-          <p:nvPr>
-            <p:ph type="title"/>
-          </p:nvPr>
-        </p:nvSpPr>
-        <p:spPr>
-          <a:xfrm>
-            <a:off x="585216" y="2309812"/>
-            <a:ext cx="3182027" cy="553998"/>
-          </a:xfrm>
-        </p:spPr>
-        <p:txBody>
-          <a:bodyPr/>
-          <a:lstStyle/>
-          <a:p>
-            <a:r>
-              <a:rPr lang="en-US" dirty="0"/>
-              <a:t>Agenda</a:t>
-            </a:r>
-          </a:p>
-        </p:txBody>
-      </p:sp>
-      <p:sp>
-        <p:nvSpPr>
-          <p:cNvPr id="7" name="Text Placeholder 6">
-            <a:extLst>
-              <a:ext uri="{FF2B5EF4-FFF2-40B4-BE49-F238E27FC236}">
-                <a16:creationId xmlns:a16="http://schemas.microsoft.com/office/drawing/2014/main" id="{61F6BD0B-C4D8-42DE-A3A7-50D8219CE639}"/>
-              </a:ext>
-            </a:extLst>
-          </p:cNvPr>
-          <p:cNvSpPr>
-            <a:spLocks noGrp="1"/>
-          </p:cNvSpPr>
-          <p:nvPr>
-            <p:ph type="body" sz="quarter" idx="11"/>
-          </p:nvPr>
-        </p:nvSpPr>
-        <p:spPr>
-          <a:xfrm>
-            <a:off x="4354523" y="2309812"/>
-            <a:ext cx="7254865" cy="3959226"/>
-          </a:xfrm>
-        </p:spPr>
-        <p:txBody>
-          <a:bodyPr/>
-          <a:lstStyle/>
-          <a:p>
-            <a:r>
-              <a:rPr lang="en-US" dirty="0"/>
-              <a:t>Click to add text</a:t>
-            </a:r>
-          </a:p>
-        </p:txBody>
-      </p:sp>
-    </p:spTree>
-    <p:extLst>
-      <p:ext uri="{BB962C8B-B14F-4D97-AF65-F5344CB8AC3E}">
-        <p14:creationId xmlns:p14="http://schemas.microsoft.com/office/powerpoint/2010/main" val="4178565498"/>
-      </p:ext>
-    </p:extLst>
-  </p:cSld>
-  <p:clrMapOvr>
-    <a:masterClrMapping/>
-  </p:clrMapOvr>
-  <p:transition>
-    <p:fade/>
-  </p:transition>
-</p:sld>
-</file>
-
-<file path=ppt/slides/slide20.xml><?xml version="1.0" encoding="utf-8"?>
+<file path=ppt/slides/slide21.xml><?xml version="1.0" encoding="utf-8"?>
 <p:sld xmlns:a="http://schemas.openxmlformats.org/drawingml/2006/main" xmlns:r="http://schemas.openxmlformats.org/officeDocument/2006/relationships" xmlns:p="http://schemas.openxmlformats.org/presentationml/2006/main">
   <p:cSld>
     <p:spTree>
@@ -26619,7 +27054,7 @@
 </p:sld>
 </file>
 
-<file path=ppt/slides/slide21.xml><?xml version="1.0" encoding="utf-8"?>
+<file path=ppt/slides/slide22.xml><?xml version="1.0" encoding="utf-8"?>
 <p:sld xmlns:a="http://schemas.openxmlformats.org/drawingml/2006/main" xmlns:r="http://schemas.openxmlformats.org/officeDocument/2006/relationships" xmlns:p="http://schemas.openxmlformats.org/presentationml/2006/main">
   <p:cSld>
     <p:spTree>
@@ -26919,83 +27354,6 @@
 </p:sld>
 </file>
 
-<file path=ppt/slides/slide22.xml><?xml version="1.0" encoding="utf-8"?>
-<p:sld xmlns:a="http://schemas.openxmlformats.org/drawingml/2006/main" xmlns:r="http://schemas.openxmlformats.org/officeDocument/2006/relationships" xmlns:p="http://schemas.openxmlformats.org/presentationml/2006/main">
-  <p:cSld>
-    <p:spTree>
-      <p:nvGrpSpPr>
-        <p:cNvPr id="1" name=""/>
-        <p:cNvGrpSpPr/>
-        <p:nvPr/>
-      </p:nvGrpSpPr>
-      <p:grpSpPr>
-        <a:xfrm>
-          <a:off x="0" y="0"/>
-          <a:ext cx="0" cy="0"/>
-          <a:chOff x="0" y="0"/>
-          <a:chExt cx="0" cy="0"/>
-        </a:xfrm>
-      </p:grpSpPr>
-      <p:sp>
-        <p:nvSpPr>
-          <p:cNvPr id="3" name="Title 2"/>
-          <p:cNvSpPr>
-            <a:spLocks noGrp="1"/>
-          </p:cNvSpPr>
-          <p:nvPr>
-            <p:ph type="title"/>
-          </p:nvPr>
-        </p:nvSpPr>
-        <p:spPr/>
-        <p:txBody>
-          <a:bodyPr/>
-          <a:lstStyle/>
-          <a:p>
-            <a:r>
-              <a:rPr lang="en-US" dirty="0"/>
-              <a:t>Demo</a:t>
-            </a:r>
-          </a:p>
-        </p:txBody>
-      </p:sp>
-      <p:sp>
-        <p:nvSpPr>
-          <p:cNvPr id="4" name="Text Placeholder 3"/>
-          <p:cNvSpPr>
-            <a:spLocks noGrp="1"/>
-          </p:cNvSpPr>
-          <p:nvPr>
-            <p:ph type="body" sz="quarter" idx="12"/>
-          </p:nvPr>
-        </p:nvSpPr>
-        <p:spPr/>
-        <p:txBody>
-          <a:bodyPr/>
-          <a:lstStyle/>
-          <a:p>
-            <a:r>
-              <a:rPr lang="en-US" dirty="0"/>
-              <a:t>Speaker name</a:t>
-            </a:r>
-          </a:p>
-        </p:txBody>
-      </p:sp>
-    </p:spTree>
-    <p:extLst>
-      <p:ext uri="{BB962C8B-B14F-4D97-AF65-F5344CB8AC3E}">
-        <p14:creationId xmlns:p14="http://schemas.microsoft.com/office/powerpoint/2010/main" val="203203085"/>
-      </p:ext>
-    </p:extLst>
-  </p:cSld>
-  <p:clrMapOvr>
-    <a:masterClrMapping/>
-  </p:clrMapOvr>
-  <p:transition>
-    <p:fade/>
-  </p:transition>
-</p:sld>
-</file>
-
 <file path=ppt/slides/slide23.xml><?xml version="1.0" encoding="utf-8"?>
 <p:sld xmlns:a="http://schemas.openxmlformats.org/drawingml/2006/main" xmlns:r="http://schemas.openxmlformats.org/officeDocument/2006/relationships" xmlns:p="http://schemas.openxmlformats.org/presentationml/2006/main">
   <p:cSld>
@@ -27015,7 +27373,7 @@
       </p:grpSpPr>
       <p:sp>
         <p:nvSpPr>
-          <p:cNvPr id="2" name="Title 1"/>
+          <p:cNvPr id="3" name="Title 2"/>
           <p:cNvSpPr>
             <a:spLocks noGrp="1"/>
           </p:cNvSpPr>
@@ -27030,7 +27388,29 @@
           <a:p>
             <a:r>
               <a:rPr lang="en-US" dirty="0"/>
-              <a:t>Section title</a:t>
+              <a:t>Demo</a:t>
+            </a:r>
+          </a:p>
+        </p:txBody>
+      </p:sp>
+      <p:sp>
+        <p:nvSpPr>
+          <p:cNvPr id="4" name="Text Placeholder 3"/>
+          <p:cNvSpPr>
+            <a:spLocks noGrp="1"/>
+          </p:cNvSpPr>
+          <p:nvPr>
+            <p:ph type="body" sz="quarter" idx="12"/>
+          </p:nvPr>
+        </p:nvSpPr>
+        <p:spPr/>
+        <p:txBody>
+          <a:bodyPr/>
+          <a:lstStyle/>
+          <a:p>
+            <a:r>
+              <a:rPr lang="en-US" dirty="0"/>
+              <a:t>Speaker name</a:t>
             </a:r>
           </a:p>
         </p:txBody>
@@ -27038,7 +27418,7 @@
     </p:spTree>
     <p:extLst>
       <p:ext uri="{BB962C8B-B14F-4D97-AF65-F5344CB8AC3E}">
-        <p14:creationId xmlns:p14="http://schemas.microsoft.com/office/powerpoint/2010/main" val="3249496989"/>
+        <p14:creationId xmlns:p14="http://schemas.microsoft.com/office/powerpoint/2010/main" val="203203085"/>
       </p:ext>
     </p:extLst>
   </p:cSld>
@@ -27070,6 +27450,61 @@
       </p:grpSpPr>
       <p:sp>
         <p:nvSpPr>
+          <p:cNvPr id="2" name="Title 1"/>
+          <p:cNvSpPr>
+            <a:spLocks noGrp="1"/>
+          </p:cNvSpPr>
+          <p:nvPr>
+            <p:ph type="title"/>
+          </p:nvPr>
+        </p:nvSpPr>
+        <p:spPr/>
+        <p:txBody>
+          <a:bodyPr/>
+          <a:lstStyle/>
+          <a:p>
+            <a:r>
+              <a:rPr lang="en-US" dirty="0"/>
+              <a:t>Section title</a:t>
+            </a:r>
+          </a:p>
+        </p:txBody>
+      </p:sp>
+    </p:spTree>
+    <p:extLst>
+      <p:ext uri="{BB962C8B-B14F-4D97-AF65-F5344CB8AC3E}">
+        <p14:creationId xmlns:p14="http://schemas.microsoft.com/office/powerpoint/2010/main" val="3249496989"/>
+      </p:ext>
+    </p:extLst>
+  </p:cSld>
+  <p:clrMapOvr>
+    <a:masterClrMapping/>
+  </p:clrMapOvr>
+  <p:transition>
+    <p:fade/>
+  </p:transition>
+</p:sld>
+</file>
+
+<file path=ppt/slides/slide25.xml><?xml version="1.0" encoding="utf-8"?>
+<p:sld xmlns:a="http://schemas.openxmlformats.org/drawingml/2006/main" xmlns:r="http://schemas.openxmlformats.org/officeDocument/2006/relationships" xmlns:p="http://schemas.openxmlformats.org/presentationml/2006/main">
+  <p:cSld>
+    <p:spTree>
+      <p:nvGrpSpPr>
+        <p:cNvPr id="1" name=""/>
+        <p:cNvGrpSpPr/>
+        <p:nvPr/>
+      </p:nvGrpSpPr>
+      <p:grpSpPr>
+        <a:xfrm>
+          <a:off x="0" y="0"/>
+          <a:ext cx="0" cy="0"/>
+          <a:chOff x="0" y="0"/>
+          <a:chExt cx="0" cy="0"/>
+        </a:xfrm>
+      </p:grpSpPr>
+      <p:sp>
+        <p:nvSpPr>
           <p:cNvPr id="4" name="Title 3"/>
           <p:cNvSpPr>
             <a:spLocks noGrp="1"/>
@@ -27128,7 +27563,7 @@
 </p:sld>
 </file>
 
-<file path=ppt/slides/slide25.xml><?xml version="1.0" encoding="utf-8"?>
+<file path=ppt/slides/slide26.xml><?xml version="1.0" encoding="utf-8"?>
 <p:sld xmlns:a="http://schemas.openxmlformats.org/drawingml/2006/main" xmlns:r="http://schemas.openxmlformats.org/officeDocument/2006/relationships" xmlns:p="http://schemas.openxmlformats.org/presentationml/2006/main" show="0">
   <p:cSld>
     <p:spTree>
@@ -27233,7 +27668,7 @@
 </p:sld>
 </file>
 
-<file path=ppt/slides/slide26.xml><?xml version="1.0" encoding="utf-8"?>
+<file path=ppt/slides/slide27.xml><?xml version="1.0" encoding="utf-8"?>
 <p:sld xmlns:a="http://schemas.openxmlformats.org/drawingml/2006/main" xmlns:r="http://schemas.openxmlformats.org/officeDocument/2006/relationships" xmlns:p="http://schemas.openxmlformats.org/presentationml/2006/main">
   <p:cSld>
     <p:spTree>
@@ -27285,10 +27720,10 @@
       </p:grpSpPr>
       <p:sp>
         <p:nvSpPr>
-          <p:cNvPr id="4" name="Title 3">
+          <p:cNvPr id="2" name="Title 1">
             <a:extLst>
               <a:ext uri="{FF2B5EF4-FFF2-40B4-BE49-F238E27FC236}">
-                <a16:creationId xmlns:a16="http://schemas.microsoft.com/office/drawing/2014/main" id="{352A8B8F-8492-0F68-6060-DD520FD70EFD}"/>
+                <a16:creationId xmlns:a16="http://schemas.microsoft.com/office/drawing/2014/main" id="{C2928543-45E8-EC57-35D4-F3383C7AC633}"/>
               </a:ext>
             </a:extLst>
           </p:cNvPr>
@@ -27299,30 +27734,21 @@
             <p:ph type="title"/>
           </p:nvPr>
         </p:nvSpPr>
-        <p:spPr>
-          <a:xfrm>
-            <a:off x="584518" y="311963"/>
-            <a:ext cx="11018520" cy="553998"/>
-          </a:xfrm>
-        </p:spPr>
+        <p:spPr/>
         <p:txBody>
           <a:bodyPr/>
           <a:lstStyle/>
           <a:p>
-            <a:r>
-              <a:rPr lang="en-IE" dirty="0"/>
-              <a:t>Getting Latest file</a:t>
-            </a:r>
-            <a:endParaRPr lang="en-US" dirty="0"/>
+            <a:endParaRPr lang="en-US"/>
           </a:p>
         </p:txBody>
       </p:sp>
       <p:sp>
         <p:nvSpPr>
-          <p:cNvPr id="5" name="Content Placeholder 4">
+          <p:cNvPr id="3" name="Content Placeholder 2">
             <a:extLst>
               <a:ext uri="{FF2B5EF4-FFF2-40B4-BE49-F238E27FC236}">
-                <a16:creationId xmlns:a16="http://schemas.microsoft.com/office/drawing/2014/main" id="{C17EB948-491F-19C6-E074-98324A042144}"/>
+                <a16:creationId xmlns:a16="http://schemas.microsoft.com/office/drawing/2014/main" id="{DF7B6E14-BC1F-87A8-7A74-E16F2F79C06B}"/>
               </a:ext>
             </a:extLst>
           </p:cNvPr>
@@ -27333,102 +27759,19 @@
             <p:ph sz="quarter" idx="10"/>
           </p:nvPr>
         </p:nvSpPr>
-        <p:spPr>
-          <a:xfrm>
-            <a:off x="584200" y="1012723"/>
-            <a:ext cx="11018838" cy="4198072"/>
-          </a:xfrm>
-        </p:spPr>
+        <p:spPr/>
         <p:txBody>
           <a:bodyPr/>
           <a:lstStyle/>
           <a:p>
-            <a:r>
-              <a:rPr lang="en-IE" dirty="0"/>
-              <a:t>Given: list of files </a:t>
-            </a:r>
-            <a:r>
-              <a:rPr lang="en-IE" dirty="0" err="1"/>
-              <a:t>AzureUsage</a:t>
-            </a:r>
-            <a:r>
-              <a:rPr lang="en-IE" dirty="0"/>
-              <a:t> (x).csv pick the latest as a source</a:t>
-            </a:r>
-          </a:p>
-          <a:p>
-            <a:endParaRPr lang="en-IE" dirty="0"/>
-          </a:p>
-          <a:p>
-            <a:r>
-              <a:rPr lang="en-IE" dirty="0"/>
-              <a:t>Solution: </a:t>
-            </a:r>
-          </a:p>
-          <a:p>
-            <a:pPr lvl="1"/>
-            <a:r>
-              <a:rPr lang="en-IE" dirty="0"/>
-              <a:t>Get Data</a:t>
-            </a:r>
-          </a:p>
-          <a:p>
-            <a:pPr lvl="1"/>
-            <a:r>
-              <a:rPr lang="en-IE" dirty="0" err="1"/>
-              <a:t>Sharepoint</a:t>
-            </a:r>
-            <a:r>
-              <a:rPr lang="en-IE" dirty="0"/>
-              <a:t> Folder </a:t>
-            </a:r>
-          </a:p>
-          <a:p>
-            <a:pPr lvl="1"/>
-            <a:r>
-              <a:rPr lang="en-IE" dirty="0"/>
-              <a:t>Text filter -&gt; Starts With -&gt; </a:t>
-            </a:r>
-            <a:r>
-              <a:rPr lang="en-IE" dirty="0" err="1"/>
-              <a:t>AzureUsage</a:t>
-            </a:r>
-            <a:endParaRPr lang="en-IE" dirty="0"/>
-          </a:p>
-          <a:p>
-            <a:pPr lvl="1"/>
-            <a:r>
-              <a:rPr lang="en-IE" dirty="0" err="1"/>
-              <a:t>DateModified</a:t>
-            </a:r>
-            <a:r>
-              <a:rPr lang="en-IE" dirty="0"/>
-              <a:t> -&gt; Date/Time Filter -&gt; Is Latest</a:t>
-            </a:r>
-          </a:p>
-          <a:p>
-            <a:pPr lvl="1"/>
-            <a:r>
-              <a:rPr lang="en-IE" dirty="0"/>
-              <a:t>Click on “Combine Files” button in the left column header</a:t>
-            </a:r>
-          </a:p>
-          <a:p>
-            <a:pPr lvl="1"/>
-            <a:r>
-              <a:rPr lang="en-IE" dirty="0"/>
-              <a:t>Rename the Query</a:t>
-            </a:r>
-          </a:p>
-          <a:p>
-            <a:endParaRPr lang="en-US" dirty="0"/>
+            <a:endParaRPr lang="en-US"/>
           </a:p>
         </p:txBody>
       </p:sp>
     </p:spTree>
     <p:extLst>
       <p:ext uri="{BB962C8B-B14F-4D97-AF65-F5344CB8AC3E}">
-        <p14:creationId xmlns:p14="http://schemas.microsoft.com/office/powerpoint/2010/main" val="3744307599"/>
+        <p14:creationId xmlns:p14="http://schemas.microsoft.com/office/powerpoint/2010/main" val="1776889194"/>
       </p:ext>
     </p:extLst>
   </p:cSld>
@@ -27460,10 +27803,10 @@
       </p:grpSpPr>
       <p:sp>
         <p:nvSpPr>
-          <p:cNvPr id="2" name="Title 1">
+          <p:cNvPr id="4" name="Title 3">
             <a:extLst>
               <a:ext uri="{FF2B5EF4-FFF2-40B4-BE49-F238E27FC236}">
-                <a16:creationId xmlns:a16="http://schemas.microsoft.com/office/drawing/2014/main" id="{2B582B95-E0E6-1BC0-B4E9-EA12D43E00D4}"/>
+                <a16:creationId xmlns:a16="http://schemas.microsoft.com/office/drawing/2014/main" id="{352A8B8F-8492-0F68-6060-DD520FD70EFD}"/>
               </a:ext>
             </a:extLst>
           </p:cNvPr>
@@ -27474,14 +27817,19 @@
             <p:ph type="title"/>
           </p:nvPr>
         </p:nvSpPr>
-        <p:spPr/>
+        <p:spPr>
+          <a:xfrm>
+            <a:off x="584518" y="311963"/>
+            <a:ext cx="11018520" cy="553998"/>
+          </a:xfrm>
+        </p:spPr>
         <p:txBody>
           <a:bodyPr/>
           <a:lstStyle/>
           <a:p>
             <a:r>
               <a:rPr lang="en-IE" dirty="0"/>
-              <a:t>Date format</a:t>
+              <a:t>Getting Latest file</a:t>
             </a:r>
             <a:endParaRPr lang="en-US" dirty="0"/>
           </a:p>
@@ -27489,10 +27837,10 @@
       </p:sp>
       <p:sp>
         <p:nvSpPr>
-          <p:cNvPr id="3" name="Content Placeholder 2">
+          <p:cNvPr id="5" name="Content Placeholder 4">
             <a:extLst>
               <a:ext uri="{FF2B5EF4-FFF2-40B4-BE49-F238E27FC236}">
-                <a16:creationId xmlns:a16="http://schemas.microsoft.com/office/drawing/2014/main" id="{A5906A48-2F56-16EB-CE68-417075FD366E}"/>
+                <a16:creationId xmlns:a16="http://schemas.microsoft.com/office/drawing/2014/main" id="{C17EB948-491F-19C6-E074-98324A042144}"/>
               </a:ext>
             </a:extLst>
           </p:cNvPr>
@@ -27505,8 +27853,8 @@
         </p:nvSpPr>
         <p:spPr>
           <a:xfrm>
-            <a:off x="584200" y="1435100"/>
-            <a:ext cx="11018838" cy="3681008"/>
+            <a:off x="584200" y="1012723"/>
+            <a:ext cx="11018838" cy="4198072"/>
           </a:xfrm>
         </p:spPr>
         <p:txBody>
@@ -27515,66 +27863,90 @@
           <a:p>
             <a:r>
               <a:rPr lang="en-IE" dirty="0"/>
-              <a:t>Challenge: </a:t>
+              <a:t>Given: list of files </a:t>
+            </a:r>
+            <a:r>
+              <a:rPr lang="en-IE" dirty="0" err="1"/>
+              <a:t>AzureUsage</a:t>
+            </a:r>
+            <a:r>
+              <a:rPr lang="en-IE" dirty="0"/>
+              <a:t> (x).csv pick the latest as a source</a:t>
+            </a:r>
+          </a:p>
+          <a:p>
+            <a:endParaRPr lang="en-IE" dirty="0"/>
+          </a:p>
+          <a:p>
+            <a:r>
+              <a:rPr lang="en-IE" dirty="0"/>
+              <a:t>Solution: </a:t>
             </a:r>
           </a:p>
           <a:p>
             <a:pPr lvl="1"/>
             <a:r>
               <a:rPr lang="en-IE" dirty="0"/>
-              <a:t>Csv file uses MM/DD/YYYY date format whereas most of us using DD/MM/YYYY</a:t>
+              <a:t>Get Data</a:t>
             </a:r>
           </a:p>
           <a:p>
             <a:pPr lvl="1"/>
+            <a:r>
+              <a:rPr lang="en-IE" dirty="0" err="1"/>
+              <a:t>Sharepoint</a:t>
+            </a:r>
+            <a:r>
+              <a:rPr lang="en-IE" dirty="0"/>
+              <a:t> Folder </a:t>
+            </a:r>
+          </a:p>
+          <a:p>
+            <a:pPr lvl="1"/>
+            <a:r>
+              <a:rPr lang="en-IE" dirty="0"/>
+              <a:t>Text filter -&gt; Starts With -&gt; </a:t>
+            </a:r>
+            <a:r>
+              <a:rPr lang="en-IE" dirty="0" err="1"/>
+              <a:t>AzureUsage</a:t>
+            </a:r>
             <a:endParaRPr lang="en-IE" dirty="0"/>
           </a:p>
           <a:p>
+            <a:pPr lvl="1"/>
+            <a:r>
+              <a:rPr lang="en-IE" dirty="0" err="1"/>
+              <a:t>DateModified</a:t>
+            </a:r>
             <a:r>
               <a:rPr lang="en-IE" dirty="0"/>
-              <a:t>Solution:</a:t>
+              <a:t> -&gt; Date/Time Filter -&gt; Is Latest</a:t>
             </a:r>
           </a:p>
           <a:p>
             <a:pPr lvl="1"/>
             <a:r>
               <a:rPr lang="en-IE" dirty="0"/>
-              <a:t>Split the field by ‘/’ into DD MM and YYYY fields and recombine them to DD/MM/YYYY</a:t>
-            </a:r>
+              <a:t>Click on “Combine Files” button in the left column header</a:t>
+            </a:r>
+          </a:p>
+          <a:p>
+            <a:pPr lvl="1"/>
+            <a:r>
+              <a:rPr lang="en-IE" dirty="0"/>
+              <a:t>Rename the Query</a:t>
+            </a:r>
+          </a:p>
+          <a:p>
             <a:endParaRPr lang="en-US" dirty="0"/>
-          </a:p>
-          <a:p>
-            <a:pPr lvl="1"/>
-            <a:endParaRPr lang="en-US" dirty="0"/>
-          </a:p>
-          <a:p>
-            <a:r>
-              <a:rPr lang="en-US" dirty="0" err="1"/>
-              <a:t>PowerQuery</a:t>
-            </a:r>
-            <a:endParaRPr lang="en-US" dirty="0"/>
-          </a:p>
-          <a:p>
-            <a:pPr lvl="1"/>
-            <a:r>
-              <a:rPr lang="en-US" dirty="0"/>
-              <a:t>Transform </a:t>
-            </a:r>
-            <a:r>
-              <a:rPr lang="en-US"/>
-              <a:t>-&gt; Split by ‘/’</a:t>
-            </a:r>
-          </a:p>
-          <a:p>
-            <a:pPr lvl="1"/>
-            <a:endParaRPr lang="en-IE"/>
           </a:p>
         </p:txBody>
       </p:sp>
     </p:spTree>
     <p:extLst>
       <p:ext uri="{BB962C8B-B14F-4D97-AF65-F5344CB8AC3E}">
-        <p14:creationId xmlns:p14="http://schemas.microsoft.com/office/powerpoint/2010/main" val="47875129"/>
+        <p14:creationId xmlns:p14="http://schemas.microsoft.com/office/powerpoint/2010/main" val="3744307599"/>
       </p:ext>
     </p:extLst>
   </p:cSld>
@@ -27606,7 +27978,13 @@
       </p:grpSpPr>
       <p:sp>
         <p:nvSpPr>
-          <p:cNvPr id="17" name="Title 16"/>
+          <p:cNvPr id="2" name="Title 1">
+            <a:extLst>
+              <a:ext uri="{FF2B5EF4-FFF2-40B4-BE49-F238E27FC236}">
+                <a16:creationId xmlns:a16="http://schemas.microsoft.com/office/drawing/2014/main" id="{2B582B95-E0E6-1BC0-B4E9-EA12D43E00D4}"/>
+              </a:ext>
+            </a:extLst>
+          </p:cNvPr>
           <p:cNvSpPr>
             <a:spLocks noGrp="1"/>
           </p:cNvSpPr>
@@ -27620,26 +27998,33 @@
           <a:lstStyle/>
           <a:p>
             <a:r>
-              <a:rPr lang="en-US" dirty="0"/>
-              <a:t>Text layout (without bullet points)</a:t>
-            </a:r>
+              <a:rPr lang="en-IE" dirty="0"/>
+              <a:t>Date format</a:t>
+            </a:r>
+            <a:endParaRPr lang="en-US" dirty="0"/>
           </a:p>
         </p:txBody>
       </p:sp>
       <p:sp>
         <p:nvSpPr>
-          <p:cNvPr id="6" name="Text Placeholder 5"/>
+          <p:cNvPr id="3" name="Content Placeholder 2">
+            <a:extLst>
+              <a:ext uri="{FF2B5EF4-FFF2-40B4-BE49-F238E27FC236}">
+                <a16:creationId xmlns:a16="http://schemas.microsoft.com/office/drawing/2014/main" id="{A5906A48-2F56-16EB-CE68-417075FD366E}"/>
+              </a:ext>
+            </a:extLst>
+          </p:cNvPr>
           <p:cNvSpPr>
             <a:spLocks noGrp="1"/>
           </p:cNvSpPr>
           <p:nvPr>
-            <p:ph type="body" sz="quarter" idx="10"/>
+            <p:ph sz="quarter" idx="10"/>
           </p:nvPr>
         </p:nvSpPr>
         <p:spPr>
           <a:xfrm>
-            <a:off x="586390" y="1434370"/>
-            <a:ext cx="11018520" cy="1095685"/>
+            <a:off x="584200" y="1435100"/>
+            <a:ext cx="11018838" cy="3681008"/>
           </a:xfrm>
         </p:spPr>
         <p:txBody>
@@ -27647,30 +28032,67 @@
           <a:lstStyle/>
           <a:p>
             <a:r>
+              <a:rPr lang="en-IE" dirty="0"/>
+              <a:t>Challenge: </a:t>
+            </a:r>
+          </a:p>
+          <a:p>
+            <a:pPr lvl="1"/>
+            <a:r>
+              <a:rPr lang="en-IE" dirty="0"/>
+              <a:t>Csv file uses MM/DD/YYYY date format whereas most of us using DD/MM/YYYY</a:t>
+            </a:r>
+          </a:p>
+          <a:p>
+            <a:pPr lvl="1"/>
+            <a:endParaRPr lang="en-IE" dirty="0"/>
+          </a:p>
+          <a:p>
+            <a:r>
+              <a:rPr lang="en-IE" dirty="0"/>
+              <a:t>Solution:</a:t>
+            </a:r>
+          </a:p>
+          <a:p>
+            <a:pPr lvl="1"/>
+            <a:r>
+              <a:rPr lang="en-IE" dirty="0"/>
+              <a:t>Split the field by ‘/’ into DD MM and YYYY fields and recombine them to DD/MM/YYYY</a:t>
+            </a:r>
+            <a:endParaRPr lang="en-US" dirty="0"/>
+          </a:p>
+          <a:p>
+            <a:pPr lvl="1"/>
+            <a:endParaRPr lang="en-US" dirty="0"/>
+          </a:p>
+          <a:p>
+            <a:r>
+              <a:rPr lang="en-US" dirty="0" err="1"/>
+              <a:t>PowerQuery</a:t>
+            </a:r>
+            <a:endParaRPr lang="en-US" dirty="0"/>
+          </a:p>
+          <a:p>
+            <a:pPr lvl="1"/>
+            <a:r>
               <a:rPr lang="en-US" dirty="0"/>
-              <a:t>Main topic: Segoe UI, size 28pt</a:t>
+              <a:t>Transform </a:t>
+            </a:r>
+            <a:r>
+              <a:rPr lang="en-US"/>
+              <a:t>-&gt; Split by ‘/’</a:t>
             </a:r>
           </a:p>
           <a:p>
             <a:pPr lvl="1"/>
-            <a:r>
-              <a:rPr lang="en-US" dirty="0"/>
-              <a:t>Segoe UI, size 20pt for second level</a:t>
-            </a:r>
-          </a:p>
-          <a:p>
-            <a:pPr lvl="2"/>
-            <a:r>
-              <a:rPr lang="en-US" dirty="0"/>
-              <a:t>Segoe UI, size 16pt for third level</a:t>
-            </a:r>
+            <a:endParaRPr lang="en-IE"/>
           </a:p>
         </p:txBody>
       </p:sp>
     </p:spTree>
     <p:extLst>
       <p:ext uri="{BB962C8B-B14F-4D97-AF65-F5344CB8AC3E}">
-        <p14:creationId xmlns:p14="http://schemas.microsoft.com/office/powerpoint/2010/main" val="3957722359"/>
+        <p14:creationId xmlns:p14="http://schemas.microsoft.com/office/powerpoint/2010/main" val="47875129"/>
       </p:ext>
     </p:extLst>
   </p:cSld>
@@ -27717,6 +28139,102 @@
           <a:p>
             <a:r>
               <a:rPr lang="en-US" dirty="0"/>
+              <a:t>Text layout (without bullet points)</a:t>
+            </a:r>
+          </a:p>
+        </p:txBody>
+      </p:sp>
+      <p:sp>
+        <p:nvSpPr>
+          <p:cNvPr id="6" name="Text Placeholder 5"/>
+          <p:cNvSpPr>
+            <a:spLocks noGrp="1"/>
+          </p:cNvSpPr>
+          <p:nvPr>
+            <p:ph type="body" sz="quarter" idx="10"/>
+          </p:nvPr>
+        </p:nvSpPr>
+        <p:spPr>
+          <a:xfrm>
+            <a:off x="586390" y="1434370"/>
+            <a:ext cx="11018520" cy="1095685"/>
+          </a:xfrm>
+        </p:spPr>
+        <p:txBody>
+          <a:bodyPr/>
+          <a:lstStyle/>
+          <a:p>
+            <a:r>
+              <a:rPr lang="en-US" dirty="0"/>
+              <a:t>Main topic: Segoe UI, size 28pt</a:t>
+            </a:r>
+          </a:p>
+          <a:p>
+            <a:pPr lvl="1"/>
+            <a:r>
+              <a:rPr lang="en-US" dirty="0"/>
+              <a:t>Segoe UI, size 20pt for second level</a:t>
+            </a:r>
+          </a:p>
+          <a:p>
+            <a:pPr lvl="2"/>
+            <a:r>
+              <a:rPr lang="en-US" dirty="0"/>
+              <a:t>Segoe UI, size 16pt for third level</a:t>
+            </a:r>
+          </a:p>
+        </p:txBody>
+      </p:sp>
+    </p:spTree>
+    <p:extLst>
+      <p:ext uri="{BB962C8B-B14F-4D97-AF65-F5344CB8AC3E}">
+        <p14:creationId xmlns:p14="http://schemas.microsoft.com/office/powerpoint/2010/main" val="3957722359"/>
+      </p:ext>
+    </p:extLst>
+  </p:cSld>
+  <p:clrMapOvr>
+    <a:masterClrMapping/>
+  </p:clrMapOvr>
+  <p:transition>
+    <p:fade/>
+  </p:transition>
+</p:sld>
+</file>
+
+<file path=ppt/slides/slide7.xml><?xml version="1.0" encoding="utf-8"?>
+<p:sld xmlns:a="http://schemas.openxmlformats.org/drawingml/2006/main" xmlns:r="http://schemas.openxmlformats.org/officeDocument/2006/relationships" xmlns:p="http://schemas.openxmlformats.org/presentationml/2006/main">
+  <p:cSld>
+    <p:spTree>
+      <p:nvGrpSpPr>
+        <p:cNvPr id="1" name=""/>
+        <p:cNvGrpSpPr/>
+        <p:nvPr/>
+      </p:nvGrpSpPr>
+      <p:grpSpPr>
+        <a:xfrm>
+          <a:off x="0" y="0"/>
+          <a:ext cx="0" cy="0"/>
+          <a:chOff x="0" y="0"/>
+          <a:chExt cx="0" cy="0"/>
+        </a:xfrm>
+      </p:grpSpPr>
+      <p:sp>
+        <p:nvSpPr>
+          <p:cNvPr id="17" name="Title 16"/>
+          <p:cNvSpPr>
+            <a:spLocks noGrp="1"/>
+          </p:cNvSpPr>
+          <p:nvPr>
+            <p:ph type="title"/>
+          </p:nvPr>
+        </p:nvSpPr>
+        <p:spPr/>
+        <p:txBody>
+          <a:bodyPr/>
+          <a:lstStyle/>
+          <a:p>
+            <a:r>
+              <a:rPr lang="en-US" dirty="0"/>
               <a:t>Text layout with bulleted text</a:t>
             </a:r>
           </a:p>
@@ -27774,7 +28292,7 @@
 </p:sld>
 </file>
 
-<file path=ppt/slides/slide7.xml><?xml version="1.0" encoding="utf-8"?>
+<file path=ppt/slides/slide8.xml><?xml version="1.0" encoding="utf-8"?>
 <p:sld xmlns:a="http://schemas.openxmlformats.org/drawingml/2006/main" xmlns:r="http://schemas.openxmlformats.org/officeDocument/2006/relationships" xmlns:p="http://schemas.openxmlformats.org/presentationml/2006/main">
   <p:cSld>
     <p:spTree>
@@ -28017,7 +28535,7 @@
 </p:sld>
 </file>
 
-<file path=ppt/slides/slide8.xml><?xml version="1.0" encoding="utf-8"?>
+<file path=ppt/slides/slide9.xml><?xml version="1.0" encoding="utf-8"?>
 <p:sld xmlns:a="http://schemas.openxmlformats.org/drawingml/2006/main" xmlns:r="http://schemas.openxmlformats.org/officeDocument/2006/relationships" xmlns:p="http://schemas.openxmlformats.org/presentationml/2006/main">
   <p:cSld>
     <p:spTree>
@@ -28524,239 +29042,6 @@
     <p:extLst>
       <p:ext uri="{BB962C8B-B14F-4D97-AF65-F5344CB8AC3E}">
         <p14:creationId xmlns:p14="http://schemas.microsoft.com/office/powerpoint/2010/main" val="3188989622"/>
-      </p:ext>
-    </p:extLst>
-  </p:cSld>
-  <p:clrMapOvr>
-    <a:masterClrMapping/>
-  </p:clrMapOvr>
-  <p:transition>
-    <p:fade/>
-  </p:transition>
-</p:sld>
-</file>
-
-<file path=ppt/slides/slide9.xml><?xml version="1.0" encoding="utf-8"?>
-<p:sld xmlns:a="http://schemas.openxmlformats.org/drawingml/2006/main" xmlns:r="http://schemas.openxmlformats.org/officeDocument/2006/relationships" xmlns:p="http://schemas.openxmlformats.org/presentationml/2006/main">
-  <p:cSld>
-    <p:spTree>
-      <p:nvGrpSpPr>
-        <p:cNvPr id="1" name=""/>
-        <p:cNvGrpSpPr/>
-        <p:nvPr/>
-      </p:nvGrpSpPr>
-      <p:grpSpPr>
-        <a:xfrm>
-          <a:off x="0" y="0"/>
-          <a:ext cx="0" cy="0"/>
-          <a:chOff x="0" y="0"/>
-          <a:chExt cx="0" cy="0"/>
-        </a:xfrm>
-      </p:grpSpPr>
-      <p:sp>
-        <p:nvSpPr>
-          <p:cNvPr id="2" name="Title 1"/>
-          <p:cNvSpPr>
-            <a:spLocks noGrp="1"/>
-          </p:cNvSpPr>
-          <p:nvPr>
-            <p:ph type="title"/>
-          </p:nvPr>
-        </p:nvSpPr>
-        <p:spPr>
-          <a:xfrm>
-            <a:off x="588263" y="457200"/>
-            <a:ext cx="11018520" cy="861774"/>
-          </a:xfrm>
-        </p:spPr>
-        <p:txBody>
-          <a:bodyPr/>
-          <a:lstStyle/>
-          <a:p>
-            <a:r>
-              <a:rPr lang="en-US" dirty="0"/>
-              <a:t>Bullet points layout with subtitle</a:t>
-            </a:r>
-            <a:br>
-              <a:rPr lang="en-US" dirty="0"/>
-            </a:br>
-            <a:r>
-              <a:rPr lang="en-US" sz="2000" spc="0" dirty="0"/>
-              <a:t>Set the subtitle to 20pt in the same text block, with character spacing Normal</a:t>
-            </a:r>
-            <a:endParaRPr lang="en-US" sz="2000" dirty="0"/>
-          </a:p>
-        </p:txBody>
-      </p:sp>
-      <p:sp>
-        <p:nvSpPr>
-          <p:cNvPr id="3" name="Text Placeholder 2"/>
-          <p:cNvSpPr>
-            <a:spLocks noGrp="1"/>
-          </p:cNvSpPr>
-          <p:nvPr>
-            <p:ph type="body" sz="quarter" idx="10"/>
-          </p:nvPr>
-        </p:nvSpPr>
-        <p:spPr>
-          <a:xfrm>
-            <a:off x="590868" y="2023428"/>
-            <a:ext cx="11018520" cy="2308324"/>
-          </a:xfrm>
-        </p:spPr>
-        <p:txBody>
-          <a:bodyPr/>
-          <a:lstStyle/>
-          <a:p>
-            <a:r>
-              <a:rPr lang="en-US" dirty="0"/>
-              <a:t>Move the text block down vertically to align to lower guide</a:t>
-            </a:r>
-          </a:p>
-          <a:p>
-            <a:r>
-              <a:rPr lang="en-US" dirty="0"/>
-              <a:t>If you don’t see guidelines, click on the View menu, </a:t>
-            </a:r>
-            <a:br>
-              <a:rPr lang="en-US" dirty="0"/>
-            </a:br>
-            <a:r>
-              <a:rPr lang="en-US" dirty="0"/>
-              <a:t>and then check the box in front of “Guides”</a:t>
-            </a:r>
-          </a:p>
-          <a:p>
-            <a:endParaRPr lang="en-US" dirty="0"/>
-          </a:p>
-          <a:p>
-            <a:pPr lvl="0"/>
-            <a:r>
-              <a:rPr lang="en-US" dirty="0"/>
-              <a:t>Hyperlink style: </a:t>
-            </a:r>
-            <a:r>
-              <a:rPr lang="en-US" dirty="0">
-                <a:hlinkClick r:id="rId3"/>
-              </a:rPr>
-              <a:t>www.microsoft.com</a:t>
-            </a:r>
-            <a:r>
-              <a:rPr lang="en-US" dirty="0"/>
-              <a:t> </a:t>
-            </a:r>
-          </a:p>
-        </p:txBody>
-      </p:sp>
-      <p:sp>
-        <p:nvSpPr>
-          <p:cNvPr id="5" name="Freeform: Shape 4" descr="arrow pointing to the guideline referenced in the description">
-            <a:extLst>
-              <a:ext uri="{FF2B5EF4-FFF2-40B4-BE49-F238E27FC236}">
-                <a16:creationId xmlns:a16="http://schemas.microsoft.com/office/drawing/2014/main" id="{E5C95B55-C8C2-4281-8822-EF25FF1047B7}"/>
-              </a:ext>
-            </a:extLst>
-          </p:cNvPr>
-          <p:cNvSpPr/>
-          <p:nvPr/>
-        </p:nvSpPr>
-        <p:spPr bwMode="auto">
-          <a:xfrm>
-            <a:off x="9892076" y="2012178"/>
-            <a:ext cx="224827" cy="266861"/>
-          </a:xfrm>
-          <a:custGeom>
-            <a:avLst/>
-            <a:gdLst>
-              <a:gd name="connsiteX0" fmla="*/ 0 w 822960"/>
-              <a:gd name="connsiteY0" fmla="*/ 205740 h 205740"/>
-              <a:gd name="connsiteX1" fmla="*/ 822960 w 822960"/>
-              <a:gd name="connsiteY1" fmla="*/ 205740 h 205740"/>
-              <a:gd name="connsiteX2" fmla="*/ 822960 w 822960"/>
-              <a:gd name="connsiteY2" fmla="*/ 0 h 205740"/>
-              <a:gd name="connsiteX0" fmla="*/ 0 w 533552"/>
-              <a:gd name="connsiteY0" fmla="*/ 205740 h 205740"/>
-              <a:gd name="connsiteX1" fmla="*/ 533552 w 533552"/>
-              <a:gd name="connsiteY1" fmla="*/ 205740 h 205740"/>
-              <a:gd name="connsiteX2" fmla="*/ 533552 w 533552"/>
-              <a:gd name="connsiteY2" fmla="*/ 0 h 205740"/>
-              <a:gd name="connsiteX0" fmla="*/ 0 w 533552"/>
-              <a:gd name="connsiteY0" fmla="*/ 192713 h 192713"/>
-              <a:gd name="connsiteX1" fmla="*/ 533552 w 533552"/>
-              <a:gd name="connsiteY1" fmla="*/ 192713 h 192713"/>
-              <a:gd name="connsiteX2" fmla="*/ 533552 w 533552"/>
-              <a:gd name="connsiteY2" fmla="*/ 0 h 192713"/>
-              <a:gd name="connsiteX0" fmla="*/ 0 w 541591"/>
-              <a:gd name="connsiteY0" fmla="*/ 208345 h 208345"/>
-              <a:gd name="connsiteX1" fmla="*/ 533552 w 541591"/>
-              <a:gd name="connsiteY1" fmla="*/ 208345 h 208345"/>
-              <a:gd name="connsiteX2" fmla="*/ 541591 w 541591"/>
-              <a:gd name="connsiteY2" fmla="*/ 0 h 208345"/>
-            </a:gdLst>
-            <a:ahLst/>
-            <a:cxnLst>
-              <a:cxn ang="0">
-                <a:pos x="connsiteX0" y="connsiteY0"/>
-              </a:cxn>
-              <a:cxn ang="0">
-                <a:pos x="connsiteX1" y="connsiteY1"/>
-              </a:cxn>
-              <a:cxn ang="0">
-                <a:pos x="connsiteX2" y="connsiteY2"/>
-              </a:cxn>
-            </a:cxnLst>
-            <a:rect l="l" t="t" r="r" b="b"/>
-            <a:pathLst>
-              <a:path w="541591" h="208345">
-                <a:moveTo>
-                  <a:pt x="0" y="208345"/>
-                </a:moveTo>
-                <a:lnTo>
-                  <a:pt x="533552" y="208345"/>
-                </a:lnTo>
-                <a:lnTo>
-                  <a:pt x="541591" y="0"/>
-                </a:lnTo>
-              </a:path>
-            </a:pathLst>
-          </a:custGeom>
-          <a:noFill/>
-          <a:ln>
-            <a:solidFill>
-              <a:schemeClr val="tx1"/>
-            </a:solidFill>
-            <a:headEnd type="none" w="med" len="med"/>
-            <a:tailEnd type="arrow" w="lg" len="med"/>
-          </a:ln>
-          <a:effectLst/>
-        </p:spPr>
-        <p:style>
-          <a:lnRef idx="1">
-            <a:schemeClr val="accent2"/>
-          </a:lnRef>
-          <a:fillRef idx="3">
-            <a:schemeClr val="accent2"/>
-          </a:fillRef>
-          <a:effectRef idx="2">
-            <a:schemeClr val="accent2"/>
-          </a:effectRef>
-          <a:fontRef idx="minor">
-            <a:schemeClr val="lt1"/>
-          </a:fontRef>
-        </p:style>
-        <p:txBody>
-          <a:bodyPr rtlCol="0" anchor="ctr"/>
-          <a:lstStyle/>
-          <a:p>
-            <a:pPr algn="ctr"/>
-            <a:endParaRPr lang="en-US" dirty="0"/>
-          </a:p>
-        </p:txBody>
-      </p:sp>
-    </p:spTree>
-    <p:extLst>
-      <p:ext uri="{BB962C8B-B14F-4D97-AF65-F5344CB8AC3E}">
-        <p14:creationId xmlns:p14="http://schemas.microsoft.com/office/powerpoint/2010/main" val="1995050349"/>
       </p:ext>
     </p:extLst>
   </p:cSld>
@@ -29609,15 +29894,6 @@
 </file>
 
 <file path=customXml/item1.xml><?xml version="1.0" encoding="utf-8"?>
-<?mso-contentType ?>
-<FormTemplates xmlns="http://schemas.microsoft.com/sharepoint/v3/contenttype/forms">
-  <Display>DocumentLibraryForm</Display>
-  <Edit>DocumentLibraryForm</Edit>
-  <New>DocumentLibraryForm</New>
-</FormTemplates>
-</file>
-
-<file path=customXml/item2.xml><?xml version="1.0" encoding="utf-8"?>
 <p:properties xmlns:p="http://schemas.microsoft.com/office/2006/metadata/properties" xmlns:xsi="http://www.w3.org/2001/XMLSchema-instance" xmlns:pc="http://schemas.microsoft.com/office/infopath/2007/PartnerControls">
   <documentManagement>
     <_ip_UnifiedCompliancePolicyUIAction xmlns="http://schemas.microsoft.com/sharepoint/v3" xsi:nil="true"/>
@@ -29625,6 +29901,15 @@
     <MediaServiceKeyPoints xmlns="965de625-df5b-42e9-a277-2113da4f1195" xsi:nil="true"/>
   </documentManagement>
 </p:properties>
+</file>
+
+<file path=customXml/item2.xml><?xml version="1.0" encoding="utf-8"?>
+<?mso-contentType ?>
+<FormTemplates xmlns="http://schemas.microsoft.com/sharepoint/v3/contenttype/forms">
+  <Display>DocumentLibraryForm</Display>
+  <Edit>DocumentLibraryForm</Edit>
+  <New>DocumentLibraryForm</New>
+</FormTemplates>
 </file>
 
 <file path=customXml/item3.xml><?xml version="1.0" encoding="utf-8"?>
@@ -29876,14 +30161,6 @@
 </file>
 
 <file path=customXml/itemProps1.xml><?xml version="1.0" encoding="utf-8"?>
-<ds:datastoreItem xmlns:ds="http://schemas.openxmlformats.org/officeDocument/2006/customXml" ds:itemID="{758FDAC0-319D-4A54-8D8E-1D42CB1F8004}">
-  <ds:schemaRefs>
-    <ds:schemaRef ds:uri="http://schemas.microsoft.com/sharepoint/v3/contenttype/forms"/>
-  </ds:schemaRefs>
-</ds:datastoreItem>
-</file>
-
-<file path=customXml/itemProps2.xml><?xml version="1.0" encoding="utf-8"?>
 <ds:datastoreItem xmlns:ds="http://schemas.openxmlformats.org/officeDocument/2006/customXml" ds:itemID="{F990F116-B58F-4255-B05B-DA3808E0E5C6}">
   <ds:schemaRefs>
     <ds:schemaRef ds:uri="http://purl.org/dc/elements/1.1/"/>
@@ -29897,6 +30174,14 @@
     <ds:schemaRef ds:uri="http://schemas.microsoft.com/office/infopath/2007/PartnerControls"/>
     <ds:schemaRef ds:uri="http://schemas.openxmlformats.org/package/2006/metadata/core-properties"/>
     <ds:schemaRef ds:uri="http://www.w3.org/XML/1998/namespace"/>
+  </ds:schemaRefs>
+</ds:datastoreItem>
+</file>
+
+<file path=customXml/itemProps2.xml><?xml version="1.0" encoding="utf-8"?>
+<ds:datastoreItem xmlns:ds="http://schemas.openxmlformats.org/officeDocument/2006/customXml" ds:itemID="{758FDAC0-319D-4A54-8D8E-1D42CB1F8004}">
+  <ds:schemaRefs>
+    <ds:schemaRef ds:uri="http://schemas.microsoft.com/sharepoint/v3/contenttype/forms"/>
   </ds:schemaRefs>
 </ds:datastoreItem>
 </file>

--- a/126-AzureCost/Azure Cost PBI BootCamp.pptx
+++ b/126-AzureCost/Azure Cost PBI BootCamp.pptx
@@ -5,39 +5,40 @@
     <p:sldMasterId id="2147484229" r:id="rId4"/>
   </p:sldMasterIdLst>
   <p:notesMasterIdLst>
-    <p:notesMasterId r:id="rId32"/>
+    <p:notesMasterId r:id="rId33"/>
   </p:notesMasterIdLst>
   <p:handoutMasterIdLst>
-    <p:handoutMasterId r:id="rId33"/>
+    <p:handoutMasterId r:id="rId34"/>
   </p:handoutMasterIdLst>
   <p:sldIdLst>
     <p:sldId id="1661" r:id="rId5"/>
     <p:sldId id="2051" r:id="rId6"/>
     <p:sldId id="2054" r:id="rId7"/>
-    <p:sldId id="2052" r:id="rId8"/>
-    <p:sldId id="2053" r:id="rId9"/>
-    <p:sldId id="1660" r:id="rId10"/>
-    <p:sldId id="1670" r:id="rId11"/>
-    <p:sldId id="1548" r:id="rId12"/>
-    <p:sldId id="1635" r:id="rId13"/>
-    <p:sldId id="1523" r:id="rId14"/>
-    <p:sldId id="1716" r:id="rId15"/>
-    <p:sldId id="1524" r:id="rId16"/>
-    <p:sldId id="1906" r:id="rId17"/>
-    <p:sldId id="1947" r:id="rId18"/>
-    <p:sldId id="1946" r:id="rId19"/>
-    <p:sldId id="2045" r:id="rId20"/>
-    <p:sldId id="2046" r:id="rId21"/>
-    <p:sldId id="1995" r:id="rId22"/>
-    <p:sldId id="1994" r:id="rId23"/>
-    <p:sldId id="2042" r:id="rId24"/>
-    <p:sldId id="1941" r:id="rId25"/>
-    <p:sldId id="1804" r:id="rId26"/>
-    <p:sldId id="1527" r:id="rId27"/>
-    <p:sldId id="1529" r:id="rId28"/>
-    <p:sldId id="1530" r:id="rId29"/>
-    <p:sldId id="1531" r:id="rId30"/>
-    <p:sldId id="1532" r:id="rId31"/>
+    <p:sldId id="2055" r:id="rId8"/>
+    <p:sldId id="2052" r:id="rId9"/>
+    <p:sldId id="2053" r:id="rId10"/>
+    <p:sldId id="1660" r:id="rId11"/>
+    <p:sldId id="1670" r:id="rId12"/>
+    <p:sldId id="1548" r:id="rId13"/>
+    <p:sldId id="1635" r:id="rId14"/>
+    <p:sldId id="1523" r:id="rId15"/>
+    <p:sldId id="1716" r:id="rId16"/>
+    <p:sldId id="1524" r:id="rId17"/>
+    <p:sldId id="1906" r:id="rId18"/>
+    <p:sldId id="1947" r:id="rId19"/>
+    <p:sldId id="1946" r:id="rId20"/>
+    <p:sldId id="2045" r:id="rId21"/>
+    <p:sldId id="2046" r:id="rId22"/>
+    <p:sldId id="1995" r:id="rId23"/>
+    <p:sldId id="1994" r:id="rId24"/>
+    <p:sldId id="2042" r:id="rId25"/>
+    <p:sldId id="1941" r:id="rId26"/>
+    <p:sldId id="1804" r:id="rId27"/>
+    <p:sldId id="1527" r:id="rId28"/>
+    <p:sldId id="1529" r:id="rId29"/>
+    <p:sldId id="1530" r:id="rId30"/>
+    <p:sldId id="1531" r:id="rId31"/>
+    <p:sldId id="1532" r:id="rId32"/>
   </p:sldIdLst>
   <p:sldSz cx="12192000" cy="6858000"/>
   <p:notesSz cx="6858000" cy="9144000"/>
@@ -144,6 +145,7 @@
             <p14:sldId id="1661"/>
             <p14:sldId id="2051"/>
             <p14:sldId id="2054"/>
+            <p14:sldId id="2055"/>
           </p14:sldIdLst>
         </p14:section>
         <p14:section name="Advanced Technical Tips" id="{C2204EC9-CF4E-4BCE-A19D-8EF7015C5371}">
@@ -315,7 +317,7 @@
               <a:rPr lang="en-US" smtClean="0">
                 <a:latin typeface="Segoe UI" pitchFamily="34" charset="0"/>
               </a:rPr>
-              <a:t>10/17/2022 9:01 AM</a:t>
+              <a:t>10/19/2022 2:30 PM</a:t>
             </a:fld>
             <a:endParaRPr lang="en-US" dirty="0">
               <a:latin typeface="Segoe UI" pitchFamily="34" charset="0"/>
@@ -593,7 +595,7 @@
           <a:p>
             <a:fld id="{386CE63F-9E7F-4C04-9D0D-FCA25A8E9E86}" type="datetime8">
               <a:rPr lang="en-US" smtClean="0"/>
-              <a:t>10/17/2022 9:00 AM</a:t>
+              <a:t>10/19/2022 2:06 PM</a:t>
             </a:fld>
             <a:endParaRPr lang="en-US" dirty="0"/>
           </a:p>
@@ -960,7 +962,7 @@
           <a:p>
             <a:fld id="{62C61DAB-D93E-49CA-B245-379601CFE8D0}" type="datetime8">
               <a:rPr lang="en-US" smtClean="0"/>
-              <a:t>10/17/2022 9:00 AM</a:t>
+              <a:t>10/19/2022 2:06 PM</a:t>
             </a:fld>
             <a:endParaRPr lang="en-US" dirty="0"/>
           </a:p>
@@ -1125,7 +1127,7 @@
           <a:p>
             <a:fld id="{49B14B72-BE03-4760-B747-D349DA60D861}" type="datetime8">
               <a:rPr lang="en-US" smtClean="0"/>
-              <a:t>10/17/2022 9:00 AM</a:t>
+              <a:t>10/19/2022 2:06 PM</a:t>
             </a:fld>
             <a:endParaRPr lang="en-US" dirty="0"/>
           </a:p>
@@ -1149,7 +1151,7 @@
             <a:fld id="{B4008EB6-D09E-4580-8CD6-DDB14511944F}" type="slidenum">
               <a:rPr lang="en-US" smtClean="0"/>
               <a:pPr/>
-              <a:t>12</a:t>
+              <a:t>13</a:t>
             </a:fld>
             <a:endParaRPr lang="en-US" dirty="0"/>
           </a:p>
@@ -1290,7 +1292,7 @@
           <a:p>
             <a:fld id="{49B14B72-BE03-4760-B747-D349DA60D861}" type="datetime8">
               <a:rPr lang="en-US" smtClean="0"/>
-              <a:t>10/17/2022 9:00 AM</a:t>
+              <a:t>10/19/2022 2:06 PM</a:t>
             </a:fld>
             <a:endParaRPr lang="en-US" dirty="0"/>
           </a:p>
@@ -1314,7 +1316,7 @@
             <a:fld id="{B4008EB6-D09E-4580-8CD6-DDB14511944F}" type="slidenum">
               <a:rPr lang="en-US" smtClean="0"/>
               <a:pPr/>
-              <a:t>13</a:t>
+              <a:t>14</a:t>
             </a:fld>
             <a:endParaRPr lang="en-US" dirty="0"/>
           </a:p>
@@ -1455,7 +1457,7 @@
           <a:p>
             <a:fld id="{54A7B7B7-C694-4FC8-B0BD-20DAA0A272F9}" type="datetime8">
               <a:rPr lang="en-US" smtClean="0"/>
-              <a:t>10/17/2022 9:00 AM</a:t>
+              <a:t>10/19/2022 2:06 PM</a:t>
             </a:fld>
             <a:endParaRPr lang="en-US" dirty="0"/>
           </a:p>
@@ -1478,7 +1480,7 @@
           <a:p>
             <a:fld id="{B4008EB6-D09E-4580-8CD6-DDB14511944F}" type="slidenum">
               <a:rPr lang="en-US" smtClean="0"/>
-              <a:t>18</a:t>
+              <a:t>19</a:t>
             </a:fld>
             <a:endParaRPr lang="en-US" dirty="0"/>
           </a:p>
@@ -1619,7 +1621,7 @@
           <a:p>
             <a:fld id="{91FF42D5-4657-4D58-A751-082C26315A19}" type="datetime8">
               <a:rPr lang="en-US" smtClean="0"/>
-              <a:t>10/17/2022 9:00 AM</a:t>
+              <a:t>10/19/2022 2:06 PM</a:t>
             </a:fld>
             <a:endParaRPr lang="en-US" dirty="0"/>
           </a:p>
@@ -1643,7 +1645,7 @@
             <a:fld id="{B4008EB6-D09E-4580-8CD6-DDB14511944F}" type="slidenum">
               <a:rPr lang="en-US" smtClean="0"/>
               <a:pPr/>
-              <a:t>19</a:t>
+              <a:t>20</a:t>
             </a:fld>
             <a:endParaRPr lang="en-US" dirty="0"/>
           </a:p>
@@ -1727,7 +1729,7 @@
           <a:p>
             <a:fld id="{C5079D02-5D34-4786-9834-A1F44E52D535}" type="slidenum">
               <a:rPr lang="en-US" smtClean="0"/>
-              <a:t>20</a:t>
+              <a:t>21</a:t>
             </a:fld>
             <a:endParaRPr lang="en-US" dirty="0"/>
           </a:p>
@@ -1756,7 +1758,7 @@
           <a:p>
             <a:fld id="{480C6978-FA11-423D-8FDA-CB59A4787224}" type="datetime8">
               <a:rPr lang="en-US" smtClean="0"/>
-              <a:t>10/17/2022 9:00 AM</a:t>
+              <a:t>10/19/2022 2:06 PM</a:t>
             </a:fld>
             <a:endParaRPr lang="en-US" dirty="0"/>
           </a:p>
@@ -1909,7 +1911,7 @@
           <a:p>
             <a:fld id="{353CB5B1-3D40-4389-814A-A3E0AEC8E2FF}" type="datetime8">
               <a:rPr lang="en-US" smtClean="0"/>
-              <a:t>10/17/2022 9:00 AM</a:t>
+              <a:t>10/19/2022 2:06 PM</a:t>
             </a:fld>
             <a:endParaRPr lang="en-US" dirty="0"/>
           </a:p>
@@ -1933,7 +1935,7 @@
             <a:fld id="{B4008EB6-D09E-4580-8CD6-DDB14511944F}" type="slidenum">
               <a:rPr lang="en-US" smtClean="0"/>
               <a:pPr/>
-              <a:t>21</a:t>
+              <a:t>22</a:t>
             </a:fld>
             <a:endParaRPr lang="en-US" dirty="0"/>
           </a:p>
@@ -2086,7 +2088,7 @@
           <a:p>
             <a:fld id="{353CB5B1-3D40-4389-814A-A3E0AEC8E2FF}" type="datetime8">
               <a:rPr lang="en-US" smtClean="0"/>
-              <a:t>10/17/2022 9:00 AM</a:t>
+              <a:t>10/19/2022 2:06 PM</a:t>
             </a:fld>
             <a:endParaRPr lang="en-US" dirty="0"/>
           </a:p>
@@ -2110,7 +2112,7 @@
             <a:fld id="{B4008EB6-D09E-4580-8CD6-DDB14511944F}" type="slidenum">
               <a:rPr lang="en-US" smtClean="0"/>
               <a:pPr/>
-              <a:t>22</a:t>
+              <a:t>23</a:t>
             </a:fld>
             <a:endParaRPr lang="en-US" dirty="0"/>
           </a:p>
@@ -2320,7 +2322,7 @@
           <a:p>
             <a:fld id="{B16574EE-8191-4BCC-ABE6-D00A4F4D7690}" type="datetime8">
               <a:rPr lang="en-US" smtClean="0"/>
-              <a:t>10/17/2022 9:00 AM</a:t>
+              <a:t>10/19/2022 2:06 PM</a:t>
             </a:fld>
             <a:endParaRPr lang="en-US" dirty="0"/>
           </a:p>
@@ -2344,7 +2346,7 @@
             <a:fld id="{B4008EB6-D09E-4580-8CD6-DDB14511944F}" type="slidenum">
               <a:rPr lang="en-US" smtClean="0"/>
               <a:pPr/>
-              <a:t>23</a:t>
+              <a:t>24</a:t>
             </a:fld>
             <a:endParaRPr lang="en-US" dirty="0"/>
           </a:p>
@@ -2485,7 +2487,7 @@
           <a:p>
             <a:fld id="{E2F19A73-88F5-4B80-A929-CF8E66EE5449}" type="datetime8">
               <a:rPr lang="en-US" smtClean="0"/>
-              <a:t>10/17/2022 9:00 AM</a:t>
+              <a:t>10/19/2022 2:06 PM</a:t>
             </a:fld>
             <a:endParaRPr lang="en-US" dirty="0"/>
           </a:p>
@@ -2509,7 +2511,7 @@
             <a:fld id="{B4008EB6-D09E-4580-8CD6-DDB14511944F}" type="slidenum">
               <a:rPr lang="en-US" smtClean="0"/>
               <a:pPr/>
-              <a:t>24</a:t>
+              <a:t>25</a:t>
             </a:fld>
             <a:endParaRPr lang="en-US" dirty="0"/>
           </a:p>
@@ -2594,7 +2596,7 @@
             <a:fld id="{B4008EB6-D09E-4580-8CD6-DDB14511944F}" type="slidenum">
               <a:rPr lang="en-US" smtClean="0"/>
               <a:pPr/>
-              <a:t>25</a:t>
+              <a:t>26</a:t>
             </a:fld>
             <a:endParaRPr lang="en-US" dirty="0"/>
           </a:p>
@@ -2617,7 +2619,7 @@
           <a:p>
             <a:fld id="{D44C3489-8257-4E60-994D-6A5CEE67ED71}" type="datetime8">
               <a:rPr lang="en-US" smtClean="0"/>
-              <a:t>10/17/2022 9:00 AM</a:t>
+              <a:t>10/19/2022 2:06 PM</a:t>
             </a:fld>
             <a:endParaRPr lang="en-US" dirty="0"/>
           </a:p>
@@ -2831,7 +2833,7 @@
           <a:p>
             <a:fld id="{386CE63F-9E7F-4C04-9D0D-FCA25A8E9E86}" type="datetime8">
               <a:rPr lang="en-US" smtClean="0"/>
-              <a:t>10/17/2022 9:00 AM</a:t>
+              <a:t>10/19/2022 2:06 PM</a:t>
             </a:fld>
             <a:endParaRPr lang="en-US" dirty="0"/>
           </a:p>
@@ -2981,7 +2983,7 @@
                   <a:prstClr val="black"/>
                 </a:solidFill>
               </a:rPr>
-              <a:t>10/17/2022 9:00 AM</a:t>
+              <a:t>10/19/2022 2:06 PM</a:t>
             </a:fld>
             <a:endParaRPr lang="en-US" dirty="0">
               <a:solidFill>
@@ -3013,7 +3015,7 @@
                 </a:solidFill>
               </a:rPr>
               <a:pPr/>
-              <a:t>26</a:t>
+              <a:t>27</a:t>
             </a:fld>
             <a:endParaRPr lang="en-US" dirty="0">
               <a:solidFill>
@@ -3181,7 +3183,7 @@
                   <a:prstClr val="black"/>
                 </a:solidFill>
               </a:rPr>
-              <a:t>10/17/2022 9:00 AM</a:t>
+              <a:t>10/19/2022 2:06 PM</a:t>
             </a:fld>
             <a:endParaRPr lang="en-US" dirty="0">
               <a:solidFill>
@@ -3213,7 +3215,7 @@
                 </a:solidFill>
               </a:rPr>
               <a:pPr/>
-              <a:t>27</a:t>
+              <a:t>28</a:t>
             </a:fld>
             <a:endParaRPr lang="en-US" dirty="0">
               <a:solidFill>
@@ -3506,7 +3508,7 @@
           <a:p>
             <a:fld id="{386CE63F-9E7F-4C04-9D0D-FCA25A8E9E86}" type="datetime8">
               <a:rPr lang="en-US" smtClean="0"/>
-              <a:t>10/17/2022 9:00 AM</a:t>
+              <a:t>10/19/2022 2:06 PM</a:t>
             </a:fld>
             <a:endParaRPr lang="en-US" dirty="0"/>
           </a:p>
@@ -3530,7 +3532,7 @@
             <a:fld id="{B4008EB6-D09E-4580-8CD6-DDB14511944F}" type="slidenum">
               <a:rPr lang="en-US" smtClean="0"/>
               <a:pPr/>
-              <a:t>4</a:t>
+              <a:t>5</a:t>
             </a:fld>
             <a:endParaRPr lang="en-US" dirty="0"/>
           </a:p>
@@ -3671,7 +3673,7 @@
           <a:p>
             <a:fld id="{72E0C910-0166-48E0-B8EF-5071277A02A8}" type="datetime8">
               <a:rPr lang="en-US" smtClean="0"/>
-              <a:t>10/17/2022 9:00 AM</a:t>
+              <a:t>10/19/2022 2:06 PM</a:t>
             </a:fld>
             <a:endParaRPr lang="en-US" dirty="0"/>
           </a:p>
@@ -3695,7 +3697,7 @@
             <a:fld id="{B4008EB6-D09E-4580-8CD6-DDB14511944F}" type="slidenum">
               <a:rPr lang="en-US" smtClean="0"/>
               <a:pPr/>
-              <a:t>6</a:t>
+              <a:t>7</a:t>
             </a:fld>
             <a:endParaRPr lang="en-US" dirty="0"/>
           </a:p>
@@ -3836,7 +3838,7 @@
           <a:p>
             <a:fld id="{9427A7F7-BB1E-479D-AFAA-B52F4D0C99F2}" type="datetime8">
               <a:rPr lang="en-US" smtClean="0"/>
-              <a:t>10/17/2022 9:00 AM</a:t>
+              <a:t>10/19/2022 2:06 PM</a:t>
             </a:fld>
             <a:endParaRPr lang="en-US" dirty="0"/>
           </a:p>
@@ -3860,7 +3862,7 @@
             <a:fld id="{B4008EB6-D09E-4580-8CD6-DDB14511944F}" type="slidenum">
               <a:rPr lang="en-US" smtClean="0"/>
               <a:pPr/>
-              <a:t>7</a:t>
+              <a:t>8</a:t>
             </a:fld>
             <a:endParaRPr lang="en-US" dirty="0"/>
           </a:p>
@@ -4001,7 +4003,7 @@
           <a:p>
             <a:fld id="{2D0AF0B6-AF0D-4EDB-B60E-27694EB68262}" type="datetime8">
               <a:rPr lang="en-US" smtClean="0"/>
-              <a:t>10/17/2022 9:00 AM</a:t>
+              <a:t>10/19/2022 2:06 PM</a:t>
             </a:fld>
             <a:endParaRPr lang="en-US" dirty="0"/>
           </a:p>
@@ -4025,7 +4027,7 @@
             <a:fld id="{B4008EB6-D09E-4580-8CD6-DDB14511944F}" type="slidenum">
               <a:rPr lang="en-US" smtClean="0"/>
               <a:pPr/>
-              <a:t>8</a:t>
+              <a:t>9</a:t>
             </a:fld>
             <a:endParaRPr lang="en-US" dirty="0"/>
           </a:p>
@@ -4110,7 +4112,7 @@
             <a:fld id="{B4008EB6-D09E-4580-8CD6-DDB14511944F}" type="slidenum">
               <a:rPr lang="en-US" smtClean="0"/>
               <a:pPr/>
-              <a:t>9</a:t>
+              <a:t>10</a:t>
             </a:fld>
             <a:endParaRPr lang="en-US" dirty="0"/>
           </a:p>
@@ -4133,7 +4135,7 @@
           <a:p>
             <a:fld id="{1D9BFF88-B9B5-4B68-BAE1-09ACB5D03C54}" type="datetime8">
               <a:rPr lang="en-US" smtClean="0"/>
-              <a:t>10/17/2022 9:00 AM</a:t>
+              <a:t>10/19/2022 2:06 PM</a:t>
             </a:fld>
             <a:endParaRPr lang="en-US" dirty="0"/>
           </a:p>
@@ -4300,7 +4302,7 @@
           <a:p>
             <a:fld id="{06C18626-F474-479E-937A-543AA55347B1}" type="datetime8">
               <a:rPr lang="en-US" smtClean="0"/>
-              <a:t>10/17/2022 9:00 AM</a:t>
+              <a:t>10/19/2022 2:06 PM</a:t>
             </a:fld>
             <a:endParaRPr lang="en-US" dirty="0"/>
           </a:p>
@@ -4332,7 +4334,7 @@
             <a:fld id="{8B263312-38AA-4E1E-B2B5-0F8F122B24FE}" type="slidenum">
               <a:rPr lang="en-US" smtClean="0"/>
               <a:pPr/>
-              <a:t>10</a:t>
+              <a:t>11</a:t>
             </a:fld>
             <a:endParaRPr lang="en-US" dirty="0"/>
           </a:p>
@@ -4530,7 +4532,7 @@
           <a:p>
             <a:fld id="{A5CD2277-7C1A-43CA-8676-87B24AD584BD}" type="datetime8">
               <a:rPr lang="en-US" smtClean="0"/>
-              <a:t>10/17/2022 9:00 AM</a:t>
+              <a:t>10/19/2022 2:06 PM</a:t>
             </a:fld>
             <a:endParaRPr lang="en-US" dirty="0"/>
           </a:p>
@@ -4554,7 +4556,7 @@
             <a:fld id="{B4008EB6-D09E-4580-8CD6-DDB14511944F}" type="slidenum">
               <a:rPr lang="en-US" smtClean="0"/>
               <a:pPr/>
-              <a:t>11</a:t>
+              <a:t>12</a:t>
             </a:fld>
             <a:endParaRPr lang="en-US" dirty="0"/>
           </a:p>
@@ -14262,6 +14264,525 @@
       </p:grpSpPr>
       <p:sp>
         <p:nvSpPr>
+          <p:cNvPr id="17" name="Title 16"/>
+          <p:cNvSpPr>
+            <a:spLocks noGrp="1"/>
+          </p:cNvSpPr>
+          <p:nvPr>
+            <p:ph type="title"/>
+          </p:nvPr>
+        </p:nvSpPr>
+        <p:spPr/>
+        <p:txBody>
+          <a:bodyPr/>
+          <a:lstStyle/>
+          <a:p>
+            <a:r>
+              <a:rPr lang="en-US" dirty="0"/>
+              <a:t>Adjusting list levels</a:t>
+            </a:r>
+          </a:p>
+        </p:txBody>
+      </p:sp>
+      <p:sp>
+        <p:nvSpPr>
+          <p:cNvPr id="6" name="Text Placeholder 5"/>
+          <p:cNvSpPr>
+            <a:spLocks noGrp="1"/>
+          </p:cNvSpPr>
+          <p:nvPr>
+            <p:ph sz="quarter" idx="10"/>
+          </p:nvPr>
+        </p:nvSpPr>
+        <p:spPr>
+          <a:xfrm>
+            <a:off x="584200" y="1435100"/>
+            <a:ext cx="5511800" cy="1095685"/>
+          </a:xfrm>
+        </p:spPr>
+        <p:txBody>
+          <a:bodyPr wrap="square">
+            <a:spAutoFit/>
+          </a:bodyPr>
+          <a:lstStyle/>
+          <a:p>
+            <a:r>
+              <a:rPr lang="en-US" dirty="0"/>
+              <a:t>Main topic: Segoe UI, size 28pt</a:t>
+            </a:r>
+          </a:p>
+          <a:p>
+            <a:pPr lvl="1"/>
+            <a:r>
+              <a:rPr lang="en-US" dirty="0"/>
+              <a:t>Segoe UI, size 20pt for second level</a:t>
+            </a:r>
+          </a:p>
+          <a:p>
+            <a:pPr lvl="2"/>
+            <a:r>
+              <a:rPr lang="en-US" sz="1600" dirty="0"/>
+              <a:t>Segoe UI, size 16pt for third level</a:t>
+            </a:r>
+          </a:p>
+        </p:txBody>
+      </p:sp>
+      <p:sp>
+        <p:nvSpPr>
+          <p:cNvPr id="4" name="Rectangle 3">
+            <a:extLst>
+              <a:ext uri="{FF2B5EF4-FFF2-40B4-BE49-F238E27FC236}">
+                <a16:creationId xmlns:a16="http://schemas.microsoft.com/office/drawing/2014/main" id="{04EE52DC-E441-4CFE-A00E-424DD19F14DF}"/>
+              </a:ext>
+              <a:ext uri="{C183D7F6-B498-43B3-948B-1728B52AA6E4}">
+                <adec:decorative xmlns:adec="http://schemas.microsoft.com/office/drawing/2017/decorative" val="1"/>
+              </a:ext>
+            </a:extLst>
+          </p:cNvPr>
+          <p:cNvSpPr/>
+          <p:nvPr/>
+        </p:nvSpPr>
+        <p:spPr bwMode="auto">
+          <a:xfrm>
+            <a:off x="6672263" y="588962"/>
+            <a:ext cx="4931473" cy="5680076"/>
+          </a:xfrm>
+          <a:prstGeom prst="rect">
+            <a:avLst/>
+          </a:prstGeom>
+          <a:solidFill>
+            <a:schemeClr val="tx1">
+              <a:alpha val="4000"/>
+            </a:schemeClr>
+          </a:solidFill>
+          <a:ln>
+            <a:noFill/>
+            <a:headEnd type="none" w="med" len="med"/>
+            <a:tailEnd type="none" w="med" len="med"/>
+          </a:ln>
+          <a:effectLst/>
+        </p:spPr>
+        <p:style>
+          <a:lnRef idx="1">
+            <a:schemeClr val="accent2"/>
+          </a:lnRef>
+          <a:fillRef idx="3">
+            <a:schemeClr val="accent2"/>
+          </a:fillRef>
+          <a:effectRef idx="2">
+            <a:schemeClr val="accent2"/>
+          </a:effectRef>
+          <a:fontRef idx="minor">
+            <a:schemeClr val="lt1"/>
+          </a:fontRef>
+        </p:style>
+        <p:txBody>
+          <a:bodyPr rot="0" spcFirstLastPara="0" vertOverflow="overflow" horzOverflow="overflow" vert="horz" wrap="square" lIns="182880" tIns="146304" rIns="182880" bIns="146304" numCol="1" spcCol="0" rtlCol="0" fromWordArt="0" anchor="t" anchorCtr="0" forceAA="0" compatLnSpc="1">
+            <a:prstTxWarp prst="textNoShape">
+              <a:avLst/>
+            </a:prstTxWarp>
+            <a:noAutofit/>
+          </a:bodyPr>
+          <a:lstStyle/>
+          <a:p>
+            <a:pPr algn="ctr" defTabSz="932472" fontAlgn="base">
+              <a:spcBef>
+                <a:spcPct val="0"/>
+              </a:spcBef>
+              <a:spcAft>
+                <a:spcPct val="0"/>
+              </a:spcAft>
+            </a:pPr>
+            <a:endParaRPr lang="en-US" sz="2400" dirty="0">
+              <a:gradFill>
+                <a:gsLst>
+                  <a:gs pos="0">
+                    <a:srgbClr val="FFFFFF"/>
+                  </a:gs>
+                  <a:gs pos="100000">
+                    <a:srgbClr val="FFFFFF"/>
+                  </a:gs>
+                </a:gsLst>
+                <a:lin ang="5400000" scaled="0"/>
+              </a:gradFill>
+              <a:ea typeface="Segoe UI" pitchFamily="34" charset="0"/>
+              <a:cs typeface="Segoe UI" pitchFamily="34" charset="0"/>
+            </a:endParaRPr>
+          </a:p>
+        </p:txBody>
+      </p:sp>
+      <p:pic>
+        <p:nvPicPr>
+          <p:cNvPr id="8" name="Picture 3" descr="Screenshot of Decrease List level and Increase List Level menu"/>
+          <p:cNvPicPr>
+            <a:picLocks noChangeAspect="1" noChangeArrowheads="1"/>
+          </p:cNvPicPr>
+          <p:nvPr/>
+        </p:nvPicPr>
+        <p:blipFill>
+          <a:blip r:embed="rId3">
+            <a:extLst>
+              <a:ext uri="{28A0092B-C50C-407E-A947-70E740481C1C}">
+                <a14:useLocalDpi xmlns:a14="http://schemas.microsoft.com/office/drawing/2010/main"/>
+              </a:ext>
+            </a:extLst>
+          </a:blip>
+          <a:stretch>
+            <a:fillRect/>
+          </a:stretch>
+        </p:blipFill>
+        <p:spPr bwMode="auto">
+          <a:xfrm>
+            <a:off x="6972422" y="875383"/>
+            <a:ext cx="4319750" cy="962889"/>
+          </a:xfrm>
+          <a:prstGeom prst="rect">
+            <a:avLst/>
+          </a:prstGeom>
+          <a:extLst>
+            <a:ext uri="{909E8E84-426E-40DD-AFC4-6F175D3DCCD1}">
+              <a14:hiddenFill xmlns:a14="http://schemas.microsoft.com/office/drawing/2010/main">
+                <a:solidFill>
+                  <a:schemeClr val="accent1"/>
+                </a:solidFill>
+              </a14:hiddenFill>
+            </a:ext>
+            <a:ext uri="{AF507438-7753-43E0-B8FC-AC1667EBCBE1}">
+              <a14:hiddenEffects xmlns:a14="http://schemas.microsoft.com/office/drawing/2010/main">
+                <a:effectLst>
+                  <a:outerShdw dist="35921" dir="2700000" algn="ctr" rotWithShape="0">
+                    <a:schemeClr val="bg2"/>
+                  </a:outerShdw>
+                </a:effectLst>
+              </a14:hiddenEffects>
+            </a:ext>
+          </a:extLst>
+        </p:spPr>
+      </p:pic>
+      <p:sp>
+        <p:nvSpPr>
+          <p:cNvPr id="7" name="Rectangle 6"/>
+          <p:cNvSpPr/>
+          <p:nvPr/>
+        </p:nvSpPr>
+        <p:spPr bwMode="auto">
+          <a:xfrm>
+            <a:off x="6672263" y="1970034"/>
+            <a:ext cx="4931473" cy="3545586"/>
+          </a:xfrm>
+          <a:prstGeom prst="rect">
+            <a:avLst/>
+          </a:prstGeom>
+          <a:noFill/>
+          <a:ln>
+            <a:noFill/>
+            <a:headEnd type="none" w="med" len="med"/>
+            <a:tailEnd type="none" w="med" len="med"/>
+          </a:ln>
+          <a:effectLst/>
+        </p:spPr>
+        <p:style>
+          <a:lnRef idx="1">
+            <a:schemeClr val="accent2"/>
+          </a:lnRef>
+          <a:fillRef idx="3">
+            <a:schemeClr val="accent2"/>
+          </a:fillRef>
+          <a:effectRef idx="2">
+            <a:schemeClr val="accent2"/>
+          </a:effectRef>
+          <a:fontRef idx="minor">
+            <a:schemeClr val="lt1"/>
+          </a:fontRef>
+        </p:style>
+        <p:txBody>
+          <a:bodyPr rot="0" spcFirstLastPara="0" vertOverflow="overflow" horzOverflow="overflow" vert="horz" wrap="square" lIns="292608" tIns="292608" rIns="292608" bIns="292608" numCol="1" spcCol="0" rtlCol="0" fromWordArt="0" anchor="t" anchorCtr="0" forceAA="0" compatLnSpc="1">
+            <a:prstTxWarp prst="textNoShape">
+              <a:avLst/>
+            </a:prstTxWarp>
+            <a:spAutoFit/>
+          </a:bodyPr>
+          <a:lstStyle/>
+          <a:p>
+            <a:pPr defTabSz="932472" fontAlgn="base">
+              <a:spcBef>
+                <a:spcPts val="1200"/>
+              </a:spcBef>
+              <a:spcAft>
+                <a:spcPts val="1200"/>
+              </a:spcAft>
+            </a:pPr>
+            <a:r>
+              <a:rPr lang="en-US" sz="1200" dirty="0">
+                <a:solidFill>
+                  <a:schemeClr val="tx1"/>
+                </a:solidFill>
+                <a:ea typeface="Segoe UI" panose="020B0502040204020203" pitchFamily="34" charset="0"/>
+                <a:cs typeface="Segoe UI" panose="020B0502040204020203" pitchFamily="34" charset="0"/>
+              </a:rPr>
+              <a:t>Use the “</a:t>
+            </a:r>
+            <a:r>
+              <a:rPr lang="en-US" sz="1200" b="1" dirty="0">
+                <a:solidFill>
+                  <a:schemeClr val="tx1"/>
+                </a:solidFill>
+                <a:ea typeface="Segoe UI" panose="020B0502040204020203" pitchFamily="34" charset="0"/>
+                <a:cs typeface="Segoe UI" panose="020B0502040204020203" pitchFamily="34" charset="0"/>
+              </a:rPr>
+              <a:t>Decrease List Level</a:t>
+            </a:r>
+            <a:r>
+              <a:rPr lang="en-US" sz="1200" dirty="0">
+                <a:solidFill>
+                  <a:schemeClr val="tx1"/>
+                </a:solidFill>
+                <a:ea typeface="Segoe UI" panose="020B0502040204020203" pitchFamily="34" charset="0"/>
+                <a:cs typeface="Segoe UI" panose="020B0502040204020203" pitchFamily="34" charset="0"/>
+              </a:rPr>
+              <a:t>” and “</a:t>
+            </a:r>
+            <a:r>
+              <a:rPr lang="en-US" sz="1200" b="1" dirty="0">
+                <a:solidFill>
+                  <a:schemeClr val="tx1"/>
+                </a:solidFill>
+                <a:ea typeface="Segoe UI" panose="020B0502040204020203" pitchFamily="34" charset="0"/>
+                <a:cs typeface="Segoe UI" panose="020B0502040204020203" pitchFamily="34" charset="0"/>
+              </a:rPr>
+              <a:t>Increase List Level</a:t>
+            </a:r>
+            <a:r>
+              <a:rPr lang="en-US" sz="1200" dirty="0">
+                <a:solidFill>
+                  <a:schemeClr val="tx1"/>
+                </a:solidFill>
+                <a:ea typeface="Segoe UI" panose="020B0502040204020203" pitchFamily="34" charset="0"/>
+                <a:cs typeface="Segoe UI" panose="020B0502040204020203" pitchFamily="34" charset="0"/>
+              </a:rPr>
+              <a:t>” tools </a:t>
+            </a:r>
+            <a:br>
+              <a:rPr lang="en-US" sz="1200" dirty="0">
+                <a:solidFill>
+                  <a:schemeClr val="tx1"/>
+                </a:solidFill>
+                <a:ea typeface="Segoe UI" panose="020B0502040204020203" pitchFamily="34" charset="0"/>
+                <a:cs typeface="Segoe UI" panose="020B0502040204020203" pitchFamily="34" charset="0"/>
+              </a:rPr>
+            </a:br>
+            <a:r>
+              <a:rPr lang="en-US" sz="1200" dirty="0">
+                <a:solidFill>
+                  <a:schemeClr val="tx1"/>
+                </a:solidFill>
+                <a:ea typeface="Segoe UI" panose="020B0502040204020203" pitchFamily="34" charset="0"/>
+                <a:cs typeface="Segoe UI" panose="020B0502040204020203" pitchFamily="34" charset="0"/>
+              </a:rPr>
+              <a:t>on the </a:t>
+            </a:r>
+            <a:r>
+              <a:rPr lang="en-US" sz="1200" b="1" dirty="0">
+                <a:solidFill>
+                  <a:schemeClr val="tx1"/>
+                </a:solidFill>
+                <a:ea typeface="Segoe UI" panose="020B0502040204020203" pitchFamily="34" charset="0"/>
+                <a:cs typeface="Segoe UI" panose="020B0502040204020203" pitchFamily="34" charset="0"/>
+              </a:rPr>
+              <a:t>Home</a:t>
+            </a:r>
+            <a:r>
+              <a:rPr lang="en-US" sz="1200" dirty="0">
+                <a:solidFill>
+                  <a:schemeClr val="tx1"/>
+                </a:solidFill>
+                <a:ea typeface="Segoe UI" panose="020B0502040204020203" pitchFamily="34" charset="0"/>
+                <a:cs typeface="Segoe UI" panose="020B0502040204020203" pitchFamily="34" charset="0"/>
+              </a:rPr>
+              <a:t> menu to change text levels.</a:t>
+            </a:r>
+          </a:p>
+          <a:p>
+            <a:pPr defTabSz="932472" fontAlgn="base">
+              <a:spcBef>
+                <a:spcPts val="1200"/>
+              </a:spcBef>
+              <a:spcAft>
+                <a:spcPct val="0"/>
+              </a:spcAft>
+            </a:pPr>
+            <a:r>
+              <a:rPr lang="en-US" sz="1200" b="1" dirty="0">
+                <a:solidFill>
+                  <a:schemeClr val="tx1"/>
+                </a:solidFill>
+                <a:ea typeface="Segoe UI" panose="020B0502040204020203" pitchFamily="34" charset="0"/>
+                <a:cs typeface="Segoe UI" panose="020B0502040204020203" pitchFamily="34" charset="0"/>
+              </a:rPr>
+              <a:t>Try this:  </a:t>
+            </a:r>
+          </a:p>
+          <a:p>
+            <a:pPr marL="294732" indent="-239672" defTabSz="932472" fontAlgn="base">
+              <a:spcBef>
+                <a:spcPts val="1200"/>
+              </a:spcBef>
+              <a:spcAft>
+                <a:spcPct val="0"/>
+              </a:spcAft>
+              <a:buFont typeface="+mj-lt"/>
+              <a:buAutoNum type="arabicPeriod"/>
+            </a:pPr>
+            <a:r>
+              <a:rPr lang="en-US" sz="1200" dirty="0">
+                <a:solidFill>
+                  <a:schemeClr val="tx1"/>
+                </a:solidFill>
+                <a:ea typeface="Segoe UI" panose="020B0502040204020203" pitchFamily="34" charset="0"/>
+                <a:cs typeface="Segoe UI" panose="020B0502040204020203" pitchFamily="34" charset="0"/>
+              </a:rPr>
+              <a:t>Place your cursor in the line of text that says “Segoe UI, size 20pt for second level”</a:t>
+            </a:r>
+          </a:p>
+          <a:p>
+            <a:pPr marL="294732" indent="-239672" defTabSz="932472" fontAlgn="base">
+              <a:spcBef>
+                <a:spcPts val="1200"/>
+              </a:spcBef>
+              <a:spcAft>
+                <a:spcPct val="0"/>
+              </a:spcAft>
+              <a:buFont typeface="+mj-lt"/>
+              <a:buAutoNum type="arabicPeriod"/>
+            </a:pPr>
+            <a:r>
+              <a:rPr lang="en-US" sz="1200" dirty="0">
+                <a:solidFill>
+                  <a:schemeClr val="tx1"/>
+                </a:solidFill>
+                <a:ea typeface="Segoe UI" panose="020B0502040204020203" pitchFamily="34" charset="0"/>
+                <a:cs typeface="Segoe UI" panose="020B0502040204020203" pitchFamily="34" charset="0"/>
+              </a:rPr>
+              <a:t>Next click the Home tab, and then on the “</a:t>
+            </a:r>
+            <a:r>
+              <a:rPr lang="en-US" sz="1200" b="1" dirty="0">
+                <a:solidFill>
+                  <a:schemeClr val="tx1"/>
+                </a:solidFill>
+                <a:cs typeface="Segoe UI" panose="020B0502040204020203" pitchFamily="34" charset="0"/>
+              </a:rPr>
+              <a:t>Decrease List level</a:t>
+            </a:r>
+            <a:r>
+              <a:rPr lang="en-US" sz="1200" dirty="0">
+                <a:solidFill>
+                  <a:schemeClr val="tx1"/>
+                </a:solidFill>
+                <a:ea typeface="Segoe UI" panose="020B0502040204020203" pitchFamily="34" charset="0"/>
+                <a:cs typeface="Segoe UI" panose="020B0502040204020203" pitchFamily="34" charset="0"/>
+              </a:rPr>
+              <a:t>” tool. Notice how the line moves up one level.</a:t>
+            </a:r>
+          </a:p>
+          <a:p>
+            <a:pPr marL="294732" indent="-239672" defTabSz="932472" fontAlgn="base">
+              <a:spcBef>
+                <a:spcPts val="1200"/>
+              </a:spcBef>
+              <a:spcAft>
+                <a:spcPct val="0"/>
+              </a:spcAft>
+              <a:buFont typeface="+mj-lt"/>
+              <a:buAutoNum type="arabicPeriod"/>
+            </a:pPr>
+            <a:r>
+              <a:rPr lang="en-US" sz="1200" dirty="0">
+                <a:solidFill>
+                  <a:schemeClr val="tx1"/>
+                </a:solidFill>
+                <a:ea typeface="Segoe UI" panose="020B0502040204020203" pitchFamily="34" charset="0"/>
+                <a:cs typeface="Segoe UI" panose="020B0502040204020203" pitchFamily="34" charset="0"/>
+              </a:rPr>
+              <a:t>Now try placing your cursor in one of the top  “Main topic…” line of text. Click the “</a:t>
+            </a:r>
+            <a:r>
+              <a:rPr lang="en-US" sz="1200" b="1" dirty="0">
+                <a:solidFill>
+                  <a:schemeClr val="tx1"/>
+                </a:solidFill>
+                <a:cs typeface="Segoe UI" panose="020B0502040204020203" pitchFamily="34" charset="0"/>
+              </a:rPr>
+              <a:t>Increase List Level</a:t>
+            </a:r>
+            <a:r>
+              <a:rPr lang="en-US" sz="1200" dirty="0">
+                <a:solidFill>
+                  <a:schemeClr val="tx1"/>
+                </a:solidFill>
+                <a:ea typeface="Segoe UI" panose="020B0502040204020203" pitchFamily="34" charset="0"/>
+                <a:cs typeface="Segoe UI" panose="020B0502040204020203" pitchFamily="34" charset="0"/>
+              </a:rPr>
+              <a:t>” tool and see how the text is pushed in one level.</a:t>
+            </a:r>
+          </a:p>
+          <a:p>
+            <a:pPr defTabSz="932472" fontAlgn="base">
+              <a:spcBef>
+                <a:spcPts val="1200"/>
+              </a:spcBef>
+              <a:spcAft>
+                <a:spcPct val="0"/>
+              </a:spcAft>
+            </a:pPr>
+            <a:r>
+              <a:rPr lang="en-US" sz="1200" dirty="0">
+                <a:solidFill>
+                  <a:schemeClr val="tx1"/>
+                </a:solidFill>
+                <a:ea typeface="Segoe UI" panose="020B0502040204020203" pitchFamily="34" charset="0"/>
+                <a:cs typeface="Segoe UI" panose="020B0502040204020203" pitchFamily="34" charset="0"/>
+              </a:rPr>
+              <a:t>Use these 2 tools to adjust your text levels as you work</a:t>
+            </a:r>
+          </a:p>
+        </p:txBody>
+      </p:sp>
+    </p:spTree>
+    <p:extLst>
+      <p:ext uri="{BB962C8B-B14F-4D97-AF65-F5344CB8AC3E}">
+        <p14:creationId xmlns:p14="http://schemas.microsoft.com/office/powerpoint/2010/main" val="3188989622"/>
+      </p:ext>
+    </p:extLst>
+  </p:cSld>
+  <p:clrMapOvr>
+    <a:masterClrMapping/>
+  </p:clrMapOvr>
+  <p:transition>
+    <p:fade/>
+  </p:transition>
+</p:sld>
+</file>
+
+<file path=ppt/slides/slide11.xml><?xml version="1.0" encoding="utf-8"?>
+<p:sld xmlns:a="http://schemas.openxmlformats.org/drawingml/2006/main" xmlns:r="http://schemas.openxmlformats.org/officeDocument/2006/relationships" xmlns:p="http://schemas.openxmlformats.org/presentationml/2006/main">
+  <p:cSld>
+    <p:spTree>
+      <p:nvGrpSpPr>
+        <p:cNvPr id="1" name=""/>
+        <p:cNvGrpSpPr/>
+        <p:nvPr/>
+      </p:nvGrpSpPr>
+      <p:grpSpPr>
+        <a:xfrm>
+          <a:off x="0" y="0"/>
+          <a:ext cx="0" cy="0"/>
+          <a:chOff x="0" y="0"/>
+          <a:chExt cx="0" cy="0"/>
+        </a:xfrm>
+      </p:grpSpPr>
+      <p:sp>
+        <p:nvSpPr>
           <p:cNvPr id="2" name="Title 1"/>
           <p:cNvSpPr>
             <a:spLocks noGrp="1"/>
@@ -14476,123 +14997,6 @@
 </p:sld>
 </file>
 
-<file path=ppt/slides/slide11.xml><?xml version="1.0" encoding="utf-8"?>
-<p:sld xmlns:a="http://schemas.openxmlformats.org/drawingml/2006/main" xmlns:r="http://schemas.openxmlformats.org/officeDocument/2006/relationships" xmlns:p="http://schemas.openxmlformats.org/presentationml/2006/main">
-  <p:cSld>
-    <p:spTree>
-      <p:nvGrpSpPr>
-        <p:cNvPr id="1" name=""/>
-        <p:cNvGrpSpPr/>
-        <p:nvPr/>
-      </p:nvGrpSpPr>
-      <p:grpSpPr>
-        <a:xfrm>
-          <a:off x="0" y="0"/>
-          <a:ext cx="0" cy="0"/>
-          <a:chOff x="0" y="0"/>
-          <a:chExt cx="0" cy="0"/>
-        </a:xfrm>
-      </p:grpSpPr>
-      <p:sp>
-        <p:nvSpPr>
-          <p:cNvPr id="8" name="Title 7">
-            <a:extLst>
-              <a:ext uri="{FF2B5EF4-FFF2-40B4-BE49-F238E27FC236}">
-                <a16:creationId xmlns:a16="http://schemas.microsoft.com/office/drawing/2014/main" id="{D18A1E48-C74E-4B7C-95F4-2342DAC963A9}"/>
-              </a:ext>
-            </a:extLst>
-          </p:cNvPr>
-          <p:cNvSpPr>
-            <a:spLocks noGrp="1"/>
-          </p:cNvSpPr>
-          <p:nvPr>
-            <p:ph type="title"/>
-          </p:nvPr>
-        </p:nvSpPr>
-        <p:spPr>
-          <a:xfrm>
-            <a:off x="588263" y="588963"/>
-            <a:ext cx="4158362" cy="2535236"/>
-          </a:xfrm>
-        </p:spPr>
-        <p:txBody>
-          <a:bodyPr/>
-          <a:lstStyle/>
-          <a:p>
-            <a:r>
-              <a:rPr lang="en-US" dirty="0"/>
-              <a:t>Title square photo layout</a:t>
-            </a:r>
-          </a:p>
-        </p:txBody>
-      </p:sp>
-      <p:sp>
-        <p:nvSpPr>
-          <p:cNvPr id="3" name="Text Placeholder 2">
-            <a:extLst>
-              <a:ext uri="{FF2B5EF4-FFF2-40B4-BE49-F238E27FC236}">
-                <a16:creationId xmlns:a16="http://schemas.microsoft.com/office/drawing/2014/main" id="{EB03E4EA-274B-4BE4-9A52-00B5B2697A08}"/>
-              </a:ext>
-            </a:extLst>
-          </p:cNvPr>
-          <p:cNvSpPr>
-            <a:spLocks noGrp="1"/>
-          </p:cNvSpPr>
-          <p:nvPr>
-            <p:ph type="body" sz="quarter" idx="10"/>
-          </p:nvPr>
-        </p:nvSpPr>
-        <p:spPr>
-          <a:xfrm>
-            <a:off x="584200" y="3535540"/>
-            <a:ext cx="4162425" cy="2733497"/>
-          </a:xfrm>
-        </p:spPr>
-        <p:txBody>
-          <a:bodyPr/>
-          <a:lstStyle/>
-          <a:p>
-            <a:r>
-              <a:rPr lang="en-US" dirty="0"/>
-              <a:t>Smaller text</a:t>
-            </a:r>
-          </a:p>
-        </p:txBody>
-      </p:sp>
-      <p:sp>
-        <p:nvSpPr>
-          <p:cNvPr id="6" name="Picture Placeholder 5" descr="This photo is a 'placeholder' only. Drag or drop your photo here, or click and tap the center to insert a photo.">
-            <a:extLst>
-              <a:ext uri="{FF2B5EF4-FFF2-40B4-BE49-F238E27FC236}">
-                <a16:creationId xmlns:a16="http://schemas.microsoft.com/office/drawing/2014/main" id="{90EC379E-CA6F-458B-BB1A-FE53731504E9}"/>
-              </a:ext>
-            </a:extLst>
-          </p:cNvPr>
-          <p:cNvSpPr>
-            <a:spLocks noGrp="1"/>
-          </p:cNvSpPr>
-          <p:nvPr>
-            <p:ph type="pic" sz="quarter" idx="11"/>
-          </p:nvPr>
-        </p:nvSpPr>
-        <p:spPr/>
-      </p:sp>
-    </p:spTree>
-    <p:extLst>
-      <p:ext uri="{BB962C8B-B14F-4D97-AF65-F5344CB8AC3E}">
-        <p14:creationId xmlns:p14="http://schemas.microsoft.com/office/powerpoint/2010/main" val="1490695021"/>
-      </p:ext>
-    </p:extLst>
-  </p:cSld>
-  <p:clrMapOvr>
-    <a:masterClrMapping/>
-  </p:clrMapOvr>
-  <p:transition>
-    <p:fade/>
-  </p:transition>
-</p:sld>
-</file>
-
 <file path=ppt/slides/slide12.xml><?xml version="1.0" encoding="utf-8"?>
 <p:sld xmlns:a="http://schemas.openxmlformats.org/drawingml/2006/main" xmlns:r="http://schemas.openxmlformats.org/officeDocument/2006/relationships" xmlns:p="http://schemas.openxmlformats.org/presentationml/2006/main">
   <p:cSld>
@@ -14626,24 +15030,62 @@
             <p:ph type="title"/>
           </p:nvPr>
         </p:nvSpPr>
-        <p:spPr/>
+        <p:spPr>
+          <a:xfrm>
+            <a:off x="588263" y="588963"/>
+            <a:ext cx="4158362" cy="2535236"/>
+          </a:xfrm>
+        </p:spPr>
         <p:txBody>
           <a:bodyPr/>
           <a:lstStyle/>
           <a:p>
             <a:r>
               <a:rPr lang="en-US" dirty="0"/>
-              <a:t>Square photo layout </a:t>
+              <a:t>Title square photo layout</a:t>
             </a:r>
           </a:p>
         </p:txBody>
       </p:sp>
       <p:sp>
         <p:nvSpPr>
-          <p:cNvPr id="2" name="Picture Placeholder 1" descr="This photo is a 'placeholder' only. Drag or drop your photo here, or click and tap the center to insert a photo.">
+          <p:cNvPr id="3" name="Text Placeholder 2">
             <a:extLst>
               <a:ext uri="{FF2B5EF4-FFF2-40B4-BE49-F238E27FC236}">
-                <a16:creationId xmlns:a16="http://schemas.microsoft.com/office/drawing/2014/main" id="{EAE4E439-9990-4EB5-BA7C-DB1E71AEDCD9}"/>
+                <a16:creationId xmlns:a16="http://schemas.microsoft.com/office/drawing/2014/main" id="{EB03E4EA-274B-4BE4-9A52-00B5B2697A08}"/>
+              </a:ext>
+            </a:extLst>
+          </p:cNvPr>
+          <p:cNvSpPr>
+            <a:spLocks noGrp="1"/>
+          </p:cNvSpPr>
+          <p:nvPr>
+            <p:ph type="body" sz="quarter" idx="10"/>
+          </p:nvPr>
+        </p:nvSpPr>
+        <p:spPr>
+          <a:xfrm>
+            <a:off x="584200" y="3535540"/>
+            <a:ext cx="4162425" cy="2733497"/>
+          </a:xfrm>
+        </p:spPr>
+        <p:txBody>
+          <a:bodyPr/>
+          <a:lstStyle/>
+          <a:p>
+            <a:r>
+              <a:rPr lang="en-US" dirty="0"/>
+              <a:t>Smaller text</a:t>
+            </a:r>
+          </a:p>
+        </p:txBody>
+      </p:sp>
+      <p:sp>
+        <p:nvSpPr>
+          <p:cNvPr id="6" name="Picture Placeholder 5" descr="This photo is a 'placeholder' only. Drag or drop your photo here, or click and tap the center to insert a photo.">
+            <a:extLst>
+              <a:ext uri="{FF2B5EF4-FFF2-40B4-BE49-F238E27FC236}">
+                <a16:creationId xmlns:a16="http://schemas.microsoft.com/office/drawing/2014/main" id="{90EC379E-CA6F-458B-BB1A-FE53731504E9}"/>
               </a:ext>
             </a:extLst>
           </p:cNvPr>
@@ -14659,7 +15101,7 @@
     </p:spTree>
     <p:extLst>
       <p:ext uri="{BB962C8B-B14F-4D97-AF65-F5344CB8AC3E}">
-        <p14:creationId xmlns:p14="http://schemas.microsoft.com/office/powerpoint/2010/main" val="1811665972"/>
+        <p14:creationId xmlns:p14="http://schemas.microsoft.com/office/powerpoint/2010/main" val="1490695021"/>
       </p:ext>
     </p:extLst>
   </p:cSld>
@@ -14705,29 +15147,24 @@
             <p:ph type="title"/>
           </p:nvPr>
         </p:nvSpPr>
-        <p:spPr>
-          <a:xfrm>
-            <a:off x="588263" y="457200"/>
-            <a:ext cx="11018520" cy="553998"/>
-          </a:xfrm>
-        </p:spPr>
+        <p:spPr/>
         <p:txBody>
           <a:bodyPr/>
           <a:lstStyle/>
           <a:p>
             <a:r>
               <a:rPr lang="en-US" dirty="0"/>
-              <a:t>Side-by-side photo layout</a:t>
+              <a:t>Square photo layout </a:t>
             </a:r>
           </a:p>
         </p:txBody>
       </p:sp>
       <p:sp>
         <p:nvSpPr>
-          <p:cNvPr id="4" name="Text Placeholder 3">
+          <p:cNvPr id="2" name="Picture Placeholder 1" descr="This photo is a 'placeholder' only. Drag or drop your photo here, or click and tap the center to insert a photo.">
             <a:extLst>
               <a:ext uri="{FF2B5EF4-FFF2-40B4-BE49-F238E27FC236}">
-                <a16:creationId xmlns:a16="http://schemas.microsoft.com/office/drawing/2014/main" id="{DBFED5CB-0F60-480C-8DFA-C6BECBE03F8D}"/>
+                <a16:creationId xmlns:a16="http://schemas.microsoft.com/office/drawing/2014/main" id="{EAE4E439-9990-4EB5-BA7C-DB1E71AEDCD9}"/>
               </a:ext>
             </a:extLst>
           </p:cNvPr>
@@ -14735,91 +15172,7 @@
             <a:spLocks noGrp="1"/>
           </p:cNvSpPr>
           <p:nvPr>
-            <p:ph type="body" sz="quarter" idx="16"/>
-          </p:nvPr>
-        </p:nvSpPr>
-        <p:spPr>
-          <a:xfrm>
-            <a:off x="584199" y="5689600"/>
-            <a:ext cx="5367528" cy="307777"/>
-          </a:xfrm>
-        </p:spPr>
-        <p:txBody>
-          <a:bodyPr/>
-          <a:lstStyle/>
-          <a:p>
-            <a:r>
-              <a:rPr lang="en-US" dirty="0"/>
-              <a:t>Text placeholder</a:t>
-            </a:r>
-          </a:p>
-        </p:txBody>
-      </p:sp>
-      <p:sp>
-        <p:nvSpPr>
-          <p:cNvPr id="2" name="Picture Placeholder 1" descr="This photo is a 'placeholder' only. Drag or drop your photo here, or click and tap the center to insert a photo.">
-            <a:extLst>
-              <a:ext uri="{FF2B5EF4-FFF2-40B4-BE49-F238E27FC236}">
-                <a16:creationId xmlns:a16="http://schemas.microsoft.com/office/drawing/2014/main" id="{AE18F87B-97E7-4FBB-B0C7-4CEB990A7F1B}"/>
-              </a:ext>
-            </a:extLst>
-          </p:cNvPr>
-          <p:cNvSpPr>
-            <a:spLocks noGrp="1"/>
-          </p:cNvSpPr>
-          <p:nvPr>
-            <p:ph type="pic" sz="quarter" idx="13"/>
-          </p:nvPr>
-        </p:nvSpPr>
-        <p:spPr/>
-      </p:sp>
-      <p:sp>
-        <p:nvSpPr>
-          <p:cNvPr id="6" name="Text Placeholder 5">
-            <a:extLst>
-              <a:ext uri="{FF2B5EF4-FFF2-40B4-BE49-F238E27FC236}">
-                <a16:creationId xmlns:a16="http://schemas.microsoft.com/office/drawing/2014/main" id="{1B0E91F6-F618-4448-89FB-05078231BEA7}"/>
-              </a:ext>
-            </a:extLst>
-          </p:cNvPr>
-          <p:cNvSpPr>
-            <a:spLocks noGrp="1"/>
-          </p:cNvSpPr>
-          <p:nvPr>
-            <p:ph type="body" sz="quarter" idx="18"/>
-          </p:nvPr>
-        </p:nvSpPr>
-        <p:spPr>
-          <a:xfrm>
-            <a:off x="6241860" y="5689600"/>
-            <a:ext cx="5367528" cy="307777"/>
-          </a:xfrm>
-        </p:spPr>
-        <p:txBody>
-          <a:bodyPr/>
-          <a:lstStyle/>
-          <a:p>
-            <a:r>
-              <a:rPr lang="en-US" dirty="0"/>
-              <a:t>Text placeholder</a:t>
-            </a:r>
-          </a:p>
-        </p:txBody>
-      </p:sp>
-      <p:sp>
-        <p:nvSpPr>
-          <p:cNvPr id="3" name="Picture Placeholder 2" descr="This photo is a 'placeholder' only. Drag or drop your photo here, or click and tap the center to insert a photo.">
-            <a:extLst>
-              <a:ext uri="{FF2B5EF4-FFF2-40B4-BE49-F238E27FC236}">
-                <a16:creationId xmlns:a16="http://schemas.microsoft.com/office/drawing/2014/main" id="{E16DC59E-65F2-4652-B8B5-10F074366FB7}"/>
-              </a:ext>
-            </a:extLst>
-          </p:cNvPr>
-          <p:cNvSpPr>
-            <a:spLocks noGrp="1"/>
-          </p:cNvSpPr>
-          <p:nvPr>
-            <p:ph type="pic" sz="quarter" idx="15"/>
+            <p:ph type="pic" sz="quarter" idx="11"/>
           </p:nvPr>
         </p:nvSpPr>
         <p:spPr/>
@@ -14827,7 +15180,7 @@
     </p:spTree>
     <p:extLst>
       <p:ext uri="{BB962C8B-B14F-4D97-AF65-F5344CB8AC3E}">
-        <p14:creationId xmlns:p14="http://schemas.microsoft.com/office/powerpoint/2010/main" val="696467548"/>
+        <p14:creationId xmlns:p14="http://schemas.microsoft.com/office/powerpoint/2010/main" val="1811665972"/>
       </p:ext>
     </p:extLst>
   </p:cSld>
@@ -14859,10 +15212,10 @@
       </p:grpSpPr>
       <p:sp>
         <p:nvSpPr>
-          <p:cNvPr id="7" name="Title 6">
+          <p:cNvPr id="8" name="Title 7">
             <a:extLst>
               <a:ext uri="{FF2B5EF4-FFF2-40B4-BE49-F238E27FC236}">
-                <a16:creationId xmlns:a16="http://schemas.microsoft.com/office/drawing/2014/main" id="{9BB51B6F-A6B6-4C5C-87D8-20DB1C857613}"/>
+                <a16:creationId xmlns:a16="http://schemas.microsoft.com/office/drawing/2014/main" id="{D18A1E48-C74E-4B7C-95F4-2342DAC963A9}"/>
               </a:ext>
             </a:extLst>
           </p:cNvPr>
@@ -14885,17 +15238,17 @@
           <a:p>
             <a:r>
               <a:rPr lang="en-US" dirty="0"/>
-              <a:t>Three photos layout</a:t>
+              <a:t>Side-by-side photo layout</a:t>
             </a:r>
           </a:p>
         </p:txBody>
       </p:sp>
       <p:sp>
         <p:nvSpPr>
-          <p:cNvPr id="11" name="Text Placeholder 10">
+          <p:cNvPr id="4" name="Text Placeholder 3">
             <a:extLst>
               <a:ext uri="{FF2B5EF4-FFF2-40B4-BE49-F238E27FC236}">
-                <a16:creationId xmlns:a16="http://schemas.microsoft.com/office/drawing/2014/main" id="{0CF24D87-8BE8-48F5-A782-AABCF1702CF5}"/>
+                <a16:creationId xmlns:a16="http://schemas.microsoft.com/office/drawing/2014/main" id="{DBFED5CB-0F60-480C-8DFA-C6BECBE03F8D}"/>
               </a:ext>
             </a:extLst>
           </p:cNvPr>
@@ -14908,8 +15261,8 @@
         </p:nvSpPr>
         <p:spPr>
           <a:xfrm>
-            <a:off x="582613" y="5689600"/>
-            <a:ext cx="3475037" cy="307777"/>
+            <a:off x="584199" y="5689600"/>
+            <a:ext cx="5367528" cy="307777"/>
           </a:xfrm>
         </p:spPr>
         <p:txBody>
@@ -14925,10 +15278,10 @@
       </p:sp>
       <p:sp>
         <p:nvSpPr>
-          <p:cNvPr id="8" name="Picture Placeholder 7" descr="This photo is a 'placeholder' only. Drag or drop your photo here, or click and tap the center to insert a photo.">
+          <p:cNvPr id="2" name="Picture Placeholder 1" descr="This photo is a 'placeholder' only. Drag or drop your photo here, or click and tap the center to insert a photo.">
             <a:extLst>
               <a:ext uri="{FF2B5EF4-FFF2-40B4-BE49-F238E27FC236}">
-                <a16:creationId xmlns:a16="http://schemas.microsoft.com/office/drawing/2014/main" id="{6B56B57A-5CF7-448F-BC81-137D7A82A0EC}"/>
+                <a16:creationId xmlns:a16="http://schemas.microsoft.com/office/drawing/2014/main" id="{AE18F87B-97E7-4FBB-B0C7-4CEB990A7F1B}"/>
               </a:ext>
             </a:extLst>
           </p:cNvPr>
@@ -14943,61 +15296,10 @@
       </p:sp>
       <p:sp>
         <p:nvSpPr>
-          <p:cNvPr id="12" name="Text Placeholder 11">
+          <p:cNvPr id="6" name="Text Placeholder 5">
             <a:extLst>
               <a:ext uri="{FF2B5EF4-FFF2-40B4-BE49-F238E27FC236}">
-                <a16:creationId xmlns:a16="http://schemas.microsoft.com/office/drawing/2014/main" id="{42466CB0-8E3A-4B11-BE5B-DB09D902EB09}"/>
-              </a:ext>
-            </a:extLst>
-          </p:cNvPr>
-          <p:cNvSpPr>
-            <a:spLocks noGrp="1"/>
-          </p:cNvSpPr>
-          <p:nvPr>
-            <p:ph type="body" sz="quarter" idx="17"/>
-          </p:nvPr>
-        </p:nvSpPr>
-        <p:spPr>
-          <a:xfrm>
-            <a:off x="4358640" y="5689600"/>
-            <a:ext cx="3475037" cy="307777"/>
-          </a:xfrm>
-        </p:spPr>
-        <p:txBody>
-          <a:bodyPr/>
-          <a:lstStyle/>
-          <a:p>
-            <a:r>
-              <a:rPr lang="en-US" dirty="0"/>
-              <a:t>Text placeholder</a:t>
-            </a:r>
-          </a:p>
-        </p:txBody>
-      </p:sp>
-      <p:sp>
-        <p:nvSpPr>
-          <p:cNvPr id="9" name="Picture Placeholder 8" descr="This photo is a 'placeholder' only. Drag or drop your photo here, or click and tap the center to insert a photo.">
-            <a:extLst>
-              <a:ext uri="{FF2B5EF4-FFF2-40B4-BE49-F238E27FC236}">
-                <a16:creationId xmlns:a16="http://schemas.microsoft.com/office/drawing/2014/main" id="{A078E6D4-B91A-431C-8C2F-A6FD9891FF29}"/>
-              </a:ext>
-            </a:extLst>
-          </p:cNvPr>
-          <p:cNvSpPr>
-            <a:spLocks noGrp="1"/>
-          </p:cNvSpPr>
-          <p:nvPr>
-            <p:ph type="pic" sz="quarter" idx="14"/>
-          </p:nvPr>
-        </p:nvSpPr>
-        <p:spPr/>
-      </p:sp>
-      <p:sp>
-        <p:nvSpPr>
-          <p:cNvPr id="13" name="Text Placeholder 12">
-            <a:extLst>
-              <a:ext uri="{FF2B5EF4-FFF2-40B4-BE49-F238E27FC236}">
-                <a16:creationId xmlns:a16="http://schemas.microsoft.com/office/drawing/2014/main" id="{062B81A3-15C0-4615-9103-E530FFE58E9B}"/>
+                <a16:creationId xmlns:a16="http://schemas.microsoft.com/office/drawing/2014/main" id="{1B0E91F6-F618-4448-89FB-05078231BEA7}"/>
               </a:ext>
             </a:extLst>
           </p:cNvPr>
@@ -15010,8 +15312,8 @@
         </p:nvSpPr>
         <p:spPr>
           <a:xfrm>
-            <a:off x="8134351" y="5689600"/>
-            <a:ext cx="3475037" cy="307777"/>
+            <a:off x="6241860" y="5689600"/>
+            <a:ext cx="5367528" cy="307777"/>
           </a:xfrm>
         </p:spPr>
         <p:txBody>
@@ -15027,10 +15329,10 @@
       </p:sp>
       <p:sp>
         <p:nvSpPr>
-          <p:cNvPr id="10" name="Picture Placeholder 9" descr="This photo is a 'placeholder' only. Drag or drop your photo here, or click and tap the center to insert a photo.">
+          <p:cNvPr id="3" name="Picture Placeholder 2" descr="This photo is a 'placeholder' only. Drag or drop your photo here, or click and tap the center to insert a photo.">
             <a:extLst>
               <a:ext uri="{FF2B5EF4-FFF2-40B4-BE49-F238E27FC236}">
-                <a16:creationId xmlns:a16="http://schemas.microsoft.com/office/drawing/2014/main" id="{C3281AC1-12FA-4321-9290-F3FD9C085409}"/>
+                <a16:creationId xmlns:a16="http://schemas.microsoft.com/office/drawing/2014/main" id="{E16DC59E-65F2-4652-B8B5-10F074366FB7}"/>
               </a:ext>
             </a:extLst>
           </p:cNvPr>
@@ -15046,7 +15348,7 @@
     </p:spTree>
     <p:extLst>
       <p:ext uri="{BB962C8B-B14F-4D97-AF65-F5344CB8AC3E}">
-        <p14:creationId xmlns:p14="http://schemas.microsoft.com/office/powerpoint/2010/main" val="3964713026"/>
+        <p14:creationId xmlns:p14="http://schemas.microsoft.com/office/powerpoint/2010/main" val="696467548"/>
       </p:ext>
     </p:extLst>
   </p:cSld>
@@ -15081,7 +15383,7 @@
           <p:cNvPr id="7" name="Title 6">
             <a:extLst>
               <a:ext uri="{FF2B5EF4-FFF2-40B4-BE49-F238E27FC236}">
-                <a16:creationId xmlns:a16="http://schemas.microsoft.com/office/drawing/2014/main" id="{A4E6FC63-1669-41F3-A9A6-39B6FB141690}"/>
+                <a16:creationId xmlns:a16="http://schemas.microsoft.com/office/drawing/2014/main" id="{9BB51B6F-A6B6-4C5C-87D8-20DB1C857613}"/>
               </a:ext>
             </a:extLst>
           </p:cNvPr>
@@ -15104,7 +15406,7 @@
           <a:p>
             <a:r>
               <a:rPr lang="en-US" dirty="0"/>
-              <a:t>Four photos layout</a:t>
+              <a:t>Three photos layout</a:t>
             </a:r>
           </a:p>
         </p:txBody>
@@ -15114,7 +15416,7 @@
           <p:cNvPr id="11" name="Text Placeholder 10">
             <a:extLst>
               <a:ext uri="{FF2B5EF4-FFF2-40B4-BE49-F238E27FC236}">
-                <a16:creationId xmlns:a16="http://schemas.microsoft.com/office/drawing/2014/main" id="{A209D23C-50F2-48D6-BAA7-3B9D6572CD44}"/>
+                <a16:creationId xmlns:a16="http://schemas.microsoft.com/office/drawing/2014/main" id="{0CF24D87-8BE8-48F5-A782-AABCF1702CF5}"/>
               </a:ext>
             </a:extLst>
           </p:cNvPr>
@@ -15127,8 +15429,8 @@
         </p:nvSpPr>
         <p:spPr>
           <a:xfrm>
-            <a:off x="582613" y="4753938"/>
-            <a:ext cx="2532888" cy="307777"/>
+            <a:off x="582613" y="5689600"/>
+            <a:ext cx="3475037" cy="307777"/>
           </a:xfrm>
         </p:spPr>
         <p:txBody>
@@ -15147,7 +15449,7 @@
           <p:cNvPr id="8" name="Picture Placeholder 7" descr="This photo is a 'placeholder' only. Drag or drop your photo here, or click and tap the center to insert a photo.">
             <a:extLst>
               <a:ext uri="{FF2B5EF4-FFF2-40B4-BE49-F238E27FC236}">
-                <a16:creationId xmlns:a16="http://schemas.microsoft.com/office/drawing/2014/main" id="{CB9E5AC9-345E-4231-A0B1-CA5FC2605BC1}"/>
+                <a16:creationId xmlns:a16="http://schemas.microsoft.com/office/drawing/2014/main" id="{6B56B57A-5CF7-448F-BC81-137D7A82A0EC}"/>
               </a:ext>
             </a:extLst>
           </p:cNvPr>
@@ -15165,7 +15467,7 @@
           <p:cNvPr id="12" name="Text Placeholder 11">
             <a:extLst>
               <a:ext uri="{FF2B5EF4-FFF2-40B4-BE49-F238E27FC236}">
-                <a16:creationId xmlns:a16="http://schemas.microsoft.com/office/drawing/2014/main" id="{92F542C4-C40B-41ED-B136-472CCC2DF00E}"/>
+                <a16:creationId xmlns:a16="http://schemas.microsoft.com/office/drawing/2014/main" id="{42466CB0-8E3A-4B11-BE5B-DB09D902EB09}"/>
               </a:ext>
             </a:extLst>
           </p:cNvPr>
@@ -15178,8 +15480,8 @@
         </p:nvSpPr>
         <p:spPr>
           <a:xfrm>
-            <a:off x="3413908" y="4753938"/>
-            <a:ext cx="2532888" cy="307777"/>
+            <a:off x="4358640" y="5689600"/>
+            <a:ext cx="3475037" cy="307777"/>
           </a:xfrm>
         </p:spPr>
         <p:txBody>
@@ -15198,7 +15500,7 @@
           <p:cNvPr id="9" name="Picture Placeholder 8" descr="This photo is a 'placeholder' only. Drag or drop your photo here, or click and tap the center to insert a photo.">
             <a:extLst>
               <a:ext uri="{FF2B5EF4-FFF2-40B4-BE49-F238E27FC236}">
-                <a16:creationId xmlns:a16="http://schemas.microsoft.com/office/drawing/2014/main" id="{D5125A72-F156-43CC-A8E4-C1D71612492F}"/>
+                <a16:creationId xmlns:a16="http://schemas.microsoft.com/office/drawing/2014/main" id="{A078E6D4-B91A-431C-8C2F-A6FD9891FF29}"/>
               </a:ext>
             </a:extLst>
           </p:cNvPr>
@@ -15216,7 +15518,7 @@
           <p:cNvPr id="13" name="Text Placeholder 12">
             <a:extLst>
               <a:ext uri="{FF2B5EF4-FFF2-40B4-BE49-F238E27FC236}">
-                <a16:creationId xmlns:a16="http://schemas.microsoft.com/office/drawing/2014/main" id="{B43BB8B0-C02C-44E6-A828-FE52984E9278}"/>
+                <a16:creationId xmlns:a16="http://schemas.microsoft.com/office/drawing/2014/main" id="{062B81A3-15C0-4615-9103-E530FFE58E9B}"/>
               </a:ext>
             </a:extLst>
           </p:cNvPr>
@@ -15229,8 +15531,8 @@
         </p:nvSpPr>
         <p:spPr>
           <a:xfrm>
-            <a:off x="6245204" y="4753938"/>
-            <a:ext cx="2532888" cy="307777"/>
+            <a:off x="8134351" y="5689600"/>
+            <a:ext cx="3475037" cy="307777"/>
           </a:xfrm>
         </p:spPr>
         <p:txBody>
@@ -15249,7 +15551,7 @@
           <p:cNvPr id="10" name="Picture Placeholder 9" descr="This photo is a 'placeholder' only. Drag or drop your photo here, or click and tap the center to insert a photo.">
             <a:extLst>
               <a:ext uri="{FF2B5EF4-FFF2-40B4-BE49-F238E27FC236}">
-                <a16:creationId xmlns:a16="http://schemas.microsoft.com/office/drawing/2014/main" id="{3183C00D-DE72-42D6-B0F6-E0FC1CAC99CF}"/>
+                <a16:creationId xmlns:a16="http://schemas.microsoft.com/office/drawing/2014/main" id="{C3281AC1-12FA-4321-9290-F3FD9C085409}"/>
               </a:ext>
             </a:extLst>
           </p:cNvPr>
@@ -15262,61 +15564,10 @@
         </p:nvSpPr>
         <p:spPr/>
       </p:sp>
-      <p:sp>
-        <p:nvSpPr>
-          <p:cNvPr id="15" name="Text Placeholder 14">
-            <a:extLst>
-              <a:ext uri="{FF2B5EF4-FFF2-40B4-BE49-F238E27FC236}">
-                <a16:creationId xmlns:a16="http://schemas.microsoft.com/office/drawing/2014/main" id="{4A98B624-6FA8-4859-B87B-A01D7E95DB26}"/>
-              </a:ext>
-            </a:extLst>
-          </p:cNvPr>
-          <p:cNvSpPr>
-            <a:spLocks noGrp="1"/>
-          </p:cNvSpPr>
-          <p:nvPr>
-            <p:ph type="body" sz="quarter" idx="20"/>
-          </p:nvPr>
-        </p:nvSpPr>
-        <p:spPr>
-          <a:xfrm>
-            <a:off x="9076500" y="4753938"/>
-            <a:ext cx="2532888" cy="307777"/>
-          </a:xfrm>
-        </p:spPr>
-        <p:txBody>
-          <a:bodyPr/>
-          <a:lstStyle/>
-          <a:p>
-            <a:r>
-              <a:rPr lang="en-US" dirty="0"/>
-              <a:t>Text placeholder</a:t>
-            </a:r>
-          </a:p>
-        </p:txBody>
-      </p:sp>
-      <p:sp>
-        <p:nvSpPr>
-          <p:cNvPr id="14" name="Picture Placeholder 13" descr="This photo is a 'placeholder' only. Drag or drop your photo here, or click and tap the center to insert a photo.">
-            <a:extLst>
-              <a:ext uri="{FF2B5EF4-FFF2-40B4-BE49-F238E27FC236}">
-                <a16:creationId xmlns:a16="http://schemas.microsoft.com/office/drawing/2014/main" id="{CF615145-50B1-4694-973A-724322B099D6}"/>
-              </a:ext>
-            </a:extLst>
-          </p:cNvPr>
-          <p:cNvSpPr>
-            <a:spLocks noGrp="1"/>
-          </p:cNvSpPr>
-          <p:nvPr>
-            <p:ph type="pic" sz="quarter" idx="19"/>
-          </p:nvPr>
-        </p:nvSpPr>
-        <p:spPr/>
-      </p:sp>
     </p:spTree>
     <p:extLst>
       <p:ext uri="{BB962C8B-B14F-4D97-AF65-F5344CB8AC3E}">
-        <p14:creationId xmlns:p14="http://schemas.microsoft.com/office/powerpoint/2010/main" val="2504275049"/>
+        <p14:creationId xmlns:p14="http://schemas.microsoft.com/office/powerpoint/2010/main" val="3964713026"/>
       </p:ext>
     </p:extLst>
   </p:cSld>
@@ -15348,10 +15599,10 @@
       </p:grpSpPr>
       <p:sp>
         <p:nvSpPr>
-          <p:cNvPr id="2" name="Title 1">
+          <p:cNvPr id="7" name="Title 6">
             <a:extLst>
               <a:ext uri="{FF2B5EF4-FFF2-40B4-BE49-F238E27FC236}">
-                <a16:creationId xmlns:a16="http://schemas.microsoft.com/office/drawing/2014/main" id="{4FE98B5C-48BE-4909-9F4A-A4186BB35065}"/>
+                <a16:creationId xmlns:a16="http://schemas.microsoft.com/office/drawing/2014/main" id="{A4E6FC63-1669-41F3-A9A6-39B6FB141690}"/>
               </a:ext>
             </a:extLst>
           </p:cNvPr>
@@ -15364,7 +15615,7 @@
         </p:nvSpPr>
         <p:spPr>
           <a:xfrm>
-            <a:off x="588263" y="5436128"/>
+            <a:off x="588263" y="457200"/>
             <a:ext cx="11018520" cy="553998"/>
           </a:xfrm>
         </p:spPr>
@@ -15374,17 +15625,17 @@
           <a:p>
             <a:r>
               <a:rPr lang="en-US" dirty="0"/>
-              <a:t>Top photo with Title</a:t>
+              <a:t>Four photos layout</a:t>
             </a:r>
           </a:p>
         </p:txBody>
       </p:sp>
       <p:sp>
         <p:nvSpPr>
-          <p:cNvPr id="3" name="Picture Placeholder 2" descr="This photo is a 'placeholder' only. Drag or drop your photo here, or click and tap the center to insert a photo.">
+          <p:cNvPr id="11" name="Text Placeholder 10">
             <a:extLst>
               <a:ext uri="{FF2B5EF4-FFF2-40B4-BE49-F238E27FC236}">
-                <a16:creationId xmlns:a16="http://schemas.microsoft.com/office/drawing/2014/main" id="{3E53C251-F0C1-4DAA-BF3B-F3E1C6002804}"/>
+                <a16:creationId xmlns:a16="http://schemas.microsoft.com/office/drawing/2014/main" id="{A209D23C-50F2-48D6-BAA7-3B9D6572CD44}"/>
               </a:ext>
             </a:extLst>
           </p:cNvPr>
@@ -15392,7 +15643,193 @@
             <a:spLocks noGrp="1"/>
           </p:cNvSpPr>
           <p:nvPr>
-            <p:ph type="pic" sz="quarter" idx="11"/>
+            <p:ph type="body" sz="quarter" idx="16"/>
+          </p:nvPr>
+        </p:nvSpPr>
+        <p:spPr>
+          <a:xfrm>
+            <a:off x="582613" y="4753938"/>
+            <a:ext cx="2532888" cy="307777"/>
+          </a:xfrm>
+        </p:spPr>
+        <p:txBody>
+          <a:bodyPr/>
+          <a:lstStyle/>
+          <a:p>
+            <a:r>
+              <a:rPr lang="en-US" dirty="0"/>
+              <a:t>Text placeholder</a:t>
+            </a:r>
+          </a:p>
+        </p:txBody>
+      </p:sp>
+      <p:sp>
+        <p:nvSpPr>
+          <p:cNvPr id="8" name="Picture Placeholder 7" descr="This photo is a 'placeholder' only. Drag or drop your photo here, or click and tap the center to insert a photo.">
+            <a:extLst>
+              <a:ext uri="{FF2B5EF4-FFF2-40B4-BE49-F238E27FC236}">
+                <a16:creationId xmlns:a16="http://schemas.microsoft.com/office/drawing/2014/main" id="{CB9E5AC9-345E-4231-A0B1-CA5FC2605BC1}"/>
+              </a:ext>
+            </a:extLst>
+          </p:cNvPr>
+          <p:cNvSpPr>
+            <a:spLocks noGrp="1"/>
+          </p:cNvSpPr>
+          <p:nvPr>
+            <p:ph type="pic" sz="quarter" idx="13"/>
+          </p:nvPr>
+        </p:nvSpPr>
+        <p:spPr/>
+      </p:sp>
+      <p:sp>
+        <p:nvSpPr>
+          <p:cNvPr id="12" name="Text Placeholder 11">
+            <a:extLst>
+              <a:ext uri="{FF2B5EF4-FFF2-40B4-BE49-F238E27FC236}">
+                <a16:creationId xmlns:a16="http://schemas.microsoft.com/office/drawing/2014/main" id="{92F542C4-C40B-41ED-B136-472CCC2DF00E}"/>
+              </a:ext>
+            </a:extLst>
+          </p:cNvPr>
+          <p:cNvSpPr>
+            <a:spLocks noGrp="1"/>
+          </p:cNvSpPr>
+          <p:nvPr>
+            <p:ph type="body" sz="quarter" idx="17"/>
+          </p:nvPr>
+        </p:nvSpPr>
+        <p:spPr>
+          <a:xfrm>
+            <a:off x="3413908" y="4753938"/>
+            <a:ext cx="2532888" cy="307777"/>
+          </a:xfrm>
+        </p:spPr>
+        <p:txBody>
+          <a:bodyPr/>
+          <a:lstStyle/>
+          <a:p>
+            <a:r>
+              <a:rPr lang="en-US" dirty="0"/>
+              <a:t>Text placeholder</a:t>
+            </a:r>
+          </a:p>
+        </p:txBody>
+      </p:sp>
+      <p:sp>
+        <p:nvSpPr>
+          <p:cNvPr id="9" name="Picture Placeholder 8" descr="This photo is a 'placeholder' only. Drag or drop your photo here, or click and tap the center to insert a photo.">
+            <a:extLst>
+              <a:ext uri="{FF2B5EF4-FFF2-40B4-BE49-F238E27FC236}">
+                <a16:creationId xmlns:a16="http://schemas.microsoft.com/office/drawing/2014/main" id="{D5125A72-F156-43CC-A8E4-C1D71612492F}"/>
+              </a:ext>
+            </a:extLst>
+          </p:cNvPr>
+          <p:cNvSpPr>
+            <a:spLocks noGrp="1"/>
+          </p:cNvSpPr>
+          <p:nvPr>
+            <p:ph type="pic" sz="quarter" idx="14"/>
+          </p:nvPr>
+        </p:nvSpPr>
+        <p:spPr/>
+      </p:sp>
+      <p:sp>
+        <p:nvSpPr>
+          <p:cNvPr id="13" name="Text Placeholder 12">
+            <a:extLst>
+              <a:ext uri="{FF2B5EF4-FFF2-40B4-BE49-F238E27FC236}">
+                <a16:creationId xmlns:a16="http://schemas.microsoft.com/office/drawing/2014/main" id="{B43BB8B0-C02C-44E6-A828-FE52984E9278}"/>
+              </a:ext>
+            </a:extLst>
+          </p:cNvPr>
+          <p:cNvSpPr>
+            <a:spLocks noGrp="1"/>
+          </p:cNvSpPr>
+          <p:nvPr>
+            <p:ph type="body" sz="quarter" idx="18"/>
+          </p:nvPr>
+        </p:nvSpPr>
+        <p:spPr>
+          <a:xfrm>
+            <a:off x="6245204" y="4753938"/>
+            <a:ext cx="2532888" cy="307777"/>
+          </a:xfrm>
+        </p:spPr>
+        <p:txBody>
+          <a:bodyPr/>
+          <a:lstStyle/>
+          <a:p>
+            <a:r>
+              <a:rPr lang="en-US" dirty="0"/>
+              <a:t>Text placeholder</a:t>
+            </a:r>
+          </a:p>
+        </p:txBody>
+      </p:sp>
+      <p:sp>
+        <p:nvSpPr>
+          <p:cNvPr id="10" name="Picture Placeholder 9" descr="This photo is a 'placeholder' only. Drag or drop your photo here, or click and tap the center to insert a photo.">
+            <a:extLst>
+              <a:ext uri="{FF2B5EF4-FFF2-40B4-BE49-F238E27FC236}">
+                <a16:creationId xmlns:a16="http://schemas.microsoft.com/office/drawing/2014/main" id="{3183C00D-DE72-42D6-B0F6-E0FC1CAC99CF}"/>
+              </a:ext>
+            </a:extLst>
+          </p:cNvPr>
+          <p:cNvSpPr>
+            <a:spLocks noGrp="1"/>
+          </p:cNvSpPr>
+          <p:nvPr>
+            <p:ph type="pic" sz="quarter" idx="15"/>
+          </p:nvPr>
+        </p:nvSpPr>
+        <p:spPr/>
+      </p:sp>
+      <p:sp>
+        <p:nvSpPr>
+          <p:cNvPr id="15" name="Text Placeholder 14">
+            <a:extLst>
+              <a:ext uri="{FF2B5EF4-FFF2-40B4-BE49-F238E27FC236}">
+                <a16:creationId xmlns:a16="http://schemas.microsoft.com/office/drawing/2014/main" id="{4A98B624-6FA8-4859-B87B-A01D7E95DB26}"/>
+              </a:ext>
+            </a:extLst>
+          </p:cNvPr>
+          <p:cNvSpPr>
+            <a:spLocks noGrp="1"/>
+          </p:cNvSpPr>
+          <p:nvPr>
+            <p:ph type="body" sz="quarter" idx="20"/>
+          </p:nvPr>
+        </p:nvSpPr>
+        <p:spPr>
+          <a:xfrm>
+            <a:off x="9076500" y="4753938"/>
+            <a:ext cx="2532888" cy="307777"/>
+          </a:xfrm>
+        </p:spPr>
+        <p:txBody>
+          <a:bodyPr/>
+          <a:lstStyle/>
+          <a:p>
+            <a:r>
+              <a:rPr lang="en-US" dirty="0"/>
+              <a:t>Text placeholder</a:t>
+            </a:r>
+          </a:p>
+        </p:txBody>
+      </p:sp>
+      <p:sp>
+        <p:nvSpPr>
+          <p:cNvPr id="14" name="Picture Placeholder 13" descr="This photo is a 'placeholder' only. Drag or drop your photo here, or click and tap the center to insert a photo.">
+            <a:extLst>
+              <a:ext uri="{FF2B5EF4-FFF2-40B4-BE49-F238E27FC236}">
+                <a16:creationId xmlns:a16="http://schemas.microsoft.com/office/drawing/2014/main" id="{CF615145-50B1-4694-973A-724322B099D6}"/>
+              </a:ext>
+            </a:extLst>
+          </p:cNvPr>
+          <p:cNvSpPr>
+            <a:spLocks noGrp="1"/>
+          </p:cNvSpPr>
+          <p:nvPr>
+            <p:ph type="pic" sz="quarter" idx="19"/>
           </p:nvPr>
         </p:nvSpPr>
         <p:spPr/>
@@ -15400,7 +15837,7 @@
     </p:spTree>
     <p:extLst>
       <p:ext uri="{BB962C8B-B14F-4D97-AF65-F5344CB8AC3E}">
-        <p14:creationId xmlns:p14="http://schemas.microsoft.com/office/powerpoint/2010/main" val="544100002"/>
+        <p14:creationId xmlns:p14="http://schemas.microsoft.com/office/powerpoint/2010/main" val="2504275049"/>
       </p:ext>
     </p:extLst>
   </p:cSld>
@@ -15432,6 +15869,90 @@
       </p:grpSpPr>
       <p:sp>
         <p:nvSpPr>
+          <p:cNvPr id="2" name="Title 1">
+            <a:extLst>
+              <a:ext uri="{FF2B5EF4-FFF2-40B4-BE49-F238E27FC236}">
+                <a16:creationId xmlns:a16="http://schemas.microsoft.com/office/drawing/2014/main" id="{4FE98B5C-48BE-4909-9F4A-A4186BB35065}"/>
+              </a:ext>
+            </a:extLst>
+          </p:cNvPr>
+          <p:cNvSpPr>
+            <a:spLocks noGrp="1"/>
+          </p:cNvSpPr>
+          <p:nvPr>
+            <p:ph type="title"/>
+          </p:nvPr>
+        </p:nvSpPr>
+        <p:spPr>
+          <a:xfrm>
+            <a:off x="588263" y="5436128"/>
+            <a:ext cx="11018520" cy="553998"/>
+          </a:xfrm>
+        </p:spPr>
+        <p:txBody>
+          <a:bodyPr/>
+          <a:lstStyle/>
+          <a:p>
+            <a:r>
+              <a:rPr lang="en-US" dirty="0"/>
+              <a:t>Top photo with Title</a:t>
+            </a:r>
+          </a:p>
+        </p:txBody>
+      </p:sp>
+      <p:sp>
+        <p:nvSpPr>
+          <p:cNvPr id="3" name="Picture Placeholder 2" descr="This photo is a 'placeholder' only. Drag or drop your photo here, or click and tap the center to insert a photo.">
+            <a:extLst>
+              <a:ext uri="{FF2B5EF4-FFF2-40B4-BE49-F238E27FC236}">
+                <a16:creationId xmlns:a16="http://schemas.microsoft.com/office/drawing/2014/main" id="{3E53C251-F0C1-4DAA-BF3B-F3E1C6002804}"/>
+              </a:ext>
+            </a:extLst>
+          </p:cNvPr>
+          <p:cNvSpPr>
+            <a:spLocks noGrp="1"/>
+          </p:cNvSpPr>
+          <p:nvPr>
+            <p:ph type="pic" sz="quarter" idx="11"/>
+          </p:nvPr>
+        </p:nvSpPr>
+        <p:spPr/>
+      </p:sp>
+    </p:spTree>
+    <p:extLst>
+      <p:ext uri="{BB962C8B-B14F-4D97-AF65-F5344CB8AC3E}">
+        <p14:creationId xmlns:p14="http://schemas.microsoft.com/office/powerpoint/2010/main" val="544100002"/>
+      </p:ext>
+    </p:extLst>
+  </p:cSld>
+  <p:clrMapOvr>
+    <a:masterClrMapping/>
+  </p:clrMapOvr>
+  <p:transition>
+    <p:fade/>
+  </p:transition>
+</p:sld>
+</file>
+
+<file path=ppt/slides/slide18.xml><?xml version="1.0" encoding="utf-8"?>
+<p:sld xmlns:a="http://schemas.openxmlformats.org/drawingml/2006/main" xmlns:r="http://schemas.openxmlformats.org/officeDocument/2006/relationships" xmlns:p="http://schemas.openxmlformats.org/presentationml/2006/main">
+  <p:cSld>
+    <p:spTree>
+      <p:nvGrpSpPr>
+        <p:cNvPr id="1" name=""/>
+        <p:cNvGrpSpPr/>
+        <p:nvPr/>
+      </p:nvGrpSpPr>
+      <p:grpSpPr>
+        <a:xfrm>
+          <a:off x="0" y="0"/>
+          <a:ext cx="0" cy="0"/>
+          <a:chOff x="0" y="0"/>
+          <a:chExt cx="0" cy="0"/>
+        </a:xfrm>
+      </p:grpSpPr>
+      <p:sp>
+        <p:nvSpPr>
           <p:cNvPr id="2" name="Picture Placeholder 1" descr="This photo is a 'placeholder' only. Drag or drop your photo here, or click and tap the center to insert a photo.">
             <a:extLst>
               <a:ext uri="{FF2B5EF4-FFF2-40B4-BE49-F238E27FC236}">
@@ -15499,7 +16020,7 @@
 </p:sld>
 </file>
 
-<file path=ppt/slides/slide18.xml><?xml version="1.0" encoding="utf-8"?>
+<file path=ppt/slides/slide19.xml><?xml version="1.0" encoding="utf-8"?>
 <p:sld xmlns:a="http://schemas.openxmlformats.org/drawingml/2006/main" xmlns:r="http://schemas.openxmlformats.org/officeDocument/2006/relationships" xmlns:p="http://schemas.openxmlformats.org/presentationml/2006/main">
   <p:cSld>
     <p:spTree>
@@ -17060,7 +17581,125 @@
 </p:sld>
 </file>
 
-<file path=ppt/slides/slide19.xml><?xml version="1.0" encoding="utf-8"?>
+<file path=ppt/slides/slide2.xml><?xml version="1.0" encoding="utf-8"?>
+<p:sld xmlns:a="http://schemas.openxmlformats.org/drawingml/2006/main" xmlns:r="http://schemas.openxmlformats.org/officeDocument/2006/relationships" xmlns:p="http://schemas.openxmlformats.org/presentationml/2006/main">
+  <p:cSld>
+    <p:spTree>
+      <p:nvGrpSpPr>
+        <p:cNvPr id="1" name=""/>
+        <p:cNvGrpSpPr/>
+        <p:nvPr/>
+      </p:nvGrpSpPr>
+      <p:grpSpPr>
+        <a:xfrm>
+          <a:off x="0" y="0"/>
+          <a:ext cx="0" cy="0"/>
+          <a:chOff x="0" y="0"/>
+          <a:chExt cx="0" cy="0"/>
+        </a:xfrm>
+      </p:grpSpPr>
+      <p:sp>
+        <p:nvSpPr>
+          <p:cNvPr id="6" name="Title 5">
+            <a:extLst>
+              <a:ext uri="{FF2B5EF4-FFF2-40B4-BE49-F238E27FC236}">
+                <a16:creationId xmlns:a16="http://schemas.microsoft.com/office/drawing/2014/main" id="{E7BF15BD-001C-49B3-9A01-B39DEDA47564}"/>
+              </a:ext>
+            </a:extLst>
+          </p:cNvPr>
+          <p:cNvSpPr>
+            <a:spLocks noGrp="1"/>
+          </p:cNvSpPr>
+          <p:nvPr>
+            <p:ph type="title"/>
+          </p:nvPr>
+        </p:nvSpPr>
+        <p:spPr>
+          <a:xfrm>
+            <a:off x="585216" y="2309812"/>
+            <a:ext cx="3182027" cy="553998"/>
+          </a:xfrm>
+        </p:spPr>
+        <p:txBody>
+          <a:bodyPr/>
+          <a:lstStyle/>
+          <a:p>
+            <a:r>
+              <a:rPr lang="en-US" dirty="0"/>
+              <a:t>Agenda</a:t>
+            </a:r>
+          </a:p>
+        </p:txBody>
+      </p:sp>
+      <p:sp>
+        <p:nvSpPr>
+          <p:cNvPr id="7" name="Text Placeholder 6">
+            <a:extLst>
+              <a:ext uri="{FF2B5EF4-FFF2-40B4-BE49-F238E27FC236}">
+                <a16:creationId xmlns:a16="http://schemas.microsoft.com/office/drawing/2014/main" id="{61F6BD0B-C4D8-42DE-A3A7-50D8219CE639}"/>
+              </a:ext>
+            </a:extLst>
+          </p:cNvPr>
+          <p:cNvSpPr>
+            <a:spLocks noGrp="1"/>
+          </p:cNvSpPr>
+          <p:nvPr>
+            <p:ph type="body" sz="quarter" idx="11"/>
+          </p:nvPr>
+        </p:nvSpPr>
+        <p:spPr>
+          <a:xfrm>
+            <a:off x="4354523" y="2309812"/>
+            <a:ext cx="7254865" cy="2289858"/>
+          </a:xfrm>
+        </p:spPr>
+        <p:txBody>
+          <a:bodyPr/>
+          <a:lstStyle/>
+          <a:p>
+            <a:r>
+              <a:rPr lang="en-IE" dirty="0"/>
+              <a:t>Introduction</a:t>
+            </a:r>
+          </a:p>
+          <a:p>
+            <a:r>
+              <a:rPr lang="en-US" dirty="0"/>
+              <a:t>Brief overview</a:t>
+            </a:r>
+          </a:p>
+          <a:p>
+            <a:r>
+              <a:rPr lang="en-US" dirty="0"/>
+              <a:t>Step by Step</a:t>
+            </a:r>
+          </a:p>
+          <a:p>
+            <a:r>
+              <a:rPr lang="en-US" dirty="0" err="1"/>
+              <a:t>QnA</a:t>
+            </a:r>
+            <a:endParaRPr lang="en-IE" dirty="0"/>
+          </a:p>
+        </p:txBody>
+      </p:sp>
+    </p:spTree>
+    <p:extLst>
+      <p:ext uri="{BB962C8B-B14F-4D97-AF65-F5344CB8AC3E}">
+        <p14:creationId xmlns:p14="http://schemas.microsoft.com/office/powerpoint/2010/main" val="4178565498"/>
+      </p:ext>
+    </p:extLst>
+  </p:cSld>
+  <p:clrMapOvr>
+    <a:masterClrMapping/>
+  </p:clrMapOvr>
+  <p:transition>
+    <p:fade/>
+  </p:transition>
+</p:sld>
+</file>
+
+<file path=ppt/slides/slide20.xml><?xml version="1.0" encoding="utf-8"?>
 <p:sld xmlns:a="http://schemas.openxmlformats.org/drawingml/2006/main" xmlns:r="http://schemas.openxmlformats.org/officeDocument/2006/relationships" xmlns:p="http://schemas.openxmlformats.org/presentationml/2006/main">
   <p:cSld>
     <p:spTree>
@@ -22351,125 +22990,7 @@
 </p:sld>
 </file>
 
-<file path=ppt/slides/slide2.xml><?xml version="1.0" encoding="utf-8"?>
-<p:sld xmlns:a="http://schemas.openxmlformats.org/drawingml/2006/main" xmlns:r="http://schemas.openxmlformats.org/officeDocument/2006/relationships" xmlns:p="http://schemas.openxmlformats.org/presentationml/2006/main">
-  <p:cSld>
-    <p:spTree>
-      <p:nvGrpSpPr>
-        <p:cNvPr id="1" name=""/>
-        <p:cNvGrpSpPr/>
-        <p:nvPr/>
-      </p:nvGrpSpPr>
-      <p:grpSpPr>
-        <a:xfrm>
-          <a:off x="0" y="0"/>
-          <a:ext cx="0" cy="0"/>
-          <a:chOff x="0" y="0"/>
-          <a:chExt cx="0" cy="0"/>
-        </a:xfrm>
-      </p:grpSpPr>
-      <p:sp>
-        <p:nvSpPr>
-          <p:cNvPr id="6" name="Title 5">
-            <a:extLst>
-              <a:ext uri="{FF2B5EF4-FFF2-40B4-BE49-F238E27FC236}">
-                <a16:creationId xmlns:a16="http://schemas.microsoft.com/office/drawing/2014/main" id="{E7BF15BD-001C-49B3-9A01-B39DEDA47564}"/>
-              </a:ext>
-            </a:extLst>
-          </p:cNvPr>
-          <p:cNvSpPr>
-            <a:spLocks noGrp="1"/>
-          </p:cNvSpPr>
-          <p:nvPr>
-            <p:ph type="title"/>
-          </p:nvPr>
-        </p:nvSpPr>
-        <p:spPr>
-          <a:xfrm>
-            <a:off x="585216" y="2309812"/>
-            <a:ext cx="3182027" cy="553998"/>
-          </a:xfrm>
-        </p:spPr>
-        <p:txBody>
-          <a:bodyPr/>
-          <a:lstStyle/>
-          <a:p>
-            <a:r>
-              <a:rPr lang="en-US" dirty="0"/>
-              <a:t>Agenda</a:t>
-            </a:r>
-          </a:p>
-        </p:txBody>
-      </p:sp>
-      <p:sp>
-        <p:nvSpPr>
-          <p:cNvPr id="7" name="Text Placeholder 6">
-            <a:extLst>
-              <a:ext uri="{FF2B5EF4-FFF2-40B4-BE49-F238E27FC236}">
-                <a16:creationId xmlns:a16="http://schemas.microsoft.com/office/drawing/2014/main" id="{61F6BD0B-C4D8-42DE-A3A7-50D8219CE639}"/>
-              </a:ext>
-            </a:extLst>
-          </p:cNvPr>
-          <p:cNvSpPr>
-            <a:spLocks noGrp="1"/>
-          </p:cNvSpPr>
-          <p:nvPr>
-            <p:ph type="body" sz="quarter" idx="11"/>
-          </p:nvPr>
-        </p:nvSpPr>
-        <p:spPr>
-          <a:xfrm>
-            <a:off x="4354523" y="2309812"/>
-            <a:ext cx="7254865" cy="2289858"/>
-          </a:xfrm>
-        </p:spPr>
-        <p:txBody>
-          <a:bodyPr/>
-          <a:lstStyle/>
-          <a:p>
-            <a:r>
-              <a:rPr lang="en-IE" dirty="0"/>
-              <a:t>Introduction</a:t>
-            </a:r>
-          </a:p>
-          <a:p>
-            <a:r>
-              <a:rPr lang="en-US" dirty="0"/>
-              <a:t>Brief overview</a:t>
-            </a:r>
-          </a:p>
-          <a:p>
-            <a:r>
-              <a:rPr lang="en-US" dirty="0"/>
-              <a:t>Step by Step</a:t>
-            </a:r>
-          </a:p>
-          <a:p>
-            <a:r>
-              <a:rPr lang="en-US" dirty="0" err="1"/>
-              <a:t>QnA</a:t>
-            </a:r>
-            <a:endParaRPr lang="en-IE" dirty="0"/>
-          </a:p>
-        </p:txBody>
-      </p:sp>
-    </p:spTree>
-    <p:extLst>
-      <p:ext uri="{BB962C8B-B14F-4D97-AF65-F5344CB8AC3E}">
-        <p14:creationId xmlns:p14="http://schemas.microsoft.com/office/powerpoint/2010/main" val="4178565498"/>
-      </p:ext>
-    </p:extLst>
-  </p:cSld>
-  <p:clrMapOvr>
-    <a:masterClrMapping/>
-  </p:clrMapOvr>
-  <p:transition>
-    <p:fade/>
-  </p:transition>
-</p:sld>
-</file>
-
-<file path=ppt/slides/slide20.xml><?xml version="1.0" encoding="utf-8"?>
+<file path=ppt/slides/slide21.xml><?xml version="1.0" encoding="utf-8"?>
 <p:sld xmlns:a="http://schemas.openxmlformats.org/drawingml/2006/main" xmlns:r="http://schemas.openxmlformats.org/officeDocument/2006/relationships" xmlns:p="http://schemas.openxmlformats.org/presentationml/2006/main">
   <p:cSld>
     <p:spTree>
@@ -26670,7 +27191,7 @@
 </p:sld>
 </file>
 
-<file path=ppt/slides/slide21.xml><?xml version="1.0" encoding="utf-8"?>
+<file path=ppt/slides/slide22.xml><?xml version="1.0" encoding="utf-8"?>
 <p:sld xmlns:a="http://schemas.openxmlformats.org/drawingml/2006/main" xmlns:r="http://schemas.openxmlformats.org/officeDocument/2006/relationships" xmlns:p="http://schemas.openxmlformats.org/presentationml/2006/main">
   <p:cSld>
     <p:spTree>
@@ -27054,7 +27575,7 @@
 </p:sld>
 </file>
 
-<file path=ppt/slides/slide22.xml><?xml version="1.0" encoding="utf-8"?>
+<file path=ppt/slides/slide23.xml><?xml version="1.0" encoding="utf-8"?>
 <p:sld xmlns:a="http://schemas.openxmlformats.org/drawingml/2006/main" xmlns:r="http://schemas.openxmlformats.org/officeDocument/2006/relationships" xmlns:p="http://schemas.openxmlformats.org/presentationml/2006/main">
   <p:cSld>
     <p:spTree>
@@ -27354,83 +27875,6 @@
 </p:sld>
 </file>
 
-<file path=ppt/slides/slide23.xml><?xml version="1.0" encoding="utf-8"?>
-<p:sld xmlns:a="http://schemas.openxmlformats.org/drawingml/2006/main" xmlns:r="http://schemas.openxmlformats.org/officeDocument/2006/relationships" xmlns:p="http://schemas.openxmlformats.org/presentationml/2006/main">
-  <p:cSld>
-    <p:spTree>
-      <p:nvGrpSpPr>
-        <p:cNvPr id="1" name=""/>
-        <p:cNvGrpSpPr/>
-        <p:nvPr/>
-      </p:nvGrpSpPr>
-      <p:grpSpPr>
-        <a:xfrm>
-          <a:off x="0" y="0"/>
-          <a:ext cx="0" cy="0"/>
-          <a:chOff x="0" y="0"/>
-          <a:chExt cx="0" cy="0"/>
-        </a:xfrm>
-      </p:grpSpPr>
-      <p:sp>
-        <p:nvSpPr>
-          <p:cNvPr id="3" name="Title 2"/>
-          <p:cNvSpPr>
-            <a:spLocks noGrp="1"/>
-          </p:cNvSpPr>
-          <p:nvPr>
-            <p:ph type="title"/>
-          </p:nvPr>
-        </p:nvSpPr>
-        <p:spPr/>
-        <p:txBody>
-          <a:bodyPr/>
-          <a:lstStyle/>
-          <a:p>
-            <a:r>
-              <a:rPr lang="en-US" dirty="0"/>
-              <a:t>Demo</a:t>
-            </a:r>
-          </a:p>
-        </p:txBody>
-      </p:sp>
-      <p:sp>
-        <p:nvSpPr>
-          <p:cNvPr id="4" name="Text Placeholder 3"/>
-          <p:cNvSpPr>
-            <a:spLocks noGrp="1"/>
-          </p:cNvSpPr>
-          <p:nvPr>
-            <p:ph type="body" sz="quarter" idx="12"/>
-          </p:nvPr>
-        </p:nvSpPr>
-        <p:spPr/>
-        <p:txBody>
-          <a:bodyPr/>
-          <a:lstStyle/>
-          <a:p>
-            <a:r>
-              <a:rPr lang="en-US" dirty="0"/>
-              <a:t>Speaker name</a:t>
-            </a:r>
-          </a:p>
-        </p:txBody>
-      </p:sp>
-    </p:spTree>
-    <p:extLst>
-      <p:ext uri="{BB962C8B-B14F-4D97-AF65-F5344CB8AC3E}">
-        <p14:creationId xmlns:p14="http://schemas.microsoft.com/office/powerpoint/2010/main" val="203203085"/>
-      </p:ext>
-    </p:extLst>
-  </p:cSld>
-  <p:clrMapOvr>
-    <a:masterClrMapping/>
-  </p:clrMapOvr>
-  <p:transition>
-    <p:fade/>
-  </p:transition>
-</p:sld>
-</file>
-
 <file path=ppt/slides/slide24.xml><?xml version="1.0" encoding="utf-8"?>
 <p:sld xmlns:a="http://schemas.openxmlformats.org/drawingml/2006/main" xmlns:r="http://schemas.openxmlformats.org/officeDocument/2006/relationships" xmlns:p="http://schemas.openxmlformats.org/presentationml/2006/main">
   <p:cSld>
@@ -27450,7 +27894,7 @@
       </p:grpSpPr>
       <p:sp>
         <p:nvSpPr>
-          <p:cNvPr id="2" name="Title 1"/>
+          <p:cNvPr id="3" name="Title 2"/>
           <p:cNvSpPr>
             <a:spLocks noGrp="1"/>
           </p:cNvSpPr>
@@ -27465,7 +27909,29 @@
           <a:p>
             <a:r>
               <a:rPr lang="en-US" dirty="0"/>
-              <a:t>Section title</a:t>
+              <a:t>Demo</a:t>
+            </a:r>
+          </a:p>
+        </p:txBody>
+      </p:sp>
+      <p:sp>
+        <p:nvSpPr>
+          <p:cNvPr id="4" name="Text Placeholder 3"/>
+          <p:cNvSpPr>
+            <a:spLocks noGrp="1"/>
+          </p:cNvSpPr>
+          <p:nvPr>
+            <p:ph type="body" sz="quarter" idx="12"/>
+          </p:nvPr>
+        </p:nvSpPr>
+        <p:spPr/>
+        <p:txBody>
+          <a:bodyPr/>
+          <a:lstStyle/>
+          <a:p>
+            <a:r>
+              <a:rPr lang="en-US" dirty="0"/>
+              <a:t>Speaker name</a:t>
             </a:r>
           </a:p>
         </p:txBody>
@@ -27473,7 +27939,7 @@
     </p:spTree>
     <p:extLst>
       <p:ext uri="{BB962C8B-B14F-4D97-AF65-F5344CB8AC3E}">
-        <p14:creationId xmlns:p14="http://schemas.microsoft.com/office/powerpoint/2010/main" val="3249496989"/>
+        <p14:creationId xmlns:p14="http://schemas.microsoft.com/office/powerpoint/2010/main" val="203203085"/>
       </p:ext>
     </p:extLst>
   </p:cSld>
@@ -27505,6 +27971,61 @@
       </p:grpSpPr>
       <p:sp>
         <p:nvSpPr>
+          <p:cNvPr id="2" name="Title 1"/>
+          <p:cNvSpPr>
+            <a:spLocks noGrp="1"/>
+          </p:cNvSpPr>
+          <p:nvPr>
+            <p:ph type="title"/>
+          </p:nvPr>
+        </p:nvSpPr>
+        <p:spPr/>
+        <p:txBody>
+          <a:bodyPr/>
+          <a:lstStyle/>
+          <a:p>
+            <a:r>
+              <a:rPr lang="en-US" dirty="0"/>
+              <a:t>Section title</a:t>
+            </a:r>
+          </a:p>
+        </p:txBody>
+      </p:sp>
+    </p:spTree>
+    <p:extLst>
+      <p:ext uri="{BB962C8B-B14F-4D97-AF65-F5344CB8AC3E}">
+        <p14:creationId xmlns:p14="http://schemas.microsoft.com/office/powerpoint/2010/main" val="3249496989"/>
+      </p:ext>
+    </p:extLst>
+  </p:cSld>
+  <p:clrMapOvr>
+    <a:masterClrMapping/>
+  </p:clrMapOvr>
+  <p:transition>
+    <p:fade/>
+  </p:transition>
+</p:sld>
+</file>
+
+<file path=ppt/slides/slide26.xml><?xml version="1.0" encoding="utf-8"?>
+<p:sld xmlns:a="http://schemas.openxmlformats.org/drawingml/2006/main" xmlns:r="http://schemas.openxmlformats.org/officeDocument/2006/relationships" xmlns:p="http://schemas.openxmlformats.org/presentationml/2006/main">
+  <p:cSld>
+    <p:spTree>
+      <p:nvGrpSpPr>
+        <p:cNvPr id="1" name=""/>
+        <p:cNvGrpSpPr/>
+        <p:nvPr/>
+      </p:nvGrpSpPr>
+      <p:grpSpPr>
+        <a:xfrm>
+          <a:off x="0" y="0"/>
+          <a:ext cx="0" cy="0"/>
+          <a:chOff x="0" y="0"/>
+          <a:chExt cx="0" cy="0"/>
+        </a:xfrm>
+      </p:grpSpPr>
+      <p:sp>
+        <p:nvSpPr>
           <p:cNvPr id="4" name="Title 3"/>
           <p:cNvSpPr>
             <a:spLocks noGrp="1"/>
@@ -27563,7 +28084,7 @@
 </p:sld>
 </file>
 
-<file path=ppt/slides/slide26.xml><?xml version="1.0" encoding="utf-8"?>
+<file path=ppt/slides/slide27.xml><?xml version="1.0" encoding="utf-8"?>
 <p:sld xmlns:a="http://schemas.openxmlformats.org/drawingml/2006/main" xmlns:r="http://schemas.openxmlformats.org/officeDocument/2006/relationships" xmlns:p="http://schemas.openxmlformats.org/presentationml/2006/main" show="0">
   <p:cSld>
     <p:spTree>
@@ -27668,7 +28189,7 @@
 </p:sld>
 </file>
 
-<file path=ppt/slides/slide27.xml><?xml version="1.0" encoding="utf-8"?>
+<file path=ppt/slides/slide28.xml><?xml version="1.0" encoding="utf-8"?>
 <p:sld xmlns:a="http://schemas.openxmlformats.org/drawingml/2006/main" xmlns:r="http://schemas.openxmlformats.org/officeDocument/2006/relationships" xmlns:p="http://schemas.openxmlformats.org/presentationml/2006/main">
   <p:cSld>
     <p:spTree>
@@ -27803,10 +28324,10 @@
       </p:grpSpPr>
       <p:sp>
         <p:nvSpPr>
-          <p:cNvPr id="4" name="Title 3">
+          <p:cNvPr id="2" name="Title 1">
             <a:extLst>
               <a:ext uri="{FF2B5EF4-FFF2-40B4-BE49-F238E27FC236}">
-                <a16:creationId xmlns:a16="http://schemas.microsoft.com/office/drawing/2014/main" id="{352A8B8F-8492-0F68-6060-DD520FD70EFD}"/>
+                <a16:creationId xmlns:a16="http://schemas.microsoft.com/office/drawing/2014/main" id="{C6CC23FF-185E-A717-17A2-5814665B6407}"/>
               </a:ext>
             </a:extLst>
           </p:cNvPr>
@@ -27817,136 +28338,53 @@
             <p:ph type="title"/>
           </p:nvPr>
         </p:nvSpPr>
-        <p:spPr>
-          <a:xfrm>
-            <a:off x="584518" y="311963"/>
-            <a:ext cx="11018520" cy="553998"/>
-          </a:xfrm>
-        </p:spPr>
+        <p:spPr/>
         <p:txBody>
           <a:bodyPr/>
           <a:lstStyle/>
           <a:p>
             <a:r>
               <a:rPr lang="en-IE" dirty="0"/>
-              <a:t>Getting Latest file</a:t>
+              <a:t>Azure Cost Analysis </a:t>
             </a:r>
             <a:endParaRPr lang="en-US" dirty="0"/>
           </a:p>
         </p:txBody>
       </p:sp>
-      <p:sp>
-        <p:nvSpPr>
-          <p:cNvPr id="5" name="Content Placeholder 4">
+      <p:pic>
+        <p:nvPicPr>
+          <p:cNvPr id="5" name="Picture 4">
             <a:extLst>
               <a:ext uri="{FF2B5EF4-FFF2-40B4-BE49-F238E27FC236}">
-                <a16:creationId xmlns:a16="http://schemas.microsoft.com/office/drawing/2014/main" id="{C17EB948-491F-19C6-E074-98324A042144}"/>
+                <a16:creationId xmlns:a16="http://schemas.microsoft.com/office/drawing/2014/main" id="{FC6BE5E0-8D57-82C4-249C-27D369BC0A15}"/>
               </a:ext>
             </a:extLst>
           </p:cNvPr>
-          <p:cNvSpPr>
-            <a:spLocks noGrp="1"/>
-          </p:cNvSpPr>
-          <p:nvPr>
-            <p:ph sz="quarter" idx="10"/>
-          </p:nvPr>
-        </p:nvSpPr>
+          <p:cNvPicPr>
+            <a:picLocks noChangeAspect="1"/>
+          </p:cNvPicPr>
+          <p:nvPr/>
+        </p:nvPicPr>
+        <p:blipFill>
+          <a:blip r:embed="rId2"/>
+          <a:stretch>
+            <a:fillRect/>
+          </a:stretch>
+        </p:blipFill>
         <p:spPr>
           <a:xfrm>
-            <a:off x="584200" y="1012723"/>
-            <a:ext cx="11018838" cy="4198072"/>
+            <a:off x="4133707" y="0"/>
+            <a:ext cx="8058293" cy="6714007"/>
           </a:xfrm>
+          <a:prstGeom prst="rect">
+            <a:avLst/>
+          </a:prstGeom>
         </p:spPr>
-        <p:txBody>
-          <a:bodyPr/>
-          <a:lstStyle/>
-          <a:p>
-            <a:r>
-              <a:rPr lang="en-IE" dirty="0"/>
-              <a:t>Given: list of files </a:t>
-            </a:r>
-            <a:r>
-              <a:rPr lang="en-IE" dirty="0" err="1"/>
-              <a:t>AzureUsage</a:t>
-            </a:r>
-            <a:r>
-              <a:rPr lang="en-IE" dirty="0"/>
-              <a:t> (x).csv pick the latest as a source</a:t>
-            </a:r>
-          </a:p>
-          <a:p>
-            <a:endParaRPr lang="en-IE" dirty="0"/>
-          </a:p>
-          <a:p>
-            <a:r>
-              <a:rPr lang="en-IE" dirty="0"/>
-              <a:t>Solution: </a:t>
-            </a:r>
-          </a:p>
-          <a:p>
-            <a:pPr lvl="1"/>
-            <a:r>
-              <a:rPr lang="en-IE" dirty="0"/>
-              <a:t>Get Data</a:t>
-            </a:r>
-          </a:p>
-          <a:p>
-            <a:pPr lvl="1"/>
-            <a:r>
-              <a:rPr lang="en-IE" dirty="0" err="1"/>
-              <a:t>Sharepoint</a:t>
-            </a:r>
-            <a:r>
-              <a:rPr lang="en-IE" dirty="0"/>
-              <a:t> Folder </a:t>
-            </a:r>
-          </a:p>
-          <a:p>
-            <a:pPr lvl="1"/>
-            <a:r>
-              <a:rPr lang="en-IE" dirty="0"/>
-              <a:t>Text filter -&gt; Starts With -&gt; </a:t>
-            </a:r>
-            <a:r>
-              <a:rPr lang="en-IE" dirty="0" err="1"/>
-              <a:t>AzureUsage</a:t>
-            </a:r>
-            <a:endParaRPr lang="en-IE" dirty="0"/>
-          </a:p>
-          <a:p>
-            <a:pPr lvl="1"/>
-            <a:r>
-              <a:rPr lang="en-IE" dirty="0" err="1"/>
-              <a:t>DateModified</a:t>
-            </a:r>
-            <a:r>
-              <a:rPr lang="en-IE" dirty="0"/>
-              <a:t> -&gt; Date/Time Filter -&gt; Is Latest</a:t>
-            </a:r>
-          </a:p>
-          <a:p>
-            <a:pPr lvl="1"/>
-            <a:r>
-              <a:rPr lang="en-IE" dirty="0"/>
-              <a:t>Click on “Combine Files” button in the left column header</a:t>
-            </a:r>
-          </a:p>
-          <a:p>
-            <a:pPr lvl="1"/>
-            <a:r>
-              <a:rPr lang="en-IE" dirty="0"/>
-              <a:t>Rename the Query</a:t>
-            </a:r>
-          </a:p>
-          <a:p>
-            <a:endParaRPr lang="en-US" dirty="0"/>
-          </a:p>
-        </p:txBody>
-      </p:sp>
+      </p:pic>
     </p:spTree>
     <p:extLst>
       <p:ext uri="{BB962C8B-B14F-4D97-AF65-F5344CB8AC3E}">
-        <p14:creationId xmlns:p14="http://schemas.microsoft.com/office/powerpoint/2010/main" val="3744307599"/>
+        <p14:creationId xmlns:p14="http://schemas.microsoft.com/office/powerpoint/2010/main" val="4179713751"/>
       </p:ext>
     </p:extLst>
   </p:cSld>
@@ -27978,10 +28416,10 @@
       </p:grpSpPr>
       <p:sp>
         <p:nvSpPr>
-          <p:cNvPr id="2" name="Title 1">
+          <p:cNvPr id="4" name="Title 3">
             <a:extLst>
               <a:ext uri="{FF2B5EF4-FFF2-40B4-BE49-F238E27FC236}">
-                <a16:creationId xmlns:a16="http://schemas.microsoft.com/office/drawing/2014/main" id="{2B582B95-E0E6-1BC0-B4E9-EA12D43E00D4}"/>
+                <a16:creationId xmlns:a16="http://schemas.microsoft.com/office/drawing/2014/main" id="{352A8B8F-8492-0F68-6060-DD520FD70EFD}"/>
               </a:ext>
             </a:extLst>
           </p:cNvPr>
@@ -27992,14 +28430,19 @@
             <p:ph type="title"/>
           </p:nvPr>
         </p:nvSpPr>
-        <p:spPr/>
+        <p:spPr>
+          <a:xfrm>
+            <a:off x="584518" y="311963"/>
+            <a:ext cx="11018520" cy="553998"/>
+          </a:xfrm>
+        </p:spPr>
         <p:txBody>
           <a:bodyPr/>
           <a:lstStyle/>
           <a:p>
             <a:r>
               <a:rPr lang="en-IE" dirty="0"/>
-              <a:t>Date format</a:t>
+              <a:t>Getting Latest file</a:t>
             </a:r>
             <a:endParaRPr lang="en-US" dirty="0"/>
           </a:p>
@@ -28007,10 +28450,10 @@
       </p:sp>
       <p:sp>
         <p:nvSpPr>
-          <p:cNvPr id="3" name="Content Placeholder 2">
+          <p:cNvPr id="5" name="Content Placeholder 4">
             <a:extLst>
               <a:ext uri="{FF2B5EF4-FFF2-40B4-BE49-F238E27FC236}">
-                <a16:creationId xmlns:a16="http://schemas.microsoft.com/office/drawing/2014/main" id="{A5906A48-2F56-16EB-CE68-417075FD366E}"/>
+                <a16:creationId xmlns:a16="http://schemas.microsoft.com/office/drawing/2014/main" id="{C17EB948-491F-19C6-E074-98324A042144}"/>
               </a:ext>
             </a:extLst>
           </p:cNvPr>
@@ -28023,8 +28466,8 @@
         </p:nvSpPr>
         <p:spPr>
           <a:xfrm>
-            <a:off x="584200" y="1435100"/>
-            <a:ext cx="11018838" cy="3681008"/>
+            <a:off x="584200" y="1012723"/>
+            <a:ext cx="11018838" cy="4198072"/>
           </a:xfrm>
         </p:spPr>
         <p:txBody>
@@ -28033,66 +28476,90 @@
           <a:p>
             <a:r>
               <a:rPr lang="en-IE" dirty="0"/>
-              <a:t>Challenge: </a:t>
+              <a:t>Given: list of files </a:t>
+            </a:r>
+            <a:r>
+              <a:rPr lang="en-IE" dirty="0" err="1"/>
+              <a:t>AzureUsage</a:t>
+            </a:r>
+            <a:r>
+              <a:rPr lang="en-IE" dirty="0"/>
+              <a:t> (x).csv pick the latest as a source</a:t>
+            </a:r>
+          </a:p>
+          <a:p>
+            <a:endParaRPr lang="en-IE" dirty="0"/>
+          </a:p>
+          <a:p>
+            <a:r>
+              <a:rPr lang="en-IE" dirty="0"/>
+              <a:t>Solution: </a:t>
             </a:r>
           </a:p>
           <a:p>
             <a:pPr lvl="1"/>
             <a:r>
               <a:rPr lang="en-IE" dirty="0"/>
-              <a:t>Csv file uses MM/DD/YYYY date format whereas most of us using DD/MM/YYYY</a:t>
+              <a:t>Get Data</a:t>
             </a:r>
           </a:p>
           <a:p>
             <a:pPr lvl="1"/>
+            <a:r>
+              <a:rPr lang="en-IE" dirty="0" err="1"/>
+              <a:t>Sharepoint</a:t>
+            </a:r>
+            <a:r>
+              <a:rPr lang="en-IE" dirty="0"/>
+              <a:t> Folder </a:t>
+            </a:r>
+          </a:p>
+          <a:p>
+            <a:pPr lvl="1"/>
+            <a:r>
+              <a:rPr lang="en-IE" dirty="0"/>
+              <a:t>Text filter -&gt; Starts With -&gt; </a:t>
+            </a:r>
+            <a:r>
+              <a:rPr lang="en-IE" dirty="0" err="1"/>
+              <a:t>AzureUsage</a:t>
+            </a:r>
             <a:endParaRPr lang="en-IE" dirty="0"/>
           </a:p>
           <a:p>
+            <a:pPr lvl="1"/>
+            <a:r>
+              <a:rPr lang="en-IE" dirty="0" err="1"/>
+              <a:t>DateModified</a:t>
+            </a:r>
             <a:r>
               <a:rPr lang="en-IE" dirty="0"/>
-              <a:t>Solution:</a:t>
+              <a:t> -&gt; Date/Time Filter -&gt; Is Latest</a:t>
             </a:r>
           </a:p>
           <a:p>
             <a:pPr lvl="1"/>
             <a:r>
               <a:rPr lang="en-IE" dirty="0"/>
-              <a:t>Split the field by ‘/’ into DD MM and YYYY fields and recombine them to DD/MM/YYYY</a:t>
-            </a:r>
+              <a:t>Click on “Combine Files” button in the left column header</a:t>
+            </a:r>
+          </a:p>
+          <a:p>
+            <a:pPr lvl="1"/>
+            <a:r>
+              <a:rPr lang="en-IE" dirty="0"/>
+              <a:t>Rename the Query</a:t>
+            </a:r>
+          </a:p>
+          <a:p>
             <a:endParaRPr lang="en-US" dirty="0"/>
-          </a:p>
-          <a:p>
-            <a:pPr lvl="1"/>
-            <a:endParaRPr lang="en-US" dirty="0"/>
-          </a:p>
-          <a:p>
-            <a:r>
-              <a:rPr lang="en-US" dirty="0" err="1"/>
-              <a:t>PowerQuery</a:t>
-            </a:r>
-            <a:endParaRPr lang="en-US" dirty="0"/>
-          </a:p>
-          <a:p>
-            <a:pPr lvl="1"/>
-            <a:r>
-              <a:rPr lang="en-US" dirty="0"/>
-              <a:t>Transform </a:t>
-            </a:r>
-            <a:r>
-              <a:rPr lang="en-US"/>
-              <a:t>-&gt; Split by ‘/’</a:t>
-            </a:r>
-          </a:p>
-          <a:p>
-            <a:pPr lvl="1"/>
-            <a:endParaRPr lang="en-IE"/>
           </a:p>
         </p:txBody>
       </p:sp>
     </p:spTree>
     <p:extLst>
       <p:ext uri="{BB962C8B-B14F-4D97-AF65-F5344CB8AC3E}">
-        <p14:creationId xmlns:p14="http://schemas.microsoft.com/office/powerpoint/2010/main" val="47875129"/>
+        <p14:creationId xmlns:p14="http://schemas.microsoft.com/office/powerpoint/2010/main" val="3744307599"/>
       </p:ext>
     </p:extLst>
   </p:cSld>
@@ -28124,7 +28591,13 @@
       </p:grpSpPr>
       <p:sp>
         <p:nvSpPr>
-          <p:cNvPr id="17" name="Title 16"/>
+          <p:cNvPr id="2" name="Title 1">
+            <a:extLst>
+              <a:ext uri="{FF2B5EF4-FFF2-40B4-BE49-F238E27FC236}">
+                <a16:creationId xmlns:a16="http://schemas.microsoft.com/office/drawing/2014/main" id="{2B582B95-E0E6-1BC0-B4E9-EA12D43E00D4}"/>
+              </a:ext>
+            </a:extLst>
+          </p:cNvPr>
           <p:cNvSpPr>
             <a:spLocks noGrp="1"/>
           </p:cNvSpPr>
@@ -28138,26 +28611,33 @@
           <a:lstStyle/>
           <a:p>
             <a:r>
-              <a:rPr lang="en-US" dirty="0"/>
-              <a:t>Text layout (without bullet points)</a:t>
-            </a:r>
+              <a:rPr lang="en-IE" dirty="0"/>
+              <a:t>Date format</a:t>
+            </a:r>
+            <a:endParaRPr lang="en-US" dirty="0"/>
           </a:p>
         </p:txBody>
       </p:sp>
       <p:sp>
         <p:nvSpPr>
-          <p:cNvPr id="6" name="Text Placeholder 5"/>
+          <p:cNvPr id="3" name="Content Placeholder 2">
+            <a:extLst>
+              <a:ext uri="{FF2B5EF4-FFF2-40B4-BE49-F238E27FC236}">
+                <a16:creationId xmlns:a16="http://schemas.microsoft.com/office/drawing/2014/main" id="{A5906A48-2F56-16EB-CE68-417075FD366E}"/>
+              </a:ext>
+            </a:extLst>
+          </p:cNvPr>
           <p:cNvSpPr>
             <a:spLocks noGrp="1"/>
           </p:cNvSpPr>
           <p:nvPr>
-            <p:ph type="body" sz="quarter" idx="10"/>
+            <p:ph sz="quarter" idx="10"/>
           </p:nvPr>
         </p:nvSpPr>
         <p:spPr>
           <a:xfrm>
-            <a:off x="586390" y="1434370"/>
-            <a:ext cx="11018520" cy="1095685"/>
+            <a:off x="584200" y="1435100"/>
+            <a:ext cx="11018838" cy="3681008"/>
           </a:xfrm>
         </p:spPr>
         <p:txBody>
@@ -28165,30 +28645,67 @@
           <a:lstStyle/>
           <a:p>
             <a:r>
+              <a:rPr lang="en-IE" dirty="0"/>
+              <a:t>Challenge: </a:t>
+            </a:r>
+          </a:p>
+          <a:p>
+            <a:pPr lvl="1"/>
+            <a:r>
+              <a:rPr lang="en-IE" dirty="0"/>
+              <a:t>Csv file uses MM/DD/YYYY date format whereas most of us using DD/MM/YYYY</a:t>
+            </a:r>
+          </a:p>
+          <a:p>
+            <a:pPr lvl="1"/>
+            <a:endParaRPr lang="en-IE" dirty="0"/>
+          </a:p>
+          <a:p>
+            <a:r>
+              <a:rPr lang="en-IE" dirty="0"/>
+              <a:t>Solution:</a:t>
+            </a:r>
+          </a:p>
+          <a:p>
+            <a:pPr lvl="1"/>
+            <a:r>
+              <a:rPr lang="en-IE" dirty="0"/>
+              <a:t>Split the field by ‘/’ into DD MM and YYYY fields and recombine them to DD/MM/YYYY</a:t>
+            </a:r>
+            <a:endParaRPr lang="en-US" dirty="0"/>
+          </a:p>
+          <a:p>
+            <a:pPr lvl="1"/>
+            <a:endParaRPr lang="en-US" dirty="0"/>
+          </a:p>
+          <a:p>
+            <a:r>
+              <a:rPr lang="en-US" dirty="0" err="1"/>
+              <a:t>PowerQuery</a:t>
+            </a:r>
+            <a:endParaRPr lang="en-US" dirty="0"/>
+          </a:p>
+          <a:p>
+            <a:pPr lvl="1"/>
+            <a:r>
               <a:rPr lang="en-US" dirty="0"/>
-              <a:t>Main topic: Segoe UI, size 28pt</a:t>
+              <a:t>Transform </a:t>
+            </a:r>
+            <a:r>
+              <a:rPr lang="en-US"/>
+              <a:t>-&gt; Split by ‘/’</a:t>
             </a:r>
           </a:p>
           <a:p>
             <a:pPr lvl="1"/>
-            <a:r>
-              <a:rPr lang="en-US" dirty="0"/>
-              <a:t>Segoe UI, size 20pt for second level</a:t>
-            </a:r>
-          </a:p>
-          <a:p>
-            <a:pPr lvl="2"/>
-            <a:r>
-              <a:rPr lang="en-US" dirty="0"/>
-              <a:t>Segoe UI, size 16pt for third level</a:t>
-            </a:r>
+            <a:endParaRPr lang="en-IE"/>
           </a:p>
         </p:txBody>
       </p:sp>
     </p:spTree>
     <p:extLst>
       <p:ext uri="{BB962C8B-B14F-4D97-AF65-F5344CB8AC3E}">
-        <p14:creationId xmlns:p14="http://schemas.microsoft.com/office/powerpoint/2010/main" val="3957722359"/>
+        <p14:creationId xmlns:p14="http://schemas.microsoft.com/office/powerpoint/2010/main" val="47875129"/>
       </p:ext>
     </p:extLst>
   </p:cSld>
@@ -28235,6 +28752,102 @@
           <a:p>
             <a:r>
               <a:rPr lang="en-US" dirty="0"/>
+              <a:t>Text layout (without bullet points)</a:t>
+            </a:r>
+          </a:p>
+        </p:txBody>
+      </p:sp>
+      <p:sp>
+        <p:nvSpPr>
+          <p:cNvPr id="6" name="Text Placeholder 5"/>
+          <p:cNvSpPr>
+            <a:spLocks noGrp="1"/>
+          </p:cNvSpPr>
+          <p:nvPr>
+            <p:ph type="body" sz="quarter" idx="10"/>
+          </p:nvPr>
+        </p:nvSpPr>
+        <p:spPr>
+          <a:xfrm>
+            <a:off x="586390" y="1434370"/>
+            <a:ext cx="11018520" cy="1095685"/>
+          </a:xfrm>
+        </p:spPr>
+        <p:txBody>
+          <a:bodyPr/>
+          <a:lstStyle/>
+          <a:p>
+            <a:r>
+              <a:rPr lang="en-US" dirty="0"/>
+              <a:t>Main topic: Segoe UI, size 28pt</a:t>
+            </a:r>
+          </a:p>
+          <a:p>
+            <a:pPr lvl="1"/>
+            <a:r>
+              <a:rPr lang="en-US" dirty="0"/>
+              <a:t>Segoe UI, size 20pt for second level</a:t>
+            </a:r>
+          </a:p>
+          <a:p>
+            <a:pPr lvl="2"/>
+            <a:r>
+              <a:rPr lang="en-US" dirty="0"/>
+              <a:t>Segoe UI, size 16pt for third level</a:t>
+            </a:r>
+          </a:p>
+        </p:txBody>
+      </p:sp>
+    </p:spTree>
+    <p:extLst>
+      <p:ext uri="{BB962C8B-B14F-4D97-AF65-F5344CB8AC3E}">
+        <p14:creationId xmlns:p14="http://schemas.microsoft.com/office/powerpoint/2010/main" val="3957722359"/>
+      </p:ext>
+    </p:extLst>
+  </p:cSld>
+  <p:clrMapOvr>
+    <a:masterClrMapping/>
+  </p:clrMapOvr>
+  <p:transition>
+    <p:fade/>
+  </p:transition>
+</p:sld>
+</file>
+
+<file path=ppt/slides/slide8.xml><?xml version="1.0" encoding="utf-8"?>
+<p:sld xmlns:a="http://schemas.openxmlformats.org/drawingml/2006/main" xmlns:r="http://schemas.openxmlformats.org/officeDocument/2006/relationships" xmlns:p="http://schemas.openxmlformats.org/presentationml/2006/main">
+  <p:cSld>
+    <p:spTree>
+      <p:nvGrpSpPr>
+        <p:cNvPr id="1" name=""/>
+        <p:cNvGrpSpPr/>
+        <p:nvPr/>
+      </p:nvGrpSpPr>
+      <p:grpSpPr>
+        <a:xfrm>
+          <a:off x="0" y="0"/>
+          <a:ext cx="0" cy="0"/>
+          <a:chOff x="0" y="0"/>
+          <a:chExt cx="0" cy="0"/>
+        </a:xfrm>
+      </p:grpSpPr>
+      <p:sp>
+        <p:nvSpPr>
+          <p:cNvPr id="17" name="Title 16"/>
+          <p:cNvSpPr>
+            <a:spLocks noGrp="1"/>
+          </p:cNvSpPr>
+          <p:nvPr>
+            <p:ph type="title"/>
+          </p:nvPr>
+        </p:nvSpPr>
+        <p:spPr/>
+        <p:txBody>
+          <a:bodyPr/>
+          <a:lstStyle/>
+          <a:p>
+            <a:r>
+              <a:rPr lang="en-US" dirty="0"/>
               <a:t>Text layout with bulleted text</a:t>
             </a:r>
           </a:p>
@@ -28292,7 +28905,7 @@
 </p:sld>
 </file>
 
-<file path=ppt/slides/slide8.xml><?xml version="1.0" encoding="utf-8"?>
+<file path=ppt/slides/slide9.xml><?xml version="1.0" encoding="utf-8"?>
 <p:sld xmlns:a="http://schemas.openxmlformats.org/drawingml/2006/main" xmlns:r="http://schemas.openxmlformats.org/officeDocument/2006/relationships" xmlns:p="http://schemas.openxmlformats.org/presentationml/2006/main">
   <p:cSld>
     <p:spTree>
@@ -28523,525 +29136,6 @@
     <p:extLst>
       <p:ext uri="{BB962C8B-B14F-4D97-AF65-F5344CB8AC3E}">
         <p14:creationId xmlns:p14="http://schemas.microsoft.com/office/powerpoint/2010/main" val="895908902"/>
-      </p:ext>
-    </p:extLst>
-  </p:cSld>
-  <p:clrMapOvr>
-    <a:masterClrMapping/>
-  </p:clrMapOvr>
-  <p:transition>
-    <p:fade/>
-  </p:transition>
-</p:sld>
-</file>
-
-<file path=ppt/slides/slide9.xml><?xml version="1.0" encoding="utf-8"?>
-<p:sld xmlns:a="http://schemas.openxmlformats.org/drawingml/2006/main" xmlns:r="http://schemas.openxmlformats.org/officeDocument/2006/relationships" xmlns:p="http://schemas.openxmlformats.org/presentationml/2006/main">
-  <p:cSld>
-    <p:spTree>
-      <p:nvGrpSpPr>
-        <p:cNvPr id="1" name=""/>
-        <p:cNvGrpSpPr/>
-        <p:nvPr/>
-      </p:nvGrpSpPr>
-      <p:grpSpPr>
-        <a:xfrm>
-          <a:off x="0" y="0"/>
-          <a:ext cx="0" cy="0"/>
-          <a:chOff x="0" y="0"/>
-          <a:chExt cx="0" cy="0"/>
-        </a:xfrm>
-      </p:grpSpPr>
-      <p:sp>
-        <p:nvSpPr>
-          <p:cNvPr id="17" name="Title 16"/>
-          <p:cNvSpPr>
-            <a:spLocks noGrp="1"/>
-          </p:cNvSpPr>
-          <p:nvPr>
-            <p:ph type="title"/>
-          </p:nvPr>
-        </p:nvSpPr>
-        <p:spPr/>
-        <p:txBody>
-          <a:bodyPr/>
-          <a:lstStyle/>
-          <a:p>
-            <a:r>
-              <a:rPr lang="en-US" dirty="0"/>
-              <a:t>Adjusting list levels</a:t>
-            </a:r>
-          </a:p>
-        </p:txBody>
-      </p:sp>
-      <p:sp>
-        <p:nvSpPr>
-          <p:cNvPr id="6" name="Text Placeholder 5"/>
-          <p:cNvSpPr>
-            <a:spLocks noGrp="1"/>
-          </p:cNvSpPr>
-          <p:nvPr>
-            <p:ph sz="quarter" idx="10"/>
-          </p:nvPr>
-        </p:nvSpPr>
-        <p:spPr>
-          <a:xfrm>
-            <a:off x="584200" y="1435100"/>
-            <a:ext cx="5511800" cy="1095685"/>
-          </a:xfrm>
-        </p:spPr>
-        <p:txBody>
-          <a:bodyPr wrap="square">
-            <a:spAutoFit/>
-          </a:bodyPr>
-          <a:lstStyle/>
-          <a:p>
-            <a:r>
-              <a:rPr lang="en-US" dirty="0"/>
-              <a:t>Main topic: Segoe UI, size 28pt</a:t>
-            </a:r>
-          </a:p>
-          <a:p>
-            <a:pPr lvl="1"/>
-            <a:r>
-              <a:rPr lang="en-US" dirty="0"/>
-              <a:t>Segoe UI, size 20pt for second level</a:t>
-            </a:r>
-          </a:p>
-          <a:p>
-            <a:pPr lvl="2"/>
-            <a:r>
-              <a:rPr lang="en-US" sz="1600" dirty="0"/>
-              <a:t>Segoe UI, size 16pt for third level</a:t>
-            </a:r>
-          </a:p>
-        </p:txBody>
-      </p:sp>
-      <p:sp>
-        <p:nvSpPr>
-          <p:cNvPr id="4" name="Rectangle 3">
-            <a:extLst>
-              <a:ext uri="{FF2B5EF4-FFF2-40B4-BE49-F238E27FC236}">
-                <a16:creationId xmlns:a16="http://schemas.microsoft.com/office/drawing/2014/main" id="{04EE52DC-E441-4CFE-A00E-424DD19F14DF}"/>
-              </a:ext>
-              <a:ext uri="{C183D7F6-B498-43B3-948B-1728B52AA6E4}">
-                <adec:decorative xmlns:adec="http://schemas.microsoft.com/office/drawing/2017/decorative" val="1"/>
-              </a:ext>
-            </a:extLst>
-          </p:cNvPr>
-          <p:cNvSpPr/>
-          <p:nvPr/>
-        </p:nvSpPr>
-        <p:spPr bwMode="auto">
-          <a:xfrm>
-            <a:off x="6672263" y="588962"/>
-            <a:ext cx="4931473" cy="5680076"/>
-          </a:xfrm>
-          <a:prstGeom prst="rect">
-            <a:avLst/>
-          </a:prstGeom>
-          <a:solidFill>
-            <a:schemeClr val="tx1">
-              <a:alpha val="4000"/>
-            </a:schemeClr>
-          </a:solidFill>
-          <a:ln>
-            <a:noFill/>
-            <a:headEnd type="none" w="med" len="med"/>
-            <a:tailEnd type="none" w="med" len="med"/>
-          </a:ln>
-          <a:effectLst/>
-        </p:spPr>
-        <p:style>
-          <a:lnRef idx="1">
-            <a:schemeClr val="accent2"/>
-          </a:lnRef>
-          <a:fillRef idx="3">
-            <a:schemeClr val="accent2"/>
-          </a:fillRef>
-          <a:effectRef idx="2">
-            <a:schemeClr val="accent2"/>
-          </a:effectRef>
-          <a:fontRef idx="minor">
-            <a:schemeClr val="lt1"/>
-          </a:fontRef>
-        </p:style>
-        <p:txBody>
-          <a:bodyPr rot="0" spcFirstLastPara="0" vertOverflow="overflow" horzOverflow="overflow" vert="horz" wrap="square" lIns="182880" tIns="146304" rIns="182880" bIns="146304" numCol="1" spcCol="0" rtlCol="0" fromWordArt="0" anchor="t" anchorCtr="0" forceAA="0" compatLnSpc="1">
-            <a:prstTxWarp prst="textNoShape">
-              <a:avLst/>
-            </a:prstTxWarp>
-            <a:noAutofit/>
-          </a:bodyPr>
-          <a:lstStyle/>
-          <a:p>
-            <a:pPr algn="ctr" defTabSz="932472" fontAlgn="base">
-              <a:spcBef>
-                <a:spcPct val="0"/>
-              </a:spcBef>
-              <a:spcAft>
-                <a:spcPct val="0"/>
-              </a:spcAft>
-            </a:pPr>
-            <a:endParaRPr lang="en-US" sz="2400" dirty="0">
-              <a:gradFill>
-                <a:gsLst>
-                  <a:gs pos="0">
-                    <a:srgbClr val="FFFFFF"/>
-                  </a:gs>
-                  <a:gs pos="100000">
-                    <a:srgbClr val="FFFFFF"/>
-                  </a:gs>
-                </a:gsLst>
-                <a:lin ang="5400000" scaled="0"/>
-              </a:gradFill>
-              <a:ea typeface="Segoe UI" pitchFamily="34" charset="0"/>
-              <a:cs typeface="Segoe UI" pitchFamily="34" charset="0"/>
-            </a:endParaRPr>
-          </a:p>
-        </p:txBody>
-      </p:sp>
-      <p:pic>
-        <p:nvPicPr>
-          <p:cNvPr id="8" name="Picture 3" descr="Screenshot of Decrease List level and Increase List Level menu"/>
-          <p:cNvPicPr>
-            <a:picLocks noChangeAspect="1" noChangeArrowheads="1"/>
-          </p:cNvPicPr>
-          <p:nvPr/>
-        </p:nvPicPr>
-        <p:blipFill>
-          <a:blip r:embed="rId3">
-            <a:extLst>
-              <a:ext uri="{28A0092B-C50C-407E-A947-70E740481C1C}">
-                <a14:useLocalDpi xmlns:a14="http://schemas.microsoft.com/office/drawing/2010/main"/>
-              </a:ext>
-            </a:extLst>
-          </a:blip>
-          <a:stretch>
-            <a:fillRect/>
-          </a:stretch>
-        </p:blipFill>
-        <p:spPr bwMode="auto">
-          <a:xfrm>
-            <a:off x="6972422" y="875383"/>
-            <a:ext cx="4319750" cy="962889"/>
-          </a:xfrm>
-          <a:prstGeom prst="rect">
-            <a:avLst/>
-          </a:prstGeom>
-          <a:extLst>
-            <a:ext uri="{909E8E84-426E-40DD-AFC4-6F175D3DCCD1}">
-              <a14:hiddenFill xmlns:a14="http://schemas.microsoft.com/office/drawing/2010/main">
-                <a:solidFill>
-                  <a:schemeClr val="accent1"/>
-                </a:solidFill>
-              </a14:hiddenFill>
-            </a:ext>
-            <a:ext uri="{AF507438-7753-43E0-B8FC-AC1667EBCBE1}">
-              <a14:hiddenEffects xmlns:a14="http://schemas.microsoft.com/office/drawing/2010/main">
-                <a:effectLst>
-                  <a:outerShdw dist="35921" dir="2700000" algn="ctr" rotWithShape="0">
-                    <a:schemeClr val="bg2"/>
-                  </a:outerShdw>
-                </a:effectLst>
-              </a14:hiddenEffects>
-            </a:ext>
-          </a:extLst>
-        </p:spPr>
-      </p:pic>
-      <p:sp>
-        <p:nvSpPr>
-          <p:cNvPr id="7" name="Rectangle 6"/>
-          <p:cNvSpPr/>
-          <p:nvPr/>
-        </p:nvSpPr>
-        <p:spPr bwMode="auto">
-          <a:xfrm>
-            <a:off x="6672263" y="1970034"/>
-            <a:ext cx="4931473" cy="3545586"/>
-          </a:xfrm>
-          <a:prstGeom prst="rect">
-            <a:avLst/>
-          </a:prstGeom>
-          <a:noFill/>
-          <a:ln>
-            <a:noFill/>
-            <a:headEnd type="none" w="med" len="med"/>
-            <a:tailEnd type="none" w="med" len="med"/>
-          </a:ln>
-          <a:effectLst/>
-        </p:spPr>
-        <p:style>
-          <a:lnRef idx="1">
-            <a:schemeClr val="accent2"/>
-          </a:lnRef>
-          <a:fillRef idx="3">
-            <a:schemeClr val="accent2"/>
-          </a:fillRef>
-          <a:effectRef idx="2">
-            <a:schemeClr val="accent2"/>
-          </a:effectRef>
-          <a:fontRef idx="minor">
-            <a:schemeClr val="lt1"/>
-          </a:fontRef>
-        </p:style>
-        <p:txBody>
-          <a:bodyPr rot="0" spcFirstLastPara="0" vertOverflow="overflow" horzOverflow="overflow" vert="horz" wrap="square" lIns="292608" tIns="292608" rIns="292608" bIns="292608" numCol="1" spcCol="0" rtlCol="0" fromWordArt="0" anchor="t" anchorCtr="0" forceAA="0" compatLnSpc="1">
-            <a:prstTxWarp prst="textNoShape">
-              <a:avLst/>
-            </a:prstTxWarp>
-            <a:spAutoFit/>
-          </a:bodyPr>
-          <a:lstStyle/>
-          <a:p>
-            <a:pPr defTabSz="932472" fontAlgn="base">
-              <a:spcBef>
-                <a:spcPts val="1200"/>
-              </a:spcBef>
-              <a:spcAft>
-                <a:spcPts val="1200"/>
-              </a:spcAft>
-            </a:pPr>
-            <a:r>
-              <a:rPr lang="en-US" sz="1200" dirty="0">
-                <a:solidFill>
-                  <a:schemeClr val="tx1"/>
-                </a:solidFill>
-                <a:ea typeface="Segoe UI" panose="020B0502040204020203" pitchFamily="34" charset="0"/>
-                <a:cs typeface="Segoe UI" panose="020B0502040204020203" pitchFamily="34" charset="0"/>
-              </a:rPr>
-              <a:t>Use the “</a:t>
-            </a:r>
-            <a:r>
-              <a:rPr lang="en-US" sz="1200" b="1" dirty="0">
-                <a:solidFill>
-                  <a:schemeClr val="tx1"/>
-                </a:solidFill>
-                <a:ea typeface="Segoe UI" panose="020B0502040204020203" pitchFamily="34" charset="0"/>
-                <a:cs typeface="Segoe UI" panose="020B0502040204020203" pitchFamily="34" charset="0"/>
-              </a:rPr>
-              <a:t>Decrease List Level</a:t>
-            </a:r>
-            <a:r>
-              <a:rPr lang="en-US" sz="1200" dirty="0">
-                <a:solidFill>
-                  <a:schemeClr val="tx1"/>
-                </a:solidFill>
-                <a:ea typeface="Segoe UI" panose="020B0502040204020203" pitchFamily="34" charset="0"/>
-                <a:cs typeface="Segoe UI" panose="020B0502040204020203" pitchFamily="34" charset="0"/>
-              </a:rPr>
-              <a:t>” and “</a:t>
-            </a:r>
-            <a:r>
-              <a:rPr lang="en-US" sz="1200" b="1" dirty="0">
-                <a:solidFill>
-                  <a:schemeClr val="tx1"/>
-                </a:solidFill>
-                <a:ea typeface="Segoe UI" panose="020B0502040204020203" pitchFamily="34" charset="0"/>
-                <a:cs typeface="Segoe UI" panose="020B0502040204020203" pitchFamily="34" charset="0"/>
-              </a:rPr>
-              <a:t>Increase List Level</a:t>
-            </a:r>
-            <a:r>
-              <a:rPr lang="en-US" sz="1200" dirty="0">
-                <a:solidFill>
-                  <a:schemeClr val="tx1"/>
-                </a:solidFill>
-                <a:ea typeface="Segoe UI" panose="020B0502040204020203" pitchFamily="34" charset="0"/>
-                <a:cs typeface="Segoe UI" panose="020B0502040204020203" pitchFamily="34" charset="0"/>
-              </a:rPr>
-              <a:t>” tools </a:t>
-            </a:r>
-            <a:br>
-              <a:rPr lang="en-US" sz="1200" dirty="0">
-                <a:solidFill>
-                  <a:schemeClr val="tx1"/>
-                </a:solidFill>
-                <a:ea typeface="Segoe UI" panose="020B0502040204020203" pitchFamily="34" charset="0"/>
-                <a:cs typeface="Segoe UI" panose="020B0502040204020203" pitchFamily="34" charset="0"/>
-              </a:rPr>
-            </a:br>
-            <a:r>
-              <a:rPr lang="en-US" sz="1200" dirty="0">
-                <a:solidFill>
-                  <a:schemeClr val="tx1"/>
-                </a:solidFill>
-                <a:ea typeface="Segoe UI" panose="020B0502040204020203" pitchFamily="34" charset="0"/>
-                <a:cs typeface="Segoe UI" panose="020B0502040204020203" pitchFamily="34" charset="0"/>
-              </a:rPr>
-              <a:t>on the </a:t>
-            </a:r>
-            <a:r>
-              <a:rPr lang="en-US" sz="1200" b="1" dirty="0">
-                <a:solidFill>
-                  <a:schemeClr val="tx1"/>
-                </a:solidFill>
-                <a:ea typeface="Segoe UI" panose="020B0502040204020203" pitchFamily="34" charset="0"/>
-                <a:cs typeface="Segoe UI" panose="020B0502040204020203" pitchFamily="34" charset="0"/>
-              </a:rPr>
-              <a:t>Home</a:t>
-            </a:r>
-            <a:r>
-              <a:rPr lang="en-US" sz="1200" dirty="0">
-                <a:solidFill>
-                  <a:schemeClr val="tx1"/>
-                </a:solidFill>
-                <a:ea typeface="Segoe UI" panose="020B0502040204020203" pitchFamily="34" charset="0"/>
-                <a:cs typeface="Segoe UI" panose="020B0502040204020203" pitchFamily="34" charset="0"/>
-              </a:rPr>
-              <a:t> menu to change text levels.</a:t>
-            </a:r>
-          </a:p>
-          <a:p>
-            <a:pPr defTabSz="932472" fontAlgn="base">
-              <a:spcBef>
-                <a:spcPts val="1200"/>
-              </a:spcBef>
-              <a:spcAft>
-                <a:spcPct val="0"/>
-              </a:spcAft>
-            </a:pPr>
-            <a:r>
-              <a:rPr lang="en-US" sz="1200" b="1" dirty="0">
-                <a:solidFill>
-                  <a:schemeClr val="tx1"/>
-                </a:solidFill>
-                <a:ea typeface="Segoe UI" panose="020B0502040204020203" pitchFamily="34" charset="0"/>
-                <a:cs typeface="Segoe UI" panose="020B0502040204020203" pitchFamily="34" charset="0"/>
-              </a:rPr>
-              <a:t>Try this:  </a:t>
-            </a:r>
-          </a:p>
-          <a:p>
-            <a:pPr marL="294732" indent="-239672" defTabSz="932472" fontAlgn="base">
-              <a:spcBef>
-                <a:spcPts val="1200"/>
-              </a:spcBef>
-              <a:spcAft>
-                <a:spcPct val="0"/>
-              </a:spcAft>
-              <a:buFont typeface="+mj-lt"/>
-              <a:buAutoNum type="arabicPeriod"/>
-            </a:pPr>
-            <a:r>
-              <a:rPr lang="en-US" sz="1200" dirty="0">
-                <a:solidFill>
-                  <a:schemeClr val="tx1"/>
-                </a:solidFill>
-                <a:ea typeface="Segoe UI" panose="020B0502040204020203" pitchFamily="34" charset="0"/>
-                <a:cs typeface="Segoe UI" panose="020B0502040204020203" pitchFamily="34" charset="0"/>
-              </a:rPr>
-              <a:t>Place your cursor in the line of text that says “Segoe UI, size 20pt for second level”</a:t>
-            </a:r>
-          </a:p>
-          <a:p>
-            <a:pPr marL="294732" indent="-239672" defTabSz="932472" fontAlgn="base">
-              <a:spcBef>
-                <a:spcPts val="1200"/>
-              </a:spcBef>
-              <a:spcAft>
-                <a:spcPct val="0"/>
-              </a:spcAft>
-              <a:buFont typeface="+mj-lt"/>
-              <a:buAutoNum type="arabicPeriod"/>
-            </a:pPr>
-            <a:r>
-              <a:rPr lang="en-US" sz="1200" dirty="0">
-                <a:solidFill>
-                  <a:schemeClr val="tx1"/>
-                </a:solidFill>
-                <a:ea typeface="Segoe UI" panose="020B0502040204020203" pitchFamily="34" charset="0"/>
-                <a:cs typeface="Segoe UI" panose="020B0502040204020203" pitchFamily="34" charset="0"/>
-              </a:rPr>
-              <a:t>Next click the Home tab, and then on the “</a:t>
-            </a:r>
-            <a:r>
-              <a:rPr lang="en-US" sz="1200" b="1" dirty="0">
-                <a:solidFill>
-                  <a:schemeClr val="tx1"/>
-                </a:solidFill>
-                <a:cs typeface="Segoe UI" panose="020B0502040204020203" pitchFamily="34" charset="0"/>
-              </a:rPr>
-              <a:t>Decrease List level</a:t>
-            </a:r>
-            <a:r>
-              <a:rPr lang="en-US" sz="1200" dirty="0">
-                <a:solidFill>
-                  <a:schemeClr val="tx1"/>
-                </a:solidFill>
-                <a:ea typeface="Segoe UI" panose="020B0502040204020203" pitchFamily="34" charset="0"/>
-                <a:cs typeface="Segoe UI" panose="020B0502040204020203" pitchFamily="34" charset="0"/>
-              </a:rPr>
-              <a:t>” tool. Notice how the line moves up one level.</a:t>
-            </a:r>
-          </a:p>
-          <a:p>
-            <a:pPr marL="294732" indent="-239672" defTabSz="932472" fontAlgn="base">
-              <a:spcBef>
-                <a:spcPts val="1200"/>
-              </a:spcBef>
-              <a:spcAft>
-                <a:spcPct val="0"/>
-              </a:spcAft>
-              <a:buFont typeface="+mj-lt"/>
-              <a:buAutoNum type="arabicPeriod"/>
-            </a:pPr>
-            <a:r>
-              <a:rPr lang="en-US" sz="1200" dirty="0">
-                <a:solidFill>
-                  <a:schemeClr val="tx1"/>
-                </a:solidFill>
-                <a:ea typeface="Segoe UI" panose="020B0502040204020203" pitchFamily="34" charset="0"/>
-                <a:cs typeface="Segoe UI" panose="020B0502040204020203" pitchFamily="34" charset="0"/>
-              </a:rPr>
-              <a:t>Now try placing your cursor in one of the top  “Main topic…” line of text. Click the “</a:t>
-            </a:r>
-            <a:r>
-              <a:rPr lang="en-US" sz="1200" b="1" dirty="0">
-                <a:solidFill>
-                  <a:schemeClr val="tx1"/>
-                </a:solidFill>
-                <a:cs typeface="Segoe UI" panose="020B0502040204020203" pitchFamily="34" charset="0"/>
-              </a:rPr>
-              <a:t>Increase List Level</a:t>
-            </a:r>
-            <a:r>
-              <a:rPr lang="en-US" sz="1200" dirty="0">
-                <a:solidFill>
-                  <a:schemeClr val="tx1"/>
-                </a:solidFill>
-                <a:ea typeface="Segoe UI" panose="020B0502040204020203" pitchFamily="34" charset="0"/>
-                <a:cs typeface="Segoe UI" panose="020B0502040204020203" pitchFamily="34" charset="0"/>
-              </a:rPr>
-              <a:t>” tool and see how the text is pushed in one level.</a:t>
-            </a:r>
-          </a:p>
-          <a:p>
-            <a:pPr defTabSz="932472" fontAlgn="base">
-              <a:spcBef>
-                <a:spcPts val="1200"/>
-              </a:spcBef>
-              <a:spcAft>
-                <a:spcPct val="0"/>
-              </a:spcAft>
-            </a:pPr>
-            <a:r>
-              <a:rPr lang="en-US" sz="1200" dirty="0">
-                <a:solidFill>
-                  <a:schemeClr val="tx1"/>
-                </a:solidFill>
-                <a:ea typeface="Segoe UI" panose="020B0502040204020203" pitchFamily="34" charset="0"/>
-                <a:cs typeface="Segoe UI" panose="020B0502040204020203" pitchFamily="34" charset="0"/>
-              </a:rPr>
-              <a:t>Use these 2 tools to adjust your text levels as you work</a:t>
-            </a:r>
-          </a:p>
-        </p:txBody>
-      </p:sp>
-    </p:spTree>
-    <p:extLst>
-      <p:ext uri="{BB962C8B-B14F-4D97-AF65-F5344CB8AC3E}">
-        <p14:creationId xmlns:p14="http://schemas.microsoft.com/office/powerpoint/2010/main" val="3188989622"/>
       </p:ext>
     </p:extLst>
   </p:cSld>
@@ -29894,6 +29988,15 @@
 </file>
 
 <file path=customXml/item1.xml><?xml version="1.0" encoding="utf-8"?>
+<?mso-contentType ?>
+<FormTemplates xmlns="http://schemas.microsoft.com/sharepoint/v3/contenttype/forms">
+  <Display>DocumentLibraryForm</Display>
+  <Edit>DocumentLibraryForm</Edit>
+  <New>DocumentLibraryForm</New>
+</FormTemplates>
+</file>
+
+<file path=customXml/item2.xml><?xml version="1.0" encoding="utf-8"?>
 <p:properties xmlns:p="http://schemas.microsoft.com/office/2006/metadata/properties" xmlns:xsi="http://www.w3.org/2001/XMLSchema-instance" xmlns:pc="http://schemas.microsoft.com/office/infopath/2007/PartnerControls">
   <documentManagement>
     <_ip_UnifiedCompliancePolicyUIAction xmlns="http://schemas.microsoft.com/sharepoint/v3" xsi:nil="true"/>
@@ -29901,15 +30004,6 @@
     <MediaServiceKeyPoints xmlns="965de625-df5b-42e9-a277-2113da4f1195" xsi:nil="true"/>
   </documentManagement>
 </p:properties>
-</file>
-
-<file path=customXml/item2.xml><?xml version="1.0" encoding="utf-8"?>
-<?mso-contentType ?>
-<FormTemplates xmlns="http://schemas.microsoft.com/sharepoint/v3/contenttype/forms">
-  <Display>DocumentLibraryForm</Display>
-  <Edit>DocumentLibraryForm</Edit>
-  <New>DocumentLibraryForm</New>
-</FormTemplates>
 </file>
 
 <file path=customXml/item3.xml><?xml version="1.0" encoding="utf-8"?>
@@ -30161,6 +30255,14 @@
 </file>
 
 <file path=customXml/itemProps1.xml><?xml version="1.0" encoding="utf-8"?>
+<ds:datastoreItem xmlns:ds="http://schemas.openxmlformats.org/officeDocument/2006/customXml" ds:itemID="{758FDAC0-319D-4A54-8D8E-1D42CB1F8004}">
+  <ds:schemaRefs>
+    <ds:schemaRef ds:uri="http://schemas.microsoft.com/sharepoint/v3/contenttype/forms"/>
+  </ds:schemaRefs>
+</ds:datastoreItem>
+</file>
+
+<file path=customXml/itemProps2.xml><?xml version="1.0" encoding="utf-8"?>
 <ds:datastoreItem xmlns:ds="http://schemas.openxmlformats.org/officeDocument/2006/customXml" ds:itemID="{F990F116-B58F-4255-B05B-DA3808E0E5C6}">
   <ds:schemaRefs>
     <ds:schemaRef ds:uri="http://purl.org/dc/elements/1.1/"/>
@@ -30174,14 +30276,6 @@
     <ds:schemaRef ds:uri="http://schemas.microsoft.com/office/infopath/2007/PartnerControls"/>
     <ds:schemaRef ds:uri="http://schemas.openxmlformats.org/package/2006/metadata/core-properties"/>
     <ds:schemaRef ds:uri="http://www.w3.org/XML/1998/namespace"/>
-  </ds:schemaRefs>
-</ds:datastoreItem>
-</file>
-
-<file path=customXml/itemProps2.xml><?xml version="1.0" encoding="utf-8"?>
-<ds:datastoreItem xmlns:ds="http://schemas.openxmlformats.org/officeDocument/2006/customXml" ds:itemID="{758FDAC0-319D-4A54-8D8E-1D42CB1F8004}">
-  <ds:schemaRefs>
-    <ds:schemaRef ds:uri="http://schemas.microsoft.com/sharepoint/v3/contenttype/forms"/>
   </ds:schemaRefs>
 </ds:datastoreItem>
 </file>

--- a/126-AzureCost/Azure Cost PBI BootCamp.pptx
+++ b/126-AzureCost/Azure Cost PBI BootCamp.pptx
@@ -5,40 +5,45 @@
     <p:sldMasterId id="2147484229" r:id="rId4"/>
   </p:sldMasterIdLst>
   <p:notesMasterIdLst>
-    <p:notesMasterId r:id="rId33"/>
+    <p:notesMasterId r:id="rId38"/>
   </p:notesMasterIdLst>
   <p:handoutMasterIdLst>
-    <p:handoutMasterId r:id="rId34"/>
+    <p:handoutMasterId r:id="rId39"/>
   </p:handoutMasterIdLst>
   <p:sldIdLst>
     <p:sldId id="1661" r:id="rId5"/>
     <p:sldId id="2051" r:id="rId6"/>
     <p:sldId id="2054" r:id="rId7"/>
     <p:sldId id="2055" r:id="rId8"/>
-    <p:sldId id="2052" r:id="rId9"/>
-    <p:sldId id="2053" r:id="rId10"/>
-    <p:sldId id="1660" r:id="rId11"/>
-    <p:sldId id="1670" r:id="rId12"/>
-    <p:sldId id="1548" r:id="rId13"/>
-    <p:sldId id="1635" r:id="rId14"/>
-    <p:sldId id="1523" r:id="rId15"/>
-    <p:sldId id="1716" r:id="rId16"/>
-    <p:sldId id="1524" r:id="rId17"/>
-    <p:sldId id="1906" r:id="rId18"/>
-    <p:sldId id="1947" r:id="rId19"/>
-    <p:sldId id="1946" r:id="rId20"/>
-    <p:sldId id="2045" r:id="rId21"/>
-    <p:sldId id="2046" r:id="rId22"/>
-    <p:sldId id="1995" r:id="rId23"/>
-    <p:sldId id="1994" r:id="rId24"/>
-    <p:sldId id="2042" r:id="rId25"/>
-    <p:sldId id="1941" r:id="rId26"/>
-    <p:sldId id="1804" r:id="rId27"/>
-    <p:sldId id="1527" r:id="rId28"/>
-    <p:sldId id="1529" r:id="rId29"/>
-    <p:sldId id="1530" r:id="rId30"/>
-    <p:sldId id="1531" r:id="rId31"/>
-    <p:sldId id="1532" r:id="rId32"/>
+    <p:sldId id="2057" r:id="rId9"/>
+    <p:sldId id="2058" r:id="rId10"/>
+    <p:sldId id="2060" r:id="rId11"/>
+    <p:sldId id="2059" r:id="rId12"/>
+    <p:sldId id="2056" r:id="rId13"/>
+    <p:sldId id="2052" r:id="rId14"/>
+    <p:sldId id="2053" r:id="rId15"/>
+    <p:sldId id="1660" r:id="rId16"/>
+    <p:sldId id="1670" r:id="rId17"/>
+    <p:sldId id="1548" r:id="rId18"/>
+    <p:sldId id="1635" r:id="rId19"/>
+    <p:sldId id="1523" r:id="rId20"/>
+    <p:sldId id="1716" r:id="rId21"/>
+    <p:sldId id="1524" r:id="rId22"/>
+    <p:sldId id="1906" r:id="rId23"/>
+    <p:sldId id="1947" r:id="rId24"/>
+    <p:sldId id="1946" r:id="rId25"/>
+    <p:sldId id="2045" r:id="rId26"/>
+    <p:sldId id="2046" r:id="rId27"/>
+    <p:sldId id="1995" r:id="rId28"/>
+    <p:sldId id="1994" r:id="rId29"/>
+    <p:sldId id="2042" r:id="rId30"/>
+    <p:sldId id="1941" r:id="rId31"/>
+    <p:sldId id="1804" r:id="rId32"/>
+    <p:sldId id="1527" r:id="rId33"/>
+    <p:sldId id="1529" r:id="rId34"/>
+    <p:sldId id="1530" r:id="rId35"/>
+    <p:sldId id="1531" r:id="rId36"/>
+    <p:sldId id="1532" r:id="rId37"/>
   </p:sldIdLst>
   <p:sldSz cx="12192000" cy="6858000"/>
   <p:notesSz cx="6858000" cy="9144000"/>
@@ -146,6 +151,11 @@
             <p14:sldId id="2051"/>
             <p14:sldId id="2054"/>
             <p14:sldId id="2055"/>
+            <p14:sldId id="2057"/>
+            <p14:sldId id="2058"/>
+            <p14:sldId id="2060"/>
+            <p14:sldId id="2059"/>
+            <p14:sldId id="2056"/>
           </p14:sldIdLst>
         </p14:section>
         <p14:section name="Advanced Technical Tips" id="{C2204EC9-CF4E-4BCE-A19D-8EF7015C5371}">
@@ -317,7 +327,7 @@
               <a:rPr lang="en-US" smtClean="0">
                 <a:latin typeface="Segoe UI" pitchFamily="34" charset="0"/>
               </a:rPr>
-              <a:t>10/19/2022 2:30 PM</a:t>
+              <a:t>10/19/2022 3:42 PM</a:t>
             </a:fld>
             <a:endParaRPr lang="en-US" dirty="0">
               <a:latin typeface="Segoe UI" pitchFamily="34" charset="0"/>
@@ -595,7 +605,7 @@
           <a:p>
             <a:fld id="{386CE63F-9E7F-4C04-9D0D-FCA25A8E9E86}" type="datetime8">
               <a:rPr lang="en-US" smtClean="0"/>
-              <a:t>10/19/2022 2:06 PM</a:t>
+              <a:t>10/19/2022 3:41 PM</a:t>
             </a:fld>
             <a:endParaRPr lang="en-US" dirty="0"/>
           </a:p>
@@ -962,7 +972,7 @@
           <a:p>
             <a:fld id="{62C61DAB-D93E-49CA-B245-379601CFE8D0}" type="datetime8">
               <a:rPr lang="en-US" smtClean="0"/>
-              <a:t>10/19/2022 2:06 PM</a:t>
+              <a:t>10/19/2022 3:41 PM</a:t>
             </a:fld>
             <a:endParaRPr lang="en-US" dirty="0"/>
           </a:p>
@@ -1127,7 +1137,7 @@
           <a:p>
             <a:fld id="{49B14B72-BE03-4760-B747-D349DA60D861}" type="datetime8">
               <a:rPr lang="en-US" smtClean="0"/>
-              <a:t>10/19/2022 2:06 PM</a:t>
+              <a:t>10/19/2022 3:41 PM</a:t>
             </a:fld>
             <a:endParaRPr lang="en-US" dirty="0"/>
           </a:p>
@@ -1151,7 +1161,7 @@
             <a:fld id="{B4008EB6-D09E-4580-8CD6-DDB14511944F}" type="slidenum">
               <a:rPr lang="en-US" smtClean="0"/>
               <a:pPr/>
-              <a:t>13</a:t>
+              <a:t>18</a:t>
             </a:fld>
             <a:endParaRPr lang="en-US" dirty="0"/>
           </a:p>
@@ -1292,7 +1302,7 @@
           <a:p>
             <a:fld id="{49B14B72-BE03-4760-B747-D349DA60D861}" type="datetime8">
               <a:rPr lang="en-US" smtClean="0"/>
-              <a:t>10/19/2022 2:06 PM</a:t>
+              <a:t>10/19/2022 3:41 PM</a:t>
             </a:fld>
             <a:endParaRPr lang="en-US" dirty="0"/>
           </a:p>
@@ -1316,7 +1326,7 @@
             <a:fld id="{B4008EB6-D09E-4580-8CD6-DDB14511944F}" type="slidenum">
               <a:rPr lang="en-US" smtClean="0"/>
               <a:pPr/>
-              <a:t>14</a:t>
+              <a:t>19</a:t>
             </a:fld>
             <a:endParaRPr lang="en-US" dirty="0"/>
           </a:p>
@@ -1457,7 +1467,7 @@
           <a:p>
             <a:fld id="{54A7B7B7-C694-4FC8-B0BD-20DAA0A272F9}" type="datetime8">
               <a:rPr lang="en-US" smtClean="0"/>
-              <a:t>10/19/2022 2:06 PM</a:t>
+              <a:t>10/19/2022 3:41 PM</a:t>
             </a:fld>
             <a:endParaRPr lang="en-US" dirty="0"/>
           </a:p>
@@ -1480,7 +1490,7 @@
           <a:p>
             <a:fld id="{B4008EB6-D09E-4580-8CD6-DDB14511944F}" type="slidenum">
               <a:rPr lang="en-US" smtClean="0"/>
-              <a:t>19</a:t>
+              <a:t>24</a:t>
             </a:fld>
             <a:endParaRPr lang="en-US" dirty="0"/>
           </a:p>
@@ -1621,7 +1631,7 @@
           <a:p>
             <a:fld id="{91FF42D5-4657-4D58-A751-082C26315A19}" type="datetime8">
               <a:rPr lang="en-US" smtClean="0"/>
-              <a:t>10/19/2022 2:06 PM</a:t>
+              <a:t>10/19/2022 3:41 PM</a:t>
             </a:fld>
             <a:endParaRPr lang="en-US" dirty="0"/>
           </a:p>
@@ -1645,7 +1655,7 @@
             <a:fld id="{B4008EB6-D09E-4580-8CD6-DDB14511944F}" type="slidenum">
               <a:rPr lang="en-US" smtClean="0"/>
               <a:pPr/>
-              <a:t>20</a:t>
+              <a:t>25</a:t>
             </a:fld>
             <a:endParaRPr lang="en-US" dirty="0"/>
           </a:p>
@@ -1729,7 +1739,7 @@
           <a:p>
             <a:fld id="{C5079D02-5D34-4786-9834-A1F44E52D535}" type="slidenum">
               <a:rPr lang="en-US" smtClean="0"/>
-              <a:t>21</a:t>
+              <a:t>26</a:t>
             </a:fld>
             <a:endParaRPr lang="en-US" dirty="0"/>
           </a:p>
@@ -1758,7 +1768,7 @@
           <a:p>
             <a:fld id="{480C6978-FA11-423D-8FDA-CB59A4787224}" type="datetime8">
               <a:rPr lang="en-US" smtClean="0"/>
-              <a:t>10/19/2022 2:06 PM</a:t>
+              <a:t>10/19/2022 3:41 PM</a:t>
             </a:fld>
             <a:endParaRPr lang="en-US" dirty="0"/>
           </a:p>
@@ -1911,7 +1921,7 @@
           <a:p>
             <a:fld id="{353CB5B1-3D40-4389-814A-A3E0AEC8E2FF}" type="datetime8">
               <a:rPr lang="en-US" smtClean="0"/>
-              <a:t>10/19/2022 2:06 PM</a:t>
+              <a:t>10/19/2022 3:41 PM</a:t>
             </a:fld>
             <a:endParaRPr lang="en-US" dirty="0"/>
           </a:p>
@@ -1935,7 +1945,7 @@
             <a:fld id="{B4008EB6-D09E-4580-8CD6-DDB14511944F}" type="slidenum">
               <a:rPr lang="en-US" smtClean="0"/>
               <a:pPr/>
-              <a:t>22</a:t>
+              <a:t>27</a:t>
             </a:fld>
             <a:endParaRPr lang="en-US" dirty="0"/>
           </a:p>
@@ -2088,7 +2098,7 @@
           <a:p>
             <a:fld id="{353CB5B1-3D40-4389-814A-A3E0AEC8E2FF}" type="datetime8">
               <a:rPr lang="en-US" smtClean="0"/>
-              <a:t>10/19/2022 2:06 PM</a:t>
+              <a:t>10/19/2022 3:41 PM</a:t>
             </a:fld>
             <a:endParaRPr lang="en-US" dirty="0"/>
           </a:p>
@@ -2112,7 +2122,7 @@
             <a:fld id="{B4008EB6-D09E-4580-8CD6-DDB14511944F}" type="slidenum">
               <a:rPr lang="en-US" smtClean="0"/>
               <a:pPr/>
-              <a:t>23</a:t>
+              <a:t>28</a:t>
             </a:fld>
             <a:endParaRPr lang="en-US" dirty="0"/>
           </a:p>
@@ -2322,7 +2332,7 @@
           <a:p>
             <a:fld id="{B16574EE-8191-4BCC-ABE6-D00A4F4D7690}" type="datetime8">
               <a:rPr lang="en-US" smtClean="0"/>
-              <a:t>10/19/2022 2:06 PM</a:t>
+              <a:t>10/19/2022 3:41 PM</a:t>
             </a:fld>
             <a:endParaRPr lang="en-US" dirty="0"/>
           </a:p>
@@ -2346,7 +2356,7 @@
             <a:fld id="{B4008EB6-D09E-4580-8CD6-DDB14511944F}" type="slidenum">
               <a:rPr lang="en-US" smtClean="0"/>
               <a:pPr/>
-              <a:t>24</a:t>
+              <a:t>29</a:t>
             </a:fld>
             <a:endParaRPr lang="en-US" dirty="0"/>
           </a:p>
@@ -2487,7 +2497,7 @@
           <a:p>
             <a:fld id="{E2F19A73-88F5-4B80-A929-CF8E66EE5449}" type="datetime8">
               <a:rPr lang="en-US" smtClean="0"/>
-              <a:t>10/19/2022 2:06 PM</a:t>
+              <a:t>10/19/2022 3:41 PM</a:t>
             </a:fld>
             <a:endParaRPr lang="en-US" dirty="0"/>
           </a:p>
@@ -2511,7 +2521,7 @@
             <a:fld id="{B4008EB6-D09E-4580-8CD6-DDB14511944F}" type="slidenum">
               <a:rPr lang="en-US" smtClean="0"/>
               <a:pPr/>
-              <a:t>25</a:t>
+              <a:t>30</a:t>
             </a:fld>
             <a:endParaRPr lang="en-US" dirty="0"/>
           </a:p>
@@ -2596,7 +2606,7 @@
             <a:fld id="{B4008EB6-D09E-4580-8CD6-DDB14511944F}" type="slidenum">
               <a:rPr lang="en-US" smtClean="0"/>
               <a:pPr/>
-              <a:t>26</a:t>
+              <a:t>31</a:t>
             </a:fld>
             <a:endParaRPr lang="en-US" dirty="0"/>
           </a:p>
@@ -2619,7 +2629,7 @@
           <a:p>
             <a:fld id="{D44C3489-8257-4E60-994D-6A5CEE67ED71}" type="datetime8">
               <a:rPr lang="en-US" smtClean="0"/>
-              <a:t>10/19/2022 2:06 PM</a:t>
+              <a:t>10/19/2022 3:41 PM</a:t>
             </a:fld>
             <a:endParaRPr lang="en-US" dirty="0"/>
           </a:p>
@@ -2833,7 +2843,7 @@
           <a:p>
             <a:fld id="{386CE63F-9E7F-4C04-9D0D-FCA25A8E9E86}" type="datetime8">
               <a:rPr lang="en-US" smtClean="0"/>
-              <a:t>10/19/2022 2:06 PM</a:t>
+              <a:t>10/19/2022 3:41 PM</a:t>
             </a:fld>
             <a:endParaRPr lang="en-US" dirty="0"/>
           </a:p>
@@ -2983,7 +2993,7 @@
                   <a:prstClr val="black"/>
                 </a:solidFill>
               </a:rPr>
-              <a:t>10/19/2022 2:06 PM</a:t>
+              <a:t>10/19/2022 3:41 PM</a:t>
             </a:fld>
             <a:endParaRPr lang="en-US" dirty="0">
               <a:solidFill>
@@ -3015,7 +3025,7 @@
                 </a:solidFill>
               </a:rPr>
               <a:pPr/>
-              <a:t>27</a:t>
+              <a:t>32</a:t>
             </a:fld>
             <a:endParaRPr lang="en-US" dirty="0">
               <a:solidFill>
@@ -3183,7 +3193,7 @@
                   <a:prstClr val="black"/>
                 </a:solidFill>
               </a:rPr>
-              <a:t>10/19/2022 2:06 PM</a:t>
+              <a:t>10/19/2022 3:41 PM</a:t>
             </a:fld>
             <a:endParaRPr lang="en-US" dirty="0">
               <a:solidFill>
@@ -3215,7 +3225,7 @@
                 </a:solidFill>
               </a:rPr>
               <a:pPr/>
-              <a:t>28</a:t>
+              <a:t>33</a:t>
             </a:fld>
             <a:endParaRPr lang="en-US" dirty="0">
               <a:solidFill>
@@ -3508,7 +3518,7 @@
           <a:p>
             <a:fld id="{386CE63F-9E7F-4C04-9D0D-FCA25A8E9E86}" type="datetime8">
               <a:rPr lang="en-US" smtClean="0"/>
-              <a:t>10/19/2022 2:06 PM</a:t>
+              <a:t>10/19/2022 3:41 PM</a:t>
             </a:fld>
             <a:endParaRPr lang="en-US" dirty="0"/>
           </a:p>
@@ -3532,7 +3542,7 @@
             <a:fld id="{B4008EB6-D09E-4580-8CD6-DDB14511944F}" type="slidenum">
               <a:rPr lang="en-US" smtClean="0"/>
               <a:pPr/>
-              <a:t>5</a:t>
+              <a:t>10</a:t>
             </a:fld>
             <a:endParaRPr lang="en-US" dirty="0"/>
           </a:p>
@@ -3673,7 +3683,7 @@
           <a:p>
             <a:fld id="{72E0C910-0166-48E0-B8EF-5071277A02A8}" type="datetime8">
               <a:rPr lang="en-US" smtClean="0"/>
-              <a:t>10/19/2022 2:06 PM</a:t>
+              <a:t>10/19/2022 3:41 PM</a:t>
             </a:fld>
             <a:endParaRPr lang="en-US" dirty="0"/>
           </a:p>
@@ -3697,7 +3707,7 @@
             <a:fld id="{B4008EB6-D09E-4580-8CD6-DDB14511944F}" type="slidenum">
               <a:rPr lang="en-US" smtClean="0"/>
               <a:pPr/>
-              <a:t>7</a:t>
+              <a:t>12</a:t>
             </a:fld>
             <a:endParaRPr lang="en-US" dirty="0"/>
           </a:p>
@@ -3838,7 +3848,7 @@
           <a:p>
             <a:fld id="{9427A7F7-BB1E-479D-AFAA-B52F4D0C99F2}" type="datetime8">
               <a:rPr lang="en-US" smtClean="0"/>
-              <a:t>10/19/2022 2:06 PM</a:t>
+              <a:t>10/19/2022 3:41 PM</a:t>
             </a:fld>
             <a:endParaRPr lang="en-US" dirty="0"/>
           </a:p>
@@ -3862,7 +3872,7 @@
             <a:fld id="{B4008EB6-D09E-4580-8CD6-DDB14511944F}" type="slidenum">
               <a:rPr lang="en-US" smtClean="0"/>
               <a:pPr/>
-              <a:t>8</a:t>
+              <a:t>13</a:t>
             </a:fld>
             <a:endParaRPr lang="en-US" dirty="0"/>
           </a:p>
@@ -4003,7 +4013,7 @@
           <a:p>
             <a:fld id="{2D0AF0B6-AF0D-4EDB-B60E-27694EB68262}" type="datetime8">
               <a:rPr lang="en-US" smtClean="0"/>
-              <a:t>10/19/2022 2:06 PM</a:t>
+              <a:t>10/19/2022 3:41 PM</a:t>
             </a:fld>
             <a:endParaRPr lang="en-US" dirty="0"/>
           </a:p>
@@ -4027,7 +4037,7 @@
             <a:fld id="{B4008EB6-D09E-4580-8CD6-DDB14511944F}" type="slidenum">
               <a:rPr lang="en-US" smtClean="0"/>
               <a:pPr/>
-              <a:t>9</a:t>
+              <a:t>14</a:t>
             </a:fld>
             <a:endParaRPr lang="en-US" dirty="0"/>
           </a:p>
@@ -4112,7 +4122,7 @@
             <a:fld id="{B4008EB6-D09E-4580-8CD6-DDB14511944F}" type="slidenum">
               <a:rPr lang="en-US" smtClean="0"/>
               <a:pPr/>
-              <a:t>10</a:t>
+              <a:t>15</a:t>
             </a:fld>
             <a:endParaRPr lang="en-US" dirty="0"/>
           </a:p>
@@ -4135,7 +4145,7 @@
           <a:p>
             <a:fld id="{1D9BFF88-B9B5-4B68-BAE1-09ACB5D03C54}" type="datetime8">
               <a:rPr lang="en-US" smtClean="0"/>
-              <a:t>10/19/2022 2:06 PM</a:t>
+              <a:t>10/19/2022 3:41 PM</a:t>
             </a:fld>
             <a:endParaRPr lang="en-US" dirty="0"/>
           </a:p>
@@ -4302,7 +4312,7 @@
           <a:p>
             <a:fld id="{06C18626-F474-479E-937A-543AA55347B1}" type="datetime8">
               <a:rPr lang="en-US" smtClean="0"/>
-              <a:t>10/19/2022 2:06 PM</a:t>
+              <a:t>10/19/2022 3:41 PM</a:t>
             </a:fld>
             <a:endParaRPr lang="en-US" dirty="0"/>
           </a:p>
@@ -4334,7 +4344,7 @@
             <a:fld id="{8B263312-38AA-4E1E-B2B5-0F8F122B24FE}" type="slidenum">
               <a:rPr lang="en-US" smtClean="0"/>
               <a:pPr/>
-              <a:t>11</a:t>
+              <a:t>16</a:t>
             </a:fld>
             <a:endParaRPr lang="en-US" dirty="0"/>
           </a:p>
@@ -4532,7 +4542,7 @@
           <a:p>
             <a:fld id="{A5CD2277-7C1A-43CA-8676-87B24AD584BD}" type="datetime8">
               <a:rPr lang="en-US" smtClean="0"/>
-              <a:t>10/19/2022 2:06 PM</a:t>
+              <a:t>10/19/2022 3:41 PM</a:t>
             </a:fld>
             <a:endParaRPr lang="en-US" dirty="0"/>
           </a:p>
@@ -4556,7 +4566,7 @@
             <a:fld id="{B4008EB6-D09E-4580-8CD6-DDB14511944F}" type="slidenum">
               <a:rPr lang="en-US" smtClean="0"/>
               <a:pPr/>
-              <a:t>12</a:t>
+              <a:t>17</a:t>
             </a:fld>
             <a:endParaRPr lang="en-US" dirty="0"/>
           </a:p>
@@ -14264,6 +14274,757 @@
       </p:grpSpPr>
       <p:sp>
         <p:nvSpPr>
+          <p:cNvPr id="4" name="Title 3">
+            <a:extLst>
+              <a:ext uri="{FF2B5EF4-FFF2-40B4-BE49-F238E27FC236}">
+                <a16:creationId xmlns:a16="http://schemas.microsoft.com/office/drawing/2014/main" id="{352A8B8F-8492-0F68-6060-DD520FD70EFD}"/>
+              </a:ext>
+            </a:extLst>
+          </p:cNvPr>
+          <p:cNvSpPr>
+            <a:spLocks noGrp="1"/>
+          </p:cNvSpPr>
+          <p:nvPr>
+            <p:ph type="title"/>
+          </p:nvPr>
+        </p:nvSpPr>
+        <p:spPr>
+          <a:xfrm>
+            <a:off x="584518" y="311963"/>
+            <a:ext cx="11018520" cy="553998"/>
+          </a:xfrm>
+        </p:spPr>
+        <p:txBody>
+          <a:bodyPr/>
+          <a:lstStyle/>
+          <a:p>
+            <a:r>
+              <a:rPr lang="en-IE" dirty="0"/>
+              <a:t>Getting Latest file</a:t>
+            </a:r>
+            <a:endParaRPr lang="en-US" dirty="0"/>
+          </a:p>
+        </p:txBody>
+      </p:sp>
+      <p:sp>
+        <p:nvSpPr>
+          <p:cNvPr id="5" name="Content Placeholder 4">
+            <a:extLst>
+              <a:ext uri="{FF2B5EF4-FFF2-40B4-BE49-F238E27FC236}">
+                <a16:creationId xmlns:a16="http://schemas.microsoft.com/office/drawing/2014/main" id="{C17EB948-491F-19C6-E074-98324A042144}"/>
+              </a:ext>
+            </a:extLst>
+          </p:cNvPr>
+          <p:cNvSpPr>
+            <a:spLocks noGrp="1"/>
+          </p:cNvSpPr>
+          <p:nvPr>
+            <p:ph sz="quarter" idx="10"/>
+          </p:nvPr>
+        </p:nvSpPr>
+        <p:spPr>
+          <a:xfrm>
+            <a:off x="584200" y="1012723"/>
+            <a:ext cx="11018838" cy="4198072"/>
+          </a:xfrm>
+        </p:spPr>
+        <p:txBody>
+          <a:bodyPr/>
+          <a:lstStyle/>
+          <a:p>
+            <a:r>
+              <a:rPr lang="en-IE" dirty="0"/>
+              <a:t>Given: list of files </a:t>
+            </a:r>
+            <a:r>
+              <a:rPr lang="en-IE" dirty="0" err="1"/>
+              <a:t>AzureUsage</a:t>
+            </a:r>
+            <a:r>
+              <a:rPr lang="en-IE" dirty="0"/>
+              <a:t> (x).csv pick the latest as a source</a:t>
+            </a:r>
+          </a:p>
+          <a:p>
+            <a:endParaRPr lang="en-IE" dirty="0"/>
+          </a:p>
+          <a:p>
+            <a:r>
+              <a:rPr lang="en-IE" dirty="0"/>
+              <a:t>Solution: </a:t>
+            </a:r>
+          </a:p>
+          <a:p>
+            <a:pPr lvl="1"/>
+            <a:r>
+              <a:rPr lang="en-IE" dirty="0"/>
+              <a:t>Get Data</a:t>
+            </a:r>
+          </a:p>
+          <a:p>
+            <a:pPr lvl="1"/>
+            <a:r>
+              <a:rPr lang="en-IE" dirty="0" err="1"/>
+              <a:t>Sharepoint</a:t>
+            </a:r>
+            <a:r>
+              <a:rPr lang="en-IE" dirty="0"/>
+              <a:t> Folder </a:t>
+            </a:r>
+          </a:p>
+          <a:p>
+            <a:pPr lvl="1"/>
+            <a:r>
+              <a:rPr lang="en-IE" dirty="0"/>
+              <a:t>Text filter -&gt; Starts With -&gt; </a:t>
+            </a:r>
+            <a:r>
+              <a:rPr lang="en-IE" dirty="0" err="1"/>
+              <a:t>AzureUsage</a:t>
+            </a:r>
+            <a:endParaRPr lang="en-IE" dirty="0"/>
+          </a:p>
+          <a:p>
+            <a:pPr lvl="1"/>
+            <a:r>
+              <a:rPr lang="en-IE" dirty="0" err="1"/>
+              <a:t>DateModified</a:t>
+            </a:r>
+            <a:r>
+              <a:rPr lang="en-IE" dirty="0"/>
+              <a:t> -&gt; Date/Time Filter -&gt; Is Latest</a:t>
+            </a:r>
+          </a:p>
+          <a:p>
+            <a:pPr lvl="1"/>
+            <a:r>
+              <a:rPr lang="en-IE" dirty="0"/>
+              <a:t>Click on “Combine Files” button in the left column header</a:t>
+            </a:r>
+          </a:p>
+          <a:p>
+            <a:pPr lvl="1"/>
+            <a:r>
+              <a:rPr lang="en-IE" dirty="0"/>
+              <a:t>Rename the Query</a:t>
+            </a:r>
+          </a:p>
+          <a:p>
+            <a:endParaRPr lang="en-US" dirty="0"/>
+          </a:p>
+        </p:txBody>
+      </p:sp>
+    </p:spTree>
+    <p:extLst>
+      <p:ext uri="{BB962C8B-B14F-4D97-AF65-F5344CB8AC3E}">
+        <p14:creationId xmlns:p14="http://schemas.microsoft.com/office/powerpoint/2010/main" val="3744307599"/>
+      </p:ext>
+    </p:extLst>
+  </p:cSld>
+  <p:clrMapOvr>
+    <a:masterClrMapping/>
+  </p:clrMapOvr>
+  <p:transition>
+    <p:fade/>
+  </p:transition>
+</p:sld>
+</file>
+
+<file path=ppt/slides/slide11.xml><?xml version="1.0" encoding="utf-8"?>
+<p:sld xmlns:a="http://schemas.openxmlformats.org/drawingml/2006/main" xmlns:r="http://schemas.openxmlformats.org/officeDocument/2006/relationships" xmlns:p="http://schemas.openxmlformats.org/presentationml/2006/main">
+  <p:cSld>
+    <p:spTree>
+      <p:nvGrpSpPr>
+        <p:cNvPr id="1" name=""/>
+        <p:cNvGrpSpPr/>
+        <p:nvPr/>
+      </p:nvGrpSpPr>
+      <p:grpSpPr>
+        <a:xfrm>
+          <a:off x="0" y="0"/>
+          <a:ext cx="0" cy="0"/>
+          <a:chOff x="0" y="0"/>
+          <a:chExt cx="0" cy="0"/>
+        </a:xfrm>
+      </p:grpSpPr>
+      <p:sp>
+        <p:nvSpPr>
+          <p:cNvPr id="2" name="Title 1">
+            <a:extLst>
+              <a:ext uri="{FF2B5EF4-FFF2-40B4-BE49-F238E27FC236}">
+                <a16:creationId xmlns:a16="http://schemas.microsoft.com/office/drawing/2014/main" id="{2B582B95-E0E6-1BC0-B4E9-EA12D43E00D4}"/>
+              </a:ext>
+            </a:extLst>
+          </p:cNvPr>
+          <p:cNvSpPr>
+            <a:spLocks noGrp="1"/>
+          </p:cNvSpPr>
+          <p:nvPr>
+            <p:ph type="title"/>
+          </p:nvPr>
+        </p:nvSpPr>
+        <p:spPr/>
+        <p:txBody>
+          <a:bodyPr/>
+          <a:lstStyle/>
+          <a:p>
+            <a:r>
+              <a:rPr lang="en-IE" dirty="0"/>
+              <a:t>Date format</a:t>
+            </a:r>
+            <a:endParaRPr lang="en-US" dirty="0"/>
+          </a:p>
+        </p:txBody>
+      </p:sp>
+      <p:sp>
+        <p:nvSpPr>
+          <p:cNvPr id="3" name="Content Placeholder 2">
+            <a:extLst>
+              <a:ext uri="{FF2B5EF4-FFF2-40B4-BE49-F238E27FC236}">
+                <a16:creationId xmlns:a16="http://schemas.microsoft.com/office/drawing/2014/main" id="{A5906A48-2F56-16EB-CE68-417075FD366E}"/>
+              </a:ext>
+            </a:extLst>
+          </p:cNvPr>
+          <p:cNvSpPr>
+            <a:spLocks noGrp="1"/>
+          </p:cNvSpPr>
+          <p:nvPr>
+            <p:ph sz="quarter" idx="10"/>
+          </p:nvPr>
+        </p:nvSpPr>
+        <p:spPr>
+          <a:xfrm>
+            <a:off x="584200" y="1435100"/>
+            <a:ext cx="11018838" cy="3681008"/>
+          </a:xfrm>
+        </p:spPr>
+        <p:txBody>
+          <a:bodyPr/>
+          <a:lstStyle/>
+          <a:p>
+            <a:r>
+              <a:rPr lang="en-IE" dirty="0"/>
+              <a:t>Challenge: </a:t>
+            </a:r>
+          </a:p>
+          <a:p>
+            <a:pPr lvl="1"/>
+            <a:r>
+              <a:rPr lang="en-IE" dirty="0"/>
+              <a:t>Csv file uses MM/DD/YYYY date format whereas most of us using DD/MM/YYYY</a:t>
+            </a:r>
+          </a:p>
+          <a:p>
+            <a:pPr lvl="1"/>
+            <a:endParaRPr lang="en-IE" dirty="0"/>
+          </a:p>
+          <a:p>
+            <a:r>
+              <a:rPr lang="en-IE" dirty="0"/>
+              <a:t>Solution:</a:t>
+            </a:r>
+          </a:p>
+          <a:p>
+            <a:pPr lvl="1"/>
+            <a:r>
+              <a:rPr lang="en-IE" dirty="0"/>
+              <a:t>Split the field by ‘/’ into DD MM and YYYY fields and recombine them to DD/MM/YYYY</a:t>
+            </a:r>
+            <a:endParaRPr lang="en-US" dirty="0"/>
+          </a:p>
+          <a:p>
+            <a:pPr lvl="1"/>
+            <a:endParaRPr lang="en-US" dirty="0"/>
+          </a:p>
+          <a:p>
+            <a:r>
+              <a:rPr lang="en-US" dirty="0" err="1"/>
+              <a:t>PowerQuery</a:t>
+            </a:r>
+            <a:endParaRPr lang="en-US" dirty="0"/>
+          </a:p>
+          <a:p>
+            <a:pPr lvl="1"/>
+            <a:r>
+              <a:rPr lang="en-US" dirty="0"/>
+              <a:t>Transform </a:t>
+            </a:r>
+            <a:r>
+              <a:rPr lang="en-US"/>
+              <a:t>-&gt; Split by ‘/’</a:t>
+            </a:r>
+          </a:p>
+          <a:p>
+            <a:pPr lvl="1"/>
+            <a:endParaRPr lang="en-IE"/>
+          </a:p>
+        </p:txBody>
+      </p:sp>
+    </p:spTree>
+    <p:extLst>
+      <p:ext uri="{BB962C8B-B14F-4D97-AF65-F5344CB8AC3E}">
+        <p14:creationId xmlns:p14="http://schemas.microsoft.com/office/powerpoint/2010/main" val="47875129"/>
+      </p:ext>
+    </p:extLst>
+  </p:cSld>
+  <p:clrMapOvr>
+    <a:masterClrMapping/>
+  </p:clrMapOvr>
+  <p:transition>
+    <p:fade/>
+  </p:transition>
+</p:sld>
+</file>
+
+<file path=ppt/slides/slide12.xml><?xml version="1.0" encoding="utf-8"?>
+<p:sld xmlns:a="http://schemas.openxmlformats.org/drawingml/2006/main" xmlns:r="http://schemas.openxmlformats.org/officeDocument/2006/relationships" xmlns:p="http://schemas.openxmlformats.org/presentationml/2006/main">
+  <p:cSld>
+    <p:spTree>
+      <p:nvGrpSpPr>
+        <p:cNvPr id="1" name=""/>
+        <p:cNvGrpSpPr/>
+        <p:nvPr/>
+      </p:nvGrpSpPr>
+      <p:grpSpPr>
+        <a:xfrm>
+          <a:off x="0" y="0"/>
+          <a:ext cx="0" cy="0"/>
+          <a:chOff x="0" y="0"/>
+          <a:chExt cx="0" cy="0"/>
+        </a:xfrm>
+      </p:grpSpPr>
+      <p:sp>
+        <p:nvSpPr>
+          <p:cNvPr id="17" name="Title 16"/>
+          <p:cNvSpPr>
+            <a:spLocks noGrp="1"/>
+          </p:cNvSpPr>
+          <p:nvPr>
+            <p:ph type="title"/>
+          </p:nvPr>
+        </p:nvSpPr>
+        <p:spPr/>
+        <p:txBody>
+          <a:bodyPr/>
+          <a:lstStyle/>
+          <a:p>
+            <a:r>
+              <a:rPr lang="en-US" dirty="0"/>
+              <a:t>Text layout (without bullet points)</a:t>
+            </a:r>
+          </a:p>
+        </p:txBody>
+      </p:sp>
+      <p:sp>
+        <p:nvSpPr>
+          <p:cNvPr id="6" name="Text Placeholder 5"/>
+          <p:cNvSpPr>
+            <a:spLocks noGrp="1"/>
+          </p:cNvSpPr>
+          <p:nvPr>
+            <p:ph type="body" sz="quarter" idx="10"/>
+          </p:nvPr>
+        </p:nvSpPr>
+        <p:spPr>
+          <a:xfrm>
+            <a:off x="586390" y="1434370"/>
+            <a:ext cx="11018520" cy="1095685"/>
+          </a:xfrm>
+        </p:spPr>
+        <p:txBody>
+          <a:bodyPr/>
+          <a:lstStyle/>
+          <a:p>
+            <a:r>
+              <a:rPr lang="en-US" dirty="0"/>
+              <a:t>Main topic: Segoe UI, size 28pt</a:t>
+            </a:r>
+          </a:p>
+          <a:p>
+            <a:pPr lvl="1"/>
+            <a:r>
+              <a:rPr lang="en-US" dirty="0"/>
+              <a:t>Segoe UI, size 20pt for second level</a:t>
+            </a:r>
+          </a:p>
+          <a:p>
+            <a:pPr lvl="2"/>
+            <a:r>
+              <a:rPr lang="en-US" dirty="0"/>
+              <a:t>Segoe UI, size 16pt for third level</a:t>
+            </a:r>
+          </a:p>
+        </p:txBody>
+      </p:sp>
+    </p:spTree>
+    <p:extLst>
+      <p:ext uri="{BB962C8B-B14F-4D97-AF65-F5344CB8AC3E}">
+        <p14:creationId xmlns:p14="http://schemas.microsoft.com/office/powerpoint/2010/main" val="3957722359"/>
+      </p:ext>
+    </p:extLst>
+  </p:cSld>
+  <p:clrMapOvr>
+    <a:masterClrMapping/>
+  </p:clrMapOvr>
+  <p:transition>
+    <p:fade/>
+  </p:transition>
+</p:sld>
+</file>
+
+<file path=ppt/slides/slide13.xml><?xml version="1.0" encoding="utf-8"?>
+<p:sld xmlns:a="http://schemas.openxmlformats.org/drawingml/2006/main" xmlns:r="http://schemas.openxmlformats.org/officeDocument/2006/relationships" xmlns:p="http://schemas.openxmlformats.org/presentationml/2006/main">
+  <p:cSld>
+    <p:spTree>
+      <p:nvGrpSpPr>
+        <p:cNvPr id="1" name=""/>
+        <p:cNvGrpSpPr/>
+        <p:nvPr/>
+      </p:nvGrpSpPr>
+      <p:grpSpPr>
+        <a:xfrm>
+          <a:off x="0" y="0"/>
+          <a:ext cx="0" cy="0"/>
+          <a:chOff x="0" y="0"/>
+          <a:chExt cx="0" cy="0"/>
+        </a:xfrm>
+      </p:grpSpPr>
+      <p:sp>
+        <p:nvSpPr>
+          <p:cNvPr id="17" name="Title 16"/>
+          <p:cNvSpPr>
+            <a:spLocks noGrp="1"/>
+          </p:cNvSpPr>
+          <p:nvPr>
+            <p:ph type="title"/>
+          </p:nvPr>
+        </p:nvSpPr>
+        <p:spPr/>
+        <p:txBody>
+          <a:bodyPr/>
+          <a:lstStyle/>
+          <a:p>
+            <a:r>
+              <a:rPr lang="en-US" dirty="0"/>
+              <a:t>Text layout with bulleted text</a:t>
+            </a:r>
+          </a:p>
+        </p:txBody>
+      </p:sp>
+      <p:sp>
+        <p:nvSpPr>
+          <p:cNvPr id="6" name="Text Placeholder 5"/>
+          <p:cNvSpPr>
+            <a:spLocks noGrp="1"/>
+          </p:cNvSpPr>
+          <p:nvPr>
+            <p:ph sz="quarter" idx="10"/>
+          </p:nvPr>
+        </p:nvSpPr>
+        <p:spPr/>
+        <p:txBody>
+          <a:bodyPr/>
+          <a:lstStyle/>
+          <a:p>
+            <a:r>
+              <a:rPr lang="en-US" dirty="0"/>
+              <a:t>Main topic: Segoe UI, size 28pt</a:t>
+            </a:r>
+          </a:p>
+          <a:p>
+            <a:pPr lvl="1"/>
+            <a:r>
+              <a:rPr lang="en-US" dirty="0"/>
+              <a:t>Segoe UI, size 20pt for second level</a:t>
+            </a:r>
+          </a:p>
+          <a:p>
+            <a:pPr lvl="2"/>
+            <a:r>
+              <a:rPr lang="en-US" dirty="0"/>
+              <a:t>Segoe UI, size 16pt for third level</a:t>
+            </a:r>
+          </a:p>
+        </p:txBody>
+      </p:sp>
+    </p:spTree>
+    <p:extLst>
+      <p:ext uri="{BB962C8B-B14F-4D97-AF65-F5344CB8AC3E}">
+        <p14:creationId xmlns:p14="http://schemas.microsoft.com/office/powerpoint/2010/main" val="1793706927"/>
+      </p:ext>
+    </p:extLst>
+  </p:cSld>
+  <p:clrMapOvr>
+    <a:masterClrMapping/>
+  </p:clrMapOvr>
+  <p:transition>
+    <p:fade/>
+  </p:transition>
+</p:sld>
+</file>
+
+<file path=ppt/slides/slide14.xml><?xml version="1.0" encoding="utf-8"?>
+<p:sld xmlns:a="http://schemas.openxmlformats.org/drawingml/2006/main" xmlns:r="http://schemas.openxmlformats.org/officeDocument/2006/relationships" xmlns:p="http://schemas.openxmlformats.org/presentationml/2006/main">
+  <p:cSld>
+    <p:spTree>
+      <p:nvGrpSpPr>
+        <p:cNvPr id="1" name=""/>
+        <p:cNvGrpSpPr/>
+        <p:nvPr/>
+      </p:nvGrpSpPr>
+      <p:grpSpPr>
+        <a:xfrm>
+          <a:off x="0" y="0"/>
+          <a:ext cx="0" cy="0"/>
+          <a:chOff x="0" y="0"/>
+          <a:chExt cx="0" cy="0"/>
+        </a:xfrm>
+      </p:grpSpPr>
+      <p:sp>
+        <p:nvSpPr>
+          <p:cNvPr id="17" name="Title 16"/>
+          <p:cNvSpPr>
+            <a:spLocks noGrp="1"/>
+          </p:cNvSpPr>
+          <p:nvPr>
+            <p:ph type="title"/>
+          </p:nvPr>
+        </p:nvSpPr>
+        <p:spPr>
+          <a:xfrm>
+            <a:off x="588263" y="457200"/>
+            <a:ext cx="11018520" cy="1107996"/>
+          </a:xfrm>
+        </p:spPr>
+        <p:txBody>
+          <a:bodyPr/>
+          <a:lstStyle/>
+          <a:p>
+            <a:r>
+              <a:rPr lang="en-US" dirty="0"/>
+              <a:t>Example with longer headline text</a:t>
+            </a:r>
+            <a:br>
+              <a:rPr lang="en-US" dirty="0"/>
+            </a:br>
+            <a:r>
+              <a:rPr lang="en-US" dirty="0"/>
+              <a:t>wrapping to a second line</a:t>
+            </a:r>
+          </a:p>
+        </p:txBody>
+      </p:sp>
+      <p:sp>
+        <p:nvSpPr>
+          <p:cNvPr id="6" name="Text Placeholder 5"/>
+          <p:cNvSpPr>
+            <a:spLocks noGrp="1"/>
+          </p:cNvSpPr>
+          <p:nvPr>
+            <p:ph type="body" sz="quarter" idx="10"/>
+          </p:nvPr>
+        </p:nvSpPr>
+        <p:spPr>
+          <a:xfrm>
+            <a:off x="590868" y="2019300"/>
+            <a:ext cx="11018520" cy="2628412"/>
+          </a:xfrm>
+        </p:spPr>
+        <p:txBody>
+          <a:bodyPr/>
+          <a:lstStyle/>
+          <a:p>
+            <a:pPr>
+              <a:lnSpc>
+                <a:spcPct val="95000"/>
+              </a:lnSpc>
+            </a:pPr>
+            <a:r>
+              <a:rPr lang="en-US" dirty="0"/>
+              <a:t>When the headline text is 2 lines, move this text block </a:t>
+            </a:r>
+            <a:br>
+              <a:rPr lang="en-US" dirty="0"/>
+            </a:br>
+            <a:r>
+              <a:rPr lang="en-US" dirty="0"/>
+              <a:t>down to align to the lower blue guide</a:t>
+            </a:r>
+          </a:p>
+          <a:p>
+            <a:pPr>
+              <a:lnSpc>
+                <a:spcPct val="95000"/>
+              </a:lnSpc>
+            </a:pPr>
+            <a:r>
+              <a:rPr lang="en-US" dirty="0"/>
+              <a:t>If you don’t see guidelines, click on the View menu, </a:t>
+            </a:r>
+            <a:br>
+              <a:rPr lang="en-US" dirty="0"/>
+            </a:br>
+            <a:r>
+              <a:rPr lang="en-US" dirty="0"/>
+              <a:t>and then check the box in front of “Guides”</a:t>
+            </a:r>
+          </a:p>
+          <a:p>
+            <a:pPr>
+              <a:lnSpc>
+                <a:spcPct val="95000"/>
+              </a:lnSpc>
+            </a:pPr>
+            <a:r>
+              <a:rPr lang="en-US" dirty="0"/>
+              <a:t>Use a “soft return” Shift + Enter to wrap text without </a:t>
+            </a:r>
+            <a:br>
+              <a:rPr lang="en-US" dirty="0"/>
+            </a:br>
+            <a:r>
+              <a:rPr lang="en-US" dirty="0"/>
+              <a:t>adding extra line spacing</a:t>
+            </a:r>
+          </a:p>
+        </p:txBody>
+      </p:sp>
+      <p:sp>
+        <p:nvSpPr>
+          <p:cNvPr id="5" name="Freeform: Shape 4" descr="arrow pointing to the guideline referenced in the description">
+            <a:extLst>
+              <a:ext uri="{FF2B5EF4-FFF2-40B4-BE49-F238E27FC236}">
+                <a16:creationId xmlns:a16="http://schemas.microsoft.com/office/drawing/2014/main" id="{665B403C-D96F-49D2-A0FA-2D811AA4C0AB}"/>
+              </a:ext>
+            </a:extLst>
+          </p:cNvPr>
+          <p:cNvSpPr/>
+          <p:nvPr/>
+        </p:nvSpPr>
+        <p:spPr bwMode="auto">
+          <a:xfrm>
+            <a:off x="6801636" y="2019300"/>
+            <a:ext cx="2588543" cy="644899"/>
+          </a:xfrm>
+          <a:custGeom>
+            <a:avLst/>
+            <a:gdLst>
+              <a:gd name="connsiteX0" fmla="*/ 0 w 822960"/>
+              <a:gd name="connsiteY0" fmla="*/ 205740 h 205740"/>
+              <a:gd name="connsiteX1" fmla="*/ 822960 w 822960"/>
+              <a:gd name="connsiteY1" fmla="*/ 205740 h 205740"/>
+              <a:gd name="connsiteX2" fmla="*/ 822960 w 822960"/>
+              <a:gd name="connsiteY2" fmla="*/ 0 h 205740"/>
+              <a:gd name="connsiteX0" fmla="*/ 0 w 822960"/>
+              <a:gd name="connsiteY0" fmla="*/ 196007 h 196007"/>
+              <a:gd name="connsiteX1" fmla="*/ 822960 w 822960"/>
+              <a:gd name="connsiteY1" fmla="*/ 196007 h 196007"/>
+              <a:gd name="connsiteX2" fmla="*/ 822960 w 822960"/>
+              <a:gd name="connsiteY2" fmla="*/ 0 h 196007"/>
+              <a:gd name="connsiteX0" fmla="*/ 0 w 860823"/>
+              <a:gd name="connsiteY0" fmla="*/ 196007 h 196007"/>
+              <a:gd name="connsiteX1" fmla="*/ 860823 w 860823"/>
+              <a:gd name="connsiteY1" fmla="*/ 196007 h 196007"/>
+              <a:gd name="connsiteX2" fmla="*/ 860823 w 860823"/>
+              <a:gd name="connsiteY2" fmla="*/ 0 h 196007"/>
+            </a:gdLst>
+            <a:ahLst/>
+            <a:cxnLst>
+              <a:cxn ang="0">
+                <a:pos x="connsiteX0" y="connsiteY0"/>
+              </a:cxn>
+              <a:cxn ang="0">
+                <a:pos x="connsiteX1" y="connsiteY1"/>
+              </a:cxn>
+              <a:cxn ang="0">
+                <a:pos x="connsiteX2" y="connsiteY2"/>
+              </a:cxn>
+            </a:cxnLst>
+            <a:rect l="l" t="t" r="r" b="b"/>
+            <a:pathLst>
+              <a:path w="860823" h="196007">
+                <a:moveTo>
+                  <a:pt x="0" y="196007"/>
+                </a:moveTo>
+                <a:lnTo>
+                  <a:pt x="860823" y="196007"/>
+                </a:lnTo>
+                <a:lnTo>
+                  <a:pt x="860823" y="0"/>
+                </a:lnTo>
+              </a:path>
+            </a:pathLst>
+          </a:custGeom>
+          <a:noFill/>
+          <a:ln w="12700">
+            <a:solidFill>
+              <a:schemeClr val="tx1">
+                <a:alpha val="49000"/>
+              </a:schemeClr>
+            </a:solidFill>
+            <a:headEnd type="none" w="med" len="med"/>
+            <a:tailEnd type="arrow" w="lg" len="med"/>
+          </a:ln>
+          <a:effectLst/>
+        </p:spPr>
+        <p:style>
+          <a:lnRef idx="1">
+            <a:schemeClr val="accent2"/>
+          </a:lnRef>
+          <a:fillRef idx="3">
+            <a:schemeClr val="accent2"/>
+          </a:fillRef>
+          <a:effectRef idx="2">
+            <a:schemeClr val="accent2"/>
+          </a:effectRef>
+          <a:fontRef idx="minor">
+            <a:schemeClr val="lt1"/>
+          </a:fontRef>
+        </p:style>
+        <p:txBody>
+          <a:bodyPr rtlCol="0" anchor="ctr"/>
+          <a:lstStyle/>
+          <a:p>
+            <a:pPr algn="ctr"/>
+            <a:endParaRPr lang="en-US" dirty="0"/>
+          </a:p>
+        </p:txBody>
+      </p:sp>
+    </p:spTree>
+    <p:extLst>
+      <p:ext uri="{BB962C8B-B14F-4D97-AF65-F5344CB8AC3E}">
+        <p14:creationId xmlns:p14="http://schemas.microsoft.com/office/powerpoint/2010/main" val="895908902"/>
+      </p:ext>
+    </p:extLst>
+  </p:cSld>
+  <p:clrMapOvr>
+    <a:masterClrMapping/>
+  </p:clrMapOvr>
+  <p:transition>
+    <p:fade/>
+  </p:transition>
+</p:sld>
+</file>
+
+<file path=ppt/slides/slide15.xml><?xml version="1.0" encoding="utf-8"?>
+<p:sld xmlns:a="http://schemas.openxmlformats.org/drawingml/2006/main" xmlns:r="http://schemas.openxmlformats.org/officeDocument/2006/relationships" xmlns:p="http://schemas.openxmlformats.org/presentationml/2006/main">
+  <p:cSld>
+    <p:spTree>
+      <p:nvGrpSpPr>
+        <p:cNvPr id="1" name=""/>
+        <p:cNvGrpSpPr/>
+        <p:nvPr/>
+      </p:nvGrpSpPr>
+      <p:grpSpPr>
+        <a:xfrm>
+          <a:off x="0" y="0"/>
+          <a:ext cx="0" cy="0"/>
+          <a:chOff x="0" y="0"/>
+          <a:chExt cx="0" cy="0"/>
+        </a:xfrm>
+      </p:grpSpPr>
+      <p:sp>
+        <p:nvSpPr>
           <p:cNvPr id="17" name="Title 16"/>
           <p:cNvSpPr>
             <a:spLocks noGrp="1"/>
@@ -14764,7 +15525,7 @@
 </p:sld>
 </file>
 
-<file path=ppt/slides/slide11.xml><?xml version="1.0" encoding="utf-8"?>
+<file path=ppt/slides/slide16.xml><?xml version="1.0" encoding="utf-8"?>
 <p:sld xmlns:a="http://schemas.openxmlformats.org/drawingml/2006/main" xmlns:r="http://schemas.openxmlformats.org/officeDocument/2006/relationships" xmlns:p="http://schemas.openxmlformats.org/presentationml/2006/main">
   <p:cSld>
     <p:spTree>
@@ -14997,859 +15758,6 @@
 </p:sld>
 </file>
 
-<file path=ppt/slides/slide12.xml><?xml version="1.0" encoding="utf-8"?>
-<p:sld xmlns:a="http://schemas.openxmlformats.org/drawingml/2006/main" xmlns:r="http://schemas.openxmlformats.org/officeDocument/2006/relationships" xmlns:p="http://schemas.openxmlformats.org/presentationml/2006/main">
-  <p:cSld>
-    <p:spTree>
-      <p:nvGrpSpPr>
-        <p:cNvPr id="1" name=""/>
-        <p:cNvGrpSpPr/>
-        <p:nvPr/>
-      </p:nvGrpSpPr>
-      <p:grpSpPr>
-        <a:xfrm>
-          <a:off x="0" y="0"/>
-          <a:ext cx="0" cy="0"/>
-          <a:chOff x="0" y="0"/>
-          <a:chExt cx="0" cy="0"/>
-        </a:xfrm>
-      </p:grpSpPr>
-      <p:sp>
-        <p:nvSpPr>
-          <p:cNvPr id="8" name="Title 7">
-            <a:extLst>
-              <a:ext uri="{FF2B5EF4-FFF2-40B4-BE49-F238E27FC236}">
-                <a16:creationId xmlns:a16="http://schemas.microsoft.com/office/drawing/2014/main" id="{D18A1E48-C74E-4B7C-95F4-2342DAC963A9}"/>
-              </a:ext>
-            </a:extLst>
-          </p:cNvPr>
-          <p:cNvSpPr>
-            <a:spLocks noGrp="1"/>
-          </p:cNvSpPr>
-          <p:nvPr>
-            <p:ph type="title"/>
-          </p:nvPr>
-        </p:nvSpPr>
-        <p:spPr>
-          <a:xfrm>
-            <a:off x="588263" y="588963"/>
-            <a:ext cx="4158362" cy="2535236"/>
-          </a:xfrm>
-        </p:spPr>
-        <p:txBody>
-          <a:bodyPr/>
-          <a:lstStyle/>
-          <a:p>
-            <a:r>
-              <a:rPr lang="en-US" dirty="0"/>
-              <a:t>Title square photo layout</a:t>
-            </a:r>
-          </a:p>
-        </p:txBody>
-      </p:sp>
-      <p:sp>
-        <p:nvSpPr>
-          <p:cNvPr id="3" name="Text Placeholder 2">
-            <a:extLst>
-              <a:ext uri="{FF2B5EF4-FFF2-40B4-BE49-F238E27FC236}">
-                <a16:creationId xmlns:a16="http://schemas.microsoft.com/office/drawing/2014/main" id="{EB03E4EA-274B-4BE4-9A52-00B5B2697A08}"/>
-              </a:ext>
-            </a:extLst>
-          </p:cNvPr>
-          <p:cNvSpPr>
-            <a:spLocks noGrp="1"/>
-          </p:cNvSpPr>
-          <p:nvPr>
-            <p:ph type="body" sz="quarter" idx="10"/>
-          </p:nvPr>
-        </p:nvSpPr>
-        <p:spPr>
-          <a:xfrm>
-            <a:off x="584200" y="3535540"/>
-            <a:ext cx="4162425" cy="2733497"/>
-          </a:xfrm>
-        </p:spPr>
-        <p:txBody>
-          <a:bodyPr/>
-          <a:lstStyle/>
-          <a:p>
-            <a:r>
-              <a:rPr lang="en-US" dirty="0"/>
-              <a:t>Smaller text</a:t>
-            </a:r>
-          </a:p>
-        </p:txBody>
-      </p:sp>
-      <p:sp>
-        <p:nvSpPr>
-          <p:cNvPr id="6" name="Picture Placeholder 5" descr="This photo is a 'placeholder' only. Drag or drop your photo here, or click and tap the center to insert a photo.">
-            <a:extLst>
-              <a:ext uri="{FF2B5EF4-FFF2-40B4-BE49-F238E27FC236}">
-                <a16:creationId xmlns:a16="http://schemas.microsoft.com/office/drawing/2014/main" id="{90EC379E-CA6F-458B-BB1A-FE53731504E9}"/>
-              </a:ext>
-            </a:extLst>
-          </p:cNvPr>
-          <p:cNvSpPr>
-            <a:spLocks noGrp="1"/>
-          </p:cNvSpPr>
-          <p:nvPr>
-            <p:ph type="pic" sz="quarter" idx="11"/>
-          </p:nvPr>
-        </p:nvSpPr>
-        <p:spPr/>
-      </p:sp>
-    </p:spTree>
-    <p:extLst>
-      <p:ext uri="{BB962C8B-B14F-4D97-AF65-F5344CB8AC3E}">
-        <p14:creationId xmlns:p14="http://schemas.microsoft.com/office/powerpoint/2010/main" val="1490695021"/>
-      </p:ext>
-    </p:extLst>
-  </p:cSld>
-  <p:clrMapOvr>
-    <a:masterClrMapping/>
-  </p:clrMapOvr>
-  <p:transition>
-    <p:fade/>
-  </p:transition>
-</p:sld>
-</file>
-
-<file path=ppt/slides/slide13.xml><?xml version="1.0" encoding="utf-8"?>
-<p:sld xmlns:a="http://schemas.openxmlformats.org/drawingml/2006/main" xmlns:r="http://schemas.openxmlformats.org/officeDocument/2006/relationships" xmlns:p="http://schemas.openxmlformats.org/presentationml/2006/main">
-  <p:cSld>
-    <p:spTree>
-      <p:nvGrpSpPr>
-        <p:cNvPr id="1" name=""/>
-        <p:cNvGrpSpPr/>
-        <p:nvPr/>
-      </p:nvGrpSpPr>
-      <p:grpSpPr>
-        <a:xfrm>
-          <a:off x="0" y="0"/>
-          <a:ext cx="0" cy="0"/>
-          <a:chOff x="0" y="0"/>
-          <a:chExt cx="0" cy="0"/>
-        </a:xfrm>
-      </p:grpSpPr>
-      <p:sp>
-        <p:nvSpPr>
-          <p:cNvPr id="8" name="Title 7">
-            <a:extLst>
-              <a:ext uri="{FF2B5EF4-FFF2-40B4-BE49-F238E27FC236}">
-                <a16:creationId xmlns:a16="http://schemas.microsoft.com/office/drawing/2014/main" id="{D18A1E48-C74E-4B7C-95F4-2342DAC963A9}"/>
-              </a:ext>
-            </a:extLst>
-          </p:cNvPr>
-          <p:cNvSpPr>
-            <a:spLocks noGrp="1"/>
-          </p:cNvSpPr>
-          <p:nvPr>
-            <p:ph type="title"/>
-          </p:nvPr>
-        </p:nvSpPr>
-        <p:spPr/>
-        <p:txBody>
-          <a:bodyPr/>
-          <a:lstStyle/>
-          <a:p>
-            <a:r>
-              <a:rPr lang="en-US" dirty="0"/>
-              <a:t>Square photo layout </a:t>
-            </a:r>
-          </a:p>
-        </p:txBody>
-      </p:sp>
-      <p:sp>
-        <p:nvSpPr>
-          <p:cNvPr id="2" name="Picture Placeholder 1" descr="This photo is a 'placeholder' only. Drag or drop your photo here, or click and tap the center to insert a photo.">
-            <a:extLst>
-              <a:ext uri="{FF2B5EF4-FFF2-40B4-BE49-F238E27FC236}">
-                <a16:creationId xmlns:a16="http://schemas.microsoft.com/office/drawing/2014/main" id="{EAE4E439-9990-4EB5-BA7C-DB1E71AEDCD9}"/>
-              </a:ext>
-            </a:extLst>
-          </p:cNvPr>
-          <p:cNvSpPr>
-            <a:spLocks noGrp="1"/>
-          </p:cNvSpPr>
-          <p:nvPr>
-            <p:ph type="pic" sz="quarter" idx="11"/>
-          </p:nvPr>
-        </p:nvSpPr>
-        <p:spPr/>
-      </p:sp>
-    </p:spTree>
-    <p:extLst>
-      <p:ext uri="{BB962C8B-B14F-4D97-AF65-F5344CB8AC3E}">
-        <p14:creationId xmlns:p14="http://schemas.microsoft.com/office/powerpoint/2010/main" val="1811665972"/>
-      </p:ext>
-    </p:extLst>
-  </p:cSld>
-  <p:clrMapOvr>
-    <a:masterClrMapping/>
-  </p:clrMapOvr>
-  <p:transition>
-    <p:fade/>
-  </p:transition>
-</p:sld>
-</file>
-
-<file path=ppt/slides/slide14.xml><?xml version="1.0" encoding="utf-8"?>
-<p:sld xmlns:a="http://schemas.openxmlformats.org/drawingml/2006/main" xmlns:r="http://schemas.openxmlformats.org/officeDocument/2006/relationships" xmlns:p="http://schemas.openxmlformats.org/presentationml/2006/main">
-  <p:cSld>
-    <p:spTree>
-      <p:nvGrpSpPr>
-        <p:cNvPr id="1" name=""/>
-        <p:cNvGrpSpPr/>
-        <p:nvPr/>
-      </p:nvGrpSpPr>
-      <p:grpSpPr>
-        <a:xfrm>
-          <a:off x="0" y="0"/>
-          <a:ext cx="0" cy="0"/>
-          <a:chOff x="0" y="0"/>
-          <a:chExt cx="0" cy="0"/>
-        </a:xfrm>
-      </p:grpSpPr>
-      <p:sp>
-        <p:nvSpPr>
-          <p:cNvPr id="8" name="Title 7">
-            <a:extLst>
-              <a:ext uri="{FF2B5EF4-FFF2-40B4-BE49-F238E27FC236}">
-                <a16:creationId xmlns:a16="http://schemas.microsoft.com/office/drawing/2014/main" id="{D18A1E48-C74E-4B7C-95F4-2342DAC963A9}"/>
-              </a:ext>
-            </a:extLst>
-          </p:cNvPr>
-          <p:cNvSpPr>
-            <a:spLocks noGrp="1"/>
-          </p:cNvSpPr>
-          <p:nvPr>
-            <p:ph type="title"/>
-          </p:nvPr>
-        </p:nvSpPr>
-        <p:spPr>
-          <a:xfrm>
-            <a:off x="588263" y="457200"/>
-            <a:ext cx="11018520" cy="553998"/>
-          </a:xfrm>
-        </p:spPr>
-        <p:txBody>
-          <a:bodyPr/>
-          <a:lstStyle/>
-          <a:p>
-            <a:r>
-              <a:rPr lang="en-US" dirty="0"/>
-              <a:t>Side-by-side photo layout</a:t>
-            </a:r>
-          </a:p>
-        </p:txBody>
-      </p:sp>
-      <p:sp>
-        <p:nvSpPr>
-          <p:cNvPr id="4" name="Text Placeholder 3">
-            <a:extLst>
-              <a:ext uri="{FF2B5EF4-FFF2-40B4-BE49-F238E27FC236}">
-                <a16:creationId xmlns:a16="http://schemas.microsoft.com/office/drawing/2014/main" id="{DBFED5CB-0F60-480C-8DFA-C6BECBE03F8D}"/>
-              </a:ext>
-            </a:extLst>
-          </p:cNvPr>
-          <p:cNvSpPr>
-            <a:spLocks noGrp="1"/>
-          </p:cNvSpPr>
-          <p:nvPr>
-            <p:ph type="body" sz="quarter" idx="16"/>
-          </p:nvPr>
-        </p:nvSpPr>
-        <p:spPr>
-          <a:xfrm>
-            <a:off x="584199" y="5689600"/>
-            <a:ext cx="5367528" cy="307777"/>
-          </a:xfrm>
-        </p:spPr>
-        <p:txBody>
-          <a:bodyPr/>
-          <a:lstStyle/>
-          <a:p>
-            <a:r>
-              <a:rPr lang="en-US" dirty="0"/>
-              <a:t>Text placeholder</a:t>
-            </a:r>
-          </a:p>
-        </p:txBody>
-      </p:sp>
-      <p:sp>
-        <p:nvSpPr>
-          <p:cNvPr id="2" name="Picture Placeholder 1" descr="This photo is a 'placeholder' only. Drag or drop your photo here, or click and tap the center to insert a photo.">
-            <a:extLst>
-              <a:ext uri="{FF2B5EF4-FFF2-40B4-BE49-F238E27FC236}">
-                <a16:creationId xmlns:a16="http://schemas.microsoft.com/office/drawing/2014/main" id="{AE18F87B-97E7-4FBB-B0C7-4CEB990A7F1B}"/>
-              </a:ext>
-            </a:extLst>
-          </p:cNvPr>
-          <p:cNvSpPr>
-            <a:spLocks noGrp="1"/>
-          </p:cNvSpPr>
-          <p:nvPr>
-            <p:ph type="pic" sz="quarter" idx="13"/>
-          </p:nvPr>
-        </p:nvSpPr>
-        <p:spPr/>
-      </p:sp>
-      <p:sp>
-        <p:nvSpPr>
-          <p:cNvPr id="6" name="Text Placeholder 5">
-            <a:extLst>
-              <a:ext uri="{FF2B5EF4-FFF2-40B4-BE49-F238E27FC236}">
-                <a16:creationId xmlns:a16="http://schemas.microsoft.com/office/drawing/2014/main" id="{1B0E91F6-F618-4448-89FB-05078231BEA7}"/>
-              </a:ext>
-            </a:extLst>
-          </p:cNvPr>
-          <p:cNvSpPr>
-            <a:spLocks noGrp="1"/>
-          </p:cNvSpPr>
-          <p:nvPr>
-            <p:ph type="body" sz="quarter" idx="18"/>
-          </p:nvPr>
-        </p:nvSpPr>
-        <p:spPr>
-          <a:xfrm>
-            <a:off x="6241860" y="5689600"/>
-            <a:ext cx="5367528" cy="307777"/>
-          </a:xfrm>
-        </p:spPr>
-        <p:txBody>
-          <a:bodyPr/>
-          <a:lstStyle/>
-          <a:p>
-            <a:r>
-              <a:rPr lang="en-US" dirty="0"/>
-              <a:t>Text placeholder</a:t>
-            </a:r>
-          </a:p>
-        </p:txBody>
-      </p:sp>
-      <p:sp>
-        <p:nvSpPr>
-          <p:cNvPr id="3" name="Picture Placeholder 2" descr="This photo is a 'placeholder' only. Drag or drop your photo here, or click and tap the center to insert a photo.">
-            <a:extLst>
-              <a:ext uri="{FF2B5EF4-FFF2-40B4-BE49-F238E27FC236}">
-                <a16:creationId xmlns:a16="http://schemas.microsoft.com/office/drawing/2014/main" id="{E16DC59E-65F2-4652-B8B5-10F074366FB7}"/>
-              </a:ext>
-            </a:extLst>
-          </p:cNvPr>
-          <p:cNvSpPr>
-            <a:spLocks noGrp="1"/>
-          </p:cNvSpPr>
-          <p:nvPr>
-            <p:ph type="pic" sz="quarter" idx="15"/>
-          </p:nvPr>
-        </p:nvSpPr>
-        <p:spPr/>
-      </p:sp>
-    </p:spTree>
-    <p:extLst>
-      <p:ext uri="{BB962C8B-B14F-4D97-AF65-F5344CB8AC3E}">
-        <p14:creationId xmlns:p14="http://schemas.microsoft.com/office/powerpoint/2010/main" val="696467548"/>
-      </p:ext>
-    </p:extLst>
-  </p:cSld>
-  <p:clrMapOvr>
-    <a:masterClrMapping/>
-  </p:clrMapOvr>
-  <p:transition>
-    <p:fade/>
-  </p:transition>
-</p:sld>
-</file>
-
-<file path=ppt/slides/slide15.xml><?xml version="1.0" encoding="utf-8"?>
-<p:sld xmlns:a="http://schemas.openxmlformats.org/drawingml/2006/main" xmlns:r="http://schemas.openxmlformats.org/officeDocument/2006/relationships" xmlns:p="http://schemas.openxmlformats.org/presentationml/2006/main">
-  <p:cSld>
-    <p:spTree>
-      <p:nvGrpSpPr>
-        <p:cNvPr id="1" name=""/>
-        <p:cNvGrpSpPr/>
-        <p:nvPr/>
-      </p:nvGrpSpPr>
-      <p:grpSpPr>
-        <a:xfrm>
-          <a:off x="0" y="0"/>
-          <a:ext cx="0" cy="0"/>
-          <a:chOff x="0" y="0"/>
-          <a:chExt cx="0" cy="0"/>
-        </a:xfrm>
-      </p:grpSpPr>
-      <p:sp>
-        <p:nvSpPr>
-          <p:cNvPr id="7" name="Title 6">
-            <a:extLst>
-              <a:ext uri="{FF2B5EF4-FFF2-40B4-BE49-F238E27FC236}">
-                <a16:creationId xmlns:a16="http://schemas.microsoft.com/office/drawing/2014/main" id="{9BB51B6F-A6B6-4C5C-87D8-20DB1C857613}"/>
-              </a:ext>
-            </a:extLst>
-          </p:cNvPr>
-          <p:cNvSpPr>
-            <a:spLocks noGrp="1"/>
-          </p:cNvSpPr>
-          <p:nvPr>
-            <p:ph type="title"/>
-          </p:nvPr>
-        </p:nvSpPr>
-        <p:spPr>
-          <a:xfrm>
-            <a:off x="588263" y="457200"/>
-            <a:ext cx="11018520" cy="553998"/>
-          </a:xfrm>
-        </p:spPr>
-        <p:txBody>
-          <a:bodyPr/>
-          <a:lstStyle/>
-          <a:p>
-            <a:r>
-              <a:rPr lang="en-US" dirty="0"/>
-              <a:t>Three photos layout</a:t>
-            </a:r>
-          </a:p>
-        </p:txBody>
-      </p:sp>
-      <p:sp>
-        <p:nvSpPr>
-          <p:cNvPr id="11" name="Text Placeholder 10">
-            <a:extLst>
-              <a:ext uri="{FF2B5EF4-FFF2-40B4-BE49-F238E27FC236}">
-                <a16:creationId xmlns:a16="http://schemas.microsoft.com/office/drawing/2014/main" id="{0CF24D87-8BE8-48F5-A782-AABCF1702CF5}"/>
-              </a:ext>
-            </a:extLst>
-          </p:cNvPr>
-          <p:cNvSpPr>
-            <a:spLocks noGrp="1"/>
-          </p:cNvSpPr>
-          <p:nvPr>
-            <p:ph type="body" sz="quarter" idx="16"/>
-          </p:nvPr>
-        </p:nvSpPr>
-        <p:spPr>
-          <a:xfrm>
-            <a:off x="582613" y="5689600"/>
-            <a:ext cx="3475037" cy="307777"/>
-          </a:xfrm>
-        </p:spPr>
-        <p:txBody>
-          <a:bodyPr/>
-          <a:lstStyle/>
-          <a:p>
-            <a:r>
-              <a:rPr lang="en-US" dirty="0"/>
-              <a:t>Text placeholder</a:t>
-            </a:r>
-          </a:p>
-        </p:txBody>
-      </p:sp>
-      <p:sp>
-        <p:nvSpPr>
-          <p:cNvPr id="8" name="Picture Placeholder 7" descr="This photo is a 'placeholder' only. Drag or drop your photo here, or click and tap the center to insert a photo.">
-            <a:extLst>
-              <a:ext uri="{FF2B5EF4-FFF2-40B4-BE49-F238E27FC236}">
-                <a16:creationId xmlns:a16="http://schemas.microsoft.com/office/drawing/2014/main" id="{6B56B57A-5CF7-448F-BC81-137D7A82A0EC}"/>
-              </a:ext>
-            </a:extLst>
-          </p:cNvPr>
-          <p:cNvSpPr>
-            <a:spLocks noGrp="1"/>
-          </p:cNvSpPr>
-          <p:nvPr>
-            <p:ph type="pic" sz="quarter" idx="13"/>
-          </p:nvPr>
-        </p:nvSpPr>
-        <p:spPr/>
-      </p:sp>
-      <p:sp>
-        <p:nvSpPr>
-          <p:cNvPr id="12" name="Text Placeholder 11">
-            <a:extLst>
-              <a:ext uri="{FF2B5EF4-FFF2-40B4-BE49-F238E27FC236}">
-                <a16:creationId xmlns:a16="http://schemas.microsoft.com/office/drawing/2014/main" id="{42466CB0-8E3A-4B11-BE5B-DB09D902EB09}"/>
-              </a:ext>
-            </a:extLst>
-          </p:cNvPr>
-          <p:cNvSpPr>
-            <a:spLocks noGrp="1"/>
-          </p:cNvSpPr>
-          <p:nvPr>
-            <p:ph type="body" sz="quarter" idx="17"/>
-          </p:nvPr>
-        </p:nvSpPr>
-        <p:spPr>
-          <a:xfrm>
-            <a:off x="4358640" y="5689600"/>
-            <a:ext cx="3475037" cy="307777"/>
-          </a:xfrm>
-        </p:spPr>
-        <p:txBody>
-          <a:bodyPr/>
-          <a:lstStyle/>
-          <a:p>
-            <a:r>
-              <a:rPr lang="en-US" dirty="0"/>
-              <a:t>Text placeholder</a:t>
-            </a:r>
-          </a:p>
-        </p:txBody>
-      </p:sp>
-      <p:sp>
-        <p:nvSpPr>
-          <p:cNvPr id="9" name="Picture Placeholder 8" descr="This photo is a 'placeholder' only. Drag or drop your photo here, or click and tap the center to insert a photo.">
-            <a:extLst>
-              <a:ext uri="{FF2B5EF4-FFF2-40B4-BE49-F238E27FC236}">
-                <a16:creationId xmlns:a16="http://schemas.microsoft.com/office/drawing/2014/main" id="{A078E6D4-B91A-431C-8C2F-A6FD9891FF29}"/>
-              </a:ext>
-            </a:extLst>
-          </p:cNvPr>
-          <p:cNvSpPr>
-            <a:spLocks noGrp="1"/>
-          </p:cNvSpPr>
-          <p:nvPr>
-            <p:ph type="pic" sz="quarter" idx="14"/>
-          </p:nvPr>
-        </p:nvSpPr>
-        <p:spPr/>
-      </p:sp>
-      <p:sp>
-        <p:nvSpPr>
-          <p:cNvPr id="13" name="Text Placeholder 12">
-            <a:extLst>
-              <a:ext uri="{FF2B5EF4-FFF2-40B4-BE49-F238E27FC236}">
-                <a16:creationId xmlns:a16="http://schemas.microsoft.com/office/drawing/2014/main" id="{062B81A3-15C0-4615-9103-E530FFE58E9B}"/>
-              </a:ext>
-            </a:extLst>
-          </p:cNvPr>
-          <p:cNvSpPr>
-            <a:spLocks noGrp="1"/>
-          </p:cNvSpPr>
-          <p:nvPr>
-            <p:ph type="body" sz="quarter" idx="18"/>
-          </p:nvPr>
-        </p:nvSpPr>
-        <p:spPr>
-          <a:xfrm>
-            <a:off x="8134351" y="5689600"/>
-            <a:ext cx="3475037" cy="307777"/>
-          </a:xfrm>
-        </p:spPr>
-        <p:txBody>
-          <a:bodyPr/>
-          <a:lstStyle/>
-          <a:p>
-            <a:r>
-              <a:rPr lang="en-US" dirty="0"/>
-              <a:t>Text placeholder</a:t>
-            </a:r>
-          </a:p>
-        </p:txBody>
-      </p:sp>
-      <p:sp>
-        <p:nvSpPr>
-          <p:cNvPr id="10" name="Picture Placeholder 9" descr="This photo is a 'placeholder' only. Drag or drop your photo here, or click and tap the center to insert a photo.">
-            <a:extLst>
-              <a:ext uri="{FF2B5EF4-FFF2-40B4-BE49-F238E27FC236}">
-                <a16:creationId xmlns:a16="http://schemas.microsoft.com/office/drawing/2014/main" id="{C3281AC1-12FA-4321-9290-F3FD9C085409}"/>
-              </a:ext>
-            </a:extLst>
-          </p:cNvPr>
-          <p:cNvSpPr>
-            <a:spLocks noGrp="1"/>
-          </p:cNvSpPr>
-          <p:nvPr>
-            <p:ph type="pic" sz="quarter" idx="15"/>
-          </p:nvPr>
-        </p:nvSpPr>
-        <p:spPr/>
-      </p:sp>
-    </p:spTree>
-    <p:extLst>
-      <p:ext uri="{BB962C8B-B14F-4D97-AF65-F5344CB8AC3E}">
-        <p14:creationId xmlns:p14="http://schemas.microsoft.com/office/powerpoint/2010/main" val="3964713026"/>
-      </p:ext>
-    </p:extLst>
-  </p:cSld>
-  <p:clrMapOvr>
-    <a:masterClrMapping/>
-  </p:clrMapOvr>
-  <p:transition>
-    <p:fade/>
-  </p:transition>
-</p:sld>
-</file>
-
-<file path=ppt/slides/slide16.xml><?xml version="1.0" encoding="utf-8"?>
-<p:sld xmlns:a="http://schemas.openxmlformats.org/drawingml/2006/main" xmlns:r="http://schemas.openxmlformats.org/officeDocument/2006/relationships" xmlns:p="http://schemas.openxmlformats.org/presentationml/2006/main">
-  <p:cSld>
-    <p:spTree>
-      <p:nvGrpSpPr>
-        <p:cNvPr id="1" name=""/>
-        <p:cNvGrpSpPr/>
-        <p:nvPr/>
-      </p:nvGrpSpPr>
-      <p:grpSpPr>
-        <a:xfrm>
-          <a:off x="0" y="0"/>
-          <a:ext cx="0" cy="0"/>
-          <a:chOff x="0" y="0"/>
-          <a:chExt cx="0" cy="0"/>
-        </a:xfrm>
-      </p:grpSpPr>
-      <p:sp>
-        <p:nvSpPr>
-          <p:cNvPr id="7" name="Title 6">
-            <a:extLst>
-              <a:ext uri="{FF2B5EF4-FFF2-40B4-BE49-F238E27FC236}">
-                <a16:creationId xmlns:a16="http://schemas.microsoft.com/office/drawing/2014/main" id="{A4E6FC63-1669-41F3-A9A6-39B6FB141690}"/>
-              </a:ext>
-            </a:extLst>
-          </p:cNvPr>
-          <p:cNvSpPr>
-            <a:spLocks noGrp="1"/>
-          </p:cNvSpPr>
-          <p:nvPr>
-            <p:ph type="title"/>
-          </p:nvPr>
-        </p:nvSpPr>
-        <p:spPr>
-          <a:xfrm>
-            <a:off x="588263" y="457200"/>
-            <a:ext cx="11018520" cy="553998"/>
-          </a:xfrm>
-        </p:spPr>
-        <p:txBody>
-          <a:bodyPr/>
-          <a:lstStyle/>
-          <a:p>
-            <a:r>
-              <a:rPr lang="en-US" dirty="0"/>
-              <a:t>Four photos layout</a:t>
-            </a:r>
-          </a:p>
-        </p:txBody>
-      </p:sp>
-      <p:sp>
-        <p:nvSpPr>
-          <p:cNvPr id="11" name="Text Placeholder 10">
-            <a:extLst>
-              <a:ext uri="{FF2B5EF4-FFF2-40B4-BE49-F238E27FC236}">
-                <a16:creationId xmlns:a16="http://schemas.microsoft.com/office/drawing/2014/main" id="{A209D23C-50F2-48D6-BAA7-3B9D6572CD44}"/>
-              </a:ext>
-            </a:extLst>
-          </p:cNvPr>
-          <p:cNvSpPr>
-            <a:spLocks noGrp="1"/>
-          </p:cNvSpPr>
-          <p:nvPr>
-            <p:ph type="body" sz="quarter" idx="16"/>
-          </p:nvPr>
-        </p:nvSpPr>
-        <p:spPr>
-          <a:xfrm>
-            <a:off x="582613" y="4753938"/>
-            <a:ext cx="2532888" cy="307777"/>
-          </a:xfrm>
-        </p:spPr>
-        <p:txBody>
-          <a:bodyPr/>
-          <a:lstStyle/>
-          <a:p>
-            <a:r>
-              <a:rPr lang="en-US" dirty="0"/>
-              <a:t>Text placeholder</a:t>
-            </a:r>
-          </a:p>
-        </p:txBody>
-      </p:sp>
-      <p:sp>
-        <p:nvSpPr>
-          <p:cNvPr id="8" name="Picture Placeholder 7" descr="This photo is a 'placeholder' only. Drag or drop your photo here, or click and tap the center to insert a photo.">
-            <a:extLst>
-              <a:ext uri="{FF2B5EF4-FFF2-40B4-BE49-F238E27FC236}">
-                <a16:creationId xmlns:a16="http://schemas.microsoft.com/office/drawing/2014/main" id="{CB9E5AC9-345E-4231-A0B1-CA5FC2605BC1}"/>
-              </a:ext>
-            </a:extLst>
-          </p:cNvPr>
-          <p:cNvSpPr>
-            <a:spLocks noGrp="1"/>
-          </p:cNvSpPr>
-          <p:nvPr>
-            <p:ph type="pic" sz="quarter" idx="13"/>
-          </p:nvPr>
-        </p:nvSpPr>
-        <p:spPr/>
-      </p:sp>
-      <p:sp>
-        <p:nvSpPr>
-          <p:cNvPr id="12" name="Text Placeholder 11">
-            <a:extLst>
-              <a:ext uri="{FF2B5EF4-FFF2-40B4-BE49-F238E27FC236}">
-                <a16:creationId xmlns:a16="http://schemas.microsoft.com/office/drawing/2014/main" id="{92F542C4-C40B-41ED-B136-472CCC2DF00E}"/>
-              </a:ext>
-            </a:extLst>
-          </p:cNvPr>
-          <p:cNvSpPr>
-            <a:spLocks noGrp="1"/>
-          </p:cNvSpPr>
-          <p:nvPr>
-            <p:ph type="body" sz="quarter" idx="17"/>
-          </p:nvPr>
-        </p:nvSpPr>
-        <p:spPr>
-          <a:xfrm>
-            <a:off x="3413908" y="4753938"/>
-            <a:ext cx="2532888" cy="307777"/>
-          </a:xfrm>
-        </p:spPr>
-        <p:txBody>
-          <a:bodyPr/>
-          <a:lstStyle/>
-          <a:p>
-            <a:r>
-              <a:rPr lang="en-US" dirty="0"/>
-              <a:t>Text placeholder</a:t>
-            </a:r>
-          </a:p>
-        </p:txBody>
-      </p:sp>
-      <p:sp>
-        <p:nvSpPr>
-          <p:cNvPr id="9" name="Picture Placeholder 8" descr="This photo is a 'placeholder' only. Drag or drop your photo here, or click and tap the center to insert a photo.">
-            <a:extLst>
-              <a:ext uri="{FF2B5EF4-FFF2-40B4-BE49-F238E27FC236}">
-                <a16:creationId xmlns:a16="http://schemas.microsoft.com/office/drawing/2014/main" id="{D5125A72-F156-43CC-A8E4-C1D71612492F}"/>
-              </a:ext>
-            </a:extLst>
-          </p:cNvPr>
-          <p:cNvSpPr>
-            <a:spLocks noGrp="1"/>
-          </p:cNvSpPr>
-          <p:nvPr>
-            <p:ph type="pic" sz="quarter" idx="14"/>
-          </p:nvPr>
-        </p:nvSpPr>
-        <p:spPr/>
-      </p:sp>
-      <p:sp>
-        <p:nvSpPr>
-          <p:cNvPr id="13" name="Text Placeholder 12">
-            <a:extLst>
-              <a:ext uri="{FF2B5EF4-FFF2-40B4-BE49-F238E27FC236}">
-                <a16:creationId xmlns:a16="http://schemas.microsoft.com/office/drawing/2014/main" id="{B43BB8B0-C02C-44E6-A828-FE52984E9278}"/>
-              </a:ext>
-            </a:extLst>
-          </p:cNvPr>
-          <p:cNvSpPr>
-            <a:spLocks noGrp="1"/>
-          </p:cNvSpPr>
-          <p:nvPr>
-            <p:ph type="body" sz="quarter" idx="18"/>
-          </p:nvPr>
-        </p:nvSpPr>
-        <p:spPr>
-          <a:xfrm>
-            <a:off x="6245204" y="4753938"/>
-            <a:ext cx="2532888" cy="307777"/>
-          </a:xfrm>
-        </p:spPr>
-        <p:txBody>
-          <a:bodyPr/>
-          <a:lstStyle/>
-          <a:p>
-            <a:r>
-              <a:rPr lang="en-US" dirty="0"/>
-              <a:t>Text placeholder</a:t>
-            </a:r>
-          </a:p>
-        </p:txBody>
-      </p:sp>
-      <p:sp>
-        <p:nvSpPr>
-          <p:cNvPr id="10" name="Picture Placeholder 9" descr="This photo is a 'placeholder' only. Drag or drop your photo here, or click and tap the center to insert a photo.">
-            <a:extLst>
-              <a:ext uri="{FF2B5EF4-FFF2-40B4-BE49-F238E27FC236}">
-                <a16:creationId xmlns:a16="http://schemas.microsoft.com/office/drawing/2014/main" id="{3183C00D-DE72-42D6-B0F6-E0FC1CAC99CF}"/>
-              </a:ext>
-            </a:extLst>
-          </p:cNvPr>
-          <p:cNvSpPr>
-            <a:spLocks noGrp="1"/>
-          </p:cNvSpPr>
-          <p:nvPr>
-            <p:ph type="pic" sz="quarter" idx="15"/>
-          </p:nvPr>
-        </p:nvSpPr>
-        <p:spPr/>
-      </p:sp>
-      <p:sp>
-        <p:nvSpPr>
-          <p:cNvPr id="15" name="Text Placeholder 14">
-            <a:extLst>
-              <a:ext uri="{FF2B5EF4-FFF2-40B4-BE49-F238E27FC236}">
-                <a16:creationId xmlns:a16="http://schemas.microsoft.com/office/drawing/2014/main" id="{4A98B624-6FA8-4859-B87B-A01D7E95DB26}"/>
-              </a:ext>
-            </a:extLst>
-          </p:cNvPr>
-          <p:cNvSpPr>
-            <a:spLocks noGrp="1"/>
-          </p:cNvSpPr>
-          <p:nvPr>
-            <p:ph type="body" sz="quarter" idx="20"/>
-          </p:nvPr>
-        </p:nvSpPr>
-        <p:spPr>
-          <a:xfrm>
-            <a:off x="9076500" y="4753938"/>
-            <a:ext cx="2532888" cy="307777"/>
-          </a:xfrm>
-        </p:spPr>
-        <p:txBody>
-          <a:bodyPr/>
-          <a:lstStyle/>
-          <a:p>
-            <a:r>
-              <a:rPr lang="en-US" dirty="0"/>
-              <a:t>Text placeholder</a:t>
-            </a:r>
-          </a:p>
-        </p:txBody>
-      </p:sp>
-      <p:sp>
-        <p:nvSpPr>
-          <p:cNvPr id="14" name="Picture Placeholder 13" descr="This photo is a 'placeholder' only. Drag or drop your photo here, or click and tap the center to insert a photo.">
-            <a:extLst>
-              <a:ext uri="{FF2B5EF4-FFF2-40B4-BE49-F238E27FC236}">
-                <a16:creationId xmlns:a16="http://schemas.microsoft.com/office/drawing/2014/main" id="{CF615145-50B1-4694-973A-724322B099D6}"/>
-              </a:ext>
-            </a:extLst>
-          </p:cNvPr>
-          <p:cNvSpPr>
-            <a:spLocks noGrp="1"/>
-          </p:cNvSpPr>
-          <p:nvPr>
-            <p:ph type="pic" sz="quarter" idx="19"/>
-          </p:nvPr>
-        </p:nvSpPr>
-        <p:spPr/>
-      </p:sp>
-    </p:spTree>
-    <p:extLst>
-      <p:ext uri="{BB962C8B-B14F-4D97-AF65-F5344CB8AC3E}">
-        <p14:creationId xmlns:p14="http://schemas.microsoft.com/office/powerpoint/2010/main" val="2504275049"/>
-      </p:ext>
-    </p:extLst>
-  </p:cSld>
-  <p:clrMapOvr>
-    <a:masterClrMapping/>
-  </p:clrMapOvr>
-  <p:transition>
-    <p:fade/>
-  </p:transition>
-</p:sld>
-</file>
-
 <file path=ppt/slides/slide17.xml><?xml version="1.0" encoding="utf-8"?>
 <p:sld xmlns:a="http://schemas.openxmlformats.org/drawingml/2006/main" xmlns:r="http://schemas.openxmlformats.org/officeDocument/2006/relationships" xmlns:p="http://schemas.openxmlformats.org/presentationml/2006/main">
   <p:cSld>
@@ -15869,10 +15777,10 @@
       </p:grpSpPr>
       <p:sp>
         <p:nvSpPr>
-          <p:cNvPr id="2" name="Title 1">
+          <p:cNvPr id="8" name="Title 7">
             <a:extLst>
               <a:ext uri="{FF2B5EF4-FFF2-40B4-BE49-F238E27FC236}">
-                <a16:creationId xmlns:a16="http://schemas.microsoft.com/office/drawing/2014/main" id="{4FE98B5C-48BE-4909-9F4A-A4186BB35065}"/>
+                <a16:creationId xmlns:a16="http://schemas.microsoft.com/office/drawing/2014/main" id="{D18A1E48-C74E-4B7C-95F4-2342DAC963A9}"/>
               </a:ext>
             </a:extLst>
           </p:cNvPr>
@@ -15885,8 +15793,8 @@
         </p:nvSpPr>
         <p:spPr>
           <a:xfrm>
-            <a:off x="588263" y="5436128"/>
-            <a:ext cx="11018520" cy="553998"/>
+            <a:off x="588263" y="588963"/>
+            <a:ext cx="4158362" cy="2535236"/>
           </a:xfrm>
         </p:spPr>
         <p:txBody>
@@ -15895,17 +15803,50 @@
           <a:p>
             <a:r>
               <a:rPr lang="en-US" dirty="0"/>
-              <a:t>Top photo with Title</a:t>
+              <a:t>Title square photo layout</a:t>
             </a:r>
           </a:p>
         </p:txBody>
       </p:sp>
       <p:sp>
         <p:nvSpPr>
-          <p:cNvPr id="3" name="Picture Placeholder 2" descr="This photo is a 'placeholder' only. Drag or drop your photo here, or click and tap the center to insert a photo.">
+          <p:cNvPr id="3" name="Text Placeholder 2">
             <a:extLst>
               <a:ext uri="{FF2B5EF4-FFF2-40B4-BE49-F238E27FC236}">
-                <a16:creationId xmlns:a16="http://schemas.microsoft.com/office/drawing/2014/main" id="{3E53C251-F0C1-4DAA-BF3B-F3E1C6002804}"/>
+                <a16:creationId xmlns:a16="http://schemas.microsoft.com/office/drawing/2014/main" id="{EB03E4EA-274B-4BE4-9A52-00B5B2697A08}"/>
+              </a:ext>
+            </a:extLst>
+          </p:cNvPr>
+          <p:cNvSpPr>
+            <a:spLocks noGrp="1"/>
+          </p:cNvSpPr>
+          <p:nvPr>
+            <p:ph type="body" sz="quarter" idx="10"/>
+          </p:nvPr>
+        </p:nvSpPr>
+        <p:spPr>
+          <a:xfrm>
+            <a:off x="584200" y="3535540"/>
+            <a:ext cx="4162425" cy="2733497"/>
+          </a:xfrm>
+        </p:spPr>
+        <p:txBody>
+          <a:bodyPr/>
+          <a:lstStyle/>
+          <a:p>
+            <a:r>
+              <a:rPr lang="en-US" dirty="0"/>
+              <a:t>Smaller text</a:t>
+            </a:r>
+          </a:p>
+        </p:txBody>
+      </p:sp>
+      <p:sp>
+        <p:nvSpPr>
+          <p:cNvPr id="6" name="Picture Placeholder 5" descr="This photo is a 'placeholder' only. Drag or drop your photo here, or click and tap the center to insert a photo.">
+            <a:extLst>
+              <a:ext uri="{FF2B5EF4-FFF2-40B4-BE49-F238E27FC236}">
+                <a16:creationId xmlns:a16="http://schemas.microsoft.com/office/drawing/2014/main" id="{90EC379E-CA6F-458B-BB1A-FE53731504E9}"/>
               </a:ext>
             </a:extLst>
           </p:cNvPr>
@@ -15921,7 +15862,7 @@
     </p:spTree>
     <p:extLst>
       <p:ext uri="{BB962C8B-B14F-4D97-AF65-F5344CB8AC3E}">
-        <p14:creationId xmlns:p14="http://schemas.microsoft.com/office/powerpoint/2010/main" val="544100002"/>
+        <p14:creationId xmlns:p14="http://schemas.microsoft.com/office/powerpoint/2010/main" val="1490695021"/>
       </p:ext>
     </p:extLst>
   </p:cSld>
@@ -15953,6 +15894,944 @@
       </p:grpSpPr>
       <p:sp>
         <p:nvSpPr>
+          <p:cNvPr id="8" name="Title 7">
+            <a:extLst>
+              <a:ext uri="{FF2B5EF4-FFF2-40B4-BE49-F238E27FC236}">
+                <a16:creationId xmlns:a16="http://schemas.microsoft.com/office/drawing/2014/main" id="{D18A1E48-C74E-4B7C-95F4-2342DAC963A9}"/>
+              </a:ext>
+            </a:extLst>
+          </p:cNvPr>
+          <p:cNvSpPr>
+            <a:spLocks noGrp="1"/>
+          </p:cNvSpPr>
+          <p:nvPr>
+            <p:ph type="title"/>
+          </p:nvPr>
+        </p:nvSpPr>
+        <p:spPr/>
+        <p:txBody>
+          <a:bodyPr/>
+          <a:lstStyle/>
+          <a:p>
+            <a:r>
+              <a:rPr lang="en-US" dirty="0"/>
+              <a:t>Square photo layout </a:t>
+            </a:r>
+          </a:p>
+        </p:txBody>
+      </p:sp>
+      <p:sp>
+        <p:nvSpPr>
+          <p:cNvPr id="2" name="Picture Placeholder 1" descr="This photo is a 'placeholder' only. Drag or drop your photo here, or click and tap the center to insert a photo.">
+            <a:extLst>
+              <a:ext uri="{FF2B5EF4-FFF2-40B4-BE49-F238E27FC236}">
+                <a16:creationId xmlns:a16="http://schemas.microsoft.com/office/drawing/2014/main" id="{EAE4E439-9990-4EB5-BA7C-DB1E71AEDCD9}"/>
+              </a:ext>
+            </a:extLst>
+          </p:cNvPr>
+          <p:cNvSpPr>
+            <a:spLocks noGrp="1"/>
+          </p:cNvSpPr>
+          <p:nvPr>
+            <p:ph type="pic" sz="quarter" idx="11"/>
+          </p:nvPr>
+        </p:nvSpPr>
+        <p:spPr/>
+      </p:sp>
+    </p:spTree>
+    <p:extLst>
+      <p:ext uri="{BB962C8B-B14F-4D97-AF65-F5344CB8AC3E}">
+        <p14:creationId xmlns:p14="http://schemas.microsoft.com/office/powerpoint/2010/main" val="1811665972"/>
+      </p:ext>
+    </p:extLst>
+  </p:cSld>
+  <p:clrMapOvr>
+    <a:masterClrMapping/>
+  </p:clrMapOvr>
+  <p:transition>
+    <p:fade/>
+  </p:transition>
+</p:sld>
+</file>
+
+<file path=ppt/slides/slide19.xml><?xml version="1.0" encoding="utf-8"?>
+<p:sld xmlns:a="http://schemas.openxmlformats.org/drawingml/2006/main" xmlns:r="http://schemas.openxmlformats.org/officeDocument/2006/relationships" xmlns:p="http://schemas.openxmlformats.org/presentationml/2006/main">
+  <p:cSld>
+    <p:spTree>
+      <p:nvGrpSpPr>
+        <p:cNvPr id="1" name=""/>
+        <p:cNvGrpSpPr/>
+        <p:nvPr/>
+      </p:nvGrpSpPr>
+      <p:grpSpPr>
+        <a:xfrm>
+          <a:off x="0" y="0"/>
+          <a:ext cx="0" cy="0"/>
+          <a:chOff x="0" y="0"/>
+          <a:chExt cx="0" cy="0"/>
+        </a:xfrm>
+      </p:grpSpPr>
+      <p:sp>
+        <p:nvSpPr>
+          <p:cNvPr id="8" name="Title 7">
+            <a:extLst>
+              <a:ext uri="{FF2B5EF4-FFF2-40B4-BE49-F238E27FC236}">
+                <a16:creationId xmlns:a16="http://schemas.microsoft.com/office/drawing/2014/main" id="{D18A1E48-C74E-4B7C-95F4-2342DAC963A9}"/>
+              </a:ext>
+            </a:extLst>
+          </p:cNvPr>
+          <p:cNvSpPr>
+            <a:spLocks noGrp="1"/>
+          </p:cNvSpPr>
+          <p:nvPr>
+            <p:ph type="title"/>
+          </p:nvPr>
+        </p:nvSpPr>
+        <p:spPr>
+          <a:xfrm>
+            <a:off x="588263" y="457200"/>
+            <a:ext cx="11018520" cy="553998"/>
+          </a:xfrm>
+        </p:spPr>
+        <p:txBody>
+          <a:bodyPr/>
+          <a:lstStyle/>
+          <a:p>
+            <a:r>
+              <a:rPr lang="en-US" dirty="0"/>
+              <a:t>Side-by-side photo layout</a:t>
+            </a:r>
+          </a:p>
+        </p:txBody>
+      </p:sp>
+      <p:sp>
+        <p:nvSpPr>
+          <p:cNvPr id="4" name="Text Placeholder 3">
+            <a:extLst>
+              <a:ext uri="{FF2B5EF4-FFF2-40B4-BE49-F238E27FC236}">
+                <a16:creationId xmlns:a16="http://schemas.microsoft.com/office/drawing/2014/main" id="{DBFED5CB-0F60-480C-8DFA-C6BECBE03F8D}"/>
+              </a:ext>
+            </a:extLst>
+          </p:cNvPr>
+          <p:cNvSpPr>
+            <a:spLocks noGrp="1"/>
+          </p:cNvSpPr>
+          <p:nvPr>
+            <p:ph type="body" sz="quarter" idx="16"/>
+          </p:nvPr>
+        </p:nvSpPr>
+        <p:spPr>
+          <a:xfrm>
+            <a:off x="584199" y="5689600"/>
+            <a:ext cx="5367528" cy="307777"/>
+          </a:xfrm>
+        </p:spPr>
+        <p:txBody>
+          <a:bodyPr/>
+          <a:lstStyle/>
+          <a:p>
+            <a:r>
+              <a:rPr lang="en-US" dirty="0"/>
+              <a:t>Text placeholder</a:t>
+            </a:r>
+          </a:p>
+        </p:txBody>
+      </p:sp>
+      <p:sp>
+        <p:nvSpPr>
+          <p:cNvPr id="2" name="Picture Placeholder 1" descr="This photo is a 'placeholder' only. Drag or drop your photo here, or click and tap the center to insert a photo.">
+            <a:extLst>
+              <a:ext uri="{FF2B5EF4-FFF2-40B4-BE49-F238E27FC236}">
+                <a16:creationId xmlns:a16="http://schemas.microsoft.com/office/drawing/2014/main" id="{AE18F87B-97E7-4FBB-B0C7-4CEB990A7F1B}"/>
+              </a:ext>
+            </a:extLst>
+          </p:cNvPr>
+          <p:cNvSpPr>
+            <a:spLocks noGrp="1"/>
+          </p:cNvSpPr>
+          <p:nvPr>
+            <p:ph type="pic" sz="quarter" idx="13"/>
+          </p:nvPr>
+        </p:nvSpPr>
+        <p:spPr/>
+      </p:sp>
+      <p:sp>
+        <p:nvSpPr>
+          <p:cNvPr id="6" name="Text Placeholder 5">
+            <a:extLst>
+              <a:ext uri="{FF2B5EF4-FFF2-40B4-BE49-F238E27FC236}">
+                <a16:creationId xmlns:a16="http://schemas.microsoft.com/office/drawing/2014/main" id="{1B0E91F6-F618-4448-89FB-05078231BEA7}"/>
+              </a:ext>
+            </a:extLst>
+          </p:cNvPr>
+          <p:cNvSpPr>
+            <a:spLocks noGrp="1"/>
+          </p:cNvSpPr>
+          <p:nvPr>
+            <p:ph type="body" sz="quarter" idx="18"/>
+          </p:nvPr>
+        </p:nvSpPr>
+        <p:spPr>
+          <a:xfrm>
+            <a:off x="6241860" y="5689600"/>
+            <a:ext cx="5367528" cy="307777"/>
+          </a:xfrm>
+        </p:spPr>
+        <p:txBody>
+          <a:bodyPr/>
+          <a:lstStyle/>
+          <a:p>
+            <a:r>
+              <a:rPr lang="en-US" dirty="0"/>
+              <a:t>Text placeholder</a:t>
+            </a:r>
+          </a:p>
+        </p:txBody>
+      </p:sp>
+      <p:sp>
+        <p:nvSpPr>
+          <p:cNvPr id="3" name="Picture Placeholder 2" descr="This photo is a 'placeholder' only. Drag or drop your photo here, or click and tap the center to insert a photo.">
+            <a:extLst>
+              <a:ext uri="{FF2B5EF4-FFF2-40B4-BE49-F238E27FC236}">
+                <a16:creationId xmlns:a16="http://schemas.microsoft.com/office/drawing/2014/main" id="{E16DC59E-65F2-4652-B8B5-10F074366FB7}"/>
+              </a:ext>
+            </a:extLst>
+          </p:cNvPr>
+          <p:cNvSpPr>
+            <a:spLocks noGrp="1"/>
+          </p:cNvSpPr>
+          <p:nvPr>
+            <p:ph type="pic" sz="quarter" idx="15"/>
+          </p:nvPr>
+        </p:nvSpPr>
+        <p:spPr/>
+      </p:sp>
+    </p:spTree>
+    <p:extLst>
+      <p:ext uri="{BB962C8B-B14F-4D97-AF65-F5344CB8AC3E}">
+        <p14:creationId xmlns:p14="http://schemas.microsoft.com/office/powerpoint/2010/main" val="696467548"/>
+      </p:ext>
+    </p:extLst>
+  </p:cSld>
+  <p:clrMapOvr>
+    <a:masterClrMapping/>
+  </p:clrMapOvr>
+  <p:transition>
+    <p:fade/>
+  </p:transition>
+</p:sld>
+</file>
+
+<file path=ppt/slides/slide2.xml><?xml version="1.0" encoding="utf-8"?>
+<p:sld xmlns:a="http://schemas.openxmlformats.org/drawingml/2006/main" xmlns:r="http://schemas.openxmlformats.org/officeDocument/2006/relationships" xmlns:p="http://schemas.openxmlformats.org/presentationml/2006/main">
+  <p:cSld>
+    <p:spTree>
+      <p:nvGrpSpPr>
+        <p:cNvPr id="1" name=""/>
+        <p:cNvGrpSpPr/>
+        <p:nvPr/>
+      </p:nvGrpSpPr>
+      <p:grpSpPr>
+        <a:xfrm>
+          <a:off x="0" y="0"/>
+          <a:ext cx="0" cy="0"/>
+          <a:chOff x="0" y="0"/>
+          <a:chExt cx="0" cy="0"/>
+        </a:xfrm>
+      </p:grpSpPr>
+      <p:sp>
+        <p:nvSpPr>
+          <p:cNvPr id="6" name="Title 5">
+            <a:extLst>
+              <a:ext uri="{FF2B5EF4-FFF2-40B4-BE49-F238E27FC236}">
+                <a16:creationId xmlns:a16="http://schemas.microsoft.com/office/drawing/2014/main" id="{E7BF15BD-001C-49B3-9A01-B39DEDA47564}"/>
+              </a:ext>
+            </a:extLst>
+          </p:cNvPr>
+          <p:cNvSpPr>
+            <a:spLocks noGrp="1"/>
+          </p:cNvSpPr>
+          <p:nvPr>
+            <p:ph type="title"/>
+          </p:nvPr>
+        </p:nvSpPr>
+        <p:spPr>
+          <a:xfrm>
+            <a:off x="585216" y="2309812"/>
+            <a:ext cx="3182027" cy="553998"/>
+          </a:xfrm>
+        </p:spPr>
+        <p:txBody>
+          <a:bodyPr/>
+          <a:lstStyle/>
+          <a:p>
+            <a:r>
+              <a:rPr lang="en-US" dirty="0"/>
+              <a:t>Agenda</a:t>
+            </a:r>
+          </a:p>
+        </p:txBody>
+      </p:sp>
+      <p:sp>
+        <p:nvSpPr>
+          <p:cNvPr id="7" name="Text Placeholder 6">
+            <a:extLst>
+              <a:ext uri="{FF2B5EF4-FFF2-40B4-BE49-F238E27FC236}">
+                <a16:creationId xmlns:a16="http://schemas.microsoft.com/office/drawing/2014/main" id="{61F6BD0B-C4D8-42DE-A3A7-50D8219CE639}"/>
+              </a:ext>
+            </a:extLst>
+          </p:cNvPr>
+          <p:cNvSpPr>
+            <a:spLocks noGrp="1"/>
+          </p:cNvSpPr>
+          <p:nvPr>
+            <p:ph type="body" sz="quarter" idx="11"/>
+          </p:nvPr>
+        </p:nvSpPr>
+        <p:spPr>
+          <a:xfrm>
+            <a:off x="4354523" y="2309812"/>
+            <a:ext cx="7254865" cy="2289858"/>
+          </a:xfrm>
+        </p:spPr>
+        <p:txBody>
+          <a:bodyPr/>
+          <a:lstStyle/>
+          <a:p>
+            <a:r>
+              <a:rPr lang="en-IE" dirty="0"/>
+              <a:t>Introduction</a:t>
+            </a:r>
+          </a:p>
+          <a:p>
+            <a:r>
+              <a:rPr lang="en-US" dirty="0"/>
+              <a:t>Brief overview</a:t>
+            </a:r>
+          </a:p>
+          <a:p>
+            <a:r>
+              <a:rPr lang="en-US" dirty="0"/>
+              <a:t>Step by Step</a:t>
+            </a:r>
+          </a:p>
+          <a:p>
+            <a:r>
+              <a:rPr lang="en-US" dirty="0" err="1"/>
+              <a:t>QnA</a:t>
+            </a:r>
+            <a:endParaRPr lang="en-IE" dirty="0"/>
+          </a:p>
+        </p:txBody>
+      </p:sp>
+    </p:spTree>
+    <p:extLst>
+      <p:ext uri="{BB962C8B-B14F-4D97-AF65-F5344CB8AC3E}">
+        <p14:creationId xmlns:p14="http://schemas.microsoft.com/office/powerpoint/2010/main" val="4178565498"/>
+      </p:ext>
+    </p:extLst>
+  </p:cSld>
+  <p:clrMapOvr>
+    <a:masterClrMapping/>
+  </p:clrMapOvr>
+  <p:transition>
+    <p:fade/>
+  </p:transition>
+</p:sld>
+</file>
+
+<file path=ppt/slides/slide20.xml><?xml version="1.0" encoding="utf-8"?>
+<p:sld xmlns:a="http://schemas.openxmlformats.org/drawingml/2006/main" xmlns:r="http://schemas.openxmlformats.org/officeDocument/2006/relationships" xmlns:p="http://schemas.openxmlformats.org/presentationml/2006/main">
+  <p:cSld>
+    <p:spTree>
+      <p:nvGrpSpPr>
+        <p:cNvPr id="1" name=""/>
+        <p:cNvGrpSpPr/>
+        <p:nvPr/>
+      </p:nvGrpSpPr>
+      <p:grpSpPr>
+        <a:xfrm>
+          <a:off x="0" y="0"/>
+          <a:ext cx="0" cy="0"/>
+          <a:chOff x="0" y="0"/>
+          <a:chExt cx="0" cy="0"/>
+        </a:xfrm>
+      </p:grpSpPr>
+      <p:sp>
+        <p:nvSpPr>
+          <p:cNvPr id="7" name="Title 6">
+            <a:extLst>
+              <a:ext uri="{FF2B5EF4-FFF2-40B4-BE49-F238E27FC236}">
+                <a16:creationId xmlns:a16="http://schemas.microsoft.com/office/drawing/2014/main" id="{9BB51B6F-A6B6-4C5C-87D8-20DB1C857613}"/>
+              </a:ext>
+            </a:extLst>
+          </p:cNvPr>
+          <p:cNvSpPr>
+            <a:spLocks noGrp="1"/>
+          </p:cNvSpPr>
+          <p:nvPr>
+            <p:ph type="title"/>
+          </p:nvPr>
+        </p:nvSpPr>
+        <p:spPr>
+          <a:xfrm>
+            <a:off x="588263" y="457200"/>
+            <a:ext cx="11018520" cy="553998"/>
+          </a:xfrm>
+        </p:spPr>
+        <p:txBody>
+          <a:bodyPr/>
+          <a:lstStyle/>
+          <a:p>
+            <a:r>
+              <a:rPr lang="en-US" dirty="0"/>
+              <a:t>Three photos layout</a:t>
+            </a:r>
+          </a:p>
+        </p:txBody>
+      </p:sp>
+      <p:sp>
+        <p:nvSpPr>
+          <p:cNvPr id="11" name="Text Placeholder 10">
+            <a:extLst>
+              <a:ext uri="{FF2B5EF4-FFF2-40B4-BE49-F238E27FC236}">
+                <a16:creationId xmlns:a16="http://schemas.microsoft.com/office/drawing/2014/main" id="{0CF24D87-8BE8-48F5-A782-AABCF1702CF5}"/>
+              </a:ext>
+            </a:extLst>
+          </p:cNvPr>
+          <p:cNvSpPr>
+            <a:spLocks noGrp="1"/>
+          </p:cNvSpPr>
+          <p:nvPr>
+            <p:ph type="body" sz="quarter" idx="16"/>
+          </p:nvPr>
+        </p:nvSpPr>
+        <p:spPr>
+          <a:xfrm>
+            <a:off x="582613" y="5689600"/>
+            <a:ext cx="3475037" cy="307777"/>
+          </a:xfrm>
+        </p:spPr>
+        <p:txBody>
+          <a:bodyPr/>
+          <a:lstStyle/>
+          <a:p>
+            <a:r>
+              <a:rPr lang="en-US" dirty="0"/>
+              <a:t>Text placeholder</a:t>
+            </a:r>
+          </a:p>
+        </p:txBody>
+      </p:sp>
+      <p:sp>
+        <p:nvSpPr>
+          <p:cNvPr id="8" name="Picture Placeholder 7" descr="This photo is a 'placeholder' only. Drag or drop your photo here, or click and tap the center to insert a photo.">
+            <a:extLst>
+              <a:ext uri="{FF2B5EF4-FFF2-40B4-BE49-F238E27FC236}">
+                <a16:creationId xmlns:a16="http://schemas.microsoft.com/office/drawing/2014/main" id="{6B56B57A-5CF7-448F-BC81-137D7A82A0EC}"/>
+              </a:ext>
+            </a:extLst>
+          </p:cNvPr>
+          <p:cNvSpPr>
+            <a:spLocks noGrp="1"/>
+          </p:cNvSpPr>
+          <p:nvPr>
+            <p:ph type="pic" sz="quarter" idx="13"/>
+          </p:nvPr>
+        </p:nvSpPr>
+        <p:spPr/>
+      </p:sp>
+      <p:sp>
+        <p:nvSpPr>
+          <p:cNvPr id="12" name="Text Placeholder 11">
+            <a:extLst>
+              <a:ext uri="{FF2B5EF4-FFF2-40B4-BE49-F238E27FC236}">
+                <a16:creationId xmlns:a16="http://schemas.microsoft.com/office/drawing/2014/main" id="{42466CB0-8E3A-4B11-BE5B-DB09D902EB09}"/>
+              </a:ext>
+            </a:extLst>
+          </p:cNvPr>
+          <p:cNvSpPr>
+            <a:spLocks noGrp="1"/>
+          </p:cNvSpPr>
+          <p:nvPr>
+            <p:ph type="body" sz="quarter" idx="17"/>
+          </p:nvPr>
+        </p:nvSpPr>
+        <p:spPr>
+          <a:xfrm>
+            <a:off x="4358640" y="5689600"/>
+            <a:ext cx="3475037" cy="307777"/>
+          </a:xfrm>
+        </p:spPr>
+        <p:txBody>
+          <a:bodyPr/>
+          <a:lstStyle/>
+          <a:p>
+            <a:r>
+              <a:rPr lang="en-US" dirty="0"/>
+              <a:t>Text placeholder</a:t>
+            </a:r>
+          </a:p>
+        </p:txBody>
+      </p:sp>
+      <p:sp>
+        <p:nvSpPr>
+          <p:cNvPr id="9" name="Picture Placeholder 8" descr="This photo is a 'placeholder' only. Drag or drop your photo here, or click and tap the center to insert a photo.">
+            <a:extLst>
+              <a:ext uri="{FF2B5EF4-FFF2-40B4-BE49-F238E27FC236}">
+                <a16:creationId xmlns:a16="http://schemas.microsoft.com/office/drawing/2014/main" id="{A078E6D4-B91A-431C-8C2F-A6FD9891FF29}"/>
+              </a:ext>
+            </a:extLst>
+          </p:cNvPr>
+          <p:cNvSpPr>
+            <a:spLocks noGrp="1"/>
+          </p:cNvSpPr>
+          <p:nvPr>
+            <p:ph type="pic" sz="quarter" idx="14"/>
+          </p:nvPr>
+        </p:nvSpPr>
+        <p:spPr/>
+      </p:sp>
+      <p:sp>
+        <p:nvSpPr>
+          <p:cNvPr id="13" name="Text Placeholder 12">
+            <a:extLst>
+              <a:ext uri="{FF2B5EF4-FFF2-40B4-BE49-F238E27FC236}">
+                <a16:creationId xmlns:a16="http://schemas.microsoft.com/office/drawing/2014/main" id="{062B81A3-15C0-4615-9103-E530FFE58E9B}"/>
+              </a:ext>
+            </a:extLst>
+          </p:cNvPr>
+          <p:cNvSpPr>
+            <a:spLocks noGrp="1"/>
+          </p:cNvSpPr>
+          <p:nvPr>
+            <p:ph type="body" sz="quarter" idx="18"/>
+          </p:nvPr>
+        </p:nvSpPr>
+        <p:spPr>
+          <a:xfrm>
+            <a:off x="8134351" y="5689600"/>
+            <a:ext cx="3475037" cy="307777"/>
+          </a:xfrm>
+        </p:spPr>
+        <p:txBody>
+          <a:bodyPr/>
+          <a:lstStyle/>
+          <a:p>
+            <a:r>
+              <a:rPr lang="en-US" dirty="0"/>
+              <a:t>Text placeholder</a:t>
+            </a:r>
+          </a:p>
+        </p:txBody>
+      </p:sp>
+      <p:sp>
+        <p:nvSpPr>
+          <p:cNvPr id="10" name="Picture Placeholder 9" descr="This photo is a 'placeholder' only. Drag or drop your photo here, or click and tap the center to insert a photo.">
+            <a:extLst>
+              <a:ext uri="{FF2B5EF4-FFF2-40B4-BE49-F238E27FC236}">
+                <a16:creationId xmlns:a16="http://schemas.microsoft.com/office/drawing/2014/main" id="{C3281AC1-12FA-4321-9290-F3FD9C085409}"/>
+              </a:ext>
+            </a:extLst>
+          </p:cNvPr>
+          <p:cNvSpPr>
+            <a:spLocks noGrp="1"/>
+          </p:cNvSpPr>
+          <p:nvPr>
+            <p:ph type="pic" sz="quarter" idx="15"/>
+          </p:nvPr>
+        </p:nvSpPr>
+        <p:spPr/>
+      </p:sp>
+    </p:spTree>
+    <p:extLst>
+      <p:ext uri="{BB962C8B-B14F-4D97-AF65-F5344CB8AC3E}">
+        <p14:creationId xmlns:p14="http://schemas.microsoft.com/office/powerpoint/2010/main" val="3964713026"/>
+      </p:ext>
+    </p:extLst>
+  </p:cSld>
+  <p:clrMapOvr>
+    <a:masterClrMapping/>
+  </p:clrMapOvr>
+  <p:transition>
+    <p:fade/>
+  </p:transition>
+</p:sld>
+</file>
+
+<file path=ppt/slides/slide21.xml><?xml version="1.0" encoding="utf-8"?>
+<p:sld xmlns:a="http://schemas.openxmlformats.org/drawingml/2006/main" xmlns:r="http://schemas.openxmlformats.org/officeDocument/2006/relationships" xmlns:p="http://schemas.openxmlformats.org/presentationml/2006/main">
+  <p:cSld>
+    <p:spTree>
+      <p:nvGrpSpPr>
+        <p:cNvPr id="1" name=""/>
+        <p:cNvGrpSpPr/>
+        <p:nvPr/>
+      </p:nvGrpSpPr>
+      <p:grpSpPr>
+        <a:xfrm>
+          <a:off x="0" y="0"/>
+          <a:ext cx="0" cy="0"/>
+          <a:chOff x="0" y="0"/>
+          <a:chExt cx="0" cy="0"/>
+        </a:xfrm>
+      </p:grpSpPr>
+      <p:sp>
+        <p:nvSpPr>
+          <p:cNvPr id="7" name="Title 6">
+            <a:extLst>
+              <a:ext uri="{FF2B5EF4-FFF2-40B4-BE49-F238E27FC236}">
+                <a16:creationId xmlns:a16="http://schemas.microsoft.com/office/drawing/2014/main" id="{A4E6FC63-1669-41F3-A9A6-39B6FB141690}"/>
+              </a:ext>
+            </a:extLst>
+          </p:cNvPr>
+          <p:cNvSpPr>
+            <a:spLocks noGrp="1"/>
+          </p:cNvSpPr>
+          <p:nvPr>
+            <p:ph type="title"/>
+          </p:nvPr>
+        </p:nvSpPr>
+        <p:spPr>
+          <a:xfrm>
+            <a:off x="588263" y="457200"/>
+            <a:ext cx="11018520" cy="553998"/>
+          </a:xfrm>
+        </p:spPr>
+        <p:txBody>
+          <a:bodyPr/>
+          <a:lstStyle/>
+          <a:p>
+            <a:r>
+              <a:rPr lang="en-US" dirty="0"/>
+              <a:t>Four photos layout</a:t>
+            </a:r>
+          </a:p>
+        </p:txBody>
+      </p:sp>
+      <p:sp>
+        <p:nvSpPr>
+          <p:cNvPr id="11" name="Text Placeholder 10">
+            <a:extLst>
+              <a:ext uri="{FF2B5EF4-FFF2-40B4-BE49-F238E27FC236}">
+                <a16:creationId xmlns:a16="http://schemas.microsoft.com/office/drawing/2014/main" id="{A209D23C-50F2-48D6-BAA7-3B9D6572CD44}"/>
+              </a:ext>
+            </a:extLst>
+          </p:cNvPr>
+          <p:cNvSpPr>
+            <a:spLocks noGrp="1"/>
+          </p:cNvSpPr>
+          <p:nvPr>
+            <p:ph type="body" sz="quarter" idx="16"/>
+          </p:nvPr>
+        </p:nvSpPr>
+        <p:spPr>
+          <a:xfrm>
+            <a:off x="582613" y="4753938"/>
+            <a:ext cx="2532888" cy="307777"/>
+          </a:xfrm>
+        </p:spPr>
+        <p:txBody>
+          <a:bodyPr/>
+          <a:lstStyle/>
+          <a:p>
+            <a:r>
+              <a:rPr lang="en-US" dirty="0"/>
+              <a:t>Text placeholder</a:t>
+            </a:r>
+          </a:p>
+        </p:txBody>
+      </p:sp>
+      <p:sp>
+        <p:nvSpPr>
+          <p:cNvPr id="8" name="Picture Placeholder 7" descr="This photo is a 'placeholder' only. Drag or drop your photo here, or click and tap the center to insert a photo.">
+            <a:extLst>
+              <a:ext uri="{FF2B5EF4-FFF2-40B4-BE49-F238E27FC236}">
+                <a16:creationId xmlns:a16="http://schemas.microsoft.com/office/drawing/2014/main" id="{CB9E5AC9-345E-4231-A0B1-CA5FC2605BC1}"/>
+              </a:ext>
+            </a:extLst>
+          </p:cNvPr>
+          <p:cNvSpPr>
+            <a:spLocks noGrp="1"/>
+          </p:cNvSpPr>
+          <p:nvPr>
+            <p:ph type="pic" sz="quarter" idx="13"/>
+          </p:nvPr>
+        </p:nvSpPr>
+        <p:spPr/>
+      </p:sp>
+      <p:sp>
+        <p:nvSpPr>
+          <p:cNvPr id="12" name="Text Placeholder 11">
+            <a:extLst>
+              <a:ext uri="{FF2B5EF4-FFF2-40B4-BE49-F238E27FC236}">
+                <a16:creationId xmlns:a16="http://schemas.microsoft.com/office/drawing/2014/main" id="{92F542C4-C40B-41ED-B136-472CCC2DF00E}"/>
+              </a:ext>
+            </a:extLst>
+          </p:cNvPr>
+          <p:cNvSpPr>
+            <a:spLocks noGrp="1"/>
+          </p:cNvSpPr>
+          <p:nvPr>
+            <p:ph type="body" sz="quarter" idx="17"/>
+          </p:nvPr>
+        </p:nvSpPr>
+        <p:spPr>
+          <a:xfrm>
+            <a:off x="3413908" y="4753938"/>
+            <a:ext cx="2532888" cy="307777"/>
+          </a:xfrm>
+        </p:spPr>
+        <p:txBody>
+          <a:bodyPr/>
+          <a:lstStyle/>
+          <a:p>
+            <a:r>
+              <a:rPr lang="en-US" dirty="0"/>
+              <a:t>Text placeholder</a:t>
+            </a:r>
+          </a:p>
+        </p:txBody>
+      </p:sp>
+      <p:sp>
+        <p:nvSpPr>
+          <p:cNvPr id="9" name="Picture Placeholder 8" descr="This photo is a 'placeholder' only. Drag or drop your photo here, or click and tap the center to insert a photo.">
+            <a:extLst>
+              <a:ext uri="{FF2B5EF4-FFF2-40B4-BE49-F238E27FC236}">
+                <a16:creationId xmlns:a16="http://schemas.microsoft.com/office/drawing/2014/main" id="{D5125A72-F156-43CC-A8E4-C1D71612492F}"/>
+              </a:ext>
+            </a:extLst>
+          </p:cNvPr>
+          <p:cNvSpPr>
+            <a:spLocks noGrp="1"/>
+          </p:cNvSpPr>
+          <p:nvPr>
+            <p:ph type="pic" sz="quarter" idx="14"/>
+          </p:nvPr>
+        </p:nvSpPr>
+        <p:spPr/>
+      </p:sp>
+      <p:sp>
+        <p:nvSpPr>
+          <p:cNvPr id="13" name="Text Placeholder 12">
+            <a:extLst>
+              <a:ext uri="{FF2B5EF4-FFF2-40B4-BE49-F238E27FC236}">
+                <a16:creationId xmlns:a16="http://schemas.microsoft.com/office/drawing/2014/main" id="{B43BB8B0-C02C-44E6-A828-FE52984E9278}"/>
+              </a:ext>
+            </a:extLst>
+          </p:cNvPr>
+          <p:cNvSpPr>
+            <a:spLocks noGrp="1"/>
+          </p:cNvSpPr>
+          <p:nvPr>
+            <p:ph type="body" sz="quarter" idx="18"/>
+          </p:nvPr>
+        </p:nvSpPr>
+        <p:spPr>
+          <a:xfrm>
+            <a:off x="6245204" y="4753938"/>
+            <a:ext cx="2532888" cy="307777"/>
+          </a:xfrm>
+        </p:spPr>
+        <p:txBody>
+          <a:bodyPr/>
+          <a:lstStyle/>
+          <a:p>
+            <a:r>
+              <a:rPr lang="en-US" dirty="0"/>
+              <a:t>Text placeholder</a:t>
+            </a:r>
+          </a:p>
+        </p:txBody>
+      </p:sp>
+      <p:sp>
+        <p:nvSpPr>
+          <p:cNvPr id="10" name="Picture Placeholder 9" descr="This photo is a 'placeholder' only. Drag or drop your photo here, or click and tap the center to insert a photo.">
+            <a:extLst>
+              <a:ext uri="{FF2B5EF4-FFF2-40B4-BE49-F238E27FC236}">
+                <a16:creationId xmlns:a16="http://schemas.microsoft.com/office/drawing/2014/main" id="{3183C00D-DE72-42D6-B0F6-E0FC1CAC99CF}"/>
+              </a:ext>
+            </a:extLst>
+          </p:cNvPr>
+          <p:cNvSpPr>
+            <a:spLocks noGrp="1"/>
+          </p:cNvSpPr>
+          <p:nvPr>
+            <p:ph type="pic" sz="quarter" idx="15"/>
+          </p:nvPr>
+        </p:nvSpPr>
+        <p:spPr/>
+      </p:sp>
+      <p:sp>
+        <p:nvSpPr>
+          <p:cNvPr id="15" name="Text Placeholder 14">
+            <a:extLst>
+              <a:ext uri="{FF2B5EF4-FFF2-40B4-BE49-F238E27FC236}">
+                <a16:creationId xmlns:a16="http://schemas.microsoft.com/office/drawing/2014/main" id="{4A98B624-6FA8-4859-B87B-A01D7E95DB26}"/>
+              </a:ext>
+            </a:extLst>
+          </p:cNvPr>
+          <p:cNvSpPr>
+            <a:spLocks noGrp="1"/>
+          </p:cNvSpPr>
+          <p:nvPr>
+            <p:ph type="body" sz="quarter" idx="20"/>
+          </p:nvPr>
+        </p:nvSpPr>
+        <p:spPr>
+          <a:xfrm>
+            <a:off x="9076500" y="4753938"/>
+            <a:ext cx="2532888" cy="307777"/>
+          </a:xfrm>
+        </p:spPr>
+        <p:txBody>
+          <a:bodyPr/>
+          <a:lstStyle/>
+          <a:p>
+            <a:r>
+              <a:rPr lang="en-US" dirty="0"/>
+              <a:t>Text placeholder</a:t>
+            </a:r>
+          </a:p>
+        </p:txBody>
+      </p:sp>
+      <p:sp>
+        <p:nvSpPr>
+          <p:cNvPr id="14" name="Picture Placeholder 13" descr="This photo is a 'placeholder' only. Drag or drop your photo here, or click and tap the center to insert a photo.">
+            <a:extLst>
+              <a:ext uri="{FF2B5EF4-FFF2-40B4-BE49-F238E27FC236}">
+                <a16:creationId xmlns:a16="http://schemas.microsoft.com/office/drawing/2014/main" id="{CF615145-50B1-4694-973A-724322B099D6}"/>
+              </a:ext>
+            </a:extLst>
+          </p:cNvPr>
+          <p:cNvSpPr>
+            <a:spLocks noGrp="1"/>
+          </p:cNvSpPr>
+          <p:nvPr>
+            <p:ph type="pic" sz="quarter" idx="19"/>
+          </p:nvPr>
+        </p:nvSpPr>
+        <p:spPr/>
+      </p:sp>
+    </p:spTree>
+    <p:extLst>
+      <p:ext uri="{BB962C8B-B14F-4D97-AF65-F5344CB8AC3E}">
+        <p14:creationId xmlns:p14="http://schemas.microsoft.com/office/powerpoint/2010/main" val="2504275049"/>
+      </p:ext>
+    </p:extLst>
+  </p:cSld>
+  <p:clrMapOvr>
+    <a:masterClrMapping/>
+  </p:clrMapOvr>
+  <p:transition>
+    <p:fade/>
+  </p:transition>
+</p:sld>
+</file>
+
+<file path=ppt/slides/slide22.xml><?xml version="1.0" encoding="utf-8"?>
+<p:sld xmlns:a="http://schemas.openxmlformats.org/drawingml/2006/main" xmlns:r="http://schemas.openxmlformats.org/officeDocument/2006/relationships" xmlns:p="http://schemas.openxmlformats.org/presentationml/2006/main">
+  <p:cSld>
+    <p:spTree>
+      <p:nvGrpSpPr>
+        <p:cNvPr id="1" name=""/>
+        <p:cNvGrpSpPr/>
+        <p:nvPr/>
+      </p:nvGrpSpPr>
+      <p:grpSpPr>
+        <a:xfrm>
+          <a:off x="0" y="0"/>
+          <a:ext cx="0" cy="0"/>
+          <a:chOff x="0" y="0"/>
+          <a:chExt cx="0" cy="0"/>
+        </a:xfrm>
+      </p:grpSpPr>
+      <p:sp>
+        <p:nvSpPr>
+          <p:cNvPr id="2" name="Title 1">
+            <a:extLst>
+              <a:ext uri="{FF2B5EF4-FFF2-40B4-BE49-F238E27FC236}">
+                <a16:creationId xmlns:a16="http://schemas.microsoft.com/office/drawing/2014/main" id="{4FE98B5C-48BE-4909-9F4A-A4186BB35065}"/>
+              </a:ext>
+            </a:extLst>
+          </p:cNvPr>
+          <p:cNvSpPr>
+            <a:spLocks noGrp="1"/>
+          </p:cNvSpPr>
+          <p:nvPr>
+            <p:ph type="title"/>
+          </p:nvPr>
+        </p:nvSpPr>
+        <p:spPr>
+          <a:xfrm>
+            <a:off x="588263" y="5436128"/>
+            <a:ext cx="11018520" cy="553998"/>
+          </a:xfrm>
+        </p:spPr>
+        <p:txBody>
+          <a:bodyPr/>
+          <a:lstStyle/>
+          <a:p>
+            <a:r>
+              <a:rPr lang="en-US" dirty="0"/>
+              <a:t>Top photo with Title</a:t>
+            </a:r>
+          </a:p>
+        </p:txBody>
+      </p:sp>
+      <p:sp>
+        <p:nvSpPr>
+          <p:cNvPr id="3" name="Picture Placeholder 2" descr="This photo is a 'placeholder' only. Drag or drop your photo here, or click and tap the center to insert a photo.">
+            <a:extLst>
+              <a:ext uri="{FF2B5EF4-FFF2-40B4-BE49-F238E27FC236}">
+                <a16:creationId xmlns:a16="http://schemas.microsoft.com/office/drawing/2014/main" id="{3E53C251-F0C1-4DAA-BF3B-F3E1C6002804}"/>
+              </a:ext>
+            </a:extLst>
+          </p:cNvPr>
+          <p:cNvSpPr>
+            <a:spLocks noGrp="1"/>
+          </p:cNvSpPr>
+          <p:nvPr>
+            <p:ph type="pic" sz="quarter" idx="11"/>
+          </p:nvPr>
+        </p:nvSpPr>
+        <p:spPr/>
+      </p:sp>
+    </p:spTree>
+    <p:extLst>
+      <p:ext uri="{BB962C8B-B14F-4D97-AF65-F5344CB8AC3E}">
+        <p14:creationId xmlns:p14="http://schemas.microsoft.com/office/powerpoint/2010/main" val="544100002"/>
+      </p:ext>
+    </p:extLst>
+  </p:cSld>
+  <p:clrMapOvr>
+    <a:masterClrMapping/>
+  </p:clrMapOvr>
+  <p:transition>
+    <p:fade/>
+  </p:transition>
+</p:sld>
+</file>
+
+<file path=ppt/slides/slide23.xml><?xml version="1.0" encoding="utf-8"?>
+<p:sld xmlns:a="http://schemas.openxmlformats.org/drawingml/2006/main" xmlns:r="http://schemas.openxmlformats.org/officeDocument/2006/relationships" xmlns:p="http://schemas.openxmlformats.org/presentationml/2006/main">
+  <p:cSld>
+    <p:spTree>
+      <p:nvGrpSpPr>
+        <p:cNvPr id="1" name=""/>
+        <p:cNvGrpSpPr/>
+        <p:nvPr/>
+      </p:nvGrpSpPr>
+      <p:grpSpPr>
+        <a:xfrm>
+          <a:off x="0" y="0"/>
+          <a:ext cx="0" cy="0"/>
+          <a:chOff x="0" y="0"/>
+          <a:chExt cx="0" cy="0"/>
+        </a:xfrm>
+      </p:grpSpPr>
+      <p:sp>
+        <p:nvSpPr>
           <p:cNvPr id="2" name="Picture Placeholder 1" descr="This photo is a 'placeholder' only. Drag or drop your photo here, or click and tap the center to insert a photo.">
             <a:extLst>
               <a:ext uri="{FF2B5EF4-FFF2-40B4-BE49-F238E27FC236}">
@@ -16020,7 +16899,7 @@
 </p:sld>
 </file>
 
-<file path=ppt/slides/slide19.xml><?xml version="1.0" encoding="utf-8"?>
+<file path=ppt/slides/slide24.xml><?xml version="1.0" encoding="utf-8"?>
 <p:sld xmlns:a="http://schemas.openxmlformats.org/drawingml/2006/main" xmlns:r="http://schemas.openxmlformats.org/officeDocument/2006/relationships" xmlns:p="http://schemas.openxmlformats.org/presentationml/2006/main">
   <p:cSld>
     <p:spTree>
@@ -17581,125 +18460,7 @@
 </p:sld>
 </file>
 
-<file path=ppt/slides/slide2.xml><?xml version="1.0" encoding="utf-8"?>
-<p:sld xmlns:a="http://schemas.openxmlformats.org/drawingml/2006/main" xmlns:r="http://schemas.openxmlformats.org/officeDocument/2006/relationships" xmlns:p="http://schemas.openxmlformats.org/presentationml/2006/main">
-  <p:cSld>
-    <p:spTree>
-      <p:nvGrpSpPr>
-        <p:cNvPr id="1" name=""/>
-        <p:cNvGrpSpPr/>
-        <p:nvPr/>
-      </p:nvGrpSpPr>
-      <p:grpSpPr>
-        <a:xfrm>
-          <a:off x="0" y="0"/>
-          <a:ext cx="0" cy="0"/>
-          <a:chOff x="0" y="0"/>
-          <a:chExt cx="0" cy="0"/>
-        </a:xfrm>
-      </p:grpSpPr>
-      <p:sp>
-        <p:nvSpPr>
-          <p:cNvPr id="6" name="Title 5">
-            <a:extLst>
-              <a:ext uri="{FF2B5EF4-FFF2-40B4-BE49-F238E27FC236}">
-                <a16:creationId xmlns:a16="http://schemas.microsoft.com/office/drawing/2014/main" id="{E7BF15BD-001C-49B3-9A01-B39DEDA47564}"/>
-              </a:ext>
-            </a:extLst>
-          </p:cNvPr>
-          <p:cNvSpPr>
-            <a:spLocks noGrp="1"/>
-          </p:cNvSpPr>
-          <p:nvPr>
-            <p:ph type="title"/>
-          </p:nvPr>
-        </p:nvSpPr>
-        <p:spPr>
-          <a:xfrm>
-            <a:off x="585216" y="2309812"/>
-            <a:ext cx="3182027" cy="553998"/>
-          </a:xfrm>
-        </p:spPr>
-        <p:txBody>
-          <a:bodyPr/>
-          <a:lstStyle/>
-          <a:p>
-            <a:r>
-              <a:rPr lang="en-US" dirty="0"/>
-              <a:t>Agenda</a:t>
-            </a:r>
-          </a:p>
-        </p:txBody>
-      </p:sp>
-      <p:sp>
-        <p:nvSpPr>
-          <p:cNvPr id="7" name="Text Placeholder 6">
-            <a:extLst>
-              <a:ext uri="{FF2B5EF4-FFF2-40B4-BE49-F238E27FC236}">
-                <a16:creationId xmlns:a16="http://schemas.microsoft.com/office/drawing/2014/main" id="{61F6BD0B-C4D8-42DE-A3A7-50D8219CE639}"/>
-              </a:ext>
-            </a:extLst>
-          </p:cNvPr>
-          <p:cNvSpPr>
-            <a:spLocks noGrp="1"/>
-          </p:cNvSpPr>
-          <p:nvPr>
-            <p:ph type="body" sz="quarter" idx="11"/>
-          </p:nvPr>
-        </p:nvSpPr>
-        <p:spPr>
-          <a:xfrm>
-            <a:off x="4354523" y="2309812"/>
-            <a:ext cx="7254865" cy="2289858"/>
-          </a:xfrm>
-        </p:spPr>
-        <p:txBody>
-          <a:bodyPr/>
-          <a:lstStyle/>
-          <a:p>
-            <a:r>
-              <a:rPr lang="en-IE" dirty="0"/>
-              <a:t>Introduction</a:t>
-            </a:r>
-          </a:p>
-          <a:p>
-            <a:r>
-              <a:rPr lang="en-US" dirty="0"/>
-              <a:t>Brief overview</a:t>
-            </a:r>
-          </a:p>
-          <a:p>
-            <a:r>
-              <a:rPr lang="en-US" dirty="0"/>
-              <a:t>Step by Step</a:t>
-            </a:r>
-          </a:p>
-          <a:p>
-            <a:r>
-              <a:rPr lang="en-US" dirty="0" err="1"/>
-              <a:t>QnA</a:t>
-            </a:r>
-            <a:endParaRPr lang="en-IE" dirty="0"/>
-          </a:p>
-        </p:txBody>
-      </p:sp>
-    </p:spTree>
-    <p:extLst>
-      <p:ext uri="{BB962C8B-B14F-4D97-AF65-F5344CB8AC3E}">
-        <p14:creationId xmlns:p14="http://schemas.microsoft.com/office/powerpoint/2010/main" val="4178565498"/>
-      </p:ext>
-    </p:extLst>
-  </p:cSld>
-  <p:clrMapOvr>
-    <a:masterClrMapping/>
-  </p:clrMapOvr>
-  <p:transition>
-    <p:fade/>
-  </p:transition>
-</p:sld>
-</file>
-
-<file path=ppt/slides/slide20.xml><?xml version="1.0" encoding="utf-8"?>
+<file path=ppt/slides/slide25.xml><?xml version="1.0" encoding="utf-8"?>
 <p:sld xmlns:a="http://schemas.openxmlformats.org/drawingml/2006/main" xmlns:r="http://schemas.openxmlformats.org/officeDocument/2006/relationships" xmlns:p="http://schemas.openxmlformats.org/presentationml/2006/main">
   <p:cSld>
     <p:spTree>
@@ -22990,7 +23751,7 @@
 </p:sld>
 </file>
 
-<file path=ppt/slides/slide21.xml><?xml version="1.0" encoding="utf-8"?>
+<file path=ppt/slides/slide26.xml><?xml version="1.0" encoding="utf-8"?>
 <p:sld xmlns:a="http://schemas.openxmlformats.org/drawingml/2006/main" xmlns:r="http://schemas.openxmlformats.org/officeDocument/2006/relationships" xmlns:p="http://schemas.openxmlformats.org/presentationml/2006/main">
   <p:cSld>
     <p:spTree>
@@ -27191,7 +27952,7 @@
 </p:sld>
 </file>
 
-<file path=ppt/slides/slide22.xml><?xml version="1.0" encoding="utf-8"?>
+<file path=ppt/slides/slide27.xml><?xml version="1.0" encoding="utf-8"?>
 <p:sld xmlns:a="http://schemas.openxmlformats.org/drawingml/2006/main" xmlns:r="http://schemas.openxmlformats.org/officeDocument/2006/relationships" xmlns:p="http://schemas.openxmlformats.org/presentationml/2006/main">
   <p:cSld>
     <p:spTree>
@@ -27575,7 +28336,7 @@
 </p:sld>
 </file>
 
-<file path=ppt/slides/slide23.xml><?xml version="1.0" encoding="utf-8"?>
+<file path=ppt/slides/slide28.xml><?xml version="1.0" encoding="utf-8"?>
 <p:sld xmlns:a="http://schemas.openxmlformats.org/drawingml/2006/main" xmlns:r="http://schemas.openxmlformats.org/officeDocument/2006/relationships" xmlns:p="http://schemas.openxmlformats.org/presentationml/2006/main">
   <p:cSld>
     <p:spTree>
@@ -27875,7 +28636,7 @@
 </p:sld>
 </file>
 
-<file path=ppt/slides/slide24.xml><?xml version="1.0" encoding="utf-8"?>
+<file path=ppt/slides/slide29.xml><?xml version="1.0" encoding="utf-8"?>
 <p:sld xmlns:a="http://schemas.openxmlformats.org/drawingml/2006/main" xmlns:r="http://schemas.openxmlformats.org/officeDocument/2006/relationships" xmlns:p="http://schemas.openxmlformats.org/presentationml/2006/main">
   <p:cSld>
     <p:spTree>
@@ -27952,7 +28713,7 @@
 </p:sld>
 </file>
 
-<file path=ppt/slides/slide25.xml><?xml version="1.0" encoding="utf-8"?>
+<file path=ppt/slides/slide3.xml><?xml version="1.0" encoding="utf-8"?>
 <p:sld xmlns:a="http://schemas.openxmlformats.org/drawingml/2006/main" xmlns:r="http://schemas.openxmlformats.org/officeDocument/2006/relationships" xmlns:p="http://schemas.openxmlformats.org/presentationml/2006/main">
   <p:cSld>
     <p:spTree>
@@ -27971,6 +28732,89 @@
       </p:grpSpPr>
       <p:sp>
         <p:nvSpPr>
+          <p:cNvPr id="2" name="Title 1">
+            <a:extLst>
+              <a:ext uri="{FF2B5EF4-FFF2-40B4-BE49-F238E27FC236}">
+                <a16:creationId xmlns:a16="http://schemas.microsoft.com/office/drawing/2014/main" id="{C2928543-45E8-EC57-35D4-F3383C7AC633}"/>
+              </a:ext>
+            </a:extLst>
+          </p:cNvPr>
+          <p:cNvSpPr>
+            <a:spLocks noGrp="1"/>
+          </p:cNvSpPr>
+          <p:nvPr>
+            <p:ph type="title"/>
+          </p:nvPr>
+        </p:nvSpPr>
+        <p:spPr/>
+        <p:txBody>
+          <a:bodyPr/>
+          <a:lstStyle/>
+          <a:p>
+            <a:endParaRPr lang="en-US"/>
+          </a:p>
+        </p:txBody>
+      </p:sp>
+      <p:sp>
+        <p:nvSpPr>
+          <p:cNvPr id="3" name="Content Placeholder 2">
+            <a:extLst>
+              <a:ext uri="{FF2B5EF4-FFF2-40B4-BE49-F238E27FC236}">
+                <a16:creationId xmlns:a16="http://schemas.microsoft.com/office/drawing/2014/main" id="{DF7B6E14-BC1F-87A8-7A74-E16F2F79C06B}"/>
+              </a:ext>
+            </a:extLst>
+          </p:cNvPr>
+          <p:cNvSpPr>
+            <a:spLocks noGrp="1"/>
+          </p:cNvSpPr>
+          <p:nvPr>
+            <p:ph sz="quarter" idx="10"/>
+          </p:nvPr>
+        </p:nvSpPr>
+        <p:spPr/>
+        <p:txBody>
+          <a:bodyPr/>
+          <a:lstStyle/>
+          <a:p>
+            <a:endParaRPr lang="en-US"/>
+          </a:p>
+        </p:txBody>
+      </p:sp>
+    </p:spTree>
+    <p:extLst>
+      <p:ext uri="{BB962C8B-B14F-4D97-AF65-F5344CB8AC3E}">
+        <p14:creationId xmlns:p14="http://schemas.microsoft.com/office/powerpoint/2010/main" val="1776889194"/>
+      </p:ext>
+    </p:extLst>
+  </p:cSld>
+  <p:clrMapOvr>
+    <a:masterClrMapping/>
+  </p:clrMapOvr>
+  <p:transition>
+    <p:fade/>
+  </p:transition>
+</p:sld>
+</file>
+
+<file path=ppt/slides/slide30.xml><?xml version="1.0" encoding="utf-8"?>
+<p:sld xmlns:a="http://schemas.openxmlformats.org/drawingml/2006/main" xmlns:r="http://schemas.openxmlformats.org/officeDocument/2006/relationships" xmlns:p="http://schemas.openxmlformats.org/presentationml/2006/main">
+  <p:cSld>
+    <p:spTree>
+      <p:nvGrpSpPr>
+        <p:cNvPr id="1" name=""/>
+        <p:cNvGrpSpPr/>
+        <p:nvPr/>
+      </p:nvGrpSpPr>
+      <p:grpSpPr>
+        <a:xfrm>
+          <a:off x="0" y="0"/>
+          <a:ext cx="0" cy="0"/>
+          <a:chOff x="0" y="0"/>
+          <a:chExt cx="0" cy="0"/>
+        </a:xfrm>
+      </p:grpSpPr>
+      <p:sp>
+        <p:nvSpPr>
           <p:cNvPr id="2" name="Title 1"/>
           <p:cNvSpPr>
             <a:spLocks noGrp="1"/>
@@ -28007,7 +28851,7 @@
 </p:sld>
 </file>
 
-<file path=ppt/slides/slide26.xml><?xml version="1.0" encoding="utf-8"?>
+<file path=ppt/slides/slide31.xml><?xml version="1.0" encoding="utf-8"?>
 <p:sld xmlns:a="http://schemas.openxmlformats.org/drawingml/2006/main" xmlns:r="http://schemas.openxmlformats.org/officeDocument/2006/relationships" xmlns:p="http://schemas.openxmlformats.org/presentationml/2006/main">
   <p:cSld>
     <p:spTree>
@@ -28084,7 +28928,7 @@
 </p:sld>
 </file>
 
-<file path=ppt/slides/slide27.xml><?xml version="1.0" encoding="utf-8"?>
+<file path=ppt/slides/slide32.xml><?xml version="1.0" encoding="utf-8"?>
 <p:sld xmlns:a="http://schemas.openxmlformats.org/drawingml/2006/main" xmlns:r="http://schemas.openxmlformats.org/officeDocument/2006/relationships" xmlns:p="http://schemas.openxmlformats.org/presentationml/2006/main" show="0">
   <p:cSld>
     <p:spTree>
@@ -28189,7 +29033,7 @@
 </p:sld>
 </file>
 
-<file path=ppt/slides/slide28.xml><?xml version="1.0" encoding="utf-8"?>
+<file path=ppt/slides/slide33.xml><?xml version="1.0" encoding="utf-8"?>
 <p:sld xmlns:a="http://schemas.openxmlformats.org/drawingml/2006/main" xmlns:r="http://schemas.openxmlformats.org/officeDocument/2006/relationships" xmlns:p="http://schemas.openxmlformats.org/presentationml/2006/main">
   <p:cSld>
     <p:spTree>
@@ -28222,89 +29066,6 @@
 </p:sld>
 </file>
 
-<file path=ppt/slides/slide3.xml><?xml version="1.0" encoding="utf-8"?>
-<p:sld xmlns:a="http://schemas.openxmlformats.org/drawingml/2006/main" xmlns:r="http://schemas.openxmlformats.org/officeDocument/2006/relationships" xmlns:p="http://schemas.openxmlformats.org/presentationml/2006/main">
-  <p:cSld>
-    <p:spTree>
-      <p:nvGrpSpPr>
-        <p:cNvPr id="1" name=""/>
-        <p:cNvGrpSpPr/>
-        <p:nvPr/>
-      </p:nvGrpSpPr>
-      <p:grpSpPr>
-        <a:xfrm>
-          <a:off x="0" y="0"/>
-          <a:ext cx="0" cy="0"/>
-          <a:chOff x="0" y="0"/>
-          <a:chExt cx="0" cy="0"/>
-        </a:xfrm>
-      </p:grpSpPr>
-      <p:sp>
-        <p:nvSpPr>
-          <p:cNvPr id="2" name="Title 1">
-            <a:extLst>
-              <a:ext uri="{FF2B5EF4-FFF2-40B4-BE49-F238E27FC236}">
-                <a16:creationId xmlns:a16="http://schemas.microsoft.com/office/drawing/2014/main" id="{C2928543-45E8-EC57-35D4-F3383C7AC633}"/>
-              </a:ext>
-            </a:extLst>
-          </p:cNvPr>
-          <p:cNvSpPr>
-            <a:spLocks noGrp="1"/>
-          </p:cNvSpPr>
-          <p:nvPr>
-            <p:ph type="title"/>
-          </p:nvPr>
-        </p:nvSpPr>
-        <p:spPr/>
-        <p:txBody>
-          <a:bodyPr/>
-          <a:lstStyle/>
-          <a:p>
-            <a:endParaRPr lang="en-US"/>
-          </a:p>
-        </p:txBody>
-      </p:sp>
-      <p:sp>
-        <p:nvSpPr>
-          <p:cNvPr id="3" name="Content Placeholder 2">
-            <a:extLst>
-              <a:ext uri="{FF2B5EF4-FFF2-40B4-BE49-F238E27FC236}">
-                <a16:creationId xmlns:a16="http://schemas.microsoft.com/office/drawing/2014/main" id="{DF7B6E14-BC1F-87A8-7A74-E16F2F79C06B}"/>
-              </a:ext>
-            </a:extLst>
-          </p:cNvPr>
-          <p:cNvSpPr>
-            <a:spLocks noGrp="1"/>
-          </p:cNvSpPr>
-          <p:nvPr>
-            <p:ph sz="quarter" idx="10"/>
-          </p:nvPr>
-        </p:nvSpPr>
-        <p:spPr/>
-        <p:txBody>
-          <a:bodyPr/>
-          <a:lstStyle/>
-          <a:p>
-            <a:endParaRPr lang="en-US"/>
-          </a:p>
-        </p:txBody>
-      </p:sp>
-    </p:spTree>
-    <p:extLst>
-      <p:ext uri="{BB962C8B-B14F-4D97-AF65-F5344CB8AC3E}">
-        <p14:creationId xmlns:p14="http://schemas.microsoft.com/office/powerpoint/2010/main" val="1776889194"/>
-      </p:ext>
-    </p:extLst>
-  </p:cSld>
-  <p:clrMapOvr>
-    <a:masterClrMapping/>
-  </p:clrMapOvr>
-  <p:transition>
-    <p:fade/>
-  </p:transition>
-</p:sld>
-</file>
-
 <file path=ppt/slides/slide4.xml><?xml version="1.0" encoding="utf-8"?>
 <p:sld xmlns:a="http://schemas.openxmlformats.org/drawingml/2006/main" xmlns:r="http://schemas.openxmlformats.org/officeDocument/2006/relationships" xmlns:p="http://schemas.openxmlformats.org/presentationml/2006/main">
   <p:cSld>
@@ -28338,9 +29099,16 @@
             <p:ph type="title"/>
           </p:nvPr>
         </p:nvSpPr>
-        <p:spPr/>
+        <p:spPr>
+          <a:xfrm>
+            <a:off x="588263" y="2979738"/>
+            <a:ext cx="4163125" cy="3289300"/>
+          </a:xfrm>
+        </p:spPr>
         <p:txBody>
-          <a:bodyPr/>
+          <a:bodyPr wrap="square" anchor="t">
+            <a:normAutofit/>
+          </a:bodyPr>
           <a:lstStyle/>
           <a:p>
             <a:r>
@@ -28373,12 +29141,13 @@
         </p:blipFill>
         <p:spPr>
           <a:xfrm>
-            <a:off x="4133707" y="0"/>
-            <a:ext cx="8058293" cy="6714007"/>
+            <a:off x="4298155" y="121761"/>
+            <a:ext cx="7771027" cy="6469380"/>
           </a:xfrm>
           <a:prstGeom prst="rect">
             <a:avLst/>
           </a:prstGeom>
+          <a:noFill/>
         </p:spPr>
       </p:pic>
     </p:spTree>
@@ -28416,10 +29185,10 @@
       </p:grpSpPr>
       <p:sp>
         <p:nvSpPr>
-          <p:cNvPr id="4" name="Title 3">
+          <p:cNvPr id="2" name="Title 1">
             <a:extLst>
               <a:ext uri="{FF2B5EF4-FFF2-40B4-BE49-F238E27FC236}">
-                <a16:creationId xmlns:a16="http://schemas.microsoft.com/office/drawing/2014/main" id="{352A8B8F-8492-0F68-6060-DD520FD70EFD}"/>
+                <a16:creationId xmlns:a16="http://schemas.microsoft.com/office/drawing/2014/main" id="{4FE0C4C5-CEF4-BA39-FB92-290D39A938A0}"/>
               </a:ext>
             </a:extLst>
           </p:cNvPr>
@@ -28432,134 +29201,58 @@
         </p:nvSpPr>
         <p:spPr>
           <a:xfrm>
-            <a:off x="584518" y="311963"/>
-            <a:ext cx="11018520" cy="553998"/>
+            <a:off x="431100" y="2046288"/>
+            <a:ext cx="4158362" cy="2535236"/>
           </a:xfrm>
         </p:spPr>
         <p:txBody>
-          <a:bodyPr/>
+          <a:bodyPr wrap="square" anchor="ctr">
+            <a:normAutofit/>
+          </a:bodyPr>
           <a:lstStyle/>
           <a:p>
             <a:r>
               <a:rPr lang="en-IE" dirty="0"/>
-              <a:t>Getting Latest file</a:t>
-            </a:r>
-            <a:endParaRPr lang="en-US" dirty="0"/>
+              <a:t>Azure Sponsorship</a:t>
+            </a:r>
           </a:p>
         </p:txBody>
       </p:sp>
-      <p:sp>
-        <p:nvSpPr>
-          <p:cNvPr id="5" name="Content Placeholder 4">
+      <p:pic>
+        <p:nvPicPr>
+          <p:cNvPr id="5" name="Picture 4">
             <a:extLst>
               <a:ext uri="{FF2B5EF4-FFF2-40B4-BE49-F238E27FC236}">
-                <a16:creationId xmlns:a16="http://schemas.microsoft.com/office/drawing/2014/main" id="{C17EB948-491F-19C6-E074-98324A042144}"/>
+                <a16:creationId xmlns:a16="http://schemas.microsoft.com/office/drawing/2014/main" id="{9F08F132-65F4-F6BA-A1DA-DCA2930AA397}"/>
               </a:ext>
             </a:extLst>
           </p:cNvPr>
-          <p:cNvSpPr>
-            <a:spLocks noGrp="1"/>
-          </p:cNvSpPr>
-          <p:nvPr>
-            <p:ph sz="quarter" idx="10"/>
-          </p:nvPr>
-        </p:nvSpPr>
+          <p:cNvPicPr>
+            <a:picLocks noChangeAspect="1"/>
+          </p:cNvPicPr>
+          <p:nvPr/>
+        </p:nvPicPr>
+        <p:blipFill>
+          <a:blip r:embed="rId2"/>
+          <a:stretch>
+            <a:fillRect/>
+          </a:stretch>
+        </p:blipFill>
         <p:spPr>
           <a:xfrm>
-            <a:off x="584200" y="1012723"/>
-            <a:ext cx="11018838" cy="4198072"/>
+            <a:off x="4798218" y="129301"/>
+            <a:ext cx="7252086" cy="6599397"/>
           </a:xfrm>
+          <a:prstGeom prst="rect">
+            <a:avLst/>
+          </a:prstGeom>
+          <a:noFill/>
         </p:spPr>
-        <p:txBody>
-          <a:bodyPr/>
-          <a:lstStyle/>
-          <a:p>
-            <a:r>
-              <a:rPr lang="en-IE" dirty="0"/>
-              <a:t>Given: list of files </a:t>
-            </a:r>
-            <a:r>
-              <a:rPr lang="en-IE" dirty="0" err="1"/>
-              <a:t>AzureUsage</a:t>
-            </a:r>
-            <a:r>
-              <a:rPr lang="en-IE" dirty="0"/>
-              <a:t> (x).csv pick the latest as a source</a:t>
-            </a:r>
-          </a:p>
-          <a:p>
-            <a:endParaRPr lang="en-IE" dirty="0"/>
-          </a:p>
-          <a:p>
-            <a:r>
-              <a:rPr lang="en-IE" dirty="0"/>
-              <a:t>Solution: </a:t>
-            </a:r>
-          </a:p>
-          <a:p>
-            <a:pPr lvl="1"/>
-            <a:r>
-              <a:rPr lang="en-IE" dirty="0"/>
-              <a:t>Get Data</a:t>
-            </a:r>
-          </a:p>
-          <a:p>
-            <a:pPr lvl="1"/>
-            <a:r>
-              <a:rPr lang="en-IE" dirty="0" err="1"/>
-              <a:t>Sharepoint</a:t>
-            </a:r>
-            <a:r>
-              <a:rPr lang="en-IE" dirty="0"/>
-              <a:t> Folder </a:t>
-            </a:r>
-          </a:p>
-          <a:p>
-            <a:pPr lvl="1"/>
-            <a:r>
-              <a:rPr lang="en-IE" dirty="0"/>
-              <a:t>Text filter -&gt; Starts With -&gt; </a:t>
-            </a:r>
-            <a:r>
-              <a:rPr lang="en-IE" dirty="0" err="1"/>
-              <a:t>AzureUsage</a:t>
-            </a:r>
-            <a:endParaRPr lang="en-IE" dirty="0"/>
-          </a:p>
-          <a:p>
-            <a:pPr lvl="1"/>
-            <a:r>
-              <a:rPr lang="en-IE" dirty="0" err="1"/>
-              <a:t>DateModified</a:t>
-            </a:r>
-            <a:r>
-              <a:rPr lang="en-IE" dirty="0"/>
-              <a:t> -&gt; Date/Time Filter -&gt; Is Latest</a:t>
-            </a:r>
-          </a:p>
-          <a:p>
-            <a:pPr lvl="1"/>
-            <a:r>
-              <a:rPr lang="en-IE" dirty="0"/>
-              <a:t>Click on “Combine Files” button in the left column header</a:t>
-            </a:r>
-          </a:p>
-          <a:p>
-            <a:pPr lvl="1"/>
-            <a:r>
-              <a:rPr lang="en-IE" dirty="0"/>
-              <a:t>Rename the Query</a:t>
-            </a:r>
-          </a:p>
-          <a:p>
-            <a:endParaRPr lang="en-US" dirty="0"/>
-          </a:p>
-        </p:txBody>
-      </p:sp>
+      </p:pic>
     </p:spTree>
     <p:extLst>
       <p:ext uri="{BB962C8B-B14F-4D97-AF65-F5344CB8AC3E}">
-        <p14:creationId xmlns:p14="http://schemas.microsoft.com/office/powerpoint/2010/main" val="3744307599"/>
+        <p14:creationId xmlns:p14="http://schemas.microsoft.com/office/powerpoint/2010/main" val="859113937"/>
       </p:ext>
     </p:extLst>
   </p:cSld>
@@ -28594,7 +29287,7 @@
           <p:cNvPr id="2" name="Title 1">
             <a:extLst>
               <a:ext uri="{FF2B5EF4-FFF2-40B4-BE49-F238E27FC236}">
-                <a16:creationId xmlns:a16="http://schemas.microsoft.com/office/drawing/2014/main" id="{2B582B95-E0E6-1BC0-B4E9-EA12D43E00D4}"/>
+                <a16:creationId xmlns:a16="http://schemas.microsoft.com/office/drawing/2014/main" id="{FE8ACBEA-B52C-8E72-E432-F7623B8B815D}"/>
               </a:ext>
             </a:extLst>
           </p:cNvPr>
@@ -28612,9 +29305,8 @@
           <a:p>
             <a:r>
               <a:rPr lang="en-IE" dirty="0"/>
-              <a:t>Date format</a:t>
-            </a:r>
-            <a:endParaRPr lang="en-US" dirty="0"/>
+              <a:t>Ze Trick</a:t>
+            </a:r>
           </a:p>
         </p:txBody>
       </p:sp>
@@ -28623,7 +29315,7 @@
           <p:cNvPr id="3" name="Content Placeholder 2">
             <a:extLst>
               <a:ext uri="{FF2B5EF4-FFF2-40B4-BE49-F238E27FC236}">
-                <a16:creationId xmlns:a16="http://schemas.microsoft.com/office/drawing/2014/main" id="{A5906A48-2F56-16EB-CE68-417075FD366E}"/>
+                <a16:creationId xmlns:a16="http://schemas.microsoft.com/office/drawing/2014/main" id="{0DA137F4-D049-CFF5-9280-15C3B6660CEA}"/>
               </a:ext>
             </a:extLst>
           </p:cNvPr>
@@ -28636,76 +29328,278 @@
         </p:nvSpPr>
         <p:spPr>
           <a:xfrm>
-            <a:off x="584200" y="1435100"/>
-            <a:ext cx="11018838" cy="3681008"/>
+            <a:off x="519907" y="1258009"/>
+            <a:ext cx="11018838" cy="430887"/>
           </a:xfrm>
         </p:spPr>
         <p:txBody>
           <a:bodyPr/>
           <a:lstStyle/>
           <a:p>
+            <a:pPr marL="0" indent="0">
+              <a:buNone/>
+            </a:pPr>
             <a:r>
               <a:rPr lang="en-IE" dirty="0"/>
-              <a:t>Challenge: </a:t>
-            </a:r>
-          </a:p>
-          <a:p>
-            <a:pPr lvl="1"/>
+              <a:t>When you click Download, mind the little hiding dropdown</a:t>
+            </a:r>
+          </a:p>
+        </p:txBody>
+      </p:sp>
+      <p:pic>
+        <p:nvPicPr>
+          <p:cNvPr id="7" name="Picture 6">
+            <a:extLst>
+              <a:ext uri="{FF2B5EF4-FFF2-40B4-BE49-F238E27FC236}">
+                <a16:creationId xmlns:a16="http://schemas.microsoft.com/office/drawing/2014/main" id="{90B79179-D553-C6F7-47BA-8C650722FF8D}"/>
+              </a:ext>
+            </a:extLst>
+          </p:cNvPr>
+          <p:cNvPicPr>
+            <a:picLocks noChangeAspect="1"/>
+          </p:cNvPicPr>
+          <p:nvPr/>
+        </p:nvPicPr>
+        <p:blipFill>
+          <a:blip r:embed="rId2"/>
+          <a:stretch>
+            <a:fillRect/>
+          </a:stretch>
+        </p:blipFill>
+        <p:spPr>
+          <a:xfrm>
+            <a:off x="2630708" y="1935707"/>
+            <a:ext cx="5884642" cy="2562998"/>
+          </a:xfrm>
+          <a:prstGeom prst="rect">
+            <a:avLst/>
+          </a:prstGeom>
+        </p:spPr>
+      </p:pic>
+      <p:sp>
+        <p:nvSpPr>
+          <p:cNvPr id="10" name="Content Placeholder 2">
+            <a:extLst>
+              <a:ext uri="{FF2B5EF4-FFF2-40B4-BE49-F238E27FC236}">
+                <a16:creationId xmlns:a16="http://schemas.microsoft.com/office/drawing/2014/main" id="{FADA9EF7-73CA-1D5E-6B95-ED7267768C9D}"/>
+              </a:ext>
+            </a:extLst>
+          </p:cNvPr>
+          <p:cNvSpPr txBox="1">
+            <a:spLocks/>
+          </p:cNvSpPr>
+          <p:nvPr/>
+        </p:nvSpPr>
+        <p:spPr>
+          <a:xfrm>
+            <a:off x="379412" y="4909344"/>
+            <a:ext cx="11018838" cy="430887"/>
+          </a:xfrm>
+          <a:prstGeom prst="rect">
+            <a:avLst/>
+          </a:prstGeom>
+        </p:spPr>
+        <p:txBody>
+          <a:bodyPr vert="horz" wrap="square" lIns="0" tIns="0" rIns="0" bIns="0" rtlCol="0">
+            <a:spAutoFit/>
+          </a:bodyPr>
+          <a:lstStyle>
+            <a:lvl1pPr marL="228600" marR="0" indent="-228600" algn="l" defTabSz="932742" rtl="0" eaLnBrk="1" fontAlgn="auto" latinLnBrk="0" hangingPunct="1">
+              <a:lnSpc>
+                <a:spcPct val="100000"/>
+              </a:lnSpc>
+              <a:spcBef>
+                <a:spcPct val="20000"/>
+              </a:spcBef>
+              <a:spcAft>
+                <a:spcPts val="0"/>
+              </a:spcAft>
+              <a:buClrTx/>
+              <a:buSzPct val="90000"/>
+              <a:buFont typeface="Wingdings" panose="05000000000000000000" pitchFamily="2" charset="2"/>
+              <a:buChar char=""/>
+              <a:tabLst/>
+              <a:defRPr sz="2800" kern="1200" spc="0" baseline="0">
+                <a:solidFill>
+                  <a:schemeClr val="tx1"/>
+                </a:solidFill>
+                <a:latin typeface="+mn-lt"/>
+                <a:ea typeface="+mn-ea"/>
+                <a:cs typeface="Segoe UI" panose="020B0502040204020203" pitchFamily="34" charset="0"/>
+              </a:defRPr>
+            </a:lvl1pPr>
+            <a:lvl2pPr marL="457200" marR="0" indent="-228600" algn="l" defTabSz="932742" rtl="0" eaLnBrk="1" fontAlgn="auto" latinLnBrk="0" hangingPunct="1">
+              <a:lnSpc>
+                <a:spcPct val="100000"/>
+              </a:lnSpc>
+              <a:spcBef>
+                <a:spcPct val="20000"/>
+              </a:spcBef>
+              <a:spcAft>
+                <a:spcPts val="0"/>
+              </a:spcAft>
+              <a:buClrTx/>
+              <a:buSzPct val="90000"/>
+              <a:buFont typeface="Wingdings" panose="05000000000000000000" pitchFamily="2" charset="2"/>
+              <a:buChar char=""/>
+              <a:tabLst/>
+              <a:defRPr sz="2000" kern="1200" spc="0" baseline="0">
+                <a:solidFill>
+                  <a:schemeClr val="tx1"/>
+                </a:solidFill>
+                <a:latin typeface="+mn-lt"/>
+                <a:ea typeface="+mn-ea"/>
+                <a:cs typeface="+mn-cs"/>
+              </a:defRPr>
+            </a:lvl2pPr>
+            <a:lvl3pPr marL="657225" marR="0" indent="-200025" algn="l" defTabSz="932742" rtl="0" eaLnBrk="1" fontAlgn="auto" latinLnBrk="0" hangingPunct="1">
+              <a:lnSpc>
+                <a:spcPct val="100000"/>
+              </a:lnSpc>
+              <a:spcBef>
+                <a:spcPct val="20000"/>
+              </a:spcBef>
+              <a:spcAft>
+                <a:spcPts val="0"/>
+              </a:spcAft>
+              <a:buClrTx/>
+              <a:buSzPct val="90000"/>
+              <a:buFont typeface="Wingdings" panose="05000000000000000000" pitchFamily="2" charset="2"/>
+              <a:buChar char=""/>
+              <a:tabLst/>
+              <a:defRPr sz="1600" kern="1200" spc="0" baseline="0">
+                <a:solidFill>
+                  <a:schemeClr val="tx1"/>
+                </a:solidFill>
+                <a:latin typeface="+mn-lt"/>
+                <a:ea typeface="+mn-ea"/>
+                <a:cs typeface="+mn-cs"/>
+              </a:defRPr>
+            </a:lvl3pPr>
+            <a:lvl4pPr marL="842963" marR="0" indent="-180975" algn="l" defTabSz="932742" rtl="0" eaLnBrk="1" fontAlgn="auto" latinLnBrk="0" hangingPunct="1">
+              <a:lnSpc>
+                <a:spcPct val="100000"/>
+              </a:lnSpc>
+              <a:spcBef>
+                <a:spcPct val="20000"/>
+              </a:spcBef>
+              <a:spcAft>
+                <a:spcPts val="0"/>
+              </a:spcAft>
+              <a:buClrTx/>
+              <a:buSzPct val="90000"/>
+              <a:buFont typeface="Wingdings" panose="05000000000000000000" pitchFamily="2" charset="2"/>
+              <a:buChar char=""/>
+              <a:tabLst/>
+              <a:defRPr sz="1400" kern="1200" spc="0" baseline="0">
+                <a:solidFill>
+                  <a:schemeClr val="tx1"/>
+                </a:solidFill>
+                <a:latin typeface="+mn-lt"/>
+                <a:ea typeface="+mn-ea"/>
+                <a:cs typeface="+mn-cs"/>
+              </a:defRPr>
+            </a:lvl4pPr>
+            <a:lvl5pPr marL="1023938" marR="0" indent="-168275" algn="l" defTabSz="932742" rtl="0" eaLnBrk="1" fontAlgn="auto" latinLnBrk="0" hangingPunct="1">
+              <a:lnSpc>
+                <a:spcPct val="100000"/>
+              </a:lnSpc>
+              <a:spcBef>
+                <a:spcPct val="20000"/>
+              </a:spcBef>
+              <a:spcAft>
+                <a:spcPts val="0"/>
+              </a:spcAft>
+              <a:buClrTx/>
+              <a:buSzPct val="90000"/>
+              <a:buFont typeface="Wingdings" panose="05000000000000000000" pitchFamily="2" charset="2"/>
+              <a:buChar char=""/>
+              <a:tabLst/>
+              <a:defRPr sz="1400" kern="1200" spc="0" baseline="0">
+                <a:solidFill>
+                  <a:schemeClr val="tx1"/>
+                </a:solidFill>
+                <a:latin typeface="+mn-lt"/>
+                <a:ea typeface="+mn-ea"/>
+                <a:cs typeface="+mn-cs"/>
+              </a:defRPr>
+            </a:lvl5pPr>
+            <a:lvl6pPr marL="2565040" indent="-233186" algn="l" defTabSz="932742" rtl="0" eaLnBrk="1" latinLnBrk="0" hangingPunct="1">
+              <a:spcBef>
+                <a:spcPct val="20000"/>
+              </a:spcBef>
+              <a:buFont typeface="Arial" pitchFamily="34" charset="0"/>
+              <a:buChar char="•"/>
+              <a:defRPr sz="2000" kern="1200">
+                <a:solidFill>
+                  <a:schemeClr val="tx1"/>
+                </a:solidFill>
+                <a:latin typeface="+mn-lt"/>
+                <a:ea typeface="+mn-ea"/>
+                <a:cs typeface="+mn-cs"/>
+              </a:defRPr>
+            </a:lvl6pPr>
+            <a:lvl7pPr marL="3031412" indent="-233186" algn="l" defTabSz="932742" rtl="0" eaLnBrk="1" latinLnBrk="0" hangingPunct="1">
+              <a:spcBef>
+                <a:spcPct val="20000"/>
+              </a:spcBef>
+              <a:buFont typeface="Arial" pitchFamily="34" charset="0"/>
+              <a:buChar char="•"/>
+              <a:defRPr sz="2000" kern="1200">
+                <a:solidFill>
+                  <a:schemeClr val="tx1"/>
+                </a:solidFill>
+                <a:latin typeface="+mn-lt"/>
+                <a:ea typeface="+mn-ea"/>
+                <a:cs typeface="+mn-cs"/>
+              </a:defRPr>
+            </a:lvl7pPr>
+            <a:lvl8pPr marL="3497783" indent="-233186" algn="l" defTabSz="932742" rtl="0" eaLnBrk="1" latinLnBrk="0" hangingPunct="1">
+              <a:spcBef>
+                <a:spcPct val="20000"/>
+              </a:spcBef>
+              <a:buFont typeface="Arial" pitchFamily="34" charset="0"/>
+              <a:buChar char="•"/>
+              <a:defRPr sz="2000" kern="1200">
+                <a:solidFill>
+                  <a:schemeClr val="tx1"/>
+                </a:solidFill>
+                <a:latin typeface="+mn-lt"/>
+                <a:ea typeface="+mn-ea"/>
+                <a:cs typeface="+mn-cs"/>
+              </a:defRPr>
+            </a:lvl8pPr>
+            <a:lvl9pPr marL="3964155" indent="-233186" algn="l" defTabSz="932742" rtl="0" eaLnBrk="1" latinLnBrk="0" hangingPunct="1">
+              <a:spcBef>
+                <a:spcPct val="20000"/>
+              </a:spcBef>
+              <a:buFont typeface="Arial" pitchFamily="34" charset="0"/>
+              <a:buChar char="•"/>
+              <a:defRPr sz="2000" kern="1200">
+                <a:solidFill>
+                  <a:schemeClr val="tx1"/>
+                </a:solidFill>
+                <a:latin typeface="+mn-lt"/>
+                <a:ea typeface="+mn-ea"/>
+                <a:cs typeface="+mn-cs"/>
+              </a:defRPr>
+            </a:lvl9pPr>
+          </a:lstStyle>
+          <a:p>
+            <a:pPr marL="0" indent="0">
+              <a:buNone/>
+            </a:pPr>
             <a:r>
               <a:rPr lang="en-IE" dirty="0"/>
-              <a:t>Csv file uses MM/DD/YYYY date format whereas most of us using DD/MM/YYYY</a:t>
-            </a:r>
-          </a:p>
-          <a:p>
-            <a:pPr lvl="1"/>
-            <a:endParaRPr lang="en-IE" dirty="0"/>
-          </a:p>
-          <a:p>
-            <a:r>
-              <a:rPr lang="en-IE" dirty="0"/>
-              <a:t>Solution:</a:t>
-            </a:r>
-          </a:p>
-          <a:p>
-            <a:pPr lvl="1"/>
-            <a:r>
-              <a:rPr lang="en-IE" dirty="0"/>
-              <a:t>Split the field by ‘/’ into DD MM and YYYY fields and recombine them to DD/MM/YYYY</a:t>
-            </a:r>
-            <a:endParaRPr lang="en-US" dirty="0"/>
-          </a:p>
-          <a:p>
-            <a:pPr lvl="1"/>
-            <a:endParaRPr lang="en-US" dirty="0"/>
-          </a:p>
-          <a:p>
-            <a:r>
-              <a:rPr lang="en-US" dirty="0" err="1"/>
-              <a:t>PowerQuery</a:t>
-            </a:r>
-            <a:endParaRPr lang="en-US" dirty="0"/>
-          </a:p>
-          <a:p>
-            <a:pPr lvl="1"/>
-            <a:r>
-              <a:rPr lang="en-US" dirty="0"/>
-              <a:t>Transform </a:t>
-            </a:r>
-            <a:r>
-              <a:rPr lang="en-US"/>
-              <a:t>-&gt; Split by ‘/’</a:t>
-            </a:r>
-          </a:p>
-          <a:p>
-            <a:pPr lvl="1"/>
-            <a:endParaRPr lang="en-IE"/>
+              <a:t>Clicking on it will down .csv file with consumption report</a:t>
+            </a:r>
           </a:p>
         </p:txBody>
       </p:sp>
     </p:spTree>
     <p:extLst>
       <p:ext uri="{BB962C8B-B14F-4D97-AF65-F5344CB8AC3E}">
-        <p14:creationId xmlns:p14="http://schemas.microsoft.com/office/powerpoint/2010/main" val="47875129"/>
+        <p14:creationId xmlns:p14="http://schemas.microsoft.com/office/powerpoint/2010/main" val="2187852586"/>
       </p:ext>
     </p:extLst>
   </p:cSld>
@@ -28737,7 +29631,13 @@
       </p:grpSpPr>
       <p:sp>
         <p:nvSpPr>
-          <p:cNvPr id="17" name="Title 16"/>
+          <p:cNvPr id="2" name="Title 1">
+            <a:extLst>
+              <a:ext uri="{FF2B5EF4-FFF2-40B4-BE49-F238E27FC236}">
+                <a16:creationId xmlns:a16="http://schemas.microsoft.com/office/drawing/2014/main" id="{CAC11701-7989-D58B-5E8A-D0D8316AB7B1}"/>
+              </a:ext>
+            </a:extLst>
+          </p:cNvPr>
           <p:cNvSpPr>
             <a:spLocks noGrp="1"/>
           </p:cNvSpPr>
@@ -28750,58 +29650,39 @@
           <a:bodyPr/>
           <a:lstStyle/>
           <a:p>
-            <a:r>
-              <a:rPr lang="en-US" dirty="0"/>
-              <a:t>Text layout (without bullet points)</a:t>
-            </a:r>
+            <a:endParaRPr lang="en-IE"/>
           </a:p>
         </p:txBody>
       </p:sp>
       <p:sp>
         <p:nvSpPr>
-          <p:cNvPr id="6" name="Text Placeholder 5"/>
+          <p:cNvPr id="3" name="Content Placeholder 2">
+            <a:extLst>
+              <a:ext uri="{FF2B5EF4-FFF2-40B4-BE49-F238E27FC236}">
+                <a16:creationId xmlns:a16="http://schemas.microsoft.com/office/drawing/2014/main" id="{765E93E9-CA77-E882-F286-60BD948275D5}"/>
+              </a:ext>
+            </a:extLst>
+          </p:cNvPr>
           <p:cNvSpPr>
             <a:spLocks noGrp="1"/>
           </p:cNvSpPr>
           <p:nvPr>
-            <p:ph type="body" sz="quarter" idx="10"/>
+            <p:ph sz="quarter" idx="10"/>
           </p:nvPr>
         </p:nvSpPr>
-        <p:spPr>
-          <a:xfrm>
-            <a:off x="586390" y="1434370"/>
-            <a:ext cx="11018520" cy="1095685"/>
-          </a:xfrm>
-        </p:spPr>
+        <p:spPr/>
         <p:txBody>
           <a:bodyPr/>
           <a:lstStyle/>
           <a:p>
-            <a:r>
-              <a:rPr lang="en-US" dirty="0"/>
-              <a:t>Main topic: Segoe UI, size 28pt</a:t>
-            </a:r>
-          </a:p>
-          <a:p>
-            <a:pPr lvl="1"/>
-            <a:r>
-              <a:rPr lang="en-US" dirty="0"/>
-              <a:t>Segoe UI, size 20pt for second level</a:t>
-            </a:r>
-          </a:p>
-          <a:p>
-            <a:pPr lvl="2"/>
-            <a:r>
-              <a:rPr lang="en-US" dirty="0"/>
-              <a:t>Segoe UI, size 16pt for third level</a:t>
-            </a:r>
+            <a:endParaRPr lang="en-IE"/>
           </a:p>
         </p:txBody>
       </p:sp>
     </p:spTree>
     <p:extLst>
       <p:ext uri="{BB962C8B-B14F-4D97-AF65-F5344CB8AC3E}">
-        <p14:creationId xmlns:p14="http://schemas.microsoft.com/office/powerpoint/2010/main" val="3957722359"/>
+        <p14:creationId xmlns:p14="http://schemas.microsoft.com/office/powerpoint/2010/main" val="1068423789"/>
       </p:ext>
     </p:extLst>
   </p:cSld>
@@ -28833,7 +29714,13 @@
       </p:grpSpPr>
       <p:sp>
         <p:nvSpPr>
-          <p:cNvPr id="17" name="Title 16"/>
+          <p:cNvPr id="2" name="Title 1">
+            <a:extLst>
+              <a:ext uri="{FF2B5EF4-FFF2-40B4-BE49-F238E27FC236}">
+                <a16:creationId xmlns:a16="http://schemas.microsoft.com/office/drawing/2014/main" id="{EAB90E1E-E890-2B19-F11A-21F1239C866E}"/>
+              </a:ext>
+            </a:extLst>
+          </p:cNvPr>
           <p:cNvSpPr>
             <a:spLocks noGrp="1"/>
           </p:cNvSpPr>
@@ -28846,16 +29733,19 @@
           <a:bodyPr/>
           <a:lstStyle/>
           <a:p>
-            <a:r>
-              <a:rPr lang="en-US" dirty="0"/>
-              <a:t>Text layout with bulleted text</a:t>
-            </a:r>
+            <a:endParaRPr lang="en-IE"/>
           </a:p>
         </p:txBody>
       </p:sp>
       <p:sp>
         <p:nvSpPr>
-          <p:cNvPr id="6" name="Text Placeholder 5"/>
+          <p:cNvPr id="3" name="Content Placeholder 2">
+            <a:extLst>
+              <a:ext uri="{FF2B5EF4-FFF2-40B4-BE49-F238E27FC236}">
+                <a16:creationId xmlns:a16="http://schemas.microsoft.com/office/drawing/2014/main" id="{57AA4781-9FC0-BF15-CA1C-8873F9BAF902}"/>
+              </a:ext>
+            </a:extLst>
+          </p:cNvPr>
           <p:cNvSpPr>
             <a:spLocks noGrp="1"/>
           </p:cNvSpPr>
@@ -28868,31 +29758,14 @@
           <a:bodyPr/>
           <a:lstStyle/>
           <a:p>
-            <a:r>
-              <a:rPr lang="en-US" dirty="0"/>
-              <a:t>Main topic: Segoe UI, size 28pt</a:t>
-            </a:r>
-          </a:p>
-          <a:p>
-            <a:pPr lvl="1"/>
-            <a:r>
-              <a:rPr lang="en-US" dirty="0"/>
-              <a:t>Segoe UI, size 20pt for second level</a:t>
-            </a:r>
-          </a:p>
-          <a:p>
-            <a:pPr lvl="2"/>
-            <a:r>
-              <a:rPr lang="en-US" dirty="0"/>
-              <a:t>Segoe UI, size 16pt for third level</a:t>
-            </a:r>
+            <a:endParaRPr lang="en-IE"/>
           </a:p>
         </p:txBody>
       </p:sp>
     </p:spTree>
     <p:extLst>
       <p:ext uri="{BB962C8B-B14F-4D97-AF65-F5344CB8AC3E}">
-        <p14:creationId xmlns:p14="http://schemas.microsoft.com/office/powerpoint/2010/main" val="1793706927"/>
+        <p14:creationId xmlns:p14="http://schemas.microsoft.com/office/powerpoint/2010/main" val="2933943095"/>
       </p:ext>
     </p:extLst>
   </p:cSld>
@@ -28924,7 +29797,13 @@
       </p:grpSpPr>
       <p:sp>
         <p:nvSpPr>
-          <p:cNvPr id="17" name="Title 16"/>
+          <p:cNvPr id="2" name="Title 1">
+            <a:extLst>
+              <a:ext uri="{FF2B5EF4-FFF2-40B4-BE49-F238E27FC236}">
+                <a16:creationId xmlns:a16="http://schemas.microsoft.com/office/drawing/2014/main" id="{9ADA59E6-05AF-D13F-17E9-90662AF4073B}"/>
+              </a:ext>
+            </a:extLst>
+          </p:cNvPr>
           <p:cNvSpPr>
             <a:spLocks noGrp="1"/>
           </p:cNvSpPr>
@@ -28932,210 +29811,37 @@
             <p:ph type="title"/>
           </p:nvPr>
         </p:nvSpPr>
-        <p:spPr>
-          <a:xfrm>
-            <a:off x="588263" y="457200"/>
-            <a:ext cx="11018520" cy="1107996"/>
-          </a:xfrm>
-        </p:spPr>
+        <p:spPr/>
         <p:txBody>
           <a:bodyPr/>
           <a:lstStyle/>
           <a:p>
-            <a:r>
-              <a:rPr lang="en-US" dirty="0"/>
-              <a:t>Example with longer headline text</a:t>
-            </a:r>
-            <a:br>
-              <a:rPr lang="en-US" dirty="0"/>
-            </a:br>
-            <a:r>
-              <a:rPr lang="en-US" dirty="0"/>
-              <a:t>wrapping to a second line</a:t>
-            </a:r>
+            <a:endParaRPr lang="en-IE"/>
           </a:p>
         </p:txBody>
       </p:sp>
       <p:sp>
         <p:nvSpPr>
-          <p:cNvPr id="6" name="Text Placeholder 5"/>
+          <p:cNvPr id="3" name="Picture Placeholder 2">
+            <a:extLst>
+              <a:ext uri="{FF2B5EF4-FFF2-40B4-BE49-F238E27FC236}">
+                <a16:creationId xmlns:a16="http://schemas.microsoft.com/office/drawing/2014/main" id="{BADE8256-D00A-1352-2490-FF0A3B47D6E2}"/>
+              </a:ext>
+            </a:extLst>
+          </p:cNvPr>
           <p:cNvSpPr>
             <a:spLocks noGrp="1"/>
           </p:cNvSpPr>
           <p:nvPr>
-            <p:ph type="body" sz="quarter" idx="10"/>
+            <p:ph type="pic" sz="quarter" idx="11"/>
           </p:nvPr>
         </p:nvSpPr>
-        <p:spPr>
-          <a:xfrm>
-            <a:off x="590868" y="2019300"/>
-            <a:ext cx="11018520" cy="2628412"/>
-          </a:xfrm>
-        </p:spPr>
-        <p:txBody>
-          <a:bodyPr/>
-          <a:lstStyle/>
-          <a:p>
-            <a:pPr>
-              <a:lnSpc>
-                <a:spcPct val="95000"/>
-              </a:lnSpc>
-            </a:pPr>
-            <a:r>
-              <a:rPr lang="en-US" dirty="0"/>
-              <a:t>When the headline text is 2 lines, move this text block </a:t>
-            </a:r>
-            <a:br>
-              <a:rPr lang="en-US" dirty="0"/>
-            </a:br>
-            <a:r>
-              <a:rPr lang="en-US" dirty="0"/>
-              <a:t>down to align to the lower blue guide</a:t>
-            </a:r>
-          </a:p>
-          <a:p>
-            <a:pPr>
-              <a:lnSpc>
-                <a:spcPct val="95000"/>
-              </a:lnSpc>
-            </a:pPr>
-            <a:r>
-              <a:rPr lang="en-US" dirty="0"/>
-              <a:t>If you don’t see guidelines, click on the View menu, </a:t>
-            </a:r>
-            <a:br>
-              <a:rPr lang="en-US" dirty="0"/>
-            </a:br>
-            <a:r>
-              <a:rPr lang="en-US" dirty="0"/>
-              <a:t>and then check the box in front of “Guides”</a:t>
-            </a:r>
-          </a:p>
-          <a:p>
-            <a:pPr>
-              <a:lnSpc>
-                <a:spcPct val="95000"/>
-              </a:lnSpc>
-            </a:pPr>
-            <a:r>
-              <a:rPr lang="en-US" dirty="0"/>
-              <a:t>Use a “soft return” Shift + Enter to wrap text without </a:t>
-            </a:r>
-            <a:br>
-              <a:rPr lang="en-US" dirty="0"/>
-            </a:br>
-            <a:r>
-              <a:rPr lang="en-US" dirty="0"/>
-              <a:t>adding extra line spacing</a:t>
-            </a:r>
-          </a:p>
-        </p:txBody>
-      </p:sp>
-      <p:sp>
-        <p:nvSpPr>
-          <p:cNvPr id="5" name="Freeform: Shape 4" descr="arrow pointing to the guideline referenced in the description">
-            <a:extLst>
-              <a:ext uri="{FF2B5EF4-FFF2-40B4-BE49-F238E27FC236}">
-                <a16:creationId xmlns:a16="http://schemas.microsoft.com/office/drawing/2014/main" id="{665B403C-D96F-49D2-A0FA-2D811AA4C0AB}"/>
-              </a:ext>
-            </a:extLst>
-          </p:cNvPr>
-          <p:cNvSpPr/>
-          <p:nvPr/>
-        </p:nvSpPr>
-        <p:spPr bwMode="auto">
-          <a:xfrm>
-            <a:off x="6801636" y="2019300"/>
-            <a:ext cx="2588543" cy="644899"/>
-          </a:xfrm>
-          <a:custGeom>
-            <a:avLst/>
-            <a:gdLst>
-              <a:gd name="connsiteX0" fmla="*/ 0 w 822960"/>
-              <a:gd name="connsiteY0" fmla="*/ 205740 h 205740"/>
-              <a:gd name="connsiteX1" fmla="*/ 822960 w 822960"/>
-              <a:gd name="connsiteY1" fmla="*/ 205740 h 205740"/>
-              <a:gd name="connsiteX2" fmla="*/ 822960 w 822960"/>
-              <a:gd name="connsiteY2" fmla="*/ 0 h 205740"/>
-              <a:gd name="connsiteX0" fmla="*/ 0 w 822960"/>
-              <a:gd name="connsiteY0" fmla="*/ 196007 h 196007"/>
-              <a:gd name="connsiteX1" fmla="*/ 822960 w 822960"/>
-              <a:gd name="connsiteY1" fmla="*/ 196007 h 196007"/>
-              <a:gd name="connsiteX2" fmla="*/ 822960 w 822960"/>
-              <a:gd name="connsiteY2" fmla="*/ 0 h 196007"/>
-              <a:gd name="connsiteX0" fmla="*/ 0 w 860823"/>
-              <a:gd name="connsiteY0" fmla="*/ 196007 h 196007"/>
-              <a:gd name="connsiteX1" fmla="*/ 860823 w 860823"/>
-              <a:gd name="connsiteY1" fmla="*/ 196007 h 196007"/>
-              <a:gd name="connsiteX2" fmla="*/ 860823 w 860823"/>
-              <a:gd name="connsiteY2" fmla="*/ 0 h 196007"/>
-            </a:gdLst>
-            <a:ahLst/>
-            <a:cxnLst>
-              <a:cxn ang="0">
-                <a:pos x="connsiteX0" y="connsiteY0"/>
-              </a:cxn>
-              <a:cxn ang="0">
-                <a:pos x="connsiteX1" y="connsiteY1"/>
-              </a:cxn>
-              <a:cxn ang="0">
-                <a:pos x="connsiteX2" y="connsiteY2"/>
-              </a:cxn>
-            </a:cxnLst>
-            <a:rect l="l" t="t" r="r" b="b"/>
-            <a:pathLst>
-              <a:path w="860823" h="196007">
-                <a:moveTo>
-                  <a:pt x="0" y="196007"/>
-                </a:moveTo>
-                <a:lnTo>
-                  <a:pt x="860823" y="196007"/>
-                </a:lnTo>
-                <a:lnTo>
-                  <a:pt x="860823" y="0"/>
-                </a:lnTo>
-              </a:path>
-            </a:pathLst>
-          </a:custGeom>
-          <a:noFill/>
-          <a:ln w="12700">
-            <a:solidFill>
-              <a:schemeClr val="tx1">
-                <a:alpha val="49000"/>
-              </a:schemeClr>
-            </a:solidFill>
-            <a:headEnd type="none" w="med" len="med"/>
-            <a:tailEnd type="arrow" w="lg" len="med"/>
-          </a:ln>
-          <a:effectLst/>
-        </p:spPr>
-        <p:style>
-          <a:lnRef idx="1">
-            <a:schemeClr val="accent2"/>
-          </a:lnRef>
-          <a:fillRef idx="3">
-            <a:schemeClr val="accent2"/>
-          </a:fillRef>
-          <a:effectRef idx="2">
-            <a:schemeClr val="accent2"/>
-          </a:effectRef>
-          <a:fontRef idx="minor">
-            <a:schemeClr val="lt1"/>
-          </a:fontRef>
-        </p:style>
-        <p:txBody>
-          <a:bodyPr rtlCol="0" anchor="ctr"/>
-          <a:lstStyle/>
-          <a:p>
-            <a:pPr algn="ctr"/>
-            <a:endParaRPr lang="en-US" dirty="0"/>
-          </a:p>
-        </p:txBody>
+        <p:spPr/>
       </p:sp>
     </p:spTree>
     <p:extLst>
       <p:ext uri="{BB962C8B-B14F-4D97-AF65-F5344CB8AC3E}">
-        <p14:creationId xmlns:p14="http://schemas.microsoft.com/office/powerpoint/2010/main" val="895908902"/>
+        <p14:creationId xmlns:p14="http://schemas.microsoft.com/office/powerpoint/2010/main" val="851744047"/>
       </p:ext>
     </p:extLst>
   </p:cSld>
@@ -29988,15 +30694,6 @@
 </file>
 
 <file path=customXml/item1.xml><?xml version="1.0" encoding="utf-8"?>
-<?mso-contentType ?>
-<FormTemplates xmlns="http://schemas.microsoft.com/sharepoint/v3/contenttype/forms">
-  <Display>DocumentLibraryForm</Display>
-  <Edit>DocumentLibraryForm</Edit>
-  <New>DocumentLibraryForm</New>
-</FormTemplates>
-</file>
-
-<file path=customXml/item2.xml><?xml version="1.0" encoding="utf-8"?>
 <p:properties xmlns:p="http://schemas.microsoft.com/office/2006/metadata/properties" xmlns:xsi="http://www.w3.org/2001/XMLSchema-instance" xmlns:pc="http://schemas.microsoft.com/office/infopath/2007/PartnerControls">
   <documentManagement>
     <_ip_UnifiedCompliancePolicyUIAction xmlns="http://schemas.microsoft.com/sharepoint/v3" xsi:nil="true"/>
@@ -30004,6 +30701,15 @@
     <MediaServiceKeyPoints xmlns="965de625-df5b-42e9-a277-2113da4f1195" xsi:nil="true"/>
   </documentManagement>
 </p:properties>
+</file>
+
+<file path=customXml/item2.xml><?xml version="1.0" encoding="utf-8"?>
+<?mso-contentType ?>
+<FormTemplates xmlns="http://schemas.microsoft.com/sharepoint/v3/contenttype/forms">
+  <Display>DocumentLibraryForm</Display>
+  <Edit>DocumentLibraryForm</Edit>
+  <New>DocumentLibraryForm</New>
+</FormTemplates>
 </file>
 
 <file path=customXml/item3.xml><?xml version="1.0" encoding="utf-8"?>
@@ -30255,14 +30961,6 @@
 </file>
 
 <file path=customXml/itemProps1.xml><?xml version="1.0" encoding="utf-8"?>
-<ds:datastoreItem xmlns:ds="http://schemas.openxmlformats.org/officeDocument/2006/customXml" ds:itemID="{758FDAC0-319D-4A54-8D8E-1D42CB1F8004}">
-  <ds:schemaRefs>
-    <ds:schemaRef ds:uri="http://schemas.microsoft.com/sharepoint/v3/contenttype/forms"/>
-  </ds:schemaRefs>
-</ds:datastoreItem>
-</file>
-
-<file path=customXml/itemProps2.xml><?xml version="1.0" encoding="utf-8"?>
 <ds:datastoreItem xmlns:ds="http://schemas.openxmlformats.org/officeDocument/2006/customXml" ds:itemID="{F990F116-B58F-4255-B05B-DA3808E0E5C6}">
   <ds:schemaRefs>
     <ds:schemaRef ds:uri="http://purl.org/dc/elements/1.1/"/>
@@ -30276,6 +30974,14 @@
     <ds:schemaRef ds:uri="http://schemas.microsoft.com/office/infopath/2007/PartnerControls"/>
     <ds:schemaRef ds:uri="http://schemas.openxmlformats.org/package/2006/metadata/core-properties"/>
     <ds:schemaRef ds:uri="http://www.w3.org/XML/1998/namespace"/>
+  </ds:schemaRefs>
+</ds:datastoreItem>
+</file>
+
+<file path=customXml/itemProps2.xml><?xml version="1.0" encoding="utf-8"?>
+<ds:datastoreItem xmlns:ds="http://schemas.openxmlformats.org/officeDocument/2006/customXml" ds:itemID="{758FDAC0-319D-4A54-8D8E-1D42CB1F8004}">
+  <ds:schemaRefs>
+    <ds:schemaRef ds:uri="http://schemas.microsoft.com/sharepoint/v3/contenttype/forms"/>
   </ds:schemaRefs>
 </ds:datastoreItem>
 </file>

--- a/126-AzureCost/Azure Cost PBI BootCamp.pptx
+++ b/126-AzureCost/Azure Cost PBI BootCamp.pptx
@@ -5,45 +5,49 @@
     <p:sldMasterId id="2147484229" r:id="rId4"/>
   </p:sldMasterIdLst>
   <p:notesMasterIdLst>
-    <p:notesMasterId r:id="rId38"/>
+    <p:notesMasterId r:id="rId42"/>
   </p:notesMasterIdLst>
   <p:handoutMasterIdLst>
-    <p:handoutMasterId r:id="rId39"/>
+    <p:handoutMasterId r:id="rId43"/>
   </p:handoutMasterIdLst>
   <p:sldIdLst>
     <p:sldId id="1661" r:id="rId5"/>
     <p:sldId id="2051" r:id="rId6"/>
     <p:sldId id="2054" r:id="rId7"/>
-    <p:sldId id="2055" r:id="rId8"/>
-    <p:sldId id="2057" r:id="rId9"/>
-    <p:sldId id="2058" r:id="rId10"/>
-    <p:sldId id="2060" r:id="rId11"/>
-    <p:sldId id="2059" r:id="rId12"/>
-    <p:sldId id="2056" r:id="rId13"/>
-    <p:sldId id="2052" r:id="rId14"/>
-    <p:sldId id="2053" r:id="rId15"/>
-    <p:sldId id="1660" r:id="rId16"/>
-    <p:sldId id="1670" r:id="rId17"/>
-    <p:sldId id="1548" r:id="rId18"/>
-    <p:sldId id="1635" r:id="rId19"/>
-    <p:sldId id="1523" r:id="rId20"/>
-    <p:sldId id="1716" r:id="rId21"/>
-    <p:sldId id="1524" r:id="rId22"/>
-    <p:sldId id="1906" r:id="rId23"/>
-    <p:sldId id="1947" r:id="rId24"/>
-    <p:sldId id="1946" r:id="rId25"/>
-    <p:sldId id="2045" r:id="rId26"/>
-    <p:sldId id="2046" r:id="rId27"/>
-    <p:sldId id="1995" r:id="rId28"/>
-    <p:sldId id="1994" r:id="rId29"/>
-    <p:sldId id="2042" r:id="rId30"/>
-    <p:sldId id="1941" r:id="rId31"/>
-    <p:sldId id="1804" r:id="rId32"/>
-    <p:sldId id="1527" r:id="rId33"/>
-    <p:sldId id="1529" r:id="rId34"/>
-    <p:sldId id="1530" r:id="rId35"/>
-    <p:sldId id="1531" r:id="rId36"/>
-    <p:sldId id="1532" r:id="rId37"/>
+    <p:sldId id="2060" r:id="rId8"/>
+    <p:sldId id="2065" r:id="rId9"/>
+    <p:sldId id="2055" r:id="rId10"/>
+    <p:sldId id="2057" r:id="rId11"/>
+    <p:sldId id="2058" r:id="rId12"/>
+    <p:sldId id="2064" r:id="rId13"/>
+    <p:sldId id="2059" r:id="rId14"/>
+    <p:sldId id="2061" r:id="rId15"/>
+    <p:sldId id="2062" r:id="rId16"/>
+    <p:sldId id="2056" r:id="rId17"/>
+    <p:sldId id="2052" r:id="rId18"/>
+    <p:sldId id="2053" r:id="rId19"/>
+    <p:sldId id="1660" r:id="rId20"/>
+    <p:sldId id="1670" r:id="rId21"/>
+    <p:sldId id="1548" r:id="rId22"/>
+    <p:sldId id="1635" r:id="rId23"/>
+    <p:sldId id="1523" r:id="rId24"/>
+    <p:sldId id="1716" r:id="rId25"/>
+    <p:sldId id="1524" r:id="rId26"/>
+    <p:sldId id="1906" r:id="rId27"/>
+    <p:sldId id="1947" r:id="rId28"/>
+    <p:sldId id="1946" r:id="rId29"/>
+    <p:sldId id="2045" r:id="rId30"/>
+    <p:sldId id="2046" r:id="rId31"/>
+    <p:sldId id="1995" r:id="rId32"/>
+    <p:sldId id="1994" r:id="rId33"/>
+    <p:sldId id="2042" r:id="rId34"/>
+    <p:sldId id="1941" r:id="rId35"/>
+    <p:sldId id="1804" r:id="rId36"/>
+    <p:sldId id="1527" r:id="rId37"/>
+    <p:sldId id="1529" r:id="rId38"/>
+    <p:sldId id="1530" r:id="rId39"/>
+    <p:sldId id="1531" r:id="rId40"/>
+    <p:sldId id="1532" r:id="rId41"/>
   </p:sldIdLst>
   <p:sldSz cx="12192000" cy="6858000"/>
   <p:notesSz cx="6858000" cy="9144000"/>
@@ -150,11 +154,15 @@
             <p14:sldId id="1661"/>
             <p14:sldId id="2051"/>
             <p14:sldId id="2054"/>
+            <p14:sldId id="2060"/>
+            <p14:sldId id="2065"/>
             <p14:sldId id="2055"/>
             <p14:sldId id="2057"/>
             <p14:sldId id="2058"/>
-            <p14:sldId id="2060"/>
+            <p14:sldId id="2064"/>
             <p14:sldId id="2059"/>
+            <p14:sldId id="2061"/>
+            <p14:sldId id="2062"/>
             <p14:sldId id="2056"/>
           </p14:sldIdLst>
         </p14:section>
@@ -327,7 +335,7 @@
               <a:rPr lang="en-US" smtClean="0">
                 <a:latin typeface="Segoe UI" pitchFamily="34" charset="0"/>
               </a:rPr>
-              <a:t>10/19/2022 3:42 PM</a:t>
+              <a:t>11/23/2022 11:19 AM</a:t>
             </a:fld>
             <a:endParaRPr lang="en-US" dirty="0">
               <a:latin typeface="Segoe UI" pitchFamily="34" charset="0"/>
@@ -605,7 +613,7 @@
           <a:p>
             <a:fld id="{386CE63F-9E7F-4C04-9D0D-FCA25A8E9E86}" type="datetime8">
               <a:rPr lang="en-US" smtClean="0"/>
-              <a:t>10/19/2022 3:41 PM</a:t>
+              <a:t>11/23/2022 11:15 AM</a:t>
             </a:fld>
             <a:endParaRPr lang="en-US" dirty="0"/>
           </a:p>
@@ -972,7 +980,7 @@
           <a:p>
             <a:fld id="{62C61DAB-D93E-49CA-B245-379601CFE8D0}" type="datetime8">
               <a:rPr lang="en-US" smtClean="0"/>
-              <a:t>10/19/2022 3:41 PM</a:t>
+              <a:t>11/23/2022 11:15 AM</a:t>
             </a:fld>
             <a:endParaRPr lang="en-US" dirty="0"/>
           </a:p>
@@ -1042,7 +1050,15 @@
             <p:ph type="sldImg"/>
           </p:nvPr>
         </p:nvSpPr>
-        <p:spPr/>
+        <p:spPr>
+          <a:xfrm>
+            <a:off x="381000" y="685800"/>
+            <a:ext cx="6096000" cy="3429000"/>
+          </a:xfrm>
+          <a:prstGeom prst="rect">
+            <a:avLst/>
+          </a:prstGeom>
+        </p:spPr>
       </p:sp>
       <p:sp>
         <p:nvSpPr>
@@ -1054,9 +1070,19 @@
             <p:ph type="body" idx="1"/>
           </p:nvPr>
         </p:nvSpPr>
-        <p:spPr/>
+        <p:spPr>
+          <a:xfrm>
+            <a:off x="685800" y="4343400"/>
+            <a:ext cx="5486400" cy="4114800"/>
+          </a:xfrm>
+          <a:prstGeom prst="rect">
+            <a:avLst/>
+          </a:prstGeom>
+        </p:spPr>
         <p:txBody>
-          <a:bodyPr/>
+          <a:bodyPr>
+            <a:normAutofit/>
+          </a:bodyPr>
           <a:lstStyle/>
           <a:p>
             <a:endParaRPr lang="en-US" dirty="0"/>
@@ -1065,31 +1091,75 @@
       </p:sp>
       <p:sp>
         <p:nvSpPr>
-          <p:cNvPr id="4" name="Header Placeholder 3"/>
+          <p:cNvPr id="4" name="Date Placeholder 3"/>
           <p:cNvSpPr>
             <a:spLocks noGrp="1"/>
           </p:cNvSpPr>
           <p:nvPr>
-            <p:ph type="hdr" sz="quarter" idx="10"/>
+            <p:ph type="dt" idx="10"/>
           </p:nvPr>
         </p:nvSpPr>
-        <p:spPr/>
+        <p:spPr>
+          <a:xfrm>
+            <a:off x="3884613" y="0"/>
+            <a:ext cx="2971800" cy="457200"/>
+          </a:xfrm>
+          <a:prstGeom prst="rect">
+            <a:avLst/>
+          </a:prstGeom>
+        </p:spPr>
         <p:txBody>
           <a:bodyPr/>
           <a:lstStyle/>
           <a:p>
+            <a:fld id="{06C18626-F474-479E-937A-543AA55347B1}" type="datetime8">
+              <a:rPr lang="en-US" smtClean="0"/>
+              <a:t>11/23/2022 11:15 AM</a:t>
+            </a:fld>
             <a:endParaRPr lang="en-US" dirty="0"/>
           </a:p>
         </p:txBody>
       </p:sp>
       <p:sp>
         <p:nvSpPr>
-          <p:cNvPr id="5" name="Footer Placeholder 4"/>
+          <p:cNvPr id="7" name="Slide Number Placeholder 6"/>
           <p:cNvSpPr>
             <a:spLocks noGrp="1"/>
           </p:cNvSpPr>
           <p:nvPr>
-            <p:ph type="ftr" sz="quarter" idx="11"/>
+            <p:ph type="sldNum" sz="quarter" idx="12"/>
+          </p:nvPr>
+        </p:nvSpPr>
+        <p:spPr>
+          <a:xfrm>
+            <a:off x="6172199" y="8685213"/>
+            <a:ext cx="684213" cy="457200"/>
+          </a:xfrm>
+          <a:prstGeom prst="rect">
+            <a:avLst/>
+          </a:prstGeom>
+        </p:spPr>
+        <p:txBody>
+          <a:bodyPr/>
+          <a:lstStyle/>
+          <a:p>
+            <a:fld id="{8B263312-38AA-4E1E-B2B5-0F8F122B24FE}" type="slidenum">
+              <a:rPr lang="en-US" smtClean="0"/>
+              <a:pPr/>
+              <a:t>20</a:t>
+            </a:fld>
+            <a:endParaRPr lang="en-US" dirty="0"/>
+          </a:p>
+        </p:txBody>
+      </p:sp>
+      <p:sp>
+        <p:nvSpPr>
+          <p:cNvPr id="6" name="Footer Placeholder 5"/>
+          <p:cNvSpPr>
+            <a:spLocks noGrp="1"/>
+          </p:cNvSpPr>
+          <p:nvPr>
+            <p:ph type="ftr" sz="quarter" idx="13"/>
           </p:nvPr>
         </p:nvSpPr>
         <p:spPr/>
@@ -1122,12 +1192,12 @@
       </p:sp>
       <p:sp>
         <p:nvSpPr>
-          <p:cNvPr id="6" name="Date Placeholder 5"/>
+          <p:cNvPr id="9" name="Header Placeholder 8"/>
           <p:cNvSpPr>
             <a:spLocks noGrp="1"/>
           </p:cNvSpPr>
           <p:nvPr>
-            <p:ph type="dt" idx="12"/>
+            <p:ph type="hdr" sz="quarter" idx="14"/>
           </p:nvPr>
         </p:nvSpPr>
         <p:spPr/>
@@ -1135,34 +1205,6 @@
           <a:bodyPr/>
           <a:lstStyle/>
           <a:p>
-            <a:fld id="{49B14B72-BE03-4760-B747-D349DA60D861}" type="datetime8">
-              <a:rPr lang="en-US" smtClean="0"/>
-              <a:t>10/19/2022 3:41 PM</a:t>
-            </a:fld>
-            <a:endParaRPr lang="en-US" dirty="0"/>
-          </a:p>
-        </p:txBody>
-      </p:sp>
-      <p:sp>
-        <p:nvSpPr>
-          <p:cNvPr id="7" name="Slide Number Placeholder 6"/>
-          <p:cNvSpPr>
-            <a:spLocks noGrp="1"/>
-          </p:cNvSpPr>
-          <p:nvPr>
-            <p:ph type="sldNum" sz="quarter" idx="13"/>
-          </p:nvPr>
-        </p:nvSpPr>
-        <p:spPr/>
-        <p:txBody>
-          <a:bodyPr/>
-          <a:lstStyle/>
-          <a:p>
-            <a:fld id="{B4008EB6-D09E-4580-8CD6-DDB14511944F}" type="slidenum">
-              <a:rPr lang="en-US" smtClean="0"/>
-              <a:pPr/>
-              <a:t>18</a:t>
-            </a:fld>
             <a:endParaRPr lang="en-US" dirty="0"/>
           </a:p>
         </p:txBody>
@@ -1170,7 +1212,7 @@
     </p:spTree>
     <p:extLst>
       <p:ext uri="{BB962C8B-B14F-4D97-AF65-F5344CB8AC3E}">
-        <p14:creationId xmlns:p14="http://schemas.microsoft.com/office/powerpoint/2010/main" val="2470583919"/>
+        <p14:creationId xmlns:p14="http://schemas.microsoft.com/office/powerpoint/2010/main" val="52846919"/>
       </p:ext>
     </p:extLst>
   </p:cSld>
@@ -1300,9 +1342,9 @@
           <a:bodyPr/>
           <a:lstStyle/>
           <a:p>
-            <a:fld id="{49B14B72-BE03-4760-B747-D349DA60D861}" type="datetime8">
+            <a:fld id="{A5CD2277-7C1A-43CA-8676-87B24AD584BD}" type="datetime8">
               <a:rPr lang="en-US" smtClean="0"/>
-              <a:t>10/19/2022 3:41 PM</a:t>
+              <a:t>11/23/2022 11:15 AM</a:t>
             </a:fld>
             <a:endParaRPr lang="en-US" dirty="0"/>
           </a:p>
@@ -1326,7 +1368,7 @@
             <a:fld id="{B4008EB6-D09E-4580-8CD6-DDB14511944F}" type="slidenum">
               <a:rPr lang="en-US" smtClean="0"/>
               <a:pPr/>
-              <a:t>19</a:t>
+              <a:t>21</a:t>
             </a:fld>
             <a:endParaRPr lang="en-US" dirty="0"/>
           </a:p>
@@ -1335,7 +1377,7 @@
     </p:spTree>
     <p:extLst>
       <p:ext uri="{BB962C8B-B14F-4D97-AF65-F5344CB8AC3E}">
-        <p14:creationId xmlns:p14="http://schemas.microsoft.com/office/powerpoint/2010/main" val="1565198508"/>
+        <p14:creationId xmlns:p14="http://schemas.microsoft.com/office/powerpoint/2010/main" val="2389542826"/>
       </p:ext>
     </p:extLst>
   </p:cSld>
@@ -1465,9 +1507,9 @@
           <a:bodyPr/>
           <a:lstStyle/>
           <a:p>
-            <a:fld id="{54A7B7B7-C694-4FC8-B0BD-20DAA0A272F9}" type="datetime8">
+            <a:fld id="{49B14B72-BE03-4760-B747-D349DA60D861}" type="datetime8">
               <a:rPr lang="en-US" smtClean="0"/>
-              <a:t>10/19/2022 3:41 PM</a:t>
+              <a:t>11/23/2022 11:15 AM</a:t>
             </a:fld>
             <a:endParaRPr lang="en-US" dirty="0"/>
           </a:p>
@@ -1490,7 +1532,8 @@
           <a:p>
             <a:fld id="{B4008EB6-D09E-4580-8CD6-DDB14511944F}" type="slidenum">
               <a:rPr lang="en-US" smtClean="0"/>
-              <a:t>24</a:t>
+              <a:pPr/>
+              <a:t>22</a:t>
             </a:fld>
             <a:endParaRPr lang="en-US" dirty="0"/>
           </a:p>
@@ -1499,7 +1542,7 @@
     </p:spTree>
     <p:extLst>
       <p:ext uri="{BB962C8B-B14F-4D97-AF65-F5344CB8AC3E}">
-        <p14:creationId xmlns:p14="http://schemas.microsoft.com/office/powerpoint/2010/main" val="103154412"/>
+        <p14:creationId xmlns:p14="http://schemas.microsoft.com/office/powerpoint/2010/main" val="2470583919"/>
       </p:ext>
     </p:extLst>
   </p:cSld>
@@ -1629,9 +1672,9 @@
           <a:bodyPr/>
           <a:lstStyle/>
           <a:p>
-            <a:fld id="{91FF42D5-4657-4D58-A751-082C26315A19}" type="datetime8">
+            <a:fld id="{49B14B72-BE03-4760-B747-D349DA60D861}" type="datetime8">
               <a:rPr lang="en-US" smtClean="0"/>
-              <a:t>10/19/2022 3:41 PM</a:t>
+              <a:t>11/23/2022 11:15 AM</a:t>
             </a:fld>
             <a:endParaRPr lang="en-US" dirty="0"/>
           </a:p>
@@ -1655,7 +1698,7 @@
             <a:fld id="{B4008EB6-D09E-4580-8CD6-DDB14511944F}" type="slidenum">
               <a:rPr lang="en-US" smtClean="0"/>
               <a:pPr/>
-              <a:t>25</a:t>
+              <a:t>23</a:t>
             </a:fld>
             <a:endParaRPr lang="en-US" dirty="0"/>
           </a:p>
@@ -1664,7 +1707,7 @@
     </p:spTree>
     <p:extLst>
       <p:ext uri="{BB962C8B-B14F-4D97-AF65-F5344CB8AC3E}">
-        <p14:creationId xmlns:p14="http://schemas.microsoft.com/office/powerpoint/2010/main" val="3383938246"/>
+        <p14:creationId xmlns:p14="http://schemas.microsoft.com/office/powerpoint/2010/main" val="1565198508"/>
       </p:ext>
     </p:extLst>
   </p:cSld>
@@ -1724,12 +1767,12 @@
       </p:sp>
       <p:sp>
         <p:nvSpPr>
-          <p:cNvPr id="4" name="Slide Number Placeholder 3"/>
+          <p:cNvPr id="4" name="Header Placeholder 3"/>
           <p:cNvSpPr>
             <a:spLocks noGrp="1"/>
           </p:cNvSpPr>
           <p:nvPr>
-            <p:ph type="sldNum" sz="quarter" idx="10"/>
+            <p:ph type="hdr" sz="quarter" idx="10"/>
           </p:nvPr>
         </p:nvSpPr>
         <p:spPr/>
@@ -1737,57 +1780,18 @@
           <a:bodyPr/>
           <a:lstStyle/>
           <a:p>
-            <a:fld id="{C5079D02-5D34-4786-9834-A1F44E52D535}" type="slidenum">
-              <a:rPr lang="en-US" smtClean="0"/>
-              <a:t>26</a:t>
-            </a:fld>
             <a:endParaRPr lang="en-US" dirty="0"/>
           </a:p>
         </p:txBody>
       </p:sp>
       <p:sp>
         <p:nvSpPr>
-          <p:cNvPr id="5" name="Date Placeholder 4">
-            <a:extLst>
-              <a:ext uri="{FF2B5EF4-FFF2-40B4-BE49-F238E27FC236}">
-                <a16:creationId xmlns:a16="http://schemas.microsoft.com/office/drawing/2014/main" id="{58E3CE72-94EE-4689-AB80-A0CFFB93F1EA}"/>
-              </a:ext>
-            </a:extLst>
-          </p:cNvPr>
+          <p:cNvPr id="5" name="Footer Placeholder 4"/>
           <p:cNvSpPr>
             <a:spLocks noGrp="1"/>
           </p:cNvSpPr>
           <p:nvPr>
-            <p:ph type="dt" idx="11"/>
-          </p:nvPr>
-        </p:nvSpPr>
-        <p:spPr/>
-        <p:txBody>
-          <a:bodyPr/>
-          <a:lstStyle/>
-          <a:p>
-            <a:fld id="{480C6978-FA11-423D-8FDA-CB59A4787224}" type="datetime8">
-              <a:rPr lang="en-US" smtClean="0"/>
-              <a:t>10/19/2022 3:41 PM</a:t>
-            </a:fld>
-            <a:endParaRPr lang="en-US" dirty="0"/>
-          </a:p>
-        </p:txBody>
-      </p:sp>
-      <p:sp>
-        <p:nvSpPr>
-          <p:cNvPr id="6" name="Footer Placeholder 5">
-            <a:extLst>
-              <a:ext uri="{FF2B5EF4-FFF2-40B4-BE49-F238E27FC236}">
-                <a16:creationId xmlns:a16="http://schemas.microsoft.com/office/drawing/2014/main" id="{1AF229CA-F1E4-48C0-AD59-34CCFB3BE2A2}"/>
-              </a:ext>
-            </a:extLst>
-          </p:cNvPr>
-          <p:cNvSpPr>
-            <a:spLocks noGrp="1"/>
-          </p:cNvSpPr>
-          <p:nvPr>
-            <p:ph type="ftr" sz="quarter" idx="12"/>
+            <p:ph type="ftr" sz="quarter" idx="11"/>
           </p:nvPr>
         </p:nvSpPr>
         <p:spPr/>
@@ -1820,18 +1824,12 @@
       </p:sp>
       <p:sp>
         <p:nvSpPr>
-          <p:cNvPr id="7" name="Header Placeholder 6">
-            <a:extLst>
-              <a:ext uri="{FF2B5EF4-FFF2-40B4-BE49-F238E27FC236}">
-                <a16:creationId xmlns:a16="http://schemas.microsoft.com/office/drawing/2014/main" id="{1C7DFC74-16C9-4146-B136-C825DE01E4DA}"/>
-              </a:ext>
-            </a:extLst>
-          </p:cNvPr>
+          <p:cNvPr id="6" name="Date Placeholder 5"/>
           <p:cNvSpPr>
             <a:spLocks noGrp="1"/>
           </p:cNvSpPr>
           <p:nvPr>
-            <p:ph type="hdr" sz="quarter" idx="13"/>
+            <p:ph type="dt" idx="12"/>
           </p:nvPr>
         </p:nvSpPr>
         <p:spPr/>
@@ -1839,6 +1837,33 @@
           <a:bodyPr/>
           <a:lstStyle/>
           <a:p>
+            <a:fld id="{54A7B7B7-C694-4FC8-B0BD-20DAA0A272F9}" type="datetime8">
+              <a:rPr lang="en-US" smtClean="0"/>
+              <a:t>11/23/2022 11:15 AM</a:t>
+            </a:fld>
+            <a:endParaRPr lang="en-US" dirty="0"/>
+          </a:p>
+        </p:txBody>
+      </p:sp>
+      <p:sp>
+        <p:nvSpPr>
+          <p:cNvPr id="7" name="Slide Number Placeholder 6"/>
+          <p:cNvSpPr>
+            <a:spLocks noGrp="1"/>
+          </p:cNvSpPr>
+          <p:nvPr>
+            <p:ph type="sldNum" sz="quarter" idx="13"/>
+          </p:nvPr>
+        </p:nvSpPr>
+        <p:spPr/>
+        <p:txBody>
+          <a:bodyPr/>
+          <a:lstStyle/>
+          <a:p>
+            <a:fld id="{B4008EB6-D09E-4580-8CD6-DDB14511944F}" type="slidenum">
+              <a:rPr lang="en-US" smtClean="0"/>
+              <a:t>28</a:t>
+            </a:fld>
             <a:endParaRPr lang="en-US" dirty="0"/>
           </a:p>
         </p:txBody>
@@ -1846,7 +1871,7 @@
     </p:spTree>
     <p:extLst>
       <p:ext uri="{BB962C8B-B14F-4D97-AF65-F5344CB8AC3E}">
-        <p14:creationId xmlns:p14="http://schemas.microsoft.com/office/powerpoint/2010/main" val="2741036457"/>
+        <p14:creationId xmlns:p14="http://schemas.microsoft.com/office/powerpoint/2010/main" val="103154412"/>
       </p:ext>
     </p:extLst>
   </p:cSld>
@@ -1906,12 +1931,12 @@
       </p:sp>
       <p:sp>
         <p:nvSpPr>
-          <p:cNvPr id="6" name="Date Placeholder 5"/>
+          <p:cNvPr id="4" name="Header Placeholder 3"/>
           <p:cNvSpPr>
             <a:spLocks noGrp="1"/>
           </p:cNvSpPr>
           <p:nvPr>
-            <p:ph type="dt" idx="12"/>
+            <p:ph type="hdr" sz="quarter" idx="10"/>
           </p:nvPr>
         </p:nvSpPr>
         <p:spPr/>
@@ -1919,52 +1944,18 @@
           <a:bodyPr/>
           <a:lstStyle/>
           <a:p>
-            <a:fld id="{353CB5B1-3D40-4389-814A-A3E0AEC8E2FF}" type="datetime8">
-              <a:rPr lang="en-US" smtClean="0"/>
-              <a:t>10/19/2022 3:41 PM</a:t>
-            </a:fld>
             <a:endParaRPr lang="en-US" dirty="0"/>
           </a:p>
         </p:txBody>
       </p:sp>
       <p:sp>
         <p:nvSpPr>
-          <p:cNvPr id="7" name="Slide Number Placeholder 6"/>
+          <p:cNvPr id="5" name="Footer Placeholder 4"/>
           <p:cNvSpPr>
             <a:spLocks noGrp="1"/>
           </p:cNvSpPr>
           <p:nvPr>
-            <p:ph type="sldNum" sz="quarter" idx="13"/>
-          </p:nvPr>
-        </p:nvSpPr>
-        <p:spPr/>
-        <p:txBody>
-          <a:bodyPr/>
-          <a:lstStyle/>
-          <a:p>
-            <a:fld id="{B4008EB6-D09E-4580-8CD6-DDB14511944F}" type="slidenum">
-              <a:rPr lang="en-US" smtClean="0"/>
-              <a:pPr/>
-              <a:t>27</a:t>
-            </a:fld>
-            <a:endParaRPr lang="en-US" dirty="0"/>
-          </a:p>
-        </p:txBody>
-      </p:sp>
-      <p:sp>
-        <p:nvSpPr>
-          <p:cNvPr id="8" name="Footer Placeholder 7">
-            <a:extLst>
-              <a:ext uri="{FF2B5EF4-FFF2-40B4-BE49-F238E27FC236}">
-                <a16:creationId xmlns:a16="http://schemas.microsoft.com/office/drawing/2014/main" id="{AB0A3098-74CE-4AF5-9C5C-C2A7A2AE65A8}"/>
-              </a:ext>
-            </a:extLst>
-          </p:cNvPr>
-          <p:cNvSpPr>
-            <a:spLocks noGrp="1"/>
-          </p:cNvSpPr>
-          <p:nvPr>
-            <p:ph type="ftr" sz="quarter" idx="14"/>
+            <p:ph type="ftr" sz="quarter" idx="11"/>
           </p:nvPr>
         </p:nvSpPr>
         <p:spPr/>
@@ -1997,18 +1988,12 @@
       </p:sp>
       <p:sp>
         <p:nvSpPr>
-          <p:cNvPr id="9" name="Header Placeholder 8">
-            <a:extLst>
-              <a:ext uri="{FF2B5EF4-FFF2-40B4-BE49-F238E27FC236}">
-                <a16:creationId xmlns:a16="http://schemas.microsoft.com/office/drawing/2014/main" id="{E0F78483-C1B0-470C-ACDF-3FFAE031C6ED}"/>
-              </a:ext>
-            </a:extLst>
-          </p:cNvPr>
+          <p:cNvPr id="6" name="Date Placeholder 5"/>
           <p:cNvSpPr>
             <a:spLocks noGrp="1"/>
           </p:cNvSpPr>
           <p:nvPr>
-            <p:ph type="hdr" sz="quarter" idx="15"/>
+            <p:ph type="dt" idx="12"/>
           </p:nvPr>
         </p:nvSpPr>
         <p:spPr/>
@@ -2016,6 +2001,34 @@
           <a:bodyPr/>
           <a:lstStyle/>
           <a:p>
+            <a:fld id="{91FF42D5-4657-4D58-A751-082C26315A19}" type="datetime8">
+              <a:rPr lang="en-US" smtClean="0"/>
+              <a:t>11/23/2022 11:15 AM</a:t>
+            </a:fld>
+            <a:endParaRPr lang="en-US" dirty="0"/>
+          </a:p>
+        </p:txBody>
+      </p:sp>
+      <p:sp>
+        <p:nvSpPr>
+          <p:cNvPr id="7" name="Slide Number Placeholder 6"/>
+          <p:cNvSpPr>
+            <a:spLocks noGrp="1"/>
+          </p:cNvSpPr>
+          <p:nvPr>
+            <p:ph type="sldNum" sz="quarter" idx="13"/>
+          </p:nvPr>
+        </p:nvSpPr>
+        <p:spPr/>
+        <p:txBody>
+          <a:bodyPr/>
+          <a:lstStyle/>
+          <a:p>
+            <a:fld id="{B4008EB6-D09E-4580-8CD6-DDB14511944F}" type="slidenum">
+              <a:rPr lang="en-US" smtClean="0"/>
+              <a:pPr/>
+              <a:t>29</a:t>
+            </a:fld>
             <a:endParaRPr lang="en-US" dirty="0"/>
           </a:p>
         </p:txBody>
@@ -2023,7 +2036,7 @@
     </p:spTree>
     <p:extLst>
       <p:ext uri="{BB962C8B-B14F-4D97-AF65-F5344CB8AC3E}">
-        <p14:creationId xmlns:p14="http://schemas.microsoft.com/office/powerpoint/2010/main" val="379290385"/>
+        <p14:creationId xmlns:p14="http://schemas.microsoft.com/office/powerpoint/2010/main" val="3383938246"/>
       </p:ext>
     </p:extLst>
   </p:cSld>
@@ -2083,12 +2096,12 @@
       </p:sp>
       <p:sp>
         <p:nvSpPr>
-          <p:cNvPr id="6" name="Date Placeholder 5"/>
+          <p:cNvPr id="4" name="Slide Number Placeholder 3"/>
           <p:cNvSpPr>
             <a:spLocks noGrp="1"/>
           </p:cNvSpPr>
           <p:nvPr>
-            <p:ph type="dt" idx="12"/>
+            <p:ph type="sldNum" sz="quarter" idx="10"/>
           </p:nvPr>
         </p:nvSpPr>
         <p:spPr/>
@@ -2096,9 +2109,9 @@
           <a:bodyPr/>
           <a:lstStyle/>
           <a:p>
-            <a:fld id="{353CB5B1-3D40-4389-814A-A3E0AEC8E2FF}" type="datetime8">
+            <a:fld id="{C5079D02-5D34-4786-9834-A1F44E52D535}" type="slidenum">
               <a:rPr lang="en-US" smtClean="0"/>
-              <a:t>10/19/2022 3:41 PM</a:t>
+              <a:t>30</a:t>
             </a:fld>
             <a:endParaRPr lang="en-US" dirty="0"/>
           </a:p>
@@ -2106,34 +2119,10 @@
       </p:sp>
       <p:sp>
         <p:nvSpPr>
-          <p:cNvPr id="7" name="Slide Number Placeholder 6"/>
-          <p:cNvSpPr>
-            <a:spLocks noGrp="1"/>
-          </p:cNvSpPr>
-          <p:nvPr>
-            <p:ph type="sldNum" sz="quarter" idx="13"/>
-          </p:nvPr>
-        </p:nvSpPr>
-        <p:spPr/>
-        <p:txBody>
-          <a:bodyPr/>
-          <a:lstStyle/>
-          <a:p>
-            <a:fld id="{B4008EB6-D09E-4580-8CD6-DDB14511944F}" type="slidenum">
-              <a:rPr lang="en-US" smtClean="0"/>
-              <a:pPr/>
-              <a:t>28</a:t>
-            </a:fld>
-            <a:endParaRPr lang="en-US" dirty="0"/>
-          </a:p>
-        </p:txBody>
-      </p:sp>
-      <p:sp>
-        <p:nvSpPr>
-          <p:cNvPr id="8" name="Footer Placeholder 7">
+          <p:cNvPr id="5" name="Date Placeholder 4">
             <a:extLst>
               <a:ext uri="{FF2B5EF4-FFF2-40B4-BE49-F238E27FC236}">
-                <a16:creationId xmlns:a16="http://schemas.microsoft.com/office/drawing/2014/main" id="{AB0A3098-74CE-4AF5-9C5C-C2A7A2AE65A8}"/>
+                <a16:creationId xmlns:a16="http://schemas.microsoft.com/office/drawing/2014/main" id="{58E3CE72-94EE-4689-AB80-A0CFFB93F1EA}"/>
               </a:ext>
             </a:extLst>
           </p:cNvPr>
@@ -2141,7 +2130,36 @@
             <a:spLocks noGrp="1"/>
           </p:cNvSpPr>
           <p:nvPr>
-            <p:ph type="ftr" sz="quarter" idx="14"/>
+            <p:ph type="dt" idx="11"/>
+          </p:nvPr>
+        </p:nvSpPr>
+        <p:spPr/>
+        <p:txBody>
+          <a:bodyPr/>
+          <a:lstStyle/>
+          <a:p>
+            <a:fld id="{480C6978-FA11-423D-8FDA-CB59A4787224}" type="datetime8">
+              <a:rPr lang="en-US" smtClean="0"/>
+              <a:t>11/23/2022 11:15 AM</a:t>
+            </a:fld>
+            <a:endParaRPr lang="en-US" dirty="0"/>
+          </a:p>
+        </p:txBody>
+      </p:sp>
+      <p:sp>
+        <p:nvSpPr>
+          <p:cNvPr id="6" name="Footer Placeholder 5">
+            <a:extLst>
+              <a:ext uri="{FF2B5EF4-FFF2-40B4-BE49-F238E27FC236}">
+                <a16:creationId xmlns:a16="http://schemas.microsoft.com/office/drawing/2014/main" id="{1AF229CA-F1E4-48C0-AD59-34CCFB3BE2A2}"/>
+              </a:ext>
+            </a:extLst>
+          </p:cNvPr>
+          <p:cNvSpPr>
+            <a:spLocks noGrp="1"/>
+          </p:cNvSpPr>
+          <p:nvPr>
+            <p:ph type="ftr" sz="quarter" idx="12"/>
           </p:nvPr>
         </p:nvSpPr>
         <p:spPr/>
@@ -2174,10 +2192,10 @@
       </p:sp>
       <p:sp>
         <p:nvSpPr>
-          <p:cNvPr id="9" name="Header Placeholder 8">
+          <p:cNvPr id="7" name="Header Placeholder 6">
             <a:extLst>
               <a:ext uri="{FF2B5EF4-FFF2-40B4-BE49-F238E27FC236}">
-                <a16:creationId xmlns:a16="http://schemas.microsoft.com/office/drawing/2014/main" id="{E0F78483-C1B0-470C-ACDF-3FFAE031C6ED}"/>
+                <a16:creationId xmlns:a16="http://schemas.microsoft.com/office/drawing/2014/main" id="{1C7DFC74-16C9-4146-B136-C825DE01E4DA}"/>
               </a:ext>
             </a:extLst>
           </p:cNvPr>
@@ -2185,7 +2203,7 @@
             <a:spLocks noGrp="1"/>
           </p:cNvSpPr>
           <p:nvPr>
-            <p:ph type="hdr" sz="quarter" idx="15"/>
+            <p:ph type="hdr" sz="quarter" idx="13"/>
           </p:nvPr>
         </p:nvSpPr>
         <p:spPr/>
@@ -2200,7 +2218,7 @@
     </p:spTree>
     <p:extLst>
       <p:ext uri="{BB962C8B-B14F-4D97-AF65-F5344CB8AC3E}">
-        <p14:creationId xmlns:p14="http://schemas.microsoft.com/office/powerpoint/2010/main" val="2255619978"/>
+        <p14:creationId xmlns:p14="http://schemas.microsoft.com/office/powerpoint/2010/main" val="2741036457"/>
       </p:ext>
     </p:extLst>
   </p:cSld>
@@ -2260,12 +2278,12 @@
       </p:sp>
       <p:sp>
         <p:nvSpPr>
-          <p:cNvPr id="4" name="Header Placeholder 3"/>
+          <p:cNvPr id="6" name="Date Placeholder 5"/>
           <p:cNvSpPr>
             <a:spLocks noGrp="1"/>
           </p:cNvSpPr>
           <p:nvPr>
-            <p:ph type="hdr" sz="quarter" idx="10"/>
+            <p:ph type="dt" idx="12"/>
           </p:nvPr>
         </p:nvSpPr>
         <p:spPr/>
@@ -2273,18 +2291,52 @@
           <a:bodyPr/>
           <a:lstStyle/>
           <a:p>
+            <a:fld id="{353CB5B1-3D40-4389-814A-A3E0AEC8E2FF}" type="datetime8">
+              <a:rPr lang="en-US" smtClean="0"/>
+              <a:t>11/23/2022 11:15 AM</a:t>
+            </a:fld>
             <a:endParaRPr lang="en-US" dirty="0"/>
           </a:p>
         </p:txBody>
       </p:sp>
       <p:sp>
         <p:nvSpPr>
-          <p:cNvPr id="5" name="Footer Placeholder 4"/>
+          <p:cNvPr id="7" name="Slide Number Placeholder 6"/>
           <p:cNvSpPr>
             <a:spLocks noGrp="1"/>
           </p:cNvSpPr>
           <p:nvPr>
-            <p:ph type="ftr" sz="quarter" idx="11"/>
+            <p:ph type="sldNum" sz="quarter" idx="13"/>
+          </p:nvPr>
+        </p:nvSpPr>
+        <p:spPr/>
+        <p:txBody>
+          <a:bodyPr/>
+          <a:lstStyle/>
+          <a:p>
+            <a:fld id="{B4008EB6-D09E-4580-8CD6-DDB14511944F}" type="slidenum">
+              <a:rPr lang="en-US" smtClean="0"/>
+              <a:pPr/>
+              <a:t>31</a:t>
+            </a:fld>
+            <a:endParaRPr lang="en-US" dirty="0"/>
+          </a:p>
+        </p:txBody>
+      </p:sp>
+      <p:sp>
+        <p:nvSpPr>
+          <p:cNvPr id="8" name="Footer Placeholder 7">
+            <a:extLst>
+              <a:ext uri="{FF2B5EF4-FFF2-40B4-BE49-F238E27FC236}">
+                <a16:creationId xmlns:a16="http://schemas.microsoft.com/office/drawing/2014/main" id="{AB0A3098-74CE-4AF5-9C5C-C2A7A2AE65A8}"/>
+              </a:ext>
+            </a:extLst>
+          </p:cNvPr>
+          <p:cNvSpPr>
+            <a:spLocks noGrp="1"/>
+          </p:cNvSpPr>
+          <p:nvPr>
+            <p:ph type="ftr" sz="quarter" idx="14"/>
           </p:nvPr>
         </p:nvSpPr>
         <p:spPr/>
@@ -2317,12 +2369,18 @@
       </p:sp>
       <p:sp>
         <p:nvSpPr>
-          <p:cNvPr id="6" name="Date Placeholder 5"/>
+          <p:cNvPr id="9" name="Header Placeholder 8">
+            <a:extLst>
+              <a:ext uri="{FF2B5EF4-FFF2-40B4-BE49-F238E27FC236}">
+                <a16:creationId xmlns:a16="http://schemas.microsoft.com/office/drawing/2014/main" id="{E0F78483-C1B0-470C-ACDF-3FFAE031C6ED}"/>
+              </a:ext>
+            </a:extLst>
+          </p:cNvPr>
           <p:cNvSpPr>
             <a:spLocks noGrp="1"/>
           </p:cNvSpPr>
           <p:nvPr>
-            <p:ph type="dt" idx="12"/>
+            <p:ph type="hdr" sz="quarter" idx="15"/>
           </p:nvPr>
         </p:nvSpPr>
         <p:spPr/>
@@ -2330,34 +2388,6 @@
           <a:bodyPr/>
           <a:lstStyle/>
           <a:p>
-            <a:fld id="{B16574EE-8191-4BCC-ABE6-D00A4F4D7690}" type="datetime8">
-              <a:rPr lang="en-US" smtClean="0"/>
-              <a:t>10/19/2022 3:41 PM</a:t>
-            </a:fld>
-            <a:endParaRPr lang="en-US" dirty="0"/>
-          </a:p>
-        </p:txBody>
-      </p:sp>
-      <p:sp>
-        <p:nvSpPr>
-          <p:cNvPr id="7" name="Slide Number Placeholder 6"/>
-          <p:cNvSpPr>
-            <a:spLocks noGrp="1"/>
-          </p:cNvSpPr>
-          <p:nvPr>
-            <p:ph type="sldNum" sz="quarter" idx="13"/>
-          </p:nvPr>
-        </p:nvSpPr>
-        <p:spPr/>
-        <p:txBody>
-          <a:bodyPr/>
-          <a:lstStyle/>
-          <a:p>
-            <a:fld id="{B4008EB6-D09E-4580-8CD6-DDB14511944F}" type="slidenum">
-              <a:rPr lang="en-US" smtClean="0"/>
-              <a:pPr/>
-              <a:t>29</a:t>
-            </a:fld>
             <a:endParaRPr lang="en-US" dirty="0"/>
           </a:p>
         </p:txBody>
@@ -2365,7 +2395,7 @@
     </p:spTree>
     <p:extLst>
       <p:ext uri="{BB962C8B-B14F-4D97-AF65-F5344CB8AC3E}">
-        <p14:creationId xmlns:p14="http://schemas.microsoft.com/office/powerpoint/2010/main" val="511922872"/>
+        <p14:creationId xmlns:p14="http://schemas.microsoft.com/office/powerpoint/2010/main" val="379290385"/>
       </p:ext>
     </p:extLst>
   </p:cSld>
@@ -2425,12 +2455,12 @@
       </p:sp>
       <p:sp>
         <p:nvSpPr>
-          <p:cNvPr id="4" name="Header Placeholder 3"/>
+          <p:cNvPr id="6" name="Date Placeholder 5"/>
           <p:cNvSpPr>
             <a:spLocks noGrp="1"/>
           </p:cNvSpPr>
           <p:nvPr>
-            <p:ph type="hdr" sz="quarter" idx="10"/>
+            <p:ph type="dt" idx="12"/>
           </p:nvPr>
         </p:nvSpPr>
         <p:spPr/>
@@ -2438,18 +2468,52 @@
           <a:bodyPr/>
           <a:lstStyle/>
           <a:p>
+            <a:fld id="{353CB5B1-3D40-4389-814A-A3E0AEC8E2FF}" type="datetime8">
+              <a:rPr lang="en-US" smtClean="0"/>
+              <a:t>11/23/2022 11:15 AM</a:t>
+            </a:fld>
             <a:endParaRPr lang="en-US" dirty="0"/>
           </a:p>
         </p:txBody>
       </p:sp>
       <p:sp>
         <p:nvSpPr>
-          <p:cNvPr id="5" name="Footer Placeholder 4"/>
+          <p:cNvPr id="7" name="Slide Number Placeholder 6"/>
           <p:cNvSpPr>
             <a:spLocks noGrp="1"/>
           </p:cNvSpPr>
           <p:nvPr>
-            <p:ph type="ftr" sz="quarter" idx="11"/>
+            <p:ph type="sldNum" sz="quarter" idx="13"/>
+          </p:nvPr>
+        </p:nvSpPr>
+        <p:spPr/>
+        <p:txBody>
+          <a:bodyPr/>
+          <a:lstStyle/>
+          <a:p>
+            <a:fld id="{B4008EB6-D09E-4580-8CD6-DDB14511944F}" type="slidenum">
+              <a:rPr lang="en-US" smtClean="0"/>
+              <a:pPr/>
+              <a:t>32</a:t>
+            </a:fld>
+            <a:endParaRPr lang="en-US" dirty="0"/>
+          </a:p>
+        </p:txBody>
+      </p:sp>
+      <p:sp>
+        <p:nvSpPr>
+          <p:cNvPr id="8" name="Footer Placeholder 7">
+            <a:extLst>
+              <a:ext uri="{FF2B5EF4-FFF2-40B4-BE49-F238E27FC236}">
+                <a16:creationId xmlns:a16="http://schemas.microsoft.com/office/drawing/2014/main" id="{AB0A3098-74CE-4AF5-9C5C-C2A7A2AE65A8}"/>
+              </a:ext>
+            </a:extLst>
+          </p:cNvPr>
+          <p:cNvSpPr>
+            <a:spLocks noGrp="1"/>
+          </p:cNvSpPr>
+          <p:nvPr>
+            <p:ph type="ftr" sz="quarter" idx="14"/>
           </p:nvPr>
         </p:nvSpPr>
         <p:spPr/>
@@ -2482,12 +2546,18 @@
       </p:sp>
       <p:sp>
         <p:nvSpPr>
-          <p:cNvPr id="6" name="Date Placeholder 5"/>
+          <p:cNvPr id="9" name="Header Placeholder 8">
+            <a:extLst>
+              <a:ext uri="{FF2B5EF4-FFF2-40B4-BE49-F238E27FC236}">
+                <a16:creationId xmlns:a16="http://schemas.microsoft.com/office/drawing/2014/main" id="{E0F78483-C1B0-470C-ACDF-3FFAE031C6ED}"/>
+              </a:ext>
+            </a:extLst>
+          </p:cNvPr>
           <p:cNvSpPr>
             <a:spLocks noGrp="1"/>
           </p:cNvSpPr>
           <p:nvPr>
-            <p:ph type="dt" idx="12"/>
+            <p:ph type="hdr" sz="quarter" idx="15"/>
           </p:nvPr>
         </p:nvSpPr>
         <p:spPr/>
@@ -2495,34 +2565,6 @@
           <a:bodyPr/>
           <a:lstStyle/>
           <a:p>
-            <a:fld id="{E2F19A73-88F5-4B80-A929-CF8E66EE5449}" type="datetime8">
-              <a:rPr lang="en-US" smtClean="0"/>
-              <a:t>10/19/2022 3:41 PM</a:t>
-            </a:fld>
-            <a:endParaRPr lang="en-US" dirty="0"/>
-          </a:p>
-        </p:txBody>
-      </p:sp>
-      <p:sp>
-        <p:nvSpPr>
-          <p:cNvPr id="7" name="Slide Number Placeholder 6"/>
-          <p:cNvSpPr>
-            <a:spLocks noGrp="1"/>
-          </p:cNvSpPr>
-          <p:nvPr>
-            <p:ph type="sldNum" sz="quarter" idx="13"/>
-          </p:nvPr>
-        </p:nvSpPr>
-        <p:spPr/>
-        <p:txBody>
-          <a:bodyPr/>
-          <a:lstStyle/>
-          <a:p>
-            <a:fld id="{B4008EB6-D09E-4580-8CD6-DDB14511944F}" type="slidenum">
-              <a:rPr lang="en-US" smtClean="0"/>
-              <a:pPr/>
-              <a:t>30</a:t>
-            </a:fld>
             <a:endParaRPr lang="en-US" dirty="0"/>
           </a:p>
         </p:txBody>
@@ -2530,7 +2572,7 @@
     </p:spTree>
     <p:extLst>
       <p:ext uri="{BB962C8B-B14F-4D97-AF65-F5344CB8AC3E}">
-        <p14:creationId xmlns:p14="http://schemas.microsoft.com/office/powerpoint/2010/main" val="2548236910"/>
+        <p14:creationId xmlns:p14="http://schemas.microsoft.com/office/powerpoint/2010/main" val="2255619978"/>
       </p:ext>
     </p:extLst>
   </p:cSld>
@@ -2590,12 +2632,12 @@
       </p:sp>
       <p:sp>
         <p:nvSpPr>
-          <p:cNvPr id="6" name="Slide Number Placeholder 5"/>
+          <p:cNvPr id="4" name="Header Placeholder 3"/>
           <p:cNvSpPr>
             <a:spLocks noGrp="1"/>
           </p:cNvSpPr>
           <p:nvPr>
-            <p:ph type="sldNum" sz="quarter" idx="12"/>
+            <p:ph type="hdr" sz="quarter" idx="10"/>
           </p:nvPr>
         </p:nvSpPr>
         <p:spPr/>
@@ -2603,46 +2645,18 @@
           <a:bodyPr/>
           <a:lstStyle/>
           <a:p>
-            <a:fld id="{B4008EB6-D09E-4580-8CD6-DDB14511944F}" type="slidenum">
-              <a:rPr lang="en-US" smtClean="0"/>
-              <a:pPr/>
-              <a:t>31</a:t>
-            </a:fld>
             <a:endParaRPr lang="en-US" dirty="0"/>
           </a:p>
         </p:txBody>
       </p:sp>
       <p:sp>
         <p:nvSpPr>
-          <p:cNvPr id="10" name="Date Placeholder 9"/>
+          <p:cNvPr id="5" name="Footer Placeholder 4"/>
           <p:cNvSpPr>
             <a:spLocks noGrp="1"/>
           </p:cNvSpPr>
           <p:nvPr>
-            <p:ph type="dt" idx="13"/>
-          </p:nvPr>
-        </p:nvSpPr>
-        <p:spPr/>
-        <p:txBody>
-          <a:bodyPr/>
-          <a:lstStyle/>
-          <a:p>
-            <a:fld id="{D44C3489-8257-4E60-994D-6A5CEE67ED71}" type="datetime8">
-              <a:rPr lang="en-US" smtClean="0"/>
-              <a:t>10/19/2022 3:41 PM</a:t>
-            </a:fld>
-            <a:endParaRPr lang="en-US" dirty="0"/>
-          </a:p>
-        </p:txBody>
-      </p:sp>
-      <p:sp>
-        <p:nvSpPr>
-          <p:cNvPr id="4" name="Footer Placeholder 3"/>
-          <p:cNvSpPr>
-            <a:spLocks noGrp="1"/>
-          </p:cNvSpPr>
-          <p:nvPr>
-            <p:ph type="ftr" sz="quarter" idx="14"/>
+            <p:ph type="ftr" sz="quarter" idx="11"/>
           </p:nvPr>
         </p:nvSpPr>
         <p:spPr/>
@@ -2675,12 +2689,12 @@
       </p:sp>
       <p:sp>
         <p:nvSpPr>
-          <p:cNvPr id="5" name="Header Placeholder 4"/>
+          <p:cNvPr id="6" name="Date Placeholder 5"/>
           <p:cNvSpPr>
             <a:spLocks noGrp="1"/>
           </p:cNvSpPr>
           <p:nvPr>
-            <p:ph type="hdr" sz="quarter" idx="15"/>
+            <p:ph type="dt" idx="12"/>
           </p:nvPr>
         </p:nvSpPr>
         <p:spPr/>
@@ -2688,6 +2702,34 @@
           <a:bodyPr/>
           <a:lstStyle/>
           <a:p>
+            <a:fld id="{B16574EE-8191-4BCC-ABE6-D00A4F4D7690}" type="datetime8">
+              <a:rPr lang="en-US" smtClean="0"/>
+              <a:t>11/23/2022 11:15 AM</a:t>
+            </a:fld>
+            <a:endParaRPr lang="en-US" dirty="0"/>
+          </a:p>
+        </p:txBody>
+      </p:sp>
+      <p:sp>
+        <p:nvSpPr>
+          <p:cNvPr id="7" name="Slide Number Placeholder 6"/>
+          <p:cNvSpPr>
+            <a:spLocks noGrp="1"/>
+          </p:cNvSpPr>
+          <p:nvPr>
+            <p:ph type="sldNum" sz="quarter" idx="13"/>
+          </p:nvPr>
+        </p:nvSpPr>
+        <p:spPr/>
+        <p:txBody>
+          <a:bodyPr/>
+          <a:lstStyle/>
+          <a:p>
+            <a:fld id="{B4008EB6-D09E-4580-8CD6-DDB14511944F}" type="slidenum">
+              <a:rPr lang="en-US" smtClean="0"/>
+              <a:pPr/>
+              <a:t>33</a:t>
+            </a:fld>
             <a:endParaRPr lang="en-US" dirty="0"/>
           </a:p>
         </p:txBody>
@@ -2695,7 +2737,7 @@
     </p:spTree>
     <p:extLst>
       <p:ext uri="{BB962C8B-B14F-4D97-AF65-F5344CB8AC3E}">
-        <p14:creationId xmlns:p14="http://schemas.microsoft.com/office/powerpoint/2010/main" val="3104623784"/>
+        <p14:creationId xmlns:p14="http://schemas.microsoft.com/office/powerpoint/2010/main" val="511922872"/>
       </p:ext>
     </p:extLst>
   </p:cSld>
@@ -2843,7 +2885,7 @@
           <a:p>
             <a:fld id="{386CE63F-9E7F-4C04-9D0D-FCA25A8E9E86}" type="datetime8">
               <a:rPr lang="en-US" smtClean="0"/>
-              <a:t>10/19/2022 3:41 PM</a:t>
+              <a:t>11/23/2022 11:15 AM</a:t>
             </a:fld>
             <a:endParaRPr lang="en-US" dirty="0"/>
           </a:p>
@@ -2913,12 +2955,7 @@
             <p:ph type="sldImg"/>
           </p:nvPr>
         </p:nvSpPr>
-        <p:spPr>
-          <a:xfrm>
-            <a:off x="381000" y="685800"/>
-            <a:ext cx="6096000" cy="3429000"/>
-          </a:xfrm>
-        </p:spPr>
+        <p:spPr/>
       </p:sp>
       <p:sp>
         <p:nvSpPr>
@@ -2932,9 +2969,7 @@
         </p:nvSpPr>
         <p:spPr/>
         <p:txBody>
-          <a:bodyPr>
-            <a:normAutofit/>
-          </a:bodyPr>
+          <a:bodyPr/>
           <a:lstStyle/>
           <a:p>
             <a:endParaRPr lang="en-US" dirty="0"/>
@@ -2951,98 +2986,23 @@
             <p:ph type="hdr" sz="quarter" idx="10"/>
           </p:nvPr>
         </p:nvSpPr>
-        <p:spPr>
-          <a:xfrm>
-            <a:off x="0" y="0"/>
-            <a:ext cx="2971800" cy="457200"/>
-          </a:xfrm>
-          <a:prstGeom prst="rect">
-            <a:avLst/>
-          </a:prstGeom>
-        </p:spPr>
+        <p:spPr/>
         <p:txBody>
           <a:bodyPr/>
           <a:lstStyle/>
           <a:p>
-            <a:endParaRPr lang="en-US" dirty="0">
-              <a:solidFill>
-                <a:prstClr val="black"/>
-              </a:solidFill>
-            </a:endParaRPr>
+            <a:endParaRPr lang="en-US" dirty="0"/>
           </a:p>
         </p:txBody>
       </p:sp>
       <p:sp>
         <p:nvSpPr>
-          <p:cNvPr id="5" name="Date Placeholder 4"/>
+          <p:cNvPr id="5" name="Footer Placeholder 4"/>
           <p:cNvSpPr>
             <a:spLocks noGrp="1"/>
           </p:cNvSpPr>
           <p:nvPr>
-            <p:ph type="dt" idx="11"/>
-          </p:nvPr>
-        </p:nvSpPr>
-        <p:spPr/>
-        <p:txBody>
-          <a:bodyPr/>
-          <a:lstStyle/>
-          <a:p>
-            <a:fld id="{C0CB9372-CA2B-44D2-90ED-A4A158EB6F2D}" type="datetime8">
-              <a:rPr lang="en-US" smtClean="0">
-                <a:solidFill>
-                  <a:prstClr val="black"/>
-                </a:solidFill>
-              </a:rPr>
-              <a:t>10/19/2022 3:41 PM</a:t>
-            </a:fld>
-            <a:endParaRPr lang="en-US" dirty="0">
-              <a:solidFill>
-                <a:prstClr val="black"/>
-              </a:solidFill>
-            </a:endParaRPr>
-          </a:p>
-        </p:txBody>
-      </p:sp>
-      <p:sp>
-        <p:nvSpPr>
-          <p:cNvPr id="7" name="Slide Number Placeholder 6"/>
-          <p:cNvSpPr>
-            <a:spLocks noGrp="1"/>
-          </p:cNvSpPr>
-          <p:nvPr>
-            <p:ph type="sldNum" sz="quarter" idx="13"/>
-          </p:nvPr>
-        </p:nvSpPr>
-        <p:spPr/>
-        <p:txBody>
-          <a:bodyPr/>
-          <a:lstStyle/>
-          <a:p>
-            <a:fld id="{EC87E0CF-87F6-4B58-B8B8-DCAB2DAAF3CA}" type="slidenum">
-              <a:rPr lang="en-US" smtClean="0">
-                <a:solidFill>
-                  <a:prstClr val="black"/>
-                </a:solidFill>
-              </a:rPr>
-              <a:pPr/>
-              <a:t>32</a:t>
-            </a:fld>
-            <a:endParaRPr lang="en-US" dirty="0">
-              <a:solidFill>
-                <a:prstClr val="black"/>
-              </a:solidFill>
-            </a:endParaRPr>
-          </a:p>
-        </p:txBody>
-      </p:sp>
-      <p:sp>
-        <p:nvSpPr>
-          <p:cNvPr id="6" name="Footer Placeholder 5"/>
-          <p:cNvSpPr>
-            <a:spLocks noGrp="1"/>
-          </p:cNvSpPr>
-          <p:nvPr>
-            <p:ph type="ftr" sz="quarter" idx="14"/>
+            <p:ph type="ftr" sz="quarter" idx="11"/>
           </p:nvPr>
         </p:nvSpPr>
         <p:spPr/>
@@ -3073,10 +3033,57 @@
           </a:p>
         </p:txBody>
       </p:sp>
+      <p:sp>
+        <p:nvSpPr>
+          <p:cNvPr id="6" name="Date Placeholder 5"/>
+          <p:cNvSpPr>
+            <a:spLocks noGrp="1"/>
+          </p:cNvSpPr>
+          <p:nvPr>
+            <p:ph type="dt" idx="12"/>
+          </p:nvPr>
+        </p:nvSpPr>
+        <p:spPr/>
+        <p:txBody>
+          <a:bodyPr/>
+          <a:lstStyle/>
+          <a:p>
+            <a:fld id="{E2F19A73-88F5-4B80-A929-CF8E66EE5449}" type="datetime8">
+              <a:rPr lang="en-US" smtClean="0"/>
+              <a:t>11/23/2022 11:15 AM</a:t>
+            </a:fld>
+            <a:endParaRPr lang="en-US" dirty="0"/>
+          </a:p>
+        </p:txBody>
+      </p:sp>
+      <p:sp>
+        <p:nvSpPr>
+          <p:cNvPr id="7" name="Slide Number Placeholder 6"/>
+          <p:cNvSpPr>
+            <a:spLocks noGrp="1"/>
+          </p:cNvSpPr>
+          <p:nvPr>
+            <p:ph type="sldNum" sz="quarter" idx="13"/>
+          </p:nvPr>
+        </p:nvSpPr>
+        <p:spPr/>
+        <p:txBody>
+          <a:bodyPr/>
+          <a:lstStyle/>
+          <a:p>
+            <a:fld id="{B4008EB6-D09E-4580-8CD6-DDB14511944F}" type="slidenum">
+              <a:rPr lang="en-US" smtClean="0"/>
+              <a:pPr/>
+              <a:t>34</a:t>
+            </a:fld>
+            <a:endParaRPr lang="en-US" dirty="0"/>
+          </a:p>
+        </p:txBody>
+      </p:sp>
     </p:spTree>
     <p:extLst>
       <p:ext uri="{BB962C8B-B14F-4D97-AF65-F5344CB8AC3E}">
-        <p14:creationId xmlns:p14="http://schemas.microsoft.com/office/powerpoint/2010/main" val="247942525"/>
+        <p14:creationId xmlns:p14="http://schemas.microsoft.com/office/powerpoint/2010/main" val="2548236910"/>
       </p:ext>
     </p:extLst>
   </p:cSld>
@@ -3113,6 +3120,171 @@
             <p:ph type="sldImg"/>
           </p:nvPr>
         </p:nvSpPr>
+        <p:spPr/>
+      </p:sp>
+      <p:sp>
+        <p:nvSpPr>
+          <p:cNvPr id="3" name="Notes Placeholder 2"/>
+          <p:cNvSpPr>
+            <a:spLocks noGrp="1"/>
+          </p:cNvSpPr>
+          <p:nvPr>
+            <p:ph type="body" idx="1"/>
+          </p:nvPr>
+        </p:nvSpPr>
+        <p:spPr/>
+        <p:txBody>
+          <a:bodyPr/>
+          <a:lstStyle/>
+          <a:p>
+            <a:endParaRPr lang="en-US" dirty="0"/>
+          </a:p>
+        </p:txBody>
+      </p:sp>
+      <p:sp>
+        <p:nvSpPr>
+          <p:cNvPr id="6" name="Slide Number Placeholder 5"/>
+          <p:cNvSpPr>
+            <a:spLocks noGrp="1"/>
+          </p:cNvSpPr>
+          <p:nvPr>
+            <p:ph type="sldNum" sz="quarter" idx="12"/>
+          </p:nvPr>
+        </p:nvSpPr>
+        <p:spPr/>
+        <p:txBody>
+          <a:bodyPr/>
+          <a:lstStyle/>
+          <a:p>
+            <a:fld id="{B4008EB6-D09E-4580-8CD6-DDB14511944F}" type="slidenum">
+              <a:rPr lang="en-US" smtClean="0"/>
+              <a:pPr/>
+              <a:t>35</a:t>
+            </a:fld>
+            <a:endParaRPr lang="en-US" dirty="0"/>
+          </a:p>
+        </p:txBody>
+      </p:sp>
+      <p:sp>
+        <p:nvSpPr>
+          <p:cNvPr id="10" name="Date Placeholder 9"/>
+          <p:cNvSpPr>
+            <a:spLocks noGrp="1"/>
+          </p:cNvSpPr>
+          <p:nvPr>
+            <p:ph type="dt" idx="13"/>
+          </p:nvPr>
+        </p:nvSpPr>
+        <p:spPr/>
+        <p:txBody>
+          <a:bodyPr/>
+          <a:lstStyle/>
+          <a:p>
+            <a:fld id="{D44C3489-8257-4E60-994D-6A5CEE67ED71}" type="datetime8">
+              <a:rPr lang="en-US" smtClean="0"/>
+              <a:t>11/23/2022 11:15 AM</a:t>
+            </a:fld>
+            <a:endParaRPr lang="en-US" dirty="0"/>
+          </a:p>
+        </p:txBody>
+      </p:sp>
+      <p:sp>
+        <p:nvSpPr>
+          <p:cNvPr id="4" name="Footer Placeholder 3"/>
+          <p:cNvSpPr>
+            <a:spLocks noGrp="1"/>
+          </p:cNvSpPr>
+          <p:nvPr>
+            <p:ph type="ftr" sz="quarter" idx="14"/>
+          </p:nvPr>
+        </p:nvSpPr>
+        <p:spPr/>
+        <p:txBody>
+          <a:bodyPr/>
+          <a:lstStyle/>
+          <a:p>
+            <a:pPr defTabSz="914099" eaLnBrk="0" hangingPunct="0"/>
+            <a:r>
+              <a:rPr lang="en-US" sz="400" dirty="0">
+                <a:gradFill>
+                  <a:gsLst>
+                    <a:gs pos="0">
+                      <a:prstClr val="black"/>
+                    </a:gs>
+                    <a:gs pos="100000">
+                      <a:prstClr val="black"/>
+                    </a:gs>
+                  </a:gsLst>
+                  <a:lin ang="5400000" scaled="0"/>
+                </a:gradFill>
+                <a:latin typeface="Segoe UI" pitchFamily="34" charset="0"/>
+                <a:ea typeface="Segoe UI" pitchFamily="34" charset="0"/>
+                <a:cs typeface="Segoe UI" pitchFamily="34" charset="0"/>
+              </a:rPr>
+              <a:t>© Microsoft Corporation. All rights reserved. MICROSOFT MAKES NO WARRANTIES, EXPRESS, IMPLIED OR STATUTORY, AS TO THE INFORMATION IN THIS PRESENTATION.</a:t>
+            </a:r>
+          </a:p>
+        </p:txBody>
+      </p:sp>
+      <p:sp>
+        <p:nvSpPr>
+          <p:cNvPr id="5" name="Header Placeholder 4"/>
+          <p:cNvSpPr>
+            <a:spLocks noGrp="1"/>
+          </p:cNvSpPr>
+          <p:nvPr>
+            <p:ph type="hdr" sz="quarter" idx="15"/>
+          </p:nvPr>
+        </p:nvSpPr>
+        <p:spPr/>
+        <p:txBody>
+          <a:bodyPr/>
+          <a:lstStyle/>
+          <a:p>
+            <a:endParaRPr lang="en-US" dirty="0"/>
+          </a:p>
+        </p:txBody>
+      </p:sp>
+    </p:spTree>
+    <p:extLst>
+      <p:ext uri="{BB962C8B-B14F-4D97-AF65-F5344CB8AC3E}">
+        <p14:creationId xmlns:p14="http://schemas.microsoft.com/office/powerpoint/2010/main" val="3104623784"/>
+      </p:ext>
+    </p:extLst>
+  </p:cSld>
+  <p:clrMapOvr>
+    <a:masterClrMapping/>
+  </p:clrMapOvr>
+</p:notes>
+</file>
+
+<file path=ppt/notesSlides/notesSlide22.xml><?xml version="1.0" encoding="utf-8"?>
+<p:notes xmlns:a="http://schemas.openxmlformats.org/drawingml/2006/main" xmlns:r="http://schemas.openxmlformats.org/officeDocument/2006/relationships" xmlns:p="http://schemas.openxmlformats.org/presentationml/2006/main">
+  <p:cSld>
+    <p:spTree>
+      <p:nvGrpSpPr>
+        <p:cNvPr id="1" name=""/>
+        <p:cNvGrpSpPr/>
+        <p:nvPr/>
+      </p:nvGrpSpPr>
+      <p:grpSpPr>
+        <a:xfrm>
+          <a:off x="0" y="0"/>
+          <a:ext cx="0" cy="0"/>
+          <a:chOff x="0" y="0"/>
+          <a:chExt cx="0" cy="0"/>
+        </a:xfrm>
+      </p:grpSpPr>
+      <p:sp>
+        <p:nvSpPr>
+          <p:cNvPr id="2" name="Slide Image Placeholder 1"/>
+          <p:cNvSpPr>
+            <a:spLocks noGrp="1" noRot="1" noChangeAspect="1"/>
+          </p:cNvSpPr>
+          <p:nvPr>
+            <p:ph type="sldImg"/>
+          </p:nvPr>
+        </p:nvSpPr>
         <p:spPr>
           <a:xfrm>
             <a:off x="381000" y="685800"/>
@@ -3187,13 +3359,13 @@
           <a:bodyPr/>
           <a:lstStyle/>
           <a:p>
-            <a:fld id="{0ECFDC7D-F4BE-4668-920D-08874925A5D7}" type="datetime8">
+            <a:fld id="{C0CB9372-CA2B-44D2-90ED-A4A158EB6F2D}" type="datetime8">
               <a:rPr lang="en-US" smtClean="0">
                 <a:solidFill>
                   <a:prstClr val="black"/>
                 </a:solidFill>
               </a:rPr>
-              <a:t>10/19/2022 3:41 PM</a:t>
+              <a:t>11/23/2022 11:15 AM</a:t>
             </a:fld>
             <a:endParaRPr lang="en-US" dirty="0">
               <a:solidFill>
@@ -3225,7 +3397,207 @@
                 </a:solidFill>
               </a:rPr>
               <a:pPr/>
-              <a:t>33</a:t>
+              <a:t>36</a:t>
+            </a:fld>
+            <a:endParaRPr lang="en-US" dirty="0">
+              <a:solidFill>
+                <a:prstClr val="black"/>
+              </a:solidFill>
+            </a:endParaRPr>
+          </a:p>
+        </p:txBody>
+      </p:sp>
+      <p:sp>
+        <p:nvSpPr>
+          <p:cNvPr id="6" name="Footer Placeholder 5"/>
+          <p:cNvSpPr>
+            <a:spLocks noGrp="1"/>
+          </p:cNvSpPr>
+          <p:nvPr>
+            <p:ph type="ftr" sz="quarter" idx="14"/>
+          </p:nvPr>
+        </p:nvSpPr>
+        <p:spPr/>
+        <p:txBody>
+          <a:bodyPr/>
+          <a:lstStyle/>
+          <a:p>
+            <a:pPr defTabSz="914099" eaLnBrk="0" hangingPunct="0"/>
+            <a:r>
+              <a:rPr lang="en-US" sz="400" dirty="0">
+                <a:gradFill>
+                  <a:gsLst>
+                    <a:gs pos="0">
+                      <a:prstClr val="black"/>
+                    </a:gs>
+                    <a:gs pos="100000">
+                      <a:prstClr val="black"/>
+                    </a:gs>
+                  </a:gsLst>
+                  <a:lin ang="5400000" scaled="0"/>
+                </a:gradFill>
+                <a:latin typeface="Segoe UI" pitchFamily="34" charset="0"/>
+                <a:ea typeface="Segoe UI" pitchFamily="34" charset="0"/>
+                <a:cs typeface="Segoe UI" pitchFamily="34" charset="0"/>
+              </a:rPr>
+              <a:t>© Microsoft Corporation. All rights reserved. MICROSOFT MAKES NO WARRANTIES, EXPRESS, IMPLIED OR STATUTORY, AS TO THE INFORMATION IN THIS PRESENTATION.</a:t>
+            </a:r>
+          </a:p>
+        </p:txBody>
+      </p:sp>
+    </p:spTree>
+    <p:extLst>
+      <p:ext uri="{BB962C8B-B14F-4D97-AF65-F5344CB8AC3E}">
+        <p14:creationId xmlns:p14="http://schemas.microsoft.com/office/powerpoint/2010/main" val="247942525"/>
+      </p:ext>
+    </p:extLst>
+  </p:cSld>
+  <p:clrMapOvr>
+    <a:masterClrMapping/>
+  </p:clrMapOvr>
+</p:notes>
+</file>
+
+<file path=ppt/notesSlides/notesSlide23.xml><?xml version="1.0" encoding="utf-8"?>
+<p:notes xmlns:a="http://schemas.openxmlformats.org/drawingml/2006/main" xmlns:r="http://schemas.openxmlformats.org/officeDocument/2006/relationships" xmlns:p="http://schemas.openxmlformats.org/presentationml/2006/main">
+  <p:cSld>
+    <p:spTree>
+      <p:nvGrpSpPr>
+        <p:cNvPr id="1" name=""/>
+        <p:cNvGrpSpPr/>
+        <p:nvPr/>
+      </p:nvGrpSpPr>
+      <p:grpSpPr>
+        <a:xfrm>
+          <a:off x="0" y="0"/>
+          <a:ext cx="0" cy="0"/>
+          <a:chOff x="0" y="0"/>
+          <a:chExt cx="0" cy="0"/>
+        </a:xfrm>
+      </p:grpSpPr>
+      <p:sp>
+        <p:nvSpPr>
+          <p:cNvPr id="2" name="Slide Image Placeholder 1"/>
+          <p:cNvSpPr>
+            <a:spLocks noGrp="1" noRot="1" noChangeAspect="1"/>
+          </p:cNvSpPr>
+          <p:nvPr>
+            <p:ph type="sldImg"/>
+          </p:nvPr>
+        </p:nvSpPr>
+        <p:spPr>
+          <a:xfrm>
+            <a:off x="381000" y="685800"/>
+            <a:ext cx="6096000" cy="3429000"/>
+          </a:xfrm>
+        </p:spPr>
+      </p:sp>
+      <p:sp>
+        <p:nvSpPr>
+          <p:cNvPr id="3" name="Notes Placeholder 2"/>
+          <p:cNvSpPr>
+            <a:spLocks noGrp="1"/>
+          </p:cNvSpPr>
+          <p:nvPr>
+            <p:ph type="body" idx="1"/>
+          </p:nvPr>
+        </p:nvSpPr>
+        <p:spPr/>
+        <p:txBody>
+          <a:bodyPr>
+            <a:normAutofit/>
+          </a:bodyPr>
+          <a:lstStyle/>
+          <a:p>
+            <a:endParaRPr lang="en-US" dirty="0"/>
+          </a:p>
+        </p:txBody>
+      </p:sp>
+      <p:sp>
+        <p:nvSpPr>
+          <p:cNvPr id="4" name="Header Placeholder 3"/>
+          <p:cNvSpPr>
+            <a:spLocks noGrp="1"/>
+          </p:cNvSpPr>
+          <p:nvPr>
+            <p:ph type="hdr" sz="quarter" idx="10"/>
+          </p:nvPr>
+        </p:nvSpPr>
+        <p:spPr>
+          <a:xfrm>
+            <a:off x="0" y="0"/>
+            <a:ext cx="2971800" cy="457200"/>
+          </a:xfrm>
+          <a:prstGeom prst="rect">
+            <a:avLst/>
+          </a:prstGeom>
+        </p:spPr>
+        <p:txBody>
+          <a:bodyPr/>
+          <a:lstStyle/>
+          <a:p>
+            <a:endParaRPr lang="en-US" dirty="0">
+              <a:solidFill>
+                <a:prstClr val="black"/>
+              </a:solidFill>
+            </a:endParaRPr>
+          </a:p>
+        </p:txBody>
+      </p:sp>
+      <p:sp>
+        <p:nvSpPr>
+          <p:cNvPr id="5" name="Date Placeholder 4"/>
+          <p:cNvSpPr>
+            <a:spLocks noGrp="1"/>
+          </p:cNvSpPr>
+          <p:nvPr>
+            <p:ph type="dt" idx="11"/>
+          </p:nvPr>
+        </p:nvSpPr>
+        <p:spPr/>
+        <p:txBody>
+          <a:bodyPr/>
+          <a:lstStyle/>
+          <a:p>
+            <a:fld id="{0ECFDC7D-F4BE-4668-920D-08874925A5D7}" type="datetime8">
+              <a:rPr lang="en-US" smtClean="0">
+                <a:solidFill>
+                  <a:prstClr val="black"/>
+                </a:solidFill>
+              </a:rPr>
+              <a:t>11/23/2022 11:15 AM</a:t>
+            </a:fld>
+            <a:endParaRPr lang="en-US" dirty="0">
+              <a:solidFill>
+                <a:prstClr val="black"/>
+              </a:solidFill>
+            </a:endParaRPr>
+          </a:p>
+        </p:txBody>
+      </p:sp>
+      <p:sp>
+        <p:nvSpPr>
+          <p:cNvPr id="7" name="Slide Number Placeholder 6"/>
+          <p:cNvSpPr>
+            <a:spLocks noGrp="1"/>
+          </p:cNvSpPr>
+          <p:nvPr>
+            <p:ph type="sldNum" sz="quarter" idx="13"/>
+          </p:nvPr>
+        </p:nvSpPr>
+        <p:spPr/>
+        <p:txBody>
+          <a:bodyPr/>
+          <a:lstStyle/>
+          <a:p>
+            <a:fld id="{EC87E0CF-87F6-4B58-B8B8-DCAB2DAAF3CA}" type="slidenum">
+              <a:rPr lang="en-US" smtClean="0">
+                <a:solidFill>
+                  <a:prstClr val="black"/>
+                </a:solidFill>
+              </a:rPr>
+              <a:pPr/>
+              <a:t>37</a:t>
             </a:fld>
             <a:endParaRPr lang="en-US" dirty="0">
               <a:solidFill>
@@ -3330,101 +3702,25 @@
           <a:bodyPr/>
           <a:lstStyle/>
           <a:p>
-            <a:pPr algn="l" rtl="0"/>
-            <a:br>
-              <a:rPr lang="en-US" b="0" i="0" dirty="0">
-                <a:solidFill>
-                  <a:srgbClr val="EEEEEE"/>
-                </a:solidFill>
-                <a:effectLst/>
-                <a:latin typeface="YouTube Noto"/>
-              </a:rPr>
-            </a:br>
-            <a:endParaRPr lang="en-US" b="0" i="0" dirty="0">
-              <a:solidFill>
-                <a:srgbClr val="EEEEEE"/>
-              </a:solidFill>
-              <a:effectLst/>
-              <a:latin typeface="YouTube Noto"/>
-            </a:endParaRPr>
-          </a:p>
-          <a:p>
-            <a:pPr marL="0" marR="0" lvl="0" indent="0" algn="l" defTabSz="914367" rtl="0" eaLnBrk="1" fontAlgn="auto" latinLnBrk="0" hangingPunct="1">
-              <a:lnSpc>
-                <a:spcPct val="90000"/>
-              </a:lnSpc>
-              <a:spcBef>
-                <a:spcPts val="0"/>
-              </a:spcBef>
-              <a:spcAft>
-                <a:spcPts val="333"/>
-              </a:spcAft>
-              <a:buClrTx/>
-              <a:buSzTx/>
-              <a:buFontTx/>
-              <a:buNone/>
-              <a:tabLst/>
-              <a:defRPr/>
-            </a:pPr>
-            <a:r>
-              <a:rPr lang="en-US" b="0" i="0" dirty="0">
-                <a:effectLst/>
-                <a:latin typeface="Roboto" panose="02000000000000000000" pitchFamily="2" charset="0"/>
-              </a:rPr>
-              <a:t>The best way to connect to a SharePoint Folder to speed up your Excel and Power BI data refresh</a:t>
-            </a:r>
-          </a:p>
-          <a:p>
-            <a:pPr algn="l" rtl="0"/>
-            <a:r>
-              <a:rPr lang="en-US" b="0" i="0" dirty="0">
-                <a:solidFill>
-                  <a:srgbClr val="EEEEEE"/>
-                </a:solidFill>
-                <a:effectLst/>
-                <a:latin typeface="YouTube Noto"/>
-              </a:rPr>
-              <a:t>https://www.youtube.com/watch?v=-XE7HEZbQiY</a:t>
-            </a:r>
-          </a:p>
-          <a:p>
-            <a:pPr algn="l" rtl="0"/>
-            <a:endParaRPr lang="en-US" b="0" i="0" dirty="0">
-              <a:solidFill>
-                <a:srgbClr val="EEEEEE"/>
-              </a:solidFill>
-              <a:effectLst/>
-              <a:latin typeface="YouTube Noto"/>
-            </a:endParaRPr>
-          </a:p>
-          <a:p>
-            <a:pPr algn="l" rtl="0"/>
-            <a:endParaRPr lang="en-US" b="0" i="0" dirty="0">
-              <a:solidFill>
-                <a:srgbClr val="EEEEEE"/>
-              </a:solidFill>
-              <a:effectLst/>
-              <a:latin typeface="YouTube Noto"/>
-            </a:endParaRPr>
-          </a:p>
-          <a:p>
-            <a:pPr algn="l"/>
-            <a:r>
-              <a:rPr lang="en-US" b="0" i="0" dirty="0">
-                <a:solidFill>
-                  <a:srgbClr val="000000"/>
-                </a:solidFill>
-                <a:effectLst/>
-                <a:latin typeface="var(--ytd-video-primary-info-renderer-title-font-family,inherit)"/>
-              </a:rPr>
-              <a:t>Power BI - Use relative references to avoid combine &amp; transform errors</a:t>
-            </a:r>
-          </a:p>
-          <a:p>
-            <a:r>
-              <a:rPr lang="en-US" dirty="0"/>
-              <a:t>https://www.youtube.com/watch?v=nscUeOL5m90</a:t>
-            </a:r>
+            <a:endParaRPr lang="en-IE" dirty="0"/>
+          </a:p>
+          <a:p>
+            <a:r>
+              <a:rPr lang="en-IE" b="1" dirty="0"/>
+              <a:t>Azure EA portal administration</a:t>
+            </a:r>
+          </a:p>
+          <a:p>
+            <a:r>
+              <a:rPr lang="en-IE" dirty="0"/>
+              <a:t>https://learn.microsoft.com/en-us/azure/cost-management-billing/manage/ea-portal-administration</a:t>
+            </a:r>
+          </a:p>
+          <a:p>
+            <a:endParaRPr lang="en-IE" dirty="0"/>
+          </a:p>
+          <a:p>
+            <a:endParaRPr lang="en-IE" dirty="0"/>
           </a:p>
         </p:txBody>
       </p:sp>
@@ -3518,7 +3814,7 @@
           <a:p>
             <a:fld id="{386CE63F-9E7F-4C04-9D0D-FCA25A8E9E86}" type="datetime8">
               <a:rPr lang="en-US" smtClean="0"/>
-              <a:t>10/19/2022 3:41 PM</a:t>
+              <a:t>11/23/2022 11:41 AM</a:t>
             </a:fld>
             <a:endParaRPr lang="en-US" dirty="0"/>
           </a:p>
@@ -3542,7 +3838,7 @@
             <a:fld id="{B4008EB6-D09E-4580-8CD6-DDB14511944F}" type="slidenum">
               <a:rPr lang="en-US" smtClean="0"/>
               <a:pPr/>
-              <a:t>10</a:t>
+              <a:t>4</a:t>
             </a:fld>
             <a:endParaRPr lang="en-US" dirty="0"/>
           </a:p>
@@ -3551,7 +3847,7 @@
     </p:spTree>
     <p:extLst>
       <p:ext uri="{BB962C8B-B14F-4D97-AF65-F5344CB8AC3E}">
-        <p14:creationId xmlns:p14="http://schemas.microsoft.com/office/powerpoint/2010/main" val="1076171450"/>
+        <p14:creationId xmlns:p14="http://schemas.microsoft.com/office/powerpoint/2010/main" val="2524348600"/>
       </p:ext>
     </p:extLst>
   </p:cSld>
@@ -3605,7 +3901,7 @@
           <a:bodyPr/>
           <a:lstStyle/>
           <a:p>
-            <a:endParaRPr lang="en-US" dirty="0"/>
+            <a:endParaRPr lang="en-IE" dirty="0"/>
           </a:p>
         </p:txBody>
       </p:sp>
@@ -3616,7 +3912,7 @@
             <a:spLocks noGrp="1"/>
           </p:cNvSpPr>
           <p:nvPr>
-            <p:ph type="hdr" sz="quarter" idx="10"/>
+            <p:ph type="hdr" sz="quarter"/>
           </p:nvPr>
         </p:nvSpPr>
         <p:spPr/>
@@ -3635,7 +3931,7 @@
             <a:spLocks noGrp="1"/>
           </p:cNvSpPr>
           <p:nvPr>
-            <p:ph type="ftr" sz="quarter" idx="11"/>
+            <p:ph type="ftr" sz="quarter" idx="4"/>
           </p:nvPr>
         </p:nvSpPr>
         <p:spPr/>
@@ -3645,7 +3941,7 @@
           <a:p>
             <a:pPr defTabSz="914099" eaLnBrk="0" hangingPunct="0"/>
             <a:r>
-              <a:rPr lang="en-US" sz="400" dirty="0">
+              <a:rPr lang="en-US" sz="400">
                 <a:gradFill>
                   <a:gsLst>
                     <a:gs pos="0">
@@ -3663,6 +3959,22 @@
               </a:rPr>
               <a:t>© Microsoft Corporation. All rights reserved. MICROSOFT MAKES NO WARRANTIES, EXPRESS, IMPLIED OR STATUTORY, AS TO THE INFORMATION IN THIS PRESENTATION.</a:t>
             </a:r>
+            <a:endParaRPr lang="en-US" sz="400" dirty="0">
+              <a:gradFill>
+                <a:gsLst>
+                  <a:gs pos="0">
+                    <a:prstClr val="black"/>
+                  </a:gs>
+                  <a:gs pos="100000">
+                    <a:prstClr val="black"/>
+                  </a:gs>
+                </a:gsLst>
+                <a:lin ang="5400000" scaled="0"/>
+              </a:gradFill>
+              <a:latin typeface="Segoe UI" pitchFamily="34" charset="0"/>
+              <a:ea typeface="Segoe UI" pitchFamily="34" charset="0"/>
+              <a:cs typeface="Segoe UI" pitchFamily="34" charset="0"/>
+            </a:endParaRPr>
           </a:p>
         </p:txBody>
       </p:sp>
@@ -3673,7 +3985,7 @@
             <a:spLocks noGrp="1"/>
           </p:cNvSpPr>
           <p:nvPr>
-            <p:ph type="dt" idx="12"/>
+            <p:ph type="dt" idx="1"/>
           </p:nvPr>
         </p:nvSpPr>
         <p:spPr/>
@@ -3681,9 +3993,9 @@
           <a:bodyPr/>
           <a:lstStyle/>
           <a:p>
-            <a:fld id="{72E0C910-0166-48E0-B8EF-5071277A02A8}" type="datetime8">
+            <a:fld id="{386CE63F-9E7F-4C04-9D0D-FCA25A8E9E86}" type="datetime8">
               <a:rPr lang="en-US" smtClean="0"/>
-              <a:t>10/19/2022 3:41 PM</a:t>
+              <a:t>11/23/2022 11:34 AM</a:t>
             </a:fld>
             <a:endParaRPr lang="en-US" dirty="0"/>
           </a:p>
@@ -3696,7 +4008,7 @@
             <a:spLocks noGrp="1"/>
           </p:cNvSpPr>
           <p:nvPr>
-            <p:ph type="sldNum" sz="quarter" idx="13"/>
+            <p:ph type="sldNum" sz="quarter" idx="5"/>
           </p:nvPr>
         </p:nvSpPr>
         <p:spPr/>
@@ -3716,7 +4028,7 @@
     </p:spTree>
     <p:extLst>
       <p:ext uri="{BB962C8B-B14F-4D97-AF65-F5344CB8AC3E}">
-        <p14:creationId xmlns:p14="http://schemas.microsoft.com/office/powerpoint/2010/main" val="1601089676"/>
+        <p14:creationId xmlns:p14="http://schemas.microsoft.com/office/powerpoint/2010/main" val="989421088"/>
       </p:ext>
     </p:extLst>
   </p:cSld>
@@ -3770,7 +4082,101 @@
           <a:bodyPr/>
           <a:lstStyle/>
           <a:p>
-            <a:endParaRPr lang="en-US" dirty="0"/>
+            <a:pPr algn="l" rtl="0"/>
+            <a:br>
+              <a:rPr lang="en-US" b="0" i="0" dirty="0">
+                <a:solidFill>
+                  <a:srgbClr val="EEEEEE"/>
+                </a:solidFill>
+                <a:effectLst/>
+                <a:latin typeface="YouTube Noto"/>
+              </a:rPr>
+            </a:br>
+            <a:endParaRPr lang="en-US" b="0" i="0" dirty="0">
+              <a:solidFill>
+                <a:srgbClr val="EEEEEE"/>
+              </a:solidFill>
+              <a:effectLst/>
+              <a:latin typeface="YouTube Noto"/>
+            </a:endParaRPr>
+          </a:p>
+          <a:p>
+            <a:pPr marL="0" marR="0" lvl="0" indent="0" algn="l" defTabSz="914367" rtl="0" eaLnBrk="1" fontAlgn="auto" latinLnBrk="0" hangingPunct="1">
+              <a:lnSpc>
+                <a:spcPct val="90000"/>
+              </a:lnSpc>
+              <a:spcBef>
+                <a:spcPts val="0"/>
+              </a:spcBef>
+              <a:spcAft>
+                <a:spcPts val="333"/>
+              </a:spcAft>
+              <a:buClrTx/>
+              <a:buSzTx/>
+              <a:buFontTx/>
+              <a:buNone/>
+              <a:tabLst/>
+              <a:defRPr/>
+            </a:pPr>
+            <a:r>
+              <a:rPr lang="en-US" b="0" i="0" dirty="0">
+                <a:effectLst/>
+                <a:latin typeface="Roboto" panose="02000000000000000000" pitchFamily="2" charset="0"/>
+              </a:rPr>
+              <a:t>The best way to connect to a SharePoint Folder to speed up your Excel and Power BI data refresh</a:t>
+            </a:r>
+          </a:p>
+          <a:p>
+            <a:pPr algn="l" rtl="0"/>
+            <a:r>
+              <a:rPr lang="en-US" b="0" i="0" dirty="0">
+                <a:solidFill>
+                  <a:srgbClr val="EEEEEE"/>
+                </a:solidFill>
+                <a:effectLst/>
+                <a:latin typeface="YouTube Noto"/>
+              </a:rPr>
+              <a:t>https://www.youtube.com/watch?v=-XE7HEZbQiY</a:t>
+            </a:r>
+          </a:p>
+          <a:p>
+            <a:pPr algn="l" rtl="0"/>
+            <a:endParaRPr lang="en-US" b="0" i="0" dirty="0">
+              <a:solidFill>
+                <a:srgbClr val="EEEEEE"/>
+              </a:solidFill>
+              <a:effectLst/>
+              <a:latin typeface="YouTube Noto"/>
+            </a:endParaRPr>
+          </a:p>
+          <a:p>
+            <a:pPr algn="l" rtl="0"/>
+            <a:endParaRPr lang="en-US" b="0" i="0" dirty="0">
+              <a:solidFill>
+                <a:srgbClr val="EEEEEE"/>
+              </a:solidFill>
+              <a:effectLst/>
+              <a:latin typeface="YouTube Noto"/>
+            </a:endParaRPr>
+          </a:p>
+          <a:p>
+            <a:pPr algn="l"/>
+            <a:r>
+              <a:rPr lang="en-US" b="0" i="0" dirty="0">
+                <a:solidFill>
+                  <a:srgbClr val="000000"/>
+                </a:solidFill>
+                <a:effectLst/>
+                <a:latin typeface="var(--ytd-video-primary-info-renderer-title-font-family,inherit)"/>
+              </a:rPr>
+              <a:t>Power BI - Use relative references to avoid combine &amp; transform errors</a:t>
+            </a:r>
+          </a:p>
+          <a:p>
+            <a:r>
+              <a:rPr lang="en-US" dirty="0"/>
+              <a:t>https://www.youtube.com/watch?v=nscUeOL5m90</a:t>
+            </a:r>
           </a:p>
         </p:txBody>
       </p:sp>
@@ -3781,7 +4187,7 @@
             <a:spLocks noGrp="1"/>
           </p:cNvSpPr>
           <p:nvPr>
-            <p:ph type="hdr" sz="quarter" idx="10"/>
+            <p:ph type="hdr" sz="quarter"/>
           </p:nvPr>
         </p:nvSpPr>
         <p:spPr/>
@@ -3800,7 +4206,7 @@
             <a:spLocks noGrp="1"/>
           </p:cNvSpPr>
           <p:nvPr>
-            <p:ph type="ftr" sz="quarter" idx="11"/>
+            <p:ph type="ftr" sz="quarter" idx="4"/>
           </p:nvPr>
         </p:nvSpPr>
         <p:spPr/>
@@ -3810,7 +4216,7 @@
           <a:p>
             <a:pPr defTabSz="914099" eaLnBrk="0" hangingPunct="0"/>
             <a:r>
-              <a:rPr lang="en-US" sz="400" dirty="0">
+              <a:rPr lang="en-US" sz="400">
                 <a:gradFill>
                   <a:gsLst>
                     <a:gs pos="0">
@@ -3828,6 +4234,22 @@
               </a:rPr>
               <a:t>© Microsoft Corporation. All rights reserved. MICROSOFT MAKES NO WARRANTIES, EXPRESS, IMPLIED OR STATUTORY, AS TO THE INFORMATION IN THIS PRESENTATION.</a:t>
             </a:r>
+            <a:endParaRPr lang="en-US" sz="400" dirty="0">
+              <a:gradFill>
+                <a:gsLst>
+                  <a:gs pos="0">
+                    <a:prstClr val="black"/>
+                  </a:gs>
+                  <a:gs pos="100000">
+                    <a:prstClr val="black"/>
+                  </a:gs>
+                </a:gsLst>
+                <a:lin ang="5400000" scaled="0"/>
+              </a:gradFill>
+              <a:latin typeface="Segoe UI" pitchFamily="34" charset="0"/>
+              <a:ea typeface="Segoe UI" pitchFamily="34" charset="0"/>
+              <a:cs typeface="Segoe UI" pitchFamily="34" charset="0"/>
+            </a:endParaRPr>
           </a:p>
         </p:txBody>
       </p:sp>
@@ -3838,7 +4260,7 @@
             <a:spLocks noGrp="1"/>
           </p:cNvSpPr>
           <p:nvPr>
-            <p:ph type="dt" idx="12"/>
+            <p:ph type="dt" idx="1"/>
           </p:nvPr>
         </p:nvSpPr>
         <p:spPr/>
@@ -3846,9 +4268,9 @@
           <a:bodyPr/>
           <a:lstStyle/>
           <a:p>
-            <a:fld id="{9427A7F7-BB1E-479D-AFAA-B52F4D0C99F2}" type="datetime8">
+            <a:fld id="{386CE63F-9E7F-4C04-9D0D-FCA25A8E9E86}" type="datetime8">
               <a:rPr lang="en-US" smtClean="0"/>
-              <a:t>10/19/2022 3:41 PM</a:t>
+              <a:t>11/23/2022 11:15 AM</a:t>
             </a:fld>
             <a:endParaRPr lang="en-US" dirty="0"/>
           </a:p>
@@ -3861,7 +4283,7 @@
             <a:spLocks noGrp="1"/>
           </p:cNvSpPr>
           <p:nvPr>
-            <p:ph type="sldNum" sz="quarter" idx="13"/>
+            <p:ph type="sldNum" sz="quarter" idx="5"/>
           </p:nvPr>
         </p:nvSpPr>
         <p:spPr/>
@@ -3872,7 +4294,7 @@
             <a:fld id="{B4008EB6-D09E-4580-8CD6-DDB14511944F}" type="slidenum">
               <a:rPr lang="en-US" smtClean="0"/>
               <a:pPr/>
-              <a:t>13</a:t>
+              <a:t>14</a:t>
             </a:fld>
             <a:endParaRPr lang="en-US" dirty="0"/>
           </a:p>
@@ -3881,7 +4303,7 @@
     </p:spTree>
     <p:extLst>
       <p:ext uri="{BB962C8B-B14F-4D97-AF65-F5344CB8AC3E}">
-        <p14:creationId xmlns:p14="http://schemas.microsoft.com/office/powerpoint/2010/main" val="1958519690"/>
+        <p14:creationId xmlns:p14="http://schemas.microsoft.com/office/powerpoint/2010/main" val="1076171450"/>
       </p:ext>
     </p:extLst>
   </p:cSld>
@@ -4011,9 +4433,9 @@
           <a:bodyPr/>
           <a:lstStyle/>
           <a:p>
-            <a:fld id="{2D0AF0B6-AF0D-4EDB-B60E-27694EB68262}" type="datetime8">
+            <a:fld id="{72E0C910-0166-48E0-B8EF-5071277A02A8}" type="datetime8">
               <a:rPr lang="en-US" smtClean="0"/>
-              <a:t>10/19/2022 3:41 PM</a:t>
+              <a:t>11/23/2022 11:15 AM</a:t>
             </a:fld>
             <a:endParaRPr lang="en-US" dirty="0"/>
           </a:p>
@@ -4037,7 +4459,7 @@
             <a:fld id="{B4008EB6-D09E-4580-8CD6-DDB14511944F}" type="slidenum">
               <a:rPr lang="en-US" smtClean="0"/>
               <a:pPr/>
-              <a:t>14</a:t>
+              <a:t>16</a:t>
             </a:fld>
             <a:endParaRPr lang="en-US" dirty="0"/>
           </a:p>
@@ -4046,7 +4468,7 @@
     </p:spTree>
     <p:extLst>
       <p:ext uri="{BB962C8B-B14F-4D97-AF65-F5344CB8AC3E}">
-        <p14:creationId xmlns:p14="http://schemas.microsoft.com/office/powerpoint/2010/main" val="2942578556"/>
+        <p14:creationId xmlns:p14="http://schemas.microsoft.com/office/powerpoint/2010/main" val="1601089676"/>
       </p:ext>
     </p:extLst>
   </p:cSld>
@@ -4106,59 +4528,12 @@
       </p:sp>
       <p:sp>
         <p:nvSpPr>
-          <p:cNvPr id="6" name="Slide Number Placeholder 5"/>
+          <p:cNvPr id="4" name="Header Placeholder 3"/>
           <p:cNvSpPr>
             <a:spLocks noGrp="1"/>
           </p:cNvSpPr>
           <p:nvPr>
-            <p:ph type="sldNum" sz="quarter" idx="12"/>
-          </p:nvPr>
-        </p:nvSpPr>
-        <p:spPr/>
-        <p:txBody>
-          <a:bodyPr/>
-          <a:lstStyle/>
-          <a:p>
-            <a:fld id="{B4008EB6-D09E-4580-8CD6-DDB14511944F}" type="slidenum">
-              <a:rPr lang="en-US" smtClean="0"/>
-              <a:pPr/>
-              <a:t>15</a:t>
-            </a:fld>
-            <a:endParaRPr lang="en-US" dirty="0"/>
-          </a:p>
-        </p:txBody>
-      </p:sp>
-      <p:sp>
-        <p:nvSpPr>
-          <p:cNvPr id="10" name="Date Placeholder 9"/>
-          <p:cNvSpPr>
-            <a:spLocks noGrp="1"/>
-          </p:cNvSpPr>
-          <p:nvPr>
-            <p:ph type="dt" idx="13"/>
-          </p:nvPr>
-        </p:nvSpPr>
-        <p:spPr/>
-        <p:txBody>
-          <a:bodyPr/>
-          <a:lstStyle/>
-          <a:p>
-            <a:fld id="{1D9BFF88-B9B5-4B68-BAE1-09ACB5D03C54}" type="datetime8">
-              <a:rPr lang="en-US" smtClean="0"/>
-              <a:t>10/19/2022 3:41 PM</a:t>
-            </a:fld>
-            <a:endParaRPr lang="en-US" dirty="0"/>
-          </a:p>
-        </p:txBody>
-      </p:sp>
-      <p:sp>
-        <p:nvSpPr>
-          <p:cNvPr id="12" name="Header Placeholder 11"/>
-          <p:cNvSpPr>
-            <a:spLocks noGrp="1"/>
-          </p:cNvSpPr>
-          <p:nvPr>
-            <p:ph type="hdr" sz="quarter" idx="15"/>
+            <p:ph type="hdr" sz="quarter" idx="10"/>
           </p:nvPr>
         </p:nvSpPr>
         <p:spPr/>
@@ -4177,7 +4552,7 @@
             <a:spLocks noGrp="1"/>
           </p:cNvSpPr>
           <p:nvPr>
-            <p:ph type="ftr" sz="quarter" idx="16"/>
+            <p:ph type="ftr" sz="quarter" idx="11"/>
           </p:nvPr>
         </p:nvSpPr>
         <p:spPr/>
@@ -4208,10 +4583,57 @@
           </a:p>
         </p:txBody>
       </p:sp>
+      <p:sp>
+        <p:nvSpPr>
+          <p:cNvPr id="6" name="Date Placeholder 5"/>
+          <p:cNvSpPr>
+            <a:spLocks noGrp="1"/>
+          </p:cNvSpPr>
+          <p:nvPr>
+            <p:ph type="dt" idx="12"/>
+          </p:nvPr>
+        </p:nvSpPr>
+        <p:spPr/>
+        <p:txBody>
+          <a:bodyPr/>
+          <a:lstStyle/>
+          <a:p>
+            <a:fld id="{9427A7F7-BB1E-479D-AFAA-B52F4D0C99F2}" type="datetime8">
+              <a:rPr lang="en-US" smtClean="0"/>
+              <a:t>11/23/2022 11:15 AM</a:t>
+            </a:fld>
+            <a:endParaRPr lang="en-US" dirty="0"/>
+          </a:p>
+        </p:txBody>
+      </p:sp>
+      <p:sp>
+        <p:nvSpPr>
+          <p:cNvPr id="7" name="Slide Number Placeholder 6"/>
+          <p:cNvSpPr>
+            <a:spLocks noGrp="1"/>
+          </p:cNvSpPr>
+          <p:nvPr>
+            <p:ph type="sldNum" sz="quarter" idx="13"/>
+          </p:nvPr>
+        </p:nvSpPr>
+        <p:spPr/>
+        <p:txBody>
+          <a:bodyPr/>
+          <a:lstStyle/>
+          <a:p>
+            <a:fld id="{B4008EB6-D09E-4580-8CD6-DDB14511944F}" type="slidenum">
+              <a:rPr lang="en-US" smtClean="0"/>
+              <a:pPr/>
+              <a:t>17</a:t>
+            </a:fld>
+            <a:endParaRPr lang="en-US" dirty="0"/>
+          </a:p>
+        </p:txBody>
+      </p:sp>
     </p:spTree>
     <p:extLst>
       <p:ext uri="{BB962C8B-B14F-4D97-AF65-F5344CB8AC3E}">
-        <p14:creationId xmlns:p14="http://schemas.microsoft.com/office/powerpoint/2010/main" val="3460838768"/>
+        <p14:creationId xmlns:p14="http://schemas.microsoft.com/office/powerpoint/2010/main" val="1958519690"/>
       </p:ext>
     </p:extLst>
   </p:cSld>
@@ -4248,15 +4670,7 @@
             <p:ph type="sldImg"/>
           </p:nvPr>
         </p:nvSpPr>
-        <p:spPr>
-          <a:xfrm>
-            <a:off x="381000" y="685800"/>
-            <a:ext cx="6096000" cy="3429000"/>
-          </a:xfrm>
-          <a:prstGeom prst="rect">
-            <a:avLst/>
-          </a:prstGeom>
-        </p:spPr>
+        <p:spPr/>
       </p:sp>
       <p:sp>
         <p:nvSpPr>
@@ -4268,19 +4682,9 @@
             <p:ph type="body" idx="1"/>
           </p:nvPr>
         </p:nvSpPr>
-        <p:spPr>
-          <a:xfrm>
-            <a:off x="685800" y="4343400"/>
-            <a:ext cx="5486400" cy="4114800"/>
-          </a:xfrm>
-          <a:prstGeom prst="rect">
-            <a:avLst/>
-          </a:prstGeom>
-        </p:spPr>
+        <p:spPr/>
         <p:txBody>
-          <a:bodyPr>
-            <a:normAutofit/>
-          </a:bodyPr>
+          <a:bodyPr/>
           <a:lstStyle/>
           <a:p>
             <a:endParaRPr lang="en-US" dirty="0"/>
@@ -4289,75 +4693,31 @@
       </p:sp>
       <p:sp>
         <p:nvSpPr>
-          <p:cNvPr id="4" name="Date Placeholder 3"/>
+          <p:cNvPr id="4" name="Header Placeholder 3"/>
           <p:cNvSpPr>
             <a:spLocks noGrp="1"/>
           </p:cNvSpPr>
           <p:nvPr>
-            <p:ph type="dt" idx="10"/>
+            <p:ph type="hdr" sz="quarter" idx="10"/>
           </p:nvPr>
         </p:nvSpPr>
-        <p:spPr>
-          <a:xfrm>
-            <a:off x="3884613" y="0"/>
-            <a:ext cx="2971800" cy="457200"/>
-          </a:xfrm>
-          <a:prstGeom prst="rect">
-            <a:avLst/>
-          </a:prstGeom>
-        </p:spPr>
+        <p:spPr/>
         <p:txBody>
           <a:bodyPr/>
           <a:lstStyle/>
           <a:p>
-            <a:fld id="{06C18626-F474-479E-937A-543AA55347B1}" type="datetime8">
-              <a:rPr lang="en-US" smtClean="0"/>
-              <a:t>10/19/2022 3:41 PM</a:t>
-            </a:fld>
             <a:endParaRPr lang="en-US" dirty="0"/>
           </a:p>
         </p:txBody>
       </p:sp>
       <p:sp>
         <p:nvSpPr>
-          <p:cNvPr id="7" name="Slide Number Placeholder 6"/>
+          <p:cNvPr id="5" name="Footer Placeholder 4"/>
           <p:cNvSpPr>
             <a:spLocks noGrp="1"/>
           </p:cNvSpPr>
           <p:nvPr>
-            <p:ph type="sldNum" sz="quarter" idx="12"/>
-          </p:nvPr>
-        </p:nvSpPr>
-        <p:spPr>
-          <a:xfrm>
-            <a:off x="6172199" y="8685213"/>
-            <a:ext cx="684213" cy="457200"/>
-          </a:xfrm>
-          <a:prstGeom prst="rect">
-            <a:avLst/>
-          </a:prstGeom>
-        </p:spPr>
-        <p:txBody>
-          <a:bodyPr/>
-          <a:lstStyle/>
-          <a:p>
-            <a:fld id="{8B263312-38AA-4E1E-B2B5-0F8F122B24FE}" type="slidenum">
-              <a:rPr lang="en-US" smtClean="0"/>
-              <a:pPr/>
-              <a:t>16</a:t>
-            </a:fld>
-            <a:endParaRPr lang="en-US" dirty="0"/>
-          </a:p>
-        </p:txBody>
-      </p:sp>
-      <p:sp>
-        <p:nvSpPr>
-          <p:cNvPr id="6" name="Footer Placeholder 5"/>
-          <p:cNvSpPr>
-            <a:spLocks noGrp="1"/>
-          </p:cNvSpPr>
-          <p:nvPr>
-            <p:ph type="ftr" sz="quarter" idx="13"/>
+            <p:ph type="ftr" sz="quarter" idx="11"/>
           </p:nvPr>
         </p:nvSpPr>
         <p:spPr/>
@@ -4390,12 +4750,12 @@
       </p:sp>
       <p:sp>
         <p:nvSpPr>
-          <p:cNvPr id="9" name="Header Placeholder 8"/>
+          <p:cNvPr id="6" name="Date Placeholder 5"/>
           <p:cNvSpPr>
             <a:spLocks noGrp="1"/>
           </p:cNvSpPr>
           <p:nvPr>
-            <p:ph type="hdr" sz="quarter" idx="14"/>
+            <p:ph type="dt" idx="12"/>
           </p:nvPr>
         </p:nvSpPr>
         <p:spPr/>
@@ -4403,6 +4763,34 @@
           <a:bodyPr/>
           <a:lstStyle/>
           <a:p>
+            <a:fld id="{2D0AF0B6-AF0D-4EDB-B60E-27694EB68262}" type="datetime8">
+              <a:rPr lang="en-US" smtClean="0"/>
+              <a:t>11/23/2022 11:15 AM</a:t>
+            </a:fld>
+            <a:endParaRPr lang="en-US" dirty="0"/>
+          </a:p>
+        </p:txBody>
+      </p:sp>
+      <p:sp>
+        <p:nvSpPr>
+          <p:cNvPr id="7" name="Slide Number Placeholder 6"/>
+          <p:cNvSpPr>
+            <a:spLocks noGrp="1"/>
+          </p:cNvSpPr>
+          <p:nvPr>
+            <p:ph type="sldNum" sz="quarter" idx="13"/>
+          </p:nvPr>
+        </p:nvSpPr>
+        <p:spPr/>
+        <p:txBody>
+          <a:bodyPr/>
+          <a:lstStyle/>
+          <a:p>
+            <a:fld id="{B4008EB6-D09E-4580-8CD6-DDB14511944F}" type="slidenum">
+              <a:rPr lang="en-US" smtClean="0"/>
+              <a:pPr/>
+              <a:t>18</a:t>
+            </a:fld>
             <a:endParaRPr lang="en-US" dirty="0"/>
           </a:p>
         </p:txBody>
@@ -4410,7 +4798,7 @@
     </p:spTree>
     <p:extLst>
       <p:ext uri="{BB962C8B-B14F-4D97-AF65-F5344CB8AC3E}">
-        <p14:creationId xmlns:p14="http://schemas.microsoft.com/office/powerpoint/2010/main" val="52846919"/>
+        <p14:creationId xmlns:p14="http://schemas.microsoft.com/office/powerpoint/2010/main" val="2942578556"/>
       </p:ext>
     </p:extLst>
   </p:cSld>
@@ -4470,12 +4858,59 @@
       </p:sp>
       <p:sp>
         <p:nvSpPr>
-          <p:cNvPr id="4" name="Header Placeholder 3"/>
+          <p:cNvPr id="6" name="Slide Number Placeholder 5"/>
           <p:cNvSpPr>
             <a:spLocks noGrp="1"/>
           </p:cNvSpPr>
           <p:nvPr>
-            <p:ph type="hdr" sz="quarter" idx="10"/>
+            <p:ph type="sldNum" sz="quarter" idx="12"/>
+          </p:nvPr>
+        </p:nvSpPr>
+        <p:spPr/>
+        <p:txBody>
+          <a:bodyPr/>
+          <a:lstStyle/>
+          <a:p>
+            <a:fld id="{B4008EB6-D09E-4580-8CD6-DDB14511944F}" type="slidenum">
+              <a:rPr lang="en-US" smtClean="0"/>
+              <a:pPr/>
+              <a:t>19</a:t>
+            </a:fld>
+            <a:endParaRPr lang="en-US" dirty="0"/>
+          </a:p>
+        </p:txBody>
+      </p:sp>
+      <p:sp>
+        <p:nvSpPr>
+          <p:cNvPr id="10" name="Date Placeholder 9"/>
+          <p:cNvSpPr>
+            <a:spLocks noGrp="1"/>
+          </p:cNvSpPr>
+          <p:nvPr>
+            <p:ph type="dt" idx="13"/>
+          </p:nvPr>
+        </p:nvSpPr>
+        <p:spPr/>
+        <p:txBody>
+          <a:bodyPr/>
+          <a:lstStyle/>
+          <a:p>
+            <a:fld id="{1D9BFF88-B9B5-4B68-BAE1-09ACB5D03C54}" type="datetime8">
+              <a:rPr lang="en-US" smtClean="0"/>
+              <a:t>11/23/2022 11:15 AM</a:t>
+            </a:fld>
+            <a:endParaRPr lang="en-US" dirty="0"/>
+          </a:p>
+        </p:txBody>
+      </p:sp>
+      <p:sp>
+        <p:nvSpPr>
+          <p:cNvPr id="12" name="Header Placeholder 11"/>
+          <p:cNvSpPr>
+            <a:spLocks noGrp="1"/>
+          </p:cNvSpPr>
+          <p:nvPr>
+            <p:ph type="hdr" sz="quarter" idx="15"/>
           </p:nvPr>
         </p:nvSpPr>
         <p:spPr/>
@@ -4494,7 +4929,7 @@
             <a:spLocks noGrp="1"/>
           </p:cNvSpPr>
           <p:nvPr>
-            <p:ph type="ftr" sz="quarter" idx="11"/>
+            <p:ph type="ftr" sz="quarter" idx="16"/>
           </p:nvPr>
         </p:nvSpPr>
         <p:spPr/>
@@ -4525,57 +4960,10 @@
           </a:p>
         </p:txBody>
       </p:sp>
-      <p:sp>
-        <p:nvSpPr>
-          <p:cNvPr id="6" name="Date Placeholder 5"/>
-          <p:cNvSpPr>
-            <a:spLocks noGrp="1"/>
-          </p:cNvSpPr>
-          <p:nvPr>
-            <p:ph type="dt" idx="12"/>
-          </p:nvPr>
-        </p:nvSpPr>
-        <p:spPr/>
-        <p:txBody>
-          <a:bodyPr/>
-          <a:lstStyle/>
-          <a:p>
-            <a:fld id="{A5CD2277-7C1A-43CA-8676-87B24AD584BD}" type="datetime8">
-              <a:rPr lang="en-US" smtClean="0"/>
-              <a:t>10/19/2022 3:41 PM</a:t>
-            </a:fld>
-            <a:endParaRPr lang="en-US" dirty="0"/>
-          </a:p>
-        </p:txBody>
-      </p:sp>
-      <p:sp>
-        <p:nvSpPr>
-          <p:cNvPr id="7" name="Slide Number Placeholder 6"/>
-          <p:cNvSpPr>
-            <a:spLocks noGrp="1"/>
-          </p:cNvSpPr>
-          <p:nvPr>
-            <p:ph type="sldNum" sz="quarter" idx="13"/>
-          </p:nvPr>
-        </p:nvSpPr>
-        <p:spPr/>
-        <p:txBody>
-          <a:bodyPr/>
-          <a:lstStyle/>
-          <a:p>
-            <a:fld id="{B4008EB6-D09E-4580-8CD6-DDB14511944F}" type="slidenum">
-              <a:rPr lang="en-US" smtClean="0"/>
-              <a:pPr/>
-              <a:t>17</a:t>
-            </a:fld>
-            <a:endParaRPr lang="en-US" dirty="0"/>
-          </a:p>
-        </p:txBody>
-      </p:sp>
     </p:spTree>
     <p:extLst>
       <p:ext uri="{BB962C8B-B14F-4D97-AF65-F5344CB8AC3E}">
-        <p14:creationId xmlns:p14="http://schemas.microsoft.com/office/powerpoint/2010/main" val="2389542826"/>
+        <p14:creationId xmlns:p14="http://schemas.microsoft.com/office/powerpoint/2010/main" val="3460838768"/>
       </p:ext>
     </p:extLst>
   </p:cSld>
@@ -14274,10 +14662,10 @@
       </p:grpSpPr>
       <p:sp>
         <p:nvSpPr>
-          <p:cNvPr id="4" name="Title 3">
+          <p:cNvPr id="2" name="Title 1">
             <a:extLst>
               <a:ext uri="{FF2B5EF4-FFF2-40B4-BE49-F238E27FC236}">
-                <a16:creationId xmlns:a16="http://schemas.microsoft.com/office/drawing/2014/main" id="{352A8B8F-8492-0F68-6060-DD520FD70EFD}"/>
+                <a16:creationId xmlns:a16="http://schemas.microsoft.com/office/drawing/2014/main" id="{EAB90E1E-E890-2B19-F11A-21F1239C866E}"/>
               </a:ext>
             </a:extLst>
           </p:cNvPr>
@@ -14288,30 +14676,21 @@
             <p:ph type="title"/>
           </p:nvPr>
         </p:nvSpPr>
-        <p:spPr>
-          <a:xfrm>
-            <a:off x="584518" y="311963"/>
-            <a:ext cx="11018520" cy="553998"/>
-          </a:xfrm>
-        </p:spPr>
+        <p:spPr/>
         <p:txBody>
           <a:bodyPr/>
           <a:lstStyle/>
           <a:p>
-            <a:r>
-              <a:rPr lang="en-IE" dirty="0"/>
-              <a:t>Getting Latest file</a:t>
-            </a:r>
-            <a:endParaRPr lang="en-US" dirty="0"/>
+            <a:endParaRPr lang="en-IE"/>
           </a:p>
         </p:txBody>
       </p:sp>
       <p:sp>
         <p:nvSpPr>
-          <p:cNvPr id="5" name="Content Placeholder 4">
+          <p:cNvPr id="3" name="Content Placeholder 2">
             <a:extLst>
               <a:ext uri="{FF2B5EF4-FFF2-40B4-BE49-F238E27FC236}">
-                <a16:creationId xmlns:a16="http://schemas.microsoft.com/office/drawing/2014/main" id="{C17EB948-491F-19C6-E074-98324A042144}"/>
+                <a16:creationId xmlns:a16="http://schemas.microsoft.com/office/drawing/2014/main" id="{57AA4781-9FC0-BF15-CA1C-8873F9BAF902}"/>
               </a:ext>
             </a:extLst>
           </p:cNvPr>
@@ -14322,102 +14701,19 @@
             <p:ph sz="quarter" idx="10"/>
           </p:nvPr>
         </p:nvSpPr>
-        <p:spPr>
-          <a:xfrm>
-            <a:off x="584200" y="1012723"/>
-            <a:ext cx="11018838" cy="4198072"/>
-          </a:xfrm>
-        </p:spPr>
+        <p:spPr/>
         <p:txBody>
           <a:bodyPr/>
           <a:lstStyle/>
           <a:p>
-            <a:r>
-              <a:rPr lang="en-IE" dirty="0"/>
-              <a:t>Given: list of files </a:t>
-            </a:r>
-            <a:r>
-              <a:rPr lang="en-IE" dirty="0" err="1"/>
-              <a:t>AzureUsage</a:t>
-            </a:r>
-            <a:r>
-              <a:rPr lang="en-IE" dirty="0"/>
-              <a:t> (x).csv pick the latest as a source</a:t>
-            </a:r>
-          </a:p>
-          <a:p>
-            <a:endParaRPr lang="en-IE" dirty="0"/>
-          </a:p>
-          <a:p>
-            <a:r>
-              <a:rPr lang="en-IE" dirty="0"/>
-              <a:t>Solution: </a:t>
-            </a:r>
-          </a:p>
-          <a:p>
-            <a:pPr lvl="1"/>
-            <a:r>
-              <a:rPr lang="en-IE" dirty="0"/>
-              <a:t>Get Data</a:t>
-            </a:r>
-          </a:p>
-          <a:p>
-            <a:pPr lvl="1"/>
-            <a:r>
-              <a:rPr lang="en-IE" dirty="0" err="1"/>
-              <a:t>Sharepoint</a:t>
-            </a:r>
-            <a:r>
-              <a:rPr lang="en-IE" dirty="0"/>
-              <a:t> Folder </a:t>
-            </a:r>
-          </a:p>
-          <a:p>
-            <a:pPr lvl="1"/>
-            <a:r>
-              <a:rPr lang="en-IE" dirty="0"/>
-              <a:t>Text filter -&gt; Starts With -&gt; </a:t>
-            </a:r>
-            <a:r>
-              <a:rPr lang="en-IE" dirty="0" err="1"/>
-              <a:t>AzureUsage</a:t>
-            </a:r>
-            <a:endParaRPr lang="en-IE" dirty="0"/>
-          </a:p>
-          <a:p>
-            <a:pPr lvl="1"/>
-            <a:r>
-              <a:rPr lang="en-IE" dirty="0" err="1"/>
-              <a:t>DateModified</a:t>
-            </a:r>
-            <a:r>
-              <a:rPr lang="en-IE" dirty="0"/>
-              <a:t> -&gt; Date/Time Filter -&gt; Is Latest</a:t>
-            </a:r>
-          </a:p>
-          <a:p>
-            <a:pPr lvl="1"/>
-            <a:r>
-              <a:rPr lang="en-IE" dirty="0"/>
-              <a:t>Click on “Combine Files” button in the left column header</a:t>
-            </a:r>
-          </a:p>
-          <a:p>
-            <a:pPr lvl="1"/>
-            <a:r>
-              <a:rPr lang="en-IE" dirty="0"/>
-              <a:t>Rename the Query</a:t>
-            </a:r>
-          </a:p>
-          <a:p>
-            <a:endParaRPr lang="en-US" dirty="0"/>
+            <a:endParaRPr lang="en-IE"/>
           </a:p>
         </p:txBody>
       </p:sp>
     </p:spTree>
     <p:extLst>
       <p:ext uri="{BB962C8B-B14F-4D97-AF65-F5344CB8AC3E}">
-        <p14:creationId xmlns:p14="http://schemas.microsoft.com/office/powerpoint/2010/main" val="3744307599"/>
+        <p14:creationId xmlns:p14="http://schemas.microsoft.com/office/powerpoint/2010/main" val="2933943095"/>
       </p:ext>
     </p:extLst>
   </p:cSld>
@@ -14449,10 +14745,10 @@
       </p:grpSpPr>
       <p:sp>
         <p:nvSpPr>
-          <p:cNvPr id="2" name="Title 1">
+          <p:cNvPr id="4" name="Title 3">
             <a:extLst>
               <a:ext uri="{FF2B5EF4-FFF2-40B4-BE49-F238E27FC236}">
-                <a16:creationId xmlns:a16="http://schemas.microsoft.com/office/drawing/2014/main" id="{2B582B95-E0E6-1BC0-B4E9-EA12D43E00D4}"/>
+                <a16:creationId xmlns:a16="http://schemas.microsoft.com/office/drawing/2014/main" id="{8FB6378D-0B0F-B871-5D62-B91CE9C42308}"/>
               </a:ext>
             </a:extLst>
           </p:cNvPr>
@@ -14470,109 +14766,33 @@
           <a:p>
             <a:r>
               <a:rPr lang="en-IE" dirty="0"/>
-              <a:t>Date format</a:t>
-            </a:r>
-            <a:endParaRPr lang="en-US" dirty="0"/>
-          </a:p>
-        </p:txBody>
-      </p:sp>
-      <p:sp>
-        <p:nvSpPr>
-          <p:cNvPr id="3" name="Content Placeholder 2">
-            <a:extLst>
-              <a:ext uri="{FF2B5EF4-FFF2-40B4-BE49-F238E27FC236}">
-                <a16:creationId xmlns:a16="http://schemas.microsoft.com/office/drawing/2014/main" id="{A5906A48-2F56-16EB-CE68-417075FD366E}"/>
-              </a:ext>
-            </a:extLst>
-          </p:cNvPr>
-          <p:cNvSpPr>
-            <a:spLocks noGrp="1"/>
-          </p:cNvSpPr>
-          <p:nvPr>
-            <p:ph sz="quarter" idx="10"/>
-          </p:nvPr>
-        </p:nvSpPr>
-        <p:spPr>
-          <a:xfrm>
-            <a:off x="584200" y="1435100"/>
-            <a:ext cx="11018838" cy="3681008"/>
-          </a:xfrm>
-        </p:spPr>
-        <p:txBody>
-          <a:bodyPr/>
-          <a:lstStyle/>
-          <a:p>
-            <a:r>
-              <a:rPr lang="en-IE" dirty="0"/>
-              <a:t>Challenge: </a:t>
-            </a:r>
-          </a:p>
-          <a:p>
-            <a:pPr lvl="1"/>
-            <a:r>
-              <a:rPr lang="en-IE" dirty="0"/>
-              <a:t>Csv file uses MM/DD/YYYY date format whereas most of us using DD/MM/YYYY</a:t>
-            </a:r>
-          </a:p>
-          <a:p>
-            <a:pPr lvl="1"/>
-            <a:endParaRPr lang="en-IE" dirty="0"/>
-          </a:p>
-          <a:p>
-            <a:r>
-              <a:rPr lang="en-IE" dirty="0"/>
-              <a:t>Solution:</a:t>
-            </a:r>
-          </a:p>
-          <a:p>
-            <a:pPr lvl="1"/>
-            <a:r>
-              <a:rPr lang="en-IE" dirty="0"/>
-              <a:t>Split the field by ‘/’ into DD MM and YYYY fields and recombine them to DD/MM/YYYY</a:t>
-            </a:r>
-            <a:endParaRPr lang="en-US" dirty="0"/>
-          </a:p>
-          <a:p>
-            <a:pPr lvl="1"/>
-            <a:endParaRPr lang="en-US" dirty="0"/>
-          </a:p>
-          <a:p>
-            <a:r>
-              <a:rPr lang="en-US" dirty="0" err="1"/>
-              <a:t>PowerQuery</a:t>
-            </a:r>
-            <a:endParaRPr lang="en-US" dirty="0"/>
-          </a:p>
-          <a:p>
-            <a:pPr lvl="1"/>
-            <a:r>
-              <a:rPr lang="en-US" dirty="0"/>
-              <a:t>Transform </a:t>
-            </a:r>
-            <a:r>
-              <a:rPr lang="en-US"/>
-              <a:t>-&gt; Split by ‘/’</a:t>
-            </a:r>
-          </a:p>
-          <a:p>
-            <a:pPr lvl="1"/>
-            <a:endParaRPr lang="en-IE"/>
+              <a:t>Shared Folder</a:t>
+            </a:r>
           </a:p>
         </p:txBody>
       </p:sp>
     </p:spTree>
     <p:extLst>
       <p:ext uri="{BB962C8B-B14F-4D97-AF65-F5344CB8AC3E}">
-        <p14:creationId xmlns:p14="http://schemas.microsoft.com/office/powerpoint/2010/main" val="47875129"/>
+        <p14:creationId xmlns:p14="http://schemas.microsoft.com/office/powerpoint/2010/main" val="2216677859"/>
       </p:ext>
     </p:extLst>
   </p:cSld>
   <p:clrMapOvr>
     <a:masterClrMapping/>
   </p:clrMapOvr>
-  <p:transition>
-    <p:fade/>
-  </p:transition>
+  <mc:AlternateContent xmlns:mc="http://schemas.openxmlformats.org/markup-compatibility/2006" xmlns:p14="http://schemas.microsoft.com/office/powerpoint/2010/main">
+    <mc:Choice Requires="p14">
+      <p:transition spd="med" p14:dur="700">
+        <p:fade/>
+      </p:transition>
+    </mc:Choice>
+    <mc:Fallback xmlns="">
+      <p:transition spd="med">
+        <p:fade/>
+      </p:transition>
+    </mc:Fallback>
+  </mc:AlternateContent>
 </p:sld>
 </file>
 
@@ -14595,7 +14815,13 @@
       </p:grpSpPr>
       <p:sp>
         <p:nvSpPr>
-          <p:cNvPr id="17" name="Title 16"/>
+          <p:cNvPr id="2" name="Title 1">
+            <a:extLst>
+              <a:ext uri="{FF2B5EF4-FFF2-40B4-BE49-F238E27FC236}">
+                <a16:creationId xmlns:a16="http://schemas.microsoft.com/office/drawing/2014/main" id="{74262F3A-CB7A-4797-5207-9967BA38A93D}"/>
+              </a:ext>
+            </a:extLst>
+          </p:cNvPr>
           <p:cNvSpPr>
             <a:spLocks noGrp="1"/>
           </p:cNvSpPr>
@@ -14603,32 +14829,10 @@
             <p:ph type="title"/>
           </p:nvPr>
         </p:nvSpPr>
-        <p:spPr/>
-        <p:txBody>
-          <a:bodyPr/>
-          <a:lstStyle/>
-          <a:p>
-            <a:r>
-              <a:rPr lang="en-US" dirty="0"/>
-              <a:t>Text layout (without bullet points)</a:t>
-            </a:r>
-          </a:p>
-        </p:txBody>
-      </p:sp>
-      <p:sp>
-        <p:nvSpPr>
-          <p:cNvPr id="6" name="Text Placeholder 5"/>
-          <p:cNvSpPr>
-            <a:spLocks noGrp="1"/>
-          </p:cNvSpPr>
-          <p:nvPr>
-            <p:ph type="body" sz="quarter" idx="10"/>
-          </p:nvPr>
-        </p:nvSpPr>
         <p:spPr>
           <a:xfrm>
-            <a:off x="586390" y="1434370"/>
-            <a:ext cx="11018520" cy="1095685"/>
+            <a:off x="445591" y="275617"/>
+            <a:ext cx="11018520" cy="553998"/>
           </a:xfrm>
         </p:spPr>
         <p:txBody>
@@ -14636,30 +14840,166 @@
           <a:lstStyle/>
           <a:p>
             <a:r>
-              <a:rPr lang="en-US" dirty="0"/>
-              <a:t>Main topic: Segoe UI, size 28pt</a:t>
-            </a:r>
-          </a:p>
-          <a:p>
-            <a:pPr lvl="1"/>
-            <a:r>
-              <a:rPr lang="en-US" dirty="0"/>
-              <a:t>Segoe UI, size 20pt for second level</a:t>
-            </a:r>
-          </a:p>
-          <a:p>
-            <a:pPr lvl="2"/>
-            <a:r>
-              <a:rPr lang="en-US" dirty="0"/>
-              <a:t>Segoe UI, size 16pt for third level</a:t>
-            </a:r>
+              <a:rPr lang="en-IE" dirty="0"/>
+              <a:t>Sync will add a shortcut in Explorer</a:t>
+            </a:r>
+          </a:p>
+        </p:txBody>
+      </p:sp>
+      <p:pic>
+        <p:nvPicPr>
+          <p:cNvPr id="9" name="Content Placeholder 8">
+            <a:extLst>
+              <a:ext uri="{FF2B5EF4-FFF2-40B4-BE49-F238E27FC236}">
+                <a16:creationId xmlns:a16="http://schemas.microsoft.com/office/drawing/2014/main" id="{6B6D8089-1454-14D4-82D0-346BA05592D6}"/>
+              </a:ext>
+            </a:extLst>
+          </p:cNvPr>
+          <p:cNvPicPr>
+            <a:picLocks noGrp="1" noChangeAspect="1"/>
+          </p:cNvPicPr>
+          <p:nvPr>
+            <p:ph sz="quarter" idx="10"/>
+          </p:nvPr>
+        </p:nvPicPr>
+        <p:blipFill>
+          <a:blip r:embed="rId3"/>
+          <a:stretch>
+            <a:fillRect/>
+          </a:stretch>
+        </p:blipFill>
+        <p:spPr>
+          <a:xfrm>
+            <a:off x="354591" y="1669108"/>
+            <a:ext cx="7135707" cy="3844038"/>
+          </a:xfrm>
+          <a:ln>
+            <a:noFill/>
+          </a:ln>
+          <a:effectLst>
+            <a:outerShdw blurRad="50800" dist="38100" dir="2700000" algn="tl" rotWithShape="0">
+              <a:prstClr val="black">
+                <a:alpha val="40000"/>
+              </a:prstClr>
+            </a:outerShdw>
+          </a:effectLst>
+        </p:spPr>
+      </p:pic>
+      <p:pic>
+        <p:nvPicPr>
+          <p:cNvPr id="13" name="Picture 12">
+            <a:extLst>
+              <a:ext uri="{FF2B5EF4-FFF2-40B4-BE49-F238E27FC236}">
+                <a16:creationId xmlns:a16="http://schemas.microsoft.com/office/drawing/2014/main" id="{FD29C37B-E85B-1DED-BB81-DC0E6CE0AFD6}"/>
+              </a:ext>
+            </a:extLst>
+          </p:cNvPr>
+          <p:cNvPicPr>
+            <a:picLocks noChangeAspect="1"/>
+          </p:cNvPicPr>
+          <p:nvPr/>
+        </p:nvPicPr>
+        <p:blipFill>
+          <a:blip r:embed="rId4"/>
+          <a:stretch>
+            <a:fillRect/>
+          </a:stretch>
+        </p:blipFill>
+        <p:spPr>
+          <a:xfrm>
+            <a:off x="8714420" y="1972902"/>
+            <a:ext cx="3242949" cy="3236450"/>
+          </a:xfrm>
+          <a:prstGeom prst="rect">
+            <a:avLst/>
+          </a:prstGeom>
+          <a:ln>
+            <a:noFill/>
+          </a:ln>
+          <a:effectLst>
+            <a:outerShdw blurRad="50800" dist="38100" dir="2700000" algn="tl" rotWithShape="0">
+              <a:prstClr val="black">
+                <a:alpha val="40000"/>
+              </a:prstClr>
+            </a:outerShdw>
+          </a:effectLst>
+        </p:spPr>
+      </p:pic>
+      <p:sp>
+        <p:nvSpPr>
+          <p:cNvPr id="17" name="Arrow: Striped Right 16">
+            <a:extLst>
+              <a:ext uri="{FF2B5EF4-FFF2-40B4-BE49-F238E27FC236}">
+                <a16:creationId xmlns:a16="http://schemas.microsoft.com/office/drawing/2014/main" id="{01CBB545-B86F-B003-B73D-E65D200B5A56}"/>
+              </a:ext>
+            </a:extLst>
+          </p:cNvPr>
+          <p:cNvSpPr/>
+          <p:nvPr/>
+        </p:nvSpPr>
+        <p:spPr bwMode="auto">
+          <a:xfrm>
+            <a:off x="7613155" y="3302120"/>
+            <a:ext cx="978408" cy="484632"/>
+          </a:xfrm>
+          <a:prstGeom prst="stripedRightArrow">
+            <a:avLst/>
+          </a:prstGeom>
+          <a:solidFill>
+            <a:schemeClr val="accent1"/>
+          </a:solidFill>
+          <a:ln>
+            <a:noFill/>
+            <a:headEnd type="none" w="med" len="med"/>
+            <a:tailEnd type="none" w="med" len="med"/>
+          </a:ln>
+          <a:effectLst/>
+        </p:spPr>
+        <p:style>
+          <a:lnRef idx="1">
+            <a:schemeClr val="accent2"/>
+          </a:lnRef>
+          <a:fillRef idx="3">
+            <a:schemeClr val="accent2"/>
+          </a:fillRef>
+          <a:effectRef idx="2">
+            <a:schemeClr val="accent2"/>
+          </a:effectRef>
+          <a:fontRef idx="minor">
+            <a:schemeClr val="lt1"/>
+          </a:fontRef>
+        </p:style>
+        <p:txBody>
+          <a:bodyPr rot="0" spcFirstLastPara="0" vertOverflow="overflow" horzOverflow="overflow" vert="horz" wrap="square" lIns="182880" tIns="146304" rIns="182880" bIns="146304" numCol="1" spcCol="0" rtlCol="0" fromWordArt="0" anchor="t" anchorCtr="0" forceAA="0" compatLnSpc="1">
+            <a:prstTxWarp prst="textNoShape">
+              <a:avLst/>
+            </a:prstTxWarp>
+            <a:noAutofit/>
+          </a:bodyPr>
+          <a:lstStyle/>
+          <a:p>
+            <a:pPr algn="l" defTabSz="932472" fontAlgn="base">
+              <a:spcBef>
+                <a:spcPct val="0"/>
+              </a:spcBef>
+              <a:spcAft>
+                <a:spcPct val="0"/>
+              </a:spcAft>
+            </a:pPr>
+            <a:endParaRPr lang="en-IE" sz="2000" dirty="0" err="1">
+              <a:solidFill>
+                <a:srgbClr val="FFFFFF"/>
+              </a:solidFill>
+              <a:ea typeface="Segoe UI" pitchFamily="34" charset="0"/>
+              <a:cs typeface="Segoe UI" pitchFamily="34" charset="0"/>
+            </a:endParaRPr>
           </a:p>
         </p:txBody>
       </p:sp>
     </p:spTree>
     <p:extLst>
       <p:ext uri="{BB962C8B-B14F-4D97-AF65-F5344CB8AC3E}">
-        <p14:creationId xmlns:p14="http://schemas.microsoft.com/office/powerpoint/2010/main" val="3957722359"/>
+        <p14:creationId xmlns:p14="http://schemas.microsoft.com/office/powerpoint/2010/main" val="1713020329"/>
       </p:ext>
     </p:extLst>
   </p:cSld>
@@ -14691,6 +15031,499 @@
       </p:grpSpPr>
       <p:sp>
         <p:nvSpPr>
+          <p:cNvPr id="2" name="Title 1">
+            <a:extLst>
+              <a:ext uri="{FF2B5EF4-FFF2-40B4-BE49-F238E27FC236}">
+                <a16:creationId xmlns:a16="http://schemas.microsoft.com/office/drawing/2014/main" id="{9ADA59E6-05AF-D13F-17E9-90662AF4073B}"/>
+              </a:ext>
+            </a:extLst>
+          </p:cNvPr>
+          <p:cNvSpPr>
+            <a:spLocks noGrp="1"/>
+          </p:cNvSpPr>
+          <p:nvPr>
+            <p:ph type="title"/>
+          </p:nvPr>
+        </p:nvSpPr>
+        <p:spPr/>
+        <p:txBody>
+          <a:bodyPr/>
+          <a:lstStyle/>
+          <a:p>
+            <a:endParaRPr lang="en-IE"/>
+          </a:p>
+        </p:txBody>
+      </p:sp>
+      <p:sp>
+        <p:nvSpPr>
+          <p:cNvPr id="3" name="Picture Placeholder 2">
+            <a:extLst>
+              <a:ext uri="{FF2B5EF4-FFF2-40B4-BE49-F238E27FC236}">
+                <a16:creationId xmlns:a16="http://schemas.microsoft.com/office/drawing/2014/main" id="{BADE8256-D00A-1352-2490-FF0A3B47D6E2}"/>
+              </a:ext>
+            </a:extLst>
+          </p:cNvPr>
+          <p:cNvSpPr>
+            <a:spLocks noGrp="1"/>
+          </p:cNvSpPr>
+          <p:nvPr>
+            <p:ph type="pic" sz="quarter" idx="11"/>
+          </p:nvPr>
+        </p:nvSpPr>
+        <p:spPr/>
+      </p:sp>
+    </p:spTree>
+    <p:extLst>
+      <p:ext uri="{BB962C8B-B14F-4D97-AF65-F5344CB8AC3E}">
+        <p14:creationId xmlns:p14="http://schemas.microsoft.com/office/powerpoint/2010/main" val="851744047"/>
+      </p:ext>
+    </p:extLst>
+  </p:cSld>
+  <p:clrMapOvr>
+    <a:masterClrMapping/>
+  </p:clrMapOvr>
+  <p:transition>
+    <p:fade/>
+  </p:transition>
+</p:sld>
+</file>
+
+<file path=ppt/slides/slide14.xml><?xml version="1.0" encoding="utf-8"?>
+<p:sld xmlns:a="http://schemas.openxmlformats.org/drawingml/2006/main" xmlns:r="http://schemas.openxmlformats.org/officeDocument/2006/relationships" xmlns:p="http://schemas.openxmlformats.org/presentationml/2006/main">
+  <p:cSld>
+    <p:spTree>
+      <p:nvGrpSpPr>
+        <p:cNvPr id="1" name=""/>
+        <p:cNvGrpSpPr/>
+        <p:nvPr/>
+      </p:nvGrpSpPr>
+      <p:grpSpPr>
+        <a:xfrm>
+          <a:off x="0" y="0"/>
+          <a:ext cx="0" cy="0"/>
+          <a:chOff x="0" y="0"/>
+          <a:chExt cx="0" cy="0"/>
+        </a:xfrm>
+      </p:grpSpPr>
+      <p:sp>
+        <p:nvSpPr>
+          <p:cNvPr id="4" name="Title 3">
+            <a:extLst>
+              <a:ext uri="{FF2B5EF4-FFF2-40B4-BE49-F238E27FC236}">
+                <a16:creationId xmlns:a16="http://schemas.microsoft.com/office/drawing/2014/main" id="{352A8B8F-8492-0F68-6060-DD520FD70EFD}"/>
+              </a:ext>
+            </a:extLst>
+          </p:cNvPr>
+          <p:cNvSpPr>
+            <a:spLocks noGrp="1"/>
+          </p:cNvSpPr>
+          <p:nvPr>
+            <p:ph type="title"/>
+          </p:nvPr>
+        </p:nvSpPr>
+        <p:spPr>
+          <a:xfrm>
+            <a:off x="584518" y="311963"/>
+            <a:ext cx="11018520" cy="553998"/>
+          </a:xfrm>
+        </p:spPr>
+        <p:txBody>
+          <a:bodyPr/>
+          <a:lstStyle/>
+          <a:p>
+            <a:r>
+              <a:rPr lang="en-IE" dirty="0"/>
+              <a:t>Getting Latest file</a:t>
+            </a:r>
+            <a:endParaRPr lang="en-US" dirty="0"/>
+          </a:p>
+        </p:txBody>
+      </p:sp>
+      <p:sp>
+        <p:nvSpPr>
+          <p:cNvPr id="5" name="Content Placeholder 4">
+            <a:extLst>
+              <a:ext uri="{FF2B5EF4-FFF2-40B4-BE49-F238E27FC236}">
+                <a16:creationId xmlns:a16="http://schemas.microsoft.com/office/drawing/2014/main" id="{C17EB948-491F-19C6-E074-98324A042144}"/>
+              </a:ext>
+            </a:extLst>
+          </p:cNvPr>
+          <p:cNvSpPr>
+            <a:spLocks noGrp="1"/>
+          </p:cNvSpPr>
+          <p:nvPr>
+            <p:ph sz="quarter" idx="10"/>
+          </p:nvPr>
+        </p:nvSpPr>
+        <p:spPr>
+          <a:xfrm>
+            <a:off x="584200" y="1012723"/>
+            <a:ext cx="11018838" cy="4198072"/>
+          </a:xfrm>
+        </p:spPr>
+        <p:txBody>
+          <a:bodyPr/>
+          <a:lstStyle/>
+          <a:p>
+            <a:r>
+              <a:rPr lang="en-IE" dirty="0"/>
+              <a:t>Given: list of files </a:t>
+            </a:r>
+            <a:r>
+              <a:rPr lang="en-IE" dirty="0" err="1"/>
+              <a:t>AzureUsage</a:t>
+            </a:r>
+            <a:r>
+              <a:rPr lang="en-IE" dirty="0"/>
+              <a:t> (x).csv pick the latest as a source</a:t>
+            </a:r>
+          </a:p>
+          <a:p>
+            <a:endParaRPr lang="en-IE" dirty="0"/>
+          </a:p>
+          <a:p>
+            <a:r>
+              <a:rPr lang="en-IE" dirty="0"/>
+              <a:t>Solution: </a:t>
+            </a:r>
+          </a:p>
+          <a:p>
+            <a:pPr lvl="1"/>
+            <a:r>
+              <a:rPr lang="en-IE" dirty="0"/>
+              <a:t>Get Data</a:t>
+            </a:r>
+          </a:p>
+          <a:p>
+            <a:pPr lvl="1"/>
+            <a:r>
+              <a:rPr lang="en-IE" dirty="0" err="1"/>
+              <a:t>Sharepoint</a:t>
+            </a:r>
+            <a:r>
+              <a:rPr lang="en-IE" dirty="0"/>
+              <a:t> Folder </a:t>
+            </a:r>
+          </a:p>
+          <a:p>
+            <a:pPr lvl="1"/>
+            <a:r>
+              <a:rPr lang="en-IE" dirty="0"/>
+              <a:t>Text filter -&gt; Starts With -&gt; </a:t>
+            </a:r>
+            <a:r>
+              <a:rPr lang="en-IE" dirty="0" err="1"/>
+              <a:t>AzureUsage</a:t>
+            </a:r>
+            <a:endParaRPr lang="en-IE" dirty="0"/>
+          </a:p>
+          <a:p>
+            <a:pPr lvl="1"/>
+            <a:r>
+              <a:rPr lang="en-IE" dirty="0" err="1"/>
+              <a:t>DateModified</a:t>
+            </a:r>
+            <a:r>
+              <a:rPr lang="en-IE" dirty="0"/>
+              <a:t> -&gt; Date/Time Filter -&gt; Is Latest</a:t>
+            </a:r>
+          </a:p>
+          <a:p>
+            <a:pPr lvl="1"/>
+            <a:r>
+              <a:rPr lang="en-IE" dirty="0"/>
+              <a:t>Click on “Combine Files” button in the left column header</a:t>
+            </a:r>
+          </a:p>
+          <a:p>
+            <a:pPr lvl="1"/>
+            <a:r>
+              <a:rPr lang="en-IE" dirty="0"/>
+              <a:t>Rename the Query</a:t>
+            </a:r>
+          </a:p>
+          <a:p>
+            <a:endParaRPr lang="en-US" dirty="0"/>
+          </a:p>
+        </p:txBody>
+      </p:sp>
+    </p:spTree>
+    <p:extLst>
+      <p:ext uri="{BB962C8B-B14F-4D97-AF65-F5344CB8AC3E}">
+        <p14:creationId xmlns:p14="http://schemas.microsoft.com/office/powerpoint/2010/main" val="3744307599"/>
+      </p:ext>
+    </p:extLst>
+  </p:cSld>
+  <p:clrMapOvr>
+    <a:masterClrMapping/>
+  </p:clrMapOvr>
+  <p:transition>
+    <p:fade/>
+  </p:transition>
+</p:sld>
+</file>
+
+<file path=ppt/slides/slide15.xml><?xml version="1.0" encoding="utf-8"?>
+<p:sld xmlns:a="http://schemas.openxmlformats.org/drawingml/2006/main" xmlns:r="http://schemas.openxmlformats.org/officeDocument/2006/relationships" xmlns:p="http://schemas.openxmlformats.org/presentationml/2006/main">
+  <p:cSld>
+    <p:spTree>
+      <p:nvGrpSpPr>
+        <p:cNvPr id="1" name=""/>
+        <p:cNvGrpSpPr/>
+        <p:nvPr/>
+      </p:nvGrpSpPr>
+      <p:grpSpPr>
+        <a:xfrm>
+          <a:off x="0" y="0"/>
+          <a:ext cx="0" cy="0"/>
+          <a:chOff x="0" y="0"/>
+          <a:chExt cx="0" cy="0"/>
+        </a:xfrm>
+      </p:grpSpPr>
+      <p:sp>
+        <p:nvSpPr>
+          <p:cNvPr id="2" name="Title 1">
+            <a:extLst>
+              <a:ext uri="{FF2B5EF4-FFF2-40B4-BE49-F238E27FC236}">
+                <a16:creationId xmlns:a16="http://schemas.microsoft.com/office/drawing/2014/main" id="{2B582B95-E0E6-1BC0-B4E9-EA12D43E00D4}"/>
+              </a:ext>
+            </a:extLst>
+          </p:cNvPr>
+          <p:cNvSpPr>
+            <a:spLocks noGrp="1"/>
+          </p:cNvSpPr>
+          <p:nvPr>
+            <p:ph type="title"/>
+          </p:nvPr>
+        </p:nvSpPr>
+        <p:spPr/>
+        <p:txBody>
+          <a:bodyPr/>
+          <a:lstStyle/>
+          <a:p>
+            <a:r>
+              <a:rPr lang="en-IE" dirty="0"/>
+              <a:t>Date format</a:t>
+            </a:r>
+            <a:endParaRPr lang="en-US" dirty="0"/>
+          </a:p>
+        </p:txBody>
+      </p:sp>
+      <p:sp>
+        <p:nvSpPr>
+          <p:cNvPr id="3" name="Content Placeholder 2">
+            <a:extLst>
+              <a:ext uri="{FF2B5EF4-FFF2-40B4-BE49-F238E27FC236}">
+                <a16:creationId xmlns:a16="http://schemas.microsoft.com/office/drawing/2014/main" id="{A5906A48-2F56-16EB-CE68-417075FD366E}"/>
+              </a:ext>
+            </a:extLst>
+          </p:cNvPr>
+          <p:cNvSpPr>
+            <a:spLocks noGrp="1"/>
+          </p:cNvSpPr>
+          <p:nvPr>
+            <p:ph sz="quarter" idx="10"/>
+          </p:nvPr>
+        </p:nvSpPr>
+        <p:spPr>
+          <a:xfrm>
+            <a:off x="584200" y="1435100"/>
+            <a:ext cx="11018838" cy="3681008"/>
+          </a:xfrm>
+        </p:spPr>
+        <p:txBody>
+          <a:bodyPr/>
+          <a:lstStyle/>
+          <a:p>
+            <a:r>
+              <a:rPr lang="en-IE" dirty="0"/>
+              <a:t>Challenge: </a:t>
+            </a:r>
+          </a:p>
+          <a:p>
+            <a:pPr lvl="1"/>
+            <a:r>
+              <a:rPr lang="en-IE" dirty="0"/>
+              <a:t>Csv file uses MM/DD/YYYY date format whereas most of us using DD/MM/YYYY</a:t>
+            </a:r>
+          </a:p>
+          <a:p>
+            <a:pPr lvl="1"/>
+            <a:endParaRPr lang="en-IE" dirty="0"/>
+          </a:p>
+          <a:p>
+            <a:r>
+              <a:rPr lang="en-IE" dirty="0"/>
+              <a:t>Solution:</a:t>
+            </a:r>
+          </a:p>
+          <a:p>
+            <a:pPr lvl="1"/>
+            <a:r>
+              <a:rPr lang="en-IE" dirty="0"/>
+              <a:t>Split the field by ‘/’ into DD MM and YYYY fields and recombine them to DD/MM/YYYY</a:t>
+            </a:r>
+            <a:endParaRPr lang="en-US" dirty="0"/>
+          </a:p>
+          <a:p>
+            <a:pPr lvl="1"/>
+            <a:endParaRPr lang="en-US" dirty="0"/>
+          </a:p>
+          <a:p>
+            <a:r>
+              <a:rPr lang="en-US" dirty="0" err="1"/>
+              <a:t>PowerQuery</a:t>
+            </a:r>
+            <a:endParaRPr lang="en-US" dirty="0"/>
+          </a:p>
+          <a:p>
+            <a:pPr lvl="1"/>
+            <a:r>
+              <a:rPr lang="en-US" dirty="0"/>
+              <a:t>Transform </a:t>
+            </a:r>
+            <a:r>
+              <a:rPr lang="en-US"/>
+              <a:t>-&gt; Split by ‘/’</a:t>
+            </a:r>
+          </a:p>
+          <a:p>
+            <a:pPr lvl="1"/>
+            <a:endParaRPr lang="en-IE"/>
+          </a:p>
+        </p:txBody>
+      </p:sp>
+    </p:spTree>
+    <p:extLst>
+      <p:ext uri="{BB962C8B-B14F-4D97-AF65-F5344CB8AC3E}">
+        <p14:creationId xmlns:p14="http://schemas.microsoft.com/office/powerpoint/2010/main" val="47875129"/>
+      </p:ext>
+    </p:extLst>
+  </p:cSld>
+  <p:clrMapOvr>
+    <a:masterClrMapping/>
+  </p:clrMapOvr>
+  <p:transition>
+    <p:fade/>
+  </p:transition>
+</p:sld>
+</file>
+
+<file path=ppt/slides/slide16.xml><?xml version="1.0" encoding="utf-8"?>
+<p:sld xmlns:a="http://schemas.openxmlformats.org/drawingml/2006/main" xmlns:r="http://schemas.openxmlformats.org/officeDocument/2006/relationships" xmlns:p="http://schemas.openxmlformats.org/presentationml/2006/main">
+  <p:cSld>
+    <p:spTree>
+      <p:nvGrpSpPr>
+        <p:cNvPr id="1" name=""/>
+        <p:cNvGrpSpPr/>
+        <p:nvPr/>
+      </p:nvGrpSpPr>
+      <p:grpSpPr>
+        <a:xfrm>
+          <a:off x="0" y="0"/>
+          <a:ext cx="0" cy="0"/>
+          <a:chOff x="0" y="0"/>
+          <a:chExt cx="0" cy="0"/>
+        </a:xfrm>
+      </p:grpSpPr>
+      <p:sp>
+        <p:nvSpPr>
+          <p:cNvPr id="17" name="Title 16"/>
+          <p:cNvSpPr>
+            <a:spLocks noGrp="1"/>
+          </p:cNvSpPr>
+          <p:nvPr>
+            <p:ph type="title"/>
+          </p:nvPr>
+        </p:nvSpPr>
+        <p:spPr/>
+        <p:txBody>
+          <a:bodyPr/>
+          <a:lstStyle/>
+          <a:p>
+            <a:r>
+              <a:rPr lang="en-US" dirty="0"/>
+              <a:t>Text layout (without bullet points)</a:t>
+            </a:r>
+          </a:p>
+        </p:txBody>
+      </p:sp>
+      <p:sp>
+        <p:nvSpPr>
+          <p:cNvPr id="6" name="Text Placeholder 5"/>
+          <p:cNvSpPr>
+            <a:spLocks noGrp="1"/>
+          </p:cNvSpPr>
+          <p:nvPr>
+            <p:ph type="body" sz="quarter" idx="10"/>
+          </p:nvPr>
+        </p:nvSpPr>
+        <p:spPr>
+          <a:xfrm>
+            <a:off x="586390" y="1434370"/>
+            <a:ext cx="11018520" cy="1095685"/>
+          </a:xfrm>
+        </p:spPr>
+        <p:txBody>
+          <a:bodyPr/>
+          <a:lstStyle/>
+          <a:p>
+            <a:r>
+              <a:rPr lang="en-US" dirty="0"/>
+              <a:t>Main topic: Segoe UI, size 28pt</a:t>
+            </a:r>
+          </a:p>
+          <a:p>
+            <a:pPr lvl="1"/>
+            <a:r>
+              <a:rPr lang="en-US" dirty="0"/>
+              <a:t>Segoe UI, size 20pt for second level</a:t>
+            </a:r>
+          </a:p>
+          <a:p>
+            <a:pPr lvl="2"/>
+            <a:r>
+              <a:rPr lang="en-US" dirty="0"/>
+              <a:t>Segoe UI, size 16pt for third level</a:t>
+            </a:r>
+          </a:p>
+        </p:txBody>
+      </p:sp>
+    </p:spTree>
+    <p:extLst>
+      <p:ext uri="{BB962C8B-B14F-4D97-AF65-F5344CB8AC3E}">
+        <p14:creationId xmlns:p14="http://schemas.microsoft.com/office/powerpoint/2010/main" val="3957722359"/>
+      </p:ext>
+    </p:extLst>
+  </p:cSld>
+  <p:clrMapOvr>
+    <a:masterClrMapping/>
+  </p:clrMapOvr>
+  <p:transition>
+    <p:fade/>
+  </p:transition>
+</p:sld>
+</file>
+
+<file path=ppt/slides/slide17.xml><?xml version="1.0" encoding="utf-8"?>
+<p:sld xmlns:a="http://schemas.openxmlformats.org/drawingml/2006/main" xmlns:r="http://schemas.openxmlformats.org/officeDocument/2006/relationships" xmlns:p="http://schemas.openxmlformats.org/presentationml/2006/main">
+  <p:cSld>
+    <p:spTree>
+      <p:nvGrpSpPr>
+        <p:cNvPr id="1" name=""/>
+        <p:cNvGrpSpPr/>
+        <p:nvPr/>
+      </p:nvGrpSpPr>
+      <p:grpSpPr>
+        <a:xfrm>
+          <a:off x="0" y="0"/>
+          <a:ext cx="0" cy="0"/>
+          <a:chOff x="0" y="0"/>
+          <a:chExt cx="0" cy="0"/>
+        </a:xfrm>
+      </p:grpSpPr>
+      <p:sp>
+        <p:nvSpPr>
           <p:cNvPr id="17" name="Title 16"/>
           <p:cNvSpPr>
             <a:spLocks noGrp="1"/>
@@ -14763,7 +15596,7 @@
 </p:sld>
 </file>
 
-<file path=ppt/slides/slide14.xml><?xml version="1.0" encoding="utf-8"?>
+<file path=ppt/slides/slide18.xml><?xml version="1.0" encoding="utf-8"?>
 <p:sld xmlns:a="http://schemas.openxmlformats.org/drawingml/2006/main" xmlns:r="http://schemas.openxmlformats.org/officeDocument/2006/relationships" xmlns:p="http://schemas.openxmlformats.org/presentationml/2006/main">
   <p:cSld>
     <p:spTree>
@@ -15006,7 +15839,7 @@
 </p:sld>
 </file>
 
-<file path=ppt/slides/slide15.xml><?xml version="1.0" encoding="utf-8"?>
+<file path=ppt/slides/slide19.xml><?xml version="1.0" encoding="utf-8"?>
 <p:sld xmlns:a="http://schemas.openxmlformats.org/drawingml/2006/main" xmlns:r="http://schemas.openxmlformats.org/officeDocument/2006/relationships" xmlns:p="http://schemas.openxmlformats.org/presentationml/2006/main">
   <p:cSld>
     <p:spTree>
@@ -15525,7 +16358,125 @@
 </p:sld>
 </file>
 
-<file path=ppt/slides/slide16.xml><?xml version="1.0" encoding="utf-8"?>
+<file path=ppt/slides/slide2.xml><?xml version="1.0" encoding="utf-8"?>
+<p:sld xmlns:a="http://schemas.openxmlformats.org/drawingml/2006/main" xmlns:r="http://schemas.openxmlformats.org/officeDocument/2006/relationships" xmlns:p="http://schemas.openxmlformats.org/presentationml/2006/main">
+  <p:cSld>
+    <p:spTree>
+      <p:nvGrpSpPr>
+        <p:cNvPr id="1" name=""/>
+        <p:cNvGrpSpPr/>
+        <p:nvPr/>
+      </p:nvGrpSpPr>
+      <p:grpSpPr>
+        <a:xfrm>
+          <a:off x="0" y="0"/>
+          <a:ext cx="0" cy="0"/>
+          <a:chOff x="0" y="0"/>
+          <a:chExt cx="0" cy="0"/>
+        </a:xfrm>
+      </p:grpSpPr>
+      <p:sp>
+        <p:nvSpPr>
+          <p:cNvPr id="6" name="Title 5">
+            <a:extLst>
+              <a:ext uri="{FF2B5EF4-FFF2-40B4-BE49-F238E27FC236}">
+                <a16:creationId xmlns:a16="http://schemas.microsoft.com/office/drawing/2014/main" id="{E7BF15BD-001C-49B3-9A01-B39DEDA47564}"/>
+              </a:ext>
+            </a:extLst>
+          </p:cNvPr>
+          <p:cNvSpPr>
+            <a:spLocks noGrp="1"/>
+          </p:cNvSpPr>
+          <p:nvPr>
+            <p:ph type="title"/>
+          </p:nvPr>
+        </p:nvSpPr>
+        <p:spPr>
+          <a:xfrm>
+            <a:off x="585216" y="2309812"/>
+            <a:ext cx="3182027" cy="553998"/>
+          </a:xfrm>
+        </p:spPr>
+        <p:txBody>
+          <a:bodyPr/>
+          <a:lstStyle/>
+          <a:p>
+            <a:r>
+              <a:rPr lang="en-US" dirty="0"/>
+              <a:t>Agenda</a:t>
+            </a:r>
+          </a:p>
+        </p:txBody>
+      </p:sp>
+      <p:sp>
+        <p:nvSpPr>
+          <p:cNvPr id="7" name="Text Placeholder 6">
+            <a:extLst>
+              <a:ext uri="{FF2B5EF4-FFF2-40B4-BE49-F238E27FC236}">
+                <a16:creationId xmlns:a16="http://schemas.microsoft.com/office/drawing/2014/main" id="{61F6BD0B-C4D8-42DE-A3A7-50D8219CE639}"/>
+              </a:ext>
+            </a:extLst>
+          </p:cNvPr>
+          <p:cNvSpPr>
+            <a:spLocks noGrp="1"/>
+          </p:cNvSpPr>
+          <p:nvPr>
+            <p:ph type="body" sz="quarter" idx="11"/>
+          </p:nvPr>
+        </p:nvSpPr>
+        <p:spPr>
+          <a:xfrm>
+            <a:off x="4354523" y="2309812"/>
+            <a:ext cx="7254865" cy="2289858"/>
+          </a:xfrm>
+        </p:spPr>
+        <p:txBody>
+          <a:bodyPr/>
+          <a:lstStyle/>
+          <a:p>
+            <a:r>
+              <a:rPr lang="en-IE" dirty="0"/>
+              <a:t>Introduction</a:t>
+            </a:r>
+          </a:p>
+          <a:p>
+            <a:r>
+              <a:rPr lang="en-US" dirty="0"/>
+              <a:t>Brief overview</a:t>
+            </a:r>
+          </a:p>
+          <a:p>
+            <a:r>
+              <a:rPr lang="en-US" dirty="0"/>
+              <a:t>Step by Step</a:t>
+            </a:r>
+          </a:p>
+          <a:p>
+            <a:r>
+              <a:rPr lang="en-US" dirty="0" err="1"/>
+              <a:t>QnA</a:t>
+            </a:r>
+            <a:endParaRPr lang="en-IE" dirty="0"/>
+          </a:p>
+        </p:txBody>
+      </p:sp>
+    </p:spTree>
+    <p:extLst>
+      <p:ext uri="{BB962C8B-B14F-4D97-AF65-F5344CB8AC3E}">
+        <p14:creationId xmlns:p14="http://schemas.microsoft.com/office/powerpoint/2010/main" val="4178565498"/>
+      </p:ext>
+    </p:extLst>
+  </p:cSld>
+  <p:clrMapOvr>
+    <a:masterClrMapping/>
+  </p:clrMapOvr>
+  <p:transition>
+    <p:fade/>
+  </p:transition>
+</p:sld>
+</file>
+
+<file path=ppt/slides/slide20.xml><?xml version="1.0" encoding="utf-8"?>
 <p:sld xmlns:a="http://schemas.openxmlformats.org/drawingml/2006/main" xmlns:r="http://schemas.openxmlformats.org/officeDocument/2006/relationships" xmlns:p="http://schemas.openxmlformats.org/presentationml/2006/main">
   <p:cSld>
     <p:spTree>
@@ -15758,707 +16709,6 @@
 </p:sld>
 </file>
 
-<file path=ppt/slides/slide17.xml><?xml version="1.0" encoding="utf-8"?>
-<p:sld xmlns:a="http://schemas.openxmlformats.org/drawingml/2006/main" xmlns:r="http://schemas.openxmlformats.org/officeDocument/2006/relationships" xmlns:p="http://schemas.openxmlformats.org/presentationml/2006/main">
-  <p:cSld>
-    <p:spTree>
-      <p:nvGrpSpPr>
-        <p:cNvPr id="1" name=""/>
-        <p:cNvGrpSpPr/>
-        <p:nvPr/>
-      </p:nvGrpSpPr>
-      <p:grpSpPr>
-        <a:xfrm>
-          <a:off x="0" y="0"/>
-          <a:ext cx="0" cy="0"/>
-          <a:chOff x="0" y="0"/>
-          <a:chExt cx="0" cy="0"/>
-        </a:xfrm>
-      </p:grpSpPr>
-      <p:sp>
-        <p:nvSpPr>
-          <p:cNvPr id="8" name="Title 7">
-            <a:extLst>
-              <a:ext uri="{FF2B5EF4-FFF2-40B4-BE49-F238E27FC236}">
-                <a16:creationId xmlns:a16="http://schemas.microsoft.com/office/drawing/2014/main" id="{D18A1E48-C74E-4B7C-95F4-2342DAC963A9}"/>
-              </a:ext>
-            </a:extLst>
-          </p:cNvPr>
-          <p:cNvSpPr>
-            <a:spLocks noGrp="1"/>
-          </p:cNvSpPr>
-          <p:nvPr>
-            <p:ph type="title"/>
-          </p:nvPr>
-        </p:nvSpPr>
-        <p:spPr>
-          <a:xfrm>
-            <a:off x="588263" y="588963"/>
-            <a:ext cx="4158362" cy="2535236"/>
-          </a:xfrm>
-        </p:spPr>
-        <p:txBody>
-          <a:bodyPr/>
-          <a:lstStyle/>
-          <a:p>
-            <a:r>
-              <a:rPr lang="en-US" dirty="0"/>
-              <a:t>Title square photo layout</a:t>
-            </a:r>
-          </a:p>
-        </p:txBody>
-      </p:sp>
-      <p:sp>
-        <p:nvSpPr>
-          <p:cNvPr id="3" name="Text Placeholder 2">
-            <a:extLst>
-              <a:ext uri="{FF2B5EF4-FFF2-40B4-BE49-F238E27FC236}">
-                <a16:creationId xmlns:a16="http://schemas.microsoft.com/office/drawing/2014/main" id="{EB03E4EA-274B-4BE4-9A52-00B5B2697A08}"/>
-              </a:ext>
-            </a:extLst>
-          </p:cNvPr>
-          <p:cNvSpPr>
-            <a:spLocks noGrp="1"/>
-          </p:cNvSpPr>
-          <p:nvPr>
-            <p:ph type="body" sz="quarter" idx="10"/>
-          </p:nvPr>
-        </p:nvSpPr>
-        <p:spPr>
-          <a:xfrm>
-            <a:off x="584200" y="3535540"/>
-            <a:ext cx="4162425" cy="2733497"/>
-          </a:xfrm>
-        </p:spPr>
-        <p:txBody>
-          <a:bodyPr/>
-          <a:lstStyle/>
-          <a:p>
-            <a:r>
-              <a:rPr lang="en-US" dirty="0"/>
-              <a:t>Smaller text</a:t>
-            </a:r>
-          </a:p>
-        </p:txBody>
-      </p:sp>
-      <p:sp>
-        <p:nvSpPr>
-          <p:cNvPr id="6" name="Picture Placeholder 5" descr="This photo is a 'placeholder' only. Drag or drop your photo here, or click and tap the center to insert a photo.">
-            <a:extLst>
-              <a:ext uri="{FF2B5EF4-FFF2-40B4-BE49-F238E27FC236}">
-                <a16:creationId xmlns:a16="http://schemas.microsoft.com/office/drawing/2014/main" id="{90EC379E-CA6F-458B-BB1A-FE53731504E9}"/>
-              </a:ext>
-            </a:extLst>
-          </p:cNvPr>
-          <p:cNvSpPr>
-            <a:spLocks noGrp="1"/>
-          </p:cNvSpPr>
-          <p:nvPr>
-            <p:ph type="pic" sz="quarter" idx="11"/>
-          </p:nvPr>
-        </p:nvSpPr>
-        <p:spPr/>
-      </p:sp>
-    </p:spTree>
-    <p:extLst>
-      <p:ext uri="{BB962C8B-B14F-4D97-AF65-F5344CB8AC3E}">
-        <p14:creationId xmlns:p14="http://schemas.microsoft.com/office/powerpoint/2010/main" val="1490695021"/>
-      </p:ext>
-    </p:extLst>
-  </p:cSld>
-  <p:clrMapOvr>
-    <a:masterClrMapping/>
-  </p:clrMapOvr>
-  <p:transition>
-    <p:fade/>
-  </p:transition>
-</p:sld>
-</file>
-
-<file path=ppt/slides/slide18.xml><?xml version="1.0" encoding="utf-8"?>
-<p:sld xmlns:a="http://schemas.openxmlformats.org/drawingml/2006/main" xmlns:r="http://schemas.openxmlformats.org/officeDocument/2006/relationships" xmlns:p="http://schemas.openxmlformats.org/presentationml/2006/main">
-  <p:cSld>
-    <p:spTree>
-      <p:nvGrpSpPr>
-        <p:cNvPr id="1" name=""/>
-        <p:cNvGrpSpPr/>
-        <p:nvPr/>
-      </p:nvGrpSpPr>
-      <p:grpSpPr>
-        <a:xfrm>
-          <a:off x="0" y="0"/>
-          <a:ext cx="0" cy="0"/>
-          <a:chOff x="0" y="0"/>
-          <a:chExt cx="0" cy="0"/>
-        </a:xfrm>
-      </p:grpSpPr>
-      <p:sp>
-        <p:nvSpPr>
-          <p:cNvPr id="8" name="Title 7">
-            <a:extLst>
-              <a:ext uri="{FF2B5EF4-FFF2-40B4-BE49-F238E27FC236}">
-                <a16:creationId xmlns:a16="http://schemas.microsoft.com/office/drawing/2014/main" id="{D18A1E48-C74E-4B7C-95F4-2342DAC963A9}"/>
-              </a:ext>
-            </a:extLst>
-          </p:cNvPr>
-          <p:cNvSpPr>
-            <a:spLocks noGrp="1"/>
-          </p:cNvSpPr>
-          <p:nvPr>
-            <p:ph type="title"/>
-          </p:nvPr>
-        </p:nvSpPr>
-        <p:spPr/>
-        <p:txBody>
-          <a:bodyPr/>
-          <a:lstStyle/>
-          <a:p>
-            <a:r>
-              <a:rPr lang="en-US" dirty="0"/>
-              <a:t>Square photo layout </a:t>
-            </a:r>
-          </a:p>
-        </p:txBody>
-      </p:sp>
-      <p:sp>
-        <p:nvSpPr>
-          <p:cNvPr id="2" name="Picture Placeholder 1" descr="This photo is a 'placeholder' only. Drag or drop your photo here, or click and tap the center to insert a photo.">
-            <a:extLst>
-              <a:ext uri="{FF2B5EF4-FFF2-40B4-BE49-F238E27FC236}">
-                <a16:creationId xmlns:a16="http://schemas.microsoft.com/office/drawing/2014/main" id="{EAE4E439-9990-4EB5-BA7C-DB1E71AEDCD9}"/>
-              </a:ext>
-            </a:extLst>
-          </p:cNvPr>
-          <p:cNvSpPr>
-            <a:spLocks noGrp="1"/>
-          </p:cNvSpPr>
-          <p:nvPr>
-            <p:ph type="pic" sz="quarter" idx="11"/>
-          </p:nvPr>
-        </p:nvSpPr>
-        <p:spPr/>
-      </p:sp>
-    </p:spTree>
-    <p:extLst>
-      <p:ext uri="{BB962C8B-B14F-4D97-AF65-F5344CB8AC3E}">
-        <p14:creationId xmlns:p14="http://schemas.microsoft.com/office/powerpoint/2010/main" val="1811665972"/>
-      </p:ext>
-    </p:extLst>
-  </p:cSld>
-  <p:clrMapOvr>
-    <a:masterClrMapping/>
-  </p:clrMapOvr>
-  <p:transition>
-    <p:fade/>
-  </p:transition>
-</p:sld>
-</file>
-
-<file path=ppt/slides/slide19.xml><?xml version="1.0" encoding="utf-8"?>
-<p:sld xmlns:a="http://schemas.openxmlformats.org/drawingml/2006/main" xmlns:r="http://schemas.openxmlformats.org/officeDocument/2006/relationships" xmlns:p="http://schemas.openxmlformats.org/presentationml/2006/main">
-  <p:cSld>
-    <p:spTree>
-      <p:nvGrpSpPr>
-        <p:cNvPr id="1" name=""/>
-        <p:cNvGrpSpPr/>
-        <p:nvPr/>
-      </p:nvGrpSpPr>
-      <p:grpSpPr>
-        <a:xfrm>
-          <a:off x="0" y="0"/>
-          <a:ext cx="0" cy="0"/>
-          <a:chOff x="0" y="0"/>
-          <a:chExt cx="0" cy="0"/>
-        </a:xfrm>
-      </p:grpSpPr>
-      <p:sp>
-        <p:nvSpPr>
-          <p:cNvPr id="8" name="Title 7">
-            <a:extLst>
-              <a:ext uri="{FF2B5EF4-FFF2-40B4-BE49-F238E27FC236}">
-                <a16:creationId xmlns:a16="http://schemas.microsoft.com/office/drawing/2014/main" id="{D18A1E48-C74E-4B7C-95F4-2342DAC963A9}"/>
-              </a:ext>
-            </a:extLst>
-          </p:cNvPr>
-          <p:cNvSpPr>
-            <a:spLocks noGrp="1"/>
-          </p:cNvSpPr>
-          <p:nvPr>
-            <p:ph type="title"/>
-          </p:nvPr>
-        </p:nvSpPr>
-        <p:spPr>
-          <a:xfrm>
-            <a:off x="588263" y="457200"/>
-            <a:ext cx="11018520" cy="553998"/>
-          </a:xfrm>
-        </p:spPr>
-        <p:txBody>
-          <a:bodyPr/>
-          <a:lstStyle/>
-          <a:p>
-            <a:r>
-              <a:rPr lang="en-US" dirty="0"/>
-              <a:t>Side-by-side photo layout</a:t>
-            </a:r>
-          </a:p>
-        </p:txBody>
-      </p:sp>
-      <p:sp>
-        <p:nvSpPr>
-          <p:cNvPr id="4" name="Text Placeholder 3">
-            <a:extLst>
-              <a:ext uri="{FF2B5EF4-FFF2-40B4-BE49-F238E27FC236}">
-                <a16:creationId xmlns:a16="http://schemas.microsoft.com/office/drawing/2014/main" id="{DBFED5CB-0F60-480C-8DFA-C6BECBE03F8D}"/>
-              </a:ext>
-            </a:extLst>
-          </p:cNvPr>
-          <p:cNvSpPr>
-            <a:spLocks noGrp="1"/>
-          </p:cNvSpPr>
-          <p:nvPr>
-            <p:ph type="body" sz="quarter" idx="16"/>
-          </p:nvPr>
-        </p:nvSpPr>
-        <p:spPr>
-          <a:xfrm>
-            <a:off x="584199" y="5689600"/>
-            <a:ext cx="5367528" cy="307777"/>
-          </a:xfrm>
-        </p:spPr>
-        <p:txBody>
-          <a:bodyPr/>
-          <a:lstStyle/>
-          <a:p>
-            <a:r>
-              <a:rPr lang="en-US" dirty="0"/>
-              <a:t>Text placeholder</a:t>
-            </a:r>
-          </a:p>
-        </p:txBody>
-      </p:sp>
-      <p:sp>
-        <p:nvSpPr>
-          <p:cNvPr id="2" name="Picture Placeholder 1" descr="This photo is a 'placeholder' only. Drag or drop your photo here, or click and tap the center to insert a photo.">
-            <a:extLst>
-              <a:ext uri="{FF2B5EF4-FFF2-40B4-BE49-F238E27FC236}">
-                <a16:creationId xmlns:a16="http://schemas.microsoft.com/office/drawing/2014/main" id="{AE18F87B-97E7-4FBB-B0C7-4CEB990A7F1B}"/>
-              </a:ext>
-            </a:extLst>
-          </p:cNvPr>
-          <p:cNvSpPr>
-            <a:spLocks noGrp="1"/>
-          </p:cNvSpPr>
-          <p:nvPr>
-            <p:ph type="pic" sz="quarter" idx="13"/>
-          </p:nvPr>
-        </p:nvSpPr>
-        <p:spPr/>
-      </p:sp>
-      <p:sp>
-        <p:nvSpPr>
-          <p:cNvPr id="6" name="Text Placeholder 5">
-            <a:extLst>
-              <a:ext uri="{FF2B5EF4-FFF2-40B4-BE49-F238E27FC236}">
-                <a16:creationId xmlns:a16="http://schemas.microsoft.com/office/drawing/2014/main" id="{1B0E91F6-F618-4448-89FB-05078231BEA7}"/>
-              </a:ext>
-            </a:extLst>
-          </p:cNvPr>
-          <p:cNvSpPr>
-            <a:spLocks noGrp="1"/>
-          </p:cNvSpPr>
-          <p:nvPr>
-            <p:ph type="body" sz="quarter" idx="18"/>
-          </p:nvPr>
-        </p:nvSpPr>
-        <p:spPr>
-          <a:xfrm>
-            <a:off x="6241860" y="5689600"/>
-            <a:ext cx="5367528" cy="307777"/>
-          </a:xfrm>
-        </p:spPr>
-        <p:txBody>
-          <a:bodyPr/>
-          <a:lstStyle/>
-          <a:p>
-            <a:r>
-              <a:rPr lang="en-US" dirty="0"/>
-              <a:t>Text placeholder</a:t>
-            </a:r>
-          </a:p>
-        </p:txBody>
-      </p:sp>
-      <p:sp>
-        <p:nvSpPr>
-          <p:cNvPr id="3" name="Picture Placeholder 2" descr="This photo is a 'placeholder' only. Drag or drop your photo here, or click and tap the center to insert a photo.">
-            <a:extLst>
-              <a:ext uri="{FF2B5EF4-FFF2-40B4-BE49-F238E27FC236}">
-                <a16:creationId xmlns:a16="http://schemas.microsoft.com/office/drawing/2014/main" id="{E16DC59E-65F2-4652-B8B5-10F074366FB7}"/>
-              </a:ext>
-            </a:extLst>
-          </p:cNvPr>
-          <p:cNvSpPr>
-            <a:spLocks noGrp="1"/>
-          </p:cNvSpPr>
-          <p:nvPr>
-            <p:ph type="pic" sz="quarter" idx="15"/>
-          </p:nvPr>
-        </p:nvSpPr>
-        <p:spPr/>
-      </p:sp>
-    </p:spTree>
-    <p:extLst>
-      <p:ext uri="{BB962C8B-B14F-4D97-AF65-F5344CB8AC3E}">
-        <p14:creationId xmlns:p14="http://schemas.microsoft.com/office/powerpoint/2010/main" val="696467548"/>
-      </p:ext>
-    </p:extLst>
-  </p:cSld>
-  <p:clrMapOvr>
-    <a:masterClrMapping/>
-  </p:clrMapOvr>
-  <p:transition>
-    <p:fade/>
-  </p:transition>
-</p:sld>
-</file>
-
-<file path=ppt/slides/slide2.xml><?xml version="1.0" encoding="utf-8"?>
-<p:sld xmlns:a="http://schemas.openxmlformats.org/drawingml/2006/main" xmlns:r="http://schemas.openxmlformats.org/officeDocument/2006/relationships" xmlns:p="http://schemas.openxmlformats.org/presentationml/2006/main">
-  <p:cSld>
-    <p:spTree>
-      <p:nvGrpSpPr>
-        <p:cNvPr id="1" name=""/>
-        <p:cNvGrpSpPr/>
-        <p:nvPr/>
-      </p:nvGrpSpPr>
-      <p:grpSpPr>
-        <a:xfrm>
-          <a:off x="0" y="0"/>
-          <a:ext cx="0" cy="0"/>
-          <a:chOff x="0" y="0"/>
-          <a:chExt cx="0" cy="0"/>
-        </a:xfrm>
-      </p:grpSpPr>
-      <p:sp>
-        <p:nvSpPr>
-          <p:cNvPr id="6" name="Title 5">
-            <a:extLst>
-              <a:ext uri="{FF2B5EF4-FFF2-40B4-BE49-F238E27FC236}">
-                <a16:creationId xmlns:a16="http://schemas.microsoft.com/office/drawing/2014/main" id="{E7BF15BD-001C-49B3-9A01-B39DEDA47564}"/>
-              </a:ext>
-            </a:extLst>
-          </p:cNvPr>
-          <p:cNvSpPr>
-            <a:spLocks noGrp="1"/>
-          </p:cNvSpPr>
-          <p:nvPr>
-            <p:ph type="title"/>
-          </p:nvPr>
-        </p:nvSpPr>
-        <p:spPr>
-          <a:xfrm>
-            <a:off x="585216" y="2309812"/>
-            <a:ext cx="3182027" cy="553998"/>
-          </a:xfrm>
-        </p:spPr>
-        <p:txBody>
-          <a:bodyPr/>
-          <a:lstStyle/>
-          <a:p>
-            <a:r>
-              <a:rPr lang="en-US" dirty="0"/>
-              <a:t>Agenda</a:t>
-            </a:r>
-          </a:p>
-        </p:txBody>
-      </p:sp>
-      <p:sp>
-        <p:nvSpPr>
-          <p:cNvPr id="7" name="Text Placeholder 6">
-            <a:extLst>
-              <a:ext uri="{FF2B5EF4-FFF2-40B4-BE49-F238E27FC236}">
-                <a16:creationId xmlns:a16="http://schemas.microsoft.com/office/drawing/2014/main" id="{61F6BD0B-C4D8-42DE-A3A7-50D8219CE639}"/>
-              </a:ext>
-            </a:extLst>
-          </p:cNvPr>
-          <p:cNvSpPr>
-            <a:spLocks noGrp="1"/>
-          </p:cNvSpPr>
-          <p:nvPr>
-            <p:ph type="body" sz="quarter" idx="11"/>
-          </p:nvPr>
-        </p:nvSpPr>
-        <p:spPr>
-          <a:xfrm>
-            <a:off x="4354523" y="2309812"/>
-            <a:ext cx="7254865" cy="2289858"/>
-          </a:xfrm>
-        </p:spPr>
-        <p:txBody>
-          <a:bodyPr/>
-          <a:lstStyle/>
-          <a:p>
-            <a:r>
-              <a:rPr lang="en-IE" dirty="0"/>
-              <a:t>Introduction</a:t>
-            </a:r>
-          </a:p>
-          <a:p>
-            <a:r>
-              <a:rPr lang="en-US" dirty="0"/>
-              <a:t>Brief overview</a:t>
-            </a:r>
-          </a:p>
-          <a:p>
-            <a:r>
-              <a:rPr lang="en-US" dirty="0"/>
-              <a:t>Step by Step</a:t>
-            </a:r>
-          </a:p>
-          <a:p>
-            <a:r>
-              <a:rPr lang="en-US" dirty="0" err="1"/>
-              <a:t>QnA</a:t>
-            </a:r>
-            <a:endParaRPr lang="en-IE" dirty="0"/>
-          </a:p>
-        </p:txBody>
-      </p:sp>
-    </p:spTree>
-    <p:extLst>
-      <p:ext uri="{BB962C8B-B14F-4D97-AF65-F5344CB8AC3E}">
-        <p14:creationId xmlns:p14="http://schemas.microsoft.com/office/powerpoint/2010/main" val="4178565498"/>
-      </p:ext>
-    </p:extLst>
-  </p:cSld>
-  <p:clrMapOvr>
-    <a:masterClrMapping/>
-  </p:clrMapOvr>
-  <p:transition>
-    <p:fade/>
-  </p:transition>
-</p:sld>
-</file>
-
-<file path=ppt/slides/slide20.xml><?xml version="1.0" encoding="utf-8"?>
-<p:sld xmlns:a="http://schemas.openxmlformats.org/drawingml/2006/main" xmlns:r="http://schemas.openxmlformats.org/officeDocument/2006/relationships" xmlns:p="http://schemas.openxmlformats.org/presentationml/2006/main">
-  <p:cSld>
-    <p:spTree>
-      <p:nvGrpSpPr>
-        <p:cNvPr id="1" name=""/>
-        <p:cNvGrpSpPr/>
-        <p:nvPr/>
-      </p:nvGrpSpPr>
-      <p:grpSpPr>
-        <a:xfrm>
-          <a:off x="0" y="0"/>
-          <a:ext cx="0" cy="0"/>
-          <a:chOff x="0" y="0"/>
-          <a:chExt cx="0" cy="0"/>
-        </a:xfrm>
-      </p:grpSpPr>
-      <p:sp>
-        <p:nvSpPr>
-          <p:cNvPr id="7" name="Title 6">
-            <a:extLst>
-              <a:ext uri="{FF2B5EF4-FFF2-40B4-BE49-F238E27FC236}">
-                <a16:creationId xmlns:a16="http://schemas.microsoft.com/office/drawing/2014/main" id="{9BB51B6F-A6B6-4C5C-87D8-20DB1C857613}"/>
-              </a:ext>
-            </a:extLst>
-          </p:cNvPr>
-          <p:cNvSpPr>
-            <a:spLocks noGrp="1"/>
-          </p:cNvSpPr>
-          <p:nvPr>
-            <p:ph type="title"/>
-          </p:nvPr>
-        </p:nvSpPr>
-        <p:spPr>
-          <a:xfrm>
-            <a:off x="588263" y="457200"/>
-            <a:ext cx="11018520" cy="553998"/>
-          </a:xfrm>
-        </p:spPr>
-        <p:txBody>
-          <a:bodyPr/>
-          <a:lstStyle/>
-          <a:p>
-            <a:r>
-              <a:rPr lang="en-US" dirty="0"/>
-              <a:t>Three photos layout</a:t>
-            </a:r>
-          </a:p>
-        </p:txBody>
-      </p:sp>
-      <p:sp>
-        <p:nvSpPr>
-          <p:cNvPr id="11" name="Text Placeholder 10">
-            <a:extLst>
-              <a:ext uri="{FF2B5EF4-FFF2-40B4-BE49-F238E27FC236}">
-                <a16:creationId xmlns:a16="http://schemas.microsoft.com/office/drawing/2014/main" id="{0CF24D87-8BE8-48F5-A782-AABCF1702CF5}"/>
-              </a:ext>
-            </a:extLst>
-          </p:cNvPr>
-          <p:cNvSpPr>
-            <a:spLocks noGrp="1"/>
-          </p:cNvSpPr>
-          <p:nvPr>
-            <p:ph type="body" sz="quarter" idx="16"/>
-          </p:nvPr>
-        </p:nvSpPr>
-        <p:spPr>
-          <a:xfrm>
-            <a:off x="582613" y="5689600"/>
-            <a:ext cx="3475037" cy="307777"/>
-          </a:xfrm>
-        </p:spPr>
-        <p:txBody>
-          <a:bodyPr/>
-          <a:lstStyle/>
-          <a:p>
-            <a:r>
-              <a:rPr lang="en-US" dirty="0"/>
-              <a:t>Text placeholder</a:t>
-            </a:r>
-          </a:p>
-        </p:txBody>
-      </p:sp>
-      <p:sp>
-        <p:nvSpPr>
-          <p:cNvPr id="8" name="Picture Placeholder 7" descr="This photo is a 'placeholder' only. Drag or drop your photo here, or click and tap the center to insert a photo.">
-            <a:extLst>
-              <a:ext uri="{FF2B5EF4-FFF2-40B4-BE49-F238E27FC236}">
-                <a16:creationId xmlns:a16="http://schemas.microsoft.com/office/drawing/2014/main" id="{6B56B57A-5CF7-448F-BC81-137D7A82A0EC}"/>
-              </a:ext>
-            </a:extLst>
-          </p:cNvPr>
-          <p:cNvSpPr>
-            <a:spLocks noGrp="1"/>
-          </p:cNvSpPr>
-          <p:nvPr>
-            <p:ph type="pic" sz="quarter" idx="13"/>
-          </p:nvPr>
-        </p:nvSpPr>
-        <p:spPr/>
-      </p:sp>
-      <p:sp>
-        <p:nvSpPr>
-          <p:cNvPr id="12" name="Text Placeholder 11">
-            <a:extLst>
-              <a:ext uri="{FF2B5EF4-FFF2-40B4-BE49-F238E27FC236}">
-                <a16:creationId xmlns:a16="http://schemas.microsoft.com/office/drawing/2014/main" id="{42466CB0-8E3A-4B11-BE5B-DB09D902EB09}"/>
-              </a:ext>
-            </a:extLst>
-          </p:cNvPr>
-          <p:cNvSpPr>
-            <a:spLocks noGrp="1"/>
-          </p:cNvSpPr>
-          <p:nvPr>
-            <p:ph type="body" sz="quarter" idx="17"/>
-          </p:nvPr>
-        </p:nvSpPr>
-        <p:spPr>
-          <a:xfrm>
-            <a:off x="4358640" y="5689600"/>
-            <a:ext cx="3475037" cy="307777"/>
-          </a:xfrm>
-        </p:spPr>
-        <p:txBody>
-          <a:bodyPr/>
-          <a:lstStyle/>
-          <a:p>
-            <a:r>
-              <a:rPr lang="en-US" dirty="0"/>
-              <a:t>Text placeholder</a:t>
-            </a:r>
-          </a:p>
-        </p:txBody>
-      </p:sp>
-      <p:sp>
-        <p:nvSpPr>
-          <p:cNvPr id="9" name="Picture Placeholder 8" descr="This photo is a 'placeholder' only. Drag or drop your photo here, or click and tap the center to insert a photo.">
-            <a:extLst>
-              <a:ext uri="{FF2B5EF4-FFF2-40B4-BE49-F238E27FC236}">
-                <a16:creationId xmlns:a16="http://schemas.microsoft.com/office/drawing/2014/main" id="{A078E6D4-B91A-431C-8C2F-A6FD9891FF29}"/>
-              </a:ext>
-            </a:extLst>
-          </p:cNvPr>
-          <p:cNvSpPr>
-            <a:spLocks noGrp="1"/>
-          </p:cNvSpPr>
-          <p:nvPr>
-            <p:ph type="pic" sz="quarter" idx="14"/>
-          </p:nvPr>
-        </p:nvSpPr>
-        <p:spPr/>
-      </p:sp>
-      <p:sp>
-        <p:nvSpPr>
-          <p:cNvPr id="13" name="Text Placeholder 12">
-            <a:extLst>
-              <a:ext uri="{FF2B5EF4-FFF2-40B4-BE49-F238E27FC236}">
-                <a16:creationId xmlns:a16="http://schemas.microsoft.com/office/drawing/2014/main" id="{062B81A3-15C0-4615-9103-E530FFE58E9B}"/>
-              </a:ext>
-            </a:extLst>
-          </p:cNvPr>
-          <p:cNvSpPr>
-            <a:spLocks noGrp="1"/>
-          </p:cNvSpPr>
-          <p:nvPr>
-            <p:ph type="body" sz="quarter" idx="18"/>
-          </p:nvPr>
-        </p:nvSpPr>
-        <p:spPr>
-          <a:xfrm>
-            <a:off x="8134351" y="5689600"/>
-            <a:ext cx="3475037" cy="307777"/>
-          </a:xfrm>
-        </p:spPr>
-        <p:txBody>
-          <a:bodyPr/>
-          <a:lstStyle/>
-          <a:p>
-            <a:r>
-              <a:rPr lang="en-US" dirty="0"/>
-              <a:t>Text placeholder</a:t>
-            </a:r>
-          </a:p>
-        </p:txBody>
-      </p:sp>
-      <p:sp>
-        <p:nvSpPr>
-          <p:cNvPr id="10" name="Picture Placeholder 9" descr="This photo is a 'placeholder' only. Drag or drop your photo here, or click and tap the center to insert a photo.">
-            <a:extLst>
-              <a:ext uri="{FF2B5EF4-FFF2-40B4-BE49-F238E27FC236}">
-                <a16:creationId xmlns:a16="http://schemas.microsoft.com/office/drawing/2014/main" id="{C3281AC1-12FA-4321-9290-F3FD9C085409}"/>
-              </a:ext>
-            </a:extLst>
-          </p:cNvPr>
-          <p:cNvSpPr>
-            <a:spLocks noGrp="1"/>
-          </p:cNvSpPr>
-          <p:nvPr>
-            <p:ph type="pic" sz="quarter" idx="15"/>
-          </p:nvPr>
-        </p:nvSpPr>
-        <p:spPr/>
-      </p:sp>
-    </p:spTree>
-    <p:extLst>
-      <p:ext uri="{BB962C8B-B14F-4D97-AF65-F5344CB8AC3E}">
-        <p14:creationId xmlns:p14="http://schemas.microsoft.com/office/powerpoint/2010/main" val="3964713026"/>
-      </p:ext>
-    </p:extLst>
-  </p:cSld>
-  <p:clrMapOvr>
-    <a:masterClrMapping/>
-  </p:clrMapOvr>
-  <p:transition>
-    <p:fade/>
-  </p:transition>
-</p:sld>
-</file>
-
 <file path=ppt/slides/slide21.xml><?xml version="1.0" encoding="utf-8"?>
 <p:sld xmlns:a="http://schemas.openxmlformats.org/drawingml/2006/main" xmlns:r="http://schemas.openxmlformats.org/officeDocument/2006/relationships" xmlns:p="http://schemas.openxmlformats.org/presentationml/2006/main">
   <p:cSld>
@@ -16478,10 +16728,10 @@
       </p:grpSpPr>
       <p:sp>
         <p:nvSpPr>
-          <p:cNvPr id="7" name="Title 6">
+          <p:cNvPr id="8" name="Title 7">
             <a:extLst>
               <a:ext uri="{FF2B5EF4-FFF2-40B4-BE49-F238E27FC236}">
-                <a16:creationId xmlns:a16="http://schemas.microsoft.com/office/drawing/2014/main" id="{A4E6FC63-1669-41F3-A9A6-39B6FB141690}"/>
+                <a16:creationId xmlns:a16="http://schemas.microsoft.com/office/drawing/2014/main" id="{D18A1E48-C74E-4B7C-95F4-2342DAC963A9}"/>
               </a:ext>
             </a:extLst>
           </p:cNvPr>
@@ -16494,8 +16744,8 @@
         </p:nvSpPr>
         <p:spPr>
           <a:xfrm>
-            <a:off x="588263" y="457200"/>
-            <a:ext cx="11018520" cy="553998"/>
+            <a:off x="588263" y="588963"/>
+            <a:ext cx="4158362" cy="2535236"/>
           </a:xfrm>
         </p:spPr>
         <p:txBody>
@@ -16504,17 +16754,17 @@
           <a:p>
             <a:r>
               <a:rPr lang="en-US" dirty="0"/>
-              <a:t>Four photos layout</a:t>
+              <a:t>Title square photo layout</a:t>
             </a:r>
           </a:p>
         </p:txBody>
       </p:sp>
       <p:sp>
         <p:nvSpPr>
-          <p:cNvPr id="11" name="Text Placeholder 10">
+          <p:cNvPr id="3" name="Text Placeholder 2">
             <a:extLst>
               <a:ext uri="{FF2B5EF4-FFF2-40B4-BE49-F238E27FC236}">
-                <a16:creationId xmlns:a16="http://schemas.microsoft.com/office/drawing/2014/main" id="{A209D23C-50F2-48D6-BAA7-3B9D6572CD44}"/>
+                <a16:creationId xmlns:a16="http://schemas.microsoft.com/office/drawing/2014/main" id="{EB03E4EA-274B-4BE4-9A52-00B5B2697A08}"/>
               </a:ext>
             </a:extLst>
           </p:cNvPr>
@@ -16522,13 +16772,13 @@
             <a:spLocks noGrp="1"/>
           </p:cNvSpPr>
           <p:nvPr>
-            <p:ph type="body" sz="quarter" idx="16"/>
+            <p:ph type="body" sz="quarter" idx="10"/>
           </p:nvPr>
         </p:nvSpPr>
         <p:spPr>
           <a:xfrm>
-            <a:off x="582613" y="4753938"/>
-            <a:ext cx="2532888" cy="307777"/>
+            <a:off x="584200" y="3535540"/>
+            <a:ext cx="4162425" cy="2733497"/>
           </a:xfrm>
         </p:spPr>
         <p:txBody>
@@ -16537,17 +16787,17 @@
           <a:p>
             <a:r>
               <a:rPr lang="en-US" dirty="0"/>
-              <a:t>Text placeholder</a:t>
+              <a:t>Smaller text</a:t>
             </a:r>
           </a:p>
         </p:txBody>
       </p:sp>
       <p:sp>
         <p:nvSpPr>
-          <p:cNvPr id="8" name="Picture Placeholder 7" descr="This photo is a 'placeholder' only. Drag or drop your photo here, or click and tap the center to insert a photo.">
+          <p:cNvPr id="6" name="Picture Placeholder 5" descr="This photo is a 'placeholder' only. Drag or drop your photo here, or click and tap the center to insert a photo.">
             <a:extLst>
               <a:ext uri="{FF2B5EF4-FFF2-40B4-BE49-F238E27FC236}">
-                <a16:creationId xmlns:a16="http://schemas.microsoft.com/office/drawing/2014/main" id="{CB9E5AC9-345E-4231-A0B1-CA5FC2605BC1}"/>
+                <a16:creationId xmlns:a16="http://schemas.microsoft.com/office/drawing/2014/main" id="{90EC379E-CA6F-458B-BB1A-FE53731504E9}"/>
               </a:ext>
             </a:extLst>
           </p:cNvPr>
@@ -16555,160 +16805,7 @@
             <a:spLocks noGrp="1"/>
           </p:cNvSpPr>
           <p:nvPr>
-            <p:ph type="pic" sz="quarter" idx="13"/>
-          </p:nvPr>
-        </p:nvSpPr>
-        <p:spPr/>
-      </p:sp>
-      <p:sp>
-        <p:nvSpPr>
-          <p:cNvPr id="12" name="Text Placeholder 11">
-            <a:extLst>
-              <a:ext uri="{FF2B5EF4-FFF2-40B4-BE49-F238E27FC236}">
-                <a16:creationId xmlns:a16="http://schemas.microsoft.com/office/drawing/2014/main" id="{92F542C4-C40B-41ED-B136-472CCC2DF00E}"/>
-              </a:ext>
-            </a:extLst>
-          </p:cNvPr>
-          <p:cNvSpPr>
-            <a:spLocks noGrp="1"/>
-          </p:cNvSpPr>
-          <p:nvPr>
-            <p:ph type="body" sz="quarter" idx="17"/>
-          </p:nvPr>
-        </p:nvSpPr>
-        <p:spPr>
-          <a:xfrm>
-            <a:off x="3413908" y="4753938"/>
-            <a:ext cx="2532888" cy="307777"/>
-          </a:xfrm>
-        </p:spPr>
-        <p:txBody>
-          <a:bodyPr/>
-          <a:lstStyle/>
-          <a:p>
-            <a:r>
-              <a:rPr lang="en-US" dirty="0"/>
-              <a:t>Text placeholder</a:t>
-            </a:r>
-          </a:p>
-        </p:txBody>
-      </p:sp>
-      <p:sp>
-        <p:nvSpPr>
-          <p:cNvPr id="9" name="Picture Placeholder 8" descr="This photo is a 'placeholder' only. Drag or drop your photo here, or click and tap the center to insert a photo.">
-            <a:extLst>
-              <a:ext uri="{FF2B5EF4-FFF2-40B4-BE49-F238E27FC236}">
-                <a16:creationId xmlns:a16="http://schemas.microsoft.com/office/drawing/2014/main" id="{D5125A72-F156-43CC-A8E4-C1D71612492F}"/>
-              </a:ext>
-            </a:extLst>
-          </p:cNvPr>
-          <p:cNvSpPr>
-            <a:spLocks noGrp="1"/>
-          </p:cNvSpPr>
-          <p:nvPr>
-            <p:ph type="pic" sz="quarter" idx="14"/>
-          </p:nvPr>
-        </p:nvSpPr>
-        <p:spPr/>
-      </p:sp>
-      <p:sp>
-        <p:nvSpPr>
-          <p:cNvPr id="13" name="Text Placeholder 12">
-            <a:extLst>
-              <a:ext uri="{FF2B5EF4-FFF2-40B4-BE49-F238E27FC236}">
-                <a16:creationId xmlns:a16="http://schemas.microsoft.com/office/drawing/2014/main" id="{B43BB8B0-C02C-44E6-A828-FE52984E9278}"/>
-              </a:ext>
-            </a:extLst>
-          </p:cNvPr>
-          <p:cNvSpPr>
-            <a:spLocks noGrp="1"/>
-          </p:cNvSpPr>
-          <p:nvPr>
-            <p:ph type="body" sz="quarter" idx="18"/>
-          </p:nvPr>
-        </p:nvSpPr>
-        <p:spPr>
-          <a:xfrm>
-            <a:off x="6245204" y="4753938"/>
-            <a:ext cx="2532888" cy="307777"/>
-          </a:xfrm>
-        </p:spPr>
-        <p:txBody>
-          <a:bodyPr/>
-          <a:lstStyle/>
-          <a:p>
-            <a:r>
-              <a:rPr lang="en-US" dirty="0"/>
-              <a:t>Text placeholder</a:t>
-            </a:r>
-          </a:p>
-        </p:txBody>
-      </p:sp>
-      <p:sp>
-        <p:nvSpPr>
-          <p:cNvPr id="10" name="Picture Placeholder 9" descr="This photo is a 'placeholder' only. Drag or drop your photo here, or click and tap the center to insert a photo.">
-            <a:extLst>
-              <a:ext uri="{FF2B5EF4-FFF2-40B4-BE49-F238E27FC236}">
-                <a16:creationId xmlns:a16="http://schemas.microsoft.com/office/drawing/2014/main" id="{3183C00D-DE72-42D6-B0F6-E0FC1CAC99CF}"/>
-              </a:ext>
-            </a:extLst>
-          </p:cNvPr>
-          <p:cNvSpPr>
-            <a:spLocks noGrp="1"/>
-          </p:cNvSpPr>
-          <p:nvPr>
-            <p:ph type="pic" sz="quarter" idx="15"/>
-          </p:nvPr>
-        </p:nvSpPr>
-        <p:spPr/>
-      </p:sp>
-      <p:sp>
-        <p:nvSpPr>
-          <p:cNvPr id="15" name="Text Placeholder 14">
-            <a:extLst>
-              <a:ext uri="{FF2B5EF4-FFF2-40B4-BE49-F238E27FC236}">
-                <a16:creationId xmlns:a16="http://schemas.microsoft.com/office/drawing/2014/main" id="{4A98B624-6FA8-4859-B87B-A01D7E95DB26}"/>
-              </a:ext>
-            </a:extLst>
-          </p:cNvPr>
-          <p:cNvSpPr>
-            <a:spLocks noGrp="1"/>
-          </p:cNvSpPr>
-          <p:nvPr>
-            <p:ph type="body" sz="quarter" idx="20"/>
-          </p:nvPr>
-        </p:nvSpPr>
-        <p:spPr>
-          <a:xfrm>
-            <a:off x="9076500" y="4753938"/>
-            <a:ext cx="2532888" cy="307777"/>
-          </a:xfrm>
-        </p:spPr>
-        <p:txBody>
-          <a:bodyPr/>
-          <a:lstStyle/>
-          <a:p>
-            <a:r>
-              <a:rPr lang="en-US" dirty="0"/>
-              <a:t>Text placeholder</a:t>
-            </a:r>
-          </a:p>
-        </p:txBody>
-      </p:sp>
-      <p:sp>
-        <p:nvSpPr>
-          <p:cNvPr id="14" name="Picture Placeholder 13" descr="This photo is a 'placeholder' only. Drag or drop your photo here, or click and tap the center to insert a photo.">
-            <a:extLst>
-              <a:ext uri="{FF2B5EF4-FFF2-40B4-BE49-F238E27FC236}">
-                <a16:creationId xmlns:a16="http://schemas.microsoft.com/office/drawing/2014/main" id="{CF615145-50B1-4694-973A-724322B099D6}"/>
-              </a:ext>
-            </a:extLst>
-          </p:cNvPr>
-          <p:cNvSpPr>
-            <a:spLocks noGrp="1"/>
-          </p:cNvSpPr>
-          <p:nvPr>
-            <p:ph type="pic" sz="quarter" idx="19"/>
+            <p:ph type="pic" sz="quarter" idx="11"/>
           </p:nvPr>
         </p:nvSpPr>
         <p:spPr/>
@@ -16716,7 +16813,7 @@
     </p:spTree>
     <p:extLst>
       <p:ext uri="{BB962C8B-B14F-4D97-AF65-F5344CB8AC3E}">
-        <p14:creationId xmlns:p14="http://schemas.microsoft.com/office/powerpoint/2010/main" val="2504275049"/>
+        <p14:creationId xmlns:p14="http://schemas.microsoft.com/office/powerpoint/2010/main" val="1490695021"/>
       </p:ext>
     </p:extLst>
   </p:cSld>
@@ -16748,10 +16845,10 @@
       </p:grpSpPr>
       <p:sp>
         <p:nvSpPr>
-          <p:cNvPr id="2" name="Title 1">
+          <p:cNvPr id="8" name="Title 7">
             <a:extLst>
               <a:ext uri="{FF2B5EF4-FFF2-40B4-BE49-F238E27FC236}">
-                <a16:creationId xmlns:a16="http://schemas.microsoft.com/office/drawing/2014/main" id="{4FE98B5C-48BE-4909-9F4A-A4186BB35065}"/>
+                <a16:creationId xmlns:a16="http://schemas.microsoft.com/office/drawing/2014/main" id="{D18A1E48-C74E-4B7C-95F4-2342DAC963A9}"/>
               </a:ext>
             </a:extLst>
           </p:cNvPr>
@@ -16762,29 +16859,24 @@
             <p:ph type="title"/>
           </p:nvPr>
         </p:nvSpPr>
-        <p:spPr>
-          <a:xfrm>
-            <a:off x="588263" y="5436128"/>
-            <a:ext cx="11018520" cy="553998"/>
-          </a:xfrm>
-        </p:spPr>
+        <p:spPr/>
         <p:txBody>
           <a:bodyPr/>
           <a:lstStyle/>
           <a:p>
             <a:r>
               <a:rPr lang="en-US" dirty="0"/>
-              <a:t>Top photo with Title</a:t>
+              <a:t>Square photo layout </a:t>
             </a:r>
           </a:p>
         </p:txBody>
       </p:sp>
       <p:sp>
         <p:nvSpPr>
-          <p:cNvPr id="3" name="Picture Placeholder 2" descr="This photo is a 'placeholder' only. Drag or drop your photo here, or click and tap the center to insert a photo.">
+          <p:cNvPr id="2" name="Picture Placeholder 1" descr="This photo is a 'placeholder' only. Drag or drop your photo here, or click and tap the center to insert a photo.">
             <a:extLst>
               <a:ext uri="{FF2B5EF4-FFF2-40B4-BE49-F238E27FC236}">
-                <a16:creationId xmlns:a16="http://schemas.microsoft.com/office/drawing/2014/main" id="{3E53C251-F0C1-4DAA-BF3B-F3E1C6002804}"/>
+                <a16:creationId xmlns:a16="http://schemas.microsoft.com/office/drawing/2014/main" id="{EAE4E439-9990-4EB5-BA7C-DB1E71AEDCD9}"/>
               </a:ext>
             </a:extLst>
           </p:cNvPr>
@@ -16800,7 +16892,7 @@
     </p:spTree>
     <p:extLst>
       <p:ext uri="{BB962C8B-B14F-4D97-AF65-F5344CB8AC3E}">
-        <p14:creationId xmlns:p14="http://schemas.microsoft.com/office/powerpoint/2010/main" val="544100002"/>
+        <p14:creationId xmlns:p14="http://schemas.microsoft.com/office/powerpoint/2010/main" val="1811665972"/>
       </p:ext>
     </p:extLst>
   </p:cSld>
@@ -16832,6 +16924,747 @@
       </p:grpSpPr>
       <p:sp>
         <p:nvSpPr>
+          <p:cNvPr id="8" name="Title 7">
+            <a:extLst>
+              <a:ext uri="{FF2B5EF4-FFF2-40B4-BE49-F238E27FC236}">
+                <a16:creationId xmlns:a16="http://schemas.microsoft.com/office/drawing/2014/main" id="{D18A1E48-C74E-4B7C-95F4-2342DAC963A9}"/>
+              </a:ext>
+            </a:extLst>
+          </p:cNvPr>
+          <p:cNvSpPr>
+            <a:spLocks noGrp="1"/>
+          </p:cNvSpPr>
+          <p:nvPr>
+            <p:ph type="title"/>
+          </p:nvPr>
+        </p:nvSpPr>
+        <p:spPr>
+          <a:xfrm>
+            <a:off x="588263" y="457200"/>
+            <a:ext cx="11018520" cy="553998"/>
+          </a:xfrm>
+        </p:spPr>
+        <p:txBody>
+          <a:bodyPr/>
+          <a:lstStyle/>
+          <a:p>
+            <a:r>
+              <a:rPr lang="en-US" dirty="0"/>
+              <a:t>Side-by-side photo layout</a:t>
+            </a:r>
+          </a:p>
+        </p:txBody>
+      </p:sp>
+      <p:sp>
+        <p:nvSpPr>
+          <p:cNvPr id="4" name="Text Placeholder 3">
+            <a:extLst>
+              <a:ext uri="{FF2B5EF4-FFF2-40B4-BE49-F238E27FC236}">
+                <a16:creationId xmlns:a16="http://schemas.microsoft.com/office/drawing/2014/main" id="{DBFED5CB-0F60-480C-8DFA-C6BECBE03F8D}"/>
+              </a:ext>
+            </a:extLst>
+          </p:cNvPr>
+          <p:cNvSpPr>
+            <a:spLocks noGrp="1"/>
+          </p:cNvSpPr>
+          <p:nvPr>
+            <p:ph type="body" sz="quarter" idx="16"/>
+          </p:nvPr>
+        </p:nvSpPr>
+        <p:spPr>
+          <a:xfrm>
+            <a:off x="584199" y="5689600"/>
+            <a:ext cx="5367528" cy="307777"/>
+          </a:xfrm>
+        </p:spPr>
+        <p:txBody>
+          <a:bodyPr/>
+          <a:lstStyle/>
+          <a:p>
+            <a:r>
+              <a:rPr lang="en-US" dirty="0"/>
+              <a:t>Text placeholder</a:t>
+            </a:r>
+          </a:p>
+        </p:txBody>
+      </p:sp>
+      <p:sp>
+        <p:nvSpPr>
+          <p:cNvPr id="2" name="Picture Placeholder 1" descr="This photo is a 'placeholder' only. Drag or drop your photo here, or click and tap the center to insert a photo.">
+            <a:extLst>
+              <a:ext uri="{FF2B5EF4-FFF2-40B4-BE49-F238E27FC236}">
+                <a16:creationId xmlns:a16="http://schemas.microsoft.com/office/drawing/2014/main" id="{AE18F87B-97E7-4FBB-B0C7-4CEB990A7F1B}"/>
+              </a:ext>
+            </a:extLst>
+          </p:cNvPr>
+          <p:cNvSpPr>
+            <a:spLocks noGrp="1"/>
+          </p:cNvSpPr>
+          <p:nvPr>
+            <p:ph type="pic" sz="quarter" idx="13"/>
+          </p:nvPr>
+        </p:nvSpPr>
+        <p:spPr/>
+      </p:sp>
+      <p:sp>
+        <p:nvSpPr>
+          <p:cNvPr id="6" name="Text Placeholder 5">
+            <a:extLst>
+              <a:ext uri="{FF2B5EF4-FFF2-40B4-BE49-F238E27FC236}">
+                <a16:creationId xmlns:a16="http://schemas.microsoft.com/office/drawing/2014/main" id="{1B0E91F6-F618-4448-89FB-05078231BEA7}"/>
+              </a:ext>
+            </a:extLst>
+          </p:cNvPr>
+          <p:cNvSpPr>
+            <a:spLocks noGrp="1"/>
+          </p:cNvSpPr>
+          <p:nvPr>
+            <p:ph type="body" sz="quarter" idx="18"/>
+          </p:nvPr>
+        </p:nvSpPr>
+        <p:spPr>
+          <a:xfrm>
+            <a:off x="6241860" y="5689600"/>
+            <a:ext cx="5367528" cy="307777"/>
+          </a:xfrm>
+        </p:spPr>
+        <p:txBody>
+          <a:bodyPr/>
+          <a:lstStyle/>
+          <a:p>
+            <a:r>
+              <a:rPr lang="en-US" dirty="0"/>
+              <a:t>Text placeholder</a:t>
+            </a:r>
+          </a:p>
+        </p:txBody>
+      </p:sp>
+      <p:sp>
+        <p:nvSpPr>
+          <p:cNvPr id="3" name="Picture Placeholder 2" descr="This photo is a 'placeholder' only. Drag or drop your photo here, or click and tap the center to insert a photo.">
+            <a:extLst>
+              <a:ext uri="{FF2B5EF4-FFF2-40B4-BE49-F238E27FC236}">
+                <a16:creationId xmlns:a16="http://schemas.microsoft.com/office/drawing/2014/main" id="{E16DC59E-65F2-4652-B8B5-10F074366FB7}"/>
+              </a:ext>
+            </a:extLst>
+          </p:cNvPr>
+          <p:cNvSpPr>
+            <a:spLocks noGrp="1"/>
+          </p:cNvSpPr>
+          <p:nvPr>
+            <p:ph type="pic" sz="quarter" idx="15"/>
+          </p:nvPr>
+        </p:nvSpPr>
+        <p:spPr/>
+      </p:sp>
+    </p:spTree>
+    <p:extLst>
+      <p:ext uri="{BB962C8B-B14F-4D97-AF65-F5344CB8AC3E}">
+        <p14:creationId xmlns:p14="http://schemas.microsoft.com/office/powerpoint/2010/main" val="696467548"/>
+      </p:ext>
+    </p:extLst>
+  </p:cSld>
+  <p:clrMapOvr>
+    <a:masterClrMapping/>
+  </p:clrMapOvr>
+  <p:transition>
+    <p:fade/>
+  </p:transition>
+</p:sld>
+</file>
+
+<file path=ppt/slides/slide24.xml><?xml version="1.0" encoding="utf-8"?>
+<p:sld xmlns:a="http://schemas.openxmlformats.org/drawingml/2006/main" xmlns:r="http://schemas.openxmlformats.org/officeDocument/2006/relationships" xmlns:p="http://schemas.openxmlformats.org/presentationml/2006/main">
+  <p:cSld>
+    <p:spTree>
+      <p:nvGrpSpPr>
+        <p:cNvPr id="1" name=""/>
+        <p:cNvGrpSpPr/>
+        <p:nvPr/>
+      </p:nvGrpSpPr>
+      <p:grpSpPr>
+        <a:xfrm>
+          <a:off x="0" y="0"/>
+          <a:ext cx="0" cy="0"/>
+          <a:chOff x="0" y="0"/>
+          <a:chExt cx="0" cy="0"/>
+        </a:xfrm>
+      </p:grpSpPr>
+      <p:sp>
+        <p:nvSpPr>
+          <p:cNvPr id="7" name="Title 6">
+            <a:extLst>
+              <a:ext uri="{FF2B5EF4-FFF2-40B4-BE49-F238E27FC236}">
+                <a16:creationId xmlns:a16="http://schemas.microsoft.com/office/drawing/2014/main" id="{9BB51B6F-A6B6-4C5C-87D8-20DB1C857613}"/>
+              </a:ext>
+            </a:extLst>
+          </p:cNvPr>
+          <p:cNvSpPr>
+            <a:spLocks noGrp="1"/>
+          </p:cNvSpPr>
+          <p:nvPr>
+            <p:ph type="title"/>
+          </p:nvPr>
+        </p:nvSpPr>
+        <p:spPr>
+          <a:xfrm>
+            <a:off x="588263" y="457200"/>
+            <a:ext cx="11018520" cy="553998"/>
+          </a:xfrm>
+        </p:spPr>
+        <p:txBody>
+          <a:bodyPr/>
+          <a:lstStyle/>
+          <a:p>
+            <a:r>
+              <a:rPr lang="en-US" dirty="0"/>
+              <a:t>Three photos layout</a:t>
+            </a:r>
+          </a:p>
+        </p:txBody>
+      </p:sp>
+      <p:sp>
+        <p:nvSpPr>
+          <p:cNvPr id="11" name="Text Placeholder 10">
+            <a:extLst>
+              <a:ext uri="{FF2B5EF4-FFF2-40B4-BE49-F238E27FC236}">
+                <a16:creationId xmlns:a16="http://schemas.microsoft.com/office/drawing/2014/main" id="{0CF24D87-8BE8-48F5-A782-AABCF1702CF5}"/>
+              </a:ext>
+            </a:extLst>
+          </p:cNvPr>
+          <p:cNvSpPr>
+            <a:spLocks noGrp="1"/>
+          </p:cNvSpPr>
+          <p:nvPr>
+            <p:ph type="body" sz="quarter" idx="16"/>
+          </p:nvPr>
+        </p:nvSpPr>
+        <p:spPr>
+          <a:xfrm>
+            <a:off x="582613" y="5689600"/>
+            <a:ext cx="3475037" cy="307777"/>
+          </a:xfrm>
+        </p:spPr>
+        <p:txBody>
+          <a:bodyPr/>
+          <a:lstStyle/>
+          <a:p>
+            <a:r>
+              <a:rPr lang="en-US" dirty="0"/>
+              <a:t>Text placeholder</a:t>
+            </a:r>
+          </a:p>
+        </p:txBody>
+      </p:sp>
+      <p:sp>
+        <p:nvSpPr>
+          <p:cNvPr id="8" name="Picture Placeholder 7" descr="This photo is a 'placeholder' only. Drag or drop your photo here, or click and tap the center to insert a photo.">
+            <a:extLst>
+              <a:ext uri="{FF2B5EF4-FFF2-40B4-BE49-F238E27FC236}">
+                <a16:creationId xmlns:a16="http://schemas.microsoft.com/office/drawing/2014/main" id="{6B56B57A-5CF7-448F-BC81-137D7A82A0EC}"/>
+              </a:ext>
+            </a:extLst>
+          </p:cNvPr>
+          <p:cNvSpPr>
+            <a:spLocks noGrp="1"/>
+          </p:cNvSpPr>
+          <p:nvPr>
+            <p:ph type="pic" sz="quarter" idx="13"/>
+          </p:nvPr>
+        </p:nvSpPr>
+        <p:spPr/>
+      </p:sp>
+      <p:sp>
+        <p:nvSpPr>
+          <p:cNvPr id="12" name="Text Placeholder 11">
+            <a:extLst>
+              <a:ext uri="{FF2B5EF4-FFF2-40B4-BE49-F238E27FC236}">
+                <a16:creationId xmlns:a16="http://schemas.microsoft.com/office/drawing/2014/main" id="{42466CB0-8E3A-4B11-BE5B-DB09D902EB09}"/>
+              </a:ext>
+            </a:extLst>
+          </p:cNvPr>
+          <p:cNvSpPr>
+            <a:spLocks noGrp="1"/>
+          </p:cNvSpPr>
+          <p:nvPr>
+            <p:ph type="body" sz="quarter" idx="17"/>
+          </p:nvPr>
+        </p:nvSpPr>
+        <p:spPr>
+          <a:xfrm>
+            <a:off x="4358640" y="5689600"/>
+            <a:ext cx="3475037" cy="307777"/>
+          </a:xfrm>
+        </p:spPr>
+        <p:txBody>
+          <a:bodyPr/>
+          <a:lstStyle/>
+          <a:p>
+            <a:r>
+              <a:rPr lang="en-US" dirty="0"/>
+              <a:t>Text placeholder</a:t>
+            </a:r>
+          </a:p>
+        </p:txBody>
+      </p:sp>
+      <p:sp>
+        <p:nvSpPr>
+          <p:cNvPr id="9" name="Picture Placeholder 8" descr="This photo is a 'placeholder' only. Drag or drop your photo here, or click and tap the center to insert a photo.">
+            <a:extLst>
+              <a:ext uri="{FF2B5EF4-FFF2-40B4-BE49-F238E27FC236}">
+                <a16:creationId xmlns:a16="http://schemas.microsoft.com/office/drawing/2014/main" id="{A078E6D4-B91A-431C-8C2F-A6FD9891FF29}"/>
+              </a:ext>
+            </a:extLst>
+          </p:cNvPr>
+          <p:cNvSpPr>
+            <a:spLocks noGrp="1"/>
+          </p:cNvSpPr>
+          <p:nvPr>
+            <p:ph type="pic" sz="quarter" idx="14"/>
+          </p:nvPr>
+        </p:nvSpPr>
+        <p:spPr/>
+      </p:sp>
+      <p:sp>
+        <p:nvSpPr>
+          <p:cNvPr id="13" name="Text Placeholder 12">
+            <a:extLst>
+              <a:ext uri="{FF2B5EF4-FFF2-40B4-BE49-F238E27FC236}">
+                <a16:creationId xmlns:a16="http://schemas.microsoft.com/office/drawing/2014/main" id="{062B81A3-15C0-4615-9103-E530FFE58E9B}"/>
+              </a:ext>
+            </a:extLst>
+          </p:cNvPr>
+          <p:cNvSpPr>
+            <a:spLocks noGrp="1"/>
+          </p:cNvSpPr>
+          <p:nvPr>
+            <p:ph type="body" sz="quarter" idx="18"/>
+          </p:nvPr>
+        </p:nvSpPr>
+        <p:spPr>
+          <a:xfrm>
+            <a:off x="8134351" y="5689600"/>
+            <a:ext cx="3475037" cy="307777"/>
+          </a:xfrm>
+        </p:spPr>
+        <p:txBody>
+          <a:bodyPr/>
+          <a:lstStyle/>
+          <a:p>
+            <a:r>
+              <a:rPr lang="en-US" dirty="0"/>
+              <a:t>Text placeholder</a:t>
+            </a:r>
+          </a:p>
+        </p:txBody>
+      </p:sp>
+      <p:sp>
+        <p:nvSpPr>
+          <p:cNvPr id="10" name="Picture Placeholder 9" descr="This photo is a 'placeholder' only. Drag or drop your photo here, or click and tap the center to insert a photo.">
+            <a:extLst>
+              <a:ext uri="{FF2B5EF4-FFF2-40B4-BE49-F238E27FC236}">
+                <a16:creationId xmlns:a16="http://schemas.microsoft.com/office/drawing/2014/main" id="{C3281AC1-12FA-4321-9290-F3FD9C085409}"/>
+              </a:ext>
+            </a:extLst>
+          </p:cNvPr>
+          <p:cNvSpPr>
+            <a:spLocks noGrp="1"/>
+          </p:cNvSpPr>
+          <p:nvPr>
+            <p:ph type="pic" sz="quarter" idx="15"/>
+          </p:nvPr>
+        </p:nvSpPr>
+        <p:spPr/>
+      </p:sp>
+    </p:spTree>
+    <p:extLst>
+      <p:ext uri="{BB962C8B-B14F-4D97-AF65-F5344CB8AC3E}">
+        <p14:creationId xmlns:p14="http://schemas.microsoft.com/office/powerpoint/2010/main" val="3964713026"/>
+      </p:ext>
+    </p:extLst>
+  </p:cSld>
+  <p:clrMapOvr>
+    <a:masterClrMapping/>
+  </p:clrMapOvr>
+  <p:transition>
+    <p:fade/>
+  </p:transition>
+</p:sld>
+</file>
+
+<file path=ppt/slides/slide25.xml><?xml version="1.0" encoding="utf-8"?>
+<p:sld xmlns:a="http://schemas.openxmlformats.org/drawingml/2006/main" xmlns:r="http://schemas.openxmlformats.org/officeDocument/2006/relationships" xmlns:p="http://schemas.openxmlformats.org/presentationml/2006/main">
+  <p:cSld>
+    <p:spTree>
+      <p:nvGrpSpPr>
+        <p:cNvPr id="1" name=""/>
+        <p:cNvGrpSpPr/>
+        <p:nvPr/>
+      </p:nvGrpSpPr>
+      <p:grpSpPr>
+        <a:xfrm>
+          <a:off x="0" y="0"/>
+          <a:ext cx="0" cy="0"/>
+          <a:chOff x="0" y="0"/>
+          <a:chExt cx="0" cy="0"/>
+        </a:xfrm>
+      </p:grpSpPr>
+      <p:sp>
+        <p:nvSpPr>
+          <p:cNvPr id="7" name="Title 6">
+            <a:extLst>
+              <a:ext uri="{FF2B5EF4-FFF2-40B4-BE49-F238E27FC236}">
+                <a16:creationId xmlns:a16="http://schemas.microsoft.com/office/drawing/2014/main" id="{A4E6FC63-1669-41F3-A9A6-39B6FB141690}"/>
+              </a:ext>
+            </a:extLst>
+          </p:cNvPr>
+          <p:cNvSpPr>
+            <a:spLocks noGrp="1"/>
+          </p:cNvSpPr>
+          <p:nvPr>
+            <p:ph type="title"/>
+          </p:nvPr>
+        </p:nvSpPr>
+        <p:spPr>
+          <a:xfrm>
+            <a:off x="588263" y="457200"/>
+            <a:ext cx="11018520" cy="553998"/>
+          </a:xfrm>
+        </p:spPr>
+        <p:txBody>
+          <a:bodyPr/>
+          <a:lstStyle/>
+          <a:p>
+            <a:r>
+              <a:rPr lang="en-US" dirty="0"/>
+              <a:t>Four photos layout</a:t>
+            </a:r>
+          </a:p>
+        </p:txBody>
+      </p:sp>
+      <p:sp>
+        <p:nvSpPr>
+          <p:cNvPr id="11" name="Text Placeholder 10">
+            <a:extLst>
+              <a:ext uri="{FF2B5EF4-FFF2-40B4-BE49-F238E27FC236}">
+                <a16:creationId xmlns:a16="http://schemas.microsoft.com/office/drawing/2014/main" id="{A209D23C-50F2-48D6-BAA7-3B9D6572CD44}"/>
+              </a:ext>
+            </a:extLst>
+          </p:cNvPr>
+          <p:cNvSpPr>
+            <a:spLocks noGrp="1"/>
+          </p:cNvSpPr>
+          <p:nvPr>
+            <p:ph type="body" sz="quarter" idx="16"/>
+          </p:nvPr>
+        </p:nvSpPr>
+        <p:spPr>
+          <a:xfrm>
+            <a:off x="582613" y="4753938"/>
+            <a:ext cx="2532888" cy="307777"/>
+          </a:xfrm>
+        </p:spPr>
+        <p:txBody>
+          <a:bodyPr/>
+          <a:lstStyle/>
+          <a:p>
+            <a:r>
+              <a:rPr lang="en-US" dirty="0"/>
+              <a:t>Text placeholder</a:t>
+            </a:r>
+          </a:p>
+        </p:txBody>
+      </p:sp>
+      <p:sp>
+        <p:nvSpPr>
+          <p:cNvPr id="8" name="Picture Placeholder 7" descr="This photo is a 'placeholder' only. Drag or drop your photo here, or click and tap the center to insert a photo.">
+            <a:extLst>
+              <a:ext uri="{FF2B5EF4-FFF2-40B4-BE49-F238E27FC236}">
+                <a16:creationId xmlns:a16="http://schemas.microsoft.com/office/drawing/2014/main" id="{CB9E5AC9-345E-4231-A0B1-CA5FC2605BC1}"/>
+              </a:ext>
+            </a:extLst>
+          </p:cNvPr>
+          <p:cNvSpPr>
+            <a:spLocks noGrp="1"/>
+          </p:cNvSpPr>
+          <p:nvPr>
+            <p:ph type="pic" sz="quarter" idx="13"/>
+          </p:nvPr>
+        </p:nvSpPr>
+        <p:spPr/>
+      </p:sp>
+      <p:sp>
+        <p:nvSpPr>
+          <p:cNvPr id="12" name="Text Placeholder 11">
+            <a:extLst>
+              <a:ext uri="{FF2B5EF4-FFF2-40B4-BE49-F238E27FC236}">
+                <a16:creationId xmlns:a16="http://schemas.microsoft.com/office/drawing/2014/main" id="{92F542C4-C40B-41ED-B136-472CCC2DF00E}"/>
+              </a:ext>
+            </a:extLst>
+          </p:cNvPr>
+          <p:cNvSpPr>
+            <a:spLocks noGrp="1"/>
+          </p:cNvSpPr>
+          <p:nvPr>
+            <p:ph type="body" sz="quarter" idx="17"/>
+          </p:nvPr>
+        </p:nvSpPr>
+        <p:spPr>
+          <a:xfrm>
+            <a:off x="3413908" y="4753938"/>
+            <a:ext cx="2532888" cy="307777"/>
+          </a:xfrm>
+        </p:spPr>
+        <p:txBody>
+          <a:bodyPr/>
+          <a:lstStyle/>
+          <a:p>
+            <a:r>
+              <a:rPr lang="en-US" dirty="0"/>
+              <a:t>Text placeholder</a:t>
+            </a:r>
+          </a:p>
+        </p:txBody>
+      </p:sp>
+      <p:sp>
+        <p:nvSpPr>
+          <p:cNvPr id="9" name="Picture Placeholder 8" descr="This photo is a 'placeholder' only. Drag or drop your photo here, or click and tap the center to insert a photo.">
+            <a:extLst>
+              <a:ext uri="{FF2B5EF4-FFF2-40B4-BE49-F238E27FC236}">
+                <a16:creationId xmlns:a16="http://schemas.microsoft.com/office/drawing/2014/main" id="{D5125A72-F156-43CC-A8E4-C1D71612492F}"/>
+              </a:ext>
+            </a:extLst>
+          </p:cNvPr>
+          <p:cNvSpPr>
+            <a:spLocks noGrp="1"/>
+          </p:cNvSpPr>
+          <p:nvPr>
+            <p:ph type="pic" sz="quarter" idx="14"/>
+          </p:nvPr>
+        </p:nvSpPr>
+        <p:spPr/>
+      </p:sp>
+      <p:sp>
+        <p:nvSpPr>
+          <p:cNvPr id="13" name="Text Placeholder 12">
+            <a:extLst>
+              <a:ext uri="{FF2B5EF4-FFF2-40B4-BE49-F238E27FC236}">
+                <a16:creationId xmlns:a16="http://schemas.microsoft.com/office/drawing/2014/main" id="{B43BB8B0-C02C-44E6-A828-FE52984E9278}"/>
+              </a:ext>
+            </a:extLst>
+          </p:cNvPr>
+          <p:cNvSpPr>
+            <a:spLocks noGrp="1"/>
+          </p:cNvSpPr>
+          <p:nvPr>
+            <p:ph type="body" sz="quarter" idx="18"/>
+          </p:nvPr>
+        </p:nvSpPr>
+        <p:spPr>
+          <a:xfrm>
+            <a:off x="6245204" y="4753938"/>
+            <a:ext cx="2532888" cy="307777"/>
+          </a:xfrm>
+        </p:spPr>
+        <p:txBody>
+          <a:bodyPr/>
+          <a:lstStyle/>
+          <a:p>
+            <a:r>
+              <a:rPr lang="en-US" dirty="0"/>
+              <a:t>Text placeholder</a:t>
+            </a:r>
+          </a:p>
+        </p:txBody>
+      </p:sp>
+      <p:sp>
+        <p:nvSpPr>
+          <p:cNvPr id="10" name="Picture Placeholder 9" descr="This photo is a 'placeholder' only. Drag or drop your photo here, or click and tap the center to insert a photo.">
+            <a:extLst>
+              <a:ext uri="{FF2B5EF4-FFF2-40B4-BE49-F238E27FC236}">
+                <a16:creationId xmlns:a16="http://schemas.microsoft.com/office/drawing/2014/main" id="{3183C00D-DE72-42D6-B0F6-E0FC1CAC99CF}"/>
+              </a:ext>
+            </a:extLst>
+          </p:cNvPr>
+          <p:cNvSpPr>
+            <a:spLocks noGrp="1"/>
+          </p:cNvSpPr>
+          <p:nvPr>
+            <p:ph type="pic" sz="quarter" idx="15"/>
+          </p:nvPr>
+        </p:nvSpPr>
+        <p:spPr/>
+      </p:sp>
+      <p:sp>
+        <p:nvSpPr>
+          <p:cNvPr id="15" name="Text Placeholder 14">
+            <a:extLst>
+              <a:ext uri="{FF2B5EF4-FFF2-40B4-BE49-F238E27FC236}">
+                <a16:creationId xmlns:a16="http://schemas.microsoft.com/office/drawing/2014/main" id="{4A98B624-6FA8-4859-B87B-A01D7E95DB26}"/>
+              </a:ext>
+            </a:extLst>
+          </p:cNvPr>
+          <p:cNvSpPr>
+            <a:spLocks noGrp="1"/>
+          </p:cNvSpPr>
+          <p:nvPr>
+            <p:ph type="body" sz="quarter" idx="20"/>
+          </p:nvPr>
+        </p:nvSpPr>
+        <p:spPr>
+          <a:xfrm>
+            <a:off x="9076500" y="4753938"/>
+            <a:ext cx="2532888" cy="307777"/>
+          </a:xfrm>
+        </p:spPr>
+        <p:txBody>
+          <a:bodyPr/>
+          <a:lstStyle/>
+          <a:p>
+            <a:r>
+              <a:rPr lang="en-US" dirty="0"/>
+              <a:t>Text placeholder</a:t>
+            </a:r>
+          </a:p>
+        </p:txBody>
+      </p:sp>
+      <p:sp>
+        <p:nvSpPr>
+          <p:cNvPr id="14" name="Picture Placeholder 13" descr="This photo is a 'placeholder' only. Drag or drop your photo here, or click and tap the center to insert a photo.">
+            <a:extLst>
+              <a:ext uri="{FF2B5EF4-FFF2-40B4-BE49-F238E27FC236}">
+                <a16:creationId xmlns:a16="http://schemas.microsoft.com/office/drawing/2014/main" id="{CF615145-50B1-4694-973A-724322B099D6}"/>
+              </a:ext>
+            </a:extLst>
+          </p:cNvPr>
+          <p:cNvSpPr>
+            <a:spLocks noGrp="1"/>
+          </p:cNvSpPr>
+          <p:nvPr>
+            <p:ph type="pic" sz="quarter" idx="19"/>
+          </p:nvPr>
+        </p:nvSpPr>
+        <p:spPr/>
+      </p:sp>
+    </p:spTree>
+    <p:extLst>
+      <p:ext uri="{BB962C8B-B14F-4D97-AF65-F5344CB8AC3E}">
+        <p14:creationId xmlns:p14="http://schemas.microsoft.com/office/powerpoint/2010/main" val="2504275049"/>
+      </p:ext>
+    </p:extLst>
+  </p:cSld>
+  <p:clrMapOvr>
+    <a:masterClrMapping/>
+  </p:clrMapOvr>
+  <p:transition>
+    <p:fade/>
+  </p:transition>
+</p:sld>
+</file>
+
+<file path=ppt/slides/slide26.xml><?xml version="1.0" encoding="utf-8"?>
+<p:sld xmlns:a="http://schemas.openxmlformats.org/drawingml/2006/main" xmlns:r="http://schemas.openxmlformats.org/officeDocument/2006/relationships" xmlns:p="http://schemas.openxmlformats.org/presentationml/2006/main">
+  <p:cSld>
+    <p:spTree>
+      <p:nvGrpSpPr>
+        <p:cNvPr id="1" name=""/>
+        <p:cNvGrpSpPr/>
+        <p:nvPr/>
+      </p:nvGrpSpPr>
+      <p:grpSpPr>
+        <a:xfrm>
+          <a:off x="0" y="0"/>
+          <a:ext cx="0" cy="0"/>
+          <a:chOff x="0" y="0"/>
+          <a:chExt cx="0" cy="0"/>
+        </a:xfrm>
+      </p:grpSpPr>
+      <p:sp>
+        <p:nvSpPr>
+          <p:cNvPr id="2" name="Title 1">
+            <a:extLst>
+              <a:ext uri="{FF2B5EF4-FFF2-40B4-BE49-F238E27FC236}">
+                <a16:creationId xmlns:a16="http://schemas.microsoft.com/office/drawing/2014/main" id="{4FE98B5C-48BE-4909-9F4A-A4186BB35065}"/>
+              </a:ext>
+            </a:extLst>
+          </p:cNvPr>
+          <p:cNvSpPr>
+            <a:spLocks noGrp="1"/>
+          </p:cNvSpPr>
+          <p:nvPr>
+            <p:ph type="title"/>
+          </p:nvPr>
+        </p:nvSpPr>
+        <p:spPr>
+          <a:xfrm>
+            <a:off x="588263" y="5436128"/>
+            <a:ext cx="11018520" cy="553998"/>
+          </a:xfrm>
+        </p:spPr>
+        <p:txBody>
+          <a:bodyPr/>
+          <a:lstStyle/>
+          <a:p>
+            <a:r>
+              <a:rPr lang="en-US" dirty="0"/>
+              <a:t>Top photo with Title</a:t>
+            </a:r>
+          </a:p>
+        </p:txBody>
+      </p:sp>
+      <p:sp>
+        <p:nvSpPr>
+          <p:cNvPr id="3" name="Picture Placeholder 2" descr="This photo is a 'placeholder' only. Drag or drop your photo here, or click and tap the center to insert a photo.">
+            <a:extLst>
+              <a:ext uri="{FF2B5EF4-FFF2-40B4-BE49-F238E27FC236}">
+                <a16:creationId xmlns:a16="http://schemas.microsoft.com/office/drawing/2014/main" id="{3E53C251-F0C1-4DAA-BF3B-F3E1C6002804}"/>
+              </a:ext>
+            </a:extLst>
+          </p:cNvPr>
+          <p:cNvSpPr>
+            <a:spLocks noGrp="1"/>
+          </p:cNvSpPr>
+          <p:nvPr>
+            <p:ph type="pic" sz="quarter" idx="11"/>
+          </p:nvPr>
+        </p:nvSpPr>
+        <p:spPr/>
+      </p:sp>
+    </p:spTree>
+    <p:extLst>
+      <p:ext uri="{BB962C8B-B14F-4D97-AF65-F5344CB8AC3E}">
+        <p14:creationId xmlns:p14="http://schemas.microsoft.com/office/powerpoint/2010/main" val="544100002"/>
+      </p:ext>
+    </p:extLst>
+  </p:cSld>
+  <p:clrMapOvr>
+    <a:masterClrMapping/>
+  </p:clrMapOvr>
+  <p:transition>
+    <p:fade/>
+  </p:transition>
+</p:sld>
+</file>
+
+<file path=ppt/slides/slide27.xml><?xml version="1.0" encoding="utf-8"?>
+<p:sld xmlns:a="http://schemas.openxmlformats.org/drawingml/2006/main" xmlns:r="http://schemas.openxmlformats.org/officeDocument/2006/relationships" xmlns:p="http://schemas.openxmlformats.org/presentationml/2006/main">
+  <p:cSld>
+    <p:spTree>
+      <p:nvGrpSpPr>
+        <p:cNvPr id="1" name=""/>
+        <p:cNvGrpSpPr/>
+        <p:nvPr/>
+      </p:nvGrpSpPr>
+      <p:grpSpPr>
+        <a:xfrm>
+          <a:off x="0" y="0"/>
+          <a:ext cx="0" cy="0"/>
+          <a:chOff x="0" y="0"/>
+          <a:chExt cx="0" cy="0"/>
+        </a:xfrm>
+      </p:grpSpPr>
+      <p:sp>
+        <p:nvSpPr>
           <p:cNvPr id="2" name="Picture Placeholder 1" descr="This photo is a 'placeholder' only. Drag or drop your photo here, or click and tap the center to insert a photo.">
             <a:extLst>
               <a:ext uri="{FF2B5EF4-FFF2-40B4-BE49-F238E27FC236}">
@@ -16899,7 +17732,7 @@
 </p:sld>
 </file>
 
-<file path=ppt/slides/slide24.xml><?xml version="1.0" encoding="utf-8"?>
+<file path=ppt/slides/slide28.xml><?xml version="1.0" encoding="utf-8"?>
 <p:sld xmlns:a="http://schemas.openxmlformats.org/drawingml/2006/main" xmlns:r="http://schemas.openxmlformats.org/officeDocument/2006/relationships" xmlns:p="http://schemas.openxmlformats.org/presentationml/2006/main">
   <p:cSld>
     <p:spTree>
@@ -18460,7 +19293,7 @@
 </p:sld>
 </file>
 
-<file path=ppt/slides/slide25.xml><?xml version="1.0" encoding="utf-8"?>
+<file path=ppt/slides/slide29.xml><?xml version="1.0" encoding="utf-8"?>
 <p:sld xmlns:a="http://schemas.openxmlformats.org/drawingml/2006/main" xmlns:r="http://schemas.openxmlformats.org/officeDocument/2006/relationships" xmlns:p="http://schemas.openxmlformats.org/presentationml/2006/main">
   <p:cSld>
     <p:spTree>
@@ -23751,7 +24584,77 @@
 </p:sld>
 </file>
 
-<file path=ppt/slides/slide26.xml><?xml version="1.0" encoding="utf-8"?>
+<file path=ppt/slides/slide3.xml><?xml version="1.0" encoding="utf-8"?>
+<p:sld xmlns:a="http://schemas.openxmlformats.org/drawingml/2006/main" xmlns:r="http://schemas.openxmlformats.org/officeDocument/2006/relationships" xmlns:p="http://schemas.openxmlformats.org/presentationml/2006/main">
+  <p:cSld>
+    <p:spTree>
+      <p:nvGrpSpPr>
+        <p:cNvPr id="1" name=""/>
+        <p:cNvGrpSpPr/>
+        <p:nvPr/>
+      </p:nvGrpSpPr>
+      <p:grpSpPr>
+        <a:xfrm>
+          <a:off x="0" y="0"/>
+          <a:ext cx="0" cy="0"/>
+          <a:chOff x="0" y="0"/>
+          <a:chExt cx="0" cy="0"/>
+        </a:xfrm>
+      </p:grpSpPr>
+      <p:sp>
+        <p:nvSpPr>
+          <p:cNvPr id="4" name="Title 3">
+            <a:extLst>
+              <a:ext uri="{FF2B5EF4-FFF2-40B4-BE49-F238E27FC236}">
+                <a16:creationId xmlns:a16="http://schemas.microsoft.com/office/drawing/2014/main" id="{2C7F4FCE-F69F-2254-90CA-04EDD1F1D6A8}"/>
+              </a:ext>
+            </a:extLst>
+          </p:cNvPr>
+          <p:cNvSpPr>
+            <a:spLocks noGrp="1"/>
+          </p:cNvSpPr>
+          <p:nvPr>
+            <p:ph type="title"/>
+          </p:nvPr>
+        </p:nvSpPr>
+        <p:spPr/>
+        <p:txBody>
+          <a:bodyPr/>
+          <a:lstStyle/>
+          <a:p>
+            <a:r>
+              <a:rPr lang="en-IE" dirty="0"/>
+              <a:t>Cost Management</a:t>
+            </a:r>
+          </a:p>
+        </p:txBody>
+      </p:sp>
+    </p:spTree>
+    <p:extLst>
+      <p:ext uri="{BB962C8B-B14F-4D97-AF65-F5344CB8AC3E}">
+        <p14:creationId xmlns:p14="http://schemas.microsoft.com/office/powerpoint/2010/main" val="1776889194"/>
+      </p:ext>
+    </p:extLst>
+  </p:cSld>
+  <p:clrMapOvr>
+    <a:masterClrMapping/>
+  </p:clrMapOvr>
+  <mc:AlternateContent xmlns:mc="http://schemas.openxmlformats.org/markup-compatibility/2006" xmlns:p14="http://schemas.microsoft.com/office/powerpoint/2010/main">
+    <mc:Choice Requires="p14">
+      <p:transition spd="med" p14:dur="700">
+        <p:fade/>
+      </p:transition>
+    </mc:Choice>
+    <mc:Fallback xmlns="">
+      <p:transition spd="med">
+        <p:fade/>
+      </p:transition>
+    </mc:Fallback>
+  </mc:AlternateContent>
+</p:sld>
+</file>
+
+<file path=ppt/slides/slide30.xml><?xml version="1.0" encoding="utf-8"?>
 <p:sld xmlns:a="http://schemas.openxmlformats.org/drawingml/2006/main" xmlns:r="http://schemas.openxmlformats.org/officeDocument/2006/relationships" xmlns:p="http://schemas.openxmlformats.org/presentationml/2006/main">
   <p:cSld>
     <p:spTree>
@@ -27952,7 +28855,7 @@
 </p:sld>
 </file>
 
-<file path=ppt/slides/slide27.xml><?xml version="1.0" encoding="utf-8"?>
+<file path=ppt/slides/slide31.xml><?xml version="1.0" encoding="utf-8"?>
 <p:sld xmlns:a="http://schemas.openxmlformats.org/drawingml/2006/main" xmlns:r="http://schemas.openxmlformats.org/officeDocument/2006/relationships" xmlns:p="http://schemas.openxmlformats.org/presentationml/2006/main">
   <p:cSld>
     <p:spTree>
@@ -28336,7 +29239,7 @@
 </p:sld>
 </file>
 
-<file path=ppt/slides/slide28.xml><?xml version="1.0" encoding="utf-8"?>
+<file path=ppt/slides/slide32.xml><?xml version="1.0" encoding="utf-8"?>
 <p:sld xmlns:a="http://schemas.openxmlformats.org/drawingml/2006/main" xmlns:r="http://schemas.openxmlformats.org/officeDocument/2006/relationships" xmlns:p="http://schemas.openxmlformats.org/presentationml/2006/main">
   <p:cSld>
     <p:spTree>
@@ -28636,7 +29539,7 @@
 </p:sld>
 </file>
 
-<file path=ppt/slides/slide29.xml><?xml version="1.0" encoding="utf-8"?>
+<file path=ppt/slides/slide33.xml><?xml version="1.0" encoding="utf-8"?>
 <p:sld xmlns:a="http://schemas.openxmlformats.org/drawingml/2006/main" xmlns:r="http://schemas.openxmlformats.org/officeDocument/2006/relationships" xmlns:p="http://schemas.openxmlformats.org/presentationml/2006/main">
   <p:cSld>
     <p:spTree>
@@ -28713,7 +29616,7 @@
 </p:sld>
 </file>
 
-<file path=ppt/slides/slide3.xml><?xml version="1.0" encoding="utf-8"?>
+<file path=ppt/slides/slide34.xml><?xml version="1.0" encoding="utf-8"?>
 <p:sld xmlns:a="http://schemas.openxmlformats.org/drawingml/2006/main" xmlns:r="http://schemas.openxmlformats.org/officeDocument/2006/relationships" xmlns:p="http://schemas.openxmlformats.org/presentationml/2006/main">
   <p:cSld>
     <p:spTree>
@@ -28732,13 +29635,7 @@
       </p:grpSpPr>
       <p:sp>
         <p:nvSpPr>
-          <p:cNvPr id="2" name="Title 1">
-            <a:extLst>
-              <a:ext uri="{FF2B5EF4-FFF2-40B4-BE49-F238E27FC236}">
-                <a16:creationId xmlns:a16="http://schemas.microsoft.com/office/drawing/2014/main" id="{C2928543-45E8-EC57-35D4-F3383C7AC633}"/>
-              </a:ext>
-            </a:extLst>
-          </p:cNvPr>
+          <p:cNvPr id="2" name="Title 1"/>
           <p:cNvSpPr>
             <a:spLocks noGrp="1"/>
           </p:cNvSpPr>
@@ -28751,39 +29648,17 @@
           <a:bodyPr/>
           <a:lstStyle/>
           <a:p>
-            <a:endParaRPr lang="en-US"/>
-          </a:p>
-        </p:txBody>
-      </p:sp>
-      <p:sp>
-        <p:nvSpPr>
-          <p:cNvPr id="3" name="Content Placeholder 2">
-            <a:extLst>
-              <a:ext uri="{FF2B5EF4-FFF2-40B4-BE49-F238E27FC236}">
-                <a16:creationId xmlns:a16="http://schemas.microsoft.com/office/drawing/2014/main" id="{DF7B6E14-BC1F-87A8-7A74-E16F2F79C06B}"/>
-              </a:ext>
-            </a:extLst>
-          </p:cNvPr>
-          <p:cNvSpPr>
-            <a:spLocks noGrp="1"/>
-          </p:cNvSpPr>
-          <p:nvPr>
-            <p:ph sz="quarter" idx="10"/>
-          </p:nvPr>
-        </p:nvSpPr>
-        <p:spPr/>
-        <p:txBody>
-          <a:bodyPr/>
-          <a:lstStyle/>
-          <a:p>
-            <a:endParaRPr lang="en-US"/>
+            <a:r>
+              <a:rPr lang="en-US" dirty="0"/>
+              <a:t>Section title</a:t>
+            </a:r>
           </a:p>
         </p:txBody>
       </p:sp>
     </p:spTree>
     <p:extLst>
       <p:ext uri="{BB962C8B-B14F-4D97-AF65-F5344CB8AC3E}">
-        <p14:creationId xmlns:p14="http://schemas.microsoft.com/office/powerpoint/2010/main" val="1776889194"/>
+        <p14:creationId xmlns:p14="http://schemas.microsoft.com/office/powerpoint/2010/main" val="3249496989"/>
       </p:ext>
     </p:extLst>
   </p:cSld>
@@ -28796,7 +29671,7 @@
 </p:sld>
 </file>
 
-<file path=ppt/slides/slide30.xml><?xml version="1.0" encoding="utf-8"?>
+<file path=ppt/slides/slide35.xml><?xml version="1.0" encoding="utf-8"?>
 <p:sld xmlns:a="http://schemas.openxmlformats.org/drawingml/2006/main" xmlns:r="http://schemas.openxmlformats.org/officeDocument/2006/relationships" xmlns:p="http://schemas.openxmlformats.org/presentationml/2006/main">
   <p:cSld>
     <p:spTree>
@@ -28815,61 +29690,6 @@
       </p:grpSpPr>
       <p:sp>
         <p:nvSpPr>
-          <p:cNvPr id="2" name="Title 1"/>
-          <p:cNvSpPr>
-            <a:spLocks noGrp="1"/>
-          </p:cNvSpPr>
-          <p:nvPr>
-            <p:ph type="title"/>
-          </p:nvPr>
-        </p:nvSpPr>
-        <p:spPr/>
-        <p:txBody>
-          <a:bodyPr/>
-          <a:lstStyle/>
-          <a:p>
-            <a:r>
-              <a:rPr lang="en-US" dirty="0"/>
-              <a:t>Section title</a:t>
-            </a:r>
-          </a:p>
-        </p:txBody>
-      </p:sp>
-    </p:spTree>
-    <p:extLst>
-      <p:ext uri="{BB962C8B-B14F-4D97-AF65-F5344CB8AC3E}">
-        <p14:creationId xmlns:p14="http://schemas.microsoft.com/office/powerpoint/2010/main" val="3249496989"/>
-      </p:ext>
-    </p:extLst>
-  </p:cSld>
-  <p:clrMapOvr>
-    <a:masterClrMapping/>
-  </p:clrMapOvr>
-  <p:transition>
-    <p:fade/>
-  </p:transition>
-</p:sld>
-</file>
-
-<file path=ppt/slides/slide31.xml><?xml version="1.0" encoding="utf-8"?>
-<p:sld xmlns:a="http://schemas.openxmlformats.org/drawingml/2006/main" xmlns:r="http://schemas.openxmlformats.org/officeDocument/2006/relationships" xmlns:p="http://schemas.openxmlformats.org/presentationml/2006/main">
-  <p:cSld>
-    <p:spTree>
-      <p:nvGrpSpPr>
-        <p:cNvPr id="1" name=""/>
-        <p:cNvGrpSpPr/>
-        <p:nvPr/>
-      </p:nvGrpSpPr>
-      <p:grpSpPr>
-        <a:xfrm>
-          <a:off x="0" y="0"/>
-          <a:ext cx="0" cy="0"/>
-          <a:chOff x="0" y="0"/>
-          <a:chExt cx="0" cy="0"/>
-        </a:xfrm>
-      </p:grpSpPr>
-      <p:sp>
-        <p:nvSpPr>
           <p:cNvPr id="4" name="Title 3"/>
           <p:cNvSpPr>
             <a:spLocks noGrp="1"/>
@@ -28928,7 +29748,7 @@
 </p:sld>
 </file>
 
-<file path=ppt/slides/slide32.xml><?xml version="1.0" encoding="utf-8"?>
+<file path=ppt/slides/slide36.xml><?xml version="1.0" encoding="utf-8"?>
 <p:sld xmlns:a="http://schemas.openxmlformats.org/drawingml/2006/main" xmlns:r="http://schemas.openxmlformats.org/officeDocument/2006/relationships" xmlns:p="http://schemas.openxmlformats.org/presentationml/2006/main" show="0">
   <p:cSld>
     <p:spTree>
@@ -29033,7 +29853,7 @@
 </p:sld>
 </file>
 
-<file path=ppt/slides/slide33.xml><?xml version="1.0" encoding="utf-8"?>
+<file path=ppt/slides/slide37.xml><?xml version="1.0" encoding="utf-8"?>
 <p:sld xmlns:a="http://schemas.openxmlformats.org/drawingml/2006/main" xmlns:r="http://schemas.openxmlformats.org/officeDocument/2006/relationships" xmlns:p="http://schemas.openxmlformats.org/presentationml/2006/main">
   <p:cSld>
     <p:spTree>
@@ -29088,7 +29908,7 @@
           <p:cNvPr id="2" name="Title 1">
             <a:extLst>
               <a:ext uri="{FF2B5EF4-FFF2-40B4-BE49-F238E27FC236}">
-                <a16:creationId xmlns:a16="http://schemas.microsoft.com/office/drawing/2014/main" id="{C6CC23FF-185E-A717-17A2-5814665B6407}"/>
+                <a16:creationId xmlns:a16="http://schemas.microsoft.com/office/drawing/2014/main" id="{CAC11701-7989-D58B-5E8A-D0D8316AB7B1}"/>
               </a:ext>
             </a:extLst>
           </p:cNvPr>
@@ -29099,61 +29919,87 @@
             <p:ph type="title"/>
           </p:nvPr>
         </p:nvSpPr>
+        <p:spPr/>
+        <p:txBody>
+          <a:bodyPr/>
+          <a:lstStyle/>
+          <a:p>
+            <a:r>
+              <a:rPr lang="en-IE" dirty="0"/>
+              <a:t>EA and CSP</a:t>
+            </a:r>
+          </a:p>
+        </p:txBody>
+      </p:sp>
+      <p:sp>
+        <p:nvSpPr>
+          <p:cNvPr id="3" name="Content Placeholder 2">
+            <a:extLst>
+              <a:ext uri="{FF2B5EF4-FFF2-40B4-BE49-F238E27FC236}">
+                <a16:creationId xmlns:a16="http://schemas.microsoft.com/office/drawing/2014/main" id="{765E93E9-CA77-E882-F286-60BD948275D5}"/>
+              </a:ext>
+            </a:extLst>
+          </p:cNvPr>
+          <p:cNvSpPr>
+            <a:spLocks noGrp="1"/>
+          </p:cNvSpPr>
+          <p:nvPr>
+            <p:ph sz="quarter" idx="10"/>
+          </p:nvPr>
+        </p:nvSpPr>
         <p:spPr>
           <a:xfrm>
-            <a:off x="588263" y="2979738"/>
-            <a:ext cx="4163125" cy="3289300"/>
+            <a:off x="584200" y="1435100"/>
+            <a:ext cx="11018838" cy="2203680"/>
           </a:xfrm>
         </p:spPr>
         <p:txBody>
-          <a:bodyPr wrap="square" anchor="t">
-            <a:normAutofit/>
-          </a:bodyPr>
+          <a:bodyPr/>
           <a:lstStyle/>
           <a:p>
             <a:r>
               <a:rPr lang="en-IE" dirty="0"/>
-              <a:t>Azure Cost Analysis </a:t>
-            </a:r>
-            <a:endParaRPr lang="en-US" dirty="0"/>
+              <a:t>Indirect and Government </a:t>
+            </a:r>
+          </a:p>
+          <a:p>
+            <a:pPr lvl="1"/>
+            <a:r>
+              <a:rPr lang="en-IE" dirty="0"/>
+              <a:t>Use EA portal: </a:t>
+            </a:r>
+            <a:r>
+              <a:rPr lang="en-IE" b="0" i="0" u="none" strike="noStrike" dirty="0">
+                <a:effectLst/>
+                <a:latin typeface="Segoe UI" panose="020B0502040204020203" pitchFamily="34" charset="0"/>
+                <a:hlinkClick r:id="rId3"/>
+              </a:rPr>
+              <a:t>https://ea.azure.com</a:t>
+            </a:r>
+            <a:endParaRPr lang="en-IE" dirty="0"/>
+          </a:p>
+          <a:p>
+            <a:endParaRPr lang="en-IE" dirty="0"/>
+          </a:p>
+          <a:p>
+            <a:r>
+              <a:rPr lang="en-IE" dirty="0"/>
+              <a:t>Direct EA </a:t>
+            </a:r>
+          </a:p>
+          <a:p>
+            <a:pPr lvl="1"/>
+            <a:r>
+              <a:rPr lang="en-IE" dirty="0"/>
+              <a:t>Cost Management in the Azure Portal</a:t>
+            </a:r>
           </a:p>
         </p:txBody>
       </p:sp>
-      <p:pic>
-        <p:nvPicPr>
-          <p:cNvPr id="5" name="Picture 4">
-            <a:extLst>
-              <a:ext uri="{FF2B5EF4-FFF2-40B4-BE49-F238E27FC236}">
-                <a16:creationId xmlns:a16="http://schemas.microsoft.com/office/drawing/2014/main" id="{FC6BE5E0-8D57-82C4-249C-27D369BC0A15}"/>
-              </a:ext>
-            </a:extLst>
-          </p:cNvPr>
-          <p:cNvPicPr>
-            <a:picLocks noChangeAspect="1"/>
-          </p:cNvPicPr>
-          <p:nvPr/>
-        </p:nvPicPr>
-        <p:blipFill>
-          <a:blip r:embed="rId2"/>
-          <a:stretch>
-            <a:fillRect/>
-          </a:stretch>
-        </p:blipFill>
-        <p:spPr>
-          <a:xfrm>
-            <a:off x="4298155" y="121761"/>
-            <a:ext cx="7771027" cy="6469380"/>
-          </a:xfrm>
-          <a:prstGeom prst="rect">
-            <a:avLst/>
-          </a:prstGeom>
-          <a:noFill/>
-        </p:spPr>
-      </p:pic>
     </p:spTree>
     <p:extLst>
       <p:ext uri="{BB962C8B-B14F-4D97-AF65-F5344CB8AC3E}">
-        <p14:creationId xmlns:p14="http://schemas.microsoft.com/office/powerpoint/2010/main" val="4179713751"/>
+        <p14:creationId xmlns:p14="http://schemas.microsoft.com/office/powerpoint/2010/main" val="1068423789"/>
       </p:ext>
     </p:extLst>
   </p:cSld>
@@ -29188,6 +30034,256 @@
           <p:cNvPr id="2" name="Title 1">
             <a:extLst>
               <a:ext uri="{FF2B5EF4-FFF2-40B4-BE49-F238E27FC236}">
+                <a16:creationId xmlns:a16="http://schemas.microsoft.com/office/drawing/2014/main" id="{AAA8685E-D93A-D400-76EC-C7F38524829F}"/>
+              </a:ext>
+            </a:extLst>
+          </p:cNvPr>
+          <p:cNvSpPr>
+            <a:spLocks noGrp="1"/>
+          </p:cNvSpPr>
+          <p:nvPr>
+            <p:ph type="title"/>
+          </p:nvPr>
+        </p:nvSpPr>
+        <p:spPr/>
+        <p:txBody>
+          <a:bodyPr/>
+          <a:lstStyle/>
+          <a:p>
+            <a:r>
+              <a:rPr lang="en-IE" dirty="0"/>
+              <a:t>PBI for EA customers</a:t>
+            </a:r>
+          </a:p>
+        </p:txBody>
+      </p:sp>
+      <p:sp>
+        <p:nvSpPr>
+          <p:cNvPr id="3" name="Content Placeholder 2">
+            <a:extLst>
+              <a:ext uri="{FF2B5EF4-FFF2-40B4-BE49-F238E27FC236}">
+                <a16:creationId xmlns:a16="http://schemas.microsoft.com/office/drawing/2014/main" id="{108E0A94-8BAA-1AA8-EC48-87E2DB146741}"/>
+              </a:ext>
+            </a:extLst>
+          </p:cNvPr>
+          <p:cNvSpPr>
+            <a:spLocks noGrp="1"/>
+          </p:cNvSpPr>
+          <p:nvPr>
+            <p:ph sz="quarter" idx="10"/>
+          </p:nvPr>
+        </p:nvSpPr>
+        <p:spPr>
+          <a:xfrm>
+            <a:off x="584200" y="1435100"/>
+            <a:ext cx="4694677" cy="4833938"/>
+          </a:xfrm>
+        </p:spPr>
+        <p:txBody>
+          <a:bodyPr/>
+          <a:lstStyle/>
+          <a:p>
+            <a:endParaRPr lang="en-IE" dirty="0"/>
+          </a:p>
+        </p:txBody>
+      </p:sp>
+      <p:pic>
+        <p:nvPicPr>
+          <p:cNvPr id="5" name="Picture 4">
+            <a:extLst>
+              <a:ext uri="{FF2B5EF4-FFF2-40B4-BE49-F238E27FC236}">
+                <a16:creationId xmlns:a16="http://schemas.microsoft.com/office/drawing/2014/main" id="{F17736A9-CE2C-A20E-9676-ACC65A18DFD7}"/>
+              </a:ext>
+            </a:extLst>
+          </p:cNvPr>
+          <p:cNvPicPr>
+            <a:picLocks noChangeAspect="1"/>
+          </p:cNvPicPr>
+          <p:nvPr/>
+        </p:nvPicPr>
+        <p:blipFill>
+          <a:blip r:embed="rId2"/>
+          <a:stretch>
+            <a:fillRect/>
+          </a:stretch>
+        </p:blipFill>
+        <p:spPr>
+          <a:xfrm>
+            <a:off x="6640787" y="228600"/>
+            <a:ext cx="5307725" cy="6400800"/>
+          </a:xfrm>
+          <a:prstGeom prst="rect">
+            <a:avLst/>
+          </a:prstGeom>
+          <a:effectLst>
+            <a:outerShdw blurRad="50800" dist="38100" dir="2700000" algn="tl" rotWithShape="0">
+              <a:prstClr val="black">
+                <a:alpha val="40000"/>
+              </a:prstClr>
+            </a:outerShdw>
+          </a:effectLst>
+        </p:spPr>
+      </p:pic>
+    </p:spTree>
+    <p:extLst>
+      <p:ext uri="{BB962C8B-B14F-4D97-AF65-F5344CB8AC3E}">
+        <p14:creationId xmlns:p14="http://schemas.microsoft.com/office/powerpoint/2010/main" val="3207258778"/>
+      </p:ext>
+    </p:extLst>
+  </p:cSld>
+  <p:clrMapOvr>
+    <a:masterClrMapping/>
+  </p:clrMapOvr>
+  <p:transition>
+    <p:fade/>
+  </p:transition>
+</p:sld>
+</file>
+
+<file path=ppt/slides/slide6.xml><?xml version="1.0" encoding="utf-8"?>
+<p:sld xmlns:a="http://schemas.openxmlformats.org/drawingml/2006/main" xmlns:r="http://schemas.openxmlformats.org/officeDocument/2006/relationships" xmlns:p="http://schemas.openxmlformats.org/presentationml/2006/main">
+  <p:cSld>
+    <p:spTree>
+      <p:nvGrpSpPr>
+        <p:cNvPr id="1" name=""/>
+        <p:cNvGrpSpPr/>
+        <p:nvPr/>
+      </p:nvGrpSpPr>
+      <p:grpSpPr>
+        <a:xfrm>
+          <a:off x="0" y="0"/>
+          <a:ext cx="0" cy="0"/>
+          <a:chOff x="0" y="0"/>
+          <a:chExt cx="0" cy="0"/>
+        </a:xfrm>
+      </p:grpSpPr>
+      <p:sp>
+        <p:nvSpPr>
+          <p:cNvPr id="2" name="Title 1">
+            <a:extLst>
+              <a:ext uri="{FF2B5EF4-FFF2-40B4-BE49-F238E27FC236}">
+                <a16:creationId xmlns:a16="http://schemas.microsoft.com/office/drawing/2014/main" id="{C6CC23FF-185E-A717-17A2-5814665B6407}"/>
+              </a:ext>
+            </a:extLst>
+          </p:cNvPr>
+          <p:cNvSpPr>
+            <a:spLocks noGrp="1"/>
+          </p:cNvSpPr>
+          <p:nvPr>
+            <p:ph type="title"/>
+          </p:nvPr>
+        </p:nvSpPr>
+        <p:spPr>
+          <a:xfrm>
+            <a:off x="212126" y="1784350"/>
+            <a:ext cx="4163125" cy="3289300"/>
+          </a:xfrm>
+        </p:spPr>
+        <p:txBody>
+          <a:bodyPr wrap="square" anchor="ctr">
+            <a:normAutofit/>
+          </a:bodyPr>
+          <a:lstStyle/>
+          <a:p>
+            <a:r>
+              <a:rPr lang="en-IE" sz="3200" b="1" dirty="0">
+                <a:latin typeface="+mn-lt"/>
+              </a:rPr>
+              <a:t>PAYG Customers </a:t>
+            </a:r>
+            <a:br>
+              <a:rPr lang="en-IE" dirty="0"/>
+            </a:br>
+            <a:br>
+              <a:rPr lang="en-IE" dirty="0"/>
+            </a:br>
+            <a:r>
+              <a:rPr lang="en-IE" sz="2400" dirty="0"/>
+              <a:t>Azure Portal - Cost Analysis </a:t>
+            </a:r>
+            <a:endParaRPr lang="en-US" sz="2400" dirty="0"/>
+          </a:p>
+        </p:txBody>
+      </p:sp>
+      <p:pic>
+        <p:nvPicPr>
+          <p:cNvPr id="5" name="Picture 4">
+            <a:extLst>
+              <a:ext uri="{FF2B5EF4-FFF2-40B4-BE49-F238E27FC236}">
+                <a16:creationId xmlns:a16="http://schemas.microsoft.com/office/drawing/2014/main" id="{FC6BE5E0-8D57-82C4-249C-27D369BC0A15}"/>
+              </a:ext>
+            </a:extLst>
+          </p:cNvPr>
+          <p:cNvPicPr>
+            <a:picLocks noChangeAspect="1"/>
+          </p:cNvPicPr>
+          <p:nvPr/>
+        </p:nvPicPr>
+        <p:blipFill>
+          <a:blip r:embed="rId2"/>
+          <a:stretch>
+            <a:fillRect/>
+          </a:stretch>
+        </p:blipFill>
+        <p:spPr>
+          <a:xfrm>
+            <a:off x="4162190" y="153293"/>
+            <a:ext cx="7869565" cy="6551413"/>
+          </a:xfrm>
+          <a:prstGeom prst="rect">
+            <a:avLst/>
+          </a:prstGeom>
+          <a:noFill/>
+          <a:ln>
+            <a:noFill/>
+          </a:ln>
+          <a:effectLst>
+            <a:outerShdw blurRad="50800" dist="38100" dir="2700000" algn="tl" rotWithShape="0">
+              <a:prstClr val="black">
+                <a:alpha val="40000"/>
+              </a:prstClr>
+            </a:outerShdw>
+          </a:effectLst>
+        </p:spPr>
+      </p:pic>
+    </p:spTree>
+    <p:extLst>
+      <p:ext uri="{BB962C8B-B14F-4D97-AF65-F5344CB8AC3E}">
+        <p14:creationId xmlns:p14="http://schemas.microsoft.com/office/powerpoint/2010/main" val="4179713751"/>
+      </p:ext>
+    </p:extLst>
+  </p:cSld>
+  <p:clrMapOvr>
+    <a:masterClrMapping/>
+  </p:clrMapOvr>
+  <p:transition>
+    <p:fade/>
+  </p:transition>
+</p:sld>
+</file>
+
+<file path=ppt/slides/slide7.xml><?xml version="1.0" encoding="utf-8"?>
+<p:sld xmlns:a="http://schemas.openxmlformats.org/drawingml/2006/main" xmlns:r="http://schemas.openxmlformats.org/officeDocument/2006/relationships" xmlns:p="http://schemas.openxmlformats.org/presentationml/2006/main">
+  <p:cSld>
+    <p:spTree>
+      <p:nvGrpSpPr>
+        <p:cNvPr id="1" name=""/>
+        <p:cNvGrpSpPr/>
+        <p:nvPr/>
+      </p:nvGrpSpPr>
+      <p:grpSpPr>
+        <a:xfrm>
+          <a:off x="0" y="0"/>
+          <a:ext cx="0" cy="0"/>
+          <a:chOff x="0" y="0"/>
+          <a:chExt cx="0" cy="0"/>
+        </a:xfrm>
+      </p:grpSpPr>
+      <p:sp>
+        <p:nvSpPr>
+          <p:cNvPr id="2" name="Title 1">
+            <a:extLst>
+              <a:ext uri="{FF2B5EF4-FFF2-40B4-BE49-F238E27FC236}">
                 <a16:creationId xmlns:a16="http://schemas.microsoft.com/office/drawing/2014/main" id="{4FE0C4C5-CEF4-BA39-FB92-290D39A938A0}"/>
               </a:ext>
             </a:extLst>
@@ -29201,7 +30297,7 @@
         </p:nvSpPr>
         <p:spPr>
           <a:xfrm>
-            <a:off x="431100" y="2046288"/>
+            <a:off x="392189" y="2279752"/>
             <a:ext cx="4158362" cy="2535236"/>
           </a:xfrm>
         </p:spPr>
@@ -29215,6 +30311,26 @@
               <a:rPr lang="en-IE" dirty="0"/>
               <a:t>Azure Sponsorship</a:t>
             </a:r>
+            <a:br>
+              <a:rPr lang="en-IE" dirty="0"/>
+            </a:br>
+            <a:br>
+              <a:rPr lang="en-IE" dirty="0"/>
+            </a:br>
+            <a:r>
+              <a:rPr lang="en-IE" sz="1800" u="sng" dirty="0">
+                <a:solidFill>
+                  <a:schemeClr val="accent1">
+                    <a:lumMod val="75000"/>
+                  </a:schemeClr>
+                </a:solidFill>
+              </a:rPr>
+              <a:t>https://microsoftazuresponsorships.com/</a:t>
+            </a:r>
+            <a:br>
+              <a:rPr lang="en-IE" dirty="0"/>
+            </a:br>
+            <a:endParaRPr lang="en-IE" dirty="0"/>
           </a:p>
         </p:txBody>
       </p:sp>
@@ -29247,6 +30363,16 @@
             <a:avLst/>
           </a:prstGeom>
           <a:noFill/>
+          <a:ln>
+            <a:noFill/>
+          </a:ln>
+          <a:effectLst>
+            <a:outerShdw blurRad="50800" dist="38100" dir="2700000" algn="tl" rotWithShape="0">
+              <a:prstClr val="black">
+                <a:alpha val="40000"/>
+              </a:prstClr>
+            </a:outerShdw>
+          </a:effectLst>
         </p:spPr>
       </p:pic>
     </p:spTree>
@@ -29265,7 +30391,7 @@
 </p:sld>
 </file>
 
-<file path=ppt/slides/slide6.xml><?xml version="1.0" encoding="utf-8"?>
+<file path=ppt/slides/slide8.xml><?xml version="1.0" encoding="utf-8"?>
 <p:sld xmlns:a="http://schemas.openxmlformats.org/drawingml/2006/main" xmlns:r="http://schemas.openxmlformats.org/officeDocument/2006/relationships" xmlns:p="http://schemas.openxmlformats.org/presentationml/2006/main">
   <p:cSld>
     <p:spTree>
@@ -29305,7 +30431,7 @@
           <a:p>
             <a:r>
               <a:rPr lang="en-IE" dirty="0"/>
-              <a:t>Ze Trick</a:t>
+              <a:t>Download .csv</a:t>
             </a:r>
           </a:p>
         </p:txBody>
@@ -29341,7 +30467,7 @@
             </a:pPr>
             <a:r>
               <a:rPr lang="en-IE" dirty="0"/>
-              <a:t>When you click Download, mind the little hiding dropdown</a:t>
+              <a:t>When you click Download, mind the hiding dropdown</a:t>
             </a:r>
           </a:p>
         </p:txBody>
@@ -29374,6 +30500,13 @@
           <a:prstGeom prst="rect">
             <a:avLst/>
           </a:prstGeom>
+          <a:effectLst>
+            <a:outerShdw blurRad="50800" dist="38100" dir="2700000" algn="tl" rotWithShape="0">
+              <a:prstClr val="black">
+                <a:alpha val="40000"/>
+              </a:prstClr>
+            </a:outerShdw>
+          </a:effectLst>
         </p:spPr>
       </p:pic>
       <p:sp>
@@ -29591,7 +30724,7 @@
             </a:pPr>
             <a:r>
               <a:rPr lang="en-IE" dirty="0"/>
-              <a:t>Clicking on it will down .csv file with consumption report</a:t>
+              <a:t>Clicking on it will download .csv file with consumption report</a:t>
             </a:r>
           </a:p>
         </p:txBody>
@@ -29600,172 +30733,6 @@
     <p:extLst>
       <p:ext uri="{BB962C8B-B14F-4D97-AF65-F5344CB8AC3E}">
         <p14:creationId xmlns:p14="http://schemas.microsoft.com/office/powerpoint/2010/main" val="2187852586"/>
-      </p:ext>
-    </p:extLst>
-  </p:cSld>
-  <p:clrMapOvr>
-    <a:masterClrMapping/>
-  </p:clrMapOvr>
-  <p:transition>
-    <p:fade/>
-  </p:transition>
-</p:sld>
-</file>
-
-<file path=ppt/slides/slide7.xml><?xml version="1.0" encoding="utf-8"?>
-<p:sld xmlns:a="http://schemas.openxmlformats.org/drawingml/2006/main" xmlns:r="http://schemas.openxmlformats.org/officeDocument/2006/relationships" xmlns:p="http://schemas.openxmlformats.org/presentationml/2006/main">
-  <p:cSld>
-    <p:spTree>
-      <p:nvGrpSpPr>
-        <p:cNvPr id="1" name=""/>
-        <p:cNvGrpSpPr/>
-        <p:nvPr/>
-      </p:nvGrpSpPr>
-      <p:grpSpPr>
-        <a:xfrm>
-          <a:off x="0" y="0"/>
-          <a:ext cx="0" cy="0"/>
-          <a:chOff x="0" y="0"/>
-          <a:chExt cx="0" cy="0"/>
-        </a:xfrm>
-      </p:grpSpPr>
-      <p:sp>
-        <p:nvSpPr>
-          <p:cNvPr id="2" name="Title 1">
-            <a:extLst>
-              <a:ext uri="{FF2B5EF4-FFF2-40B4-BE49-F238E27FC236}">
-                <a16:creationId xmlns:a16="http://schemas.microsoft.com/office/drawing/2014/main" id="{CAC11701-7989-D58B-5E8A-D0D8316AB7B1}"/>
-              </a:ext>
-            </a:extLst>
-          </p:cNvPr>
-          <p:cNvSpPr>
-            <a:spLocks noGrp="1"/>
-          </p:cNvSpPr>
-          <p:nvPr>
-            <p:ph type="title"/>
-          </p:nvPr>
-        </p:nvSpPr>
-        <p:spPr/>
-        <p:txBody>
-          <a:bodyPr/>
-          <a:lstStyle/>
-          <a:p>
-            <a:endParaRPr lang="en-IE"/>
-          </a:p>
-        </p:txBody>
-      </p:sp>
-      <p:sp>
-        <p:nvSpPr>
-          <p:cNvPr id="3" name="Content Placeholder 2">
-            <a:extLst>
-              <a:ext uri="{FF2B5EF4-FFF2-40B4-BE49-F238E27FC236}">
-                <a16:creationId xmlns:a16="http://schemas.microsoft.com/office/drawing/2014/main" id="{765E93E9-CA77-E882-F286-60BD948275D5}"/>
-              </a:ext>
-            </a:extLst>
-          </p:cNvPr>
-          <p:cNvSpPr>
-            <a:spLocks noGrp="1"/>
-          </p:cNvSpPr>
-          <p:nvPr>
-            <p:ph sz="quarter" idx="10"/>
-          </p:nvPr>
-        </p:nvSpPr>
-        <p:spPr/>
-        <p:txBody>
-          <a:bodyPr/>
-          <a:lstStyle/>
-          <a:p>
-            <a:endParaRPr lang="en-IE"/>
-          </a:p>
-        </p:txBody>
-      </p:sp>
-    </p:spTree>
-    <p:extLst>
-      <p:ext uri="{BB962C8B-B14F-4D97-AF65-F5344CB8AC3E}">
-        <p14:creationId xmlns:p14="http://schemas.microsoft.com/office/powerpoint/2010/main" val="1068423789"/>
-      </p:ext>
-    </p:extLst>
-  </p:cSld>
-  <p:clrMapOvr>
-    <a:masterClrMapping/>
-  </p:clrMapOvr>
-  <p:transition>
-    <p:fade/>
-  </p:transition>
-</p:sld>
-</file>
-
-<file path=ppt/slides/slide8.xml><?xml version="1.0" encoding="utf-8"?>
-<p:sld xmlns:a="http://schemas.openxmlformats.org/drawingml/2006/main" xmlns:r="http://schemas.openxmlformats.org/officeDocument/2006/relationships" xmlns:p="http://schemas.openxmlformats.org/presentationml/2006/main">
-  <p:cSld>
-    <p:spTree>
-      <p:nvGrpSpPr>
-        <p:cNvPr id="1" name=""/>
-        <p:cNvGrpSpPr/>
-        <p:nvPr/>
-      </p:nvGrpSpPr>
-      <p:grpSpPr>
-        <a:xfrm>
-          <a:off x="0" y="0"/>
-          <a:ext cx="0" cy="0"/>
-          <a:chOff x="0" y="0"/>
-          <a:chExt cx="0" cy="0"/>
-        </a:xfrm>
-      </p:grpSpPr>
-      <p:sp>
-        <p:nvSpPr>
-          <p:cNvPr id="2" name="Title 1">
-            <a:extLst>
-              <a:ext uri="{FF2B5EF4-FFF2-40B4-BE49-F238E27FC236}">
-                <a16:creationId xmlns:a16="http://schemas.microsoft.com/office/drawing/2014/main" id="{EAB90E1E-E890-2B19-F11A-21F1239C866E}"/>
-              </a:ext>
-            </a:extLst>
-          </p:cNvPr>
-          <p:cNvSpPr>
-            <a:spLocks noGrp="1"/>
-          </p:cNvSpPr>
-          <p:nvPr>
-            <p:ph type="title"/>
-          </p:nvPr>
-        </p:nvSpPr>
-        <p:spPr/>
-        <p:txBody>
-          <a:bodyPr/>
-          <a:lstStyle/>
-          <a:p>
-            <a:endParaRPr lang="en-IE"/>
-          </a:p>
-        </p:txBody>
-      </p:sp>
-      <p:sp>
-        <p:nvSpPr>
-          <p:cNvPr id="3" name="Content Placeholder 2">
-            <a:extLst>
-              <a:ext uri="{FF2B5EF4-FFF2-40B4-BE49-F238E27FC236}">
-                <a16:creationId xmlns:a16="http://schemas.microsoft.com/office/drawing/2014/main" id="{57AA4781-9FC0-BF15-CA1C-8873F9BAF902}"/>
-              </a:ext>
-            </a:extLst>
-          </p:cNvPr>
-          <p:cNvSpPr>
-            <a:spLocks noGrp="1"/>
-          </p:cNvSpPr>
-          <p:nvPr>
-            <p:ph sz="quarter" idx="10"/>
-          </p:nvPr>
-        </p:nvSpPr>
-        <p:spPr/>
-        <p:txBody>
-          <a:bodyPr/>
-          <a:lstStyle/>
-          <a:p>
-            <a:endParaRPr lang="en-IE"/>
-          </a:p>
-        </p:txBody>
-      </p:sp>
-    </p:spTree>
-    <p:extLst>
-      <p:ext uri="{BB962C8B-B14F-4D97-AF65-F5344CB8AC3E}">
-        <p14:creationId xmlns:p14="http://schemas.microsoft.com/office/powerpoint/2010/main" val="2933943095"/>
       </p:ext>
     </p:extLst>
   </p:cSld>
@@ -29800,7 +30767,7 @@
           <p:cNvPr id="2" name="Title 1">
             <a:extLst>
               <a:ext uri="{FF2B5EF4-FFF2-40B4-BE49-F238E27FC236}">
-                <a16:creationId xmlns:a16="http://schemas.microsoft.com/office/drawing/2014/main" id="{9ADA59E6-05AF-D13F-17E9-90662AF4073B}"/>
+                <a16:creationId xmlns:a16="http://schemas.microsoft.com/office/drawing/2014/main" id="{AE28B16F-BABF-9BD7-95F0-28B519233776}"/>
               </a:ext>
             </a:extLst>
           </p:cNvPr>
@@ -29822,10 +30789,10 @@
       </p:sp>
       <p:sp>
         <p:nvSpPr>
-          <p:cNvPr id="3" name="Picture Placeholder 2">
+          <p:cNvPr id="3" name="Content Placeholder 2">
             <a:extLst>
               <a:ext uri="{FF2B5EF4-FFF2-40B4-BE49-F238E27FC236}">
-                <a16:creationId xmlns:a16="http://schemas.microsoft.com/office/drawing/2014/main" id="{BADE8256-D00A-1352-2490-FF0A3B47D6E2}"/>
+                <a16:creationId xmlns:a16="http://schemas.microsoft.com/office/drawing/2014/main" id="{D1BE6718-0C1D-FB71-2190-4813A0849B2B}"/>
               </a:ext>
             </a:extLst>
           </p:cNvPr>
@@ -29833,15 +30800,22 @@
             <a:spLocks noGrp="1"/>
           </p:cNvSpPr>
           <p:nvPr>
-            <p:ph type="pic" sz="quarter" idx="11"/>
+            <p:ph sz="quarter" idx="10"/>
           </p:nvPr>
         </p:nvSpPr>
         <p:spPr/>
+        <p:txBody>
+          <a:bodyPr/>
+          <a:lstStyle/>
+          <a:p>
+            <a:endParaRPr lang="en-IE"/>
+          </a:p>
+        </p:txBody>
       </p:sp>
     </p:spTree>
     <p:extLst>
       <p:ext uri="{BB962C8B-B14F-4D97-AF65-F5344CB8AC3E}">
-        <p14:creationId xmlns:p14="http://schemas.microsoft.com/office/powerpoint/2010/main" val="851744047"/>
+        <p14:creationId xmlns:p14="http://schemas.microsoft.com/office/powerpoint/2010/main" val="47503442"/>
       </p:ext>
     </p:extLst>
   </p:cSld>
@@ -30694,6 +31668,15 @@
 </file>
 
 <file path=customXml/item1.xml><?xml version="1.0" encoding="utf-8"?>
+<?mso-contentType ?>
+<FormTemplates xmlns="http://schemas.microsoft.com/sharepoint/v3/contenttype/forms">
+  <Display>DocumentLibraryForm</Display>
+  <Edit>DocumentLibraryForm</Edit>
+  <New>DocumentLibraryForm</New>
+</FormTemplates>
+</file>
+
+<file path=customXml/item2.xml><?xml version="1.0" encoding="utf-8"?>
 <p:properties xmlns:p="http://schemas.microsoft.com/office/2006/metadata/properties" xmlns:xsi="http://www.w3.org/2001/XMLSchema-instance" xmlns:pc="http://schemas.microsoft.com/office/infopath/2007/PartnerControls">
   <documentManagement>
     <_ip_UnifiedCompliancePolicyUIAction xmlns="http://schemas.microsoft.com/sharepoint/v3" xsi:nil="true"/>
@@ -30701,15 +31684,6 @@
     <MediaServiceKeyPoints xmlns="965de625-df5b-42e9-a277-2113da4f1195" xsi:nil="true"/>
   </documentManagement>
 </p:properties>
-</file>
-
-<file path=customXml/item2.xml><?xml version="1.0" encoding="utf-8"?>
-<?mso-contentType ?>
-<FormTemplates xmlns="http://schemas.microsoft.com/sharepoint/v3/contenttype/forms">
-  <Display>DocumentLibraryForm</Display>
-  <Edit>DocumentLibraryForm</Edit>
-  <New>DocumentLibraryForm</New>
-</FormTemplates>
 </file>
 
 <file path=customXml/item3.xml><?xml version="1.0" encoding="utf-8"?>
@@ -30961,6 +31935,14 @@
 </file>
 
 <file path=customXml/itemProps1.xml><?xml version="1.0" encoding="utf-8"?>
+<ds:datastoreItem xmlns:ds="http://schemas.openxmlformats.org/officeDocument/2006/customXml" ds:itemID="{758FDAC0-319D-4A54-8D8E-1D42CB1F8004}">
+  <ds:schemaRefs>
+    <ds:schemaRef ds:uri="http://schemas.microsoft.com/sharepoint/v3/contenttype/forms"/>
+  </ds:schemaRefs>
+</ds:datastoreItem>
+</file>
+
+<file path=customXml/itemProps2.xml><?xml version="1.0" encoding="utf-8"?>
 <ds:datastoreItem xmlns:ds="http://schemas.openxmlformats.org/officeDocument/2006/customXml" ds:itemID="{F990F116-B58F-4255-B05B-DA3808E0E5C6}">
   <ds:schemaRefs>
     <ds:schemaRef ds:uri="http://purl.org/dc/elements/1.1/"/>
@@ -30974,14 +31956,6 @@
     <ds:schemaRef ds:uri="http://schemas.microsoft.com/office/infopath/2007/PartnerControls"/>
     <ds:schemaRef ds:uri="http://schemas.openxmlformats.org/package/2006/metadata/core-properties"/>
     <ds:schemaRef ds:uri="http://www.w3.org/XML/1998/namespace"/>
-  </ds:schemaRefs>
-</ds:datastoreItem>
-</file>
-
-<file path=customXml/itemProps2.xml><?xml version="1.0" encoding="utf-8"?>
-<ds:datastoreItem xmlns:ds="http://schemas.openxmlformats.org/officeDocument/2006/customXml" ds:itemID="{758FDAC0-319D-4A54-8D8E-1D42CB1F8004}">
-  <ds:schemaRefs>
-    <ds:schemaRef ds:uri="http://schemas.microsoft.com/sharepoint/v3/contenttype/forms"/>
   </ds:schemaRefs>
 </ds:datastoreItem>
 </file>

--- a/126-AzureCost/Azure Cost PBI BootCamp.pptx
+++ b/126-AzureCost/Azure Cost PBI BootCamp.pptx
@@ -335,7 +335,7 @@
               <a:rPr lang="en-US" smtClean="0">
                 <a:latin typeface="Segoe UI" pitchFamily="34" charset="0"/>
               </a:rPr>
-              <a:t>11/23/2022 11:19 AM</a:t>
+              <a:t>11/23/2022 11:58 AM</a:t>
             </a:fld>
             <a:endParaRPr lang="en-US" dirty="0">
               <a:latin typeface="Segoe UI" pitchFamily="34" charset="0"/>
@@ -613,7 +613,7 @@
           <a:p>
             <a:fld id="{386CE63F-9E7F-4C04-9D0D-FCA25A8E9E86}" type="datetime8">
               <a:rPr lang="en-US" smtClean="0"/>
-              <a:t>11/23/2022 11:15 AM</a:t>
+              <a:t>11/23/2022 11:58 AM</a:t>
             </a:fld>
             <a:endParaRPr lang="en-US" dirty="0"/>
           </a:p>
@@ -980,7 +980,7 @@
           <a:p>
             <a:fld id="{62C61DAB-D93E-49CA-B245-379601CFE8D0}" type="datetime8">
               <a:rPr lang="en-US" smtClean="0"/>
-              <a:t>11/23/2022 11:15 AM</a:t>
+              <a:t>11/23/2022 11:58 AM</a:t>
             </a:fld>
             <a:endParaRPr lang="en-US" dirty="0"/>
           </a:p>
@@ -1114,7 +1114,7 @@
           <a:p>
             <a:fld id="{06C18626-F474-479E-937A-543AA55347B1}" type="datetime8">
               <a:rPr lang="en-US" smtClean="0"/>
-              <a:t>11/23/2022 11:15 AM</a:t>
+              <a:t>11/23/2022 11:58 AM</a:t>
             </a:fld>
             <a:endParaRPr lang="en-US" dirty="0"/>
           </a:p>
@@ -1344,7 +1344,7 @@
           <a:p>
             <a:fld id="{A5CD2277-7C1A-43CA-8676-87B24AD584BD}" type="datetime8">
               <a:rPr lang="en-US" smtClean="0"/>
-              <a:t>11/23/2022 11:15 AM</a:t>
+              <a:t>11/23/2022 11:58 AM</a:t>
             </a:fld>
             <a:endParaRPr lang="en-US" dirty="0"/>
           </a:p>
@@ -1509,7 +1509,7 @@
           <a:p>
             <a:fld id="{49B14B72-BE03-4760-B747-D349DA60D861}" type="datetime8">
               <a:rPr lang="en-US" smtClean="0"/>
-              <a:t>11/23/2022 11:15 AM</a:t>
+              <a:t>11/23/2022 11:58 AM</a:t>
             </a:fld>
             <a:endParaRPr lang="en-US" dirty="0"/>
           </a:p>
@@ -1674,7 +1674,7 @@
           <a:p>
             <a:fld id="{49B14B72-BE03-4760-B747-D349DA60D861}" type="datetime8">
               <a:rPr lang="en-US" smtClean="0"/>
-              <a:t>11/23/2022 11:15 AM</a:t>
+              <a:t>11/23/2022 11:58 AM</a:t>
             </a:fld>
             <a:endParaRPr lang="en-US" dirty="0"/>
           </a:p>
@@ -1839,7 +1839,7 @@
           <a:p>
             <a:fld id="{54A7B7B7-C694-4FC8-B0BD-20DAA0A272F9}" type="datetime8">
               <a:rPr lang="en-US" smtClean="0"/>
-              <a:t>11/23/2022 11:15 AM</a:t>
+              <a:t>11/23/2022 11:58 AM</a:t>
             </a:fld>
             <a:endParaRPr lang="en-US" dirty="0"/>
           </a:p>
@@ -2003,7 +2003,7 @@
           <a:p>
             <a:fld id="{91FF42D5-4657-4D58-A751-082C26315A19}" type="datetime8">
               <a:rPr lang="en-US" smtClean="0"/>
-              <a:t>11/23/2022 11:15 AM</a:t>
+              <a:t>11/23/2022 11:58 AM</a:t>
             </a:fld>
             <a:endParaRPr lang="en-US" dirty="0"/>
           </a:p>
@@ -2140,7 +2140,7 @@
           <a:p>
             <a:fld id="{480C6978-FA11-423D-8FDA-CB59A4787224}" type="datetime8">
               <a:rPr lang="en-US" smtClean="0"/>
-              <a:t>11/23/2022 11:15 AM</a:t>
+              <a:t>11/23/2022 11:58 AM</a:t>
             </a:fld>
             <a:endParaRPr lang="en-US" dirty="0"/>
           </a:p>
@@ -2293,7 +2293,7 @@
           <a:p>
             <a:fld id="{353CB5B1-3D40-4389-814A-A3E0AEC8E2FF}" type="datetime8">
               <a:rPr lang="en-US" smtClean="0"/>
-              <a:t>11/23/2022 11:15 AM</a:t>
+              <a:t>11/23/2022 11:58 AM</a:t>
             </a:fld>
             <a:endParaRPr lang="en-US" dirty="0"/>
           </a:p>
@@ -2470,7 +2470,7 @@
           <a:p>
             <a:fld id="{353CB5B1-3D40-4389-814A-A3E0AEC8E2FF}" type="datetime8">
               <a:rPr lang="en-US" smtClean="0"/>
-              <a:t>11/23/2022 11:15 AM</a:t>
+              <a:t>11/23/2022 11:58 AM</a:t>
             </a:fld>
             <a:endParaRPr lang="en-US" dirty="0"/>
           </a:p>
@@ -2704,7 +2704,7 @@
           <a:p>
             <a:fld id="{B16574EE-8191-4BCC-ABE6-D00A4F4D7690}" type="datetime8">
               <a:rPr lang="en-US" smtClean="0"/>
-              <a:t>11/23/2022 11:15 AM</a:t>
+              <a:t>11/23/2022 11:58 AM</a:t>
             </a:fld>
             <a:endParaRPr lang="en-US" dirty="0"/>
           </a:p>
@@ -2885,7 +2885,7 @@
           <a:p>
             <a:fld id="{386CE63F-9E7F-4C04-9D0D-FCA25A8E9E86}" type="datetime8">
               <a:rPr lang="en-US" smtClean="0"/>
-              <a:t>11/23/2022 11:15 AM</a:t>
+              <a:t>11/23/2022 11:58 AM</a:t>
             </a:fld>
             <a:endParaRPr lang="en-US" dirty="0"/>
           </a:p>
@@ -3050,7 +3050,7 @@
           <a:p>
             <a:fld id="{E2F19A73-88F5-4B80-A929-CF8E66EE5449}" type="datetime8">
               <a:rPr lang="en-US" smtClean="0"/>
-              <a:t>11/23/2022 11:15 AM</a:t>
+              <a:t>11/23/2022 11:58 AM</a:t>
             </a:fld>
             <a:endParaRPr lang="en-US" dirty="0"/>
           </a:p>
@@ -3182,7 +3182,7 @@
           <a:p>
             <a:fld id="{D44C3489-8257-4E60-994D-6A5CEE67ED71}" type="datetime8">
               <a:rPr lang="en-US" smtClean="0"/>
-              <a:t>11/23/2022 11:15 AM</a:t>
+              <a:t>11/23/2022 11:58 AM</a:t>
             </a:fld>
             <a:endParaRPr lang="en-US" dirty="0"/>
           </a:p>
@@ -3365,7 +3365,7 @@
                   <a:prstClr val="black"/>
                 </a:solidFill>
               </a:rPr>
-              <a:t>11/23/2022 11:15 AM</a:t>
+              <a:t>11/23/2022 11:58 AM</a:t>
             </a:fld>
             <a:endParaRPr lang="en-US" dirty="0">
               <a:solidFill>
@@ -3565,7 +3565,7 @@
                   <a:prstClr val="black"/>
                 </a:solidFill>
               </a:rPr>
-              <a:t>11/23/2022 11:15 AM</a:t>
+              <a:t>11/23/2022 11:58 AM</a:t>
             </a:fld>
             <a:endParaRPr lang="en-US" dirty="0">
               <a:solidFill>
@@ -3814,7 +3814,7 @@
           <a:p>
             <a:fld id="{386CE63F-9E7F-4C04-9D0D-FCA25A8E9E86}" type="datetime8">
               <a:rPr lang="en-US" smtClean="0"/>
-              <a:t>11/23/2022 11:41 AM</a:t>
+              <a:t>11/23/2022 11:58 AM</a:t>
             </a:fld>
             <a:endParaRPr lang="en-US" dirty="0"/>
           </a:p>
@@ -3995,7 +3995,7 @@
           <a:p>
             <a:fld id="{386CE63F-9E7F-4C04-9D0D-FCA25A8E9E86}" type="datetime8">
               <a:rPr lang="en-US" smtClean="0"/>
-              <a:t>11/23/2022 11:34 AM</a:t>
+              <a:t>11/23/2022 11:58 AM</a:t>
             </a:fld>
             <a:endParaRPr lang="en-US" dirty="0"/>
           </a:p>
@@ -4270,7 +4270,7 @@
           <a:p>
             <a:fld id="{386CE63F-9E7F-4C04-9D0D-FCA25A8E9E86}" type="datetime8">
               <a:rPr lang="en-US" smtClean="0"/>
-              <a:t>11/23/2022 11:15 AM</a:t>
+              <a:t>11/23/2022 11:58 AM</a:t>
             </a:fld>
             <a:endParaRPr lang="en-US" dirty="0"/>
           </a:p>
@@ -4435,7 +4435,7 @@
           <a:p>
             <a:fld id="{72E0C910-0166-48E0-B8EF-5071277A02A8}" type="datetime8">
               <a:rPr lang="en-US" smtClean="0"/>
-              <a:t>11/23/2022 11:15 AM</a:t>
+              <a:t>11/23/2022 11:58 AM</a:t>
             </a:fld>
             <a:endParaRPr lang="en-US" dirty="0"/>
           </a:p>
@@ -4600,7 +4600,7 @@
           <a:p>
             <a:fld id="{9427A7F7-BB1E-479D-AFAA-B52F4D0C99F2}" type="datetime8">
               <a:rPr lang="en-US" smtClean="0"/>
-              <a:t>11/23/2022 11:15 AM</a:t>
+              <a:t>11/23/2022 11:58 AM</a:t>
             </a:fld>
             <a:endParaRPr lang="en-US" dirty="0"/>
           </a:p>
@@ -4765,7 +4765,7 @@
           <a:p>
             <a:fld id="{2D0AF0B6-AF0D-4EDB-B60E-27694EB68262}" type="datetime8">
               <a:rPr lang="en-US" smtClean="0"/>
-              <a:t>11/23/2022 11:15 AM</a:t>
+              <a:t>11/23/2022 11:58 AM</a:t>
             </a:fld>
             <a:endParaRPr lang="en-US" dirty="0"/>
           </a:p>
@@ -4897,7 +4897,7 @@
           <a:p>
             <a:fld id="{1D9BFF88-B9B5-4B68-BAE1-09ACB5D03C54}" type="datetime8">
               <a:rPr lang="en-US" smtClean="0"/>
-              <a:t>11/23/2022 11:15 AM</a:t>
+              <a:t>11/23/2022 11:58 AM</a:t>
             </a:fld>
             <a:endParaRPr lang="en-US" dirty="0"/>
           </a:p>
@@ -14578,8 +14578,12 @@
           <a:lstStyle/>
           <a:p>
             <a:r>
+              <a:rPr lang="en-IE"/>
+              <a:t>Analyse </a:t>
+            </a:r>
+            <a:r>
               <a:rPr lang="en-IE" dirty="0"/>
-              <a:t>Analysing A</a:t>
+              <a:t>A</a:t>
             </a:r>
             <a:r>
               <a:rPr lang="en-US" dirty="0" err="1"/>
@@ -14613,7 +14617,7 @@
         <p:spPr>
           <a:xfrm>
             <a:off x="584200" y="3962400"/>
-            <a:ext cx="9144000" cy="338554"/>
+            <a:ext cx="9144000" cy="677108"/>
           </a:xfrm>
         </p:spPr>
         <p:txBody>
@@ -14622,7 +14626,13 @@
           <a:p>
             <a:r>
               <a:rPr lang="en-US" dirty="0"/>
-              <a:t>Peter Perov, CSA</a:t>
+              <a:t>Peter Perov, </a:t>
+            </a:r>
+          </a:p>
+          <a:p>
+            <a:r>
+              <a:rPr lang="en-US" dirty="0"/>
+              <a:t>Cloud Solutions Architect</a:t>
             </a:r>
           </a:p>
         </p:txBody>
@@ -31668,25 +31678,6 @@
 </file>
 
 <file path=customXml/item1.xml><?xml version="1.0" encoding="utf-8"?>
-<?mso-contentType ?>
-<FormTemplates xmlns="http://schemas.microsoft.com/sharepoint/v3/contenttype/forms">
-  <Display>DocumentLibraryForm</Display>
-  <Edit>DocumentLibraryForm</Edit>
-  <New>DocumentLibraryForm</New>
-</FormTemplates>
-</file>
-
-<file path=customXml/item2.xml><?xml version="1.0" encoding="utf-8"?>
-<p:properties xmlns:p="http://schemas.microsoft.com/office/2006/metadata/properties" xmlns:xsi="http://www.w3.org/2001/XMLSchema-instance" xmlns:pc="http://schemas.microsoft.com/office/infopath/2007/PartnerControls">
-  <documentManagement>
-    <_ip_UnifiedCompliancePolicyUIAction xmlns="http://schemas.microsoft.com/sharepoint/v3" xsi:nil="true"/>
-    <_ip_UnifiedCompliancePolicyProperties xmlns="http://schemas.microsoft.com/sharepoint/v3" xsi:nil="true"/>
-    <MediaServiceKeyPoints xmlns="965de625-df5b-42e9-a277-2113da4f1195" xsi:nil="true"/>
-  </documentManagement>
-</p:properties>
-</file>
-
-<file path=customXml/item3.xml><?xml version="1.0" encoding="utf-8"?>
 <ct:contentTypeSchema xmlns:ct="http://schemas.microsoft.com/office/2006/metadata/contentType" xmlns:ma="http://schemas.microsoft.com/office/2006/metadata/properties/metaAttributes" ct:_="" ma:_="" ma:contentTypeName="Document" ma:contentTypeID="0x010100BD9FAF4CD5AD2F4B99B5B2414089ABF7" ma:contentTypeVersion="16" ma:contentTypeDescription="Create a new document." ma:contentTypeScope="" ma:versionID="24b7a44f49c7f8d524d04c695baedf53">
   <xsd:schema xmlns:xsd="http://www.w3.org/2001/XMLSchema" xmlns:xs="http://www.w3.org/2001/XMLSchema" xmlns:p="http://schemas.microsoft.com/office/2006/metadata/properties" xmlns:ns1="http://schemas.microsoft.com/sharepoint/v3" xmlns:ns2="dcf5ddc1-fb1d-440f-849a-6450bddbaed7" xmlns:ns3="965de625-df5b-42e9-a277-2113da4f1195" targetNamespace="http://schemas.microsoft.com/office/2006/metadata/properties" ma:root="true" ma:fieldsID="e46491ab598b4ca7c34f6e01f1cb89ea" ns1:_="" ns2:_="" ns3:_="">
     <xsd:import namespace="http://schemas.microsoft.com/sharepoint/v3"/>
@@ -31934,10 +31925,41 @@
 </ct:contentTypeSchema>
 </file>
 
+<file path=customXml/item2.xml><?xml version="1.0" encoding="utf-8"?>
+<p:properties xmlns:p="http://schemas.microsoft.com/office/2006/metadata/properties" xmlns:xsi="http://www.w3.org/2001/XMLSchema-instance" xmlns:pc="http://schemas.microsoft.com/office/infopath/2007/PartnerControls">
+  <documentManagement>
+    <_ip_UnifiedCompliancePolicyUIAction xmlns="http://schemas.microsoft.com/sharepoint/v3" xsi:nil="true"/>
+    <_ip_UnifiedCompliancePolicyProperties xmlns="http://schemas.microsoft.com/sharepoint/v3" xsi:nil="true"/>
+    <MediaServiceKeyPoints xmlns="965de625-df5b-42e9-a277-2113da4f1195" xsi:nil="true"/>
+  </documentManagement>
+</p:properties>
+</file>
+
+<file path=customXml/item3.xml><?xml version="1.0" encoding="utf-8"?>
+<?mso-contentType ?>
+<FormTemplates xmlns="http://schemas.microsoft.com/sharepoint/v3/contenttype/forms">
+  <Display>DocumentLibraryForm</Display>
+  <Edit>DocumentLibraryForm</Edit>
+  <New>DocumentLibraryForm</New>
+</FormTemplates>
+</file>
+
 <file path=customXml/itemProps1.xml><?xml version="1.0" encoding="utf-8"?>
-<ds:datastoreItem xmlns:ds="http://schemas.openxmlformats.org/officeDocument/2006/customXml" ds:itemID="{758FDAC0-319D-4A54-8D8E-1D42CB1F8004}">
+<ds:datastoreItem xmlns:ds="http://schemas.openxmlformats.org/officeDocument/2006/customXml" ds:itemID="{13D1D262-8086-483E-8AEE-327E7944ECC8}">
   <ds:schemaRefs>
-    <ds:schemaRef ds:uri="http://schemas.microsoft.com/sharepoint/v3/contenttype/forms"/>
+    <ds:schemaRef ds:uri="http://schemas.microsoft.com/office/2006/metadata/contentType"/>
+    <ds:schemaRef ds:uri="http://schemas.microsoft.com/office/2006/metadata/properties/metaAttributes"/>
+    <ds:schemaRef ds:uri="http://www.w3.org/2001/XMLSchema"/>
+    <ds:schemaRef ds:uri="http://schemas.microsoft.com/office/2006/metadata/properties"/>
+    <ds:schemaRef ds:uri="http://schemas.microsoft.com/sharepoint/v3"/>
+    <ds:schemaRef ds:uri="dcf5ddc1-fb1d-440f-849a-6450bddbaed7"/>
+    <ds:schemaRef ds:uri="965de625-df5b-42e9-a277-2113da4f1195"/>
+    <ds:schemaRef ds:uri="http://schemas.microsoft.com/office/2006/documentManagement/types"/>
+    <ds:schemaRef ds:uri="http://schemas.microsoft.com/office/infopath/2007/PartnerControls"/>
+    <ds:schemaRef ds:uri="http://schemas.openxmlformats.org/package/2006/metadata/core-properties"/>
+    <ds:schemaRef ds:uri="http://purl.org/dc/elements/1.1/"/>
+    <ds:schemaRef ds:uri="http://purl.org/dc/terms/"/>
+    <ds:schemaRef ds:uri="http://schemas.microsoft.com/internal/obd"/>
   </ds:schemaRefs>
 </ds:datastoreItem>
 </file>
@@ -31961,21 +31983,15 @@
 </file>
 
 <file path=customXml/itemProps3.xml><?xml version="1.0" encoding="utf-8"?>
-<ds:datastoreItem xmlns:ds="http://schemas.openxmlformats.org/officeDocument/2006/customXml" ds:itemID="{13D1D262-8086-483E-8AEE-327E7944ECC8}">
+<ds:datastoreItem xmlns:ds="http://schemas.openxmlformats.org/officeDocument/2006/customXml" ds:itemID="{758FDAC0-319D-4A54-8D8E-1D42CB1F8004}">
   <ds:schemaRefs>
-    <ds:schemaRef ds:uri="http://schemas.microsoft.com/office/2006/metadata/contentType"/>
-    <ds:schemaRef ds:uri="http://schemas.microsoft.com/office/2006/metadata/properties/metaAttributes"/>
-    <ds:schemaRef ds:uri="http://www.w3.org/2001/XMLSchema"/>
-    <ds:schemaRef ds:uri="http://schemas.microsoft.com/office/2006/metadata/properties"/>
-    <ds:schemaRef ds:uri="http://schemas.microsoft.com/sharepoint/v3"/>
-    <ds:schemaRef ds:uri="dcf5ddc1-fb1d-440f-849a-6450bddbaed7"/>
-    <ds:schemaRef ds:uri="965de625-df5b-42e9-a277-2113da4f1195"/>
-    <ds:schemaRef ds:uri="http://schemas.microsoft.com/office/2006/documentManagement/types"/>
-    <ds:schemaRef ds:uri="http://schemas.microsoft.com/office/infopath/2007/PartnerControls"/>
-    <ds:schemaRef ds:uri="http://schemas.openxmlformats.org/package/2006/metadata/core-properties"/>
-    <ds:schemaRef ds:uri="http://purl.org/dc/elements/1.1/"/>
-    <ds:schemaRef ds:uri="http://purl.org/dc/terms/"/>
-    <ds:schemaRef ds:uri="http://schemas.microsoft.com/internal/obd"/>
+    <ds:schemaRef ds:uri="http://schemas.microsoft.com/sharepoint/v3/contenttype/forms"/>
   </ds:schemaRefs>
 </ds:datastoreItem>
+</file>
+
+<file path=docMetadata/LabelInfo.xml><?xml version="1.0" encoding="utf-8"?>
+<clbl:labelList xmlns:clbl="http://schemas.microsoft.com/office/2020/mipLabelMetadata">
+  <clbl:label id="{f42aa342-8706-4288-bd11-ebb85995028c}" enabled="1" method="Privileged" siteId="{72f988bf-86f1-41af-91ab-2d7cd011db47}" removed="0"/>
+</clbl:labelList>
 </file>
--- a/126-AzureCost/Azure Cost PBI BootCamp.pptx
+++ b/126-AzureCost/Azure Cost PBI BootCamp.pptx
@@ -5,10 +5,10 @@
     <p:sldMasterId id="2147484229" r:id="rId4"/>
   </p:sldMasterIdLst>
   <p:notesMasterIdLst>
-    <p:notesMasterId r:id="rId42"/>
+    <p:notesMasterId r:id="rId46"/>
   </p:notesMasterIdLst>
   <p:handoutMasterIdLst>
-    <p:handoutMasterId r:id="rId43"/>
+    <p:handoutMasterId r:id="rId47"/>
   </p:handoutMasterIdLst>
   <p:sldIdLst>
     <p:sldId id="1661" r:id="rId5"/>
@@ -17,37 +17,41 @@
     <p:sldId id="2060" r:id="rId8"/>
     <p:sldId id="2065" r:id="rId9"/>
     <p:sldId id="2055" r:id="rId10"/>
-    <p:sldId id="2057" r:id="rId11"/>
-    <p:sldId id="2058" r:id="rId12"/>
-    <p:sldId id="2064" r:id="rId13"/>
-    <p:sldId id="2059" r:id="rId14"/>
-    <p:sldId id="2061" r:id="rId15"/>
-    <p:sldId id="2062" r:id="rId16"/>
-    <p:sldId id="2056" r:id="rId17"/>
-    <p:sldId id="2052" r:id="rId18"/>
-    <p:sldId id="2053" r:id="rId19"/>
-    <p:sldId id="1660" r:id="rId20"/>
-    <p:sldId id="1670" r:id="rId21"/>
-    <p:sldId id="1548" r:id="rId22"/>
-    <p:sldId id="1635" r:id="rId23"/>
-    <p:sldId id="1523" r:id="rId24"/>
-    <p:sldId id="1716" r:id="rId25"/>
-    <p:sldId id="1524" r:id="rId26"/>
-    <p:sldId id="1906" r:id="rId27"/>
-    <p:sldId id="1947" r:id="rId28"/>
-    <p:sldId id="1946" r:id="rId29"/>
-    <p:sldId id="2045" r:id="rId30"/>
-    <p:sldId id="2046" r:id="rId31"/>
-    <p:sldId id="1995" r:id="rId32"/>
-    <p:sldId id="1994" r:id="rId33"/>
-    <p:sldId id="2042" r:id="rId34"/>
-    <p:sldId id="1941" r:id="rId35"/>
-    <p:sldId id="1804" r:id="rId36"/>
-    <p:sldId id="1527" r:id="rId37"/>
-    <p:sldId id="1529" r:id="rId38"/>
-    <p:sldId id="1530" r:id="rId39"/>
-    <p:sldId id="1531" r:id="rId40"/>
-    <p:sldId id="1532" r:id="rId41"/>
+    <p:sldId id="2068" r:id="rId11"/>
+    <p:sldId id="2069" r:id="rId12"/>
+    <p:sldId id="2066" r:id="rId13"/>
+    <p:sldId id="2057" r:id="rId14"/>
+    <p:sldId id="2058" r:id="rId15"/>
+    <p:sldId id="2064" r:id="rId16"/>
+    <p:sldId id="2070" r:id="rId17"/>
+    <p:sldId id="2059" r:id="rId18"/>
+    <p:sldId id="2061" r:id="rId19"/>
+    <p:sldId id="2062" r:id="rId20"/>
+    <p:sldId id="2056" r:id="rId21"/>
+    <p:sldId id="2052" r:id="rId22"/>
+    <p:sldId id="2053" r:id="rId23"/>
+    <p:sldId id="1660" r:id="rId24"/>
+    <p:sldId id="1670" r:id="rId25"/>
+    <p:sldId id="1548" r:id="rId26"/>
+    <p:sldId id="1635" r:id="rId27"/>
+    <p:sldId id="1523" r:id="rId28"/>
+    <p:sldId id="1716" r:id="rId29"/>
+    <p:sldId id="1524" r:id="rId30"/>
+    <p:sldId id="1906" r:id="rId31"/>
+    <p:sldId id="1947" r:id="rId32"/>
+    <p:sldId id="1946" r:id="rId33"/>
+    <p:sldId id="2045" r:id="rId34"/>
+    <p:sldId id="2046" r:id="rId35"/>
+    <p:sldId id="1995" r:id="rId36"/>
+    <p:sldId id="1994" r:id="rId37"/>
+    <p:sldId id="2042" r:id="rId38"/>
+    <p:sldId id="1941" r:id="rId39"/>
+    <p:sldId id="1804" r:id="rId40"/>
+    <p:sldId id="1527" r:id="rId41"/>
+    <p:sldId id="1529" r:id="rId42"/>
+    <p:sldId id="1530" r:id="rId43"/>
+    <p:sldId id="1531" r:id="rId44"/>
+    <p:sldId id="1532" r:id="rId45"/>
   </p:sldIdLst>
   <p:sldSz cx="12192000" cy="6858000"/>
   <p:notesSz cx="6858000" cy="9144000"/>
@@ -157,9 +161,13 @@
             <p14:sldId id="2060"/>
             <p14:sldId id="2065"/>
             <p14:sldId id="2055"/>
+            <p14:sldId id="2068"/>
+            <p14:sldId id="2069"/>
+            <p14:sldId id="2066"/>
             <p14:sldId id="2057"/>
             <p14:sldId id="2058"/>
             <p14:sldId id="2064"/>
+            <p14:sldId id="2070"/>
             <p14:sldId id="2059"/>
             <p14:sldId id="2061"/>
             <p14:sldId id="2062"/>
@@ -335,7 +343,7 @@
               <a:rPr lang="en-US" smtClean="0">
                 <a:latin typeface="Segoe UI" pitchFamily="34" charset="0"/>
               </a:rPr>
-              <a:t>11/23/2022 11:58 AM</a:t>
+              <a:t>11/23/2022 12:05 PM</a:t>
             </a:fld>
             <a:endParaRPr lang="en-US" dirty="0">
               <a:latin typeface="Segoe UI" pitchFamily="34" charset="0"/>
@@ -613,7 +621,7 @@
           <a:p>
             <a:fld id="{386CE63F-9E7F-4C04-9D0D-FCA25A8E9E86}" type="datetime8">
               <a:rPr lang="en-US" smtClean="0"/>
-              <a:t>11/23/2022 11:58 AM</a:t>
+              <a:t>11/23/2022 12:01 PM</a:t>
             </a:fld>
             <a:endParaRPr lang="en-US" dirty="0"/>
           </a:p>
@@ -980,7 +988,7 @@
           <a:p>
             <a:fld id="{62C61DAB-D93E-49CA-B245-379601CFE8D0}" type="datetime8">
               <a:rPr lang="en-US" smtClean="0"/>
-              <a:t>11/23/2022 11:58 AM</a:t>
+              <a:t>11/23/2022 12:01 PM</a:t>
             </a:fld>
             <a:endParaRPr lang="en-US" dirty="0"/>
           </a:p>
@@ -1050,15 +1058,7 @@
             <p:ph type="sldImg"/>
           </p:nvPr>
         </p:nvSpPr>
-        <p:spPr>
-          <a:xfrm>
-            <a:off x="381000" y="685800"/>
-            <a:ext cx="6096000" cy="3429000"/>
-          </a:xfrm>
-          <a:prstGeom prst="rect">
-            <a:avLst/>
-          </a:prstGeom>
-        </p:spPr>
+        <p:spPr/>
       </p:sp>
       <p:sp>
         <p:nvSpPr>
@@ -1068,98 +1068,6 @@
           </p:cNvSpPr>
           <p:nvPr>
             <p:ph type="body" idx="1"/>
-          </p:nvPr>
-        </p:nvSpPr>
-        <p:spPr>
-          <a:xfrm>
-            <a:off x="685800" y="4343400"/>
-            <a:ext cx="5486400" cy="4114800"/>
-          </a:xfrm>
-          <a:prstGeom prst="rect">
-            <a:avLst/>
-          </a:prstGeom>
-        </p:spPr>
-        <p:txBody>
-          <a:bodyPr>
-            <a:normAutofit/>
-          </a:bodyPr>
-          <a:lstStyle/>
-          <a:p>
-            <a:endParaRPr lang="en-US" dirty="0"/>
-          </a:p>
-        </p:txBody>
-      </p:sp>
-      <p:sp>
-        <p:nvSpPr>
-          <p:cNvPr id="4" name="Date Placeholder 3"/>
-          <p:cNvSpPr>
-            <a:spLocks noGrp="1"/>
-          </p:cNvSpPr>
-          <p:nvPr>
-            <p:ph type="dt" idx="10"/>
-          </p:nvPr>
-        </p:nvSpPr>
-        <p:spPr>
-          <a:xfrm>
-            <a:off x="3884613" y="0"/>
-            <a:ext cx="2971800" cy="457200"/>
-          </a:xfrm>
-          <a:prstGeom prst="rect">
-            <a:avLst/>
-          </a:prstGeom>
-        </p:spPr>
-        <p:txBody>
-          <a:bodyPr/>
-          <a:lstStyle/>
-          <a:p>
-            <a:fld id="{06C18626-F474-479E-937A-543AA55347B1}" type="datetime8">
-              <a:rPr lang="en-US" smtClean="0"/>
-              <a:t>11/23/2022 11:58 AM</a:t>
-            </a:fld>
-            <a:endParaRPr lang="en-US" dirty="0"/>
-          </a:p>
-        </p:txBody>
-      </p:sp>
-      <p:sp>
-        <p:nvSpPr>
-          <p:cNvPr id="7" name="Slide Number Placeholder 6"/>
-          <p:cNvSpPr>
-            <a:spLocks noGrp="1"/>
-          </p:cNvSpPr>
-          <p:nvPr>
-            <p:ph type="sldNum" sz="quarter" idx="12"/>
-          </p:nvPr>
-        </p:nvSpPr>
-        <p:spPr>
-          <a:xfrm>
-            <a:off x="6172199" y="8685213"/>
-            <a:ext cx="684213" cy="457200"/>
-          </a:xfrm>
-          <a:prstGeom prst="rect">
-            <a:avLst/>
-          </a:prstGeom>
-        </p:spPr>
-        <p:txBody>
-          <a:bodyPr/>
-          <a:lstStyle/>
-          <a:p>
-            <a:fld id="{8B263312-38AA-4E1E-B2B5-0F8F122B24FE}" type="slidenum">
-              <a:rPr lang="en-US" smtClean="0"/>
-              <a:pPr/>
-              <a:t>20</a:t>
-            </a:fld>
-            <a:endParaRPr lang="en-US" dirty="0"/>
-          </a:p>
-        </p:txBody>
-      </p:sp>
-      <p:sp>
-        <p:nvSpPr>
-          <p:cNvPr id="6" name="Footer Placeholder 5"/>
-          <p:cNvSpPr>
-            <a:spLocks noGrp="1"/>
-          </p:cNvSpPr>
-          <p:nvPr>
-            <p:ph type="ftr" sz="quarter" idx="13"/>
           </p:nvPr>
         </p:nvSpPr>
         <p:spPr/>
@@ -1167,9 +1075,141 @@
           <a:bodyPr/>
           <a:lstStyle/>
           <a:p>
+            <a:pPr algn="l" rtl="0"/>
+            <a:br>
+              <a:rPr lang="en-US" b="0" i="0" dirty="0">
+                <a:solidFill>
+                  <a:srgbClr val="EEEEEE"/>
+                </a:solidFill>
+                <a:effectLst/>
+                <a:latin typeface="YouTube Noto"/>
+              </a:rPr>
+            </a:br>
+            <a:endParaRPr lang="en-US" b="0" i="0" dirty="0">
+              <a:solidFill>
+                <a:srgbClr val="EEEEEE"/>
+              </a:solidFill>
+              <a:effectLst/>
+              <a:latin typeface="YouTube Noto"/>
+            </a:endParaRPr>
+          </a:p>
+          <a:p>
+            <a:pPr marL="0" marR="0" lvl="0" indent="0" algn="l" defTabSz="914367" rtl="0" eaLnBrk="1" fontAlgn="auto" latinLnBrk="0" hangingPunct="1">
+              <a:lnSpc>
+                <a:spcPct val="90000"/>
+              </a:lnSpc>
+              <a:spcBef>
+                <a:spcPts val="0"/>
+              </a:spcBef>
+              <a:spcAft>
+                <a:spcPts val="333"/>
+              </a:spcAft>
+              <a:buClrTx/>
+              <a:buSzTx/>
+              <a:buFontTx/>
+              <a:buNone/>
+              <a:tabLst/>
+              <a:defRPr/>
+            </a:pPr>
+            <a:r>
+              <a:rPr lang="en-US" b="0" i="0" dirty="0">
+                <a:effectLst/>
+                <a:latin typeface="Roboto" panose="02000000000000000000" pitchFamily="2" charset="0"/>
+              </a:rPr>
+              <a:t>The best way to connect to a SharePoint Folder to speed up your Excel and Power BI data refresh</a:t>
+            </a:r>
+          </a:p>
+          <a:p>
+            <a:pPr algn="l" rtl="0"/>
+            <a:r>
+              <a:rPr lang="en-US" b="0" i="0" dirty="0">
+                <a:solidFill>
+                  <a:srgbClr val="EEEEEE"/>
+                </a:solidFill>
+                <a:effectLst/>
+                <a:latin typeface="YouTube Noto"/>
+              </a:rPr>
+              <a:t>https://www.youtube.com/watch?v=-XE7HEZbQiY</a:t>
+            </a:r>
+          </a:p>
+          <a:p>
+            <a:pPr algn="l" rtl="0"/>
+            <a:endParaRPr lang="en-US" b="0" i="0" dirty="0">
+              <a:solidFill>
+                <a:srgbClr val="EEEEEE"/>
+              </a:solidFill>
+              <a:effectLst/>
+              <a:latin typeface="YouTube Noto"/>
+            </a:endParaRPr>
+          </a:p>
+          <a:p>
+            <a:pPr algn="l" rtl="0"/>
+            <a:endParaRPr lang="en-US" b="0" i="0" dirty="0">
+              <a:solidFill>
+                <a:srgbClr val="EEEEEE"/>
+              </a:solidFill>
+              <a:effectLst/>
+              <a:latin typeface="YouTube Noto"/>
+            </a:endParaRPr>
+          </a:p>
+          <a:p>
+            <a:pPr algn="l"/>
+            <a:r>
+              <a:rPr lang="en-US" b="0" i="0" dirty="0">
+                <a:solidFill>
+                  <a:srgbClr val="000000"/>
+                </a:solidFill>
+                <a:effectLst/>
+                <a:latin typeface="var(--ytd-video-primary-info-renderer-title-font-family,inherit)"/>
+              </a:rPr>
+              <a:t>Power BI - Use relative references to avoid combine &amp; transform errors</a:t>
+            </a:r>
+          </a:p>
+          <a:p>
+            <a:r>
+              <a:rPr lang="en-US" dirty="0"/>
+              <a:t>https://www.youtube.com/watch?v=nscUeOL5m90</a:t>
+            </a:r>
+          </a:p>
+        </p:txBody>
+      </p:sp>
+      <p:sp>
+        <p:nvSpPr>
+          <p:cNvPr id="4" name="Header Placeholder 3"/>
+          <p:cNvSpPr>
+            <a:spLocks noGrp="1"/>
+          </p:cNvSpPr>
+          <p:nvPr>
+            <p:ph type="hdr" sz="quarter"/>
+          </p:nvPr>
+        </p:nvSpPr>
+        <p:spPr/>
+        <p:txBody>
+          <a:bodyPr/>
+          <a:lstStyle/>
+          <a:p>
+            <a:endParaRPr lang="en-US" dirty="0"/>
+          </a:p>
+        </p:txBody>
+      </p:sp>
+      <p:sp>
+        <p:nvSpPr>
+          <p:cNvPr id="5" name="Footer Placeholder 4"/>
+          <p:cNvSpPr>
+            <a:spLocks noGrp="1"/>
+          </p:cNvSpPr>
+          <p:nvPr>
+            <p:ph type="ftr" sz="quarter" idx="4"/>
+          </p:nvPr>
+        </p:nvSpPr>
+        <p:spPr/>
+        <p:txBody>
+          <a:bodyPr/>
+          <a:lstStyle/>
+          <a:p>
             <a:pPr defTabSz="914099" eaLnBrk="0" hangingPunct="0"/>
             <a:r>
-              <a:rPr lang="en-US" sz="400" dirty="0">
+              <a:rPr lang="en-US" sz="400">
                 <a:gradFill>
                   <a:gsLst>
                     <a:gs pos="0">
@@ -1187,17 +1227,33 @@
               </a:rPr>
               <a:t>© Microsoft Corporation. All rights reserved. MICROSOFT MAKES NO WARRANTIES, EXPRESS, IMPLIED OR STATUTORY, AS TO THE INFORMATION IN THIS PRESENTATION.</a:t>
             </a:r>
+            <a:endParaRPr lang="en-US" sz="400" dirty="0">
+              <a:gradFill>
+                <a:gsLst>
+                  <a:gs pos="0">
+                    <a:prstClr val="black"/>
+                  </a:gs>
+                  <a:gs pos="100000">
+                    <a:prstClr val="black"/>
+                  </a:gs>
+                </a:gsLst>
+                <a:lin ang="5400000" scaled="0"/>
+              </a:gradFill>
+              <a:latin typeface="Segoe UI" pitchFamily="34" charset="0"/>
+              <a:ea typeface="Segoe UI" pitchFamily="34" charset="0"/>
+              <a:cs typeface="Segoe UI" pitchFamily="34" charset="0"/>
+            </a:endParaRPr>
           </a:p>
         </p:txBody>
       </p:sp>
       <p:sp>
         <p:nvSpPr>
-          <p:cNvPr id="9" name="Header Placeholder 8"/>
+          <p:cNvPr id="6" name="Date Placeholder 5"/>
           <p:cNvSpPr>
             <a:spLocks noGrp="1"/>
           </p:cNvSpPr>
           <p:nvPr>
-            <p:ph type="hdr" sz="quarter" idx="14"/>
+            <p:ph type="dt" idx="1"/>
           </p:nvPr>
         </p:nvSpPr>
         <p:spPr/>
@@ -1205,6 +1261,34 @@
           <a:bodyPr/>
           <a:lstStyle/>
           <a:p>
+            <a:fld id="{386CE63F-9E7F-4C04-9D0D-FCA25A8E9E86}" type="datetime8">
+              <a:rPr lang="en-US" smtClean="0"/>
+              <a:t>11/23/2022 12:01 PM</a:t>
+            </a:fld>
+            <a:endParaRPr lang="en-US" dirty="0"/>
+          </a:p>
+        </p:txBody>
+      </p:sp>
+      <p:sp>
+        <p:nvSpPr>
+          <p:cNvPr id="7" name="Slide Number Placeholder 6"/>
+          <p:cNvSpPr>
+            <a:spLocks noGrp="1"/>
+          </p:cNvSpPr>
+          <p:nvPr>
+            <p:ph type="sldNum" sz="quarter" idx="5"/>
+          </p:nvPr>
+        </p:nvSpPr>
+        <p:spPr/>
+        <p:txBody>
+          <a:bodyPr/>
+          <a:lstStyle/>
+          <a:p>
+            <a:fld id="{B4008EB6-D09E-4580-8CD6-DDB14511944F}" type="slidenum">
+              <a:rPr lang="en-US" smtClean="0"/>
+              <a:pPr/>
+              <a:t>18</a:t>
+            </a:fld>
             <a:endParaRPr lang="en-US" dirty="0"/>
           </a:p>
         </p:txBody>
@@ -1212,7 +1296,7 @@
     </p:spTree>
     <p:extLst>
       <p:ext uri="{BB962C8B-B14F-4D97-AF65-F5344CB8AC3E}">
-        <p14:creationId xmlns:p14="http://schemas.microsoft.com/office/powerpoint/2010/main" val="52846919"/>
+        <p14:creationId xmlns:p14="http://schemas.microsoft.com/office/powerpoint/2010/main" val="1076171450"/>
       </p:ext>
     </p:extLst>
   </p:cSld>
@@ -1342,9 +1426,9 @@
           <a:bodyPr/>
           <a:lstStyle/>
           <a:p>
-            <a:fld id="{A5CD2277-7C1A-43CA-8676-87B24AD584BD}" type="datetime8">
+            <a:fld id="{72E0C910-0166-48E0-B8EF-5071277A02A8}" type="datetime8">
               <a:rPr lang="en-US" smtClean="0"/>
-              <a:t>11/23/2022 11:58 AM</a:t>
+              <a:t>11/23/2022 12:01 PM</a:t>
             </a:fld>
             <a:endParaRPr lang="en-US" dirty="0"/>
           </a:p>
@@ -1368,7 +1452,7 @@
             <a:fld id="{B4008EB6-D09E-4580-8CD6-DDB14511944F}" type="slidenum">
               <a:rPr lang="en-US" smtClean="0"/>
               <a:pPr/>
-              <a:t>21</a:t>
+              <a:t>20</a:t>
             </a:fld>
             <a:endParaRPr lang="en-US" dirty="0"/>
           </a:p>
@@ -1377,7 +1461,7 @@
     </p:spTree>
     <p:extLst>
       <p:ext uri="{BB962C8B-B14F-4D97-AF65-F5344CB8AC3E}">
-        <p14:creationId xmlns:p14="http://schemas.microsoft.com/office/powerpoint/2010/main" val="2389542826"/>
+        <p14:creationId xmlns:p14="http://schemas.microsoft.com/office/powerpoint/2010/main" val="1601089676"/>
       </p:ext>
     </p:extLst>
   </p:cSld>
@@ -1507,9 +1591,9 @@
           <a:bodyPr/>
           <a:lstStyle/>
           <a:p>
-            <a:fld id="{49B14B72-BE03-4760-B747-D349DA60D861}" type="datetime8">
+            <a:fld id="{9427A7F7-BB1E-479D-AFAA-B52F4D0C99F2}" type="datetime8">
               <a:rPr lang="en-US" smtClean="0"/>
-              <a:t>11/23/2022 11:58 AM</a:t>
+              <a:t>11/23/2022 12:01 PM</a:t>
             </a:fld>
             <a:endParaRPr lang="en-US" dirty="0"/>
           </a:p>
@@ -1533,7 +1617,7 @@
             <a:fld id="{B4008EB6-D09E-4580-8CD6-DDB14511944F}" type="slidenum">
               <a:rPr lang="en-US" smtClean="0"/>
               <a:pPr/>
-              <a:t>22</a:t>
+              <a:t>21</a:t>
             </a:fld>
             <a:endParaRPr lang="en-US" dirty="0"/>
           </a:p>
@@ -1542,7 +1626,7 @@
     </p:spTree>
     <p:extLst>
       <p:ext uri="{BB962C8B-B14F-4D97-AF65-F5344CB8AC3E}">
-        <p14:creationId xmlns:p14="http://schemas.microsoft.com/office/powerpoint/2010/main" val="2470583919"/>
+        <p14:creationId xmlns:p14="http://schemas.microsoft.com/office/powerpoint/2010/main" val="1958519690"/>
       </p:ext>
     </p:extLst>
   </p:cSld>
@@ -1672,9 +1756,9 @@
           <a:bodyPr/>
           <a:lstStyle/>
           <a:p>
-            <a:fld id="{49B14B72-BE03-4760-B747-D349DA60D861}" type="datetime8">
+            <a:fld id="{2D0AF0B6-AF0D-4EDB-B60E-27694EB68262}" type="datetime8">
               <a:rPr lang="en-US" smtClean="0"/>
-              <a:t>11/23/2022 11:58 AM</a:t>
+              <a:t>11/23/2022 12:01 PM</a:t>
             </a:fld>
             <a:endParaRPr lang="en-US" dirty="0"/>
           </a:p>
@@ -1698,7 +1782,7 @@
             <a:fld id="{B4008EB6-D09E-4580-8CD6-DDB14511944F}" type="slidenum">
               <a:rPr lang="en-US" smtClean="0"/>
               <a:pPr/>
-              <a:t>23</a:t>
+              <a:t>22</a:t>
             </a:fld>
             <a:endParaRPr lang="en-US" dirty="0"/>
           </a:p>
@@ -1707,7 +1791,7 @@
     </p:spTree>
     <p:extLst>
       <p:ext uri="{BB962C8B-B14F-4D97-AF65-F5344CB8AC3E}">
-        <p14:creationId xmlns:p14="http://schemas.microsoft.com/office/powerpoint/2010/main" val="1565198508"/>
+        <p14:creationId xmlns:p14="http://schemas.microsoft.com/office/powerpoint/2010/main" val="2942578556"/>
       </p:ext>
     </p:extLst>
   </p:cSld>
@@ -1767,12 +1851,12 @@
       </p:sp>
       <p:sp>
         <p:nvSpPr>
-          <p:cNvPr id="4" name="Header Placeholder 3"/>
+          <p:cNvPr id="6" name="Slide Number Placeholder 5"/>
           <p:cNvSpPr>
             <a:spLocks noGrp="1"/>
           </p:cNvSpPr>
           <p:nvPr>
-            <p:ph type="hdr" sz="quarter" idx="10"/>
+            <p:ph type="sldNum" sz="quarter" idx="12"/>
           </p:nvPr>
         </p:nvSpPr>
         <p:spPr/>
@@ -1780,6 +1864,53 @@
           <a:bodyPr/>
           <a:lstStyle/>
           <a:p>
+            <a:fld id="{B4008EB6-D09E-4580-8CD6-DDB14511944F}" type="slidenum">
+              <a:rPr lang="en-US" smtClean="0"/>
+              <a:pPr/>
+              <a:t>23</a:t>
+            </a:fld>
+            <a:endParaRPr lang="en-US" dirty="0"/>
+          </a:p>
+        </p:txBody>
+      </p:sp>
+      <p:sp>
+        <p:nvSpPr>
+          <p:cNvPr id="10" name="Date Placeholder 9"/>
+          <p:cNvSpPr>
+            <a:spLocks noGrp="1"/>
+          </p:cNvSpPr>
+          <p:nvPr>
+            <p:ph type="dt" idx="13"/>
+          </p:nvPr>
+        </p:nvSpPr>
+        <p:spPr/>
+        <p:txBody>
+          <a:bodyPr/>
+          <a:lstStyle/>
+          <a:p>
+            <a:fld id="{1D9BFF88-B9B5-4B68-BAE1-09ACB5D03C54}" type="datetime8">
+              <a:rPr lang="en-US" smtClean="0"/>
+              <a:t>11/23/2022 12:01 PM</a:t>
+            </a:fld>
+            <a:endParaRPr lang="en-US" dirty="0"/>
+          </a:p>
+        </p:txBody>
+      </p:sp>
+      <p:sp>
+        <p:nvSpPr>
+          <p:cNvPr id="12" name="Header Placeholder 11"/>
+          <p:cNvSpPr>
+            <a:spLocks noGrp="1"/>
+          </p:cNvSpPr>
+          <p:nvPr>
+            <p:ph type="hdr" sz="quarter" idx="15"/>
+          </p:nvPr>
+        </p:nvSpPr>
+        <p:spPr/>
+        <p:txBody>
+          <a:bodyPr/>
+          <a:lstStyle/>
+          <a:p>
             <a:endParaRPr lang="en-US" dirty="0"/>
           </a:p>
         </p:txBody>
@@ -1791,7 +1922,7 @@
             <a:spLocks noGrp="1"/>
           </p:cNvSpPr>
           <p:nvPr>
-            <p:ph type="ftr" sz="quarter" idx="11"/>
+            <p:ph type="ftr" sz="quarter" idx="16"/>
           </p:nvPr>
         </p:nvSpPr>
         <p:spPr/>
@@ -1822,56 +1953,10 @@
           </a:p>
         </p:txBody>
       </p:sp>
-      <p:sp>
-        <p:nvSpPr>
-          <p:cNvPr id="6" name="Date Placeholder 5"/>
-          <p:cNvSpPr>
-            <a:spLocks noGrp="1"/>
-          </p:cNvSpPr>
-          <p:nvPr>
-            <p:ph type="dt" idx="12"/>
-          </p:nvPr>
-        </p:nvSpPr>
-        <p:spPr/>
-        <p:txBody>
-          <a:bodyPr/>
-          <a:lstStyle/>
-          <a:p>
-            <a:fld id="{54A7B7B7-C694-4FC8-B0BD-20DAA0A272F9}" type="datetime8">
-              <a:rPr lang="en-US" smtClean="0"/>
-              <a:t>11/23/2022 11:58 AM</a:t>
-            </a:fld>
-            <a:endParaRPr lang="en-US" dirty="0"/>
-          </a:p>
-        </p:txBody>
-      </p:sp>
-      <p:sp>
-        <p:nvSpPr>
-          <p:cNvPr id="7" name="Slide Number Placeholder 6"/>
-          <p:cNvSpPr>
-            <a:spLocks noGrp="1"/>
-          </p:cNvSpPr>
-          <p:nvPr>
-            <p:ph type="sldNum" sz="quarter" idx="13"/>
-          </p:nvPr>
-        </p:nvSpPr>
-        <p:spPr/>
-        <p:txBody>
-          <a:bodyPr/>
-          <a:lstStyle/>
-          <a:p>
-            <a:fld id="{B4008EB6-D09E-4580-8CD6-DDB14511944F}" type="slidenum">
-              <a:rPr lang="en-US" smtClean="0"/>
-              <a:t>28</a:t>
-            </a:fld>
-            <a:endParaRPr lang="en-US" dirty="0"/>
-          </a:p>
-        </p:txBody>
-      </p:sp>
     </p:spTree>
     <p:extLst>
       <p:ext uri="{BB962C8B-B14F-4D97-AF65-F5344CB8AC3E}">
-        <p14:creationId xmlns:p14="http://schemas.microsoft.com/office/powerpoint/2010/main" val="103154412"/>
+        <p14:creationId xmlns:p14="http://schemas.microsoft.com/office/powerpoint/2010/main" val="3460838768"/>
       </p:ext>
     </p:extLst>
   </p:cSld>
@@ -1908,7 +1993,15 @@
             <p:ph type="sldImg"/>
           </p:nvPr>
         </p:nvSpPr>
-        <p:spPr/>
+        <p:spPr>
+          <a:xfrm>
+            <a:off x="381000" y="685800"/>
+            <a:ext cx="6096000" cy="3429000"/>
+          </a:xfrm>
+          <a:prstGeom prst="rect">
+            <a:avLst/>
+          </a:prstGeom>
+        </p:spPr>
       </p:sp>
       <p:sp>
         <p:nvSpPr>
@@ -1920,42 +2013,96 @@
             <p:ph type="body" idx="1"/>
           </p:nvPr>
         </p:nvSpPr>
-        <p:spPr/>
+        <p:spPr>
+          <a:xfrm>
+            <a:off x="685800" y="4343400"/>
+            <a:ext cx="5486400" cy="4114800"/>
+          </a:xfrm>
+          <a:prstGeom prst="rect">
+            <a:avLst/>
+          </a:prstGeom>
+        </p:spPr>
+        <p:txBody>
+          <a:bodyPr>
+            <a:normAutofit/>
+          </a:bodyPr>
+          <a:lstStyle/>
+          <a:p>
+            <a:endParaRPr lang="en-US" dirty="0"/>
+          </a:p>
+        </p:txBody>
+      </p:sp>
+      <p:sp>
+        <p:nvSpPr>
+          <p:cNvPr id="4" name="Date Placeholder 3"/>
+          <p:cNvSpPr>
+            <a:spLocks noGrp="1"/>
+          </p:cNvSpPr>
+          <p:nvPr>
+            <p:ph type="dt" idx="10"/>
+          </p:nvPr>
+        </p:nvSpPr>
+        <p:spPr>
+          <a:xfrm>
+            <a:off x="3884613" y="0"/>
+            <a:ext cx="2971800" cy="457200"/>
+          </a:xfrm>
+          <a:prstGeom prst="rect">
+            <a:avLst/>
+          </a:prstGeom>
+        </p:spPr>
         <p:txBody>
           <a:bodyPr/>
           <a:lstStyle/>
           <a:p>
+            <a:fld id="{06C18626-F474-479E-937A-543AA55347B1}" type="datetime8">
+              <a:rPr lang="en-US" smtClean="0"/>
+              <a:t>11/23/2022 12:01 PM</a:t>
+            </a:fld>
             <a:endParaRPr lang="en-US" dirty="0"/>
           </a:p>
         </p:txBody>
       </p:sp>
       <p:sp>
         <p:nvSpPr>
-          <p:cNvPr id="4" name="Header Placeholder 3"/>
+          <p:cNvPr id="7" name="Slide Number Placeholder 6"/>
           <p:cNvSpPr>
             <a:spLocks noGrp="1"/>
           </p:cNvSpPr>
           <p:nvPr>
-            <p:ph type="hdr" sz="quarter" idx="10"/>
+            <p:ph type="sldNum" sz="quarter" idx="12"/>
           </p:nvPr>
         </p:nvSpPr>
-        <p:spPr/>
+        <p:spPr>
+          <a:xfrm>
+            <a:off x="6172199" y="8685213"/>
+            <a:ext cx="684213" cy="457200"/>
+          </a:xfrm>
+          <a:prstGeom prst="rect">
+            <a:avLst/>
+          </a:prstGeom>
+        </p:spPr>
         <p:txBody>
           <a:bodyPr/>
           <a:lstStyle/>
           <a:p>
+            <a:fld id="{8B263312-38AA-4E1E-B2B5-0F8F122B24FE}" type="slidenum">
+              <a:rPr lang="en-US" smtClean="0"/>
+              <a:pPr/>
+              <a:t>24</a:t>
+            </a:fld>
             <a:endParaRPr lang="en-US" dirty="0"/>
           </a:p>
         </p:txBody>
       </p:sp>
       <p:sp>
         <p:nvSpPr>
-          <p:cNvPr id="5" name="Footer Placeholder 4"/>
+          <p:cNvPr id="6" name="Footer Placeholder 5"/>
           <p:cNvSpPr>
             <a:spLocks noGrp="1"/>
           </p:cNvSpPr>
           <p:nvPr>
-            <p:ph type="ftr" sz="quarter" idx="11"/>
+            <p:ph type="ftr" sz="quarter" idx="13"/>
           </p:nvPr>
         </p:nvSpPr>
         <p:spPr/>
@@ -1988,12 +2135,12 @@
       </p:sp>
       <p:sp>
         <p:nvSpPr>
-          <p:cNvPr id="6" name="Date Placeholder 5"/>
+          <p:cNvPr id="9" name="Header Placeholder 8"/>
           <p:cNvSpPr>
             <a:spLocks noGrp="1"/>
           </p:cNvSpPr>
           <p:nvPr>
-            <p:ph type="dt" idx="12"/>
+            <p:ph type="hdr" sz="quarter" idx="14"/>
           </p:nvPr>
         </p:nvSpPr>
         <p:spPr/>
@@ -2001,34 +2148,6 @@
           <a:bodyPr/>
           <a:lstStyle/>
           <a:p>
-            <a:fld id="{91FF42D5-4657-4D58-A751-082C26315A19}" type="datetime8">
-              <a:rPr lang="en-US" smtClean="0"/>
-              <a:t>11/23/2022 11:58 AM</a:t>
-            </a:fld>
-            <a:endParaRPr lang="en-US" dirty="0"/>
-          </a:p>
-        </p:txBody>
-      </p:sp>
-      <p:sp>
-        <p:nvSpPr>
-          <p:cNvPr id="7" name="Slide Number Placeholder 6"/>
-          <p:cNvSpPr>
-            <a:spLocks noGrp="1"/>
-          </p:cNvSpPr>
-          <p:nvPr>
-            <p:ph type="sldNum" sz="quarter" idx="13"/>
-          </p:nvPr>
-        </p:nvSpPr>
-        <p:spPr/>
-        <p:txBody>
-          <a:bodyPr/>
-          <a:lstStyle/>
-          <a:p>
-            <a:fld id="{B4008EB6-D09E-4580-8CD6-DDB14511944F}" type="slidenum">
-              <a:rPr lang="en-US" smtClean="0"/>
-              <a:pPr/>
-              <a:t>29</a:t>
-            </a:fld>
             <a:endParaRPr lang="en-US" dirty="0"/>
           </a:p>
         </p:txBody>
@@ -2036,7 +2155,7 @@
     </p:spTree>
     <p:extLst>
       <p:ext uri="{BB962C8B-B14F-4D97-AF65-F5344CB8AC3E}">
-        <p14:creationId xmlns:p14="http://schemas.microsoft.com/office/powerpoint/2010/main" val="3383938246"/>
+        <p14:creationId xmlns:p14="http://schemas.microsoft.com/office/powerpoint/2010/main" val="52846919"/>
       </p:ext>
     </p:extLst>
   </p:cSld>
@@ -2096,12 +2215,12 @@
       </p:sp>
       <p:sp>
         <p:nvSpPr>
-          <p:cNvPr id="4" name="Slide Number Placeholder 3"/>
+          <p:cNvPr id="4" name="Header Placeholder 3"/>
           <p:cNvSpPr>
             <a:spLocks noGrp="1"/>
           </p:cNvSpPr>
           <p:nvPr>
-            <p:ph type="sldNum" sz="quarter" idx="10"/>
+            <p:ph type="hdr" sz="quarter" idx="10"/>
           </p:nvPr>
         </p:nvSpPr>
         <p:spPr/>
@@ -2109,57 +2228,18 @@
           <a:bodyPr/>
           <a:lstStyle/>
           <a:p>
-            <a:fld id="{C5079D02-5D34-4786-9834-A1F44E52D535}" type="slidenum">
-              <a:rPr lang="en-US" smtClean="0"/>
-              <a:t>30</a:t>
-            </a:fld>
             <a:endParaRPr lang="en-US" dirty="0"/>
           </a:p>
         </p:txBody>
       </p:sp>
       <p:sp>
         <p:nvSpPr>
-          <p:cNvPr id="5" name="Date Placeholder 4">
-            <a:extLst>
-              <a:ext uri="{FF2B5EF4-FFF2-40B4-BE49-F238E27FC236}">
-                <a16:creationId xmlns:a16="http://schemas.microsoft.com/office/drawing/2014/main" id="{58E3CE72-94EE-4689-AB80-A0CFFB93F1EA}"/>
-              </a:ext>
-            </a:extLst>
-          </p:cNvPr>
+          <p:cNvPr id="5" name="Footer Placeholder 4"/>
           <p:cNvSpPr>
             <a:spLocks noGrp="1"/>
           </p:cNvSpPr>
           <p:nvPr>
-            <p:ph type="dt" idx="11"/>
-          </p:nvPr>
-        </p:nvSpPr>
-        <p:spPr/>
-        <p:txBody>
-          <a:bodyPr/>
-          <a:lstStyle/>
-          <a:p>
-            <a:fld id="{480C6978-FA11-423D-8FDA-CB59A4787224}" type="datetime8">
-              <a:rPr lang="en-US" smtClean="0"/>
-              <a:t>11/23/2022 11:58 AM</a:t>
-            </a:fld>
-            <a:endParaRPr lang="en-US" dirty="0"/>
-          </a:p>
-        </p:txBody>
-      </p:sp>
-      <p:sp>
-        <p:nvSpPr>
-          <p:cNvPr id="6" name="Footer Placeholder 5">
-            <a:extLst>
-              <a:ext uri="{FF2B5EF4-FFF2-40B4-BE49-F238E27FC236}">
-                <a16:creationId xmlns:a16="http://schemas.microsoft.com/office/drawing/2014/main" id="{1AF229CA-F1E4-48C0-AD59-34CCFB3BE2A2}"/>
-              </a:ext>
-            </a:extLst>
-          </p:cNvPr>
-          <p:cNvSpPr>
-            <a:spLocks noGrp="1"/>
-          </p:cNvSpPr>
-          <p:nvPr>
-            <p:ph type="ftr" sz="quarter" idx="12"/>
+            <p:ph type="ftr" sz="quarter" idx="11"/>
           </p:nvPr>
         </p:nvSpPr>
         <p:spPr/>
@@ -2192,18 +2272,12 @@
       </p:sp>
       <p:sp>
         <p:nvSpPr>
-          <p:cNvPr id="7" name="Header Placeholder 6">
-            <a:extLst>
-              <a:ext uri="{FF2B5EF4-FFF2-40B4-BE49-F238E27FC236}">
-                <a16:creationId xmlns:a16="http://schemas.microsoft.com/office/drawing/2014/main" id="{1C7DFC74-16C9-4146-B136-C825DE01E4DA}"/>
-              </a:ext>
-            </a:extLst>
-          </p:cNvPr>
+          <p:cNvPr id="6" name="Date Placeholder 5"/>
           <p:cNvSpPr>
             <a:spLocks noGrp="1"/>
           </p:cNvSpPr>
           <p:nvPr>
-            <p:ph type="hdr" sz="quarter" idx="13"/>
+            <p:ph type="dt" idx="12"/>
           </p:nvPr>
         </p:nvSpPr>
         <p:spPr/>
@@ -2211,6 +2285,34 @@
           <a:bodyPr/>
           <a:lstStyle/>
           <a:p>
+            <a:fld id="{A5CD2277-7C1A-43CA-8676-87B24AD584BD}" type="datetime8">
+              <a:rPr lang="en-US" smtClean="0"/>
+              <a:t>11/23/2022 12:01 PM</a:t>
+            </a:fld>
+            <a:endParaRPr lang="en-US" dirty="0"/>
+          </a:p>
+        </p:txBody>
+      </p:sp>
+      <p:sp>
+        <p:nvSpPr>
+          <p:cNvPr id="7" name="Slide Number Placeholder 6"/>
+          <p:cNvSpPr>
+            <a:spLocks noGrp="1"/>
+          </p:cNvSpPr>
+          <p:nvPr>
+            <p:ph type="sldNum" sz="quarter" idx="13"/>
+          </p:nvPr>
+        </p:nvSpPr>
+        <p:spPr/>
+        <p:txBody>
+          <a:bodyPr/>
+          <a:lstStyle/>
+          <a:p>
+            <a:fld id="{B4008EB6-D09E-4580-8CD6-DDB14511944F}" type="slidenum">
+              <a:rPr lang="en-US" smtClean="0"/>
+              <a:pPr/>
+              <a:t>25</a:t>
+            </a:fld>
             <a:endParaRPr lang="en-US" dirty="0"/>
           </a:p>
         </p:txBody>
@@ -2218,7 +2320,7 @@
     </p:spTree>
     <p:extLst>
       <p:ext uri="{BB962C8B-B14F-4D97-AF65-F5344CB8AC3E}">
-        <p14:creationId xmlns:p14="http://schemas.microsoft.com/office/powerpoint/2010/main" val="2741036457"/>
+        <p14:creationId xmlns:p14="http://schemas.microsoft.com/office/powerpoint/2010/main" val="2389542826"/>
       </p:ext>
     </p:extLst>
   </p:cSld>
@@ -2278,12 +2380,12 @@
       </p:sp>
       <p:sp>
         <p:nvSpPr>
-          <p:cNvPr id="6" name="Date Placeholder 5"/>
+          <p:cNvPr id="4" name="Header Placeholder 3"/>
           <p:cNvSpPr>
             <a:spLocks noGrp="1"/>
           </p:cNvSpPr>
           <p:nvPr>
-            <p:ph type="dt" idx="12"/>
+            <p:ph type="hdr" sz="quarter" idx="10"/>
           </p:nvPr>
         </p:nvSpPr>
         <p:spPr/>
@@ -2291,52 +2393,18 @@
           <a:bodyPr/>
           <a:lstStyle/>
           <a:p>
-            <a:fld id="{353CB5B1-3D40-4389-814A-A3E0AEC8E2FF}" type="datetime8">
-              <a:rPr lang="en-US" smtClean="0"/>
-              <a:t>11/23/2022 11:58 AM</a:t>
-            </a:fld>
             <a:endParaRPr lang="en-US" dirty="0"/>
           </a:p>
         </p:txBody>
       </p:sp>
       <p:sp>
         <p:nvSpPr>
-          <p:cNvPr id="7" name="Slide Number Placeholder 6"/>
+          <p:cNvPr id="5" name="Footer Placeholder 4"/>
           <p:cNvSpPr>
             <a:spLocks noGrp="1"/>
           </p:cNvSpPr>
           <p:nvPr>
-            <p:ph type="sldNum" sz="quarter" idx="13"/>
-          </p:nvPr>
-        </p:nvSpPr>
-        <p:spPr/>
-        <p:txBody>
-          <a:bodyPr/>
-          <a:lstStyle/>
-          <a:p>
-            <a:fld id="{B4008EB6-D09E-4580-8CD6-DDB14511944F}" type="slidenum">
-              <a:rPr lang="en-US" smtClean="0"/>
-              <a:pPr/>
-              <a:t>31</a:t>
-            </a:fld>
-            <a:endParaRPr lang="en-US" dirty="0"/>
-          </a:p>
-        </p:txBody>
-      </p:sp>
-      <p:sp>
-        <p:nvSpPr>
-          <p:cNvPr id="8" name="Footer Placeholder 7">
-            <a:extLst>
-              <a:ext uri="{FF2B5EF4-FFF2-40B4-BE49-F238E27FC236}">
-                <a16:creationId xmlns:a16="http://schemas.microsoft.com/office/drawing/2014/main" id="{AB0A3098-74CE-4AF5-9C5C-C2A7A2AE65A8}"/>
-              </a:ext>
-            </a:extLst>
-          </p:cNvPr>
-          <p:cNvSpPr>
-            <a:spLocks noGrp="1"/>
-          </p:cNvSpPr>
-          <p:nvPr>
-            <p:ph type="ftr" sz="quarter" idx="14"/>
+            <p:ph type="ftr" sz="quarter" idx="11"/>
           </p:nvPr>
         </p:nvSpPr>
         <p:spPr/>
@@ -2369,18 +2437,12 @@
       </p:sp>
       <p:sp>
         <p:nvSpPr>
-          <p:cNvPr id="9" name="Header Placeholder 8">
-            <a:extLst>
-              <a:ext uri="{FF2B5EF4-FFF2-40B4-BE49-F238E27FC236}">
-                <a16:creationId xmlns:a16="http://schemas.microsoft.com/office/drawing/2014/main" id="{E0F78483-C1B0-470C-ACDF-3FFAE031C6ED}"/>
-              </a:ext>
-            </a:extLst>
-          </p:cNvPr>
+          <p:cNvPr id="6" name="Date Placeholder 5"/>
           <p:cNvSpPr>
             <a:spLocks noGrp="1"/>
           </p:cNvSpPr>
           <p:nvPr>
-            <p:ph type="hdr" sz="quarter" idx="15"/>
+            <p:ph type="dt" idx="12"/>
           </p:nvPr>
         </p:nvSpPr>
         <p:spPr/>
@@ -2388,6 +2450,34 @@
           <a:bodyPr/>
           <a:lstStyle/>
           <a:p>
+            <a:fld id="{49B14B72-BE03-4760-B747-D349DA60D861}" type="datetime8">
+              <a:rPr lang="en-US" smtClean="0"/>
+              <a:t>11/23/2022 12:01 PM</a:t>
+            </a:fld>
+            <a:endParaRPr lang="en-US" dirty="0"/>
+          </a:p>
+        </p:txBody>
+      </p:sp>
+      <p:sp>
+        <p:nvSpPr>
+          <p:cNvPr id="7" name="Slide Number Placeholder 6"/>
+          <p:cNvSpPr>
+            <a:spLocks noGrp="1"/>
+          </p:cNvSpPr>
+          <p:nvPr>
+            <p:ph type="sldNum" sz="quarter" idx="13"/>
+          </p:nvPr>
+        </p:nvSpPr>
+        <p:spPr/>
+        <p:txBody>
+          <a:bodyPr/>
+          <a:lstStyle/>
+          <a:p>
+            <a:fld id="{B4008EB6-D09E-4580-8CD6-DDB14511944F}" type="slidenum">
+              <a:rPr lang="en-US" smtClean="0"/>
+              <a:pPr/>
+              <a:t>26</a:t>
+            </a:fld>
             <a:endParaRPr lang="en-US" dirty="0"/>
           </a:p>
         </p:txBody>
@@ -2395,7 +2485,7 @@
     </p:spTree>
     <p:extLst>
       <p:ext uri="{BB962C8B-B14F-4D97-AF65-F5344CB8AC3E}">
-        <p14:creationId xmlns:p14="http://schemas.microsoft.com/office/powerpoint/2010/main" val="379290385"/>
+        <p14:creationId xmlns:p14="http://schemas.microsoft.com/office/powerpoint/2010/main" val="2470583919"/>
       </p:ext>
     </p:extLst>
   </p:cSld>
@@ -2455,12 +2545,12 @@
       </p:sp>
       <p:sp>
         <p:nvSpPr>
-          <p:cNvPr id="6" name="Date Placeholder 5"/>
+          <p:cNvPr id="4" name="Header Placeholder 3"/>
           <p:cNvSpPr>
             <a:spLocks noGrp="1"/>
           </p:cNvSpPr>
           <p:nvPr>
-            <p:ph type="dt" idx="12"/>
+            <p:ph type="hdr" sz="quarter" idx="10"/>
           </p:nvPr>
         </p:nvSpPr>
         <p:spPr/>
@@ -2468,52 +2558,18 @@
           <a:bodyPr/>
           <a:lstStyle/>
           <a:p>
-            <a:fld id="{353CB5B1-3D40-4389-814A-A3E0AEC8E2FF}" type="datetime8">
-              <a:rPr lang="en-US" smtClean="0"/>
-              <a:t>11/23/2022 11:58 AM</a:t>
-            </a:fld>
             <a:endParaRPr lang="en-US" dirty="0"/>
           </a:p>
         </p:txBody>
       </p:sp>
       <p:sp>
         <p:nvSpPr>
-          <p:cNvPr id="7" name="Slide Number Placeholder 6"/>
+          <p:cNvPr id="5" name="Footer Placeholder 4"/>
           <p:cNvSpPr>
             <a:spLocks noGrp="1"/>
           </p:cNvSpPr>
           <p:nvPr>
-            <p:ph type="sldNum" sz="quarter" idx="13"/>
-          </p:nvPr>
-        </p:nvSpPr>
-        <p:spPr/>
-        <p:txBody>
-          <a:bodyPr/>
-          <a:lstStyle/>
-          <a:p>
-            <a:fld id="{B4008EB6-D09E-4580-8CD6-DDB14511944F}" type="slidenum">
-              <a:rPr lang="en-US" smtClean="0"/>
-              <a:pPr/>
-              <a:t>32</a:t>
-            </a:fld>
-            <a:endParaRPr lang="en-US" dirty="0"/>
-          </a:p>
-        </p:txBody>
-      </p:sp>
-      <p:sp>
-        <p:nvSpPr>
-          <p:cNvPr id="8" name="Footer Placeholder 7">
-            <a:extLst>
-              <a:ext uri="{FF2B5EF4-FFF2-40B4-BE49-F238E27FC236}">
-                <a16:creationId xmlns:a16="http://schemas.microsoft.com/office/drawing/2014/main" id="{AB0A3098-74CE-4AF5-9C5C-C2A7A2AE65A8}"/>
-              </a:ext>
-            </a:extLst>
-          </p:cNvPr>
-          <p:cNvSpPr>
-            <a:spLocks noGrp="1"/>
-          </p:cNvSpPr>
-          <p:nvPr>
-            <p:ph type="ftr" sz="quarter" idx="14"/>
+            <p:ph type="ftr" sz="quarter" idx="11"/>
           </p:nvPr>
         </p:nvSpPr>
         <p:spPr/>
@@ -2546,18 +2602,12 @@
       </p:sp>
       <p:sp>
         <p:nvSpPr>
-          <p:cNvPr id="9" name="Header Placeholder 8">
-            <a:extLst>
-              <a:ext uri="{FF2B5EF4-FFF2-40B4-BE49-F238E27FC236}">
-                <a16:creationId xmlns:a16="http://schemas.microsoft.com/office/drawing/2014/main" id="{E0F78483-C1B0-470C-ACDF-3FFAE031C6ED}"/>
-              </a:ext>
-            </a:extLst>
-          </p:cNvPr>
+          <p:cNvPr id="6" name="Date Placeholder 5"/>
           <p:cNvSpPr>
             <a:spLocks noGrp="1"/>
           </p:cNvSpPr>
           <p:nvPr>
-            <p:ph type="hdr" sz="quarter" idx="15"/>
+            <p:ph type="dt" idx="12"/>
           </p:nvPr>
         </p:nvSpPr>
         <p:spPr/>
@@ -2565,6 +2615,34 @@
           <a:bodyPr/>
           <a:lstStyle/>
           <a:p>
+            <a:fld id="{49B14B72-BE03-4760-B747-D349DA60D861}" type="datetime8">
+              <a:rPr lang="en-US" smtClean="0"/>
+              <a:t>11/23/2022 12:01 PM</a:t>
+            </a:fld>
+            <a:endParaRPr lang="en-US" dirty="0"/>
+          </a:p>
+        </p:txBody>
+      </p:sp>
+      <p:sp>
+        <p:nvSpPr>
+          <p:cNvPr id="7" name="Slide Number Placeholder 6"/>
+          <p:cNvSpPr>
+            <a:spLocks noGrp="1"/>
+          </p:cNvSpPr>
+          <p:nvPr>
+            <p:ph type="sldNum" sz="quarter" idx="13"/>
+          </p:nvPr>
+        </p:nvSpPr>
+        <p:spPr/>
+        <p:txBody>
+          <a:bodyPr/>
+          <a:lstStyle/>
+          <a:p>
+            <a:fld id="{B4008EB6-D09E-4580-8CD6-DDB14511944F}" type="slidenum">
+              <a:rPr lang="en-US" smtClean="0"/>
+              <a:pPr/>
+              <a:t>27</a:t>
+            </a:fld>
             <a:endParaRPr lang="en-US" dirty="0"/>
           </a:p>
         </p:txBody>
@@ -2572,7 +2650,7 @@
     </p:spTree>
     <p:extLst>
       <p:ext uri="{BB962C8B-B14F-4D97-AF65-F5344CB8AC3E}">
-        <p14:creationId xmlns:p14="http://schemas.microsoft.com/office/powerpoint/2010/main" val="2255619978"/>
+        <p14:creationId xmlns:p14="http://schemas.microsoft.com/office/powerpoint/2010/main" val="1565198508"/>
       </p:ext>
     </p:extLst>
   </p:cSld>
@@ -2702,9 +2780,9 @@
           <a:bodyPr/>
           <a:lstStyle/>
           <a:p>
-            <a:fld id="{B16574EE-8191-4BCC-ABE6-D00A4F4D7690}" type="datetime8">
+            <a:fld id="{54A7B7B7-C694-4FC8-B0BD-20DAA0A272F9}" type="datetime8">
               <a:rPr lang="en-US" smtClean="0"/>
-              <a:t>11/23/2022 11:58 AM</a:t>
+              <a:t>11/23/2022 12:01 PM</a:t>
             </a:fld>
             <a:endParaRPr lang="en-US" dirty="0"/>
           </a:p>
@@ -2727,8 +2805,7 @@
           <a:p>
             <a:fld id="{B4008EB6-D09E-4580-8CD6-DDB14511944F}" type="slidenum">
               <a:rPr lang="en-US" smtClean="0"/>
-              <a:pPr/>
-              <a:t>33</a:t>
+              <a:t>32</a:t>
             </a:fld>
             <a:endParaRPr lang="en-US" dirty="0"/>
           </a:p>
@@ -2737,7 +2814,7 @@
     </p:spTree>
     <p:extLst>
       <p:ext uri="{BB962C8B-B14F-4D97-AF65-F5344CB8AC3E}">
-        <p14:creationId xmlns:p14="http://schemas.microsoft.com/office/powerpoint/2010/main" val="511922872"/>
+        <p14:creationId xmlns:p14="http://schemas.microsoft.com/office/powerpoint/2010/main" val="103154412"/>
       </p:ext>
     </p:extLst>
   </p:cSld>
@@ -2885,7 +2962,7 @@
           <a:p>
             <a:fld id="{386CE63F-9E7F-4C04-9D0D-FCA25A8E9E86}" type="datetime8">
               <a:rPr lang="en-US" smtClean="0"/>
-              <a:t>11/23/2022 11:58 AM</a:t>
+              <a:t>11/23/2022 12:01 PM</a:t>
             </a:fld>
             <a:endParaRPr lang="en-US" dirty="0"/>
           </a:p>
@@ -3048,9 +3125,9 @@
           <a:bodyPr/>
           <a:lstStyle/>
           <a:p>
-            <a:fld id="{E2F19A73-88F5-4B80-A929-CF8E66EE5449}" type="datetime8">
+            <a:fld id="{91FF42D5-4657-4D58-A751-082C26315A19}" type="datetime8">
               <a:rPr lang="en-US" smtClean="0"/>
-              <a:t>11/23/2022 11:58 AM</a:t>
+              <a:t>11/23/2022 12:01 PM</a:t>
             </a:fld>
             <a:endParaRPr lang="en-US" dirty="0"/>
           </a:p>
@@ -3074,7 +3151,7 @@
             <a:fld id="{B4008EB6-D09E-4580-8CD6-DDB14511944F}" type="slidenum">
               <a:rPr lang="en-US" smtClean="0"/>
               <a:pPr/>
-              <a:t>34</a:t>
+              <a:t>33</a:t>
             </a:fld>
             <a:endParaRPr lang="en-US" dirty="0"/>
           </a:p>
@@ -3083,7 +3160,7 @@
     </p:spTree>
     <p:extLst>
       <p:ext uri="{BB962C8B-B14F-4D97-AF65-F5344CB8AC3E}">
-        <p14:creationId xmlns:p14="http://schemas.microsoft.com/office/powerpoint/2010/main" val="2548236910"/>
+        <p14:creationId xmlns:p14="http://schemas.microsoft.com/office/powerpoint/2010/main" val="3383938246"/>
       </p:ext>
     </p:extLst>
   </p:cSld>
@@ -3143,12 +3220,12 @@
       </p:sp>
       <p:sp>
         <p:nvSpPr>
-          <p:cNvPr id="6" name="Slide Number Placeholder 5"/>
+          <p:cNvPr id="4" name="Slide Number Placeholder 3"/>
           <p:cNvSpPr>
             <a:spLocks noGrp="1"/>
           </p:cNvSpPr>
           <p:nvPr>
-            <p:ph type="sldNum" sz="quarter" idx="12"/>
+            <p:ph type="sldNum" sz="quarter" idx="10"/>
           </p:nvPr>
         </p:nvSpPr>
         <p:spPr/>
@@ -3156,10 +3233,9 @@
           <a:bodyPr/>
           <a:lstStyle/>
           <a:p>
-            <a:fld id="{B4008EB6-D09E-4580-8CD6-DDB14511944F}" type="slidenum">
+            <a:fld id="{C5079D02-5D34-4786-9834-A1F44E52D535}" type="slidenum">
               <a:rPr lang="en-US" smtClean="0"/>
-              <a:pPr/>
-              <a:t>35</a:t>
+              <a:t>34</a:t>
             </a:fld>
             <a:endParaRPr lang="en-US" dirty="0"/>
           </a:p>
@@ -3167,12 +3243,18 @@
       </p:sp>
       <p:sp>
         <p:nvSpPr>
-          <p:cNvPr id="10" name="Date Placeholder 9"/>
+          <p:cNvPr id="5" name="Date Placeholder 4">
+            <a:extLst>
+              <a:ext uri="{FF2B5EF4-FFF2-40B4-BE49-F238E27FC236}">
+                <a16:creationId xmlns:a16="http://schemas.microsoft.com/office/drawing/2014/main" id="{58E3CE72-94EE-4689-AB80-A0CFFB93F1EA}"/>
+              </a:ext>
+            </a:extLst>
+          </p:cNvPr>
           <p:cNvSpPr>
             <a:spLocks noGrp="1"/>
           </p:cNvSpPr>
           <p:nvPr>
-            <p:ph type="dt" idx="13"/>
+            <p:ph type="dt" idx="11"/>
           </p:nvPr>
         </p:nvSpPr>
         <p:spPr/>
@@ -3180,9 +3262,9 @@
           <a:bodyPr/>
           <a:lstStyle/>
           <a:p>
-            <a:fld id="{D44C3489-8257-4E60-994D-6A5CEE67ED71}" type="datetime8">
+            <a:fld id="{480C6978-FA11-423D-8FDA-CB59A4787224}" type="datetime8">
               <a:rPr lang="en-US" smtClean="0"/>
-              <a:t>11/23/2022 11:58 AM</a:t>
+              <a:t>11/23/2022 12:01 PM</a:t>
             </a:fld>
             <a:endParaRPr lang="en-US" dirty="0"/>
           </a:p>
@@ -3190,12 +3272,18 @@
       </p:sp>
       <p:sp>
         <p:nvSpPr>
-          <p:cNvPr id="4" name="Footer Placeholder 3"/>
+          <p:cNvPr id="6" name="Footer Placeholder 5">
+            <a:extLst>
+              <a:ext uri="{FF2B5EF4-FFF2-40B4-BE49-F238E27FC236}">
+                <a16:creationId xmlns:a16="http://schemas.microsoft.com/office/drawing/2014/main" id="{1AF229CA-F1E4-48C0-AD59-34CCFB3BE2A2}"/>
+              </a:ext>
+            </a:extLst>
+          </p:cNvPr>
           <p:cNvSpPr>
             <a:spLocks noGrp="1"/>
           </p:cNvSpPr>
           <p:nvPr>
-            <p:ph type="ftr" sz="quarter" idx="14"/>
+            <p:ph type="ftr" sz="quarter" idx="12"/>
           </p:nvPr>
         </p:nvSpPr>
         <p:spPr/>
@@ -3228,12 +3316,18 @@
       </p:sp>
       <p:sp>
         <p:nvSpPr>
-          <p:cNvPr id="5" name="Header Placeholder 4"/>
+          <p:cNvPr id="7" name="Header Placeholder 6">
+            <a:extLst>
+              <a:ext uri="{FF2B5EF4-FFF2-40B4-BE49-F238E27FC236}">
+                <a16:creationId xmlns:a16="http://schemas.microsoft.com/office/drawing/2014/main" id="{1C7DFC74-16C9-4146-B136-C825DE01E4DA}"/>
+              </a:ext>
+            </a:extLst>
+          </p:cNvPr>
           <p:cNvSpPr>
             <a:spLocks noGrp="1"/>
           </p:cNvSpPr>
           <p:nvPr>
-            <p:ph type="hdr" sz="quarter" idx="15"/>
+            <p:ph type="hdr" sz="quarter" idx="13"/>
           </p:nvPr>
         </p:nvSpPr>
         <p:spPr/>
@@ -3248,7 +3342,7 @@
     </p:spTree>
     <p:extLst>
       <p:ext uri="{BB962C8B-B14F-4D97-AF65-F5344CB8AC3E}">
-        <p14:creationId xmlns:p14="http://schemas.microsoft.com/office/powerpoint/2010/main" val="3104623784"/>
+        <p14:creationId xmlns:p14="http://schemas.microsoft.com/office/powerpoint/2010/main" val="2741036457"/>
       </p:ext>
     </p:extLst>
   </p:cSld>
@@ -3285,12 +3379,7 @@
             <p:ph type="sldImg"/>
           </p:nvPr>
         </p:nvSpPr>
-        <p:spPr>
-          <a:xfrm>
-            <a:off x="381000" y="685800"/>
-            <a:ext cx="6096000" cy="3429000"/>
-          </a:xfrm>
-        </p:spPr>
+        <p:spPr/>
       </p:sp>
       <p:sp>
         <p:nvSpPr>
@@ -3300,58 +3389,6 @@
           </p:cNvSpPr>
           <p:nvPr>
             <p:ph type="body" idx="1"/>
-          </p:nvPr>
-        </p:nvSpPr>
-        <p:spPr/>
-        <p:txBody>
-          <a:bodyPr>
-            <a:normAutofit/>
-          </a:bodyPr>
-          <a:lstStyle/>
-          <a:p>
-            <a:endParaRPr lang="en-US" dirty="0"/>
-          </a:p>
-        </p:txBody>
-      </p:sp>
-      <p:sp>
-        <p:nvSpPr>
-          <p:cNvPr id="4" name="Header Placeholder 3"/>
-          <p:cNvSpPr>
-            <a:spLocks noGrp="1"/>
-          </p:cNvSpPr>
-          <p:nvPr>
-            <p:ph type="hdr" sz="quarter" idx="10"/>
-          </p:nvPr>
-        </p:nvSpPr>
-        <p:spPr>
-          <a:xfrm>
-            <a:off x="0" y="0"/>
-            <a:ext cx="2971800" cy="457200"/>
-          </a:xfrm>
-          <a:prstGeom prst="rect">
-            <a:avLst/>
-          </a:prstGeom>
-        </p:spPr>
-        <p:txBody>
-          <a:bodyPr/>
-          <a:lstStyle/>
-          <a:p>
-            <a:endParaRPr lang="en-US" dirty="0">
-              <a:solidFill>
-                <a:prstClr val="black"/>
-              </a:solidFill>
-            </a:endParaRPr>
-          </a:p>
-        </p:txBody>
-      </p:sp>
-      <p:sp>
-        <p:nvSpPr>
-          <p:cNvPr id="5" name="Date Placeholder 4"/>
-          <p:cNvSpPr>
-            <a:spLocks noGrp="1"/>
-          </p:cNvSpPr>
-          <p:nvPr>
-            <p:ph type="dt" idx="11"/>
           </p:nvPr>
         </p:nvSpPr>
         <p:spPr/>
@@ -3359,30 +3396,18 @@
           <a:bodyPr/>
           <a:lstStyle/>
           <a:p>
-            <a:fld id="{C0CB9372-CA2B-44D2-90ED-A4A158EB6F2D}" type="datetime8">
-              <a:rPr lang="en-US" smtClean="0">
-                <a:solidFill>
-                  <a:prstClr val="black"/>
-                </a:solidFill>
-              </a:rPr>
-              <a:t>11/23/2022 11:58 AM</a:t>
-            </a:fld>
-            <a:endParaRPr lang="en-US" dirty="0">
-              <a:solidFill>
-                <a:prstClr val="black"/>
-              </a:solidFill>
-            </a:endParaRPr>
+            <a:endParaRPr lang="en-US" dirty="0"/>
           </a:p>
         </p:txBody>
       </p:sp>
       <p:sp>
         <p:nvSpPr>
-          <p:cNvPr id="7" name="Slide Number Placeholder 6"/>
+          <p:cNvPr id="6" name="Date Placeholder 5"/>
           <p:cNvSpPr>
             <a:spLocks noGrp="1"/>
           </p:cNvSpPr>
           <p:nvPr>
-            <p:ph type="sldNum" sz="quarter" idx="13"/>
+            <p:ph type="dt" idx="12"/>
           </p:nvPr>
         </p:nvSpPr>
         <p:spPr/>
@@ -3390,26 +3415,47 @@
           <a:bodyPr/>
           <a:lstStyle/>
           <a:p>
-            <a:fld id="{EC87E0CF-87F6-4B58-B8B8-DCAB2DAAF3CA}" type="slidenum">
-              <a:rPr lang="en-US" smtClean="0">
-                <a:solidFill>
-                  <a:prstClr val="black"/>
-                </a:solidFill>
-              </a:rPr>
+            <a:fld id="{353CB5B1-3D40-4389-814A-A3E0AEC8E2FF}" type="datetime8">
+              <a:rPr lang="en-US" smtClean="0"/>
+              <a:t>11/23/2022 12:01 PM</a:t>
+            </a:fld>
+            <a:endParaRPr lang="en-US" dirty="0"/>
+          </a:p>
+        </p:txBody>
+      </p:sp>
+      <p:sp>
+        <p:nvSpPr>
+          <p:cNvPr id="7" name="Slide Number Placeholder 6"/>
+          <p:cNvSpPr>
+            <a:spLocks noGrp="1"/>
+          </p:cNvSpPr>
+          <p:nvPr>
+            <p:ph type="sldNum" sz="quarter" idx="13"/>
+          </p:nvPr>
+        </p:nvSpPr>
+        <p:spPr/>
+        <p:txBody>
+          <a:bodyPr/>
+          <a:lstStyle/>
+          <a:p>
+            <a:fld id="{B4008EB6-D09E-4580-8CD6-DDB14511944F}" type="slidenum">
+              <a:rPr lang="en-US" smtClean="0"/>
               <a:pPr/>
-              <a:t>36</a:t>
+              <a:t>35</a:t>
             </a:fld>
-            <a:endParaRPr lang="en-US" dirty="0">
-              <a:solidFill>
-                <a:prstClr val="black"/>
-              </a:solidFill>
-            </a:endParaRPr>
+            <a:endParaRPr lang="en-US" dirty="0"/>
           </a:p>
         </p:txBody>
       </p:sp>
       <p:sp>
         <p:nvSpPr>
-          <p:cNvPr id="6" name="Footer Placeholder 5"/>
+          <p:cNvPr id="8" name="Footer Placeholder 7">
+            <a:extLst>
+              <a:ext uri="{FF2B5EF4-FFF2-40B4-BE49-F238E27FC236}">
+                <a16:creationId xmlns:a16="http://schemas.microsoft.com/office/drawing/2014/main" id="{AB0A3098-74CE-4AF5-9C5C-C2A7A2AE65A8}"/>
+              </a:ext>
+            </a:extLst>
+          </p:cNvPr>
           <p:cNvSpPr>
             <a:spLocks noGrp="1"/>
           </p:cNvSpPr>
@@ -3445,10 +3491,35 @@
           </a:p>
         </p:txBody>
       </p:sp>
+      <p:sp>
+        <p:nvSpPr>
+          <p:cNvPr id="9" name="Header Placeholder 8">
+            <a:extLst>
+              <a:ext uri="{FF2B5EF4-FFF2-40B4-BE49-F238E27FC236}">
+                <a16:creationId xmlns:a16="http://schemas.microsoft.com/office/drawing/2014/main" id="{E0F78483-C1B0-470C-ACDF-3FFAE031C6ED}"/>
+              </a:ext>
+            </a:extLst>
+          </p:cNvPr>
+          <p:cNvSpPr>
+            <a:spLocks noGrp="1"/>
+          </p:cNvSpPr>
+          <p:nvPr>
+            <p:ph type="hdr" sz="quarter" idx="15"/>
+          </p:nvPr>
+        </p:nvSpPr>
+        <p:spPr/>
+        <p:txBody>
+          <a:bodyPr/>
+          <a:lstStyle/>
+          <a:p>
+            <a:endParaRPr lang="en-US" dirty="0"/>
+          </a:p>
+        </p:txBody>
+      </p:sp>
     </p:spTree>
     <p:extLst>
       <p:ext uri="{BB962C8B-B14F-4D97-AF65-F5344CB8AC3E}">
-        <p14:creationId xmlns:p14="http://schemas.microsoft.com/office/powerpoint/2010/main" val="247942525"/>
+        <p14:creationId xmlns:p14="http://schemas.microsoft.com/office/powerpoint/2010/main" val="379290385"/>
       </p:ext>
     </p:extLst>
   </p:cSld>
@@ -3485,6 +3556,678 @@
             <p:ph type="sldImg"/>
           </p:nvPr>
         </p:nvSpPr>
+        <p:spPr/>
+      </p:sp>
+      <p:sp>
+        <p:nvSpPr>
+          <p:cNvPr id="3" name="Notes Placeholder 2"/>
+          <p:cNvSpPr>
+            <a:spLocks noGrp="1"/>
+          </p:cNvSpPr>
+          <p:nvPr>
+            <p:ph type="body" idx="1"/>
+          </p:nvPr>
+        </p:nvSpPr>
+        <p:spPr/>
+        <p:txBody>
+          <a:bodyPr/>
+          <a:lstStyle/>
+          <a:p>
+            <a:endParaRPr lang="en-US" dirty="0"/>
+          </a:p>
+        </p:txBody>
+      </p:sp>
+      <p:sp>
+        <p:nvSpPr>
+          <p:cNvPr id="6" name="Date Placeholder 5"/>
+          <p:cNvSpPr>
+            <a:spLocks noGrp="1"/>
+          </p:cNvSpPr>
+          <p:nvPr>
+            <p:ph type="dt" idx="12"/>
+          </p:nvPr>
+        </p:nvSpPr>
+        <p:spPr/>
+        <p:txBody>
+          <a:bodyPr/>
+          <a:lstStyle/>
+          <a:p>
+            <a:fld id="{353CB5B1-3D40-4389-814A-A3E0AEC8E2FF}" type="datetime8">
+              <a:rPr lang="en-US" smtClean="0"/>
+              <a:t>11/23/2022 12:01 PM</a:t>
+            </a:fld>
+            <a:endParaRPr lang="en-US" dirty="0"/>
+          </a:p>
+        </p:txBody>
+      </p:sp>
+      <p:sp>
+        <p:nvSpPr>
+          <p:cNvPr id="7" name="Slide Number Placeholder 6"/>
+          <p:cNvSpPr>
+            <a:spLocks noGrp="1"/>
+          </p:cNvSpPr>
+          <p:nvPr>
+            <p:ph type="sldNum" sz="quarter" idx="13"/>
+          </p:nvPr>
+        </p:nvSpPr>
+        <p:spPr/>
+        <p:txBody>
+          <a:bodyPr/>
+          <a:lstStyle/>
+          <a:p>
+            <a:fld id="{B4008EB6-D09E-4580-8CD6-DDB14511944F}" type="slidenum">
+              <a:rPr lang="en-US" smtClean="0"/>
+              <a:pPr/>
+              <a:t>36</a:t>
+            </a:fld>
+            <a:endParaRPr lang="en-US" dirty="0"/>
+          </a:p>
+        </p:txBody>
+      </p:sp>
+      <p:sp>
+        <p:nvSpPr>
+          <p:cNvPr id="8" name="Footer Placeholder 7">
+            <a:extLst>
+              <a:ext uri="{FF2B5EF4-FFF2-40B4-BE49-F238E27FC236}">
+                <a16:creationId xmlns:a16="http://schemas.microsoft.com/office/drawing/2014/main" id="{AB0A3098-74CE-4AF5-9C5C-C2A7A2AE65A8}"/>
+              </a:ext>
+            </a:extLst>
+          </p:cNvPr>
+          <p:cNvSpPr>
+            <a:spLocks noGrp="1"/>
+          </p:cNvSpPr>
+          <p:nvPr>
+            <p:ph type="ftr" sz="quarter" idx="14"/>
+          </p:nvPr>
+        </p:nvSpPr>
+        <p:spPr/>
+        <p:txBody>
+          <a:bodyPr/>
+          <a:lstStyle/>
+          <a:p>
+            <a:pPr defTabSz="914099" eaLnBrk="0" hangingPunct="0"/>
+            <a:r>
+              <a:rPr lang="en-US" sz="400" dirty="0">
+                <a:gradFill>
+                  <a:gsLst>
+                    <a:gs pos="0">
+                      <a:prstClr val="black"/>
+                    </a:gs>
+                    <a:gs pos="100000">
+                      <a:prstClr val="black"/>
+                    </a:gs>
+                  </a:gsLst>
+                  <a:lin ang="5400000" scaled="0"/>
+                </a:gradFill>
+                <a:latin typeface="Segoe UI" pitchFamily="34" charset="0"/>
+                <a:ea typeface="Segoe UI" pitchFamily="34" charset="0"/>
+                <a:cs typeface="Segoe UI" pitchFamily="34" charset="0"/>
+              </a:rPr>
+              <a:t>© Microsoft Corporation. All rights reserved. MICROSOFT MAKES NO WARRANTIES, EXPRESS, IMPLIED OR STATUTORY, AS TO THE INFORMATION IN THIS PRESENTATION.</a:t>
+            </a:r>
+          </a:p>
+        </p:txBody>
+      </p:sp>
+      <p:sp>
+        <p:nvSpPr>
+          <p:cNvPr id="9" name="Header Placeholder 8">
+            <a:extLst>
+              <a:ext uri="{FF2B5EF4-FFF2-40B4-BE49-F238E27FC236}">
+                <a16:creationId xmlns:a16="http://schemas.microsoft.com/office/drawing/2014/main" id="{E0F78483-C1B0-470C-ACDF-3FFAE031C6ED}"/>
+              </a:ext>
+            </a:extLst>
+          </p:cNvPr>
+          <p:cNvSpPr>
+            <a:spLocks noGrp="1"/>
+          </p:cNvSpPr>
+          <p:nvPr>
+            <p:ph type="hdr" sz="quarter" idx="15"/>
+          </p:nvPr>
+        </p:nvSpPr>
+        <p:spPr/>
+        <p:txBody>
+          <a:bodyPr/>
+          <a:lstStyle/>
+          <a:p>
+            <a:endParaRPr lang="en-US" dirty="0"/>
+          </a:p>
+        </p:txBody>
+      </p:sp>
+    </p:spTree>
+    <p:extLst>
+      <p:ext uri="{BB962C8B-B14F-4D97-AF65-F5344CB8AC3E}">
+        <p14:creationId xmlns:p14="http://schemas.microsoft.com/office/powerpoint/2010/main" val="2255619978"/>
+      </p:ext>
+    </p:extLst>
+  </p:cSld>
+  <p:clrMapOvr>
+    <a:masterClrMapping/>
+  </p:clrMapOvr>
+</p:notes>
+</file>
+
+<file path=ppt/notesSlides/notesSlide24.xml><?xml version="1.0" encoding="utf-8"?>
+<p:notes xmlns:a="http://schemas.openxmlformats.org/drawingml/2006/main" xmlns:r="http://schemas.openxmlformats.org/officeDocument/2006/relationships" xmlns:p="http://schemas.openxmlformats.org/presentationml/2006/main">
+  <p:cSld>
+    <p:spTree>
+      <p:nvGrpSpPr>
+        <p:cNvPr id="1" name=""/>
+        <p:cNvGrpSpPr/>
+        <p:nvPr/>
+      </p:nvGrpSpPr>
+      <p:grpSpPr>
+        <a:xfrm>
+          <a:off x="0" y="0"/>
+          <a:ext cx="0" cy="0"/>
+          <a:chOff x="0" y="0"/>
+          <a:chExt cx="0" cy="0"/>
+        </a:xfrm>
+      </p:grpSpPr>
+      <p:sp>
+        <p:nvSpPr>
+          <p:cNvPr id="2" name="Slide Image Placeholder 1"/>
+          <p:cNvSpPr>
+            <a:spLocks noGrp="1" noRot="1" noChangeAspect="1"/>
+          </p:cNvSpPr>
+          <p:nvPr>
+            <p:ph type="sldImg"/>
+          </p:nvPr>
+        </p:nvSpPr>
+        <p:spPr/>
+      </p:sp>
+      <p:sp>
+        <p:nvSpPr>
+          <p:cNvPr id="3" name="Notes Placeholder 2"/>
+          <p:cNvSpPr>
+            <a:spLocks noGrp="1"/>
+          </p:cNvSpPr>
+          <p:nvPr>
+            <p:ph type="body" idx="1"/>
+          </p:nvPr>
+        </p:nvSpPr>
+        <p:spPr/>
+        <p:txBody>
+          <a:bodyPr/>
+          <a:lstStyle/>
+          <a:p>
+            <a:endParaRPr lang="en-US" dirty="0"/>
+          </a:p>
+        </p:txBody>
+      </p:sp>
+      <p:sp>
+        <p:nvSpPr>
+          <p:cNvPr id="4" name="Header Placeholder 3"/>
+          <p:cNvSpPr>
+            <a:spLocks noGrp="1"/>
+          </p:cNvSpPr>
+          <p:nvPr>
+            <p:ph type="hdr" sz="quarter" idx="10"/>
+          </p:nvPr>
+        </p:nvSpPr>
+        <p:spPr/>
+        <p:txBody>
+          <a:bodyPr/>
+          <a:lstStyle/>
+          <a:p>
+            <a:endParaRPr lang="en-US" dirty="0"/>
+          </a:p>
+        </p:txBody>
+      </p:sp>
+      <p:sp>
+        <p:nvSpPr>
+          <p:cNvPr id="5" name="Footer Placeholder 4"/>
+          <p:cNvSpPr>
+            <a:spLocks noGrp="1"/>
+          </p:cNvSpPr>
+          <p:nvPr>
+            <p:ph type="ftr" sz="quarter" idx="11"/>
+          </p:nvPr>
+        </p:nvSpPr>
+        <p:spPr/>
+        <p:txBody>
+          <a:bodyPr/>
+          <a:lstStyle/>
+          <a:p>
+            <a:pPr defTabSz="914099" eaLnBrk="0" hangingPunct="0"/>
+            <a:r>
+              <a:rPr lang="en-US" sz="400" dirty="0">
+                <a:gradFill>
+                  <a:gsLst>
+                    <a:gs pos="0">
+                      <a:prstClr val="black"/>
+                    </a:gs>
+                    <a:gs pos="100000">
+                      <a:prstClr val="black"/>
+                    </a:gs>
+                  </a:gsLst>
+                  <a:lin ang="5400000" scaled="0"/>
+                </a:gradFill>
+                <a:latin typeface="Segoe UI" pitchFamily="34" charset="0"/>
+                <a:ea typeface="Segoe UI" pitchFamily="34" charset="0"/>
+                <a:cs typeface="Segoe UI" pitchFamily="34" charset="0"/>
+              </a:rPr>
+              <a:t>© Microsoft Corporation. All rights reserved. MICROSOFT MAKES NO WARRANTIES, EXPRESS, IMPLIED OR STATUTORY, AS TO THE INFORMATION IN THIS PRESENTATION.</a:t>
+            </a:r>
+          </a:p>
+        </p:txBody>
+      </p:sp>
+      <p:sp>
+        <p:nvSpPr>
+          <p:cNvPr id="6" name="Date Placeholder 5"/>
+          <p:cNvSpPr>
+            <a:spLocks noGrp="1"/>
+          </p:cNvSpPr>
+          <p:nvPr>
+            <p:ph type="dt" idx="12"/>
+          </p:nvPr>
+        </p:nvSpPr>
+        <p:spPr/>
+        <p:txBody>
+          <a:bodyPr/>
+          <a:lstStyle/>
+          <a:p>
+            <a:fld id="{B16574EE-8191-4BCC-ABE6-D00A4F4D7690}" type="datetime8">
+              <a:rPr lang="en-US" smtClean="0"/>
+              <a:t>11/23/2022 12:01 PM</a:t>
+            </a:fld>
+            <a:endParaRPr lang="en-US" dirty="0"/>
+          </a:p>
+        </p:txBody>
+      </p:sp>
+      <p:sp>
+        <p:nvSpPr>
+          <p:cNvPr id="7" name="Slide Number Placeholder 6"/>
+          <p:cNvSpPr>
+            <a:spLocks noGrp="1"/>
+          </p:cNvSpPr>
+          <p:nvPr>
+            <p:ph type="sldNum" sz="quarter" idx="13"/>
+          </p:nvPr>
+        </p:nvSpPr>
+        <p:spPr/>
+        <p:txBody>
+          <a:bodyPr/>
+          <a:lstStyle/>
+          <a:p>
+            <a:fld id="{B4008EB6-D09E-4580-8CD6-DDB14511944F}" type="slidenum">
+              <a:rPr lang="en-US" smtClean="0"/>
+              <a:pPr/>
+              <a:t>37</a:t>
+            </a:fld>
+            <a:endParaRPr lang="en-US" dirty="0"/>
+          </a:p>
+        </p:txBody>
+      </p:sp>
+    </p:spTree>
+    <p:extLst>
+      <p:ext uri="{BB962C8B-B14F-4D97-AF65-F5344CB8AC3E}">
+        <p14:creationId xmlns:p14="http://schemas.microsoft.com/office/powerpoint/2010/main" val="511922872"/>
+      </p:ext>
+    </p:extLst>
+  </p:cSld>
+  <p:clrMapOvr>
+    <a:masterClrMapping/>
+  </p:clrMapOvr>
+</p:notes>
+</file>
+
+<file path=ppt/notesSlides/notesSlide25.xml><?xml version="1.0" encoding="utf-8"?>
+<p:notes xmlns:a="http://schemas.openxmlformats.org/drawingml/2006/main" xmlns:r="http://schemas.openxmlformats.org/officeDocument/2006/relationships" xmlns:p="http://schemas.openxmlformats.org/presentationml/2006/main">
+  <p:cSld>
+    <p:spTree>
+      <p:nvGrpSpPr>
+        <p:cNvPr id="1" name=""/>
+        <p:cNvGrpSpPr/>
+        <p:nvPr/>
+      </p:nvGrpSpPr>
+      <p:grpSpPr>
+        <a:xfrm>
+          <a:off x="0" y="0"/>
+          <a:ext cx="0" cy="0"/>
+          <a:chOff x="0" y="0"/>
+          <a:chExt cx="0" cy="0"/>
+        </a:xfrm>
+      </p:grpSpPr>
+      <p:sp>
+        <p:nvSpPr>
+          <p:cNvPr id="2" name="Slide Image Placeholder 1"/>
+          <p:cNvSpPr>
+            <a:spLocks noGrp="1" noRot="1" noChangeAspect="1"/>
+          </p:cNvSpPr>
+          <p:nvPr>
+            <p:ph type="sldImg"/>
+          </p:nvPr>
+        </p:nvSpPr>
+        <p:spPr/>
+      </p:sp>
+      <p:sp>
+        <p:nvSpPr>
+          <p:cNvPr id="3" name="Notes Placeholder 2"/>
+          <p:cNvSpPr>
+            <a:spLocks noGrp="1"/>
+          </p:cNvSpPr>
+          <p:nvPr>
+            <p:ph type="body" idx="1"/>
+          </p:nvPr>
+        </p:nvSpPr>
+        <p:spPr/>
+        <p:txBody>
+          <a:bodyPr/>
+          <a:lstStyle/>
+          <a:p>
+            <a:endParaRPr lang="en-US" dirty="0"/>
+          </a:p>
+        </p:txBody>
+      </p:sp>
+      <p:sp>
+        <p:nvSpPr>
+          <p:cNvPr id="4" name="Header Placeholder 3"/>
+          <p:cNvSpPr>
+            <a:spLocks noGrp="1"/>
+          </p:cNvSpPr>
+          <p:nvPr>
+            <p:ph type="hdr" sz="quarter" idx="10"/>
+          </p:nvPr>
+        </p:nvSpPr>
+        <p:spPr/>
+        <p:txBody>
+          <a:bodyPr/>
+          <a:lstStyle/>
+          <a:p>
+            <a:endParaRPr lang="en-US" dirty="0"/>
+          </a:p>
+        </p:txBody>
+      </p:sp>
+      <p:sp>
+        <p:nvSpPr>
+          <p:cNvPr id="5" name="Footer Placeholder 4"/>
+          <p:cNvSpPr>
+            <a:spLocks noGrp="1"/>
+          </p:cNvSpPr>
+          <p:nvPr>
+            <p:ph type="ftr" sz="quarter" idx="11"/>
+          </p:nvPr>
+        </p:nvSpPr>
+        <p:spPr/>
+        <p:txBody>
+          <a:bodyPr/>
+          <a:lstStyle/>
+          <a:p>
+            <a:pPr defTabSz="914099" eaLnBrk="0" hangingPunct="0"/>
+            <a:r>
+              <a:rPr lang="en-US" sz="400" dirty="0">
+                <a:gradFill>
+                  <a:gsLst>
+                    <a:gs pos="0">
+                      <a:prstClr val="black"/>
+                    </a:gs>
+                    <a:gs pos="100000">
+                      <a:prstClr val="black"/>
+                    </a:gs>
+                  </a:gsLst>
+                  <a:lin ang="5400000" scaled="0"/>
+                </a:gradFill>
+                <a:latin typeface="Segoe UI" pitchFamily="34" charset="0"/>
+                <a:ea typeface="Segoe UI" pitchFamily="34" charset="0"/>
+                <a:cs typeface="Segoe UI" pitchFamily="34" charset="0"/>
+              </a:rPr>
+              <a:t>© Microsoft Corporation. All rights reserved. MICROSOFT MAKES NO WARRANTIES, EXPRESS, IMPLIED OR STATUTORY, AS TO THE INFORMATION IN THIS PRESENTATION.</a:t>
+            </a:r>
+          </a:p>
+        </p:txBody>
+      </p:sp>
+      <p:sp>
+        <p:nvSpPr>
+          <p:cNvPr id="6" name="Date Placeholder 5"/>
+          <p:cNvSpPr>
+            <a:spLocks noGrp="1"/>
+          </p:cNvSpPr>
+          <p:nvPr>
+            <p:ph type="dt" idx="12"/>
+          </p:nvPr>
+        </p:nvSpPr>
+        <p:spPr/>
+        <p:txBody>
+          <a:bodyPr/>
+          <a:lstStyle/>
+          <a:p>
+            <a:fld id="{E2F19A73-88F5-4B80-A929-CF8E66EE5449}" type="datetime8">
+              <a:rPr lang="en-US" smtClean="0"/>
+              <a:t>11/23/2022 12:01 PM</a:t>
+            </a:fld>
+            <a:endParaRPr lang="en-US" dirty="0"/>
+          </a:p>
+        </p:txBody>
+      </p:sp>
+      <p:sp>
+        <p:nvSpPr>
+          <p:cNvPr id="7" name="Slide Number Placeholder 6"/>
+          <p:cNvSpPr>
+            <a:spLocks noGrp="1"/>
+          </p:cNvSpPr>
+          <p:nvPr>
+            <p:ph type="sldNum" sz="quarter" idx="13"/>
+          </p:nvPr>
+        </p:nvSpPr>
+        <p:spPr/>
+        <p:txBody>
+          <a:bodyPr/>
+          <a:lstStyle/>
+          <a:p>
+            <a:fld id="{B4008EB6-D09E-4580-8CD6-DDB14511944F}" type="slidenum">
+              <a:rPr lang="en-US" smtClean="0"/>
+              <a:pPr/>
+              <a:t>38</a:t>
+            </a:fld>
+            <a:endParaRPr lang="en-US" dirty="0"/>
+          </a:p>
+        </p:txBody>
+      </p:sp>
+    </p:spTree>
+    <p:extLst>
+      <p:ext uri="{BB962C8B-B14F-4D97-AF65-F5344CB8AC3E}">
+        <p14:creationId xmlns:p14="http://schemas.microsoft.com/office/powerpoint/2010/main" val="2548236910"/>
+      </p:ext>
+    </p:extLst>
+  </p:cSld>
+  <p:clrMapOvr>
+    <a:masterClrMapping/>
+  </p:clrMapOvr>
+</p:notes>
+</file>
+
+<file path=ppt/notesSlides/notesSlide26.xml><?xml version="1.0" encoding="utf-8"?>
+<p:notes xmlns:a="http://schemas.openxmlformats.org/drawingml/2006/main" xmlns:r="http://schemas.openxmlformats.org/officeDocument/2006/relationships" xmlns:p="http://schemas.openxmlformats.org/presentationml/2006/main">
+  <p:cSld>
+    <p:spTree>
+      <p:nvGrpSpPr>
+        <p:cNvPr id="1" name=""/>
+        <p:cNvGrpSpPr/>
+        <p:nvPr/>
+      </p:nvGrpSpPr>
+      <p:grpSpPr>
+        <a:xfrm>
+          <a:off x="0" y="0"/>
+          <a:ext cx="0" cy="0"/>
+          <a:chOff x="0" y="0"/>
+          <a:chExt cx="0" cy="0"/>
+        </a:xfrm>
+      </p:grpSpPr>
+      <p:sp>
+        <p:nvSpPr>
+          <p:cNvPr id="2" name="Slide Image Placeholder 1"/>
+          <p:cNvSpPr>
+            <a:spLocks noGrp="1" noRot="1" noChangeAspect="1"/>
+          </p:cNvSpPr>
+          <p:nvPr>
+            <p:ph type="sldImg"/>
+          </p:nvPr>
+        </p:nvSpPr>
+        <p:spPr/>
+      </p:sp>
+      <p:sp>
+        <p:nvSpPr>
+          <p:cNvPr id="3" name="Notes Placeholder 2"/>
+          <p:cNvSpPr>
+            <a:spLocks noGrp="1"/>
+          </p:cNvSpPr>
+          <p:nvPr>
+            <p:ph type="body" idx="1"/>
+          </p:nvPr>
+        </p:nvSpPr>
+        <p:spPr/>
+        <p:txBody>
+          <a:bodyPr/>
+          <a:lstStyle/>
+          <a:p>
+            <a:endParaRPr lang="en-US" dirty="0"/>
+          </a:p>
+        </p:txBody>
+      </p:sp>
+      <p:sp>
+        <p:nvSpPr>
+          <p:cNvPr id="6" name="Slide Number Placeholder 5"/>
+          <p:cNvSpPr>
+            <a:spLocks noGrp="1"/>
+          </p:cNvSpPr>
+          <p:nvPr>
+            <p:ph type="sldNum" sz="quarter" idx="12"/>
+          </p:nvPr>
+        </p:nvSpPr>
+        <p:spPr/>
+        <p:txBody>
+          <a:bodyPr/>
+          <a:lstStyle/>
+          <a:p>
+            <a:fld id="{B4008EB6-D09E-4580-8CD6-DDB14511944F}" type="slidenum">
+              <a:rPr lang="en-US" smtClean="0"/>
+              <a:pPr/>
+              <a:t>39</a:t>
+            </a:fld>
+            <a:endParaRPr lang="en-US" dirty="0"/>
+          </a:p>
+        </p:txBody>
+      </p:sp>
+      <p:sp>
+        <p:nvSpPr>
+          <p:cNvPr id="10" name="Date Placeholder 9"/>
+          <p:cNvSpPr>
+            <a:spLocks noGrp="1"/>
+          </p:cNvSpPr>
+          <p:nvPr>
+            <p:ph type="dt" idx="13"/>
+          </p:nvPr>
+        </p:nvSpPr>
+        <p:spPr/>
+        <p:txBody>
+          <a:bodyPr/>
+          <a:lstStyle/>
+          <a:p>
+            <a:fld id="{D44C3489-8257-4E60-994D-6A5CEE67ED71}" type="datetime8">
+              <a:rPr lang="en-US" smtClean="0"/>
+              <a:t>11/23/2022 12:01 PM</a:t>
+            </a:fld>
+            <a:endParaRPr lang="en-US" dirty="0"/>
+          </a:p>
+        </p:txBody>
+      </p:sp>
+      <p:sp>
+        <p:nvSpPr>
+          <p:cNvPr id="4" name="Footer Placeholder 3"/>
+          <p:cNvSpPr>
+            <a:spLocks noGrp="1"/>
+          </p:cNvSpPr>
+          <p:nvPr>
+            <p:ph type="ftr" sz="quarter" idx="14"/>
+          </p:nvPr>
+        </p:nvSpPr>
+        <p:spPr/>
+        <p:txBody>
+          <a:bodyPr/>
+          <a:lstStyle/>
+          <a:p>
+            <a:pPr defTabSz="914099" eaLnBrk="0" hangingPunct="0"/>
+            <a:r>
+              <a:rPr lang="en-US" sz="400" dirty="0">
+                <a:gradFill>
+                  <a:gsLst>
+                    <a:gs pos="0">
+                      <a:prstClr val="black"/>
+                    </a:gs>
+                    <a:gs pos="100000">
+                      <a:prstClr val="black"/>
+                    </a:gs>
+                  </a:gsLst>
+                  <a:lin ang="5400000" scaled="0"/>
+                </a:gradFill>
+                <a:latin typeface="Segoe UI" pitchFamily="34" charset="0"/>
+                <a:ea typeface="Segoe UI" pitchFamily="34" charset="0"/>
+                <a:cs typeface="Segoe UI" pitchFamily="34" charset="0"/>
+              </a:rPr>
+              <a:t>© Microsoft Corporation. All rights reserved. MICROSOFT MAKES NO WARRANTIES, EXPRESS, IMPLIED OR STATUTORY, AS TO THE INFORMATION IN THIS PRESENTATION.</a:t>
+            </a:r>
+          </a:p>
+        </p:txBody>
+      </p:sp>
+      <p:sp>
+        <p:nvSpPr>
+          <p:cNvPr id="5" name="Header Placeholder 4"/>
+          <p:cNvSpPr>
+            <a:spLocks noGrp="1"/>
+          </p:cNvSpPr>
+          <p:nvPr>
+            <p:ph type="hdr" sz="quarter" idx="15"/>
+          </p:nvPr>
+        </p:nvSpPr>
+        <p:spPr/>
+        <p:txBody>
+          <a:bodyPr/>
+          <a:lstStyle/>
+          <a:p>
+            <a:endParaRPr lang="en-US" dirty="0"/>
+          </a:p>
+        </p:txBody>
+      </p:sp>
+    </p:spTree>
+    <p:extLst>
+      <p:ext uri="{BB962C8B-B14F-4D97-AF65-F5344CB8AC3E}">
+        <p14:creationId xmlns:p14="http://schemas.microsoft.com/office/powerpoint/2010/main" val="3104623784"/>
+      </p:ext>
+    </p:extLst>
+  </p:cSld>
+  <p:clrMapOvr>
+    <a:masterClrMapping/>
+  </p:clrMapOvr>
+</p:notes>
+</file>
+
+<file path=ppt/notesSlides/notesSlide27.xml><?xml version="1.0" encoding="utf-8"?>
+<p:notes xmlns:a="http://schemas.openxmlformats.org/drawingml/2006/main" xmlns:r="http://schemas.openxmlformats.org/officeDocument/2006/relationships" xmlns:p="http://schemas.openxmlformats.org/presentationml/2006/main">
+  <p:cSld>
+    <p:spTree>
+      <p:nvGrpSpPr>
+        <p:cNvPr id="1" name=""/>
+        <p:cNvGrpSpPr/>
+        <p:nvPr/>
+      </p:nvGrpSpPr>
+      <p:grpSpPr>
+        <a:xfrm>
+          <a:off x="0" y="0"/>
+          <a:ext cx="0" cy="0"/>
+          <a:chOff x="0" y="0"/>
+          <a:chExt cx="0" cy="0"/>
+        </a:xfrm>
+      </p:grpSpPr>
+      <p:sp>
+        <p:nvSpPr>
+          <p:cNvPr id="2" name="Slide Image Placeholder 1"/>
+          <p:cNvSpPr>
+            <a:spLocks noGrp="1" noRot="1" noChangeAspect="1"/>
+          </p:cNvSpPr>
+          <p:nvPr>
+            <p:ph type="sldImg"/>
+          </p:nvPr>
+        </p:nvSpPr>
         <p:spPr>
           <a:xfrm>
             <a:off x="381000" y="685800"/>
@@ -3559,13 +4302,13 @@
           <a:bodyPr/>
           <a:lstStyle/>
           <a:p>
-            <a:fld id="{0ECFDC7D-F4BE-4668-920D-08874925A5D7}" type="datetime8">
+            <a:fld id="{C0CB9372-CA2B-44D2-90ED-A4A158EB6F2D}" type="datetime8">
               <a:rPr lang="en-US" smtClean="0">
                 <a:solidFill>
                   <a:prstClr val="black"/>
                 </a:solidFill>
               </a:rPr>
-              <a:t>11/23/2022 11:58 AM</a:t>
+              <a:t>11/23/2022 12:01 PM</a:t>
             </a:fld>
             <a:endParaRPr lang="en-US" dirty="0">
               <a:solidFill>
@@ -3597,7 +4340,207 @@
                 </a:solidFill>
               </a:rPr>
               <a:pPr/>
-              <a:t>37</a:t>
+              <a:t>40</a:t>
+            </a:fld>
+            <a:endParaRPr lang="en-US" dirty="0">
+              <a:solidFill>
+                <a:prstClr val="black"/>
+              </a:solidFill>
+            </a:endParaRPr>
+          </a:p>
+        </p:txBody>
+      </p:sp>
+      <p:sp>
+        <p:nvSpPr>
+          <p:cNvPr id="6" name="Footer Placeholder 5"/>
+          <p:cNvSpPr>
+            <a:spLocks noGrp="1"/>
+          </p:cNvSpPr>
+          <p:nvPr>
+            <p:ph type="ftr" sz="quarter" idx="14"/>
+          </p:nvPr>
+        </p:nvSpPr>
+        <p:spPr/>
+        <p:txBody>
+          <a:bodyPr/>
+          <a:lstStyle/>
+          <a:p>
+            <a:pPr defTabSz="914099" eaLnBrk="0" hangingPunct="0"/>
+            <a:r>
+              <a:rPr lang="en-US" sz="400" dirty="0">
+                <a:gradFill>
+                  <a:gsLst>
+                    <a:gs pos="0">
+                      <a:prstClr val="black"/>
+                    </a:gs>
+                    <a:gs pos="100000">
+                      <a:prstClr val="black"/>
+                    </a:gs>
+                  </a:gsLst>
+                  <a:lin ang="5400000" scaled="0"/>
+                </a:gradFill>
+                <a:latin typeface="Segoe UI" pitchFamily="34" charset="0"/>
+                <a:ea typeface="Segoe UI" pitchFamily="34" charset="0"/>
+                <a:cs typeface="Segoe UI" pitchFamily="34" charset="0"/>
+              </a:rPr>
+              <a:t>© Microsoft Corporation. All rights reserved. MICROSOFT MAKES NO WARRANTIES, EXPRESS, IMPLIED OR STATUTORY, AS TO THE INFORMATION IN THIS PRESENTATION.</a:t>
+            </a:r>
+          </a:p>
+        </p:txBody>
+      </p:sp>
+    </p:spTree>
+    <p:extLst>
+      <p:ext uri="{BB962C8B-B14F-4D97-AF65-F5344CB8AC3E}">
+        <p14:creationId xmlns:p14="http://schemas.microsoft.com/office/powerpoint/2010/main" val="247942525"/>
+      </p:ext>
+    </p:extLst>
+  </p:cSld>
+  <p:clrMapOvr>
+    <a:masterClrMapping/>
+  </p:clrMapOvr>
+</p:notes>
+</file>
+
+<file path=ppt/notesSlides/notesSlide28.xml><?xml version="1.0" encoding="utf-8"?>
+<p:notes xmlns:a="http://schemas.openxmlformats.org/drawingml/2006/main" xmlns:r="http://schemas.openxmlformats.org/officeDocument/2006/relationships" xmlns:p="http://schemas.openxmlformats.org/presentationml/2006/main">
+  <p:cSld>
+    <p:spTree>
+      <p:nvGrpSpPr>
+        <p:cNvPr id="1" name=""/>
+        <p:cNvGrpSpPr/>
+        <p:nvPr/>
+      </p:nvGrpSpPr>
+      <p:grpSpPr>
+        <a:xfrm>
+          <a:off x="0" y="0"/>
+          <a:ext cx="0" cy="0"/>
+          <a:chOff x="0" y="0"/>
+          <a:chExt cx="0" cy="0"/>
+        </a:xfrm>
+      </p:grpSpPr>
+      <p:sp>
+        <p:nvSpPr>
+          <p:cNvPr id="2" name="Slide Image Placeholder 1"/>
+          <p:cNvSpPr>
+            <a:spLocks noGrp="1" noRot="1" noChangeAspect="1"/>
+          </p:cNvSpPr>
+          <p:nvPr>
+            <p:ph type="sldImg"/>
+          </p:nvPr>
+        </p:nvSpPr>
+        <p:spPr>
+          <a:xfrm>
+            <a:off x="381000" y="685800"/>
+            <a:ext cx="6096000" cy="3429000"/>
+          </a:xfrm>
+        </p:spPr>
+      </p:sp>
+      <p:sp>
+        <p:nvSpPr>
+          <p:cNvPr id="3" name="Notes Placeholder 2"/>
+          <p:cNvSpPr>
+            <a:spLocks noGrp="1"/>
+          </p:cNvSpPr>
+          <p:nvPr>
+            <p:ph type="body" idx="1"/>
+          </p:nvPr>
+        </p:nvSpPr>
+        <p:spPr/>
+        <p:txBody>
+          <a:bodyPr>
+            <a:normAutofit/>
+          </a:bodyPr>
+          <a:lstStyle/>
+          <a:p>
+            <a:endParaRPr lang="en-US" dirty="0"/>
+          </a:p>
+        </p:txBody>
+      </p:sp>
+      <p:sp>
+        <p:nvSpPr>
+          <p:cNvPr id="4" name="Header Placeholder 3"/>
+          <p:cNvSpPr>
+            <a:spLocks noGrp="1"/>
+          </p:cNvSpPr>
+          <p:nvPr>
+            <p:ph type="hdr" sz="quarter" idx="10"/>
+          </p:nvPr>
+        </p:nvSpPr>
+        <p:spPr>
+          <a:xfrm>
+            <a:off x="0" y="0"/>
+            <a:ext cx="2971800" cy="457200"/>
+          </a:xfrm>
+          <a:prstGeom prst="rect">
+            <a:avLst/>
+          </a:prstGeom>
+        </p:spPr>
+        <p:txBody>
+          <a:bodyPr/>
+          <a:lstStyle/>
+          <a:p>
+            <a:endParaRPr lang="en-US" dirty="0">
+              <a:solidFill>
+                <a:prstClr val="black"/>
+              </a:solidFill>
+            </a:endParaRPr>
+          </a:p>
+        </p:txBody>
+      </p:sp>
+      <p:sp>
+        <p:nvSpPr>
+          <p:cNvPr id="5" name="Date Placeholder 4"/>
+          <p:cNvSpPr>
+            <a:spLocks noGrp="1"/>
+          </p:cNvSpPr>
+          <p:nvPr>
+            <p:ph type="dt" idx="11"/>
+          </p:nvPr>
+        </p:nvSpPr>
+        <p:spPr/>
+        <p:txBody>
+          <a:bodyPr/>
+          <a:lstStyle/>
+          <a:p>
+            <a:fld id="{0ECFDC7D-F4BE-4668-920D-08874925A5D7}" type="datetime8">
+              <a:rPr lang="en-US" smtClean="0">
+                <a:solidFill>
+                  <a:prstClr val="black"/>
+                </a:solidFill>
+              </a:rPr>
+              <a:t>11/23/2022 12:01 PM</a:t>
+            </a:fld>
+            <a:endParaRPr lang="en-US" dirty="0">
+              <a:solidFill>
+                <a:prstClr val="black"/>
+              </a:solidFill>
+            </a:endParaRPr>
+          </a:p>
+        </p:txBody>
+      </p:sp>
+      <p:sp>
+        <p:nvSpPr>
+          <p:cNvPr id="7" name="Slide Number Placeholder 6"/>
+          <p:cNvSpPr>
+            <a:spLocks noGrp="1"/>
+          </p:cNvSpPr>
+          <p:nvPr>
+            <p:ph type="sldNum" sz="quarter" idx="13"/>
+          </p:nvPr>
+        </p:nvSpPr>
+        <p:spPr/>
+        <p:txBody>
+          <a:bodyPr/>
+          <a:lstStyle/>
+          <a:p>
+            <a:fld id="{EC87E0CF-87F6-4B58-B8B8-DCAB2DAAF3CA}" type="slidenum">
+              <a:rPr lang="en-US" smtClean="0">
+                <a:solidFill>
+                  <a:prstClr val="black"/>
+                </a:solidFill>
+              </a:rPr>
+              <a:pPr/>
+              <a:t>41</a:t>
             </a:fld>
             <a:endParaRPr lang="en-US" dirty="0">
               <a:solidFill>
@@ -3814,7 +4757,7 @@
           <a:p>
             <a:fld id="{386CE63F-9E7F-4C04-9D0D-FCA25A8E9E86}" type="datetime8">
               <a:rPr lang="en-US" smtClean="0"/>
-              <a:t>11/23/2022 11:58 AM</a:t>
+              <a:t>11/23/2022 12:01 PM</a:t>
             </a:fld>
             <a:endParaRPr lang="en-US" dirty="0"/>
           </a:p>
@@ -3903,6 +4846,21 @@
           <a:p>
             <a:endParaRPr lang="en-IE" dirty="0"/>
           </a:p>
+          <a:p>
+            <a:r>
+              <a:rPr lang="en-IE" b="1" dirty="0"/>
+              <a:t>Create visuals and reports with the Azure Cost Management connector in Power BI Desktop</a:t>
+            </a:r>
+          </a:p>
+          <a:p>
+            <a:r>
+              <a:rPr lang="en-IE" dirty="0"/>
+              <a:t>https://learn.microsoft.com/en-us/power-bi/connect-data/desktop-connect-azure-cost-management</a:t>
+            </a:r>
+          </a:p>
+          <a:p>
+            <a:endParaRPr lang="en-IE" dirty="0"/>
+          </a:p>
         </p:txBody>
       </p:sp>
       <p:sp>
@@ -3995,7 +4953,7 @@
           <a:p>
             <a:fld id="{386CE63F-9E7F-4C04-9D0D-FCA25A8E9E86}" type="datetime8">
               <a:rPr lang="en-US" smtClean="0"/>
-              <a:t>11/23/2022 11:58 AM</a:t>
+              <a:t>11/23/2022 12:07 PM</a:t>
             </a:fld>
             <a:endParaRPr lang="en-US" dirty="0"/>
           </a:p>
@@ -4019,7 +4977,7 @@
             <a:fld id="{B4008EB6-D09E-4580-8CD6-DDB14511944F}" type="slidenum">
               <a:rPr lang="en-US" smtClean="0"/>
               <a:pPr/>
-              <a:t>12</a:t>
+              <a:t>5</a:t>
             </a:fld>
             <a:endParaRPr lang="en-US" dirty="0"/>
           </a:p>
@@ -4028,7 +4986,7 @@
     </p:spTree>
     <p:extLst>
       <p:ext uri="{BB962C8B-B14F-4D97-AF65-F5344CB8AC3E}">
-        <p14:creationId xmlns:p14="http://schemas.microsoft.com/office/powerpoint/2010/main" val="989421088"/>
+        <p14:creationId xmlns:p14="http://schemas.microsoft.com/office/powerpoint/2010/main" val="3161772492"/>
       </p:ext>
     </p:extLst>
   </p:cSld>
@@ -4082,101 +5040,7 @@
           <a:bodyPr/>
           <a:lstStyle/>
           <a:p>
-            <a:pPr algn="l" rtl="0"/>
-            <a:br>
-              <a:rPr lang="en-US" b="0" i="0" dirty="0">
-                <a:solidFill>
-                  <a:srgbClr val="EEEEEE"/>
-                </a:solidFill>
-                <a:effectLst/>
-                <a:latin typeface="YouTube Noto"/>
-              </a:rPr>
-            </a:br>
-            <a:endParaRPr lang="en-US" b="0" i="0" dirty="0">
-              <a:solidFill>
-                <a:srgbClr val="EEEEEE"/>
-              </a:solidFill>
-              <a:effectLst/>
-              <a:latin typeface="YouTube Noto"/>
-            </a:endParaRPr>
-          </a:p>
-          <a:p>
-            <a:pPr marL="0" marR="0" lvl="0" indent="0" algn="l" defTabSz="914367" rtl="0" eaLnBrk="1" fontAlgn="auto" latinLnBrk="0" hangingPunct="1">
-              <a:lnSpc>
-                <a:spcPct val="90000"/>
-              </a:lnSpc>
-              <a:spcBef>
-                <a:spcPts val="0"/>
-              </a:spcBef>
-              <a:spcAft>
-                <a:spcPts val="333"/>
-              </a:spcAft>
-              <a:buClrTx/>
-              <a:buSzTx/>
-              <a:buFontTx/>
-              <a:buNone/>
-              <a:tabLst/>
-              <a:defRPr/>
-            </a:pPr>
-            <a:r>
-              <a:rPr lang="en-US" b="0" i="0" dirty="0">
-                <a:effectLst/>
-                <a:latin typeface="Roboto" panose="02000000000000000000" pitchFamily="2" charset="0"/>
-              </a:rPr>
-              <a:t>The best way to connect to a SharePoint Folder to speed up your Excel and Power BI data refresh</a:t>
-            </a:r>
-          </a:p>
-          <a:p>
-            <a:pPr algn="l" rtl="0"/>
-            <a:r>
-              <a:rPr lang="en-US" b="0" i="0" dirty="0">
-                <a:solidFill>
-                  <a:srgbClr val="EEEEEE"/>
-                </a:solidFill>
-                <a:effectLst/>
-                <a:latin typeface="YouTube Noto"/>
-              </a:rPr>
-              <a:t>https://www.youtube.com/watch?v=-XE7HEZbQiY</a:t>
-            </a:r>
-          </a:p>
-          <a:p>
-            <a:pPr algn="l" rtl="0"/>
-            <a:endParaRPr lang="en-US" b="0" i="0" dirty="0">
-              <a:solidFill>
-                <a:srgbClr val="EEEEEE"/>
-              </a:solidFill>
-              <a:effectLst/>
-              <a:latin typeface="YouTube Noto"/>
-            </a:endParaRPr>
-          </a:p>
-          <a:p>
-            <a:pPr algn="l" rtl="0"/>
-            <a:endParaRPr lang="en-US" b="0" i="0" dirty="0">
-              <a:solidFill>
-                <a:srgbClr val="EEEEEE"/>
-              </a:solidFill>
-              <a:effectLst/>
-              <a:latin typeface="YouTube Noto"/>
-            </a:endParaRPr>
-          </a:p>
-          <a:p>
-            <a:pPr algn="l"/>
-            <a:r>
-              <a:rPr lang="en-US" b="0" i="0" dirty="0">
-                <a:solidFill>
-                  <a:srgbClr val="000000"/>
-                </a:solidFill>
-                <a:effectLst/>
-                <a:latin typeface="var(--ytd-video-primary-info-renderer-title-font-family,inherit)"/>
-              </a:rPr>
-              <a:t>Power BI - Use relative references to avoid combine &amp; transform errors</a:t>
-            </a:r>
-          </a:p>
-          <a:p>
-            <a:r>
-              <a:rPr lang="en-US" dirty="0"/>
-              <a:t>https://www.youtube.com/watch?v=nscUeOL5m90</a:t>
-            </a:r>
+            <a:endParaRPr lang="en-IE" dirty="0"/>
           </a:p>
         </p:txBody>
       </p:sp>
@@ -4270,7 +5134,7 @@
           <a:p>
             <a:fld id="{386CE63F-9E7F-4C04-9D0D-FCA25A8E9E86}" type="datetime8">
               <a:rPr lang="en-US" smtClean="0"/>
-              <a:t>11/23/2022 11:58 AM</a:t>
+              <a:t>11/23/2022 1:15 PM</a:t>
             </a:fld>
             <a:endParaRPr lang="en-US" dirty="0"/>
           </a:p>
@@ -4294,7 +5158,7 @@
             <a:fld id="{B4008EB6-D09E-4580-8CD6-DDB14511944F}" type="slidenum">
               <a:rPr lang="en-US" smtClean="0"/>
               <a:pPr/>
-              <a:t>14</a:t>
+              <a:t>6</a:t>
             </a:fld>
             <a:endParaRPr lang="en-US" dirty="0"/>
           </a:p>
@@ -4303,7 +5167,7 @@
     </p:spTree>
     <p:extLst>
       <p:ext uri="{BB962C8B-B14F-4D97-AF65-F5344CB8AC3E}">
-        <p14:creationId xmlns:p14="http://schemas.microsoft.com/office/powerpoint/2010/main" val="1076171450"/>
+        <p14:creationId xmlns:p14="http://schemas.microsoft.com/office/powerpoint/2010/main" val="1605554229"/>
       </p:ext>
     </p:extLst>
   </p:cSld>
@@ -4357,7 +5221,34 @@
           <a:bodyPr/>
           <a:lstStyle/>
           <a:p>
-            <a:endParaRPr lang="en-US" dirty="0"/>
+            <a:endParaRPr lang="en-IE" dirty="0"/>
+          </a:p>
+          <a:p>
+            <a:endParaRPr lang="en-IE" dirty="0"/>
+          </a:p>
+          <a:p>
+            <a:endParaRPr lang="en-IE" dirty="0"/>
+          </a:p>
+          <a:p>
+            <a:r>
+              <a:rPr lang="en-IE" b="1" dirty="0"/>
+              <a:t>Consumption - Usage Details - List</a:t>
+            </a:r>
+          </a:p>
+          <a:p>
+            <a:r>
+              <a:rPr lang="en-IE" b="0" i="0" dirty="0">
+                <a:solidFill>
+                  <a:srgbClr val="323130"/>
+                </a:solidFill>
+                <a:effectLst/>
+                <a:latin typeface="Segoe UI" panose="020B0502040204020203" pitchFamily="34" charset="0"/>
+              </a:rPr>
+              <a:t>https://docs.microsoft.com/en-us/rest/api/resources/providers/register</a:t>
+            </a:r>
+          </a:p>
+          <a:p>
+            <a:endParaRPr lang="en-IE" dirty="0"/>
           </a:p>
         </p:txBody>
       </p:sp>
@@ -4368,7 +5259,7 @@
             <a:spLocks noGrp="1"/>
           </p:cNvSpPr>
           <p:nvPr>
-            <p:ph type="hdr" sz="quarter" idx="10"/>
+            <p:ph type="hdr" sz="quarter"/>
           </p:nvPr>
         </p:nvSpPr>
         <p:spPr/>
@@ -4387,7 +5278,7 @@
             <a:spLocks noGrp="1"/>
           </p:cNvSpPr>
           <p:nvPr>
-            <p:ph type="ftr" sz="quarter" idx="11"/>
+            <p:ph type="ftr" sz="quarter" idx="4"/>
           </p:nvPr>
         </p:nvSpPr>
         <p:spPr/>
@@ -4397,7 +5288,7 @@
           <a:p>
             <a:pPr defTabSz="914099" eaLnBrk="0" hangingPunct="0"/>
             <a:r>
-              <a:rPr lang="en-US" sz="400" dirty="0">
+              <a:rPr lang="en-US" sz="400">
                 <a:gradFill>
                   <a:gsLst>
                     <a:gs pos="0">
@@ -4415,6 +5306,22 @@
               </a:rPr>
               <a:t>© Microsoft Corporation. All rights reserved. MICROSOFT MAKES NO WARRANTIES, EXPRESS, IMPLIED OR STATUTORY, AS TO THE INFORMATION IN THIS PRESENTATION.</a:t>
             </a:r>
+            <a:endParaRPr lang="en-US" sz="400" dirty="0">
+              <a:gradFill>
+                <a:gsLst>
+                  <a:gs pos="0">
+                    <a:prstClr val="black"/>
+                  </a:gs>
+                  <a:gs pos="100000">
+                    <a:prstClr val="black"/>
+                  </a:gs>
+                </a:gsLst>
+                <a:lin ang="5400000" scaled="0"/>
+              </a:gradFill>
+              <a:latin typeface="Segoe UI" pitchFamily="34" charset="0"/>
+              <a:ea typeface="Segoe UI" pitchFamily="34" charset="0"/>
+              <a:cs typeface="Segoe UI" pitchFamily="34" charset="0"/>
+            </a:endParaRPr>
           </a:p>
         </p:txBody>
       </p:sp>
@@ -4425,7 +5332,7 @@
             <a:spLocks noGrp="1"/>
           </p:cNvSpPr>
           <p:nvPr>
-            <p:ph type="dt" idx="12"/>
+            <p:ph type="dt" idx="1"/>
           </p:nvPr>
         </p:nvSpPr>
         <p:spPr/>
@@ -4433,9 +5340,9 @@
           <a:bodyPr/>
           <a:lstStyle/>
           <a:p>
-            <a:fld id="{72E0C910-0166-48E0-B8EF-5071277A02A8}" type="datetime8">
+            <a:fld id="{386CE63F-9E7F-4C04-9D0D-FCA25A8E9E86}" type="datetime8">
               <a:rPr lang="en-US" smtClean="0"/>
-              <a:t>11/23/2022 11:58 AM</a:t>
+              <a:t>11/23/2022 1:44 PM</a:t>
             </a:fld>
             <a:endParaRPr lang="en-US" dirty="0"/>
           </a:p>
@@ -4448,7 +5355,7 @@
             <a:spLocks noGrp="1"/>
           </p:cNvSpPr>
           <p:nvPr>
-            <p:ph type="sldNum" sz="quarter" idx="13"/>
+            <p:ph type="sldNum" sz="quarter" idx="5"/>
           </p:nvPr>
         </p:nvSpPr>
         <p:spPr/>
@@ -4459,7 +5366,7 @@
             <a:fld id="{B4008EB6-D09E-4580-8CD6-DDB14511944F}" type="slidenum">
               <a:rPr lang="en-US" smtClean="0"/>
               <a:pPr/>
-              <a:t>16</a:t>
+              <a:t>7</a:t>
             </a:fld>
             <a:endParaRPr lang="en-US" dirty="0"/>
           </a:p>
@@ -4468,7 +5375,7 @@
     </p:spTree>
     <p:extLst>
       <p:ext uri="{BB962C8B-B14F-4D97-AF65-F5344CB8AC3E}">
-        <p14:creationId xmlns:p14="http://schemas.microsoft.com/office/powerpoint/2010/main" val="1601089676"/>
+        <p14:creationId xmlns:p14="http://schemas.microsoft.com/office/powerpoint/2010/main" val="1743677086"/>
       </p:ext>
     </p:extLst>
   </p:cSld>
@@ -4522,7 +5429,84 @@
           <a:bodyPr/>
           <a:lstStyle/>
           <a:p>
-            <a:endParaRPr lang="en-US" dirty="0"/>
+            <a:endParaRPr lang="en-IE" dirty="0"/>
+          </a:p>
+          <a:p>
+            <a:r>
+              <a:rPr lang="en-IE" dirty="0"/>
+              <a:t>Full guide on how to call the </a:t>
+            </a:r>
+            <a:r>
+              <a:rPr lang="en-IE" dirty="0" err="1"/>
+              <a:t>api</a:t>
+            </a:r>
+            <a:r>
+              <a:rPr lang="en-IE" dirty="0"/>
+              <a:t>: create Service Principal, assign billing scope, use </a:t>
+            </a:r>
+            <a:r>
+              <a:rPr lang="en-IE"/>
+              <a:t>the access token </a:t>
+            </a:r>
+          </a:p>
+          <a:p>
+            <a:endParaRPr lang="en-IE" dirty="0"/>
+          </a:p>
+          <a:p>
+            <a:pPr marL="0" marR="0" lvl="0" indent="0" algn="l" defTabSz="914367" rtl="0" eaLnBrk="1" fontAlgn="auto" latinLnBrk="0" hangingPunct="1">
+              <a:lnSpc>
+                <a:spcPct val="90000"/>
+              </a:lnSpc>
+              <a:spcBef>
+                <a:spcPts val="0"/>
+              </a:spcBef>
+              <a:spcAft>
+                <a:spcPts val="333"/>
+              </a:spcAft>
+              <a:buClrTx/>
+              <a:buSzTx/>
+              <a:buFontTx/>
+              <a:buNone/>
+              <a:tabLst/>
+              <a:defRPr/>
+            </a:pPr>
+            <a:r>
+              <a:rPr lang="en-IE" b="1" i="0" dirty="0">
+                <a:solidFill>
+                  <a:srgbClr val="292929"/>
+                </a:solidFill>
+                <a:effectLst/>
+                <a:latin typeface="sohne"/>
+              </a:rPr>
+              <a:t>Getting started with the Microsoft Azure Billing API’s</a:t>
+            </a:r>
+          </a:p>
+          <a:p>
+            <a:r>
+              <a:rPr lang="en-IE" dirty="0"/>
+              <a:t>https://medium.com/@sambowenhughes/getting-started-with-the-microsoft-azure-billing-apis-aa27af11c1d0</a:t>
+            </a:r>
+          </a:p>
+          <a:p>
+            <a:endParaRPr lang="en-IE" dirty="0"/>
+          </a:p>
+          <a:p>
+            <a:endParaRPr lang="en-IE" dirty="0"/>
+          </a:p>
+          <a:p>
+            <a:r>
+              <a:rPr lang="en-IE" b="1" dirty="0"/>
+              <a:t>Consumption - Usage Details - List</a:t>
+            </a:r>
+          </a:p>
+          <a:p>
+            <a:r>
+              <a:rPr lang="en-IE" dirty="0"/>
+              <a:t>https://learn.microsoft.com/en-us/rest/api/consumption/usage-details/list?tabs=HTTP</a:t>
+            </a:r>
+          </a:p>
+          <a:p>
+            <a:endParaRPr lang="en-IE" dirty="0"/>
           </a:p>
         </p:txBody>
       </p:sp>
@@ -4533,7 +5517,7 @@
             <a:spLocks noGrp="1"/>
           </p:cNvSpPr>
           <p:nvPr>
-            <p:ph type="hdr" sz="quarter" idx="10"/>
+            <p:ph type="hdr" sz="quarter"/>
           </p:nvPr>
         </p:nvSpPr>
         <p:spPr/>
@@ -4552,7 +5536,7 @@
             <a:spLocks noGrp="1"/>
           </p:cNvSpPr>
           <p:nvPr>
-            <p:ph type="ftr" sz="quarter" idx="11"/>
+            <p:ph type="ftr" sz="quarter" idx="4"/>
           </p:nvPr>
         </p:nvSpPr>
         <p:spPr/>
@@ -4562,7 +5546,7 @@
           <a:p>
             <a:pPr defTabSz="914099" eaLnBrk="0" hangingPunct="0"/>
             <a:r>
-              <a:rPr lang="en-US" sz="400" dirty="0">
+              <a:rPr lang="en-US" sz="400">
                 <a:gradFill>
                   <a:gsLst>
                     <a:gs pos="0">
@@ -4580,6 +5564,22 @@
               </a:rPr>
               <a:t>© Microsoft Corporation. All rights reserved. MICROSOFT MAKES NO WARRANTIES, EXPRESS, IMPLIED OR STATUTORY, AS TO THE INFORMATION IN THIS PRESENTATION.</a:t>
             </a:r>
+            <a:endParaRPr lang="en-US" sz="400" dirty="0">
+              <a:gradFill>
+                <a:gsLst>
+                  <a:gs pos="0">
+                    <a:prstClr val="black"/>
+                  </a:gs>
+                  <a:gs pos="100000">
+                    <a:prstClr val="black"/>
+                  </a:gs>
+                </a:gsLst>
+                <a:lin ang="5400000" scaled="0"/>
+              </a:gradFill>
+              <a:latin typeface="Segoe UI" pitchFamily="34" charset="0"/>
+              <a:ea typeface="Segoe UI" pitchFamily="34" charset="0"/>
+              <a:cs typeface="Segoe UI" pitchFamily="34" charset="0"/>
+            </a:endParaRPr>
           </a:p>
         </p:txBody>
       </p:sp>
@@ -4590,7 +5590,7 @@
             <a:spLocks noGrp="1"/>
           </p:cNvSpPr>
           <p:nvPr>
-            <p:ph type="dt" idx="12"/>
+            <p:ph type="dt" idx="1"/>
           </p:nvPr>
         </p:nvSpPr>
         <p:spPr/>
@@ -4598,9 +5598,9 @@
           <a:bodyPr/>
           <a:lstStyle/>
           <a:p>
-            <a:fld id="{9427A7F7-BB1E-479D-AFAA-B52F4D0C99F2}" type="datetime8">
+            <a:fld id="{386CE63F-9E7F-4C04-9D0D-FCA25A8E9E86}" type="datetime8">
               <a:rPr lang="en-US" smtClean="0"/>
-              <a:t>11/23/2022 11:58 AM</a:t>
+              <a:t>11/23/2022 1:34 PM</a:t>
             </a:fld>
             <a:endParaRPr lang="en-US" dirty="0"/>
           </a:p>
@@ -4613,7 +5613,7 @@
             <a:spLocks noGrp="1"/>
           </p:cNvSpPr>
           <p:nvPr>
-            <p:ph type="sldNum" sz="quarter" idx="13"/>
+            <p:ph type="sldNum" sz="quarter" idx="5"/>
           </p:nvPr>
         </p:nvSpPr>
         <p:spPr/>
@@ -4624,7 +5624,7 @@
             <a:fld id="{B4008EB6-D09E-4580-8CD6-DDB14511944F}" type="slidenum">
               <a:rPr lang="en-US" smtClean="0"/>
               <a:pPr/>
-              <a:t>17</a:t>
+              <a:t>9</a:t>
             </a:fld>
             <a:endParaRPr lang="en-US" dirty="0"/>
           </a:p>
@@ -4633,7 +5633,7 @@
     </p:spTree>
     <p:extLst>
       <p:ext uri="{BB962C8B-B14F-4D97-AF65-F5344CB8AC3E}">
-        <p14:creationId xmlns:p14="http://schemas.microsoft.com/office/powerpoint/2010/main" val="1958519690"/>
+        <p14:creationId xmlns:p14="http://schemas.microsoft.com/office/powerpoint/2010/main" val="2338253723"/>
       </p:ext>
     </p:extLst>
   </p:cSld>
@@ -4687,7 +5687,10 @@
           <a:bodyPr/>
           <a:lstStyle/>
           <a:p>
-            <a:endParaRPr lang="en-US" dirty="0"/>
+            <a:r>
+              <a:rPr lang="en-IE" dirty="0"/>
+              <a:t>Important to log in as a subscription owner</a:t>
+            </a:r>
           </a:p>
         </p:txBody>
       </p:sp>
@@ -4698,7 +5701,7 @@
             <a:spLocks noGrp="1"/>
           </p:cNvSpPr>
           <p:nvPr>
-            <p:ph type="hdr" sz="quarter" idx="10"/>
+            <p:ph type="hdr" sz="quarter"/>
           </p:nvPr>
         </p:nvSpPr>
         <p:spPr/>
@@ -4717,7 +5720,7 @@
             <a:spLocks noGrp="1"/>
           </p:cNvSpPr>
           <p:nvPr>
-            <p:ph type="ftr" sz="quarter" idx="11"/>
+            <p:ph type="ftr" sz="quarter" idx="4"/>
           </p:nvPr>
         </p:nvSpPr>
         <p:spPr/>
@@ -4727,7 +5730,7 @@
           <a:p>
             <a:pPr defTabSz="914099" eaLnBrk="0" hangingPunct="0"/>
             <a:r>
-              <a:rPr lang="en-US" sz="400" dirty="0">
+              <a:rPr lang="en-US" sz="400">
                 <a:gradFill>
                   <a:gsLst>
                     <a:gs pos="0">
@@ -4745,6 +5748,22 @@
               </a:rPr>
               <a:t>© Microsoft Corporation. All rights reserved. MICROSOFT MAKES NO WARRANTIES, EXPRESS, IMPLIED OR STATUTORY, AS TO THE INFORMATION IN THIS PRESENTATION.</a:t>
             </a:r>
+            <a:endParaRPr lang="en-US" sz="400" dirty="0">
+              <a:gradFill>
+                <a:gsLst>
+                  <a:gs pos="0">
+                    <a:prstClr val="black"/>
+                  </a:gs>
+                  <a:gs pos="100000">
+                    <a:prstClr val="black"/>
+                  </a:gs>
+                </a:gsLst>
+                <a:lin ang="5400000" scaled="0"/>
+              </a:gradFill>
+              <a:latin typeface="Segoe UI" pitchFamily="34" charset="0"/>
+              <a:ea typeface="Segoe UI" pitchFamily="34" charset="0"/>
+              <a:cs typeface="Segoe UI" pitchFamily="34" charset="0"/>
+            </a:endParaRPr>
           </a:p>
         </p:txBody>
       </p:sp>
@@ -4755,7 +5774,7 @@
             <a:spLocks noGrp="1"/>
           </p:cNvSpPr>
           <p:nvPr>
-            <p:ph type="dt" idx="12"/>
+            <p:ph type="dt" idx="1"/>
           </p:nvPr>
         </p:nvSpPr>
         <p:spPr/>
@@ -4763,9 +5782,9 @@
           <a:bodyPr/>
           <a:lstStyle/>
           <a:p>
-            <a:fld id="{2D0AF0B6-AF0D-4EDB-B60E-27694EB68262}" type="datetime8">
+            <a:fld id="{386CE63F-9E7F-4C04-9D0D-FCA25A8E9E86}" type="datetime8">
               <a:rPr lang="en-US" smtClean="0"/>
-              <a:t>11/23/2022 11:58 AM</a:t>
+              <a:t>11/23/2022 2:24 PM</a:t>
             </a:fld>
             <a:endParaRPr lang="en-US" dirty="0"/>
           </a:p>
@@ -4778,7 +5797,7 @@
             <a:spLocks noGrp="1"/>
           </p:cNvSpPr>
           <p:nvPr>
-            <p:ph type="sldNum" sz="quarter" idx="13"/>
+            <p:ph type="sldNum" sz="quarter" idx="5"/>
           </p:nvPr>
         </p:nvSpPr>
         <p:spPr/>
@@ -4789,7 +5808,7 @@
             <a:fld id="{B4008EB6-D09E-4580-8CD6-DDB14511944F}" type="slidenum">
               <a:rPr lang="en-US" smtClean="0"/>
               <a:pPr/>
-              <a:t>18</a:t>
+              <a:t>10</a:t>
             </a:fld>
             <a:endParaRPr lang="en-US" dirty="0"/>
           </a:p>
@@ -4798,7 +5817,7 @@
     </p:spTree>
     <p:extLst>
       <p:ext uri="{BB962C8B-B14F-4D97-AF65-F5344CB8AC3E}">
-        <p14:creationId xmlns:p14="http://schemas.microsoft.com/office/powerpoint/2010/main" val="2942578556"/>
+        <p14:creationId xmlns:p14="http://schemas.microsoft.com/office/powerpoint/2010/main" val="3594900961"/>
       </p:ext>
     </p:extLst>
   </p:cSld>
@@ -4852,18 +5871,18 @@
           <a:bodyPr/>
           <a:lstStyle/>
           <a:p>
-            <a:endParaRPr lang="en-US" dirty="0"/>
+            <a:endParaRPr lang="en-IE" dirty="0"/>
           </a:p>
         </p:txBody>
       </p:sp>
       <p:sp>
         <p:nvSpPr>
-          <p:cNvPr id="6" name="Slide Number Placeholder 5"/>
+          <p:cNvPr id="4" name="Header Placeholder 3"/>
           <p:cNvSpPr>
             <a:spLocks noGrp="1"/>
           </p:cNvSpPr>
           <p:nvPr>
-            <p:ph type="sldNum" sz="quarter" idx="12"/>
+            <p:ph type="hdr" sz="quarter"/>
           </p:nvPr>
         </p:nvSpPr>
         <p:spPr/>
@@ -4871,23 +5890,18 @@
           <a:bodyPr/>
           <a:lstStyle/>
           <a:p>
-            <a:fld id="{B4008EB6-D09E-4580-8CD6-DDB14511944F}" type="slidenum">
-              <a:rPr lang="en-US" smtClean="0"/>
-              <a:pPr/>
-              <a:t>19</a:t>
-            </a:fld>
             <a:endParaRPr lang="en-US" dirty="0"/>
           </a:p>
         </p:txBody>
       </p:sp>
       <p:sp>
         <p:nvSpPr>
-          <p:cNvPr id="10" name="Date Placeholder 9"/>
+          <p:cNvPr id="5" name="Footer Placeholder 4"/>
           <p:cNvSpPr>
             <a:spLocks noGrp="1"/>
           </p:cNvSpPr>
           <p:nvPr>
-            <p:ph type="dt" idx="13"/>
+            <p:ph type="ftr" sz="quarter" idx="4"/>
           </p:nvPr>
         </p:nvSpPr>
         <p:spPr/>
@@ -4895,51 +5909,9 @@
           <a:bodyPr/>
           <a:lstStyle/>
           <a:p>
-            <a:fld id="{1D9BFF88-B9B5-4B68-BAE1-09ACB5D03C54}" type="datetime8">
-              <a:rPr lang="en-US" smtClean="0"/>
-              <a:t>11/23/2022 11:58 AM</a:t>
-            </a:fld>
-            <a:endParaRPr lang="en-US" dirty="0"/>
-          </a:p>
-        </p:txBody>
-      </p:sp>
-      <p:sp>
-        <p:nvSpPr>
-          <p:cNvPr id="12" name="Header Placeholder 11"/>
-          <p:cNvSpPr>
-            <a:spLocks noGrp="1"/>
-          </p:cNvSpPr>
-          <p:nvPr>
-            <p:ph type="hdr" sz="quarter" idx="15"/>
-          </p:nvPr>
-        </p:nvSpPr>
-        <p:spPr/>
-        <p:txBody>
-          <a:bodyPr/>
-          <a:lstStyle/>
-          <a:p>
-            <a:endParaRPr lang="en-US" dirty="0"/>
-          </a:p>
-        </p:txBody>
-      </p:sp>
-      <p:sp>
-        <p:nvSpPr>
-          <p:cNvPr id="5" name="Footer Placeholder 4"/>
-          <p:cNvSpPr>
-            <a:spLocks noGrp="1"/>
-          </p:cNvSpPr>
-          <p:nvPr>
-            <p:ph type="ftr" sz="quarter" idx="16"/>
-          </p:nvPr>
-        </p:nvSpPr>
-        <p:spPr/>
-        <p:txBody>
-          <a:bodyPr/>
-          <a:lstStyle/>
-          <a:p>
             <a:pPr defTabSz="914099" eaLnBrk="0" hangingPunct="0"/>
             <a:r>
-              <a:rPr lang="en-US" sz="400" dirty="0">
+              <a:rPr lang="en-US" sz="400">
                 <a:gradFill>
                   <a:gsLst>
                     <a:gs pos="0">
@@ -4957,13 +5929,76 @@
               </a:rPr>
               <a:t>© Microsoft Corporation. All rights reserved. MICROSOFT MAKES NO WARRANTIES, EXPRESS, IMPLIED OR STATUTORY, AS TO THE INFORMATION IN THIS PRESENTATION.</a:t>
             </a:r>
+            <a:endParaRPr lang="en-US" sz="400" dirty="0">
+              <a:gradFill>
+                <a:gsLst>
+                  <a:gs pos="0">
+                    <a:prstClr val="black"/>
+                  </a:gs>
+                  <a:gs pos="100000">
+                    <a:prstClr val="black"/>
+                  </a:gs>
+                </a:gsLst>
+                <a:lin ang="5400000" scaled="0"/>
+              </a:gradFill>
+              <a:latin typeface="Segoe UI" pitchFamily="34" charset="0"/>
+              <a:ea typeface="Segoe UI" pitchFamily="34" charset="0"/>
+              <a:cs typeface="Segoe UI" pitchFamily="34" charset="0"/>
+            </a:endParaRPr>
+          </a:p>
+        </p:txBody>
+      </p:sp>
+      <p:sp>
+        <p:nvSpPr>
+          <p:cNvPr id="6" name="Date Placeholder 5"/>
+          <p:cNvSpPr>
+            <a:spLocks noGrp="1"/>
+          </p:cNvSpPr>
+          <p:nvPr>
+            <p:ph type="dt" idx="1"/>
+          </p:nvPr>
+        </p:nvSpPr>
+        <p:spPr/>
+        <p:txBody>
+          <a:bodyPr/>
+          <a:lstStyle/>
+          <a:p>
+            <a:fld id="{386CE63F-9E7F-4C04-9D0D-FCA25A8E9E86}" type="datetime8">
+              <a:rPr lang="en-US" smtClean="0"/>
+              <a:t>11/23/2022 12:01 PM</a:t>
+            </a:fld>
+            <a:endParaRPr lang="en-US" dirty="0"/>
+          </a:p>
+        </p:txBody>
+      </p:sp>
+      <p:sp>
+        <p:nvSpPr>
+          <p:cNvPr id="7" name="Slide Number Placeholder 6"/>
+          <p:cNvSpPr>
+            <a:spLocks noGrp="1"/>
+          </p:cNvSpPr>
+          <p:nvPr>
+            <p:ph type="sldNum" sz="quarter" idx="5"/>
+          </p:nvPr>
+        </p:nvSpPr>
+        <p:spPr/>
+        <p:txBody>
+          <a:bodyPr/>
+          <a:lstStyle/>
+          <a:p>
+            <a:fld id="{B4008EB6-D09E-4580-8CD6-DDB14511944F}" type="slidenum">
+              <a:rPr lang="en-US" smtClean="0"/>
+              <a:pPr/>
+              <a:t>16</a:t>
+            </a:fld>
+            <a:endParaRPr lang="en-US" dirty="0"/>
           </a:p>
         </p:txBody>
       </p:sp>
     </p:spTree>
     <p:extLst>
       <p:ext uri="{BB962C8B-B14F-4D97-AF65-F5344CB8AC3E}">
-        <p14:creationId xmlns:p14="http://schemas.microsoft.com/office/powerpoint/2010/main" val="3460838768"/>
+        <p14:creationId xmlns:p14="http://schemas.microsoft.com/office/powerpoint/2010/main" val="989421088"/>
       </p:ext>
     </p:extLst>
   </p:cSld>
@@ -14675,7 +15710,7 @@
           <p:cNvPr id="2" name="Title 1">
             <a:extLst>
               <a:ext uri="{FF2B5EF4-FFF2-40B4-BE49-F238E27FC236}">
-                <a16:creationId xmlns:a16="http://schemas.microsoft.com/office/drawing/2014/main" id="{EAB90E1E-E890-2B19-F11A-21F1239C866E}"/>
+                <a16:creationId xmlns:a16="http://schemas.microsoft.com/office/drawing/2014/main" id="{4FE0C4C5-CEF4-BA39-FB92-290D39A938A0}"/>
               </a:ext>
             </a:extLst>
           </p:cNvPr>
@@ -14686,44 +15721,90 @@
             <p:ph type="title"/>
           </p:nvPr>
         </p:nvSpPr>
-        <p:spPr/>
+        <p:spPr>
+          <a:xfrm>
+            <a:off x="392189" y="2279752"/>
+            <a:ext cx="4158362" cy="2535236"/>
+          </a:xfrm>
+        </p:spPr>
         <p:txBody>
-          <a:bodyPr/>
+          <a:bodyPr wrap="square" anchor="ctr">
+            <a:normAutofit/>
+          </a:bodyPr>
           <a:lstStyle/>
           <a:p>
-            <a:endParaRPr lang="en-IE"/>
+            <a:r>
+              <a:rPr lang="en-IE" dirty="0"/>
+              <a:t>Azure Sponsorship</a:t>
+            </a:r>
+            <a:br>
+              <a:rPr lang="en-IE" dirty="0"/>
+            </a:br>
+            <a:br>
+              <a:rPr lang="en-IE" dirty="0"/>
+            </a:br>
+            <a:r>
+              <a:rPr lang="en-IE" sz="1800" u="sng" dirty="0">
+                <a:solidFill>
+                  <a:schemeClr val="accent1">
+                    <a:lumMod val="75000"/>
+                  </a:schemeClr>
+                </a:solidFill>
+              </a:rPr>
+              <a:t>https://microsoftazuresponsorships.com/</a:t>
+            </a:r>
+            <a:br>
+              <a:rPr lang="en-IE" dirty="0"/>
+            </a:br>
+            <a:endParaRPr lang="en-IE" dirty="0"/>
           </a:p>
         </p:txBody>
       </p:sp>
-      <p:sp>
-        <p:nvSpPr>
-          <p:cNvPr id="3" name="Content Placeholder 2">
+      <p:pic>
+        <p:nvPicPr>
+          <p:cNvPr id="5" name="Picture 4">
             <a:extLst>
               <a:ext uri="{FF2B5EF4-FFF2-40B4-BE49-F238E27FC236}">
-                <a16:creationId xmlns:a16="http://schemas.microsoft.com/office/drawing/2014/main" id="{57AA4781-9FC0-BF15-CA1C-8873F9BAF902}"/>
+                <a16:creationId xmlns:a16="http://schemas.microsoft.com/office/drawing/2014/main" id="{9F08F132-65F4-F6BA-A1DA-DCA2930AA397}"/>
               </a:ext>
             </a:extLst>
           </p:cNvPr>
-          <p:cNvSpPr>
-            <a:spLocks noGrp="1"/>
-          </p:cNvSpPr>
-          <p:nvPr>
-            <p:ph sz="quarter" idx="10"/>
-          </p:nvPr>
-        </p:nvSpPr>
-        <p:spPr/>
-        <p:txBody>
-          <a:bodyPr/>
-          <a:lstStyle/>
-          <a:p>
-            <a:endParaRPr lang="en-IE"/>
-          </a:p>
-        </p:txBody>
-      </p:sp>
+          <p:cNvPicPr>
+            <a:picLocks noChangeAspect="1"/>
+          </p:cNvPicPr>
+          <p:nvPr/>
+        </p:nvPicPr>
+        <p:blipFill>
+          <a:blip r:embed="rId3"/>
+          <a:stretch>
+            <a:fillRect/>
+          </a:stretch>
+        </p:blipFill>
+        <p:spPr>
+          <a:xfrm>
+            <a:off x="4798218" y="129301"/>
+            <a:ext cx="7252086" cy="6599397"/>
+          </a:xfrm>
+          <a:prstGeom prst="rect">
+            <a:avLst/>
+          </a:prstGeom>
+          <a:noFill/>
+          <a:ln>
+            <a:noFill/>
+          </a:ln>
+          <a:effectLst>
+            <a:outerShdw blurRad="50800" dist="38100" dir="2700000" algn="tl" rotWithShape="0">
+              <a:prstClr val="black">
+                <a:alpha val="40000"/>
+              </a:prstClr>
+            </a:outerShdw>
+          </a:effectLst>
+        </p:spPr>
+      </p:pic>
     </p:spTree>
     <p:extLst>
       <p:ext uri="{BB962C8B-B14F-4D97-AF65-F5344CB8AC3E}">
-        <p14:creationId xmlns:p14="http://schemas.microsoft.com/office/powerpoint/2010/main" val="2933943095"/>
+        <p14:creationId xmlns:p14="http://schemas.microsoft.com/office/powerpoint/2010/main" val="859113937"/>
       </p:ext>
     </p:extLst>
   </p:cSld>
@@ -14755,6 +15836,675 @@
       </p:grpSpPr>
       <p:sp>
         <p:nvSpPr>
+          <p:cNvPr id="2" name="Title 1">
+            <a:extLst>
+              <a:ext uri="{FF2B5EF4-FFF2-40B4-BE49-F238E27FC236}">
+                <a16:creationId xmlns:a16="http://schemas.microsoft.com/office/drawing/2014/main" id="{FE8ACBEA-B52C-8E72-E432-F7623B8B815D}"/>
+              </a:ext>
+            </a:extLst>
+          </p:cNvPr>
+          <p:cNvSpPr>
+            <a:spLocks noGrp="1"/>
+          </p:cNvSpPr>
+          <p:nvPr>
+            <p:ph type="title"/>
+          </p:nvPr>
+        </p:nvSpPr>
+        <p:spPr/>
+        <p:txBody>
+          <a:bodyPr/>
+          <a:lstStyle/>
+          <a:p>
+            <a:r>
+              <a:rPr lang="en-IE" dirty="0"/>
+              <a:t>Download .csv</a:t>
+            </a:r>
+          </a:p>
+        </p:txBody>
+      </p:sp>
+      <p:sp>
+        <p:nvSpPr>
+          <p:cNvPr id="3" name="Content Placeholder 2">
+            <a:extLst>
+              <a:ext uri="{FF2B5EF4-FFF2-40B4-BE49-F238E27FC236}">
+                <a16:creationId xmlns:a16="http://schemas.microsoft.com/office/drawing/2014/main" id="{0DA137F4-D049-CFF5-9280-15C3B6660CEA}"/>
+              </a:ext>
+            </a:extLst>
+          </p:cNvPr>
+          <p:cNvSpPr>
+            <a:spLocks noGrp="1"/>
+          </p:cNvSpPr>
+          <p:nvPr>
+            <p:ph sz="quarter" idx="10"/>
+          </p:nvPr>
+        </p:nvSpPr>
+        <p:spPr>
+          <a:xfrm>
+            <a:off x="519907" y="1258009"/>
+            <a:ext cx="11018838" cy="430887"/>
+          </a:xfrm>
+        </p:spPr>
+        <p:txBody>
+          <a:bodyPr/>
+          <a:lstStyle/>
+          <a:p>
+            <a:pPr marL="0" indent="0">
+              <a:buNone/>
+            </a:pPr>
+            <a:r>
+              <a:rPr lang="en-IE" dirty="0"/>
+              <a:t>When you click Download, mind the hiding dropdown</a:t>
+            </a:r>
+          </a:p>
+        </p:txBody>
+      </p:sp>
+      <p:pic>
+        <p:nvPicPr>
+          <p:cNvPr id="7" name="Picture 6">
+            <a:extLst>
+              <a:ext uri="{FF2B5EF4-FFF2-40B4-BE49-F238E27FC236}">
+                <a16:creationId xmlns:a16="http://schemas.microsoft.com/office/drawing/2014/main" id="{90B79179-D553-C6F7-47BA-8C650722FF8D}"/>
+              </a:ext>
+            </a:extLst>
+          </p:cNvPr>
+          <p:cNvPicPr>
+            <a:picLocks noChangeAspect="1"/>
+          </p:cNvPicPr>
+          <p:nvPr/>
+        </p:nvPicPr>
+        <p:blipFill>
+          <a:blip r:embed="rId2"/>
+          <a:stretch>
+            <a:fillRect/>
+          </a:stretch>
+        </p:blipFill>
+        <p:spPr>
+          <a:xfrm>
+            <a:off x="2630708" y="1935707"/>
+            <a:ext cx="5884642" cy="2562998"/>
+          </a:xfrm>
+          <a:prstGeom prst="rect">
+            <a:avLst/>
+          </a:prstGeom>
+          <a:effectLst>
+            <a:outerShdw blurRad="50800" dist="38100" dir="2700000" algn="tl" rotWithShape="0">
+              <a:prstClr val="black">
+                <a:alpha val="40000"/>
+              </a:prstClr>
+            </a:outerShdw>
+          </a:effectLst>
+        </p:spPr>
+      </p:pic>
+      <p:sp>
+        <p:nvSpPr>
+          <p:cNvPr id="10" name="Content Placeholder 2">
+            <a:extLst>
+              <a:ext uri="{FF2B5EF4-FFF2-40B4-BE49-F238E27FC236}">
+                <a16:creationId xmlns:a16="http://schemas.microsoft.com/office/drawing/2014/main" id="{FADA9EF7-73CA-1D5E-6B95-ED7267768C9D}"/>
+              </a:ext>
+            </a:extLst>
+          </p:cNvPr>
+          <p:cNvSpPr txBox="1">
+            <a:spLocks/>
+          </p:cNvSpPr>
+          <p:nvPr/>
+        </p:nvSpPr>
+        <p:spPr>
+          <a:xfrm>
+            <a:off x="379412" y="4909344"/>
+            <a:ext cx="11018838" cy="430887"/>
+          </a:xfrm>
+          <a:prstGeom prst="rect">
+            <a:avLst/>
+          </a:prstGeom>
+        </p:spPr>
+        <p:txBody>
+          <a:bodyPr vert="horz" wrap="square" lIns="0" tIns="0" rIns="0" bIns="0" rtlCol="0">
+            <a:spAutoFit/>
+          </a:bodyPr>
+          <a:lstStyle>
+            <a:lvl1pPr marL="228600" marR="0" indent="-228600" algn="l" defTabSz="932742" rtl="0" eaLnBrk="1" fontAlgn="auto" latinLnBrk="0" hangingPunct="1">
+              <a:lnSpc>
+                <a:spcPct val="100000"/>
+              </a:lnSpc>
+              <a:spcBef>
+                <a:spcPct val="20000"/>
+              </a:spcBef>
+              <a:spcAft>
+                <a:spcPts val="0"/>
+              </a:spcAft>
+              <a:buClrTx/>
+              <a:buSzPct val="90000"/>
+              <a:buFont typeface="Wingdings" panose="05000000000000000000" pitchFamily="2" charset="2"/>
+              <a:buChar char=""/>
+              <a:tabLst/>
+              <a:defRPr sz="2800" kern="1200" spc="0" baseline="0">
+                <a:solidFill>
+                  <a:schemeClr val="tx1"/>
+                </a:solidFill>
+                <a:latin typeface="+mn-lt"/>
+                <a:ea typeface="+mn-ea"/>
+                <a:cs typeface="Segoe UI" panose="020B0502040204020203" pitchFamily="34" charset="0"/>
+              </a:defRPr>
+            </a:lvl1pPr>
+            <a:lvl2pPr marL="457200" marR="0" indent="-228600" algn="l" defTabSz="932742" rtl="0" eaLnBrk="1" fontAlgn="auto" latinLnBrk="0" hangingPunct="1">
+              <a:lnSpc>
+                <a:spcPct val="100000"/>
+              </a:lnSpc>
+              <a:spcBef>
+                <a:spcPct val="20000"/>
+              </a:spcBef>
+              <a:spcAft>
+                <a:spcPts val="0"/>
+              </a:spcAft>
+              <a:buClrTx/>
+              <a:buSzPct val="90000"/>
+              <a:buFont typeface="Wingdings" panose="05000000000000000000" pitchFamily="2" charset="2"/>
+              <a:buChar char=""/>
+              <a:tabLst/>
+              <a:defRPr sz="2000" kern="1200" spc="0" baseline="0">
+                <a:solidFill>
+                  <a:schemeClr val="tx1"/>
+                </a:solidFill>
+                <a:latin typeface="+mn-lt"/>
+                <a:ea typeface="+mn-ea"/>
+                <a:cs typeface="+mn-cs"/>
+              </a:defRPr>
+            </a:lvl2pPr>
+            <a:lvl3pPr marL="657225" marR="0" indent="-200025" algn="l" defTabSz="932742" rtl="0" eaLnBrk="1" fontAlgn="auto" latinLnBrk="0" hangingPunct="1">
+              <a:lnSpc>
+                <a:spcPct val="100000"/>
+              </a:lnSpc>
+              <a:spcBef>
+                <a:spcPct val="20000"/>
+              </a:spcBef>
+              <a:spcAft>
+                <a:spcPts val="0"/>
+              </a:spcAft>
+              <a:buClrTx/>
+              <a:buSzPct val="90000"/>
+              <a:buFont typeface="Wingdings" panose="05000000000000000000" pitchFamily="2" charset="2"/>
+              <a:buChar char=""/>
+              <a:tabLst/>
+              <a:defRPr sz="1600" kern="1200" spc="0" baseline="0">
+                <a:solidFill>
+                  <a:schemeClr val="tx1"/>
+                </a:solidFill>
+                <a:latin typeface="+mn-lt"/>
+                <a:ea typeface="+mn-ea"/>
+                <a:cs typeface="+mn-cs"/>
+              </a:defRPr>
+            </a:lvl3pPr>
+            <a:lvl4pPr marL="842963" marR="0" indent="-180975" algn="l" defTabSz="932742" rtl="0" eaLnBrk="1" fontAlgn="auto" latinLnBrk="0" hangingPunct="1">
+              <a:lnSpc>
+                <a:spcPct val="100000"/>
+              </a:lnSpc>
+              <a:spcBef>
+                <a:spcPct val="20000"/>
+              </a:spcBef>
+              <a:spcAft>
+                <a:spcPts val="0"/>
+              </a:spcAft>
+              <a:buClrTx/>
+              <a:buSzPct val="90000"/>
+              <a:buFont typeface="Wingdings" panose="05000000000000000000" pitchFamily="2" charset="2"/>
+              <a:buChar char=""/>
+              <a:tabLst/>
+              <a:defRPr sz="1400" kern="1200" spc="0" baseline="0">
+                <a:solidFill>
+                  <a:schemeClr val="tx1"/>
+                </a:solidFill>
+                <a:latin typeface="+mn-lt"/>
+                <a:ea typeface="+mn-ea"/>
+                <a:cs typeface="+mn-cs"/>
+              </a:defRPr>
+            </a:lvl4pPr>
+            <a:lvl5pPr marL="1023938" marR="0" indent="-168275" algn="l" defTabSz="932742" rtl="0" eaLnBrk="1" fontAlgn="auto" latinLnBrk="0" hangingPunct="1">
+              <a:lnSpc>
+                <a:spcPct val="100000"/>
+              </a:lnSpc>
+              <a:spcBef>
+                <a:spcPct val="20000"/>
+              </a:spcBef>
+              <a:spcAft>
+                <a:spcPts val="0"/>
+              </a:spcAft>
+              <a:buClrTx/>
+              <a:buSzPct val="90000"/>
+              <a:buFont typeface="Wingdings" panose="05000000000000000000" pitchFamily="2" charset="2"/>
+              <a:buChar char=""/>
+              <a:tabLst/>
+              <a:defRPr sz="1400" kern="1200" spc="0" baseline="0">
+                <a:solidFill>
+                  <a:schemeClr val="tx1"/>
+                </a:solidFill>
+                <a:latin typeface="+mn-lt"/>
+                <a:ea typeface="+mn-ea"/>
+                <a:cs typeface="+mn-cs"/>
+              </a:defRPr>
+            </a:lvl5pPr>
+            <a:lvl6pPr marL="2565040" indent="-233186" algn="l" defTabSz="932742" rtl="0" eaLnBrk="1" latinLnBrk="0" hangingPunct="1">
+              <a:spcBef>
+                <a:spcPct val="20000"/>
+              </a:spcBef>
+              <a:buFont typeface="Arial" pitchFamily="34" charset="0"/>
+              <a:buChar char="•"/>
+              <a:defRPr sz="2000" kern="1200">
+                <a:solidFill>
+                  <a:schemeClr val="tx1"/>
+                </a:solidFill>
+                <a:latin typeface="+mn-lt"/>
+                <a:ea typeface="+mn-ea"/>
+                <a:cs typeface="+mn-cs"/>
+              </a:defRPr>
+            </a:lvl6pPr>
+            <a:lvl7pPr marL="3031412" indent="-233186" algn="l" defTabSz="932742" rtl="0" eaLnBrk="1" latinLnBrk="0" hangingPunct="1">
+              <a:spcBef>
+                <a:spcPct val="20000"/>
+              </a:spcBef>
+              <a:buFont typeface="Arial" pitchFamily="34" charset="0"/>
+              <a:buChar char="•"/>
+              <a:defRPr sz="2000" kern="1200">
+                <a:solidFill>
+                  <a:schemeClr val="tx1"/>
+                </a:solidFill>
+                <a:latin typeface="+mn-lt"/>
+                <a:ea typeface="+mn-ea"/>
+                <a:cs typeface="+mn-cs"/>
+              </a:defRPr>
+            </a:lvl7pPr>
+            <a:lvl8pPr marL="3497783" indent="-233186" algn="l" defTabSz="932742" rtl="0" eaLnBrk="1" latinLnBrk="0" hangingPunct="1">
+              <a:spcBef>
+                <a:spcPct val="20000"/>
+              </a:spcBef>
+              <a:buFont typeface="Arial" pitchFamily="34" charset="0"/>
+              <a:buChar char="•"/>
+              <a:defRPr sz="2000" kern="1200">
+                <a:solidFill>
+                  <a:schemeClr val="tx1"/>
+                </a:solidFill>
+                <a:latin typeface="+mn-lt"/>
+                <a:ea typeface="+mn-ea"/>
+                <a:cs typeface="+mn-cs"/>
+              </a:defRPr>
+            </a:lvl8pPr>
+            <a:lvl9pPr marL="3964155" indent="-233186" algn="l" defTabSz="932742" rtl="0" eaLnBrk="1" latinLnBrk="0" hangingPunct="1">
+              <a:spcBef>
+                <a:spcPct val="20000"/>
+              </a:spcBef>
+              <a:buFont typeface="Arial" pitchFamily="34" charset="0"/>
+              <a:buChar char="•"/>
+              <a:defRPr sz="2000" kern="1200">
+                <a:solidFill>
+                  <a:schemeClr val="tx1"/>
+                </a:solidFill>
+                <a:latin typeface="+mn-lt"/>
+                <a:ea typeface="+mn-ea"/>
+                <a:cs typeface="+mn-cs"/>
+              </a:defRPr>
+            </a:lvl9pPr>
+          </a:lstStyle>
+          <a:p>
+            <a:pPr marL="0" indent="0">
+              <a:buNone/>
+            </a:pPr>
+            <a:r>
+              <a:rPr lang="en-IE" dirty="0"/>
+              <a:t>Clicking on it will download .csv file with consumption report</a:t>
+            </a:r>
+          </a:p>
+        </p:txBody>
+      </p:sp>
+    </p:spTree>
+    <p:extLst>
+      <p:ext uri="{BB962C8B-B14F-4D97-AF65-F5344CB8AC3E}">
+        <p14:creationId xmlns:p14="http://schemas.microsoft.com/office/powerpoint/2010/main" val="2187852586"/>
+      </p:ext>
+    </p:extLst>
+  </p:cSld>
+  <p:clrMapOvr>
+    <a:masterClrMapping/>
+  </p:clrMapOvr>
+  <p:transition>
+    <p:fade/>
+  </p:transition>
+</p:sld>
+</file>
+
+<file path=ppt/slides/slide12.xml><?xml version="1.0" encoding="utf-8"?>
+<p:sld xmlns:a="http://schemas.openxmlformats.org/drawingml/2006/main" xmlns:r="http://schemas.openxmlformats.org/officeDocument/2006/relationships" xmlns:p="http://schemas.openxmlformats.org/presentationml/2006/main">
+  <p:cSld>
+    <p:spTree>
+      <p:nvGrpSpPr>
+        <p:cNvPr id="1" name=""/>
+        <p:cNvGrpSpPr/>
+        <p:nvPr/>
+      </p:nvGrpSpPr>
+      <p:grpSpPr>
+        <a:xfrm>
+          <a:off x="0" y="0"/>
+          <a:ext cx="0" cy="0"/>
+          <a:chOff x="0" y="0"/>
+          <a:chExt cx="0" cy="0"/>
+        </a:xfrm>
+      </p:grpSpPr>
+      <p:sp>
+        <p:nvSpPr>
+          <p:cNvPr id="2" name="Title 1">
+            <a:extLst>
+              <a:ext uri="{FF2B5EF4-FFF2-40B4-BE49-F238E27FC236}">
+                <a16:creationId xmlns:a16="http://schemas.microsoft.com/office/drawing/2014/main" id="{AE28B16F-BABF-9BD7-95F0-28B519233776}"/>
+              </a:ext>
+            </a:extLst>
+          </p:cNvPr>
+          <p:cNvSpPr>
+            <a:spLocks noGrp="1"/>
+          </p:cNvSpPr>
+          <p:nvPr>
+            <p:ph type="title"/>
+          </p:nvPr>
+        </p:nvSpPr>
+        <p:spPr/>
+        <p:txBody>
+          <a:bodyPr/>
+          <a:lstStyle/>
+          <a:p>
+            <a:r>
+              <a:rPr lang="en-IE" dirty="0"/>
+              <a:t>Sponsorship report .csv</a:t>
+            </a:r>
+          </a:p>
+        </p:txBody>
+      </p:sp>
+      <p:pic>
+        <p:nvPicPr>
+          <p:cNvPr id="5" name="Content Placeholder 4">
+            <a:extLst>
+              <a:ext uri="{FF2B5EF4-FFF2-40B4-BE49-F238E27FC236}">
+                <a16:creationId xmlns:a16="http://schemas.microsoft.com/office/drawing/2014/main" id="{247C26AD-E02F-3495-6F31-BA2FF44BEC2B}"/>
+              </a:ext>
+            </a:extLst>
+          </p:cNvPr>
+          <p:cNvPicPr>
+            <a:picLocks noGrp="1" noChangeAspect="1"/>
+          </p:cNvPicPr>
+          <p:nvPr>
+            <p:ph sz="quarter" idx="10"/>
+          </p:nvPr>
+        </p:nvPicPr>
+        <p:blipFill>
+          <a:blip r:embed="rId2"/>
+          <a:stretch>
+            <a:fillRect/>
+          </a:stretch>
+        </p:blipFill>
+        <p:spPr>
+          <a:xfrm>
+            <a:off x="881959" y="1411037"/>
+            <a:ext cx="10290974" cy="4833938"/>
+          </a:xfrm>
+        </p:spPr>
+      </p:pic>
+    </p:spTree>
+    <p:extLst>
+      <p:ext uri="{BB962C8B-B14F-4D97-AF65-F5344CB8AC3E}">
+        <p14:creationId xmlns:p14="http://schemas.microsoft.com/office/powerpoint/2010/main" val="47503442"/>
+      </p:ext>
+    </p:extLst>
+  </p:cSld>
+  <p:clrMapOvr>
+    <a:masterClrMapping/>
+  </p:clrMapOvr>
+  <p:transition>
+    <p:fade/>
+  </p:transition>
+</p:sld>
+</file>
+
+<file path=ppt/slides/slide13.xml><?xml version="1.0" encoding="utf-8"?>
+<p:sld xmlns:a="http://schemas.openxmlformats.org/drawingml/2006/main" xmlns:r="http://schemas.openxmlformats.org/officeDocument/2006/relationships" xmlns:p="http://schemas.openxmlformats.org/presentationml/2006/main">
+  <p:cSld>
+    <p:spTree>
+      <p:nvGrpSpPr>
+        <p:cNvPr id="1" name=""/>
+        <p:cNvGrpSpPr/>
+        <p:nvPr/>
+      </p:nvGrpSpPr>
+      <p:grpSpPr>
+        <a:xfrm>
+          <a:off x="0" y="0"/>
+          <a:ext cx="0" cy="0"/>
+          <a:chOff x="0" y="0"/>
+          <a:chExt cx="0" cy="0"/>
+        </a:xfrm>
+      </p:grpSpPr>
+      <p:sp>
+        <p:nvSpPr>
+          <p:cNvPr id="4" name="Title 3">
+            <a:extLst>
+              <a:ext uri="{FF2B5EF4-FFF2-40B4-BE49-F238E27FC236}">
+                <a16:creationId xmlns:a16="http://schemas.microsoft.com/office/drawing/2014/main" id="{2C7F4FCE-F69F-2254-90CA-04EDD1F1D6A8}"/>
+              </a:ext>
+            </a:extLst>
+          </p:cNvPr>
+          <p:cNvSpPr>
+            <a:spLocks noGrp="1"/>
+          </p:cNvSpPr>
+          <p:nvPr>
+            <p:ph type="title"/>
+          </p:nvPr>
+        </p:nvSpPr>
+        <p:spPr>
+          <a:xfrm>
+            <a:off x="591231" y="2995940"/>
+            <a:ext cx="4016863" cy="664797"/>
+          </a:xfrm>
+        </p:spPr>
+        <p:txBody>
+          <a:bodyPr/>
+          <a:lstStyle/>
+          <a:p>
+            <a:r>
+              <a:rPr lang="en-IE" sz="4800" dirty="0"/>
+              <a:t>Power BI</a:t>
+            </a:r>
+          </a:p>
+        </p:txBody>
+      </p:sp>
+      <p:pic>
+        <p:nvPicPr>
+          <p:cNvPr id="5" name="Graphic 4">
+            <a:extLst>
+              <a:ext uri="{FF2B5EF4-FFF2-40B4-BE49-F238E27FC236}">
+                <a16:creationId xmlns:a16="http://schemas.microsoft.com/office/drawing/2014/main" id="{F9323B6E-D343-7F51-6F4E-DC3E9FC2963E}"/>
+              </a:ext>
+            </a:extLst>
+          </p:cNvPr>
+          <p:cNvPicPr>
+            <a:picLocks noChangeAspect="1"/>
+          </p:cNvPicPr>
+          <p:nvPr/>
+        </p:nvPicPr>
+        <p:blipFill>
+          <a:blip r:embed="rId2">
+            <a:extLst>
+              <a:ext uri="{96DAC541-7B7A-43D3-8B79-37D633B846F1}">
+                <asvg:svgBlip xmlns:asvg="http://schemas.microsoft.com/office/drawing/2016/SVG/main" r:embed="rId3"/>
+              </a:ext>
+            </a:extLst>
+          </a:blip>
+          <a:stretch>
+            <a:fillRect/>
+          </a:stretch>
+        </p:blipFill>
+        <p:spPr>
+          <a:xfrm>
+            <a:off x="5488404" y="644821"/>
+            <a:ext cx="5779169" cy="5779169"/>
+          </a:xfrm>
+          <a:prstGeom prst="rect">
+            <a:avLst/>
+          </a:prstGeom>
+        </p:spPr>
+      </p:pic>
+    </p:spTree>
+    <p:extLst>
+      <p:ext uri="{BB962C8B-B14F-4D97-AF65-F5344CB8AC3E}">
+        <p14:creationId xmlns:p14="http://schemas.microsoft.com/office/powerpoint/2010/main" val="2722179856"/>
+      </p:ext>
+    </p:extLst>
+  </p:cSld>
+  <p:clrMapOvr>
+    <a:masterClrMapping/>
+  </p:clrMapOvr>
+  <mc:AlternateContent xmlns:mc="http://schemas.openxmlformats.org/markup-compatibility/2006" xmlns:p14="http://schemas.microsoft.com/office/powerpoint/2010/main">
+    <mc:Choice Requires="p14">
+      <p:transition spd="med" p14:dur="700">
+        <p:fade/>
+      </p:transition>
+    </mc:Choice>
+    <mc:Fallback xmlns="">
+      <p:transition spd="med">
+        <p:fade/>
+      </p:transition>
+    </mc:Fallback>
+  </mc:AlternateContent>
+</p:sld>
+</file>
+
+<file path=ppt/slides/slide14.xml><?xml version="1.0" encoding="utf-8"?>
+<p:sld xmlns:a="http://schemas.openxmlformats.org/drawingml/2006/main" xmlns:r="http://schemas.openxmlformats.org/officeDocument/2006/relationships" xmlns:p="http://schemas.openxmlformats.org/presentationml/2006/main">
+  <p:cSld>
+    <p:spTree>
+      <p:nvGrpSpPr>
+        <p:cNvPr id="1" name=""/>
+        <p:cNvGrpSpPr/>
+        <p:nvPr/>
+      </p:nvGrpSpPr>
+      <p:grpSpPr>
+        <a:xfrm>
+          <a:off x="0" y="0"/>
+          <a:ext cx="0" cy="0"/>
+          <a:chOff x="0" y="0"/>
+          <a:chExt cx="0" cy="0"/>
+        </a:xfrm>
+      </p:grpSpPr>
+      <p:sp>
+        <p:nvSpPr>
+          <p:cNvPr id="2" name="Title 1">
+            <a:extLst>
+              <a:ext uri="{FF2B5EF4-FFF2-40B4-BE49-F238E27FC236}">
+                <a16:creationId xmlns:a16="http://schemas.microsoft.com/office/drawing/2014/main" id="{EAB90E1E-E890-2B19-F11A-21F1239C866E}"/>
+              </a:ext>
+            </a:extLst>
+          </p:cNvPr>
+          <p:cNvSpPr>
+            <a:spLocks noGrp="1"/>
+          </p:cNvSpPr>
+          <p:nvPr>
+            <p:ph type="title"/>
+          </p:nvPr>
+        </p:nvSpPr>
+        <p:spPr/>
+        <p:txBody>
+          <a:bodyPr/>
+          <a:lstStyle/>
+          <a:p>
+            <a:r>
+              <a:rPr lang="en-IE" dirty="0"/>
+              <a:t>What’s missing</a:t>
+            </a:r>
+          </a:p>
+        </p:txBody>
+      </p:sp>
+      <p:sp>
+        <p:nvSpPr>
+          <p:cNvPr id="3" name="Content Placeholder 2">
+            <a:extLst>
+              <a:ext uri="{FF2B5EF4-FFF2-40B4-BE49-F238E27FC236}">
+                <a16:creationId xmlns:a16="http://schemas.microsoft.com/office/drawing/2014/main" id="{57AA4781-9FC0-BF15-CA1C-8873F9BAF902}"/>
+              </a:ext>
+            </a:extLst>
+          </p:cNvPr>
+          <p:cNvSpPr>
+            <a:spLocks noGrp="1"/>
+          </p:cNvSpPr>
+          <p:nvPr>
+            <p:ph sz="quarter" idx="10"/>
+          </p:nvPr>
+        </p:nvSpPr>
+        <p:spPr>
+          <a:xfrm>
+            <a:off x="584200" y="1435100"/>
+            <a:ext cx="11018838" cy="1465016"/>
+          </a:xfrm>
+        </p:spPr>
+        <p:txBody>
+          <a:bodyPr/>
+          <a:lstStyle/>
+          <a:p>
+            <a:r>
+              <a:rPr lang="en-IE" dirty="0"/>
+              <a:t>.CSV only, no reporting</a:t>
+            </a:r>
+          </a:p>
+          <a:p>
+            <a:r>
+              <a:rPr lang="en-IE" dirty="0"/>
+              <a:t>Dates in US format (mm/DD/</a:t>
+            </a:r>
+            <a:r>
+              <a:rPr lang="en-IE" dirty="0" err="1"/>
+              <a:t>yyyy</a:t>
+            </a:r>
+            <a:r>
+              <a:rPr lang="en-IE" dirty="0"/>
+              <a:t>)</a:t>
+            </a:r>
+          </a:p>
+          <a:p>
+            <a:r>
+              <a:rPr lang="en-IE" dirty="0"/>
+              <a:t>Numbers in US format ( #,####.## )</a:t>
+            </a:r>
+          </a:p>
+        </p:txBody>
+      </p:sp>
+    </p:spTree>
+    <p:extLst>
+      <p:ext uri="{BB962C8B-B14F-4D97-AF65-F5344CB8AC3E}">
+        <p14:creationId xmlns:p14="http://schemas.microsoft.com/office/powerpoint/2010/main" val="2933943095"/>
+      </p:ext>
+    </p:extLst>
+  </p:cSld>
+  <p:clrMapOvr>
+    <a:masterClrMapping/>
+  </p:clrMapOvr>
+  <p:transition>
+    <p:fade/>
+  </p:transition>
+</p:sld>
+</file>
+
+<file path=ppt/slides/slide15.xml><?xml version="1.0" encoding="utf-8"?>
+<p:sld xmlns:a="http://schemas.openxmlformats.org/drawingml/2006/main" xmlns:r="http://schemas.openxmlformats.org/officeDocument/2006/relationships" xmlns:p="http://schemas.openxmlformats.org/presentationml/2006/main">
+  <p:cSld>
+    <p:spTree>
+      <p:nvGrpSpPr>
+        <p:cNvPr id="1" name=""/>
+        <p:cNvGrpSpPr/>
+        <p:nvPr/>
+      </p:nvGrpSpPr>
+      <p:grpSpPr>
+        <a:xfrm>
+          <a:off x="0" y="0"/>
+          <a:ext cx="0" cy="0"/>
+          <a:chOff x="0" y="0"/>
+          <a:chExt cx="0" cy="0"/>
+        </a:xfrm>
+      </p:grpSpPr>
+      <p:sp>
+        <p:nvSpPr>
           <p:cNvPr id="4" name="Title 3">
             <a:extLst>
               <a:ext uri="{FF2B5EF4-FFF2-40B4-BE49-F238E27FC236}">
@@ -14806,7 +16556,7 @@
 </p:sld>
 </file>
 
-<file path=ppt/slides/slide12.xml><?xml version="1.0" encoding="utf-8"?>
+<file path=ppt/slides/slide16.xml><?xml version="1.0" encoding="utf-8"?>
 <p:sld xmlns:a="http://schemas.openxmlformats.org/drawingml/2006/main" xmlns:r="http://schemas.openxmlformats.org/officeDocument/2006/relationships" xmlns:p="http://schemas.openxmlformats.org/presentationml/2006/main">
   <p:cSld>
     <p:spTree>
@@ -15022,499 +16772,6 @@
 </p:sld>
 </file>
 
-<file path=ppt/slides/slide13.xml><?xml version="1.0" encoding="utf-8"?>
-<p:sld xmlns:a="http://schemas.openxmlformats.org/drawingml/2006/main" xmlns:r="http://schemas.openxmlformats.org/officeDocument/2006/relationships" xmlns:p="http://schemas.openxmlformats.org/presentationml/2006/main">
-  <p:cSld>
-    <p:spTree>
-      <p:nvGrpSpPr>
-        <p:cNvPr id="1" name=""/>
-        <p:cNvGrpSpPr/>
-        <p:nvPr/>
-      </p:nvGrpSpPr>
-      <p:grpSpPr>
-        <a:xfrm>
-          <a:off x="0" y="0"/>
-          <a:ext cx="0" cy="0"/>
-          <a:chOff x="0" y="0"/>
-          <a:chExt cx="0" cy="0"/>
-        </a:xfrm>
-      </p:grpSpPr>
-      <p:sp>
-        <p:nvSpPr>
-          <p:cNvPr id="2" name="Title 1">
-            <a:extLst>
-              <a:ext uri="{FF2B5EF4-FFF2-40B4-BE49-F238E27FC236}">
-                <a16:creationId xmlns:a16="http://schemas.microsoft.com/office/drawing/2014/main" id="{9ADA59E6-05AF-D13F-17E9-90662AF4073B}"/>
-              </a:ext>
-            </a:extLst>
-          </p:cNvPr>
-          <p:cNvSpPr>
-            <a:spLocks noGrp="1"/>
-          </p:cNvSpPr>
-          <p:nvPr>
-            <p:ph type="title"/>
-          </p:nvPr>
-        </p:nvSpPr>
-        <p:spPr/>
-        <p:txBody>
-          <a:bodyPr/>
-          <a:lstStyle/>
-          <a:p>
-            <a:endParaRPr lang="en-IE"/>
-          </a:p>
-        </p:txBody>
-      </p:sp>
-      <p:sp>
-        <p:nvSpPr>
-          <p:cNvPr id="3" name="Picture Placeholder 2">
-            <a:extLst>
-              <a:ext uri="{FF2B5EF4-FFF2-40B4-BE49-F238E27FC236}">
-                <a16:creationId xmlns:a16="http://schemas.microsoft.com/office/drawing/2014/main" id="{BADE8256-D00A-1352-2490-FF0A3B47D6E2}"/>
-              </a:ext>
-            </a:extLst>
-          </p:cNvPr>
-          <p:cNvSpPr>
-            <a:spLocks noGrp="1"/>
-          </p:cNvSpPr>
-          <p:nvPr>
-            <p:ph type="pic" sz="quarter" idx="11"/>
-          </p:nvPr>
-        </p:nvSpPr>
-        <p:spPr/>
-      </p:sp>
-    </p:spTree>
-    <p:extLst>
-      <p:ext uri="{BB962C8B-B14F-4D97-AF65-F5344CB8AC3E}">
-        <p14:creationId xmlns:p14="http://schemas.microsoft.com/office/powerpoint/2010/main" val="851744047"/>
-      </p:ext>
-    </p:extLst>
-  </p:cSld>
-  <p:clrMapOvr>
-    <a:masterClrMapping/>
-  </p:clrMapOvr>
-  <p:transition>
-    <p:fade/>
-  </p:transition>
-</p:sld>
-</file>
-
-<file path=ppt/slides/slide14.xml><?xml version="1.0" encoding="utf-8"?>
-<p:sld xmlns:a="http://schemas.openxmlformats.org/drawingml/2006/main" xmlns:r="http://schemas.openxmlformats.org/officeDocument/2006/relationships" xmlns:p="http://schemas.openxmlformats.org/presentationml/2006/main">
-  <p:cSld>
-    <p:spTree>
-      <p:nvGrpSpPr>
-        <p:cNvPr id="1" name=""/>
-        <p:cNvGrpSpPr/>
-        <p:nvPr/>
-      </p:nvGrpSpPr>
-      <p:grpSpPr>
-        <a:xfrm>
-          <a:off x="0" y="0"/>
-          <a:ext cx="0" cy="0"/>
-          <a:chOff x="0" y="0"/>
-          <a:chExt cx="0" cy="0"/>
-        </a:xfrm>
-      </p:grpSpPr>
-      <p:sp>
-        <p:nvSpPr>
-          <p:cNvPr id="4" name="Title 3">
-            <a:extLst>
-              <a:ext uri="{FF2B5EF4-FFF2-40B4-BE49-F238E27FC236}">
-                <a16:creationId xmlns:a16="http://schemas.microsoft.com/office/drawing/2014/main" id="{352A8B8F-8492-0F68-6060-DD520FD70EFD}"/>
-              </a:ext>
-            </a:extLst>
-          </p:cNvPr>
-          <p:cNvSpPr>
-            <a:spLocks noGrp="1"/>
-          </p:cNvSpPr>
-          <p:nvPr>
-            <p:ph type="title"/>
-          </p:nvPr>
-        </p:nvSpPr>
-        <p:spPr>
-          <a:xfrm>
-            <a:off x="584518" y="311963"/>
-            <a:ext cx="11018520" cy="553998"/>
-          </a:xfrm>
-        </p:spPr>
-        <p:txBody>
-          <a:bodyPr/>
-          <a:lstStyle/>
-          <a:p>
-            <a:r>
-              <a:rPr lang="en-IE" dirty="0"/>
-              <a:t>Getting Latest file</a:t>
-            </a:r>
-            <a:endParaRPr lang="en-US" dirty="0"/>
-          </a:p>
-        </p:txBody>
-      </p:sp>
-      <p:sp>
-        <p:nvSpPr>
-          <p:cNvPr id="5" name="Content Placeholder 4">
-            <a:extLst>
-              <a:ext uri="{FF2B5EF4-FFF2-40B4-BE49-F238E27FC236}">
-                <a16:creationId xmlns:a16="http://schemas.microsoft.com/office/drawing/2014/main" id="{C17EB948-491F-19C6-E074-98324A042144}"/>
-              </a:ext>
-            </a:extLst>
-          </p:cNvPr>
-          <p:cNvSpPr>
-            <a:spLocks noGrp="1"/>
-          </p:cNvSpPr>
-          <p:nvPr>
-            <p:ph sz="quarter" idx="10"/>
-          </p:nvPr>
-        </p:nvSpPr>
-        <p:spPr>
-          <a:xfrm>
-            <a:off x="584200" y="1012723"/>
-            <a:ext cx="11018838" cy="4198072"/>
-          </a:xfrm>
-        </p:spPr>
-        <p:txBody>
-          <a:bodyPr/>
-          <a:lstStyle/>
-          <a:p>
-            <a:r>
-              <a:rPr lang="en-IE" dirty="0"/>
-              <a:t>Given: list of files </a:t>
-            </a:r>
-            <a:r>
-              <a:rPr lang="en-IE" dirty="0" err="1"/>
-              <a:t>AzureUsage</a:t>
-            </a:r>
-            <a:r>
-              <a:rPr lang="en-IE" dirty="0"/>
-              <a:t> (x).csv pick the latest as a source</a:t>
-            </a:r>
-          </a:p>
-          <a:p>
-            <a:endParaRPr lang="en-IE" dirty="0"/>
-          </a:p>
-          <a:p>
-            <a:r>
-              <a:rPr lang="en-IE" dirty="0"/>
-              <a:t>Solution: </a:t>
-            </a:r>
-          </a:p>
-          <a:p>
-            <a:pPr lvl="1"/>
-            <a:r>
-              <a:rPr lang="en-IE" dirty="0"/>
-              <a:t>Get Data</a:t>
-            </a:r>
-          </a:p>
-          <a:p>
-            <a:pPr lvl="1"/>
-            <a:r>
-              <a:rPr lang="en-IE" dirty="0" err="1"/>
-              <a:t>Sharepoint</a:t>
-            </a:r>
-            <a:r>
-              <a:rPr lang="en-IE" dirty="0"/>
-              <a:t> Folder </a:t>
-            </a:r>
-          </a:p>
-          <a:p>
-            <a:pPr lvl="1"/>
-            <a:r>
-              <a:rPr lang="en-IE" dirty="0"/>
-              <a:t>Text filter -&gt; Starts With -&gt; </a:t>
-            </a:r>
-            <a:r>
-              <a:rPr lang="en-IE" dirty="0" err="1"/>
-              <a:t>AzureUsage</a:t>
-            </a:r>
-            <a:endParaRPr lang="en-IE" dirty="0"/>
-          </a:p>
-          <a:p>
-            <a:pPr lvl="1"/>
-            <a:r>
-              <a:rPr lang="en-IE" dirty="0" err="1"/>
-              <a:t>DateModified</a:t>
-            </a:r>
-            <a:r>
-              <a:rPr lang="en-IE" dirty="0"/>
-              <a:t> -&gt; Date/Time Filter -&gt; Is Latest</a:t>
-            </a:r>
-          </a:p>
-          <a:p>
-            <a:pPr lvl="1"/>
-            <a:r>
-              <a:rPr lang="en-IE" dirty="0"/>
-              <a:t>Click on “Combine Files” button in the left column header</a:t>
-            </a:r>
-          </a:p>
-          <a:p>
-            <a:pPr lvl="1"/>
-            <a:r>
-              <a:rPr lang="en-IE" dirty="0"/>
-              <a:t>Rename the Query</a:t>
-            </a:r>
-          </a:p>
-          <a:p>
-            <a:endParaRPr lang="en-US" dirty="0"/>
-          </a:p>
-        </p:txBody>
-      </p:sp>
-    </p:spTree>
-    <p:extLst>
-      <p:ext uri="{BB962C8B-B14F-4D97-AF65-F5344CB8AC3E}">
-        <p14:creationId xmlns:p14="http://schemas.microsoft.com/office/powerpoint/2010/main" val="3744307599"/>
-      </p:ext>
-    </p:extLst>
-  </p:cSld>
-  <p:clrMapOvr>
-    <a:masterClrMapping/>
-  </p:clrMapOvr>
-  <p:transition>
-    <p:fade/>
-  </p:transition>
-</p:sld>
-</file>
-
-<file path=ppt/slides/slide15.xml><?xml version="1.0" encoding="utf-8"?>
-<p:sld xmlns:a="http://schemas.openxmlformats.org/drawingml/2006/main" xmlns:r="http://schemas.openxmlformats.org/officeDocument/2006/relationships" xmlns:p="http://schemas.openxmlformats.org/presentationml/2006/main">
-  <p:cSld>
-    <p:spTree>
-      <p:nvGrpSpPr>
-        <p:cNvPr id="1" name=""/>
-        <p:cNvGrpSpPr/>
-        <p:nvPr/>
-      </p:nvGrpSpPr>
-      <p:grpSpPr>
-        <a:xfrm>
-          <a:off x="0" y="0"/>
-          <a:ext cx="0" cy="0"/>
-          <a:chOff x="0" y="0"/>
-          <a:chExt cx="0" cy="0"/>
-        </a:xfrm>
-      </p:grpSpPr>
-      <p:sp>
-        <p:nvSpPr>
-          <p:cNvPr id="2" name="Title 1">
-            <a:extLst>
-              <a:ext uri="{FF2B5EF4-FFF2-40B4-BE49-F238E27FC236}">
-                <a16:creationId xmlns:a16="http://schemas.microsoft.com/office/drawing/2014/main" id="{2B582B95-E0E6-1BC0-B4E9-EA12D43E00D4}"/>
-              </a:ext>
-            </a:extLst>
-          </p:cNvPr>
-          <p:cNvSpPr>
-            <a:spLocks noGrp="1"/>
-          </p:cNvSpPr>
-          <p:nvPr>
-            <p:ph type="title"/>
-          </p:nvPr>
-        </p:nvSpPr>
-        <p:spPr/>
-        <p:txBody>
-          <a:bodyPr/>
-          <a:lstStyle/>
-          <a:p>
-            <a:r>
-              <a:rPr lang="en-IE" dirty="0"/>
-              <a:t>Date format</a:t>
-            </a:r>
-            <a:endParaRPr lang="en-US" dirty="0"/>
-          </a:p>
-        </p:txBody>
-      </p:sp>
-      <p:sp>
-        <p:nvSpPr>
-          <p:cNvPr id="3" name="Content Placeholder 2">
-            <a:extLst>
-              <a:ext uri="{FF2B5EF4-FFF2-40B4-BE49-F238E27FC236}">
-                <a16:creationId xmlns:a16="http://schemas.microsoft.com/office/drawing/2014/main" id="{A5906A48-2F56-16EB-CE68-417075FD366E}"/>
-              </a:ext>
-            </a:extLst>
-          </p:cNvPr>
-          <p:cNvSpPr>
-            <a:spLocks noGrp="1"/>
-          </p:cNvSpPr>
-          <p:nvPr>
-            <p:ph sz="quarter" idx="10"/>
-          </p:nvPr>
-        </p:nvSpPr>
-        <p:spPr>
-          <a:xfrm>
-            <a:off x="584200" y="1435100"/>
-            <a:ext cx="11018838" cy="3681008"/>
-          </a:xfrm>
-        </p:spPr>
-        <p:txBody>
-          <a:bodyPr/>
-          <a:lstStyle/>
-          <a:p>
-            <a:r>
-              <a:rPr lang="en-IE" dirty="0"/>
-              <a:t>Challenge: </a:t>
-            </a:r>
-          </a:p>
-          <a:p>
-            <a:pPr lvl="1"/>
-            <a:r>
-              <a:rPr lang="en-IE" dirty="0"/>
-              <a:t>Csv file uses MM/DD/YYYY date format whereas most of us using DD/MM/YYYY</a:t>
-            </a:r>
-          </a:p>
-          <a:p>
-            <a:pPr lvl="1"/>
-            <a:endParaRPr lang="en-IE" dirty="0"/>
-          </a:p>
-          <a:p>
-            <a:r>
-              <a:rPr lang="en-IE" dirty="0"/>
-              <a:t>Solution:</a:t>
-            </a:r>
-          </a:p>
-          <a:p>
-            <a:pPr lvl="1"/>
-            <a:r>
-              <a:rPr lang="en-IE" dirty="0"/>
-              <a:t>Split the field by ‘/’ into DD MM and YYYY fields and recombine them to DD/MM/YYYY</a:t>
-            </a:r>
-            <a:endParaRPr lang="en-US" dirty="0"/>
-          </a:p>
-          <a:p>
-            <a:pPr lvl="1"/>
-            <a:endParaRPr lang="en-US" dirty="0"/>
-          </a:p>
-          <a:p>
-            <a:r>
-              <a:rPr lang="en-US" dirty="0" err="1"/>
-              <a:t>PowerQuery</a:t>
-            </a:r>
-            <a:endParaRPr lang="en-US" dirty="0"/>
-          </a:p>
-          <a:p>
-            <a:pPr lvl="1"/>
-            <a:r>
-              <a:rPr lang="en-US" dirty="0"/>
-              <a:t>Transform </a:t>
-            </a:r>
-            <a:r>
-              <a:rPr lang="en-US"/>
-              <a:t>-&gt; Split by ‘/’</a:t>
-            </a:r>
-          </a:p>
-          <a:p>
-            <a:pPr lvl="1"/>
-            <a:endParaRPr lang="en-IE"/>
-          </a:p>
-        </p:txBody>
-      </p:sp>
-    </p:spTree>
-    <p:extLst>
-      <p:ext uri="{BB962C8B-B14F-4D97-AF65-F5344CB8AC3E}">
-        <p14:creationId xmlns:p14="http://schemas.microsoft.com/office/powerpoint/2010/main" val="47875129"/>
-      </p:ext>
-    </p:extLst>
-  </p:cSld>
-  <p:clrMapOvr>
-    <a:masterClrMapping/>
-  </p:clrMapOvr>
-  <p:transition>
-    <p:fade/>
-  </p:transition>
-</p:sld>
-</file>
-
-<file path=ppt/slides/slide16.xml><?xml version="1.0" encoding="utf-8"?>
-<p:sld xmlns:a="http://schemas.openxmlformats.org/drawingml/2006/main" xmlns:r="http://schemas.openxmlformats.org/officeDocument/2006/relationships" xmlns:p="http://schemas.openxmlformats.org/presentationml/2006/main">
-  <p:cSld>
-    <p:spTree>
-      <p:nvGrpSpPr>
-        <p:cNvPr id="1" name=""/>
-        <p:cNvGrpSpPr/>
-        <p:nvPr/>
-      </p:nvGrpSpPr>
-      <p:grpSpPr>
-        <a:xfrm>
-          <a:off x="0" y="0"/>
-          <a:ext cx="0" cy="0"/>
-          <a:chOff x="0" y="0"/>
-          <a:chExt cx="0" cy="0"/>
-        </a:xfrm>
-      </p:grpSpPr>
-      <p:sp>
-        <p:nvSpPr>
-          <p:cNvPr id="17" name="Title 16"/>
-          <p:cNvSpPr>
-            <a:spLocks noGrp="1"/>
-          </p:cNvSpPr>
-          <p:nvPr>
-            <p:ph type="title"/>
-          </p:nvPr>
-        </p:nvSpPr>
-        <p:spPr/>
-        <p:txBody>
-          <a:bodyPr/>
-          <a:lstStyle/>
-          <a:p>
-            <a:r>
-              <a:rPr lang="en-US" dirty="0"/>
-              <a:t>Text layout (without bullet points)</a:t>
-            </a:r>
-          </a:p>
-        </p:txBody>
-      </p:sp>
-      <p:sp>
-        <p:nvSpPr>
-          <p:cNvPr id="6" name="Text Placeholder 5"/>
-          <p:cNvSpPr>
-            <a:spLocks noGrp="1"/>
-          </p:cNvSpPr>
-          <p:nvPr>
-            <p:ph type="body" sz="quarter" idx="10"/>
-          </p:nvPr>
-        </p:nvSpPr>
-        <p:spPr>
-          <a:xfrm>
-            <a:off x="586390" y="1434370"/>
-            <a:ext cx="11018520" cy="1095685"/>
-          </a:xfrm>
-        </p:spPr>
-        <p:txBody>
-          <a:bodyPr/>
-          <a:lstStyle/>
-          <a:p>
-            <a:r>
-              <a:rPr lang="en-US" dirty="0"/>
-              <a:t>Main topic: Segoe UI, size 28pt</a:t>
-            </a:r>
-          </a:p>
-          <a:p>
-            <a:pPr lvl="1"/>
-            <a:r>
-              <a:rPr lang="en-US" dirty="0"/>
-              <a:t>Segoe UI, size 20pt for second level</a:t>
-            </a:r>
-          </a:p>
-          <a:p>
-            <a:pPr lvl="2"/>
-            <a:r>
-              <a:rPr lang="en-US" dirty="0"/>
-              <a:t>Segoe UI, size 16pt for third level</a:t>
-            </a:r>
-          </a:p>
-        </p:txBody>
-      </p:sp>
-    </p:spTree>
-    <p:extLst>
-      <p:ext uri="{BB962C8B-B14F-4D97-AF65-F5344CB8AC3E}">
-        <p14:creationId xmlns:p14="http://schemas.microsoft.com/office/powerpoint/2010/main" val="3957722359"/>
-      </p:ext>
-    </p:extLst>
-  </p:cSld>
-  <p:clrMapOvr>
-    <a:masterClrMapping/>
-  </p:clrMapOvr>
-  <p:transition>
-    <p:fade/>
-  </p:transition>
-</p:sld>
-</file>
-
 <file path=ppt/slides/slide17.xml><?xml version="1.0" encoding="utf-8"?>
 <p:sld xmlns:a="http://schemas.openxmlformats.org/drawingml/2006/main" xmlns:r="http://schemas.openxmlformats.org/officeDocument/2006/relationships" xmlns:p="http://schemas.openxmlformats.org/presentationml/2006/main">
   <p:cSld>
@@ -15534,6 +16791,617 @@
       </p:grpSpPr>
       <p:sp>
         <p:nvSpPr>
+          <p:cNvPr id="2" name="Title 1">
+            <a:extLst>
+              <a:ext uri="{FF2B5EF4-FFF2-40B4-BE49-F238E27FC236}">
+                <a16:creationId xmlns:a16="http://schemas.microsoft.com/office/drawing/2014/main" id="{9ADA59E6-05AF-D13F-17E9-90662AF4073B}"/>
+              </a:ext>
+            </a:extLst>
+          </p:cNvPr>
+          <p:cNvSpPr>
+            <a:spLocks noGrp="1"/>
+          </p:cNvSpPr>
+          <p:nvPr>
+            <p:ph type="title"/>
+          </p:nvPr>
+        </p:nvSpPr>
+        <p:spPr/>
+        <p:txBody>
+          <a:bodyPr/>
+          <a:lstStyle/>
+          <a:p>
+            <a:endParaRPr lang="en-IE"/>
+          </a:p>
+        </p:txBody>
+      </p:sp>
+      <p:sp>
+        <p:nvSpPr>
+          <p:cNvPr id="3" name="Picture Placeholder 2">
+            <a:extLst>
+              <a:ext uri="{FF2B5EF4-FFF2-40B4-BE49-F238E27FC236}">
+                <a16:creationId xmlns:a16="http://schemas.microsoft.com/office/drawing/2014/main" id="{BADE8256-D00A-1352-2490-FF0A3B47D6E2}"/>
+              </a:ext>
+            </a:extLst>
+          </p:cNvPr>
+          <p:cNvSpPr>
+            <a:spLocks noGrp="1"/>
+          </p:cNvSpPr>
+          <p:nvPr>
+            <p:ph type="pic" sz="quarter" idx="11"/>
+          </p:nvPr>
+        </p:nvSpPr>
+        <p:spPr/>
+      </p:sp>
+    </p:spTree>
+    <p:extLst>
+      <p:ext uri="{BB962C8B-B14F-4D97-AF65-F5344CB8AC3E}">
+        <p14:creationId xmlns:p14="http://schemas.microsoft.com/office/powerpoint/2010/main" val="851744047"/>
+      </p:ext>
+    </p:extLst>
+  </p:cSld>
+  <p:clrMapOvr>
+    <a:masterClrMapping/>
+  </p:clrMapOvr>
+  <p:transition>
+    <p:fade/>
+  </p:transition>
+</p:sld>
+</file>
+
+<file path=ppt/slides/slide18.xml><?xml version="1.0" encoding="utf-8"?>
+<p:sld xmlns:a="http://schemas.openxmlformats.org/drawingml/2006/main" xmlns:r="http://schemas.openxmlformats.org/officeDocument/2006/relationships" xmlns:p="http://schemas.openxmlformats.org/presentationml/2006/main">
+  <p:cSld>
+    <p:spTree>
+      <p:nvGrpSpPr>
+        <p:cNvPr id="1" name=""/>
+        <p:cNvGrpSpPr/>
+        <p:nvPr/>
+      </p:nvGrpSpPr>
+      <p:grpSpPr>
+        <a:xfrm>
+          <a:off x="0" y="0"/>
+          <a:ext cx="0" cy="0"/>
+          <a:chOff x="0" y="0"/>
+          <a:chExt cx="0" cy="0"/>
+        </a:xfrm>
+      </p:grpSpPr>
+      <p:sp>
+        <p:nvSpPr>
+          <p:cNvPr id="4" name="Title 3">
+            <a:extLst>
+              <a:ext uri="{FF2B5EF4-FFF2-40B4-BE49-F238E27FC236}">
+                <a16:creationId xmlns:a16="http://schemas.microsoft.com/office/drawing/2014/main" id="{352A8B8F-8492-0F68-6060-DD520FD70EFD}"/>
+              </a:ext>
+            </a:extLst>
+          </p:cNvPr>
+          <p:cNvSpPr>
+            <a:spLocks noGrp="1"/>
+          </p:cNvSpPr>
+          <p:nvPr>
+            <p:ph type="title"/>
+          </p:nvPr>
+        </p:nvSpPr>
+        <p:spPr>
+          <a:xfrm>
+            <a:off x="584518" y="311963"/>
+            <a:ext cx="11018520" cy="553998"/>
+          </a:xfrm>
+        </p:spPr>
+        <p:txBody>
+          <a:bodyPr/>
+          <a:lstStyle/>
+          <a:p>
+            <a:r>
+              <a:rPr lang="en-IE" dirty="0"/>
+              <a:t>Getting Latest file</a:t>
+            </a:r>
+            <a:endParaRPr lang="en-US" dirty="0"/>
+          </a:p>
+        </p:txBody>
+      </p:sp>
+      <p:sp>
+        <p:nvSpPr>
+          <p:cNvPr id="5" name="Content Placeholder 4">
+            <a:extLst>
+              <a:ext uri="{FF2B5EF4-FFF2-40B4-BE49-F238E27FC236}">
+                <a16:creationId xmlns:a16="http://schemas.microsoft.com/office/drawing/2014/main" id="{C17EB948-491F-19C6-E074-98324A042144}"/>
+              </a:ext>
+            </a:extLst>
+          </p:cNvPr>
+          <p:cNvSpPr>
+            <a:spLocks noGrp="1"/>
+          </p:cNvSpPr>
+          <p:nvPr>
+            <p:ph sz="quarter" idx="10"/>
+          </p:nvPr>
+        </p:nvSpPr>
+        <p:spPr>
+          <a:xfrm>
+            <a:off x="584200" y="1012723"/>
+            <a:ext cx="11018838" cy="4198072"/>
+          </a:xfrm>
+        </p:spPr>
+        <p:txBody>
+          <a:bodyPr/>
+          <a:lstStyle/>
+          <a:p>
+            <a:r>
+              <a:rPr lang="en-IE" dirty="0"/>
+              <a:t>Given: list of files </a:t>
+            </a:r>
+            <a:r>
+              <a:rPr lang="en-IE" dirty="0" err="1"/>
+              <a:t>AzureUsage</a:t>
+            </a:r>
+            <a:r>
+              <a:rPr lang="en-IE" dirty="0"/>
+              <a:t> (x).csv pick the latest as a source</a:t>
+            </a:r>
+          </a:p>
+          <a:p>
+            <a:endParaRPr lang="en-IE" dirty="0"/>
+          </a:p>
+          <a:p>
+            <a:r>
+              <a:rPr lang="en-IE" dirty="0"/>
+              <a:t>Solution: </a:t>
+            </a:r>
+          </a:p>
+          <a:p>
+            <a:pPr lvl="1"/>
+            <a:r>
+              <a:rPr lang="en-IE" dirty="0"/>
+              <a:t>Get Data</a:t>
+            </a:r>
+          </a:p>
+          <a:p>
+            <a:pPr lvl="1"/>
+            <a:r>
+              <a:rPr lang="en-IE" dirty="0" err="1"/>
+              <a:t>Sharepoint</a:t>
+            </a:r>
+            <a:r>
+              <a:rPr lang="en-IE" dirty="0"/>
+              <a:t> Folder </a:t>
+            </a:r>
+          </a:p>
+          <a:p>
+            <a:pPr lvl="1"/>
+            <a:r>
+              <a:rPr lang="en-IE" dirty="0"/>
+              <a:t>Text filter -&gt; Starts With -&gt; </a:t>
+            </a:r>
+            <a:r>
+              <a:rPr lang="en-IE" dirty="0" err="1"/>
+              <a:t>AzureUsage</a:t>
+            </a:r>
+            <a:endParaRPr lang="en-IE" dirty="0"/>
+          </a:p>
+          <a:p>
+            <a:pPr lvl="1"/>
+            <a:r>
+              <a:rPr lang="en-IE" dirty="0" err="1"/>
+              <a:t>DateModified</a:t>
+            </a:r>
+            <a:r>
+              <a:rPr lang="en-IE" dirty="0"/>
+              <a:t> -&gt; Date/Time Filter -&gt; Is Latest</a:t>
+            </a:r>
+          </a:p>
+          <a:p>
+            <a:pPr lvl="1"/>
+            <a:r>
+              <a:rPr lang="en-IE" dirty="0"/>
+              <a:t>Click on “Combine Files” button in the left column header</a:t>
+            </a:r>
+          </a:p>
+          <a:p>
+            <a:pPr lvl="1"/>
+            <a:r>
+              <a:rPr lang="en-IE" dirty="0"/>
+              <a:t>Rename the Query</a:t>
+            </a:r>
+          </a:p>
+          <a:p>
+            <a:endParaRPr lang="en-US" dirty="0"/>
+          </a:p>
+        </p:txBody>
+      </p:sp>
+    </p:spTree>
+    <p:extLst>
+      <p:ext uri="{BB962C8B-B14F-4D97-AF65-F5344CB8AC3E}">
+        <p14:creationId xmlns:p14="http://schemas.microsoft.com/office/powerpoint/2010/main" val="3744307599"/>
+      </p:ext>
+    </p:extLst>
+  </p:cSld>
+  <p:clrMapOvr>
+    <a:masterClrMapping/>
+  </p:clrMapOvr>
+  <p:transition>
+    <p:fade/>
+  </p:transition>
+</p:sld>
+</file>
+
+<file path=ppt/slides/slide19.xml><?xml version="1.0" encoding="utf-8"?>
+<p:sld xmlns:a="http://schemas.openxmlformats.org/drawingml/2006/main" xmlns:r="http://schemas.openxmlformats.org/officeDocument/2006/relationships" xmlns:p="http://schemas.openxmlformats.org/presentationml/2006/main">
+  <p:cSld>
+    <p:spTree>
+      <p:nvGrpSpPr>
+        <p:cNvPr id="1" name=""/>
+        <p:cNvGrpSpPr/>
+        <p:nvPr/>
+      </p:nvGrpSpPr>
+      <p:grpSpPr>
+        <a:xfrm>
+          <a:off x="0" y="0"/>
+          <a:ext cx="0" cy="0"/>
+          <a:chOff x="0" y="0"/>
+          <a:chExt cx="0" cy="0"/>
+        </a:xfrm>
+      </p:grpSpPr>
+      <p:sp>
+        <p:nvSpPr>
+          <p:cNvPr id="2" name="Title 1">
+            <a:extLst>
+              <a:ext uri="{FF2B5EF4-FFF2-40B4-BE49-F238E27FC236}">
+                <a16:creationId xmlns:a16="http://schemas.microsoft.com/office/drawing/2014/main" id="{2B582B95-E0E6-1BC0-B4E9-EA12D43E00D4}"/>
+              </a:ext>
+            </a:extLst>
+          </p:cNvPr>
+          <p:cNvSpPr>
+            <a:spLocks noGrp="1"/>
+          </p:cNvSpPr>
+          <p:nvPr>
+            <p:ph type="title"/>
+          </p:nvPr>
+        </p:nvSpPr>
+        <p:spPr/>
+        <p:txBody>
+          <a:bodyPr/>
+          <a:lstStyle/>
+          <a:p>
+            <a:r>
+              <a:rPr lang="en-IE" dirty="0"/>
+              <a:t>Date format</a:t>
+            </a:r>
+            <a:endParaRPr lang="en-US" dirty="0"/>
+          </a:p>
+        </p:txBody>
+      </p:sp>
+      <p:sp>
+        <p:nvSpPr>
+          <p:cNvPr id="3" name="Content Placeholder 2">
+            <a:extLst>
+              <a:ext uri="{FF2B5EF4-FFF2-40B4-BE49-F238E27FC236}">
+                <a16:creationId xmlns:a16="http://schemas.microsoft.com/office/drawing/2014/main" id="{A5906A48-2F56-16EB-CE68-417075FD366E}"/>
+              </a:ext>
+            </a:extLst>
+          </p:cNvPr>
+          <p:cNvSpPr>
+            <a:spLocks noGrp="1"/>
+          </p:cNvSpPr>
+          <p:nvPr>
+            <p:ph sz="quarter" idx="10"/>
+          </p:nvPr>
+        </p:nvSpPr>
+        <p:spPr>
+          <a:xfrm>
+            <a:off x="584200" y="1435100"/>
+            <a:ext cx="11018838" cy="3681008"/>
+          </a:xfrm>
+        </p:spPr>
+        <p:txBody>
+          <a:bodyPr/>
+          <a:lstStyle/>
+          <a:p>
+            <a:r>
+              <a:rPr lang="en-IE" dirty="0"/>
+              <a:t>Challenge: </a:t>
+            </a:r>
+          </a:p>
+          <a:p>
+            <a:pPr lvl="1"/>
+            <a:r>
+              <a:rPr lang="en-IE" dirty="0"/>
+              <a:t>Csv file uses MM/DD/YYYY date format whereas most of us using DD/MM/YYYY</a:t>
+            </a:r>
+          </a:p>
+          <a:p>
+            <a:pPr lvl="1"/>
+            <a:endParaRPr lang="en-IE" dirty="0"/>
+          </a:p>
+          <a:p>
+            <a:r>
+              <a:rPr lang="en-IE" dirty="0"/>
+              <a:t>Solution:</a:t>
+            </a:r>
+          </a:p>
+          <a:p>
+            <a:pPr lvl="1"/>
+            <a:r>
+              <a:rPr lang="en-IE" dirty="0"/>
+              <a:t>Split the field by ‘/’ into DD MM and YYYY fields and recombine them to DD/MM/YYYY</a:t>
+            </a:r>
+            <a:endParaRPr lang="en-US" dirty="0"/>
+          </a:p>
+          <a:p>
+            <a:pPr lvl="1"/>
+            <a:endParaRPr lang="en-US" dirty="0"/>
+          </a:p>
+          <a:p>
+            <a:r>
+              <a:rPr lang="en-US" dirty="0" err="1"/>
+              <a:t>PowerQuery</a:t>
+            </a:r>
+            <a:endParaRPr lang="en-US" dirty="0"/>
+          </a:p>
+          <a:p>
+            <a:pPr lvl="1"/>
+            <a:r>
+              <a:rPr lang="en-US" dirty="0"/>
+              <a:t>Transform </a:t>
+            </a:r>
+            <a:r>
+              <a:rPr lang="en-US"/>
+              <a:t>-&gt; Split by ‘/’</a:t>
+            </a:r>
+          </a:p>
+          <a:p>
+            <a:pPr lvl="1"/>
+            <a:endParaRPr lang="en-IE"/>
+          </a:p>
+        </p:txBody>
+      </p:sp>
+    </p:spTree>
+    <p:extLst>
+      <p:ext uri="{BB962C8B-B14F-4D97-AF65-F5344CB8AC3E}">
+        <p14:creationId xmlns:p14="http://schemas.microsoft.com/office/powerpoint/2010/main" val="47875129"/>
+      </p:ext>
+    </p:extLst>
+  </p:cSld>
+  <p:clrMapOvr>
+    <a:masterClrMapping/>
+  </p:clrMapOvr>
+  <p:transition>
+    <p:fade/>
+  </p:transition>
+</p:sld>
+</file>
+
+<file path=ppt/slides/slide2.xml><?xml version="1.0" encoding="utf-8"?>
+<p:sld xmlns:a="http://schemas.openxmlformats.org/drawingml/2006/main" xmlns:r="http://schemas.openxmlformats.org/officeDocument/2006/relationships" xmlns:p="http://schemas.openxmlformats.org/presentationml/2006/main">
+  <p:cSld>
+    <p:spTree>
+      <p:nvGrpSpPr>
+        <p:cNvPr id="1" name=""/>
+        <p:cNvGrpSpPr/>
+        <p:nvPr/>
+      </p:nvGrpSpPr>
+      <p:grpSpPr>
+        <a:xfrm>
+          <a:off x="0" y="0"/>
+          <a:ext cx="0" cy="0"/>
+          <a:chOff x="0" y="0"/>
+          <a:chExt cx="0" cy="0"/>
+        </a:xfrm>
+      </p:grpSpPr>
+      <p:sp>
+        <p:nvSpPr>
+          <p:cNvPr id="6" name="Title 5">
+            <a:extLst>
+              <a:ext uri="{FF2B5EF4-FFF2-40B4-BE49-F238E27FC236}">
+                <a16:creationId xmlns:a16="http://schemas.microsoft.com/office/drawing/2014/main" id="{E7BF15BD-001C-49B3-9A01-B39DEDA47564}"/>
+              </a:ext>
+            </a:extLst>
+          </p:cNvPr>
+          <p:cNvSpPr>
+            <a:spLocks noGrp="1"/>
+          </p:cNvSpPr>
+          <p:nvPr>
+            <p:ph type="title"/>
+          </p:nvPr>
+        </p:nvSpPr>
+        <p:spPr>
+          <a:xfrm>
+            <a:off x="585216" y="2309812"/>
+            <a:ext cx="3182027" cy="553998"/>
+          </a:xfrm>
+        </p:spPr>
+        <p:txBody>
+          <a:bodyPr/>
+          <a:lstStyle/>
+          <a:p>
+            <a:r>
+              <a:rPr lang="en-US" dirty="0"/>
+              <a:t>Agenda</a:t>
+            </a:r>
+          </a:p>
+        </p:txBody>
+      </p:sp>
+      <p:sp>
+        <p:nvSpPr>
+          <p:cNvPr id="7" name="Text Placeholder 6">
+            <a:extLst>
+              <a:ext uri="{FF2B5EF4-FFF2-40B4-BE49-F238E27FC236}">
+                <a16:creationId xmlns:a16="http://schemas.microsoft.com/office/drawing/2014/main" id="{61F6BD0B-C4D8-42DE-A3A7-50D8219CE639}"/>
+              </a:ext>
+            </a:extLst>
+          </p:cNvPr>
+          <p:cNvSpPr>
+            <a:spLocks noGrp="1"/>
+          </p:cNvSpPr>
+          <p:nvPr>
+            <p:ph type="body" sz="quarter" idx="11"/>
+          </p:nvPr>
+        </p:nvSpPr>
+        <p:spPr>
+          <a:xfrm>
+            <a:off x="4354523" y="2309812"/>
+            <a:ext cx="7254865" cy="2289858"/>
+          </a:xfrm>
+        </p:spPr>
+        <p:txBody>
+          <a:bodyPr/>
+          <a:lstStyle/>
+          <a:p>
+            <a:r>
+              <a:rPr lang="en-IE" dirty="0"/>
+              <a:t>Introduction</a:t>
+            </a:r>
+          </a:p>
+          <a:p>
+            <a:r>
+              <a:rPr lang="en-US" dirty="0"/>
+              <a:t>Brief overview</a:t>
+            </a:r>
+          </a:p>
+          <a:p>
+            <a:r>
+              <a:rPr lang="en-US" dirty="0"/>
+              <a:t>Step by Step</a:t>
+            </a:r>
+          </a:p>
+          <a:p>
+            <a:r>
+              <a:rPr lang="en-US" dirty="0" err="1"/>
+              <a:t>QnA</a:t>
+            </a:r>
+            <a:endParaRPr lang="en-IE" dirty="0"/>
+          </a:p>
+        </p:txBody>
+      </p:sp>
+    </p:spTree>
+    <p:extLst>
+      <p:ext uri="{BB962C8B-B14F-4D97-AF65-F5344CB8AC3E}">
+        <p14:creationId xmlns:p14="http://schemas.microsoft.com/office/powerpoint/2010/main" val="4178565498"/>
+      </p:ext>
+    </p:extLst>
+  </p:cSld>
+  <p:clrMapOvr>
+    <a:masterClrMapping/>
+  </p:clrMapOvr>
+  <p:transition>
+    <p:fade/>
+  </p:transition>
+</p:sld>
+</file>
+
+<file path=ppt/slides/slide20.xml><?xml version="1.0" encoding="utf-8"?>
+<p:sld xmlns:a="http://schemas.openxmlformats.org/drawingml/2006/main" xmlns:r="http://schemas.openxmlformats.org/officeDocument/2006/relationships" xmlns:p="http://schemas.openxmlformats.org/presentationml/2006/main">
+  <p:cSld>
+    <p:spTree>
+      <p:nvGrpSpPr>
+        <p:cNvPr id="1" name=""/>
+        <p:cNvGrpSpPr/>
+        <p:nvPr/>
+      </p:nvGrpSpPr>
+      <p:grpSpPr>
+        <a:xfrm>
+          <a:off x="0" y="0"/>
+          <a:ext cx="0" cy="0"/>
+          <a:chOff x="0" y="0"/>
+          <a:chExt cx="0" cy="0"/>
+        </a:xfrm>
+      </p:grpSpPr>
+      <p:sp>
+        <p:nvSpPr>
+          <p:cNvPr id="17" name="Title 16"/>
+          <p:cNvSpPr>
+            <a:spLocks noGrp="1"/>
+          </p:cNvSpPr>
+          <p:nvPr>
+            <p:ph type="title"/>
+          </p:nvPr>
+        </p:nvSpPr>
+        <p:spPr/>
+        <p:txBody>
+          <a:bodyPr/>
+          <a:lstStyle/>
+          <a:p>
+            <a:r>
+              <a:rPr lang="en-US" dirty="0"/>
+              <a:t>Text layout (without bullet points)</a:t>
+            </a:r>
+          </a:p>
+        </p:txBody>
+      </p:sp>
+      <p:sp>
+        <p:nvSpPr>
+          <p:cNvPr id="6" name="Text Placeholder 5"/>
+          <p:cNvSpPr>
+            <a:spLocks noGrp="1"/>
+          </p:cNvSpPr>
+          <p:nvPr>
+            <p:ph type="body" sz="quarter" idx="10"/>
+          </p:nvPr>
+        </p:nvSpPr>
+        <p:spPr>
+          <a:xfrm>
+            <a:off x="586390" y="1434370"/>
+            <a:ext cx="11018520" cy="1095685"/>
+          </a:xfrm>
+        </p:spPr>
+        <p:txBody>
+          <a:bodyPr/>
+          <a:lstStyle/>
+          <a:p>
+            <a:r>
+              <a:rPr lang="en-US" dirty="0"/>
+              <a:t>Main topic: Segoe UI, size 28pt</a:t>
+            </a:r>
+          </a:p>
+          <a:p>
+            <a:pPr lvl="1"/>
+            <a:r>
+              <a:rPr lang="en-US" dirty="0"/>
+              <a:t>Segoe UI, size 20pt for second level</a:t>
+            </a:r>
+          </a:p>
+          <a:p>
+            <a:pPr lvl="2"/>
+            <a:r>
+              <a:rPr lang="en-US" dirty="0"/>
+              <a:t>Segoe UI, size 16pt for third level</a:t>
+            </a:r>
+          </a:p>
+        </p:txBody>
+      </p:sp>
+    </p:spTree>
+    <p:extLst>
+      <p:ext uri="{BB962C8B-B14F-4D97-AF65-F5344CB8AC3E}">
+        <p14:creationId xmlns:p14="http://schemas.microsoft.com/office/powerpoint/2010/main" val="3957722359"/>
+      </p:ext>
+    </p:extLst>
+  </p:cSld>
+  <p:clrMapOvr>
+    <a:masterClrMapping/>
+  </p:clrMapOvr>
+  <p:transition>
+    <p:fade/>
+  </p:transition>
+</p:sld>
+</file>
+
+<file path=ppt/slides/slide21.xml><?xml version="1.0" encoding="utf-8"?>
+<p:sld xmlns:a="http://schemas.openxmlformats.org/drawingml/2006/main" xmlns:r="http://schemas.openxmlformats.org/officeDocument/2006/relationships" xmlns:p="http://schemas.openxmlformats.org/presentationml/2006/main">
+  <p:cSld>
+    <p:spTree>
+      <p:nvGrpSpPr>
+        <p:cNvPr id="1" name=""/>
+        <p:cNvGrpSpPr/>
+        <p:nvPr/>
+      </p:nvGrpSpPr>
+      <p:grpSpPr>
+        <a:xfrm>
+          <a:off x="0" y="0"/>
+          <a:ext cx="0" cy="0"/>
+          <a:chOff x="0" y="0"/>
+          <a:chExt cx="0" cy="0"/>
+        </a:xfrm>
+      </p:grpSpPr>
+      <p:sp>
+        <p:nvSpPr>
           <p:cNvPr id="17" name="Title 16"/>
           <p:cNvSpPr>
             <a:spLocks noGrp="1"/>
@@ -15606,7 +17474,7 @@
 </p:sld>
 </file>
 
-<file path=ppt/slides/slide18.xml><?xml version="1.0" encoding="utf-8"?>
+<file path=ppt/slides/slide22.xml><?xml version="1.0" encoding="utf-8"?>
 <p:sld xmlns:a="http://schemas.openxmlformats.org/drawingml/2006/main" xmlns:r="http://schemas.openxmlformats.org/officeDocument/2006/relationships" xmlns:p="http://schemas.openxmlformats.org/presentationml/2006/main">
   <p:cSld>
     <p:spTree>
@@ -15849,7 +17717,7 @@
 </p:sld>
 </file>
 
-<file path=ppt/slides/slide19.xml><?xml version="1.0" encoding="utf-8"?>
+<file path=ppt/slides/slide23.xml><?xml version="1.0" encoding="utf-8"?>
 <p:sld xmlns:a="http://schemas.openxmlformats.org/drawingml/2006/main" xmlns:r="http://schemas.openxmlformats.org/officeDocument/2006/relationships" xmlns:p="http://schemas.openxmlformats.org/presentationml/2006/main">
   <p:cSld>
     <p:spTree>
@@ -16368,125 +18236,7 @@
 </p:sld>
 </file>
 
-<file path=ppt/slides/slide2.xml><?xml version="1.0" encoding="utf-8"?>
-<p:sld xmlns:a="http://schemas.openxmlformats.org/drawingml/2006/main" xmlns:r="http://schemas.openxmlformats.org/officeDocument/2006/relationships" xmlns:p="http://schemas.openxmlformats.org/presentationml/2006/main">
-  <p:cSld>
-    <p:spTree>
-      <p:nvGrpSpPr>
-        <p:cNvPr id="1" name=""/>
-        <p:cNvGrpSpPr/>
-        <p:nvPr/>
-      </p:nvGrpSpPr>
-      <p:grpSpPr>
-        <a:xfrm>
-          <a:off x="0" y="0"/>
-          <a:ext cx="0" cy="0"/>
-          <a:chOff x="0" y="0"/>
-          <a:chExt cx="0" cy="0"/>
-        </a:xfrm>
-      </p:grpSpPr>
-      <p:sp>
-        <p:nvSpPr>
-          <p:cNvPr id="6" name="Title 5">
-            <a:extLst>
-              <a:ext uri="{FF2B5EF4-FFF2-40B4-BE49-F238E27FC236}">
-                <a16:creationId xmlns:a16="http://schemas.microsoft.com/office/drawing/2014/main" id="{E7BF15BD-001C-49B3-9A01-B39DEDA47564}"/>
-              </a:ext>
-            </a:extLst>
-          </p:cNvPr>
-          <p:cNvSpPr>
-            <a:spLocks noGrp="1"/>
-          </p:cNvSpPr>
-          <p:nvPr>
-            <p:ph type="title"/>
-          </p:nvPr>
-        </p:nvSpPr>
-        <p:spPr>
-          <a:xfrm>
-            <a:off x="585216" y="2309812"/>
-            <a:ext cx="3182027" cy="553998"/>
-          </a:xfrm>
-        </p:spPr>
-        <p:txBody>
-          <a:bodyPr/>
-          <a:lstStyle/>
-          <a:p>
-            <a:r>
-              <a:rPr lang="en-US" dirty="0"/>
-              <a:t>Agenda</a:t>
-            </a:r>
-          </a:p>
-        </p:txBody>
-      </p:sp>
-      <p:sp>
-        <p:nvSpPr>
-          <p:cNvPr id="7" name="Text Placeholder 6">
-            <a:extLst>
-              <a:ext uri="{FF2B5EF4-FFF2-40B4-BE49-F238E27FC236}">
-                <a16:creationId xmlns:a16="http://schemas.microsoft.com/office/drawing/2014/main" id="{61F6BD0B-C4D8-42DE-A3A7-50D8219CE639}"/>
-              </a:ext>
-            </a:extLst>
-          </p:cNvPr>
-          <p:cNvSpPr>
-            <a:spLocks noGrp="1"/>
-          </p:cNvSpPr>
-          <p:nvPr>
-            <p:ph type="body" sz="quarter" idx="11"/>
-          </p:nvPr>
-        </p:nvSpPr>
-        <p:spPr>
-          <a:xfrm>
-            <a:off x="4354523" y="2309812"/>
-            <a:ext cx="7254865" cy="2289858"/>
-          </a:xfrm>
-        </p:spPr>
-        <p:txBody>
-          <a:bodyPr/>
-          <a:lstStyle/>
-          <a:p>
-            <a:r>
-              <a:rPr lang="en-IE" dirty="0"/>
-              <a:t>Introduction</a:t>
-            </a:r>
-          </a:p>
-          <a:p>
-            <a:r>
-              <a:rPr lang="en-US" dirty="0"/>
-              <a:t>Brief overview</a:t>
-            </a:r>
-          </a:p>
-          <a:p>
-            <a:r>
-              <a:rPr lang="en-US" dirty="0"/>
-              <a:t>Step by Step</a:t>
-            </a:r>
-          </a:p>
-          <a:p>
-            <a:r>
-              <a:rPr lang="en-US" dirty="0" err="1"/>
-              <a:t>QnA</a:t>
-            </a:r>
-            <a:endParaRPr lang="en-IE" dirty="0"/>
-          </a:p>
-        </p:txBody>
-      </p:sp>
-    </p:spTree>
-    <p:extLst>
-      <p:ext uri="{BB962C8B-B14F-4D97-AF65-F5344CB8AC3E}">
-        <p14:creationId xmlns:p14="http://schemas.microsoft.com/office/powerpoint/2010/main" val="4178565498"/>
-      </p:ext>
-    </p:extLst>
-  </p:cSld>
-  <p:clrMapOvr>
-    <a:masterClrMapping/>
-  </p:clrMapOvr>
-  <p:transition>
-    <p:fade/>
-  </p:transition>
-</p:sld>
-</file>
-
-<file path=ppt/slides/slide20.xml><?xml version="1.0" encoding="utf-8"?>
+<file path=ppt/slides/slide24.xml><?xml version="1.0" encoding="utf-8"?>
 <p:sld xmlns:a="http://schemas.openxmlformats.org/drawingml/2006/main" xmlns:r="http://schemas.openxmlformats.org/officeDocument/2006/relationships" xmlns:p="http://schemas.openxmlformats.org/presentationml/2006/main">
   <p:cSld>
     <p:spTree>
@@ -16719,589 +18469,6 @@
 </p:sld>
 </file>
 
-<file path=ppt/slides/slide21.xml><?xml version="1.0" encoding="utf-8"?>
-<p:sld xmlns:a="http://schemas.openxmlformats.org/drawingml/2006/main" xmlns:r="http://schemas.openxmlformats.org/officeDocument/2006/relationships" xmlns:p="http://schemas.openxmlformats.org/presentationml/2006/main">
-  <p:cSld>
-    <p:spTree>
-      <p:nvGrpSpPr>
-        <p:cNvPr id="1" name=""/>
-        <p:cNvGrpSpPr/>
-        <p:nvPr/>
-      </p:nvGrpSpPr>
-      <p:grpSpPr>
-        <a:xfrm>
-          <a:off x="0" y="0"/>
-          <a:ext cx="0" cy="0"/>
-          <a:chOff x="0" y="0"/>
-          <a:chExt cx="0" cy="0"/>
-        </a:xfrm>
-      </p:grpSpPr>
-      <p:sp>
-        <p:nvSpPr>
-          <p:cNvPr id="8" name="Title 7">
-            <a:extLst>
-              <a:ext uri="{FF2B5EF4-FFF2-40B4-BE49-F238E27FC236}">
-                <a16:creationId xmlns:a16="http://schemas.microsoft.com/office/drawing/2014/main" id="{D18A1E48-C74E-4B7C-95F4-2342DAC963A9}"/>
-              </a:ext>
-            </a:extLst>
-          </p:cNvPr>
-          <p:cNvSpPr>
-            <a:spLocks noGrp="1"/>
-          </p:cNvSpPr>
-          <p:nvPr>
-            <p:ph type="title"/>
-          </p:nvPr>
-        </p:nvSpPr>
-        <p:spPr>
-          <a:xfrm>
-            <a:off x="588263" y="588963"/>
-            <a:ext cx="4158362" cy="2535236"/>
-          </a:xfrm>
-        </p:spPr>
-        <p:txBody>
-          <a:bodyPr/>
-          <a:lstStyle/>
-          <a:p>
-            <a:r>
-              <a:rPr lang="en-US" dirty="0"/>
-              <a:t>Title square photo layout</a:t>
-            </a:r>
-          </a:p>
-        </p:txBody>
-      </p:sp>
-      <p:sp>
-        <p:nvSpPr>
-          <p:cNvPr id="3" name="Text Placeholder 2">
-            <a:extLst>
-              <a:ext uri="{FF2B5EF4-FFF2-40B4-BE49-F238E27FC236}">
-                <a16:creationId xmlns:a16="http://schemas.microsoft.com/office/drawing/2014/main" id="{EB03E4EA-274B-4BE4-9A52-00B5B2697A08}"/>
-              </a:ext>
-            </a:extLst>
-          </p:cNvPr>
-          <p:cNvSpPr>
-            <a:spLocks noGrp="1"/>
-          </p:cNvSpPr>
-          <p:nvPr>
-            <p:ph type="body" sz="quarter" idx="10"/>
-          </p:nvPr>
-        </p:nvSpPr>
-        <p:spPr>
-          <a:xfrm>
-            <a:off x="584200" y="3535540"/>
-            <a:ext cx="4162425" cy="2733497"/>
-          </a:xfrm>
-        </p:spPr>
-        <p:txBody>
-          <a:bodyPr/>
-          <a:lstStyle/>
-          <a:p>
-            <a:r>
-              <a:rPr lang="en-US" dirty="0"/>
-              <a:t>Smaller text</a:t>
-            </a:r>
-          </a:p>
-        </p:txBody>
-      </p:sp>
-      <p:sp>
-        <p:nvSpPr>
-          <p:cNvPr id="6" name="Picture Placeholder 5" descr="This photo is a 'placeholder' only. Drag or drop your photo here, or click and tap the center to insert a photo.">
-            <a:extLst>
-              <a:ext uri="{FF2B5EF4-FFF2-40B4-BE49-F238E27FC236}">
-                <a16:creationId xmlns:a16="http://schemas.microsoft.com/office/drawing/2014/main" id="{90EC379E-CA6F-458B-BB1A-FE53731504E9}"/>
-              </a:ext>
-            </a:extLst>
-          </p:cNvPr>
-          <p:cNvSpPr>
-            <a:spLocks noGrp="1"/>
-          </p:cNvSpPr>
-          <p:nvPr>
-            <p:ph type="pic" sz="quarter" idx="11"/>
-          </p:nvPr>
-        </p:nvSpPr>
-        <p:spPr/>
-      </p:sp>
-    </p:spTree>
-    <p:extLst>
-      <p:ext uri="{BB962C8B-B14F-4D97-AF65-F5344CB8AC3E}">
-        <p14:creationId xmlns:p14="http://schemas.microsoft.com/office/powerpoint/2010/main" val="1490695021"/>
-      </p:ext>
-    </p:extLst>
-  </p:cSld>
-  <p:clrMapOvr>
-    <a:masterClrMapping/>
-  </p:clrMapOvr>
-  <p:transition>
-    <p:fade/>
-  </p:transition>
-</p:sld>
-</file>
-
-<file path=ppt/slides/slide22.xml><?xml version="1.0" encoding="utf-8"?>
-<p:sld xmlns:a="http://schemas.openxmlformats.org/drawingml/2006/main" xmlns:r="http://schemas.openxmlformats.org/officeDocument/2006/relationships" xmlns:p="http://schemas.openxmlformats.org/presentationml/2006/main">
-  <p:cSld>
-    <p:spTree>
-      <p:nvGrpSpPr>
-        <p:cNvPr id="1" name=""/>
-        <p:cNvGrpSpPr/>
-        <p:nvPr/>
-      </p:nvGrpSpPr>
-      <p:grpSpPr>
-        <a:xfrm>
-          <a:off x="0" y="0"/>
-          <a:ext cx="0" cy="0"/>
-          <a:chOff x="0" y="0"/>
-          <a:chExt cx="0" cy="0"/>
-        </a:xfrm>
-      </p:grpSpPr>
-      <p:sp>
-        <p:nvSpPr>
-          <p:cNvPr id="8" name="Title 7">
-            <a:extLst>
-              <a:ext uri="{FF2B5EF4-FFF2-40B4-BE49-F238E27FC236}">
-                <a16:creationId xmlns:a16="http://schemas.microsoft.com/office/drawing/2014/main" id="{D18A1E48-C74E-4B7C-95F4-2342DAC963A9}"/>
-              </a:ext>
-            </a:extLst>
-          </p:cNvPr>
-          <p:cNvSpPr>
-            <a:spLocks noGrp="1"/>
-          </p:cNvSpPr>
-          <p:nvPr>
-            <p:ph type="title"/>
-          </p:nvPr>
-        </p:nvSpPr>
-        <p:spPr/>
-        <p:txBody>
-          <a:bodyPr/>
-          <a:lstStyle/>
-          <a:p>
-            <a:r>
-              <a:rPr lang="en-US" dirty="0"/>
-              <a:t>Square photo layout </a:t>
-            </a:r>
-          </a:p>
-        </p:txBody>
-      </p:sp>
-      <p:sp>
-        <p:nvSpPr>
-          <p:cNvPr id="2" name="Picture Placeholder 1" descr="This photo is a 'placeholder' only. Drag or drop your photo here, or click and tap the center to insert a photo.">
-            <a:extLst>
-              <a:ext uri="{FF2B5EF4-FFF2-40B4-BE49-F238E27FC236}">
-                <a16:creationId xmlns:a16="http://schemas.microsoft.com/office/drawing/2014/main" id="{EAE4E439-9990-4EB5-BA7C-DB1E71AEDCD9}"/>
-              </a:ext>
-            </a:extLst>
-          </p:cNvPr>
-          <p:cNvSpPr>
-            <a:spLocks noGrp="1"/>
-          </p:cNvSpPr>
-          <p:nvPr>
-            <p:ph type="pic" sz="quarter" idx="11"/>
-          </p:nvPr>
-        </p:nvSpPr>
-        <p:spPr/>
-      </p:sp>
-    </p:spTree>
-    <p:extLst>
-      <p:ext uri="{BB962C8B-B14F-4D97-AF65-F5344CB8AC3E}">
-        <p14:creationId xmlns:p14="http://schemas.microsoft.com/office/powerpoint/2010/main" val="1811665972"/>
-      </p:ext>
-    </p:extLst>
-  </p:cSld>
-  <p:clrMapOvr>
-    <a:masterClrMapping/>
-  </p:clrMapOvr>
-  <p:transition>
-    <p:fade/>
-  </p:transition>
-</p:sld>
-</file>
-
-<file path=ppt/slides/slide23.xml><?xml version="1.0" encoding="utf-8"?>
-<p:sld xmlns:a="http://schemas.openxmlformats.org/drawingml/2006/main" xmlns:r="http://schemas.openxmlformats.org/officeDocument/2006/relationships" xmlns:p="http://schemas.openxmlformats.org/presentationml/2006/main">
-  <p:cSld>
-    <p:spTree>
-      <p:nvGrpSpPr>
-        <p:cNvPr id="1" name=""/>
-        <p:cNvGrpSpPr/>
-        <p:nvPr/>
-      </p:nvGrpSpPr>
-      <p:grpSpPr>
-        <a:xfrm>
-          <a:off x="0" y="0"/>
-          <a:ext cx="0" cy="0"/>
-          <a:chOff x="0" y="0"/>
-          <a:chExt cx="0" cy="0"/>
-        </a:xfrm>
-      </p:grpSpPr>
-      <p:sp>
-        <p:nvSpPr>
-          <p:cNvPr id="8" name="Title 7">
-            <a:extLst>
-              <a:ext uri="{FF2B5EF4-FFF2-40B4-BE49-F238E27FC236}">
-                <a16:creationId xmlns:a16="http://schemas.microsoft.com/office/drawing/2014/main" id="{D18A1E48-C74E-4B7C-95F4-2342DAC963A9}"/>
-              </a:ext>
-            </a:extLst>
-          </p:cNvPr>
-          <p:cNvSpPr>
-            <a:spLocks noGrp="1"/>
-          </p:cNvSpPr>
-          <p:nvPr>
-            <p:ph type="title"/>
-          </p:nvPr>
-        </p:nvSpPr>
-        <p:spPr>
-          <a:xfrm>
-            <a:off x="588263" y="457200"/>
-            <a:ext cx="11018520" cy="553998"/>
-          </a:xfrm>
-        </p:spPr>
-        <p:txBody>
-          <a:bodyPr/>
-          <a:lstStyle/>
-          <a:p>
-            <a:r>
-              <a:rPr lang="en-US" dirty="0"/>
-              <a:t>Side-by-side photo layout</a:t>
-            </a:r>
-          </a:p>
-        </p:txBody>
-      </p:sp>
-      <p:sp>
-        <p:nvSpPr>
-          <p:cNvPr id="4" name="Text Placeholder 3">
-            <a:extLst>
-              <a:ext uri="{FF2B5EF4-FFF2-40B4-BE49-F238E27FC236}">
-                <a16:creationId xmlns:a16="http://schemas.microsoft.com/office/drawing/2014/main" id="{DBFED5CB-0F60-480C-8DFA-C6BECBE03F8D}"/>
-              </a:ext>
-            </a:extLst>
-          </p:cNvPr>
-          <p:cNvSpPr>
-            <a:spLocks noGrp="1"/>
-          </p:cNvSpPr>
-          <p:nvPr>
-            <p:ph type="body" sz="quarter" idx="16"/>
-          </p:nvPr>
-        </p:nvSpPr>
-        <p:spPr>
-          <a:xfrm>
-            <a:off x="584199" y="5689600"/>
-            <a:ext cx="5367528" cy="307777"/>
-          </a:xfrm>
-        </p:spPr>
-        <p:txBody>
-          <a:bodyPr/>
-          <a:lstStyle/>
-          <a:p>
-            <a:r>
-              <a:rPr lang="en-US" dirty="0"/>
-              <a:t>Text placeholder</a:t>
-            </a:r>
-          </a:p>
-        </p:txBody>
-      </p:sp>
-      <p:sp>
-        <p:nvSpPr>
-          <p:cNvPr id="2" name="Picture Placeholder 1" descr="This photo is a 'placeholder' only. Drag or drop your photo here, or click and tap the center to insert a photo.">
-            <a:extLst>
-              <a:ext uri="{FF2B5EF4-FFF2-40B4-BE49-F238E27FC236}">
-                <a16:creationId xmlns:a16="http://schemas.microsoft.com/office/drawing/2014/main" id="{AE18F87B-97E7-4FBB-B0C7-4CEB990A7F1B}"/>
-              </a:ext>
-            </a:extLst>
-          </p:cNvPr>
-          <p:cNvSpPr>
-            <a:spLocks noGrp="1"/>
-          </p:cNvSpPr>
-          <p:nvPr>
-            <p:ph type="pic" sz="quarter" idx="13"/>
-          </p:nvPr>
-        </p:nvSpPr>
-        <p:spPr/>
-      </p:sp>
-      <p:sp>
-        <p:nvSpPr>
-          <p:cNvPr id="6" name="Text Placeholder 5">
-            <a:extLst>
-              <a:ext uri="{FF2B5EF4-FFF2-40B4-BE49-F238E27FC236}">
-                <a16:creationId xmlns:a16="http://schemas.microsoft.com/office/drawing/2014/main" id="{1B0E91F6-F618-4448-89FB-05078231BEA7}"/>
-              </a:ext>
-            </a:extLst>
-          </p:cNvPr>
-          <p:cNvSpPr>
-            <a:spLocks noGrp="1"/>
-          </p:cNvSpPr>
-          <p:nvPr>
-            <p:ph type="body" sz="quarter" idx="18"/>
-          </p:nvPr>
-        </p:nvSpPr>
-        <p:spPr>
-          <a:xfrm>
-            <a:off x="6241860" y="5689600"/>
-            <a:ext cx="5367528" cy="307777"/>
-          </a:xfrm>
-        </p:spPr>
-        <p:txBody>
-          <a:bodyPr/>
-          <a:lstStyle/>
-          <a:p>
-            <a:r>
-              <a:rPr lang="en-US" dirty="0"/>
-              <a:t>Text placeholder</a:t>
-            </a:r>
-          </a:p>
-        </p:txBody>
-      </p:sp>
-      <p:sp>
-        <p:nvSpPr>
-          <p:cNvPr id="3" name="Picture Placeholder 2" descr="This photo is a 'placeholder' only. Drag or drop your photo here, or click and tap the center to insert a photo.">
-            <a:extLst>
-              <a:ext uri="{FF2B5EF4-FFF2-40B4-BE49-F238E27FC236}">
-                <a16:creationId xmlns:a16="http://schemas.microsoft.com/office/drawing/2014/main" id="{E16DC59E-65F2-4652-B8B5-10F074366FB7}"/>
-              </a:ext>
-            </a:extLst>
-          </p:cNvPr>
-          <p:cNvSpPr>
-            <a:spLocks noGrp="1"/>
-          </p:cNvSpPr>
-          <p:nvPr>
-            <p:ph type="pic" sz="quarter" idx="15"/>
-          </p:nvPr>
-        </p:nvSpPr>
-        <p:spPr/>
-      </p:sp>
-    </p:spTree>
-    <p:extLst>
-      <p:ext uri="{BB962C8B-B14F-4D97-AF65-F5344CB8AC3E}">
-        <p14:creationId xmlns:p14="http://schemas.microsoft.com/office/powerpoint/2010/main" val="696467548"/>
-      </p:ext>
-    </p:extLst>
-  </p:cSld>
-  <p:clrMapOvr>
-    <a:masterClrMapping/>
-  </p:clrMapOvr>
-  <p:transition>
-    <p:fade/>
-  </p:transition>
-</p:sld>
-</file>
-
-<file path=ppt/slides/slide24.xml><?xml version="1.0" encoding="utf-8"?>
-<p:sld xmlns:a="http://schemas.openxmlformats.org/drawingml/2006/main" xmlns:r="http://schemas.openxmlformats.org/officeDocument/2006/relationships" xmlns:p="http://schemas.openxmlformats.org/presentationml/2006/main">
-  <p:cSld>
-    <p:spTree>
-      <p:nvGrpSpPr>
-        <p:cNvPr id="1" name=""/>
-        <p:cNvGrpSpPr/>
-        <p:nvPr/>
-      </p:nvGrpSpPr>
-      <p:grpSpPr>
-        <a:xfrm>
-          <a:off x="0" y="0"/>
-          <a:ext cx="0" cy="0"/>
-          <a:chOff x="0" y="0"/>
-          <a:chExt cx="0" cy="0"/>
-        </a:xfrm>
-      </p:grpSpPr>
-      <p:sp>
-        <p:nvSpPr>
-          <p:cNvPr id="7" name="Title 6">
-            <a:extLst>
-              <a:ext uri="{FF2B5EF4-FFF2-40B4-BE49-F238E27FC236}">
-                <a16:creationId xmlns:a16="http://schemas.microsoft.com/office/drawing/2014/main" id="{9BB51B6F-A6B6-4C5C-87D8-20DB1C857613}"/>
-              </a:ext>
-            </a:extLst>
-          </p:cNvPr>
-          <p:cNvSpPr>
-            <a:spLocks noGrp="1"/>
-          </p:cNvSpPr>
-          <p:nvPr>
-            <p:ph type="title"/>
-          </p:nvPr>
-        </p:nvSpPr>
-        <p:spPr>
-          <a:xfrm>
-            <a:off x="588263" y="457200"/>
-            <a:ext cx="11018520" cy="553998"/>
-          </a:xfrm>
-        </p:spPr>
-        <p:txBody>
-          <a:bodyPr/>
-          <a:lstStyle/>
-          <a:p>
-            <a:r>
-              <a:rPr lang="en-US" dirty="0"/>
-              <a:t>Three photos layout</a:t>
-            </a:r>
-          </a:p>
-        </p:txBody>
-      </p:sp>
-      <p:sp>
-        <p:nvSpPr>
-          <p:cNvPr id="11" name="Text Placeholder 10">
-            <a:extLst>
-              <a:ext uri="{FF2B5EF4-FFF2-40B4-BE49-F238E27FC236}">
-                <a16:creationId xmlns:a16="http://schemas.microsoft.com/office/drawing/2014/main" id="{0CF24D87-8BE8-48F5-A782-AABCF1702CF5}"/>
-              </a:ext>
-            </a:extLst>
-          </p:cNvPr>
-          <p:cNvSpPr>
-            <a:spLocks noGrp="1"/>
-          </p:cNvSpPr>
-          <p:nvPr>
-            <p:ph type="body" sz="quarter" idx="16"/>
-          </p:nvPr>
-        </p:nvSpPr>
-        <p:spPr>
-          <a:xfrm>
-            <a:off x="582613" y="5689600"/>
-            <a:ext cx="3475037" cy="307777"/>
-          </a:xfrm>
-        </p:spPr>
-        <p:txBody>
-          <a:bodyPr/>
-          <a:lstStyle/>
-          <a:p>
-            <a:r>
-              <a:rPr lang="en-US" dirty="0"/>
-              <a:t>Text placeholder</a:t>
-            </a:r>
-          </a:p>
-        </p:txBody>
-      </p:sp>
-      <p:sp>
-        <p:nvSpPr>
-          <p:cNvPr id="8" name="Picture Placeholder 7" descr="This photo is a 'placeholder' only. Drag or drop your photo here, or click and tap the center to insert a photo.">
-            <a:extLst>
-              <a:ext uri="{FF2B5EF4-FFF2-40B4-BE49-F238E27FC236}">
-                <a16:creationId xmlns:a16="http://schemas.microsoft.com/office/drawing/2014/main" id="{6B56B57A-5CF7-448F-BC81-137D7A82A0EC}"/>
-              </a:ext>
-            </a:extLst>
-          </p:cNvPr>
-          <p:cNvSpPr>
-            <a:spLocks noGrp="1"/>
-          </p:cNvSpPr>
-          <p:nvPr>
-            <p:ph type="pic" sz="quarter" idx="13"/>
-          </p:nvPr>
-        </p:nvSpPr>
-        <p:spPr/>
-      </p:sp>
-      <p:sp>
-        <p:nvSpPr>
-          <p:cNvPr id="12" name="Text Placeholder 11">
-            <a:extLst>
-              <a:ext uri="{FF2B5EF4-FFF2-40B4-BE49-F238E27FC236}">
-                <a16:creationId xmlns:a16="http://schemas.microsoft.com/office/drawing/2014/main" id="{42466CB0-8E3A-4B11-BE5B-DB09D902EB09}"/>
-              </a:ext>
-            </a:extLst>
-          </p:cNvPr>
-          <p:cNvSpPr>
-            <a:spLocks noGrp="1"/>
-          </p:cNvSpPr>
-          <p:nvPr>
-            <p:ph type="body" sz="quarter" idx="17"/>
-          </p:nvPr>
-        </p:nvSpPr>
-        <p:spPr>
-          <a:xfrm>
-            <a:off x="4358640" y="5689600"/>
-            <a:ext cx="3475037" cy="307777"/>
-          </a:xfrm>
-        </p:spPr>
-        <p:txBody>
-          <a:bodyPr/>
-          <a:lstStyle/>
-          <a:p>
-            <a:r>
-              <a:rPr lang="en-US" dirty="0"/>
-              <a:t>Text placeholder</a:t>
-            </a:r>
-          </a:p>
-        </p:txBody>
-      </p:sp>
-      <p:sp>
-        <p:nvSpPr>
-          <p:cNvPr id="9" name="Picture Placeholder 8" descr="This photo is a 'placeholder' only. Drag or drop your photo here, or click and tap the center to insert a photo.">
-            <a:extLst>
-              <a:ext uri="{FF2B5EF4-FFF2-40B4-BE49-F238E27FC236}">
-                <a16:creationId xmlns:a16="http://schemas.microsoft.com/office/drawing/2014/main" id="{A078E6D4-B91A-431C-8C2F-A6FD9891FF29}"/>
-              </a:ext>
-            </a:extLst>
-          </p:cNvPr>
-          <p:cNvSpPr>
-            <a:spLocks noGrp="1"/>
-          </p:cNvSpPr>
-          <p:nvPr>
-            <p:ph type="pic" sz="quarter" idx="14"/>
-          </p:nvPr>
-        </p:nvSpPr>
-        <p:spPr/>
-      </p:sp>
-      <p:sp>
-        <p:nvSpPr>
-          <p:cNvPr id="13" name="Text Placeholder 12">
-            <a:extLst>
-              <a:ext uri="{FF2B5EF4-FFF2-40B4-BE49-F238E27FC236}">
-                <a16:creationId xmlns:a16="http://schemas.microsoft.com/office/drawing/2014/main" id="{062B81A3-15C0-4615-9103-E530FFE58E9B}"/>
-              </a:ext>
-            </a:extLst>
-          </p:cNvPr>
-          <p:cNvSpPr>
-            <a:spLocks noGrp="1"/>
-          </p:cNvSpPr>
-          <p:nvPr>
-            <p:ph type="body" sz="quarter" idx="18"/>
-          </p:nvPr>
-        </p:nvSpPr>
-        <p:spPr>
-          <a:xfrm>
-            <a:off x="8134351" y="5689600"/>
-            <a:ext cx="3475037" cy="307777"/>
-          </a:xfrm>
-        </p:spPr>
-        <p:txBody>
-          <a:bodyPr/>
-          <a:lstStyle/>
-          <a:p>
-            <a:r>
-              <a:rPr lang="en-US" dirty="0"/>
-              <a:t>Text placeholder</a:t>
-            </a:r>
-          </a:p>
-        </p:txBody>
-      </p:sp>
-      <p:sp>
-        <p:nvSpPr>
-          <p:cNvPr id="10" name="Picture Placeholder 9" descr="This photo is a 'placeholder' only. Drag or drop your photo here, or click and tap the center to insert a photo.">
-            <a:extLst>
-              <a:ext uri="{FF2B5EF4-FFF2-40B4-BE49-F238E27FC236}">
-                <a16:creationId xmlns:a16="http://schemas.microsoft.com/office/drawing/2014/main" id="{C3281AC1-12FA-4321-9290-F3FD9C085409}"/>
-              </a:ext>
-            </a:extLst>
-          </p:cNvPr>
-          <p:cNvSpPr>
-            <a:spLocks noGrp="1"/>
-          </p:cNvSpPr>
-          <p:nvPr>
-            <p:ph type="pic" sz="quarter" idx="15"/>
-          </p:nvPr>
-        </p:nvSpPr>
-        <p:spPr/>
-      </p:sp>
-    </p:spTree>
-    <p:extLst>
-      <p:ext uri="{BB962C8B-B14F-4D97-AF65-F5344CB8AC3E}">
-        <p14:creationId xmlns:p14="http://schemas.microsoft.com/office/powerpoint/2010/main" val="3964713026"/>
-      </p:ext>
-    </p:extLst>
-  </p:cSld>
-  <p:clrMapOvr>
-    <a:masterClrMapping/>
-  </p:clrMapOvr>
-  <p:transition>
-    <p:fade/>
-  </p:transition>
-</p:sld>
-</file>
-
 <file path=ppt/slides/slide25.xml><?xml version="1.0" encoding="utf-8"?>
 <p:sld xmlns:a="http://schemas.openxmlformats.org/drawingml/2006/main" xmlns:r="http://schemas.openxmlformats.org/officeDocument/2006/relationships" xmlns:p="http://schemas.openxmlformats.org/presentationml/2006/main">
   <p:cSld>
@@ -17321,10 +18488,10 @@
       </p:grpSpPr>
       <p:sp>
         <p:nvSpPr>
-          <p:cNvPr id="7" name="Title 6">
+          <p:cNvPr id="8" name="Title 7">
             <a:extLst>
               <a:ext uri="{FF2B5EF4-FFF2-40B4-BE49-F238E27FC236}">
-                <a16:creationId xmlns:a16="http://schemas.microsoft.com/office/drawing/2014/main" id="{A4E6FC63-1669-41F3-A9A6-39B6FB141690}"/>
+                <a16:creationId xmlns:a16="http://schemas.microsoft.com/office/drawing/2014/main" id="{D18A1E48-C74E-4B7C-95F4-2342DAC963A9}"/>
               </a:ext>
             </a:extLst>
           </p:cNvPr>
@@ -17337,8 +18504,8 @@
         </p:nvSpPr>
         <p:spPr>
           <a:xfrm>
-            <a:off x="588263" y="457200"/>
-            <a:ext cx="11018520" cy="553998"/>
+            <a:off x="588263" y="588963"/>
+            <a:ext cx="4158362" cy="2535236"/>
           </a:xfrm>
         </p:spPr>
         <p:txBody>
@@ -17347,17 +18514,17 @@
           <a:p>
             <a:r>
               <a:rPr lang="en-US" dirty="0"/>
-              <a:t>Four photos layout</a:t>
+              <a:t>Title square photo layout</a:t>
             </a:r>
           </a:p>
         </p:txBody>
       </p:sp>
       <p:sp>
         <p:nvSpPr>
-          <p:cNvPr id="11" name="Text Placeholder 10">
+          <p:cNvPr id="3" name="Text Placeholder 2">
             <a:extLst>
               <a:ext uri="{FF2B5EF4-FFF2-40B4-BE49-F238E27FC236}">
-                <a16:creationId xmlns:a16="http://schemas.microsoft.com/office/drawing/2014/main" id="{A209D23C-50F2-48D6-BAA7-3B9D6572CD44}"/>
+                <a16:creationId xmlns:a16="http://schemas.microsoft.com/office/drawing/2014/main" id="{EB03E4EA-274B-4BE4-9A52-00B5B2697A08}"/>
               </a:ext>
             </a:extLst>
           </p:cNvPr>
@@ -17365,13 +18532,13 @@
             <a:spLocks noGrp="1"/>
           </p:cNvSpPr>
           <p:nvPr>
-            <p:ph type="body" sz="quarter" idx="16"/>
+            <p:ph type="body" sz="quarter" idx="10"/>
           </p:nvPr>
         </p:nvSpPr>
         <p:spPr>
           <a:xfrm>
-            <a:off x="582613" y="4753938"/>
-            <a:ext cx="2532888" cy="307777"/>
+            <a:off x="584200" y="3535540"/>
+            <a:ext cx="4162425" cy="2733497"/>
           </a:xfrm>
         </p:spPr>
         <p:txBody>
@@ -17380,17 +18547,17 @@
           <a:p>
             <a:r>
               <a:rPr lang="en-US" dirty="0"/>
-              <a:t>Text placeholder</a:t>
+              <a:t>Smaller text</a:t>
             </a:r>
           </a:p>
         </p:txBody>
       </p:sp>
       <p:sp>
         <p:nvSpPr>
-          <p:cNvPr id="8" name="Picture Placeholder 7" descr="This photo is a 'placeholder' only. Drag or drop your photo here, or click and tap the center to insert a photo.">
+          <p:cNvPr id="6" name="Picture Placeholder 5" descr="This photo is a 'placeholder' only. Drag or drop your photo here, or click and tap the center to insert a photo.">
             <a:extLst>
               <a:ext uri="{FF2B5EF4-FFF2-40B4-BE49-F238E27FC236}">
-                <a16:creationId xmlns:a16="http://schemas.microsoft.com/office/drawing/2014/main" id="{CB9E5AC9-345E-4231-A0B1-CA5FC2605BC1}"/>
+                <a16:creationId xmlns:a16="http://schemas.microsoft.com/office/drawing/2014/main" id="{90EC379E-CA6F-458B-BB1A-FE53731504E9}"/>
               </a:ext>
             </a:extLst>
           </p:cNvPr>
@@ -17398,160 +18565,7 @@
             <a:spLocks noGrp="1"/>
           </p:cNvSpPr>
           <p:nvPr>
-            <p:ph type="pic" sz="quarter" idx="13"/>
-          </p:nvPr>
-        </p:nvSpPr>
-        <p:spPr/>
-      </p:sp>
-      <p:sp>
-        <p:nvSpPr>
-          <p:cNvPr id="12" name="Text Placeholder 11">
-            <a:extLst>
-              <a:ext uri="{FF2B5EF4-FFF2-40B4-BE49-F238E27FC236}">
-                <a16:creationId xmlns:a16="http://schemas.microsoft.com/office/drawing/2014/main" id="{92F542C4-C40B-41ED-B136-472CCC2DF00E}"/>
-              </a:ext>
-            </a:extLst>
-          </p:cNvPr>
-          <p:cNvSpPr>
-            <a:spLocks noGrp="1"/>
-          </p:cNvSpPr>
-          <p:nvPr>
-            <p:ph type="body" sz="quarter" idx="17"/>
-          </p:nvPr>
-        </p:nvSpPr>
-        <p:spPr>
-          <a:xfrm>
-            <a:off x="3413908" y="4753938"/>
-            <a:ext cx="2532888" cy="307777"/>
-          </a:xfrm>
-        </p:spPr>
-        <p:txBody>
-          <a:bodyPr/>
-          <a:lstStyle/>
-          <a:p>
-            <a:r>
-              <a:rPr lang="en-US" dirty="0"/>
-              <a:t>Text placeholder</a:t>
-            </a:r>
-          </a:p>
-        </p:txBody>
-      </p:sp>
-      <p:sp>
-        <p:nvSpPr>
-          <p:cNvPr id="9" name="Picture Placeholder 8" descr="This photo is a 'placeholder' only. Drag or drop your photo here, or click and tap the center to insert a photo.">
-            <a:extLst>
-              <a:ext uri="{FF2B5EF4-FFF2-40B4-BE49-F238E27FC236}">
-                <a16:creationId xmlns:a16="http://schemas.microsoft.com/office/drawing/2014/main" id="{D5125A72-F156-43CC-A8E4-C1D71612492F}"/>
-              </a:ext>
-            </a:extLst>
-          </p:cNvPr>
-          <p:cNvSpPr>
-            <a:spLocks noGrp="1"/>
-          </p:cNvSpPr>
-          <p:nvPr>
-            <p:ph type="pic" sz="quarter" idx="14"/>
-          </p:nvPr>
-        </p:nvSpPr>
-        <p:spPr/>
-      </p:sp>
-      <p:sp>
-        <p:nvSpPr>
-          <p:cNvPr id="13" name="Text Placeholder 12">
-            <a:extLst>
-              <a:ext uri="{FF2B5EF4-FFF2-40B4-BE49-F238E27FC236}">
-                <a16:creationId xmlns:a16="http://schemas.microsoft.com/office/drawing/2014/main" id="{B43BB8B0-C02C-44E6-A828-FE52984E9278}"/>
-              </a:ext>
-            </a:extLst>
-          </p:cNvPr>
-          <p:cNvSpPr>
-            <a:spLocks noGrp="1"/>
-          </p:cNvSpPr>
-          <p:nvPr>
-            <p:ph type="body" sz="quarter" idx="18"/>
-          </p:nvPr>
-        </p:nvSpPr>
-        <p:spPr>
-          <a:xfrm>
-            <a:off x="6245204" y="4753938"/>
-            <a:ext cx="2532888" cy="307777"/>
-          </a:xfrm>
-        </p:spPr>
-        <p:txBody>
-          <a:bodyPr/>
-          <a:lstStyle/>
-          <a:p>
-            <a:r>
-              <a:rPr lang="en-US" dirty="0"/>
-              <a:t>Text placeholder</a:t>
-            </a:r>
-          </a:p>
-        </p:txBody>
-      </p:sp>
-      <p:sp>
-        <p:nvSpPr>
-          <p:cNvPr id="10" name="Picture Placeholder 9" descr="This photo is a 'placeholder' only. Drag or drop your photo here, or click and tap the center to insert a photo.">
-            <a:extLst>
-              <a:ext uri="{FF2B5EF4-FFF2-40B4-BE49-F238E27FC236}">
-                <a16:creationId xmlns:a16="http://schemas.microsoft.com/office/drawing/2014/main" id="{3183C00D-DE72-42D6-B0F6-E0FC1CAC99CF}"/>
-              </a:ext>
-            </a:extLst>
-          </p:cNvPr>
-          <p:cNvSpPr>
-            <a:spLocks noGrp="1"/>
-          </p:cNvSpPr>
-          <p:nvPr>
-            <p:ph type="pic" sz="quarter" idx="15"/>
-          </p:nvPr>
-        </p:nvSpPr>
-        <p:spPr/>
-      </p:sp>
-      <p:sp>
-        <p:nvSpPr>
-          <p:cNvPr id="15" name="Text Placeholder 14">
-            <a:extLst>
-              <a:ext uri="{FF2B5EF4-FFF2-40B4-BE49-F238E27FC236}">
-                <a16:creationId xmlns:a16="http://schemas.microsoft.com/office/drawing/2014/main" id="{4A98B624-6FA8-4859-B87B-A01D7E95DB26}"/>
-              </a:ext>
-            </a:extLst>
-          </p:cNvPr>
-          <p:cNvSpPr>
-            <a:spLocks noGrp="1"/>
-          </p:cNvSpPr>
-          <p:nvPr>
-            <p:ph type="body" sz="quarter" idx="20"/>
-          </p:nvPr>
-        </p:nvSpPr>
-        <p:spPr>
-          <a:xfrm>
-            <a:off x="9076500" y="4753938"/>
-            <a:ext cx="2532888" cy="307777"/>
-          </a:xfrm>
-        </p:spPr>
-        <p:txBody>
-          <a:bodyPr/>
-          <a:lstStyle/>
-          <a:p>
-            <a:r>
-              <a:rPr lang="en-US" dirty="0"/>
-              <a:t>Text placeholder</a:t>
-            </a:r>
-          </a:p>
-        </p:txBody>
-      </p:sp>
-      <p:sp>
-        <p:nvSpPr>
-          <p:cNvPr id="14" name="Picture Placeholder 13" descr="This photo is a 'placeholder' only. Drag or drop your photo here, or click and tap the center to insert a photo.">
-            <a:extLst>
-              <a:ext uri="{FF2B5EF4-FFF2-40B4-BE49-F238E27FC236}">
-                <a16:creationId xmlns:a16="http://schemas.microsoft.com/office/drawing/2014/main" id="{CF615145-50B1-4694-973A-724322B099D6}"/>
-              </a:ext>
-            </a:extLst>
-          </p:cNvPr>
-          <p:cNvSpPr>
-            <a:spLocks noGrp="1"/>
-          </p:cNvSpPr>
-          <p:nvPr>
-            <p:ph type="pic" sz="quarter" idx="19"/>
+            <p:ph type="pic" sz="quarter" idx="11"/>
           </p:nvPr>
         </p:nvSpPr>
         <p:spPr/>
@@ -17559,7 +18573,7 @@
     </p:spTree>
     <p:extLst>
       <p:ext uri="{BB962C8B-B14F-4D97-AF65-F5344CB8AC3E}">
-        <p14:creationId xmlns:p14="http://schemas.microsoft.com/office/powerpoint/2010/main" val="2504275049"/>
+        <p14:creationId xmlns:p14="http://schemas.microsoft.com/office/powerpoint/2010/main" val="1490695021"/>
       </p:ext>
     </p:extLst>
   </p:cSld>
@@ -17591,10 +18605,10 @@
       </p:grpSpPr>
       <p:sp>
         <p:nvSpPr>
-          <p:cNvPr id="2" name="Title 1">
+          <p:cNvPr id="8" name="Title 7">
             <a:extLst>
               <a:ext uri="{FF2B5EF4-FFF2-40B4-BE49-F238E27FC236}">
-                <a16:creationId xmlns:a16="http://schemas.microsoft.com/office/drawing/2014/main" id="{4FE98B5C-48BE-4909-9F4A-A4186BB35065}"/>
+                <a16:creationId xmlns:a16="http://schemas.microsoft.com/office/drawing/2014/main" id="{D18A1E48-C74E-4B7C-95F4-2342DAC963A9}"/>
               </a:ext>
             </a:extLst>
           </p:cNvPr>
@@ -17605,29 +18619,24 @@
             <p:ph type="title"/>
           </p:nvPr>
         </p:nvSpPr>
-        <p:spPr>
-          <a:xfrm>
-            <a:off x="588263" y="5436128"/>
-            <a:ext cx="11018520" cy="553998"/>
-          </a:xfrm>
-        </p:spPr>
+        <p:spPr/>
         <p:txBody>
           <a:bodyPr/>
           <a:lstStyle/>
           <a:p>
             <a:r>
               <a:rPr lang="en-US" dirty="0"/>
-              <a:t>Top photo with Title</a:t>
+              <a:t>Square photo layout </a:t>
             </a:r>
           </a:p>
         </p:txBody>
       </p:sp>
       <p:sp>
         <p:nvSpPr>
-          <p:cNvPr id="3" name="Picture Placeholder 2" descr="This photo is a 'placeholder' only. Drag or drop your photo here, or click and tap the center to insert a photo.">
+          <p:cNvPr id="2" name="Picture Placeholder 1" descr="This photo is a 'placeholder' only. Drag or drop your photo here, or click and tap the center to insert a photo.">
             <a:extLst>
               <a:ext uri="{FF2B5EF4-FFF2-40B4-BE49-F238E27FC236}">
-                <a16:creationId xmlns:a16="http://schemas.microsoft.com/office/drawing/2014/main" id="{3E53C251-F0C1-4DAA-BF3B-F3E1C6002804}"/>
+                <a16:creationId xmlns:a16="http://schemas.microsoft.com/office/drawing/2014/main" id="{EAE4E439-9990-4EB5-BA7C-DB1E71AEDCD9}"/>
               </a:ext>
             </a:extLst>
           </p:cNvPr>
@@ -17643,7 +18652,7 @@
     </p:spTree>
     <p:extLst>
       <p:ext uri="{BB962C8B-B14F-4D97-AF65-F5344CB8AC3E}">
-        <p14:creationId xmlns:p14="http://schemas.microsoft.com/office/powerpoint/2010/main" val="544100002"/>
+        <p14:creationId xmlns:p14="http://schemas.microsoft.com/office/powerpoint/2010/main" val="1811665972"/>
       </p:ext>
     </p:extLst>
   </p:cSld>
@@ -17675,6 +18684,894 @@
       </p:grpSpPr>
       <p:sp>
         <p:nvSpPr>
+          <p:cNvPr id="8" name="Title 7">
+            <a:extLst>
+              <a:ext uri="{FF2B5EF4-FFF2-40B4-BE49-F238E27FC236}">
+                <a16:creationId xmlns:a16="http://schemas.microsoft.com/office/drawing/2014/main" id="{D18A1E48-C74E-4B7C-95F4-2342DAC963A9}"/>
+              </a:ext>
+            </a:extLst>
+          </p:cNvPr>
+          <p:cNvSpPr>
+            <a:spLocks noGrp="1"/>
+          </p:cNvSpPr>
+          <p:nvPr>
+            <p:ph type="title"/>
+          </p:nvPr>
+        </p:nvSpPr>
+        <p:spPr>
+          <a:xfrm>
+            <a:off x="588263" y="457200"/>
+            <a:ext cx="11018520" cy="553998"/>
+          </a:xfrm>
+        </p:spPr>
+        <p:txBody>
+          <a:bodyPr/>
+          <a:lstStyle/>
+          <a:p>
+            <a:r>
+              <a:rPr lang="en-US" dirty="0"/>
+              <a:t>Side-by-side photo layout</a:t>
+            </a:r>
+          </a:p>
+        </p:txBody>
+      </p:sp>
+      <p:sp>
+        <p:nvSpPr>
+          <p:cNvPr id="4" name="Text Placeholder 3">
+            <a:extLst>
+              <a:ext uri="{FF2B5EF4-FFF2-40B4-BE49-F238E27FC236}">
+                <a16:creationId xmlns:a16="http://schemas.microsoft.com/office/drawing/2014/main" id="{DBFED5CB-0F60-480C-8DFA-C6BECBE03F8D}"/>
+              </a:ext>
+            </a:extLst>
+          </p:cNvPr>
+          <p:cNvSpPr>
+            <a:spLocks noGrp="1"/>
+          </p:cNvSpPr>
+          <p:nvPr>
+            <p:ph type="body" sz="quarter" idx="16"/>
+          </p:nvPr>
+        </p:nvSpPr>
+        <p:spPr>
+          <a:xfrm>
+            <a:off x="584199" y="5689600"/>
+            <a:ext cx="5367528" cy="307777"/>
+          </a:xfrm>
+        </p:spPr>
+        <p:txBody>
+          <a:bodyPr/>
+          <a:lstStyle/>
+          <a:p>
+            <a:r>
+              <a:rPr lang="en-US" dirty="0"/>
+              <a:t>Text placeholder</a:t>
+            </a:r>
+          </a:p>
+        </p:txBody>
+      </p:sp>
+      <p:sp>
+        <p:nvSpPr>
+          <p:cNvPr id="2" name="Picture Placeholder 1" descr="This photo is a 'placeholder' only. Drag or drop your photo here, or click and tap the center to insert a photo.">
+            <a:extLst>
+              <a:ext uri="{FF2B5EF4-FFF2-40B4-BE49-F238E27FC236}">
+                <a16:creationId xmlns:a16="http://schemas.microsoft.com/office/drawing/2014/main" id="{AE18F87B-97E7-4FBB-B0C7-4CEB990A7F1B}"/>
+              </a:ext>
+            </a:extLst>
+          </p:cNvPr>
+          <p:cNvSpPr>
+            <a:spLocks noGrp="1"/>
+          </p:cNvSpPr>
+          <p:nvPr>
+            <p:ph type="pic" sz="quarter" idx="13"/>
+          </p:nvPr>
+        </p:nvSpPr>
+        <p:spPr/>
+      </p:sp>
+      <p:sp>
+        <p:nvSpPr>
+          <p:cNvPr id="6" name="Text Placeholder 5">
+            <a:extLst>
+              <a:ext uri="{FF2B5EF4-FFF2-40B4-BE49-F238E27FC236}">
+                <a16:creationId xmlns:a16="http://schemas.microsoft.com/office/drawing/2014/main" id="{1B0E91F6-F618-4448-89FB-05078231BEA7}"/>
+              </a:ext>
+            </a:extLst>
+          </p:cNvPr>
+          <p:cNvSpPr>
+            <a:spLocks noGrp="1"/>
+          </p:cNvSpPr>
+          <p:nvPr>
+            <p:ph type="body" sz="quarter" idx="18"/>
+          </p:nvPr>
+        </p:nvSpPr>
+        <p:spPr>
+          <a:xfrm>
+            <a:off x="6241860" y="5689600"/>
+            <a:ext cx="5367528" cy="307777"/>
+          </a:xfrm>
+        </p:spPr>
+        <p:txBody>
+          <a:bodyPr/>
+          <a:lstStyle/>
+          <a:p>
+            <a:r>
+              <a:rPr lang="en-US" dirty="0"/>
+              <a:t>Text placeholder</a:t>
+            </a:r>
+          </a:p>
+        </p:txBody>
+      </p:sp>
+      <p:sp>
+        <p:nvSpPr>
+          <p:cNvPr id="3" name="Picture Placeholder 2" descr="This photo is a 'placeholder' only. Drag or drop your photo here, or click and tap the center to insert a photo.">
+            <a:extLst>
+              <a:ext uri="{FF2B5EF4-FFF2-40B4-BE49-F238E27FC236}">
+                <a16:creationId xmlns:a16="http://schemas.microsoft.com/office/drawing/2014/main" id="{E16DC59E-65F2-4652-B8B5-10F074366FB7}"/>
+              </a:ext>
+            </a:extLst>
+          </p:cNvPr>
+          <p:cNvSpPr>
+            <a:spLocks noGrp="1"/>
+          </p:cNvSpPr>
+          <p:nvPr>
+            <p:ph type="pic" sz="quarter" idx="15"/>
+          </p:nvPr>
+        </p:nvSpPr>
+        <p:spPr/>
+      </p:sp>
+    </p:spTree>
+    <p:extLst>
+      <p:ext uri="{BB962C8B-B14F-4D97-AF65-F5344CB8AC3E}">
+        <p14:creationId xmlns:p14="http://schemas.microsoft.com/office/powerpoint/2010/main" val="696467548"/>
+      </p:ext>
+    </p:extLst>
+  </p:cSld>
+  <p:clrMapOvr>
+    <a:masterClrMapping/>
+  </p:clrMapOvr>
+  <p:transition>
+    <p:fade/>
+  </p:transition>
+</p:sld>
+</file>
+
+<file path=ppt/slides/slide28.xml><?xml version="1.0" encoding="utf-8"?>
+<p:sld xmlns:a="http://schemas.openxmlformats.org/drawingml/2006/main" xmlns:r="http://schemas.openxmlformats.org/officeDocument/2006/relationships" xmlns:p="http://schemas.openxmlformats.org/presentationml/2006/main">
+  <p:cSld>
+    <p:spTree>
+      <p:nvGrpSpPr>
+        <p:cNvPr id="1" name=""/>
+        <p:cNvGrpSpPr/>
+        <p:nvPr/>
+      </p:nvGrpSpPr>
+      <p:grpSpPr>
+        <a:xfrm>
+          <a:off x="0" y="0"/>
+          <a:ext cx="0" cy="0"/>
+          <a:chOff x="0" y="0"/>
+          <a:chExt cx="0" cy="0"/>
+        </a:xfrm>
+      </p:grpSpPr>
+      <p:sp>
+        <p:nvSpPr>
+          <p:cNvPr id="7" name="Title 6">
+            <a:extLst>
+              <a:ext uri="{FF2B5EF4-FFF2-40B4-BE49-F238E27FC236}">
+                <a16:creationId xmlns:a16="http://schemas.microsoft.com/office/drawing/2014/main" id="{9BB51B6F-A6B6-4C5C-87D8-20DB1C857613}"/>
+              </a:ext>
+            </a:extLst>
+          </p:cNvPr>
+          <p:cNvSpPr>
+            <a:spLocks noGrp="1"/>
+          </p:cNvSpPr>
+          <p:nvPr>
+            <p:ph type="title"/>
+          </p:nvPr>
+        </p:nvSpPr>
+        <p:spPr>
+          <a:xfrm>
+            <a:off x="588263" y="457200"/>
+            <a:ext cx="11018520" cy="553998"/>
+          </a:xfrm>
+        </p:spPr>
+        <p:txBody>
+          <a:bodyPr/>
+          <a:lstStyle/>
+          <a:p>
+            <a:r>
+              <a:rPr lang="en-US" dirty="0"/>
+              <a:t>Three photos layout</a:t>
+            </a:r>
+          </a:p>
+        </p:txBody>
+      </p:sp>
+      <p:sp>
+        <p:nvSpPr>
+          <p:cNvPr id="11" name="Text Placeholder 10">
+            <a:extLst>
+              <a:ext uri="{FF2B5EF4-FFF2-40B4-BE49-F238E27FC236}">
+                <a16:creationId xmlns:a16="http://schemas.microsoft.com/office/drawing/2014/main" id="{0CF24D87-8BE8-48F5-A782-AABCF1702CF5}"/>
+              </a:ext>
+            </a:extLst>
+          </p:cNvPr>
+          <p:cNvSpPr>
+            <a:spLocks noGrp="1"/>
+          </p:cNvSpPr>
+          <p:nvPr>
+            <p:ph type="body" sz="quarter" idx="16"/>
+          </p:nvPr>
+        </p:nvSpPr>
+        <p:spPr>
+          <a:xfrm>
+            <a:off x="582613" y="5689600"/>
+            <a:ext cx="3475037" cy="307777"/>
+          </a:xfrm>
+        </p:spPr>
+        <p:txBody>
+          <a:bodyPr/>
+          <a:lstStyle/>
+          <a:p>
+            <a:r>
+              <a:rPr lang="en-US" dirty="0"/>
+              <a:t>Text placeholder</a:t>
+            </a:r>
+          </a:p>
+        </p:txBody>
+      </p:sp>
+      <p:sp>
+        <p:nvSpPr>
+          <p:cNvPr id="8" name="Picture Placeholder 7" descr="This photo is a 'placeholder' only. Drag or drop your photo here, or click and tap the center to insert a photo.">
+            <a:extLst>
+              <a:ext uri="{FF2B5EF4-FFF2-40B4-BE49-F238E27FC236}">
+                <a16:creationId xmlns:a16="http://schemas.microsoft.com/office/drawing/2014/main" id="{6B56B57A-5CF7-448F-BC81-137D7A82A0EC}"/>
+              </a:ext>
+            </a:extLst>
+          </p:cNvPr>
+          <p:cNvSpPr>
+            <a:spLocks noGrp="1"/>
+          </p:cNvSpPr>
+          <p:nvPr>
+            <p:ph type="pic" sz="quarter" idx="13"/>
+          </p:nvPr>
+        </p:nvSpPr>
+        <p:spPr/>
+      </p:sp>
+      <p:sp>
+        <p:nvSpPr>
+          <p:cNvPr id="12" name="Text Placeholder 11">
+            <a:extLst>
+              <a:ext uri="{FF2B5EF4-FFF2-40B4-BE49-F238E27FC236}">
+                <a16:creationId xmlns:a16="http://schemas.microsoft.com/office/drawing/2014/main" id="{42466CB0-8E3A-4B11-BE5B-DB09D902EB09}"/>
+              </a:ext>
+            </a:extLst>
+          </p:cNvPr>
+          <p:cNvSpPr>
+            <a:spLocks noGrp="1"/>
+          </p:cNvSpPr>
+          <p:nvPr>
+            <p:ph type="body" sz="quarter" idx="17"/>
+          </p:nvPr>
+        </p:nvSpPr>
+        <p:spPr>
+          <a:xfrm>
+            <a:off x="4358640" y="5689600"/>
+            <a:ext cx="3475037" cy="307777"/>
+          </a:xfrm>
+        </p:spPr>
+        <p:txBody>
+          <a:bodyPr/>
+          <a:lstStyle/>
+          <a:p>
+            <a:r>
+              <a:rPr lang="en-US" dirty="0"/>
+              <a:t>Text placeholder</a:t>
+            </a:r>
+          </a:p>
+        </p:txBody>
+      </p:sp>
+      <p:sp>
+        <p:nvSpPr>
+          <p:cNvPr id="9" name="Picture Placeholder 8" descr="This photo is a 'placeholder' only. Drag or drop your photo here, or click and tap the center to insert a photo.">
+            <a:extLst>
+              <a:ext uri="{FF2B5EF4-FFF2-40B4-BE49-F238E27FC236}">
+                <a16:creationId xmlns:a16="http://schemas.microsoft.com/office/drawing/2014/main" id="{A078E6D4-B91A-431C-8C2F-A6FD9891FF29}"/>
+              </a:ext>
+            </a:extLst>
+          </p:cNvPr>
+          <p:cNvSpPr>
+            <a:spLocks noGrp="1"/>
+          </p:cNvSpPr>
+          <p:nvPr>
+            <p:ph type="pic" sz="quarter" idx="14"/>
+          </p:nvPr>
+        </p:nvSpPr>
+        <p:spPr/>
+      </p:sp>
+      <p:sp>
+        <p:nvSpPr>
+          <p:cNvPr id="13" name="Text Placeholder 12">
+            <a:extLst>
+              <a:ext uri="{FF2B5EF4-FFF2-40B4-BE49-F238E27FC236}">
+                <a16:creationId xmlns:a16="http://schemas.microsoft.com/office/drawing/2014/main" id="{062B81A3-15C0-4615-9103-E530FFE58E9B}"/>
+              </a:ext>
+            </a:extLst>
+          </p:cNvPr>
+          <p:cNvSpPr>
+            <a:spLocks noGrp="1"/>
+          </p:cNvSpPr>
+          <p:nvPr>
+            <p:ph type="body" sz="quarter" idx="18"/>
+          </p:nvPr>
+        </p:nvSpPr>
+        <p:spPr>
+          <a:xfrm>
+            <a:off x="8134351" y="5689600"/>
+            <a:ext cx="3475037" cy="307777"/>
+          </a:xfrm>
+        </p:spPr>
+        <p:txBody>
+          <a:bodyPr/>
+          <a:lstStyle/>
+          <a:p>
+            <a:r>
+              <a:rPr lang="en-US" dirty="0"/>
+              <a:t>Text placeholder</a:t>
+            </a:r>
+          </a:p>
+        </p:txBody>
+      </p:sp>
+      <p:sp>
+        <p:nvSpPr>
+          <p:cNvPr id="10" name="Picture Placeholder 9" descr="This photo is a 'placeholder' only. Drag or drop your photo here, or click and tap the center to insert a photo.">
+            <a:extLst>
+              <a:ext uri="{FF2B5EF4-FFF2-40B4-BE49-F238E27FC236}">
+                <a16:creationId xmlns:a16="http://schemas.microsoft.com/office/drawing/2014/main" id="{C3281AC1-12FA-4321-9290-F3FD9C085409}"/>
+              </a:ext>
+            </a:extLst>
+          </p:cNvPr>
+          <p:cNvSpPr>
+            <a:spLocks noGrp="1"/>
+          </p:cNvSpPr>
+          <p:nvPr>
+            <p:ph type="pic" sz="quarter" idx="15"/>
+          </p:nvPr>
+        </p:nvSpPr>
+        <p:spPr/>
+      </p:sp>
+    </p:spTree>
+    <p:extLst>
+      <p:ext uri="{BB962C8B-B14F-4D97-AF65-F5344CB8AC3E}">
+        <p14:creationId xmlns:p14="http://schemas.microsoft.com/office/powerpoint/2010/main" val="3964713026"/>
+      </p:ext>
+    </p:extLst>
+  </p:cSld>
+  <p:clrMapOvr>
+    <a:masterClrMapping/>
+  </p:clrMapOvr>
+  <p:transition>
+    <p:fade/>
+  </p:transition>
+</p:sld>
+</file>
+
+<file path=ppt/slides/slide29.xml><?xml version="1.0" encoding="utf-8"?>
+<p:sld xmlns:a="http://schemas.openxmlformats.org/drawingml/2006/main" xmlns:r="http://schemas.openxmlformats.org/officeDocument/2006/relationships" xmlns:p="http://schemas.openxmlformats.org/presentationml/2006/main">
+  <p:cSld>
+    <p:spTree>
+      <p:nvGrpSpPr>
+        <p:cNvPr id="1" name=""/>
+        <p:cNvGrpSpPr/>
+        <p:nvPr/>
+      </p:nvGrpSpPr>
+      <p:grpSpPr>
+        <a:xfrm>
+          <a:off x="0" y="0"/>
+          <a:ext cx="0" cy="0"/>
+          <a:chOff x="0" y="0"/>
+          <a:chExt cx="0" cy="0"/>
+        </a:xfrm>
+      </p:grpSpPr>
+      <p:sp>
+        <p:nvSpPr>
+          <p:cNvPr id="7" name="Title 6">
+            <a:extLst>
+              <a:ext uri="{FF2B5EF4-FFF2-40B4-BE49-F238E27FC236}">
+                <a16:creationId xmlns:a16="http://schemas.microsoft.com/office/drawing/2014/main" id="{A4E6FC63-1669-41F3-A9A6-39B6FB141690}"/>
+              </a:ext>
+            </a:extLst>
+          </p:cNvPr>
+          <p:cNvSpPr>
+            <a:spLocks noGrp="1"/>
+          </p:cNvSpPr>
+          <p:nvPr>
+            <p:ph type="title"/>
+          </p:nvPr>
+        </p:nvSpPr>
+        <p:spPr>
+          <a:xfrm>
+            <a:off x="588263" y="457200"/>
+            <a:ext cx="11018520" cy="553998"/>
+          </a:xfrm>
+        </p:spPr>
+        <p:txBody>
+          <a:bodyPr/>
+          <a:lstStyle/>
+          <a:p>
+            <a:r>
+              <a:rPr lang="en-US" dirty="0"/>
+              <a:t>Four photos layout</a:t>
+            </a:r>
+          </a:p>
+        </p:txBody>
+      </p:sp>
+      <p:sp>
+        <p:nvSpPr>
+          <p:cNvPr id="11" name="Text Placeholder 10">
+            <a:extLst>
+              <a:ext uri="{FF2B5EF4-FFF2-40B4-BE49-F238E27FC236}">
+                <a16:creationId xmlns:a16="http://schemas.microsoft.com/office/drawing/2014/main" id="{A209D23C-50F2-48D6-BAA7-3B9D6572CD44}"/>
+              </a:ext>
+            </a:extLst>
+          </p:cNvPr>
+          <p:cNvSpPr>
+            <a:spLocks noGrp="1"/>
+          </p:cNvSpPr>
+          <p:nvPr>
+            <p:ph type="body" sz="quarter" idx="16"/>
+          </p:nvPr>
+        </p:nvSpPr>
+        <p:spPr>
+          <a:xfrm>
+            <a:off x="582613" y="4753938"/>
+            <a:ext cx="2532888" cy="307777"/>
+          </a:xfrm>
+        </p:spPr>
+        <p:txBody>
+          <a:bodyPr/>
+          <a:lstStyle/>
+          <a:p>
+            <a:r>
+              <a:rPr lang="en-US" dirty="0"/>
+              <a:t>Text placeholder</a:t>
+            </a:r>
+          </a:p>
+        </p:txBody>
+      </p:sp>
+      <p:sp>
+        <p:nvSpPr>
+          <p:cNvPr id="8" name="Picture Placeholder 7" descr="This photo is a 'placeholder' only. Drag or drop your photo here, or click and tap the center to insert a photo.">
+            <a:extLst>
+              <a:ext uri="{FF2B5EF4-FFF2-40B4-BE49-F238E27FC236}">
+                <a16:creationId xmlns:a16="http://schemas.microsoft.com/office/drawing/2014/main" id="{CB9E5AC9-345E-4231-A0B1-CA5FC2605BC1}"/>
+              </a:ext>
+            </a:extLst>
+          </p:cNvPr>
+          <p:cNvSpPr>
+            <a:spLocks noGrp="1"/>
+          </p:cNvSpPr>
+          <p:nvPr>
+            <p:ph type="pic" sz="quarter" idx="13"/>
+          </p:nvPr>
+        </p:nvSpPr>
+        <p:spPr/>
+      </p:sp>
+      <p:sp>
+        <p:nvSpPr>
+          <p:cNvPr id="12" name="Text Placeholder 11">
+            <a:extLst>
+              <a:ext uri="{FF2B5EF4-FFF2-40B4-BE49-F238E27FC236}">
+                <a16:creationId xmlns:a16="http://schemas.microsoft.com/office/drawing/2014/main" id="{92F542C4-C40B-41ED-B136-472CCC2DF00E}"/>
+              </a:ext>
+            </a:extLst>
+          </p:cNvPr>
+          <p:cNvSpPr>
+            <a:spLocks noGrp="1"/>
+          </p:cNvSpPr>
+          <p:nvPr>
+            <p:ph type="body" sz="quarter" idx="17"/>
+          </p:nvPr>
+        </p:nvSpPr>
+        <p:spPr>
+          <a:xfrm>
+            <a:off x="3413908" y="4753938"/>
+            <a:ext cx="2532888" cy="307777"/>
+          </a:xfrm>
+        </p:spPr>
+        <p:txBody>
+          <a:bodyPr/>
+          <a:lstStyle/>
+          <a:p>
+            <a:r>
+              <a:rPr lang="en-US" dirty="0"/>
+              <a:t>Text placeholder</a:t>
+            </a:r>
+          </a:p>
+        </p:txBody>
+      </p:sp>
+      <p:sp>
+        <p:nvSpPr>
+          <p:cNvPr id="9" name="Picture Placeholder 8" descr="This photo is a 'placeholder' only. Drag or drop your photo here, or click and tap the center to insert a photo.">
+            <a:extLst>
+              <a:ext uri="{FF2B5EF4-FFF2-40B4-BE49-F238E27FC236}">
+                <a16:creationId xmlns:a16="http://schemas.microsoft.com/office/drawing/2014/main" id="{D5125A72-F156-43CC-A8E4-C1D71612492F}"/>
+              </a:ext>
+            </a:extLst>
+          </p:cNvPr>
+          <p:cNvSpPr>
+            <a:spLocks noGrp="1"/>
+          </p:cNvSpPr>
+          <p:nvPr>
+            <p:ph type="pic" sz="quarter" idx="14"/>
+          </p:nvPr>
+        </p:nvSpPr>
+        <p:spPr/>
+      </p:sp>
+      <p:sp>
+        <p:nvSpPr>
+          <p:cNvPr id="13" name="Text Placeholder 12">
+            <a:extLst>
+              <a:ext uri="{FF2B5EF4-FFF2-40B4-BE49-F238E27FC236}">
+                <a16:creationId xmlns:a16="http://schemas.microsoft.com/office/drawing/2014/main" id="{B43BB8B0-C02C-44E6-A828-FE52984E9278}"/>
+              </a:ext>
+            </a:extLst>
+          </p:cNvPr>
+          <p:cNvSpPr>
+            <a:spLocks noGrp="1"/>
+          </p:cNvSpPr>
+          <p:nvPr>
+            <p:ph type="body" sz="quarter" idx="18"/>
+          </p:nvPr>
+        </p:nvSpPr>
+        <p:spPr>
+          <a:xfrm>
+            <a:off x="6245204" y="4753938"/>
+            <a:ext cx="2532888" cy="307777"/>
+          </a:xfrm>
+        </p:spPr>
+        <p:txBody>
+          <a:bodyPr/>
+          <a:lstStyle/>
+          <a:p>
+            <a:r>
+              <a:rPr lang="en-US" dirty="0"/>
+              <a:t>Text placeholder</a:t>
+            </a:r>
+          </a:p>
+        </p:txBody>
+      </p:sp>
+      <p:sp>
+        <p:nvSpPr>
+          <p:cNvPr id="10" name="Picture Placeholder 9" descr="This photo is a 'placeholder' only. Drag or drop your photo here, or click and tap the center to insert a photo.">
+            <a:extLst>
+              <a:ext uri="{FF2B5EF4-FFF2-40B4-BE49-F238E27FC236}">
+                <a16:creationId xmlns:a16="http://schemas.microsoft.com/office/drawing/2014/main" id="{3183C00D-DE72-42D6-B0F6-E0FC1CAC99CF}"/>
+              </a:ext>
+            </a:extLst>
+          </p:cNvPr>
+          <p:cNvSpPr>
+            <a:spLocks noGrp="1"/>
+          </p:cNvSpPr>
+          <p:nvPr>
+            <p:ph type="pic" sz="quarter" idx="15"/>
+          </p:nvPr>
+        </p:nvSpPr>
+        <p:spPr/>
+      </p:sp>
+      <p:sp>
+        <p:nvSpPr>
+          <p:cNvPr id="15" name="Text Placeholder 14">
+            <a:extLst>
+              <a:ext uri="{FF2B5EF4-FFF2-40B4-BE49-F238E27FC236}">
+                <a16:creationId xmlns:a16="http://schemas.microsoft.com/office/drawing/2014/main" id="{4A98B624-6FA8-4859-B87B-A01D7E95DB26}"/>
+              </a:ext>
+            </a:extLst>
+          </p:cNvPr>
+          <p:cNvSpPr>
+            <a:spLocks noGrp="1"/>
+          </p:cNvSpPr>
+          <p:nvPr>
+            <p:ph type="body" sz="quarter" idx="20"/>
+          </p:nvPr>
+        </p:nvSpPr>
+        <p:spPr>
+          <a:xfrm>
+            <a:off x="9076500" y="4753938"/>
+            <a:ext cx="2532888" cy="307777"/>
+          </a:xfrm>
+        </p:spPr>
+        <p:txBody>
+          <a:bodyPr/>
+          <a:lstStyle/>
+          <a:p>
+            <a:r>
+              <a:rPr lang="en-US" dirty="0"/>
+              <a:t>Text placeholder</a:t>
+            </a:r>
+          </a:p>
+        </p:txBody>
+      </p:sp>
+      <p:sp>
+        <p:nvSpPr>
+          <p:cNvPr id="14" name="Picture Placeholder 13" descr="This photo is a 'placeholder' only. Drag or drop your photo here, or click and tap the center to insert a photo.">
+            <a:extLst>
+              <a:ext uri="{FF2B5EF4-FFF2-40B4-BE49-F238E27FC236}">
+                <a16:creationId xmlns:a16="http://schemas.microsoft.com/office/drawing/2014/main" id="{CF615145-50B1-4694-973A-724322B099D6}"/>
+              </a:ext>
+            </a:extLst>
+          </p:cNvPr>
+          <p:cNvSpPr>
+            <a:spLocks noGrp="1"/>
+          </p:cNvSpPr>
+          <p:nvPr>
+            <p:ph type="pic" sz="quarter" idx="19"/>
+          </p:nvPr>
+        </p:nvSpPr>
+        <p:spPr/>
+      </p:sp>
+    </p:spTree>
+    <p:extLst>
+      <p:ext uri="{BB962C8B-B14F-4D97-AF65-F5344CB8AC3E}">
+        <p14:creationId xmlns:p14="http://schemas.microsoft.com/office/powerpoint/2010/main" val="2504275049"/>
+      </p:ext>
+    </p:extLst>
+  </p:cSld>
+  <p:clrMapOvr>
+    <a:masterClrMapping/>
+  </p:clrMapOvr>
+  <p:transition>
+    <p:fade/>
+  </p:transition>
+</p:sld>
+</file>
+
+<file path=ppt/slides/slide3.xml><?xml version="1.0" encoding="utf-8"?>
+<p:sld xmlns:a="http://schemas.openxmlformats.org/drawingml/2006/main" xmlns:r="http://schemas.openxmlformats.org/officeDocument/2006/relationships" xmlns:p="http://schemas.openxmlformats.org/presentationml/2006/main">
+  <p:cSld>
+    <p:spTree>
+      <p:nvGrpSpPr>
+        <p:cNvPr id="1" name=""/>
+        <p:cNvGrpSpPr/>
+        <p:nvPr/>
+      </p:nvGrpSpPr>
+      <p:grpSpPr>
+        <a:xfrm>
+          <a:off x="0" y="0"/>
+          <a:ext cx="0" cy="0"/>
+          <a:chOff x="0" y="0"/>
+          <a:chExt cx="0" cy="0"/>
+        </a:xfrm>
+      </p:grpSpPr>
+      <p:sp>
+        <p:nvSpPr>
+          <p:cNvPr id="4" name="Title 3">
+            <a:extLst>
+              <a:ext uri="{FF2B5EF4-FFF2-40B4-BE49-F238E27FC236}">
+                <a16:creationId xmlns:a16="http://schemas.microsoft.com/office/drawing/2014/main" id="{2C7F4FCE-F69F-2254-90CA-04EDD1F1D6A8}"/>
+              </a:ext>
+            </a:extLst>
+          </p:cNvPr>
+          <p:cNvSpPr>
+            <a:spLocks noGrp="1"/>
+          </p:cNvSpPr>
+          <p:nvPr>
+            <p:ph type="title"/>
+          </p:nvPr>
+        </p:nvSpPr>
+        <p:spPr>
+          <a:xfrm>
+            <a:off x="422790" y="3248604"/>
+            <a:ext cx="5346352" cy="664797"/>
+          </a:xfrm>
+        </p:spPr>
+        <p:txBody>
+          <a:bodyPr/>
+          <a:lstStyle/>
+          <a:p>
+            <a:r>
+              <a:rPr lang="en-IE" sz="4800" dirty="0"/>
+              <a:t>Cost Management</a:t>
+            </a:r>
+          </a:p>
+        </p:txBody>
+      </p:sp>
+      <p:pic>
+        <p:nvPicPr>
+          <p:cNvPr id="3" name="Graphic 2">
+            <a:extLst>
+              <a:ext uri="{FF2B5EF4-FFF2-40B4-BE49-F238E27FC236}">
+                <a16:creationId xmlns:a16="http://schemas.microsoft.com/office/drawing/2014/main" id="{13CD0570-A0D9-64AC-A02F-5BDA31635323}"/>
+              </a:ext>
+            </a:extLst>
+          </p:cNvPr>
+          <p:cNvPicPr>
+            <a:picLocks noChangeAspect="1"/>
+          </p:cNvPicPr>
+          <p:nvPr/>
+        </p:nvPicPr>
+        <p:blipFill>
+          <a:blip r:embed="rId2">
+            <a:extLst>
+              <a:ext uri="{96DAC541-7B7A-43D3-8B79-37D633B846F1}">
+                <asvg:svgBlip xmlns:asvg="http://schemas.microsoft.com/office/drawing/2016/SVG/main" r:embed="rId3"/>
+              </a:ext>
+            </a:extLst>
+          </a:blip>
+          <a:stretch>
+            <a:fillRect/>
+          </a:stretch>
+        </p:blipFill>
+        <p:spPr>
+          <a:xfrm>
+            <a:off x="6005762" y="396413"/>
+            <a:ext cx="3321345" cy="3321345"/>
+          </a:xfrm>
+          <a:prstGeom prst="rect">
+            <a:avLst/>
+          </a:prstGeom>
+        </p:spPr>
+      </p:pic>
+      <p:pic>
+        <p:nvPicPr>
+          <p:cNvPr id="6" name="Graphic 5">
+            <a:extLst>
+              <a:ext uri="{FF2B5EF4-FFF2-40B4-BE49-F238E27FC236}">
+                <a16:creationId xmlns:a16="http://schemas.microsoft.com/office/drawing/2014/main" id="{4E36E1B8-578E-5AD4-7149-C6E3C187A130}"/>
+              </a:ext>
+            </a:extLst>
+          </p:cNvPr>
+          <p:cNvPicPr>
+            <a:picLocks noChangeAspect="1"/>
+          </p:cNvPicPr>
+          <p:nvPr/>
+        </p:nvPicPr>
+        <p:blipFill>
+          <a:blip r:embed="rId4">
+            <a:extLst>
+              <a:ext uri="{96DAC541-7B7A-43D3-8B79-37D633B846F1}">
+                <asvg:svgBlip xmlns:asvg="http://schemas.microsoft.com/office/drawing/2016/SVG/main" r:embed="rId5"/>
+              </a:ext>
+            </a:extLst>
+          </a:blip>
+          <a:stretch>
+            <a:fillRect/>
+          </a:stretch>
+        </p:blipFill>
+        <p:spPr>
+          <a:xfrm>
+            <a:off x="8640832" y="3534406"/>
+            <a:ext cx="3229728" cy="3229728"/>
+          </a:xfrm>
+          <a:prstGeom prst="rect">
+            <a:avLst/>
+          </a:prstGeom>
+        </p:spPr>
+      </p:pic>
+    </p:spTree>
+    <p:extLst>
+      <p:ext uri="{BB962C8B-B14F-4D97-AF65-F5344CB8AC3E}">
+        <p14:creationId xmlns:p14="http://schemas.microsoft.com/office/powerpoint/2010/main" val="1776889194"/>
+      </p:ext>
+    </p:extLst>
+  </p:cSld>
+  <p:clrMapOvr>
+    <a:masterClrMapping/>
+  </p:clrMapOvr>
+  <mc:AlternateContent xmlns:mc="http://schemas.openxmlformats.org/markup-compatibility/2006" xmlns:p14="http://schemas.microsoft.com/office/powerpoint/2010/main">
+    <mc:Choice Requires="p14">
+      <p:transition spd="med" p14:dur="700">
+        <p:fade/>
+      </p:transition>
+    </mc:Choice>
+    <mc:Fallback xmlns="">
+      <p:transition spd="med">
+        <p:fade/>
+      </p:transition>
+    </mc:Fallback>
+  </mc:AlternateContent>
+</p:sld>
+</file>
+
+<file path=ppt/slides/slide30.xml><?xml version="1.0" encoding="utf-8"?>
+<p:sld xmlns:a="http://schemas.openxmlformats.org/drawingml/2006/main" xmlns:r="http://schemas.openxmlformats.org/officeDocument/2006/relationships" xmlns:p="http://schemas.openxmlformats.org/presentationml/2006/main">
+  <p:cSld>
+    <p:spTree>
+      <p:nvGrpSpPr>
+        <p:cNvPr id="1" name=""/>
+        <p:cNvGrpSpPr/>
+        <p:nvPr/>
+      </p:nvGrpSpPr>
+      <p:grpSpPr>
+        <a:xfrm>
+          <a:off x="0" y="0"/>
+          <a:ext cx="0" cy="0"/>
+          <a:chOff x="0" y="0"/>
+          <a:chExt cx="0" cy="0"/>
+        </a:xfrm>
+      </p:grpSpPr>
+      <p:sp>
+        <p:nvSpPr>
+          <p:cNvPr id="2" name="Title 1">
+            <a:extLst>
+              <a:ext uri="{FF2B5EF4-FFF2-40B4-BE49-F238E27FC236}">
+                <a16:creationId xmlns:a16="http://schemas.microsoft.com/office/drawing/2014/main" id="{4FE98B5C-48BE-4909-9F4A-A4186BB35065}"/>
+              </a:ext>
+            </a:extLst>
+          </p:cNvPr>
+          <p:cNvSpPr>
+            <a:spLocks noGrp="1"/>
+          </p:cNvSpPr>
+          <p:nvPr>
+            <p:ph type="title"/>
+          </p:nvPr>
+        </p:nvSpPr>
+        <p:spPr>
+          <a:xfrm>
+            <a:off x="588263" y="5436128"/>
+            <a:ext cx="11018520" cy="553998"/>
+          </a:xfrm>
+        </p:spPr>
+        <p:txBody>
+          <a:bodyPr/>
+          <a:lstStyle/>
+          <a:p>
+            <a:r>
+              <a:rPr lang="en-US" dirty="0"/>
+              <a:t>Top photo with Title</a:t>
+            </a:r>
+          </a:p>
+        </p:txBody>
+      </p:sp>
+      <p:sp>
+        <p:nvSpPr>
+          <p:cNvPr id="3" name="Picture Placeholder 2" descr="This photo is a 'placeholder' only. Drag or drop your photo here, or click and tap the center to insert a photo.">
+            <a:extLst>
+              <a:ext uri="{FF2B5EF4-FFF2-40B4-BE49-F238E27FC236}">
+                <a16:creationId xmlns:a16="http://schemas.microsoft.com/office/drawing/2014/main" id="{3E53C251-F0C1-4DAA-BF3B-F3E1C6002804}"/>
+              </a:ext>
+            </a:extLst>
+          </p:cNvPr>
+          <p:cNvSpPr>
+            <a:spLocks noGrp="1"/>
+          </p:cNvSpPr>
+          <p:nvPr>
+            <p:ph type="pic" sz="quarter" idx="11"/>
+          </p:nvPr>
+        </p:nvSpPr>
+        <p:spPr/>
+      </p:sp>
+    </p:spTree>
+    <p:extLst>
+      <p:ext uri="{BB962C8B-B14F-4D97-AF65-F5344CB8AC3E}">
+        <p14:creationId xmlns:p14="http://schemas.microsoft.com/office/powerpoint/2010/main" val="544100002"/>
+      </p:ext>
+    </p:extLst>
+  </p:cSld>
+  <p:clrMapOvr>
+    <a:masterClrMapping/>
+  </p:clrMapOvr>
+  <p:transition>
+    <p:fade/>
+  </p:transition>
+</p:sld>
+</file>
+
+<file path=ppt/slides/slide31.xml><?xml version="1.0" encoding="utf-8"?>
+<p:sld xmlns:a="http://schemas.openxmlformats.org/drawingml/2006/main" xmlns:r="http://schemas.openxmlformats.org/officeDocument/2006/relationships" xmlns:p="http://schemas.openxmlformats.org/presentationml/2006/main">
+  <p:cSld>
+    <p:spTree>
+      <p:nvGrpSpPr>
+        <p:cNvPr id="1" name=""/>
+        <p:cNvGrpSpPr/>
+        <p:nvPr/>
+      </p:nvGrpSpPr>
+      <p:grpSpPr>
+        <a:xfrm>
+          <a:off x="0" y="0"/>
+          <a:ext cx="0" cy="0"/>
+          <a:chOff x="0" y="0"/>
+          <a:chExt cx="0" cy="0"/>
+        </a:xfrm>
+      </p:grpSpPr>
+      <p:sp>
+        <p:nvSpPr>
           <p:cNvPr id="2" name="Picture Placeholder 1" descr="This photo is a 'placeholder' only. Drag or drop your photo here, or click and tap the center to insert a photo.">
             <a:extLst>
               <a:ext uri="{FF2B5EF4-FFF2-40B4-BE49-F238E27FC236}">
@@ -17742,7 +19639,7 @@
 </p:sld>
 </file>
 
-<file path=ppt/slides/slide28.xml><?xml version="1.0" encoding="utf-8"?>
+<file path=ppt/slides/slide32.xml><?xml version="1.0" encoding="utf-8"?>
 <p:sld xmlns:a="http://schemas.openxmlformats.org/drawingml/2006/main" xmlns:r="http://schemas.openxmlformats.org/officeDocument/2006/relationships" xmlns:p="http://schemas.openxmlformats.org/presentationml/2006/main">
   <p:cSld>
     <p:spTree>
@@ -19303,7 +21200,7 @@
 </p:sld>
 </file>
 
-<file path=ppt/slides/slide29.xml><?xml version="1.0" encoding="utf-8"?>
+<file path=ppt/slides/slide33.xml><?xml version="1.0" encoding="utf-8"?>
 <p:sld xmlns:a="http://schemas.openxmlformats.org/drawingml/2006/main" xmlns:r="http://schemas.openxmlformats.org/officeDocument/2006/relationships" xmlns:p="http://schemas.openxmlformats.org/presentationml/2006/main">
   <p:cSld>
     <p:spTree>
@@ -24594,77 +26491,7 @@
 </p:sld>
 </file>
 
-<file path=ppt/slides/slide3.xml><?xml version="1.0" encoding="utf-8"?>
-<p:sld xmlns:a="http://schemas.openxmlformats.org/drawingml/2006/main" xmlns:r="http://schemas.openxmlformats.org/officeDocument/2006/relationships" xmlns:p="http://schemas.openxmlformats.org/presentationml/2006/main">
-  <p:cSld>
-    <p:spTree>
-      <p:nvGrpSpPr>
-        <p:cNvPr id="1" name=""/>
-        <p:cNvGrpSpPr/>
-        <p:nvPr/>
-      </p:nvGrpSpPr>
-      <p:grpSpPr>
-        <a:xfrm>
-          <a:off x="0" y="0"/>
-          <a:ext cx="0" cy="0"/>
-          <a:chOff x="0" y="0"/>
-          <a:chExt cx="0" cy="0"/>
-        </a:xfrm>
-      </p:grpSpPr>
-      <p:sp>
-        <p:nvSpPr>
-          <p:cNvPr id="4" name="Title 3">
-            <a:extLst>
-              <a:ext uri="{FF2B5EF4-FFF2-40B4-BE49-F238E27FC236}">
-                <a16:creationId xmlns:a16="http://schemas.microsoft.com/office/drawing/2014/main" id="{2C7F4FCE-F69F-2254-90CA-04EDD1F1D6A8}"/>
-              </a:ext>
-            </a:extLst>
-          </p:cNvPr>
-          <p:cNvSpPr>
-            <a:spLocks noGrp="1"/>
-          </p:cNvSpPr>
-          <p:nvPr>
-            <p:ph type="title"/>
-          </p:nvPr>
-        </p:nvSpPr>
-        <p:spPr/>
-        <p:txBody>
-          <a:bodyPr/>
-          <a:lstStyle/>
-          <a:p>
-            <a:r>
-              <a:rPr lang="en-IE" dirty="0"/>
-              <a:t>Cost Management</a:t>
-            </a:r>
-          </a:p>
-        </p:txBody>
-      </p:sp>
-    </p:spTree>
-    <p:extLst>
-      <p:ext uri="{BB962C8B-B14F-4D97-AF65-F5344CB8AC3E}">
-        <p14:creationId xmlns:p14="http://schemas.microsoft.com/office/powerpoint/2010/main" val="1776889194"/>
-      </p:ext>
-    </p:extLst>
-  </p:cSld>
-  <p:clrMapOvr>
-    <a:masterClrMapping/>
-  </p:clrMapOvr>
-  <mc:AlternateContent xmlns:mc="http://schemas.openxmlformats.org/markup-compatibility/2006" xmlns:p14="http://schemas.microsoft.com/office/powerpoint/2010/main">
-    <mc:Choice Requires="p14">
-      <p:transition spd="med" p14:dur="700">
-        <p:fade/>
-      </p:transition>
-    </mc:Choice>
-    <mc:Fallback xmlns="">
-      <p:transition spd="med">
-        <p:fade/>
-      </p:transition>
-    </mc:Fallback>
-  </mc:AlternateContent>
-</p:sld>
-</file>
-
-<file path=ppt/slides/slide30.xml><?xml version="1.0" encoding="utf-8"?>
+<file path=ppt/slides/slide34.xml><?xml version="1.0" encoding="utf-8"?>
 <p:sld xmlns:a="http://schemas.openxmlformats.org/drawingml/2006/main" xmlns:r="http://schemas.openxmlformats.org/officeDocument/2006/relationships" xmlns:p="http://schemas.openxmlformats.org/presentationml/2006/main">
   <p:cSld>
     <p:spTree>
@@ -28865,7 +30692,7 @@
 </p:sld>
 </file>
 
-<file path=ppt/slides/slide31.xml><?xml version="1.0" encoding="utf-8"?>
+<file path=ppt/slides/slide35.xml><?xml version="1.0" encoding="utf-8"?>
 <p:sld xmlns:a="http://schemas.openxmlformats.org/drawingml/2006/main" xmlns:r="http://schemas.openxmlformats.org/officeDocument/2006/relationships" xmlns:p="http://schemas.openxmlformats.org/presentationml/2006/main">
   <p:cSld>
     <p:spTree>
@@ -29249,7 +31076,7 @@
 </p:sld>
 </file>
 
-<file path=ppt/slides/slide32.xml><?xml version="1.0" encoding="utf-8"?>
+<file path=ppt/slides/slide36.xml><?xml version="1.0" encoding="utf-8"?>
 <p:sld xmlns:a="http://schemas.openxmlformats.org/drawingml/2006/main" xmlns:r="http://schemas.openxmlformats.org/officeDocument/2006/relationships" xmlns:p="http://schemas.openxmlformats.org/presentationml/2006/main">
   <p:cSld>
     <p:spTree>
@@ -29549,7 +31376,7 @@
 </p:sld>
 </file>
 
-<file path=ppt/slides/slide33.xml><?xml version="1.0" encoding="utf-8"?>
+<file path=ppt/slides/slide37.xml><?xml version="1.0" encoding="utf-8"?>
 <p:sld xmlns:a="http://schemas.openxmlformats.org/drawingml/2006/main" xmlns:r="http://schemas.openxmlformats.org/officeDocument/2006/relationships" xmlns:p="http://schemas.openxmlformats.org/presentationml/2006/main">
   <p:cSld>
     <p:spTree>
@@ -29626,7 +31453,7 @@
 </p:sld>
 </file>
 
-<file path=ppt/slides/slide34.xml><?xml version="1.0" encoding="utf-8"?>
+<file path=ppt/slides/slide38.xml><?xml version="1.0" encoding="utf-8"?>
 <p:sld xmlns:a="http://schemas.openxmlformats.org/drawingml/2006/main" xmlns:r="http://schemas.openxmlformats.org/officeDocument/2006/relationships" xmlns:p="http://schemas.openxmlformats.org/presentationml/2006/main">
   <p:cSld>
     <p:spTree>
@@ -29681,7 +31508,7 @@
 </p:sld>
 </file>
 
-<file path=ppt/slides/slide35.xml><?xml version="1.0" encoding="utf-8"?>
+<file path=ppt/slides/slide39.xml><?xml version="1.0" encoding="utf-8"?>
 <p:sld xmlns:a="http://schemas.openxmlformats.org/drawingml/2006/main" xmlns:r="http://schemas.openxmlformats.org/officeDocument/2006/relationships" xmlns:p="http://schemas.openxmlformats.org/presentationml/2006/main">
   <p:cSld>
     <p:spTree>
@@ -29758,7 +31585,133 @@
 </p:sld>
 </file>
 
-<file path=ppt/slides/slide36.xml><?xml version="1.0" encoding="utf-8"?>
+<file path=ppt/slides/slide4.xml><?xml version="1.0" encoding="utf-8"?>
+<p:sld xmlns:a="http://schemas.openxmlformats.org/drawingml/2006/main" xmlns:r="http://schemas.openxmlformats.org/officeDocument/2006/relationships" xmlns:p="http://schemas.openxmlformats.org/presentationml/2006/main">
+  <p:cSld>
+    <p:spTree>
+      <p:nvGrpSpPr>
+        <p:cNvPr id="1" name=""/>
+        <p:cNvGrpSpPr/>
+        <p:nvPr/>
+      </p:nvGrpSpPr>
+      <p:grpSpPr>
+        <a:xfrm>
+          <a:off x="0" y="0"/>
+          <a:ext cx="0" cy="0"/>
+          <a:chOff x="0" y="0"/>
+          <a:chExt cx="0" cy="0"/>
+        </a:xfrm>
+      </p:grpSpPr>
+      <p:sp>
+        <p:nvSpPr>
+          <p:cNvPr id="2" name="Title 1">
+            <a:extLst>
+              <a:ext uri="{FF2B5EF4-FFF2-40B4-BE49-F238E27FC236}">
+                <a16:creationId xmlns:a16="http://schemas.microsoft.com/office/drawing/2014/main" id="{CAC11701-7989-D58B-5E8A-D0D8316AB7B1}"/>
+              </a:ext>
+            </a:extLst>
+          </p:cNvPr>
+          <p:cNvSpPr>
+            <a:spLocks noGrp="1"/>
+          </p:cNvSpPr>
+          <p:nvPr>
+            <p:ph type="title"/>
+          </p:nvPr>
+        </p:nvSpPr>
+        <p:spPr/>
+        <p:txBody>
+          <a:bodyPr/>
+          <a:lstStyle/>
+          <a:p>
+            <a:r>
+              <a:rPr lang="en-IE" dirty="0"/>
+              <a:t>EA and CSP</a:t>
+            </a:r>
+          </a:p>
+        </p:txBody>
+      </p:sp>
+      <p:sp>
+        <p:nvSpPr>
+          <p:cNvPr id="3" name="Content Placeholder 2">
+            <a:extLst>
+              <a:ext uri="{FF2B5EF4-FFF2-40B4-BE49-F238E27FC236}">
+                <a16:creationId xmlns:a16="http://schemas.microsoft.com/office/drawing/2014/main" id="{765E93E9-CA77-E882-F286-60BD948275D5}"/>
+              </a:ext>
+            </a:extLst>
+          </p:cNvPr>
+          <p:cNvSpPr>
+            <a:spLocks noGrp="1"/>
+          </p:cNvSpPr>
+          <p:nvPr>
+            <p:ph sz="quarter" idx="10"/>
+          </p:nvPr>
+        </p:nvSpPr>
+        <p:spPr>
+          <a:xfrm>
+            <a:off x="584200" y="1435100"/>
+            <a:ext cx="11018838" cy="2203680"/>
+          </a:xfrm>
+        </p:spPr>
+        <p:txBody>
+          <a:bodyPr/>
+          <a:lstStyle/>
+          <a:p>
+            <a:r>
+              <a:rPr lang="en-IE" dirty="0"/>
+              <a:t>Indirect and Government </a:t>
+            </a:r>
+          </a:p>
+          <a:p>
+            <a:pPr lvl="1"/>
+            <a:r>
+              <a:rPr lang="en-IE" dirty="0"/>
+              <a:t>Use EA portal: </a:t>
+            </a:r>
+            <a:r>
+              <a:rPr lang="en-IE" b="0" i="0" u="none" strike="noStrike" dirty="0">
+                <a:effectLst/>
+                <a:latin typeface="Segoe UI" panose="020B0502040204020203" pitchFamily="34" charset="0"/>
+                <a:hlinkClick r:id="rId3"/>
+              </a:rPr>
+              <a:t>https://ea.azure.com</a:t>
+            </a:r>
+            <a:endParaRPr lang="en-IE" dirty="0"/>
+          </a:p>
+          <a:p>
+            <a:endParaRPr lang="en-IE" dirty="0"/>
+          </a:p>
+          <a:p>
+            <a:r>
+              <a:rPr lang="en-IE" dirty="0"/>
+              <a:t>Direct EA </a:t>
+            </a:r>
+          </a:p>
+          <a:p>
+            <a:pPr lvl="1"/>
+            <a:r>
+              <a:rPr lang="en-IE" dirty="0"/>
+              <a:t>Cost Management in the Azure Portal</a:t>
+            </a:r>
+          </a:p>
+        </p:txBody>
+      </p:sp>
+    </p:spTree>
+    <p:extLst>
+      <p:ext uri="{BB962C8B-B14F-4D97-AF65-F5344CB8AC3E}">
+        <p14:creationId xmlns:p14="http://schemas.microsoft.com/office/powerpoint/2010/main" val="1068423789"/>
+      </p:ext>
+    </p:extLst>
+  </p:cSld>
+  <p:clrMapOvr>
+    <a:masterClrMapping/>
+  </p:clrMapOvr>
+  <p:transition>
+    <p:fade/>
+  </p:transition>
+</p:sld>
+</file>
+
+<file path=ppt/slides/slide40.xml><?xml version="1.0" encoding="utf-8"?>
 <p:sld xmlns:a="http://schemas.openxmlformats.org/drawingml/2006/main" xmlns:r="http://schemas.openxmlformats.org/officeDocument/2006/relationships" xmlns:p="http://schemas.openxmlformats.org/presentationml/2006/main" show="0">
   <p:cSld>
     <p:spTree>
@@ -29863,7 +31816,7 @@
 </p:sld>
 </file>
 
-<file path=ppt/slides/slide37.xml><?xml version="1.0" encoding="utf-8"?>
+<file path=ppt/slides/slide41.xml><?xml version="1.0" encoding="utf-8"?>
 <p:sld xmlns:a="http://schemas.openxmlformats.org/drawingml/2006/main" xmlns:r="http://schemas.openxmlformats.org/officeDocument/2006/relationships" xmlns:p="http://schemas.openxmlformats.org/presentationml/2006/main">
   <p:cSld>
     <p:spTree>
@@ -29896,132 +31849,6 @@
 </p:sld>
 </file>
 
-<file path=ppt/slides/slide4.xml><?xml version="1.0" encoding="utf-8"?>
-<p:sld xmlns:a="http://schemas.openxmlformats.org/drawingml/2006/main" xmlns:r="http://schemas.openxmlformats.org/officeDocument/2006/relationships" xmlns:p="http://schemas.openxmlformats.org/presentationml/2006/main">
-  <p:cSld>
-    <p:spTree>
-      <p:nvGrpSpPr>
-        <p:cNvPr id="1" name=""/>
-        <p:cNvGrpSpPr/>
-        <p:nvPr/>
-      </p:nvGrpSpPr>
-      <p:grpSpPr>
-        <a:xfrm>
-          <a:off x="0" y="0"/>
-          <a:ext cx="0" cy="0"/>
-          <a:chOff x="0" y="0"/>
-          <a:chExt cx="0" cy="0"/>
-        </a:xfrm>
-      </p:grpSpPr>
-      <p:sp>
-        <p:nvSpPr>
-          <p:cNvPr id="2" name="Title 1">
-            <a:extLst>
-              <a:ext uri="{FF2B5EF4-FFF2-40B4-BE49-F238E27FC236}">
-                <a16:creationId xmlns:a16="http://schemas.microsoft.com/office/drawing/2014/main" id="{CAC11701-7989-D58B-5E8A-D0D8316AB7B1}"/>
-              </a:ext>
-            </a:extLst>
-          </p:cNvPr>
-          <p:cNvSpPr>
-            <a:spLocks noGrp="1"/>
-          </p:cNvSpPr>
-          <p:nvPr>
-            <p:ph type="title"/>
-          </p:nvPr>
-        </p:nvSpPr>
-        <p:spPr/>
-        <p:txBody>
-          <a:bodyPr/>
-          <a:lstStyle/>
-          <a:p>
-            <a:r>
-              <a:rPr lang="en-IE" dirty="0"/>
-              <a:t>EA and CSP</a:t>
-            </a:r>
-          </a:p>
-        </p:txBody>
-      </p:sp>
-      <p:sp>
-        <p:nvSpPr>
-          <p:cNvPr id="3" name="Content Placeholder 2">
-            <a:extLst>
-              <a:ext uri="{FF2B5EF4-FFF2-40B4-BE49-F238E27FC236}">
-                <a16:creationId xmlns:a16="http://schemas.microsoft.com/office/drawing/2014/main" id="{765E93E9-CA77-E882-F286-60BD948275D5}"/>
-              </a:ext>
-            </a:extLst>
-          </p:cNvPr>
-          <p:cNvSpPr>
-            <a:spLocks noGrp="1"/>
-          </p:cNvSpPr>
-          <p:nvPr>
-            <p:ph sz="quarter" idx="10"/>
-          </p:nvPr>
-        </p:nvSpPr>
-        <p:spPr>
-          <a:xfrm>
-            <a:off x="584200" y="1435100"/>
-            <a:ext cx="11018838" cy="2203680"/>
-          </a:xfrm>
-        </p:spPr>
-        <p:txBody>
-          <a:bodyPr/>
-          <a:lstStyle/>
-          <a:p>
-            <a:r>
-              <a:rPr lang="en-IE" dirty="0"/>
-              <a:t>Indirect and Government </a:t>
-            </a:r>
-          </a:p>
-          <a:p>
-            <a:pPr lvl="1"/>
-            <a:r>
-              <a:rPr lang="en-IE" dirty="0"/>
-              <a:t>Use EA portal: </a:t>
-            </a:r>
-            <a:r>
-              <a:rPr lang="en-IE" b="0" i="0" u="none" strike="noStrike" dirty="0">
-                <a:effectLst/>
-                <a:latin typeface="Segoe UI" panose="020B0502040204020203" pitchFamily="34" charset="0"/>
-                <a:hlinkClick r:id="rId3"/>
-              </a:rPr>
-              <a:t>https://ea.azure.com</a:t>
-            </a:r>
-            <a:endParaRPr lang="en-IE" dirty="0"/>
-          </a:p>
-          <a:p>
-            <a:endParaRPr lang="en-IE" dirty="0"/>
-          </a:p>
-          <a:p>
-            <a:r>
-              <a:rPr lang="en-IE" dirty="0"/>
-              <a:t>Direct EA </a:t>
-            </a:r>
-          </a:p>
-          <a:p>
-            <a:pPr lvl="1"/>
-            <a:r>
-              <a:rPr lang="en-IE" dirty="0"/>
-              <a:t>Cost Management in the Azure Portal</a:t>
-            </a:r>
-          </a:p>
-        </p:txBody>
-      </p:sp>
-    </p:spTree>
-    <p:extLst>
-      <p:ext uri="{BB962C8B-B14F-4D97-AF65-F5344CB8AC3E}">
-        <p14:creationId xmlns:p14="http://schemas.microsoft.com/office/powerpoint/2010/main" val="1068423789"/>
-      </p:ext>
-    </p:extLst>
-  </p:cSld>
-  <p:clrMapOvr>
-    <a:masterClrMapping/>
-  </p:clrMapOvr>
-  <p:transition>
-    <p:fade/>
-  </p:transition>
-</p:sld>
-</file>
-
 <file path=ppt/slides/slide5.xml><?xml version="1.0" encoding="utf-8"?>
 <p:sld xmlns:a="http://schemas.openxmlformats.org/drawingml/2006/main" xmlns:r="http://schemas.openxmlformats.org/officeDocument/2006/relationships" xmlns:p="http://schemas.openxmlformats.org/presentationml/2006/main">
   <p:cSld>
@@ -30062,7 +31889,7 @@
           <a:p>
             <a:r>
               <a:rPr lang="en-IE" dirty="0"/>
-              <a:t>PBI for EA customers</a:t>
+              <a:t>Power BI</a:t>
             </a:r>
           </a:p>
         </p:txBody>
@@ -30086,14 +31913,46 @@
         <p:spPr>
           <a:xfrm>
             <a:off x="584200" y="1435100"/>
-            <a:ext cx="4694677" cy="4833938"/>
+            <a:ext cx="4694677" cy="2412968"/>
           </a:xfrm>
         </p:spPr>
         <p:txBody>
           <a:bodyPr/>
           <a:lstStyle/>
           <a:p>
+            <a:pPr marL="0" indent="0">
+              <a:buNone/>
+            </a:pPr>
+            <a:r>
+              <a:rPr lang="en-IE" dirty="0"/>
+              <a:t>Power BI Cost Management Connector for:</a:t>
+            </a:r>
+          </a:p>
+          <a:p>
+            <a:pPr marL="0" indent="0">
+              <a:buNone/>
+            </a:pPr>
             <a:endParaRPr lang="en-IE" dirty="0"/>
+          </a:p>
+          <a:p>
+            <a:pPr>
+              <a:buFont typeface="Arial" panose="020B0604020202020204" pitchFamily="34" charset="0"/>
+              <a:buChar char="•"/>
+            </a:pPr>
+            <a:r>
+              <a:rPr lang="en-IE" dirty="0"/>
+              <a:t>Direct MCA</a:t>
+            </a:r>
+          </a:p>
+          <a:p>
+            <a:pPr>
+              <a:buFont typeface="Arial" panose="020B0604020202020204" pitchFamily="34" charset="0"/>
+              <a:buChar char="•"/>
+            </a:pPr>
+            <a:r>
+              <a:rPr lang="en-IE" dirty="0"/>
+              <a:t>EA</a:t>
+            </a:r>
           </a:p>
         </p:txBody>
       </p:sp>
@@ -30112,7 +31971,7 @@
           <p:nvPr/>
         </p:nvPicPr>
         <p:blipFill>
-          <a:blip r:embed="rId2"/>
+          <a:blip r:embed="rId3"/>
           <a:stretch>
             <a:fillRect/>
           </a:stretch>
@@ -30230,7 +32089,7 @@
           <p:nvPr/>
         </p:nvPicPr>
         <p:blipFill>
-          <a:blip r:embed="rId2"/>
+          <a:blip r:embed="rId3"/>
           <a:stretch>
             <a:fillRect/>
           </a:stretch>
@@ -30291,240 +32150,10 @@
       </p:grpSpPr>
       <p:sp>
         <p:nvSpPr>
-          <p:cNvPr id="2" name="Title 1">
+          <p:cNvPr id="6" name="Title 1">
             <a:extLst>
               <a:ext uri="{FF2B5EF4-FFF2-40B4-BE49-F238E27FC236}">
-                <a16:creationId xmlns:a16="http://schemas.microsoft.com/office/drawing/2014/main" id="{4FE0C4C5-CEF4-BA39-FB92-290D39A938A0}"/>
-              </a:ext>
-            </a:extLst>
-          </p:cNvPr>
-          <p:cNvSpPr>
-            <a:spLocks noGrp="1"/>
-          </p:cNvSpPr>
-          <p:nvPr>
-            <p:ph type="title"/>
-          </p:nvPr>
-        </p:nvSpPr>
-        <p:spPr>
-          <a:xfrm>
-            <a:off x="392189" y="2279752"/>
-            <a:ext cx="4158362" cy="2535236"/>
-          </a:xfrm>
-        </p:spPr>
-        <p:txBody>
-          <a:bodyPr wrap="square" anchor="ctr">
-            <a:normAutofit/>
-          </a:bodyPr>
-          <a:lstStyle/>
-          <a:p>
-            <a:r>
-              <a:rPr lang="en-IE" dirty="0"/>
-              <a:t>Azure Sponsorship</a:t>
-            </a:r>
-            <a:br>
-              <a:rPr lang="en-IE" dirty="0"/>
-            </a:br>
-            <a:br>
-              <a:rPr lang="en-IE" dirty="0"/>
-            </a:br>
-            <a:r>
-              <a:rPr lang="en-IE" sz="1800" u="sng" dirty="0">
-                <a:solidFill>
-                  <a:schemeClr val="accent1">
-                    <a:lumMod val="75000"/>
-                  </a:schemeClr>
-                </a:solidFill>
-              </a:rPr>
-              <a:t>https://microsoftazuresponsorships.com/</a:t>
-            </a:r>
-            <a:br>
-              <a:rPr lang="en-IE" dirty="0"/>
-            </a:br>
-            <a:endParaRPr lang="en-IE" dirty="0"/>
-          </a:p>
-        </p:txBody>
-      </p:sp>
-      <p:pic>
-        <p:nvPicPr>
-          <p:cNvPr id="5" name="Picture 4">
-            <a:extLst>
-              <a:ext uri="{FF2B5EF4-FFF2-40B4-BE49-F238E27FC236}">
-                <a16:creationId xmlns:a16="http://schemas.microsoft.com/office/drawing/2014/main" id="{9F08F132-65F4-F6BA-A1DA-DCA2930AA397}"/>
-              </a:ext>
-            </a:extLst>
-          </p:cNvPr>
-          <p:cNvPicPr>
-            <a:picLocks noChangeAspect="1"/>
-          </p:cNvPicPr>
-          <p:nvPr/>
-        </p:nvPicPr>
-        <p:blipFill>
-          <a:blip r:embed="rId2"/>
-          <a:stretch>
-            <a:fillRect/>
-          </a:stretch>
-        </p:blipFill>
-        <p:spPr>
-          <a:xfrm>
-            <a:off x="4798218" y="129301"/>
-            <a:ext cx="7252086" cy="6599397"/>
-          </a:xfrm>
-          <a:prstGeom prst="rect">
-            <a:avLst/>
-          </a:prstGeom>
-          <a:noFill/>
-          <a:ln>
-            <a:noFill/>
-          </a:ln>
-          <a:effectLst>
-            <a:outerShdw blurRad="50800" dist="38100" dir="2700000" algn="tl" rotWithShape="0">
-              <a:prstClr val="black">
-                <a:alpha val="40000"/>
-              </a:prstClr>
-            </a:outerShdw>
-          </a:effectLst>
-        </p:spPr>
-      </p:pic>
-    </p:spTree>
-    <p:extLst>
-      <p:ext uri="{BB962C8B-B14F-4D97-AF65-F5344CB8AC3E}">
-        <p14:creationId xmlns:p14="http://schemas.microsoft.com/office/powerpoint/2010/main" val="859113937"/>
-      </p:ext>
-    </p:extLst>
-  </p:cSld>
-  <p:clrMapOvr>
-    <a:masterClrMapping/>
-  </p:clrMapOvr>
-  <p:transition>
-    <p:fade/>
-  </p:transition>
-</p:sld>
-</file>
-
-<file path=ppt/slides/slide8.xml><?xml version="1.0" encoding="utf-8"?>
-<p:sld xmlns:a="http://schemas.openxmlformats.org/drawingml/2006/main" xmlns:r="http://schemas.openxmlformats.org/officeDocument/2006/relationships" xmlns:p="http://schemas.openxmlformats.org/presentationml/2006/main">
-  <p:cSld>
-    <p:spTree>
-      <p:nvGrpSpPr>
-        <p:cNvPr id="1" name=""/>
-        <p:cNvGrpSpPr/>
-        <p:nvPr/>
-      </p:nvGrpSpPr>
-      <p:grpSpPr>
-        <a:xfrm>
-          <a:off x="0" y="0"/>
-          <a:ext cx="0" cy="0"/>
-          <a:chOff x="0" y="0"/>
-          <a:chExt cx="0" cy="0"/>
-        </a:xfrm>
-      </p:grpSpPr>
-      <p:sp>
-        <p:nvSpPr>
-          <p:cNvPr id="2" name="Title 1">
-            <a:extLst>
-              <a:ext uri="{FF2B5EF4-FFF2-40B4-BE49-F238E27FC236}">
-                <a16:creationId xmlns:a16="http://schemas.microsoft.com/office/drawing/2014/main" id="{FE8ACBEA-B52C-8E72-E432-F7623B8B815D}"/>
-              </a:ext>
-            </a:extLst>
-          </p:cNvPr>
-          <p:cNvSpPr>
-            <a:spLocks noGrp="1"/>
-          </p:cNvSpPr>
-          <p:nvPr>
-            <p:ph type="title"/>
-          </p:nvPr>
-        </p:nvSpPr>
-        <p:spPr/>
-        <p:txBody>
-          <a:bodyPr/>
-          <a:lstStyle/>
-          <a:p>
-            <a:r>
-              <a:rPr lang="en-IE" dirty="0"/>
-              <a:t>Download .csv</a:t>
-            </a:r>
-          </a:p>
-        </p:txBody>
-      </p:sp>
-      <p:sp>
-        <p:nvSpPr>
-          <p:cNvPr id="3" name="Content Placeholder 2">
-            <a:extLst>
-              <a:ext uri="{FF2B5EF4-FFF2-40B4-BE49-F238E27FC236}">
-                <a16:creationId xmlns:a16="http://schemas.microsoft.com/office/drawing/2014/main" id="{0DA137F4-D049-CFF5-9280-15C3B6660CEA}"/>
-              </a:ext>
-            </a:extLst>
-          </p:cNvPr>
-          <p:cNvSpPr>
-            <a:spLocks noGrp="1"/>
-          </p:cNvSpPr>
-          <p:nvPr>
-            <p:ph sz="quarter" idx="10"/>
-          </p:nvPr>
-        </p:nvSpPr>
-        <p:spPr>
-          <a:xfrm>
-            <a:off x="519907" y="1258009"/>
-            <a:ext cx="11018838" cy="430887"/>
-          </a:xfrm>
-        </p:spPr>
-        <p:txBody>
-          <a:bodyPr/>
-          <a:lstStyle/>
-          <a:p>
-            <a:pPr marL="0" indent="0">
-              <a:buNone/>
-            </a:pPr>
-            <a:r>
-              <a:rPr lang="en-IE" dirty="0"/>
-              <a:t>When you click Download, mind the hiding dropdown</a:t>
-            </a:r>
-          </a:p>
-        </p:txBody>
-      </p:sp>
-      <p:pic>
-        <p:nvPicPr>
-          <p:cNvPr id="7" name="Picture 6">
-            <a:extLst>
-              <a:ext uri="{FF2B5EF4-FFF2-40B4-BE49-F238E27FC236}">
-                <a16:creationId xmlns:a16="http://schemas.microsoft.com/office/drawing/2014/main" id="{90B79179-D553-C6F7-47BA-8C650722FF8D}"/>
-              </a:ext>
-            </a:extLst>
-          </p:cNvPr>
-          <p:cNvPicPr>
-            <a:picLocks noChangeAspect="1"/>
-          </p:cNvPicPr>
-          <p:nvPr/>
-        </p:nvPicPr>
-        <p:blipFill>
-          <a:blip r:embed="rId2"/>
-          <a:stretch>
-            <a:fillRect/>
-          </a:stretch>
-        </p:blipFill>
-        <p:spPr>
-          <a:xfrm>
-            <a:off x="2630708" y="1935707"/>
-            <a:ext cx="5884642" cy="2562998"/>
-          </a:xfrm>
-          <a:prstGeom prst="rect">
-            <a:avLst/>
-          </a:prstGeom>
-          <a:effectLst>
-            <a:outerShdw blurRad="50800" dist="38100" dir="2700000" algn="tl" rotWithShape="0">
-              <a:prstClr val="black">
-                <a:alpha val="40000"/>
-              </a:prstClr>
-            </a:outerShdw>
-          </a:effectLst>
-        </p:spPr>
-      </p:pic>
-      <p:sp>
-        <p:nvSpPr>
-          <p:cNvPr id="10" name="Content Placeholder 2">
-            <a:extLst>
-              <a:ext uri="{FF2B5EF4-FFF2-40B4-BE49-F238E27FC236}">
-                <a16:creationId xmlns:a16="http://schemas.microsoft.com/office/drawing/2014/main" id="{FADA9EF7-73CA-1D5E-6B95-ED7267768C9D}"/>
+                <a16:creationId xmlns:a16="http://schemas.microsoft.com/office/drawing/2014/main" id="{B794DA9A-94D9-E0FF-C88B-93CC7370377D}"/>
               </a:ext>
             </a:extLst>
           </p:cNvPr>
@@ -30535,17 +32164,73 @@
         </p:nvSpPr>
         <p:spPr>
           <a:xfrm>
-            <a:off x="379412" y="4909344"/>
-            <a:ext cx="11018838" cy="430887"/>
+            <a:off x="383726" y="198521"/>
+            <a:ext cx="11018520" cy="430887"/>
           </a:xfrm>
           <a:prstGeom prst="rect">
             <a:avLst/>
           </a:prstGeom>
         </p:spPr>
         <p:txBody>
-          <a:bodyPr vert="horz" wrap="square" lIns="0" tIns="0" rIns="0" bIns="0" rtlCol="0">
+          <a:bodyPr vert="horz" wrap="square" lIns="0" tIns="0" rIns="0" bIns="0" rtlCol="0" anchor="t">
             <a:spAutoFit/>
           </a:bodyPr>
+          <a:lstStyle>
+            <a:lvl1pPr algn="l" defTabSz="932742" rtl="0" eaLnBrk="1" latinLnBrk="0" hangingPunct="1">
+              <a:lnSpc>
+                <a:spcPct val="100000"/>
+              </a:lnSpc>
+              <a:spcBef>
+                <a:spcPct val="0"/>
+              </a:spcBef>
+              <a:buNone/>
+              <a:defRPr lang="en-US" sz="2800" b="0" kern="1200" cap="none" spc="-50" baseline="0">
+                <a:ln w="3175">
+                  <a:noFill/>
+                </a:ln>
+                <a:solidFill>
+                  <a:schemeClr val="tx1"/>
+                </a:solidFill>
+                <a:effectLst/>
+                <a:latin typeface="+mj-lt"/>
+                <a:ea typeface="+mn-ea"/>
+                <a:cs typeface="Segoe UI" pitchFamily="34" charset="0"/>
+              </a:defRPr>
+            </a:lvl1pPr>
+          </a:lstStyle>
+          <a:p>
+            <a:r>
+              <a:rPr lang="en-IE" dirty="0"/>
+              <a:t>Scheduled Export</a:t>
+            </a:r>
+          </a:p>
+        </p:txBody>
+      </p:sp>
+      <p:sp>
+        <p:nvSpPr>
+          <p:cNvPr id="7" name="Content Placeholder 2">
+            <a:extLst>
+              <a:ext uri="{FF2B5EF4-FFF2-40B4-BE49-F238E27FC236}">
+                <a16:creationId xmlns:a16="http://schemas.microsoft.com/office/drawing/2014/main" id="{945C112C-E684-C169-FF94-730379BC8A6E}"/>
+              </a:ext>
+            </a:extLst>
+          </p:cNvPr>
+          <p:cNvSpPr txBox="1">
+            <a:spLocks/>
+          </p:cNvSpPr>
+          <p:nvPr/>
+        </p:nvSpPr>
+        <p:spPr>
+          <a:xfrm>
+            <a:off x="239002" y="974558"/>
+            <a:ext cx="5241382" cy="5480383"/>
+          </a:xfrm>
+          <a:prstGeom prst="rect">
+            <a:avLst/>
+          </a:prstGeom>
+        </p:spPr>
+        <p:txBody>
+          <a:bodyPr/>
           <a:lstStyle>
             <a:lvl1pPr marL="228600" marR="0" indent="-228600" algn="l" defTabSz="932742" rtl="0" eaLnBrk="1" fontAlgn="auto" latinLnBrk="0" hangingPunct="1">
               <a:lnSpc>
@@ -30729,20 +32414,260 @@
             </a:lvl9pPr>
           </a:lstStyle>
           <a:p>
+            <a:r>
+              <a:rPr lang="en-IE" sz="1800" dirty="0"/>
+              <a:t>Portal -&gt; Cost Analysis </a:t>
+            </a:r>
+          </a:p>
+          <a:p>
+            <a:r>
+              <a:rPr lang="en-IE" sz="1800" dirty="0"/>
+              <a:t>View -&gt; </a:t>
+            </a:r>
+            <a:r>
+              <a:rPr lang="en-IE" sz="1800" dirty="0" err="1"/>
+              <a:t>CostByResource</a:t>
+            </a:r>
+            <a:endParaRPr lang="en-IE" sz="1800" dirty="0"/>
+          </a:p>
+          <a:p>
+            <a:r>
+              <a:rPr lang="en-IE" sz="1800" dirty="0"/>
+              <a:t>Download</a:t>
+            </a:r>
+          </a:p>
+          <a:p>
+            <a:r>
+              <a:rPr lang="en-IE" sz="1800" dirty="0"/>
+              <a:t>Schedule Export</a:t>
+            </a:r>
+          </a:p>
+          <a:p>
+            <a:endParaRPr lang="en-IE" sz="1800" dirty="0"/>
+          </a:p>
+          <a:p>
             <a:pPr marL="0" indent="0">
               <a:buNone/>
             </a:pPr>
             <a:r>
-              <a:rPr lang="en-IE" dirty="0"/>
-              <a:t>Clicking on it will download .csv file with consumption report</a:t>
-            </a:r>
+              <a:rPr lang="en-IE" sz="1800" b="1" dirty="0"/>
+              <a:t>Configure Storage account</a:t>
+            </a:r>
+          </a:p>
+          <a:p>
+            <a:pPr>
+              <a:buFont typeface="Arial" panose="020B0604020202020204" pitchFamily="34" charset="0"/>
+              <a:buChar char="•"/>
+            </a:pPr>
+            <a:r>
+              <a:rPr lang="en-IE" sz="1800" dirty="0"/>
+              <a:t>Register RP: </a:t>
+            </a:r>
+            <a:r>
+              <a:rPr lang="en-IE" sz="1800" dirty="0" err="1"/>
+              <a:t>Microsoft.CostManagementExports</a:t>
+            </a:r>
+            <a:endParaRPr lang="en-IE" sz="1800" dirty="0"/>
+          </a:p>
+          <a:p>
+            <a:pPr lvl="1">
+              <a:buFont typeface="Arial" panose="020B0604020202020204" pitchFamily="34" charset="0"/>
+              <a:buChar char="•"/>
+            </a:pPr>
+            <a:r>
+              <a:rPr lang="en-IE" sz="1000" dirty="0"/>
+              <a:t>Subscription</a:t>
+            </a:r>
+          </a:p>
+          <a:p>
+            <a:pPr lvl="1">
+              <a:buFont typeface="Arial" panose="020B0604020202020204" pitchFamily="34" charset="0"/>
+              <a:buChar char="•"/>
+            </a:pPr>
+            <a:r>
+              <a:rPr lang="en-IE" sz="1000" dirty="0"/>
+              <a:t>Resource Providers</a:t>
+            </a:r>
+          </a:p>
+          <a:p>
+            <a:pPr lvl="1">
+              <a:buFont typeface="Arial" panose="020B0604020202020204" pitchFamily="34" charset="0"/>
+              <a:buChar char="•"/>
+            </a:pPr>
+            <a:r>
+              <a:rPr lang="en-IE" sz="1000" dirty="0"/>
+              <a:t>Register</a:t>
+            </a:r>
+          </a:p>
+          <a:p>
+            <a:pPr>
+              <a:buFont typeface="Arial" panose="020B0604020202020204" pitchFamily="34" charset="0"/>
+              <a:buChar char="•"/>
+            </a:pPr>
+            <a:r>
+              <a:rPr lang="en-IE" sz="1800" dirty="0"/>
+              <a:t>Create Container</a:t>
+            </a:r>
+          </a:p>
+          <a:p>
+            <a:pPr>
+              <a:buFont typeface="Arial" panose="020B0604020202020204" pitchFamily="34" charset="0"/>
+              <a:buChar char="•"/>
+            </a:pPr>
+            <a:endParaRPr lang="en-IE" sz="1800" dirty="0"/>
+          </a:p>
+          <a:p>
+            <a:endParaRPr lang="en-IE" sz="1800" dirty="0"/>
+          </a:p>
+          <a:p>
+            <a:endParaRPr lang="en-IE" sz="1800" dirty="0"/>
           </a:p>
         </p:txBody>
       </p:sp>
+      <p:pic>
+        <p:nvPicPr>
+          <p:cNvPr id="3" name="Picture 2">
+            <a:extLst>
+              <a:ext uri="{FF2B5EF4-FFF2-40B4-BE49-F238E27FC236}">
+                <a16:creationId xmlns:a16="http://schemas.microsoft.com/office/drawing/2014/main" id="{9C63C705-FAC3-DACD-5CD5-515C40AD871C}"/>
+              </a:ext>
+            </a:extLst>
+          </p:cNvPr>
+          <p:cNvPicPr>
+            <a:picLocks noChangeAspect="1"/>
+          </p:cNvPicPr>
+          <p:nvPr/>
+        </p:nvPicPr>
+        <p:blipFill>
+          <a:blip r:embed="rId3"/>
+          <a:stretch>
+            <a:fillRect/>
+          </a:stretch>
+        </p:blipFill>
+        <p:spPr>
+          <a:xfrm>
+            <a:off x="5791193" y="974558"/>
+            <a:ext cx="6246025" cy="5137484"/>
+          </a:xfrm>
+          <a:prstGeom prst="rect">
+            <a:avLst/>
+          </a:prstGeom>
+          <a:effectLst>
+            <a:outerShdw blurRad="50800" dist="38100" dir="2700000" algn="tl" rotWithShape="0">
+              <a:prstClr val="black">
+                <a:alpha val="40000"/>
+              </a:prstClr>
+            </a:outerShdw>
+          </a:effectLst>
+        </p:spPr>
+      </p:pic>
     </p:spTree>
     <p:extLst>
       <p:ext uri="{BB962C8B-B14F-4D97-AF65-F5344CB8AC3E}">
-        <p14:creationId xmlns:p14="http://schemas.microsoft.com/office/powerpoint/2010/main" val="2187852586"/>
+        <p14:creationId xmlns:p14="http://schemas.microsoft.com/office/powerpoint/2010/main" val="510433768"/>
+      </p:ext>
+    </p:extLst>
+  </p:cSld>
+  <p:clrMapOvr>
+    <a:masterClrMapping/>
+  </p:clrMapOvr>
+  <p:transition>
+    <p:fade/>
+  </p:transition>
+</p:sld>
+</file>
+
+<file path=ppt/slides/slide8.xml><?xml version="1.0" encoding="utf-8"?>
+<p:sld xmlns:a="http://schemas.openxmlformats.org/drawingml/2006/main" xmlns:r="http://schemas.openxmlformats.org/officeDocument/2006/relationships" xmlns:p="http://schemas.openxmlformats.org/presentationml/2006/main">
+  <p:cSld>
+    <p:spTree>
+      <p:nvGrpSpPr>
+        <p:cNvPr id="1" name=""/>
+        <p:cNvGrpSpPr/>
+        <p:nvPr/>
+      </p:nvGrpSpPr>
+      <p:grpSpPr>
+        <a:xfrm>
+          <a:off x="0" y="0"/>
+          <a:ext cx="0" cy="0"/>
+          <a:chOff x="0" y="0"/>
+          <a:chExt cx="0" cy="0"/>
+        </a:xfrm>
+      </p:grpSpPr>
+      <p:sp>
+        <p:nvSpPr>
+          <p:cNvPr id="4" name="Title 3">
+            <a:extLst>
+              <a:ext uri="{FF2B5EF4-FFF2-40B4-BE49-F238E27FC236}">
+                <a16:creationId xmlns:a16="http://schemas.microsoft.com/office/drawing/2014/main" id="{33CA71BF-4FE5-9CC1-1BAD-B1B204847F61}"/>
+              </a:ext>
+            </a:extLst>
+          </p:cNvPr>
+          <p:cNvSpPr>
+            <a:spLocks noGrp="1"/>
+          </p:cNvSpPr>
+          <p:nvPr>
+            <p:ph type="title"/>
+          </p:nvPr>
+        </p:nvSpPr>
+        <p:spPr>
+          <a:xfrm>
+            <a:off x="586390" y="183929"/>
+            <a:ext cx="11018520" cy="553998"/>
+          </a:xfrm>
+        </p:spPr>
+        <p:txBody>
+          <a:bodyPr/>
+          <a:lstStyle/>
+          <a:p>
+            <a:r>
+              <a:rPr lang="en-IE" dirty="0"/>
+              <a:t>Exported .csv</a:t>
+            </a:r>
+          </a:p>
+        </p:txBody>
+      </p:sp>
+      <p:pic>
+        <p:nvPicPr>
+          <p:cNvPr id="7" name="Picture 6">
+            <a:extLst>
+              <a:ext uri="{FF2B5EF4-FFF2-40B4-BE49-F238E27FC236}">
+                <a16:creationId xmlns:a16="http://schemas.microsoft.com/office/drawing/2014/main" id="{C5E28316-D5F9-9C28-9A93-6C7961499D61}"/>
+              </a:ext>
+            </a:extLst>
+          </p:cNvPr>
+          <p:cNvPicPr>
+            <a:picLocks noChangeAspect="1"/>
+          </p:cNvPicPr>
+          <p:nvPr/>
+        </p:nvPicPr>
+        <p:blipFill>
+          <a:blip r:embed="rId2"/>
+          <a:stretch>
+            <a:fillRect/>
+          </a:stretch>
+        </p:blipFill>
+        <p:spPr>
+          <a:xfrm>
+            <a:off x="457483" y="1555670"/>
+            <a:ext cx="11276333" cy="4116468"/>
+          </a:xfrm>
+          <a:prstGeom prst="rect">
+            <a:avLst/>
+          </a:prstGeom>
+          <a:effectLst>
+            <a:outerShdw blurRad="50800" dist="38100" dir="2700000" algn="tl" rotWithShape="0">
+              <a:prstClr val="black">
+                <a:alpha val="40000"/>
+              </a:prstClr>
+            </a:outerShdw>
+          </a:effectLst>
+        </p:spPr>
+      </p:pic>
+    </p:spTree>
+    <p:extLst>
+      <p:ext uri="{BB962C8B-B14F-4D97-AF65-F5344CB8AC3E}">
+        <p14:creationId xmlns:p14="http://schemas.microsoft.com/office/powerpoint/2010/main" val="1101848022"/>
       </p:ext>
     </p:extLst>
   </p:cSld>
@@ -30772,60 +32697,344 @@
           <a:chExt cx="0" cy="0"/>
         </a:xfrm>
       </p:grpSpPr>
-      <p:sp>
-        <p:nvSpPr>
-          <p:cNvPr id="2" name="Title 1">
+      <p:pic>
+        <p:nvPicPr>
+          <p:cNvPr id="5" name="Picture 4">
             <a:extLst>
               <a:ext uri="{FF2B5EF4-FFF2-40B4-BE49-F238E27FC236}">
-                <a16:creationId xmlns:a16="http://schemas.microsoft.com/office/drawing/2014/main" id="{AE28B16F-BABF-9BD7-95F0-28B519233776}"/>
+                <a16:creationId xmlns:a16="http://schemas.microsoft.com/office/drawing/2014/main" id="{95C46DFF-8ED1-441A-84ED-E2C48D773157}"/>
               </a:ext>
             </a:extLst>
           </p:cNvPr>
-          <p:cNvSpPr>
-            <a:spLocks noGrp="1"/>
-          </p:cNvSpPr>
-          <p:nvPr>
-            <p:ph type="title"/>
-          </p:nvPr>
-        </p:nvSpPr>
-        <p:spPr/>
-        <p:txBody>
-          <a:bodyPr/>
-          <a:lstStyle/>
-          <a:p>
-            <a:endParaRPr lang="en-IE"/>
-          </a:p>
-        </p:txBody>
-      </p:sp>
-      <p:sp>
-        <p:nvSpPr>
-          <p:cNvPr id="3" name="Content Placeholder 2">
+          <p:cNvPicPr>
+            <a:picLocks noChangeAspect="1"/>
+          </p:cNvPicPr>
+          <p:nvPr/>
+        </p:nvPicPr>
+        <p:blipFill>
+          <a:blip r:embed="rId3"/>
+          <a:stretch>
+            <a:fillRect/>
+          </a:stretch>
+        </p:blipFill>
+        <p:spPr>
+          <a:xfrm>
+            <a:off x="5468052" y="928688"/>
+            <a:ext cx="6430804" cy="4759641"/>
+          </a:xfrm>
+          <a:prstGeom prst="rect">
+            <a:avLst/>
+          </a:prstGeom>
+          <a:effectLst>
+            <a:outerShdw blurRad="50800" dist="38100" dir="2700000" algn="tl" rotWithShape="0">
+              <a:prstClr val="black">
+                <a:alpha val="40000"/>
+              </a:prstClr>
+            </a:outerShdw>
+          </a:effectLst>
+        </p:spPr>
+      </p:pic>
+      <p:sp>
+        <p:nvSpPr>
+          <p:cNvPr id="6" name="Title 1">
             <a:extLst>
               <a:ext uri="{FF2B5EF4-FFF2-40B4-BE49-F238E27FC236}">
-                <a16:creationId xmlns:a16="http://schemas.microsoft.com/office/drawing/2014/main" id="{D1BE6718-0C1D-FB71-2190-4813A0849B2B}"/>
+                <a16:creationId xmlns:a16="http://schemas.microsoft.com/office/drawing/2014/main" id="{B794DA9A-94D9-E0FF-C88B-93CC7370377D}"/>
               </a:ext>
             </a:extLst>
           </p:cNvPr>
-          <p:cNvSpPr>
-            <a:spLocks noGrp="1"/>
-          </p:cNvSpPr>
-          <p:nvPr>
-            <p:ph sz="quarter" idx="10"/>
-          </p:nvPr>
-        </p:nvSpPr>
-        <p:spPr/>
+          <p:cNvSpPr txBox="1">
+            <a:spLocks/>
+          </p:cNvSpPr>
+          <p:nvPr/>
+        </p:nvSpPr>
+        <p:spPr>
+          <a:xfrm>
+            <a:off x="383726" y="198521"/>
+            <a:ext cx="11018520" cy="430887"/>
+          </a:xfrm>
+          <a:prstGeom prst="rect">
+            <a:avLst/>
+          </a:prstGeom>
+        </p:spPr>
+        <p:txBody>
+          <a:bodyPr vert="horz" wrap="square" lIns="0" tIns="0" rIns="0" bIns="0" rtlCol="0" anchor="t">
+            <a:spAutoFit/>
+          </a:bodyPr>
+          <a:lstStyle>
+            <a:lvl1pPr algn="l" defTabSz="932742" rtl="0" eaLnBrk="1" latinLnBrk="0" hangingPunct="1">
+              <a:lnSpc>
+                <a:spcPct val="100000"/>
+              </a:lnSpc>
+              <a:spcBef>
+                <a:spcPct val="0"/>
+              </a:spcBef>
+              <a:buNone/>
+              <a:defRPr lang="en-US" sz="2800" b="0" kern="1200" cap="none" spc="-50" baseline="0">
+                <a:ln w="3175">
+                  <a:noFill/>
+                </a:ln>
+                <a:solidFill>
+                  <a:schemeClr val="tx1"/>
+                </a:solidFill>
+                <a:effectLst/>
+                <a:latin typeface="+mj-lt"/>
+                <a:ea typeface="+mn-ea"/>
+                <a:cs typeface="Segoe UI" pitchFamily="34" charset="0"/>
+              </a:defRPr>
+            </a:lvl1pPr>
+          </a:lstStyle>
+          <a:p>
+            <a:r>
+              <a:rPr lang="en-IE" dirty="0"/>
+              <a:t>API Export (Nov’22, Preview)</a:t>
+            </a:r>
+          </a:p>
+        </p:txBody>
+      </p:sp>
+      <p:sp>
+        <p:nvSpPr>
+          <p:cNvPr id="7" name="Content Placeholder 2">
+            <a:extLst>
+              <a:ext uri="{FF2B5EF4-FFF2-40B4-BE49-F238E27FC236}">
+                <a16:creationId xmlns:a16="http://schemas.microsoft.com/office/drawing/2014/main" id="{945C112C-E684-C169-FF94-730379BC8A6E}"/>
+              </a:ext>
+            </a:extLst>
+          </p:cNvPr>
+          <p:cNvSpPr txBox="1">
+            <a:spLocks/>
+          </p:cNvSpPr>
+          <p:nvPr/>
+        </p:nvSpPr>
+        <p:spPr>
+          <a:xfrm>
+            <a:off x="293144" y="974558"/>
+            <a:ext cx="5097003" cy="5480383"/>
+          </a:xfrm>
+          <a:prstGeom prst="rect">
+            <a:avLst/>
+          </a:prstGeom>
+        </p:spPr>
         <p:txBody>
           <a:bodyPr/>
-          <a:lstStyle/>
-          <a:p>
-            <a:endParaRPr lang="en-IE"/>
+          <a:lstStyle>
+            <a:lvl1pPr marL="228600" marR="0" indent="-228600" algn="l" defTabSz="932742" rtl="0" eaLnBrk="1" fontAlgn="auto" latinLnBrk="0" hangingPunct="1">
+              <a:lnSpc>
+                <a:spcPct val="100000"/>
+              </a:lnSpc>
+              <a:spcBef>
+                <a:spcPct val="20000"/>
+              </a:spcBef>
+              <a:spcAft>
+                <a:spcPts val="0"/>
+              </a:spcAft>
+              <a:buClrTx/>
+              <a:buSzPct val="90000"/>
+              <a:buFont typeface="Wingdings" panose="05000000000000000000" pitchFamily="2" charset="2"/>
+              <a:buChar char=""/>
+              <a:tabLst/>
+              <a:defRPr sz="2800" kern="1200" spc="0" baseline="0">
+                <a:solidFill>
+                  <a:schemeClr val="tx1"/>
+                </a:solidFill>
+                <a:latin typeface="+mn-lt"/>
+                <a:ea typeface="+mn-ea"/>
+                <a:cs typeface="Segoe UI" panose="020B0502040204020203" pitchFamily="34" charset="0"/>
+              </a:defRPr>
+            </a:lvl1pPr>
+            <a:lvl2pPr marL="457200" marR="0" indent="-228600" algn="l" defTabSz="932742" rtl="0" eaLnBrk="1" fontAlgn="auto" latinLnBrk="0" hangingPunct="1">
+              <a:lnSpc>
+                <a:spcPct val="100000"/>
+              </a:lnSpc>
+              <a:spcBef>
+                <a:spcPct val="20000"/>
+              </a:spcBef>
+              <a:spcAft>
+                <a:spcPts val="0"/>
+              </a:spcAft>
+              <a:buClrTx/>
+              <a:buSzPct val="90000"/>
+              <a:buFont typeface="Wingdings" panose="05000000000000000000" pitchFamily="2" charset="2"/>
+              <a:buChar char=""/>
+              <a:tabLst/>
+              <a:defRPr sz="2000" kern="1200" spc="0" baseline="0">
+                <a:solidFill>
+                  <a:schemeClr val="tx1"/>
+                </a:solidFill>
+                <a:latin typeface="+mn-lt"/>
+                <a:ea typeface="+mn-ea"/>
+                <a:cs typeface="+mn-cs"/>
+              </a:defRPr>
+            </a:lvl2pPr>
+            <a:lvl3pPr marL="657225" marR="0" indent="-200025" algn="l" defTabSz="932742" rtl="0" eaLnBrk="1" fontAlgn="auto" latinLnBrk="0" hangingPunct="1">
+              <a:lnSpc>
+                <a:spcPct val="100000"/>
+              </a:lnSpc>
+              <a:spcBef>
+                <a:spcPct val="20000"/>
+              </a:spcBef>
+              <a:spcAft>
+                <a:spcPts val="0"/>
+              </a:spcAft>
+              <a:buClrTx/>
+              <a:buSzPct val="90000"/>
+              <a:buFont typeface="Wingdings" panose="05000000000000000000" pitchFamily="2" charset="2"/>
+              <a:buChar char=""/>
+              <a:tabLst/>
+              <a:defRPr sz="1600" kern="1200" spc="0" baseline="0">
+                <a:solidFill>
+                  <a:schemeClr val="tx1"/>
+                </a:solidFill>
+                <a:latin typeface="+mn-lt"/>
+                <a:ea typeface="+mn-ea"/>
+                <a:cs typeface="+mn-cs"/>
+              </a:defRPr>
+            </a:lvl3pPr>
+            <a:lvl4pPr marL="842963" marR="0" indent="-180975" algn="l" defTabSz="932742" rtl="0" eaLnBrk="1" fontAlgn="auto" latinLnBrk="0" hangingPunct="1">
+              <a:lnSpc>
+                <a:spcPct val="100000"/>
+              </a:lnSpc>
+              <a:spcBef>
+                <a:spcPct val="20000"/>
+              </a:spcBef>
+              <a:spcAft>
+                <a:spcPts val="0"/>
+              </a:spcAft>
+              <a:buClrTx/>
+              <a:buSzPct val="90000"/>
+              <a:buFont typeface="Wingdings" panose="05000000000000000000" pitchFamily="2" charset="2"/>
+              <a:buChar char=""/>
+              <a:tabLst/>
+              <a:defRPr sz="1400" kern="1200" spc="0" baseline="0">
+                <a:solidFill>
+                  <a:schemeClr val="tx1"/>
+                </a:solidFill>
+                <a:latin typeface="+mn-lt"/>
+                <a:ea typeface="+mn-ea"/>
+                <a:cs typeface="+mn-cs"/>
+              </a:defRPr>
+            </a:lvl4pPr>
+            <a:lvl5pPr marL="1023938" marR="0" indent="-168275" algn="l" defTabSz="932742" rtl="0" eaLnBrk="1" fontAlgn="auto" latinLnBrk="0" hangingPunct="1">
+              <a:lnSpc>
+                <a:spcPct val="100000"/>
+              </a:lnSpc>
+              <a:spcBef>
+                <a:spcPct val="20000"/>
+              </a:spcBef>
+              <a:spcAft>
+                <a:spcPts val="0"/>
+              </a:spcAft>
+              <a:buClrTx/>
+              <a:buSzPct val="90000"/>
+              <a:buFont typeface="Wingdings" panose="05000000000000000000" pitchFamily="2" charset="2"/>
+              <a:buChar char=""/>
+              <a:tabLst/>
+              <a:defRPr sz="1400" kern="1200" spc="0" baseline="0">
+                <a:solidFill>
+                  <a:schemeClr val="tx1"/>
+                </a:solidFill>
+                <a:latin typeface="+mn-lt"/>
+                <a:ea typeface="+mn-ea"/>
+                <a:cs typeface="+mn-cs"/>
+              </a:defRPr>
+            </a:lvl5pPr>
+            <a:lvl6pPr marL="2565040" indent="-233186" algn="l" defTabSz="932742" rtl="0" eaLnBrk="1" latinLnBrk="0" hangingPunct="1">
+              <a:spcBef>
+                <a:spcPct val="20000"/>
+              </a:spcBef>
+              <a:buFont typeface="Arial" pitchFamily="34" charset="0"/>
+              <a:buChar char="•"/>
+              <a:defRPr sz="2000" kern="1200">
+                <a:solidFill>
+                  <a:schemeClr val="tx1"/>
+                </a:solidFill>
+                <a:latin typeface="+mn-lt"/>
+                <a:ea typeface="+mn-ea"/>
+                <a:cs typeface="+mn-cs"/>
+              </a:defRPr>
+            </a:lvl6pPr>
+            <a:lvl7pPr marL="3031412" indent="-233186" algn="l" defTabSz="932742" rtl="0" eaLnBrk="1" latinLnBrk="0" hangingPunct="1">
+              <a:spcBef>
+                <a:spcPct val="20000"/>
+              </a:spcBef>
+              <a:buFont typeface="Arial" pitchFamily="34" charset="0"/>
+              <a:buChar char="•"/>
+              <a:defRPr sz="2000" kern="1200">
+                <a:solidFill>
+                  <a:schemeClr val="tx1"/>
+                </a:solidFill>
+                <a:latin typeface="+mn-lt"/>
+                <a:ea typeface="+mn-ea"/>
+                <a:cs typeface="+mn-cs"/>
+              </a:defRPr>
+            </a:lvl7pPr>
+            <a:lvl8pPr marL="3497783" indent="-233186" algn="l" defTabSz="932742" rtl="0" eaLnBrk="1" latinLnBrk="0" hangingPunct="1">
+              <a:spcBef>
+                <a:spcPct val="20000"/>
+              </a:spcBef>
+              <a:buFont typeface="Arial" pitchFamily="34" charset="0"/>
+              <a:buChar char="•"/>
+              <a:defRPr sz="2000" kern="1200">
+                <a:solidFill>
+                  <a:schemeClr val="tx1"/>
+                </a:solidFill>
+                <a:latin typeface="+mn-lt"/>
+                <a:ea typeface="+mn-ea"/>
+                <a:cs typeface="+mn-cs"/>
+              </a:defRPr>
+            </a:lvl8pPr>
+            <a:lvl9pPr marL="3964155" indent="-233186" algn="l" defTabSz="932742" rtl="0" eaLnBrk="1" latinLnBrk="0" hangingPunct="1">
+              <a:spcBef>
+                <a:spcPct val="20000"/>
+              </a:spcBef>
+              <a:buFont typeface="Arial" pitchFamily="34" charset="0"/>
+              <a:buChar char="•"/>
+              <a:defRPr sz="2000" kern="1200">
+                <a:solidFill>
+                  <a:schemeClr val="tx1"/>
+                </a:solidFill>
+                <a:latin typeface="+mn-lt"/>
+                <a:ea typeface="+mn-ea"/>
+                <a:cs typeface="+mn-cs"/>
+              </a:defRPr>
+            </a:lvl9pPr>
+          </a:lstStyle>
+          <a:p>
+            <a:r>
+              <a:rPr lang="en-IE" sz="1800" dirty="0"/>
+              <a:t>Portal -&gt; Cost Analysis (preview) </a:t>
+            </a:r>
+          </a:p>
+          <a:p>
+            <a:r>
+              <a:rPr lang="en-IE" sz="1800" dirty="0"/>
+              <a:t>Services</a:t>
+            </a:r>
+          </a:p>
+          <a:p>
+            <a:r>
+              <a:rPr lang="en-IE" sz="1800" dirty="0"/>
+              <a:t>Download</a:t>
+            </a:r>
+          </a:p>
+          <a:p>
+            <a:r>
+              <a:rPr lang="en-IE" sz="1800" dirty="0"/>
+              <a:t>Automate the download</a:t>
+            </a:r>
+          </a:p>
+          <a:p>
+            <a:endParaRPr lang="en-IE" sz="1800" dirty="0"/>
+          </a:p>
+          <a:p>
+            <a:endParaRPr lang="en-IE" sz="1800" dirty="0"/>
           </a:p>
         </p:txBody>
       </p:sp>
     </p:spTree>
     <p:extLst>
       <p:ext uri="{BB962C8B-B14F-4D97-AF65-F5344CB8AC3E}">
-        <p14:creationId xmlns:p14="http://schemas.microsoft.com/office/powerpoint/2010/main" val="47503442"/>
+        <p14:creationId xmlns:p14="http://schemas.microsoft.com/office/powerpoint/2010/main" val="4275635034"/>
       </p:ext>
     </p:extLst>
   </p:cSld>
@@ -31678,6 +33887,16 @@
 </file>
 
 <file path=customXml/item1.xml><?xml version="1.0" encoding="utf-8"?>
+<p:properties xmlns:p="http://schemas.microsoft.com/office/2006/metadata/properties" xmlns:xsi="http://www.w3.org/2001/XMLSchema-instance" xmlns:pc="http://schemas.microsoft.com/office/infopath/2007/PartnerControls">
+  <documentManagement>
+    <_ip_UnifiedCompliancePolicyUIAction xmlns="http://schemas.microsoft.com/sharepoint/v3" xsi:nil="true"/>
+    <_ip_UnifiedCompliancePolicyProperties xmlns="http://schemas.microsoft.com/sharepoint/v3" xsi:nil="true"/>
+    <MediaServiceKeyPoints xmlns="965de625-df5b-42e9-a277-2113da4f1195" xsi:nil="true"/>
+  </documentManagement>
+</p:properties>
+</file>
+
+<file path=customXml/item2.xml><?xml version="1.0" encoding="utf-8"?>
 <ct:contentTypeSchema xmlns:ct="http://schemas.microsoft.com/office/2006/metadata/contentType" xmlns:ma="http://schemas.microsoft.com/office/2006/metadata/properties/metaAttributes" ct:_="" ma:_="" ma:contentTypeName="Document" ma:contentTypeID="0x010100BD9FAF4CD5AD2F4B99B5B2414089ABF7" ma:contentTypeVersion="16" ma:contentTypeDescription="Create a new document." ma:contentTypeScope="" ma:versionID="24b7a44f49c7f8d524d04c695baedf53">
   <xsd:schema xmlns:xsd="http://www.w3.org/2001/XMLSchema" xmlns:xs="http://www.w3.org/2001/XMLSchema" xmlns:p="http://schemas.microsoft.com/office/2006/metadata/properties" xmlns:ns1="http://schemas.microsoft.com/sharepoint/v3" xmlns:ns2="dcf5ddc1-fb1d-440f-849a-6450bddbaed7" xmlns:ns3="965de625-df5b-42e9-a277-2113da4f1195" targetNamespace="http://schemas.microsoft.com/office/2006/metadata/properties" ma:root="true" ma:fieldsID="e46491ab598b4ca7c34f6e01f1cb89ea" ns1:_="" ns2:_="" ns3:_="">
     <xsd:import namespace="http://schemas.microsoft.com/sharepoint/v3"/>
@@ -31925,16 +34144,6 @@
 </ct:contentTypeSchema>
 </file>
 
-<file path=customXml/item2.xml><?xml version="1.0" encoding="utf-8"?>
-<p:properties xmlns:p="http://schemas.microsoft.com/office/2006/metadata/properties" xmlns:xsi="http://www.w3.org/2001/XMLSchema-instance" xmlns:pc="http://schemas.microsoft.com/office/infopath/2007/PartnerControls">
-  <documentManagement>
-    <_ip_UnifiedCompliancePolicyUIAction xmlns="http://schemas.microsoft.com/sharepoint/v3" xsi:nil="true"/>
-    <_ip_UnifiedCompliancePolicyProperties xmlns="http://schemas.microsoft.com/sharepoint/v3" xsi:nil="true"/>
-    <MediaServiceKeyPoints xmlns="965de625-df5b-42e9-a277-2113da4f1195" xsi:nil="true"/>
-  </documentManagement>
-</p:properties>
-</file>
-
 <file path=customXml/item3.xml><?xml version="1.0" encoding="utf-8"?>
 <?mso-contentType ?>
 <FormTemplates xmlns="http://schemas.microsoft.com/sharepoint/v3/contenttype/forms">
@@ -31945,6 +34154,24 @@
 </file>
 
 <file path=customXml/itemProps1.xml><?xml version="1.0" encoding="utf-8"?>
+<ds:datastoreItem xmlns:ds="http://schemas.openxmlformats.org/officeDocument/2006/customXml" ds:itemID="{F990F116-B58F-4255-B05B-DA3808E0E5C6}">
+  <ds:schemaRefs>
+    <ds:schemaRef ds:uri="http://purl.org/dc/elements/1.1/"/>
+    <ds:schemaRef ds:uri="http://schemas.microsoft.com/sharepoint/v3"/>
+    <ds:schemaRef ds:uri="dcf5ddc1-fb1d-440f-849a-6450bddbaed7"/>
+    <ds:schemaRef ds:uri="http://schemas.microsoft.com/office/2006/documentManagement/types"/>
+    <ds:schemaRef ds:uri="http://purl.org/dc/terms/"/>
+    <ds:schemaRef ds:uri="http://schemas.microsoft.com/office/2006/metadata/properties"/>
+    <ds:schemaRef ds:uri="http://purl.org/dc/dcmitype/"/>
+    <ds:schemaRef ds:uri="965de625-df5b-42e9-a277-2113da4f1195"/>
+    <ds:schemaRef ds:uri="http://schemas.microsoft.com/office/infopath/2007/PartnerControls"/>
+    <ds:schemaRef ds:uri="http://schemas.openxmlformats.org/package/2006/metadata/core-properties"/>
+    <ds:schemaRef ds:uri="http://www.w3.org/XML/1998/namespace"/>
+  </ds:schemaRefs>
+</ds:datastoreItem>
+</file>
+
+<file path=customXml/itemProps2.xml><?xml version="1.0" encoding="utf-8"?>
 <ds:datastoreItem xmlns:ds="http://schemas.openxmlformats.org/officeDocument/2006/customXml" ds:itemID="{13D1D262-8086-483E-8AEE-327E7944ECC8}">
   <ds:schemaRefs>
     <ds:schemaRef ds:uri="http://schemas.microsoft.com/office/2006/metadata/contentType"/>
@@ -31964,24 +34191,6 @@
 </ds:datastoreItem>
 </file>
 
-<file path=customXml/itemProps2.xml><?xml version="1.0" encoding="utf-8"?>
-<ds:datastoreItem xmlns:ds="http://schemas.openxmlformats.org/officeDocument/2006/customXml" ds:itemID="{F990F116-B58F-4255-B05B-DA3808E0E5C6}">
-  <ds:schemaRefs>
-    <ds:schemaRef ds:uri="http://purl.org/dc/elements/1.1/"/>
-    <ds:schemaRef ds:uri="http://schemas.microsoft.com/sharepoint/v3"/>
-    <ds:schemaRef ds:uri="dcf5ddc1-fb1d-440f-849a-6450bddbaed7"/>
-    <ds:schemaRef ds:uri="http://schemas.microsoft.com/office/2006/documentManagement/types"/>
-    <ds:schemaRef ds:uri="http://purl.org/dc/terms/"/>
-    <ds:schemaRef ds:uri="http://schemas.microsoft.com/office/2006/metadata/properties"/>
-    <ds:schemaRef ds:uri="http://purl.org/dc/dcmitype/"/>
-    <ds:schemaRef ds:uri="965de625-df5b-42e9-a277-2113da4f1195"/>
-    <ds:schemaRef ds:uri="http://schemas.microsoft.com/office/infopath/2007/PartnerControls"/>
-    <ds:schemaRef ds:uri="http://schemas.openxmlformats.org/package/2006/metadata/core-properties"/>
-    <ds:schemaRef ds:uri="http://www.w3.org/XML/1998/namespace"/>
-  </ds:schemaRefs>
-</ds:datastoreItem>
-</file>
-
 <file path=customXml/itemProps3.xml><?xml version="1.0" encoding="utf-8"?>
 <ds:datastoreItem xmlns:ds="http://schemas.openxmlformats.org/officeDocument/2006/customXml" ds:itemID="{758FDAC0-319D-4A54-8D8E-1D42CB1F8004}">
   <ds:schemaRefs>

--- a/126-AzureCost/Azure Cost PBI BootCamp.pptx
+++ b/126-AzureCost/Azure Cost PBI BootCamp.pptx
@@ -5,53 +5,56 @@
     <p:sldMasterId id="2147484229" r:id="rId4"/>
   </p:sldMasterIdLst>
   <p:notesMasterIdLst>
-    <p:notesMasterId r:id="rId46"/>
+    <p:notesMasterId r:id="rId49"/>
   </p:notesMasterIdLst>
   <p:handoutMasterIdLst>
-    <p:handoutMasterId r:id="rId47"/>
+    <p:handoutMasterId r:id="rId50"/>
   </p:handoutMasterIdLst>
   <p:sldIdLst>
     <p:sldId id="1661" r:id="rId5"/>
     <p:sldId id="2051" r:id="rId6"/>
     <p:sldId id="2054" r:id="rId7"/>
-    <p:sldId id="2060" r:id="rId8"/>
-    <p:sldId id="2065" r:id="rId9"/>
+    <p:sldId id="2074" r:id="rId8"/>
+    <p:sldId id="2075" r:id="rId9"/>
     <p:sldId id="2055" r:id="rId10"/>
     <p:sldId id="2068" r:id="rId11"/>
     <p:sldId id="2069" r:id="rId12"/>
     <p:sldId id="2066" r:id="rId13"/>
-    <p:sldId id="2057" r:id="rId14"/>
-    <p:sldId id="2058" r:id="rId15"/>
-    <p:sldId id="2064" r:id="rId16"/>
-    <p:sldId id="2070" r:id="rId17"/>
-    <p:sldId id="2059" r:id="rId18"/>
-    <p:sldId id="2061" r:id="rId19"/>
-    <p:sldId id="2062" r:id="rId20"/>
-    <p:sldId id="2056" r:id="rId21"/>
-    <p:sldId id="2052" r:id="rId22"/>
-    <p:sldId id="2053" r:id="rId23"/>
-    <p:sldId id="1660" r:id="rId24"/>
-    <p:sldId id="1670" r:id="rId25"/>
-    <p:sldId id="1548" r:id="rId26"/>
-    <p:sldId id="1635" r:id="rId27"/>
-    <p:sldId id="1523" r:id="rId28"/>
-    <p:sldId id="1716" r:id="rId29"/>
-    <p:sldId id="1524" r:id="rId30"/>
-    <p:sldId id="1906" r:id="rId31"/>
-    <p:sldId id="1947" r:id="rId32"/>
-    <p:sldId id="1946" r:id="rId33"/>
-    <p:sldId id="2045" r:id="rId34"/>
-    <p:sldId id="2046" r:id="rId35"/>
-    <p:sldId id="1995" r:id="rId36"/>
-    <p:sldId id="1994" r:id="rId37"/>
-    <p:sldId id="2042" r:id="rId38"/>
-    <p:sldId id="1941" r:id="rId39"/>
-    <p:sldId id="1804" r:id="rId40"/>
-    <p:sldId id="1527" r:id="rId41"/>
-    <p:sldId id="1529" r:id="rId42"/>
-    <p:sldId id="1530" r:id="rId43"/>
-    <p:sldId id="1531" r:id="rId44"/>
-    <p:sldId id="1532" r:id="rId45"/>
+    <p:sldId id="2065" r:id="rId14"/>
+    <p:sldId id="2057" r:id="rId15"/>
+    <p:sldId id="2058" r:id="rId16"/>
+    <p:sldId id="2064" r:id="rId17"/>
+    <p:sldId id="2070" r:id="rId18"/>
+    <p:sldId id="2073" r:id="rId19"/>
+    <p:sldId id="2059" r:id="rId20"/>
+    <p:sldId id="2052" r:id="rId21"/>
+    <p:sldId id="2053" r:id="rId22"/>
+    <p:sldId id="2062" r:id="rId23"/>
+    <p:sldId id="2056" r:id="rId24"/>
+    <p:sldId id="2072" r:id="rId25"/>
+    <p:sldId id="2071" r:id="rId26"/>
+    <p:sldId id="1660" r:id="rId27"/>
+    <p:sldId id="1670" r:id="rId28"/>
+    <p:sldId id="1548" r:id="rId29"/>
+    <p:sldId id="1635" r:id="rId30"/>
+    <p:sldId id="1523" r:id="rId31"/>
+    <p:sldId id="1716" r:id="rId32"/>
+    <p:sldId id="1524" r:id="rId33"/>
+    <p:sldId id="1906" r:id="rId34"/>
+    <p:sldId id="1947" r:id="rId35"/>
+    <p:sldId id="1946" r:id="rId36"/>
+    <p:sldId id="2045" r:id="rId37"/>
+    <p:sldId id="2046" r:id="rId38"/>
+    <p:sldId id="1995" r:id="rId39"/>
+    <p:sldId id="1994" r:id="rId40"/>
+    <p:sldId id="2042" r:id="rId41"/>
+    <p:sldId id="1941" r:id="rId42"/>
+    <p:sldId id="1804" r:id="rId43"/>
+    <p:sldId id="1527" r:id="rId44"/>
+    <p:sldId id="1529" r:id="rId45"/>
+    <p:sldId id="1530" r:id="rId46"/>
+    <p:sldId id="1531" r:id="rId47"/>
+    <p:sldId id="1532" r:id="rId48"/>
   </p:sldIdLst>
   <p:sldSz cx="12192000" cy="6858000"/>
   <p:notesSz cx="6858000" cy="9144000"/>
@@ -158,27 +161,33 @@
             <p14:sldId id="1661"/>
             <p14:sldId id="2051"/>
             <p14:sldId id="2054"/>
-            <p14:sldId id="2060"/>
-            <p14:sldId id="2065"/>
+            <p14:sldId id="2074"/>
+            <p14:sldId id="2075"/>
             <p14:sldId id="2055"/>
             <p14:sldId id="2068"/>
             <p14:sldId id="2069"/>
             <p14:sldId id="2066"/>
+            <p14:sldId id="2065"/>
             <p14:sldId id="2057"/>
             <p14:sldId id="2058"/>
             <p14:sldId id="2064"/>
             <p14:sldId id="2070"/>
+            <p14:sldId id="2073"/>
             <p14:sldId id="2059"/>
-            <p14:sldId id="2061"/>
+            <p14:sldId id="2052"/>
+            <p14:sldId id="2053"/>
             <p14:sldId id="2062"/>
             <p14:sldId id="2056"/>
           </p14:sldIdLst>
         </p14:section>
+        <p14:section name="The End" id="{A68E08E6-952D-4755-9C67-FBDD7D772085}">
+          <p14:sldIdLst>
+            <p14:sldId id="2072"/>
+            <p14:sldId id="2071"/>
+          </p14:sldIdLst>
+        </p14:section>
         <p14:section name="Advanced Technical Tips" id="{C2204EC9-CF4E-4BCE-A19D-8EF7015C5371}">
-          <p14:sldIdLst>
-            <p14:sldId id="2052"/>
-            <p14:sldId id="2053"/>
-          </p14:sldIdLst>
+          <p14:sldIdLst/>
         </p14:section>
         <p14:section name="Template" id="{A520D17B-7A79-4C62-9914-4DA56F6FEF96}">
           <p14:sldIdLst>
@@ -343,7 +352,7 @@
               <a:rPr lang="en-US" smtClean="0">
                 <a:latin typeface="Segoe UI" pitchFamily="34" charset="0"/>
               </a:rPr>
-              <a:t>11/23/2022 12:05 PM</a:t>
+              <a:t>11/26/2022 12:09 PM</a:t>
             </a:fld>
             <a:endParaRPr lang="en-US" dirty="0">
               <a:latin typeface="Segoe UI" pitchFamily="34" charset="0"/>
@@ -621,7 +630,7 @@
           <a:p>
             <a:fld id="{386CE63F-9E7F-4C04-9D0D-FCA25A8E9E86}" type="datetime8">
               <a:rPr lang="en-US" smtClean="0"/>
-              <a:t>11/23/2022 12:01 PM</a:t>
+              <a:t>11/26/2022 12:09 PM</a:t>
             </a:fld>
             <a:endParaRPr lang="en-US" dirty="0"/>
           </a:p>
@@ -988,7 +997,7 @@
           <a:p>
             <a:fld id="{62C61DAB-D93E-49CA-B245-379601CFE8D0}" type="datetime8">
               <a:rPr lang="en-US" smtClean="0"/>
-              <a:t>11/23/2022 12:01 PM</a:t>
+              <a:t>11/26/2022 12:09 PM</a:t>
             </a:fld>
             <a:endParaRPr lang="en-US" dirty="0"/>
           </a:p>
@@ -1075,100 +1084,9 @@
           <a:bodyPr/>
           <a:lstStyle/>
           <a:p>
-            <a:pPr algn="l" rtl="0"/>
-            <a:br>
-              <a:rPr lang="en-US" b="0" i="0" dirty="0">
-                <a:solidFill>
-                  <a:srgbClr val="EEEEEE"/>
-                </a:solidFill>
-                <a:effectLst/>
-                <a:latin typeface="YouTube Noto"/>
-              </a:rPr>
-            </a:br>
-            <a:endParaRPr lang="en-US" b="0" i="0" dirty="0">
-              <a:solidFill>
-                <a:srgbClr val="EEEEEE"/>
-              </a:solidFill>
-              <a:effectLst/>
-              <a:latin typeface="YouTube Noto"/>
-            </a:endParaRPr>
-          </a:p>
-          <a:p>
-            <a:pPr marL="0" marR="0" lvl="0" indent="0" algn="l" defTabSz="914367" rtl="0" eaLnBrk="1" fontAlgn="auto" latinLnBrk="0" hangingPunct="1">
-              <a:lnSpc>
-                <a:spcPct val="90000"/>
-              </a:lnSpc>
-              <a:spcBef>
-                <a:spcPts val="0"/>
-              </a:spcBef>
-              <a:spcAft>
-                <a:spcPts val="333"/>
-              </a:spcAft>
-              <a:buClrTx/>
-              <a:buSzTx/>
-              <a:buFontTx/>
-              <a:buNone/>
-              <a:tabLst/>
-              <a:defRPr/>
-            </a:pPr>
-            <a:r>
-              <a:rPr lang="en-US" b="0" i="0" dirty="0">
-                <a:effectLst/>
-                <a:latin typeface="Roboto" panose="02000000000000000000" pitchFamily="2" charset="0"/>
-              </a:rPr>
-              <a:t>The best way to connect to a SharePoint Folder to speed up your Excel and Power BI data refresh</a:t>
-            </a:r>
-          </a:p>
-          <a:p>
-            <a:pPr algn="l" rtl="0"/>
-            <a:r>
-              <a:rPr lang="en-US" b="0" i="0" dirty="0">
-                <a:solidFill>
-                  <a:srgbClr val="EEEEEE"/>
-                </a:solidFill>
-                <a:effectLst/>
-                <a:latin typeface="YouTube Noto"/>
-              </a:rPr>
-              <a:t>https://www.youtube.com/watch?v=-XE7HEZbQiY</a:t>
-            </a:r>
-          </a:p>
-          <a:p>
-            <a:pPr algn="l" rtl="0"/>
-            <a:endParaRPr lang="en-US" b="0" i="0" dirty="0">
-              <a:solidFill>
-                <a:srgbClr val="EEEEEE"/>
-              </a:solidFill>
-              <a:effectLst/>
-              <a:latin typeface="YouTube Noto"/>
-            </a:endParaRPr>
-          </a:p>
-          <a:p>
-            <a:pPr algn="l" rtl="0"/>
-            <a:endParaRPr lang="en-US" b="0" i="0" dirty="0">
-              <a:solidFill>
-                <a:srgbClr val="EEEEEE"/>
-              </a:solidFill>
-              <a:effectLst/>
-              <a:latin typeface="YouTube Noto"/>
-            </a:endParaRPr>
-          </a:p>
-          <a:p>
-            <a:pPr algn="l"/>
-            <a:r>
-              <a:rPr lang="en-US" b="0" i="0" dirty="0">
-                <a:solidFill>
-                  <a:srgbClr val="000000"/>
-                </a:solidFill>
-                <a:effectLst/>
-                <a:latin typeface="var(--ytd-video-primary-info-renderer-title-font-family,inherit)"/>
-              </a:rPr>
-              <a:t>Power BI - Use relative references to avoid combine &amp; transform errors</a:t>
-            </a:r>
-          </a:p>
-          <a:p>
-            <a:r>
-              <a:rPr lang="en-US" dirty="0"/>
-              <a:t>https://www.youtube.com/watch?v=nscUeOL5m90</a:t>
+            <a:r>
+              <a:rPr lang="en-IE" dirty="0"/>
+              <a:t>Important to log in as a subscription owner</a:t>
             </a:r>
           </a:p>
         </p:txBody>
@@ -1263,7 +1181,7 @@
           <a:p>
             <a:fld id="{386CE63F-9E7F-4C04-9D0D-FCA25A8E9E86}" type="datetime8">
               <a:rPr lang="en-US" smtClean="0"/>
-              <a:t>11/23/2022 12:01 PM</a:t>
+              <a:t>11/26/2022 12:09 PM</a:t>
             </a:fld>
             <a:endParaRPr lang="en-US" dirty="0"/>
           </a:p>
@@ -1287,7 +1205,7 @@
             <a:fld id="{B4008EB6-D09E-4580-8CD6-DDB14511944F}" type="slidenum">
               <a:rPr lang="en-US" smtClean="0"/>
               <a:pPr/>
-              <a:t>18</a:t>
+              <a:t>11</a:t>
             </a:fld>
             <a:endParaRPr lang="en-US" dirty="0"/>
           </a:p>
@@ -1296,7 +1214,7 @@
     </p:spTree>
     <p:extLst>
       <p:ext uri="{BB962C8B-B14F-4D97-AF65-F5344CB8AC3E}">
-        <p14:creationId xmlns:p14="http://schemas.microsoft.com/office/powerpoint/2010/main" val="1076171450"/>
+        <p14:creationId xmlns:p14="http://schemas.microsoft.com/office/powerpoint/2010/main" val="3594900961"/>
       </p:ext>
     </p:extLst>
   </p:cSld>
@@ -1350,7 +1268,7 @@
           <a:bodyPr/>
           <a:lstStyle/>
           <a:p>
-            <a:endParaRPr lang="en-US" dirty="0"/>
+            <a:endParaRPr lang="en-IE" dirty="0"/>
           </a:p>
         </p:txBody>
       </p:sp>
@@ -1361,7 +1279,7 @@
             <a:spLocks noGrp="1"/>
           </p:cNvSpPr>
           <p:nvPr>
-            <p:ph type="hdr" sz="quarter" idx="10"/>
+            <p:ph type="hdr" sz="quarter"/>
           </p:nvPr>
         </p:nvSpPr>
         <p:spPr/>
@@ -1380,7 +1298,7 @@
             <a:spLocks noGrp="1"/>
           </p:cNvSpPr>
           <p:nvPr>
-            <p:ph type="ftr" sz="quarter" idx="11"/>
+            <p:ph type="ftr" sz="quarter" idx="4"/>
           </p:nvPr>
         </p:nvSpPr>
         <p:spPr/>
@@ -1390,7 +1308,7 @@
           <a:p>
             <a:pPr defTabSz="914099" eaLnBrk="0" hangingPunct="0"/>
             <a:r>
-              <a:rPr lang="en-US" sz="400" dirty="0">
+              <a:rPr lang="en-US" sz="400">
                 <a:gradFill>
                   <a:gsLst>
                     <a:gs pos="0">
@@ -1408,6 +1326,22 @@
               </a:rPr>
               <a:t>© Microsoft Corporation. All rights reserved. MICROSOFT MAKES NO WARRANTIES, EXPRESS, IMPLIED OR STATUTORY, AS TO THE INFORMATION IN THIS PRESENTATION.</a:t>
             </a:r>
+            <a:endParaRPr lang="en-US" sz="400" dirty="0">
+              <a:gradFill>
+                <a:gsLst>
+                  <a:gs pos="0">
+                    <a:prstClr val="black"/>
+                  </a:gs>
+                  <a:gs pos="100000">
+                    <a:prstClr val="black"/>
+                  </a:gs>
+                </a:gsLst>
+                <a:lin ang="5400000" scaled="0"/>
+              </a:gradFill>
+              <a:latin typeface="Segoe UI" pitchFamily="34" charset="0"/>
+              <a:ea typeface="Segoe UI" pitchFamily="34" charset="0"/>
+              <a:cs typeface="Segoe UI" pitchFamily="34" charset="0"/>
+            </a:endParaRPr>
           </a:p>
         </p:txBody>
       </p:sp>
@@ -1418,7 +1352,7 @@
             <a:spLocks noGrp="1"/>
           </p:cNvSpPr>
           <p:nvPr>
-            <p:ph type="dt" idx="12"/>
+            <p:ph type="dt" idx="1"/>
           </p:nvPr>
         </p:nvSpPr>
         <p:spPr/>
@@ -1426,9 +1360,9 @@
           <a:bodyPr/>
           <a:lstStyle/>
           <a:p>
-            <a:fld id="{72E0C910-0166-48E0-B8EF-5071277A02A8}" type="datetime8">
+            <a:fld id="{386CE63F-9E7F-4C04-9D0D-FCA25A8E9E86}" type="datetime8">
               <a:rPr lang="en-US" smtClean="0"/>
-              <a:t>11/23/2022 12:01 PM</a:t>
+              <a:t>11/26/2022 2:15 PM</a:t>
             </a:fld>
             <a:endParaRPr lang="en-US" dirty="0"/>
           </a:p>
@@ -1441,7 +1375,7 @@
             <a:spLocks noGrp="1"/>
           </p:cNvSpPr>
           <p:nvPr>
-            <p:ph type="sldNum" sz="quarter" idx="13"/>
+            <p:ph type="sldNum" sz="quarter" idx="5"/>
           </p:nvPr>
         </p:nvSpPr>
         <p:spPr/>
@@ -1452,7 +1386,7 @@
             <a:fld id="{B4008EB6-D09E-4580-8CD6-DDB14511944F}" type="slidenum">
               <a:rPr lang="en-US" smtClean="0"/>
               <a:pPr/>
-              <a:t>20</a:t>
+              <a:t>12</a:t>
             </a:fld>
             <a:endParaRPr lang="en-US" dirty="0"/>
           </a:p>
@@ -1461,7 +1395,7 @@
     </p:spTree>
     <p:extLst>
       <p:ext uri="{BB962C8B-B14F-4D97-AF65-F5344CB8AC3E}">
-        <p14:creationId xmlns:p14="http://schemas.microsoft.com/office/powerpoint/2010/main" val="1601089676"/>
+        <p14:creationId xmlns:p14="http://schemas.microsoft.com/office/powerpoint/2010/main" val="3779708392"/>
       </p:ext>
     </p:extLst>
   </p:cSld>
@@ -1515,7 +1449,7 @@
           <a:bodyPr/>
           <a:lstStyle/>
           <a:p>
-            <a:endParaRPr lang="en-US" dirty="0"/>
+            <a:endParaRPr lang="en-IE" dirty="0"/>
           </a:p>
         </p:txBody>
       </p:sp>
@@ -1526,7 +1460,7 @@
             <a:spLocks noGrp="1"/>
           </p:cNvSpPr>
           <p:nvPr>
-            <p:ph type="hdr" sz="quarter" idx="10"/>
+            <p:ph type="hdr" sz="quarter"/>
           </p:nvPr>
         </p:nvSpPr>
         <p:spPr/>
@@ -1545,7 +1479,7 @@
             <a:spLocks noGrp="1"/>
           </p:cNvSpPr>
           <p:nvPr>
-            <p:ph type="ftr" sz="quarter" idx="11"/>
+            <p:ph type="ftr" sz="quarter" idx="4"/>
           </p:nvPr>
         </p:nvSpPr>
         <p:spPr/>
@@ -1555,7 +1489,7 @@
           <a:p>
             <a:pPr defTabSz="914099" eaLnBrk="0" hangingPunct="0"/>
             <a:r>
-              <a:rPr lang="en-US" sz="400" dirty="0">
+              <a:rPr lang="en-US" sz="400">
                 <a:gradFill>
                   <a:gsLst>
                     <a:gs pos="0">
@@ -1573,6 +1507,22 @@
               </a:rPr>
               <a:t>© Microsoft Corporation. All rights reserved. MICROSOFT MAKES NO WARRANTIES, EXPRESS, IMPLIED OR STATUTORY, AS TO THE INFORMATION IN THIS PRESENTATION.</a:t>
             </a:r>
+            <a:endParaRPr lang="en-US" sz="400" dirty="0">
+              <a:gradFill>
+                <a:gsLst>
+                  <a:gs pos="0">
+                    <a:prstClr val="black"/>
+                  </a:gs>
+                  <a:gs pos="100000">
+                    <a:prstClr val="black"/>
+                  </a:gs>
+                </a:gsLst>
+                <a:lin ang="5400000" scaled="0"/>
+              </a:gradFill>
+              <a:latin typeface="Segoe UI" pitchFamily="34" charset="0"/>
+              <a:ea typeface="Segoe UI" pitchFamily="34" charset="0"/>
+              <a:cs typeface="Segoe UI" pitchFamily="34" charset="0"/>
+            </a:endParaRPr>
           </a:p>
         </p:txBody>
       </p:sp>
@@ -1583,7 +1533,7 @@
             <a:spLocks noGrp="1"/>
           </p:cNvSpPr>
           <p:nvPr>
-            <p:ph type="dt" idx="12"/>
+            <p:ph type="dt" idx="1"/>
           </p:nvPr>
         </p:nvSpPr>
         <p:spPr/>
@@ -1591,9 +1541,9 @@
           <a:bodyPr/>
           <a:lstStyle/>
           <a:p>
-            <a:fld id="{9427A7F7-BB1E-479D-AFAA-B52F4D0C99F2}" type="datetime8">
+            <a:fld id="{386CE63F-9E7F-4C04-9D0D-FCA25A8E9E86}" type="datetime8">
               <a:rPr lang="en-US" smtClean="0"/>
-              <a:t>11/23/2022 12:01 PM</a:t>
+              <a:t>11/26/2022 12:11 PM</a:t>
             </a:fld>
             <a:endParaRPr lang="en-US" dirty="0"/>
           </a:p>
@@ -1606,7 +1556,7 @@
             <a:spLocks noGrp="1"/>
           </p:cNvSpPr>
           <p:nvPr>
-            <p:ph type="sldNum" sz="quarter" idx="13"/>
+            <p:ph type="sldNum" sz="quarter" idx="5"/>
           </p:nvPr>
         </p:nvSpPr>
         <p:spPr/>
@@ -1617,7 +1567,7 @@
             <a:fld id="{B4008EB6-D09E-4580-8CD6-DDB14511944F}" type="slidenum">
               <a:rPr lang="en-US" smtClean="0"/>
               <a:pPr/>
-              <a:t>21</a:t>
+              <a:t>15</a:t>
             </a:fld>
             <a:endParaRPr lang="en-US" dirty="0"/>
           </a:p>
@@ -1626,7 +1576,7 @@
     </p:spTree>
     <p:extLst>
       <p:ext uri="{BB962C8B-B14F-4D97-AF65-F5344CB8AC3E}">
-        <p14:creationId xmlns:p14="http://schemas.microsoft.com/office/powerpoint/2010/main" val="1958519690"/>
+        <p14:creationId xmlns:p14="http://schemas.microsoft.com/office/powerpoint/2010/main" val="4049869975"/>
       </p:ext>
     </p:extLst>
   </p:cSld>
@@ -1680,7 +1630,82 @@
           <a:bodyPr/>
           <a:lstStyle/>
           <a:p>
-            <a:endParaRPr lang="en-US" dirty="0"/>
+            <a:pPr algn="l" rtl="0"/>
+            <a:endParaRPr lang="en-US" b="0" i="0" dirty="0">
+              <a:solidFill>
+                <a:srgbClr val="EEEEEE"/>
+              </a:solidFill>
+              <a:effectLst/>
+              <a:latin typeface="YouTube Noto"/>
+            </a:endParaRPr>
+          </a:p>
+          <a:p>
+            <a:pPr marL="0" marR="0" lvl="0" indent="0" algn="l" defTabSz="914367" rtl="0" eaLnBrk="1" fontAlgn="auto" latinLnBrk="0" hangingPunct="1">
+              <a:lnSpc>
+                <a:spcPct val="90000"/>
+              </a:lnSpc>
+              <a:spcBef>
+                <a:spcPts val="0"/>
+              </a:spcBef>
+              <a:spcAft>
+                <a:spcPts val="333"/>
+              </a:spcAft>
+              <a:buClrTx/>
+              <a:buSzTx/>
+              <a:buFontTx/>
+              <a:buNone/>
+              <a:tabLst/>
+              <a:defRPr/>
+            </a:pPr>
+            <a:r>
+              <a:rPr lang="en-US" b="0" i="0" dirty="0">
+                <a:effectLst/>
+                <a:latin typeface="Roboto" panose="02000000000000000000" pitchFamily="2" charset="0"/>
+              </a:rPr>
+              <a:t>The best way to connect to a SharePoint Folder to speed up your Excel and Power BI data refresh</a:t>
+            </a:r>
+          </a:p>
+          <a:p>
+            <a:pPr algn="l" rtl="0"/>
+            <a:r>
+              <a:rPr lang="en-US" b="0" i="0" dirty="0">
+                <a:solidFill>
+                  <a:srgbClr val="EEEEEE"/>
+                </a:solidFill>
+                <a:effectLst/>
+                <a:latin typeface="YouTube Noto"/>
+              </a:rPr>
+              <a:t>https://www.youtube.com/watch?v=-XE7HEZbQiY</a:t>
+            </a:r>
+          </a:p>
+          <a:p>
+            <a:pPr algn="l" rtl="0"/>
+            <a:endParaRPr lang="en-US" b="0" i="0" dirty="0">
+              <a:solidFill>
+                <a:srgbClr val="EEEEEE"/>
+              </a:solidFill>
+              <a:effectLst/>
+              <a:latin typeface="YouTube Noto"/>
+            </a:endParaRPr>
+          </a:p>
+          <a:p>
+            <a:pPr algn="l"/>
+            <a:r>
+              <a:rPr lang="en-US" b="0" i="0" dirty="0">
+                <a:solidFill>
+                  <a:srgbClr val="000000"/>
+                </a:solidFill>
+                <a:effectLst/>
+                <a:latin typeface="var(--ytd-video-primary-info-renderer-title-font-family,inherit)"/>
+              </a:rPr>
+              <a:t>Power BI - Use relative references to avoid combine &amp; transform errors</a:t>
+            </a:r>
+          </a:p>
+          <a:p>
+            <a:r>
+              <a:rPr lang="en-US" dirty="0"/>
+              <a:t>https://www.youtube.com/watch?v=nscUeOL5m90</a:t>
+            </a:r>
           </a:p>
         </p:txBody>
       </p:sp>
@@ -1691,7 +1716,7 @@
             <a:spLocks noGrp="1"/>
           </p:cNvSpPr>
           <p:nvPr>
-            <p:ph type="hdr" sz="quarter" idx="10"/>
+            <p:ph type="hdr" sz="quarter"/>
           </p:nvPr>
         </p:nvSpPr>
         <p:spPr/>
@@ -1710,7 +1735,7 @@
             <a:spLocks noGrp="1"/>
           </p:cNvSpPr>
           <p:nvPr>
-            <p:ph type="ftr" sz="quarter" idx="11"/>
+            <p:ph type="ftr" sz="quarter" idx="4"/>
           </p:nvPr>
         </p:nvSpPr>
         <p:spPr/>
@@ -1720,7 +1745,7 @@
           <a:p>
             <a:pPr defTabSz="914099" eaLnBrk="0" hangingPunct="0"/>
             <a:r>
-              <a:rPr lang="en-US" sz="400" dirty="0">
+              <a:rPr lang="en-US" sz="400">
                 <a:gradFill>
                   <a:gsLst>
                     <a:gs pos="0">
@@ -1738,6 +1763,22 @@
               </a:rPr>
               <a:t>© Microsoft Corporation. All rights reserved. MICROSOFT MAKES NO WARRANTIES, EXPRESS, IMPLIED OR STATUTORY, AS TO THE INFORMATION IN THIS PRESENTATION.</a:t>
             </a:r>
+            <a:endParaRPr lang="en-US" sz="400" dirty="0">
+              <a:gradFill>
+                <a:gsLst>
+                  <a:gs pos="0">
+                    <a:prstClr val="black"/>
+                  </a:gs>
+                  <a:gs pos="100000">
+                    <a:prstClr val="black"/>
+                  </a:gs>
+                </a:gsLst>
+                <a:lin ang="5400000" scaled="0"/>
+              </a:gradFill>
+              <a:latin typeface="Segoe UI" pitchFamily="34" charset="0"/>
+              <a:ea typeface="Segoe UI" pitchFamily="34" charset="0"/>
+              <a:cs typeface="Segoe UI" pitchFamily="34" charset="0"/>
+            </a:endParaRPr>
           </a:p>
         </p:txBody>
       </p:sp>
@@ -1748,7 +1789,7 @@
             <a:spLocks noGrp="1"/>
           </p:cNvSpPr>
           <p:nvPr>
-            <p:ph type="dt" idx="12"/>
+            <p:ph type="dt" idx="1"/>
           </p:nvPr>
         </p:nvSpPr>
         <p:spPr/>
@@ -1756,9 +1797,9 @@
           <a:bodyPr/>
           <a:lstStyle/>
           <a:p>
-            <a:fld id="{2D0AF0B6-AF0D-4EDB-B60E-27694EB68262}" type="datetime8">
+            <a:fld id="{386CE63F-9E7F-4C04-9D0D-FCA25A8E9E86}" type="datetime8">
               <a:rPr lang="en-US" smtClean="0"/>
-              <a:t>11/23/2022 12:01 PM</a:t>
+              <a:t>11/26/2022 12:09 PM</a:t>
             </a:fld>
             <a:endParaRPr lang="en-US" dirty="0"/>
           </a:p>
@@ -1771,7 +1812,7 @@
             <a:spLocks noGrp="1"/>
           </p:cNvSpPr>
           <p:nvPr>
-            <p:ph type="sldNum" sz="quarter" idx="13"/>
+            <p:ph type="sldNum" sz="quarter" idx="5"/>
           </p:nvPr>
         </p:nvSpPr>
         <p:spPr/>
@@ -1782,7 +1823,7 @@
             <a:fld id="{B4008EB6-D09E-4580-8CD6-DDB14511944F}" type="slidenum">
               <a:rPr lang="en-US" smtClean="0"/>
               <a:pPr/>
-              <a:t>22</a:t>
+              <a:t>17</a:t>
             </a:fld>
             <a:endParaRPr lang="en-US" dirty="0"/>
           </a:p>
@@ -1791,7 +1832,7 @@
     </p:spTree>
     <p:extLst>
       <p:ext uri="{BB962C8B-B14F-4D97-AF65-F5344CB8AC3E}">
-        <p14:creationId xmlns:p14="http://schemas.microsoft.com/office/powerpoint/2010/main" val="2942578556"/>
+        <p14:creationId xmlns:p14="http://schemas.microsoft.com/office/powerpoint/2010/main" val="1076171450"/>
       </p:ext>
     </p:extLst>
   </p:cSld>
@@ -1845,18 +1886,18 @@
           <a:bodyPr/>
           <a:lstStyle/>
           <a:p>
-            <a:endParaRPr lang="en-US" dirty="0"/>
-          </a:p>
-        </p:txBody>
-      </p:sp>
-      <p:sp>
-        <p:nvSpPr>
-          <p:cNvPr id="6" name="Slide Number Placeholder 5"/>
+            <a:endParaRPr lang="en-IE" dirty="0"/>
+          </a:p>
+        </p:txBody>
+      </p:sp>
+      <p:sp>
+        <p:nvSpPr>
+          <p:cNvPr id="4" name="Header Placeholder 3"/>
           <p:cNvSpPr>
             <a:spLocks noGrp="1"/>
           </p:cNvSpPr>
           <p:nvPr>
-            <p:ph type="sldNum" sz="quarter" idx="12"/>
+            <p:ph type="hdr" sz="quarter"/>
           </p:nvPr>
         </p:nvSpPr>
         <p:spPr/>
@@ -1864,23 +1905,18 @@
           <a:bodyPr/>
           <a:lstStyle/>
           <a:p>
-            <a:fld id="{B4008EB6-D09E-4580-8CD6-DDB14511944F}" type="slidenum">
-              <a:rPr lang="en-US" smtClean="0"/>
-              <a:pPr/>
-              <a:t>23</a:t>
-            </a:fld>
             <a:endParaRPr lang="en-US" dirty="0"/>
           </a:p>
         </p:txBody>
       </p:sp>
       <p:sp>
         <p:nvSpPr>
-          <p:cNvPr id="10" name="Date Placeholder 9"/>
+          <p:cNvPr id="5" name="Footer Placeholder 4"/>
           <p:cNvSpPr>
             <a:spLocks noGrp="1"/>
           </p:cNvSpPr>
           <p:nvPr>
-            <p:ph type="dt" idx="13"/>
+            <p:ph type="ftr" sz="quarter" idx="4"/>
           </p:nvPr>
         </p:nvSpPr>
         <p:spPr/>
@@ -1888,51 +1924,9 @@
           <a:bodyPr/>
           <a:lstStyle/>
           <a:p>
-            <a:fld id="{1D9BFF88-B9B5-4B68-BAE1-09ACB5D03C54}" type="datetime8">
-              <a:rPr lang="en-US" smtClean="0"/>
-              <a:t>11/23/2022 12:01 PM</a:t>
-            </a:fld>
-            <a:endParaRPr lang="en-US" dirty="0"/>
-          </a:p>
-        </p:txBody>
-      </p:sp>
-      <p:sp>
-        <p:nvSpPr>
-          <p:cNvPr id="12" name="Header Placeholder 11"/>
-          <p:cNvSpPr>
-            <a:spLocks noGrp="1"/>
-          </p:cNvSpPr>
-          <p:nvPr>
-            <p:ph type="hdr" sz="quarter" idx="15"/>
-          </p:nvPr>
-        </p:nvSpPr>
-        <p:spPr/>
-        <p:txBody>
-          <a:bodyPr/>
-          <a:lstStyle/>
-          <a:p>
-            <a:endParaRPr lang="en-US" dirty="0"/>
-          </a:p>
-        </p:txBody>
-      </p:sp>
-      <p:sp>
-        <p:nvSpPr>
-          <p:cNvPr id="5" name="Footer Placeholder 4"/>
-          <p:cNvSpPr>
-            <a:spLocks noGrp="1"/>
-          </p:cNvSpPr>
-          <p:nvPr>
-            <p:ph type="ftr" sz="quarter" idx="16"/>
-          </p:nvPr>
-        </p:nvSpPr>
-        <p:spPr/>
-        <p:txBody>
-          <a:bodyPr/>
-          <a:lstStyle/>
-          <a:p>
             <a:pPr defTabSz="914099" eaLnBrk="0" hangingPunct="0"/>
             <a:r>
-              <a:rPr lang="en-US" sz="400" dirty="0">
+              <a:rPr lang="en-US" sz="400">
                 <a:gradFill>
                   <a:gsLst>
                     <a:gs pos="0">
@@ -1950,13 +1944,76 @@
               </a:rPr>
               <a:t>© Microsoft Corporation. All rights reserved. MICROSOFT MAKES NO WARRANTIES, EXPRESS, IMPLIED OR STATUTORY, AS TO THE INFORMATION IN THIS PRESENTATION.</a:t>
             </a:r>
+            <a:endParaRPr lang="en-US" sz="400" dirty="0">
+              <a:gradFill>
+                <a:gsLst>
+                  <a:gs pos="0">
+                    <a:prstClr val="black"/>
+                  </a:gs>
+                  <a:gs pos="100000">
+                    <a:prstClr val="black"/>
+                  </a:gs>
+                </a:gsLst>
+                <a:lin ang="5400000" scaled="0"/>
+              </a:gradFill>
+              <a:latin typeface="Segoe UI" pitchFamily="34" charset="0"/>
+              <a:ea typeface="Segoe UI" pitchFamily="34" charset="0"/>
+              <a:cs typeface="Segoe UI" pitchFamily="34" charset="0"/>
+            </a:endParaRPr>
+          </a:p>
+        </p:txBody>
+      </p:sp>
+      <p:sp>
+        <p:nvSpPr>
+          <p:cNvPr id="6" name="Date Placeholder 5"/>
+          <p:cNvSpPr>
+            <a:spLocks noGrp="1"/>
+          </p:cNvSpPr>
+          <p:nvPr>
+            <p:ph type="dt" idx="1"/>
+          </p:nvPr>
+        </p:nvSpPr>
+        <p:spPr/>
+        <p:txBody>
+          <a:bodyPr/>
+          <a:lstStyle/>
+          <a:p>
+            <a:fld id="{386CE63F-9E7F-4C04-9D0D-FCA25A8E9E86}" type="datetime8">
+              <a:rPr lang="en-US" smtClean="0"/>
+              <a:t>11/26/2022 12:09 PM</a:t>
+            </a:fld>
+            <a:endParaRPr lang="en-US" dirty="0"/>
+          </a:p>
+        </p:txBody>
+      </p:sp>
+      <p:sp>
+        <p:nvSpPr>
+          <p:cNvPr id="7" name="Slide Number Placeholder 6"/>
+          <p:cNvSpPr>
+            <a:spLocks noGrp="1"/>
+          </p:cNvSpPr>
+          <p:nvPr>
+            <p:ph type="sldNum" sz="quarter" idx="5"/>
+          </p:nvPr>
+        </p:nvSpPr>
+        <p:spPr/>
+        <p:txBody>
+          <a:bodyPr/>
+          <a:lstStyle/>
+          <a:p>
+            <a:fld id="{B4008EB6-D09E-4580-8CD6-DDB14511944F}" type="slidenum">
+              <a:rPr lang="en-US" smtClean="0"/>
+              <a:pPr/>
+              <a:t>19</a:t>
+            </a:fld>
+            <a:endParaRPr lang="en-US" dirty="0"/>
           </a:p>
         </p:txBody>
       </p:sp>
     </p:spTree>
     <p:extLst>
       <p:ext uri="{BB962C8B-B14F-4D97-AF65-F5344CB8AC3E}">
-        <p14:creationId xmlns:p14="http://schemas.microsoft.com/office/powerpoint/2010/main" val="3460838768"/>
+        <p14:creationId xmlns:p14="http://schemas.microsoft.com/office/powerpoint/2010/main" val="989421088"/>
       </p:ext>
     </p:extLst>
   </p:cSld>
@@ -1993,15 +2050,7 @@
             <p:ph type="sldImg"/>
           </p:nvPr>
         </p:nvSpPr>
-        <p:spPr>
-          <a:xfrm>
-            <a:off x="381000" y="685800"/>
-            <a:ext cx="6096000" cy="3429000"/>
-          </a:xfrm>
-          <a:prstGeom prst="rect">
-            <a:avLst/>
-          </a:prstGeom>
-        </p:spPr>
+        <p:spPr/>
       </p:sp>
       <p:sp>
         <p:nvSpPr>
@@ -2013,96 +2062,42 @@
             <p:ph type="body" idx="1"/>
           </p:nvPr>
         </p:nvSpPr>
-        <p:spPr>
-          <a:xfrm>
-            <a:off x="685800" y="4343400"/>
-            <a:ext cx="5486400" cy="4114800"/>
-          </a:xfrm>
-          <a:prstGeom prst="rect">
-            <a:avLst/>
-          </a:prstGeom>
-        </p:spPr>
-        <p:txBody>
-          <a:bodyPr>
-            <a:normAutofit/>
-          </a:bodyPr>
-          <a:lstStyle/>
-          <a:p>
-            <a:endParaRPr lang="en-US" dirty="0"/>
-          </a:p>
-        </p:txBody>
-      </p:sp>
-      <p:sp>
-        <p:nvSpPr>
-          <p:cNvPr id="4" name="Date Placeholder 3"/>
-          <p:cNvSpPr>
-            <a:spLocks noGrp="1"/>
-          </p:cNvSpPr>
-          <p:nvPr>
-            <p:ph type="dt" idx="10"/>
-          </p:nvPr>
-        </p:nvSpPr>
-        <p:spPr>
-          <a:xfrm>
-            <a:off x="3884613" y="0"/>
-            <a:ext cx="2971800" cy="457200"/>
-          </a:xfrm>
-          <a:prstGeom prst="rect">
-            <a:avLst/>
-          </a:prstGeom>
-        </p:spPr>
+        <p:spPr/>
         <p:txBody>
           <a:bodyPr/>
           <a:lstStyle/>
           <a:p>
-            <a:fld id="{06C18626-F474-479E-937A-543AA55347B1}" type="datetime8">
-              <a:rPr lang="en-US" smtClean="0"/>
-              <a:t>11/23/2022 12:01 PM</a:t>
-            </a:fld>
-            <a:endParaRPr lang="en-US" dirty="0"/>
-          </a:p>
-        </p:txBody>
-      </p:sp>
-      <p:sp>
-        <p:nvSpPr>
-          <p:cNvPr id="7" name="Slide Number Placeholder 6"/>
+            <a:endParaRPr lang="en-IE" dirty="0"/>
+          </a:p>
+        </p:txBody>
+      </p:sp>
+      <p:sp>
+        <p:nvSpPr>
+          <p:cNvPr id="4" name="Header Placeholder 3"/>
           <p:cNvSpPr>
             <a:spLocks noGrp="1"/>
           </p:cNvSpPr>
           <p:nvPr>
-            <p:ph type="sldNum" sz="quarter" idx="12"/>
-          </p:nvPr>
-        </p:nvSpPr>
-        <p:spPr>
-          <a:xfrm>
-            <a:off x="6172199" y="8685213"/>
-            <a:ext cx="684213" cy="457200"/>
-          </a:xfrm>
-          <a:prstGeom prst="rect">
-            <a:avLst/>
-          </a:prstGeom>
-        </p:spPr>
+            <p:ph type="hdr" sz="quarter"/>
+          </p:nvPr>
+        </p:nvSpPr>
+        <p:spPr/>
         <p:txBody>
           <a:bodyPr/>
           <a:lstStyle/>
           <a:p>
-            <a:fld id="{8B263312-38AA-4E1E-B2B5-0F8F122B24FE}" type="slidenum">
-              <a:rPr lang="en-US" smtClean="0"/>
-              <a:pPr/>
-              <a:t>24</a:t>
-            </a:fld>
             <a:endParaRPr lang="en-US" dirty="0"/>
           </a:p>
         </p:txBody>
       </p:sp>
       <p:sp>
         <p:nvSpPr>
-          <p:cNvPr id="6" name="Footer Placeholder 5"/>
+          <p:cNvPr id="5" name="Footer Placeholder 4"/>
           <p:cNvSpPr>
             <a:spLocks noGrp="1"/>
           </p:cNvSpPr>
           <p:nvPr>
-            <p:ph type="ftr" sz="quarter" idx="13"/>
+            <p:ph type="ftr" sz="quarter" idx="4"/>
           </p:nvPr>
         </p:nvSpPr>
         <p:spPr/>
@@ -2112,7 +2107,7 @@
           <a:p>
             <a:pPr defTabSz="914099" eaLnBrk="0" hangingPunct="0"/>
             <a:r>
-              <a:rPr lang="en-US" sz="400" dirty="0">
+              <a:rPr lang="en-US" sz="400">
                 <a:gradFill>
                   <a:gsLst>
                     <a:gs pos="0">
@@ -2130,17 +2125,33 @@
               </a:rPr>
               <a:t>© Microsoft Corporation. All rights reserved. MICROSOFT MAKES NO WARRANTIES, EXPRESS, IMPLIED OR STATUTORY, AS TO THE INFORMATION IN THIS PRESENTATION.</a:t>
             </a:r>
-          </a:p>
-        </p:txBody>
-      </p:sp>
-      <p:sp>
-        <p:nvSpPr>
-          <p:cNvPr id="9" name="Header Placeholder 8"/>
+            <a:endParaRPr lang="en-US" sz="400" dirty="0">
+              <a:gradFill>
+                <a:gsLst>
+                  <a:gs pos="0">
+                    <a:prstClr val="black"/>
+                  </a:gs>
+                  <a:gs pos="100000">
+                    <a:prstClr val="black"/>
+                  </a:gs>
+                </a:gsLst>
+                <a:lin ang="5400000" scaled="0"/>
+              </a:gradFill>
+              <a:latin typeface="Segoe UI" pitchFamily="34" charset="0"/>
+              <a:ea typeface="Segoe UI" pitchFamily="34" charset="0"/>
+              <a:cs typeface="Segoe UI" pitchFamily="34" charset="0"/>
+            </a:endParaRPr>
+          </a:p>
+        </p:txBody>
+      </p:sp>
+      <p:sp>
+        <p:nvSpPr>
+          <p:cNvPr id="6" name="Date Placeholder 5"/>
           <p:cNvSpPr>
             <a:spLocks noGrp="1"/>
           </p:cNvSpPr>
           <p:nvPr>
-            <p:ph type="hdr" sz="quarter" idx="14"/>
+            <p:ph type="dt" idx="1"/>
           </p:nvPr>
         </p:nvSpPr>
         <p:spPr/>
@@ -2148,6 +2159,34 @@
           <a:bodyPr/>
           <a:lstStyle/>
           <a:p>
+            <a:fld id="{386CE63F-9E7F-4C04-9D0D-FCA25A8E9E86}" type="datetime8">
+              <a:rPr lang="en-US" smtClean="0"/>
+              <a:t>11/26/2022 12:10 PM</a:t>
+            </a:fld>
+            <a:endParaRPr lang="en-US" dirty="0"/>
+          </a:p>
+        </p:txBody>
+      </p:sp>
+      <p:sp>
+        <p:nvSpPr>
+          <p:cNvPr id="7" name="Slide Number Placeholder 6"/>
+          <p:cNvSpPr>
+            <a:spLocks noGrp="1"/>
+          </p:cNvSpPr>
+          <p:nvPr>
+            <p:ph type="sldNum" sz="quarter" idx="5"/>
+          </p:nvPr>
+        </p:nvSpPr>
+        <p:spPr/>
+        <p:txBody>
+          <a:bodyPr/>
+          <a:lstStyle/>
+          <a:p>
+            <a:fld id="{B4008EB6-D09E-4580-8CD6-DDB14511944F}" type="slidenum">
+              <a:rPr lang="en-US" smtClean="0"/>
+              <a:pPr/>
+              <a:t>21</a:t>
+            </a:fld>
             <a:endParaRPr lang="en-US" dirty="0"/>
           </a:p>
         </p:txBody>
@@ -2155,7 +2194,7 @@
     </p:spTree>
     <p:extLst>
       <p:ext uri="{BB962C8B-B14F-4D97-AF65-F5344CB8AC3E}">
-        <p14:creationId xmlns:p14="http://schemas.microsoft.com/office/powerpoint/2010/main" val="52846919"/>
+        <p14:creationId xmlns:p14="http://schemas.microsoft.com/office/powerpoint/2010/main" val="4206545045"/>
       </p:ext>
     </p:extLst>
   </p:cSld>
@@ -2285,9 +2324,9 @@
           <a:bodyPr/>
           <a:lstStyle/>
           <a:p>
-            <a:fld id="{A5CD2277-7C1A-43CA-8676-87B24AD584BD}" type="datetime8">
+            <a:fld id="{72E0C910-0166-48E0-B8EF-5071277A02A8}" type="datetime8">
               <a:rPr lang="en-US" smtClean="0"/>
-              <a:t>11/23/2022 12:01 PM</a:t>
+              <a:t>11/26/2022 12:09 PM</a:t>
             </a:fld>
             <a:endParaRPr lang="en-US" dirty="0"/>
           </a:p>
@@ -2311,7 +2350,7 @@
             <a:fld id="{B4008EB6-D09E-4580-8CD6-DDB14511944F}" type="slidenum">
               <a:rPr lang="en-US" smtClean="0"/>
               <a:pPr/>
-              <a:t>25</a:t>
+              <a:t>23</a:t>
             </a:fld>
             <a:endParaRPr lang="en-US" dirty="0"/>
           </a:p>
@@ -2320,7 +2359,7 @@
     </p:spTree>
     <p:extLst>
       <p:ext uri="{BB962C8B-B14F-4D97-AF65-F5344CB8AC3E}">
-        <p14:creationId xmlns:p14="http://schemas.microsoft.com/office/powerpoint/2010/main" val="2389542826"/>
+        <p14:creationId xmlns:p14="http://schemas.microsoft.com/office/powerpoint/2010/main" val="1601089676"/>
       </p:ext>
     </p:extLst>
   </p:cSld>
@@ -2450,9 +2489,9 @@
           <a:bodyPr/>
           <a:lstStyle/>
           <a:p>
-            <a:fld id="{49B14B72-BE03-4760-B747-D349DA60D861}" type="datetime8">
+            <a:fld id="{9427A7F7-BB1E-479D-AFAA-B52F4D0C99F2}" type="datetime8">
               <a:rPr lang="en-US" smtClean="0"/>
-              <a:t>11/23/2022 12:01 PM</a:t>
+              <a:t>11/26/2022 12:09 PM</a:t>
             </a:fld>
             <a:endParaRPr lang="en-US" dirty="0"/>
           </a:p>
@@ -2476,7 +2515,7 @@
             <a:fld id="{B4008EB6-D09E-4580-8CD6-DDB14511944F}" type="slidenum">
               <a:rPr lang="en-US" smtClean="0"/>
               <a:pPr/>
-              <a:t>26</a:t>
+              <a:t>24</a:t>
             </a:fld>
             <a:endParaRPr lang="en-US" dirty="0"/>
           </a:p>
@@ -2485,7 +2524,7 @@
     </p:spTree>
     <p:extLst>
       <p:ext uri="{BB962C8B-B14F-4D97-AF65-F5344CB8AC3E}">
-        <p14:creationId xmlns:p14="http://schemas.microsoft.com/office/powerpoint/2010/main" val="2470583919"/>
+        <p14:creationId xmlns:p14="http://schemas.microsoft.com/office/powerpoint/2010/main" val="1958519690"/>
       </p:ext>
     </p:extLst>
   </p:cSld>
@@ -2615,9 +2654,9 @@
           <a:bodyPr/>
           <a:lstStyle/>
           <a:p>
-            <a:fld id="{49B14B72-BE03-4760-B747-D349DA60D861}" type="datetime8">
+            <a:fld id="{2D0AF0B6-AF0D-4EDB-B60E-27694EB68262}" type="datetime8">
               <a:rPr lang="en-US" smtClean="0"/>
-              <a:t>11/23/2022 12:01 PM</a:t>
+              <a:t>11/26/2022 12:09 PM</a:t>
             </a:fld>
             <a:endParaRPr lang="en-US" dirty="0"/>
           </a:p>
@@ -2641,7 +2680,7 @@
             <a:fld id="{B4008EB6-D09E-4580-8CD6-DDB14511944F}" type="slidenum">
               <a:rPr lang="en-US" smtClean="0"/>
               <a:pPr/>
-              <a:t>27</a:t>
+              <a:t>25</a:t>
             </a:fld>
             <a:endParaRPr lang="en-US" dirty="0"/>
           </a:p>
@@ -2650,7 +2689,7 @@
     </p:spTree>
     <p:extLst>
       <p:ext uri="{BB962C8B-B14F-4D97-AF65-F5344CB8AC3E}">
-        <p14:creationId xmlns:p14="http://schemas.microsoft.com/office/powerpoint/2010/main" val="1565198508"/>
+        <p14:creationId xmlns:p14="http://schemas.microsoft.com/office/powerpoint/2010/main" val="2942578556"/>
       </p:ext>
     </p:extLst>
   </p:cSld>
@@ -2710,12 +2749,12 @@
       </p:sp>
       <p:sp>
         <p:nvSpPr>
-          <p:cNvPr id="4" name="Header Placeholder 3"/>
+          <p:cNvPr id="6" name="Slide Number Placeholder 5"/>
           <p:cNvSpPr>
             <a:spLocks noGrp="1"/>
           </p:cNvSpPr>
           <p:nvPr>
-            <p:ph type="hdr" sz="quarter" idx="10"/>
+            <p:ph type="sldNum" sz="quarter" idx="12"/>
           </p:nvPr>
         </p:nvSpPr>
         <p:spPr/>
@@ -2723,18 +2762,65 @@
           <a:bodyPr/>
           <a:lstStyle/>
           <a:p>
+            <a:fld id="{B4008EB6-D09E-4580-8CD6-DDB14511944F}" type="slidenum">
+              <a:rPr lang="en-US" smtClean="0"/>
+              <a:pPr/>
+              <a:t>26</a:t>
+            </a:fld>
             <a:endParaRPr lang="en-US" dirty="0"/>
           </a:p>
         </p:txBody>
       </p:sp>
       <p:sp>
         <p:nvSpPr>
+          <p:cNvPr id="10" name="Date Placeholder 9"/>
+          <p:cNvSpPr>
+            <a:spLocks noGrp="1"/>
+          </p:cNvSpPr>
+          <p:nvPr>
+            <p:ph type="dt" idx="13"/>
+          </p:nvPr>
+        </p:nvSpPr>
+        <p:spPr/>
+        <p:txBody>
+          <a:bodyPr/>
+          <a:lstStyle/>
+          <a:p>
+            <a:fld id="{1D9BFF88-B9B5-4B68-BAE1-09ACB5D03C54}" type="datetime8">
+              <a:rPr lang="en-US" smtClean="0"/>
+              <a:t>11/26/2022 12:09 PM</a:t>
+            </a:fld>
+            <a:endParaRPr lang="en-US" dirty="0"/>
+          </a:p>
+        </p:txBody>
+      </p:sp>
+      <p:sp>
+        <p:nvSpPr>
+          <p:cNvPr id="12" name="Header Placeholder 11"/>
+          <p:cNvSpPr>
+            <a:spLocks noGrp="1"/>
+          </p:cNvSpPr>
+          <p:nvPr>
+            <p:ph type="hdr" sz="quarter" idx="15"/>
+          </p:nvPr>
+        </p:nvSpPr>
+        <p:spPr/>
+        <p:txBody>
+          <a:bodyPr/>
+          <a:lstStyle/>
+          <a:p>
+            <a:endParaRPr lang="en-US" dirty="0"/>
+          </a:p>
+        </p:txBody>
+      </p:sp>
+      <p:sp>
+        <p:nvSpPr>
           <p:cNvPr id="5" name="Footer Placeholder 4"/>
           <p:cNvSpPr>
             <a:spLocks noGrp="1"/>
           </p:cNvSpPr>
           <p:nvPr>
-            <p:ph type="ftr" sz="quarter" idx="11"/>
+            <p:ph type="ftr" sz="quarter" idx="16"/>
           </p:nvPr>
         </p:nvSpPr>
         <p:spPr/>
@@ -2765,56 +2851,10 @@
           </a:p>
         </p:txBody>
       </p:sp>
-      <p:sp>
-        <p:nvSpPr>
-          <p:cNvPr id="6" name="Date Placeholder 5"/>
-          <p:cNvSpPr>
-            <a:spLocks noGrp="1"/>
-          </p:cNvSpPr>
-          <p:nvPr>
-            <p:ph type="dt" idx="12"/>
-          </p:nvPr>
-        </p:nvSpPr>
-        <p:spPr/>
-        <p:txBody>
-          <a:bodyPr/>
-          <a:lstStyle/>
-          <a:p>
-            <a:fld id="{54A7B7B7-C694-4FC8-B0BD-20DAA0A272F9}" type="datetime8">
-              <a:rPr lang="en-US" smtClean="0"/>
-              <a:t>11/23/2022 12:01 PM</a:t>
-            </a:fld>
-            <a:endParaRPr lang="en-US" dirty="0"/>
-          </a:p>
-        </p:txBody>
-      </p:sp>
-      <p:sp>
-        <p:nvSpPr>
-          <p:cNvPr id="7" name="Slide Number Placeholder 6"/>
-          <p:cNvSpPr>
-            <a:spLocks noGrp="1"/>
-          </p:cNvSpPr>
-          <p:nvPr>
-            <p:ph type="sldNum" sz="quarter" idx="13"/>
-          </p:nvPr>
-        </p:nvSpPr>
-        <p:spPr/>
-        <p:txBody>
-          <a:bodyPr/>
-          <a:lstStyle/>
-          <a:p>
-            <a:fld id="{B4008EB6-D09E-4580-8CD6-DDB14511944F}" type="slidenum">
-              <a:rPr lang="en-US" smtClean="0"/>
-              <a:t>32</a:t>
-            </a:fld>
-            <a:endParaRPr lang="en-US" dirty="0"/>
-          </a:p>
-        </p:txBody>
-      </p:sp>
     </p:spTree>
     <p:extLst>
       <p:ext uri="{BB962C8B-B14F-4D97-AF65-F5344CB8AC3E}">
-        <p14:creationId xmlns:p14="http://schemas.microsoft.com/office/powerpoint/2010/main" val="103154412"/>
+        <p14:creationId xmlns:p14="http://schemas.microsoft.com/office/powerpoint/2010/main" val="3460838768"/>
       </p:ext>
     </p:extLst>
   </p:cSld>
@@ -2962,7 +3002,7 @@
           <a:p>
             <a:fld id="{386CE63F-9E7F-4C04-9D0D-FCA25A8E9E86}" type="datetime8">
               <a:rPr lang="en-US" smtClean="0"/>
-              <a:t>11/23/2022 12:01 PM</a:t>
+              <a:t>11/26/2022 12:09 PM</a:t>
             </a:fld>
             <a:endParaRPr lang="en-US" dirty="0"/>
           </a:p>
@@ -3032,7 +3072,15 @@
             <p:ph type="sldImg"/>
           </p:nvPr>
         </p:nvSpPr>
-        <p:spPr/>
+        <p:spPr>
+          <a:xfrm>
+            <a:off x="381000" y="685800"/>
+            <a:ext cx="6096000" cy="3429000"/>
+          </a:xfrm>
+          <a:prstGeom prst="rect">
+            <a:avLst/>
+          </a:prstGeom>
+        </p:spPr>
       </p:sp>
       <p:sp>
         <p:nvSpPr>
@@ -3044,42 +3092,96 @@
             <p:ph type="body" idx="1"/>
           </p:nvPr>
         </p:nvSpPr>
-        <p:spPr/>
+        <p:spPr>
+          <a:xfrm>
+            <a:off x="685800" y="4343400"/>
+            <a:ext cx="5486400" cy="4114800"/>
+          </a:xfrm>
+          <a:prstGeom prst="rect">
+            <a:avLst/>
+          </a:prstGeom>
+        </p:spPr>
+        <p:txBody>
+          <a:bodyPr>
+            <a:normAutofit/>
+          </a:bodyPr>
+          <a:lstStyle/>
+          <a:p>
+            <a:endParaRPr lang="en-US" dirty="0"/>
+          </a:p>
+        </p:txBody>
+      </p:sp>
+      <p:sp>
+        <p:nvSpPr>
+          <p:cNvPr id="4" name="Date Placeholder 3"/>
+          <p:cNvSpPr>
+            <a:spLocks noGrp="1"/>
+          </p:cNvSpPr>
+          <p:nvPr>
+            <p:ph type="dt" idx="10"/>
+          </p:nvPr>
+        </p:nvSpPr>
+        <p:spPr>
+          <a:xfrm>
+            <a:off x="3884613" y="0"/>
+            <a:ext cx="2971800" cy="457200"/>
+          </a:xfrm>
+          <a:prstGeom prst="rect">
+            <a:avLst/>
+          </a:prstGeom>
+        </p:spPr>
         <p:txBody>
           <a:bodyPr/>
           <a:lstStyle/>
           <a:p>
+            <a:fld id="{06C18626-F474-479E-937A-543AA55347B1}" type="datetime8">
+              <a:rPr lang="en-US" smtClean="0"/>
+              <a:t>11/26/2022 12:09 PM</a:t>
+            </a:fld>
             <a:endParaRPr lang="en-US" dirty="0"/>
           </a:p>
         </p:txBody>
       </p:sp>
       <p:sp>
         <p:nvSpPr>
-          <p:cNvPr id="4" name="Header Placeholder 3"/>
+          <p:cNvPr id="7" name="Slide Number Placeholder 6"/>
           <p:cNvSpPr>
             <a:spLocks noGrp="1"/>
           </p:cNvSpPr>
           <p:nvPr>
-            <p:ph type="hdr" sz="quarter" idx="10"/>
-          </p:nvPr>
-        </p:nvSpPr>
-        <p:spPr/>
+            <p:ph type="sldNum" sz="quarter" idx="12"/>
+          </p:nvPr>
+        </p:nvSpPr>
+        <p:spPr>
+          <a:xfrm>
+            <a:off x="6172199" y="8685213"/>
+            <a:ext cx="684213" cy="457200"/>
+          </a:xfrm>
+          <a:prstGeom prst="rect">
+            <a:avLst/>
+          </a:prstGeom>
+        </p:spPr>
         <p:txBody>
           <a:bodyPr/>
           <a:lstStyle/>
           <a:p>
+            <a:fld id="{8B263312-38AA-4E1E-B2B5-0F8F122B24FE}" type="slidenum">
+              <a:rPr lang="en-US" smtClean="0"/>
+              <a:pPr/>
+              <a:t>27</a:t>
+            </a:fld>
             <a:endParaRPr lang="en-US" dirty="0"/>
           </a:p>
         </p:txBody>
       </p:sp>
       <p:sp>
         <p:nvSpPr>
-          <p:cNvPr id="5" name="Footer Placeholder 4"/>
+          <p:cNvPr id="6" name="Footer Placeholder 5"/>
           <p:cNvSpPr>
             <a:spLocks noGrp="1"/>
           </p:cNvSpPr>
           <p:nvPr>
-            <p:ph type="ftr" sz="quarter" idx="11"/>
+            <p:ph type="ftr" sz="quarter" idx="13"/>
           </p:nvPr>
         </p:nvSpPr>
         <p:spPr/>
@@ -3112,12 +3214,12 @@
       </p:sp>
       <p:sp>
         <p:nvSpPr>
-          <p:cNvPr id="6" name="Date Placeholder 5"/>
+          <p:cNvPr id="9" name="Header Placeholder 8"/>
           <p:cNvSpPr>
             <a:spLocks noGrp="1"/>
           </p:cNvSpPr>
           <p:nvPr>
-            <p:ph type="dt" idx="12"/>
+            <p:ph type="hdr" sz="quarter" idx="14"/>
           </p:nvPr>
         </p:nvSpPr>
         <p:spPr/>
@@ -3125,34 +3227,6 @@
           <a:bodyPr/>
           <a:lstStyle/>
           <a:p>
-            <a:fld id="{91FF42D5-4657-4D58-A751-082C26315A19}" type="datetime8">
-              <a:rPr lang="en-US" smtClean="0"/>
-              <a:t>11/23/2022 12:01 PM</a:t>
-            </a:fld>
-            <a:endParaRPr lang="en-US" dirty="0"/>
-          </a:p>
-        </p:txBody>
-      </p:sp>
-      <p:sp>
-        <p:nvSpPr>
-          <p:cNvPr id="7" name="Slide Number Placeholder 6"/>
-          <p:cNvSpPr>
-            <a:spLocks noGrp="1"/>
-          </p:cNvSpPr>
-          <p:nvPr>
-            <p:ph type="sldNum" sz="quarter" idx="13"/>
-          </p:nvPr>
-        </p:nvSpPr>
-        <p:spPr/>
-        <p:txBody>
-          <a:bodyPr/>
-          <a:lstStyle/>
-          <a:p>
-            <a:fld id="{B4008EB6-D09E-4580-8CD6-DDB14511944F}" type="slidenum">
-              <a:rPr lang="en-US" smtClean="0"/>
-              <a:pPr/>
-              <a:t>33</a:t>
-            </a:fld>
             <a:endParaRPr lang="en-US" dirty="0"/>
           </a:p>
         </p:txBody>
@@ -3160,7 +3234,7 @@
     </p:spTree>
     <p:extLst>
       <p:ext uri="{BB962C8B-B14F-4D97-AF65-F5344CB8AC3E}">
-        <p14:creationId xmlns:p14="http://schemas.microsoft.com/office/powerpoint/2010/main" val="3383938246"/>
+        <p14:creationId xmlns:p14="http://schemas.microsoft.com/office/powerpoint/2010/main" val="52846919"/>
       </p:ext>
     </p:extLst>
   </p:cSld>
@@ -3220,12 +3294,12 @@
       </p:sp>
       <p:sp>
         <p:nvSpPr>
-          <p:cNvPr id="4" name="Slide Number Placeholder 3"/>
+          <p:cNvPr id="4" name="Header Placeholder 3"/>
           <p:cNvSpPr>
             <a:spLocks noGrp="1"/>
           </p:cNvSpPr>
           <p:nvPr>
-            <p:ph type="sldNum" sz="quarter" idx="10"/>
+            <p:ph type="hdr" sz="quarter" idx="10"/>
           </p:nvPr>
         </p:nvSpPr>
         <p:spPr/>
@@ -3233,57 +3307,18 @@
           <a:bodyPr/>
           <a:lstStyle/>
           <a:p>
-            <a:fld id="{C5079D02-5D34-4786-9834-A1F44E52D535}" type="slidenum">
-              <a:rPr lang="en-US" smtClean="0"/>
-              <a:t>34</a:t>
-            </a:fld>
             <a:endParaRPr lang="en-US" dirty="0"/>
           </a:p>
         </p:txBody>
       </p:sp>
       <p:sp>
         <p:nvSpPr>
-          <p:cNvPr id="5" name="Date Placeholder 4">
-            <a:extLst>
-              <a:ext uri="{FF2B5EF4-FFF2-40B4-BE49-F238E27FC236}">
-                <a16:creationId xmlns:a16="http://schemas.microsoft.com/office/drawing/2014/main" id="{58E3CE72-94EE-4689-AB80-A0CFFB93F1EA}"/>
-              </a:ext>
-            </a:extLst>
-          </p:cNvPr>
+          <p:cNvPr id="5" name="Footer Placeholder 4"/>
           <p:cNvSpPr>
             <a:spLocks noGrp="1"/>
           </p:cNvSpPr>
           <p:nvPr>
-            <p:ph type="dt" idx="11"/>
-          </p:nvPr>
-        </p:nvSpPr>
-        <p:spPr/>
-        <p:txBody>
-          <a:bodyPr/>
-          <a:lstStyle/>
-          <a:p>
-            <a:fld id="{480C6978-FA11-423D-8FDA-CB59A4787224}" type="datetime8">
-              <a:rPr lang="en-US" smtClean="0"/>
-              <a:t>11/23/2022 12:01 PM</a:t>
-            </a:fld>
-            <a:endParaRPr lang="en-US" dirty="0"/>
-          </a:p>
-        </p:txBody>
-      </p:sp>
-      <p:sp>
-        <p:nvSpPr>
-          <p:cNvPr id="6" name="Footer Placeholder 5">
-            <a:extLst>
-              <a:ext uri="{FF2B5EF4-FFF2-40B4-BE49-F238E27FC236}">
-                <a16:creationId xmlns:a16="http://schemas.microsoft.com/office/drawing/2014/main" id="{1AF229CA-F1E4-48C0-AD59-34CCFB3BE2A2}"/>
-              </a:ext>
-            </a:extLst>
-          </p:cNvPr>
-          <p:cNvSpPr>
-            <a:spLocks noGrp="1"/>
-          </p:cNvSpPr>
-          <p:nvPr>
-            <p:ph type="ftr" sz="quarter" idx="12"/>
+            <p:ph type="ftr" sz="quarter" idx="11"/>
           </p:nvPr>
         </p:nvSpPr>
         <p:spPr/>
@@ -3316,18 +3351,12 @@
       </p:sp>
       <p:sp>
         <p:nvSpPr>
-          <p:cNvPr id="7" name="Header Placeholder 6">
-            <a:extLst>
-              <a:ext uri="{FF2B5EF4-FFF2-40B4-BE49-F238E27FC236}">
-                <a16:creationId xmlns:a16="http://schemas.microsoft.com/office/drawing/2014/main" id="{1C7DFC74-16C9-4146-B136-C825DE01E4DA}"/>
-              </a:ext>
-            </a:extLst>
-          </p:cNvPr>
+          <p:cNvPr id="6" name="Date Placeholder 5"/>
           <p:cNvSpPr>
             <a:spLocks noGrp="1"/>
           </p:cNvSpPr>
           <p:nvPr>
-            <p:ph type="hdr" sz="quarter" idx="13"/>
+            <p:ph type="dt" idx="12"/>
           </p:nvPr>
         </p:nvSpPr>
         <p:spPr/>
@@ -3335,6 +3364,34 @@
           <a:bodyPr/>
           <a:lstStyle/>
           <a:p>
+            <a:fld id="{A5CD2277-7C1A-43CA-8676-87B24AD584BD}" type="datetime8">
+              <a:rPr lang="en-US" smtClean="0"/>
+              <a:t>11/26/2022 12:09 PM</a:t>
+            </a:fld>
+            <a:endParaRPr lang="en-US" dirty="0"/>
+          </a:p>
+        </p:txBody>
+      </p:sp>
+      <p:sp>
+        <p:nvSpPr>
+          <p:cNvPr id="7" name="Slide Number Placeholder 6"/>
+          <p:cNvSpPr>
+            <a:spLocks noGrp="1"/>
+          </p:cNvSpPr>
+          <p:nvPr>
+            <p:ph type="sldNum" sz="quarter" idx="13"/>
+          </p:nvPr>
+        </p:nvSpPr>
+        <p:spPr/>
+        <p:txBody>
+          <a:bodyPr/>
+          <a:lstStyle/>
+          <a:p>
+            <a:fld id="{B4008EB6-D09E-4580-8CD6-DDB14511944F}" type="slidenum">
+              <a:rPr lang="en-US" smtClean="0"/>
+              <a:pPr/>
+              <a:t>28</a:t>
+            </a:fld>
             <a:endParaRPr lang="en-US" dirty="0"/>
           </a:p>
         </p:txBody>
@@ -3342,7 +3399,7 @@
     </p:spTree>
     <p:extLst>
       <p:ext uri="{BB962C8B-B14F-4D97-AF65-F5344CB8AC3E}">
-        <p14:creationId xmlns:p14="http://schemas.microsoft.com/office/powerpoint/2010/main" val="2741036457"/>
+        <p14:creationId xmlns:p14="http://schemas.microsoft.com/office/powerpoint/2010/main" val="2389542826"/>
       </p:ext>
     </p:extLst>
   </p:cSld>
@@ -3402,12 +3459,12 @@
       </p:sp>
       <p:sp>
         <p:nvSpPr>
-          <p:cNvPr id="6" name="Date Placeholder 5"/>
+          <p:cNvPr id="4" name="Header Placeholder 3"/>
           <p:cNvSpPr>
             <a:spLocks noGrp="1"/>
           </p:cNvSpPr>
           <p:nvPr>
-            <p:ph type="dt" idx="12"/>
+            <p:ph type="hdr" sz="quarter" idx="10"/>
           </p:nvPr>
         </p:nvSpPr>
         <p:spPr/>
@@ -3415,52 +3472,18 @@
           <a:bodyPr/>
           <a:lstStyle/>
           <a:p>
-            <a:fld id="{353CB5B1-3D40-4389-814A-A3E0AEC8E2FF}" type="datetime8">
-              <a:rPr lang="en-US" smtClean="0"/>
-              <a:t>11/23/2022 12:01 PM</a:t>
-            </a:fld>
             <a:endParaRPr lang="en-US" dirty="0"/>
           </a:p>
         </p:txBody>
       </p:sp>
       <p:sp>
         <p:nvSpPr>
-          <p:cNvPr id="7" name="Slide Number Placeholder 6"/>
+          <p:cNvPr id="5" name="Footer Placeholder 4"/>
           <p:cNvSpPr>
             <a:spLocks noGrp="1"/>
           </p:cNvSpPr>
           <p:nvPr>
-            <p:ph type="sldNum" sz="quarter" idx="13"/>
-          </p:nvPr>
-        </p:nvSpPr>
-        <p:spPr/>
-        <p:txBody>
-          <a:bodyPr/>
-          <a:lstStyle/>
-          <a:p>
-            <a:fld id="{B4008EB6-D09E-4580-8CD6-DDB14511944F}" type="slidenum">
-              <a:rPr lang="en-US" smtClean="0"/>
-              <a:pPr/>
-              <a:t>35</a:t>
-            </a:fld>
-            <a:endParaRPr lang="en-US" dirty="0"/>
-          </a:p>
-        </p:txBody>
-      </p:sp>
-      <p:sp>
-        <p:nvSpPr>
-          <p:cNvPr id="8" name="Footer Placeholder 7">
-            <a:extLst>
-              <a:ext uri="{FF2B5EF4-FFF2-40B4-BE49-F238E27FC236}">
-                <a16:creationId xmlns:a16="http://schemas.microsoft.com/office/drawing/2014/main" id="{AB0A3098-74CE-4AF5-9C5C-C2A7A2AE65A8}"/>
-              </a:ext>
-            </a:extLst>
-          </p:cNvPr>
-          <p:cNvSpPr>
-            <a:spLocks noGrp="1"/>
-          </p:cNvSpPr>
-          <p:nvPr>
-            <p:ph type="ftr" sz="quarter" idx="14"/>
+            <p:ph type="ftr" sz="quarter" idx="11"/>
           </p:nvPr>
         </p:nvSpPr>
         <p:spPr/>
@@ -3493,18 +3516,12 @@
       </p:sp>
       <p:sp>
         <p:nvSpPr>
-          <p:cNvPr id="9" name="Header Placeholder 8">
-            <a:extLst>
-              <a:ext uri="{FF2B5EF4-FFF2-40B4-BE49-F238E27FC236}">
-                <a16:creationId xmlns:a16="http://schemas.microsoft.com/office/drawing/2014/main" id="{E0F78483-C1B0-470C-ACDF-3FFAE031C6ED}"/>
-              </a:ext>
-            </a:extLst>
-          </p:cNvPr>
+          <p:cNvPr id="6" name="Date Placeholder 5"/>
           <p:cNvSpPr>
             <a:spLocks noGrp="1"/>
           </p:cNvSpPr>
           <p:nvPr>
-            <p:ph type="hdr" sz="quarter" idx="15"/>
+            <p:ph type="dt" idx="12"/>
           </p:nvPr>
         </p:nvSpPr>
         <p:spPr/>
@@ -3512,6 +3529,34 @@
           <a:bodyPr/>
           <a:lstStyle/>
           <a:p>
+            <a:fld id="{49B14B72-BE03-4760-B747-D349DA60D861}" type="datetime8">
+              <a:rPr lang="en-US" smtClean="0"/>
+              <a:t>11/26/2022 12:09 PM</a:t>
+            </a:fld>
+            <a:endParaRPr lang="en-US" dirty="0"/>
+          </a:p>
+        </p:txBody>
+      </p:sp>
+      <p:sp>
+        <p:nvSpPr>
+          <p:cNvPr id="7" name="Slide Number Placeholder 6"/>
+          <p:cNvSpPr>
+            <a:spLocks noGrp="1"/>
+          </p:cNvSpPr>
+          <p:nvPr>
+            <p:ph type="sldNum" sz="quarter" idx="13"/>
+          </p:nvPr>
+        </p:nvSpPr>
+        <p:spPr/>
+        <p:txBody>
+          <a:bodyPr/>
+          <a:lstStyle/>
+          <a:p>
+            <a:fld id="{B4008EB6-D09E-4580-8CD6-DDB14511944F}" type="slidenum">
+              <a:rPr lang="en-US" smtClean="0"/>
+              <a:pPr/>
+              <a:t>29</a:t>
+            </a:fld>
             <a:endParaRPr lang="en-US" dirty="0"/>
           </a:p>
         </p:txBody>
@@ -3519,7 +3564,7 @@
     </p:spTree>
     <p:extLst>
       <p:ext uri="{BB962C8B-B14F-4D97-AF65-F5344CB8AC3E}">
-        <p14:creationId xmlns:p14="http://schemas.microsoft.com/office/powerpoint/2010/main" val="379290385"/>
+        <p14:creationId xmlns:p14="http://schemas.microsoft.com/office/powerpoint/2010/main" val="2470583919"/>
       </p:ext>
     </p:extLst>
   </p:cSld>
@@ -3579,12 +3624,12 @@
       </p:sp>
       <p:sp>
         <p:nvSpPr>
-          <p:cNvPr id="6" name="Date Placeholder 5"/>
+          <p:cNvPr id="4" name="Header Placeholder 3"/>
           <p:cNvSpPr>
             <a:spLocks noGrp="1"/>
           </p:cNvSpPr>
           <p:nvPr>
-            <p:ph type="dt" idx="12"/>
+            <p:ph type="hdr" sz="quarter" idx="10"/>
           </p:nvPr>
         </p:nvSpPr>
         <p:spPr/>
@@ -3592,52 +3637,18 @@
           <a:bodyPr/>
           <a:lstStyle/>
           <a:p>
-            <a:fld id="{353CB5B1-3D40-4389-814A-A3E0AEC8E2FF}" type="datetime8">
-              <a:rPr lang="en-US" smtClean="0"/>
-              <a:t>11/23/2022 12:01 PM</a:t>
-            </a:fld>
             <a:endParaRPr lang="en-US" dirty="0"/>
           </a:p>
         </p:txBody>
       </p:sp>
       <p:sp>
         <p:nvSpPr>
-          <p:cNvPr id="7" name="Slide Number Placeholder 6"/>
+          <p:cNvPr id="5" name="Footer Placeholder 4"/>
           <p:cNvSpPr>
             <a:spLocks noGrp="1"/>
           </p:cNvSpPr>
           <p:nvPr>
-            <p:ph type="sldNum" sz="quarter" idx="13"/>
-          </p:nvPr>
-        </p:nvSpPr>
-        <p:spPr/>
-        <p:txBody>
-          <a:bodyPr/>
-          <a:lstStyle/>
-          <a:p>
-            <a:fld id="{B4008EB6-D09E-4580-8CD6-DDB14511944F}" type="slidenum">
-              <a:rPr lang="en-US" smtClean="0"/>
-              <a:pPr/>
-              <a:t>36</a:t>
-            </a:fld>
-            <a:endParaRPr lang="en-US" dirty="0"/>
-          </a:p>
-        </p:txBody>
-      </p:sp>
-      <p:sp>
-        <p:nvSpPr>
-          <p:cNvPr id="8" name="Footer Placeholder 7">
-            <a:extLst>
-              <a:ext uri="{FF2B5EF4-FFF2-40B4-BE49-F238E27FC236}">
-                <a16:creationId xmlns:a16="http://schemas.microsoft.com/office/drawing/2014/main" id="{AB0A3098-74CE-4AF5-9C5C-C2A7A2AE65A8}"/>
-              </a:ext>
-            </a:extLst>
-          </p:cNvPr>
-          <p:cNvSpPr>
-            <a:spLocks noGrp="1"/>
-          </p:cNvSpPr>
-          <p:nvPr>
-            <p:ph type="ftr" sz="quarter" idx="14"/>
+            <p:ph type="ftr" sz="quarter" idx="11"/>
           </p:nvPr>
         </p:nvSpPr>
         <p:spPr/>
@@ -3670,18 +3681,12 @@
       </p:sp>
       <p:sp>
         <p:nvSpPr>
-          <p:cNvPr id="9" name="Header Placeholder 8">
-            <a:extLst>
-              <a:ext uri="{FF2B5EF4-FFF2-40B4-BE49-F238E27FC236}">
-                <a16:creationId xmlns:a16="http://schemas.microsoft.com/office/drawing/2014/main" id="{E0F78483-C1B0-470C-ACDF-3FFAE031C6ED}"/>
-              </a:ext>
-            </a:extLst>
-          </p:cNvPr>
+          <p:cNvPr id="6" name="Date Placeholder 5"/>
           <p:cNvSpPr>
             <a:spLocks noGrp="1"/>
           </p:cNvSpPr>
           <p:nvPr>
-            <p:ph type="hdr" sz="quarter" idx="15"/>
+            <p:ph type="dt" idx="12"/>
           </p:nvPr>
         </p:nvSpPr>
         <p:spPr/>
@@ -3689,6 +3694,34 @@
           <a:bodyPr/>
           <a:lstStyle/>
           <a:p>
+            <a:fld id="{49B14B72-BE03-4760-B747-D349DA60D861}" type="datetime8">
+              <a:rPr lang="en-US" smtClean="0"/>
+              <a:t>11/26/2022 12:09 PM</a:t>
+            </a:fld>
+            <a:endParaRPr lang="en-US" dirty="0"/>
+          </a:p>
+        </p:txBody>
+      </p:sp>
+      <p:sp>
+        <p:nvSpPr>
+          <p:cNvPr id="7" name="Slide Number Placeholder 6"/>
+          <p:cNvSpPr>
+            <a:spLocks noGrp="1"/>
+          </p:cNvSpPr>
+          <p:nvPr>
+            <p:ph type="sldNum" sz="quarter" idx="13"/>
+          </p:nvPr>
+        </p:nvSpPr>
+        <p:spPr/>
+        <p:txBody>
+          <a:bodyPr/>
+          <a:lstStyle/>
+          <a:p>
+            <a:fld id="{B4008EB6-D09E-4580-8CD6-DDB14511944F}" type="slidenum">
+              <a:rPr lang="en-US" smtClean="0"/>
+              <a:pPr/>
+              <a:t>30</a:t>
+            </a:fld>
             <a:endParaRPr lang="en-US" dirty="0"/>
           </a:p>
         </p:txBody>
@@ -3696,7 +3729,7 @@
     </p:spTree>
     <p:extLst>
       <p:ext uri="{BB962C8B-B14F-4D97-AF65-F5344CB8AC3E}">
-        <p14:creationId xmlns:p14="http://schemas.microsoft.com/office/powerpoint/2010/main" val="2255619978"/>
+        <p14:creationId xmlns:p14="http://schemas.microsoft.com/office/powerpoint/2010/main" val="1565198508"/>
       </p:ext>
     </p:extLst>
   </p:cSld>
@@ -3826,9 +3859,9 @@
           <a:bodyPr/>
           <a:lstStyle/>
           <a:p>
-            <a:fld id="{B16574EE-8191-4BCC-ABE6-D00A4F4D7690}" type="datetime8">
+            <a:fld id="{54A7B7B7-C694-4FC8-B0BD-20DAA0A272F9}" type="datetime8">
               <a:rPr lang="en-US" smtClean="0"/>
-              <a:t>11/23/2022 12:01 PM</a:t>
+              <a:t>11/26/2022 12:09 PM</a:t>
             </a:fld>
             <a:endParaRPr lang="en-US" dirty="0"/>
           </a:p>
@@ -3851,8 +3884,7 @@
           <a:p>
             <a:fld id="{B4008EB6-D09E-4580-8CD6-DDB14511944F}" type="slidenum">
               <a:rPr lang="en-US" smtClean="0"/>
-              <a:pPr/>
-              <a:t>37</a:t>
+              <a:t>35</a:t>
             </a:fld>
             <a:endParaRPr lang="en-US" dirty="0"/>
           </a:p>
@@ -3861,7 +3893,7 @@
     </p:spTree>
     <p:extLst>
       <p:ext uri="{BB962C8B-B14F-4D97-AF65-F5344CB8AC3E}">
-        <p14:creationId xmlns:p14="http://schemas.microsoft.com/office/powerpoint/2010/main" val="511922872"/>
+        <p14:creationId xmlns:p14="http://schemas.microsoft.com/office/powerpoint/2010/main" val="103154412"/>
       </p:ext>
     </p:extLst>
   </p:cSld>
@@ -3991,9 +4023,9 @@
           <a:bodyPr/>
           <a:lstStyle/>
           <a:p>
-            <a:fld id="{E2F19A73-88F5-4B80-A929-CF8E66EE5449}" type="datetime8">
+            <a:fld id="{91FF42D5-4657-4D58-A751-082C26315A19}" type="datetime8">
               <a:rPr lang="en-US" smtClean="0"/>
-              <a:t>11/23/2022 12:01 PM</a:t>
+              <a:t>11/26/2022 12:09 PM</a:t>
             </a:fld>
             <a:endParaRPr lang="en-US" dirty="0"/>
           </a:p>
@@ -4017,7 +4049,7 @@
             <a:fld id="{B4008EB6-D09E-4580-8CD6-DDB14511944F}" type="slidenum">
               <a:rPr lang="en-US" smtClean="0"/>
               <a:pPr/>
-              <a:t>38</a:t>
+              <a:t>36</a:t>
             </a:fld>
             <a:endParaRPr lang="en-US" dirty="0"/>
           </a:p>
@@ -4026,7 +4058,7 @@
     </p:spTree>
     <p:extLst>
       <p:ext uri="{BB962C8B-B14F-4D97-AF65-F5344CB8AC3E}">
-        <p14:creationId xmlns:p14="http://schemas.microsoft.com/office/powerpoint/2010/main" val="2548236910"/>
+        <p14:creationId xmlns:p14="http://schemas.microsoft.com/office/powerpoint/2010/main" val="3383938246"/>
       </p:ext>
     </p:extLst>
   </p:cSld>
@@ -4086,12 +4118,12 @@
       </p:sp>
       <p:sp>
         <p:nvSpPr>
-          <p:cNvPr id="6" name="Slide Number Placeholder 5"/>
+          <p:cNvPr id="4" name="Slide Number Placeholder 3"/>
           <p:cNvSpPr>
             <a:spLocks noGrp="1"/>
           </p:cNvSpPr>
           <p:nvPr>
-            <p:ph type="sldNum" sz="quarter" idx="12"/>
+            <p:ph type="sldNum" sz="quarter" idx="10"/>
           </p:nvPr>
         </p:nvSpPr>
         <p:spPr/>
@@ -4099,10 +4131,9 @@
           <a:bodyPr/>
           <a:lstStyle/>
           <a:p>
-            <a:fld id="{B4008EB6-D09E-4580-8CD6-DDB14511944F}" type="slidenum">
+            <a:fld id="{C5079D02-5D34-4786-9834-A1F44E52D535}" type="slidenum">
               <a:rPr lang="en-US" smtClean="0"/>
-              <a:pPr/>
-              <a:t>39</a:t>
+              <a:t>37</a:t>
             </a:fld>
             <a:endParaRPr lang="en-US" dirty="0"/>
           </a:p>
@@ -4110,12 +4141,18 @@
       </p:sp>
       <p:sp>
         <p:nvSpPr>
-          <p:cNvPr id="10" name="Date Placeholder 9"/>
+          <p:cNvPr id="5" name="Date Placeholder 4">
+            <a:extLst>
+              <a:ext uri="{FF2B5EF4-FFF2-40B4-BE49-F238E27FC236}">
+                <a16:creationId xmlns:a16="http://schemas.microsoft.com/office/drawing/2014/main" id="{58E3CE72-94EE-4689-AB80-A0CFFB93F1EA}"/>
+              </a:ext>
+            </a:extLst>
+          </p:cNvPr>
           <p:cNvSpPr>
             <a:spLocks noGrp="1"/>
           </p:cNvSpPr>
           <p:nvPr>
-            <p:ph type="dt" idx="13"/>
+            <p:ph type="dt" idx="11"/>
           </p:nvPr>
         </p:nvSpPr>
         <p:spPr/>
@@ -4123,9 +4160,9 @@
           <a:bodyPr/>
           <a:lstStyle/>
           <a:p>
-            <a:fld id="{D44C3489-8257-4E60-994D-6A5CEE67ED71}" type="datetime8">
+            <a:fld id="{480C6978-FA11-423D-8FDA-CB59A4787224}" type="datetime8">
               <a:rPr lang="en-US" smtClean="0"/>
-              <a:t>11/23/2022 12:01 PM</a:t>
+              <a:t>11/26/2022 12:09 PM</a:t>
             </a:fld>
             <a:endParaRPr lang="en-US" dirty="0"/>
           </a:p>
@@ -4133,12 +4170,18 @@
       </p:sp>
       <p:sp>
         <p:nvSpPr>
-          <p:cNvPr id="4" name="Footer Placeholder 3"/>
+          <p:cNvPr id="6" name="Footer Placeholder 5">
+            <a:extLst>
+              <a:ext uri="{FF2B5EF4-FFF2-40B4-BE49-F238E27FC236}">
+                <a16:creationId xmlns:a16="http://schemas.microsoft.com/office/drawing/2014/main" id="{1AF229CA-F1E4-48C0-AD59-34CCFB3BE2A2}"/>
+              </a:ext>
+            </a:extLst>
+          </p:cNvPr>
           <p:cNvSpPr>
             <a:spLocks noGrp="1"/>
           </p:cNvSpPr>
           <p:nvPr>
-            <p:ph type="ftr" sz="quarter" idx="14"/>
+            <p:ph type="ftr" sz="quarter" idx="12"/>
           </p:nvPr>
         </p:nvSpPr>
         <p:spPr/>
@@ -4171,12 +4214,18 @@
       </p:sp>
       <p:sp>
         <p:nvSpPr>
-          <p:cNvPr id="5" name="Header Placeholder 4"/>
+          <p:cNvPr id="7" name="Header Placeholder 6">
+            <a:extLst>
+              <a:ext uri="{FF2B5EF4-FFF2-40B4-BE49-F238E27FC236}">
+                <a16:creationId xmlns:a16="http://schemas.microsoft.com/office/drawing/2014/main" id="{1C7DFC74-16C9-4146-B136-C825DE01E4DA}"/>
+              </a:ext>
+            </a:extLst>
+          </p:cNvPr>
           <p:cNvSpPr>
             <a:spLocks noGrp="1"/>
           </p:cNvSpPr>
           <p:nvPr>
-            <p:ph type="hdr" sz="quarter" idx="15"/>
+            <p:ph type="hdr" sz="quarter" idx="13"/>
           </p:nvPr>
         </p:nvSpPr>
         <p:spPr/>
@@ -4191,7 +4240,7 @@
     </p:spTree>
     <p:extLst>
       <p:ext uri="{BB962C8B-B14F-4D97-AF65-F5344CB8AC3E}">
-        <p14:creationId xmlns:p14="http://schemas.microsoft.com/office/powerpoint/2010/main" val="3104623784"/>
+        <p14:creationId xmlns:p14="http://schemas.microsoft.com/office/powerpoint/2010/main" val="2741036457"/>
       </p:ext>
     </p:extLst>
   </p:cSld>
@@ -4228,12 +4277,7 @@
             <p:ph type="sldImg"/>
           </p:nvPr>
         </p:nvSpPr>
-        <p:spPr>
-          <a:xfrm>
-            <a:off x="381000" y="685800"/>
-            <a:ext cx="6096000" cy="3429000"/>
-          </a:xfrm>
-        </p:spPr>
+        <p:spPr/>
       </p:sp>
       <p:sp>
         <p:nvSpPr>
@@ -4246,55 +4290,22 @@
           </p:nvPr>
         </p:nvSpPr>
         <p:spPr/>
-        <p:txBody>
-          <a:bodyPr>
-            <a:normAutofit/>
-          </a:bodyPr>
-          <a:lstStyle/>
-          <a:p>
-            <a:endParaRPr lang="en-US" dirty="0"/>
-          </a:p>
-        </p:txBody>
-      </p:sp>
-      <p:sp>
-        <p:nvSpPr>
-          <p:cNvPr id="4" name="Header Placeholder 3"/>
-          <p:cNvSpPr>
-            <a:spLocks noGrp="1"/>
-          </p:cNvSpPr>
-          <p:nvPr>
-            <p:ph type="hdr" sz="quarter" idx="10"/>
-          </p:nvPr>
-        </p:nvSpPr>
-        <p:spPr>
-          <a:xfrm>
-            <a:off x="0" y="0"/>
-            <a:ext cx="2971800" cy="457200"/>
-          </a:xfrm>
-          <a:prstGeom prst="rect">
-            <a:avLst/>
-          </a:prstGeom>
-        </p:spPr>
         <p:txBody>
           <a:bodyPr/>
           <a:lstStyle/>
           <a:p>
-            <a:endParaRPr lang="en-US" dirty="0">
-              <a:solidFill>
-                <a:prstClr val="black"/>
-              </a:solidFill>
-            </a:endParaRPr>
-          </a:p>
-        </p:txBody>
-      </p:sp>
-      <p:sp>
-        <p:nvSpPr>
-          <p:cNvPr id="5" name="Date Placeholder 4"/>
+            <a:endParaRPr lang="en-US" dirty="0"/>
+          </a:p>
+        </p:txBody>
+      </p:sp>
+      <p:sp>
+        <p:nvSpPr>
+          <p:cNvPr id="6" name="Date Placeholder 5"/>
           <p:cNvSpPr>
             <a:spLocks noGrp="1"/>
           </p:cNvSpPr>
           <p:nvPr>
-            <p:ph type="dt" idx="11"/>
+            <p:ph type="dt" idx="12"/>
           </p:nvPr>
         </p:nvSpPr>
         <p:spPr/>
@@ -4302,19 +4313,11 @@
           <a:bodyPr/>
           <a:lstStyle/>
           <a:p>
-            <a:fld id="{C0CB9372-CA2B-44D2-90ED-A4A158EB6F2D}" type="datetime8">
-              <a:rPr lang="en-US" smtClean="0">
-                <a:solidFill>
-                  <a:prstClr val="black"/>
-                </a:solidFill>
-              </a:rPr>
-              <a:t>11/23/2022 12:01 PM</a:t>
+            <a:fld id="{353CB5B1-3D40-4389-814A-A3E0AEC8E2FF}" type="datetime8">
+              <a:rPr lang="en-US" smtClean="0"/>
+              <a:t>11/26/2022 12:09 PM</a:t>
             </a:fld>
-            <a:endParaRPr lang="en-US" dirty="0">
-              <a:solidFill>
-                <a:prstClr val="black"/>
-              </a:solidFill>
-            </a:endParaRPr>
+            <a:endParaRPr lang="en-US" dirty="0"/>
           </a:p>
         </p:txBody>
       </p:sp>
@@ -4333,26 +4336,24 @@
           <a:bodyPr/>
           <a:lstStyle/>
           <a:p>
-            <a:fld id="{EC87E0CF-87F6-4B58-B8B8-DCAB2DAAF3CA}" type="slidenum">
-              <a:rPr lang="en-US" smtClean="0">
-                <a:solidFill>
-                  <a:prstClr val="black"/>
-                </a:solidFill>
-              </a:rPr>
+            <a:fld id="{B4008EB6-D09E-4580-8CD6-DDB14511944F}" type="slidenum">
+              <a:rPr lang="en-US" smtClean="0"/>
               <a:pPr/>
-              <a:t>40</a:t>
+              <a:t>38</a:t>
             </a:fld>
-            <a:endParaRPr lang="en-US" dirty="0">
-              <a:solidFill>
-                <a:prstClr val="black"/>
-              </a:solidFill>
-            </a:endParaRPr>
-          </a:p>
-        </p:txBody>
-      </p:sp>
-      <p:sp>
-        <p:nvSpPr>
-          <p:cNvPr id="6" name="Footer Placeholder 5"/>
+            <a:endParaRPr lang="en-US" dirty="0"/>
+          </a:p>
+        </p:txBody>
+      </p:sp>
+      <p:sp>
+        <p:nvSpPr>
+          <p:cNvPr id="8" name="Footer Placeholder 7">
+            <a:extLst>
+              <a:ext uri="{FF2B5EF4-FFF2-40B4-BE49-F238E27FC236}">
+                <a16:creationId xmlns:a16="http://schemas.microsoft.com/office/drawing/2014/main" id="{AB0A3098-74CE-4AF5-9C5C-C2A7A2AE65A8}"/>
+              </a:ext>
+            </a:extLst>
+          </p:cNvPr>
           <p:cNvSpPr>
             <a:spLocks noGrp="1"/>
           </p:cNvSpPr>
@@ -4388,10 +4389,35 @@
           </a:p>
         </p:txBody>
       </p:sp>
+      <p:sp>
+        <p:nvSpPr>
+          <p:cNvPr id="9" name="Header Placeholder 8">
+            <a:extLst>
+              <a:ext uri="{FF2B5EF4-FFF2-40B4-BE49-F238E27FC236}">
+                <a16:creationId xmlns:a16="http://schemas.microsoft.com/office/drawing/2014/main" id="{E0F78483-C1B0-470C-ACDF-3FFAE031C6ED}"/>
+              </a:ext>
+            </a:extLst>
+          </p:cNvPr>
+          <p:cNvSpPr>
+            <a:spLocks noGrp="1"/>
+          </p:cNvSpPr>
+          <p:nvPr>
+            <p:ph type="hdr" sz="quarter" idx="15"/>
+          </p:nvPr>
+        </p:nvSpPr>
+        <p:spPr/>
+        <p:txBody>
+          <a:bodyPr/>
+          <a:lstStyle/>
+          <a:p>
+            <a:endParaRPr lang="en-US" dirty="0"/>
+          </a:p>
+        </p:txBody>
+      </p:sp>
     </p:spTree>
     <p:extLst>
       <p:ext uri="{BB962C8B-B14F-4D97-AF65-F5344CB8AC3E}">
-        <p14:creationId xmlns:p14="http://schemas.microsoft.com/office/powerpoint/2010/main" val="247942525"/>
+        <p14:creationId xmlns:p14="http://schemas.microsoft.com/office/powerpoint/2010/main" val="379290385"/>
       </p:ext>
     </p:extLst>
   </p:cSld>
@@ -4428,12 +4454,7 @@
             <p:ph type="sldImg"/>
           </p:nvPr>
         </p:nvSpPr>
-        <p:spPr>
-          <a:xfrm>
-            <a:off x="381000" y="685800"/>
-            <a:ext cx="6096000" cy="3429000"/>
-          </a:xfrm>
-        </p:spPr>
+        <p:spPr/>
       </p:sp>
       <p:sp>
         <p:nvSpPr>
@@ -4446,55 +4467,22 @@
           </p:nvPr>
         </p:nvSpPr>
         <p:spPr/>
-        <p:txBody>
-          <a:bodyPr>
-            <a:normAutofit/>
-          </a:bodyPr>
-          <a:lstStyle/>
-          <a:p>
-            <a:endParaRPr lang="en-US" dirty="0"/>
-          </a:p>
-        </p:txBody>
-      </p:sp>
-      <p:sp>
-        <p:nvSpPr>
-          <p:cNvPr id="4" name="Header Placeholder 3"/>
-          <p:cNvSpPr>
-            <a:spLocks noGrp="1"/>
-          </p:cNvSpPr>
-          <p:nvPr>
-            <p:ph type="hdr" sz="quarter" idx="10"/>
-          </p:nvPr>
-        </p:nvSpPr>
-        <p:spPr>
-          <a:xfrm>
-            <a:off x="0" y="0"/>
-            <a:ext cx="2971800" cy="457200"/>
-          </a:xfrm>
-          <a:prstGeom prst="rect">
-            <a:avLst/>
-          </a:prstGeom>
-        </p:spPr>
         <p:txBody>
           <a:bodyPr/>
           <a:lstStyle/>
           <a:p>
-            <a:endParaRPr lang="en-US" dirty="0">
-              <a:solidFill>
-                <a:prstClr val="black"/>
-              </a:solidFill>
-            </a:endParaRPr>
-          </a:p>
-        </p:txBody>
-      </p:sp>
-      <p:sp>
-        <p:nvSpPr>
-          <p:cNvPr id="5" name="Date Placeholder 4"/>
+            <a:endParaRPr lang="en-US" dirty="0"/>
+          </a:p>
+        </p:txBody>
+      </p:sp>
+      <p:sp>
+        <p:nvSpPr>
+          <p:cNvPr id="6" name="Date Placeholder 5"/>
           <p:cNvSpPr>
             <a:spLocks noGrp="1"/>
           </p:cNvSpPr>
           <p:nvPr>
-            <p:ph type="dt" idx="11"/>
+            <p:ph type="dt" idx="12"/>
           </p:nvPr>
         </p:nvSpPr>
         <p:spPr/>
@@ -4502,19 +4490,11 @@
           <a:bodyPr/>
           <a:lstStyle/>
           <a:p>
-            <a:fld id="{0ECFDC7D-F4BE-4668-920D-08874925A5D7}" type="datetime8">
-              <a:rPr lang="en-US" smtClean="0">
-                <a:solidFill>
-                  <a:prstClr val="black"/>
-                </a:solidFill>
-              </a:rPr>
-              <a:t>11/23/2022 12:01 PM</a:t>
+            <a:fld id="{353CB5B1-3D40-4389-814A-A3E0AEC8E2FF}" type="datetime8">
+              <a:rPr lang="en-US" smtClean="0"/>
+              <a:t>11/26/2022 12:09 PM</a:t>
             </a:fld>
-            <a:endParaRPr lang="en-US" dirty="0">
-              <a:solidFill>
-                <a:prstClr val="black"/>
-              </a:solidFill>
-            </a:endParaRPr>
+            <a:endParaRPr lang="en-US" dirty="0"/>
           </a:p>
         </p:txBody>
       </p:sp>
@@ -4533,26 +4513,24 @@
           <a:bodyPr/>
           <a:lstStyle/>
           <a:p>
-            <a:fld id="{EC87E0CF-87F6-4B58-B8B8-DCAB2DAAF3CA}" type="slidenum">
-              <a:rPr lang="en-US" smtClean="0">
-                <a:solidFill>
-                  <a:prstClr val="black"/>
-                </a:solidFill>
-              </a:rPr>
+            <a:fld id="{B4008EB6-D09E-4580-8CD6-DDB14511944F}" type="slidenum">
+              <a:rPr lang="en-US" smtClean="0"/>
               <a:pPr/>
-              <a:t>41</a:t>
+              <a:t>39</a:t>
             </a:fld>
-            <a:endParaRPr lang="en-US" dirty="0">
-              <a:solidFill>
-                <a:prstClr val="black"/>
-              </a:solidFill>
-            </a:endParaRPr>
-          </a:p>
-        </p:txBody>
-      </p:sp>
-      <p:sp>
-        <p:nvSpPr>
-          <p:cNvPr id="6" name="Footer Placeholder 5"/>
+            <a:endParaRPr lang="en-US" dirty="0"/>
+          </a:p>
+        </p:txBody>
+      </p:sp>
+      <p:sp>
+        <p:nvSpPr>
+          <p:cNvPr id="8" name="Footer Placeholder 7">
+            <a:extLst>
+              <a:ext uri="{FF2B5EF4-FFF2-40B4-BE49-F238E27FC236}">
+                <a16:creationId xmlns:a16="http://schemas.microsoft.com/office/drawing/2014/main" id="{AB0A3098-74CE-4AF5-9C5C-C2A7A2AE65A8}"/>
+              </a:ext>
+            </a:extLst>
+          </p:cNvPr>
           <p:cNvSpPr>
             <a:spLocks noGrp="1"/>
           </p:cNvSpPr>
@@ -4588,10 +4566,200 @@
           </a:p>
         </p:txBody>
       </p:sp>
+      <p:sp>
+        <p:nvSpPr>
+          <p:cNvPr id="9" name="Header Placeholder 8">
+            <a:extLst>
+              <a:ext uri="{FF2B5EF4-FFF2-40B4-BE49-F238E27FC236}">
+                <a16:creationId xmlns:a16="http://schemas.microsoft.com/office/drawing/2014/main" id="{E0F78483-C1B0-470C-ACDF-3FFAE031C6ED}"/>
+              </a:ext>
+            </a:extLst>
+          </p:cNvPr>
+          <p:cNvSpPr>
+            <a:spLocks noGrp="1"/>
+          </p:cNvSpPr>
+          <p:nvPr>
+            <p:ph type="hdr" sz="quarter" idx="15"/>
+          </p:nvPr>
+        </p:nvSpPr>
+        <p:spPr/>
+        <p:txBody>
+          <a:bodyPr/>
+          <a:lstStyle/>
+          <a:p>
+            <a:endParaRPr lang="en-US" dirty="0"/>
+          </a:p>
+        </p:txBody>
+      </p:sp>
     </p:spTree>
     <p:extLst>
       <p:ext uri="{BB962C8B-B14F-4D97-AF65-F5344CB8AC3E}">
-        <p14:creationId xmlns:p14="http://schemas.microsoft.com/office/powerpoint/2010/main" val="2185510719"/>
+        <p14:creationId xmlns:p14="http://schemas.microsoft.com/office/powerpoint/2010/main" val="2255619978"/>
+      </p:ext>
+    </p:extLst>
+  </p:cSld>
+  <p:clrMapOvr>
+    <a:masterClrMapping/>
+  </p:clrMapOvr>
+</p:notes>
+</file>
+
+<file path=ppt/notesSlides/notesSlide29.xml><?xml version="1.0" encoding="utf-8"?>
+<p:notes xmlns:a="http://schemas.openxmlformats.org/drawingml/2006/main" xmlns:r="http://schemas.openxmlformats.org/officeDocument/2006/relationships" xmlns:p="http://schemas.openxmlformats.org/presentationml/2006/main">
+  <p:cSld>
+    <p:spTree>
+      <p:nvGrpSpPr>
+        <p:cNvPr id="1" name=""/>
+        <p:cNvGrpSpPr/>
+        <p:nvPr/>
+      </p:nvGrpSpPr>
+      <p:grpSpPr>
+        <a:xfrm>
+          <a:off x="0" y="0"/>
+          <a:ext cx="0" cy="0"/>
+          <a:chOff x="0" y="0"/>
+          <a:chExt cx="0" cy="0"/>
+        </a:xfrm>
+      </p:grpSpPr>
+      <p:sp>
+        <p:nvSpPr>
+          <p:cNvPr id="2" name="Slide Image Placeholder 1"/>
+          <p:cNvSpPr>
+            <a:spLocks noGrp="1" noRot="1" noChangeAspect="1"/>
+          </p:cNvSpPr>
+          <p:nvPr>
+            <p:ph type="sldImg"/>
+          </p:nvPr>
+        </p:nvSpPr>
+        <p:spPr/>
+      </p:sp>
+      <p:sp>
+        <p:nvSpPr>
+          <p:cNvPr id="3" name="Notes Placeholder 2"/>
+          <p:cNvSpPr>
+            <a:spLocks noGrp="1"/>
+          </p:cNvSpPr>
+          <p:nvPr>
+            <p:ph type="body" idx="1"/>
+          </p:nvPr>
+        </p:nvSpPr>
+        <p:spPr/>
+        <p:txBody>
+          <a:bodyPr/>
+          <a:lstStyle/>
+          <a:p>
+            <a:endParaRPr lang="en-US" dirty="0"/>
+          </a:p>
+        </p:txBody>
+      </p:sp>
+      <p:sp>
+        <p:nvSpPr>
+          <p:cNvPr id="4" name="Header Placeholder 3"/>
+          <p:cNvSpPr>
+            <a:spLocks noGrp="1"/>
+          </p:cNvSpPr>
+          <p:nvPr>
+            <p:ph type="hdr" sz="quarter" idx="10"/>
+          </p:nvPr>
+        </p:nvSpPr>
+        <p:spPr/>
+        <p:txBody>
+          <a:bodyPr/>
+          <a:lstStyle/>
+          <a:p>
+            <a:endParaRPr lang="en-US" dirty="0"/>
+          </a:p>
+        </p:txBody>
+      </p:sp>
+      <p:sp>
+        <p:nvSpPr>
+          <p:cNvPr id="5" name="Footer Placeholder 4"/>
+          <p:cNvSpPr>
+            <a:spLocks noGrp="1"/>
+          </p:cNvSpPr>
+          <p:nvPr>
+            <p:ph type="ftr" sz="quarter" idx="11"/>
+          </p:nvPr>
+        </p:nvSpPr>
+        <p:spPr/>
+        <p:txBody>
+          <a:bodyPr/>
+          <a:lstStyle/>
+          <a:p>
+            <a:pPr defTabSz="914099" eaLnBrk="0" hangingPunct="0"/>
+            <a:r>
+              <a:rPr lang="en-US" sz="400" dirty="0">
+                <a:gradFill>
+                  <a:gsLst>
+                    <a:gs pos="0">
+                      <a:prstClr val="black"/>
+                    </a:gs>
+                    <a:gs pos="100000">
+                      <a:prstClr val="black"/>
+                    </a:gs>
+                  </a:gsLst>
+                  <a:lin ang="5400000" scaled="0"/>
+                </a:gradFill>
+                <a:latin typeface="Segoe UI" pitchFamily="34" charset="0"/>
+                <a:ea typeface="Segoe UI" pitchFamily="34" charset="0"/>
+                <a:cs typeface="Segoe UI" pitchFamily="34" charset="0"/>
+              </a:rPr>
+              <a:t>© Microsoft Corporation. All rights reserved. MICROSOFT MAKES NO WARRANTIES, EXPRESS, IMPLIED OR STATUTORY, AS TO THE INFORMATION IN THIS PRESENTATION.</a:t>
+            </a:r>
+          </a:p>
+        </p:txBody>
+      </p:sp>
+      <p:sp>
+        <p:nvSpPr>
+          <p:cNvPr id="6" name="Date Placeholder 5"/>
+          <p:cNvSpPr>
+            <a:spLocks noGrp="1"/>
+          </p:cNvSpPr>
+          <p:nvPr>
+            <p:ph type="dt" idx="12"/>
+          </p:nvPr>
+        </p:nvSpPr>
+        <p:spPr/>
+        <p:txBody>
+          <a:bodyPr/>
+          <a:lstStyle/>
+          <a:p>
+            <a:fld id="{B16574EE-8191-4BCC-ABE6-D00A4F4D7690}" type="datetime8">
+              <a:rPr lang="en-US" smtClean="0"/>
+              <a:t>11/26/2022 12:09 PM</a:t>
+            </a:fld>
+            <a:endParaRPr lang="en-US" dirty="0"/>
+          </a:p>
+        </p:txBody>
+      </p:sp>
+      <p:sp>
+        <p:nvSpPr>
+          <p:cNvPr id="7" name="Slide Number Placeholder 6"/>
+          <p:cNvSpPr>
+            <a:spLocks noGrp="1"/>
+          </p:cNvSpPr>
+          <p:nvPr>
+            <p:ph type="sldNum" sz="quarter" idx="13"/>
+          </p:nvPr>
+        </p:nvSpPr>
+        <p:spPr/>
+        <p:txBody>
+          <a:bodyPr/>
+          <a:lstStyle/>
+          <a:p>
+            <a:fld id="{B4008EB6-D09E-4580-8CD6-DDB14511944F}" type="slidenum">
+              <a:rPr lang="en-US" smtClean="0"/>
+              <a:pPr/>
+              <a:t>40</a:t>
+            </a:fld>
+            <a:endParaRPr lang="en-US" dirty="0"/>
+          </a:p>
+        </p:txBody>
+      </p:sp>
+    </p:spTree>
+    <p:extLst>
+      <p:ext uri="{BB962C8B-B14F-4D97-AF65-F5344CB8AC3E}">
+        <p14:creationId xmlns:p14="http://schemas.microsoft.com/office/powerpoint/2010/main" val="511922872"/>
       </p:ext>
     </p:extLst>
   </p:cSld>
@@ -4645,7 +4813,42 @@
           <a:bodyPr/>
           <a:lstStyle/>
           <a:p>
-            <a:endParaRPr lang="en-IE" dirty="0"/>
+            <a:pPr marL="0" marR="0" lvl="0" indent="0" algn="l" defTabSz="914367" rtl="0" eaLnBrk="1" fontAlgn="auto" latinLnBrk="0" hangingPunct="1">
+              <a:lnSpc>
+                <a:spcPct val="90000"/>
+              </a:lnSpc>
+              <a:spcBef>
+                <a:spcPts val="0"/>
+              </a:spcBef>
+              <a:spcAft>
+                <a:spcPts val="333"/>
+              </a:spcAft>
+              <a:buClrTx/>
+              <a:buSzTx/>
+              <a:buFontTx/>
+              <a:buNone/>
+              <a:tabLst/>
+              <a:defRPr/>
+            </a:pPr>
+            <a:r>
+              <a:rPr lang="en-IE" b="1" i="0" dirty="0">
+                <a:solidFill>
+                  <a:srgbClr val="171717"/>
+                </a:solidFill>
+                <a:effectLst/>
+                <a:latin typeface="Segoe UI" panose="020B0502040204020203" pitchFamily="34" charset="0"/>
+              </a:rPr>
+              <a:t>Get started with Cost Management + Billing reporting</a:t>
+            </a:r>
+          </a:p>
+          <a:p>
+            <a:r>
+              <a:rPr lang="en-IE" b="0" dirty="0"/>
+              <a:t>https://learn.microsoft.com/en-us/azure/cost-management-billing/costs/reporting-get-started</a:t>
+            </a:r>
+          </a:p>
+          <a:p>
+            <a:endParaRPr lang="en-IE" b="1" dirty="0"/>
           </a:p>
           <a:p>
             <a:r>
@@ -4661,6 +4864,155 @@
           </a:p>
           <a:p>
             <a:endParaRPr lang="en-IE" dirty="0"/>
+          </a:p>
+          <a:p>
+            <a:pPr algn="l"/>
+            <a:r>
+              <a:rPr lang="en-IE" b="1" i="0" dirty="0">
+                <a:solidFill>
+                  <a:srgbClr val="171717"/>
+                </a:solidFill>
+                <a:effectLst/>
+                <a:latin typeface="Segoe UI" panose="020B0502040204020203" pitchFamily="34" charset="0"/>
+              </a:rPr>
+              <a:t>Migrate from Azure Enterprise Reporting to Microsoft Cost Management APIs overview</a:t>
+            </a:r>
+          </a:p>
+          <a:p>
+            <a:r>
+              <a:rPr lang="en-IE" dirty="0"/>
+              <a:t>https://learn.microsoft.com/en-us/azure/cost-management-billing/automate/migrate-ea-reporting-arm-apis-overview</a:t>
+            </a:r>
+          </a:p>
+          <a:p>
+            <a:endParaRPr lang="en-IE" dirty="0"/>
+          </a:p>
+          <a:p>
+            <a:r>
+              <a:rPr lang="en-IE" b="1" dirty="0"/>
+              <a:t>EA Portal</a:t>
+            </a:r>
+          </a:p>
+          <a:p>
+            <a:pPr marL="0" marR="0" lvl="0" indent="0" algn="l" defTabSz="914367" rtl="0" eaLnBrk="1" fontAlgn="auto" latinLnBrk="0" hangingPunct="1">
+              <a:lnSpc>
+                <a:spcPct val="90000"/>
+              </a:lnSpc>
+              <a:spcBef>
+                <a:spcPts val="0"/>
+              </a:spcBef>
+              <a:spcAft>
+                <a:spcPts val="333"/>
+              </a:spcAft>
+              <a:buClrTx/>
+              <a:buSzTx/>
+              <a:buFontTx/>
+              <a:buNone/>
+              <a:tabLst/>
+              <a:defRPr/>
+            </a:pPr>
+            <a:r>
+              <a:rPr lang="en-IE" b="0" i="0" u="none" strike="noStrike" dirty="0">
+                <a:effectLst/>
+                <a:latin typeface="Segoe UI" panose="020B0502040204020203" pitchFamily="34" charset="0"/>
+                <a:hlinkClick r:id="rId3"/>
+              </a:rPr>
+              <a:t>https://ea.azure.com</a:t>
+            </a:r>
+            <a:endParaRPr lang="en-IE" dirty="0"/>
+          </a:p>
+          <a:p>
+            <a:endParaRPr lang="en-IE" dirty="0"/>
+          </a:p>
+          <a:p>
+            <a:pPr marL="0" marR="0" lvl="0" indent="0" algn="l" defTabSz="914367" rtl="0" eaLnBrk="1" fontAlgn="auto" latinLnBrk="0" hangingPunct="1">
+              <a:lnSpc>
+                <a:spcPct val="90000"/>
+              </a:lnSpc>
+              <a:spcBef>
+                <a:spcPts val="0"/>
+              </a:spcBef>
+              <a:spcAft>
+                <a:spcPts val="333"/>
+              </a:spcAft>
+              <a:buClrTx/>
+              <a:buSzTx/>
+              <a:buFontTx/>
+              <a:buNone/>
+              <a:tabLst/>
+              <a:defRPr/>
+            </a:pPr>
+            <a:r>
+              <a:rPr lang="en-IE" b="1" i="0" dirty="0">
+                <a:solidFill>
+                  <a:srgbClr val="171717"/>
+                </a:solidFill>
+                <a:effectLst/>
+                <a:latin typeface="Segoe UI" panose="020B0502040204020203" pitchFamily="34" charset="0"/>
+              </a:rPr>
+              <a:t>Billing accounts and scopes in the Azure portal</a:t>
+            </a:r>
+          </a:p>
+          <a:p>
+            <a:r>
+              <a:rPr lang="en-IE" dirty="0"/>
+              <a:t>https://learn.microsoft.com/en-us/azure/cost-management-billing/manage/view-all-accounts</a:t>
+            </a:r>
+          </a:p>
+          <a:p>
+            <a:endParaRPr lang="en-IE" dirty="0"/>
+          </a:p>
+          <a:p>
+            <a:pPr marL="0" marR="0" lvl="0" indent="0" algn="l" defTabSz="914367" rtl="0" eaLnBrk="1" fontAlgn="auto" latinLnBrk="0" hangingPunct="1">
+              <a:lnSpc>
+                <a:spcPct val="90000"/>
+              </a:lnSpc>
+              <a:spcBef>
+                <a:spcPts val="0"/>
+              </a:spcBef>
+              <a:spcAft>
+                <a:spcPts val="333"/>
+              </a:spcAft>
+              <a:buClrTx/>
+              <a:buSzTx/>
+              <a:buFontTx/>
+              <a:buNone/>
+              <a:tabLst/>
+              <a:defRPr/>
+            </a:pPr>
+            <a:r>
+              <a:rPr lang="en-IE" b="1" i="0" dirty="0">
+                <a:solidFill>
+                  <a:srgbClr val="171717"/>
+                </a:solidFill>
+                <a:effectLst/>
+                <a:latin typeface="Segoe UI" panose="020B0502040204020203" pitchFamily="34" charset="0"/>
+              </a:rPr>
+              <a:t>View your usage summary details and download reports for direct EA </a:t>
+            </a:r>
+            <a:r>
+              <a:rPr lang="en-IE" b="1" i="0" dirty="0" err="1">
+                <a:solidFill>
+                  <a:srgbClr val="171717"/>
+                </a:solidFill>
+                <a:effectLst/>
+                <a:latin typeface="Segoe UI" panose="020B0502040204020203" pitchFamily="34" charset="0"/>
+              </a:rPr>
+              <a:t>enrollments</a:t>
+            </a:r>
+            <a:endParaRPr lang="en-IE" b="1" i="0" dirty="0">
+              <a:solidFill>
+                <a:srgbClr val="171717"/>
+              </a:solidFill>
+              <a:effectLst/>
+              <a:latin typeface="Segoe UI" panose="020B0502040204020203" pitchFamily="34" charset="0"/>
+            </a:endParaRPr>
+          </a:p>
+          <a:p>
+            <a:r>
+              <a:rPr lang="en-IE" dirty="0"/>
+              <a:t>https://learn.microsoft.com/en-us/azure/cost-management-billing/manage/direct-ea-azure-usage-charges-invoices</a:t>
+            </a:r>
           </a:p>
           <a:p>
             <a:endParaRPr lang="en-IE" dirty="0"/>
@@ -4757,7 +5109,7 @@
           <a:p>
             <a:fld id="{386CE63F-9E7F-4C04-9D0D-FCA25A8E9E86}" type="datetime8">
               <a:rPr lang="en-US" smtClean="0"/>
-              <a:t>11/23/2022 12:01 PM</a:t>
+              <a:t>11/26/2022 12:22 PM</a:t>
             </a:fld>
             <a:endParaRPr lang="en-US" dirty="0"/>
           </a:p>
@@ -4790,7 +5142,737 @@
     </p:spTree>
     <p:extLst>
       <p:ext uri="{BB962C8B-B14F-4D97-AF65-F5344CB8AC3E}">
-        <p14:creationId xmlns:p14="http://schemas.microsoft.com/office/powerpoint/2010/main" val="2524348600"/>
+        <p14:creationId xmlns:p14="http://schemas.microsoft.com/office/powerpoint/2010/main" val="4236957206"/>
+      </p:ext>
+    </p:extLst>
+  </p:cSld>
+  <p:clrMapOvr>
+    <a:masterClrMapping/>
+  </p:clrMapOvr>
+</p:notes>
+</file>
+
+<file path=ppt/notesSlides/notesSlide30.xml><?xml version="1.0" encoding="utf-8"?>
+<p:notes xmlns:a="http://schemas.openxmlformats.org/drawingml/2006/main" xmlns:r="http://schemas.openxmlformats.org/officeDocument/2006/relationships" xmlns:p="http://schemas.openxmlformats.org/presentationml/2006/main">
+  <p:cSld>
+    <p:spTree>
+      <p:nvGrpSpPr>
+        <p:cNvPr id="1" name=""/>
+        <p:cNvGrpSpPr/>
+        <p:nvPr/>
+      </p:nvGrpSpPr>
+      <p:grpSpPr>
+        <a:xfrm>
+          <a:off x="0" y="0"/>
+          <a:ext cx="0" cy="0"/>
+          <a:chOff x="0" y="0"/>
+          <a:chExt cx="0" cy="0"/>
+        </a:xfrm>
+      </p:grpSpPr>
+      <p:sp>
+        <p:nvSpPr>
+          <p:cNvPr id="2" name="Slide Image Placeholder 1"/>
+          <p:cNvSpPr>
+            <a:spLocks noGrp="1" noRot="1" noChangeAspect="1"/>
+          </p:cNvSpPr>
+          <p:nvPr>
+            <p:ph type="sldImg"/>
+          </p:nvPr>
+        </p:nvSpPr>
+        <p:spPr/>
+      </p:sp>
+      <p:sp>
+        <p:nvSpPr>
+          <p:cNvPr id="3" name="Notes Placeholder 2"/>
+          <p:cNvSpPr>
+            <a:spLocks noGrp="1"/>
+          </p:cNvSpPr>
+          <p:nvPr>
+            <p:ph type="body" idx="1"/>
+          </p:nvPr>
+        </p:nvSpPr>
+        <p:spPr/>
+        <p:txBody>
+          <a:bodyPr/>
+          <a:lstStyle/>
+          <a:p>
+            <a:endParaRPr lang="en-US" dirty="0"/>
+          </a:p>
+        </p:txBody>
+      </p:sp>
+      <p:sp>
+        <p:nvSpPr>
+          <p:cNvPr id="4" name="Header Placeholder 3"/>
+          <p:cNvSpPr>
+            <a:spLocks noGrp="1"/>
+          </p:cNvSpPr>
+          <p:nvPr>
+            <p:ph type="hdr" sz="quarter" idx="10"/>
+          </p:nvPr>
+        </p:nvSpPr>
+        <p:spPr/>
+        <p:txBody>
+          <a:bodyPr/>
+          <a:lstStyle/>
+          <a:p>
+            <a:endParaRPr lang="en-US" dirty="0"/>
+          </a:p>
+        </p:txBody>
+      </p:sp>
+      <p:sp>
+        <p:nvSpPr>
+          <p:cNvPr id="5" name="Footer Placeholder 4"/>
+          <p:cNvSpPr>
+            <a:spLocks noGrp="1"/>
+          </p:cNvSpPr>
+          <p:nvPr>
+            <p:ph type="ftr" sz="quarter" idx="11"/>
+          </p:nvPr>
+        </p:nvSpPr>
+        <p:spPr/>
+        <p:txBody>
+          <a:bodyPr/>
+          <a:lstStyle/>
+          <a:p>
+            <a:pPr defTabSz="914099" eaLnBrk="0" hangingPunct="0"/>
+            <a:r>
+              <a:rPr lang="en-US" sz="400" dirty="0">
+                <a:gradFill>
+                  <a:gsLst>
+                    <a:gs pos="0">
+                      <a:prstClr val="black"/>
+                    </a:gs>
+                    <a:gs pos="100000">
+                      <a:prstClr val="black"/>
+                    </a:gs>
+                  </a:gsLst>
+                  <a:lin ang="5400000" scaled="0"/>
+                </a:gradFill>
+                <a:latin typeface="Segoe UI" pitchFamily="34" charset="0"/>
+                <a:ea typeface="Segoe UI" pitchFamily="34" charset="0"/>
+                <a:cs typeface="Segoe UI" pitchFamily="34" charset="0"/>
+              </a:rPr>
+              <a:t>© Microsoft Corporation. All rights reserved. MICROSOFT MAKES NO WARRANTIES, EXPRESS, IMPLIED OR STATUTORY, AS TO THE INFORMATION IN THIS PRESENTATION.</a:t>
+            </a:r>
+          </a:p>
+        </p:txBody>
+      </p:sp>
+      <p:sp>
+        <p:nvSpPr>
+          <p:cNvPr id="6" name="Date Placeholder 5"/>
+          <p:cNvSpPr>
+            <a:spLocks noGrp="1"/>
+          </p:cNvSpPr>
+          <p:nvPr>
+            <p:ph type="dt" idx="12"/>
+          </p:nvPr>
+        </p:nvSpPr>
+        <p:spPr/>
+        <p:txBody>
+          <a:bodyPr/>
+          <a:lstStyle/>
+          <a:p>
+            <a:fld id="{E2F19A73-88F5-4B80-A929-CF8E66EE5449}" type="datetime8">
+              <a:rPr lang="en-US" smtClean="0"/>
+              <a:t>11/26/2022 12:09 PM</a:t>
+            </a:fld>
+            <a:endParaRPr lang="en-US" dirty="0"/>
+          </a:p>
+        </p:txBody>
+      </p:sp>
+      <p:sp>
+        <p:nvSpPr>
+          <p:cNvPr id="7" name="Slide Number Placeholder 6"/>
+          <p:cNvSpPr>
+            <a:spLocks noGrp="1"/>
+          </p:cNvSpPr>
+          <p:nvPr>
+            <p:ph type="sldNum" sz="quarter" idx="13"/>
+          </p:nvPr>
+        </p:nvSpPr>
+        <p:spPr/>
+        <p:txBody>
+          <a:bodyPr/>
+          <a:lstStyle/>
+          <a:p>
+            <a:fld id="{B4008EB6-D09E-4580-8CD6-DDB14511944F}" type="slidenum">
+              <a:rPr lang="en-US" smtClean="0"/>
+              <a:pPr/>
+              <a:t>41</a:t>
+            </a:fld>
+            <a:endParaRPr lang="en-US" dirty="0"/>
+          </a:p>
+        </p:txBody>
+      </p:sp>
+    </p:spTree>
+    <p:extLst>
+      <p:ext uri="{BB962C8B-B14F-4D97-AF65-F5344CB8AC3E}">
+        <p14:creationId xmlns:p14="http://schemas.microsoft.com/office/powerpoint/2010/main" val="2548236910"/>
+      </p:ext>
+    </p:extLst>
+  </p:cSld>
+  <p:clrMapOvr>
+    <a:masterClrMapping/>
+  </p:clrMapOvr>
+</p:notes>
+</file>
+
+<file path=ppt/notesSlides/notesSlide31.xml><?xml version="1.0" encoding="utf-8"?>
+<p:notes xmlns:a="http://schemas.openxmlformats.org/drawingml/2006/main" xmlns:r="http://schemas.openxmlformats.org/officeDocument/2006/relationships" xmlns:p="http://schemas.openxmlformats.org/presentationml/2006/main">
+  <p:cSld>
+    <p:spTree>
+      <p:nvGrpSpPr>
+        <p:cNvPr id="1" name=""/>
+        <p:cNvGrpSpPr/>
+        <p:nvPr/>
+      </p:nvGrpSpPr>
+      <p:grpSpPr>
+        <a:xfrm>
+          <a:off x="0" y="0"/>
+          <a:ext cx="0" cy="0"/>
+          <a:chOff x="0" y="0"/>
+          <a:chExt cx="0" cy="0"/>
+        </a:xfrm>
+      </p:grpSpPr>
+      <p:sp>
+        <p:nvSpPr>
+          <p:cNvPr id="2" name="Slide Image Placeholder 1"/>
+          <p:cNvSpPr>
+            <a:spLocks noGrp="1" noRot="1" noChangeAspect="1"/>
+          </p:cNvSpPr>
+          <p:nvPr>
+            <p:ph type="sldImg"/>
+          </p:nvPr>
+        </p:nvSpPr>
+        <p:spPr/>
+      </p:sp>
+      <p:sp>
+        <p:nvSpPr>
+          <p:cNvPr id="3" name="Notes Placeholder 2"/>
+          <p:cNvSpPr>
+            <a:spLocks noGrp="1"/>
+          </p:cNvSpPr>
+          <p:nvPr>
+            <p:ph type="body" idx="1"/>
+          </p:nvPr>
+        </p:nvSpPr>
+        <p:spPr/>
+        <p:txBody>
+          <a:bodyPr/>
+          <a:lstStyle/>
+          <a:p>
+            <a:endParaRPr lang="en-US" dirty="0"/>
+          </a:p>
+        </p:txBody>
+      </p:sp>
+      <p:sp>
+        <p:nvSpPr>
+          <p:cNvPr id="6" name="Slide Number Placeholder 5"/>
+          <p:cNvSpPr>
+            <a:spLocks noGrp="1"/>
+          </p:cNvSpPr>
+          <p:nvPr>
+            <p:ph type="sldNum" sz="quarter" idx="12"/>
+          </p:nvPr>
+        </p:nvSpPr>
+        <p:spPr/>
+        <p:txBody>
+          <a:bodyPr/>
+          <a:lstStyle/>
+          <a:p>
+            <a:fld id="{B4008EB6-D09E-4580-8CD6-DDB14511944F}" type="slidenum">
+              <a:rPr lang="en-US" smtClean="0"/>
+              <a:pPr/>
+              <a:t>42</a:t>
+            </a:fld>
+            <a:endParaRPr lang="en-US" dirty="0"/>
+          </a:p>
+        </p:txBody>
+      </p:sp>
+      <p:sp>
+        <p:nvSpPr>
+          <p:cNvPr id="10" name="Date Placeholder 9"/>
+          <p:cNvSpPr>
+            <a:spLocks noGrp="1"/>
+          </p:cNvSpPr>
+          <p:nvPr>
+            <p:ph type="dt" idx="13"/>
+          </p:nvPr>
+        </p:nvSpPr>
+        <p:spPr/>
+        <p:txBody>
+          <a:bodyPr/>
+          <a:lstStyle/>
+          <a:p>
+            <a:fld id="{D44C3489-8257-4E60-994D-6A5CEE67ED71}" type="datetime8">
+              <a:rPr lang="en-US" smtClean="0"/>
+              <a:t>11/26/2022 12:09 PM</a:t>
+            </a:fld>
+            <a:endParaRPr lang="en-US" dirty="0"/>
+          </a:p>
+        </p:txBody>
+      </p:sp>
+      <p:sp>
+        <p:nvSpPr>
+          <p:cNvPr id="4" name="Footer Placeholder 3"/>
+          <p:cNvSpPr>
+            <a:spLocks noGrp="1"/>
+          </p:cNvSpPr>
+          <p:nvPr>
+            <p:ph type="ftr" sz="quarter" idx="14"/>
+          </p:nvPr>
+        </p:nvSpPr>
+        <p:spPr/>
+        <p:txBody>
+          <a:bodyPr/>
+          <a:lstStyle/>
+          <a:p>
+            <a:pPr defTabSz="914099" eaLnBrk="0" hangingPunct="0"/>
+            <a:r>
+              <a:rPr lang="en-US" sz="400" dirty="0">
+                <a:gradFill>
+                  <a:gsLst>
+                    <a:gs pos="0">
+                      <a:prstClr val="black"/>
+                    </a:gs>
+                    <a:gs pos="100000">
+                      <a:prstClr val="black"/>
+                    </a:gs>
+                  </a:gsLst>
+                  <a:lin ang="5400000" scaled="0"/>
+                </a:gradFill>
+                <a:latin typeface="Segoe UI" pitchFamily="34" charset="0"/>
+                <a:ea typeface="Segoe UI" pitchFamily="34" charset="0"/>
+                <a:cs typeface="Segoe UI" pitchFamily="34" charset="0"/>
+              </a:rPr>
+              <a:t>© Microsoft Corporation. All rights reserved. MICROSOFT MAKES NO WARRANTIES, EXPRESS, IMPLIED OR STATUTORY, AS TO THE INFORMATION IN THIS PRESENTATION.</a:t>
+            </a:r>
+          </a:p>
+        </p:txBody>
+      </p:sp>
+      <p:sp>
+        <p:nvSpPr>
+          <p:cNvPr id="5" name="Header Placeholder 4"/>
+          <p:cNvSpPr>
+            <a:spLocks noGrp="1"/>
+          </p:cNvSpPr>
+          <p:nvPr>
+            <p:ph type="hdr" sz="quarter" idx="15"/>
+          </p:nvPr>
+        </p:nvSpPr>
+        <p:spPr/>
+        <p:txBody>
+          <a:bodyPr/>
+          <a:lstStyle/>
+          <a:p>
+            <a:endParaRPr lang="en-US" dirty="0"/>
+          </a:p>
+        </p:txBody>
+      </p:sp>
+    </p:spTree>
+    <p:extLst>
+      <p:ext uri="{BB962C8B-B14F-4D97-AF65-F5344CB8AC3E}">
+        <p14:creationId xmlns:p14="http://schemas.microsoft.com/office/powerpoint/2010/main" val="3104623784"/>
+      </p:ext>
+    </p:extLst>
+  </p:cSld>
+  <p:clrMapOvr>
+    <a:masterClrMapping/>
+  </p:clrMapOvr>
+</p:notes>
+</file>
+
+<file path=ppt/notesSlides/notesSlide32.xml><?xml version="1.0" encoding="utf-8"?>
+<p:notes xmlns:a="http://schemas.openxmlformats.org/drawingml/2006/main" xmlns:r="http://schemas.openxmlformats.org/officeDocument/2006/relationships" xmlns:p="http://schemas.openxmlformats.org/presentationml/2006/main">
+  <p:cSld>
+    <p:spTree>
+      <p:nvGrpSpPr>
+        <p:cNvPr id="1" name=""/>
+        <p:cNvGrpSpPr/>
+        <p:nvPr/>
+      </p:nvGrpSpPr>
+      <p:grpSpPr>
+        <a:xfrm>
+          <a:off x="0" y="0"/>
+          <a:ext cx="0" cy="0"/>
+          <a:chOff x="0" y="0"/>
+          <a:chExt cx="0" cy="0"/>
+        </a:xfrm>
+      </p:grpSpPr>
+      <p:sp>
+        <p:nvSpPr>
+          <p:cNvPr id="2" name="Slide Image Placeholder 1"/>
+          <p:cNvSpPr>
+            <a:spLocks noGrp="1" noRot="1" noChangeAspect="1"/>
+          </p:cNvSpPr>
+          <p:nvPr>
+            <p:ph type="sldImg"/>
+          </p:nvPr>
+        </p:nvSpPr>
+        <p:spPr>
+          <a:xfrm>
+            <a:off x="381000" y="685800"/>
+            <a:ext cx="6096000" cy="3429000"/>
+          </a:xfrm>
+        </p:spPr>
+      </p:sp>
+      <p:sp>
+        <p:nvSpPr>
+          <p:cNvPr id="3" name="Notes Placeholder 2"/>
+          <p:cNvSpPr>
+            <a:spLocks noGrp="1"/>
+          </p:cNvSpPr>
+          <p:nvPr>
+            <p:ph type="body" idx="1"/>
+          </p:nvPr>
+        </p:nvSpPr>
+        <p:spPr/>
+        <p:txBody>
+          <a:bodyPr>
+            <a:normAutofit/>
+          </a:bodyPr>
+          <a:lstStyle/>
+          <a:p>
+            <a:endParaRPr lang="en-US" dirty="0"/>
+          </a:p>
+        </p:txBody>
+      </p:sp>
+      <p:sp>
+        <p:nvSpPr>
+          <p:cNvPr id="4" name="Header Placeholder 3"/>
+          <p:cNvSpPr>
+            <a:spLocks noGrp="1"/>
+          </p:cNvSpPr>
+          <p:nvPr>
+            <p:ph type="hdr" sz="quarter" idx="10"/>
+          </p:nvPr>
+        </p:nvSpPr>
+        <p:spPr>
+          <a:xfrm>
+            <a:off x="0" y="0"/>
+            <a:ext cx="2971800" cy="457200"/>
+          </a:xfrm>
+          <a:prstGeom prst="rect">
+            <a:avLst/>
+          </a:prstGeom>
+        </p:spPr>
+        <p:txBody>
+          <a:bodyPr/>
+          <a:lstStyle/>
+          <a:p>
+            <a:endParaRPr lang="en-US" dirty="0">
+              <a:solidFill>
+                <a:prstClr val="black"/>
+              </a:solidFill>
+            </a:endParaRPr>
+          </a:p>
+        </p:txBody>
+      </p:sp>
+      <p:sp>
+        <p:nvSpPr>
+          <p:cNvPr id="5" name="Date Placeholder 4"/>
+          <p:cNvSpPr>
+            <a:spLocks noGrp="1"/>
+          </p:cNvSpPr>
+          <p:nvPr>
+            <p:ph type="dt" idx="11"/>
+          </p:nvPr>
+        </p:nvSpPr>
+        <p:spPr/>
+        <p:txBody>
+          <a:bodyPr/>
+          <a:lstStyle/>
+          <a:p>
+            <a:fld id="{C0CB9372-CA2B-44D2-90ED-A4A158EB6F2D}" type="datetime8">
+              <a:rPr lang="en-US" smtClean="0">
+                <a:solidFill>
+                  <a:prstClr val="black"/>
+                </a:solidFill>
+              </a:rPr>
+              <a:t>11/26/2022 12:09 PM</a:t>
+            </a:fld>
+            <a:endParaRPr lang="en-US" dirty="0">
+              <a:solidFill>
+                <a:prstClr val="black"/>
+              </a:solidFill>
+            </a:endParaRPr>
+          </a:p>
+        </p:txBody>
+      </p:sp>
+      <p:sp>
+        <p:nvSpPr>
+          <p:cNvPr id="7" name="Slide Number Placeholder 6"/>
+          <p:cNvSpPr>
+            <a:spLocks noGrp="1"/>
+          </p:cNvSpPr>
+          <p:nvPr>
+            <p:ph type="sldNum" sz="quarter" idx="13"/>
+          </p:nvPr>
+        </p:nvSpPr>
+        <p:spPr/>
+        <p:txBody>
+          <a:bodyPr/>
+          <a:lstStyle/>
+          <a:p>
+            <a:fld id="{EC87E0CF-87F6-4B58-B8B8-DCAB2DAAF3CA}" type="slidenum">
+              <a:rPr lang="en-US" smtClean="0">
+                <a:solidFill>
+                  <a:prstClr val="black"/>
+                </a:solidFill>
+              </a:rPr>
+              <a:pPr/>
+              <a:t>43</a:t>
+            </a:fld>
+            <a:endParaRPr lang="en-US" dirty="0">
+              <a:solidFill>
+                <a:prstClr val="black"/>
+              </a:solidFill>
+            </a:endParaRPr>
+          </a:p>
+        </p:txBody>
+      </p:sp>
+      <p:sp>
+        <p:nvSpPr>
+          <p:cNvPr id="6" name="Footer Placeholder 5"/>
+          <p:cNvSpPr>
+            <a:spLocks noGrp="1"/>
+          </p:cNvSpPr>
+          <p:nvPr>
+            <p:ph type="ftr" sz="quarter" idx="14"/>
+          </p:nvPr>
+        </p:nvSpPr>
+        <p:spPr/>
+        <p:txBody>
+          <a:bodyPr/>
+          <a:lstStyle/>
+          <a:p>
+            <a:pPr defTabSz="914099" eaLnBrk="0" hangingPunct="0"/>
+            <a:r>
+              <a:rPr lang="en-US" sz="400" dirty="0">
+                <a:gradFill>
+                  <a:gsLst>
+                    <a:gs pos="0">
+                      <a:prstClr val="black"/>
+                    </a:gs>
+                    <a:gs pos="100000">
+                      <a:prstClr val="black"/>
+                    </a:gs>
+                  </a:gsLst>
+                  <a:lin ang="5400000" scaled="0"/>
+                </a:gradFill>
+                <a:latin typeface="Segoe UI" pitchFamily="34" charset="0"/>
+                <a:ea typeface="Segoe UI" pitchFamily="34" charset="0"/>
+                <a:cs typeface="Segoe UI" pitchFamily="34" charset="0"/>
+              </a:rPr>
+              <a:t>© Microsoft Corporation. All rights reserved. MICROSOFT MAKES NO WARRANTIES, EXPRESS, IMPLIED OR STATUTORY, AS TO THE INFORMATION IN THIS PRESENTATION.</a:t>
+            </a:r>
+          </a:p>
+        </p:txBody>
+      </p:sp>
+    </p:spTree>
+    <p:extLst>
+      <p:ext uri="{BB962C8B-B14F-4D97-AF65-F5344CB8AC3E}">
+        <p14:creationId xmlns:p14="http://schemas.microsoft.com/office/powerpoint/2010/main" val="247942525"/>
+      </p:ext>
+    </p:extLst>
+  </p:cSld>
+  <p:clrMapOvr>
+    <a:masterClrMapping/>
+  </p:clrMapOvr>
+</p:notes>
+</file>
+
+<file path=ppt/notesSlides/notesSlide33.xml><?xml version="1.0" encoding="utf-8"?>
+<p:notes xmlns:a="http://schemas.openxmlformats.org/drawingml/2006/main" xmlns:r="http://schemas.openxmlformats.org/officeDocument/2006/relationships" xmlns:p="http://schemas.openxmlformats.org/presentationml/2006/main">
+  <p:cSld>
+    <p:spTree>
+      <p:nvGrpSpPr>
+        <p:cNvPr id="1" name=""/>
+        <p:cNvGrpSpPr/>
+        <p:nvPr/>
+      </p:nvGrpSpPr>
+      <p:grpSpPr>
+        <a:xfrm>
+          <a:off x="0" y="0"/>
+          <a:ext cx="0" cy="0"/>
+          <a:chOff x="0" y="0"/>
+          <a:chExt cx="0" cy="0"/>
+        </a:xfrm>
+      </p:grpSpPr>
+      <p:sp>
+        <p:nvSpPr>
+          <p:cNvPr id="2" name="Slide Image Placeholder 1"/>
+          <p:cNvSpPr>
+            <a:spLocks noGrp="1" noRot="1" noChangeAspect="1"/>
+          </p:cNvSpPr>
+          <p:nvPr>
+            <p:ph type="sldImg"/>
+          </p:nvPr>
+        </p:nvSpPr>
+        <p:spPr>
+          <a:xfrm>
+            <a:off x="381000" y="685800"/>
+            <a:ext cx="6096000" cy="3429000"/>
+          </a:xfrm>
+        </p:spPr>
+      </p:sp>
+      <p:sp>
+        <p:nvSpPr>
+          <p:cNvPr id="3" name="Notes Placeholder 2"/>
+          <p:cNvSpPr>
+            <a:spLocks noGrp="1"/>
+          </p:cNvSpPr>
+          <p:nvPr>
+            <p:ph type="body" idx="1"/>
+          </p:nvPr>
+        </p:nvSpPr>
+        <p:spPr/>
+        <p:txBody>
+          <a:bodyPr>
+            <a:normAutofit/>
+          </a:bodyPr>
+          <a:lstStyle/>
+          <a:p>
+            <a:endParaRPr lang="en-US" dirty="0"/>
+          </a:p>
+        </p:txBody>
+      </p:sp>
+      <p:sp>
+        <p:nvSpPr>
+          <p:cNvPr id="4" name="Header Placeholder 3"/>
+          <p:cNvSpPr>
+            <a:spLocks noGrp="1"/>
+          </p:cNvSpPr>
+          <p:nvPr>
+            <p:ph type="hdr" sz="quarter" idx="10"/>
+          </p:nvPr>
+        </p:nvSpPr>
+        <p:spPr>
+          <a:xfrm>
+            <a:off x="0" y="0"/>
+            <a:ext cx="2971800" cy="457200"/>
+          </a:xfrm>
+          <a:prstGeom prst="rect">
+            <a:avLst/>
+          </a:prstGeom>
+        </p:spPr>
+        <p:txBody>
+          <a:bodyPr/>
+          <a:lstStyle/>
+          <a:p>
+            <a:endParaRPr lang="en-US" dirty="0">
+              <a:solidFill>
+                <a:prstClr val="black"/>
+              </a:solidFill>
+            </a:endParaRPr>
+          </a:p>
+        </p:txBody>
+      </p:sp>
+      <p:sp>
+        <p:nvSpPr>
+          <p:cNvPr id="5" name="Date Placeholder 4"/>
+          <p:cNvSpPr>
+            <a:spLocks noGrp="1"/>
+          </p:cNvSpPr>
+          <p:nvPr>
+            <p:ph type="dt" idx="11"/>
+          </p:nvPr>
+        </p:nvSpPr>
+        <p:spPr/>
+        <p:txBody>
+          <a:bodyPr/>
+          <a:lstStyle/>
+          <a:p>
+            <a:fld id="{0ECFDC7D-F4BE-4668-920D-08874925A5D7}" type="datetime8">
+              <a:rPr lang="en-US" smtClean="0">
+                <a:solidFill>
+                  <a:prstClr val="black"/>
+                </a:solidFill>
+              </a:rPr>
+              <a:t>11/26/2022 12:09 PM</a:t>
+            </a:fld>
+            <a:endParaRPr lang="en-US" dirty="0">
+              <a:solidFill>
+                <a:prstClr val="black"/>
+              </a:solidFill>
+            </a:endParaRPr>
+          </a:p>
+        </p:txBody>
+      </p:sp>
+      <p:sp>
+        <p:nvSpPr>
+          <p:cNvPr id="7" name="Slide Number Placeholder 6"/>
+          <p:cNvSpPr>
+            <a:spLocks noGrp="1"/>
+          </p:cNvSpPr>
+          <p:nvPr>
+            <p:ph type="sldNum" sz="quarter" idx="13"/>
+          </p:nvPr>
+        </p:nvSpPr>
+        <p:spPr/>
+        <p:txBody>
+          <a:bodyPr/>
+          <a:lstStyle/>
+          <a:p>
+            <a:fld id="{EC87E0CF-87F6-4B58-B8B8-DCAB2DAAF3CA}" type="slidenum">
+              <a:rPr lang="en-US" smtClean="0">
+                <a:solidFill>
+                  <a:prstClr val="black"/>
+                </a:solidFill>
+              </a:rPr>
+              <a:pPr/>
+              <a:t>44</a:t>
+            </a:fld>
+            <a:endParaRPr lang="en-US" dirty="0">
+              <a:solidFill>
+                <a:prstClr val="black"/>
+              </a:solidFill>
+            </a:endParaRPr>
+          </a:p>
+        </p:txBody>
+      </p:sp>
+      <p:sp>
+        <p:nvSpPr>
+          <p:cNvPr id="6" name="Footer Placeholder 5"/>
+          <p:cNvSpPr>
+            <a:spLocks noGrp="1"/>
+          </p:cNvSpPr>
+          <p:nvPr>
+            <p:ph type="ftr" sz="quarter" idx="14"/>
+          </p:nvPr>
+        </p:nvSpPr>
+        <p:spPr/>
+        <p:txBody>
+          <a:bodyPr/>
+          <a:lstStyle/>
+          <a:p>
+            <a:pPr defTabSz="914099" eaLnBrk="0" hangingPunct="0"/>
+            <a:r>
+              <a:rPr lang="en-US" sz="400" dirty="0">
+                <a:gradFill>
+                  <a:gsLst>
+                    <a:gs pos="0">
+                      <a:prstClr val="black"/>
+                    </a:gs>
+                    <a:gs pos="100000">
+                      <a:prstClr val="black"/>
+                    </a:gs>
+                  </a:gsLst>
+                  <a:lin ang="5400000" scaled="0"/>
+                </a:gradFill>
+                <a:latin typeface="Segoe UI" pitchFamily="34" charset="0"/>
+                <a:ea typeface="Segoe UI" pitchFamily="34" charset="0"/>
+                <a:cs typeface="Segoe UI" pitchFamily="34" charset="0"/>
+              </a:rPr>
+              <a:t>© Microsoft Corporation. All rights reserved. MICROSOFT MAKES NO WARRANTIES, EXPRESS, IMPLIED OR STATUTORY, AS TO THE INFORMATION IN THIS PRESENTATION.</a:t>
+            </a:r>
+          </a:p>
+        </p:txBody>
+      </p:sp>
+    </p:spTree>
+    <p:extLst>
+      <p:ext uri="{BB962C8B-B14F-4D97-AF65-F5344CB8AC3E}">
+        <p14:creationId xmlns:p14="http://schemas.microsoft.com/office/powerpoint/2010/main" val="2185510719"/>
       </p:ext>
     </p:extLst>
   </p:cSld>
@@ -4849,14 +5931,36 @@
           <a:p>
             <a:r>
               <a:rPr lang="en-IE" b="1" dirty="0"/>
-              <a:t>Create visuals and reports with the Azure Cost Management connector in Power BI Desktop</a:t>
+              <a:t>Visual Studio</a:t>
             </a:r>
           </a:p>
           <a:p>
             <a:r>
               <a:rPr lang="en-IE" dirty="0"/>
-              <a:t>https://learn.microsoft.com/en-us/power-bi/connect-data/desktop-connect-azure-cost-management</a:t>
-            </a:r>
+              <a:t>Simply login as your Microsoft.com email and choose “Visual Studio Enterprise (FTE)” benefit</a:t>
+            </a:r>
+          </a:p>
+          <a:p>
+            <a:endParaRPr lang="en-IE" dirty="0"/>
+          </a:p>
+          <a:p>
+            <a:r>
+              <a:rPr lang="en-IE" b="1" dirty="0" err="1"/>
+              <a:t>Fdpo</a:t>
+            </a:r>
+            <a:r>
+              <a:rPr lang="en-IE" b="1" dirty="0"/>
+              <a:t> wiki page: </a:t>
+            </a:r>
+          </a:p>
+          <a:p>
+            <a:r>
+              <a:rPr lang="en-IE" dirty="0"/>
+              <a:t>https://dev.azure.com/servicesdocs/DevOps/_wiki/wikis/AzureInWCB%20wiki/32155/Managed-Azure-Tenant-Environment</a:t>
+            </a:r>
+          </a:p>
+          <a:p>
+            <a:endParaRPr lang="en-IE" dirty="0"/>
           </a:p>
           <a:p>
             <a:endParaRPr lang="en-IE" dirty="0"/>
@@ -4953,7 +6057,7 @@
           <a:p>
             <a:fld id="{386CE63F-9E7F-4C04-9D0D-FCA25A8E9E86}" type="datetime8">
               <a:rPr lang="en-US" smtClean="0"/>
-              <a:t>11/23/2022 12:07 PM</a:t>
+              <a:t>11/26/2022 12:53 PM</a:t>
             </a:fld>
             <a:endParaRPr lang="en-US" dirty="0"/>
           </a:p>
@@ -4986,7 +6090,7 @@
     </p:spTree>
     <p:extLst>
       <p:ext uri="{BB962C8B-B14F-4D97-AF65-F5344CB8AC3E}">
-        <p14:creationId xmlns:p14="http://schemas.microsoft.com/office/powerpoint/2010/main" val="3161772492"/>
+        <p14:creationId xmlns:p14="http://schemas.microsoft.com/office/powerpoint/2010/main" val="1726957563"/>
       </p:ext>
     </p:extLst>
   </p:cSld>
@@ -5134,7 +6238,7 @@
           <a:p>
             <a:fld id="{386CE63F-9E7F-4C04-9D0D-FCA25A8E9E86}" type="datetime8">
               <a:rPr lang="en-US" smtClean="0"/>
-              <a:t>11/23/2022 1:15 PM</a:t>
+              <a:t>11/26/2022 12:09 PM</a:t>
             </a:fld>
             <a:endParaRPr lang="en-US" dirty="0"/>
           </a:p>
@@ -5342,7 +6446,7 @@
           <a:p>
             <a:fld id="{386CE63F-9E7F-4C04-9D0D-FCA25A8E9E86}" type="datetime8">
               <a:rPr lang="en-US" smtClean="0"/>
-              <a:t>11/23/2022 1:44 PM</a:t>
+              <a:t>11/26/2022 12:09 PM</a:t>
             </a:fld>
             <a:endParaRPr lang="en-US" dirty="0"/>
           </a:p>
@@ -5431,83 +6535,6 @@
           <a:p>
             <a:endParaRPr lang="en-IE" dirty="0"/>
           </a:p>
-          <a:p>
-            <a:r>
-              <a:rPr lang="en-IE" dirty="0"/>
-              <a:t>Full guide on how to call the </a:t>
-            </a:r>
-            <a:r>
-              <a:rPr lang="en-IE" dirty="0" err="1"/>
-              <a:t>api</a:t>
-            </a:r>
-            <a:r>
-              <a:rPr lang="en-IE" dirty="0"/>
-              <a:t>: create Service Principal, assign billing scope, use </a:t>
-            </a:r>
-            <a:r>
-              <a:rPr lang="en-IE"/>
-              <a:t>the access token </a:t>
-            </a:r>
-          </a:p>
-          <a:p>
-            <a:endParaRPr lang="en-IE" dirty="0"/>
-          </a:p>
-          <a:p>
-            <a:pPr marL="0" marR="0" lvl="0" indent="0" algn="l" defTabSz="914367" rtl="0" eaLnBrk="1" fontAlgn="auto" latinLnBrk="0" hangingPunct="1">
-              <a:lnSpc>
-                <a:spcPct val="90000"/>
-              </a:lnSpc>
-              <a:spcBef>
-                <a:spcPts val="0"/>
-              </a:spcBef>
-              <a:spcAft>
-                <a:spcPts val="333"/>
-              </a:spcAft>
-              <a:buClrTx/>
-              <a:buSzTx/>
-              <a:buFontTx/>
-              <a:buNone/>
-              <a:tabLst/>
-              <a:defRPr/>
-            </a:pPr>
-            <a:r>
-              <a:rPr lang="en-IE" b="1" i="0" dirty="0">
-                <a:solidFill>
-                  <a:srgbClr val="292929"/>
-                </a:solidFill>
-                <a:effectLst/>
-                <a:latin typeface="sohne"/>
-              </a:rPr>
-              <a:t>Getting started with the Microsoft Azure Billing API’s</a:t>
-            </a:r>
-          </a:p>
-          <a:p>
-            <a:r>
-              <a:rPr lang="en-IE" dirty="0"/>
-              <a:t>https://medium.com/@sambowenhughes/getting-started-with-the-microsoft-azure-billing-apis-aa27af11c1d0</a:t>
-            </a:r>
-          </a:p>
-          <a:p>
-            <a:endParaRPr lang="en-IE" dirty="0"/>
-          </a:p>
-          <a:p>
-            <a:endParaRPr lang="en-IE" dirty="0"/>
-          </a:p>
-          <a:p>
-            <a:r>
-              <a:rPr lang="en-IE" b="1" dirty="0"/>
-              <a:t>Consumption - Usage Details - List</a:t>
-            </a:r>
-          </a:p>
-          <a:p>
-            <a:r>
-              <a:rPr lang="en-IE" dirty="0"/>
-              <a:t>https://learn.microsoft.com/en-us/rest/api/consumption/usage-details/list?tabs=HTTP</a:t>
-            </a:r>
-          </a:p>
-          <a:p>
-            <a:endParaRPr lang="en-IE" dirty="0"/>
-          </a:p>
         </p:txBody>
       </p:sp>
       <p:sp>
@@ -5600,7 +6627,7 @@
           <a:p>
             <a:fld id="{386CE63F-9E7F-4C04-9D0D-FCA25A8E9E86}" type="datetime8">
               <a:rPr lang="en-US" smtClean="0"/>
-              <a:t>11/23/2022 1:34 PM</a:t>
+              <a:t>11/26/2022 1:55 PM</a:t>
             </a:fld>
             <a:endParaRPr lang="en-US" dirty="0"/>
           </a:p>
@@ -5624,7 +6651,7 @@
             <a:fld id="{B4008EB6-D09E-4580-8CD6-DDB14511944F}" type="slidenum">
               <a:rPr lang="en-US" smtClean="0"/>
               <a:pPr/>
-              <a:t>9</a:t>
+              <a:t>8</a:t>
             </a:fld>
             <a:endParaRPr lang="en-US" dirty="0"/>
           </a:p>
@@ -5633,7 +6660,7 @@
     </p:spTree>
     <p:extLst>
       <p:ext uri="{BB962C8B-B14F-4D97-AF65-F5344CB8AC3E}">
-        <p14:creationId xmlns:p14="http://schemas.microsoft.com/office/powerpoint/2010/main" val="2338253723"/>
+        <p14:creationId xmlns:p14="http://schemas.microsoft.com/office/powerpoint/2010/main" val="3208697756"/>
       </p:ext>
     </p:extLst>
   </p:cSld>
@@ -5687,10 +6714,80 @@
           <a:bodyPr/>
           <a:lstStyle/>
           <a:p>
+            <a:endParaRPr lang="en-IE" dirty="0"/>
+          </a:p>
+          <a:p>
             <a:r>
               <a:rPr lang="en-IE" dirty="0"/>
-              <a:t>Important to log in as a subscription owner</a:t>
-            </a:r>
+              <a:t>Full guide on how to call the </a:t>
+            </a:r>
+            <a:r>
+              <a:rPr lang="en-IE" dirty="0" err="1"/>
+              <a:t>api</a:t>
+            </a:r>
+            <a:r>
+              <a:rPr lang="en-IE" dirty="0"/>
+              <a:t>: create Service Principal, assign billing scope, use the access token </a:t>
+            </a:r>
+          </a:p>
+          <a:p>
+            <a:endParaRPr lang="en-IE" dirty="0"/>
+          </a:p>
+          <a:p>
+            <a:pPr marL="0" marR="0" lvl="0" indent="0" algn="l" defTabSz="914367" rtl="0" eaLnBrk="1" fontAlgn="auto" latinLnBrk="0" hangingPunct="1">
+              <a:lnSpc>
+                <a:spcPct val="90000"/>
+              </a:lnSpc>
+              <a:spcBef>
+                <a:spcPts val="0"/>
+              </a:spcBef>
+              <a:spcAft>
+                <a:spcPts val="333"/>
+              </a:spcAft>
+              <a:buClrTx/>
+              <a:buSzTx/>
+              <a:buFontTx/>
+              <a:buNone/>
+              <a:tabLst/>
+              <a:defRPr/>
+            </a:pPr>
+            <a:r>
+              <a:rPr lang="en-IE" b="1" i="0" dirty="0">
+                <a:solidFill>
+                  <a:srgbClr val="292929"/>
+                </a:solidFill>
+                <a:effectLst/>
+                <a:latin typeface="sohne"/>
+              </a:rPr>
+              <a:t>Getting started with the Microsoft Azure Billing API’s</a:t>
+            </a:r>
+          </a:p>
+          <a:p>
+            <a:r>
+              <a:rPr lang="en-IE" dirty="0"/>
+              <a:t>https://medium.com/@sambowenhughes/getting-started-with-the-microsoft-azure-billing-apis-aa27af11c1d0</a:t>
+            </a:r>
+          </a:p>
+          <a:p>
+            <a:endParaRPr lang="en-IE" dirty="0"/>
+          </a:p>
+          <a:p>
+            <a:endParaRPr lang="en-IE" dirty="0"/>
+          </a:p>
+          <a:p>
+            <a:r>
+              <a:rPr lang="en-IE" b="1" dirty="0"/>
+              <a:t>Consumption - Usage Details - List</a:t>
+            </a:r>
+          </a:p>
+          <a:p>
+            <a:r>
+              <a:rPr lang="en-IE" dirty="0"/>
+              <a:t>https://learn.microsoft.com/en-us/rest/api/consumption/usage-details/list?tabs=HTTP</a:t>
+            </a:r>
+          </a:p>
+          <a:p>
+            <a:endParaRPr lang="en-IE" dirty="0"/>
           </a:p>
         </p:txBody>
       </p:sp>
@@ -5784,7 +6881,7 @@
           <a:p>
             <a:fld id="{386CE63F-9E7F-4C04-9D0D-FCA25A8E9E86}" type="datetime8">
               <a:rPr lang="en-US" smtClean="0"/>
-              <a:t>11/23/2022 2:24 PM</a:t>
+              <a:t>11/26/2022 12:09 PM</a:t>
             </a:fld>
             <a:endParaRPr lang="en-US" dirty="0"/>
           </a:p>
@@ -5808,7 +6905,7 @@
             <a:fld id="{B4008EB6-D09E-4580-8CD6-DDB14511944F}" type="slidenum">
               <a:rPr lang="en-US" smtClean="0"/>
               <a:pPr/>
-              <a:t>10</a:t>
+              <a:t>9</a:t>
             </a:fld>
             <a:endParaRPr lang="en-US" dirty="0"/>
           </a:p>
@@ -5817,7 +6914,7 @@
     </p:spTree>
     <p:extLst>
       <p:ext uri="{BB962C8B-B14F-4D97-AF65-F5344CB8AC3E}">
-        <p14:creationId xmlns:p14="http://schemas.microsoft.com/office/powerpoint/2010/main" val="3594900961"/>
+        <p14:creationId xmlns:p14="http://schemas.microsoft.com/office/powerpoint/2010/main" val="2338253723"/>
       </p:ext>
     </p:extLst>
   </p:cSld>
@@ -5873,6 +6970,21 @@
           <a:p>
             <a:endParaRPr lang="en-IE" dirty="0"/>
           </a:p>
+          <a:p>
+            <a:r>
+              <a:rPr lang="en-IE" b="1" dirty="0"/>
+              <a:t>Create visuals and reports with the Azure Cost Management connector in Power BI Desktop</a:t>
+            </a:r>
+          </a:p>
+          <a:p>
+            <a:r>
+              <a:rPr lang="en-IE" dirty="0"/>
+              <a:t>https://learn.microsoft.com/en-us/power-bi/connect-data/desktop-connect-azure-cost-management</a:t>
+            </a:r>
+          </a:p>
+          <a:p>
+            <a:endParaRPr lang="en-IE" dirty="0"/>
+          </a:p>
         </p:txBody>
       </p:sp>
       <p:sp>
@@ -5965,7 +7077,7 @@
           <a:p>
             <a:fld id="{386CE63F-9E7F-4C04-9D0D-FCA25A8E9E86}" type="datetime8">
               <a:rPr lang="en-US" smtClean="0"/>
-              <a:t>11/23/2022 12:01 PM</a:t>
+              <a:t>11/26/2022 12:09 PM</a:t>
             </a:fld>
             <a:endParaRPr lang="en-US" dirty="0"/>
           </a:p>
@@ -5989,7 +7101,7 @@
             <a:fld id="{B4008EB6-D09E-4580-8CD6-DDB14511944F}" type="slidenum">
               <a:rPr lang="en-US" smtClean="0"/>
               <a:pPr/>
-              <a:t>16</a:t>
+              <a:t>10</a:t>
             </a:fld>
             <a:endParaRPr lang="en-US" dirty="0"/>
           </a:p>
@@ -5998,7 +7110,7 @@
     </p:spTree>
     <p:extLst>
       <p:ext uri="{BB962C8B-B14F-4D97-AF65-F5344CB8AC3E}">
-        <p14:creationId xmlns:p14="http://schemas.microsoft.com/office/powerpoint/2010/main" val="989421088"/>
+        <p14:creationId xmlns:p14="http://schemas.microsoft.com/office/powerpoint/2010/main" val="3161772492"/>
       </p:ext>
     </p:extLst>
   </p:cSld>
@@ -15710,6 +16822,169 @@
           <p:cNvPr id="2" name="Title 1">
             <a:extLst>
               <a:ext uri="{FF2B5EF4-FFF2-40B4-BE49-F238E27FC236}">
+                <a16:creationId xmlns:a16="http://schemas.microsoft.com/office/drawing/2014/main" id="{AAA8685E-D93A-D400-76EC-C7F38524829F}"/>
+              </a:ext>
+            </a:extLst>
+          </p:cNvPr>
+          <p:cNvSpPr>
+            <a:spLocks noGrp="1"/>
+          </p:cNvSpPr>
+          <p:nvPr>
+            <p:ph type="title"/>
+          </p:nvPr>
+        </p:nvSpPr>
+        <p:spPr>
+          <a:xfrm>
+            <a:off x="588263" y="457200"/>
+            <a:ext cx="11018520" cy="1107996"/>
+          </a:xfrm>
+        </p:spPr>
+        <p:txBody>
+          <a:bodyPr/>
+          <a:lstStyle/>
+          <a:p>
+            <a:r>
+              <a:rPr lang="en-IE" dirty="0"/>
+              <a:t>Power BI Cost Management</a:t>
+            </a:r>
+            <a:br>
+              <a:rPr lang="en-IE" dirty="0"/>
+            </a:br>
+            <a:r>
+              <a:rPr lang="en-IE" dirty="0"/>
+              <a:t>Connector </a:t>
+            </a:r>
+          </a:p>
+        </p:txBody>
+      </p:sp>
+      <p:sp>
+        <p:nvSpPr>
+          <p:cNvPr id="3" name="Content Placeholder 2">
+            <a:extLst>
+              <a:ext uri="{FF2B5EF4-FFF2-40B4-BE49-F238E27FC236}">
+                <a16:creationId xmlns:a16="http://schemas.microsoft.com/office/drawing/2014/main" id="{108E0A94-8BAA-1AA8-EC48-87E2DB146741}"/>
+              </a:ext>
+            </a:extLst>
+          </p:cNvPr>
+          <p:cNvSpPr>
+            <a:spLocks noGrp="1"/>
+          </p:cNvSpPr>
+          <p:nvPr>
+            <p:ph sz="quarter" idx="10"/>
+          </p:nvPr>
+        </p:nvSpPr>
+        <p:spPr>
+          <a:xfrm>
+            <a:off x="499140" y="2342412"/>
+            <a:ext cx="4694677" cy="1465016"/>
+          </a:xfrm>
+        </p:spPr>
+        <p:txBody>
+          <a:bodyPr/>
+          <a:lstStyle/>
+          <a:p>
+            <a:pPr marL="0" indent="0">
+              <a:buNone/>
+            </a:pPr>
+            <a:endParaRPr lang="en-IE" dirty="0"/>
+          </a:p>
+          <a:p>
+            <a:pPr>
+              <a:buFont typeface="Arial" panose="020B0604020202020204" pitchFamily="34" charset="0"/>
+              <a:buChar char="•"/>
+            </a:pPr>
+            <a:r>
+              <a:rPr lang="en-IE" dirty="0"/>
+              <a:t>Direct MCA</a:t>
+            </a:r>
+          </a:p>
+          <a:p>
+            <a:pPr>
+              <a:buFont typeface="Arial" panose="020B0604020202020204" pitchFamily="34" charset="0"/>
+              <a:buChar char="•"/>
+            </a:pPr>
+            <a:r>
+              <a:rPr lang="en-IE" dirty="0"/>
+              <a:t>EA</a:t>
+            </a:r>
+          </a:p>
+        </p:txBody>
+      </p:sp>
+      <p:pic>
+        <p:nvPicPr>
+          <p:cNvPr id="5" name="Picture 4">
+            <a:extLst>
+              <a:ext uri="{FF2B5EF4-FFF2-40B4-BE49-F238E27FC236}">
+                <a16:creationId xmlns:a16="http://schemas.microsoft.com/office/drawing/2014/main" id="{F17736A9-CE2C-A20E-9676-ACC65A18DFD7}"/>
+              </a:ext>
+            </a:extLst>
+          </p:cNvPr>
+          <p:cNvPicPr>
+            <a:picLocks noChangeAspect="1"/>
+          </p:cNvPicPr>
+          <p:nvPr/>
+        </p:nvPicPr>
+        <p:blipFill>
+          <a:blip r:embed="rId3"/>
+          <a:stretch>
+            <a:fillRect/>
+          </a:stretch>
+        </p:blipFill>
+        <p:spPr>
+          <a:xfrm>
+            <a:off x="6640787" y="228600"/>
+            <a:ext cx="5307725" cy="6400800"/>
+          </a:xfrm>
+          <a:prstGeom prst="rect">
+            <a:avLst/>
+          </a:prstGeom>
+          <a:effectLst>
+            <a:outerShdw blurRad="50800" dist="38100" dir="2700000" algn="tl" rotWithShape="0">
+              <a:prstClr val="black">
+                <a:alpha val="40000"/>
+              </a:prstClr>
+            </a:outerShdw>
+          </a:effectLst>
+        </p:spPr>
+      </p:pic>
+    </p:spTree>
+    <p:extLst>
+      <p:ext uri="{BB962C8B-B14F-4D97-AF65-F5344CB8AC3E}">
+        <p14:creationId xmlns:p14="http://schemas.microsoft.com/office/powerpoint/2010/main" val="3207258778"/>
+      </p:ext>
+    </p:extLst>
+  </p:cSld>
+  <p:clrMapOvr>
+    <a:masterClrMapping/>
+  </p:clrMapOvr>
+  <p:transition>
+    <p:fade/>
+  </p:transition>
+</p:sld>
+</file>
+
+<file path=ppt/slides/slide11.xml><?xml version="1.0" encoding="utf-8"?>
+<p:sld xmlns:a="http://schemas.openxmlformats.org/drawingml/2006/main" xmlns:r="http://schemas.openxmlformats.org/officeDocument/2006/relationships" xmlns:p="http://schemas.openxmlformats.org/presentationml/2006/main">
+  <p:cSld>
+    <p:spTree>
+      <p:nvGrpSpPr>
+        <p:cNvPr id="1" name=""/>
+        <p:cNvGrpSpPr/>
+        <p:nvPr/>
+      </p:nvGrpSpPr>
+      <p:grpSpPr>
+        <a:xfrm>
+          <a:off x="0" y="0"/>
+          <a:ext cx="0" cy="0"/>
+          <a:chOff x="0" y="0"/>
+          <a:chExt cx="0" cy="0"/>
+        </a:xfrm>
+      </p:grpSpPr>
+      <p:sp>
+        <p:nvSpPr>
+          <p:cNvPr id="2" name="Title 1">
+            <a:extLst>
+              <a:ext uri="{FF2B5EF4-FFF2-40B4-BE49-F238E27FC236}">
                 <a16:creationId xmlns:a16="http://schemas.microsoft.com/office/drawing/2014/main" id="{4FE0C4C5-CEF4-BA39-FB92-290D39A938A0}"/>
               </a:ext>
             </a:extLst>
@@ -15817,7 +17092,7 @@
 </p:sld>
 </file>
 
-<file path=ppt/slides/slide11.xml><?xml version="1.0" encoding="utf-8"?>
+<file path=ppt/slides/slide12.xml><?xml version="1.0" encoding="utf-8"?>
 <p:sld xmlns:a="http://schemas.openxmlformats.org/drawingml/2006/main" xmlns:r="http://schemas.openxmlformats.org/officeDocument/2006/relationships" xmlns:p="http://schemas.openxmlformats.org/presentationml/2006/main">
   <p:cSld>
     <p:spTree>
@@ -15913,7 +17188,7 @@
           <p:nvPr/>
         </p:nvPicPr>
         <p:blipFill>
-          <a:blip r:embed="rId2"/>
+          <a:blip r:embed="rId3"/>
           <a:stretch>
             <a:fillRect/>
           </a:stretch>
@@ -16171,7 +17446,7 @@
 </p:sld>
 </file>
 
-<file path=ppt/slides/slide12.xml><?xml version="1.0" encoding="utf-8"?>
+<file path=ppt/slides/slide13.xml><?xml version="1.0" encoding="utf-8"?>
 <p:sld xmlns:a="http://schemas.openxmlformats.org/drawingml/2006/main" xmlns:r="http://schemas.openxmlformats.org/officeDocument/2006/relationships" xmlns:p="http://schemas.openxmlformats.org/presentationml/2006/main">
   <p:cSld>
     <p:spTree>
@@ -16243,6 +17518,13 @@
             <a:off x="881959" y="1411037"/>
             <a:ext cx="10290974" cy="4833938"/>
           </a:xfrm>
+          <a:effectLst>
+            <a:outerShdw blurRad="50800" dist="38100" dir="2700000" algn="tl" rotWithShape="0">
+              <a:prstClr val="black">
+                <a:alpha val="40000"/>
+              </a:prstClr>
+            </a:outerShdw>
+          </a:effectLst>
         </p:spPr>
       </p:pic>
     </p:spTree>
@@ -16261,7 +17543,7 @@
 </p:sld>
 </file>
 
-<file path=ppt/slides/slide13.xml><?xml version="1.0" encoding="utf-8"?>
+<file path=ppt/slides/slide14.xml><?xml version="1.0" encoding="utf-8"?>
 <p:sld xmlns:a="http://schemas.openxmlformats.org/drawingml/2006/main" xmlns:r="http://schemas.openxmlformats.org/officeDocument/2006/relationships" xmlns:p="http://schemas.openxmlformats.org/presentationml/2006/main">
   <p:cSld>
     <p:spTree>
@@ -16372,120 +17654,6 @@
 </p:sld>
 </file>
 
-<file path=ppt/slides/slide14.xml><?xml version="1.0" encoding="utf-8"?>
-<p:sld xmlns:a="http://schemas.openxmlformats.org/drawingml/2006/main" xmlns:r="http://schemas.openxmlformats.org/officeDocument/2006/relationships" xmlns:p="http://schemas.openxmlformats.org/presentationml/2006/main">
-  <p:cSld>
-    <p:spTree>
-      <p:nvGrpSpPr>
-        <p:cNvPr id="1" name=""/>
-        <p:cNvGrpSpPr/>
-        <p:nvPr/>
-      </p:nvGrpSpPr>
-      <p:grpSpPr>
-        <a:xfrm>
-          <a:off x="0" y="0"/>
-          <a:ext cx="0" cy="0"/>
-          <a:chOff x="0" y="0"/>
-          <a:chExt cx="0" cy="0"/>
-        </a:xfrm>
-      </p:grpSpPr>
-      <p:sp>
-        <p:nvSpPr>
-          <p:cNvPr id="2" name="Title 1">
-            <a:extLst>
-              <a:ext uri="{FF2B5EF4-FFF2-40B4-BE49-F238E27FC236}">
-                <a16:creationId xmlns:a16="http://schemas.microsoft.com/office/drawing/2014/main" id="{EAB90E1E-E890-2B19-F11A-21F1239C866E}"/>
-              </a:ext>
-            </a:extLst>
-          </p:cNvPr>
-          <p:cNvSpPr>
-            <a:spLocks noGrp="1"/>
-          </p:cNvSpPr>
-          <p:nvPr>
-            <p:ph type="title"/>
-          </p:nvPr>
-        </p:nvSpPr>
-        <p:spPr/>
-        <p:txBody>
-          <a:bodyPr/>
-          <a:lstStyle/>
-          <a:p>
-            <a:r>
-              <a:rPr lang="en-IE" dirty="0"/>
-              <a:t>What’s missing</a:t>
-            </a:r>
-          </a:p>
-        </p:txBody>
-      </p:sp>
-      <p:sp>
-        <p:nvSpPr>
-          <p:cNvPr id="3" name="Content Placeholder 2">
-            <a:extLst>
-              <a:ext uri="{FF2B5EF4-FFF2-40B4-BE49-F238E27FC236}">
-                <a16:creationId xmlns:a16="http://schemas.microsoft.com/office/drawing/2014/main" id="{57AA4781-9FC0-BF15-CA1C-8873F9BAF902}"/>
-              </a:ext>
-            </a:extLst>
-          </p:cNvPr>
-          <p:cNvSpPr>
-            <a:spLocks noGrp="1"/>
-          </p:cNvSpPr>
-          <p:nvPr>
-            <p:ph sz="quarter" idx="10"/>
-          </p:nvPr>
-        </p:nvSpPr>
-        <p:spPr>
-          <a:xfrm>
-            <a:off x="584200" y="1435100"/>
-            <a:ext cx="11018838" cy="1465016"/>
-          </a:xfrm>
-        </p:spPr>
-        <p:txBody>
-          <a:bodyPr/>
-          <a:lstStyle/>
-          <a:p>
-            <a:r>
-              <a:rPr lang="en-IE" dirty="0"/>
-              <a:t>.CSV only, no reporting</a:t>
-            </a:r>
-          </a:p>
-          <a:p>
-            <a:r>
-              <a:rPr lang="en-IE" dirty="0"/>
-              <a:t>Dates in US format (mm/DD/</a:t>
-            </a:r>
-            <a:r>
-              <a:rPr lang="en-IE" dirty="0" err="1"/>
-              <a:t>yyyy</a:t>
-            </a:r>
-            <a:r>
-              <a:rPr lang="en-IE" dirty="0"/>
-              <a:t>)</a:t>
-            </a:r>
-          </a:p>
-          <a:p>
-            <a:r>
-              <a:rPr lang="en-IE" dirty="0"/>
-              <a:t>Numbers in US format ( #,####.## )</a:t>
-            </a:r>
-          </a:p>
-        </p:txBody>
-      </p:sp>
-    </p:spTree>
-    <p:extLst>
-      <p:ext uri="{BB962C8B-B14F-4D97-AF65-F5344CB8AC3E}">
-        <p14:creationId xmlns:p14="http://schemas.microsoft.com/office/powerpoint/2010/main" val="2933943095"/>
-      </p:ext>
-    </p:extLst>
-  </p:cSld>
-  <p:clrMapOvr>
-    <a:masterClrMapping/>
-  </p:clrMapOvr>
-  <p:transition>
-    <p:fade/>
-  </p:transition>
-</p:sld>
-</file>
-
 <file path=ppt/slides/slide15.xml><?xml version="1.0" encoding="utf-8"?>
 <p:sld xmlns:a="http://schemas.openxmlformats.org/drawingml/2006/main" xmlns:r="http://schemas.openxmlformats.org/officeDocument/2006/relationships" xmlns:p="http://schemas.openxmlformats.org/presentationml/2006/main">
   <p:cSld>
@@ -16508,7 +17676,7 @@
           <p:cNvPr id="4" name="Title 3">
             <a:extLst>
               <a:ext uri="{FF2B5EF4-FFF2-40B4-BE49-F238E27FC236}">
-                <a16:creationId xmlns:a16="http://schemas.microsoft.com/office/drawing/2014/main" id="{8FB6378D-0B0F-B871-5D62-B91CE9C42308}"/>
+                <a16:creationId xmlns:a16="http://schemas.microsoft.com/office/drawing/2014/main" id="{98179685-A0CB-675D-89BD-65679A91D303}"/>
               </a:ext>
             </a:extLst>
           </p:cNvPr>
@@ -16526,7 +17694,7 @@
           <a:p>
             <a:r>
               <a:rPr lang="en-IE" dirty="0"/>
-              <a:t>Shared Folder</a:t>
+              <a:t>Demo</a:t>
             </a:r>
           </a:p>
         </p:txBody>
@@ -16534,7 +17702,7 @@
     </p:spTree>
     <p:extLst>
       <p:ext uri="{BB962C8B-B14F-4D97-AF65-F5344CB8AC3E}">
-        <p14:creationId xmlns:p14="http://schemas.microsoft.com/office/powerpoint/2010/main" val="2216677859"/>
+        <p14:creationId xmlns:p14="http://schemas.microsoft.com/office/powerpoint/2010/main" val="3893450000"/>
       </p:ext>
     </p:extLst>
   </p:cSld>
@@ -16578,6 +17746,441 @@
           <p:cNvPr id="2" name="Title 1">
             <a:extLst>
               <a:ext uri="{FF2B5EF4-FFF2-40B4-BE49-F238E27FC236}">
+                <a16:creationId xmlns:a16="http://schemas.microsoft.com/office/drawing/2014/main" id="{EAB90E1E-E890-2B19-F11A-21F1239C866E}"/>
+              </a:ext>
+            </a:extLst>
+          </p:cNvPr>
+          <p:cNvSpPr>
+            <a:spLocks noGrp="1"/>
+          </p:cNvSpPr>
+          <p:nvPr>
+            <p:ph type="title"/>
+          </p:nvPr>
+        </p:nvSpPr>
+        <p:spPr/>
+        <p:txBody>
+          <a:bodyPr/>
+          <a:lstStyle/>
+          <a:p>
+            <a:r>
+              <a:rPr lang="en-IE" dirty="0"/>
+              <a:t>What’s missing</a:t>
+            </a:r>
+          </a:p>
+        </p:txBody>
+      </p:sp>
+      <p:sp>
+        <p:nvSpPr>
+          <p:cNvPr id="3" name="Content Placeholder 2">
+            <a:extLst>
+              <a:ext uri="{FF2B5EF4-FFF2-40B4-BE49-F238E27FC236}">
+                <a16:creationId xmlns:a16="http://schemas.microsoft.com/office/drawing/2014/main" id="{57AA4781-9FC0-BF15-CA1C-8873F9BAF902}"/>
+              </a:ext>
+            </a:extLst>
+          </p:cNvPr>
+          <p:cNvSpPr>
+            <a:spLocks noGrp="1"/>
+          </p:cNvSpPr>
+          <p:nvPr>
+            <p:ph sz="quarter" idx="10"/>
+          </p:nvPr>
+        </p:nvSpPr>
+        <p:spPr>
+          <a:xfrm>
+            <a:off x="584200" y="1435100"/>
+            <a:ext cx="11018838" cy="1465016"/>
+          </a:xfrm>
+        </p:spPr>
+        <p:txBody>
+          <a:bodyPr/>
+          <a:lstStyle/>
+          <a:p>
+            <a:r>
+              <a:rPr lang="en-IE" dirty="0"/>
+              <a:t>.CSV only, no reporting</a:t>
+            </a:r>
+          </a:p>
+          <a:p>
+            <a:r>
+              <a:rPr lang="en-IE" dirty="0"/>
+              <a:t>Dates in US format (mm/DD/</a:t>
+            </a:r>
+            <a:r>
+              <a:rPr lang="en-IE" dirty="0" err="1"/>
+              <a:t>yyyy</a:t>
+            </a:r>
+            <a:r>
+              <a:rPr lang="en-IE" dirty="0"/>
+              <a:t>)</a:t>
+            </a:r>
+          </a:p>
+          <a:p>
+            <a:r>
+              <a:rPr lang="en-IE" dirty="0"/>
+              <a:t>Numbers in US format ( #,####.## )</a:t>
+            </a:r>
+          </a:p>
+        </p:txBody>
+      </p:sp>
+    </p:spTree>
+    <p:extLst>
+      <p:ext uri="{BB962C8B-B14F-4D97-AF65-F5344CB8AC3E}">
+        <p14:creationId xmlns:p14="http://schemas.microsoft.com/office/powerpoint/2010/main" val="2933943095"/>
+      </p:ext>
+    </p:extLst>
+  </p:cSld>
+  <p:clrMapOvr>
+    <a:masterClrMapping/>
+  </p:clrMapOvr>
+  <p:transition>
+    <p:fade/>
+  </p:transition>
+</p:sld>
+</file>
+
+<file path=ppt/slides/slide17.xml><?xml version="1.0" encoding="utf-8"?>
+<p:sld xmlns:a="http://schemas.openxmlformats.org/drawingml/2006/main" xmlns:r="http://schemas.openxmlformats.org/officeDocument/2006/relationships" xmlns:p="http://schemas.openxmlformats.org/presentationml/2006/main">
+  <p:cSld>
+    <p:spTree>
+      <p:nvGrpSpPr>
+        <p:cNvPr id="1" name=""/>
+        <p:cNvGrpSpPr/>
+        <p:nvPr/>
+      </p:nvGrpSpPr>
+      <p:grpSpPr>
+        <a:xfrm>
+          <a:off x="0" y="0"/>
+          <a:ext cx="0" cy="0"/>
+          <a:chOff x="0" y="0"/>
+          <a:chExt cx="0" cy="0"/>
+        </a:xfrm>
+      </p:grpSpPr>
+      <p:sp>
+        <p:nvSpPr>
+          <p:cNvPr id="4" name="Title 3">
+            <a:extLst>
+              <a:ext uri="{FF2B5EF4-FFF2-40B4-BE49-F238E27FC236}">
+                <a16:creationId xmlns:a16="http://schemas.microsoft.com/office/drawing/2014/main" id="{352A8B8F-8492-0F68-6060-DD520FD70EFD}"/>
+              </a:ext>
+            </a:extLst>
+          </p:cNvPr>
+          <p:cNvSpPr>
+            <a:spLocks noGrp="1"/>
+          </p:cNvSpPr>
+          <p:nvPr>
+            <p:ph type="title"/>
+          </p:nvPr>
+        </p:nvSpPr>
+        <p:spPr>
+          <a:xfrm>
+            <a:off x="584518" y="311963"/>
+            <a:ext cx="11018520" cy="553998"/>
+          </a:xfrm>
+        </p:spPr>
+        <p:txBody>
+          <a:bodyPr/>
+          <a:lstStyle/>
+          <a:p>
+            <a:r>
+              <a:rPr lang="en-IE" dirty="0"/>
+              <a:t>Getting Latest file</a:t>
+            </a:r>
+            <a:endParaRPr lang="en-US" dirty="0"/>
+          </a:p>
+        </p:txBody>
+      </p:sp>
+      <p:sp>
+        <p:nvSpPr>
+          <p:cNvPr id="5" name="Content Placeholder 4">
+            <a:extLst>
+              <a:ext uri="{FF2B5EF4-FFF2-40B4-BE49-F238E27FC236}">
+                <a16:creationId xmlns:a16="http://schemas.microsoft.com/office/drawing/2014/main" id="{C17EB948-491F-19C6-E074-98324A042144}"/>
+              </a:ext>
+            </a:extLst>
+          </p:cNvPr>
+          <p:cNvSpPr>
+            <a:spLocks noGrp="1"/>
+          </p:cNvSpPr>
+          <p:nvPr>
+            <p:ph sz="quarter" idx="10"/>
+          </p:nvPr>
+        </p:nvSpPr>
+        <p:spPr>
+          <a:xfrm>
+            <a:off x="584200" y="1012723"/>
+            <a:ext cx="11018838" cy="4198072"/>
+          </a:xfrm>
+        </p:spPr>
+        <p:txBody>
+          <a:bodyPr/>
+          <a:lstStyle/>
+          <a:p>
+            <a:r>
+              <a:rPr lang="en-IE" dirty="0"/>
+              <a:t>Given: list of files </a:t>
+            </a:r>
+            <a:r>
+              <a:rPr lang="en-IE" dirty="0" err="1"/>
+              <a:t>AzureUsage</a:t>
+            </a:r>
+            <a:r>
+              <a:rPr lang="en-IE" dirty="0"/>
+              <a:t> (x).csv pick the latest as a source</a:t>
+            </a:r>
+          </a:p>
+          <a:p>
+            <a:endParaRPr lang="en-IE" dirty="0"/>
+          </a:p>
+          <a:p>
+            <a:r>
+              <a:rPr lang="en-IE" dirty="0"/>
+              <a:t>Solution: </a:t>
+            </a:r>
+          </a:p>
+          <a:p>
+            <a:pPr lvl="1"/>
+            <a:r>
+              <a:rPr lang="en-IE" dirty="0"/>
+              <a:t>Get Data</a:t>
+            </a:r>
+          </a:p>
+          <a:p>
+            <a:pPr lvl="1"/>
+            <a:r>
+              <a:rPr lang="en-IE" dirty="0" err="1"/>
+              <a:t>Sharepoint</a:t>
+            </a:r>
+            <a:r>
+              <a:rPr lang="en-IE" dirty="0"/>
+              <a:t> Folder </a:t>
+            </a:r>
+          </a:p>
+          <a:p>
+            <a:pPr lvl="1"/>
+            <a:r>
+              <a:rPr lang="en-IE" dirty="0"/>
+              <a:t>Text filter -&gt; Starts With -&gt; </a:t>
+            </a:r>
+            <a:r>
+              <a:rPr lang="en-IE" dirty="0" err="1"/>
+              <a:t>AzureUsage</a:t>
+            </a:r>
+            <a:endParaRPr lang="en-IE" dirty="0"/>
+          </a:p>
+          <a:p>
+            <a:pPr lvl="1"/>
+            <a:r>
+              <a:rPr lang="en-IE" dirty="0" err="1"/>
+              <a:t>DateModified</a:t>
+            </a:r>
+            <a:r>
+              <a:rPr lang="en-IE" dirty="0"/>
+              <a:t> -&gt; Date/Time Filter -&gt; Is Latest</a:t>
+            </a:r>
+          </a:p>
+          <a:p>
+            <a:pPr lvl="1"/>
+            <a:r>
+              <a:rPr lang="en-IE" dirty="0"/>
+              <a:t>Click on “Combine Files” button in the left column header</a:t>
+            </a:r>
+          </a:p>
+          <a:p>
+            <a:pPr lvl="1"/>
+            <a:r>
+              <a:rPr lang="en-IE" dirty="0"/>
+              <a:t>Rename the Query</a:t>
+            </a:r>
+          </a:p>
+          <a:p>
+            <a:endParaRPr lang="en-US" dirty="0"/>
+          </a:p>
+        </p:txBody>
+      </p:sp>
+    </p:spTree>
+    <p:extLst>
+      <p:ext uri="{BB962C8B-B14F-4D97-AF65-F5344CB8AC3E}">
+        <p14:creationId xmlns:p14="http://schemas.microsoft.com/office/powerpoint/2010/main" val="3744307599"/>
+      </p:ext>
+    </p:extLst>
+  </p:cSld>
+  <p:clrMapOvr>
+    <a:masterClrMapping/>
+  </p:clrMapOvr>
+  <p:transition>
+    <p:fade/>
+  </p:transition>
+</p:sld>
+</file>
+
+<file path=ppt/slides/slide18.xml><?xml version="1.0" encoding="utf-8"?>
+<p:sld xmlns:a="http://schemas.openxmlformats.org/drawingml/2006/main" xmlns:r="http://schemas.openxmlformats.org/officeDocument/2006/relationships" xmlns:p="http://schemas.openxmlformats.org/presentationml/2006/main">
+  <p:cSld>
+    <p:spTree>
+      <p:nvGrpSpPr>
+        <p:cNvPr id="1" name=""/>
+        <p:cNvGrpSpPr/>
+        <p:nvPr/>
+      </p:nvGrpSpPr>
+      <p:grpSpPr>
+        <a:xfrm>
+          <a:off x="0" y="0"/>
+          <a:ext cx="0" cy="0"/>
+          <a:chOff x="0" y="0"/>
+          <a:chExt cx="0" cy="0"/>
+        </a:xfrm>
+      </p:grpSpPr>
+      <p:sp>
+        <p:nvSpPr>
+          <p:cNvPr id="2" name="Title 1">
+            <a:extLst>
+              <a:ext uri="{FF2B5EF4-FFF2-40B4-BE49-F238E27FC236}">
+                <a16:creationId xmlns:a16="http://schemas.microsoft.com/office/drawing/2014/main" id="{2B582B95-E0E6-1BC0-B4E9-EA12D43E00D4}"/>
+              </a:ext>
+            </a:extLst>
+          </p:cNvPr>
+          <p:cNvSpPr>
+            <a:spLocks noGrp="1"/>
+          </p:cNvSpPr>
+          <p:nvPr>
+            <p:ph type="title"/>
+          </p:nvPr>
+        </p:nvSpPr>
+        <p:spPr/>
+        <p:txBody>
+          <a:bodyPr/>
+          <a:lstStyle/>
+          <a:p>
+            <a:r>
+              <a:rPr lang="en-IE" dirty="0"/>
+              <a:t>Date format</a:t>
+            </a:r>
+            <a:endParaRPr lang="en-US" dirty="0"/>
+          </a:p>
+        </p:txBody>
+      </p:sp>
+      <p:sp>
+        <p:nvSpPr>
+          <p:cNvPr id="3" name="Content Placeholder 2">
+            <a:extLst>
+              <a:ext uri="{FF2B5EF4-FFF2-40B4-BE49-F238E27FC236}">
+                <a16:creationId xmlns:a16="http://schemas.microsoft.com/office/drawing/2014/main" id="{A5906A48-2F56-16EB-CE68-417075FD366E}"/>
+              </a:ext>
+            </a:extLst>
+          </p:cNvPr>
+          <p:cNvSpPr>
+            <a:spLocks noGrp="1"/>
+          </p:cNvSpPr>
+          <p:nvPr>
+            <p:ph sz="quarter" idx="10"/>
+          </p:nvPr>
+        </p:nvSpPr>
+        <p:spPr>
+          <a:xfrm>
+            <a:off x="584200" y="1435100"/>
+            <a:ext cx="11018838" cy="3681008"/>
+          </a:xfrm>
+        </p:spPr>
+        <p:txBody>
+          <a:bodyPr/>
+          <a:lstStyle/>
+          <a:p>
+            <a:r>
+              <a:rPr lang="en-IE" dirty="0"/>
+              <a:t>Challenge: </a:t>
+            </a:r>
+          </a:p>
+          <a:p>
+            <a:pPr lvl="1"/>
+            <a:r>
+              <a:rPr lang="en-IE" dirty="0"/>
+              <a:t>Csv file uses MM/DD/YYYY date format whereas most of us using DD/MM/YYYY</a:t>
+            </a:r>
+          </a:p>
+          <a:p>
+            <a:pPr lvl="1"/>
+            <a:endParaRPr lang="en-IE" dirty="0"/>
+          </a:p>
+          <a:p>
+            <a:r>
+              <a:rPr lang="en-IE" dirty="0"/>
+              <a:t>Solution:</a:t>
+            </a:r>
+          </a:p>
+          <a:p>
+            <a:pPr lvl="1"/>
+            <a:r>
+              <a:rPr lang="en-IE" dirty="0"/>
+              <a:t>Split the field by ‘/’ into DD MM and YYYY fields and recombine them to DD/MM/YYYY</a:t>
+            </a:r>
+            <a:endParaRPr lang="en-US" dirty="0"/>
+          </a:p>
+          <a:p>
+            <a:pPr lvl="1"/>
+            <a:endParaRPr lang="en-US" dirty="0"/>
+          </a:p>
+          <a:p>
+            <a:r>
+              <a:rPr lang="en-US" dirty="0" err="1"/>
+              <a:t>PowerQuery</a:t>
+            </a:r>
+            <a:endParaRPr lang="en-US" dirty="0"/>
+          </a:p>
+          <a:p>
+            <a:pPr lvl="1"/>
+            <a:r>
+              <a:rPr lang="en-US" dirty="0"/>
+              <a:t>Transform </a:t>
+            </a:r>
+            <a:r>
+              <a:rPr lang="en-US"/>
+              <a:t>-&gt; Split by ‘/’</a:t>
+            </a:r>
+          </a:p>
+          <a:p>
+            <a:pPr lvl="1"/>
+            <a:endParaRPr lang="en-IE"/>
+          </a:p>
+        </p:txBody>
+      </p:sp>
+    </p:spTree>
+    <p:extLst>
+      <p:ext uri="{BB962C8B-B14F-4D97-AF65-F5344CB8AC3E}">
+        <p14:creationId xmlns:p14="http://schemas.microsoft.com/office/powerpoint/2010/main" val="47875129"/>
+      </p:ext>
+    </p:extLst>
+  </p:cSld>
+  <p:clrMapOvr>
+    <a:masterClrMapping/>
+  </p:clrMapOvr>
+  <p:transition>
+    <p:fade/>
+  </p:transition>
+</p:sld>
+</file>
+
+<file path=ppt/slides/slide19.xml><?xml version="1.0" encoding="utf-8"?>
+<p:sld xmlns:a="http://schemas.openxmlformats.org/drawingml/2006/main" xmlns:r="http://schemas.openxmlformats.org/officeDocument/2006/relationships" xmlns:p="http://schemas.openxmlformats.org/presentationml/2006/main">
+  <p:cSld>
+    <p:spTree>
+      <p:nvGrpSpPr>
+        <p:cNvPr id="1" name=""/>
+        <p:cNvGrpSpPr/>
+        <p:nvPr/>
+      </p:nvGrpSpPr>
+      <p:grpSpPr>
+        <a:xfrm>
+          <a:off x="0" y="0"/>
+          <a:ext cx="0" cy="0"/>
+          <a:chOff x="0" y="0"/>
+          <a:chExt cx="0" cy="0"/>
+        </a:xfrm>
+      </p:grpSpPr>
+      <p:sp>
+        <p:nvSpPr>
+          <p:cNvPr id="2" name="Title 1">
+            <a:extLst>
+              <a:ext uri="{FF2B5EF4-FFF2-40B4-BE49-F238E27FC236}">
                 <a16:creationId xmlns:a16="http://schemas.microsoft.com/office/drawing/2014/main" id="{74262F3A-CB7A-4797-5207-9967BA38A93D}"/>
               </a:ext>
             </a:extLst>
@@ -16601,7 +18204,7 @@
           <a:p>
             <a:r>
               <a:rPr lang="en-IE" dirty="0"/>
-              <a:t>Sync will add a shortcut in Explorer</a:t>
+              <a:t>“Sync” will add a shortcut in Explorer</a:t>
             </a:r>
           </a:p>
         </p:txBody>
@@ -16772,403 +18375,6 @@
 </p:sld>
 </file>
 
-<file path=ppt/slides/slide17.xml><?xml version="1.0" encoding="utf-8"?>
-<p:sld xmlns:a="http://schemas.openxmlformats.org/drawingml/2006/main" xmlns:r="http://schemas.openxmlformats.org/officeDocument/2006/relationships" xmlns:p="http://schemas.openxmlformats.org/presentationml/2006/main">
-  <p:cSld>
-    <p:spTree>
-      <p:nvGrpSpPr>
-        <p:cNvPr id="1" name=""/>
-        <p:cNvGrpSpPr/>
-        <p:nvPr/>
-      </p:nvGrpSpPr>
-      <p:grpSpPr>
-        <a:xfrm>
-          <a:off x="0" y="0"/>
-          <a:ext cx="0" cy="0"/>
-          <a:chOff x="0" y="0"/>
-          <a:chExt cx="0" cy="0"/>
-        </a:xfrm>
-      </p:grpSpPr>
-      <p:sp>
-        <p:nvSpPr>
-          <p:cNvPr id="2" name="Title 1">
-            <a:extLst>
-              <a:ext uri="{FF2B5EF4-FFF2-40B4-BE49-F238E27FC236}">
-                <a16:creationId xmlns:a16="http://schemas.microsoft.com/office/drawing/2014/main" id="{9ADA59E6-05AF-D13F-17E9-90662AF4073B}"/>
-              </a:ext>
-            </a:extLst>
-          </p:cNvPr>
-          <p:cNvSpPr>
-            <a:spLocks noGrp="1"/>
-          </p:cNvSpPr>
-          <p:nvPr>
-            <p:ph type="title"/>
-          </p:nvPr>
-        </p:nvSpPr>
-        <p:spPr/>
-        <p:txBody>
-          <a:bodyPr/>
-          <a:lstStyle/>
-          <a:p>
-            <a:endParaRPr lang="en-IE"/>
-          </a:p>
-        </p:txBody>
-      </p:sp>
-      <p:sp>
-        <p:nvSpPr>
-          <p:cNvPr id="3" name="Picture Placeholder 2">
-            <a:extLst>
-              <a:ext uri="{FF2B5EF4-FFF2-40B4-BE49-F238E27FC236}">
-                <a16:creationId xmlns:a16="http://schemas.microsoft.com/office/drawing/2014/main" id="{BADE8256-D00A-1352-2490-FF0A3B47D6E2}"/>
-              </a:ext>
-            </a:extLst>
-          </p:cNvPr>
-          <p:cNvSpPr>
-            <a:spLocks noGrp="1"/>
-          </p:cNvSpPr>
-          <p:nvPr>
-            <p:ph type="pic" sz="quarter" idx="11"/>
-          </p:nvPr>
-        </p:nvSpPr>
-        <p:spPr/>
-      </p:sp>
-    </p:spTree>
-    <p:extLst>
-      <p:ext uri="{BB962C8B-B14F-4D97-AF65-F5344CB8AC3E}">
-        <p14:creationId xmlns:p14="http://schemas.microsoft.com/office/powerpoint/2010/main" val="851744047"/>
-      </p:ext>
-    </p:extLst>
-  </p:cSld>
-  <p:clrMapOvr>
-    <a:masterClrMapping/>
-  </p:clrMapOvr>
-  <p:transition>
-    <p:fade/>
-  </p:transition>
-</p:sld>
-</file>
-
-<file path=ppt/slides/slide18.xml><?xml version="1.0" encoding="utf-8"?>
-<p:sld xmlns:a="http://schemas.openxmlformats.org/drawingml/2006/main" xmlns:r="http://schemas.openxmlformats.org/officeDocument/2006/relationships" xmlns:p="http://schemas.openxmlformats.org/presentationml/2006/main">
-  <p:cSld>
-    <p:spTree>
-      <p:nvGrpSpPr>
-        <p:cNvPr id="1" name=""/>
-        <p:cNvGrpSpPr/>
-        <p:nvPr/>
-      </p:nvGrpSpPr>
-      <p:grpSpPr>
-        <a:xfrm>
-          <a:off x="0" y="0"/>
-          <a:ext cx="0" cy="0"/>
-          <a:chOff x="0" y="0"/>
-          <a:chExt cx="0" cy="0"/>
-        </a:xfrm>
-      </p:grpSpPr>
-      <p:sp>
-        <p:nvSpPr>
-          <p:cNvPr id="4" name="Title 3">
-            <a:extLst>
-              <a:ext uri="{FF2B5EF4-FFF2-40B4-BE49-F238E27FC236}">
-                <a16:creationId xmlns:a16="http://schemas.microsoft.com/office/drawing/2014/main" id="{352A8B8F-8492-0F68-6060-DD520FD70EFD}"/>
-              </a:ext>
-            </a:extLst>
-          </p:cNvPr>
-          <p:cNvSpPr>
-            <a:spLocks noGrp="1"/>
-          </p:cNvSpPr>
-          <p:nvPr>
-            <p:ph type="title"/>
-          </p:nvPr>
-        </p:nvSpPr>
-        <p:spPr>
-          <a:xfrm>
-            <a:off x="584518" y="311963"/>
-            <a:ext cx="11018520" cy="553998"/>
-          </a:xfrm>
-        </p:spPr>
-        <p:txBody>
-          <a:bodyPr/>
-          <a:lstStyle/>
-          <a:p>
-            <a:r>
-              <a:rPr lang="en-IE" dirty="0"/>
-              <a:t>Getting Latest file</a:t>
-            </a:r>
-            <a:endParaRPr lang="en-US" dirty="0"/>
-          </a:p>
-        </p:txBody>
-      </p:sp>
-      <p:sp>
-        <p:nvSpPr>
-          <p:cNvPr id="5" name="Content Placeholder 4">
-            <a:extLst>
-              <a:ext uri="{FF2B5EF4-FFF2-40B4-BE49-F238E27FC236}">
-                <a16:creationId xmlns:a16="http://schemas.microsoft.com/office/drawing/2014/main" id="{C17EB948-491F-19C6-E074-98324A042144}"/>
-              </a:ext>
-            </a:extLst>
-          </p:cNvPr>
-          <p:cNvSpPr>
-            <a:spLocks noGrp="1"/>
-          </p:cNvSpPr>
-          <p:nvPr>
-            <p:ph sz="quarter" idx="10"/>
-          </p:nvPr>
-        </p:nvSpPr>
-        <p:spPr>
-          <a:xfrm>
-            <a:off x="584200" y="1012723"/>
-            <a:ext cx="11018838" cy="4198072"/>
-          </a:xfrm>
-        </p:spPr>
-        <p:txBody>
-          <a:bodyPr/>
-          <a:lstStyle/>
-          <a:p>
-            <a:r>
-              <a:rPr lang="en-IE" dirty="0"/>
-              <a:t>Given: list of files </a:t>
-            </a:r>
-            <a:r>
-              <a:rPr lang="en-IE" dirty="0" err="1"/>
-              <a:t>AzureUsage</a:t>
-            </a:r>
-            <a:r>
-              <a:rPr lang="en-IE" dirty="0"/>
-              <a:t> (x).csv pick the latest as a source</a:t>
-            </a:r>
-          </a:p>
-          <a:p>
-            <a:endParaRPr lang="en-IE" dirty="0"/>
-          </a:p>
-          <a:p>
-            <a:r>
-              <a:rPr lang="en-IE" dirty="0"/>
-              <a:t>Solution: </a:t>
-            </a:r>
-          </a:p>
-          <a:p>
-            <a:pPr lvl="1"/>
-            <a:r>
-              <a:rPr lang="en-IE" dirty="0"/>
-              <a:t>Get Data</a:t>
-            </a:r>
-          </a:p>
-          <a:p>
-            <a:pPr lvl="1"/>
-            <a:r>
-              <a:rPr lang="en-IE" dirty="0" err="1"/>
-              <a:t>Sharepoint</a:t>
-            </a:r>
-            <a:r>
-              <a:rPr lang="en-IE" dirty="0"/>
-              <a:t> Folder </a:t>
-            </a:r>
-          </a:p>
-          <a:p>
-            <a:pPr lvl="1"/>
-            <a:r>
-              <a:rPr lang="en-IE" dirty="0"/>
-              <a:t>Text filter -&gt; Starts With -&gt; </a:t>
-            </a:r>
-            <a:r>
-              <a:rPr lang="en-IE" dirty="0" err="1"/>
-              <a:t>AzureUsage</a:t>
-            </a:r>
-            <a:endParaRPr lang="en-IE" dirty="0"/>
-          </a:p>
-          <a:p>
-            <a:pPr lvl="1"/>
-            <a:r>
-              <a:rPr lang="en-IE" dirty="0" err="1"/>
-              <a:t>DateModified</a:t>
-            </a:r>
-            <a:r>
-              <a:rPr lang="en-IE" dirty="0"/>
-              <a:t> -&gt; Date/Time Filter -&gt; Is Latest</a:t>
-            </a:r>
-          </a:p>
-          <a:p>
-            <a:pPr lvl="1"/>
-            <a:r>
-              <a:rPr lang="en-IE" dirty="0"/>
-              <a:t>Click on “Combine Files” button in the left column header</a:t>
-            </a:r>
-          </a:p>
-          <a:p>
-            <a:pPr lvl="1"/>
-            <a:r>
-              <a:rPr lang="en-IE" dirty="0"/>
-              <a:t>Rename the Query</a:t>
-            </a:r>
-          </a:p>
-          <a:p>
-            <a:endParaRPr lang="en-US" dirty="0"/>
-          </a:p>
-        </p:txBody>
-      </p:sp>
-    </p:spTree>
-    <p:extLst>
-      <p:ext uri="{BB962C8B-B14F-4D97-AF65-F5344CB8AC3E}">
-        <p14:creationId xmlns:p14="http://schemas.microsoft.com/office/powerpoint/2010/main" val="3744307599"/>
-      </p:ext>
-    </p:extLst>
-  </p:cSld>
-  <p:clrMapOvr>
-    <a:masterClrMapping/>
-  </p:clrMapOvr>
-  <p:transition>
-    <p:fade/>
-  </p:transition>
-</p:sld>
-</file>
-
-<file path=ppt/slides/slide19.xml><?xml version="1.0" encoding="utf-8"?>
-<p:sld xmlns:a="http://schemas.openxmlformats.org/drawingml/2006/main" xmlns:r="http://schemas.openxmlformats.org/officeDocument/2006/relationships" xmlns:p="http://schemas.openxmlformats.org/presentationml/2006/main">
-  <p:cSld>
-    <p:spTree>
-      <p:nvGrpSpPr>
-        <p:cNvPr id="1" name=""/>
-        <p:cNvGrpSpPr/>
-        <p:nvPr/>
-      </p:nvGrpSpPr>
-      <p:grpSpPr>
-        <a:xfrm>
-          <a:off x="0" y="0"/>
-          <a:ext cx="0" cy="0"/>
-          <a:chOff x="0" y="0"/>
-          <a:chExt cx="0" cy="0"/>
-        </a:xfrm>
-      </p:grpSpPr>
-      <p:sp>
-        <p:nvSpPr>
-          <p:cNvPr id="2" name="Title 1">
-            <a:extLst>
-              <a:ext uri="{FF2B5EF4-FFF2-40B4-BE49-F238E27FC236}">
-                <a16:creationId xmlns:a16="http://schemas.microsoft.com/office/drawing/2014/main" id="{2B582B95-E0E6-1BC0-B4E9-EA12D43E00D4}"/>
-              </a:ext>
-            </a:extLst>
-          </p:cNvPr>
-          <p:cNvSpPr>
-            <a:spLocks noGrp="1"/>
-          </p:cNvSpPr>
-          <p:nvPr>
-            <p:ph type="title"/>
-          </p:nvPr>
-        </p:nvSpPr>
-        <p:spPr/>
-        <p:txBody>
-          <a:bodyPr/>
-          <a:lstStyle/>
-          <a:p>
-            <a:r>
-              <a:rPr lang="en-IE" dirty="0"/>
-              <a:t>Date format</a:t>
-            </a:r>
-            <a:endParaRPr lang="en-US" dirty="0"/>
-          </a:p>
-        </p:txBody>
-      </p:sp>
-      <p:sp>
-        <p:nvSpPr>
-          <p:cNvPr id="3" name="Content Placeholder 2">
-            <a:extLst>
-              <a:ext uri="{FF2B5EF4-FFF2-40B4-BE49-F238E27FC236}">
-                <a16:creationId xmlns:a16="http://schemas.microsoft.com/office/drawing/2014/main" id="{A5906A48-2F56-16EB-CE68-417075FD366E}"/>
-              </a:ext>
-            </a:extLst>
-          </p:cNvPr>
-          <p:cNvSpPr>
-            <a:spLocks noGrp="1"/>
-          </p:cNvSpPr>
-          <p:nvPr>
-            <p:ph sz="quarter" idx="10"/>
-          </p:nvPr>
-        </p:nvSpPr>
-        <p:spPr>
-          <a:xfrm>
-            <a:off x="584200" y="1435100"/>
-            <a:ext cx="11018838" cy="3681008"/>
-          </a:xfrm>
-        </p:spPr>
-        <p:txBody>
-          <a:bodyPr/>
-          <a:lstStyle/>
-          <a:p>
-            <a:r>
-              <a:rPr lang="en-IE" dirty="0"/>
-              <a:t>Challenge: </a:t>
-            </a:r>
-          </a:p>
-          <a:p>
-            <a:pPr lvl="1"/>
-            <a:r>
-              <a:rPr lang="en-IE" dirty="0"/>
-              <a:t>Csv file uses MM/DD/YYYY date format whereas most of us using DD/MM/YYYY</a:t>
-            </a:r>
-          </a:p>
-          <a:p>
-            <a:pPr lvl="1"/>
-            <a:endParaRPr lang="en-IE" dirty="0"/>
-          </a:p>
-          <a:p>
-            <a:r>
-              <a:rPr lang="en-IE" dirty="0"/>
-              <a:t>Solution:</a:t>
-            </a:r>
-          </a:p>
-          <a:p>
-            <a:pPr lvl="1"/>
-            <a:r>
-              <a:rPr lang="en-IE" dirty="0"/>
-              <a:t>Split the field by ‘/’ into DD MM and YYYY fields and recombine them to DD/MM/YYYY</a:t>
-            </a:r>
-            <a:endParaRPr lang="en-US" dirty="0"/>
-          </a:p>
-          <a:p>
-            <a:pPr lvl="1"/>
-            <a:endParaRPr lang="en-US" dirty="0"/>
-          </a:p>
-          <a:p>
-            <a:r>
-              <a:rPr lang="en-US" dirty="0" err="1"/>
-              <a:t>PowerQuery</a:t>
-            </a:r>
-            <a:endParaRPr lang="en-US" dirty="0"/>
-          </a:p>
-          <a:p>
-            <a:pPr lvl="1"/>
-            <a:r>
-              <a:rPr lang="en-US" dirty="0"/>
-              <a:t>Transform </a:t>
-            </a:r>
-            <a:r>
-              <a:rPr lang="en-US"/>
-              <a:t>-&gt; Split by ‘/’</a:t>
-            </a:r>
-          </a:p>
-          <a:p>
-            <a:pPr lvl="1"/>
-            <a:endParaRPr lang="en-IE"/>
-          </a:p>
-        </p:txBody>
-      </p:sp>
-    </p:spTree>
-    <p:extLst>
-      <p:ext uri="{BB962C8B-B14F-4D97-AF65-F5344CB8AC3E}">
-        <p14:creationId xmlns:p14="http://schemas.microsoft.com/office/powerpoint/2010/main" val="47875129"/>
-      </p:ext>
-    </p:extLst>
-  </p:cSld>
-  <p:clrMapOvr>
-    <a:masterClrMapping/>
-  </p:clrMapOvr>
-  <p:transition>
-    <p:fade/>
-  </p:transition>
-</p:sld>
-</file>
-
 <file path=ppt/slides/slide2.xml><?xml version="1.0" encoding="utf-8"?>
 <p:sld xmlns:a="http://schemas.openxmlformats.org/drawingml/2006/main" xmlns:r="http://schemas.openxmlformats.org/officeDocument/2006/relationships" xmlns:p="http://schemas.openxmlformats.org/presentationml/2006/main">
   <p:cSld>
@@ -17253,13 +18459,13 @@
           <a:p>
             <a:r>
               <a:rPr lang="en-US" dirty="0"/>
-              <a:t>Brief overview</a:t>
+              <a:t>Cost Management </a:t>
             </a:r>
           </a:p>
           <a:p>
             <a:r>
               <a:rPr lang="en-US" dirty="0"/>
-              <a:t>Step by Step</a:t>
+              <a:t>Demo</a:t>
             </a:r>
           </a:p>
           <a:p>
@@ -17306,7 +18512,13 @@
       </p:grpSpPr>
       <p:sp>
         <p:nvSpPr>
-          <p:cNvPr id="17" name="Title 16"/>
+          <p:cNvPr id="2" name="Title 1">
+            <a:extLst>
+              <a:ext uri="{FF2B5EF4-FFF2-40B4-BE49-F238E27FC236}">
+                <a16:creationId xmlns:a16="http://schemas.microsoft.com/office/drawing/2014/main" id="{9ADA59E6-05AF-D13F-17E9-90662AF4073B}"/>
+              </a:ext>
+            </a:extLst>
+          </p:cNvPr>
           <p:cNvSpPr>
             <a:spLocks noGrp="1"/>
           </p:cNvSpPr>
@@ -17319,58 +18531,32 @@
           <a:bodyPr/>
           <a:lstStyle/>
           <a:p>
-            <a:r>
-              <a:rPr lang="en-US" dirty="0"/>
-              <a:t>Text layout (without bullet points)</a:t>
-            </a:r>
-          </a:p>
-        </p:txBody>
-      </p:sp>
-      <p:sp>
-        <p:nvSpPr>
-          <p:cNvPr id="6" name="Text Placeholder 5"/>
+            <a:endParaRPr lang="en-IE"/>
+          </a:p>
+        </p:txBody>
+      </p:sp>
+      <p:sp>
+        <p:nvSpPr>
+          <p:cNvPr id="3" name="Picture Placeholder 2">
+            <a:extLst>
+              <a:ext uri="{FF2B5EF4-FFF2-40B4-BE49-F238E27FC236}">
+                <a16:creationId xmlns:a16="http://schemas.microsoft.com/office/drawing/2014/main" id="{BADE8256-D00A-1352-2490-FF0A3B47D6E2}"/>
+              </a:ext>
+            </a:extLst>
+          </p:cNvPr>
           <p:cNvSpPr>
             <a:spLocks noGrp="1"/>
           </p:cNvSpPr>
           <p:nvPr>
-            <p:ph type="body" sz="quarter" idx="10"/>
-          </p:nvPr>
-        </p:nvSpPr>
-        <p:spPr>
-          <a:xfrm>
-            <a:off x="586390" y="1434370"/>
-            <a:ext cx="11018520" cy="1095685"/>
-          </a:xfrm>
-        </p:spPr>
-        <p:txBody>
-          <a:bodyPr/>
-          <a:lstStyle/>
-          <a:p>
-            <a:r>
-              <a:rPr lang="en-US" dirty="0"/>
-              <a:t>Main topic: Segoe UI, size 28pt</a:t>
-            </a:r>
-          </a:p>
-          <a:p>
-            <a:pPr lvl="1"/>
-            <a:r>
-              <a:rPr lang="en-US" dirty="0"/>
-              <a:t>Segoe UI, size 20pt for second level</a:t>
-            </a:r>
-          </a:p>
-          <a:p>
-            <a:pPr lvl="2"/>
-            <a:r>
-              <a:rPr lang="en-US" dirty="0"/>
-              <a:t>Segoe UI, size 16pt for third level</a:t>
-            </a:r>
-          </a:p>
-        </p:txBody>
+            <p:ph type="pic" sz="quarter" idx="11"/>
+          </p:nvPr>
+        </p:nvSpPr>
+        <p:spPr/>
       </p:sp>
     </p:spTree>
     <p:extLst>
       <p:ext uri="{BB962C8B-B14F-4D97-AF65-F5344CB8AC3E}">
-        <p14:creationId xmlns:p14="http://schemas.microsoft.com/office/powerpoint/2010/main" val="3957722359"/>
+        <p14:creationId xmlns:p14="http://schemas.microsoft.com/office/powerpoint/2010/main" val="851744047"/>
       </p:ext>
     </p:extLst>
   </p:cSld>
@@ -17402,6 +18588,217 @@
       </p:grpSpPr>
       <p:sp>
         <p:nvSpPr>
+          <p:cNvPr id="4" name="Title 3">
+            <a:extLst>
+              <a:ext uri="{FF2B5EF4-FFF2-40B4-BE49-F238E27FC236}">
+                <a16:creationId xmlns:a16="http://schemas.microsoft.com/office/drawing/2014/main" id="{EC7FAD4B-F22E-90D9-8E46-255275F089C2}"/>
+              </a:ext>
+            </a:extLst>
+          </p:cNvPr>
+          <p:cNvSpPr>
+            <a:spLocks noGrp="1"/>
+          </p:cNvSpPr>
+          <p:nvPr>
+            <p:ph type="title"/>
+          </p:nvPr>
+        </p:nvSpPr>
+        <p:spPr>
+          <a:xfrm>
+            <a:off x="1524000" y="3059871"/>
+            <a:ext cx="9144000" cy="498598"/>
+          </a:xfrm>
+        </p:spPr>
+        <p:txBody>
+          <a:bodyPr/>
+          <a:lstStyle/>
+          <a:p>
+            <a:pPr algn="ctr"/>
+            <a:r>
+              <a:rPr lang="en-IE" dirty="0">
+                <a:solidFill>
+                  <a:schemeClr val="tx1">
+                    <a:lumMod val="95000"/>
+                  </a:schemeClr>
+                </a:solidFill>
+              </a:rPr>
+              <a:t>Thank you</a:t>
+            </a:r>
+          </a:p>
+        </p:txBody>
+      </p:sp>
+    </p:spTree>
+    <p:extLst>
+      <p:ext uri="{BB962C8B-B14F-4D97-AF65-F5344CB8AC3E}">
+        <p14:creationId xmlns:p14="http://schemas.microsoft.com/office/powerpoint/2010/main" val="1652353934"/>
+      </p:ext>
+    </p:extLst>
+  </p:cSld>
+  <p:clrMapOvr>
+    <a:masterClrMapping/>
+  </p:clrMapOvr>
+  <mc:AlternateContent xmlns:mc="http://schemas.openxmlformats.org/markup-compatibility/2006" xmlns:p14="http://schemas.microsoft.com/office/powerpoint/2010/main">
+    <mc:Choice Requires="p14">
+      <p:transition spd="med" p14:dur="700">
+        <p:fade/>
+      </p:transition>
+    </mc:Choice>
+    <mc:Fallback xmlns="">
+      <p:transition spd="med">
+        <p:fade/>
+      </p:transition>
+    </mc:Fallback>
+  </mc:AlternateContent>
+</p:sld>
+</file>
+
+<file path=ppt/slides/slide22.xml><?xml version="1.0" encoding="utf-8"?>
+<p:sld xmlns:a="http://schemas.openxmlformats.org/drawingml/2006/main" xmlns:r="http://schemas.openxmlformats.org/officeDocument/2006/relationships" xmlns:p="http://schemas.openxmlformats.org/presentationml/2006/main">
+  <p:cSld>
+    <p:spTree>
+      <p:nvGrpSpPr>
+        <p:cNvPr id="1" name=""/>
+        <p:cNvGrpSpPr/>
+        <p:nvPr/>
+      </p:nvGrpSpPr>
+      <p:grpSpPr>
+        <a:xfrm>
+          <a:off x="0" y="0"/>
+          <a:ext cx="0" cy="0"/>
+          <a:chOff x="0" y="0"/>
+          <a:chExt cx="0" cy="0"/>
+        </a:xfrm>
+      </p:grpSpPr>
+    </p:spTree>
+    <p:extLst>
+      <p:ext uri="{BB962C8B-B14F-4D97-AF65-F5344CB8AC3E}">
+        <p14:creationId xmlns:p14="http://schemas.microsoft.com/office/powerpoint/2010/main" val="1003974154"/>
+      </p:ext>
+    </p:extLst>
+  </p:cSld>
+  <p:clrMapOvr>
+    <a:masterClrMapping/>
+  </p:clrMapOvr>
+  <p:transition>
+    <p:fade/>
+  </p:transition>
+</p:sld>
+</file>
+
+<file path=ppt/slides/slide23.xml><?xml version="1.0" encoding="utf-8"?>
+<p:sld xmlns:a="http://schemas.openxmlformats.org/drawingml/2006/main" xmlns:r="http://schemas.openxmlformats.org/officeDocument/2006/relationships" xmlns:p="http://schemas.openxmlformats.org/presentationml/2006/main">
+  <p:cSld>
+    <p:spTree>
+      <p:nvGrpSpPr>
+        <p:cNvPr id="1" name=""/>
+        <p:cNvGrpSpPr/>
+        <p:nvPr/>
+      </p:nvGrpSpPr>
+      <p:grpSpPr>
+        <a:xfrm>
+          <a:off x="0" y="0"/>
+          <a:ext cx="0" cy="0"/>
+          <a:chOff x="0" y="0"/>
+          <a:chExt cx="0" cy="0"/>
+        </a:xfrm>
+      </p:grpSpPr>
+      <p:sp>
+        <p:nvSpPr>
+          <p:cNvPr id="17" name="Title 16"/>
+          <p:cNvSpPr>
+            <a:spLocks noGrp="1"/>
+          </p:cNvSpPr>
+          <p:nvPr>
+            <p:ph type="title"/>
+          </p:nvPr>
+        </p:nvSpPr>
+        <p:spPr/>
+        <p:txBody>
+          <a:bodyPr/>
+          <a:lstStyle/>
+          <a:p>
+            <a:r>
+              <a:rPr lang="en-US" dirty="0"/>
+              <a:t>Text layout (without bullet points)</a:t>
+            </a:r>
+          </a:p>
+        </p:txBody>
+      </p:sp>
+      <p:sp>
+        <p:nvSpPr>
+          <p:cNvPr id="6" name="Text Placeholder 5"/>
+          <p:cNvSpPr>
+            <a:spLocks noGrp="1"/>
+          </p:cNvSpPr>
+          <p:nvPr>
+            <p:ph type="body" sz="quarter" idx="10"/>
+          </p:nvPr>
+        </p:nvSpPr>
+        <p:spPr>
+          <a:xfrm>
+            <a:off x="586390" y="1434370"/>
+            <a:ext cx="11018520" cy="1095685"/>
+          </a:xfrm>
+        </p:spPr>
+        <p:txBody>
+          <a:bodyPr/>
+          <a:lstStyle/>
+          <a:p>
+            <a:r>
+              <a:rPr lang="en-US" dirty="0"/>
+              <a:t>Main topic: Segoe UI, size 28pt</a:t>
+            </a:r>
+          </a:p>
+          <a:p>
+            <a:pPr lvl="1"/>
+            <a:r>
+              <a:rPr lang="en-US" dirty="0"/>
+              <a:t>Segoe UI, size 20pt for second level</a:t>
+            </a:r>
+          </a:p>
+          <a:p>
+            <a:pPr lvl="2"/>
+            <a:r>
+              <a:rPr lang="en-US" dirty="0"/>
+              <a:t>Segoe UI, size 16pt for third level</a:t>
+            </a:r>
+          </a:p>
+        </p:txBody>
+      </p:sp>
+    </p:spTree>
+    <p:extLst>
+      <p:ext uri="{BB962C8B-B14F-4D97-AF65-F5344CB8AC3E}">
+        <p14:creationId xmlns:p14="http://schemas.microsoft.com/office/powerpoint/2010/main" val="3957722359"/>
+      </p:ext>
+    </p:extLst>
+  </p:cSld>
+  <p:clrMapOvr>
+    <a:masterClrMapping/>
+  </p:clrMapOvr>
+  <p:transition>
+    <p:fade/>
+  </p:transition>
+</p:sld>
+</file>
+
+<file path=ppt/slides/slide24.xml><?xml version="1.0" encoding="utf-8"?>
+<p:sld xmlns:a="http://schemas.openxmlformats.org/drawingml/2006/main" xmlns:r="http://schemas.openxmlformats.org/officeDocument/2006/relationships" xmlns:p="http://schemas.openxmlformats.org/presentationml/2006/main">
+  <p:cSld>
+    <p:spTree>
+      <p:nvGrpSpPr>
+        <p:cNvPr id="1" name=""/>
+        <p:cNvGrpSpPr/>
+        <p:nvPr/>
+      </p:nvGrpSpPr>
+      <p:grpSpPr>
+        <a:xfrm>
+          <a:off x="0" y="0"/>
+          <a:ext cx="0" cy="0"/>
+          <a:chOff x="0" y="0"/>
+          <a:chExt cx="0" cy="0"/>
+        </a:xfrm>
+      </p:grpSpPr>
+      <p:sp>
+        <p:nvSpPr>
           <p:cNvPr id="17" name="Title 16"/>
           <p:cNvSpPr>
             <a:spLocks noGrp="1"/>
@@ -17474,7 +18871,7 @@
 </p:sld>
 </file>
 
-<file path=ppt/slides/slide22.xml><?xml version="1.0" encoding="utf-8"?>
+<file path=ppt/slides/slide25.xml><?xml version="1.0" encoding="utf-8"?>
 <p:sld xmlns:a="http://schemas.openxmlformats.org/drawingml/2006/main" xmlns:r="http://schemas.openxmlformats.org/officeDocument/2006/relationships" xmlns:p="http://schemas.openxmlformats.org/presentationml/2006/main">
   <p:cSld>
     <p:spTree>
@@ -17717,7 +19114,7 @@
 </p:sld>
 </file>
 
-<file path=ppt/slides/slide23.xml><?xml version="1.0" encoding="utf-8"?>
+<file path=ppt/slides/slide26.xml><?xml version="1.0" encoding="utf-8"?>
 <p:sld xmlns:a="http://schemas.openxmlformats.org/drawingml/2006/main" xmlns:r="http://schemas.openxmlformats.org/officeDocument/2006/relationships" xmlns:p="http://schemas.openxmlformats.org/presentationml/2006/main">
   <p:cSld>
     <p:spTree>
@@ -18236,7 +19633,7 @@
 </p:sld>
 </file>
 
-<file path=ppt/slides/slide24.xml><?xml version="1.0" encoding="utf-8"?>
+<file path=ppt/slides/slide27.xml><?xml version="1.0" encoding="utf-8"?>
 <p:sld xmlns:a="http://schemas.openxmlformats.org/drawingml/2006/main" xmlns:r="http://schemas.openxmlformats.org/officeDocument/2006/relationships" xmlns:p="http://schemas.openxmlformats.org/presentationml/2006/main">
   <p:cSld>
     <p:spTree>
@@ -18469,370 +19866,6 @@
 </p:sld>
 </file>
 
-<file path=ppt/slides/slide25.xml><?xml version="1.0" encoding="utf-8"?>
-<p:sld xmlns:a="http://schemas.openxmlformats.org/drawingml/2006/main" xmlns:r="http://schemas.openxmlformats.org/officeDocument/2006/relationships" xmlns:p="http://schemas.openxmlformats.org/presentationml/2006/main">
-  <p:cSld>
-    <p:spTree>
-      <p:nvGrpSpPr>
-        <p:cNvPr id="1" name=""/>
-        <p:cNvGrpSpPr/>
-        <p:nvPr/>
-      </p:nvGrpSpPr>
-      <p:grpSpPr>
-        <a:xfrm>
-          <a:off x="0" y="0"/>
-          <a:ext cx="0" cy="0"/>
-          <a:chOff x="0" y="0"/>
-          <a:chExt cx="0" cy="0"/>
-        </a:xfrm>
-      </p:grpSpPr>
-      <p:sp>
-        <p:nvSpPr>
-          <p:cNvPr id="8" name="Title 7">
-            <a:extLst>
-              <a:ext uri="{FF2B5EF4-FFF2-40B4-BE49-F238E27FC236}">
-                <a16:creationId xmlns:a16="http://schemas.microsoft.com/office/drawing/2014/main" id="{D18A1E48-C74E-4B7C-95F4-2342DAC963A9}"/>
-              </a:ext>
-            </a:extLst>
-          </p:cNvPr>
-          <p:cNvSpPr>
-            <a:spLocks noGrp="1"/>
-          </p:cNvSpPr>
-          <p:nvPr>
-            <p:ph type="title"/>
-          </p:nvPr>
-        </p:nvSpPr>
-        <p:spPr>
-          <a:xfrm>
-            <a:off x="588263" y="588963"/>
-            <a:ext cx="4158362" cy="2535236"/>
-          </a:xfrm>
-        </p:spPr>
-        <p:txBody>
-          <a:bodyPr/>
-          <a:lstStyle/>
-          <a:p>
-            <a:r>
-              <a:rPr lang="en-US" dirty="0"/>
-              <a:t>Title square photo layout</a:t>
-            </a:r>
-          </a:p>
-        </p:txBody>
-      </p:sp>
-      <p:sp>
-        <p:nvSpPr>
-          <p:cNvPr id="3" name="Text Placeholder 2">
-            <a:extLst>
-              <a:ext uri="{FF2B5EF4-FFF2-40B4-BE49-F238E27FC236}">
-                <a16:creationId xmlns:a16="http://schemas.microsoft.com/office/drawing/2014/main" id="{EB03E4EA-274B-4BE4-9A52-00B5B2697A08}"/>
-              </a:ext>
-            </a:extLst>
-          </p:cNvPr>
-          <p:cNvSpPr>
-            <a:spLocks noGrp="1"/>
-          </p:cNvSpPr>
-          <p:nvPr>
-            <p:ph type="body" sz="quarter" idx="10"/>
-          </p:nvPr>
-        </p:nvSpPr>
-        <p:spPr>
-          <a:xfrm>
-            <a:off x="584200" y="3535540"/>
-            <a:ext cx="4162425" cy="2733497"/>
-          </a:xfrm>
-        </p:spPr>
-        <p:txBody>
-          <a:bodyPr/>
-          <a:lstStyle/>
-          <a:p>
-            <a:r>
-              <a:rPr lang="en-US" dirty="0"/>
-              <a:t>Smaller text</a:t>
-            </a:r>
-          </a:p>
-        </p:txBody>
-      </p:sp>
-      <p:sp>
-        <p:nvSpPr>
-          <p:cNvPr id="6" name="Picture Placeholder 5" descr="This photo is a 'placeholder' only. Drag or drop your photo here, or click and tap the center to insert a photo.">
-            <a:extLst>
-              <a:ext uri="{FF2B5EF4-FFF2-40B4-BE49-F238E27FC236}">
-                <a16:creationId xmlns:a16="http://schemas.microsoft.com/office/drawing/2014/main" id="{90EC379E-CA6F-458B-BB1A-FE53731504E9}"/>
-              </a:ext>
-            </a:extLst>
-          </p:cNvPr>
-          <p:cNvSpPr>
-            <a:spLocks noGrp="1"/>
-          </p:cNvSpPr>
-          <p:nvPr>
-            <p:ph type="pic" sz="quarter" idx="11"/>
-          </p:nvPr>
-        </p:nvSpPr>
-        <p:spPr/>
-      </p:sp>
-    </p:spTree>
-    <p:extLst>
-      <p:ext uri="{BB962C8B-B14F-4D97-AF65-F5344CB8AC3E}">
-        <p14:creationId xmlns:p14="http://schemas.microsoft.com/office/powerpoint/2010/main" val="1490695021"/>
-      </p:ext>
-    </p:extLst>
-  </p:cSld>
-  <p:clrMapOvr>
-    <a:masterClrMapping/>
-  </p:clrMapOvr>
-  <p:transition>
-    <p:fade/>
-  </p:transition>
-</p:sld>
-</file>
-
-<file path=ppt/slides/slide26.xml><?xml version="1.0" encoding="utf-8"?>
-<p:sld xmlns:a="http://schemas.openxmlformats.org/drawingml/2006/main" xmlns:r="http://schemas.openxmlformats.org/officeDocument/2006/relationships" xmlns:p="http://schemas.openxmlformats.org/presentationml/2006/main">
-  <p:cSld>
-    <p:spTree>
-      <p:nvGrpSpPr>
-        <p:cNvPr id="1" name=""/>
-        <p:cNvGrpSpPr/>
-        <p:nvPr/>
-      </p:nvGrpSpPr>
-      <p:grpSpPr>
-        <a:xfrm>
-          <a:off x="0" y="0"/>
-          <a:ext cx="0" cy="0"/>
-          <a:chOff x="0" y="0"/>
-          <a:chExt cx="0" cy="0"/>
-        </a:xfrm>
-      </p:grpSpPr>
-      <p:sp>
-        <p:nvSpPr>
-          <p:cNvPr id="8" name="Title 7">
-            <a:extLst>
-              <a:ext uri="{FF2B5EF4-FFF2-40B4-BE49-F238E27FC236}">
-                <a16:creationId xmlns:a16="http://schemas.microsoft.com/office/drawing/2014/main" id="{D18A1E48-C74E-4B7C-95F4-2342DAC963A9}"/>
-              </a:ext>
-            </a:extLst>
-          </p:cNvPr>
-          <p:cNvSpPr>
-            <a:spLocks noGrp="1"/>
-          </p:cNvSpPr>
-          <p:nvPr>
-            <p:ph type="title"/>
-          </p:nvPr>
-        </p:nvSpPr>
-        <p:spPr/>
-        <p:txBody>
-          <a:bodyPr/>
-          <a:lstStyle/>
-          <a:p>
-            <a:r>
-              <a:rPr lang="en-US" dirty="0"/>
-              <a:t>Square photo layout </a:t>
-            </a:r>
-          </a:p>
-        </p:txBody>
-      </p:sp>
-      <p:sp>
-        <p:nvSpPr>
-          <p:cNvPr id="2" name="Picture Placeholder 1" descr="This photo is a 'placeholder' only. Drag or drop your photo here, or click and tap the center to insert a photo.">
-            <a:extLst>
-              <a:ext uri="{FF2B5EF4-FFF2-40B4-BE49-F238E27FC236}">
-                <a16:creationId xmlns:a16="http://schemas.microsoft.com/office/drawing/2014/main" id="{EAE4E439-9990-4EB5-BA7C-DB1E71AEDCD9}"/>
-              </a:ext>
-            </a:extLst>
-          </p:cNvPr>
-          <p:cNvSpPr>
-            <a:spLocks noGrp="1"/>
-          </p:cNvSpPr>
-          <p:nvPr>
-            <p:ph type="pic" sz="quarter" idx="11"/>
-          </p:nvPr>
-        </p:nvSpPr>
-        <p:spPr/>
-      </p:sp>
-    </p:spTree>
-    <p:extLst>
-      <p:ext uri="{BB962C8B-B14F-4D97-AF65-F5344CB8AC3E}">
-        <p14:creationId xmlns:p14="http://schemas.microsoft.com/office/powerpoint/2010/main" val="1811665972"/>
-      </p:ext>
-    </p:extLst>
-  </p:cSld>
-  <p:clrMapOvr>
-    <a:masterClrMapping/>
-  </p:clrMapOvr>
-  <p:transition>
-    <p:fade/>
-  </p:transition>
-</p:sld>
-</file>
-
-<file path=ppt/slides/slide27.xml><?xml version="1.0" encoding="utf-8"?>
-<p:sld xmlns:a="http://schemas.openxmlformats.org/drawingml/2006/main" xmlns:r="http://schemas.openxmlformats.org/officeDocument/2006/relationships" xmlns:p="http://schemas.openxmlformats.org/presentationml/2006/main">
-  <p:cSld>
-    <p:spTree>
-      <p:nvGrpSpPr>
-        <p:cNvPr id="1" name=""/>
-        <p:cNvGrpSpPr/>
-        <p:nvPr/>
-      </p:nvGrpSpPr>
-      <p:grpSpPr>
-        <a:xfrm>
-          <a:off x="0" y="0"/>
-          <a:ext cx="0" cy="0"/>
-          <a:chOff x="0" y="0"/>
-          <a:chExt cx="0" cy="0"/>
-        </a:xfrm>
-      </p:grpSpPr>
-      <p:sp>
-        <p:nvSpPr>
-          <p:cNvPr id="8" name="Title 7">
-            <a:extLst>
-              <a:ext uri="{FF2B5EF4-FFF2-40B4-BE49-F238E27FC236}">
-                <a16:creationId xmlns:a16="http://schemas.microsoft.com/office/drawing/2014/main" id="{D18A1E48-C74E-4B7C-95F4-2342DAC963A9}"/>
-              </a:ext>
-            </a:extLst>
-          </p:cNvPr>
-          <p:cNvSpPr>
-            <a:spLocks noGrp="1"/>
-          </p:cNvSpPr>
-          <p:nvPr>
-            <p:ph type="title"/>
-          </p:nvPr>
-        </p:nvSpPr>
-        <p:spPr>
-          <a:xfrm>
-            <a:off x="588263" y="457200"/>
-            <a:ext cx="11018520" cy="553998"/>
-          </a:xfrm>
-        </p:spPr>
-        <p:txBody>
-          <a:bodyPr/>
-          <a:lstStyle/>
-          <a:p>
-            <a:r>
-              <a:rPr lang="en-US" dirty="0"/>
-              <a:t>Side-by-side photo layout</a:t>
-            </a:r>
-          </a:p>
-        </p:txBody>
-      </p:sp>
-      <p:sp>
-        <p:nvSpPr>
-          <p:cNvPr id="4" name="Text Placeholder 3">
-            <a:extLst>
-              <a:ext uri="{FF2B5EF4-FFF2-40B4-BE49-F238E27FC236}">
-                <a16:creationId xmlns:a16="http://schemas.microsoft.com/office/drawing/2014/main" id="{DBFED5CB-0F60-480C-8DFA-C6BECBE03F8D}"/>
-              </a:ext>
-            </a:extLst>
-          </p:cNvPr>
-          <p:cNvSpPr>
-            <a:spLocks noGrp="1"/>
-          </p:cNvSpPr>
-          <p:nvPr>
-            <p:ph type="body" sz="quarter" idx="16"/>
-          </p:nvPr>
-        </p:nvSpPr>
-        <p:spPr>
-          <a:xfrm>
-            <a:off x="584199" y="5689600"/>
-            <a:ext cx="5367528" cy="307777"/>
-          </a:xfrm>
-        </p:spPr>
-        <p:txBody>
-          <a:bodyPr/>
-          <a:lstStyle/>
-          <a:p>
-            <a:r>
-              <a:rPr lang="en-US" dirty="0"/>
-              <a:t>Text placeholder</a:t>
-            </a:r>
-          </a:p>
-        </p:txBody>
-      </p:sp>
-      <p:sp>
-        <p:nvSpPr>
-          <p:cNvPr id="2" name="Picture Placeholder 1" descr="This photo is a 'placeholder' only. Drag or drop your photo here, or click and tap the center to insert a photo.">
-            <a:extLst>
-              <a:ext uri="{FF2B5EF4-FFF2-40B4-BE49-F238E27FC236}">
-                <a16:creationId xmlns:a16="http://schemas.microsoft.com/office/drawing/2014/main" id="{AE18F87B-97E7-4FBB-B0C7-4CEB990A7F1B}"/>
-              </a:ext>
-            </a:extLst>
-          </p:cNvPr>
-          <p:cNvSpPr>
-            <a:spLocks noGrp="1"/>
-          </p:cNvSpPr>
-          <p:nvPr>
-            <p:ph type="pic" sz="quarter" idx="13"/>
-          </p:nvPr>
-        </p:nvSpPr>
-        <p:spPr/>
-      </p:sp>
-      <p:sp>
-        <p:nvSpPr>
-          <p:cNvPr id="6" name="Text Placeholder 5">
-            <a:extLst>
-              <a:ext uri="{FF2B5EF4-FFF2-40B4-BE49-F238E27FC236}">
-                <a16:creationId xmlns:a16="http://schemas.microsoft.com/office/drawing/2014/main" id="{1B0E91F6-F618-4448-89FB-05078231BEA7}"/>
-              </a:ext>
-            </a:extLst>
-          </p:cNvPr>
-          <p:cNvSpPr>
-            <a:spLocks noGrp="1"/>
-          </p:cNvSpPr>
-          <p:nvPr>
-            <p:ph type="body" sz="quarter" idx="18"/>
-          </p:nvPr>
-        </p:nvSpPr>
-        <p:spPr>
-          <a:xfrm>
-            <a:off x="6241860" y="5689600"/>
-            <a:ext cx="5367528" cy="307777"/>
-          </a:xfrm>
-        </p:spPr>
-        <p:txBody>
-          <a:bodyPr/>
-          <a:lstStyle/>
-          <a:p>
-            <a:r>
-              <a:rPr lang="en-US" dirty="0"/>
-              <a:t>Text placeholder</a:t>
-            </a:r>
-          </a:p>
-        </p:txBody>
-      </p:sp>
-      <p:sp>
-        <p:nvSpPr>
-          <p:cNvPr id="3" name="Picture Placeholder 2" descr="This photo is a 'placeholder' only. Drag or drop your photo here, or click and tap the center to insert a photo.">
-            <a:extLst>
-              <a:ext uri="{FF2B5EF4-FFF2-40B4-BE49-F238E27FC236}">
-                <a16:creationId xmlns:a16="http://schemas.microsoft.com/office/drawing/2014/main" id="{E16DC59E-65F2-4652-B8B5-10F074366FB7}"/>
-              </a:ext>
-            </a:extLst>
-          </p:cNvPr>
-          <p:cNvSpPr>
-            <a:spLocks noGrp="1"/>
-          </p:cNvSpPr>
-          <p:nvPr>
-            <p:ph type="pic" sz="quarter" idx="15"/>
-          </p:nvPr>
-        </p:nvSpPr>
-        <p:spPr/>
-      </p:sp>
-    </p:spTree>
-    <p:extLst>
-      <p:ext uri="{BB962C8B-B14F-4D97-AF65-F5344CB8AC3E}">
-        <p14:creationId xmlns:p14="http://schemas.microsoft.com/office/powerpoint/2010/main" val="696467548"/>
-      </p:ext>
-    </p:extLst>
-  </p:cSld>
-  <p:clrMapOvr>
-    <a:masterClrMapping/>
-  </p:clrMapOvr>
-  <p:transition>
-    <p:fade/>
-  </p:transition>
-</p:sld>
-</file>
-
 <file path=ppt/slides/slide28.xml><?xml version="1.0" encoding="utf-8"?>
 <p:sld xmlns:a="http://schemas.openxmlformats.org/drawingml/2006/main" xmlns:r="http://schemas.openxmlformats.org/officeDocument/2006/relationships" xmlns:p="http://schemas.openxmlformats.org/presentationml/2006/main">
   <p:cSld>
@@ -18852,10 +19885,10 @@
       </p:grpSpPr>
       <p:sp>
         <p:nvSpPr>
-          <p:cNvPr id="7" name="Title 6">
+          <p:cNvPr id="8" name="Title 7">
             <a:extLst>
               <a:ext uri="{FF2B5EF4-FFF2-40B4-BE49-F238E27FC236}">
-                <a16:creationId xmlns:a16="http://schemas.microsoft.com/office/drawing/2014/main" id="{9BB51B6F-A6B6-4C5C-87D8-20DB1C857613}"/>
+                <a16:creationId xmlns:a16="http://schemas.microsoft.com/office/drawing/2014/main" id="{D18A1E48-C74E-4B7C-95F4-2342DAC963A9}"/>
               </a:ext>
             </a:extLst>
           </p:cNvPr>
@@ -18868,8 +19901,8 @@
         </p:nvSpPr>
         <p:spPr>
           <a:xfrm>
-            <a:off x="588263" y="457200"/>
-            <a:ext cx="11018520" cy="553998"/>
+            <a:off x="588263" y="588963"/>
+            <a:ext cx="4158362" cy="2535236"/>
           </a:xfrm>
         </p:spPr>
         <p:txBody>
@@ -18878,17 +19911,17 @@
           <a:p>
             <a:r>
               <a:rPr lang="en-US" dirty="0"/>
-              <a:t>Three photos layout</a:t>
-            </a:r>
-          </a:p>
-        </p:txBody>
-      </p:sp>
-      <p:sp>
-        <p:nvSpPr>
-          <p:cNvPr id="11" name="Text Placeholder 10">
+              <a:t>Title square photo layout</a:t>
+            </a:r>
+          </a:p>
+        </p:txBody>
+      </p:sp>
+      <p:sp>
+        <p:nvSpPr>
+          <p:cNvPr id="3" name="Text Placeholder 2">
             <a:extLst>
               <a:ext uri="{FF2B5EF4-FFF2-40B4-BE49-F238E27FC236}">
-                <a16:creationId xmlns:a16="http://schemas.microsoft.com/office/drawing/2014/main" id="{0CF24D87-8BE8-48F5-A782-AABCF1702CF5}"/>
+                <a16:creationId xmlns:a16="http://schemas.microsoft.com/office/drawing/2014/main" id="{EB03E4EA-274B-4BE4-9A52-00B5B2697A08}"/>
               </a:ext>
             </a:extLst>
           </p:cNvPr>
@@ -18896,13 +19929,13 @@
             <a:spLocks noGrp="1"/>
           </p:cNvSpPr>
           <p:nvPr>
-            <p:ph type="body" sz="quarter" idx="16"/>
+            <p:ph type="body" sz="quarter" idx="10"/>
           </p:nvPr>
         </p:nvSpPr>
         <p:spPr>
           <a:xfrm>
-            <a:off x="582613" y="5689600"/>
-            <a:ext cx="3475037" cy="307777"/>
+            <a:off x="584200" y="3535540"/>
+            <a:ext cx="4162425" cy="2733497"/>
           </a:xfrm>
         </p:spPr>
         <p:txBody>
@@ -18911,17 +19944,17 @@
           <a:p>
             <a:r>
               <a:rPr lang="en-US" dirty="0"/>
-              <a:t>Text placeholder</a:t>
-            </a:r>
-          </a:p>
-        </p:txBody>
-      </p:sp>
-      <p:sp>
-        <p:nvSpPr>
-          <p:cNvPr id="8" name="Picture Placeholder 7" descr="This photo is a 'placeholder' only. Drag or drop your photo here, or click and tap the center to insert a photo.">
+              <a:t>Smaller text</a:t>
+            </a:r>
+          </a:p>
+        </p:txBody>
+      </p:sp>
+      <p:sp>
+        <p:nvSpPr>
+          <p:cNvPr id="6" name="Picture Placeholder 5" descr="This photo is a 'placeholder' only. Drag or drop your photo here, or click and tap the center to insert a photo.">
             <a:extLst>
               <a:ext uri="{FF2B5EF4-FFF2-40B4-BE49-F238E27FC236}">
-                <a16:creationId xmlns:a16="http://schemas.microsoft.com/office/drawing/2014/main" id="{6B56B57A-5CF7-448F-BC81-137D7A82A0EC}"/>
+                <a16:creationId xmlns:a16="http://schemas.microsoft.com/office/drawing/2014/main" id="{90EC379E-CA6F-458B-BB1A-FE53731504E9}"/>
               </a:ext>
             </a:extLst>
           </p:cNvPr>
@@ -18929,109 +19962,7 @@
             <a:spLocks noGrp="1"/>
           </p:cNvSpPr>
           <p:nvPr>
-            <p:ph type="pic" sz="quarter" idx="13"/>
-          </p:nvPr>
-        </p:nvSpPr>
-        <p:spPr/>
-      </p:sp>
-      <p:sp>
-        <p:nvSpPr>
-          <p:cNvPr id="12" name="Text Placeholder 11">
-            <a:extLst>
-              <a:ext uri="{FF2B5EF4-FFF2-40B4-BE49-F238E27FC236}">
-                <a16:creationId xmlns:a16="http://schemas.microsoft.com/office/drawing/2014/main" id="{42466CB0-8E3A-4B11-BE5B-DB09D902EB09}"/>
-              </a:ext>
-            </a:extLst>
-          </p:cNvPr>
-          <p:cNvSpPr>
-            <a:spLocks noGrp="1"/>
-          </p:cNvSpPr>
-          <p:nvPr>
-            <p:ph type="body" sz="quarter" idx="17"/>
-          </p:nvPr>
-        </p:nvSpPr>
-        <p:spPr>
-          <a:xfrm>
-            <a:off x="4358640" y="5689600"/>
-            <a:ext cx="3475037" cy="307777"/>
-          </a:xfrm>
-        </p:spPr>
-        <p:txBody>
-          <a:bodyPr/>
-          <a:lstStyle/>
-          <a:p>
-            <a:r>
-              <a:rPr lang="en-US" dirty="0"/>
-              <a:t>Text placeholder</a:t>
-            </a:r>
-          </a:p>
-        </p:txBody>
-      </p:sp>
-      <p:sp>
-        <p:nvSpPr>
-          <p:cNvPr id="9" name="Picture Placeholder 8" descr="This photo is a 'placeholder' only. Drag or drop your photo here, or click and tap the center to insert a photo.">
-            <a:extLst>
-              <a:ext uri="{FF2B5EF4-FFF2-40B4-BE49-F238E27FC236}">
-                <a16:creationId xmlns:a16="http://schemas.microsoft.com/office/drawing/2014/main" id="{A078E6D4-B91A-431C-8C2F-A6FD9891FF29}"/>
-              </a:ext>
-            </a:extLst>
-          </p:cNvPr>
-          <p:cNvSpPr>
-            <a:spLocks noGrp="1"/>
-          </p:cNvSpPr>
-          <p:nvPr>
-            <p:ph type="pic" sz="quarter" idx="14"/>
-          </p:nvPr>
-        </p:nvSpPr>
-        <p:spPr/>
-      </p:sp>
-      <p:sp>
-        <p:nvSpPr>
-          <p:cNvPr id="13" name="Text Placeholder 12">
-            <a:extLst>
-              <a:ext uri="{FF2B5EF4-FFF2-40B4-BE49-F238E27FC236}">
-                <a16:creationId xmlns:a16="http://schemas.microsoft.com/office/drawing/2014/main" id="{062B81A3-15C0-4615-9103-E530FFE58E9B}"/>
-              </a:ext>
-            </a:extLst>
-          </p:cNvPr>
-          <p:cNvSpPr>
-            <a:spLocks noGrp="1"/>
-          </p:cNvSpPr>
-          <p:nvPr>
-            <p:ph type="body" sz="quarter" idx="18"/>
-          </p:nvPr>
-        </p:nvSpPr>
-        <p:spPr>
-          <a:xfrm>
-            <a:off x="8134351" y="5689600"/>
-            <a:ext cx="3475037" cy="307777"/>
-          </a:xfrm>
-        </p:spPr>
-        <p:txBody>
-          <a:bodyPr/>
-          <a:lstStyle/>
-          <a:p>
-            <a:r>
-              <a:rPr lang="en-US" dirty="0"/>
-              <a:t>Text placeholder</a:t>
-            </a:r>
-          </a:p>
-        </p:txBody>
-      </p:sp>
-      <p:sp>
-        <p:nvSpPr>
-          <p:cNvPr id="10" name="Picture Placeholder 9" descr="This photo is a 'placeholder' only. Drag or drop your photo here, or click and tap the center to insert a photo.">
-            <a:extLst>
-              <a:ext uri="{FF2B5EF4-FFF2-40B4-BE49-F238E27FC236}">
-                <a16:creationId xmlns:a16="http://schemas.microsoft.com/office/drawing/2014/main" id="{C3281AC1-12FA-4321-9290-F3FD9C085409}"/>
-              </a:ext>
-            </a:extLst>
-          </p:cNvPr>
-          <p:cNvSpPr>
-            <a:spLocks noGrp="1"/>
-          </p:cNvSpPr>
-          <p:nvPr>
-            <p:ph type="pic" sz="quarter" idx="15"/>
+            <p:ph type="pic" sz="quarter" idx="11"/>
           </p:nvPr>
         </p:nvSpPr>
         <p:spPr/>
@@ -19039,7 +19970,7 @@
     </p:spTree>
     <p:extLst>
       <p:ext uri="{BB962C8B-B14F-4D97-AF65-F5344CB8AC3E}">
-        <p14:creationId xmlns:p14="http://schemas.microsoft.com/office/powerpoint/2010/main" val="3964713026"/>
+        <p14:creationId xmlns:p14="http://schemas.microsoft.com/office/powerpoint/2010/main" val="1490695021"/>
       </p:ext>
     </p:extLst>
   </p:cSld>
@@ -19071,10 +20002,10 @@
       </p:grpSpPr>
       <p:sp>
         <p:nvSpPr>
-          <p:cNvPr id="7" name="Title 6">
+          <p:cNvPr id="8" name="Title 7">
             <a:extLst>
               <a:ext uri="{FF2B5EF4-FFF2-40B4-BE49-F238E27FC236}">
-                <a16:creationId xmlns:a16="http://schemas.microsoft.com/office/drawing/2014/main" id="{A4E6FC63-1669-41F3-A9A6-39B6FB141690}"/>
+                <a16:creationId xmlns:a16="http://schemas.microsoft.com/office/drawing/2014/main" id="{D18A1E48-C74E-4B7C-95F4-2342DAC963A9}"/>
               </a:ext>
             </a:extLst>
           </p:cNvPr>
@@ -19085,29 +20016,24 @@
             <p:ph type="title"/>
           </p:nvPr>
         </p:nvSpPr>
-        <p:spPr>
-          <a:xfrm>
-            <a:off x="588263" y="457200"/>
-            <a:ext cx="11018520" cy="553998"/>
-          </a:xfrm>
-        </p:spPr>
+        <p:spPr/>
         <p:txBody>
           <a:bodyPr/>
           <a:lstStyle/>
           <a:p>
             <a:r>
               <a:rPr lang="en-US" dirty="0"/>
-              <a:t>Four photos layout</a:t>
-            </a:r>
-          </a:p>
-        </p:txBody>
-      </p:sp>
-      <p:sp>
-        <p:nvSpPr>
-          <p:cNvPr id="11" name="Text Placeholder 10">
+              <a:t>Square photo layout </a:t>
+            </a:r>
+          </a:p>
+        </p:txBody>
+      </p:sp>
+      <p:sp>
+        <p:nvSpPr>
+          <p:cNvPr id="2" name="Picture Placeholder 1" descr="This photo is a 'placeholder' only. Drag or drop your photo here, or click and tap the center to insert a photo.">
             <a:extLst>
               <a:ext uri="{FF2B5EF4-FFF2-40B4-BE49-F238E27FC236}">
-                <a16:creationId xmlns:a16="http://schemas.microsoft.com/office/drawing/2014/main" id="{A209D23C-50F2-48D6-BAA7-3B9D6572CD44}"/>
+                <a16:creationId xmlns:a16="http://schemas.microsoft.com/office/drawing/2014/main" id="{EAE4E439-9990-4EB5-BA7C-DB1E71AEDCD9}"/>
               </a:ext>
             </a:extLst>
           </p:cNvPr>
@@ -19115,193 +20041,7 @@
             <a:spLocks noGrp="1"/>
           </p:cNvSpPr>
           <p:nvPr>
-            <p:ph type="body" sz="quarter" idx="16"/>
-          </p:nvPr>
-        </p:nvSpPr>
-        <p:spPr>
-          <a:xfrm>
-            <a:off x="582613" y="4753938"/>
-            <a:ext cx="2532888" cy="307777"/>
-          </a:xfrm>
-        </p:spPr>
-        <p:txBody>
-          <a:bodyPr/>
-          <a:lstStyle/>
-          <a:p>
-            <a:r>
-              <a:rPr lang="en-US" dirty="0"/>
-              <a:t>Text placeholder</a:t>
-            </a:r>
-          </a:p>
-        </p:txBody>
-      </p:sp>
-      <p:sp>
-        <p:nvSpPr>
-          <p:cNvPr id="8" name="Picture Placeholder 7" descr="This photo is a 'placeholder' only. Drag or drop your photo here, or click and tap the center to insert a photo.">
-            <a:extLst>
-              <a:ext uri="{FF2B5EF4-FFF2-40B4-BE49-F238E27FC236}">
-                <a16:creationId xmlns:a16="http://schemas.microsoft.com/office/drawing/2014/main" id="{CB9E5AC9-345E-4231-A0B1-CA5FC2605BC1}"/>
-              </a:ext>
-            </a:extLst>
-          </p:cNvPr>
-          <p:cNvSpPr>
-            <a:spLocks noGrp="1"/>
-          </p:cNvSpPr>
-          <p:nvPr>
-            <p:ph type="pic" sz="quarter" idx="13"/>
-          </p:nvPr>
-        </p:nvSpPr>
-        <p:spPr/>
-      </p:sp>
-      <p:sp>
-        <p:nvSpPr>
-          <p:cNvPr id="12" name="Text Placeholder 11">
-            <a:extLst>
-              <a:ext uri="{FF2B5EF4-FFF2-40B4-BE49-F238E27FC236}">
-                <a16:creationId xmlns:a16="http://schemas.microsoft.com/office/drawing/2014/main" id="{92F542C4-C40B-41ED-B136-472CCC2DF00E}"/>
-              </a:ext>
-            </a:extLst>
-          </p:cNvPr>
-          <p:cNvSpPr>
-            <a:spLocks noGrp="1"/>
-          </p:cNvSpPr>
-          <p:nvPr>
-            <p:ph type="body" sz="quarter" idx="17"/>
-          </p:nvPr>
-        </p:nvSpPr>
-        <p:spPr>
-          <a:xfrm>
-            <a:off x="3413908" y="4753938"/>
-            <a:ext cx="2532888" cy="307777"/>
-          </a:xfrm>
-        </p:spPr>
-        <p:txBody>
-          <a:bodyPr/>
-          <a:lstStyle/>
-          <a:p>
-            <a:r>
-              <a:rPr lang="en-US" dirty="0"/>
-              <a:t>Text placeholder</a:t>
-            </a:r>
-          </a:p>
-        </p:txBody>
-      </p:sp>
-      <p:sp>
-        <p:nvSpPr>
-          <p:cNvPr id="9" name="Picture Placeholder 8" descr="This photo is a 'placeholder' only. Drag or drop your photo here, or click and tap the center to insert a photo.">
-            <a:extLst>
-              <a:ext uri="{FF2B5EF4-FFF2-40B4-BE49-F238E27FC236}">
-                <a16:creationId xmlns:a16="http://schemas.microsoft.com/office/drawing/2014/main" id="{D5125A72-F156-43CC-A8E4-C1D71612492F}"/>
-              </a:ext>
-            </a:extLst>
-          </p:cNvPr>
-          <p:cNvSpPr>
-            <a:spLocks noGrp="1"/>
-          </p:cNvSpPr>
-          <p:nvPr>
-            <p:ph type="pic" sz="quarter" idx="14"/>
-          </p:nvPr>
-        </p:nvSpPr>
-        <p:spPr/>
-      </p:sp>
-      <p:sp>
-        <p:nvSpPr>
-          <p:cNvPr id="13" name="Text Placeholder 12">
-            <a:extLst>
-              <a:ext uri="{FF2B5EF4-FFF2-40B4-BE49-F238E27FC236}">
-                <a16:creationId xmlns:a16="http://schemas.microsoft.com/office/drawing/2014/main" id="{B43BB8B0-C02C-44E6-A828-FE52984E9278}"/>
-              </a:ext>
-            </a:extLst>
-          </p:cNvPr>
-          <p:cNvSpPr>
-            <a:spLocks noGrp="1"/>
-          </p:cNvSpPr>
-          <p:nvPr>
-            <p:ph type="body" sz="quarter" idx="18"/>
-          </p:nvPr>
-        </p:nvSpPr>
-        <p:spPr>
-          <a:xfrm>
-            <a:off x="6245204" y="4753938"/>
-            <a:ext cx="2532888" cy="307777"/>
-          </a:xfrm>
-        </p:spPr>
-        <p:txBody>
-          <a:bodyPr/>
-          <a:lstStyle/>
-          <a:p>
-            <a:r>
-              <a:rPr lang="en-US" dirty="0"/>
-              <a:t>Text placeholder</a:t>
-            </a:r>
-          </a:p>
-        </p:txBody>
-      </p:sp>
-      <p:sp>
-        <p:nvSpPr>
-          <p:cNvPr id="10" name="Picture Placeholder 9" descr="This photo is a 'placeholder' only. Drag or drop your photo here, or click and tap the center to insert a photo.">
-            <a:extLst>
-              <a:ext uri="{FF2B5EF4-FFF2-40B4-BE49-F238E27FC236}">
-                <a16:creationId xmlns:a16="http://schemas.microsoft.com/office/drawing/2014/main" id="{3183C00D-DE72-42D6-B0F6-E0FC1CAC99CF}"/>
-              </a:ext>
-            </a:extLst>
-          </p:cNvPr>
-          <p:cNvSpPr>
-            <a:spLocks noGrp="1"/>
-          </p:cNvSpPr>
-          <p:nvPr>
-            <p:ph type="pic" sz="quarter" idx="15"/>
-          </p:nvPr>
-        </p:nvSpPr>
-        <p:spPr/>
-      </p:sp>
-      <p:sp>
-        <p:nvSpPr>
-          <p:cNvPr id="15" name="Text Placeholder 14">
-            <a:extLst>
-              <a:ext uri="{FF2B5EF4-FFF2-40B4-BE49-F238E27FC236}">
-                <a16:creationId xmlns:a16="http://schemas.microsoft.com/office/drawing/2014/main" id="{4A98B624-6FA8-4859-B87B-A01D7E95DB26}"/>
-              </a:ext>
-            </a:extLst>
-          </p:cNvPr>
-          <p:cNvSpPr>
-            <a:spLocks noGrp="1"/>
-          </p:cNvSpPr>
-          <p:nvPr>
-            <p:ph type="body" sz="quarter" idx="20"/>
-          </p:nvPr>
-        </p:nvSpPr>
-        <p:spPr>
-          <a:xfrm>
-            <a:off x="9076500" y="4753938"/>
-            <a:ext cx="2532888" cy="307777"/>
-          </a:xfrm>
-        </p:spPr>
-        <p:txBody>
-          <a:bodyPr/>
-          <a:lstStyle/>
-          <a:p>
-            <a:r>
-              <a:rPr lang="en-US" dirty="0"/>
-              <a:t>Text placeholder</a:t>
-            </a:r>
-          </a:p>
-        </p:txBody>
-      </p:sp>
-      <p:sp>
-        <p:nvSpPr>
-          <p:cNvPr id="14" name="Picture Placeholder 13" descr="This photo is a 'placeholder' only. Drag or drop your photo here, or click and tap the center to insert a photo.">
-            <a:extLst>
-              <a:ext uri="{FF2B5EF4-FFF2-40B4-BE49-F238E27FC236}">
-                <a16:creationId xmlns:a16="http://schemas.microsoft.com/office/drawing/2014/main" id="{CF615145-50B1-4694-973A-724322B099D6}"/>
-              </a:ext>
-            </a:extLst>
-          </p:cNvPr>
-          <p:cNvSpPr>
-            <a:spLocks noGrp="1"/>
-          </p:cNvSpPr>
-          <p:nvPr>
-            <p:ph type="pic" sz="quarter" idx="19"/>
+            <p:ph type="pic" sz="quarter" idx="11"/>
           </p:nvPr>
         </p:nvSpPr>
         <p:spPr/>
@@ -19309,7 +20049,7 @@
     </p:spTree>
     <p:extLst>
       <p:ext uri="{BB962C8B-B14F-4D97-AF65-F5344CB8AC3E}">
-        <p14:creationId xmlns:p14="http://schemas.microsoft.com/office/powerpoint/2010/main" val="2504275049"/>
+        <p14:creationId xmlns:p14="http://schemas.microsoft.com/office/powerpoint/2010/main" val="1811665972"/>
       </p:ext>
     </p:extLst>
   </p:cSld>
@@ -19488,10 +20228,10 @@
       </p:grpSpPr>
       <p:sp>
         <p:nvSpPr>
-          <p:cNvPr id="2" name="Title 1">
+          <p:cNvPr id="8" name="Title 7">
             <a:extLst>
               <a:ext uri="{FF2B5EF4-FFF2-40B4-BE49-F238E27FC236}">
-                <a16:creationId xmlns:a16="http://schemas.microsoft.com/office/drawing/2014/main" id="{4FE98B5C-48BE-4909-9F4A-A4186BB35065}"/>
+                <a16:creationId xmlns:a16="http://schemas.microsoft.com/office/drawing/2014/main" id="{D18A1E48-C74E-4B7C-95F4-2342DAC963A9}"/>
               </a:ext>
             </a:extLst>
           </p:cNvPr>
@@ -19504,7 +20244,7 @@
         </p:nvSpPr>
         <p:spPr>
           <a:xfrm>
-            <a:off x="588263" y="5436128"/>
+            <a:off x="588263" y="457200"/>
             <a:ext cx="11018520" cy="553998"/>
           </a:xfrm>
         </p:spPr>
@@ -19514,7 +20254,91 @@
           <a:p>
             <a:r>
               <a:rPr lang="en-US" dirty="0"/>
-              <a:t>Top photo with Title</a:t>
+              <a:t>Side-by-side photo layout</a:t>
+            </a:r>
+          </a:p>
+        </p:txBody>
+      </p:sp>
+      <p:sp>
+        <p:nvSpPr>
+          <p:cNvPr id="4" name="Text Placeholder 3">
+            <a:extLst>
+              <a:ext uri="{FF2B5EF4-FFF2-40B4-BE49-F238E27FC236}">
+                <a16:creationId xmlns:a16="http://schemas.microsoft.com/office/drawing/2014/main" id="{DBFED5CB-0F60-480C-8DFA-C6BECBE03F8D}"/>
+              </a:ext>
+            </a:extLst>
+          </p:cNvPr>
+          <p:cNvSpPr>
+            <a:spLocks noGrp="1"/>
+          </p:cNvSpPr>
+          <p:nvPr>
+            <p:ph type="body" sz="quarter" idx="16"/>
+          </p:nvPr>
+        </p:nvSpPr>
+        <p:spPr>
+          <a:xfrm>
+            <a:off x="584199" y="5689600"/>
+            <a:ext cx="5367528" cy="307777"/>
+          </a:xfrm>
+        </p:spPr>
+        <p:txBody>
+          <a:bodyPr/>
+          <a:lstStyle/>
+          <a:p>
+            <a:r>
+              <a:rPr lang="en-US" dirty="0"/>
+              <a:t>Text placeholder</a:t>
+            </a:r>
+          </a:p>
+        </p:txBody>
+      </p:sp>
+      <p:sp>
+        <p:nvSpPr>
+          <p:cNvPr id="2" name="Picture Placeholder 1" descr="This photo is a 'placeholder' only. Drag or drop your photo here, or click and tap the center to insert a photo.">
+            <a:extLst>
+              <a:ext uri="{FF2B5EF4-FFF2-40B4-BE49-F238E27FC236}">
+                <a16:creationId xmlns:a16="http://schemas.microsoft.com/office/drawing/2014/main" id="{AE18F87B-97E7-4FBB-B0C7-4CEB990A7F1B}"/>
+              </a:ext>
+            </a:extLst>
+          </p:cNvPr>
+          <p:cNvSpPr>
+            <a:spLocks noGrp="1"/>
+          </p:cNvSpPr>
+          <p:nvPr>
+            <p:ph type="pic" sz="quarter" idx="13"/>
+          </p:nvPr>
+        </p:nvSpPr>
+        <p:spPr/>
+      </p:sp>
+      <p:sp>
+        <p:nvSpPr>
+          <p:cNvPr id="6" name="Text Placeholder 5">
+            <a:extLst>
+              <a:ext uri="{FF2B5EF4-FFF2-40B4-BE49-F238E27FC236}">
+                <a16:creationId xmlns:a16="http://schemas.microsoft.com/office/drawing/2014/main" id="{1B0E91F6-F618-4448-89FB-05078231BEA7}"/>
+              </a:ext>
+            </a:extLst>
+          </p:cNvPr>
+          <p:cNvSpPr>
+            <a:spLocks noGrp="1"/>
+          </p:cNvSpPr>
+          <p:nvPr>
+            <p:ph type="body" sz="quarter" idx="18"/>
+          </p:nvPr>
+        </p:nvSpPr>
+        <p:spPr>
+          <a:xfrm>
+            <a:off x="6241860" y="5689600"/>
+            <a:ext cx="5367528" cy="307777"/>
+          </a:xfrm>
+        </p:spPr>
+        <p:txBody>
+          <a:bodyPr/>
+          <a:lstStyle/>
+          <a:p>
+            <a:r>
+              <a:rPr lang="en-US" dirty="0"/>
+              <a:t>Text placeholder</a:t>
             </a:r>
           </a:p>
         </p:txBody>
@@ -19524,7 +20348,7 @@
           <p:cNvPr id="3" name="Picture Placeholder 2" descr="This photo is a 'placeholder' only. Drag or drop your photo here, or click and tap the center to insert a photo.">
             <a:extLst>
               <a:ext uri="{FF2B5EF4-FFF2-40B4-BE49-F238E27FC236}">
-                <a16:creationId xmlns:a16="http://schemas.microsoft.com/office/drawing/2014/main" id="{3E53C251-F0C1-4DAA-BF3B-F3E1C6002804}"/>
+                <a16:creationId xmlns:a16="http://schemas.microsoft.com/office/drawing/2014/main" id="{E16DC59E-65F2-4652-B8B5-10F074366FB7}"/>
               </a:ext>
             </a:extLst>
           </p:cNvPr>
@@ -19532,7 +20356,7 @@
             <a:spLocks noGrp="1"/>
           </p:cNvSpPr>
           <p:nvPr>
-            <p:ph type="pic" sz="quarter" idx="11"/>
+            <p:ph type="pic" sz="quarter" idx="15"/>
           </p:nvPr>
         </p:nvSpPr>
         <p:spPr/>
@@ -19540,7 +20364,7 @@
     </p:spTree>
     <p:extLst>
       <p:ext uri="{BB962C8B-B14F-4D97-AF65-F5344CB8AC3E}">
-        <p14:creationId xmlns:p14="http://schemas.microsoft.com/office/powerpoint/2010/main" val="544100002"/>
+        <p14:creationId xmlns:p14="http://schemas.microsoft.com/office/powerpoint/2010/main" val="696467548"/>
       </p:ext>
     </p:extLst>
   </p:cSld>
@@ -19572,6 +20396,579 @@
       </p:grpSpPr>
       <p:sp>
         <p:nvSpPr>
+          <p:cNvPr id="7" name="Title 6">
+            <a:extLst>
+              <a:ext uri="{FF2B5EF4-FFF2-40B4-BE49-F238E27FC236}">
+                <a16:creationId xmlns:a16="http://schemas.microsoft.com/office/drawing/2014/main" id="{9BB51B6F-A6B6-4C5C-87D8-20DB1C857613}"/>
+              </a:ext>
+            </a:extLst>
+          </p:cNvPr>
+          <p:cNvSpPr>
+            <a:spLocks noGrp="1"/>
+          </p:cNvSpPr>
+          <p:nvPr>
+            <p:ph type="title"/>
+          </p:nvPr>
+        </p:nvSpPr>
+        <p:spPr>
+          <a:xfrm>
+            <a:off x="588263" y="457200"/>
+            <a:ext cx="11018520" cy="553998"/>
+          </a:xfrm>
+        </p:spPr>
+        <p:txBody>
+          <a:bodyPr/>
+          <a:lstStyle/>
+          <a:p>
+            <a:r>
+              <a:rPr lang="en-US" dirty="0"/>
+              <a:t>Three photos layout</a:t>
+            </a:r>
+          </a:p>
+        </p:txBody>
+      </p:sp>
+      <p:sp>
+        <p:nvSpPr>
+          <p:cNvPr id="11" name="Text Placeholder 10">
+            <a:extLst>
+              <a:ext uri="{FF2B5EF4-FFF2-40B4-BE49-F238E27FC236}">
+                <a16:creationId xmlns:a16="http://schemas.microsoft.com/office/drawing/2014/main" id="{0CF24D87-8BE8-48F5-A782-AABCF1702CF5}"/>
+              </a:ext>
+            </a:extLst>
+          </p:cNvPr>
+          <p:cNvSpPr>
+            <a:spLocks noGrp="1"/>
+          </p:cNvSpPr>
+          <p:nvPr>
+            <p:ph type="body" sz="quarter" idx="16"/>
+          </p:nvPr>
+        </p:nvSpPr>
+        <p:spPr>
+          <a:xfrm>
+            <a:off x="582613" y="5689600"/>
+            <a:ext cx="3475037" cy="307777"/>
+          </a:xfrm>
+        </p:spPr>
+        <p:txBody>
+          <a:bodyPr/>
+          <a:lstStyle/>
+          <a:p>
+            <a:r>
+              <a:rPr lang="en-US" dirty="0"/>
+              <a:t>Text placeholder</a:t>
+            </a:r>
+          </a:p>
+        </p:txBody>
+      </p:sp>
+      <p:sp>
+        <p:nvSpPr>
+          <p:cNvPr id="8" name="Picture Placeholder 7" descr="This photo is a 'placeholder' only. Drag or drop your photo here, or click and tap the center to insert a photo.">
+            <a:extLst>
+              <a:ext uri="{FF2B5EF4-FFF2-40B4-BE49-F238E27FC236}">
+                <a16:creationId xmlns:a16="http://schemas.microsoft.com/office/drawing/2014/main" id="{6B56B57A-5CF7-448F-BC81-137D7A82A0EC}"/>
+              </a:ext>
+            </a:extLst>
+          </p:cNvPr>
+          <p:cNvSpPr>
+            <a:spLocks noGrp="1"/>
+          </p:cNvSpPr>
+          <p:nvPr>
+            <p:ph type="pic" sz="quarter" idx="13"/>
+          </p:nvPr>
+        </p:nvSpPr>
+        <p:spPr/>
+      </p:sp>
+      <p:sp>
+        <p:nvSpPr>
+          <p:cNvPr id="12" name="Text Placeholder 11">
+            <a:extLst>
+              <a:ext uri="{FF2B5EF4-FFF2-40B4-BE49-F238E27FC236}">
+                <a16:creationId xmlns:a16="http://schemas.microsoft.com/office/drawing/2014/main" id="{42466CB0-8E3A-4B11-BE5B-DB09D902EB09}"/>
+              </a:ext>
+            </a:extLst>
+          </p:cNvPr>
+          <p:cNvSpPr>
+            <a:spLocks noGrp="1"/>
+          </p:cNvSpPr>
+          <p:nvPr>
+            <p:ph type="body" sz="quarter" idx="17"/>
+          </p:nvPr>
+        </p:nvSpPr>
+        <p:spPr>
+          <a:xfrm>
+            <a:off x="4358640" y="5689600"/>
+            <a:ext cx="3475037" cy="307777"/>
+          </a:xfrm>
+        </p:spPr>
+        <p:txBody>
+          <a:bodyPr/>
+          <a:lstStyle/>
+          <a:p>
+            <a:r>
+              <a:rPr lang="en-US" dirty="0"/>
+              <a:t>Text placeholder</a:t>
+            </a:r>
+          </a:p>
+        </p:txBody>
+      </p:sp>
+      <p:sp>
+        <p:nvSpPr>
+          <p:cNvPr id="9" name="Picture Placeholder 8" descr="This photo is a 'placeholder' only. Drag or drop your photo here, or click and tap the center to insert a photo.">
+            <a:extLst>
+              <a:ext uri="{FF2B5EF4-FFF2-40B4-BE49-F238E27FC236}">
+                <a16:creationId xmlns:a16="http://schemas.microsoft.com/office/drawing/2014/main" id="{A078E6D4-B91A-431C-8C2F-A6FD9891FF29}"/>
+              </a:ext>
+            </a:extLst>
+          </p:cNvPr>
+          <p:cNvSpPr>
+            <a:spLocks noGrp="1"/>
+          </p:cNvSpPr>
+          <p:nvPr>
+            <p:ph type="pic" sz="quarter" idx="14"/>
+          </p:nvPr>
+        </p:nvSpPr>
+        <p:spPr/>
+      </p:sp>
+      <p:sp>
+        <p:nvSpPr>
+          <p:cNvPr id="13" name="Text Placeholder 12">
+            <a:extLst>
+              <a:ext uri="{FF2B5EF4-FFF2-40B4-BE49-F238E27FC236}">
+                <a16:creationId xmlns:a16="http://schemas.microsoft.com/office/drawing/2014/main" id="{062B81A3-15C0-4615-9103-E530FFE58E9B}"/>
+              </a:ext>
+            </a:extLst>
+          </p:cNvPr>
+          <p:cNvSpPr>
+            <a:spLocks noGrp="1"/>
+          </p:cNvSpPr>
+          <p:nvPr>
+            <p:ph type="body" sz="quarter" idx="18"/>
+          </p:nvPr>
+        </p:nvSpPr>
+        <p:spPr>
+          <a:xfrm>
+            <a:off x="8134351" y="5689600"/>
+            <a:ext cx="3475037" cy="307777"/>
+          </a:xfrm>
+        </p:spPr>
+        <p:txBody>
+          <a:bodyPr/>
+          <a:lstStyle/>
+          <a:p>
+            <a:r>
+              <a:rPr lang="en-US" dirty="0"/>
+              <a:t>Text placeholder</a:t>
+            </a:r>
+          </a:p>
+        </p:txBody>
+      </p:sp>
+      <p:sp>
+        <p:nvSpPr>
+          <p:cNvPr id="10" name="Picture Placeholder 9" descr="This photo is a 'placeholder' only. Drag or drop your photo here, or click and tap the center to insert a photo.">
+            <a:extLst>
+              <a:ext uri="{FF2B5EF4-FFF2-40B4-BE49-F238E27FC236}">
+                <a16:creationId xmlns:a16="http://schemas.microsoft.com/office/drawing/2014/main" id="{C3281AC1-12FA-4321-9290-F3FD9C085409}"/>
+              </a:ext>
+            </a:extLst>
+          </p:cNvPr>
+          <p:cNvSpPr>
+            <a:spLocks noGrp="1"/>
+          </p:cNvSpPr>
+          <p:nvPr>
+            <p:ph type="pic" sz="quarter" idx="15"/>
+          </p:nvPr>
+        </p:nvSpPr>
+        <p:spPr/>
+      </p:sp>
+    </p:spTree>
+    <p:extLst>
+      <p:ext uri="{BB962C8B-B14F-4D97-AF65-F5344CB8AC3E}">
+        <p14:creationId xmlns:p14="http://schemas.microsoft.com/office/powerpoint/2010/main" val="3964713026"/>
+      </p:ext>
+    </p:extLst>
+  </p:cSld>
+  <p:clrMapOvr>
+    <a:masterClrMapping/>
+  </p:clrMapOvr>
+  <p:transition>
+    <p:fade/>
+  </p:transition>
+</p:sld>
+</file>
+
+<file path=ppt/slides/slide32.xml><?xml version="1.0" encoding="utf-8"?>
+<p:sld xmlns:a="http://schemas.openxmlformats.org/drawingml/2006/main" xmlns:r="http://schemas.openxmlformats.org/officeDocument/2006/relationships" xmlns:p="http://schemas.openxmlformats.org/presentationml/2006/main">
+  <p:cSld>
+    <p:spTree>
+      <p:nvGrpSpPr>
+        <p:cNvPr id="1" name=""/>
+        <p:cNvGrpSpPr/>
+        <p:nvPr/>
+      </p:nvGrpSpPr>
+      <p:grpSpPr>
+        <a:xfrm>
+          <a:off x="0" y="0"/>
+          <a:ext cx="0" cy="0"/>
+          <a:chOff x="0" y="0"/>
+          <a:chExt cx="0" cy="0"/>
+        </a:xfrm>
+      </p:grpSpPr>
+      <p:sp>
+        <p:nvSpPr>
+          <p:cNvPr id="7" name="Title 6">
+            <a:extLst>
+              <a:ext uri="{FF2B5EF4-FFF2-40B4-BE49-F238E27FC236}">
+                <a16:creationId xmlns:a16="http://schemas.microsoft.com/office/drawing/2014/main" id="{A4E6FC63-1669-41F3-A9A6-39B6FB141690}"/>
+              </a:ext>
+            </a:extLst>
+          </p:cNvPr>
+          <p:cNvSpPr>
+            <a:spLocks noGrp="1"/>
+          </p:cNvSpPr>
+          <p:nvPr>
+            <p:ph type="title"/>
+          </p:nvPr>
+        </p:nvSpPr>
+        <p:spPr>
+          <a:xfrm>
+            <a:off x="588263" y="457200"/>
+            <a:ext cx="11018520" cy="553998"/>
+          </a:xfrm>
+        </p:spPr>
+        <p:txBody>
+          <a:bodyPr/>
+          <a:lstStyle/>
+          <a:p>
+            <a:r>
+              <a:rPr lang="en-US" dirty="0"/>
+              <a:t>Four photos layout</a:t>
+            </a:r>
+          </a:p>
+        </p:txBody>
+      </p:sp>
+      <p:sp>
+        <p:nvSpPr>
+          <p:cNvPr id="11" name="Text Placeholder 10">
+            <a:extLst>
+              <a:ext uri="{FF2B5EF4-FFF2-40B4-BE49-F238E27FC236}">
+                <a16:creationId xmlns:a16="http://schemas.microsoft.com/office/drawing/2014/main" id="{A209D23C-50F2-48D6-BAA7-3B9D6572CD44}"/>
+              </a:ext>
+            </a:extLst>
+          </p:cNvPr>
+          <p:cNvSpPr>
+            <a:spLocks noGrp="1"/>
+          </p:cNvSpPr>
+          <p:nvPr>
+            <p:ph type="body" sz="quarter" idx="16"/>
+          </p:nvPr>
+        </p:nvSpPr>
+        <p:spPr>
+          <a:xfrm>
+            <a:off x="582613" y="4753938"/>
+            <a:ext cx="2532888" cy="307777"/>
+          </a:xfrm>
+        </p:spPr>
+        <p:txBody>
+          <a:bodyPr/>
+          <a:lstStyle/>
+          <a:p>
+            <a:r>
+              <a:rPr lang="en-US" dirty="0"/>
+              <a:t>Text placeholder</a:t>
+            </a:r>
+          </a:p>
+        </p:txBody>
+      </p:sp>
+      <p:sp>
+        <p:nvSpPr>
+          <p:cNvPr id="8" name="Picture Placeholder 7" descr="This photo is a 'placeholder' only. Drag or drop your photo here, or click and tap the center to insert a photo.">
+            <a:extLst>
+              <a:ext uri="{FF2B5EF4-FFF2-40B4-BE49-F238E27FC236}">
+                <a16:creationId xmlns:a16="http://schemas.microsoft.com/office/drawing/2014/main" id="{CB9E5AC9-345E-4231-A0B1-CA5FC2605BC1}"/>
+              </a:ext>
+            </a:extLst>
+          </p:cNvPr>
+          <p:cNvSpPr>
+            <a:spLocks noGrp="1"/>
+          </p:cNvSpPr>
+          <p:nvPr>
+            <p:ph type="pic" sz="quarter" idx="13"/>
+          </p:nvPr>
+        </p:nvSpPr>
+        <p:spPr/>
+      </p:sp>
+      <p:sp>
+        <p:nvSpPr>
+          <p:cNvPr id="12" name="Text Placeholder 11">
+            <a:extLst>
+              <a:ext uri="{FF2B5EF4-FFF2-40B4-BE49-F238E27FC236}">
+                <a16:creationId xmlns:a16="http://schemas.microsoft.com/office/drawing/2014/main" id="{92F542C4-C40B-41ED-B136-472CCC2DF00E}"/>
+              </a:ext>
+            </a:extLst>
+          </p:cNvPr>
+          <p:cNvSpPr>
+            <a:spLocks noGrp="1"/>
+          </p:cNvSpPr>
+          <p:nvPr>
+            <p:ph type="body" sz="quarter" idx="17"/>
+          </p:nvPr>
+        </p:nvSpPr>
+        <p:spPr>
+          <a:xfrm>
+            <a:off x="3413908" y="4753938"/>
+            <a:ext cx="2532888" cy="307777"/>
+          </a:xfrm>
+        </p:spPr>
+        <p:txBody>
+          <a:bodyPr/>
+          <a:lstStyle/>
+          <a:p>
+            <a:r>
+              <a:rPr lang="en-US" dirty="0"/>
+              <a:t>Text placeholder</a:t>
+            </a:r>
+          </a:p>
+        </p:txBody>
+      </p:sp>
+      <p:sp>
+        <p:nvSpPr>
+          <p:cNvPr id="9" name="Picture Placeholder 8" descr="This photo is a 'placeholder' only. Drag or drop your photo here, or click and tap the center to insert a photo.">
+            <a:extLst>
+              <a:ext uri="{FF2B5EF4-FFF2-40B4-BE49-F238E27FC236}">
+                <a16:creationId xmlns:a16="http://schemas.microsoft.com/office/drawing/2014/main" id="{D5125A72-F156-43CC-A8E4-C1D71612492F}"/>
+              </a:ext>
+            </a:extLst>
+          </p:cNvPr>
+          <p:cNvSpPr>
+            <a:spLocks noGrp="1"/>
+          </p:cNvSpPr>
+          <p:nvPr>
+            <p:ph type="pic" sz="quarter" idx="14"/>
+          </p:nvPr>
+        </p:nvSpPr>
+        <p:spPr/>
+      </p:sp>
+      <p:sp>
+        <p:nvSpPr>
+          <p:cNvPr id="13" name="Text Placeholder 12">
+            <a:extLst>
+              <a:ext uri="{FF2B5EF4-FFF2-40B4-BE49-F238E27FC236}">
+                <a16:creationId xmlns:a16="http://schemas.microsoft.com/office/drawing/2014/main" id="{B43BB8B0-C02C-44E6-A828-FE52984E9278}"/>
+              </a:ext>
+            </a:extLst>
+          </p:cNvPr>
+          <p:cNvSpPr>
+            <a:spLocks noGrp="1"/>
+          </p:cNvSpPr>
+          <p:nvPr>
+            <p:ph type="body" sz="quarter" idx="18"/>
+          </p:nvPr>
+        </p:nvSpPr>
+        <p:spPr>
+          <a:xfrm>
+            <a:off x="6245204" y="4753938"/>
+            <a:ext cx="2532888" cy="307777"/>
+          </a:xfrm>
+        </p:spPr>
+        <p:txBody>
+          <a:bodyPr/>
+          <a:lstStyle/>
+          <a:p>
+            <a:r>
+              <a:rPr lang="en-US" dirty="0"/>
+              <a:t>Text placeholder</a:t>
+            </a:r>
+          </a:p>
+        </p:txBody>
+      </p:sp>
+      <p:sp>
+        <p:nvSpPr>
+          <p:cNvPr id="10" name="Picture Placeholder 9" descr="This photo is a 'placeholder' only. Drag or drop your photo here, or click and tap the center to insert a photo.">
+            <a:extLst>
+              <a:ext uri="{FF2B5EF4-FFF2-40B4-BE49-F238E27FC236}">
+                <a16:creationId xmlns:a16="http://schemas.microsoft.com/office/drawing/2014/main" id="{3183C00D-DE72-42D6-B0F6-E0FC1CAC99CF}"/>
+              </a:ext>
+            </a:extLst>
+          </p:cNvPr>
+          <p:cNvSpPr>
+            <a:spLocks noGrp="1"/>
+          </p:cNvSpPr>
+          <p:nvPr>
+            <p:ph type="pic" sz="quarter" idx="15"/>
+          </p:nvPr>
+        </p:nvSpPr>
+        <p:spPr/>
+      </p:sp>
+      <p:sp>
+        <p:nvSpPr>
+          <p:cNvPr id="15" name="Text Placeholder 14">
+            <a:extLst>
+              <a:ext uri="{FF2B5EF4-FFF2-40B4-BE49-F238E27FC236}">
+                <a16:creationId xmlns:a16="http://schemas.microsoft.com/office/drawing/2014/main" id="{4A98B624-6FA8-4859-B87B-A01D7E95DB26}"/>
+              </a:ext>
+            </a:extLst>
+          </p:cNvPr>
+          <p:cNvSpPr>
+            <a:spLocks noGrp="1"/>
+          </p:cNvSpPr>
+          <p:nvPr>
+            <p:ph type="body" sz="quarter" idx="20"/>
+          </p:nvPr>
+        </p:nvSpPr>
+        <p:spPr>
+          <a:xfrm>
+            <a:off x="9076500" y="4753938"/>
+            <a:ext cx="2532888" cy="307777"/>
+          </a:xfrm>
+        </p:spPr>
+        <p:txBody>
+          <a:bodyPr/>
+          <a:lstStyle/>
+          <a:p>
+            <a:r>
+              <a:rPr lang="en-US" dirty="0"/>
+              <a:t>Text placeholder</a:t>
+            </a:r>
+          </a:p>
+        </p:txBody>
+      </p:sp>
+      <p:sp>
+        <p:nvSpPr>
+          <p:cNvPr id="14" name="Picture Placeholder 13" descr="This photo is a 'placeholder' only. Drag or drop your photo here, or click and tap the center to insert a photo.">
+            <a:extLst>
+              <a:ext uri="{FF2B5EF4-FFF2-40B4-BE49-F238E27FC236}">
+                <a16:creationId xmlns:a16="http://schemas.microsoft.com/office/drawing/2014/main" id="{CF615145-50B1-4694-973A-724322B099D6}"/>
+              </a:ext>
+            </a:extLst>
+          </p:cNvPr>
+          <p:cNvSpPr>
+            <a:spLocks noGrp="1"/>
+          </p:cNvSpPr>
+          <p:nvPr>
+            <p:ph type="pic" sz="quarter" idx="19"/>
+          </p:nvPr>
+        </p:nvSpPr>
+        <p:spPr/>
+      </p:sp>
+    </p:spTree>
+    <p:extLst>
+      <p:ext uri="{BB962C8B-B14F-4D97-AF65-F5344CB8AC3E}">
+        <p14:creationId xmlns:p14="http://schemas.microsoft.com/office/powerpoint/2010/main" val="2504275049"/>
+      </p:ext>
+    </p:extLst>
+  </p:cSld>
+  <p:clrMapOvr>
+    <a:masterClrMapping/>
+  </p:clrMapOvr>
+  <p:transition>
+    <p:fade/>
+  </p:transition>
+</p:sld>
+</file>
+
+<file path=ppt/slides/slide33.xml><?xml version="1.0" encoding="utf-8"?>
+<p:sld xmlns:a="http://schemas.openxmlformats.org/drawingml/2006/main" xmlns:r="http://schemas.openxmlformats.org/officeDocument/2006/relationships" xmlns:p="http://schemas.openxmlformats.org/presentationml/2006/main">
+  <p:cSld>
+    <p:spTree>
+      <p:nvGrpSpPr>
+        <p:cNvPr id="1" name=""/>
+        <p:cNvGrpSpPr/>
+        <p:nvPr/>
+      </p:nvGrpSpPr>
+      <p:grpSpPr>
+        <a:xfrm>
+          <a:off x="0" y="0"/>
+          <a:ext cx="0" cy="0"/>
+          <a:chOff x="0" y="0"/>
+          <a:chExt cx="0" cy="0"/>
+        </a:xfrm>
+      </p:grpSpPr>
+      <p:sp>
+        <p:nvSpPr>
+          <p:cNvPr id="2" name="Title 1">
+            <a:extLst>
+              <a:ext uri="{FF2B5EF4-FFF2-40B4-BE49-F238E27FC236}">
+                <a16:creationId xmlns:a16="http://schemas.microsoft.com/office/drawing/2014/main" id="{4FE98B5C-48BE-4909-9F4A-A4186BB35065}"/>
+              </a:ext>
+            </a:extLst>
+          </p:cNvPr>
+          <p:cNvSpPr>
+            <a:spLocks noGrp="1"/>
+          </p:cNvSpPr>
+          <p:nvPr>
+            <p:ph type="title"/>
+          </p:nvPr>
+        </p:nvSpPr>
+        <p:spPr>
+          <a:xfrm>
+            <a:off x="588263" y="5436128"/>
+            <a:ext cx="11018520" cy="553998"/>
+          </a:xfrm>
+        </p:spPr>
+        <p:txBody>
+          <a:bodyPr/>
+          <a:lstStyle/>
+          <a:p>
+            <a:r>
+              <a:rPr lang="en-US" dirty="0"/>
+              <a:t>Top photo with Title</a:t>
+            </a:r>
+          </a:p>
+        </p:txBody>
+      </p:sp>
+      <p:sp>
+        <p:nvSpPr>
+          <p:cNvPr id="3" name="Picture Placeholder 2" descr="This photo is a 'placeholder' only. Drag or drop your photo here, or click and tap the center to insert a photo.">
+            <a:extLst>
+              <a:ext uri="{FF2B5EF4-FFF2-40B4-BE49-F238E27FC236}">
+                <a16:creationId xmlns:a16="http://schemas.microsoft.com/office/drawing/2014/main" id="{3E53C251-F0C1-4DAA-BF3B-F3E1C6002804}"/>
+              </a:ext>
+            </a:extLst>
+          </p:cNvPr>
+          <p:cNvSpPr>
+            <a:spLocks noGrp="1"/>
+          </p:cNvSpPr>
+          <p:nvPr>
+            <p:ph type="pic" sz="quarter" idx="11"/>
+          </p:nvPr>
+        </p:nvSpPr>
+        <p:spPr/>
+      </p:sp>
+    </p:spTree>
+    <p:extLst>
+      <p:ext uri="{BB962C8B-B14F-4D97-AF65-F5344CB8AC3E}">
+        <p14:creationId xmlns:p14="http://schemas.microsoft.com/office/powerpoint/2010/main" val="544100002"/>
+      </p:ext>
+    </p:extLst>
+  </p:cSld>
+  <p:clrMapOvr>
+    <a:masterClrMapping/>
+  </p:clrMapOvr>
+  <p:transition>
+    <p:fade/>
+  </p:transition>
+</p:sld>
+</file>
+
+<file path=ppt/slides/slide34.xml><?xml version="1.0" encoding="utf-8"?>
+<p:sld xmlns:a="http://schemas.openxmlformats.org/drawingml/2006/main" xmlns:r="http://schemas.openxmlformats.org/officeDocument/2006/relationships" xmlns:p="http://schemas.openxmlformats.org/presentationml/2006/main">
+  <p:cSld>
+    <p:spTree>
+      <p:nvGrpSpPr>
+        <p:cNvPr id="1" name=""/>
+        <p:cNvGrpSpPr/>
+        <p:nvPr/>
+      </p:nvGrpSpPr>
+      <p:grpSpPr>
+        <a:xfrm>
+          <a:off x="0" y="0"/>
+          <a:ext cx="0" cy="0"/>
+          <a:chOff x="0" y="0"/>
+          <a:chExt cx="0" cy="0"/>
+        </a:xfrm>
+      </p:grpSpPr>
+      <p:sp>
+        <p:nvSpPr>
           <p:cNvPr id="2" name="Picture Placeholder 1" descr="This photo is a 'placeholder' only. Drag or drop your photo here, or click and tap the center to insert a photo.">
             <a:extLst>
               <a:ext uri="{FF2B5EF4-FFF2-40B4-BE49-F238E27FC236}">
@@ -19639,7 +21036,7 @@
 </p:sld>
 </file>
 
-<file path=ppt/slides/slide32.xml><?xml version="1.0" encoding="utf-8"?>
+<file path=ppt/slides/slide35.xml><?xml version="1.0" encoding="utf-8"?>
 <p:sld xmlns:a="http://schemas.openxmlformats.org/drawingml/2006/main" xmlns:r="http://schemas.openxmlformats.org/officeDocument/2006/relationships" xmlns:p="http://schemas.openxmlformats.org/presentationml/2006/main">
   <p:cSld>
     <p:spTree>
@@ -21200,7 +22597,7 @@
 </p:sld>
 </file>
 
-<file path=ppt/slides/slide33.xml><?xml version="1.0" encoding="utf-8"?>
+<file path=ppt/slides/slide36.xml><?xml version="1.0" encoding="utf-8"?>
 <p:sld xmlns:a="http://schemas.openxmlformats.org/drawingml/2006/main" xmlns:r="http://schemas.openxmlformats.org/officeDocument/2006/relationships" xmlns:p="http://schemas.openxmlformats.org/presentationml/2006/main">
   <p:cSld>
     <p:spTree>
@@ -26491,7 +27888,7 @@
 </p:sld>
 </file>
 
-<file path=ppt/slides/slide34.xml><?xml version="1.0" encoding="utf-8"?>
+<file path=ppt/slides/slide37.xml><?xml version="1.0" encoding="utf-8"?>
 <p:sld xmlns:a="http://schemas.openxmlformats.org/drawingml/2006/main" xmlns:r="http://schemas.openxmlformats.org/officeDocument/2006/relationships" xmlns:p="http://schemas.openxmlformats.org/presentationml/2006/main">
   <p:cSld>
     <p:spTree>
@@ -30692,7 +32089,7 @@
 </p:sld>
 </file>
 
-<file path=ppt/slides/slide35.xml><?xml version="1.0" encoding="utf-8"?>
+<file path=ppt/slides/slide38.xml><?xml version="1.0" encoding="utf-8"?>
 <p:sld xmlns:a="http://schemas.openxmlformats.org/drawingml/2006/main" xmlns:r="http://schemas.openxmlformats.org/officeDocument/2006/relationships" xmlns:p="http://schemas.openxmlformats.org/presentationml/2006/main">
   <p:cSld>
     <p:spTree>
@@ -31076,7 +32473,7 @@
 </p:sld>
 </file>
 
-<file path=ppt/slides/slide36.xml><?xml version="1.0" encoding="utf-8"?>
+<file path=ppt/slides/slide39.xml><?xml version="1.0" encoding="utf-8"?>
 <p:sld xmlns:a="http://schemas.openxmlformats.org/drawingml/2006/main" xmlns:r="http://schemas.openxmlformats.org/officeDocument/2006/relationships" xmlns:p="http://schemas.openxmlformats.org/presentationml/2006/main">
   <p:cSld>
     <p:spTree>
@@ -31376,215 +32773,6 @@
 </p:sld>
 </file>
 
-<file path=ppt/slides/slide37.xml><?xml version="1.0" encoding="utf-8"?>
-<p:sld xmlns:a="http://schemas.openxmlformats.org/drawingml/2006/main" xmlns:r="http://schemas.openxmlformats.org/officeDocument/2006/relationships" xmlns:p="http://schemas.openxmlformats.org/presentationml/2006/main">
-  <p:cSld>
-    <p:spTree>
-      <p:nvGrpSpPr>
-        <p:cNvPr id="1" name=""/>
-        <p:cNvGrpSpPr/>
-        <p:nvPr/>
-      </p:nvGrpSpPr>
-      <p:grpSpPr>
-        <a:xfrm>
-          <a:off x="0" y="0"/>
-          <a:ext cx="0" cy="0"/>
-          <a:chOff x="0" y="0"/>
-          <a:chExt cx="0" cy="0"/>
-        </a:xfrm>
-      </p:grpSpPr>
-      <p:sp>
-        <p:nvSpPr>
-          <p:cNvPr id="3" name="Title 2"/>
-          <p:cNvSpPr>
-            <a:spLocks noGrp="1"/>
-          </p:cNvSpPr>
-          <p:nvPr>
-            <p:ph type="title"/>
-          </p:nvPr>
-        </p:nvSpPr>
-        <p:spPr/>
-        <p:txBody>
-          <a:bodyPr/>
-          <a:lstStyle/>
-          <a:p>
-            <a:r>
-              <a:rPr lang="en-US" dirty="0"/>
-              <a:t>Demo</a:t>
-            </a:r>
-          </a:p>
-        </p:txBody>
-      </p:sp>
-      <p:sp>
-        <p:nvSpPr>
-          <p:cNvPr id="4" name="Text Placeholder 3"/>
-          <p:cNvSpPr>
-            <a:spLocks noGrp="1"/>
-          </p:cNvSpPr>
-          <p:nvPr>
-            <p:ph type="body" sz="quarter" idx="12"/>
-          </p:nvPr>
-        </p:nvSpPr>
-        <p:spPr/>
-        <p:txBody>
-          <a:bodyPr/>
-          <a:lstStyle/>
-          <a:p>
-            <a:r>
-              <a:rPr lang="en-US" dirty="0"/>
-              <a:t>Speaker name</a:t>
-            </a:r>
-          </a:p>
-        </p:txBody>
-      </p:sp>
-    </p:spTree>
-    <p:extLst>
-      <p:ext uri="{BB962C8B-B14F-4D97-AF65-F5344CB8AC3E}">
-        <p14:creationId xmlns:p14="http://schemas.microsoft.com/office/powerpoint/2010/main" val="203203085"/>
-      </p:ext>
-    </p:extLst>
-  </p:cSld>
-  <p:clrMapOvr>
-    <a:masterClrMapping/>
-  </p:clrMapOvr>
-  <p:transition>
-    <p:fade/>
-  </p:transition>
-</p:sld>
-</file>
-
-<file path=ppt/slides/slide38.xml><?xml version="1.0" encoding="utf-8"?>
-<p:sld xmlns:a="http://schemas.openxmlformats.org/drawingml/2006/main" xmlns:r="http://schemas.openxmlformats.org/officeDocument/2006/relationships" xmlns:p="http://schemas.openxmlformats.org/presentationml/2006/main">
-  <p:cSld>
-    <p:spTree>
-      <p:nvGrpSpPr>
-        <p:cNvPr id="1" name=""/>
-        <p:cNvGrpSpPr/>
-        <p:nvPr/>
-      </p:nvGrpSpPr>
-      <p:grpSpPr>
-        <a:xfrm>
-          <a:off x="0" y="0"/>
-          <a:ext cx="0" cy="0"/>
-          <a:chOff x="0" y="0"/>
-          <a:chExt cx="0" cy="0"/>
-        </a:xfrm>
-      </p:grpSpPr>
-      <p:sp>
-        <p:nvSpPr>
-          <p:cNvPr id="2" name="Title 1"/>
-          <p:cNvSpPr>
-            <a:spLocks noGrp="1"/>
-          </p:cNvSpPr>
-          <p:nvPr>
-            <p:ph type="title"/>
-          </p:nvPr>
-        </p:nvSpPr>
-        <p:spPr/>
-        <p:txBody>
-          <a:bodyPr/>
-          <a:lstStyle/>
-          <a:p>
-            <a:r>
-              <a:rPr lang="en-US" dirty="0"/>
-              <a:t>Section title</a:t>
-            </a:r>
-          </a:p>
-        </p:txBody>
-      </p:sp>
-    </p:spTree>
-    <p:extLst>
-      <p:ext uri="{BB962C8B-B14F-4D97-AF65-F5344CB8AC3E}">
-        <p14:creationId xmlns:p14="http://schemas.microsoft.com/office/powerpoint/2010/main" val="3249496989"/>
-      </p:ext>
-    </p:extLst>
-  </p:cSld>
-  <p:clrMapOvr>
-    <a:masterClrMapping/>
-  </p:clrMapOvr>
-  <p:transition>
-    <p:fade/>
-  </p:transition>
-</p:sld>
-</file>
-
-<file path=ppt/slides/slide39.xml><?xml version="1.0" encoding="utf-8"?>
-<p:sld xmlns:a="http://schemas.openxmlformats.org/drawingml/2006/main" xmlns:r="http://schemas.openxmlformats.org/officeDocument/2006/relationships" xmlns:p="http://schemas.openxmlformats.org/presentationml/2006/main">
-  <p:cSld>
-    <p:spTree>
-      <p:nvGrpSpPr>
-        <p:cNvPr id="1" name=""/>
-        <p:cNvGrpSpPr/>
-        <p:nvPr/>
-      </p:nvGrpSpPr>
-      <p:grpSpPr>
-        <a:xfrm>
-          <a:off x="0" y="0"/>
-          <a:ext cx="0" cy="0"/>
-          <a:chOff x="0" y="0"/>
-          <a:chExt cx="0" cy="0"/>
-        </a:xfrm>
-      </p:grpSpPr>
-      <p:sp>
-        <p:nvSpPr>
-          <p:cNvPr id="4" name="Title 3"/>
-          <p:cNvSpPr>
-            <a:spLocks noGrp="1"/>
-          </p:cNvSpPr>
-          <p:nvPr>
-            <p:ph type="title"/>
-          </p:nvPr>
-        </p:nvSpPr>
-        <p:spPr/>
-        <p:txBody>
-          <a:bodyPr/>
-          <a:lstStyle/>
-          <a:p>
-            <a:r>
-              <a:rPr lang="en-US" dirty="0"/>
-              <a:t>Software code slide</a:t>
-            </a:r>
-          </a:p>
-        </p:txBody>
-      </p:sp>
-      <p:sp>
-        <p:nvSpPr>
-          <p:cNvPr id="5" name="Text Placeholder 4"/>
-          <p:cNvSpPr>
-            <a:spLocks noGrp="1"/>
-          </p:cNvSpPr>
-          <p:nvPr>
-            <p:ph type="body" sz="quarter" idx="10"/>
-          </p:nvPr>
-        </p:nvSpPr>
-        <p:spPr/>
-        <p:txBody>
-          <a:bodyPr/>
-          <a:lstStyle/>
-          <a:p>
-            <a:r>
-              <a:rPr lang="en-US" dirty="0"/>
-              <a:t>This slide layout uses Consolas, a monotype font which is ideal for showing software code. </a:t>
-            </a:r>
-          </a:p>
-        </p:txBody>
-      </p:sp>
-    </p:spTree>
-    <p:extLst>
-      <p:ext uri="{BB962C8B-B14F-4D97-AF65-F5344CB8AC3E}">
-        <p14:creationId xmlns:p14="http://schemas.microsoft.com/office/powerpoint/2010/main" val="1041029672"/>
-      </p:ext>
-    </p:extLst>
-  </p:cSld>
-  <p:clrMapOvr>
-    <a:masterClrMapping/>
-  </p:clrMapOvr>
-  <p:transition>
-    <p:fade/>
-  </p:transition>
-</p:sld>
-</file>
-
 <file path=ppt/slides/slide4.xml><?xml version="1.0" encoding="utf-8"?>
 <p:sld xmlns:a="http://schemas.openxmlformats.org/drawingml/2006/main" xmlns:r="http://schemas.openxmlformats.org/officeDocument/2006/relationships" xmlns:p="http://schemas.openxmlformats.org/presentationml/2006/main">
   <p:cSld>
@@ -31607,7 +32795,7 @@
           <p:cNvPr id="2" name="Title 1">
             <a:extLst>
               <a:ext uri="{FF2B5EF4-FFF2-40B4-BE49-F238E27FC236}">
-                <a16:creationId xmlns:a16="http://schemas.microsoft.com/office/drawing/2014/main" id="{CAC11701-7989-D58B-5E8A-D0D8316AB7B1}"/>
+                <a16:creationId xmlns:a16="http://schemas.microsoft.com/office/drawing/2014/main" id="{6FB48FA5-5241-2043-11B1-B1AAB238805F}"/>
               </a:ext>
             </a:extLst>
           </p:cNvPr>
@@ -31625,80 +32813,575 @@
           <a:p>
             <a:r>
               <a:rPr lang="en-IE" dirty="0"/>
-              <a:t>EA and CSP</a:t>
-            </a:r>
-          </a:p>
-        </p:txBody>
-      </p:sp>
-      <p:sp>
-        <p:nvSpPr>
-          <p:cNvPr id="3" name="Content Placeholder 2">
+              <a:t>Options</a:t>
+            </a:r>
+          </a:p>
+        </p:txBody>
+      </p:sp>
+      <p:graphicFrame>
+        <p:nvGraphicFramePr>
+          <p:cNvPr id="4" name="Table 4">
             <a:extLst>
               <a:ext uri="{FF2B5EF4-FFF2-40B4-BE49-F238E27FC236}">
-                <a16:creationId xmlns:a16="http://schemas.microsoft.com/office/drawing/2014/main" id="{765E93E9-CA77-E882-F286-60BD948275D5}"/>
+                <a16:creationId xmlns:a16="http://schemas.microsoft.com/office/drawing/2014/main" id="{1E408CF8-010A-9360-A312-4D8B4D2E74D9}"/>
               </a:ext>
             </a:extLst>
           </p:cNvPr>
-          <p:cNvSpPr>
-            <a:spLocks noGrp="1"/>
-          </p:cNvSpPr>
+          <p:cNvGraphicFramePr>
+            <a:graphicFrameLocks noGrp="1"/>
+          </p:cNvGraphicFramePr>
           <p:nvPr>
             <p:ph sz="quarter" idx="10"/>
-          </p:nvPr>
+            <p:extLst>
+              <p:ext uri="{D42A27DB-BD31-4B8C-83A1-F6EECF244321}">
+                <p14:modId xmlns:p14="http://schemas.microsoft.com/office/powerpoint/2010/main" val="1519863308"/>
+              </p:ext>
+            </p:extLst>
+          </p:nvPr>
+        </p:nvGraphicFramePr>
+        <p:xfrm>
+          <a:off x="586674" y="2027463"/>
+          <a:ext cx="11018520" cy="2913234"/>
+        </p:xfrm>
+        <a:graphic>
+          <a:graphicData uri="http://schemas.openxmlformats.org/drawingml/2006/table">
+            <a:tbl>
+              <a:tblPr firstRow="1" bandRow="1">
+                <a:tableStyleId>{5C22544A-7EE6-4342-B048-85BDC9FD1C3A}</a:tableStyleId>
+              </a:tblPr>
+              <a:tblGrid>
+                <a:gridCol w="3419046">
+                  <a:extLst>
+                    <a:ext uri="{9D8B030D-6E8A-4147-A177-3AD203B41FA5}">
+                      <a16:colId xmlns:a16="http://schemas.microsoft.com/office/drawing/2014/main" val="2725899185"/>
+                    </a:ext>
+                  </a:extLst>
+                </a:gridCol>
+                <a:gridCol w="1975319">
+                  <a:extLst>
+                    <a:ext uri="{9D8B030D-6E8A-4147-A177-3AD203B41FA5}">
+                      <a16:colId xmlns:a16="http://schemas.microsoft.com/office/drawing/2014/main" val="2989474439"/>
+                    </a:ext>
+                  </a:extLst>
+                </a:gridCol>
+                <a:gridCol w="2175069">
+                  <a:extLst>
+                    <a:ext uri="{9D8B030D-6E8A-4147-A177-3AD203B41FA5}">
+                      <a16:colId xmlns:a16="http://schemas.microsoft.com/office/drawing/2014/main" val="3536805898"/>
+                    </a:ext>
+                  </a:extLst>
+                </a:gridCol>
+                <a:gridCol w="1724543">
+                  <a:extLst>
+                    <a:ext uri="{9D8B030D-6E8A-4147-A177-3AD203B41FA5}">
+                      <a16:colId xmlns:a16="http://schemas.microsoft.com/office/drawing/2014/main" val="1517409038"/>
+                    </a:ext>
+                  </a:extLst>
+                </a:gridCol>
+                <a:gridCol w="1724543">
+                  <a:extLst>
+                    <a:ext uri="{9D8B030D-6E8A-4147-A177-3AD203B41FA5}">
+                      <a16:colId xmlns:a16="http://schemas.microsoft.com/office/drawing/2014/main" val="940930250"/>
+                    </a:ext>
+                  </a:extLst>
+                </a:gridCol>
+              </a:tblGrid>
+              <a:tr h="485539">
+                <a:tc>
+                  <a:txBody>
+                    <a:bodyPr/>
+                    <a:lstStyle/>
+                    <a:p>
+                      <a:endParaRPr lang="en-IE" dirty="0"/>
+                    </a:p>
+                  </a:txBody>
+                  <a:tcPr/>
+                </a:tc>
+                <a:tc>
+                  <a:txBody>
+                    <a:bodyPr/>
+                    <a:lstStyle/>
+                    <a:p>
+                      <a:r>
+                        <a:rPr lang="en-IE" dirty="0"/>
+                        <a:t>PAYG</a:t>
+                      </a:r>
+                    </a:p>
+                  </a:txBody>
+                  <a:tcPr/>
+                </a:tc>
+                <a:tc>
+                  <a:txBody>
+                    <a:bodyPr/>
+                    <a:lstStyle/>
+                    <a:p>
+                      <a:r>
+                        <a:rPr lang="en-IE" dirty="0"/>
+                        <a:t>MCA</a:t>
+                      </a:r>
+                    </a:p>
+                  </a:txBody>
+                  <a:tcPr/>
+                </a:tc>
+                <a:tc>
+                  <a:txBody>
+                    <a:bodyPr/>
+                    <a:lstStyle/>
+                    <a:p>
+                      <a:r>
+                        <a:rPr lang="en-IE" dirty="0"/>
+                        <a:t>Direct EA, CSP</a:t>
+                      </a:r>
+                    </a:p>
+                  </a:txBody>
+                  <a:tcPr/>
+                </a:tc>
+                <a:tc>
+                  <a:txBody>
+                    <a:bodyPr/>
+                    <a:lstStyle/>
+                    <a:p>
+                      <a:r>
+                        <a:rPr lang="en-IE" dirty="0"/>
+                        <a:t>Indirect EA</a:t>
+                      </a:r>
+                    </a:p>
+                  </a:txBody>
+                  <a:tcPr/>
+                </a:tc>
+                <a:extLst>
+                  <a:ext uri="{0D108BD9-81ED-4DB2-BD59-A6C34878D82A}">
+                    <a16:rowId xmlns:a16="http://schemas.microsoft.com/office/drawing/2014/main" val="506408672"/>
+                  </a:ext>
+                </a:extLst>
+              </a:tr>
+              <a:tr h="485539">
+                <a:tc>
+                  <a:txBody>
+                    <a:bodyPr/>
+                    <a:lstStyle/>
+                    <a:p>
+                      <a:r>
+                        <a:rPr lang="en-IE" dirty="0"/>
+                        <a:t>Azure Portal - Cost Analysis (*)</a:t>
+                      </a:r>
+                    </a:p>
+                  </a:txBody>
+                  <a:tcPr/>
+                </a:tc>
+                <a:tc>
+                  <a:txBody>
+                    <a:bodyPr/>
+                    <a:lstStyle/>
+                    <a:p>
+                      <a:r>
+                        <a:rPr lang="en-IE" dirty="0"/>
+                        <a:t>Yes</a:t>
+                      </a:r>
+                    </a:p>
+                  </a:txBody>
+                  <a:tcPr/>
+                </a:tc>
+                <a:tc>
+                  <a:txBody>
+                    <a:bodyPr/>
+                    <a:lstStyle/>
+                    <a:p>
+                      <a:r>
+                        <a:rPr lang="en-IE" dirty="0"/>
+                        <a:t>Yes</a:t>
+                      </a:r>
+                    </a:p>
+                  </a:txBody>
+                  <a:tcPr/>
+                </a:tc>
+                <a:tc>
+                  <a:txBody>
+                    <a:bodyPr/>
+                    <a:lstStyle/>
+                    <a:p>
+                      <a:r>
+                        <a:rPr lang="en-IE" dirty="0"/>
+                        <a:t>Yes</a:t>
+                      </a:r>
+                    </a:p>
+                  </a:txBody>
+                  <a:tcPr/>
+                </a:tc>
+                <a:tc>
+                  <a:txBody>
+                    <a:bodyPr/>
+                    <a:lstStyle/>
+                    <a:p>
+                      <a:endParaRPr lang="en-IE"/>
+                    </a:p>
+                  </a:txBody>
+                  <a:tcPr/>
+                </a:tc>
+                <a:extLst>
+                  <a:ext uri="{0D108BD9-81ED-4DB2-BD59-A6C34878D82A}">
+                    <a16:rowId xmlns:a16="http://schemas.microsoft.com/office/drawing/2014/main" val="1803208033"/>
+                  </a:ext>
+                </a:extLst>
+              </a:tr>
+              <a:tr h="485539">
+                <a:tc>
+                  <a:txBody>
+                    <a:bodyPr/>
+                    <a:lstStyle/>
+                    <a:p>
+                      <a:r>
+                        <a:rPr lang="en-IE" dirty="0"/>
+                        <a:t>EA Portal</a:t>
+                      </a:r>
+                    </a:p>
+                  </a:txBody>
+                  <a:tcPr/>
+                </a:tc>
+                <a:tc>
+                  <a:txBody>
+                    <a:bodyPr/>
+                    <a:lstStyle/>
+                    <a:p>
+                      <a:endParaRPr lang="en-IE"/>
+                    </a:p>
+                  </a:txBody>
+                  <a:tcPr/>
+                </a:tc>
+                <a:tc>
+                  <a:txBody>
+                    <a:bodyPr/>
+                    <a:lstStyle/>
+                    <a:p>
+                      <a:endParaRPr lang="en-IE"/>
+                    </a:p>
+                  </a:txBody>
+                  <a:tcPr/>
+                </a:tc>
+                <a:tc>
+                  <a:txBody>
+                    <a:bodyPr/>
+                    <a:lstStyle/>
+                    <a:p>
+                      <a:endParaRPr lang="en-IE"/>
+                    </a:p>
+                  </a:txBody>
+                  <a:tcPr/>
+                </a:tc>
+                <a:tc>
+                  <a:txBody>
+                    <a:bodyPr/>
+                    <a:lstStyle/>
+                    <a:p>
+                      <a:r>
+                        <a:rPr lang="en-IE" dirty="0"/>
+                        <a:t>Yes</a:t>
+                      </a:r>
+                    </a:p>
+                  </a:txBody>
+                  <a:tcPr/>
+                </a:tc>
+                <a:extLst>
+                  <a:ext uri="{0D108BD9-81ED-4DB2-BD59-A6C34878D82A}">
+                    <a16:rowId xmlns:a16="http://schemas.microsoft.com/office/drawing/2014/main" val="2135184906"/>
+                  </a:ext>
+                </a:extLst>
+              </a:tr>
+              <a:tr h="485539">
+                <a:tc>
+                  <a:txBody>
+                    <a:bodyPr/>
+                    <a:lstStyle/>
+                    <a:p>
+                      <a:r>
+                        <a:rPr lang="en-IE" dirty="0"/>
+                        <a:t>Power BI Connector</a:t>
+                      </a:r>
+                    </a:p>
+                  </a:txBody>
+                  <a:tcPr/>
+                </a:tc>
+                <a:tc>
+                  <a:txBody>
+                    <a:bodyPr/>
+                    <a:lstStyle/>
+                    <a:p>
+                      <a:endParaRPr lang="en-IE"/>
+                    </a:p>
+                  </a:txBody>
+                  <a:tcPr/>
+                </a:tc>
+                <a:tc>
+                  <a:txBody>
+                    <a:bodyPr/>
+                    <a:lstStyle/>
+                    <a:p>
+                      <a:r>
+                        <a:rPr lang="en-IE" dirty="0"/>
+                        <a:t>Yes</a:t>
+                      </a:r>
+                    </a:p>
+                  </a:txBody>
+                  <a:tcPr/>
+                </a:tc>
+                <a:tc>
+                  <a:txBody>
+                    <a:bodyPr/>
+                    <a:lstStyle/>
+                    <a:p>
+                      <a:r>
+                        <a:rPr lang="en-IE" dirty="0"/>
+                        <a:t>Yes</a:t>
+                      </a:r>
+                    </a:p>
+                  </a:txBody>
+                  <a:tcPr/>
+                </a:tc>
+                <a:tc>
+                  <a:txBody>
+                    <a:bodyPr/>
+                    <a:lstStyle/>
+                    <a:p>
+                      <a:endParaRPr lang="en-IE"/>
+                    </a:p>
+                  </a:txBody>
+                  <a:tcPr/>
+                </a:tc>
+                <a:extLst>
+                  <a:ext uri="{0D108BD9-81ED-4DB2-BD59-A6C34878D82A}">
+                    <a16:rowId xmlns:a16="http://schemas.microsoft.com/office/drawing/2014/main" val="142487532"/>
+                  </a:ext>
+                </a:extLst>
+              </a:tr>
+              <a:tr h="485539">
+                <a:tc>
+                  <a:txBody>
+                    <a:bodyPr/>
+                    <a:lstStyle/>
+                    <a:p>
+                      <a:r>
+                        <a:rPr lang="en-IE" dirty="0"/>
+                        <a:t>Cost Management API (**)</a:t>
+                      </a:r>
+                    </a:p>
+                  </a:txBody>
+                  <a:tcPr/>
+                </a:tc>
+                <a:tc>
+                  <a:txBody>
+                    <a:bodyPr/>
+                    <a:lstStyle/>
+                    <a:p>
+                      <a:endParaRPr lang="en-IE"/>
+                    </a:p>
+                  </a:txBody>
+                  <a:tcPr/>
+                </a:tc>
+                <a:tc>
+                  <a:txBody>
+                    <a:bodyPr/>
+                    <a:lstStyle/>
+                    <a:p>
+                      <a:r>
+                        <a:rPr lang="en-IE" dirty="0"/>
+                        <a:t>Yes</a:t>
+                      </a:r>
+                    </a:p>
+                  </a:txBody>
+                  <a:tcPr/>
+                </a:tc>
+                <a:tc>
+                  <a:txBody>
+                    <a:bodyPr/>
+                    <a:lstStyle/>
+                    <a:p>
+                      <a:r>
+                        <a:rPr lang="en-IE" dirty="0"/>
+                        <a:t>Yes</a:t>
+                      </a:r>
+                    </a:p>
+                  </a:txBody>
+                  <a:tcPr/>
+                </a:tc>
+                <a:tc>
+                  <a:txBody>
+                    <a:bodyPr/>
+                    <a:lstStyle/>
+                    <a:p>
+                      <a:endParaRPr lang="en-IE"/>
+                    </a:p>
+                  </a:txBody>
+                  <a:tcPr/>
+                </a:tc>
+                <a:extLst>
+                  <a:ext uri="{0D108BD9-81ED-4DB2-BD59-A6C34878D82A}">
+                    <a16:rowId xmlns:a16="http://schemas.microsoft.com/office/drawing/2014/main" val="3303635961"/>
+                  </a:ext>
+                </a:extLst>
+              </a:tr>
+              <a:tr h="485539">
+                <a:tc>
+                  <a:txBody>
+                    <a:bodyPr/>
+                    <a:lstStyle/>
+                    <a:p>
+                      <a:r>
+                        <a:rPr lang="en-IE" dirty="0" err="1"/>
+                        <a:t>Microsoft.Consumption</a:t>
+                      </a:r>
+                      <a:r>
+                        <a:rPr lang="en-IE" dirty="0"/>
+                        <a:t> API (**)</a:t>
+                      </a:r>
+                    </a:p>
+                  </a:txBody>
+                  <a:tcPr/>
+                </a:tc>
+                <a:tc>
+                  <a:txBody>
+                    <a:bodyPr/>
+                    <a:lstStyle/>
+                    <a:p>
+                      <a:r>
+                        <a:rPr lang="en-IE" dirty="0"/>
+                        <a:t>Yes</a:t>
+                      </a:r>
+                    </a:p>
+                  </a:txBody>
+                  <a:tcPr/>
+                </a:tc>
+                <a:tc>
+                  <a:txBody>
+                    <a:bodyPr/>
+                    <a:lstStyle/>
+                    <a:p>
+                      <a:r>
+                        <a:rPr lang="en-IE" dirty="0"/>
+                        <a:t>Yes</a:t>
+                      </a:r>
+                    </a:p>
+                  </a:txBody>
+                  <a:tcPr/>
+                </a:tc>
+                <a:tc>
+                  <a:txBody>
+                    <a:bodyPr/>
+                    <a:lstStyle/>
+                    <a:p>
+                      <a:r>
+                        <a:rPr lang="en-IE" dirty="0"/>
+                        <a:t>Yes</a:t>
+                      </a:r>
+                    </a:p>
+                  </a:txBody>
+                  <a:tcPr/>
+                </a:tc>
+                <a:tc>
+                  <a:txBody>
+                    <a:bodyPr/>
+                    <a:lstStyle/>
+                    <a:p>
+                      <a:endParaRPr lang="en-IE" dirty="0"/>
+                    </a:p>
+                  </a:txBody>
+                  <a:tcPr/>
+                </a:tc>
+                <a:extLst>
+                  <a:ext uri="{0D108BD9-81ED-4DB2-BD59-A6C34878D82A}">
+                    <a16:rowId xmlns:a16="http://schemas.microsoft.com/office/drawing/2014/main" val="3572167985"/>
+                  </a:ext>
+                </a:extLst>
+              </a:tr>
+            </a:tbl>
+          </a:graphicData>
+        </a:graphic>
+      </p:graphicFrame>
+      <p:sp>
+        <p:nvSpPr>
+          <p:cNvPr id="5" name="TextBox 4">
+            <a:extLst>
+              <a:ext uri="{FF2B5EF4-FFF2-40B4-BE49-F238E27FC236}">
+                <a16:creationId xmlns:a16="http://schemas.microsoft.com/office/drawing/2014/main" id="{04E2FA69-348E-9D0B-419B-303F2745DD09}"/>
+              </a:ext>
+            </a:extLst>
+          </p:cNvPr>
+          <p:cNvSpPr txBox="1"/>
+          <p:nvPr/>
         </p:nvSpPr>
         <p:spPr>
           <a:xfrm>
-            <a:off x="584200" y="1435100"/>
-            <a:ext cx="11018838" cy="2203680"/>
+            <a:off x="586674" y="5456873"/>
+            <a:ext cx="11018521" cy="615553"/>
           </a:xfrm>
+          <a:prstGeom prst="rect">
+            <a:avLst/>
+          </a:prstGeom>
+          <a:noFill/>
         </p:spPr>
         <p:txBody>
-          <a:bodyPr/>
+          <a:bodyPr wrap="square" lIns="0" tIns="0" rIns="0" bIns="0" rtlCol="0">
+            <a:spAutoFit/>
+          </a:bodyPr>
           <a:lstStyle/>
           <a:p>
-            <a:r>
-              <a:rPr lang="en-IE" dirty="0"/>
-              <a:t>Indirect and Government </a:t>
-            </a:r>
-          </a:p>
-          <a:p>
-            <a:pPr lvl="1"/>
-            <a:r>
-              <a:rPr lang="en-IE" dirty="0"/>
-              <a:t>Use EA portal: </a:t>
-            </a:r>
-            <a:r>
-              <a:rPr lang="en-IE" b="0" i="0" u="none" strike="noStrike" dirty="0">
-                <a:effectLst/>
-                <a:latin typeface="Segoe UI" panose="020B0502040204020203" pitchFamily="34" charset="0"/>
+            <a:pPr algn="l"/>
+            <a:r>
+              <a:rPr lang="en-IE" sz="2000" dirty="0"/>
+              <a:t>(*) Both Cost Management and Cost Management (preview) are available at this time (Nov’22)</a:t>
+            </a:r>
+          </a:p>
+          <a:p>
+            <a:pPr algn="l"/>
+            <a:r>
+              <a:rPr lang="en-IE" sz="2000" dirty="0"/>
+              <a:t>(**) multiple APIs available, some in preview, some being deprecated</a:t>
+            </a:r>
+          </a:p>
+        </p:txBody>
+      </p:sp>
+      <p:sp>
+        <p:nvSpPr>
+          <p:cNvPr id="6" name="TextBox 5">
+            <a:extLst>
+              <a:ext uri="{FF2B5EF4-FFF2-40B4-BE49-F238E27FC236}">
+                <a16:creationId xmlns:a16="http://schemas.microsoft.com/office/drawing/2014/main" id="{B6232D57-73FE-D8BA-359F-909304134C12}"/>
+              </a:ext>
+            </a:extLst>
+          </p:cNvPr>
+          <p:cNvSpPr txBox="1"/>
+          <p:nvPr/>
+        </p:nvSpPr>
+        <p:spPr>
+          <a:xfrm flipH="1">
+            <a:off x="586804" y="1275907"/>
+            <a:ext cx="11018455" cy="307777"/>
+          </a:xfrm>
+          <a:prstGeom prst="rect">
+            <a:avLst/>
+          </a:prstGeom>
+          <a:noFill/>
+        </p:spPr>
+        <p:txBody>
+          <a:bodyPr wrap="square" lIns="0" tIns="0" rIns="0" bIns="0" rtlCol="0">
+            <a:spAutoFit/>
+          </a:bodyPr>
+          <a:lstStyle/>
+          <a:p>
+            <a:pPr algn="l"/>
+            <a:r>
+              <a:rPr lang="en-IE" sz="2000" dirty="0">
                 <a:hlinkClick r:id="rId3"/>
               </a:rPr>
-              <a:t>https://ea.azure.com</a:t>
-            </a:r>
-            <a:endParaRPr lang="en-IE" dirty="0"/>
-          </a:p>
-          <a:p>
-            <a:endParaRPr lang="en-IE" dirty="0"/>
-          </a:p>
-          <a:p>
-            <a:r>
-              <a:rPr lang="en-IE" dirty="0"/>
-              <a:t>Direct EA </a:t>
-            </a:r>
-          </a:p>
-          <a:p>
-            <a:pPr lvl="1"/>
-            <a:r>
-              <a:rPr lang="en-IE" dirty="0"/>
-              <a:t>Cost Management in the Azure Portal</a:t>
-            </a:r>
+              <a:t>Get started with Cost Management + Billing reporting</a:t>
+            </a:r>
+            <a:endParaRPr lang="en-IE" sz="2000" dirty="0"/>
           </a:p>
         </p:txBody>
       </p:sp>
     </p:spTree>
     <p:extLst>
       <p:ext uri="{BB962C8B-B14F-4D97-AF65-F5344CB8AC3E}">
-        <p14:creationId xmlns:p14="http://schemas.microsoft.com/office/powerpoint/2010/main" val="1068423789"/>
+        <p14:creationId xmlns:p14="http://schemas.microsoft.com/office/powerpoint/2010/main" val="2189807625"/>
       </p:ext>
     </p:extLst>
   </p:cSld>
@@ -31712,6 +33395,215 @@
 </file>
 
 <file path=ppt/slides/slide40.xml><?xml version="1.0" encoding="utf-8"?>
+<p:sld xmlns:a="http://schemas.openxmlformats.org/drawingml/2006/main" xmlns:r="http://schemas.openxmlformats.org/officeDocument/2006/relationships" xmlns:p="http://schemas.openxmlformats.org/presentationml/2006/main">
+  <p:cSld>
+    <p:spTree>
+      <p:nvGrpSpPr>
+        <p:cNvPr id="1" name=""/>
+        <p:cNvGrpSpPr/>
+        <p:nvPr/>
+      </p:nvGrpSpPr>
+      <p:grpSpPr>
+        <a:xfrm>
+          <a:off x="0" y="0"/>
+          <a:ext cx="0" cy="0"/>
+          <a:chOff x="0" y="0"/>
+          <a:chExt cx="0" cy="0"/>
+        </a:xfrm>
+      </p:grpSpPr>
+      <p:sp>
+        <p:nvSpPr>
+          <p:cNvPr id="3" name="Title 2"/>
+          <p:cNvSpPr>
+            <a:spLocks noGrp="1"/>
+          </p:cNvSpPr>
+          <p:nvPr>
+            <p:ph type="title"/>
+          </p:nvPr>
+        </p:nvSpPr>
+        <p:spPr/>
+        <p:txBody>
+          <a:bodyPr/>
+          <a:lstStyle/>
+          <a:p>
+            <a:r>
+              <a:rPr lang="en-US" dirty="0"/>
+              <a:t>Demo</a:t>
+            </a:r>
+          </a:p>
+        </p:txBody>
+      </p:sp>
+      <p:sp>
+        <p:nvSpPr>
+          <p:cNvPr id="4" name="Text Placeholder 3"/>
+          <p:cNvSpPr>
+            <a:spLocks noGrp="1"/>
+          </p:cNvSpPr>
+          <p:nvPr>
+            <p:ph type="body" sz="quarter" idx="12"/>
+          </p:nvPr>
+        </p:nvSpPr>
+        <p:spPr/>
+        <p:txBody>
+          <a:bodyPr/>
+          <a:lstStyle/>
+          <a:p>
+            <a:r>
+              <a:rPr lang="en-US" dirty="0"/>
+              <a:t>Speaker name</a:t>
+            </a:r>
+          </a:p>
+        </p:txBody>
+      </p:sp>
+    </p:spTree>
+    <p:extLst>
+      <p:ext uri="{BB962C8B-B14F-4D97-AF65-F5344CB8AC3E}">
+        <p14:creationId xmlns:p14="http://schemas.microsoft.com/office/powerpoint/2010/main" val="203203085"/>
+      </p:ext>
+    </p:extLst>
+  </p:cSld>
+  <p:clrMapOvr>
+    <a:masterClrMapping/>
+  </p:clrMapOvr>
+  <p:transition>
+    <p:fade/>
+  </p:transition>
+</p:sld>
+</file>
+
+<file path=ppt/slides/slide41.xml><?xml version="1.0" encoding="utf-8"?>
+<p:sld xmlns:a="http://schemas.openxmlformats.org/drawingml/2006/main" xmlns:r="http://schemas.openxmlformats.org/officeDocument/2006/relationships" xmlns:p="http://schemas.openxmlformats.org/presentationml/2006/main">
+  <p:cSld>
+    <p:spTree>
+      <p:nvGrpSpPr>
+        <p:cNvPr id="1" name=""/>
+        <p:cNvGrpSpPr/>
+        <p:nvPr/>
+      </p:nvGrpSpPr>
+      <p:grpSpPr>
+        <a:xfrm>
+          <a:off x="0" y="0"/>
+          <a:ext cx="0" cy="0"/>
+          <a:chOff x="0" y="0"/>
+          <a:chExt cx="0" cy="0"/>
+        </a:xfrm>
+      </p:grpSpPr>
+      <p:sp>
+        <p:nvSpPr>
+          <p:cNvPr id="2" name="Title 1"/>
+          <p:cNvSpPr>
+            <a:spLocks noGrp="1"/>
+          </p:cNvSpPr>
+          <p:nvPr>
+            <p:ph type="title"/>
+          </p:nvPr>
+        </p:nvSpPr>
+        <p:spPr/>
+        <p:txBody>
+          <a:bodyPr/>
+          <a:lstStyle/>
+          <a:p>
+            <a:r>
+              <a:rPr lang="en-US" dirty="0"/>
+              <a:t>Section title</a:t>
+            </a:r>
+          </a:p>
+        </p:txBody>
+      </p:sp>
+    </p:spTree>
+    <p:extLst>
+      <p:ext uri="{BB962C8B-B14F-4D97-AF65-F5344CB8AC3E}">
+        <p14:creationId xmlns:p14="http://schemas.microsoft.com/office/powerpoint/2010/main" val="3249496989"/>
+      </p:ext>
+    </p:extLst>
+  </p:cSld>
+  <p:clrMapOvr>
+    <a:masterClrMapping/>
+  </p:clrMapOvr>
+  <p:transition>
+    <p:fade/>
+  </p:transition>
+</p:sld>
+</file>
+
+<file path=ppt/slides/slide42.xml><?xml version="1.0" encoding="utf-8"?>
+<p:sld xmlns:a="http://schemas.openxmlformats.org/drawingml/2006/main" xmlns:r="http://schemas.openxmlformats.org/officeDocument/2006/relationships" xmlns:p="http://schemas.openxmlformats.org/presentationml/2006/main">
+  <p:cSld>
+    <p:spTree>
+      <p:nvGrpSpPr>
+        <p:cNvPr id="1" name=""/>
+        <p:cNvGrpSpPr/>
+        <p:nvPr/>
+      </p:nvGrpSpPr>
+      <p:grpSpPr>
+        <a:xfrm>
+          <a:off x="0" y="0"/>
+          <a:ext cx="0" cy="0"/>
+          <a:chOff x="0" y="0"/>
+          <a:chExt cx="0" cy="0"/>
+        </a:xfrm>
+      </p:grpSpPr>
+      <p:sp>
+        <p:nvSpPr>
+          <p:cNvPr id="4" name="Title 3"/>
+          <p:cNvSpPr>
+            <a:spLocks noGrp="1"/>
+          </p:cNvSpPr>
+          <p:nvPr>
+            <p:ph type="title"/>
+          </p:nvPr>
+        </p:nvSpPr>
+        <p:spPr/>
+        <p:txBody>
+          <a:bodyPr/>
+          <a:lstStyle/>
+          <a:p>
+            <a:r>
+              <a:rPr lang="en-US" dirty="0"/>
+              <a:t>Software code slide</a:t>
+            </a:r>
+          </a:p>
+        </p:txBody>
+      </p:sp>
+      <p:sp>
+        <p:nvSpPr>
+          <p:cNvPr id="5" name="Text Placeholder 4"/>
+          <p:cNvSpPr>
+            <a:spLocks noGrp="1"/>
+          </p:cNvSpPr>
+          <p:nvPr>
+            <p:ph type="body" sz="quarter" idx="10"/>
+          </p:nvPr>
+        </p:nvSpPr>
+        <p:spPr/>
+        <p:txBody>
+          <a:bodyPr/>
+          <a:lstStyle/>
+          <a:p>
+            <a:r>
+              <a:rPr lang="en-US" dirty="0"/>
+              <a:t>This slide layout uses Consolas, a monotype font which is ideal for showing software code. </a:t>
+            </a:r>
+          </a:p>
+        </p:txBody>
+      </p:sp>
+    </p:spTree>
+    <p:extLst>
+      <p:ext uri="{BB962C8B-B14F-4D97-AF65-F5344CB8AC3E}">
+        <p14:creationId xmlns:p14="http://schemas.microsoft.com/office/powerpoint/2010/main" val="1041029672"/>
+      </p:ext>
+    </p:extLst>
+  </p:cSld>
+  <p:clrMapOvr>
+    <a:masterClrMapping/>
+  </p:clrMapOvr>
+  <p:transition>
+    <p:fade/>
+  </p:transition>
+</p:sld>
+</file>
+
+<file path=ppt/slides/slide43.xml><?xml version="1.0" encoding="utf-8"?>
 <p:sld xmlns:a="http://schemas.openxmlformats.org/drawingml/2006/main" xmlns:r="http://schemas.openxmlformats.org/officeDocument/2006/relationships" xmlns:p="http://schemas.openxmlformats.org/presentationml/2006/main" show="0">
   <p:cSld>
     <p:spTree>
@@ -31816,7 +33708,7 @@
 </p:sld>
 </file>
 
-<file path=ppt/slides/slide41.xml><?xml version="1.0" encoding="utf-8"?>
+<file path=ppt/slides/slide44.xml><?xml version="1.0" encoding="utf-8"?>
 <p:sld xmlns:a="http://schemas.openxmlformats.org/drawingml/2006/main" xmlns:r="http://schemas.openxmlformats.org/officeDocument/2006/relationships" xmlns:p="http://schemas.openxmlformats.org/presentationml/2006/main">
   <p:cSld>
     <p:spTree>
@@ -31871,7 +33763,7 @@
           <p:cNvPr id="2" name="Title 1">
             <a:extLst>
               <a:ext uri="{FF2B5EF4-FFF2-40B4-BE49-F238E27FC236}">
-                <a16:creationId xmlns:a16="http://schemas.microsoft.com/office/drawing/2014/main" id="{AAA8685E-D93A-D400-76EC-C7F38524829F}"/>
+                <a16:creationId xmlns:a16="http://schemas.microsoft.com/office/drawing/2014/main" id="{0F13D744-EDBD-4BEC-6063-8F55C702A911}"/>
               </a:ext>
             </a:extLst>
           </p:cNvPr>
@@ -31889,7 +33781,7 @@
           <a:p>
             <a:r>
               <a:rPr lang="en-IE" dirty="0"/>
-              <a:t>Power BI</a:t>
+              <a:t>Azure Subscriptions for CSA</a:t>
             </a:r>
           </a:p>
         </p:txBody>
@@ -31899,7 +33791,7 @@
           <p:cNvPr id="3" name="Content Placeholder 2">
             <a:extLst>
               <a:ext uri="{FF2B5EF4-FFF2-40B4-BE49-F238E27FC236}">
-                <a16:creationId xmlns:a16="http://schemas.microsoft.com/office/drawing/2014/main" id="{108E0A94-8BAA-1AA8-EC48-87E2DB146741}"/>
+                <a16:creationId xmlns:a16="http://schemas.microsoft.com/office/drawing/2014/main" id="{6F5FC56E-1DE1-2F01-E2D7-308E9B18F3D5}"/>
               </a:ext>
             </a:extLst>
           </p:cNvPr>
@@ -31913,90 +33805,82 @@
         <p:spPr>
           <a:xfrm>
             <a:off x="584200" y="1435100"/>
-            <a:ext cx="4694677" cy="2412968"/>
+            <a:ext cx="11018838" cy="4124206"/>
           </a:xfrm>
         </p:spPr>
         <p:txBody>
           <a:bodyPr/>
           <a:lstStyle/>
           <a:p>
-            <a:pPr marL="0" indent="0">
-              <a:buNone/>
-            </a:pPr>
             <a:r>
               <a:rPr lang="en-IE" dirty="0"/>
-              <a:t>Power BI Cost Management Connector for:</a:t>
-            </a:r>
-          </a:p>
-          <a:p>
-            <a:pPr marL="0" indent="0">
-              <a:buNone/>
-            </a:pPr>
+              <a:t>Microsoft managed</a:t>
+            </a:r>
+          </a:p>
+          <a:p>
+            <a:pPr lvl="1"/>
+            <a:r>
+              <a:rPr lang="en-IE" dirty="0">
+                <a:hlinkClick r:id="rId3"/>
+              </a:rPr>
+              <a:t>fdpo.microsoft.com non-prod tenant</a:t>
+            </a:r>
             <a:endParaRPr lang="en-IE" dirty="0"/>
           </a:p>
           <a:p>
-            <a:pPr>
-              <a:buFont typeface="Arial" panose="020B0604020202020204" pitchFamily="34" charset="0"/>
-              <a:buChar char="•"/>
-            </a:pPr>
             <a:r>
               <a:rPr lang="en-IE" dirty="0"/>
-              <a:t>Direct MCA</a:t>
-            </a:r>
-          </a:p>
-          <a:p>
-            <a:pPr>
-              <a:buFont typeface="Arial" panose="020B0604020202020204" pitchFamily="34" charset="0"/>
-              <a:buChar char="•"/>
-            </a:pPr>
+              <a:t>Self managed</a:t>
+            </a:r>
+          </a:p>
+          <a:p>
+            <a:pPr lvl="1"/>
+            <a:r>
+              <a:rPr lang="en-IE" dirty="0">
+                <a:hlinkClick r:id="rId4"/>
+              </a:rPr>
+              <a:t>https://my.visualstudio.com/</a:t>
+            </a:r>
             <a:r>
               <a:rPr lang="en-IE" dirty="0"/>
-              <a:t>EA</a:t>
-            </a:r>
-          </a:p>
-        </p:txBody>
-      </p:sp>
-      <p:pic>
-        <p:nvPicPr>
-          <p:cNvPr id="5" name="Picture 4">
-            <a:extLst>
-              <a:ext uri="{FF2B5EF4-FFF2-40B4-BE49-F238E27FC236}">
-                <a16:creationId xmlns:a16="http://schemas.microsoft.com/office/drawing/2014/main" id="{F17736A9-CE2C-A20E-9676-ACC65A18DFD7}"/>
-              </a:ext>
-            </a:extLst>
-          </p:cNvPr>
-          <p:cNvPicPr>
-            <a:picLocks noChangeAspect="1"/>
-          </p:cNvPicPr>
-          <p:nvPr/>
-        </p:nvPicPr>
-        <p:blipFill>
-          <a:blip r:embed="rId3"/>
-          <a:stretch>
-            <a:fillRect/>
-          </a:stretch>
-        </p:blipFill>
-        <p:spPr>
-          <a:xfrm>
-            <a:off x="6640787" y="228600"/>
-            <a:ext cx="5307725" cy="6400800"/>
-          </a:xfrm>
-          <a:prstGeom prst="rect">
-            <a:avLst/>
-          </a:prstGeom>
-          <a:effectLst>
-            <a:outerShdw blurRad="50800" dist="38100" dir="2700000" algn="tl" rotWithShape="0">
-              <a:prstClr val="black">
-                <a:alpha val="40000"/>
-              </a:prstClr>
-            </a:outerShdw>
-          </a:effectLst>
-        </p:spPr>
-      </p:pic>
+              <a:t> for every FTE - ~$150 p/m </a:t>
+            </a:r>
+          </a:p>
+          <a:p>
+            <a:pPr lvl="1"/>
+            <a:r>
+              <a:rPr lang="en-IE" dirty="0"/>
+              <a:t>External tenant</a:t>
+            </a:r>
+          </a:p>
+          <a:p>
+            <a:endParaRPr lang="en-IE" dirty="0"/>
+          </a:p>
+          <a:p>
+            <a:r>
+              <a:rPr lang="en-IE" dirty="0"/>
+              <a:t>Honourable mention</a:t>
+            </a:r>
+          </a:p>
+          <a:p>
+            <a:pPr lvl="1"/>
+            <a:r>
+              <a:rPr lang="en-IE" dirty="0">
+                <a:hlinkClick r:id="rId5"/>
+              </a:rPr>
+              <a:t>Microsoft 365 Developer Program</a:t>
+            </a:r>
+            <a:endParaRPr lang="en-IE" dirty="0"/>
+          </a:p>
+          <a:p>
+            <a:endParaRPr lang="en-IE" dirty="0"/>
+          </a:p>
+        </p:txBody>
+      </p:sp>
     </p:spTree>
     <p:extLst>
       <p:ext uri="{BB962C8B-B14F-4D97-AF65-F5344CB8AC3E}">
-        <p14:creationId xmlns:p14="http://schemas.microsoft.com/office/powerpoint/2010/main" val="3207258778"/>
+        <p14:creationId xmlns:p14="http://schemas.microsoft.com/office/powerpoint/2010/main" val="3806116861"/>
       </p:ext>
     </p:extLst>
   </p:cSld>
@@ -32629,10 +34513,10 @@
       </p:sp>
       <p:pic>
         <p:nvPicPr>
-          <p:cNvPr id="7" name="Picture 6">
+          <p:cNvPr id="3" name="Picture 2">
             <a:extLst>
               <a:ext uri="{FF2B5EF4-FFF2-40B4-BE49-F238E27FC236}">
-                <a16:creationId xmlns:a16="http://schemas.microsoft.com/office/drawing/2014/main" id="{C5E28316-D5F9-9C28-9A93-6C7961499D61}"/>
+                <a16:creationId xmlns:a16="http://schemas.microsoft.com/office/drawing/2014/main" id="{20C4E1B3-5002-B4B1-7FD9-EB612BED17C9}"/>
               </a:ext>
             </a:extLst>
           </p:cNvPr>
@@ -32642,15 +34526,15 @@
           <p:nvPr/>
         </p:nvPicPr>
         <p:blipFill>
-          <a:blip r:embed="rId2"/>
+          <a:blip r:embed="rId3"/>
           <a:stretch>
             <a:fillRect/>
           </a:stretch>
         </p:blipFill>
         <p:spPr>
           <a:xfrm>
-            <a:off x="457483" y="1555670"/>
-            <a:ext cx="11276333" cy="4116468"/>
+            <a:off x="715926" y="895044"/>
+            <a:ext cx="10512056" cy="3795105"/>
           </a:xfrm>
           <a:prstGeom prst="rect">
             <a:avLst/>
@@ -32664,6 +34548,125 @@
           </a:effectLst>
         </p:spPr>
       </p:pic>
+      <p:sp>
+        <p:nvSpPr>
+          <p:cNvPr id="5" name="TextBox 4">
+            <a:extLst>
+              <a:ext uri="{FF2B5EF4-FFF2-40B4-BE49-F238E27FC236}">
+                <a16:creationId xmlns:a16="http://schemas.microsoft.com/office/drawing/2014/main" id="{4D656669-B91F-920D-201F-A46E8C1C0BA4}"/>
+              </a:ext>
+            </a:extLst>
+          </p:cNvPr>
+          <p:cNvSpPr txBox="1"/>
+          <p:nvPr/>
+        </p:nvSpPr>
+        <p:spPr>
+          <a:xfrm>
+            <a:off x="715926" y="4961860"/>
+            <a:ext cx="6308651" cy="1846659"/>
+          </a:xfrm>
+          <a:prstGeom prst="rect">
+            <a:avLst/>
+          </a:prstGeom>
+          <a:noFill/>
+        </p:spPr>
+        <p:txBody>
+          <a:bodyPr wrap="square" lIns="0" tIns="0" rIns="0" bIns="0" rtlCol="0">
+            <a:spAutoFit/>
+          </a:bodyPr>
+          <a:lstStyle/>
+          <a:p>
+            <a:pPr marL="342900" indent="-342900" algn="l">
+              <a:buFont typeface="Arial" panose="020B0604020202020204" pitchFamily="34" charset="0"/>
+              <a:buChar char="•"/>
+            </a:pPr>
+            <a:r>
+              <a:rPr lang="en-IE" sz="2000" dirty="0" err="1"/>
+              <a:t>ResourceGroup</a:t>
+            </a:r>
+            <a:endParaRPr lang="en-IE" sz="2000" dirty="0"/>
+          </a:p>
+          <a:p>
+            <a:pPr marL="342900" indent="-342900" algn="l">
+              <a:buFont typeface="Arial" panose="020B0604020202020204" pitchFamily="34" charset="0"/>
+              <a:buChar char="•"/>
+            </a:pPr>
+            <a:r>
+              <a:rPr lang="en-IE" sz="2000" dirty="0"/>
+              <a:t>Tags</a:t>
+            </a:r>
+          </a:p>
+          <a:p>
+            <a:pPr marL="342900" indent="-342900" algn="l">
+              <a:buFont typeface="Arial" panose="020B0604020202020204" pitchFamily="34" charset="0"/>
+              <a:buChar char="•"/>
+            </a:pPr>
+            <a:r>
+              <a:rPr lang="en-IE" sz="2000" dirty="0" err="1"/>
+              <a:t>UsageDateTime</a:t>
+            </a:r>
+            <a:endParaRPr lang="en-IE" sz="2000" dirty="0"/>
+          </a:p>
+          <a:p>
+            <a:pPr marL="342900" indent="-342900" algn="l">
+              <a:buFont typeface="Arial" panose="020B0604020202020204" pitchFamily="34" charset="0"/>
+              <a:buChar char="•"/>
+            </a:pPr>
+            <a:r>
+              <a:rPr lang="en-IE" sz="2000" dirty="0" err="1"/>
+              <a:t>MeterCategory</a:t>
+            </a:r>
+            <a:r>
+              <a:rPr lang="en-IE" sz="2000" dirty="0"/>
+              <a:t>, </a:t>
+            </a:r>
+            <a:r>
+              <a:rPr lang="en-IE" sz="2000" dirty="0" err="1"/>
+              <a:t>MeterSubcategory</a:t>
+            </a:r>
+            <a:r>
+              <a:rPr lang="en-IE" sz="2000" dirty="0"/>
+              <a:t>, </a:t>
+            </a:r>
+            <a:r>
+              <a:rPr lang="en-IE" sz="2000" dirty="0" err="1"/>
+              <a:t>MeterName</a:t>
+            </a:r>
+            <a:endParaRPr lang="en-IE" sz="2000" dirty="0"/>
+          </a:p>
+          <a:p>
+            <a:pPr marL="342900" indent="-342900" algn="l">
+              <a:buFont typeface="Arial" panose="020B0604020202020204" pitchFamily="34" charset="0"/>
+              <a:buChar char="•"/>
+            </a:pPr>
+            <a:r>
+              <a:rPr lang="en-IE" sz="2000" dirty="0" err="1"/>
+              <a:t>UsageQuantities</a:t>
+            </a:r>
+            <a:r>
+              <a:rPr lang="en-IE" sz="2000" dirty="0"/>
+              <a:t>, </a:t>
+            </a:r>
+            <a:r>
+              <a:rPr lang="en-IE" sz="2000" dirty="0" err="1"/>
+              <a:t>ResourceRate</a:t>
+            </a:r>
+            <a:r>
+              <a:rPr lang="en-IE" sz="2000" dirty="0"/>
+              <a:t>, </a:t>
+            </a:r>
+            <a:r>
+              <a:rPr lang="en-IE" sz="2000" dirty="0" err="1"/>
+              <a:t>PreTaxCost</a:t>
+            </a:r>
+            <a:endParaRPr lang="en-IE" sz="2000" dirty="0"/>
+          </a:p>
+          <a:p>
+            <a:pPr algn="l"/>
+            <a:endParaRPr lang="en-IE" sz="2000" dirty="0"/>
+          </a:p>
+        </p:txBody>
+      </p:sp>
     </p:spTree>
     <p:extLst>
       <p:ext uri="{BB962C8B-B14F-4D97-AF65-F5344CB8AC3E}">
@@ -32719,8 +34722,8 @@
         </p:blipFill>
         <p:spPr>
           <a:xfrm>
-            <a:off x="5468052" y="928688"/>
-            <a:ext cx="6430804" cy="4759641"/>
+            <a:off x="4178682" y="725836"/>
+            <a:ext cx="7720174" cy="5713944"/>
           </a:xfrm>
           <a:prstGeom prst="rect">
             <a:avLst/>
@@ -32787,7 +34790,7 @@
           <a:p>
             <a:r>
               <a:rPr lang="en-IE" dirty="0"/>
-              <a:t>API Export (Nov’22, Preview)</a:t>
+              <a:t>API Export (Preview, Nov’22)</a:t>
             </a:r>
           </a:p>
         </p:txBody>
@@ -33887,16 +35890,6 @@
 </file>
 
 <file path=customXml/item1.xml><?xml version="1.0" encoding="utf-8"?>
-<p:properties xmlns:p="http://schemas.microsoft.com/office/2006/metadata/properties" xmlns:xsi="http://www.w3.org/2001/XMLSchema-instance" xmlns:pc="http://schemas.microsoft.com/office/infopath/2007/PartnerControls">
-  <documentManagement>
-    <_ip_UnifiedCompliancePolicyUIAction xmlns="http://schemas.microsoft.com/sharepoint/v3" xsi:nil="true"/>
-    <_ip_UnifiedCompliancePolicyProperties xmlns="http://schemas.microsoft.com/sharepoint/v3" xsi:nil="true"/>
-    <MediaServiceKeyPoints xmlns="965de625-df5b-42e9-a277-2113da4f1195" xsi:nil="true"/>
-  </documentManagement>
-</p:properties>
-</file>
-
-<file path=customXml/item2.xml><?xml version="1.0" encoding="utf-8"?>
 <ct:contentTypeSchema xmlns:ct="http://schemas.microsoft.com/office/2006/metadata/contentType" xmlns:ma="http://schemas.microsoft.com/office/2006/metadata/properties/metaAttributes" ct:_="" ma:_="" ma:contentTypeName="Document" ma:contentTypeID="0x010100BD9FAF4CD5AD2F4B99B5B2414089ABF7" ma:contentTypeVersion="16" ma:contentTypeDescription="Create a new document." ma:contentTypeScope="" ma:versionID="24b7a44f49c7f8d524d04c695baedf53">
   <xsd:schema xmlns:xsd="http://www.w3.org/2001/XMLSchema" xmlns:xs="http://www.w3.org/2001/XMLSchema" xmlns:p="http://schemas.microsoft.com/office/2006/metadata/properties" xmlns:ns1="http://schemas.microsoft.com/sharepoint/v3" xmlns:ns2="dcf5ddc1-fb1d-440f-849a-6450bddbaed7" xmlns:ns3="965de625-df5b-42e9-a277-2113da4f1195" targetNamespace="http://schemas.microsoft.com/office/2006/metadata/properties" ma:root="true" ma:fieldsID="e46491ab598b4ca7c34f6e01f1cb89ea" ns1:_="" ns2:_="" ns3:_="">
     <xsd:import namespace="http://schemas.microsoft.com/sharepoint/v3"/>
@@ -34144,7 +36137,7 @@
 </ct:contentTypeSchema>
 </file>
 
-<file path=customXml/item3.xml><?xml version="1.0" encoding="utf-8"?>
+<file path=customXml/item2.xml><?xml version="1.0" encoding="utf-8"?>
 <?mso-contentType ?>
 <FormTemplates xmlns="http://schemas.microsoft.com/sharepoint/v3/contenttype/forms">
   <Display>DocumentLibraryForm</Display>
@@ -34153,25 +36146,17 @@
 </FormTemplates>
 </file>
 
-<file path=customXml/itemProps1.xml><?xml version="1.0" encoding="utf-8"?>
-<ds:datastoreItem xmlns:ds="http://schemas.openxmlformats.org/officeDocument/2006/customXml" ds:itemID="{F990F116-B58F-4255-B05B-DA3808E0E5C6}">
-  <ds:schemaRefs>
-    <ds:schemaRef ds:uri="http://purl.org/dc/elements/1.1/"/>
-    <ds:schemaRef ds:uri="http://schemas.microsoft.com/sharepoint/v3"/>
-    <ds:schemaRef ds:uri="dcf5ddc1-fb1d-440f-849a-6450bddbaed7"/>
-    <ds:schemaRef ds:uri="http://schemas.microsoft.com/office/2006/documentManagement/types"/>
-    <ds:schemaRef ds:uri="http://purl.org/dc/terms/"/>
-    <ds:schemaRef ds:uri="http://schemas.microsoft.com/office/2006/metadata/properties"/>
-    <ds:schemaRef ds:uri="http://purl.org/dc/dcmitype/"/>
-    <ds:schemaRef ds:uri="965de625-df5b-42e9-a277-2113da4f1195"/>
-    <ds:schemaRef ds:uri="http://schemas.microsoft.com/office/infopath/2007/PartnerControls"/>
-    <ds:schemaRef ds:uri="http://schemas.openxmlformats.org/package/2006/metadata/core-properties"/>
-    <ds:schemaRef ds:uri="http://www.w3.org/XML/1998/namespace"/>
-  </ds:schemaRefs>
-</ds:datastoreItem>
+<file path=customXml/item3.xml><?xml version="1.0" encoding="utf-8"?>
+<p:properties xmlns:p="http://schemas.microsoft.com/office/2006/metadata/properties" xmlns:xsi="http://www.w3.org/2001/XMLSchema-instance" xmlns:pc="http://schemas.microsoft.com/office/infopath/2007/PartnerControls">
+  <documentManagement>
+    <_ip_UnifiedCompliancePolicyUIAction xmlns="http://schemas.microsoft.com/sharepoint/v3" xsi:nil="true"/>
+    <_ip_UnifiedCompliancePolicyProperties xmlns="http://schemas.microsoft.com/sharepoint/v3" xsi:nil="true"/>
+    <MediaServiceKeyPoints xmlns="965de625-df5b-42e9-a277-2113da4f1195" xsi:nil="true"/>
+  </documentManagement>
+</p:properties>
 </file>
 
-<file path=customXml/itemProps2.xml><?xml version="1.0" encoding="utf-8"?>
+<file path=customXml/itemProps1.xml><?xml version="1.0" encoding="utf-8"?>
 <ds:datastoreItem xmlns:ds="http://schemas.openxmlformats.org/officeDocument/2006/customXml" ds:itemID="{13D1D262-8086-483E-8AEE-327E7944ECC8}">
   <ds:schemaRefs>
     <ds:schemaRef ds:uri="http://schemas.microsoft.com/office/2006/metadata/contentType"/>
@@ -34191,10 +36176,28 @@
 </ds:datastoreItem>
 </file>
 
-<file path=customXml/itemProps3.xml><?xml version="1.0" encoding="utf-8"?>
+<file path=customXml/itemProps2.xml><?xml version="1.0" encoding="utf-8"?>
 <ds:datastoreItem xmlns:ds="http://schemas.openxmlformats.org/officeDocument/2006/customXml" ds:itemID="{758FDAC0-319D-4A54-8D8E-1D42CB1F8004}">
   <ds:schemaRefs>
     <ds:schemaRef ds:uri="http://schemas.microsoft.com/sharepoint/v3/contenttype/forms"/>
+  </ds:schemaRefs>
+</ds:datastoreItem>
+</file>
+
+<file path=customXml/itemProps3.xml><?xml version="1.0" encoding="utf-8"?>
+<ds:datastoreItem xmlns:ds="http://schemas.openxmlformats.org/officeDocument/2006/customXml" ds:itemID="{F990F116-B58F-4255-B05B-DA3808E0E5C6}">
+  <ds:schemaRefs>
+    <ds:schemaRef ds:uri="http://purl.org/dc/elements/1.1/"/>
+    <ds:schemaRef ds:uri="http://schemas.microsoft.com/sharepoint/v3"/>
+    <ds:schemaRef ds:uri="dcf5ddc1-fb1d-440f-849a-6450bddbaed7"/>
+    <ds:schemaRef ds:uri="http://schemas.microsoft.com/office/2006/documentManagement/types"/>
+    <ds:schemaRef ds:uri="http://purl.org/dc/terms/"/>
+    <ds:schemaRef ds:uri="http://schemas.microsoft.com/office/2006/metadata/properties"/>
+    <ds:schemaRef ds:uri="http://purl.org/dc/dcmitype/"/>
+    <ds:schemaRef ds:uri="965de625-df5b-42e9-a277-2113da4f1195"/>
+    <ds:schemaRef ds:uri="http://schemas.microsoft.com/office/infopath/2007/PartnerControls"/>
+    <ds:schemaRef ds:uri="http://schemas.openxmlformats.org/package/2006/metadata/core-properties"/>
+    <ds:schemaRef ds:uri="http://www.w3.org/XML/1998/namespace"/>
   </ds:schemaRefs>
 </ds:datastoreItem>
 </file>

--- a/126-AzureCost/Azure Cost PBI BootCamp.pptx
+++ b/126-AzureCost/Azure Cost PBI BootCamp.pptx
@@ -14,8 +14,8 @@
     <p:sldId id="1661" r:id="rId5"/>
     <p:sldId id="2051" r:id="rId6"/>
     <p:sldId id="2054" r:id="rId7"/>
-    <p:sldId id="2074" r:id="rId8"/>
-    <p:sldId id="2075" r:id="rId9"/>
+    <p:sldId id="2075" r:id="rId8"/>
+    <p:sldId id="2074" r:id="rId9"/>
     <p:sldId id="2055" r:id="rId10"/>
     <p:sldId id="2068" r:id="rId11"/>
     <p:sldId id="2069" r:id="rId12"/>
@@ -161,8 +161,8 @@
             <p14:sldId id="1661"/>
             <p14:sldId id="2051"/>
             <p14:sldId id="2054"/>
+            <p14:sldId id="2075"/>
             <p14:sldId id="2074"/>
-            <p14:sldId id="2075"/>
             <p14:sldId id="2055"/>
             <p14:sldId id="2068"/>
             <p14:sldId id="2069"/>
@@ -352,7 +352,7 @@
               <a:rPr lang="en-US" smtClean="0">
                 <a:latin typeface="Segoe UI" pitchFamily="34" charset="0"/>
               </a:rPr>
-              <a:t>11/26/2022 12:09 PM</a:t>
+              <a:t>11/27/2022 11:53 AM</a:t>
             </a:fld>
             <a:endParaRPr lang="en-US" dirty="0">
               <a:latin typeface="Segoe UI" pitchFamily="34" charset="0"/>
@@ -630,7 +630,7 @@
           <a:p>
             <a:fld id="{386CE63F-9E7F-4C04-9D0D-FCA25A8E9E86}" type="datetime8">
               <a:rPr lang="en-US" smtClean="0"/>
-              <a:t>11/26/2022 12:09 PM</a:t>
+              <a:t>11/27/2022 11:52 AM</a:t>
             </a:fld>
             <a:endParaRPr lang="en-US" dirty="0"/>
           </a:p>
@@ -997,7 +997,7 @@
           <a:p>
             <a:fld id="{62C61DAB-D93E-49CA-B245-379601CFE8D0}" type="datetime8">
               <a:rPr lang="en-US" smtClean="0"/>
-              <a:t>11/26/2022 12:09 PM</a:t>
+              <a:t>11/27/2022 11:52 AM</a:t>
             </a:fld>
             <a:endParaRPr lang="en-US" dirty="0"/>
           </a:p>
@@ -1181,7 +1181,7 @@
           <a:p>
             <a:fld id="{386CE63F-9E7F-4C04-9D0D-FCA25A8E9E86}" type="datetime8">
               <a:rPr lang="en-US" smtClean="0"/>
-              <a:t>11/26/2022 12:09 PM</a:t>
+              <a:t>11/27/2022 11:52 AM</a:t>
             </a:fld>
             <a:endParaRPr lang="en-US" dirty="0"/>
           </a:p>
@@ -1362,7 +1362,7 @@
           <a:p>
             <a:fld id="{386CE63F-9E7F-4C04-9D0D-FCA25A8E9E86}" type="datetime8">
               <a:rPr lang="en-US" smtClean="0"/>
-              <a:t>11/26/2022 2:15 PM</a:t>
+              <a:t>11/27/2022 11:52 AM</a:t>
             </a:fld>
             <a:endParaRPr lang="en-US" dirty="0"/>
           </a:p>
@@ -1543,7 +1543,7 @@
           <a:p>
             <a:fld id="{386CE63F-9E7F-4C04-9D0D-FCA25A8E9E86}" type="datetime8">
               <a:rPr lang="en-US" smtClean="0"/>
-              <a:t>11/26/2022 12:11 PM</a:t>
+              <a:t>11/27/2022 11:52 AM</a:t>
             </a:fld>
             <a:endParaRPr lang="en-US" dirty="0"/>
           </a:p>
@@ -1799,7 +1799,7 @@
           <a:p>
             <a:fld id="{386CE63F-9E7F-4C04-9D0D-FCA25A8E9E86}" type="datetime8">
               <a:rPr lang="en-US" smtClean="0"/>
-              <a:t>11/26/2022 12:09 PM</a:t>
+              <a:t>11/27/2022 11:52 AM</a:t>
             </a:fld>
             <a:endParaRPr lang="en-US" dirty="0"/>
           </a:p>
@@ -1980,7 +1980,7 @@
           <a:p>
             <a:fld id="{386CE63F-9E7F-4C04-9D0D-FCA25A8E9E86}" type="datetime8">
               <a:rPr lang="en-US" smtClean="0"/>
-              <a:t>11/26/2022 12:09 PM</a:t>
+              <a:t>11/27/2022 11:52 AM</a:t>
             </a:fld>
             <a:endParaRPr lang="en-US" dirty="0"/>
           </a:p>
@@ -2161,7 +2161,7 @@
           <a:p>
             <a:fld id="{386CE63F-9E7F-4C04-9D0D-FCA25A8E9E86}" type="datetime8">
               <a:rPr lang="en-US" smtClean="0"/>
-              <a:t>11/26/2022 12:10 PM</a:t>
+              <a:t>11/27/2022 11:52 AM</a:t>
             </a:fld>
             <a:endParaRPr lang="en-US" dirty="0"/>
           </a:p>
@@ -2326,7 +2326,7 @@
           <a:p>
             <a:fld id="{72E0C910-0166-48E0-B8EF-5071277A02A8}" type="datetime8">
               <a:rPr lang="en-US" smtClean="0"/>
-              <a:t>11/26/2022 12:09 PM</a:t>
+              <a:t>11/27/2022 11:52 AM</a:t>
             </a:fld>
             <a:endParaRPr lang="en-US" dirty="0"/>
           </a:p>
@@ -2491,7 +2491,7 @@
           <a:p>
             <a:fld id="{9427A7F7-BB1E-479D-AFAA-B52F4D0C99F2}" type="datetime8">
               <a:rPr lang="en-US" smtClean="0"/>
-              <a:t>11/26/2022 12:09 PM</a:t>
+              <a:t>11/27/2022 11:52 AM</a:t>
             </a:fld>
             <a:endParaRPr lang="en-US" dirty="0"/>
           </a:p>
@@ -2656,7 +2656,7 @@
           <a:p>
             <a:fld id="{2D0AF0B6-AF0D-4EDB-B60E-27694EB68262}" type="datetime8">
               <a:rPr lang="en-US" smtClean="0"/>
-              <a:t>11/26/2022 12:09 PM</a:t>
+              <a:t>11/27/2022 11:52 AM</a:t>
             </a:fld>
             <a:endParaRPr lang="en-US" dirty="0"/>
           </a:p>
@@ -2788,7 +2788,7 @@
           <a:p>
             <a:fld id="{1D9BFF88-B9B5-4B68-BAE1-09ACB5D03C54}" type="datetime8">
               <a:rPr lang="en-US" smtClean="0"/>
-              <a:t>11/26/2022 12:09 PM</a:t>
+              <a:t>11/27/2022 11:52 AM</a:t>
             </a:fld>
             <a:endParaRPr lang="en-US" dirty="0"/>
           </a:p>
@@ -3002,7 +3002,7 @@
           <a:p>
             <a:fld id="{386CE63F-9E7F-4C04-9D0D-FCA25A8E9E86}" type="datetime8">
               <a:rPr lang="en-US" smtClean="0"/>
-              <a:t>11/26/2022 12:09 PM</a:t>
+              <a:t>11/27/2022 11:52 AM</a:t>
             </a:fld>
             <a:endParaRPr lang="en-US" dirty="0"/>
           </a:p>
@@ -3136,7 +3136,7 @@
           <a:p>
             <a:fld id="{06C18626-F474-479E-937A-543AA55347B1}" type="datetime8">
               <a:rPr lang="en-US" smtClean="0"/>
-              <a:t>11/26/2022 12:09 PM</a:t>
+              <a:t>11/27/2022 11:52 AM</a:t>
             </a:fld>
             <a:endParaRPr lang="en-US" dirty="0"/>
           </a:p>
@@ -3366,7 +3366,7 @@
           <a:p>
             <a:fld id="{A5CD2277-7C1A-43CA-8676-87B24AD584BD}" type="datetime8">
               <a:rPr lang="en-US" smtClean="0"/>
-              <a:t>11/26/2022 12:09 PM</a:t>
+              <a:t>11/27/2022 11:52 AM</a:t>
             </a:fld>
             <a:endParaRPr lang="en-US" dirty="0"/>
           </a:p>
@@ -3531,7 +3531,7 @@
           <a:p>
             <a:fld id="{49B14B72-BE03-4760-B747-D349DA60D861}" type="datetime8">
               <a:rPr lang="en-US" smtClean="0"/>
-              <a:t>11/26/2022 12:09 PM</a:t>
+              <a:t>11/27/2022 11:52 AM</a:t>
             </a:fld>
             <a:endParaRPr lang="en-US" dirty="0"/>
           </a:p>
@@ -3696,7 +3696,7 @@
           <a:p>
             <a:fld id="{49B14B72-BE03-4760-B747-D349DA60D861}" type="datetime8">
               <a:rPr lang="en-US" smtClean="0"/>
-              <a:t>11/26/2022 12:09 PM</a:t>
+              <a:t>11/27/2022 11:52 AM</a:t>
             </a:fld>
             <a:endParaRPr lang="en-US" dirty="0"/>
           </a:p>
@@ -3861,7 +3861,7 @@
           <a:p>
             <a:fld id="{54A7B7B7-C694-4FC8-B0BD-20DAA0A272F9}" type="datetime8">
               <a:rPr lang="en-US" smtClean="0"/>
-              <a:t>11/26/2022 12:09 PM</a:t>
+              <a:t>11/27/2022 11:52 AM</a:t>
             </a:fld>
             <a:endParaRPr lang="en-US" dirty="0"/>
           </a:p>
@@ -4025,7 +4025,7 @@
           <a:p>
             <a:fld id="{91FF42D5-4657-4D58-A751-082C26315A19}" type="datetime8">
               <a:rPr lang="en-US" smtClean="0"/>
-              <a:t>11/26/2022 12:09 PM</a:t>
+              <a:t>11/27/2022 11:52 AM</a:t>
             </a:fld>
             <a:endParaRPr lang="en-US" dirty="0"/>
           </a:p>
@@ -4162,7 +4162,7 @@
           <a:p>
             <a:fld id="{480C6978-FA11-423D-8FDA-CB59A4787224}" type="datetime8">
               <a:rPr lang="en-US" smtClean="0"/>
-              <a:t>11/26/2022 12:09 PM</a:t>
+              <a:t>11/27/2022 11:52 AM</a:t>
             </a:fld>
             <a:endParaRPr lang="en-US" dirty="0"/>
           </a:p>
@@ -4315,7 +4315,7 @@
           <a:p>
             <a:fld id="{353CB5B1-3D40-4389-814A-A3E0AEC8E2FF}" type="datetime8">
               <a:rPr lang="en-US" smtClean="0"/>
-              <a:t>11/26/2022 12:09 PM</a:t>
+              <a:t>11/27/2022 11:52 AM</a:t>
             </a:fld>
             <a:endParaRPr lang="en-US" dirty="0"/>
           </a:p>
@@ -4492,7 +4492,7 @@
           <a:p>
             <a:fld id="{353CB5B1-3D40-4389-814A-A3E0AEC8E2FF}" type="datetime8">
               <a:rPr lang="en-US" smtClean="0"/>
-              <a:t>11/26/2022 12:09 PM</a:t>
+              <a:t>11/27/2022 11:52 AM</a:t>
             </a:fld>
             <a:endParaRPr lang="en-US" dirty="0"/>
           </a:p>
@@ -4726,7 +4726,7 @@
           <a:p>
             <a:fld id="{B16574EE-8191-4BCC-ABE6-D00A4F4D7690}" type="datetime8">
               <a:rPr lang="en-US" smtClean="0"/>
-              <a:t>11/26/2022 12:09 PM</a:t>
+              <a:t>11/27/2022 11:52 AM</a:t>
             </a:fld>
             <a:endParaRPr lang="en-US" dirty="0"/>
           </a:p>
@@ -4813,206 +4813,41 @@
           <a:bodyPr/>
           <a:lstStyle/>
           <a:p>
-            <a:pPr marL="0" marR="0" lvl="0" indent="0" algn="l" defTabSz="914367" rtl="0" eaLnBrk="1" fontAlgn="auto" latinLnBrk="0" hangingPunct="1">
-              <a:lnSpc>
-                <a:spcPct val="90000"/>
-              </a:lnSpc>
-              <a:spcBef>
-                <a:spcPts val="0"/>
-              </a:spcBef>
-              <a:spcAft>
-                <a:spcPts val="333"/>
-              </a:spcAft>
-              <a:buClrTx/>
-              <a:buSzTx/>
-              <a:buFontTx/>
-              <a:buNone/>
-              <a:tabLst/>
-              <a:defRPr/>
-            </a:pPr>
-            <a:r>
-              <a:rPr lang="en-IE" b="1" i="0" dirty="0">
-                <a:solidFill>
-                  <a:srgbClr val="171717"/>
-                </a:solidFill>
-                <a:effectLst/>
-                <a:latin typeface="Segoe UI" panose="020B0502040204020203" pitchFamily="34" charset="0"/>
-              </a:rPr>
-              <a:t>Get started with Cost Management + Billing reporting</a:t>
-            </a:r>
-          </a:p>
-          <a:p>
-            <a:r>
-              <a:rPr lang="en-IE" b="0" dirty="0"/>
-              <a:t>https://learn.microsoft.com/en-us/azure/cost-management-billing/costs/reporting-get-started</a:t>
-            </a:r>
-          </a:p>
-          <a:p>
-            <a:endParaRPr lang="en-IE" b="1" dirty="0"/>
+            <a:endParaRPr lang="en-IE" dirty="0"/>
           </a:p>
           <a:p>
             <a:r>
               <a:rPr lang="en-IE" b="1" dirty="0"/>
-              <a:t>Azure EA portal administration</a:t>
+              <a:t>Visual Studio</a:t>
             </a:r>
           </a:p>
           <a:p>
             <a:r>
               <a:rPr lang="en-IE" dirty="0"/>
-              <a:t>https://learn.microsoft.com/en-us/azure/cost-management-billing/manage/ea-portal-administration</a:t>
+              <a:t>Simply login as your Microsoft.com email and choose “Visual Studio Enterprise (FTE)” benefit</a:t>
             </a:r>
           </a:p>
           <a:p>
             <a:endParaRPr lang="en-IE" dirty="0"/>
           </a:p>
           <a:p>
-            <a:pPr algn="l"/>
-            <a:r>
-              <a:rPr lang="en-IE" b="1" i="0" dirty="0">
-                <a:solidFill>
-                  <a:srgbClr val="171717"/>
-                </a:solidFill>
-                <a:effectLst/>
-                <a:latin typeface="Segoe UI" panose="020B0502040204020203" pitchFamily="34" charset="0"/>
-              </a:rPr>
-              <a:t>Migrate from Azure Enterprise Reporting to Microsoft Cost Management APIs overview</a:t>
+            <a:r>
+              <a:rPr lang="en-IE" b="1" dirty="0" err="1"/>
+              <a:t>Fdpo</a:t>
+            </a:r>
+            <a:r>
+              <a:rPr lang="en-IE" b="1" dirty="0"/>
+              <a:t> wiki page: </a:t>
             </a:r>
           </a:p>
           <a:p>
             <a:r>
               <a:rPr lang="en-IE" dirty="0"/>
-              <a:t>https://learn.microsoft.com/en-us/azure/cost-management-billing/automate/migrate-ea-reporting-arm-apis-overview</a:t>
+              <a:t>https://dev.azure.com/servicesdocs/DevOps/_wiki/wikis/AzureInWCB%20wiki/32155/Managed-Azure-Tenant-Environment</a:t>
             </a:r>
           </a:p>
           <a:p>
             <a:endParaRPr lang="en-IE" dirty="0"/>
-          </a:p>
-          <a:p>
-            <a:r>
-              <a:rPr lang="en-IE" b="1" dirty="0"/>
-              <a:t>EA Portal</a:t>
-            </a:r>
-          </a:p>
-          <a:p>
-            <a:pPr marL="0" marR="0" lvl="0" indent="0" algn="l" defTabSz="914367" rtl="0" eaLnBrk="1" fontAlgn="auto" latinLnBrk="0" hangingPunct="1">
-              <a:lnSpc>
-                <a:spcPct val="90000"/>
-              </a:lnSpc>
-              <a:spcBef>
-                <a:spcPts val="0"/>
-              </a:spcBef>
-              <a:spcAft>
-                <a:spcPts val="333"/>
-              </a:spcAft>
-              <a:buClrTx/>
-              <a:buSzTx/>
-              <a:buFontTx/>
-              <a:buNone/>
-              <a:tabLst/>
-              <a:defRPr/>
-            </a:pPr>
-            <a:r>
-              <a:rPr lang="en-IE" b="0" i="0" u="none" strike="noStrike" dirty="0">
-                <a:effectLst/>
-                <a:latin typeface="Segoe UI" panose="020B0502040204020203" pitchFamily="34" charset="0"/>
-                <a:hlinkClick r:id="rId3"/>
-              </a:rPr>
-              <a:t>https://ea.azure.com</a:t>
-            </a:r>
-            <a:endParaRPr lang="en-IE" dirty="0"/>
-          </a:p>
-          <a:p>
-            <a:endParaRPr lang="en-IE" dirty="0"/>
-          </a:p>
-          <a:p>
-            <a:pPr marL="0" marR="0" lvl="0" indent="0" algn="l" defTabSz="914367" rtl="0" eaLnBrk="1" fontAlgn="auto" latinLnBrk="0" hangingPunct="1">
-              <a:lnSpc>
-                <a:spcPct val="90000"/>
-              </a:lnSpc>
-              <a:spcBef>
-                <a:spcPts val="0"/>
-              </a:spcBef>
-              <a:spcAft>
-                <a:spcPts val="333"/>
-              </a:spcAft>
-              <a:buClrTx/>
-              <a:buSzTx/>
-              <a:buFontTx/>
-              <a:buNone/>
-              <a:tabLst/>
-              <a:defRPr/>
-            </a:pPr>
-            <a:r>
-              <a:rPr lang="en-IE" b="1" i="0" dirty="0">
-                <a:solidFill>
-                  <a:srgbClr val="171717"/>
-                </a:solidFill>
-                <a:effectLst/>
-                <a:latin typeface="Segoe UI" panose="020B0502040204020203" pitchFamily="34" charset="0"/>
-              </a:rPr>
-              <a:t>Billing accounts and scopes in the Azure portal</a:t>
-            </a:r>
-          </a:p>
-          <a:p>
-            <a:r>
-              <a:rPr lang="en-IE" dirty="0"/>
-              <a:t>https://learn.microsoft.com/en-us/azure/cost-management-billing/manage/view-all-accounts</a:t>
-            </a:r>
-          </a:p>
-          <a:p>
-            <a:endParaRPr lang="en-IE" dirty="0"/>
-          </a:p>
-          <a:p>
-            <a:pPr marL="0" marR="0" lvl="0" indent="0" algn="l" defTabSz="914367" rtl="0" eaLnBrk="1" fontAlgn="auto" latinLnBrk="0" hangingPunct="1">
-              <a:lnSpc>
-                <a:spcPct val="90000"/>
-              </a:lnSpc>
-              <a:spcBef>
-                <a:spcPts val="0"/>
-              </a:spcBef>
-              <a:spcAft>
-                <a:spcPts val="333"/>
-              </a:spcAft>
-              <a:buClrTx/>
-              <a:buSzTx/>
-              <a:buFontTx/>
-              <a:buNone/>
-              <a:tabLst/>
-              <a:defRPr/>
-            </a:pPr>
-            <a:r>
-              <a:rPr lang="en-IE" b="1" i="0" dirty="0">
-                <a:solidFill>
-                  <a:srgbClr val="171717"/>
-                </a:solidFill>
-                <a:effectLst/>
-                <a:latin typeface="Segoe UI" panose="020B0502040204020203" pitchFamily="34" charset="0"/>
-              </a:rPr>
-              <a:t>View your usage summary details and download reports for direct EA </a:t>
-            </a:r>
-            <a:r>
-              <a:rPr lang="en-IE" b="1" i="0" dirty="0" err="1">
-                <a:solidFill>
-                  <a:srgbClr val="171717"/>
-                </a:solidFill>
-                <a:effectLst/>
-                <a:latin typeface="Segoe UI" panose="020B0502040204020203" pitchFamily="34" charset="0"/>
-              </a:rPr>
-              <a:t>enrollments</a:t>
-            </a:r>
-            <a:endParaRPr lang="en-IE" b="1" i="0" dirty="0">
-              <a:solidFill>
-                <a:srgbClr val="171717"/>
-              </a:solidFill>
-              <a:effectLst/>
-              <a:latin typeface="Segoe UI" panose="020B0502040204020203" pitchFamily="34" charset="0"/>
-            </a:endParaRPr>
-          </a:p>
-          <a:p>
-            <a:r>
-              <a:rPr lang="en-IE" dirty="0"/>
-              <a:t>https://learn.microsoft.com/en-us/azure/cost-management-billing/manage/direct-ea-azure-usage-charges-invoices</a:t>
-            </a:r>
           </a:p>
           <a:p>
             <a:endParaRPr lang="en-IE" dirty="0"/>
@@ -5109,7 +4944,7 @@
           <a:p>
             <a:fld id="{386CE63F-9E7F-4C04-9D0D-FCA25A8E9E86}" type="datetime8">
               <a:rPr lang="en-US" smtClean="0"/>
-              <a:t>11/26/2022 12:22 PM</a:t>
+              <a:t>11/27/2022 11:52 AM</a:t>
             </a:fld>
             <a:endParaRPr lang="en-US" dirty="0"/>
           </a:p>
@@ -5142,7 +4977,7 @@
     </p:spTree>
     <p:extLst>
       <p:ext uri="{BB962C8B-B14F-4D97-AF65-F5344CB8AC3E}">
-        <p14:creationId xmlns:p14="http://schemas.microsoft.com/office/powerpoint/2010/main" val="4236957206"/>
+        <p14:creationId xmlns:p14="http://schemas.microsoft.com/office/powerpoint/2010/main" val="1726957563"/>
       </p:ext>
     </p:extLst>
   </p:cSld>
@@ -5274,7 +5109,7 @@
           <a:p>
             <a:fld id="{E2F19A73-88F5-4B80-A929-CF8E66EE5449}" type="datetime8">
               <a:rPr lang="en-US" smtClean="0"/>
-              <a:t>11/26/2022 12:09 PM</a:t>
+              <a:t>11/27/2022 11:52 AM</a:t>
             </a:fld>
             <a:endParaRPr lang="en-US" dirty="0"/>
           </a:p>
@@ -5406,7 +5241,7 @@
           <a:p>
             <a:fld id="{D44C3489-8257-4E60-994D-6A5CEE67ED71}" type="datetime8">
               <a:rPr lang="en-US" smtClean="0"/>
-              <a:t>11/26/2022 12:09 PM</a:t>
+              <a:t>11/27/2022 11:52 AM</a:t>
             </a:fld>
             <a:endParaRPr lang="en-US" dirty="0"/>
           </a:p>
@@ -5589,7 +5424,7 @@
                   <a:prstClr val="black"/>
                 </a:solidFill>
               </a:rPr>
-              <a:t>11/26/2022 12:09 PM</a:t>
+              <a:t>11/27/2022 11:52 AM</a:t>
             </a:fld>
             <a:endParaRPr lang="en-US" dirty="0">
               <a:solidFill>
@@ -5789,7 +5624,7 @@
                   <a:prstClr val="black"/>
                 </a:solidFill>
               </a:rPr>
-              <a:t>11/26/2022 12:09 PM</a:t>
+              <a:t>11/27/2022 11:52 AM</a:t>
             </a:fld>
             <a:endParaRPr lang="en-US" dirty="0">
               <a:solidFill>
@@ -5926,41 +5761,206 @@
           <a:bodyPr/>
           <a:lstStyle/>
           <a:p>
+            <a:pPr marL="0" marR="0" lvl="0" indent="0" algn="l" defTabSz="914367" rtl="0" eaLnBrk="1" fontAlgn="auto" latinLnBrk="0" hangingPunct="1">
+              <a:lnSpc>
+                <a:spcPct val="90000"/>
+              </a:lnSpc>
+              <a:spcBef>
+                <a:spcPts val="0"/>
+              </a:spcBef>
+              <a:spcAft>
+                <a:spcPts val="333"/>
+              </a:spcAft>
+              <a:buClrTx/>
+              <a:buSzTx/>
+              <a:buFontTx/>
+              <a:buNone/>
+              <a:tabLst/>
+              <a:defRPr/>
+            </a:pPr>
+            <a:r>
+              <a:rPr lang="en-IE" b="1" i="0" dirty="0">
+                <a:solidFill>
+                  <a:srgbClr val="171717"/>
+                </a:solidFill>
+                <a:effectLst/>
+                <a:latin typeface="Segoe UI" panose="020B0502040204020203" pitchFamily="34" charset="0"/>
+              </a:rPr>
+              <a:t>Get started with Cost Management + Billing reporting</a:t>
+            </a:r>
+          </a:p>
+          <a:p>
+            <a:r>
+              <a:rPr lang="en-IE" b="0" dirty="0"/>
+              <a:t>https://learn.microsoft.com/en-us/azure/cost-management-billing/costs/reporting-get-started</a:t>
+            </a:r>
+          </a:p>
+          <a:p>
+            <a:endParaRPr lang="en-IE" b="1" dirty="0"/>
+          </a:p>
+          <a:p>
+            <a:r>
+              <a:rPr lang="en-IE" b="1" dirty="0"/>
+              <a:t>Azure EA portal administration</a:t>
+            </a:r>
+          </a:p>
+          <a:p>
+            <a:r>
+              <a:rPr lang="en-IE" dirty="0"/>
+              <a:t>https://learn.microsoft.com/en-us/azure/cost-management-billing/manage/ea-portal-administration</a:t>
+            </a:r>
+          </a:p>
+          <a:p>
             <a:endParaRPr lang="en-IE" dirty="0"/>
           </a:p>
           <a:p>
+            <a:pPr algn="l"/>
+            <a:r>
+              <a:rPr lang="en-IE" b="1" i="0" dirty="0">
+                <a:solidFill>
+                  <a:srgbClr val="171717"/>
+                </a:solidFill>
+                <a:effectLst/>
+                <a:latin typeface="Segoe UI" panose="020B0502040204020203" pitchFamily="34" charset="0"/>
+              </a:rPr>
+              <a:t>Migrate from Azure Enterprise Reporting to Microsoft Cost Management APIs overview</a:t>
+            </a:r>
+          </a:p>
+          <a:p>
+            <a:r>
+              <a:rPr lang="en-IE" dirty="0"/>
+              <a:t>https://learn.microsoft.com/en-us/azure/cost-management-billing/automate/migrate-ea-reporting-arm-apis-overview</a:t>
+            </a:r>
+          </a:p>
+          <a:p>
+            <a:endParaRPr lang="en-IE" dirty="0"/>
+          </a:p>
+          <a:p>
             <a:r>
               <a:rPr lang="en-IE" b="1" dirty="0"/>
-              <a:t>Visual Studio</a:t>
+              <a:t>EA Portal</a:t>
+            </a:r>
+          </a:p>
+          <a:p>
+            <a:pPr marL="0" marR="0" lvl="0" indent="0" algn="l" defTabSz="914367" rtl="0" eaLnBrk="1" fontAlgn="auto" latinLnBrk="0" hangingPunct="1">
+              <a:lnSpc>
+                <a:spcPct val="90000"/>
+              </a:lnSpc>
+              <a:spcBef>
+                <a:spcPts val="0"/>
+              </a:spcBef>
+              <a:spcAft>
+                <a:spcPts val="333"/>
+              </a:spcAft>
+              <a:buClrTx/>
+              <a:buSzTx/>
+              <a:buFontTx/>
+              <a:buNone/>
+              <a:tabLst/>
+              <a:defRPr/>
+            </a:pPr>
+            <a:r>
+              <a:rPr lang="en-IE" b="0" i="0" u="none" strike="noStrike" dirty="0">
+                <a:effectLst/>
+                <a:latin typeface="Segoe UI" panose="020B0502040204020203" pitchFamily="34" charset="0"/>
+                <a:hlinkClick r:id="rId3"/>
+              </a:rPr>
+              <a:t>https://ea.azure.com</a:t>
+            </a:r>
+            <a:endParaRPr lang="en-IE" dirty="0"/>
+          </a:p>
+          <a:p>
+            <a:endParaRPr lang="en-IE" dirty="0"/>
+          </a:p>
+          <a:p>
+            <a:pPr marL="0" marR="0" lvl="0" indent="0" algn="l" defTabSz="914367" rtl="0" eaLnBrk="1" fontAlgn="auto" latinLnBrk="0" hangingPunct="1">
+              <a:lnSpc>
+                <a:spcPct val="90000"/>
+              </a:lnSpc>
+              <a:spcBef>
+                <a:spcPts val="0"/>
+              </a:spcBef>
+              <a:spcAft>
+                <a:spcPts val="333"/>
+              </a:spcAft>
+              <a:buClrTx/>
+              <a:buSzTx/>
+              <a:buFontTx/>
+              <a:buNone/>
+              <a:tabLst/>
+              <a:defRPr/>
+            </a:pPr>
+            <a:r>
+              <a:rPr lang="en-IE" b="1" i="0" dirty="0">
+                <a:solidFill>
+                  <a:srgbClr val="171717"/>
+                </a:solidFill>
+                <a:effectLst/>
+                <a:latin typeface="Segoe UI" panose="020B0502040204020203" pitchFamily="34" charset="0"/>
+              </a:rPr>
+              <a:t>Billing accounts and scopes in the Azure portal</a:t>
             </a:r>
           </a:p>
           <a:p>
             <a:r>
               <a:rPr lang="en-IE" dirty="0"/>
-              <a:t>Simply login as your Microsoft.com email and choose “Visual Studio Enterprise (FTE)” benefit</a:t>
+              <a:t>https://learn.microsoft.com/en-us/azure/cost-management-billing/manage/view-all-accounts</a:t>
             </a:r>
           </a:p>
           <a:p>
             <a:endParaRPr lang="en-IE" dirty="0"/>
           </a:p>
           <a:p>
-            <a:r>
-              <a:rPr lang="en-IE" b="1" dirty="0" err="1"/>
-              <a:t>Fdpo</a:t>
-            </a:r>
-            <a:r>
-              <a:rPr lang="en-IE" b="1" dirty="0"/>
-              <a:t> wiki page: </a:t>
-            </a:r>
+            <a:pPr marL="0" marR="0" lvl="0" indent="0" algn="l" defTabSz="914367" rtl="0" eaLnBrk="1" fontAlgn="auto" latinLnBrk="0" hangingPunct="1">
+              <a:lnSpc>
+                <a:spcPct val="90000"/>
+              </a:lnSpc>
+              <a:spcBef>
+                <a:spcPts val="0"/>
+              </a:spcBef>
+              <a:spcAft>
+                <a:spcPts val="333"/>
+              </a:spcAft>
+              <a:buClrTx/>
+              <a:buSzTx/>
+              <a:buFontTx/>
+              <a:buNone/>
+              <a:tabLst/>
+              <a:defRPr/>
+            </a:pPr>
+            <a:r>
+              <a:rPr lang="en-IE" b="1" i="0" dirty="0">
+                <a:solidFill>
+                  <a:srgbClr val="171717"/>
+                </a:solidFill>
+                <a:effectLst/>
+                <a:latin typeface="Segoe UI" panose="020B0502040204020203" pitchFamily="34" charset="0"/>
+              </a:rPr>
+              <a:t>View your usage summary details and download reports for direct EA </a:t>
+            </a:r>
+            <a:r>
+              <a:rPr lang="en-IE" b="1" i="0" dirty="0" err="1">
+                <a:solidFill>
+                  <a:srgbClr val="171717"/>
+                </a:solidFill>
+                <a:effectLst/>
+                <a:latin typeface="Segoe UI" panose="020B0502040204020203" pitchFamily="34" charset="0"/>
+              </a:rPr>
+              <a:t>enrollments</a:t>
+            </a:r>
+            <a:endParaRPr lang="en-IE" b="1" i="0" dirty="0">
+              <a:solidFill>
+                <a:srgbClr val="171717"/>
+              </a:solidFill>
+              <a:effectLst/>
+              <a:latin typeface="Segoe UI" panose="020B0502040204020203" pitchFamily="34" charset="0"/>
+            </a:endParaRPr>
           </a:p>
           <a:p>
             <a:r>
               <a:rPr lang="en-IE" dirty="0"/>
-              <a:t>https://dev.azure.com/servicesdocs/DevOps/_wiki/wikis/AzureInWCB%20wiki/32155/Managed-Azure-Tenant-Environment</a:t>
-            </a:r>
-          </a:p>
-          <a:p>
-            <a:endParaRPr lang="en-IE" dirty="0"/>
+              <a:t>https://learn.microsoft.com/en-us/azure/cost-management-billing/manage/direct-ea-azure-usage-charges-invoices</a:t>
+            </a:r>
           </a:p>
           <a:p>
             <a:endParaRPr lang="en-IE" dirty="0"/>
@@ -6057,7 +6057,7 @@
           <a:p>
             <a:fld id="{386CE63F-9E7F-4C04-9D0D-FCA25A8E9E86}" type="datetime8">
               <a:rPr lang="en-US" smtClean="0"/>
-              <a:t>11/26/2022 12:53 PM</a:t>
+              <a:t>11/27/2022 11:52 AM</a:t>
             </a:fld>
             <a:endParaRPr lang="en-US" dirty="0"/>
           </a:p>
@@ -6090,7 +6090,7 @@
     </p:spTree>
     <p:extLst>
       <p:ext uri="{BB962C8B-B14F-4D97-AF65-F5344CB8AC3E}">
-        <p14:creationId xmlns:p14="http://schemas.microsoft.com/office/powerpoint/2010/main" val="1726957563"/>
+        <p14:creationId xmlns:p14="http://schemas.microsoft.com/office/powerpoint/2010/main" val="4236957206"/>
       </p:ext>
     </p:extLst>
   </p:cSld>
@@ -6238,7 +6238,7 @@
           <a:p>
             <a:fld id="{386CE63F-9E7F-4C04-9D0D-FCA25A8E9E86}" type="datetime8">
               <a:rPr lang="en-US" smtClean="0"/>
-              <a:t>11/26/2022 12:09 PM</a:t>
+              <a:t>11/27/2022 11:52 AM</a:t>
             </a:fld>
             <a:endParaRPr lang="en-US" dirty="0"/>
           </a:p>
@@ -6446,7 +6446,7 @@
           <a:p>
             <a:fld id="{386CE63F-9E7F-4C04-9D0D-FCA25A8E9E86}" type="datetime8">
               <a:rPr lang="en-US" smtClean="0"/>
-              <a:t>11/26/2022 12:09 PM</a:t>
+              <a:t>11/27/2022 11:52 AM</a:t>
             </a:fld>
             <a:endParaRPr lang="en-US" dirty="0"/>
           </a:p>
@@ -6627,7 +6627,7 @@
           <a:p>
             <a:fld id="{386CE63F-9E7F-4C04-9D0D-FCA25A8E9E86}" type="datetime8">
               <a:rPr lang="en-US" smtClean="0"/>
-              <a:t>11/26/2022 1:55 PM</a:t>
+              <a:t>11/27/2022 11:52 AM</a:t>
             </a:fld>
             <a:endParaRPr lang="en-US" dirty="0"/>
           </a:p>
@@ -6881,7 +6881,7 @@
           <a:p>
             <a:fld id="{386CE63F-9E7F-4C04-9D0D-FCA25A8E9E86}" type="datetime8">
               <a:rPr lang="en-US" smtClean="0"/>
-              <a:t>11/26/2022 12:09 PM</a:t>
+              <a:t>11/27/2022 11:52 AM</a:t>
             </a:fld>
             <a:endParaRPr lang="en-US" dirty="0"/>
           </a:p>
@@ -7077,7 +7077,7 @@
           <a:p>
             <a:fld id="{386CE63F-9E7F-4C04-9D0D-FCA25A8E9E86}" type="datetime8">
               <a:rPr lang="en-US" smtClean="0"/>
-              <a:t>11/26/2022 12:09 PM</a:t>
+              <a:t>11/27/2022 11:52 AM</a:t>
             </a:fld>
             <a:endParaRPr lang="en-US" dirty="0"/>
           </a:p>
@@ -32795,6 +32795,508 @@
           <p:cNvPr id="2" name="Title 1">
             <a:extLst>
               <a:ext uri="{FF2B5EF4-FFF2-40B4-BE49-F238E27FC236}">
+                <a16:creationId xmlns:a16="http://schemas.microsoft.com/office/drawing/2014/main" id="{0F13D744-EDBD-4BEC-6063-8F55C702A911}"/>
+              </a:ext>
+            </a:extLst>
+          </p:cNvPr>
+          <p:cNvSpPr>
+            <a:spLocks noGrp="1"/>
+          </p:cNvSpPr>
+          <p:nvPr>
+            <p:ph type="title"/>
+          </p:nvPr>
+        </p:nvSpPr>
+        <p:spPr/>
+        <p:txBody>
+          <a:bodyPr/>
+          <a:lstStyle/>
+          <a:p>
+            <a:r>
+              <a:rPr lang="en-IE" dirty="0"/>
+              <a:t>Azure Subscriptions available to CSA</a:t>
+            </a:r>
+          </a:p>
+        </p:txBody>
+      </p:sp>
+      <p:sp>
+        <p:nvSpPr>
+          <p:cNvPr id="3" name="Content Placeholder 2">
+            <a:extLst>
+              <a:ext uri="{FF2B5EF4-FFF2-40B4-BE49-F238E27FC236}">
+                <a16:creationId xmlns:a16="http://schemas.microsoft.com/office/drawing/2014/main" id="{6F5FC56E-1DE1-2F01-E2D7-308E9B18F3D5}"/>
+              </a:ext>
+            </a:extLst>
+          </p:cNvPr>
+          <p:cNvSpPr>
+            <a:spLocks noGrp="1"/>
+          </p:cNvSpPr>
+          <p:nvPr>
+            <p:ph sz="quarter" idx="10"/>
+          </p:nvPr>
+        </p:nvSpPr>
+        <p:spPr>
+          <a:xfrm>
+            <a:off x="584200" y="1435100"/>
+            <a:ext cx="11018838" cy="4124206"/>
+          </a:xfrm>
+        </p:spPr>
+        <p:txBody>
+          <a:bodyPr/>
+          <a:lstStyle/>
+          <a:p>
+            <a:r>
+              <a:rPr lang="en-IE" dirty="0"/>
+              <a:t>Microsoft managed</a:t>
+            </a:r>
+          </a:p>
+          <a:p>
+            <a:pPr lvl="1"/>
+            <a:r>
+              <a:rPr lang="en-IE" dirty="0">
+                <a:hlinkClick r:id="rId3"/>
+              </a:rPr>
+              <a:t>fdpo.microsoft.com non-prod tenant</a:t>
+            </a:r>
+            <a:endParaRPr lang="en-IE" dirty="0"/>
+          </a:p>
+          <a:p>
+            <a:r>
+              <a:rPr lang="en-IE" dirty="0"/>
+              <a:t>Self managed</a:t>
+            </a:r>
+          </a:p>
+          <a:p>
+            <a:pPr lvl="1"/>
+            <a:r>
+              <a:rPr lang="en-IE" dirty="0">
+                <a:hlinkClick r:id="rId4"/>
+              </a:rPr>
+              <a:t>https://my.visualstudio.com/</a:t>
+            </a:r>
+            <a:r>
+              <a:rPr lang="en-IE" dirty="0"/>
+              <a:t> for every FTE - $150 p/m </a:t>
+            </a:r>
+          </a:p>
+          <a:p>
+            <a:pPr lvl="1"/>
+            <a:r>
+              <a:rPr lang="en-IE" dirty="0"/>
+              <a:t>External tenant</a:t>
+            </a:r>
+          </a:p>
+          <a:p>
+            <a:endParaRPr lang="en-IE" dirty="0"/>
+          </a:p>
+          <a:p>
+            <a:r>
+              <a:rPr lang="en-IE" dirty="0"/>
+              <a:t>Honourable mention</a:t>
+            </a:r>
+          </a:p>
+          <a:p>
+            <a:pPr lvl="1"/>
+            <a:r>
+              <a:rPr lang="en-IE" dirty="0">
+                <a:hlinkClick r:id="rId5"/>
+              </a:rPr>
+              <a:t>Microsoft 365 Developer Program</a:t>
+            </a:r>
+            <a:r>
+              <a:rPr lang="en-IE" dirty="0"/>
+              <a:t> – developer E5 licenses * 25, free</a:t>
+            </a:r>
+          </a:p>
+          <a:p>
+            <a:endParaRPr lang="en-IE" dirty="0"/>
+          </a:p>
+        </p:txBody>
+      </p:sp>
+    </p:spTree>
+    <p:extLst>
+      <p:ext uri="{BB962C8B-B14F-4D97-AF65-F5344CB8AC3E}">
+        <p14:creationId xmlns:p14="http://schemas.microsoft.com/office/powerpoint/2010/main" val="3806116861"/>
+      </p:ext>
+    </p:extLst>
+  </p:cSld>
+  <p:clrMapOvr>
+    <a:masterClrMapping/>
+  </p:clrMapOvr>
+  <p:transition>
+    <p:fade/>
+  </p:transition>
+</p:sld>
+</file>
+
+<file path=ppt/slides/slide40.xml><?xml version="1.0" encoding="utf-8"?>
+<p:sld xmlns:a="http://schemas.openxmlformats.org/drawingml/2006/main" xmlns:r="http://schemas.openxmlformats.org/officeDocument/2006/relationships" xmlns:p="http://schemas.openxmlformats.org/presentationml/2006/main">
+  <p:cSld>
+    <p:spTree>
+      <p:nvGrpSpPr>
+        <p:cNvPr id="1" name=""/>
+        <p:cNvGrpSpPr/>
+        <p:nvPr/>
+      </p:nvGrpSpPr>
+      <p:grpSpPr>
+        <a:xfrm>
+          <a:off x="0" y="0"/>
+          <a:ext cx="0" cy="0"/>
+          <a:chOff x="0" y="0"/>
+          <a:chExt cx="0" cy="0"/>
+        </a:xfrm>
+      </p:grpSpPr>
+      <p:sp>
+        <p:nvSpPr>
+          <p:cNvPr id="3" name="Title 2"/>
+          <p:cNvSpPr>
+            <a:spLocks noGrp="1"/>
+          </p:cNvSpPr>
+          <p:nvPr>
+            <p:ph type="title"/>
+          </p:nvPr>
+        </p:nvSpPr>
+        <p:spPr/>
+        <p:txBody>
+          <a:bodyPr/>
+          <a:lstStyle/>
+          <a:p>
+            <a:r>
+              <a:rPr lang="en-US" dirty="0"/>
+              <a:t>Demo</a:t>
+            </a:r>
+          </a:p>
+        </p:txBody>
+      </p:sp>
+      <p:sp>
+        <p:nvSpPr>
+          <p:cNvPr id="4" name="Text Placeholder 3"/>
+          <p:cNvSpPr>
+            <a:spLocks noGrp="1"/>
+          </p:cNvSpPr>
+          <p:nvPr>
+            <p:ph type="body" sz="quarter" idx="12"/>
+          </p:nvPr>
+        </p:nvSpPr>
+        <p:spPr/>
+        <p:txBody>
+          <a:bodyPr/>
+          <a:lstStyle/>
+          <a:p>
+            <a:r>
+              <a:rPr lang="en-US" dirty="0"/>
+              <a:t>Speaker name</a:t>
+            </a:r>
+          </a:p>
+        </p:txBody>
+      </p:sp>
+    </p:spTree>
+    <p:extLst>
+      <p:ext uri="{BB962C8B-B14F-4D97-AF65-F5344CB8AC3E}">
+        <p14:creationId xmlns:p14="http://schemas.microsoft.com/office/powerpoint/2010/main" val="203203085"/>
+      </p:ext>
+    </p:extLst>
+  </p:cSld>
+  <p:clrMapOvr>
+    <a:masterClrMapping/>
+  </p:clrMapOvr>
+  <p:transition>
+    <p:fade/>
+  </p:transition>
+</p:sld>
+</file>
+
+<file path=ppt/slides/slide41.xml><?xml version="1.0" encoding="utf-8"?>
+<p:sld xmlns:a="http://schemas.openxmlformats.org/drawingml/2006/main" xmlns:r="http://schemas.openxmlformats.org/officeDocument/2006/relationships" xmlns:p="http://schemas.openxmlformats.org/presentationml/2006/main">
+  <p:cSld>
+    <p:spTree>
+      <p:nvGrpSpPr>
+        <p:cNvPr id="1" name=""/>
+        <p:cNvGrpSpPr/>
+        <p:nvPr/>
+      </p:nvGrpSpPr>
+      <p:grpSpPr>
+        <a:xfrm>
+          <a:off x="0" y="0"/>
+          <a:ext cx="0" cy="0"/>
+          <a:chOff x="0" y="0"/>
+          <a:chExt cx="0" cy="0"/>
+        </a:xfrm>
+      </p:grpSpPr>
+      <p:sp>
+        <p:nvSpPr>
+          <p:cNvPr id="2" name="Title 1"/>
+          <p:cNvSpPr>
+            <a:spLocks noGrp="1"/>
+          </p:cNvSpPr>
+          <p:nvPr>
+            <p:ph type="title"/>
+          </p:nvPr>
+        </p:nvSpPr>
+        <p:spPr/>
+        <p:txBody>
+          <a:bodyPr/>
+          <a:lstStyle/>
+          <a:p>
+            <a:r>
+              <a:rPr lang="en-US" dirty="0"/>
+              <a:t>Section title</a:t>
+            </a:r>
+          </a:p>
+        </p:txBody>
+      </p:sp>
+    </p:spTree>
+    <p:extLst>
+      <p:ext uri="{BB962C8B-B14F-4D97-AF65-F5344CB8AC3E}">
+        <p14:creationId xmlns:p14="http://schemas.microsoft.com/office/powerpoint/2010/main" val="3249496989"/>
+      </p:ext>
+    </p:extLst>
+  </p:cSld>
+  <p:clrMapOvr>
+    <a:masterClrMapping/>
+  </p:clrMapOvr>
+  <p:transition>
+    <p:fade/>
+  </p:transition>
+</p:sld>
+</file>
+
+<file path=ppt/slides/slide42.xml><?xml version="1.0" encoding="utf-8"?>
+<p:sld xmlns:a="http://schemas.openxmlformats.org/drawingml/2006/main" xmlns:r="http://schemas.openxmlformats.org/officeDocument/2006/relationships" xmlns:p="http://schemas.openxmlformats.org/presentationml/2006/main">
+  <p:cSld>
+    <p:spTree>
+      <p:nvGrpSpPr>
+        <p:cNvPr id="1" name=""/>
+        <p:cNvGrpSpPr/>
+        <p:nvPr/>
+      </p:nvGrpSpPr>
+      <p:grpSpPr>
+        <a:xfrm>
+          <a:off x="0" y="0"/>
+          <a:ext cx="0" cy="0"/>
+          <a:chOff x="0" y="0"/>
+          <a:chExt cx="0" cy="0"/>
+        </a:xfrm>
+      </p:grpSpPr>
+      <p:sp>
+        <p:nvSpPr>
+          <p:cNvPr id="4" name="Title 3"/>
+          <p:cNvSpPr>
+            <a:spLocks noGrp="1"/>
+          </p:cNvSpPr>
+          <p:nvPr>
+            <p:ph type="title"/>
+          </p:nvPr>
+        </p:nvSpPr>
+        <p:spPr/>
+        <p:txBody>
+          <a:bodyPr/>
+          <a:lstStyle/>
+          <a:p>
+            <a:r>
+              <a:rPr lang="en-US" dirty="0"/>
+              <a:t>Software code slide</a:t>
+            </a:r>
+          </a:p>
+        </p:txBody>
+      </p:sp>
+      <p:sp>
+        <p:nvSpPr>
+          <p:cNvPr id="5" name="Text Placeholder 4"/>
+          <p:cNvSpPr>
+            <a:spLocks noGrp="1"/>
+          </p:cNvSpPr>
+          <p:nvPr>
+            <p:ph type="body" sz="quarter" idx="10"/>
+          </p:nvPr>
+        </p:nvSpPr>
+        <p:spPr/>
+        <p:txBody>
+          <a:bodyPr/>
+          <a:lstStyle/>
+          <a:p>
+            <a:r>
+              <a:rPr lang="en-US" dirty="0"/>
+              <a:t>This slide layout uses Consolas, a monotype font which is ideal for showing software code. </a:t>
+            </a:r>
+          </a:p>
+        </p:txBody>
+      </p:sp>
+    </p:spTree>
+    <p:extLst>
+      <p:ext uri="{BB962C8B-B14F-4D97-AF65-F5344CB8AC3E}">
+        <p14:creationId xmlns:p14="http://schemas.microsoft.com/office/powerpoint/2010/main" val="1041029672"/>
+      </p:ext>
+    </p:extLst>
+  </p:cSld>
+  <p:clrMapOvr>
+    <a:masterClrMapping/>
+  </p:clrMapOvr>
+  <p:transition>
+    <p:fade/>
+  </p:transition>
+</p:sld>
+</file>
+
+<file path=ppt/slides/slide43.xml><?xml version="1.0" encoding="utf-8"?>
+<p:sld xmlns:a="http://schemas.openxmlformats.org/drawingml/2006/main" xmlns:r="http://schemas.openxmlformats.org/officeDocument/2006/relationships" xmlns:p="http://schemas.openxmlformats.org/presentationml/2006/main" show="0">
+  <p:cSld>
+    <p:spTree>
+      <p:nvGrpSpPr>
+        <p:cNvPr id="1" name=""/>
+        <p:cNvGrpSpPr/>
+        <p:nvPr/>
+      </p:nvGrpSpPr>
+      <p:grpSpPr>
+        <a:xfrm>
+          <a:off x="0" y="0"/>
+          <a:ext cx="0" cy="0"/>
+          <a:chOff x="0" y="0"/>
+          <a:chExt cx="0" cy="0"/>
+        </a:xfrm>
+      </p:grpSpPr>
+      <p:sp>
+        <p:nvSpPr>
+          <p:cNvPr id="4" name="Title 3"/>
+          <p:cNvSpPr>
+            <a:spLocks noGrp="1"/>
+          </p:cNvSpPr>
+          <p:nvPr>
+            <p:ph type="title"/>
+          </p:nvPr>
+        </p:nvSpPr>
+        <p:spPr/>
+        <p:txBody>
+          <a:bodyPr/>
+          <a:lstStyle/>
+          <a:p>
+            <a:r>
+              <a:rPr lang="en-US" dirty="0"/>
+              <a:t>Notes (hidden)</a:t>
+            </a:r>
+          </a:p>
+        </p:txBody>
+      </p:sp>
+      <p:sp>
+        <p:nvSpPr>
+          <p:cNvPr id="6" name="Text Placeholder 5"/>
+          <p:cNvSpPr>
+            <a:spLocks noGrp="1"/>
+          </p:cNvSpPr>
+          <p:nvPr>
+            <p:ph type="body" sz="quarter" idx="12"/>
+          </p:nvPr>
+        </p:nvSpPr>
+        <p:spPr/>
+        <p:txBody>
+          <a:bodyPr/>
+          <a:lstStyle/>
+          <a:p>
+            <a:r>
+              <a:rPr lang="en-US" dirty="0"/>
+              <a:t>Some speakers at Microsoft like to use this slide for hidden “notes slides”. </a:t>
+            </a:r>
+          </a:p>
+          <a:p>
+            <a:r>
+              <a:rPr lang="en-US" dirty="0"/>
+              <a:t>Delete it if you don’t want to use it.</a:t>
+            </a:r>
+          </a:p>
+        </p:txBody>
+      </p:sp>
+      <p:sp>
+        <p:nvSpPr>
+          <p:cNvPr id="7" name="Text Placeholder 6"/>
+          <p:cNvSpPr>
+            <a:spLocks noGrp="1"/>
+          </p:cNvSpPr>
+          <p:nvPr>
+            <p:ph type="body" sz="quarter" idx="11"/>
+          </p:nvPr>
+        </p:nvSpPr>
+        <p:spPr/>
+        <p:txBody>
+          <a:bodyPr/>
+          <a:lstStyle/>
+          <a:p>
+            <a:r>
+              <a:rPr lang="en-US" dirty="0"/>
+              <a:t>NEXT: &lt;next slide title&gt;</a:t>
+            </a:r>
+          </a:p>
+        </p:txBody>
+      </p:sp>
+    </p:spTree>
+    <p:extLst>
+      <p:ext uri="{BB962C8B-B14F-4D97-AF65-F5344CB8AC3E}">
+        <p14:creationId xmlns:p14="http://schemas.microsoft.com/office/powerpoint/2010/main" val="1789865309"/>
+      </p:ext>
+    </p:extLst>
+  </p:cSld>
+  <p:clrMapOvr>
+    <a:masterClrMapping/>
+  </p:clrMapOvr>
+  <p:transition>
+    <p:fade/>
+  </p:transition>
+</p:sld>
+</file>
+
+<file path=ppt/slides/slide44.xml><?xml version="1.0" encoding="utf-8"?>
+<p:sld xmlns:a="http://schemas.openxmlformats.org/drawingml/2006/main" xmlns:r="http://schemas.openxmlformats.org/officeDocument/2006/relationships" xmlns:p="http://schemas.openxmlformats.org/presentationml/2006/main">
+  <p:cSld>
+    <p:spTree>
+      <p:nvGrpSpPr>
+        <p:cNvPr id="1" name=""/>
+        <p:cNvGrpSpPr/>
+        <p:nvPr/>
+      </p:nvGrpSpPr>
+      <p:grpSpPr>
+        <a:xfrm>
+          <a:off x="0" y="0"/>
+          <a:ext cx="0" cy="0"/>
+          <a:chOff x="0" y="0"/>
+          <a:chExt cx="0" cy="0"/>
+        </a:xfrm>
+      </p:grpSpPr>
+    </p:spTree>
+    <p:extLst>
+      <p:ext uri="{BB962C8B-B14F-4D97-AF65-F5344CB8AC3E}">
+        <p14:creationId xmlns:p14="http://schemas.microsoft.com/office/powerpoint/2010/main" val="2402828649"/>
+      </p:ext>
+    </p:extLst>
+  </p:cSld>
+  <p:clrMapOvr>
+    <a:masterClrMapping/>
+  </p:clrMapOvr>
+  <p:transition>
+    <p:fade/>
+  </p:transition>
+</p:sld>
+</file>
+
+<file path=ppt/slides/slide5.xml><?xml version="1.0" encoding="utf-8"?>
+<p:sld xmlns:a="http://schemas.openxmlformats.org/drawingml/2006/main" xmlns:r="http://schemas.openxmlformats.org/officeDocument/2006/relationships" xmlns:p="http://schemas.openxmlformats.org/presentationml/2006/main">
+  <p:cSld>
+    <p:spTree>
+      <p:nvGrpSpPr>
+        <p:cNvPr id="1" name=""/>
+        <p:cNvGrpSpPr/>
+        <p:nvPr/>
+      </p:nvGrpSpPr>
+      <p:grpSpPr>
+        <a:xfrm>
+          <a:off x="0" y="0"/>
+          <a:ext cx="0" cy="0"/>
+          <a:chOff x="0" y="0"/>
+          <a:chExt cx="0" cy="0"/>
+        </a:xfrm>
+      </p:grpSpPr>
+      <p:sp>
+        <p:nvSpPr>
+          <p:cNvPr id="2" name="Title 1">
+            <a:extLst>
+              <a:ext uri="{FF2B5EF4-FFF2-40B4-BE49-F238E27FC236}">
                 <a16:creationId xmlns:a16="http://schemas.microsoft.com/office/drawing/2014/main" id="{6FB48FA5-5241-2043-11B1-B1AAB238805F}"/>
               </a:ext>
             </a:extLst>
@@ -33382,505 +33884,6 @@
     <p:extLst>
       <p:ext uri="{BB962C8B-B14F-4D97-AF65-F5344CB8AC3E}">
         <p14:creationId xmlns:p14="http://schemas.microsoft.com/office/powerpoint/2010/main" val="2189807625"/>
-      </p:ext>
-    </p:extLst>
-  </p:cSld>
-  <p:clrMapOvr>
-    <a:masterClrMapping/>
-  </p:clrMapOvr>
-  <p:transition>
-    <p:fade/>
-  </p:transition>
-</p:sld>
-</file>
-
-<file path=ppt/slides/slide40.xml><?xml version="1.0" encoding="utf-8"?>
-<p:sld xmlns:a="http://schemas.openxmlformats.org/drawingml/2006/main" xmlns:r="http://schemas.openxmlformats.org/officeDocument/2006/relationships" xmlns:p="http://schemas.openxmlformats.org/presentationml/2006/main">
-  <p:cSld>
-    <p:spTree>
-      <p:nvGrpSpPr>
-        <p:cNvPr id="1" name=""/>
-        <p:cNvGrpSpPr/>
-        <p:nvPr/>
-      </p:nvGrpSpPr>
-      <p:grpSpPr>
-        <a:xfrm>
-          <a:off x="0" y="0"/>
-          <a:ext cx="0" cy="0"/>
-          <a:chOff x="0" y="0"/>
-          <a:chExt cx="0" cy="0"/>
-        </a:xfrm>
-      </p:grpSpPr>
-      <p:sp>
-        <p:nvSpPr>
-          <p:cNvPr id="3" name="Title 2"/>
-          <p:cNvSpPr>
-            <a:spLocks noGrp="1"/>
-          </p:cNvSpPr>
-          <p:nvPr>
-            <p:ph type="title"/>
-          </p:nvPr>
-        </p:nvSpPr>
-        <p:spPr/>
-        <p:txBody>
-          <a:bodyPr/>
-          <a:lstStyle/>
-          <a:p>
-            <a:r>
-              <a:rPr lang="en-US" dirty="0"/>
-              <a:t>Demo</a:t>
-            </a:r>
-          </a:p>
-        </p:txBody>
-      </p:sp>
-      <p:sp>
-        <p:nvSpPr>
-          <p:cNvPr id="4" name="Text Placeholder 3"/>
-          <p:cNvSpPr>
-            <a:spLocks noGrp="1"/>
-          </p:cNvSpPr>
-          <p:nvPr>
-            <p:ph type="body" sz="quarter" idx="12"/>
-          </p:nvPr>
-        </p:nvSpPr>
-        <p:spPr/>
-        <p:txBody>
-          <a:bodyPr/>
-          <a:lstStyle/>
-          <a:p>
-            <a:r>
-              <a:rPr lang="en-US" dirty="0"/>
-              <a:t>Speaker name</a:t>
-            </a:r>
-          </a:p>
-        </p:txBody>
-      </p:sp>
-    </p:spTree>
-    <p:extLst>
-      <p:ext uri="{BB962C8B-B14F-4D97-AF65-F5344CB8AC3E}">
-        <p14:creationId xmlns:p14="http://schemas.microsoft.com/office/powerpoint/2010/main" val="203203085"/>
-      </p:ext>
-    </p:extLst>
-  </p:cSld>
-  <p:clrMapOvr>
-    <a:masterClrMapping/>
-  </p:clrMapOvr>
-  <p:transition>
-    <p:fade/>
-  </p:transition>
-</p:sld>
-</file>
-
-<file path=ppt/slides/slide41.xml><?xml version="1.0" encoding="utf-8"?>
-<p:sld xmlns:a="http://schemas.openxmlformats.org/drawingml/2006/main" xmlns:r="http://schemas.openxmlformats.org/officeDocument/2006/relationships" xmlns:p="http://schemas.openxmlformats.org/presentationml/2006/main">
-  <p:cSld>
-    <p:spTree>
-      <p:nvGrpSpPr>
-        <p:cNvPr id="1" name=""/>
-        <p:cNvGrpSpPr/>
-        <p:nvPr/>
-      </p:nvGrpSpPr>
-      <p:grpSpPr>
-        <a:xfrm>
-          <a:off x="0" y="0"/>
-          <a:ext cx="0" cy="0"/>
-          <a:chOff x="0" y="0"/>
-          <a:chExt cx="0" cy="0"/>
-        </a:xfrm>
-      </p:grpSpPr>
-      <p:sp>
-        <p:nvSpPr>
-          <p:cNvPr id="2" name="Title 1"/>
-          <p:cNvSpPr>
-            <a:spLocks noGrp="1"/>
-          </p:cNvSpPr>
-          <p:nvPr>
-            <p:ph type="title"/>
-          </p:nvPr>
-        </p:nvSpPr>
-        <p:spPr/>
-        <p:txBody>
-          <a:bodyPr/>
-          <a:lstStyle/>
-          <a:p>
-            <a:r>
-              <a:rPr lang="en-US" dirty="0"/>
-              <a:t>Section title</a:t>
-            </a:r>
-          </a:p>
-        </p:txBody>
-      </p:sp>
-    </p:spTree>
-    <p:extLst>
-      <p:ext uri="{BB962C8B-B14F-4D97-AF65-F5344CB8AC3E}">
-        <p14:creationId xmlns:p14="http://schemas.microsoft.com/office/powerpoint/2010/main" val="3249496989"/>
-      </p:ext>
-    </p:extLst>
-  </p:cSld>
-  <p:clrMapOvr>
-    <a:masterClrMapping/>
-  </p:clrMapOvr>
-  <p:transition>
-    <p:fade/>
-  </p:transition>
-</p:sld>
-</file>
-
-<file path=ppt/slides/slide42.xml><?xml version="1.0" encoding="utf-8"?>
-<p:sld xmlns:a="http://schemas.openxmlformats.org/drawingml/2006/main" xmlns:r="http://schemas.openxmlformats.org/officeDocument/2006/relationships" xmlns:p="http://schemas.openxmlformats.org/presentationml/2006/main">
-  <p:cSld>
-    <p:spTree>
-      <p:nvGrpSpPr>
-        <p:cNvPr id="1" name=""/>
-        <p:cNvGrpSpPr/>
-        <p:nvPr/>
-      </p:nvGrpSpPr>
-      <p:grpSpPr>
-        <a:xfrm>
-          <a:off x="0" y="0"/>
-          <a:ext cx="0" cy="0"/>
-          <a:chOff x="0" y="0"/>
-          <a:chExt cx="0" cy="0"/>
-        </a:xfrm>
-      </p:grpSpPr>
-      <p:sp>
-        <p:nvSpPr>
-          <p:cNvPr id="4" name="Title 3"/>
-          <p:cNvSpPr>
-            <a:spLocks noGrp="1"/>
-          </p:cNvSpPr>
-          <p:nvPr>
-            <p:ph type="title"/>
-          </p:nvPr>
-        </p:nvSpPr>
-        <p:spPr/>
-        <p:txBody>
-          <a:bodyPr/>
-          <a:lstStyle/>
-          <a:p>
-            <a:r>
-              <a:rPr lang="en-US" dirty="0"/>
-              <a:t>Software code slide</a:t>
-            </a:r>
-          </a:p>
-        </p:txBody>
-      </p:sp>
-      <p:sp>
-        <p:nvSpPr>
-          <p:cNvPr id="5" name="Text Placeholder 4"/>
-          <p:cNvSpPr>
-            <a:spLocks noGrp="1"/>
-          </p:cNvSpPr>
-          <p:nvPr>
-            <p:ph type="body" sz="quarter" idx="10"/>
-          </p:nvPr>
-        </p:nvSpPr>
-        <p:spPr/>
-        <p:txBody>
-          <a:bodyPr/>
-          <a:lstStyle/>
-          <a:p>
-            <a:r>
-              <a:rPr lang="en-US" dirty="0"/>
-              <a:t>This slide layout uses Consolas, a monotype font which is ideal for showing software code. </a:t>
-            </a:r>
-          </a:p>
-        </p:txBody>
-      </p:sp>
-    </p:spTree>
-    <p:extLst>
-      <p:ext uri="{BB962C8B-B14F-4D97-AF65-F5344CB8AC3E}">
-        <p14:creationId xmlns:p14="http://schemas.microsoft.com/office/powerpoint/2010/main" val="1041029672"/>
-      </p:ext>
-    </p:extLst>
-  </p:cSld>
-  <p:clrMapOvr>
-    <a:masterClrMapping/>
-  </p:clrMapOvr>
-  <p:transition>
-    <p:fade/>
-  </p:transition>
-</p:sld>
-</file>
-
-<file path=ppt/slides/slide43.xml><?xml version="1.0" encoding="utf-8"?>
-<p:sld xmlns:a="http://schemas.openxmlformats.org/drawingml/2006/main" xmlns:r="http://schemas.openxmlformats.org/officeDocument/2006/relationships" xmlns:p="http://schemas.openxmlformats.org/presentationml/2006/main" show="0">
-  <p:cSld>
-    <p:spTree>
-      <p:nvGrpSpPr>
-        <p:cNvPr id="1" name=""/>
-        <p:cNvGrpSpPr/>
-        <p:nvPr/>
-      </p:nvGrpSpPr>
-      <p:grpSpPr>
-        <a:xfrm>
-          <a:off x="0" y="0"/>
-          <a:ext cx="0" cy="0"/>
-          <a:chOff x="0" y="0"/>
-          <a:chExt cx="0" cy="0"/>
-        </a:xfrm>
-      </p:grpSpPr>
-      <p:sp>
-        <p:nvSpPr>
-          <p:cNvPr id="4" name="Title 3"/>
-          <p:cNvSpPr>
-            <a:spLocks noGrp="1"/>
-          </p:cNvSpPr>
-          <p:nvPr>
-            <p:ph type="title"/>
-          </p:nvPr>
-        </p:nvSpPr>
-        <p:spPr/>
-        <p:txBody>
-          <a:bodyPr/>
-          <a:lstStyle/>
-          <a:p>
-            <a:r>
-              <a:rPr lang="en-US" dirty="0"/>
-              <a:t>Notes (hidden)</a:t>
-            </a:r>
-          </a:p>
-        </p:txBody>
-      </p:sp>
-      <p:sp>
-        <p:nvSpPr>
-          <p:cNvPr id="6" name="Text Placeholder 5"/>
-          <p:cNvSpPr>
-            <a:spLocks noGrp="1"/>
-          </p:cNvSpPr>
-          <p:nvPr>
-            <p:ph type="body" sz="quarter" idx="12"/>
-          </p:nvPr>
-        </p:nvSpPr>
-        <p:spPr/>
-        <p:txBody>
-          <a:bodyPr/>
-          <a:lstStyle/>
-          <a:p>
-            <a:r>
-              <a:rPr lang="en-US" dirty="0"/>
-              <a:t>Some speakers at Microsoft like to use this slide for hidden “notes slides”. </a:t>
-            </a:r>
-          </a:p>
-          <a:p>
-            <a:r>
-              <a:rPr lang="en-US" dirty="0"/>
-              <a:t>Delete it if you don’t want to use it.</a:t>
-            </a:r>
-          </a:p>
-        </p:txBody>
-      </p:sp>
-      <p:sp>
-        <p:nvSpPr>
-          <p:cNvPr id="7" name="Text Placeholder 6"/>
-          <p:cNvSpPr>
-            <a:spLocks noGrp="1"/>
-          </p:cNvSpPr>
-          <p:nvPr>
-            <p:ph type="body" sz="quarter" idx="11"/>
-          </p:nvPr>
-        </p:nvSpPr>
-        <p:spPr/>
-        <p:txBody>
-          <a:bodyPr/>
-          <a:lstStyle/>
-          <a:p>
-            <a:r>
-              <a:rPr lang="en-US" dirty="0"/>
-              <a:t>NEXT: &lt;next slide title&gt;</a:t>
-            </a:r>
-          </a:p>
-        </p:txBody>
-      </p:sp>
-    </p:spTree>
-    <p:extLst>
-      <p:ext uri="{BB962C8B-B14F-4D97-AF65-F5344CB8AC3E}">
-        <p14:creationId xmlns:p14="http://schemas.microsoft.com/office/powerpoint/2010/main" val="1789865309"/>
-      </p:ext>
-    </p:extLst>
-  </p:cSld>
-  <p:clrMapOvr>
-    <a:masterClrMapping/>
-  </p:clrMapOvr>
-  <p:transition>
-    <p:fade/>
-  </p:transition>
-</p:sld>
-</file>
-
-<file path=ppt/slides/slide44.xml><?xml version="1.0" encoding="utf-8"?>
-<p:sld xmlns:a="http://schemas.openxmlformats.org/drawingml/2006/main" xmlns:r="http://schemas.openxmlformats.org/officeDocument/2006/relationships" xmlns:p="http://schemas.openxmlformats.org/presentationml/2006/main">
-  <p:cSld>
-    <p:spTree>
-      <p:nvGrpSpPr>
-        <p:cNvPr id="1" name=""/>
-        <p:cNvGrpSpPr/>
-        <p:nvPr/>
-      </p:nvGrpSpPr>
-      <p:grpSpPr>
-        <a:xfrm>
-          <a:off x="0" y="0"/>
-          <a:ext cx="0" cy="0"/>
-          <a:chOff x="0" y="0"/>
-          <a:chExt cx="0" cy="0"/>
-        </a:xfrm>
-      </p:grpSpPr>
-    </p:spTree>
-    <p:extLst>
-      <p:ext uri="{BB962C8B-B14F-4D97-AF65-F5344CB8AC3E}">
-        <p14:creationId xmlns:p14="http://schemas.microsoft.com/office/powerpoint/2010/main" val="2402828649"/>
-      </p:ext>
-    </p:extLst>
-  </p:cSld>
-  <p:clrMapOvr>
-    <a:masterClrMapping/>
-  </p:clrMapOvr>
-  <p:transition>
-    <p:fade/>
-  </p:transition>
-</p:sld>
-</file>
-
-<file path=ppt/slides/slide5.xml><?xml version="1.0" encoding="utf-8"?>
-<p:sld xmlns:a="http://schemas.openxmlformats.org/drawingml/2006/main" xmlns:r="http://schemas.openxmlformats.org/officeDocument/2006/relationships" xmlns:p="http://schemas.openxmlformats.org/presentationml/2006/main">
-  <p:cSld>
-    <p:spTree>
-      <p:nvGrpSpPr>
-        <p:cNvPr id="1" name=""/>
-        <p:cNvGrpSpPr/>
-        <p:nvPr/>
-      </p:nvGrpSpPr>
-      <p:grpSpPr>
-        <a:xfrm>
-          <a:off x="0" y="0"/>
-          <a:ext cx="0" cy="0"/>
-          <a:chOff x="0" y="0"/>
-          <a:chExt cx="0" cy="0"/>
-        </a:xfrm>
-      </p:grpSpPr>
-      <p:sp>
-        <p:nvSpPr>
-          <p:cNvPr id="2" name="Title 1">
-            <a:extLst>
-              <a:ext uri="{FF2B5EF4-FFF2-40B4-BE49-F238E27FC236}">
-                <a16:creationId xmlns:a16="http://schemas.microsoft.com/office/drawing/2014/main" id="{0F13D744-EDBD-4BEC-6063-8F55C702A911}"/>
-              </a:ext>
-            </a:extLst>
-          </p:cNvPr>
-          <p:cNvSpPr>
-            <a:spLocks noGrp="1"/>
-          </p:cNvSpPr>
-          <p:nvPr>
-            <p:ph type="title"/>
-          </p:nvPr>
-        </p:nvSpPr>
-        <p:spPr/>
-        <p:txBody>
-          <a:bodyPr/>
-          <a:lstStyle/>
-          <a:p>
-            <a:r>
-              <a:rPr lang="en-IE" dirty="0"/>
-              <a:t>Azure Subscriptions for CSA</a:t>
-            </a:r>
-          </a:p>
-        </p:txBody>
-      </p:sp>
-      <p:sp>
-        <p:nvSpPr>
-          <p:cNvPr id="3" name="Content Placeholder 2">
-            <a:extLst>
-              <a:ext uri="{FF2B5EF4-FFF2-40B4-BE49-F238E27FC236}">
-                <a16:creationId xmlns:a16="http://schemas.microsoft.com/office/drawing/2014/main" id="{6F5FC56E-1DE1-2F01-E2D7-308E9B18F3D5}"/>
-              </a:ext>
-            </a:extLst>
-          </p:cNvPr>
-          <p:cNvSpPr>
-            <a:spLocks noGrp="1"/>
-          </p:cNvSpPr>
-          <p:nvPr>
-            <p:ph sz="quarter" idx="10"/>
-          </p:nvPr>
-        </p:nvSpPr>
-        <p:spPr>
-          <a:xfrm>
-            <a:off x="584200" y="1435100"/>
-            <a:ext cx="11018838" cy="4124206"/>
-          </a:xfrm>
-        </p:spPr>
-        <p:txBody>
-          <a:bodyPr/>
-          <a:lstStyle/>
-          <a:p>
-            <a:r>
-              <a:rPr lang="en-IE" dirty="0"/>
-              <a:t>Microsoft managed</a:t>
-            </a:r>
-          </a:p>
-          <a:p>
-            <a:pPr lvl="1"/>
-            <a:r>
-              <a:rPr lang="en-IE" dirty="0">
-                <a:hlinkClick r:id="rId3"/>
-              </a:rPr>
-              <a:t>fdpo.microsoft.com non-prod tenant</a:t>
-            </a:r>
-            <a:endParaRPr lang="en-IE" dirty="0"/>
-          </a:p>
-          <a:p>
-            <a:r>
-              <a:rPr lang="en-IE" dirty="0"/>
-              <a:t>Self managed</a:t>
-            </a:r>
-          </a:p>
-          <a:p>
-            <a:pPr lvl="1"/>
-            <a:r>
-              <a:rPr lang="en-IE" dirty="0">
-                <a:hlinkClick r:id="rId4"/>
-              </a:rPr>
-              <a:t>https://my.visualstudio.com/</a:t>
-            </a:r>
-            <a:r>
-              <a:rPr lang="en-IE" dirty="0"/>
-              <a:t> for every FTE - ~$150 p/m </a:t>
-            </a:r>
-          </a:p>
-          <a:p>
-            <a:pPr lvl="1"/>
-            <a:r>
-              <a:rPr lang="en-IE" dirty="0"/>
-              <a:t>External tenant</a:t>
-            </a:r>
-          </a:p>
-          <a:p>
-            <a:endParaRPr lang="en-IE" dirty="0"/>
-          </a:p>
-          <a:p>
-            <a:r>
-              <a:rPr lang="en-IE" dirty="0"/>
-              <a:t>Honourable mention</a:t>
-            </a:r>
-          </a:p>
-          <a:p>
-            <a:pPr lvl="1"/>
-            <a:r>
-              <a:rPr lang="en-IE" dirty="0">
-                <a:hlinkClick r:id="rId5"/>
-              </a:rPr>
-              <a:t>Microsoft 365 Developer Program</a:t>
-            </a:r>
-            <a:endParaRPr lang="en-IE" dirty="0"/>
-          </a:p>
-          <a:p>
-            <a:endParaRPr lang="en-IE" dirty="0"/>
-          </a:p>
-        </p:txBody>
-      </p:sp>
-    </p:spTree>
-    <p:extLst>
-      <p:ext uri="{BB962C8B-B14F-4D97-AF65-F5344CB8AC3E}">
-        <p14:creationId xmlns:p14="http://schemas.microsoft.com/office/powerpoint/2010/main" val="3806116861"/>
       </p:ext>
     </p:extLst>
   </p:cSld>
@@ -35890,6 +35893,25 @@
 </file>
 
 <file path=customXml/item1.xml><?xml version="1.0" encoding="utf-8"?>
+<?mso-contentType ?>
+<FormTemplates xmlns="http://schemas.microsoft.com/sharepoint/v3/contenttype/forms">
+  <Display>DocumentLibraryForm</Display>
+  <Edit>DocumentLibraryForm</Edit>
+  <New>DocumentLibraryForm</New>
+</FormTemplates>
+</file>
+
+<file path=customXml/item2.xml><?xml version="1.0" encoding="utf-8"?>
+<p:properties xmlns:p="http://schemas.microsoft.com/office/2006/metadata/properties" xmlns:xsi="http://www.w3.org/2001/XMLSchema-instance" xmlns:pc="http://schemas.microsoft.com/office/infopath/2007/PartnerControls">
+  <documentManagement>
+    <_ip_UnifiedCompliancePolicyUIAction xmlns="http://schemas.microsoft.com/sharepoint/v3" xsi:nil="true"/>
+    <_ip_UnifiedCompliancePolicyProperties xmlns="http://schemas.microsoft.com/sharepoint/v3" xsi:nil="true"/>
+    <MediaServiceKeyPoints xmlns="965de625-df5b-42e9-a277-2113da4f1195" xsi:nil="true"/>
+  </documentManagement>
+</p:properties>
+</file>
+
+<file path=customXml/item3.xml><?xml version="1.0" encoding="utf-8"?>
 <ct:contentTypeSchema xmlns:ct="http://schemas.microsoft.com/office/2006/metadata/contentType" xmlns:ma="http://schemas.microsoft.com/office/2006/metadata/properties/metaAttributes" ct:_="" ma:_="" ma:contentTypeName="Document" ma:contentTypeID="0x010100BD9FAF4CD5AD2F4B99B5B2414089ABF7" ma:contentTypeVersion="16" ma:contentTypeDescription="Create a new document." ma:contentTypeScope="" ma:versionID="24b7a44f49c7f8d524d04c695baedf53">
   <xsd:schema xmlns:xsd="http://www.w3.org/2001/XMLSchema" xmlns:xs="http://www.w3.org/2001/XMLSchema" xmlns:p="http://schemas.microsoft.com/office/2006/metadata/properties" xmlns:ns1="http://schemas.microsoft.com/sharepoint/v3" xmlns:ns2="dcf5ddc1-fb1d-440f-849a-6450bddbaed7" xmlns:ns3="965de625-df5b-42e9-a277-2113da4f1195" targetNamespace="http://schemas.microsoft.com/office/2006/metadata/properties" ma:root="true" ma:fieldsID="e46491ab598b4ca7c34f6e01f1cb89ea" ns1:_="" ns2:_="" ns3:_="">
     <xsd:import namespace="http://schemas.microsoft.com/sharepoint/v3"/>
@@ -36137,26 +36159,33 @@
 </ct:contentTypeSchema>
 </file>
 
-<file path=customXml/item2.xml><?xml version="1.0" encoding="utf-8"?>
-<?mso-contentType ?>
-<FormTemplates xmlns="http://schemas.microsoft.com/sharepoint/v3/contenttype/forms">
-  <Display>DocumentLibraryForm</Display>
-  <Edit>DocumentLibraryForm</Edit>
-  <New>DocumentLibraryForm</New>
-</FormTemplates>
+<file path=customXml/itemProps1.xml><?xml version="1.0" encoding="utf-8"?>
+<ds:datastoreItem xmlns:ds="http://schemas.openxmlformats.org/officeDocument/2006/customXml" ds:itemID="{758FDAC0-319D-4A54-8D8E-1D42CB1F8004}">
+  <ds:schemaRefs>
+    <ds:schemaRef ds:uri="http://schemas.microsoft.com/sharepoint/v3/contenttype/forms"/>
+  </ds:schemaRefs>
+</ds:datastoreItem>
 </file>
 
-<file path=customXml/item3.xml><?xml version="1.0" encoding="utf-8"?>
-<p:properties xmlns:p="http://schemas.microsoft.com/office/2006/metadata/properties" xmlns:xsi="http://www.w3.org/2001/XMLSchema-instance" xmlns:pc="http://schemas.microsoft.com/office/infopath/2007/PartnerControls">
-  <documentManagement>
-    <_ip_UnifiedCompliancePolicyUIAction xmlns="http://schemas.microsoft.com/sharepoint/v3" xsi:nil="true"/>
-    <_ip_UnifiedCompliancePolicyProperties xmlns="http://schemas.microsoft.com/sharepoint/v3" xsi:nil="true"/>
-    <MediaServiceKeyPoints xmlns="965de625-df5b-42e9-a277-2113da4f1195" xsi:nil="true"/>
-  </documentManagement>
-</p:properties>
+<file path=customXml/itemProps2.xml><?xml version="1.0" encoding="utf-8"?>
+<ds:datastoreItem xmlns:ds="http://schemas.openxmlformats.org/officeDocument/2006/customXml" ds:itemID="{F990F116-B58F-4255-B05B-DA3808E0E5C6}">
+  <ds:schemaRefs>
+    <ds:schemaRef ds:uri="http://purl.org/dc/elements/1.1/"/>
+    <ds:schemaRef ds:uri="http://schemas.microsoft.com/sharepoint/v3"/>
+    <ds:schemaRef ds:uri="dcf5ddc1-fb1d-440f-849a-6450bddbaed7"/>
+    <ds:schemaRef ds:uri="http://schemas.microsoft.com/office/2006/documentManagement/types"/>
+    <ds:schemaRef ds:uri="http://purl.org/dc/terms/"/>
+    <ds:schemaRef ds:uri="http://schemas.microsoft.com/office/2006/metadata/properties"/>
+    <ds:schemaRef ds:uri="http://purl.org/dc/dcmitype/"/>
+    <ds:schemaRef ds:uri="965de625-df5b-42e9-a277-2113da4f1195"/>
+    <ds:schemaRef ds:uri="http://schemas.microsoft.com/office/infopath/2007/PartnerControls"/>
+    <ds:schemaRef ds:uri="http://schemas.openxmlformats.org/package/2006/metadata/core-properties"/>
+    <ds:schemaRef ds:uri="http://www.w3.org/XML/1998/namespace"/>
+  </ds:schemaRefs>
+</ds:datastoreItem>
 </file>
 
-<file path=customXml/itemProps1.xml><?xml version="1.0" encoding="utf-8"?>
+<file path=customXml/itemProps3.xml><?xml version="1.0" encoding="utf-8"?>
 <ds:datastoreItem xmlns:ds="http://schemas.openxmlformats.org/officeDocument/2006/customXml" ds:itemID="{13D1D262-8086-483E-8AEE-327E7944ECC8}">
   <ds:schemaRefs>
     <ds:schemaRef ds:uri="http://schemas.microsoft.com/office/2006/metadata/contentType"/>
@@ -36176,32 +36205,6 @@
 </ds:datastoreItem>
 </file>
 
-<file path=customXml/itemProps2.xml><?xml version="1.0" encoding="utf-8"?>
-<ds:datastoreItem xmlns:ds="http://schemas.openxmlformats.org/officeDocument/2006/customXml" ds:itemID="{758FDAC0-319D-4A54-8D8E-1D42CB1F8004}">
-  <ds:schemaRefs>
-    <ds:schemaRef ds:uri="http://schemas.microsoft.com/sharepoint/v3/contenttype/forms"/>
-  </ds:schemaRefs>
-</ds:datastoreItem>
-</file>
-
-<file path=customXml/itemProps3.xml><?xml version="1.0" encoding="utf-8"?>
-<ds:datastoreItem xmlns:ds="http://schemas.openxmlformats.org/officeDocument/2006/customXml" ds:itemID="{F990F116-B58F-4255-B05B-DA3808E0E5C6}">
-  <ds:schemaRefs>
-    <ds:schemaRef ds:uri="http://purl.org/dc/elements/1.1/"/>
-    <ds:schemaRef ds:uri="http://schemas.microsoft.com/sharepoint/v3"/>
-    <ds:schemaRef ds:uri="dcf5ddc1-fb1d-440f-849a-6450bddbaed7"/>
-    <ds:schemaRef ds:uri="http://schemas.microsoft.com/office/2006/documentManagement/types"/>
-    <ds:schemaRef ds:uri="http://purl.org/dc/terms/"/>
-    <ds:schemaRef ds:uri="http://schemas.microsoft.com/office/2006/metadata/properties"/>
-    <ds:schemaRef ds:uri="http://purl.org/dc/dcmitype/"/>
-    <ds:schemaRef ds:uri="965de625-df5b-42e9-a277-2113da4f1195"/>
-    <ds:schemaRef ds:uri="http://schemas.microsoft.com/office/infopath/2007/PartnerControls"/>
-    <ds:schemaRef ds:uri="http://schemas.openxmlformats.org/package/2006/metadata/core-properties"/>
-    <ds:schemaRef ds:uri="http://www.w3.org/XML/1998/namespace"/>
-  </ds:schemaRefs>
-</ds:datastoreItem>
-</file>
-
 <file path=docMetadata/LabelInfo.xml><?xml version="1.0" encoding="utf-8"?>
 <clbl:labelList xmlns:clbl="http://schemas.microsoft.com/office/2020/mipLabelMetadata">
   <clbl:label id="{f42aa342-8706-4288-bd11-ebb85995028c}" enabled="1" method="Privileged" siteId="{72f988bf-86f1-41af-91ab-2d7cd011db47}" removed="0"/>

--- a/126-AzureCost/Azure Cost PBI BootCamp.pptx
+++ b/126-AzureCost/Azure Cost PBI BootCamp.pptx
@@ -5,10 +5,10 @@
     <p:sldMasterId id="2147484229" r:id="rId4"/>
   </p:sldMasterIdLst>
   <p:notesMasterIdLst>
-    <p:notesMasterId r:id="rId49"/>
+    <p:notesMasterId r:id="rId51"/>
   </p:notesMasterIdLst>
   <p:handoutMasterIdLst>
-    <p:handoutMasterId r:id="rId50"/>
+    <p:handoutMasterId r:id="rId52"/>
   </p:handoutMasterIdLst>
   <p:sldIdLst>
     <p:sldId id="1661" r:id="rId5"/>
@@ -25,36 +25,38 @@
     <p:sldId id="2058" r:id="rId16"/>
     <p:sldId id="2064" r:id="rId17"/>
     <p:sldId id="2070" r:id="rId18"/>
-    <p:sldId id="2073" r:id="rId19"/>
-    <p:sldId id="2059" r:id="rId20"/>
-    <p:sldId id="2052" r:id="rId21"/>
-    <p:sldId id="2053" r:id="rId22"/>
-    <p:sldId id="2062" r:id="rId23"/>
-    <p:sldId id="2056" r:id="rId24"/>
-    <p:sldId id="2072" r:id="rId25"/>
-    <p:sldId id="2071" r:id="rId26"/>
-    <p:sldId id="1660" r:id="rId27"/>
-    <p:sldId id="1670" r:id="rId28"/>
-    <p:sldId id="1548" r:id="rId29"/>
-    <p:sldId id="1635" r:id="rId30"/>
-    <p:sldId id="1523" r:id="rId31"/>
-    <p:sldId id="1716" r:id="rId32"/>
-    <p:sldId id="1524" r:id="rId33"/>
-    <p:sldId id="1906" r:id="rId34"/>
-    <p:sldId id="1947" r:id="rId35"/>
-    <p:sldId id="1946" r:id="rId36"/>
-    <p:sldId id="2045" r:id="rId37"/>
-    <p:sldId id="2046" r:id="rId38"/>
-    <p:sldId id="1995" r:id="rId39"/>
-    <p:sldId id="1994" r:id="rId40"/>
-    <p:sldId id="2042" r:id="rId41"/>
-    <p:sldId id="1941" r:id="rId42"/>
-    <p:sldId id="1804" r:id="rId43"/>
-    <p:sldId id="1527" r:id="rId44"/>
-    <p:sldId id="1529" r:id="rId45"/>
-    <p:sldId id="1530" r:id="rId46"/>
-    <p:sldId id="1531" r:id="rId47"/>
-    <p:sldId id="1532" r:id="rId48"/>
+    <p:sldId id="2077" r:id="rId19"/>
+    <p:sldId id="2073" r:id="rId20"/>
+    <p:sldId id="2076" r:id="rId21"/>
+    <p:sldId id="2056" r:id="rId22"/>
+    <p:sldId id="2072" r:id="rId23"/>
+    <p:sldId id="2071" r:id="rId24"/>
+    <p:sldId id="2059" r:id="rId25"/>
+    <p:sldId id="2052" r:id="rId26"/>
+    <p:sldId id="2053" r:id="rId27"/>
+    <p:sldId id="2062" r:id="rId28"/>
+    <p:sldId id="1660" r:id="rId29"/>
+    <p:sldId id="1670" r:id="rId30"/>
+    <p:sldId id="1548" r:id="rId31"/>
+    <p:sldId id="1635" r:id="rId32"/>
+    <p:sldId id="1523" r:id="rId33"/>
+    <p:sldId id="1716" r:id="rId34"/>
+    <p:sldId id="1524" r:id="rId35"/>
+    <p:sldId id="1906" r:id="rId36"/>
+    <p:sldId id="1947" r:id="rId37"/>
+    <p:sldId id="1946" r:id="rId38"/>
+    <p:sldId id="2045" r:id="rId39"/>
+    <p:sldId id="2046" r:id="rId40"/>
+    <p:sldId id="1995" r:id="rId41"/>
+    <p:sldId id="1994" r:id="rId42"/>
+    <p:sldId id="2042" r:id="rId43"/>
+    <p:sldId id="1941" r:id="rId44"/>
+    <p:sldId id="1804" r:id="rId45"/>
+    <p:sldId id="1527" r:id="rId46"/>
+    <p:sldId id="1529" r:id="rId47"/>
+    <p:sldId id="1530" r:id="rId48"/>
+    <p:sldId id="1531" r:id="rId49"/>
+    <p:sldId id="1532" r:id="rId50"/>
   </p:sldIdLst>
   <p:sldSz cx="12192000" cy="6858000"/>
   <p:notesSz cx="6858000" cy="9144000"/>
@@ -172,11 +174,9 @@
             <p14:sldId id="2058"/>
             <p14:sldId id="2064"/>
             <p14:sldId id="2070"/>
+            <p14:sldId id="2077"/>
             <p14:sldId id="2073"/>
-            <p14:sldId id="2059"/>
-            <p14:sldId id="2052"/>
-            <p14:sldId id="2053"/>
-            <p14:sldId id="2062"/>
+            <p14:sldId id="2076"/>
             <p14:sldId id="2056"/>
           </p14:sldIdLst>
         </p14:section>
@@ -187,7 +187,12 @@
           </p14:sldIdLst>
         </p14:section>
         <p14:section name="Advanced Technical Tips" id="{C2204EC9-CF4E-4BCE-A19D-8EF7015C5371}">
-          <p14:sldIdLst/>
+          <p14:sldIdLst>
+            <p14:sldId id="2059"/>
+            <p14:sldId id="2052"/>
+            <p14:sldId id="2053"/>
+            <p14:sldId id="2062"/>
+          </p14:sldIdLst>
         </p14:section>
         <p14:section name="Template" id="{A520D17B-7A79-4C62-9914-4DA56F6FEF96}">
           <p14:sldIdLst>
@@ -352,7 +357,7 @@
               <a:rPr lang="en-US" smtClean="0">
                 <a:latin typeface="Segoe UI" pitchFamily="34" charset="0"/>
               </a:rPr>
-              <a:t>11/27/2022 11:53 AM</a:t>
+              <a:t>11/30/2022 10:34 AM</a:t>
             </a:fld>
             <a:endParaRPr lang="en-US" dirty="0">
               <a:latin typeface="Segoe UI" pitchFamily="34" charset="0"/>
@@ -630,7 +635,7 @@
           <a:p>
             <a:fld id="{386CE63F-9E7F-4C04-9D0D-FCA25A8E9E86}" type="datetime8">
               <a:rPr lang="en-US" smtClean="0"/>
-              <a:t>11/27/2022 11:52 AM</a:t>
+              <a:t>11/30/2022 10:33 AM</a:t>
             </a:fld>
             <a:endParaRPr lang="en-US" dirty="0"/>
           </a:p>
@@ -997,7 +1002,7 @@
           <a:p>
             <a:fld id="{62C61DAB-D93E-49CA-B245-379601CFE8D0}" type="datetime8">
               <a:rPr lang="en-US" smtClean="0"/>
-              <a:t>11/27/2022 11:52 AM</a:t>
+              <a:t>11/30/2022 10:33 AM</a:t>
             </a:fld>
             <a:endParaRPr lang="en-US" dirty="0"/>
           </a:p>
@@ -1181,7 +1186,7 @@
           <a:p>
             <a:fld id="{386CE63F-9E7F-4C04-9D0D-FCA25A8E9E86}" type="datetime8">
               <a:rPr lang="en-US" smtClean="0"/>
-              <a:t>11/27/2022 11:52 AM</a:t>
+              <a:t>11/30/2022 10:33 AM</a:t>
             </a:fld>
             <a:endParaRPr lang="en-US" dirty="0"/>
           </a:p>
@@ -1362,7 +1367,7 @@
           <a:p>
             <a:fld id="{386CE63F-9E7F-4C04-9D0D-FCA25A8E9E86}" type="datetime8">
               <a:rPr lang="en-US" smtClean="0"/>
-              <a:t>11/27/2022 11:52 AM</a:t>
+              <a:t>11/30/2022 10:33 AM</a:t>
             </a:fld>
             <a:endParaRPr lang="en-US" dirty="0"/>
           </a:p>
@@ -1543,7 +1548,7 @@
           <a:p>
             <a:fld id="{386CE63F-9E7F-4C04-9D0D-FCA25A8E9E86}" type="datetime8">
               <a:rPr lang="en-US" smtClean="0"/>
-              <a:t>11/27/2022 11:52 AM</a:t>
+              <a:t>11/30/2022 10:33 AM</a:t>
             </a:fld>
             <a:endParaRPr lang="en-US" dirty="0"/>
           </a:p>
@@ -1567,7 +1572,7 @@
             <a:fld id="{B4008EB6-D09E-4580-8CD6-DDB14511944F}" type="slidenum">
               <a:rPr lang="en-US" smtClean="0"/>
               <a:pPr/>
-              <a:t>15</a:t>
+              <a:t>16</a:t>
             </a:fld>
             <a:endParaRPr lang="en-US" dirty="0"/>
           </a:p>
@@ -1630,82 +1635,7 @@
           <a:bodyPr/>
           <a:lstStyle/>
           <a:p>
-            <a:pPr algn="l" rtl="0"/>
-            <a:endParaRPr lang="en-US" b="0" i="0" dirty="0">
-              <a:solidFill>
-                <a:srgbClr val="EEEEEE"/>
-              </a:solidFill>
-              <a:effectLst/>
-              <a:latin typeface="YouTube Noto"/>
-            </a:endParaRPr>
-          </a:p>
-          <a:p>
-            <a:pPr marL="0" marR="0" lvl="0" indent="0" algn="l" defTabSz="914367" rtl="0" eaLnBrk="1" fontAlgn="auto" latinLnBrk="0" hangingPunct="1">
-              <a:lnSpc>
-                <a:spcPct val="90000"/>
-              </a:lnSpc>
-              <a:spcBef>
-                <a:spcPts val="0"/>
-              </a:spcBef>
-              <a:spcAft>
-                <a:spcPts val="333"/>
-              </a:spcAft>
-              <a:buClrTx/>
-              <a:buSzTx/>
-              <a:buFontTx/>
-              <a:buNone/>
-              <a:tabLst/>
-              <a:defRPr/>
-            </a:pPr>
-            <a:r>
-              <a:rPr lang="en-US" b="0" i="0" dirty="0">
-                <a:effectLst/>
-                <a:latin typeface="Roboto" panose="02000000000000000000" pitchFamily="2" charset="0"/>
-              </a:rPr>
-              <a:t>The best way to connect to a SharePoint Folder to speed up your Excel and Power BI data refresh</a:t>
-            </a:r>
-          </a:p>
-          <a:p>
-            <a:pPr algn="l" rtl="0"/>
-            <a:r>
-              <a:rPr lang="en-US" b="0" i="0" dirty="0">
-                <a:solidFill>
-                  <a:srgbClr val="EEEEEE"/>
-                </a:solidFill>
-                <a:effectLst/>
-                <a:latin typeface="YouTube Noto"/>
-              </a:rPr>
-              <a:t>https://www.youtube.com/watch?v=-XE7HEZbQiY</a:t>
-            </a:r>
-          </a:p>
-          <a:p>
-            <a:pPr algn="l" rtl="0"/>
-            <a:endParaRPr lang="en-US" b="0" i="0" dirty="0">
-              <a:solidFill>
-                <a:srgbClr val="EEEEEE"/>
-              </a:solidFill>
-              <a:effectLst/>
-              <a:latin typeface="YouTube Noto"/>
-            </a:endParaRPr>
-          </a:p>
-          <a:p>
-            <a:pPr algn="l"/>
-            <a:r>
-              <a:rPr lang="en-US" b="0" i="0" dirty="0">
-                <a:solidFill>
-                  <a:srgbClr val="000000"/>
-                </a:solidFill>
-                <a:effectLst/>
-                <a:latin typeface="var(--ytd-video-primary-info-renderer-title-font-family,inherit)"/>
-              </a:rPr>
-              <a:t>Power BI - Use relative references to avoid combine &amp; transform errors</a:t>
-            </a:r>
-          </a:p>
-          <a:p>
-            <a:r>
-              <a:rPr lang="en-US" dirty="0"/>
-              <a:t>https://www.youtube.com/watch?v=nscUeOL5m90</a:t>
-            </a:r>
+            <a:endParaRPr lang="en-IE" dirty="0"/>
           </a:p>
         </p:txBody>
       </p:sp>
@@ -1799,7 +1729,7 @@
           <a:p>
             <a:fld id="{386CE63F-9E7F-4C04-9D0D-FCA25A8E9E86}" type="datetime8">
               <a:rPr lang="en-US" smtClean="0"/>
-              <a:t>11/27/2022 11:52 AM</a:t>
+              <a:t>11/30/2022 10:33 AM</a:t>
             </a:fld>
             <a:endParaRPr lang="en-US" dirty="0"/>
           </a:p>
@@ -1823,7 +1753,7 @@
             <a:fld id="{B4008EB6-D09E-4580-8CD6-DDB14511944F}" type="slidenum">
               <a:rPr lang="en-US" smtClean="0"/>
               <a:pPr/>
-              <a:t>17</a:t>
+              <a:t>19</a:t>
             </a:fld>
             <a:endParaRPr lang="en-US" dirty="0"/>
           </a:p>
@@ -1832,7 +1762,7 @@
     </p:spTree>
     <p:extLst>
       <p:ext uri="{BB962C8B-B14F-4D97-AF65-F5344CB8AC3E}">
-        <p14:creationId xmlns:p14="http://schemas.microsoft.com/office/powerpoint/2010/main" val="1076171450"/>
+        <p14:creationId xmlns:p14="http://schemas.microsoft.com/office/powerpoint/2010/main" val="4206545045"/>
       </p:ext>
     </p:extLst>
   </p:cSld>
@@ -1886,7 +1816,82 @@
           <a:bodyPr/>
           <a:lstStyle/>
           <a:p>
-            <a:endParaRPr lang="en-IE" dirty="0"/>
+            <a:pPr algn="l" rtl="0"/>
+            <a:endParaRPr lang="en-US" b="0" i="0" dirty="0">
+              <a:solidFill>
+                <a:srgbClr val="EEEEEE"/>
+              </a:solidFill>
+              <a:effectLst/>
+              <a:latin typeface="YouTube Noto"/>
+            </a:endParaRPr>
+          </a:p>
+          <a:p>
+            <a:pPr marL="0" marR="0" lvl="0" indent="0" algn="l" defTabSz="914367" rtl="0" eaLnBrk="1" fontAlgn="auto" latinLnBrk="0" hangingPunct="1">
+              <a:lnSpc>
+                <a:spcPct val="90000"/>
+              </a:lnSpc>
+              <a:spcBef>
+                <a:spcPts val="0"/>
+              </a:spcBef>
+              <a:spcAft>
+                <a:spcPts val="333"/>
+              </a:spcAft>
+              <a:buClrTx/>
+              <a:buSzTx/>
+              <a:buFontTx/>
+              <a:buNone/>
+              <a:tabLst/>
+              <a:defRPr/>
+            </a:pPr>
+            <a:r>
+              <a:rPr lang="en-US" b="0" i="0" dirty="0">
+                <a:effectLst/>
+                <a:latin typeface="Roboto" panose="02000000000000000000" pitchFamily="2" charset="0"/>
+              </a:rPr>
+              <a:t>The best way to connect to a SharePoint Folder to speed up your Excel and Power BI data refresh</a:t>
+            </a:r>
+          </a:p>
+          <a:p>
+            <a:pPr algn="l" rtl="0"/>
+            <a:r>
+              <a:rPr lang="en-US" b="0" i="0" dirty="0">
+                <a:solidFill>
+                  <a:srgbClr val="EEEEEE"/>
+                </a:solidFill>
+                <a:effectLst/>
+                <a:latin typeface="YouTube Noto"/>
+              </a:rPr>
+              <a:t>https://www.youtube.com/watch?v=-XE7HEZbQiY</a:t>
+            </a:r>
+          </a:p>
+          <a:p>
+            <a:pPr algn="l" rtl="0"/>
+            <a:endParaRPr lang="en-US" b="0" i="0" dirty="0">
+              <a:solidFill>
+                <a:srgbClr val="EEEEEE"/>
+              </a:solidFill>
+              <a:effectLst/>
+              <a:latin typeface="YouTube Noto"/>
+            </a:endParaRPr>
+          </a:p>
+          <a:p>
+            <a:pPr algn="l"/>
+            <a:r>
+              <a:rPr lang="en-US" b="0" i="0" dirty="0">
+                <a:solidFill>
+                  <a:srgbClr val="000000"/>
+                </a:solidFill>
+                <a:effectLst/>
+                <a:latin typeface="var(--ytd-video-primary-info-renderer-title-font-family,inherit)"/>
+              </a:rPr>
+              <a:t>Power BI - Use relative references to avoid combine &amp; transform errors</a:t>
+            </a:r>
+          </a:p>
+          <a:p>
+            <a:r>
+              <a:rPr lang="en-US" dirty="0"/>
+              <a:t>https://www.youtube.com/watch?v=nscUeOL5m90</a:t>
+            </a:r>
           </a:p>
         </p:txBody>
       </p:sp>
@@ -1980,7 +1985,7 @@
           <a:p>
             <a:fld id="{386CE63F-9E7F-4C04-9D0D-FCA25A8E9E86}" type="datetime8">
               <a:rPr lang="en-US" smtClean="0"/>
-              <a:t>11/27/2022 11:52 AM</a:t>
+              <a:t>11/30/2022 10:33 AM</a:t>
             </a:fld>
             <a:endParaRPr lang="en-US" dirty="0"/>
           </a:p>
@@ -2004,7 +2009,7 @@
             <a:fld id="{B4008EB6-D09E-4580-8CD6-DDB14511944F}" type="slidenum">
               <a:rPr lang="en-US" smtClean="0"/>
               <a:pPr/>
-              <a:t>19</a:t>
+              <a:t>22</a:t>
             </a:fld>
             <a:endParaRPr lang="en-US" dirty="0"/>
           </a:p>
@@ -2013,7 +2018,7 @@
     </p:spTree>
     <p:extLst>
       <p:ext uri="{BB962C8B-B14F-4D97-AF65-F5344CB8AC3E}">
-        <p14:creationId xmlns:p14="http://schemas.microsoft.com/office/powerpoint/2010/main" val="989421088"/>
+        <p14:creationId xmlns:p14="http://schemas.microsoft.com/office/powerpoint/2010/main" val="1076171450"/>
       </p:ext>
     </p:extLst>
   </p:cSld>
@@ -2161,7 +2166,7 @@
           <a:p>
             <a:fld id="{386CE63F-9E7F-4C04-9D0D-FCA25A8E9E86}" type="datetime8">
               <a:rPr lang="en-US" smtClean="0"/>
-              <a:t>11/27/2022 11:52 AM</a:t>
+              <a:t>11/30/2022 10:33 AM</a:t>
             </a:fld>
             <a:endParaRPr lang="en-US" dirty="0"/>
           </a:p>
@@ -2185,7 +2190,7 @@
             <a:fld id="{B4008EB6-D09E-4580-8CD6-DDB14511944F}" type="slidenum">
               <a:rPr lang="en-US" smtClean="0"/>
               <a:pPr/>
-              <a:t>21</a:t>
+              <a:t>24</a:t>
             </a:fld>
             <a:endParaRPr lang="en-US" dirty="0"/>
           </a:p>
@@ -2194,7 +2199,7 @@
     </p:spTree>
     <p:extLst>
       <p:ext uri="{BB962C8B-B14F-4D97-AF65-F5344CB8AC3E}">
-        <p14:creationId xmlns:p14="http://schemas.microsoft.com/office/powerpoint/2010/main" val="4206545045"/>
+        <p14:creationId xmlns:p14="http://schemas.microsoft.com/office/powerpoint/2010/main" val="989421088"/>
       </p:ext>
     </p:extLst>
   </p:cSld>
@@ -2326,7 +2331,7 @@
           <a:p>
             <a:fld id="{72E0C910-0166-48E0-B8EF-5071277A02A8}" type="datetime8">
               <a:rPr lang="en-US" smtClean="0"/>
-              <a:t>11/27/2022 11:52 AM</a:t>
+              <a:t>11/30/2022 10:33 AM</a:t>
             </a:fld>
             <a:endParaRPr lang="en-US" dirty="0"/>
           </a:p>
@@ -2350,7 +2355,7 @@
             <a:fld id="{B4008EB6-D09E-4580-8CD6-DDB14511944F}" type="slidenum">
               <a:rPr lang="en-US" smtClean="0"/>
               <a:pPr/>
-              <a:t>23</a:t>
+              <a:t>25</a:t>
             </a:fld>
             <a:endParaRPr lang="en-US" dirty="0"/>
           </a:p>
@@ -2491,7 +2496,7 @@
           <a:p>
             <a:fld id="{9427A7F7-BB1E-479D-AFAA-B52F4D0C99F2}" type="datetime8">
               <a:rPr lang="en-US" smtClean="0"/>
-              <a:t>11/27/2022 11:52 AM</a:t>
+              <a:t>11/30/2022 10:33 AM</a:t>
             </a:fld>
             <a:endParaRPr lang="en-US" dirty="0"/>
           </a:p>
@@ -2515,7 +2520,7 @@
             <a:fld id="{B4008EB6-D09E-4580-8CD6-DDB14511944F}" type="slidenum">
               <a:rPr lang="en-US" smtClean="0"/>
               <a:pPr/>
-              <a:t>24</a:t>
+              <a:t>26</a:t>
             </a:fld>
             <a:endParaRPr lang="en-US" dirty="0"/>
           </a:p>
@@ -2656,7 +2661,7 @@
           <a:p>
             <a:fld id="{2D0AF0B6-AF0D-4EDB-B60E-27694EB68262}" type="datetime8">
               <a:rPr lang="en-US" smtClean="0"/>
-              <a:t>11/27/2022 11:52 AM</a:t>
+              <a:t>11/30/2022 10:33 AM</a:t>
             </a:fld>
             <a:endParaRPr lang="en-US" dirty="0"/>
           </a:p>
@@ -2680,7 +2685,7 @@
             <a:fld id="{B4008EB6-D09E-4580-8CD6-DDB14511944F}" type="slidenum">
               <a:rPr lang="en-US" smtClean="0"/>
               <a:pPr/>
-              <a:t>25</a:t>
+              <a:t>27</a:t>
             </a:fld>
             <a:endParaRPr lang="en-US" dirty="0"/>
           </a:p>
@@ -2765,7 +2770,7 @@
             <a:fld id="{B4008EB6-D09E-4580-8CD6-DDB14511944F}" type="slidenum">
               <a:rPr lang="en-US" smtClean="0"/>
               <a:pPr/>
-              <a:t>26</a:t>
+              <a:t>28</a:t>
             </a:fld>
             <a:endParaRPr lang="en-US" dirty="0"/>
           </a:p>
@@ -2788,7 +2793,7 @@
           <a:p>
             <a:fld id="{1D9BFF88-B9B5-4B68-BAE1-09ACB5D03C54}" type="datetime8">
               <a:rPr lang="en-US" smtClean="0"/>
-              <a:t>11/27/2022 11:52 AM</a:t>
+              <a:t>11/30/2022 10:33 AM</a:t>
             </a:fld>
             <a:endParaRPr lang="en-US" dirty="0"/>
           </a:p>
@@ -3002,7 +3007,7 @@
           <a:p>
             <a:fld id="{386CE63F-9E7F-4C04-9D0D-FCA25A8E9E86}" type="datetime8">
               <a:rPr lang="en-US" smtClean="0"/>
-              <a:t>11/27/2022 11:52 AM</a:t>
+              <a:t>11/30/2022 10:33 AM</a:t>
             </a:fld>
             <a:endParaRPr lang="en-US" dirty="0"/>
           </a:p>
@@ -3136,7 +3141,7 @@
           <a:p>
             <a:fld id="{06C18626-F474-479E-937A-543AA55347B1}" type="datetime8">
               <a:rPr lang="en-US" smtClean="0"/>
-              <a:t>11/27/2022 11:52 AM</a:t>
+              <a:t>11/30/2022 10:33 AM</a:t>
             </a:fld>
             <a:endParaRPr lang="en-US" dirty="0"/>
           </a:p>
@@ -3168,7 +3173,7 @@
             <a:fld id="{8B263312-38AA-4E1E-B2B5-0F8F122B24FE}" type="slidenum">
               <a:rPr lang="en-US" smtClean="0"/>
               <a:pPr/>
-              <a:t>27</a:t>
+              <a:t>29</a:t>
             </a:fld>
             <a:endParaRPr lang="en-US" dirty="0"/>
           </a:p>
@@ -3366,7 +3371,7 @@
           <a:p>
             <a:fld id="{A5CD2277-7C1A-43CA-8676-87B24AD584BD}" type="datetime8">
               <a:rPr lang="en-US" smtClean="0"/>
-              <a:t>11/27/2022 11:52 AM</a:t>
+              <a:t>11/30/2022 10:33 AM</a:t>
             </a:fld>
             <a:endParaRPr lang="en-US" dirty="0"/>
           </a:p>
@@ -3390,7 +3395,7 @@
             <a:fld id="{B4008EB6-D09E-4580-8CD6-DDB14511944F}" type="slidenum">
               <a:rPr lang="en-US" smtClean="0"/>
               <a:pPr/>
-              <a:t>28</a:t>
+              <a:t>30</a:t>
             </a:fld>
             <a:endParaRPr lang="en-US" dirty="0"/>
           </a:p>
@@ -3531,7 +3536,7 @@
           <a:p>
             <a:fld id="{49B14B72-BE03-4760-B747-D349DA60D861}" type="datetime8">
               <a:rPr lang="en-US" smtClean="0"/>
-              <a:t>11/27/2022 11:52 AM</a:t>
+              <a:t>11/30/2022 10:33 AM</a:t>
             </a:fld>
             <a:endParaRPr lang="en-US" dirty="0"/>
           </a:p>
@@ -3555,7 +3560,7 @@
             <a:fld id="{B4008EB6-D09E-4580-8CD6-DDB14511944F}" type="slidenum">
               <a:rPr lang="en-US" smtClean="0"/>
               <a:pPr/>
-              <a:t>29</a:t>
+              <a:t>31</a:t>
             </a:fld>
             <a:endParaRPr lang="en-US" dirty="0"/>
           </a:p>
@@ -3696,7 +3701,7 @@
           <a:p>
             <a:fld id="{49B14B72-BE03-4760-B747-D349DA60D861}" type="datetime8">
               <a:rPr lang="en-US" smtClean="0"/>
-              <a:t>11/27/2022 11:52 AM</a:t>
+              <a:t>11/30/2022 10:33 AM</a:t>
             </a:fld>
             <a:endParaRPr lang="en-US" dirty="0"/>
           </a:p>
@@ -3720,7 +3725,7 @@
             <a:fld id="{B4008EB6-D09E-4580-8CD6-DDB14511944F}" type="slidenum">
               <a:rPr lang="en-US" smtClean="0"/>
               <a:pPr/>
-              <a:t>30</a:t>
+              <a:t>32</a:t>
             </a:fld>
             <a:endParaRPr lang="en-US" dirty="0"/>
           </a:p>
@@ -3861,7 +3866,7 @@
           <a:p>
             <a:fld id="{54A7B7B7-C694-4FC8-B0BD-20DAA0A272F9}" type="datetime8">
               <a:rPr lang="en-US" smtClean="0"/>
-              <a:t>11/27/2022 11:52 AM</a:t>
+              <a:t>11/30/2022 10:33 AM</a:t>
             </a:fld>
             <a:endParaRPr lang="en-US" dirty="0"/>
           </a:p>
@@ -3884,7 +3889,7 @@
           <a:p>
             <a:fld id="{B4008EB6-D09E-4580-8CD6-DDB14511944F}" type="slidenum">
               <a:rPr lang="en-US" smtClean="0"/>
-              <a:t>35</a:t>
+              <a:t>37</a:t>
             </a:fld>
             <a:endParaRPr lang="en-US" dirty="0"/>
           </a:p>
@@ -4025,7 +4030,7 @@
           <a:p>
             <a:fld id="{91FF42D5-4657-4D58-A751-082C26315A19}" type="datetime8">
               <a:rPr lang="en-US" smtClean="0"/>
-              <a:t>11/27/2022 11:52 AM</a:t>
+              <a:t>11/30/2022 10:33 AM</a:t>
             </a:fld>
             <a:endParaRPr lang="en-US" dirty="0"/>
           </a:p>
@@ -4049,7 +4054,7 @@
             <a:fld id="{B4008EB6-D09E-4580-8CD6-DDB14511944F}" type="slidenum">
               <a:rPr lang="en-US" smtClean="0"/>
               <a:pPr/>
-              <a:t>36</a:t>
+              <a:t>38</a:t>
             </a:fld>
             <a:endParaRPr lang="en-US" dirty="0"/>
           </a:p>
@@ -4133,7 +4138,7 @@
           <a:p>
             <a:fld id="{C5079D02-5D34-4786-9834-A1F44E52D535}" type="slidenum">
               <a:rPr lang="en-US" smtClean="0"/>
-              <a:t>37</a:t>
+              <a:t>39</a:t>
             </a:fld>
             <a:endParaRPr lang="en-US" dirty="0"/>
           </a:p>
@@ -4162,7 +4167,7 @@
           <a:p>
             <a:fld id="{480C6978-FA11-423D-8FDA-CB59A4787224}" type="datetime8">
               <a:rPr lang="en-US" smtClean="0"/>
-              <a:t>11/27/2022 11:52 AM</a:t>
+              <a:t>11/30/2022 10:33 AM</a:t>
             </a:fld>
             <a:endParaRPr lang="en-US" dirty="0"/>
           </a:p>
@@ -4315,7 +4320,7 @@
           <a:p>
             <a:fld id="{353CB5B1-3D40-4389-814A-A3E0AEC8E2FF}" type="datetime8">
               <a:rPr lang="en-US" smtClean="0"/>
-              <a:t>11/27/2022 11:52 AM</a:t>
+              <a:t>11/30/2022 10:33 AM</a:t>
             </a:fld>
             <a:endParaRPr lang="en-US" dirty="0"/>
           </a:p>
@@ -4339,7 +4344,7 @@
             <a:fld id="{B4008EB6-D09E-4580-8CD6-DDB14511944F}" type="slidenum">
               <a:rPr lang="en-US" smtClean="0"/>
               <a:pPr/>
-              <a:t>38</a:t>
+              <a:t>40</a:t>
             </a:fld>
             <a:endParaRPr lang="en-US" dirty="0"/>
           </a:p>
@@ -4492,7 +4497,7 @@
           <a:p>
             <a:fld id="{353CB5B1-3D40-4389-814A-A3E0AEC8E2FF}" type="datetime8">
               <a:rPr lang="en-US" smtClean="0"/>
-              <a:t>11/27/2022 11:52 AM</a:t>
+              <a:t>11/30/2022 10:33 AM</a:t>
             </a:fld>
             <a:endParaRPr lang="en-US" dirty="0"/>
           </a:p>
@@ -4516,7 +4521,7 @@
             <a:fld id="{B4008EB6-D09E-4580-8CD6-DDB14511944F}" type="slidenum">
               <a:rPr lang="en-US" smtClean="0"/>
               <a:pPr/>
-              <a:t>39</a:t>
+              <a:t>41</a:t>
             </a:fld>
             <a:endParaRPr lang="en-US" dirty="0"/>
           </a:p>
@@ -4726,7 +4731,7 @@
           <a:p>
             <a:fld id="{B16574EE-8191-4BCC-ABE6-D00A4F4D7690}" type="datetime8">
               <a:rPr lang="en-US" smtClean="0"/>
-              <a:t>11/27/2022 11:52 AM</a:t>
+              <a:t>11/30/2022 10:33 AM</a:t>
             </a:fld>
             <a:endParaRPr lang="en-US" dirty="0"/>
           </a:p>
@@ -4750,7 +4755,7 @@
             <a:fld id="{B4008EB6-D09E-4580-8CD6-DDB14511944F}" type="slidenum">
               <a:rPr lang="en-US" smtClean="0"/>
               <a:pPr/>
-              <a:t>40</a:t>
+              <a:t>42</a:t>
             </a:fld>
             <a:endParaRPr lang="en-US" dirty="0"/>
           </a:p>
@@ -4944,7 +4949,7 @@
           <a:p>
             <a:fld id="{386CE63F-9E7F-4C04-9D0D-FCA25A8E9E86}" type="datetime8">
               <a:rPr lang="en-US" smtClean="0"/>
-              <a:t>11/27/2022 11:52 AM</a:t>
+              <a:t>11/30/2022 10:33 AM</a:t>
             </a:fld>
             <a:endParaRPr lang="en-US" dirty="0"/>
           </a:p>
@@ -5109,7 +5114,7 @@
           <a:p>
             <a:fld id="{E2F19A73-88F5-4B80-A929-CF8E66EE5449}" type="datetime8">
               <a:rPr lang="en-US" smtClean="0"/>
-              <a:t>11/27/2022 11:52 AM</a:t>
+              <a:t>11/30/2022 10:33 AM</a:t>
             </a:fld>
             <a:endParaRPr lang="en-US" dirty="0"/>
           </a:p>
@@ -5133,7 +5138,7 @@
             <a:fld id="{B4008EB6-D09E-4580-8CD6-DDB14511944F}" type="slidenum">
               <a:rPr lang="en-US" smtClean="0"/>
               <a:pPr/>
-              <a:t>41</a:t>
+              <a:t>43</a:t>
             </a:fld>
             <a:endParaRPr lang="en-US" dirty="0"/>
           </a:p>
@@ -5218,7 +5223,7 @@
             <a:fld id="{B4008EB6-D09E-4580-8CD6-DDB14511944F}" type="slidenum">
               <a:rPr lang="en-US" smtClean="0"/>
               <a:pPr/>
-              <a:t>42</a:t>
+              <a:t>44</a:t>
             </a:fld>
             <a:endParaRPr lang="en-US" dirty="0"/>
           </a:p>
@@ -5241,7 +5246,7 @@
           <a:p>
             <a:fld id="{D44C3489-8257-4E60-994D-6A5CEE67ED71}" type="datetime8">
               <a:rPr lang="en-US" smtClean="0"/>
-              <a:t>11/27/2022 11:52 AM</a:t>
+              <a:t>11/30/2022 10:33 AM</a:t>
             </a:fld>
             <a:endParaRPr lang="en-US" dirty="0"/>
           </a:p>
@@ -5424,7 +5429,7 @@
                   <a:prstClr val="black"/>
                 </a:solidFill>
               </a:rPr>
-              <a:t>11/27/2022 11:52 AM</a:t>
+              <a:t>11/30/2022 10:33 AM</a:t>
             </a:fld>
             <a:endParaRPr lang="en-US" dirty="0">
               <a:solidFill>
@@ -5456,7 +5461,7 @@
                 </a:solidFill>
               </a:rPr>
               <a:pPr/>
-              <a:t>43</a:t>
+              <a:t>45</a:t>
             </a:fld>
             <a:endParaRPr lang="en-US" dirty="0">
               <a:solidFill>
@@ -5624,7 +5629,7 @@
                   <a:prstClr val="black"/>
                 </a:solidFill>
               </a:rPr>
-              <a:t>11/27/2022 11:52 AM</a:t>
+              <a:t>11/30/2022 10:33 AM</a:t>
             </a:fld>
             <a:endParaRPr lang="en-US" dirty="0">
               <a:solidFill>
@@ -5656,7 +5661,7 @@
                 </a:solidFill>
               </a:rPr>
               <a:pPr/>
-              <a:t>44</a:t>
+              <a:t>46</a:t>
             </a:fld>
             <a:endParaRPr lang="en-US" dirty="0">
               <a:solidFill>
@@ -6057,7 +6062,7 @@
           <a:p>
             <a:fld id="{386CE63F-9E7F-4C04-9D0D-FCA25A8E9E86}" type="datetime8">
               <a:rPr lang="en-US" smtClean="0"/>
-              <a:t>11/27/2022 11:52 AM</a:t>
+              <a:t>11/30/2022 10:33 AM</a:t>
             </a:fld>
             <a:endParaRPr lang="en-US" dirty="0"/>
           </a:p>
@@ -6238,7 +6243,7 @@
           <a:p>
             <a:fld id="{386CE63F-9E7F-4C04-9D0D-FCA25A8E9E86}" type="datetime8">
               <a:rPr lang="en-US" smtClean="0"/>
-              <a:t>11/27/2022 11:52 AM</a:t>
+              <a:t>11/30/2022 10:33 AM</a:t>
             </a:fld>
             <a:endParaRPr lang="en-US" dirty="0"/>
           </a:p>
@@ -6446,7 +6451,7 @@
           <a:p>
             <a:fld id="{386CE63F-9E7F-4C04-9D0D-FCA25A8E9E86}" type="datetime8">
               <a:rPr lang="en-US" smtClean="0"/>
-              <a:t>11/27/2022 11:52 AM</a:t>
+              <a:t>11/30/2022 10:33 AM</a:t>
             </a:fld>
             <a:endParaRPr lang="en-US" dirty="0"/>
           </a:p>
@@ -6627,7 +6632,7 @@
           <a:p>
             <a:fld id="{386CE63F-9E7F-4C04-9D0D-FCA25A8E9E86}" type="datetime8">
               <a:rPr lang="en-US" smtClean="0"/>
-              <a:t>11/27/2022 11:52 AM</a:t>
+              <a:t>11/30/2022 10:33 AM</a:t>
             </a:fld>
             <a:endParaRPr lang="en-US" dirty="0"/>
           </a:p>
@@ -6881,7 +6886,7 @@
           <a:p>
             <a:fld id="{386CE63F-9E7F-4C04-9D0D-FCA25A8E9E86}" type="datetime8">
               <a:rPr lang="en-US" smtClean="0"/>
-              <a:t>11/27/2022 11:52 AM</a:t>
+              <a:t>11/30/2022 10:33 AM</a:t>
             </a:fld>
             <a:endParaRPr lang="en-US" dirty="0"/>
           </a:p>
@@ -7077,7 +7082,7 @@
           <a:p>
             <a:fld id="{386CE63F-9E7F-4C04-9D0D-FCA25A8E9E86}" type="datetime8">
               <a:rPr lang="en-US" smtClean="0"/>
-              <a:t>11/27/2022 11:52 AM</a:t>
+              <a:t>11/30/2022 10:33 AM</a:t>
             </a:fld>
             <a:endParaRPr lang="en-US" dirty="0"/>
           </a:p>
@@ -17673,6 +17678,162 @@
       </p:grpSpPr>
       <p:sp>
         <p:nvSpPr>
+          <p:cNvPr id="3" name="Title 2">
+            <a:extLst>
+              <a:ext uri="{FF2B5EF4-FFF2-40B4-BE49-F238E27FC236}">
+                <a16:creationId xmlns:a16="http://schemas.microsoft.com/office/drawing/2014/main" id="{4447FF24-33CF-164C-343F-35BC7CC43566}"/>
+              </a:ext>
+            </a:extLst>
+          </p:cNvPr>
+          <p:cNvSpPr>
+            <a:spLocks noGrp="1"/>
+          </p:cNvSpPr>
+          <p:nvPr>
+            <p:ph type="title"/>
+          </p:nvPr>
+        </p:nvSpPr>
+        <p:spPr/>
+        <p:txBody>
+          <a:bodyPr/>
+          <a:lstStyle/>
+          <a:p>
+            <a:r>
+              <a:rPr lang="en-GB" dirty="0" err="1"/>
+              <a:t>PowerBI</a:t>
+            </a:r>
+            <a:r>
+              <a:rPr lang="en-GB"/>
+              <a:t> Landscape</a:t>
+            </a:r>
+            <a:endParaRPr lang="en-IE" dirty="0"/>
+          </a:p>
+        </p:txBody>
+      </p:sp>
+      <p:sp>
+        <p:nvSpPr>
+          <p:cNvPr id="4" name="Text Placeholder 3">
+            <a:extLst>
+              <a:ext uri="{FF2B5EF4-FFF2-40B4-BE49-F238E27FC236}">
+                <a16:creationId xmlns:a16="http://schemas.microsoft.com/office/drawing/2014/main" id="{7166EF0F-DA0D-150A-4780-FD610A11BB43}"/>
+              </a:ext>
+            </a:extLst>
+          </p:cNvPr>
+          <p:cNvSpPr>
+            <a:spLocks noGrp="1"/>
+          </p:cNvSpPr>
+          <p:nvPr>
+            <p:ph type="body" sz="quarter" idx="10"/>
+          </p:nvPr>
+        </p:nvSpPr>
+        <p:spPr>
+          <a:xfrm>
+            <a:off x="586390" y="1434370"/>
+            <a:ext cx="11018520" cy="2499146"/>
+          </a:xfrm>
+        </p:spPr>
+        <p:txBody>
+          <a:bodyPr/>
+          <a:lstStyle/>
+          <a:p>
+            <a:pPr marL="457200" indent="-457200">
+              <a:buFont typeface="Arial" panose="020B0604020202020204" pitchFamily="34" charset="0"/>
+              <a:buChar char="•"/>
+            </a:pPr>
+            <a:r>
+              <a:rPr lang="en-GB" dirty="0" err="1"/>
+              <a:t>PowerBI</a:t>
+            </a:r>
+            <a:r>
+              <a:rPr lang="en-GB" dirty="0"/>
+              <a:t> Desktop - free</a:t>
+            </a:r>
+          </a:p>
+          <a:p>
+            <a:pPr marL="457200" indent="-457200">
+              <a:buFont typeface="Arial" panose="020B0604020202020204" pitchFamily="34" charset="0"/>
+              <a:buChar char="•"/>
+            </a:pPr>
+            <a:r>
+              <a:rPr lang="en-GB" dirty="0" err="1"/>
+              <a:t>PowerBI</a:t>
+            </a:r>
+            <a:r>
+              <a:rPr lang="en-GB" dirty="0"/>
+              <a:t> Service</a:t>
+            </a:r>
+          </a:p>
+          <a:p>
+            <a:pPr marL="457200" indent="-457200">
+              <a:buFont typeface="Arial" panose="020B0604020202020204" pitchFamily="34" charset="0"/>
+              <a:buChar char="•"/>
+            </a:pPr>
+            <a:r>
+              <a:rPr lang="en-GB" dirty="0" err="1"/>
+              <a:t>PowerBI</a:t>
+            </a:r>
+            <a:r>
+              <a:rPr lang="en-GB" dirty="0"/>
+              <a:t> Embedded </a:t>
+            </a:r>
+          </a:p>
+          <a:p>
+            <a:pPr marL="457200" indent="-457200">
+              <a:buFont typeface="Arial" panose="020B0604020202020204" pitchFamily="34" charset="0"/>
+              <a:buChar char="•"/>
+            </a:pPr>
+            <a:r>
+              <a:rPr lang="en-GB" dirty="0" err="1"/>
+              <a:t>PowerBI</a:t>
+            </a:r>
+            <a:r>
+              <a:rPr lang="en-GB" dirty="0"/>
+              <a:t> Server – on-prem, usually SQL EE + SA</a:t>
+            </a:r>
+          </a:p>
+          <a:p>
+            <a:pPr marL="457200" indent="-457200">
+              <a:buFont typeface="Arial" panose="020B0604020202020204" pitchFamily="34" charset="0"/>
+              <a:buChar char="•"/>
+            </a:pPr>
+            <a:endParaRPr lang="en-IE" dirty="0"/>
+          </a:p>
+        </p:txBody>
+      </p:sp>
+    </p:spTree>
+    <p:extLst>
+      <p:ext uri="{BB962C8B-B14F-4D97-AF65-F5344CB8AC3E}">
+        <p14:creationId xmlns:p14="http://schemas.microsoft.com/office/powerpoint/2010/main" val="2385232393"/>
+      </p:ext>
+    </p:extLst>
+  </p:cSld>
+  <p:clrMapOvr>
+    <a:masterClrMapping/>
+  </p:clrMapOvr>
+  <p:transition>
+    <p:fade/>
+  </p:transition>
+</p:sld>
+</file>
+
+<file path=ppt/slides/slide16.xml><?xml version="1.0" encoding="utf-8"?>
+<p:sld xmlns:a="http://schemas.openxmlformats.org/drawingml/2006/main" xmlns:r="http://schemas.openxmlformats.org/officeDocument/2006/relationships" xmlns:p="http://schemas.openxmlformats.org/presentationml/2006/main">
+  <p:cSld>
+    <p:spTree>
+      <p:nvGrpSpPr>
+        <p:cNvPr id="1" name=""/>
+        <p:cNvGrpSpPr/>
+        <p:nvPr/>
+      </p:nvGrpSpPr>
+      <p:grpSpPr>
+        <a:xfrm>
+          <a:off x="0" y="0"/>
+          <a:ext cx="0" cy="0"/>
+          <a:chOff x="0" y="0"/>
+          <a:chExt cx="0" cy="0"/>
+        </a:xfrm>
+      </p:grpSpPr>
+      <p:sp>
+        <p:nvSpPr>
           <p:cNvPr id="4" name="Title 3">
             <a:extLst>
               <a:ext uri="{FF2B5EF4-FFF2-40B4-BE49-F238E27FC236}">
@@ -17724,120 +17885,6 @@
 </p:sld>
 </file>
 
-<file path=ppt/slides/slide16.xml><?xml version="1.0" encoding="utf-8"?>
-<p:sld xmlns:a="http://schemas.openxmlformats.org/drawingml/2006/main" xmlns:r="http://schemas.openxmlformats.org/officeDocument/2006/relationships" xmlns:p="http://schemas.openxmlformats.org/presentationml/2006/main">
-  <p:cSld>
-    <p:spTree>
-      <p:nvGrpSpPr>
-        <p:cNvPr id="1" name=""/>
-        <p:cNvGrpSpPr/>
-        <p:nvPr/>
-      </p:nvGrpSpPr>
-      <p:grpSpPr>
-        <a:xfrm>
-          <a:off x="0" y="0"/>
-          <a:ext cx="0" cy="0"/>
-          <a:chOff x="0" y="0"/>
-          <a:chExt cx="0" cy="0"/>
-        </a:xfrm>
-      </p:grpSpPr>
-      <p:sp>
-        <p:nvSpPr>
-          <p:cNvPr id="2" name="Title 1">
-            <a:extLst>
-              <a:ext uri="{FF2B5EF4-FFF2-40B4-BE49-F238E27FC236}">
-                <a16:creationId xmlns:a16="http://schemas.microsoft.com/office/drawing/2014/main" id="{EAB90E1E-E890-2B19-F11A-21F1239C866E}"/>
-              </a:ext>
-            </a:extLst>
-          </p:cNvPr>
-          <p:cNvSpPr>
-            <a:spLocks noGrp="1"/>
-          </p:cNvSpPr>
-          <p:nvPr>
-            <p:ph type="title"/>
-          </p:nvPr>
-        </p:nvSpPr>
-        <p:spPr/>
-        <p:txBody>
-          <a:bodyPr/>
-          <a:lstStyle/>
-          <a:p>
-            <a:r>
-              <a:rPr lang="en-IE" dirty="0"/>
-              <a:t>What’s missing</a:t>
-            </a:r>
-          </a:p>
-        </p:txBody>
-      </p:sp>
-      <p:sp>
-        <p:nvSpPr>
-          <p:cNvPr id="3" name="Content Placeholder 2">
-            <a:extLst>
-              <a:ext uri="{FF2B5EF4-FFF2-40B4-BE49-F238E27FC236}">
-                <a16:creationId xmlns:a16="http://schemas.microsoft.com/office/drawing/2014/main" id="{57AA4781-9FC0-BF15-CA1C-8873F9BAF902}"/>
-              </a:ext>
-            </a:extLst>
-          </p:cNvPr>
-          <p:cNvSpPr>
-            <a:spLocks noGrp="1"/>
-          </p:cNvSpPr>
-          <p:nvPr>
-            <p:ph sz="quarter" idx="10"/>
-          </p:nvPr>
-        </p:nvSpPr>
-        <p:spPr>
-          <a:xfrm>
-            <a:off x="584200" y="1435100"/>
-            <a:ext cx="11018838" cy="1465016"/>
-          </a:xfrm>
-        </p:spPr>
-        <p:txBody>
-          <a:bodyPr/>
-          <a:lstStyle/>
-          <a:p>
-            <a:r>
-              <a:rPr lang="en-IE" dirty="0"/>
-              <a:t>.CSV only, no reporting</a:t>
-            </a:r>
-          </a:p>
-          <a:p>
-            <a:r>
-              <a:rPr lang="en-IE" dirty="0"/>
-              <a:t>Dates in US format (mm/DD/</a:t>
-            </a:r>
-            <a:r>
-              <a:rPr lang="en-IE" dirty="0" err="1"/>
-              <a:t>yyyy</a:t>
-            </a:r>
-            <a:r>
-              <a:rPr lang="en-IE" dirty="0"/>
-              <a:t>)</a:t>
-            </a:r>
-          </a:p>
-          <a:p>
-            <a:r>
-              <a:rPr lang="en-IE" dirty="0"/>
-              <a:t>Numbers in US format ( #,####.## )</a:t>
-            </a:r>
-          </a:p>
-        </p:txBody>
-      </p:sp>
-    </p:spTree>
-    <p:extLst>
-      <p:ext uri="{BB962C8B-B14F-4D97-AF65-F5344CB8AC3E}">
-        <p14:creationId xmlns:p14="http://schemas.microsoft.com/office/powerpoint/2010/main" val="2933943095"/>
-      </p:ext>
-    </p:extLst>
-  </p:cSld>
-  <p:clrMapOvr>
-    <a:masterClrMapping/>
-  </p:clrMapOvr>
-  <p:transition>
-    <p:fade/>
-  </p:transition>
-</p:sld>
-</file>
-
 <file path=ppt/slides/slide17.xml><?xml version="1.0" encoding="utf-8"?>
 <p:sld xmlns:a="http://schemas.openxmlformats.org/drawingml/2006/main" xmlns:r="http://schemas.openxmlformats.org/officeDocument/2006/relationships" xmlns:p="http://schemas.openxmlformats.org/presentationml/2006/main">
   <p:cSld>
@@ -17857,10 +17904,10 @@
       </p:grpSpPr>
       <p:sp>
         <p:nvSpPr>
-          <p:cNvPr id="4" name="Title 3">
+          <p:cNvPr id="2" name="Title 1">
             <a:extLst>
               <a:ext uri="{FF2B5EF4-FFF2-40B4-BE49-F238E27FC236}">
-                <a16:creationId xmlns:a16="http://schemas.microsoft.com/office/drawing/2014/main" id="{352A8B8F-8492-0F68-6060-DD520FD70EFD}"/>
+                <a16:creationId xmlns:a16="http://schemas.microsoft.com/office/drawing/2014/main" id="{E5DCD2FC-7B8E-4C50-9163-4E908FD147BE}"/>
               </a:ext>
             </a:extLst>
           </p:cNvPr>
@@ -17871,30 +17918,25 @@
             <p:ph type="title"/>
           </p:nvPr>
         </p:nvSpPr>
-        <p:spPr>
-          <a:xfrm>
-            <a:off x="584518" y="311963"/>
-            <a:ext cx="11018520" cy="553998"/>
-          </a:xfrm>
-        </p:spPr>
+        <p:spPr/>
         <p:txBody>
           <a:bodyPr/>
           <a:lstStyle/>
           <a:p>
             <a:r>
-              <a:rPr lang="en-IE" dirty="0"/>
-              <a:t>Getting Latest file</a:t>
-            </a:r>
-            <a:endParaRPr lang="en-US" dirty="0"/>
-          </a:p>
-        </p:txBody>
-      </p:sp>
-      <p:sp>
-        <p:nvSpPr>
-          <p:cNvPr id="5" name="Content Placeholder 4">
+              <a:rPr lang="en-GB" dirty="0"/>
+              <a:t>Files on GitHub</a:t>
+            </a:r>
+            <a:endParaRPr lang="en-IE" dirty="0"/>
+          </a:p>
+        </p:txBody>
+      </p:sp>
+      <p:sp>
+        <p:nvSpPr>
+          <p:cNvPr id="3" name="Content Placeholder 2">
             <a:extLst>
               <a:ext uri="{FF2B5EF4-FFF2-40B4-BE49-F238E27FC236}">
-                <a16:creationId xmlns:a16="http://schemas.microsoft.com/office/drawing/2014/main" id="{C17EB948-491F-19C6-E074-98324A042144}"/>
+                <a16:creationId xmlns:a16="http://schemas.microsoft.com/office/drawing/2014/main" id="{90C5A191-D2D9-0D04-B3B7-93E530758BBF}"/>
               </a:ext>
             </a:extLst>
           </p:cNvPr>
@@ -17907,8 +17949,8 @@
         </p:nvSpPr>
         <p:spPr>
           <a:xfrm>
-            <a:off x="584200" y="1012723"/>
-            <a:ext cx="11018838" cy="4198072"/>
+            <a:off x="584200" y="1435100"/>
+            <a:ext cx="11018838" cy="1982081"/>
           </a:xfrm>
         </p:spPr>
         <p:txBody>
@@ -17916,91 +17958,28 @@
           <a:lstStyle/>
           <a:p>
             <a:r>
-              <a:rPr lang="en-IE" dirty="0"/>
-              <a:t>Given: list of files </a:t>
-            </a:r>
-            <a:r>
-              <a:rPr lang="en-IE" dirty="0" err="1"/>
-              <a:t>AzureUsage</a:t>
-            </a:r>
-            <a:r>
-              <a:rPr lang="en-IE" dirty="0"/>
-              <a:t> (x).csv pick the latest as a source</a:t>
-            </a:r>
-          </a:p>
-          <a:p>
+              <a:rPr lang="en-IE" dirty="0">
+                <a:hlinkClick r:id="rId2"/>
+              </a:rPr>
+              <a:t>https://github.com/peterperov/MSFTCSA/tree/main/126-AzureCost</a:t>
+            </a:r>
             <a:endParaRPr lang="en-IE" dirty="0"/>
           </a:p>
           <a:p>
-            <a:r>
-              <a:rPr lang="en-IE" dirty="0"/>
-              <a:t>Solution: </a:t>
-            </a:r>
-          </a:p>
-          <a:p>
-            <a:pPr lvl="1"/>
-            <a:r>
-              <a:rPr lang="en-IE" dirty="0"/>
-              <a:t>Get Data</a:t>
-            </a:r>
-          </a:p>
-          <a:p>
-            <a:pPr lvl="1"/>
-            <a:r>
-              <a:rPr lang="en-IE" dirty="0" err="1"/>
-              <a:t>Sharepoint</a:t>
-            </a:r>
-            <a:r>
-              <a:rPr lang="en-IE" dirty="0"/>
-              <a:t> Folder </a:t>
-            </a:r>
-          </a:p>
-          <a:p>
-            <a:pPr lvl="1"/>
-            <a:r>
-              <a:rPr lang="en-IE" dirty="0"/>
-              <a:t>Text filter -&gt; Starts With -&gt; </a:t>
-            </a:r>
-            <a:r>
-              <a:rPr lang="en-IE" dirty="0" err="1"/>
-              <a:t>AzureUsage</a:t>
-            </a:r>
             <a:endParaRPr lang="en-IE" dirty="0"/>
           </a:p>
           <a:p>
-            <a:pPr lvl="1"/>
-            <a:r>
-              <a:rPr lang="en-IE" dirty="0" err="1"/>
-              <a:t>DateModified</a:t>
-            </a:r>
-            <a:r>
-              <a:rPr lang="en-IE" dirty="0"/>
-              <a:t> -&gt; Date/Time Filter -&gt; Is Latest</a:t>
-            </a:r>
-          </a:p>
-          <a:p>
-            <a:pPr lvl="1"/>
-            <a:r>
-              <a:rPr lang="en-IE" dirty="0"/>
-              <a:t>Click on “Combine Files” button in the left column header</a:t>
-            </a:r>
-          </a:p>
-          <a:p>
-            <a:pPr lvl="1"/>
-            <a:r>
-              <a:rPr lang="en-IE" dirty="0"/>
-              <a:t>Rename the Query</a:t>
-            </a:r>
-          </a:p>
-          <a:p>
-            <a:endParaRPr lang="en-US" dirty="0"/>
+            <a:endParaRPr lang="en-IE" dirty="0"/>
+          </a:p>
+          <a:p>
+            <a:endParaRPr lang="en-IE" dirty="0"/>
           </a:p>
         </p:txBody>
       </p:sp>
     </p:spTree>
     <p:extLst>
       <p:ext uri="{BB962C8B-B14F-4D97-AF65-F5344CB8AC3E}">
-        <p14:creationId xmlns:p14="http://schemas.microsoft.com/office/powerpoint/2010/main" val="3744307599"/>
+        <p14:creationId xmlns:p14="http://schemas.microsoft.com/office/powerpoint/2010/main" val="3624206569"/>
       </p:ext>
     </p:extLst>
   </p:cSld>
@@ -18035,6 +18014,604 @@
           <p:cNvPr id="2" name="Title 1">
             <a:extLst>
               <a:ext uri="{FF2B5EF4-FFF2-40B4-BE49-F238E27FC236}">
+                <a16:creationId xmlns:a16="http://schemas.microsoft.com/office/drawing/2014/main" id="{9ADA59E6-05AF-D13F-17E9-90662AF4073B}"/>
+              </a:ext>
+            </a:extLst>
+          </p:cNvPr>
+          <p:cNvSpPr>
+            <a:spLocks noGrp="1"/>
+          </p:cNvSpPr>
+          <p:nvPr>
+            <p:ph type="title"/>
+          </p:nvPr>
+        </p:nvSpPr>
+        <p:spPr/>
+        <p:txBody>
+          <a:bodyPr/>
+          <a:lstStyle/>
+          <a:p>
+            <a:endParaRPr lang="en-IE"/>
+          </a:p>
+        </p:txBody>
+      </p:sp>
+      <p:sp>
+        <p:nvSpPr>
+          <p:cNvPr id="3" name="Picture Placeholder 2">
+            <a:extLst>
+              <a:ext uri="{FF2B5EF4-FFF2-40B4-BE49-F238E27FC236}">
+                <a16:creationId xmlns:a16="http://schemas.microsoft.com/office/drawing/2014/main" id="{BADE8256-D00A-1352-2490-FF0A3B47D6E2}"/>
+              </a:ext>
+            </a:extLst>
+          </p:cNvPr>
+          <p:cNvSpPr>
+            <a:spLocks noGrp="1"/>
+          </p:cNvSpPr>
+          <p:nvPr>
+            <p:ph type="pic" sz="quarter" idx="11"/>
+          </p:nvPr>
+        </p:nvSpPr>
+        <p:spPr/>
+      </p:sp>
+    </p:spTree>
+    <p:extLst>
+      <p:ext uri="{BB962C8B-B14F-4D97-AF65-F5344CB8AC3E}">
+        <p14:creationId xmlns:p14="http://schemas.microsoft.com/office/powerpoint/2010/main" val="851744047"/>
+      </p:ext>
+    </p:extLst>
+  </p:cSld>
+  <p:clrMapOvr>
+    <a:masterClrMapping/>
+  </p:clrMapOvr>
+  <p:transition>
+    <p:fade/>
+  </p:transition>
+</p:sld>
+</file>
+
+<file path=ppt/slides/slide19.xml><?xml version="1.0" encoding="utf-8"?>
+<p:sld xmlns:a="http://schemas.openxmlformats.org/drawingml/2006/main" xmlns:r="http://schemas.openxmlformats.org/officeDocument/2006/relationships" xmlns:p="http://schemas.openxmlformats.org/presentationml/2006/main">
+  <p:cSld>
+    <p:spTree>
+      <p:nvGrpSpPr>
+        <p:cNvPr id="1" name=""/>
+        <p:cNvGrpSpPr/>
+        <p:nvPr/>
+      </p:nvGrpSpPr>
+      <p:grpSpPr>
+        <a:xfrm>
+          <a:off x="0" y="0"/>
+          <a:ext cx="0" cy="0"/>
+          <a:chOff x="0" y="0"/>
+          <a:chExt cx="0" cy="0"/>
+        </a:xfrm>
+      </p:grpSpPr>
+      <p:sp>
+        <p:nvSpPr>
+          <p:cNvPr id="4" name="Title 3">
+            <a:extLst>
+              <a:ext uri="{FF2B5EF4-FFF2-40B4-BE49-F238E27FC236}">
+                <a16:creationId xmlns:a16="http://schemas.microsoft.com/office/drawing/2014/main" id="{EC7FAD4B-F22E-90D9-8E46-255275F089C2}"/>
+              </a:ext>
+            </a:extLst>
+          </p:cNvPr>
+          <p:cNvSpPr>
+            <a:spLocks noGrp="1"/>
+          </p:cNvSpPr>
+          <p:nvPr>
+            <p:ph type="title"/>
+          </p:nvPr>
+        </p:nvSpPr>
+        <p:spPr>
+          <a:xfrm>
+            <a:off x="1524000" y="3059871"/>
+            <a:ext cx="9144000" cy="498598"/>
+          </a:xfrm>
+        </p:spPr>
+        <p:txBody>
+          <a:bodyPr/>
+          <a:lstStyle/>
+          <a:p>
+            <a:pPr algn="ctr"/>
+            <a:r>
+              <a:rPr lang="en-IE" dirty="0">
+                <a:solidFill>
+                  <a:schemeClr val="tx1">
+                    <a:lumMod val="95000"/>
+                  </a:schemeClr>
+                </a:solidFill>
+              </a:rPr>
+              <a:t>Thank you</a:t>
+            </a:r>
+          </a:p>
+        </p:txBody>
+      </p:sp>
+    </p:spTree>
+    <p:extLst>
+      <p:ext uri="{BB962C8B-B14F-4D97-AF65-F5344CB8AC3E}">
+        <p14:creationId xmlns:p14="http://schemas.microsoft.com/office/powerpoint/2010/main" val="1652353934"/>
+      </p:ext>
+    </p:extLst>
+  </p:cSld>
+  <p:clrMapOvr>
+    <a:masterClrMapping/>
+  </p:clrMapOvr>
+  <mc:AlternateContent xmlns:mc="http://schemas.openxmlformats.org/markup-compatibility/2006" xmlns:p14="http://schemas.microsoft.com/office/powerpoint/2010/main">
+    <mc:Choice Requires="p14">
+      <p:transition spd="med" p14:dur="700">
+        <p:fade/>
+      </p:transition>
+    </mc:Choice>
+    <mc:Fallback xmlns="">
+      <p:transition spd="med">
+        <p:fade/>
+      </p:transition>
+    </mc:Fallback>
+  </mc:AlternateContent>
+</p:sld>
+</file>
+
+<file path=ppt/slides/slide2.xml><?xml version="1.0" encoding="utf-8"?>
+<p:sld xmlns:a="http://schemas.openxmlformats.org/drawingml/2006/main" xmlns:r="http://schemas.openxmlformats.org/officeDocument/2006/relationships" xmlns:p="http://schemas.openxmlformats.org/presentationml/2006/main">
+  <p:cSld>
+    <p:spTree>
+      <p:nvGrpSpPr>
+        <p:cNvPr id="1" name=""/>
+        <p:cNvGrpSpPr/>
+        <p:nvPr/>
+      </p:nvGrpSpPr>
+      <p:grpSpPr>
+        <a:xfrm>
+          <a:off x="0" y="0"/>
+          <a:ext cx="0" cy="0"/>
+          <a:chOff x="0" y="0"/>
+          <a:chExt cx="0" cy="0"/>
+        </a:xfrm>
+      </p:grpSpPr>
+      <p:sp>
+        <p:nvSpPr>
+          <p:cNvPr id="6" name="Title 5">
+            <a:extLst>
+              <a:ext uri="{FF2B5EF4-FFF2-40B4-BE49-F238E27FC236}">
+                <a16:creationId xmlns:a16="http://schemas.microsoft.com/office/drawing/2014/main" id="{E7BF15BD-001C-49B3-9A01-B39DEDA47564}"/>
+              </a:ext>
+            </a:extLst>
+          </p:cNvPr>
+          <p:cNvSpPr>
+            <a:spLocks noGrp="1"/>
+          </p:cNvSpPr>
+          <p:nvPr>
+            <p:ph type="title"/>
+          </p:nvPr>
+        </p:nvSpPr>
+        <p:spPr>
+          <a:xfrm>
+            <a:off x="585216" y="2309812"/>
+            <a:ext cx="3182027" cy="553998"/>
+          </a:xfrm>
+        </p:spPr>
+        <p:txBody>
+          <a:bodyPr/>
+          <a:lstStyle/>
+          <a:p>
+            <a:r>
+              <a:rPr lang="en-US" dirty="0"/>
+              <a:t>Agenda</a:t>
+            </a:r>
+          </a:p>
+        </p:txBody>
+      </p:sp>
+      <p:sp>
+        <p:nvSpPr>
+          <p:cNvPr id="7" name="Text Placeholder 6">
+            <a:extLst>
+              <a:ext uri="{FF2B5EF4-FFF2-40B4-BE49-F238E27FC236}">
+                <a16:creationId xmlns:a16="http://schemas.microsoft.com/office/drawing/2014/main" id="{61F6BD0B-C4D8-42DE-A3A7-50D8219CE639}"/>
+              </a:ext>
+            </a:extLst>
+          </p:cNvPr>
+          <p:cNvSpPr>
+            <a:spLocks noGrp="1"/>
+          </p:cNvSpPr>
+          <p:nvPr>
+            <p:ph type="body" sz="quarter" idx="11"/>
+          </p:nvPr>
+        </p:nvSpPr>
+        <p:spPr>
+          <a:xfrm>
+            <a:off x="4354523" y="2309812"/>
+            <a:ext cx="7254865" cy="2289858"/>
+          </a:xfrm>
+        </p:spPr>
+        <p:txBody>
+          <a:bodyPr/>
+          <a:lstStyle/>
+          <a:p>
+            <a:r>
+              <a:rPr lang="en-IE" dirty="0"/>
+              <a:t>Introduction</a:t>
+            </a:r>
+          </a:p>
+          <a:p>
+            <a:r>
+              <a:rPr lang="en-US" dirty="0"/>
+              <a:t>Cost Management </a:t>
+            </a:r>
+          </a:p>
+          <a:p>
+            <a:r>
+              <a:rPr lang="en-US" dirty="0"/>
+              <a:t>Demo</a:t>
+            </a:r>
+          </a:p>
+          <a:p>
+            <a:r>
+              <a:rPr lang="en-US" dirty="0" err="1"/>
+              <a:t>QnA</a:t>
+            </a:r>
+            <a:endParaRPr lang="en-IE" dirty="0"/>
+          </a:p>
+        </p:txBody>
+      </p:sp>
+    </p:spTree>
+    <p:extLst>
+      <p:ext uri="{BB962C8B-B14F-4D97-AF65-F5344CB8AC3E}">
+        <p14:creationId xmlns:p14="http://schemas.microsoft.com/office/powerpoint/2010/main" val="4178565498"/>
+      </p:ext>
+    </p:extLst>
+  </p:cSld>
+  <p:clrMapOvr>
+    <a:masterClrMapping/>
+  </p:clrMapOvr>
+  <p:transition>
+    <p:fade/>
+  </p:transition>
+</p:sld>
+</file>
+
+<file path=ppt/slides/slide20.xml><?xml version="1.0" encoding="utf-8"?>
+<p:sld xmlns:a="http://schemas.openxmlformats.org/drawingml/2006/main" xmlns:r="http://schemas.openxmlformats.org/officeDocument/2006/relationships" xmlns:p="http://schemas.openxmlformats.org/presentationml/2006/main">
+  <p:cSld>
+    <p:spTree>
+      <p:nvGrpSpPr>
+        <p:cNvPr id="1" name=""/>
+        <p:cNvGrpSpPr/>
+        <p:nvPr/>
+      </p:nvGrpSpPr>
+      <p:grpSpPr>
+        <a:xfrm>
+          <a:off x="0" y="0"/>
+          <a:ext cx="0" cy="0"/>
+          <a:chOff x="0" y="0"/>
+          <a:chExt cx="0" cy="0"/>
+        </a:xfrm>
+      </p:grpSpPr>
+    </p:spTree>
+    <p:extLst>
+      <p:ext uri="{BB962C8B-B14F-4D97-AF65-F5344CB8AC3E}">
+        <p14:creationId xmlns:p14="http://schemas.microsoft.com/office/powerpoint/2010/main" val="1003974154"/>
+      </p:ext>
+    </p:extLst>
+  </p:cSld>
+  <p:clrMapOvr>
+    <a:masterClrMapping/>
+  </p:clrMapOvr>
+  <p:transition>
+    <p:fade/>
+  </p:transition>
+</p:sld>
+</file>
+
+<file path=ppt/slides/slide21.xml><?xml version="1.0" encoding="utf-8"?>
+<p:sld xmlns:a="http://schemas.openxmlformats.org/drawingml/2006/main" xmlns:r="http://schemas.openxmlformats.org/officeDocument/2006/relationships" xmlns:p="http://schemas.openxmlformats.org/presentationml/2006/main">
+  <p:cSld>
+    <p:spTree>
+      <p:nvGrpSpPr>
+        <p:cNvPr id="1" name=""/>
+        <p:cNvGrpSpPr/>
+        <p:nvPr/>
+      </p:nvGrpSpPr>
+      <p:grpSpPr>
+        <a:xfrm>
+          <a:off x="0" y="0"/>
+          <a:ext cx="0" cy="0"/>
+          <a:chOff x="0" y="0"/>
+          <a:chExt cx="0" cy="0"/>
+        </a:xfrm>
+      </p:grpSpPr>
+      <p:sp>
+        <p:nvSpPr>
+          <p:cNvPr id="2" name="Title 1">
+            <a:extLst>
+              <a:ext uri="{FF2B5EF4-FFF2-40B4-BE49-F238E27FC236}">
+                <a16:creationId xmlns:a16="http://schemas.microsoft.com/office/drawing/2014/main" id="{EAB90E1E-E890-2B19-F11A-21F1239C866E}"/>
+              </a:ext>
+            </a:extLst>
+          </p:cNvPr>
+          <p:cNvSpPr>
+            <a:spLocks noGrp="1"/>
+          </p:cNvSpPr>
+          <p:nvPr>
+            <p:ph type="title"/>
+          </p:nvPr>
+        </p:nvSpPr>
+        <p:spPr/>
+        <p:txBody>
+          <a:bodyPr/>
+          <a:lstStyle/>
+          <a:p>
+            <a:r>
+              <a:rPr lang="en-IE" dirty="0"/>
+              <a:t>What’s missing</a:t>
+            </a:r>
+          </a:p>
+        </p:txBody>
+      </p:sp>
+      <p:sp>
+        <p:nvSpPr>
+          <p:cNvPr id="3" name="Content Placeholder 2">
+            <a:extLst>
+              <a:ext uri="{FF2B5EF4-FFF2-40B4-BE49-F238E27FC236}">
+                <a16:creationId xmlns:a16="http://schemas.microsoft.com/office/drawing/2014/main" id="{57AA4781-9FC0-BF15-CA1C-8873F9BAF902}"/>
+              </a:ext>
+            </a:extLst>
+          </p:cNvPr>
+          <p:cNvSpPr>
+            <a:spLocks noGrp="1"/>
+          </p:cNvSpPr>
+          <p:nvPr>
+            <p:ph sz="quarter" idx="10"/>
+          </p:nvPr>
+        </p:nvSpPr>
+        <p:spPr>
+          <a:xfrm>
+            <a:off x="584200" y="1435100"/>
+            <a:ext cx="11018838" cy="1465016"/>
+          </a:xfrm>
+        </p:spPr>
+        <p:txBody>
+          <a:bodyPr/>
+          <a:lstStyle/>
+          <a:p>
+            <a:r>
+              <a:rPr lang="en-IE" dirty="0"/>
+              <a:t>.CSV only, no reporting</a:t>
+            </a:r>
+          </a:p>
+          <a:p>
+            <a:r>
+              <a:rPr lang="en-IE" dirty="0"/>
+              <a:t>Dates in US format (mm/DD/</a:t>
+            </a:r>
+            <a:r>
+              <a:rPr lang="en-IE" dirty="0" err="1"/>
+              <a:t>yyyy</a:t>
+            </a:r>
+            <a:r>
+              <a:rPr lang="en-IE" dirty="0"/>
+              <a:t>)</a:t>
+            </a:r>
+          </a:p>
+          <a:p>
+            <a:r>
+              <a:rPr lang="en-IE" dirty="0"/>
+              <a:t>Numbers in US format ( #,####.## )</a:t>
+            </a:r>
+          </a:p>
+        </p:txBody>
+      </p:sp>
+    </p:spTree>
+    <p:extLst>
+      <p:ext uri="{BB962C8B-B14F-4D97-AF65-F5344CB8AC3E}">
+        <p14:creationId xmlns:p14="http://schemas.microsoft.com/office/powerpoint/2010/main" val="2933943095"/>
+      </p:ext>
+    </p:extLst>
+  </p:cSld>
+  <p:clrMapOvr>
+    <a:masterClrMapping/>
+  </p:clrMapOvr>
+  <p:transition>
+    <p:fade/>
+  </p:transition>
+</p:sld>
+</file>
+
+<file path=ppt/slides/slide22.xml><?xml version="1.0" encoding="utf-8"?>
+<p:sld xmlns:a="http://schemas.openxmlformats.org/drawingml/2006/main" xmlns:r="http://schemas.openxmlformats.org/officeDocument/2006/relationships" xmlns:p="http://schemas.openxmlformats.org/presentationml/2006/main">
+  <p:cSld>
+    <p:spTree>
+      <p:nvGrpSpPr>
+        <p:cNvPr id="1" name=""/>
+        <p:cNvGrpSpPr/>
+        <p:nvPr/>
+      </p:nvGrpSpPr>
+      <p:grpSpPr>
+        <a:xfrm>
+          <a:off x="0" y="0"/>
+          <a:ext cx="0" cy="0"/>
+          <a:chOff x="0" y="0"/>
+          <a:chExt cx="0" cy="0"/>
+        </a:xfrm>
+      </p:grpSpPr>
+      <p:sp>
+        <p:nvSpPr>
+          <p:cNvPr id="4" name="Title 3">
+            <a:extLst>
+              <a:ext uri="{FF2B5EF4-FFF2-40B4-BE49-F238E27FC236}">
+                <a16:creationId xmlns:a16="http://schemas.microsoft.com/office/drawing/2014/main" id="{352A8B8F-8492-0F68-6060-DD520FD70EFD}"/>
+              </a:ext>
+            </a:extLst>
+          </p:cNvPr>
+          <p:cNvSpPr>
+            <a:spLocks noGrp="1"/>
+          </p:cNvSpPr>
+          <p:nvPr>
+            <p:ph type="title"/>
+          </p:nvPr>
+        </p:nvSpPr>
+        <p:spPr>
+          <a:xfrm>
+            <a:off x="584518" y="311963"/>
+            <a:ext cx="11018520" cy="553998"/>
+          </a:xfrm>
+        </p:spPr>
+        <p:txBody>
+          <a:bodyPr/>
+          <a:lstStyle/>
+          <a:p>
+            <a:r>
+              <a:rPr lang="en-IE" dirty="0"/>
+              <a:t>Getting Latest file</a:t>
+            </a:r>
+            <a:endParaRPr lang="en-US" dirty="0"/>
+          </a:p>
+        </p:txBody>
+      </p:sp>
+      <p:sp>
+        <p:nvSpPr>
+          <p:cNvPr id="5" name="Content Placeholder 4">
+            <a:extLst>
+              <a:ext uri="{FF2B5EF4-FFF2-40B4-BE49-F238E27FC236}">
+                <a16:creationId xmlns:a16="http://schemas.microsoft.com/office/drawing/2014/main" id="{C17EB948-491F-19C6-E074-98324A042144}"/>
+              </a:ext>
+            </a:extLst>
+          </p:cNvPr>
+          <p:cNvSpPr>
+            <a:spLocks noGrp="1"/>
+          </p:cNvSpPr>
+          <p:nvPr>
+            <p:ph sz="quarter" idx="10"/>
+          </p:nvPr>
+        </p:nvSpPr>
+        <p:spPr>
+          <a:xfrm>
+            <a:off x="584200" y="1012723"/>
+            <a:ext cx="11018838" cy="4198072"/>
+          </a:xfrm>
+        </p:spPr>
+        <p:txBody>
+          <a:bodyPr/>
+          <a:lstStyle/>
+          <a:p>
+            <a:r>
+              <a:rPr lang="en-IE" dirty="0"/>
+              <a:t>Given: list of files </a:t>
+            </a:r>
+            <a:r>
+              <a:rPr lang="en-IE" dirty="0" err="1"/>
+              <a:t>AzureUsage</a:t>
+            </a:r>
+            <a:r>
+              <a:rPr lang="en-IE" dirty="0"/>
+              <a:t> (x).csv pick the latest as a source</a:t>
+            </a:r>
+          </a:p>
+          <a:p>
+            <a:endParaRPr lang="en-IE" dirty="0"/>
+          </a:p>
+          <a:p>
+            <a:r>
+              <a:rPr lang="en-IE" dirty="0"/>
+              <a:t>Solution: </a:t>
+            </a:r>
+          </a:p>
+          <a:p>
+            <a:pPr lvl="1"/>
+            <a:r>
+              <a:rPr lang="en-IE" dirty="0"/>
+              <a:t>Get Data</a:t>
+            </a:r>
+          </a:p>
+          <a:p>
+            <a:pPr lvl="1"/>
+            <a:r>
+              <a:rPr lang="en-IE" dirty="0" err="1"/>
+              <a:t>Sharepoint</a:t>
+            </a:r>
+            <a:r>
+              <a:rPr lang="en-IE" dirty="0"/>
+              <a:t> Folder </a:t>
+            </a:r>
+          </a:p>
+          <a:p>
+            <a:pPr lvl="1"/>
+            <a:r>
+              <a:rPr lang="en-IE" dirty="0"/>
+              <a:t>Text filter -&gt; Starts With -&gt; </a:t>
+            </a:r>
+            <a:r>
+              <a:rPr lang="en-IE" dirty="0" err="1"/>
+              <a:t>AzureUsage</a:t>
+            </a:r>
+            <a:endParaRPr lang="en-IE" dirty="0"/>
+          </a:p>
+          <a:p>
+            <a:pPr lvl="1"/>
+            <a:r>
+              <a:rPr lang="en-IE" dirty="0" err="1"/>
+              <a:t>DateModified</a:t>
+            </a:r>
+            <a:r>
+              <a:rPr lang="en-IE" dirty="0"/>
+              <a:t> -&gt; Date/Time Filter -&gt; Is Latest</a:t>
+            </a:r>
+          </a:p>
+          <a:p>
+            <a:pPr lvl="1"/>
+            <a:r>
+              <a:rPr lang="en-IE" dirty="0"/>
+              <a:t>Click on “Combine Files” button in the left column header</a:t>
+            </a:r>
+          </a:p>
+          <a:p>
+            <a:pPr lvl="1"/>
+            <a:r>
+              <a:rPr lang="en-IE" dirty="0"/>
+              <a:t>Rename the Query</a:t>
+            </a:r>
+          </a:p>
+          <a:p>
+            <a:endParaRPr lang="en-US" dirty="0"/>
+          </a:p>
+        </p:txBody>
+      </p:sp>
+    </p:spTree>
+    <p:extLst>
+      <p:ext uri="{BB962C8B-B14F-4D97-AF65-F5344CB8AC3E}">
+        <p14:creationId xmlns:p14="http://schemas.microsoft.com/office/powerpoint/2010/main" val="3744307599"/>
+      </p:ext>
+    </p:extLst>
+  </p:cSld>
+  <p:clrMapOvr>
+    <a:masterClrMapping/>
+  </p:clrMapOvr>
+  <p:transition>
+    <p:fade/>
+  </p:transition>
+</p:sld>
+</file>
+
+<file path=ppt/slides/slide23.xml><?xml version="1.0" encoding="utf-8"?>
+<p:sld xmlns:a="http://schemas.openxmlformats.org/drawingml/2006/main" xmlns:r="http://schemas.openxmlformats.org/officeDocument/2006/relationships" xmlns:p="http://schemas.openxmlformats.org/presentationml/2006/main">
+  <p:cSld>
+    <p:spTree>
+      <p:nvGrpSpPr>
+        <p:cNvPr id="1" name=""/>
+        <p:cNvGrpSpPr/>
+        <p:nvPr/>
+      </p:nvGrpSpPr>
+      <p:grpSpPr>
+        <a:xfrm>
+          <a:off x="0" y="0"/>
+          <a:ext cx="0" cy="0"/>
+          <a:chOff x="0" y="0"/>
+          <a:chExt cx="0" cy="0"/>
+        </a:xfrm>
+      </p:grpSpPr>
+      <p:sp>
+        <p:nvSpPr>
+          <p:cNvPr id="2" name="Title 1">
+            <a:extLst>
+              <a:ext uri="{FF2B5EF4-FFF2-40B4-BE49-F238E27FC236}">
                 <a16:creationId xmlns:a16="http://schemas.microsoft.com/office/drawing/2014/main" id="{2B582B95-E0E6-1BC0-B4E9-EA12D43E00D4}"/>
               </a:ext>
             </a:extLst>
@@ -18159,7 +18736,7 @@
 </p:sld>
 </file>
 
-<file path=ppt/slides/slide19.xml><?xml version="1.0" encoding="utf-8"?>
+<file path=ppt/slides/slide24.xml><?xml version="1.0" encoding="utf-8"?>
 <p:sld xmlns:a="http://schemas.openxmlformats.org/drawingml/2006/main" xmlns:r="http://schemas.openxmlformats.org/officeDocument/2006/relationships" xmlns:p="http://schemas.openxmlformats.org/presentationml/2006/main">
   <p:cSld>
     <p:spTree>
@@ -18375,7 +18952,7 @@
 </p:sld>
 </file>
 
-<file path=ppt/slides/slide2.xml><?xml version="1.0" encoding="utf-8"?>
+<file path=ppt/slides/slide25.xml><?xml version="1.0" encoding="utf-8"?>
 <p:sld xmlns:a="http://schemas.openxmlformats.org/drawingml/2006/main" xmlns:r="http://schemas.openxmlformats.org/officeDocument/2006/relationships" xmlns:p="http://schemas.openxmlformats.org/presentationml/2006/main">
   <p:cSld>
     <p:spTree>
@@ -18394,24 +18971,40 @@
       </p:grpSpPr>
       <p:sp>
         <p:nvSpPr>
-          <p:cNvPr id="6" name="Title 5">
-            <a:extLst>
-              <a:ext uri="{FF2B5EF4-FFF2-40B4-BE49-F238E27FC236}">
-                <a16:creationId xmlns:a16="http://schemas.microsoft.com/office/drawing/2014/main" id="{E7BF15BD-001C-49B3-9A01-B39DEDA47564}"/>
-              </a:ext>
-            </a:extLst>
-          </p:cNvPr>
+          <p:cNvPr id="17" name="Title 16"/>
           <p:cNvSpPr>
             <a:spLocks noGrp="1"/>
           </p:cNvSpPr>
           <p:nvPr>
             <p:ph type="title"/>
+          </p:nvPr>
+        </p:nvSpPr>
+        <p:spPr/>
+        <p:txBody>
+          <a:bodyPr/>
+          <a:lstStyle/>
+          <a:p>
+            <a:r>
+              <a:rPr lang="en-US" dirty="0"/>
+              <a:t>Text layout (without bullet points)</a:t>
+            </a:r>
+          </a:p>
+        </p:txBody>
+      </p:sp>
+      <p:sp>
+        <p:nvSpPr>
+          <p:cNvPr id="6" name="Text Placeholder 5"/>
+          <p:cNvSpPr>
+            <a:spLocks noGrp="1"/>
+          </p:cNvSpPr>
+          <p:nvPr>
+            <p:ph type="body" sz="quarter" idx="10"/>
           </p:nvPr>
         </p:nvSpPr>
         <p:spPr>
           <a:xfrm>
-            <a:off x="585216" y="2309812"/>
-            <a:ext cx="3182027" cy="553998"/>
+            <a:off x="586390" y="1434370"/>
+            <a:ext cx="11018520" cy="1095685"/>
           </a:xfrm>
         </p:spPr>
         <p:txBody>
@@ -18420,67 +19013,29 @@
           <a:p>
             <a:r>
               <a:rPr lang="en-US" dirty="0"/>
-              <a:t>Agenda</a:t>
-            </a:r>
-          </a:p>
-        </p:txBody>
-      </p:sp>
-      <p:sp>
-        <p:nvSpPr>
-          <p:cNvPr id="7" name="Text Placeholder 6">
-            <a:extLst>
-              <a:ext uri="{FF2B5EF4-FFF2-40B4-BE49-F238E27FC236}">
-                <a16:creationId xmlns:a16="http://schemas.microsoft.com/office/drawing/2014/main" id="{61F6BD0B-C4D8-42DE-A3A7-50D8219CE639}"/>
-              </a:ext>
-            </a:extLst>
-          </p:cNvPr>
-          <p:cNvSpPr>
-            <a:spLocks noGrp="1"/>
-          </p:cNvSpPr>
-          <p:nvPr>
-            <p:ph type="body" sz="quarter" idx="11"/>
-          </p:nvPr>
-        </p:nvSpPr>
-        <p:spPr>
-          <a:xfrm>
-            <a:off x="4354523" y="2309812"/>
-            <a:ext cx="7254865" cy="2289858"/>
-          </a:xfrm>
-        </p:spPr>
-        <p:txBody>
-          <a:bodyPr/>
-          <a:lstStyle/>
-          <a:p>
-            <a:r>
-              <a:rPr lang="en-IE" dirty="0"/>
-              <a:t>Introduction</a:t>
-            </a:r>
-          </a:p>
-          <a:p>
+              <a:t>Main topic: Segoe UI, size 28pt</a:t>
+            </a:r>
+          </a:p>
+          <a:p>
+            <a:pPr lvl="1"/>
             <a:r>
               <a:rPr lang="en-US" dirty="0"/>
-              <a:t>Cost Management </a:t>
-            </a:r>
-          </a:p>
-          <a:p>
+              <a:t>Segoe UI, size 20pt for second level</a:t>
+            </a:r>
+          </a:p>
+          <a:p>
+            <a:pPr lvl="2"/>
             <a:r>
               <a:rPr lang="en-US" dirty="0"/>
-              <a:t>Demo</a:t>
-            </a:r>
-          </a:p>
-          <a:p>
-            <a:r>
-              <a:rPr lang="en-US" dirty="0" err="1"/>
-              <a:t>QnA</a:t>
-            </a:r>
-            <a:endParaRPr lang="en-IE" dirty="0"/>
+              <a:t>Segoe UI, size 16pt for third level</a:t>
+            </a:r>
           </a:p>
         </p:txBody>
       </p:sp>
     </p:spTree>
     <p:extLst>
       <p:ext uri="{BB962C8B-B14F-4D97-AF65-F5344CB8AC3E}">
-        <p14:creationId xmlns:p14="http://schemas.microsoft.com/office/powerpoint/2010/main" val="4178565498"/>
+        <p14:creationId xmlns:p14="http://schemas.microsoft.com/office/powerpoint/2010/main" val="3957722359"/>
       </p:ext>
     </p:extLst>
   </p:cSld>
@@ -18493,7 +19048,7 @@
 </p:sld>
 </file>
 
-<file path=ppt/slides/slide20.xml><?xml version="1.0" encoding="utf-8"?>
+<file path=ppt/slides/slide26.xml><?xml version="1.0" encoding="utf-8"?>
 <p:sld xmlns:a="http://schemas.openxmlformats.org/drawingml/2006/main" xmlns:r="http://schemas.openxmlformats.org/officeDocument/2006/relationships" xmlns:p="http://schemas.openxmlformats.org/presentationml/2006/main">
   <p:cSld>
     <p:spTree>
@@ -18512,293 +19067,6 @@
       </p:grpSpPr>
       <p:sp>
         <p:nvSpPr>
-          <p:cNvPr id="2" name="Title 1">
-            <a:extLst>
-              <a:ext uri="{FF2B5EF4-FFF2-40B4-BE49-F238E27FC236}">
-                <a16:creationId xmlns:a16="http://schemas.microsoft.com/office/drawing/2014/main" id="{9ADA59E6-05AF-D13F-17E9-90662AF4073B}"/>
-              </a:ext>
-            </a:extLst>
-          </p:cNvPr>
-          <p:cNvSpPr>
-            <a:spLocks noGrp="1"/>
-          </p:cNvSpPr>
-          <p:nvPr>
-            <p:ph type="title"/>
-          </p:nvPr>
-        </p:nvSpPr>
-        <p:spPr/>
-        <p:txBody>
-          <a:bodyPr/>
-          <a:lstStyle/>
-          <a:p>
-            <a:endParaRPr lang="en-IE"/>
-          </a:p>
-        </p:txBody>
-      </p:sp>
-      <p:sp>
-        <p:nvSpPr>
-          <p:cNvPr id="3" name="Picture Placeholder 2">
-            <a:extLst>
-              <a:ext uri="{FF2B5EF4-FFF2-40B4-BE49-F238E27FC236}">
-                <a16:creationId xmlns:a16="http://schemas.microsoft.com/office/drawing/2014/main" id="{BADE8256-D00A-1352-2490-FF0A3B47D6E2}"/>
-              </a:ext>
-            </a:extLst>
-          </p:cNvPr>
-          <p:cNvSpPr>
-            <a:spLocks noGrp="1"/>
-          </p:cNvSpPr>
-          <p:nvPr>
-            <p:ph type="pic" sz="quarter" idx="11"/>
-          </p:nvPr>
-        </p:nvSpPr>
-        <p:spPr/>
-      </p:sp>
-    </p:spTree>
-    <p:extLst>
-      <p:ext uri="{BB962C8B-B14F-4D97-AF65-F5344CB8AC3E}">
-        <p14:creationId xmlns:p14="http://schemas.microsoft.com/office/powerpoint/2010/main" val="851744047"/>
-      </p:ext>
-    </p:extLst>
-  </p:cSld>
-  <p:clrMapOvr>
-    <a:masterClrMapping/>
-  </p:clrMapOvr>
-  <p:transition>
-    <p:fade/>
-  </p:transition>
-</p:sld>
-</file>
-
-<file path=ppt/slides/slide21.xml><?xml version="1.0" encoding="utf-8"?>
-<p:sld xmlns:a="http://schemas.openxmlformats.org/drawingml/2006/main" xmlns:r="http://schemas.openxmlformats.org/officeDocument/2006/relationships" xmlns:p="http://schemas.openxmlformats.org/presentationml/2006/main">
-  <p:cSld>
-    <p:spTree>
-      <p:nvGrpSpPr>
-        <p:cNvPr id="1" name=""/>
-        <p:cNvGrpSpPr/>
-        <p:nvPr/>
-      </p:nvGrpSpPr>
-      <p:grpSpPr>
-        <a:xfrm>
-          <a:off x="0" y="0"/>
-          <a:ext cx="0" cy="0"/>
-          <a:chOff x="0" y="0"/>
-          <a:chExt cx="0" cy="0"/>
-        </a:xfrm>
-      </p:grpSpPr>
-      <p:sp>
-        <p:nvSpPr>
-          <p:cNvPr id="4" name="Title 3">
-            <a:extLst>
-              <a:ext uri="{FF2B5EF4-FFF2-40B4-BE49-F238E27FC236}">
-                <a16:creationId xmlns:a16="http://schemas.microsoft.com/office/drawing/2014/main" id="{EC7FAD4B-F22E-90D9-8E46-255275F089C2}"/>
-              </a:ext>
-            </a:extLst>
-          </p:cNvPr>
-          <p:cNvSpPr>
-            <a:spLocks noGrp="1"/>
-          </p:cNvSpPr>
-          <p:nvPr>
-            <p:ph type="title"/>
-          </p:nvPr>
-        </p:nvSpPr>
-        <p:spPr>
-          <a:xfrm>
-            <a:off x="1524000" y="3059871"/>
-            <a:ext cx="9144000" cy="498598"/>
-          </a:xfrm>
-        </p:spPr>
-        <p:txBody>
-          <a:bodyPr/>
-          <a:lstStyle/>
-          <a:p>
-            <a:pPr algn="ctr"/>
-            <a:r>
-              <a:rPr lang="en-IE" dirty="0">
-                <a:solidFill>
-                  <a:schemeClr val="tx1">
-                    <a:lumMod val="95000"/>
-                  </a:schemeClr>
-                </a:solidFill>
-              </a:rPr>
-              <a:t>Thank you</a:t>
-            </a:r>
-          </a:p>
-        </p:txBody>
-      </p:sp>
-    </p:spTree>
-    <p:extLst>
-      <p:ext uri="{BB962C8B-B14F-4D97-AF65-F5344CB8AC3E}">
-        <p14:creationId xmlns:p14="http://schemas.microsoft.com/office/powerpoint/2010/main" val="1652353934"/>
-      </p:ext>
-    </p:extLst>
-  </p:cSld>
-  <p:clrMapOvr>
-    <a:masterClrMapping/>
-  </p:clrMapOvr>
-  <mc:AlternateContent xmlns:mc="http://schemas.openxmlformats.org/markup-compatibility/2006" xmlns:p14="http://schemas.microsoft.com/office/powerpoint/2010/main">
-    <mc:Choice Requires="p14">
-      <p:transition spd="med" p14:dur="700">
-        <p:fade/>
-      </p:transition>
-    </mc:Choice>
-    <mc:Fallback xmlns="">
-      <p:transition spd="med">
-        <p:fade/>
-      </p:transition>
-    </mc:Fallback>
-  </mc:AlternateContent>
-</p:sld>
-</file>
-
-<file path=ppt/slides/slide22.xml><?xml version="1.0" encoding="utf-8"?>
-<p:sld xmlns:a="http://schemas.openxmlformats.org/drawingml/2006/main" xmlns:r="http://schemas.openxmlformats.org/officeDocument/2006/relationships" xmlns:p="http://schemas.openxmlformats.org/presentationml/2006/main">
-  <p:cSld>
-    <p:spTree>
-      <p:nvGrpSpPr>
-        <p:cNvPr id="1" name=""/>
-        <p:cNvGrpSpPr/>
-        <p:nvPr/>
-      </p:nvGrpSpPr>
-      <p:grpSpPr>
-        <a:xfrm>
-          <a:off x="0" y="0"/>
-          <a:ext cx="0" cy="0"/>
-          <a:chOff x="0" y="0"/>
-          <a:chExt cx="0" cy="0"/>
-        </a:xfrm>
-      </p:grpSpPr>
-    </p:spTree>
-    <p:extLst>
-      <p:ext uri="{BB962C8B-B14F-4D97-AF65-F5344CB8AC3E}">
-        <p14:creationId xmlns:p14="http://schemas.microsoft.com/office/powerpoint/2010/main" val="1003974154"/>
-      </p:ext>
-    </p:extLst>
-  </p:cSld>
-  <p:clrMapOvr>
-    <a:masterClrMapping/>
-  </p:clrMapOvr>
-  <p:transition>
-    <p:fade/>
-  </p:transition>
-</p:sld>
-</file>
-
-<file path=ppt/slides/slide23.xml><?xml version="1.0" encoding="utf-8"?>
-<p:sld xmlns:a="http://schemas.openxmlformats.org/drawingml/2006/main" xmlns:r="http://schemas.openxmlformats.org/officeDocument/2006/relationships" xmlns:p="http://schemas.openxmlformats.org/presentationml/2006/main">
-  <p:cSld>
-    <p:spTree>
-      <p:nvGrpSpPr>
-        <p:cNvPr id="1" name=""/>
-        <p:cNvGrpSpPr/>
-        <p:nvPr/>
-      </p:nvGrpSpPr>
-      <p:grpSpPr>
-        <a:xfrm>
-          <a:off x="0" y="0"/>
-          <a:ext cx="0" cy="0"/>
-          <a:chOff x="0" y="0"/>
-          <a:chExt cx="0" cy="0"/>
-        </a:xfrm>
-      </p:grpSpPr>
-      <p:sp>
-        <p:nvSpPr>
-          <p:cNvPr id="17" name="Title 16"/>
-          <p:cNvSpPr>
-            <a:spLocks noGrp="1"/>
-          </p:cNvSpPr>
-          <p:nvPr>
-            <p:ph type="title"/>
-          </p:nvPr>
-        </p:nvSpPr>
-        <p:spPr/>
-        <p:txBody>
-          <a:bodyPr/>
-          <a:lstStyle/>
-          <a:p>
-            <a:r>
-              <a:rPr lang="en-US" dirty="0"/>
-              <a:t>Text layout (without bullet points)</a:t>
-            </a:r>
-          </a:p>
-        </p:txBody>
-      </p:sp>
-      <p:sp>
-        <p:nvSpPr>
-          <p:cNvPr id="6" name="Text Placeholder 5"/>
-          <p:cNvSpPr>
-            <a:spLocks noGrp="1"/>
-          </p:cNvSpPr>
-          <p:nvPr>
-            <p:ph type="body" sz="quarter" idx="10"/>
-          </p:nvPr>
-        </p:nvSpPr>
-        <p:spPr>
-          <a:xfrm>
-            <a:off x="586390" y="1434370"/>
-            <a:ext cx="11018520" cy="1095685"/>
-          </a:xfrm>
-        </p:spPr>
-        <p:txBody>
-          <a:bodyPr/>
-          <a:lstStyle/>
-          <a:p>
-            <a:r>
-              <a:rPr lang="en-US" dirty="0"/>
-              <a:t>Main topic: Segoe UI, size 28pt</a:t>
-            </a:r>
-          </a:p>
-          <a:p>
-            <a:pPr lvl="1"/>
-            <a:r>
-              <a:rPr lang="en-US" dirty="0"/>
-              <a:t>Segoe UI, size 20pt for second level</a:t>
-            </a:r>
-          </a:p>
-          <a:p>
-            <a:pPr lvl="2"/>
-            <a:r>
-              <a:rPr lang="en-US" dirty="0"/>
-              <a:t>Segoe UI, size 16pt for third level</a:t>
-            </a:r>
-          </a:p>
-        </p:txBody>
-      </p:sp>
-    </p:spTree>
-    <p:extLst>
-      <p:ext uri="{BB962C8B-B14F-4D97-AF65-F5344CB8AC3E}">
-        <p14:creationId xmlns:p14="http://schemas.microsoft.com/office/powerpoint/2010/main" val="3957722359"/>
-      </p:ext>
-    </p:extLst>
-  </p:cSld>
-  <p:clrMapOvr>
-    <a:masterClrMapping/>
-  </p:clrMapOvr>
-  <p:transition>
-    <p:fade/>
-  </p:transition>
-</p:sld>
-</file>
-
-<file path=ppt/slides/slide24.xml><?xml version="1.0" encoding="utf-8"?>
-<p:sld xmlns:a="http://schemas.openxmlformats.org/drawingml/2006/main" xmlns:r="http://schemas.openxmlformats.org/officeDocument/2006/relationships" xmlns:p="http://schemas.openxmlformats.org/presentationml/2006/main">
-  <p:cSld>
-    <p:spTree>
-      <p:nvGrpSpPr>
-        <p:cNvPr id="1" name=""/>
-        <p:cNvGrpSpPr/>
-        <p:nvPr/>
-      </p:nvGrpSpPr>
-      <p:grpSpPr>
-        <a:xfrm>
-          <a:off x="0" y="0"/>
-          <a:ext cx="0" cy="0"/>
-          <a:chOff x="0" y="0"/>
-          <a:chExt cx="0" cy="0"/>
-        </a:xfrm>
-      </p:grpSpPr>
-      <p:sp>
-        <p:nvSpPr>
           <p:cNvPr id="17" name="Title 16"/>
           <p:cNvSpPr>
             <a:spLocks noGrp="1"/>
@@ -18871,7 +19139,7 @@
 </p:sld>
 </file>
 
-<file path=ppt/slides/slide25.xml><?xml version="1.0" encoding="utf-8"?>
+<file path=ppt/slides/slide27.xml><?xml version="1.0" encoding="utf-8"?>
 <p:sld xmlns:a="http://schemas.openxmlformats.org/drawingml/2006/main" xmlns:r="http://schemas.openxmlformats.org/officeDocument/2006/relationships" xmlns:p="http://schemas.openxmlformats.org/presentationml/2006/main">
   <p:cSld>
     <p:spTree>
@@ -19114,7 +19382,7 @@
 </p:sld>
 </file>
 
-<file path=ppt/slides/slide26.xml><?xml version="1.0" encoding="utf-8"?>
+<file path=ppt/slides/slide28.xml><?xml version="1.0" encoding="utf-8"?>
 <p:sld xmlns:a="http://schemas.openxmlformats.org/drawingml/2006/main" xmlns:r="http://schemas.openxmlformats.org/officeDocument/2006/relationships" xmlns:p="http://schemas.openxmlformats.org/presentationml/2006/main">
   <p:cSld>
     <p:spTree>
@@ -19633,7 +19901,7 @@
 </p:sld>
 </file>
 
-<file path=ppt/slides/slide27.xml><?xml version="1.0" encoding="utf-8"?>
+<file path=ppt/slides/slide29.xml><?xml version="1.0" encoding="utf-8"?>
 <p:sld xmlns:a="http://schemas.openxmlformats.org/drawingml/2006/main" xmlns:r="http://schemas.openxmlformats.org/officeDocument/2006/relationships" xmlns:p="http://schemas.openxmlformats.org/presentationml/2006/main">
   <p:cSld>
     <p:spTree>
@@ -19854,202 +20122,6 @@
     <p:extLst>
       <p:ext uri="{BB962C8B-B14F-4D97-AF65-F5344CB8AC3E}">
         <p14:creationId xmlns:p14="http://schemas.microsoft.com/office/powerpoint/2010/main" val="1995050349"/>
-      </p:ext>
-    </p:extLst>
-  </p:cSld>
-  <p:clrMapOvr>
-    <a:masterClrMapping/>
-  </p:clrMapOvr>
-  <p:transition>
-    <p:fade/>
-  </p:transition>
-</p:sld>
-</file>
-
-<file path=ppt/slides/slide28.xml><?xml version="1.0" encoding="utf-8"?>
-<p:sld xmlns:a="http://schemas.openxmlformats.org/drawingml/2006/main" xmlns:r="http://schemas.openxmlformats.org/officeDocument/2006/relationships" xmlns:p="http://schemas.openxmlformats.org/presentationml/2006/main">
-  <p:cSld>
-    <p:spTree>
-      <p:nvGrpSpPr>
-        <p:cNvPr id="1" name=""/>
-        <p:cNvGrpSpPr/>
-        <p:nvPr/>
-      </p:nvGrpSpPr>
-      <p:grpSpPr>
-        <a:xfrm>
-          <a:off x="0" y="0"/>
-          <a:ext cx="0" cy="0"/>
-          <a:chOff x="0" y="0"/>
-          <a:chExt cx="0" cy="0"/>
-        </a:xfrm>
-      </p:grpSpPr>
-      <p:sp>
-        <p:nvSpPr>
-          <p:cNvPr id="8" name="Title 7">
-            <a:extLst>
-              <a:ext uri="{FF2B5EF4-FFF2-40B4-BE49-F238E27FC236}">
-                <a16:creationId xmlns:a16="http://schemas.microsoft.com/office/drawing/2014/main" id="{D18A1E48-C74E-4B7C-95F4-2342DAC963A9}"/>
-              </a:ext>
-            </a:extLst>
-          </p:cNvPr>
-          <p:cNvSpPr>
-            <a:spLocks noGrp="1"/>
-          </p:cNvSpPr>
-          <p:nvPr>
-            <p:ph type="title"/>
-          </p:nvPr>
-        </p:nvSpPr>
-        <p:spPr>
-          <a:xfrm>
-            <a:off x="588263" y="588963"/>
-            <a:ext cx="4158362" cy="2535236"/>
-          </a:xfrm>
-        </p:spPr>
-        <p:txBody>
-          <a:bodyPr/>
-          <a:lstStyle/>
-          <a:p>
-            <a:r>
-              <a:rPr lang="en-US" dirty="0"/>
-              <a:t>Title square photo layout</a:t>
-            </a:r>
-          </a:p>
-        </p:txBody>
-      </p:sp>
-      <p:sp>
-        <p:nvSpPr>
-          <p:cNvPr id="3" name="Text Placeholder 2">
-            <a:extLst>
-              <a:ext uri="{FF2B5EF4-FFF2-40B4-BE49-F238E27FC236}">
-                <a16:creationId xmlns:a16="http://schemas.microsoft.com/office/drawing/2014/main" id="{EB03E4EA-274B-4BE4-9A52-00B5B2697A08}"/>
-              </a:ext>
-            </a:extLst>
-          </p:cNvPr>
-          <p:cNvSpPr>
-            <a:spLocks noGrp="1"/>
-          </p:cNvSpPr>
-          <p:nvPr>
-            <p:ph type="body" sz="quarter" idx="10"/>
-          </p:nvPr>
-        </p:nvSpPr>
-        <p:spPr>
-          <a:xfrm>
-            <a:off x="584200" y="3535540"/>
-            <a:ext cx="4162425" cy="2733497"/>
-          </a:xfrm>
-        </p:spPr>
-        <p:txBody>
-          <a:bodyPr/>
-          <a:lstStyle/>
-          <a:p>
-            <a:r>
-              <a:rPr lang="en-US" dirty="0"/>
-              <a:t>Smaller text</a:t>
-            </a:r>
-          </a:p>
-        </p:txBody>
-      </p:sp>
-      <p:sp>
-        <p:nvSpPr>
-          <p:cNvPr id="6" name="Picture Placeholder 5" descr="This photo is a 'placeholder' only. Drag or drop your photo here, or click and tap the center to insert a photo.">
-            <a:extLst>
-              <a:ext uri="{FF2B5EF4-FFF2-40B4-BE49-F238E27FC236}">
-                <a16:creationId xmlns:a16="http://schemas.microsoft.com/office/drawing/2014/main" id="{90EC379E-CA6F-458B-BB1A-FE53731504E9}"/>
-              </a:ext>
-            </a:extLst>
-          </p:cNvPr>
-          <p:cNvSpPr>
-            <a:spLocks noGrp="1"/>
-          </p:cNvSpPr>
-          <p:nvPr>
-            <p:ph type="pic" sz="quarter" idx="11"/>
-          </p:nvPr>
-        </p:nvSpPr>
-        <p:spPr/>
-      </p:sp>
-    </p:spTree>
-    <p:extLst>
-      <p:ext uri="{BB962C8B-B14F-4D97-AF65-F5344CB8AC3E}">
-        <p14:creationId xmlns:p14="http://schemas.microsoft.com/office/powerpoint/2010/main" val="1490695021"/>
-      </p:ext>
-    </p:extLst>
-  </p:cSld>
-  <p:clrMapOvr>
-    <a:masterClrMapping/>
-  </p:clrMapOvr>
-  <p:transition>
-    <p:fade/>
-  </p:transition>
-</p:sld>
-</file>
-
-<file path=ppt/slides/slide29.xml><?xml version="1.0" encoding="utf-8"?>
-<p:sld xmlns:a="http://schemas.openxmlformats.org/drawingml/2006/main" xmlns:r="http://schemas.openxmlformats.org/officeDocument/2006/relationships" xmlns:p="http://schemas.openxmlformats.org/presentationml/2006/main">
-  <p:cSld>
-    <p:spTree>
-      <p:nvGrpSpPr>
-        <p:cNvPr id="1" name=""/>
-        <p:cNvGrpSpPr/>
-        <p:nvPr/>
-      </p:nvGrpSpPr>
-      <p:grpSpPr>
-        <a:xfrm>
-          <a:off x="0" y="0"/>
-          <a:ext cx="0" cy="0"/>
-          <a:chOff x="0" y="0"/>
-          <a:chExt cx="0" cy="0"/>
-        </a:xfrm>
-      </p:grpSpPr>
-      <p:sp>
-        <p:nvSpPr>
-          <p:cNvPr id="8" name="Title 7">
-            <a:extLst>
-              <a:ext uri="{FF2B5EF4-FFF2-40B4-BE49-F238E27FC236}">
-                <a16:creationId xmlns:a16="http://schemas.microsoft.com/office/drawing/2014/main" id="{D18A1E48-C74E-4B7C-95F4-2342DAC963A9}"/>
-              </a:ext>
-            </a:extLst>
-          </p:cNvPr>
-          <p:cNvSpPr>
-            <a:spLocks noGrp="1"/>
-          </p:cNvSpPr>
-          <p:nvPr>
-            <p:ph type="title"/>
-          </p:nvPr>
-        </p:nvSpPr>
-        <p:spPr/>
-        <p:txBody>
-          <a:bodyPr/>
-          <a:lstStyle/>
-          <a:p>
-            <a:r>
-              <a:rPr lang="en-US" dirty="0"/>
-              <a:t>Square photo layout </a:t>
-            </a:r>
-          </a:p>
-        </p:txBody>
-      </p:sp>
-      <p:sp>
-        <p:nvSpPr>
-          <p:cNvPr id="2" name="Picture Placeholder 1" descr="This photo is a 'placeholder' only. Drag or drop your photo here, or click and tap the center to insert a photo.">
-            <a:extLst>
-              <a:ext uri="{FF2B5EF4-FFF2-40B4-BE49-F238E27FC236}">
-                <a16:creationId xmlns:a16="http://schemas.microsoft.com/office/drawing/2014/main" id="{EAE4E439-9990-4EB5-BA7C-DB1E71AEDCD9}"/>
-              </a:ext>
-            </a:extLst>
-          </p:cNvPr>
-          <p:cNvSpPr>
-            <a:spLocks noGrp="1"/>
-          </p:cNvSpPr>
-          <p:nvPr>
-            <p:ph type="pic" sz="quarter" idx="11"/>
-          </p:nvPr>
-        </p:nvSpPr>
-        <p:spPr/>
-      </p:sp>
-    </p:spTree>
-    <p:extLst>
-      <p:ext uri="{BB962C8B-B14F-4D97-AF65-F5344CB8AC3E}">
-        <p14:creationId xmlns:p14="http://schemas.microsoft.com/office/powerpoint/2010/main" val="1811665972"/>
       </p:ext>
     </p:extLst>
   </p:cSld>
@@ -20244,8 +20316,8 @@
         </p:nvSpPr>
         <p:spPr>
           <a:xfrm>
-            <a:off x="588263" y="457200"/>
-            <a:ext cx="11018520" cy="553998"/>
+            <a:off x="588263" y="588963"/>
+            <a:ext cx="4158362" cy="2535236"/>
           </a:xfrm>
         </p:spPr>
         <p:txBody>
@@ -20254,17 +20326,17 @@
           <a:p>
             <a:r>
               <a:rPr lang="en-US" dirty="0"/>
-              <a:t>Side-by-side photo layout</a:t>
-            </a:r>
-          </a:p>
-        </p:txBody>
-      </p:sp>
-      <p:sp>
-        <p:nvSpPr>
-          <p:cNvPr id="4" name="Text Placeholder 3">
+              <a:t>Title square photo layout</a:t>
+            </a:r>
+          </a:p>
+        </p:txBody>
+      </p:sp>
+      <p:sp>
+        <p:nvSpPr>
+          <p:cNvPr id="3" name="Text Placeholder 2">
             <a:extLst>
               <a:ext uri="{FF2B5EF4-FFF2-40B4-BE49-F238E27FC236}">
-                <a16:creationId xmlns:a16="http://schemas.microsoft.com/office/drawing/2014/main" id="{DBFED5CB-0F60-480C-8DFA-C6BECBE03F8D}"/>
+                <a16:creationId xmlns:a16="http://schemas.microsoft.com/office/drawing/2014/main" id="{EB03E4EA-274B-4BE4-9A52-00B5B2697A08}"/>
               </a:ext>
             </a:extLst>
           </p:cNvPr>
@@ -20272,13 +20344,13 @@
             <a:spLocks noGrp="1"/>
           </p:cNvSpPr>
           <p:nvPr>
-            <p:ph type="body" sz="quarter" idx="16"/>
+            <p:ph type="body" sz="quarter" idx="10"/>
           </p:nvPr>
         </p:nvSpPr>
         <p:spPr>
           <a:xfrm>
-            <a:off x="584199" y="5689600"/>
-            <a:ext cx="5367528" cy="307777"/>
+            <a:off x="584200" y="3535540"/>
+            <a:ext cx="4162425" cy="2733497"/>
           </a:xfrm>
         </p:spPr>
         <p:txBody>
@@ -20287,17 +20359,17 @@
           <a:p>
             <a:r>
               <a:rPr lang="en-US" dirty="0"/>
-              <a:t>Text placeholder</a:t>
-            </a:r>
-          </a:p>
-        </p:txBody>
-      </p:sp>
-      <p:sp>
-        <p:nvSpPr>
-          <p:cNvPr id="2" name="Picture Placeholder 1" descr="This photo is a 'placeholder' only. Drag or drop your photo here, or click and tap the center to insert a photo.">
+              <a:t>Smaller text</a:t>
+            </a:r>
+          </a:p>
+        </p:txBody>
+      </p:sp>
+      <p:sp>
+        <p:nvSpPr>
+          <p:cNvPr id="6" name="Picture Placeholder 5" descr="This photo is a 'placeholder' only. Drag or drop your photo here, or click and tap the center to insert a photo.">
             <a:extLst>
               <a:ext uri="{FF2B5EF4-FFF2-40B4-BE49-F238E27FC236}">
-                <a16:creationId xmlns:a16="http://schemas.microsoft.com/office/drawing/2014/main" id="{AE18F87B-97E7-4FBB-B0C7-4CEB990A7F1B}"/>
+                <a16:creationId xmlns:a16="http://schemas.microsoft.com/office/drawing/2014/main" id="{90EC379E-CA6F-458B-BB1A-FE53731504E9}"/>
               </a:ext>
             </a:extLst>
           </p:cNvPr>
@@ -20305,58 +20377,7 @@
             <a:spLocks noGrp="1"/>
           </p:cNvSpPr>
           <p:nvPr>
-            <p:ph type="pic" sz="quarter" idx="13"/>
-          </p:nvPr>
-        </p:nvSpPr>
-        <p:spPr/>
-      </p:sp>
-      <p:sp>
-        <p:nvSpPr>
-          <p:cNvPr id="6" name="Text Placeholder 5">
-            <a:extLst>
-              <a:ext uri="{FF2B5EF4-FFF2-40B4-BE49-F238E27FC236}">
-                <a16:creationId xmlns:a16="http://schemas.microsoft.com/office/drawing/2014/main" id="{1B0E91F6-F618-4448-89FB-05078231BEA7}"/>
-              </a:ext>
-            </a:extLst>
-          </p:cNvPr>
-          <p:cNvSpPr>
-            <a:spLocks noGrp="1"/>
-          </p:cNvSpPr>
-          <p:nvPr>
-            <p:ph type="body" sz="quarter" idx="18"/>
-          </p:nvPr>
-        </p:nvSpPr>
-        <p:spPr>
-          <a:xfrm>
-            <a:off x="6241860" y="5689600"/>
-            <a:ext cx="5367528" cy="307777"/>
-          </a:xfrm>
-        </p:spPr>
-        <p:txBody>
-          <a:bodyPr/>
-          <a:lstStyle/>
-          <a:p>
-            <a:r>
-              <a:rPr lang="en-US" dirty="0"/>
-              <a:t>Text placeholder</a:t>
-            </a:r>
-          </a:p>
-        </p:txBody>
-      </p:sp>
-      <p:sp>
-        <p:nvSpPr>
-          <p:cNvPr id="3" name="Picture Placeholder 2" descr="This photo is a 'placeholder' only. Drag or drop your photo here, or click and tap the center to insert a photo.">
-            <a:extLst>
-              <a:ext uri="{FF2B5EF4-FFF2-40B4-BE49-F238E27FC236}">
-                <a16:creationId xmlns:a16="http://schemas.microsoft.com/office/drawing/2014/main" id="{E16DC59E-65F2-4652-B8B5-10F074366FB7}"/>
-              </a:ext>
-            </a:extLst>
-          </p:cNvPr>
-          <p:cNvSpPr>
-            <a:spLocks noGrp="1"/>
-          </p:cNvSpPr>
-          <p:nvPr>
-            <p:ph type="pic" sz="quarter" idx="15"/>
+            <p:ph type="pic" sz="quarter" idx="11"/>
           </p:nvPr>
         </p:nvSpPr>
         <p:spPr/>
@@ -20364,7 +20385,7 @@
     </p:spTree>
     <p:extLst>
       <p:ext uri="{BB962C8B-B14F-4D97-AF65-F5344CB8AC3E}">
-        <p14:creationId xmlns:p14="http://schemas.microsoft.com/office/powerpoint/2010/main" val="696467548"/>
+        <p14:creationId xmlns:p14="http://schemas.microsoft.com/office/powerpoint/2010/main" val="1490695021"/>
       </p:ext>
     </p:extLst>
   </p:cSld>
@@ -20396,10 +20417,10 @@
       </p:grpSpPr>
       <p:sp>
         <p:nvSpPr>
-          <p:cNvPr id="7" name="Title 6">
+          <p:cNvPr id="8" name="Title 7">
             <a:extLst>
               <a:ext uri="{FF2B5EF4-FFF2-40B4-BE49-F238E27FC236}">
-                <a16:creationId xmlns:a16="http://schemas.microsoft.com/office/drawing/2014/main" id="{9BB51B6F-A6B6-4C5C-87D8-20DB1C857613}"/>
+                <a16:creationId xmlns:a16="http://schemas.microsoft.com/office/drawing/2014/main" id="{D18A1E48-C74E-4B7C-95F4-2342DAC963A9}"/>
               </a:ext>
             </a:extLst>
           </p:cNvPr>
@@ -20410,29 +20431,24 @@
             <p:ph type="title"/>
           </p:nvPr>
         </p:nvSpPr>
-        <p:spPr>
-          <a:xfrm>
-            <a:off x="588263" y="457200"/>
-            <a:ext cx="11018520" cy="553998"/>
-          </a:xfrm>
-        </p:spPr>
+        <p:spPr/>
         <p:txBody>
           <a:bodyPr/>
           <a:lstStyle/>
           <a:p>
             <a:r>
               <a:rPr lang="en-US" dirty="0"/>
-              <a:t>Three photos layout</a:t>
-            </a:r>
-          </a:p>
-        </p:txBody>
-      </p:sp>
-      <p:sp>
-        <p:nvSpPr>
-          <p:cNvPr id="11" name="Text Placeholder 10">
+              <a:t>Square photo layout </a:t>
+            </a:r>
+          </a:p>
+        </p:txBody>
+      </p:sp>
+      <p:sp>
+        <p:nvSpPr>
+          <p:cNvPr id="2" name="Picture Placeholder 1" descr="This photo is a 'placeholder' only. Drag or drop your photo here, or click and tap the center to insert a photo.">
             <a:extLst>
               <a:ext uri="{FF2B5EF4-FFF2-40B4-BE49-F238E27FC236}">
-                <a16:creationId xmlns:a16="http://schemas.microsoft.com/office/drawing/2014/main" id="{0CF24D87-8BE8-48F5-A782-AABCF1702CF5}"/>
+                <a16:creationId xmlns:a16="http://schemas.microsoft.com/office/drawing/2014/main" id="{EAE4E439-9990-4EB5-BA7C-DB1E71AEDCD9}"/>
               </a:ext>
             </a:extLst>
           </p:cNvPr>
@@ -20440,142 +20456,7 @@
             <a:spLocks noGrp="1"/>
           </p:cNvSpPr>
           <p:nvPr>
-            <p:ph type="body" sz="quarter" idx="16"/>
-          </p:nvPr>
-        </p:nvSpPr>
-        <p:spPr>
-          <a:xfrm>
-            <a:off x="582613" y="5689600"/>
-            <a:ext cx="3475037" cy="307777"/>
-          </a:xfrm>
-        </p:spPr>
-        <p:txBody>
-          <a:bodyPr/>
-          <a:lstStyle/>
-          <a:p>
-            <a:r>
-              <a:rPr lang="en-US" dirty="0"/>
-              <a:t>Text placeholder</a:t>
-            </a:r>
-          </a:p>
-        </p:txBody>
-      </p:sp>
-      <p:sp>
-        <p:nvSpPr>
-          <p:cNvPr id="8" name="Picture Placeholder 7" descr="This photo is a 'placeholder' only. Drag or drop your photo here, or click and tap the center to insert a photo.">
-            <a:extLst>
-              <a:ext uri="{FF2B5EF4-FFF2-40B4-BE49-F238E27FC236}">
-                <a16:creationId xmlns:a16="http://schemas.microsoft.com/office/drawing/2014/main" id="{6B56B57A-5CF7-448F-BC81-137D7A82A0EC}"/>
-              </a:ext>
-            </a:extLst>
-          </p:cNvPr>
-          <p:cNvSpPr>
-            <a:spLocks noGrp="1"/>
-          </p:cNvSpPr>
-          <p:nvPr>
-            <p:ph type="pic" sz="quarter" idx="13"/>
-          </p:nvPr>
-        </p:nvSpPr>
-        <p:spPr/>
-      </p:sp>
-      <p:sp>
-        <p:nvSpPr>
-          <p:cNvPr id="12" name="Text Placeholder 11">
-            <a:extLst>
-              <a:ext uri="{FF2B5EF4-FFF2-40B4-BE49-F238E27FC236}">
-                <a16:creationId xmlns:a16="http://schemas.microsoft.com/office/drawing/2014/main" id="{42466CB0-8E3A-4B11-BE5B-DB09D902EB09}"/>
-              </a:ext>
-            </a:extLst>
-          </p:cNvPr>
-          <p:cNvSpPr>
-            <a:spLocks noGrp="1"/>
-          </p:cNvSpPr>
-          <p:nvPr>
-            <p:ph type="body" sz="quarter" idx="17"/>
-          </p:nvPr>
-        </p:nvSpPr>
-        <p:spPr>
-          <a:xfrm>
-            <a:off x="4358640" y="5689600"/>
-            <a:ext cx="3475037" cy="307777"/>
-          </a:xfrm>
-        </p:spPr>
-        <p:txBody>
-          <a:bodyPr/>
-          <a:lstStyle/>
-          <a:p>
-            <a:r>
-              <a:rPr lang="en-US" dirty="0"/>
-              <a:t>Text placeholder</a:t>
-            </a:r>
-          </a:p>
-        </p:txBody>
-      </p:sp>
-      <p:sp>
-        <p:nvSpPr>
-          <p:cNvPr id="9" name="Picture Placeholder 8" descr="This photo is a 'placeholder' only. Drag or drop your photo here, or click and tap the center to insert a photo.">
-            <a:extLst>
-              <a:ext uri="{FF2B5EF4-FFF2-40B4-BE49-F238E27FC236}">
-                <a16:creationId xmlns:a16="http://schemas.microsoft.com/office/drawing/2014/main" id="{A078E6D4-B91A-431C-8C2F-A6FD9891FF29}"/>
-              </a:ext>
-            </a:extLst>
-          </p:cNvPr>
-          <p:cNvSpPr>
-            <a:spLocks noGrp="1"/>
-          </p:cNvSpPr>
-          <p:nvPr>
-            <p:ph type="pic" sz="quarter" idx="14"/>
-          </p:nvPr>
-        </p:nvSpPr>
-        <p:spPr/>
-      </p:sp>
-      <p:sp>
-        <p:nvSpPr>
-          <p:cNvPr id="13" name="Text Placeholder 12">
-            <a:extLst>
-              <a:ext uri="{FF2B5EF4-FFF2-40B4-BE49-F238E27FC236}">
-                <a16:creationId xmlns:a16="http://schemas.microsoft.com/office/drawing/2014/main" id="{062B81A3-15C0-4615-9103-E530FFE58E9B}"/>
-              </a:ext>
-            </a:extLst>
-          </p:cNvPr>
-          <p:cNvSpPr>
-            <a:spLocks noGrp="1"/>
-          </p:cNvSpPr>
-          <p:nvPr>
-            <p:ph type="body" sz="quarter" idx="18"/>
-          </p:nvPr>
-        </p:nvSpPr>
-        <p:spPr>
-          <a:xfrm>
-            <a:off x="8134351" y="5689600"/>
-            <a:ext cx="3475037" cy="307777"/>
-          </a:xfrm>
-        </p:spPr>
-        <p:txBody>
-          <a:bodyPr/>
-          <a:lstStyle/>
-          <a:p>
-            <a:r>
-              <a:rPr lang="en-US" dirty="0"/>
-              <a:t>Text placeholder</a:t>
-            </a:r>
-          </a:p>
-        </p:txBody>
-      </p:sp>
-      <p:sp>
-        <p:nvSpPr>
-          <p:cNvPr id="10" name="Picture Placeholder 9" descr="This photo is a 'placeholder' only. Drag or drop your photo here, or click and tap the center to insert a photo.">
-            <a:extLst>
-              <a:ext uri="{FF2B5EF4-FFF2-40B4-BE49-F238E27FC236}">
-                <a16:creationId xmlns:a16="http://schemas.microsoft.com/office/drawing/2014/main" id="{C3281AC1-12FA-4321-9290-F3FD9C085409}"/>
-              </a:ext>
-            </a:extLst>
-          </p:cNvPr>
-          <p:cNvSpPr>
-            <a:spLocks noGrp="1"/>
-          </p:cNvSpPr>
-          <p:nvPr>
-            <p:ph type="pic" sz="quarter" idx="15"/>
+            <p:ph type="pic" sz="quarter" idx="11"/>
           </p:nvPr>
         </p:nvSpPr>
         <p:spPr/>
@@ -20583,7 +20464,7 @@
     </p:spTree>
     <p:extLst>
       <p:ext uri="{BB962C8B-B14F-4D97-AF65-F5344CB8AC3E}">
-        <p14:creationId xmlns:p14="http://schemas.microsoft.com/office/powerpoint/2010/main" val="3964713026"/>
+        <p14:creationId xmlns:p14="http://schemas.microsoft.com/office/powerpoint/2010/main" val="1811665972"/>
       </p:ext>
     </p:extLst>
   </p:cSld>
@@ -20615,10 +20496,10 @@
       </p:grpSpPr>
       <p:sp>
         <p:nvSpPr>
-          <p:cNvPr id="7" name="Title 6">
+          <p:cNvPr id="8" name="Title 7">
             <a:extLst>
               <a:ext uri="{FF2B5EF4-FFF2-40B4-BE49-F238E27FC236}">
-                <a16:creationId xmlns:a16="http://schemas.microsoft.com/office/drawing/2014/main" id="{A4E6FC63-1669-41F3-A9A6-39B6FB141690}"/>
+                <a16:creationId xmlns:a16="http://schemas.microsoft.com/office/drawing/2014/main" id="{D18A1E48-C74E-4B7C-95F4-2342DAC963A9}"/>
               </a:ext>
             </a:extLst>
           </p:cNvPr>
@@ -20641,17 +20522,17 @@
           <a:p>
             <a:r>
               <a:rPr lang="en-US" dirty="0"/>
-              <a:t>Four photos layout</a:t>
-            </a:r>
-          </a:p>
-        </p:txBody>
-      </p:sp>
-      <p:sp>
-        <p:nvSpPr>
-          <p:cNvPr id="11" name="Text Placeholder 10">
+              <a:t>Side-by-side photo layout</a:t>
+            </a:r>
+          </a:p>
+        </p:txBody>
+      </p:sp>
+      <p:sp>
+        <p:nvSpPr>
+          <p:cNvPr id="4" name="Text Placeholder 3">
             <a:extLst>
               <a:ext uri="{FF2B5EF4-FFF2-40B4-BE49-F238E27FC236}">
-                <a16:creationId xmlns:a16="http://schemas.microsoft.com/office/drawing/2014/main" id="{A209D23C-50F2-48D6-BAA7-3B9D6572CD44}"/>
+                <a16:creationId xmlns:a16="http://schemas.microsoft.com/office/drawing/2014/main" id="{DBFED5CB-0F60-480C-8DFA-C6BECBE03F8D}"/>
               </a:ext>
             </a:extLst>
           </p:cNvPr>
@@ -20664,8 +20545,8 @@
         </p:nvSpPr>
         <p:spPr>
           <a:xfrm>
-            <a:off x="582613" y="4753938"/>
-            <a:ext cx="2532888" cy="307777"/>
+            <a:off x="584199" y="5689600"/>
+            <a:ext cx="5367528" cy="307777"/>
           </a:xfrm>
         </p:spPr>
         <p:txBody>
@@ -20681,10 +20562,10 @@
       </p:sp>
       <p:sp>
         <p:nvSpPr>
-          <p:cNvPr id="8" name="Picture Placeholder 7" descr="This photo is a 'placeholder' only. Drag or drop your photo here, or click and tap the center to insert a photo.">
+          <p:cNvPr id="2" name="Picture Placeholder 1" descr="This photo is a 'placeholder' only. Drag or drop your photo here, or click and tap the center to insert a photo.">
             <a:extLst>
               <a:ext uri="{FF2B5EF4-FFF2-40B4-BE49-F238E27FC236}">
-                <a16:creationId xmlns:a16="http://schemas.microsoft.com/office/drawing/2014/main" id="{CB9E5AC9-345E-4231-A0B1-CA5FC2605BC1}"/>
+                <a16:creationId xmlns:a16="http://schemas.microsoft.com/office/drawing/2014/main" id="{AE18F87B-97E7-4FBB-B0C7-4CEB990A7F1B}"/>
               </a:ext>
             </a:extLst>
           </p:cNvPr>
@@ -20699,10 +20580,10 @@
       </p:sp>
       <p:sp>
         <p:nvSpPr>
-          <p:cNvPr id="12" name="Text Placeholder 11">
+          <p:cNvPr id="6" name="Text Placeholder 5">
             <a:extLst>
               <a:ext uri="{FF2B5EF4-FFF2-40B4-BE49-F238E27FC236}">
-                <a16:creationId xmlns:a16="http://schemas.microsoft.com/office/drawing/2014/main" id="{92F542C4-C40B-41ED-B136-472CCC2DF00E}"/>
+                <a16:creationId xmlns:a16="http://schemas.microsoft.com/office/drawing/2014/main" id="{1B0E91F6-F618-4448-89FB-05078231BEA7}"/>
               </a:ext>
             </a:extLst>
           </p:cNvPr>
@@ -20710,13 +20591,13 @@
             <a:spLocks noGrp="1"/>
           </p:cNvSpPr>
           <p:nvPr>
-            <p:ph type="body" sz="quarter" idx="17"/>
+            <p:ph type="body" sz="quarter" idx="18"/>
           </p:nvPr>
         </p:nvSpPr>
         <p:spPr>
           <a:xfrm>
-            <a:off x="3413908" y="4753938"/>
-            <a:ext cx="2532888" cy="307777"/>
+            <a:off x="6241860" y="5689600"/>
+            <a:ext cx="5367528" cy="307777"/>
           </a:xfrm>
         </p:spPr>
         <p:txBody>
@@ -20732,10 +20613,10 @@
       </p:sp>
       <p:sp>
         <p:nvSpPr>
-          <p:cNvPr id="9" name="Picture Placeholder 8" descr="This photo is a 'placeholder' only. Drag or drop your photo here, or click and tap the center to insert a photo.">
+          <p:cNvPr id="3" name="Picture Placeholder 2" descr="This photo is a 'placeholder' only. Drag or drop your photo here, or click and tap the center to insert a photo.">
             <a:extLst>
               <a:ext uri="{FF2B5EF4-FFF2-40B4-BE49-F238E27FC236}">
-                <a16:creationId xmlns:a16="http://schemas.microsoft.com/office/drawing/2014/main" id="{D5125A72-F156-43CC-A8E4-C1D71612492F}"/>
+                <a16:creationId xmlns:a16="http://schemas.microsoft.com/office/drawing/2014/main" id="{E16DC59E-65F2-4652-B8B5-10F074366FB7}"/>
               </a:ext>
             </a:extLst>
           </p:cNvPr>
@@ -20743,109 +20624,7 @@
             <a:spLocks noGrp="1"/>
           </p:cNvSpPr>
           <p:nvPr>
-            <p:ph type="pic" sz="quarter" idx="14"/>
-          </p:nvPr>
-        </p:nvSpPr>
-        <p:spPr/>
-      </p:sp>
-      <p:sp>
-        <p:nvSpPr>
-          <p:cNvPr id="13" name="Text Placeholder 12">
-            <a:extLst>
-              <a:ext uri="{FF2B5EF4-FFF2-40B4-BE49-F238E27FC236}">
-                <a16:creationId xmlns:a16="http://schemas.microsoft.com/office/drawing/2014/main" id="{B43BB8B0-C02C-44E6-A828-FE52984E9278}"/>
-              </a:ext>
-            </a:extLst>
-          </p:cNvPr>
-          <p:cNvSpPr>
-            <a:spLocks noGrp="1"/>
-          </p:cNvSpPr>
-          <p:nvPr>
-            <p:ph type="body" sz="quarter" idx="18"/>
-          </p:nvPr>
-        </p:nvSpPr>
-        <p:spPr>
-          <a:xfrm>
-            <a:off x="6245204" y="4753938"/>
-            <a:ext cx="2532888" cy="307777"/>
-          </a:xfrm>
-        </p:spPr>
-        <p:txBody>
-          <a:bodyPr/>
-          <a:lstStyle/>
-          <a:p>
-            <a:r>
-              <a:rPr lang="en-US" dirty="0"/>
-              <a:t>Text placeholder</a:t>
-            </a:r>
-          </a:p>
-        </p:txBody>
-      </p:sp>
-      <p:sp>
-        <p:nvSpPr>
-          <p:cNvPr id="10" name="Picture Placeholder 9" descr="This photo is a 'placeholder' only. Drag or drop your photo here, or click and tap the center to insert a photo.">
-            <a:extLst>
-              <a:ext uri="{FF2B5EF4-FFF2-40B4-BE49-F238E27FC236}">
-                <a16:creationId xmlns:a16="http://schemas.microsoft.com/office/drawing/2014/main" id="{3183C00D-DE72-42D6-B0F6-E0FC1CAC99CF}"/>
-              </a:ext>
-            </a:extLst>
-          </p:cNvPr>
-          <p:cNvSpPr>
-            <a:spLocks noGrp="1"/>
-          </p:cNvSpPr>
-          <p:nvPr>
             <p:ph type="pic" sz="quarter" idx="15"/>
-          </p:nvPr>
-        </p:nvSpPr>
-        <p:spPr/>
-      </p:sp>
-      <p:sp>
-        <p:nvSpPr>
-          <p:cNvPr id="15" name="Text Placeholder 14">
-            <a:extLst>
-              <a:ext uri="{FF2B5EF4-FFF2-40B4-BE49-F238E27FC236}">
-                <a16:creationId xmlns:a16="http://schemas.microsoft.com/office/drawing/2014/main" id="{4A98B624-6FA8-4859-B87B-A01D7E95DB26}"/>
-              </a:ext>
-            </a:extLst>
-          </p:cNvPr>
-          <p:cNvSpPr>
-            <a:spLocks noGrp="1"/>
-          </p:cNvSpPr>
-          <p:nvPr>
-            <p:ph type="body" sz="quarter" idx="20"/>
-          </p:nvPr>
-        </p:nvSpPr>
-        <p:spPr>
-          <a:xfrm>
-            <a:off x="9076500" y="4753938"/>
-            <a:ext cx="2532888" cy="307777"/>
-          </a:xfrm>
-        </p:spPr>
-        <p:txBody>
-          <a:bodyPr/>
-          <a:lstStyle/>
-          <a:p>
-            <a:r>
-              <a:rPr lang="en-US" dirty="0"/>
-              <a:t>Text placeholder</a:t>
-            </a:r>
-          </a:p>
-        </p:txBody>
-      </p:sp>
-      <p:sp>
-        <p:nvSpPr>
-          <p:cNvPr id="14" name="Picture Placeholder 13" descr="This photo is a 'placeholder' only. Drag or drop your photo here, or click and tap the center to insert a photo.">
-            <a:extLst>
-              <a:ext uri="{FF2B5EF4-FFF2-40B4-BE49-F238E27FC236}">
-                <a16:creationId xmlns:a16="http://schemas.microsoft.com/office/drawing/2014/main" id="{CF615145-50B1-4694-973A-724322B099D6}"/>
-              </a:ext>
-            </a:extLst>
-          </p:cNvPr>
-          <p:cNvSpPr>
-            <a:spLocks noGrp="1"/>
-          </p:cNvSpPr>
-          <p:nvPr>
-            <p:ph type="pic" sz="quarter" idx="19"/>
           </p:nvPr>
         </p:nvSpPr>
         <p:spPr/>
@@ -20853,7 +20632,7 @@
     </p:spTree>
     <p:extLst>
       <p:ext uri="{BB962C8B-B14F-4D97-AF65-F5344CB8AC3E}">
-        <p14:creationId xmlns:p14="http://schemas.microsoft.com/office/powerpoint/2010/main" val="2504275049"/>
+        <p14:creationId xmlns:p14="http://schemas.microsoft.com/office/powerpoint/2010/main" val="696467548"/>
       </p:ext>
     </p:extLst>
   </p:cSld>
@@ -20885,10 +20664,10 @@
       </p:grpSpPr>
       <p:sp>
         <p:nvSpPr>
-          <p:cNvPr id="2" name="Title 1">
+          <p:cNvPr id="7" name="Title 6">
             <a:extLst>
               <a:ext uri="{FF2B5EF4-FFF2-40B4-BE49-F238E27FC236}">
-                <a16:creationId xmlns:a16="http://schemas.microsoft.com/office/drawing/2014/main" id="{4FE98B5C-48BE-4909-9F4A-A4186BB35065}"/>
+                <a16:creationId xmlns:a16="http://schemas.microsoft.com/office/drawing/2014/main" id="{9BB51B6F-A6B6-4C5C-87D8-20DB1C857613}"/>
               </a:ext>
             </a:extLst>
           </p:cNvPr>
@@ -20901,7 +20680,7 @@
         </p:nvSpPr>
         <p:spPr>
           <a:xfrm>
-            <a:off x="588263" y="5436128"/>
+            <a:off x="588263" y="457200"/>
             <a:ext cx="11018520" cy="553998"/>
           </a:xfrm>
         </p:spPr>
@@ -20911,17 +20690,17 @@
           <a:p>
             <a:r>
               <a:rPr lang="en-US" dirty="0"/>
-              <a:t>Top photo with Title</a:t>
-            </a:r>
-          </a:p>
-        </p:txBody>
-      </p:sp>
-      <p:sp>
-        <p:nvSpPr>
-          <p:cNvPr id="3" name="Picture Placeholder 2" descr="This photo is a 'placeholder' only. Drag or drop your photo here, or click and tap the center to insert a photo.">
+              <a:t>Three photos layout</a:t>
+            </a:r>
+          </a:p>
+        </p:txBody>
+      </p:sp>
+      <p:sp>
+        <p:nvSpPr>
+          <p:cNvPr id="11" name="Text Placeholder 10">
             <a:extLst>
               <a:ext uri="{FF2B5EF4-FFF2-40B4-BE49-F238E27FC236}">
-                <a16:creationId xmlns:a16="http://schemas.microsoft.com/office/drawing/2014/main" id="{3E53C251-F0C1-4DAA-BF3B-F3E1C6002804}"/>
+                <a16:creationId xmlns:a16="http://schemas.microsoft.com/office/drawing/2014/main" id="{0CF24D87-8BE8-48F5-A782-AABCF1702CF5}"/>
               </a:ext>
             </a:extLst>
           </p:cNvPr>
@@ -20929,7 +20708,142 @@
             <a:spLocks noGrp="1"/>
           </p:cNvSpPr>
           <p:nvPr>
-            <p:ph type="pic" sz="quarter" idx="11"/>
+            <p:ph type="body" sz="quarter" idx="16"/>
+          </p:nvPr>
+        </p:nvSpPr>
+        <p:spPr>
+          <a:xfrm>
+            <a:off x="582613" y="5689600"/>
+            <a:ext cx="3475037" cy="307777"/>
+          </a:xfrm>
+        </p:spPr>
+        <p:txBody>
+          <a:bodyPr/>
+          <a:lstStyle/>
+          <a:p>
+            <a:r>
+              <a:rPr lang="en-US" dirty="0"/>
+              <a:t>Text placeholder</a:t>
+            </a:r>
+          </a:p>
+        </p:txBody>
+      </p:sp>
+      <p:sp>
+        <p:nvSpPr>
+          <p:cNvPr id="8" name="Picture Placeholder 7" descr="This photo is a 'placeholder' only. Drag or drop your photo here, or click and tap the center to insert a photo.">
+            <a:extLst>
+              <a:ext uri="{FF2B5EF4-FFF2-40B4-BE49-F238E27FC236}">
+                <a16:creationId xmlns:a16="http://schemas.microsoft.com/office/drawing/2014/main" id="{6B56B57A-5CF7-448F-BC81-137D7A82A0EC}"/>
+              </a:ext>
+            </a:extLst>
+          </p:cNvPr>
+          <p:cNvSpPr>
+            <a:spLocks noGrp="1"/>
+          </p:cNvSpPr>
+          <p:nvPr>
+            <p:ph type="pic" sz="quarter" idx="13"/>
+          </p:nvPr>
+        </p:nvSpPr>
+        <p:spPr/>
+      </p:sp>
+      <p:sp>
+        <p:nvSpPr>
+          <p:cNvPr id="12" name="Text Placeholder 11">
+            <a:extLst>
+              <a:ext uri="{FF2B5EF4-FFF2-40B4-BE49-F238E27FC236}">
+                <a16:creationId xmlns:a16="http://schemas.microsoft.com/office/drawing/2014/main" id="{42466CB0-8E3A-4B11-BE5B-DB09D902EB09}"/>
+              </a:ext>
+            </a:extLst>
+          </p:cNvPr>
+          <p:cNvSpPr>
+            <a:spLocks noGrp="1"/>
+          </p:cNvSpPr>
+          <p:nvPr>
+            <p:ph type="body" sz="quarter" idx="17"/>
+          </p:nvPr>
+        </p:nvSpPr>
+        <p:spPr>
+          <a:xfrm>
+            <a:off x="4358640" y="5689600"/>
+            <a:ext cx="3475037" cy="307777"/>
+          </a:xfrm>
+        </p:spPr>
+        <p:txBody>
+          <a:bodyPr/>
+          <a:lstStyle/>
+          <a:p>
+            <a:r>
+              <a:rPr lang="en-US" dirty="0"/>
+              <a:t>Text placeholder</a:t>
+            </a:r>
+          </a:p>
+        </p:txBody>
+      </p:sp>
+      <p:sp>
+        <p:nvSpPr>
+          <p:cNvPr id="9" name="Picture Placeholder 8" descr="This photo is a 'placeholder' only. Drag or drop your photo here, or click and tap the center to insert a photo.">
+            <a:extLst>
+              <a:ext uri="{FF2B5EF4-FFF2-40B4-BE49-F238E27FC236}">
+                <a16:creationId xmlns:a16="http://schemas.microsoft.com/office/drawing/2014/main" id="{A078E6D4-B91A-431C-8C2F-A6FD9891FF29}"/>
+              </a:ext>
+            </a:extLst>
+          </p:cNvPr>
+          <p:cNvSpPr>
+            <a:spLocks noGrp="1"/>
+          </p:cNvSpPr>
+          <p:nvPr>
+            <p:ph type="pic" sz="quarter" idx="14"/>
+          </p:nvPr>
+        </p:nvSpPr>
+        <p:spPr/>
+      </p:sp>
+      <p:sp>
+        <p:nvSpPr>
+          <p:cNvPr id="13" name="Text Placeholder 12">
+            <a:extLst>
+              <a:ext uri="{FF2B5EF4-FFF2-40B4-BE49-F238E27FC236}">
+                <a16:creationId xmlns:a16="http://schemas.microsoft.com/office/drawing/2014/main" id="{062B81A3-15C0-4615-9103-E530FFE58E9B}"/>
+              </a:ext>
+            </a:extLst>
+          </p:cNvPr>
+          <p:cNvSpPr>
+            <a:spLocks noGrp="1"/>
+          </p:cNvSpPr>
+          <p:nvPr>
+            <p:ph type="body" sz="quarter" idx="18"/>
+          </p:nvPr>
+        </p:nvSpPr>
+        <p:spPr>
+          <a:xfrm>
+            <a:off x="8134351" y="5689600"/>
+            <a:ext cx="3475037" cy="307777"/>
+          </a:xfrm>
+        </p:spPr>
+        <p:txBody>
+          <a:bodyPr/>
+          <a:lstStyle/>
+          <a:p>
+            <a:r>
+              <a:rPr lang="en-US" dirty="0"/>
+              <a:t>Text placeholder</a:t>
+            </a:r>
+          </a:p>
+        </p:txBody>
+      </p:sp>
+      <p:sp>
+        <p:nvSpPr>
+          <p:cNvPr id="10" name="Picture Placeholder 9" descr="This photo is a 'placeholder' only. Drag or drop your photo here, or click and tap the center to insert a photo.">
+            <a:extLst>
+              <a:ext uri="{FF2B5EF4-FFF2-40B4-BE49-F238E27FC236}">
+                <a16:creationId xmlns:a16="http://schemas.microsoft.com/office/drawing/2014/main" id="{C3281AC1-12FA-4321-9290-F3FD9C085409}"/>
+              </a:ext>
+            </a:extLst>
+          </p:cNvPr>
+          <p:cNvSpPr>
+            <a:spLocks noGrp="1"/>
+          </p:cNvSpPr>
+          <p:nvPr>
+            <p:ph type="pic" sz="quarter" idx="15"/>
           </p:nvPr>
         </p:nvSpPr>
         <p:spPr/>
@@ -20937,7 +20851,7 @@
     </p:spTree>
     <p:extLst>
       <p:ext uri="{BB962C8B-B14F-4D97-AF65-F5344CB8AC3E}">
-        <p14:creationId xmlns:p14="http://schemas.microsoft.com/office/powerpoint/2010/main" val="544100002"/>
+        <p14:creationId xmlns:p14="http://schemas.microsoft.com/office/powerpoint/2010/main" val="3964713026"/>
       </p:ext>
     </p:extLst>
   </p:cSld>
@@ -20969,6 +20883,360 @@
       </p:grpSpPr>
       <p:sp>
         <p:nvSpPr>
+          <p:cNvPr id="7" name="Title 6">
+            <a:extLst>
+              <a:ext uri="{FF2B5EF4-FFF2-40B4-BE49-F238E27FC236}">
+                <a16:creationId xmlns:a16="http://schemas.microsoft.com/office/drawing/2014/main" id="{A4E6FC63-1669-41F3-A9A6-39B6FB141690}"/>
+              </a:ext>
+            </a:extLst>
+          </p:cNvPr>
+          <p:cNvSpPr>
+            <a:spLocks noGrp="1"/>
+          </p:cNvSpPr>
+          <p:nvPr>
+            <p:ph type="title"/>
+          </p:nvPr>
+        </p:nvSpPr>
+        <p:spPr>
+          <a:xfrm>
+            <a:off x="588263" y="457200"/>
+            <a:ext cx="11018520" cy="553998"/>
+          </a:xfrm>
+        </p:spPr>
+        <p:txBody>
+          <a:bodyPr/>
+          <a:lstStyle/>
+          <a:p>
+            <a:r>
+              <a:rPr lang="en-US" dirty="0"/>
+              <a:t>Four photos layout</a:t>
+            </a:r>
+          </a:p>
+        </p:txBody>
+      </p:sp>
+      <p:sp>
+        <p:nvSpPr>
+          <p:cNvPr id="11" name="Text Placeholder 10">
+            <a:extLst>
+              <a:ext uri="{FF2B5EF4-FFF2-40B4-BE49-F238E27FC236}">
+                <a16:creationId xmlns:a16="http://schemas.microsoft.com/office/drawing/2014/main" id="{A209D23C-50F2-48D6-BAA7-3B9D6572CD44}"/>
+              </a:ext>
+            </a:extLst>
+          </p:cNvPr>
+          <p:cNvSpPr>
+            <a:spLocks noGrp="1"/>
+          </p:cNvSpPr>
+          <p:nvPr>
+            <p:ph type="body" sz="quarter" idx="16"/>
+          </p:nvPr>
+        </p:nvSpPr>
+        <p:spPr>
+          <a:xfrm>
+            <a:off x="582613" y="4753938"/>
+            <a:ext cx="2532888" cy="307777"/>
+          </a:xfrm>
+        </p:spPr>
+        <p:txBody>
+          <a:bodyPr/>
+          <a:lstStyle/>
+          <a:p>
+            <a:r>
+              <a:rPr lang="en-US" dirty="0"/>
+              <a:t>Text placeholder</a:t>
+            </a:r>
+          </a:p>
+        </p:txBody>
+      </p:sp>
+      <p:sp>
+        <p:nvSpPr>
+          <p:cNvPr id="8" name="Picture Placeholder 7" descr="This photo is a 'placeholder' only. Drag or drop your photo here, or click and tap the center to insert a photo.">
+            <a:extLst>
+              <a:ext uri="{FF2B5EF4-FFF2-40B4-BE49-F238E27FC236}">
+                <a16:creationId xmlns:a16="http://schemas.microsoft.com/office/drawing/2014/main" id="{CB9E5AC9-345E-4231-A0B1-CA5FC2605BC1}"/>
+              </a:ext>
+            </a:extLst>
+          </p:cNvPr>
+          <p:cNvSpPr>
+            <a:spLocks noGrp="1"/>
+          </p:cNvSpPr>
+          <p:nvPr>
+            <p:ph type="pic" sz="quarter" idx="13"/>
+          </p:nvPr>
+        </p:nvSpPr>
+        <p:spPr/>
+      </p:sp>
+      <p:sp>
+        <p:nvSpPr>
+          <p:cNvPr id="12" name="Text Placeholder 11">
+            <a:extLst>
+              <a:ext uri="{FF2B5EF4-FFF2-40B4-BE49-F238E27FC236}">
+                <a16:creationId xmlns:a16="http://schemas.microsoft.com/office/drawing/2014/main" id="{92F542C4-C40B-41ED-B136-472CCC2DF00E}"/>
+              </a:ext>
+            </a:extLst>
+          </p:cNvPr>
+          <p:cNvSpPr>
+            <a:spLocks noGrp="1"/>
+          </p:cNvSpPr>
+          <p:nvPr>
+            <p:ph type="body" sz="quarter" idx="17"/>
+          </p:nvPr>
+        </p:nvSpPr>
+        <p:spPr>
+          <a:xfrm>
+            <a:off x="3413908" y="4753938"/>
+            <a:ext cx="2532888" cy="307777"/>
+          </a:xfrm>
+        </p:spPr>
+        <p:txBody>
+          <a:bodyPr/>
+          <a:lstStyle/>
+          <a:p>
+            <a:r>
+              <a:rPr lang="en-US" dirty="0"/>
+              <a:t>Text placeholder</a:t>
+            </a:r>
+          </a:p>
+        </p:txBody>
+      </p:sp>
+      <p:sp>
+        <p:nvSpPr>
+          <p:cNvPr id="9" name="Picture Placeholder 8" descr="This photo is a 'placeholder' only. Drag or drop your photo here, or click and tap the center to insert a photo.">
+            <a:extLst>
+              <a:ext uri="{FF2B5EF4-FFF2-40B4-BE49-F238E27FC236}">
+                <a16:creationId xmlns:a16="http://schemas.microsoft.com/office/drawing/2014/main" id="{D5125A72-F156-43CC-A8E4-C1D71612492F}"/>
+              </a:ext>
+            </a:extLst>
+          </p:cNvPr>
+          <p:cNvSpPr>
+            <a:spLocks noGrp="1"/>
+          </p:cNvSpPr>
+          <p:nvPr>
+            <p:ph type="pic" sz="quarter" idx="14"/>
+          </p:nvPr>
+        </p:nvSpPr>
+        <p:spPr/>
+      </p:sp>
+      <p:sp>
+        <p:nvSpPr>
+          <p:cNvPr id="13" name="Text Placeholder 12">
+            <a:extLst>
+              <a:ext uri="{FF2B5EF4-FFF2-40B4-BE49-F238E27FC236}">
+                <a16:creationId xmlns:a16="http://schemas.microsoft.com/office/drawing/2014/main" id="{B43BB8B0-C02C-44E6-A828-FE52984E9278}"/>
+              </a:ext>
+            </a:extLst>
+          </p:cNvPr>
+          <p:cNvSpPr>
+            <a:spLocks noGrp="1"/>
+          </p:cNvSpPr>
+          <p:nvPr>
+            <p:ph type="body" sz="quarter" idx="18"/>
+          </p:nvPr>
+        </p:nvSpPr>
+        <p:spPr>
+          <a:xfrm>
+            <a:off x="6245204" y="4753938"/>
+            <a:ext cx="2532888" cy="307777"/>
+          </a:xfrm>
+        </p:spPr>
+        <p:txBody>
+          <a:bodyPr/>
+          <a:lstStyle/>
+          <a:p>
+            <a:r>
+              <a:rPr lang="en-US" dirty="0"/>
+              <a:t>Text placeholder</a:t>
+            </a:r>
+          </a:p>
+        </p:txBody>
+      </p:sp>
+      <p:sp>
+        <p:nvSpPr>
+          <p:cNvPr id="10" name="Picture Placeholder 9" descr="This photo is a 'placeholder' only. Drag or drop your photo here, or click and tap the center to insert a photo.">
+            <a:extLst>
+              <a:ext uri="{FF2B5EF4-FFF2-40B4-BE49-F238E27FC236}">
+                <a16:creationId xmlns:a16="http://schemas.microsoft.com/office/drawing/2014/main" id="{3183C00D-DE72-42D6-B0F6-E0FC1CAC99CF}"/>
+              </a:ext>
+            </a:extLst>
+          </p:cNvPr>
+          <p:cNvSpPr>
+            <a:spLocks noGrp="1"/>
+          </p:cNvSpPr>
+          <p:nvPr>
+            <p:ph type="pic" sz="quarter" idx="15"/>
+          </p:nvPr>
+        </p:nvSpPr>
+        <p:spPr/>
+      </p:sp>
+      <p:sp>
+        <p:nvSpPr>
+          <p:cNvPr id="15" name="Text Placeholder 14">
+            <a:extLst>
+              <a:ext uri="{FF2B5EF4-FFF2-40B4-BE49-F238E27FC236}">
+                <a16:creationId xmlns:a16="http://schemas.microsoft.com/office/drawing/2014/main" id="{4A98B624-6FA8-4859-B87B-A01D7E95DB26}"/>
+              </a:ext>
+            </a:extLst>
+          </p:cNvPr>
+          <p:cNvSpPr>
+            <a:spLocks noGrp="1"/>
+          </p:cNvSpPr>
+          <p:nvPr>
+            <p:ph type="body" sz="quarter" idx="20"/>
+          </p:nvPr>
+        </p:nvSpPr>
+        <p:spPr>
+          <a:xfrm>
+            <a:off x="9076500" y="4753938"/>
+            <a:ext cx="2532888" cy="307777"/>
+          </a:xfrm>
+        </p:spPr>
+        <p:txBody>
+          <a:bodyPr/>
+          <a:lstStyle/>
+          <a:p>
+            <a:r>
+              <a:rPr lang="en-US" dirty="0"/>
+              <a:t>Text placeholder</a:t>
+            </a:r>
+          </a:p>
+        </p:txBody>
+      </p:sp>
+      <p:sp>
+        <p:nvSpPr>
+          <p:cNvPr id="14" name="Picture Placeholder 13" descr="This photo is a 'placeholder' only. Drag or drop your photo here, or click and tap the center to insert a photo.">
+            <a:extLst>
+              <a:ext uri="{FF2B5EF4-FFF2-40B4-BE49-F238E27FC236}">
+                <a16:creationId xmlns:a16="http://schemas.microsoft.com/office/drawing/2014/main" id="{CF615145-50B1-4694-973A-724322B099D6}"/>
+              </a:ext>
+            </a:extLst>
+          </p:cNvPr>
+          <p:cNvSpPr>
+            <a:spLocks noGrp="1"/>
+          </p:cNvSpPr>
+          <p:nvPr>
+            <p:ph type="pic" sz="quarter" idx="19"/>
+          </p:nvPr>
+        </p:nvSpPr>
+        <p:spPr/>
+      </p:sp>
+    </p:spTree>
+    <p:extLst>
+      <p:ext uri="{BB962C8B-B14F-4D97-AF65-F5344CB8AC3E}">
+        <p14:creationId xmlns:p14="http://schemas.microsoft.com/office/powerpoint/2010/main" val="2504275049"/>
+      </p:ext>
+    </p:extLst>
+  </p:cSld>
+  <p:clrMapOvr>
+    <a:masterClrMapping/>
+  </p:clrMapOvr>
+  <p:transition>
+    <p:fade/>
+  </p:transition>
+</p:sld>
+</file>
+
+<file path=ppt/slides/slide35.xml><?xml version="1.0" encoding="utf-8"?>
+<p:sld xmlns:a="http://schemas.openxmlformats.org/drawingml/2006/main" xmlns:r="http://schemas.openxmlformats.org/officeDocument/2006/relationships" xmlns:p="http://schemas.openxmlformats.org/presentationml/2006/main">
+  <p:cSld>
+    <p:spTree>
+      <p:nvGrpSpPr>
+        <p:cNvPr id="1" name=""/>
+        <p:cNvGrpSpPr/>
+        <p:nvPr/>
+      </p:nvGrpSpPr>
+      <p:grpSpPr>
+        <a:xfrm>
+          <a:off x="0" y="0"/>
+          <a:ext cx="0" cy="0"/>
+          <a:chOff x="0" y="0"/>
+          <a:chExt cx="0" cy="0"/>
+        </a:xfrm>
+      </p:grpSpPr>
+      <p:sp>
+        <p:nvSpPr>
+          <p:cNvPr id="2" name="Title 1">
+            <a:extLst>
+              <a:ext uri="{FF2B5EF4-FFF2-40B4-BE49-F238E27FC236}">
+                <a16:creationId xmlns:a16="http://schemas.microsoft.com/office/drawing/2014/main" id="{4FE98B5C-48BE-4909-9F4A-A4186BB35065}"/>
+              </a:ext>
+            </a:extLst>
+          </p:cNvPr>
+          <p:cNvSpPr>
+            <a:spLocks noGrp="1"/>
+          </p:cNvSpPr>
+          <p:nvPr>
+            <p:ph type="title"/>
+          </p:nvPr>
+        </p:nvSpPr>
+        <p:spPr>
+          <a:xfrm>
+            <a:off x="588263" y="5436128"/>
+            <a:ext cx="11018520" cy="553998"/>
+          </a:xfrm>
+        </p:spPr>
+        <p:txBody>
+          <a:bodyPr/>
+          <a:lstStyle/>
+          <a:p>
+            <a:r>
+              <a:rPr lang="en-US" dirty="0"/>
+              <a:t>Top photo with Title</a:t>
+            </a:r>
+          </a:p>
+        </p:txBody>
+      </p:sp>
+      <p:sp>
+        <p:nvSpPr>
+          <p:cNvPr id="3" name="Picture Placeholder 2" descr="This photo is a 'placeholder' only. Drag or drop your photo here, or click and tap the center to insert a photo.">
+            <a:extLst>
+              <a:ext uri="{FF2B5EF4-FFF2-40B4-BE49-F238E27FC236}">
+                <a16:creationId xmlns:a16="http://schemas.microsoft.com/office/drawing/2014/main" id="{3E53C251-F0C1-4DAA-BF3B-F3E1C6002804}"/>
+              </a:ext>
+            </a:extLst>
+          </p:cNvPr>
+          <p:cNvSpPr>
+            <a:spLocks noGrp="1"/>
+          </p:cNvSpPr>
+          <p:nvPr>
+            <p:ph type="pic" sz="quarter" idx="11"/>
+          </p:nvPr>
+        </p:nvSpPr>
+        <p:spPr/>
+      </p:sp>
+    </p:spTree>
+    <p:extLst>
+      <p:ext uri="{BB962C8B-B14F-4D97-AF65-F5344CB8AC3E}">
+        <p14:creationId xmlns:p14="http://schemas.microsoft.com/office/powerpoint/2010/main" val="544100002"/>
+      </p:ext>
+    </p:extLst>
+  </p:cSld>
+  <p:clrMapOvr>
+    <a:masterClrMapping/>
+  </p:clrMapOvr>
+  <p:transition>
+    <p:fade/>
+  </p:transition>
+</p:sld>
+</file>
+
+<file path=ppt/slides/slide36.xml><?xml version="1.0" encoding="utf-8"?>
+<p:sld xmlns:a="http://schemas.openxmlformats.org/drawingml/2006/main" xmlns:r="http://schemas.openxmlformats.org/officeDocument/2006/relationships" xmlns:p="http://schemas.openxmlformats.org/presentationml/2006/main">
+  <p:cSld>
+    <p:spTree>
+      <p:nvGrpSpPr>
+        <p:cNvPr id="1" name=""/>
+        <p:cNvGrpSpPr/>
+        <p:nvPr/>
+      </p:nvGrpSpPr>
+      <p:grpSpPr>
+        <a:xfrm>
+          <a:off x="0" y="0"/>
+          <a:ext cx="0" cy="0"/>
+          <a:chOff x="0" y="0"/>
+          <a:chExt cx="0" cy="0"/>
+        </a:xfrm>
+      </p:grpSpPr>
+      <p:sp>
+        <p:nvSpPr>
           <p:cNvPr id="2" name="Picture Placeholder 1" descr="This photo is a 'placeholder' only. Drag or drop your photo here, or click and tap the center to insert a photo.">
             <a:extLst>
               <a:ext uri="{FF2B5EF4-FFF2-40B4-BE49-F238E27FC236}">
@@ -21036,7 +21304,7 @@
 </p:sld>
 </file>
 
-<file path=ppt/slides/slide35.xml><?xml version="1.0" encoding="utf-8"?>
+<file path=ppt/slides/slide37.xml><?xml version="1.0" encoding="utf-8"?>
 <p:sld xmlns:a="http://schemas.openxmlformats.org/drawingml/2006/main" xmlns:r="http://schemas.openxmlformats.org/officeDocument/2006/relationships" xmlns:p="http://schemas.openxmlformats.org/presentationml/2006/main">
   <p:cSld>
     <p:spTree>
@@ -22597,7 +22865,7 @@
 </p:sld>
 </file>
 
-<file path=ppt/slides/slide36.xml><?xml version="1.0" encoding="utf-8"?>
+<file path=ppt/slides/slide38.xml><?xml version="1.0" encoding="utf-8"?>
 <p:sld xmlns:a="http://schemas.openxmlformats.org/drawingml/2006/main" xmlns:r="http://schemas.openxmlformats.org/officeDocument/2006/relationships" xmlns:p="http://schemas.openxmlformats.org/presentationml/2006/main">
   <p:cSld>
     <p:spTree>
@@ -27888,7 +28156,7 @@
 </p:sld>
 </file>
 
-<file path=ppt/slides/slide37.xml><?xml version="1.0" encoding="utf-8"?>
+<file path=ppt/slides/slide39.xml><?xml version="1.0" encoding="utf-8"?>
 <p:sld xmlns:a="http://schemas.openxmlformats.org/drawingml/2006/main" xmlns:r="http://schemas.openxmlformats.org/officeDocument/2006/relationships" xmlns:p="http://schemas.openxmlformats.org/presentationml/2006/main">
   <p:cSld>
     <p:spTree>
@@ -32089,7 +32357,162 @@
 </p:sld>
 </file>
 
-<file path=ppt/slides/slide38.xml><?xml version="1.0" encoding="utf-8"?>
+<file path=ppt/slides/slide4.xml><?xml version="1.0" encoding="utf-8"?>
+<p:sld xmlns:a="http://schemas.openxmlformats.org/drawingml/2006/main" xmlns:r="http://schemas.openxmlformats.org/officeDocument/2006/relationships" xmlns:p="http://schemas.openxmlformats.org/presentationml/2006/main">
+  <p:cSld>
+    <p:spTree>
+      <p:nvGrpSpPr>
+        <p:cNvPr id="1" name=""/>
+        <p:cNvGrpSpPr/>
+        <p:nvPr/>
+      </p:nvGrpSpPr>
+      <p:grpSpPr>
+        <a:xfrm>
+          <a:off x="0" y="0"/>
+          <a:ext cx="0" cy="0"/>
+          <a:chOff x="0" y="0"/>
+          <a:chExt cx="0" cy="0"/>
+        </a:xfrm>
+      </p:grpSpPr>
+      <p:sp>
+        <p:nvSpPr>
+          <p:cNvPr id="2" name="Title 1">
+            <a:extLst>
+              <a:ext uri="{FF2B5EF4-FFF2-40B4-BE49-F238E27FC236}">
+                <a16:creationId xmlns:a16="http://schemas.microsoft.com/office/drawing/2014/main" id="{0F13D744-EDBD-4BEC-6063-8F55C702A911}"/>
+              </a:ext>
+            </a:extLst>
+          </p:cNvPr>
+          <p:cNvSpPr>
+            <a:spLocks noGrp="1"/>
+          </p:cNvSpPr>
+          <p:nvPr>
+            <p:ph type="title"/>
+          </p:nvPr>
+        </p:nvSpPr>
+        <p:spPr/>
+        <p:txBody>
+          <a:bodyPr/>
+          <a:lstStyle/>
+          <a:p>
+            <a:r>
+              <a:rPr lang="en-IE" dirty="0"/>
+              <a:t>Azure Subscriptions available to CSA</a:t>
+            </a:r>
+          </a:p>
+        </p:txBody>
+      </p:sp>
+      <p:sp>
+        <p:nvSpPr>
+          <p:cNvPr id="3" name="Content Placeholder 2">
+            <a:extLst>
+              <a:ext uri="{FF2B5EF4-FFF2-40B4-BE49-F238E27FC236}">
+                <a16:creationId xmlns:a16="http://schemas.microsoft.com/office/drawing/2014/main" id="{6F5FC56E-1DE1-2F01-E2D7-308E9B18F3D5}"/>
+              </a:ext>
+            </a:extLst>
+          </p:cNvPr>
+          <p:cNvSpPr>
+            <a:spLocks noGrp="1"/>
+          </p:cNvSpPr>
+          <p:nvPr>
+            <p:ph sz="quarter" idx="10"/>
+          </p:nvPr>
+        </p:nvSpPr>
+        <p:spPr>
+          <a:xfrm>
+            <a:off x="584200" y="1435100"/>
+            <a:ext cx="11018838" cy="4124206"/>
+          </a:xfrm>
+        </p:spPr>
+        <p:txBody>
+          <a:bodyPr/>
+          <a:lstStyle/>
+          <a:p>
+            <a:r>
+              <a:rPr lang="en-IE" dirty="0"/>
+              <a:t>Microsoft managed</a:t>
+            </a:r>
+          </a:p>
+          <a:p>
+            <a:pPr lvl="1"/>
+            <a:r>
+              <a:rPr lang="en-IE" dirty="0">
+                <a:hlinkClick r:id="rId3"/>
+              </a:rPr>
+              <a:t>fdpo.microsoft.com non-prod tenant</a:t>
+            </a:r>
+            <a:endParaRPr lang="en-IE" dirty="0"/>
+          </a:p>
+          <a:p>
+            <a:r>
+              <a:rPr lang="en-IE" dirty="0"/>
+              <a:t>Self managed</a:t>
+            </a:r>
+          </a:p>
+          <a:p>
+            <a:pPr lvl="1"/>
+            <a:r>
+              <a:rPr lang="en-IE" dirty="0">
+                <a:hlinkClick r:id="rId4"/>
+              </a:rPr>
+              <a:t>https://my.visualstudio.com/</a:t>
+            </a:r>
+            <a:r>
+              <a:rPr lang="en-IE" dirty="0"/>
+              <a:t> for every FTE - $150 p/m </a:t>
+            </a:r>
+          </a:p>
+          <a:p>
+            <a:pPr lvl="1"/>
+            <a:r>
+              <a:rPr lang="en-IE" dirty="0"/>
+              <a:t>External tenant</a:t>
+            </a:r>
+          </a:p>
+          <a:p>
+            <a:endParaRPr lang="en-IE" dirty="0"/>
+          </a:p>
+          <a:p>
+            <a:r>
+              <a:rPr lang="en-IE" dirty="0"/>
+              <a:t>Honourable mention</a:t>
+            </a:r>
+          </a:p>
+          <a:p>
+            <a:pPr lvl="1"/>
+            <a:r>
+              <a:rPr lang="en-IE" dirty="0">
+                <a:hlinkClick r:id="rId5"/>
+              </a:rPr>
+              <a:t>Microsoft 365 Developer Program</a:t>
+            </a:r>
+            <a:r>
+              <a:rPr lang="en-IE" dirty="0"/>
+              <a:t> – developer E5 licenses * 25, free</a:t>
+            </a:r>
+          </a:p>
+          <a:p>
+            <a:endParaRPr lang="en-IE" dirty="0"/>
+          </a:p>
+        </p:txBody>
+      </p:sp>
+    </p:spTree>
+    <p:extLst>
+      <p:ext uri="{BB962C8B-B14F-4D97-AF65-F5344CB8AC3E}">
+        <p14:creationId xmlns:p14="http://schemas.microsoft.com/office/powerpoint/2010/main" val="3806116861"/>
+      </p:ext>
+    </p:extLst>
+  </p:cSld>
+  <p:clrMapOvr>
+    <a:masterClrMapping/>
+  </p:clrMapOvr>
+  <p:transition>
+    <p:fade/>
+  </p:transition>
+</p:sld>
+</file>
+
+<file path=ppt/slides/slide40.xml><?xml version="1.0" encoding="utf-8"?>
 <p:sld xmlns:a="http://schemas.openxmlformats.org/drawingml/2006/main" xmlns:r="http://schemas.openxmlformats.org/officeDocument/2006/relationships" xmlns:p="http://schemas.openxmlformats.org/presentationml/2006/main">
   <p:cSld>
     <p:spTree>
@@ -32473,7 +32896,7 @@
 </p:sld>
 </file>
 
-<file path=ppt/slides/slide39.xml><?xml version="1.0" encoding="utf-8"?>
+<file path=ppt/slides/slide41.xml><?xml version="1.0" encoding="utf-8"?>
 <p:sld xmlns:a="http://schemas.openxmlformats.org/drawingml/2006/main" xmlns:r="http://schemas.openxmlformats.org/officeDocument/2006/relationships" xmlns:p="http://schemas.openxmlformats.org/presentationml/2006/main">
   <p:cSld>
     <p:spTree>
@@ -32773,293 +33196,6 @@
 </p:sld>
 </file>
 
-<file path=ppt/slides/slide4.xml><?xml version="1.0" encoding="utf-8"?>
-<p:sld xmlns:a="http://schemas.openxmlformats.org/drawingml/2006/main" xmlns:r="http://schemas.openxmlformats.org/officeDocument/2006/relationships" xmlns:p="http://schemas.openxmlformats.org/presentationml/2006/main">
-  <p:cSld>
-    <p:spTree>
-      <p:nvGrpSpPr>
-        <p:cNvPr id="1" name=""/>
-        <p:cNvGrpSpPr/>
-        <p:nvPr/>
-      </p:nvGrpSpPr>
-      <p:grpSpPr>
-        <a:xfrm>
-          <a:off x="0" y="0"/>
-          <a:ext cx="0" cy="0"/>
-          <a:chOff x="0" y="0"/>
-          <a:chExt cx="0" cy="0"/>
-        </a:xfrm>
-      </p:grpSpPr>
-      <p:sp>
-        <p:nvSpPr>
-          <p:cNvPr id="2" name="Title 1">
-            <a:extLst>
-              <a:ext uri="{FF2B5EF4-FFF2-40B4-BE49-F238E27FC236}">
-                <a16:creationId xmlns:a16="http://schemas.microsoft.com/office/drawing/2014/main" id="{0F13D744-EDBD-4BEC-6063-8F55C702A911}"/>
-              </a:ext>
-            </a:extLst>
-          </p:cNvPr>
-          <p:cNvSpPr>
-            <a:spLocks noGrp="1"/>
-          </p:cNvSpPr>
-          <p:nvPr>
-            <p:ph type="title"/>
-          </p:nvPr>
-        </p:nvSpPr>
-        <p:spPr/>
-        <p:txBody>
-          <a:bodyPr/>
-          <a:lstStyle/>
-          <a:p>
-            <a:r>
-              <a:rPr lang="en-IE" dirty="0"/>
-              <a:t>Azure Subscriptions available to CSA</a:t>
-            </a:r>
-          </a:p>
-        </p:txBody>
-      </p:sp>
-      <p:sp>
-        <p:nvSpPr>
-          <p:cNvPr id="3" name="Content Placeholder 2">
-            <a:extLst>
-              <a:ext uri="{FF2B5EF4-FFF2-40B4-BE49-F238E27FC236}">
-                <a16:creationId xmlns:a16="http://schemas.microsoft.com/office/drawing/2014/main" id="{6F5FC56E-1DE1-2F01-E2D7-308E9B18F3D5}"/>
-              </a:ext>
-            </a:extLst>
-          </p:cNvPr>
-          <p:cNvSpPr>
-            <a:spLocks noGrp="1"/>
-          </p:cNvSpPr>
-          <p:nvPr>
-            <p:ph sz="quarter" idx="10"/>
-          </p:nvPr>
-        </p:nvSpPr>
-        <p:spPr>
-          <a:xfrm>
-            <a:off x="584200" y="1435100"/>
-            <a:ext cx="11018838" cy="4124206"/>
-          </a:xfrm>
-        </p:spPr>
-        <p:txBody>
-          <a:bodyPr/>
-          <a:lstStyle/>
-          <a:p>
-            <a:r>
-              <a:rPr lang="en-IE" dirty="0"/>
-              <a:t>Microsoft managed</a:t>
-            </a:r>
-          </a:p>
-          <a:p>
-            <a:pPr lvl="1"/>
-            <a:r>
-              <a:rPr lang="en-IE" dirty="0">
-                <a:hlinkClick r:id="rId3"/>
-              </a:rPr>
-              <a:t>fdpo.microsoft.com non-prod tenant</a:t>
-            </a:r>
-            <a:endParaRPr lang="en-IE" dirty="0"/>
-          </a:p>
-          <a:p>
-            <a:r>
-              <a:rPr lang="en-IE" dirty="0"/>
-              <a:t>Self managed</a:t>
-            </a:r>
-          </a:p>
-          <a:p>
-            <a:pPr lvl="1"/>
-            <a:r>
-              <a:rPr lang="en-IE" dirty="0">
-                <a:hlinkClick r:id="rId4"/>
-              </a:rPr>
-              <a:t>https://my.visualstudio.com/</a:t>
-            </a:r>
-            <a:r>
-              <a:rPr lang="en-IE" dirty="0"/>
-              <a:t> for every FTE - $150 p/m </a:t>
-            </a:r>
-          </a:p>
-          <a:p>
-            <a:pPr lvl="1"/>
-            <a:r>
-              <a:rPr lang="en-IE" dirty="0"/>
-              <a:t>External tenant</a:t>
-            </a:r>
-          </a:p>
-          <a:p>
-            <a:endParaRPr lang="en-IE" dirty="0"/>
-          </a:p>
-          <a:p>
-            <a:r>
-              <a:rPr lang="en-IE" dirty="0"/>
-              <a:t>Honourable mention</a:t>
-            </a:r>
-          </a:p>
-          <a:p>
-            <a:pPr lvl="1"/>
-            <a:r>
-              <a:rPr lang="en-IE" dirty="0">
-                <a:hlinkClick r:id="rId5"/>
-              </a:rPr>
-              <a:t>Microsoft 365 Developer Program</a:t>
-            </a:r>
-            <a:r>
-              <a:rPr lang="en-IE" dirty="0"/>
-              <a:t> – developer E5 licenses * 25, free</a:t>
-            </a:r>
-          </a:p>
-          <a:p>
-            <a:endParaRPr lang="en-IE" dirty="0"/>
-          </a:p>
-        </p:txBody>
-      </p:sp>
-    </p:spTree>
-    <p:extLst>
-      <p:ext uri="{BB962C8B-B14F-4D97-AF65-F5344CB8AC3E}">
-        <p14:creationId xmlns:p14="http://schemas.microsoft.com/office/powerpoint/2010/main" val="3806116861"/>
-      </p:ext>
-    </p:extLst>
-  </p:cSld>
-  <p:clrMapOvr>
-    <a:masterClrMapping/>
-  </p:clrMapOvr>
-  <p:transition>
-    <p:fade/>
-  </p:transition>
-</p:sld>
-</file>
-
-<file path=ppt/slides/slide40.xml><?xml version="1.0" encoding="utf-8"?>
-<p:sld xmlns:a="http://schemas.openxmlformats.org/drawingml/2006/main" xmlns:r="http://schemas.openxmlformats.org/officeDocument/2006/relationships" xmlns:p="http://schemas.openxmlformats.org/presentationml/2006/main">
-  <p:cSld>
-    <p:spTree>
-      <p:nvGrpSpPr>
-        <p:cNvPr id="1" name=""/>
-        <p:cNvGrpSpPr/>
-        <p:nvPr/>
-      </p:nvGrpSpPr>
-      <p:grpSpPr>
-        <a:xfrm>
-          <a:off x="0" y="0"/>
-          <a:ext cx="0" cy="0"/>
-          <a:chOff x="0" y="0"/>
-          <a:chExt cx="0" cy="0"/>
-        </a:xfrm>
-      </p:grpSpPr>
-      <p:sp>
-        <p:nvSpPr>
-          <p:cNvPr id="3" name="Title 2"/>
-          <p:cNvSpPr>
-            <a:spLocks noGrp="1"/>
-          </p:cNvSpPr>
-          <p:nvPr>
-            <p:ph type="title"/>
-          </p:nvPr>
-        </p:nvSpPr>
-        <p:spPr/>
-        <p:txBody>
-          <a:bodyPr/>
-          <a:lstStyle/>
-          <a:p>
-            <a:r>
-              <a:rPr lang="en-US" dirty="0"/>
-              <a:t>Demo</a:t>
-            </a:r>
-          </a:p>
-        </p:txBody>
-      </p:sp>
-      <p:sp>
-        <p:nvSpPr>
-          <p:cNvPr id="4" name="Text Placeholder 3"/>
-          <p:cNvSpPr>
-            <a:spLocks noGrp="1"/>
-          </p:cNvSpPr>
-          <p:nvPr>
-            <p:ph type="body" sz="quarter" idx="12"/>
-          </p:nvPr>
-        </p:nvSpPr>
-        <p:spPr/>
-        <p:txBody>
-          <a:bodyPr/>
-          <a:lstStyle/>
-          <a:p>
-            <a:r>
-              <a:rPr lang="en-US" dirty="0"/>
-              <a:t>Speaker name</a:t>
-            </a:r>
-          </a:p>
-        </p:txBody>
-      </p:sp>
-    </p:spTree>
-    <p:extLst>
-      <p:ext uri="{BB962C8B-B14F-4D97-AF65-F5344CB8AC3E}">
-        <p14:creationId xmlns:p14="http://schemas.microsoft.com/office/powerpoint/2010/main" val="203203085"/>
-      </p:ext>
-    </p:extLst>
-  </p:cSld>
-  <p:clrMapOvr>
-    <a:masterClrMapping/>
-  </p:clrMapOvr>
-  <p:transition>
-    <p:fade/>
-  </p:transition>
-</p:sld>
-</file>
-
-<file path=ppt/slides/slide41.xml><?xml version="1.0" encoding="utf-8"?>
-<p:sld xmlns:a="http://schemas.openxmlformats.org/drawingml/2006/main" xmlns:r="http://schemas.openxmlformats.org/officeDocument/2006/relationships" xmlns:p="http://schemas.openxmlformats.org/presentationml/2006/main">
-  <p:cSld>
-    <p:spTree>
-      <p:nvGrpSpPr>
-        <p:cNvPr id="1" name=""/>
-        <p:cNvGrpSpPr/>
-        <p:nvPr/>
-      </p:nvGrpSpPr>
-      <p:grpSpPr>
-        <a:xfrm>
-          <a:off x="0" y="0"/>
-          <a:ext cx="0" cy="0"/>
-          <a:chOff x="0" y="0"/>
-          <a:chExt cx="0" cy="0"/>
-        </a:xfrm>
-      </p:grpSpPr>
-      <p:sp>
-        <p:nvSpPr>
-          <p:cNvPr id="2" name="Title 1"/>
-          <p:cNvSpPr>
-            <a:spLocks noGrp="1"/>
-          </p:cNvSpPr>
-          <p:nvPr>
-            <p:ph type="title"/>
-          </p:nvPr>
-        </p:nvSpPr>
-        <p:spPr/>
-        <p:txBody>
-          <a:bodyPr/>
-          <a:lstStyle/>
-          <a:p>
-            <a:r>
-              <a:rPr lang="en-US" dirty="0"/>
-              <a:t>Section title</a:t>
-            </a:r>
-          </a:p>
-        </p:txBody>
-      </p:sp>
-    </p:spTree>
-    <p:extLst>
-      <p:ext uri="{BB962C8B-B14F-4D97-AF65-F5344CB8AC3E}">
-        <p14:creationId xmlns:p14="http://schemas.microsoft.com/office/powerpoint/2010/main" val="3249496989"/>
-      </p:ext>
-    </p:extLst>
-  </p:cSld>
-  <p:clrMapOvr>
-    <a:masterClrMapping/>
-  </p:clrMapOvr>
-  <p:transition>
-    <p:fade/>
-  </p:transition>
-</p:sld>
-</file>
-
 <file path=ppt/slides/slide42.xml><?xml version="1.0" encoding="utf-8"?>
 <p:sld xmlns:a="http://schemas.openxmlformats.org/drawingml/2006/main" xmlns:r="http://schemas.openxmlformats.org/officeDocument/2006/relationships" xmlns:p="http://schemas.openxmlformats.org/presentationml/2006/main">
   <p:cSld>
@@ -33079,6 +33215,138 @@
       </p:grpSpPr>
       <p:sp>
         <p:nvSpPr>
+          <p:cNvPr id="3" name="Title 2"/>
+          <p:cNvSpPr>
+            <a:spLocks noGrp="1"/>
+          </p:cNvSpPr>
+          <p:nvPr>
+            <p:ph type="title"/>
+          </p:nvPr>
+        </p:nvSpPr>
+        <p:spPr/>
+        <p:txBody>
+          <a:bodyPr/>
+          <a:lstStyle/>
+          <a:p>
+            <a:r>
+              <a:rPr lang="en-US" dirty="0"/>
+              <a:t>Demo</a:t>
+            </a:r>
+          </a:p>
+        </p:txBody>
+      </p:sp>
+      <p:sp>
+        <p:nvSpPr>
+          <p:cNvPr id="4" name="Text Placeholder 3"/>
+          <p:cNvSpPr>
+            <a:spLocks noGrp="1"/>
+          </p:cNvSpPr>
+          <p:nvPr>
+            <p:ph type="body" sz="quarter" idx="12"/>
+          </p:nvPr>
+        </p:nvSpPr>
+        <p:spPr/>
+        <p:txBody>
+          <a:bodyPr/>
+          <a:lstStyle/>
+          <a:p>
+            <a:r>
+              <a:rPr lang="en-US" dirty="0"/>
+              <a:t>Speaker name</a:t>
+            </a:r>
+          </a:p>
+        </p:txBody>
+      </p:sp>
+    </p:spTree>
+    <p:extLst>
+      <p:ext uri="{BB962C8B-B14F-4D97-AF65-F5344CB8AC3E}">
+        <p14:creationId xmlns:p14="http://schemas.microsoft.com/office/powerpoint/2010/main" val="203203085"/>
+      </p:ext>
+    </p:extLst>
+  </p:cSld>
+  <p:clrMapOvr>
+    <a:masterClrMapping/>
+  </p:clrMapOvr>
+  <p:transition>
+    <p:fade/>
+  </p:transition>
+</p:sld>
+</file>
+
+<file path=ppt/slides/slide43.xml><?xml version="1.0" encoding="utf-8"?>
+<p:sld xmlns:a="http://schemas.openxmlformats.org/drawingml/2006/main" xmlns:r="http://schemas.openxmlformats.org/officeDocument/2006/relationships" xmlns:p="http://schemas.openxmlformats.org/presentationml/2006/main">
+  <p:cSld>
+    <p:spTree>
+      <p:nvGrpSpPr>
+        <p:cNvPr id="1" name=""/>
+        <p:cNvGrpSpPr/>
+        <p:nvPr/>
+      </p:nvGrpSpPr>
+      <p:grpSpPr>
+        <a:xfrm>
+          <a:off x="0" y="0"/>
+          <a:ext cx="0" cy="0"/>
+          <a:chOff x="0" y="0"/>
+          <a:chExt cx="0" cy="0"/>
+        </a:xfrm>
+      </p:grpSpPr>
+      <p:sp>
+        <p:nvSpPr>
+          <p:cNvPr id="2" name="Title 1"/>
+          <p:cNvSpPr>
+            <a:spLocks noGrp="1"/>
+          </p:cNvSpPr>
+          <p:nvPr>
+            <p:ph type="title"/>
+          </p:nvPr>
+        </p:nvSpPr>
+        <p:spPr/>
+        <p:txBody>
+          <a:bodyPr/>
+          <a:lstStyle/>
+          <a:p>
+            <a:r>
+              <a:rPr lang="en-US" dirty="0"/>
+              <a:t>Section title</a:t>
+            </a:r>
+          </a:p>
+        </p:txBody>
+      </p:sp>
+    </p:spTree>
+    <p:extLst>
+      <p:ext uri="{BB962C8B-B14F-4D97-AF65-F5344CB8AC3E}">
+        <p14:creationId xmlns:p14="http://schemas.microsoft.com/office/powerpoint/2010/main" val="3249496989"/>
+      </p:ext>
+    </p:extLst>
+  </p:cSld>
+  <p:clrMapOvr>
+    <a:masterClrMapping/>
+  </p:clrMapOvr>
+  <p:transition>
+    <p:fade/>
+  </p:transition>
+</p:sld>
+</file>
+
+<file path=ppt/slides/slide44.xml><?xml version="1.0" encoding="utf-8"?>
+<p:sld xmlns:a="http://schemas.openxmlformats.org/drawingml/2006/main" xmlns:r="http://schemas.openxmlformats.org/officeDocument/2006/relationships" xmlns:p="http://schemas.openxmlformats.org/presentationml/2006/main">
+  <p:cSld>
+    <p:spTree>
+      <p:nvGrpSpPr>
+        <p:cNvPr id="1" name=""/>
+        <p:cNvGrpSpPr/>
+        <p:nvPr/>
+      </p:nvGrpSpPr>
+      <p:grpSpPr>
+        <a:xfrm>
+          <a:off x="0" y="0"/>
+          <a:ext cx="0" cy="0"/>
+          <a:chOff x="0" y="0"/>
+          <a:chExt cx="0" cy="0"/>
+        </a:xfrm>
+      </p:grpSpPr>
+      <p:sp>
+        <p:nvSpPr>
           <p:cNvPr id="4" name="Title 3"/>
           <p:cNvSpPr>
             <a:spLocks noGrp="1"/>
@@ -33137,7 +33405,7 @@
 </p:sld>
 </file>
 
-<file path=ppt/slides/slide43.xml><?xml version="1.0" encoding="utf-8"?>
+<file path=ppt/slides/slide45.xml><?xml version="1.0" encoding="utf-8"?>
 <p:sld xmlns:a="http://schemas.openxmlformats.org/drawingml/2006/main" xmlns:r="http://schemas.openxmlformats.org/officeDocument/2006/relationships" xmlns:p="http://schemas.openxmlformats.org/presentationml/2006/main" show="0">
   <p:cSld>
     <p:spTree>
@@ -33242,7 +33510,7 @@
 </p:sld>
 </file>
 
-<file path=ppt/slides/slide44.xml><?xml version="1.0" encoding="utf-8"?>
+<file path=ppt/slides/slide46.xml><?xml version="1.0" encoding="utf-8"?>
 <p:sld xmlns:a="http://schemas.openxmlformats.org/drawingml/2006/main" xmlns:r="http://schemas.openxmlformats.org/officeDocument/2006/relationships" xmlns:p="http://schemas.openxmlformats.org/presentationml/2006/main">
   <p:cSld>
     <p:spTree>
@@ -35893,15 +36161,6 @@
 </file>
 
 <file path=customXml/item1.xml><?xml version="1.0" encoding="utf-8"?>
-<?mso-contentType ?>
-<FormTemplates xmlns="http://schemas.microsoft.com/sharepoint/v3/contenttype/forms">
-  <Display>DocumentLibraryForm</Display>
-  <Edit>DocumentLibraryForm</Edit>
-  <New>DocumentLibraryForm</New>
-</FormTemplates>
-</file>
-
-<file path=customXml/item2.xml><?xml version="1.0" encoding="utf-8"?>
 <p:properties xmlns:p="http://schemas.microsoft.com/office/2006/metadata/properties" xmlns:xsi="http://www.w3.org/2001/XMLSchema-instance" xmlns:pc="http://schemas.microsoft.com/office/infopath/2007/PartnerControls">
   <documentManagement>
     <_ip_UnifiedCompliancePolicyUIAction xmlns="http://schemas.microsoft.com/sharepoint/v3" xsi:nil="true"/>
@@ -35911,7 +36170,7 @@
 </p:properties>
 </file>
 
-<file path=customXml/item3.xml><?xml version="1.0" encoding="utf-8"?>
+<file path=customXml/item2.xml><?xml version="1.0" encoding="utf-8"?>
 <ct:contentTypeSchema xmlns:ct="http://schemas.microsoft.com/office/2006/metadata/contentType" xmlns:ma="http://schemas.microsoft.com/office/2006/metadata/properties/metaAttributes" ct:_="" ma:_="" ma:contentTypeName="Document" ma:contentTypeID="0x010100BD9FAF4CD5AD2F4B99B5B2414089ABF7" ma:contentTypeVersion="16" ma:contentTypeDescription="Create a new document." ma:contentTypeScope="" ma:versionID="24b7a44f49c7f8d524d04c695baedf53">
   <xsd:schema xmlns:xsd="http://www.w3.org/2001/XMLSchema" xmlns:xs="http://www.w3.org/2001/XMLSchema" xmlns:p="http://schemas.microsoft.com/office/2006/metadata/properties" xmlns:ns1="http://schemas.microsoft.com/sharepoint/v3" xmlns:ns2="dcf5ddc1-fb1d-440f-849a-6450bddbaed7" xmlns:ns3="965de625-df5b-42e9-a277-2113da4f1195" targetNamespace="http://schemas.microsoft.com/office/2006/metadata/properties" ma:root="true" ma:fieldsID="e46491ab598b4ca7c34f6e01f1cb89ea" ns1:_="" ns2:_="" ns3:_="">
     <xsd:import namespace="http://schemas.microsoft.com/sharepoint/v3"/>
@@ -36159,15 +36418,16 @@
 </ct:contentTypeSchema>
 </file>
 
-<file path=customXml/itemProps1.xml><?xml version="1.0" encoding="utf-8"?>
-<ds:datastoreItem xmlns:ds="http://schemas.openxmlformats.org/officeDocument/2006/customXml" ds:itemID="{758FDAC0-319D-4A54-8D8E-1D42CB1F8004}">
-  <ds:schemaRefs>
-    <ds:schemaRef ds:uri="http://schemas.microsoft.com/sharepoint/v3/contenttype/forms"/>
-  </ds:schemaRefs>
-</ds:datastoreItem>
+<file path=customXml/item3.xml><?xml version="1.0" encoding="utf-8"?>
+<?mso-contentType ?>
+<FormTemplates xmlns="http://schemas.microsoft.com/sharepoint/v3/contenttype/forms">
+  <Display>DocumentLibraryForm</Display>
+  <Edit>DocumentLibraryForm</Edit>
+  <New>DocumentLibraryForm</New>
+</FormTemplates>
 </file>
 
-<file path=customXml/itemProps2.xml><?xml version="1.0" encoding="utf-8"?>
+<file path=customXml/itemProps1.xml><?xml version="1.0" encoding="utf-8"?>
 <ds:datastoreItem xmlns:ds="http://schemas.openxmlformats.org/officeDocument/2006/customXml" ds:itemID="{F990F116-B58F-4255-B05B-DA3808E0E5C6}">
   <ds:schemaRefs>
     <ds:schemaRef ds:uri="http://purl.org/dc/elements/1.1/"/>
@@ -36185,7 +36445,7 @@
 </ds:datastoreItem>
 </file>
 
-<file path=customXml/itemProps3.xml><?xml version="1.0" encoding="utf-8"?>
+<file path=customXml/itemProps2.xml><?xml version="1.0" encoding="utf-8"?>
 <ds:datastoreItem xmlns:ds="http://schemas.openxmlformats.org/officeDocument/2006/customXml" ds:itemID="{13D1D262-8086-483E-8AEE-327E7944ECC8}">
   <ds:schemaRefs>
     <ds:schemaRef ds:uri="http://schemas.microsoft.com/office/2006/metadata/contentType"/>
@@ -36205,6 +36465,14 @@
 </ds:datastoreItem>
 </file>
 
+<file path=customXml/itemProps3.xml><?xml version="1.0" encoding="utf-8"?>
+<ds:datastoreItem xmlns:ds="http://schemas.openxmlformats.org/officeDocument/2006/customXml" ds:itemID="{758FDAC0-319D-4A54-8D8E-1D42CB1F8004}">
+  <ds:schemaRefs>
+    <ds:schemaRef ds:uri="http://schemas.microsoft.com/sharepoint/v3/contenttype/forms"/>
+  </ds:schemaRefs>
+</ds:datastoreItem>
+</file>
+
 <file path=docMetadata/LabelInfo.xml><?xml version="1.0" encoding="utf-8"?>
 <clbl:labelList xmlns:clbl="http://schemas.microsoft.com/office/2020/mipLabelMetadata">
   <clbl:label id="{f42aa342-8706-4288-bd11-ebb85995028c}" enabled="1" method="Privileged" siteId="{72f988bf-86f1-41af-91ab-2d7cd011db47}" removed="0"/>

--- a/126-AzureCost/Azure Cost PBI BootCamp.pptx
+++ b/126-AzureCost/Azure Cost PBI BootCamp.pptx
@@ -357,7 +357,7 @@
               <a:rPr lang="en-US" smtClean="0">
                 <a:latin typeface="Segoe UI" pitchFamily="34" charset="0"/>
               </a:rPr>
-              <a:t>11/30/2022 10:34 AM</a:t>
+              <a:t>11/30/2022 11:43 AM</a:t>
             </a:fld>
             <a:endParaRPr lang="en-US" dirty="0">
               <a:latin typeface="Segoe UI" pitchFamily="34" charset="0"/>
@@ -635,7 +635,7 @@
           <a:p>
             <a:fld id="{386CE63F-9E7F-4C04-9D0D-FCA25A8E9E86}" type="datetime8">
               <a:rPr lang="en-US" smtClean="0"/>
-              <a:t>11/30/2022 10:33 AM</a:t>
+              <a:t>11/30/2022 11:43 AM</a:t>
             </a:fld>
             <a:endParaRPr lang="en-US" dirty="0"/>
           </a:p>
@@ -1002,7 +1002,7 @@
           <a:p>
             <a:fld id="{62C61DAB-D93E-49CA-B245-379601CFE8D0}" type="datetime8">
               <a:rPr lang="en-US" smtClean="0"/>
-              <a:t>11/30/2022 10:33 AM</a:t>
+              <a:t>11/30/2022 11:43 AM</a:t>
             </a:fld>
             <a:endParaRPr lang="en-US" dirty="0"/>
           </a:p>
@@ -1186,7 +1186,7 @@
           <a:p>
             <a:fld id="{386CE63F-9E7F-4C04-9D0D-FCA25A8E9E86}" type="datetime8">
               <a:rPr lang="en-US" smtClean="0"/>
-              <a:t>11/30/2022 10:33 AM</a:t>
+              <a:t>11/30/2022 11:43 AM</a:t>
             </a:fld>
             <a:endParaRPr lang="en-US" dirty="0"/>
           </a:p>
@@ -1367,7 +1367,7 @@
           <a:p>
             <a:fld id="{386CE63F-9E7F-4C04-9D0D-FCA25A8E9E86}" type="datetime8">
               <a:rPr lang="en-US" smtClean="0"/>
-              <a:t>11/30/2022 10:33 AM</a:t>
+              <a:t>11/30/2022 11:43 AM</a:t>
             </a:fld>
             <a:endParaRPr lang="en-US" dirty="0"/>
           </a:p>
@@ -1548,7 +1548,7 @@
           <a:p>
             <a:fld id="{386CE63F-9E7F-4C04-9D0D-FCA25A8E9E86}" type="datetime8">
               <a:rPr lang="en-US" smtClean="0"/>
-              <a:t>11/30/2022 10:33 AM</a:t>
+              <a:t>11/30/2022 11:43 AM</a:t>
             </a:fld>
             <a:endParaRPr lang="en-US" dirty="0"/>
           </a:p>
@@ -1729,7 +1729,7 @@
           <a:p>
             <a:fld id="{386CE63F-9E7F-4C04-9D0D-FCA25A8E9E86}" type="datetime8">
               <a:rPr lang="en-US" smtClean="0"/>
-              <a:t>11/30/2022 10:33 AM</a:t>
+              <a:t>11/30/2022 11:43 AM</a:t>
             </a:fld>
             <a:endParaRPr lang="en-US" dirty="0"/>
           </a:p>
@@ -1985,7 +1985,7 @@
           <a:p>
             <a:fld id="{386CE63F-9E7F-4C04-9D0D-FCA25A8E9E86}" type="datetime8">
               <a:rPr lang="en-US" smtClean="0"/>
-              <a:t>11/30/2022 10:33 AM</a:t>
+              <a:t>11/30/2022 11:43 AM</a:t>
             </a:fld>
             <a:endParaRPr lang="en-US" dirty="0"/>
           </a:p>
@@ -2166,7 +2166,7 @@
           <a:p>
             <a:fld id="{386CE63F-9E7F-4C04-9D0D-FCA25A8E9E86}" type="datetime8">
               <a:rPr lang="en-US" smtClean="0"/>
-              <a:t>11/30/2022 10:33 AM</a:t>
+              <a:t>11/30/2022 11:43 AM</a:t>
             </a:fld>
             <a:endParaRPr lang="en-US" dirty="0"/>
           </a:p>
@@ -2331,7 +2331,7 @@
           <a:p>
             <a:fld id="{72E0C910-0166-48E0-B8EF-5071277A02A8}" type="datetime8">
               <a:rPr lang="en-US" smtClean="0"/>
-              <a:t>11/30/2022 10:33 AM</a:t>
+              <a:t>11/30/2022 11:43 AM</a:t>
             </a:fld>
             <a:endParaRPr lang="en-US" dirty="0"/>
           </a:p>
@@ -2496,7 +2496,7 @@
           <a:p>
             <a:fld id="{9427A7F7-BB1E-479D-AFAA-B52F4D0C99F2}" type="datetime8">
               <a:rPr lang="en-US" smtClean="0"/>
-              <a:t>11/30/2022 10:33 AM</a:t>
+              <a:t>11/30/2022 11:43 AM</a:t>
             </a:fld>
             <a:endParaRPr lang="en-US" dirty="0"/>
           </a:p>
@@ -2661,7 +2661,7 @@
           <a:p>
             <a:fld id="{2D0AF0B6-AF0D-4EDB-B60E-27694EB68262}" type="datetime8">
               <a:rPr lang="en-US" smtClean="0"/>
-              <a:t>11/30/2022 10:33 AM</a:t>
+              <a:t>11/30/2022 11:43 AM</a:t>
             </a:fld>
             <a:endParaRPr lang="en-US" dirty="0"/>
           </a:p>
@@ -2793,7 +2793,7 @@
           <a:p>
             <a:fld id="{1D9BFF88-B9B5-4B68-BAE1-09ACB5D03C54}" type="datetime8">
               <a:rPr lang="en-US" smtClean="0"/>
-              <a:t>11/30/2022 10:33 AM</a:t>
+              <a:t>11/30/2022 11:43 AM</a:t>
             </a:fld>
             <a:endParaRPr lang="en-US" dirty="0"/>
           </a:p>
@@ -3007,7 +3007,7 @@
           <a:p>
             <a:fld id="{386CE63F-9E7F-4C04-9D0D-FCA25A8E9E86}" type="datetime8">
               <a:rPr lang="en-US" smtClean="0"/>
-              <a:t>11/30/2022 10:33 AM</a:t>
+              <a:t>11/30/2022 11:43 AM</a:t>
             </a:fld>
             <a:endParaRPr lang="en-US" dirty="0"/>
           </a:p>
@@ -3141,7 +3141,7 @@
           <a:p>
             <a:fld id="{06C18626-F474-479E-937A-543AA55347B1}" type="datetime8">
               <a:rPr lang="en-US" smtClean="0"/>
-              <a:t>11/30/2022 10:33 AM</a:t>
+              <a:t>11/30/2022 11:43 AM</a:t>
             </a:fld>
             <a:endParaRPr lang="en-US" dirty="0"/>
           </a:p>
@@ -3371,7 +3371,7 @@
           <a:p>
             <a:fld id="{A5CD2277-7C1A-43CA-8676-87B24AD584BD}" type="datetime8">
               <a:rPr lang="en-US" smtClean="0"/>
-              <a:t>11/30/2022 10:33 AM</a:t>
+              <a:t>11/30/2022 11:43 AM</a:t>
             </a:fld>
             <a:endParaRPr lang="en-US" dirty="0"/>
           </a:p>
@@ -3536,7 +3536,7 @@
           <a:p>
             <a:fld id="{49B14B72-BE03-4760-B747-D349DA60D861}" type="datetime8">
               <a:rPr lang="en-US" smtClean="0"/>
-              <a:t>11/30/2022 10:33 AM</a:t>
+              <a:t>11/30/2022 11:43 AM</a:t>
             </a:fld>
             <a:endParaRPr lang="en-US" dirty="0"/>
           </a:p>
@@ -3701,7 +3701,7 @@
           <a:p>
             <a:fld id="{49B14B72-BE03-4760-B747-D349DA60D861}" type="datetime8">
               <a:rPr lang="en-US" smtClean="0"/>
-              <a:t>11/30/2022 10:33 AM</a:t>
+              <a:t>11/30/2022 11:43 AM</a:t>
             </a:fld>
             <a:endParaRPr lang="en-US" dirty="0"/>
           </a:p>
@@ -3866,7 +3866,7 @@
           <a:p>
             <a:fld id="{54A7B7B7-C694-4FC8-B0BD-20DAA0A272F9}" type="datetime8">
               <a:rPr lang="en-US" smtClean="0"/>
-              <a:t>11/30/2022 10:33 AM</a:t>
+              <a:t>11/30/2022 11:43 AM</a:t>
             </a:fld>
             <a:endParaRPr lang="en-US" dirty="0"/>
           </a:p>
@@ -4030,7 +4030,7 @@
           <a:p>
             <a:fld id="{91FF42D5-4657-4D58-A751-082C26315A19}" type="datetime8">
               <a:rPr lang="en-US" smtClean="0"/>
-              <a:t>11/30/2022 10:33 AM</a:t>
+              <a:t>11/30/2022 11:43 AM</a:t>
             </a:fld>
             <a:endParaRPr lang="en-US" dirty="0"/>
           </a:p>
@@ -4167,7 +4167,7 @@
           <a:p>
             <a:fld id="{480C6978-FA11-423D-8FDA-CB59A4787224}" type="datetime8">
               <a:rPr lang="en-US" smtClean="0"/>
-              <a:t>11/30/2022 10:33 AM</a:t>
+              <a:t>11/30/2022 11:43 AM</a:t>
             </a:fld>
             <a:endParaRPr lang="en-US" dirty="0"/>
           </a:p>
@@ -4320,7 +4320,7 @@
           <a:p>
             <a:fld id="{353CB5B1-3D40-4389-814A-A3E0AEC8E2FF}" type="datetime8">
               <a:rPr lang="en-US" smtClean="0"/>
-              <a:t>11/30/2022 10:33 AM</a:t>
+              <a:t>11/30/2022 11:43 AM</a:t>
             </a:fld>
             <a:endParaRPr lang="en-US" dirty="0"/>
           </a:p>
@@ -4497,7 +4497,7 @@
           <a:p>
             <a:fld id="{353CB5B1-3D40-4389-814A-A3E0AEC8E2FF}" type="datetime8">
               <a:rPr lang="en-US" smtClean="0"/>
-              <a:t>11/30/2022 10:33 AM</a:t>
+              <a:t>11/30/2022 11:43 AM</a:t>
             </a:fld>
             <a:endParaRPr lang="en-US" dirty="0"/>
           </a:p>
@@ -4731,7 +4731,7 @@
           <a:p>
             <a:fld id="{B16574EE-8191-4BCC-ABE6-D00A4F4D7690}" type="datetime8">
               <a:rPr lang="en-US" smtClean="0"/>
-              <a:t>11/30/2022 10:33 AM</a:t>
+              <a:t>11/30/2022 11:43 AM</a:t>
             </a:fld>
             <a:endParaRPr lang="en-US" dirty="0"/>
           </a:p>
@@ -4949,7 +4949,7 @@
           <a:p>
             <a:fld id="{386CE63F-9E7F-4C04-9D0D-FCA25A8E9E86}" type="datetime8">
               <a:rPr lang="en-US" smtClean="0"/>
-              <a:t>11/30/2022 10:33 AM</a:t>
+              <a:t>11/30/2022 11:43 AM</a:t>
             </a:fld>
             <a:endParaRPr lang="en-US" dirty="0"/>
           </a:p>
@@ -5114,7 +5114,7 @@
           <a:p>
             <a:fld id="{E2F19A73-88F5-4B80-A929-CF8E66EE5449}" type="datetime8">
               <a:rPr lang="en-US" smtClean="0"/>
-              <a:t>11/30/2022 10:33 AM</a:t>
+              <a:t>11/30/2022 11:43 AM</a:t>
             </a:fld>
             <a:endParaRPr lang="en-US" dirty="0"/>
           </a:p>
@@ -5246,7 +5246,7 @@
           <a:p>
             <a:fld id="{D44C3489-8257-4E60-994D-6A5CEE67ED71}" type="datetime8">
               <a:rPr lang="en-US" smtClean="0"/>
-              <a:t>11/30/2022 10:33 AM</a:t>
+              <a:t>11/30/2022 11:43 AM</a:t>
             </a:fld>
             <a:endParaRPr lang="en-US" dirty="0"/>
           </a:p>
@@ -5429,7 +5429,7 @@
                   <a:prstClr val="black"/>
                 </a:solidFill>
               </a:rPr>
-              <a:t>11/30/2022 10:33 AM</a:t>
+              <a:t>11/30/2022 11:43 AM</a:t>
             </a:fld>
             <a:endParaRPr lang="en-US" dirty="0">
               <a:solidFill>
@@ -5629,7 +5629,7 @@
                   <a:prstClr val="black"/>
                 </a:solidFill>
               </a:rPr>
-              <a:t>11/30/2022 10:33 AM</a:t>
+              <a:t>11/30/2022 11:43 AM</a:t>
             </a:fld>
             <a:endParaRPr lang="en-US" dirty="0">
               <a:solidFill>
@@ -6062,7 +6062,7 @@
           <a:p>
             <a:fld id="{386CE63F-9E7F-4C04-9D0D-FCA25A8E9E86}" type="datetime8">
               <a:rPr lang="en-US" smtClean="0"/>
-              <a:t>11/30/2022 10:33 AM</a:t>
+              <a:t>11/30/2022 11:43 AM</a:t>
             </a:fld>
             <a:endParaRPr lang="en-US" dirty="0"/>
           </a:p>
@@ -6243,7 +6243,7 @@
           <a:p>
             <a:fld id="{386CE63F-9E7F-4C04-9D0D-FCA25A8E9E86}" type="datetime8">
               <a:rPr lang="en-US" smtClean="0"/>
-              <a:t>11/30/2022 10:33 AM</a:t>
+              <a:t>11/30/2022 11:43 AM</a:t>
             </a:fld>
             <a:endParaRPr lang="en-US" dirty="0"/>
           </a:p>
@@ -6451,7 +6451,7 @@
           <a:p>
             <a:fld id="{386CE63F-9E7F-4C04-9D0D-FCA25A8E9E86}" type="datetime8">
               <a:rPr lang="en-US" smtClean="0"/>
-              <a:t>11/30/2022 10:33 AM</a:t>
+              <a:t>11/30/2022 11:43 AM</a:t>
             </a:fld>
             <a:endParaRPr lang="en-US" dirty="0"/>
           </a:p>
@@ -6632,7 +6632,7 @@
           <a:p>
             <a:fld id="{386CE63F-9E7F-4C04-9D0D-FCA25A8E9E86}" type="datetime8">
               <a:rPr lang="en-US" smtClean="0"/>
-              <a:t>11/30/2022 10:33 AM</a:t>
+              <a:t>11/30/2022 11:43 AM</a:t>
             </a:fld>
             <a:endParaRPr lang="en-US" dirty="0"/>
           </a:p>
@@ -6886,7 +6886,7 @@
           <a:p>
             <a:fld id="{386CE63F-9E7F-4C04-9D0D-FCA25A8E9E86}" type="datetime8">
               <a:rPr lang="en-US" smtClean="0"/>
-              <a:t>11/30/2022 10:33 AM</a:t>
+              <a:t>11/30/2022 11:43 AM</a:t>
             </a:fld>
             <a:endParaRPr lang="en-US" dirty="0"/>
           </a:p>
@@ -7082,7 +7082,7 @@
           <a:p>
             <a:fld id="{386CE63F-9E7F-4C04-9D0D-FCA25A8E9E86}" type="datetime8">
               <a:rPr lang="en-US" smtClean="0"/>
-              <a:t>11/30/2022 10:33 AM</a:t>
+              <a:t>11/30/2022 11:43 AM</a:t>
             </a:fld>
             <a:endParaRPr lang="en-US" dirty="0"/>
           </a:p>
@@ -36161,16 +36161,6 @@
 </file>
 
 <file path=customXml/item1.xml><?xml version="1.0" encoding="utf-8"?>
-<p:properties xmlns:p="http://schemas.microsoft.com/office/2006/metadata/properties" xmlns:xsi="http://www.w3.org/2001/XMLSchema-instance" xmlns:pc="http://schemas.microsoft.com/office/infopath/2007/PartnerControls">
-  <documentManagement>
-    <_ip_UnifiedCompliancePolicyUIAction xmlns="http://schemas.microsoft.com/sharepoint/v3" xsi:nil="true"/>
-    <_ip_UnifiedCompliancePolicyProperties xmlns="http://schemas.microsoft.com/sharepoint/v3" xsi:nil="true"/>
-    <MediaServiceKeyPoints xmlns="965de625-df5b-42e9-a277-2113da4f1195" xsi:nil="true"/>
-  </documentManagement>
-</p:properties>
-</file>
-
-<file path=customXml/item2.xml><?xml version="1.0" encoding="utf-8"?>
 <ct:contentTypeSchema xmlns:ct="http://schemas.microsoft.com/office/2006/metadata/contentType" xmlns:ma="http://schemas.microsoft.com/office/2006/metadata/properties/metaAttributes" ct:_="" ma:_="" ma:contentTypeName="Document" ma:contentTypeID="0x010100BD9FAF4CD5AD2F4B99B5B2414089ABF7" ma:contentTypeVersion="16" ma:contentTypeDescription="Create a new document." ma:contentTypeScope="" ma:versionID="24b7a44f49c7f8d524d04c695baedf53">
   <xsd:schema xmlns:xsd="http://www.w3.org/2001/XMLSchema" xmlns:xs="http://www.w3.org/2001/XMLSchema" xmlns:p="http://schemas.microsoft.com/office/2006/metadata/properties" xmlns:ns1="http://schemas.microsoft.com/sharepoint/v3" xmlns:ns2="dcf5ddc1-fb1d-440f-849a-6450bddbaed7" xmlns:ns3="965de625-df5b-42e9-a277-2113da4f1195" targetNamespace="http://schemas.microsoft.com/office/2006/metadata/properties" ma:root="true" ma:fieldsID="e46491ab598b4ca7c34f6e01f1cb89ea" ns1:_="" ns2:_="" ns3:_="">
     <xsd:import namespace="http://schemas.microsoft.com/sharepoint/v3"/>
@@ -36418,7 +36408,7 @@
 </ct:contentTypeSchema>
 </file>
 
-<file path=customXml/item3.xml><?xml version="1.0" encoding="utf-8"?>
+<file path=customXml/item2.xml><?xml version="1.0" encoding="utf-8"?>
 <?mso-contentType ?>
 <FormTemplates xmlns="http://schemas.microsoft.com/sharepoint/v3/contenttype/forms">
   <Display>DocumentLibraryForm</Display>
@@ -36427,25 +36417,17 @@
 </FormTemplates>
 </file>
 
-<file path=customXml/itemProps1.xml><?xml version="1.0" encoding="utf-8"?>
-<ds:datastoreItem xmlns:ds="http://schemas.openxmlformats.org/officeDocument/2006/customXml" ds:itemID="{F990F116-B58F-4255-B05B-DA3808E0E5C6}">
-  <ds:schemaRefs>
-    <ds:schemaRef ds:uri="http://purl.org/dc/elements/1.1/"/>
-    <ds:schemaRef ds:uri="http://schemas.microsoft.com/sharepoint/v3"/>
-    <ds:schemaRef ds:uri="dcf5ddc1-fb1d-440f-849a-6450bddbaed7"/>
-    <ds:schemaRef ds:uri="http://schemas.microsoft.com/office/2006/documentManagement/types"/>
-    <ds:schemaRef ds:uri="http://purl.org/dc/terms/"/>
-    <ds:schemaRef ds:uri="http://schemas.microsoft.com/office/2006/metadata/properties"/>
-    <ds:schemaRef ds:uri="http://purl.org/dc/dcmitype/"/>
-    <ds:schemaRef ds:uri="965de625-df5b-42e9-a277-2113da4f1195"/>
-    <ds:schemaRef ds:uri="http://schemas.microsoft.com/office/infopath/2007/PartnerControls"/>
-    <ds:schemaRef ds:uri="http://schemas.openxmlformats.org/package/2006/metadata/core-properties"/>
-    <ds:schemaRef ds:uri="http://www.w3.org/XML/1998/namespace"/>
-  </ds:schemaRefs>
-</ds:datastoreItem>
+<file path=customXml/item3.xml><?xml version="1.0" encoding="utf-8"?>
+<p:properties xmlns:p="http://schemas.microsoft.com/office/2006/metadata/properties" xmlns:xsi="http://www.w3.org/2001/XMLSchema-instance" xmlns:pc="http://schemas.microsoft.com/office/infopath/2007/PartnerControls">
+  <documentManagement>
+    <_ip_UnifiedCompliancePolicyUIAction xmlns="http://schemas.microsoft.com/sharepoint/v3" xsi:nil="true"/>
+    <_ip_UnifiedCompliancePolicyProperties xmlns="http://schemas.microsoft.com/sharepoint/v3" xsi:nil="true"/>
+    <MediaServiceKeyPoints xmlns="965de625-df5b-42e9-a277-2113da4f1195" xsi:nil="true"/>
+  </documentManagement>
+</p:properties>
 </file>
 
-<file path=customXml/itemProps2.xml><?xml version="1.0" encoding="utf-8"?>
+<file path=customXml/itemProps1.xml><?xml version="1.0" encoding="utf-8"?>
 <ds:datastoreItem xmlns:ds="http://schemas.openxmlformats.org/officeDocument/2006/customXml" ds:itemID="{13D1D262-8086-483E-8AEE-327E7944ECC8}">
   <ds:schemaRefs>
     <ds:schemaRef ds:uri="http://schemas.microsoft.com/office/2006/metadata/contentType"/>
@@ -36465,10 +36447,28 @@
 </ds:datastoreItem>
 </file>
 
-<file path=customXml/itemProps3.xml><?xml version="1.0" encoding="utf-8"?>
+<file path=customXml/itemProps2.xml><?xml version="1.0" encoding="utf-8"?>
 <ds:datastoreItem xmlns:ds="http://schemas.openxmlformats.org/officeDocument/2006/customXml" ds:itemID="{758FDAC0-319D-4A54-8D8E-1D42CB1F8004}">
   <ds:schemaRefs>
     <ds:schemaRef ds:uri="http://schemas.microsoft.com/sharepoint/v3/contenttype/forms"/>
+  </ds:schemaRefs>
+</ds:datastoreItem>
+</file>
+
+<file path=customXml/itemProps3.xml><?xml version="1.0" encoding="utf-8"?>
+<ds:datastoreItem xmlns:ds="http://schemas.openxmlformats.org/officeDocument/2006/customXml" ds:itemID="{F990F116-B58F-4255-B05B-DA3808E0E5C6}">
+  <ds:schemaRefs>
+    <ds:schemaRef ds:uri="http://purl.org/dc/elements/1.1/"/>
+    <ds:schemaRef ds:uri="http://schemas.microsoft.com/sharepoint/v3"/>
+    <ds:schemaRef ds:uri="dcf5ddc1-fb1d-440f-849a-6450bddbaed7"/>
+    <ds:schemaRef ds:uri="http://schemas.microsoft.com/office/2006/documentManagement/types"/>
+    <ds:schemaRef ds:uri="http://purl.org/dc/terms/"/>
+    <ds:schemaRef ds:uri="http://schemas.microsoft.com/office/2006/metadata/properties"/>
+    <ds:schemaRef ds:uri="http://purl.org/dc/dcmitype/"/>
+    <ds:schemaRef ds:uri="965de625-df5b-42e9-a277-2113da4f1195"/>
+    <ds:schemaRef ds:uri="http://schemas.microsoft.com/office/infopath/2007/PartnerControls"/>
+    <ds:schemaRef ds:uri="http://schemas.openxmlformats.org/package/2006/metadata/core-properties"/>
+    <ds:schemaRef ds:uri="http://www.w3.org/XML/1998/namespace"/>
   </ds:schemaRefs>
 </ds:datastoreItem>
 </file>

--- a/126-AzureCost/Azure Cost PBI BootCamp.pptx
+++ b/126-AzureCost/Azure Cost PBI BootCamp.pptx
@@ -357,7 +357,7 @@
               <a:rPr lang="en-US" smtClean="0">
                 <a:latin typeface="Segoe UI" pitchFamily="34" charset="0"/>
               </a:rPr>
-              <a:t>11/30/2022 11:43 AM</a:t>
+              <a:t>11/30/2022 11:45 AM</a:t>
             </a:fld>
             <a:endParaRPr lang="en-US" dirty="0">
               <a:latin typeface="Segoe UI" pitchFamily="34" charset="0"/>
@@ -635,7 +635,7 @@
           <a:p>
             <a:fld id="{386CE63F-9E7F-4C04-9D0D-FCA25A8E9E86}" type="datetime8">
               <a:rPr lang="en-US" smtClean="0"/>
-              <a:t>11/30/2022 11:43 AM</a:t>
+              <a:t>11/30/2022 11:44 AM</a:t>
             </a:fld>
             <a:endParaRPr lang="en-US" dirty="0"/>
           </a:p>
@@ -1002,7 +1002,7 @@
           <a:p>
             <a:fld id="{62C61DAB-D93E-49CA-B245-379601CFE8D0}" type="datetime8">
               <a:rPr lang="en-US" smtClean="0"/>
-              <a:t>11/30/2022 11:43 AM</a:t>
+              <a:t>11/30/2022 11:44 AM</a:t>
             </a:fld>
             <a:endParaRPr lang="en-US" dirty="0"/>
           </a:p>
@@ -1186,7 +1186,7 @@
           <a:p>
             <a:fld id="{386CE63F-9E7F-4C04-9D0D-FCA25A8E9E86}" type="datetime8">
               <a:rPr lang="en-US" smtClean="0"/>
-              <a:t>11/30/2022 11:43 AM</a:t>
+              <a:t>11/30/2022 11:44 AM</a:t>
             </a:fld>
             <a:endParaRPr lang="en-US" dirty="0"/>
           </a:p>
@@ -1367,7 +1367,7 @@
           <a:p>
             <a:fld id="{386CE63F-9E7F-4C04-9D0D-FCA25A8E9E86}" type="datetime8">
               <a:rPr lang="en-US" smtClean="0"/>
-              <a:t>11/30/2022 11:43 AM</a:t>
+              <a:t>11/30/2022 11:44 AM</a:t>
             </a:fld>
             <a:endParaRPr lang="en-US" dirty="0"/>
           </a:p>
@@ -1548,7 +1548,7 @@
           <a:p>
             <a:fld id="{386CE63F-9E7F-4C04-9D0D-FCA25A8E9E86}" type="datetime8">
               <a:rPr lang="en-US" smtClean="0"/>
-              <a:t>11/30/2022 11:43 AM</a:t>
+              <a:t>11/30/2022 11:44 AM</a:t>
             </a:fld>
             <a:endParaRPr lang="en-US" dirty="0"/>
           </a:p>
@@ -1729,7 +1729,7 @@
           <a:p>
             <a:fld id="{386CE63F-9E7F-4C04-9D0D-FCA25A8E9E86}" type="datetime8">
               <a:rPr lang="en-US" smtClean="0"/>
-              <a:t>11/30/2022 11:43 AM</a:t>
+              <a:t>11/30/2022 11:44 AM</a:t>
             </a:fld>
             <a:endParaRPr lang="en-US" dirty="0"/>
           </a:p>
@@ -1985,7 +1985,7 @@
           <a:p>
             <a:fld id="{386CE63F-9E7F-4C04-9D0D-FCA25A8E9E86}" type="datetime8">
               <a:rPr lang="en-US" smtClean="0"/>
-              <a:t>11/30/2022 11:43 AM</a:t>
+              <a:t>11/30/2022 11:44 AM</a:t>
             </a:fld>
             <a:endParaRPr lang="en-US" dirty="0"/>
           </a:p>
@@ -2166,7 +2166,7 @@
           <a:p>
             <a:fld id="{386CE63F-9E7F-4C04-9D0D-FCA25A8E9E86}" type="datetime8">
               <a:rPr lang="en-US" smtClean="0"/>
-              <a:t>11/30/2022 11:43 AM</a:t>
+              <a:t>11/30/2022 11:44 AM</a:t>
             </a:fld>
             <a:endParaRPr lang="en-US" dirty="0"/>
           </a:p>
@@ -2331,7 +2331,7 @@
           <a:p>
             <a:fld id="{72E0C910-0166-48E0-B8EF-5071277A02A8}" type="datetime8">
               <a:rPr lang="en-US" smtClean="0"/>
-              <a:t>11/30/2022 11:43 AM</a:t>
+              <a:t>11/30/2022 11:44 AM</a:t>
             </a:fld>
             <a:endParaRPr lang="en-US" dirty="0"/>
           </a:p>
@@ -2496,7 +2496,7 @@
           <a:p>
             <a:fld id="{9427A7F7-BB1E-479D-AFAA-B52F4D0C99F2}" type="datetime8">
               <a:rPr lang="en-US" smtClean="0"/>
-              <a:t>11/30/2022 11:43 AM</a:t>
+              <a:t>11/30/2022 11:44 AM</a:t>
             </a:fld>
             <a:endParaRPr lang="en-US" dirty="0"/>
           </a:p>
@@ -2661,7 +2661,7 @@
           <a:p>
             <a:fld id="{2D0AF0B6-AF0D-4EDB-B60E-27694EB68262}" type="datetime8">
               <a:rPr lang="en-US" smtClean="0"/>
-              <a:t>11/30/2022 11:43 AM</a:t>
+              <a:t>11/30/2022 11:44 AM</a:t>
             </a:fld>
             <a:endParaRPr lang="en-US" dirty="0"/>
           </a:p>
@@ -2793,7 +2793,7 @@
           <a:p>
             <a:fld id="{1D9BFF88-B9B5-4B68-BAE1-09ACB5D03C54}" type="datetime8">
               <a:rPr lang="en-US" smtClean="0"/>
-              <a:t>11/30/2022 11:43 AM</a:t>
+              <a:t>11/30/2022 11:44 AM</a:t>
             </a:fld>
             <a:endParaRPr lang="en-US" dirty="0"/>
           </a:p>
@@ -3007,7 +3007,7 @@
           <a:p>
             <a:fld id="{386CE63F-9E7F-4C04-9D0D-FCA25A8E9E86}" type="datetime8">
               <a:rPr lang="en-US" smtClean="0"/>
-              <a:t>11/30/2022 11:43 AM</a:t>
+              <a:t>11/30/2022 11:44 AM</a:t>
             </a:fld>
             <a:endParaRPr lang="en-US" dirty="0"/>
           </a:p>
@@ -3141,7 +3141,7 @@
           <a:p>
             <a:fld id="{06C18626-F474-479E-937A-543AA55347B1}" type="datetime8">
               <a:rPr lang="en-US" smtClean="0"/>
-              <a:t>11/30/2022 11:43 AM</a:t>
+              <a:t>11/30/2022 11:44 AM</a:t>
             </a:fld>
             <a:endParaRPr lang="en-US" dirty="0"/>
           </a:p>
@@ -3371,7 +3371,7 @@
           <a:p>
             <a:fld id="{A5CD2277-7C1A-43CA-8676-87B24AD584BD}" type="datetime8">
               <a:rPr lang="en-US" smtClean="0"/>
-              <a:t>11/30/2022 11:43 AM</a:t>
+              <a:t>11/30/2022 11:44 AM</a:t>
             </a:fld>
             <a:endParaRPr lang="en-US" dirty="0"/>
           </a:p>
@@ -3536,7 +3536,7 @@
           <a:p>
             <a:fld id="{49B14B72-BE03-4760-B747-D349DA60D861}" type="datetime8">
               <a:rPr lang="en-US" smtClean="0"/>
-              <a:t>11/30/2022 11:43 AM</a:t>
+              <a:t>11/30/2022 11:44 AM</a:t>
             </a:fld>
             <a:endParaRPr lang="en-US" dirty="0"/>
           </a:p>
@@ -3701,7 +3701,7 @@
           <a:p>
             <a:fld id="{49B14B72-BE03-4760-B747-D349DA60D861}" type="datetime8">
               <a:rPr lang="en-US" smtClean="0"/>
-              <a:t>11/30/2022 11:43 AM</a:t>
+              <a:t>11/30/2022 11:44 AM</a:t>
             </a:fld>
             <a:endParaRPr lang="en-US" dirty="0"/>
           </a:p>
@@ -3866,7 +3866,7 @@
           <a:p>
             <a:fld id="{54A7B7B7-C694-4FC8-B0BD-20DAA0A272F9}" type="datetime8">
               <a:rPr lang="en-US" smtClean="0"/>
-              <a:t>11/30/2022 11:43 AM</a:t>
+              <a:t>11/30/2022 11:44 AM</a:t>
             </a:fld>
             <a:endParaRPr lang="en-US" dirty="0"/>
           </a:p>
@@ -4030,7 +4030,7 @@
           <a:p>
             <a:fld id="{91FF42D5-4657-4D58-A751-082C26315A19}" type="datetime8">
               <a:rPr lang="en-US" smtClean="0"/>
-              <a:t>11/30/2022 11:43 AM</a:t>
+              <a:t>11/30/2022 11:44 AM</a:t>
             </a:fld>
             <a:endParaRPr lang="en-US" dirty="0"/>
           </a:p>
@@ -4167,7 +4167,7 @@
           <a:p>
             <a:fld id="{480C6978-FA11-423D-8FDA-CB59A4787224}" type="datetime8">
               <a:rPr lang="en-US" smtClean="0"/>
-              <a:t>11/30/2022 11:43 AM</a:t>
+              <a:t>11/30/2022 11:44 AM</a:t>
             </a:fld>
             <a:endParaRPr lang="en-US" dirty="0"/>
           </a:p>
@@ -4320,7 +4320,7 @@
           <a:p>
             <a:fld id="{353CB5B1-3D40-4389-814A-A3E0AEC8E2FF}" type="datetime8">
               <a:rPr lang="en-US" smtClean="0"/>
-              <a:t>11/30/2022 11:43 AM</a:t>
+              <a:t>11/30/2022 11:44 AM</a:t>
             </a:fld>
             <a:endParaRPr lang="en-US" dirty="0"/>
           </a:p>
@@ -4497,7 +4497,7 @@
           <a:p>
             <a:fld id="{353CB5B1-3D40-4389-814A-A3E0AEC8E2FF}" type="datetime8">
               <a:rPr lang="en-US" smtClean="0"/>
-              <a:t>11/30/2022 11:43 AM</a:t>
+              <a:t>11/30/2022 11:44 AM</a:t>
             </a:fld>
             <a:endParaRPr lang="en-US" dirty="0"/>
           </a:p>
@@ -4731,7 +4731,7 @@
           <a:p>
             <a:fld id="{B16574EE-8191-4BCC-ABE6-D00A4F4D7690}" type="datetime8">
               <a:rPr lang="en-US" smtClean="0"/>
-              <a:t>11/30/2022 11:43 AM</a:t>
+              <a:t>11/30/2022 11:44 AM</a:t>
             </a:fld>
             <a:endParaRPr lang="en-US" dirty="0"/>
           </a:p>
@@ -4949,7 +4949,7 @@
           <a:p>
             <a:fld id="{386CE63F-9E7F-4C04-9D0D-FCA25A8E9E86}" type="datetime8">
               <a:rPr lang="en-US" smtClean="0"/>
-              <a:t>11/30/2022 11:43 AM</a:t>
+              <a:t>11/30/2022 11:44 AM</a:t>
             </a:fld>
             <a:endParaRPr lang="en-US" dirty="0"/>
           </a:p>
@@ -5114,7 +5114,7 @@
           <a:p>
             <a:fld id="{E2F19A73-88F5-4B80-A929-CF8E66EE5449}" type="datetime8">
               <a:rPr lang="en-US" smtClean="0"/>
-              <a:t>11/30/2022 11:43 AM</a:t>
+              <a:t>11/30/2022 11:44 AM</a:t>
             </a:fld>
             <a:endParaRPr lang="en-US" dirty="0"/>
           </a:p>
@@ -5246,7 +5246,7 @@
           <a:p>
             <a:fld id="{D44C3489-8257-4E60-994D-6A5CEE67ED71}" type="datetime8">
               <a:rPr lang="en-US" smtClean="0"/>
-              <a:t>11/30/2022 11:43 AM</a:t>
+              <a:t>11/30/2022 11:44 AM</a:t>
             </a:fld>
             <a:endParaRPr lang="en-US" dirty="0"/>
           </a:p>
@@ -5429,7 +5429,7 @@
                   <a:prstClr val="black"/>
                 </a:solidFill>
               </a:rPr>
-              <a:t>11/30/2022 11:43 AM</a:t>
+              <a:t>11/30/2022 11:44 AM</a:t>
             </a:fld>
             <a:endParaRPr lang="en-US" dirty="0">
               <a:solidFill>
@@ -5629,7 +5629,7 @@
                   <a:prstClr val="black"/>
                 </a:solidFill>
               </a:rPr>
-              <a:t>11/30/2022 11:43 AM</a:t>
+              <a:t>11/30/2022 11:44 AM</a:t>
             </a:fld>
             <a:endParaRPr lang="en-US" dirty="0">
               <a:solidFill>
@@ -6062,7 +6062,7 @@
           <a:p>
             <a:fld id="{386CE63F-9E7F-4C04-9D0D-FCA25A8E9E86}" type="datetime8">
               <a:rPr lang="en-US" smtClean="0"/>
-              <a:t>11/30/2022 11:43 AM</a:t>
+              <a:t>11/30/2022 11:44 AM</a:t>
             </a:fld>
             <a:endParaRPr lang="en-US" dirty="0"/>
           </a:p>
@@ -6243,7 +6243,7 @@
           <a:p>
             <a:fld id="{386CE63F-9E7F-4C04-9D0D-FCA25A8E9E86}" type="datetime8">
               <a:rPr lang="en-US" smtClean="0"/>
-              <a:t>11/30/2022 11:43 AM</a:t>
+              <a:t>11/30/2022 11:44 AM</a:t>
             </a:fld>
             <a:endParaRPr lang="en-US" dirty="0"/>
           </a:p>
@@ -6451,7 +6451,7 @@
           <a:p>
             <a:fld id="{386CE63F-9E7F-4C04-9D0D-FCA25A8E9E86}" type="datetime8">
               <a:rPr lang="en-US" smtClean="0"/>
-              <a:t>11/30/2022 11:43 AM</a:t>
+              <a:t>11/30/2022 11:44 AM</a:t>
             </a:fld>
             <a:endParaRPr lang="en-US" dirty="0"/>
           </a:p>
@@ -6632,7 +6632,7 @@
           <a:p>
             <a:fld id="{386CE63F-9E7F-4C04-9D0D-FCA25A8E9E86}" type="datetime8">
               <a:rPr lang="en-US" smtClean="0"/>
-              <a:t>11/30/2022 11:43 AM</a:t>
+              <a:t>11/30/2022 11:44 AM</a:t>
             </a:fld>
             <a:endParaRPr lang="en-US" dirty="0"/>
           </a:p>
@@ -6886,7 +6886,7 @@
           <a:p>
             <a:fld id="{386CE63F-9E7F-4C04-9D0D-FCA25A8E9E86}" type="datetime8">
               <a:rPr lang="en-US" smtClean="0"/>
-              <a:t>11/30/2022 11:43 AM</a:t>
+              <a:t>11/30/2022 11:44 AM</a:t>
             </a:fld>
             <a:endParaRPr lang="en-US" dirty="0"/>
           </a:p>
@@ -7082,7 +7082,7 @@
           <a:p>
             <a:fld id="{386CE63F-9E7F-4C04-9D0D-FCA25A8E9E86}" type="datetime8">
               <a:rPr lang="en-US" smtClean="0"/>
-              <a:t>11/30/2022 11:43 AM</a:t>
+              <a:t>11/30/2022 11:44 AM</a:t>
             </a:fld>
             <a:endParaRPr lang="en-US" dirty="0"/>
           </a:p>
@@ -17759,7 +17759,7 @@
             </a:r>
             <a:r>
               <a:rPr lang="en-GB" dirty="0"/>
-              <a:t> Service</a:t>
+              <a:t> Service – SaaS application, MW Land</a:t>
             </a:r>
           </a:p>
           <a:p>
@@ -17773,8 +17773,13 @@
             </a:r>
             <a:r>
               <a:rPr lang="en-GB" dirty="0"/>
-              <a:t> Embedded </a:t>
-            </a:r>
+              <a:t> Embedded – compute </a:t>
+            </a:r>
+            <a:r>
+              <a:rPr lang="en-GB"/>
+              <a:t>resource on Azure</a:t>
+            </a:r>
+            <a:endParaRPr lang="en-GB" dirty="0"/>
           </a:p>
           <a:p>
             <a:pPr marL="457200" indent="-457200">
@@ -36161,6 +36166,25 @@
 </file>
 
 <file path=customXml/item1.xml><?xml version="1.0" encoding="utf-8"?>
+<?mso-contentType ?>
+<FormTemplates xmlns="http://schemas.microsoft.com/sharepoint/v3/contenttype/forms">
+  <Display>DocumentLibraryForm</Display>
+  <Edit>DocumentLibraryForm</Edit>
+  <New>DocumentLibraryForm</New>
+</FormTemplates>
+</file>
+
+<file path=customXml/item2.xml><?xml version="1.0" encoding="utf-8"?>
+<p:properties xmlns:p="http://schemas.microsoft.com/office/2006/metadata/properties" xmlns:xsi="http://www.w3.org/2001/XMLSchema-instance" xmlns:pc="http://schemas.microsoft.com/office/infopath/2007/PartnerControls">
+  <documentManagement>
+    <_ip_UnifiedCompliancePolicyUIAction xmlns="http://schemas.microsoft.com/sharepoint/v3" xsi:nil="true"/>
+    <_ip_UnifiedCompliancePolicyProperties xmlns="http://schemas.microsoft.com/sharepoint/v3" xsi:nil="true"/>
+    <MediaServiceKeyPoints xmlns="965de625-df5b-42e9-a277-2113da4f1195" xsi:nil="true"/>
+  </documentManagement>
+</p:properties>
+</file>
+
+<file path=customXml/item3.xml><?xml version="1.0" encoding="utf-8"?>
 <ct:contentTypeSchema xmlns:ct="http://schemas.microsoft.com/office/2006/metadata/contentType" xmlns:ma="http://schemas.microsoft.com/office/2006/metadata/properties/metaAttributes" ct:_="" ma:_="" ma:contentTypeName="Document" ma:contentTypeID="0x010100BD9FAF4CD5AD2F4B99B5B2414089ABF7" ma:contentTypeVersion="16" ma:contentTypeDescription="Create a new document." ma:contentTypeScope="" ma:versionID="24b7a44f49c7f8d524d04c695baedf53">
   <xsd:schema xmlns:xsd="http://www.w3.org/2001/XMLSchema" xmlns:xs="http://www.w3.org/2001/XMLSchema" xmlns:p="http://schemas.microsoft.com/office/2006/metadata/properties" xmlns:ns1="http://schemas.microsoft.com/sharepoint/v3" xmlns:ns2="dcf5ddc1-fb1d-440f-849a-6450bddbaed7" xmlns:ns3="965de625-df5b-42e9-a277-2113da4f1195" targetNamespace="http://schemas.microsoft.com/office/2006/metadata/properties" ma:root="true" ma:fieldsID="e46491ab598b4ca7c34f6e01f1cb89ea" ns1:_="" ns2:_="" ns3:_="">
     <xsd:import namespace="http://schemas.microsoft.com/sharepoint/v3"/>
@@ -36408,26 +36432,33 @@
 </ct:contentTypeSchema>
 </file>
 
-<file path=customXml/item2.xml><?xml version="1.0" encoding="utf-8"?>
-<?mso-contentType ?>
-<FormTemplates xmlns="http://schemas.microsoft.com/sharepoint/v3/contenttype/forms">
-  <Display>DocumentLibraryForm</Display>
-  <Edit>DocumentLibraryForm</Edit>
-  <New>DocumentLibraryForm</New>
-</FormTemplates>
+<file path=customXml/itemProps1.xml><?xml version="1.0" encoding="utf-8"?>
+<ds:datastoreItem xmlns:ds="http://schemas.openxmlformats.org/officeDocument/2006/customXml" ds:itemID="{758FDAC0-319D-4A54-8D8E-1D42CB1F8004}">
+  <ds:schemaRefs>
+    <ds:schemaRef ds:uri="http://schemas.microsoft.com/sharepoint/v3/contenttype/forms"/>
+  </ds:schemaRefs>
+</ds:datastoreItem>
 </file>
 
-<file path=customXml/item3.xml><?xml version="1.0" encoding="utf-8"?>
-<p:properties xmlns:p="http://schemas.microsoft.com/office/2006/metadata/properties" xmlns:xsi="http://www.w3.org/2001/XMLSchema-instance" xmlns:pc="http://schemas.microsoft.com/office/infopath/2007/PartnerControls">
-  <documentManagement>
-    <_ip_UnifiedCompliancePolicyUIAction xmlns="http://schemas.microsoft.com/sharepoint/v3" xsi:nil="true"/>
-    <_ip_UnifiedCompliancePolicyProperties xmlns="http://schemas.microsoft.com/sharepoint/v3" xsi:nil="true"/>
-    <MediaServiceKeyPoints xmlns="965de625-df5b-42e9-a277-2113da4f1195" xsi:nil="true"/>
-  </documentManagement>
-</p:properties>
+<file path=customXml/itemProps2.xml><?xml version="1.0" encoding="utf-8"?>
+<ds:datastoreItem xmlns:ds="http://schemas.openxmlformats.org/officeDocument/2006/customXml" ds:itemID="{F990F116-B58F-4255-B05B-DA3808E0E5C6}">
+  <ds:schemaRefs>
+    <ds:schemaRef ds:uri="http://purl.org/dc/elements/1.1/"/>
+    <ds:schemaRef ds:uri="http://schemas.microsoft.com/sharepoint/v3"/>
+    <ds:schemaRef ds:uri="dcf5ddc1-fb1d-440f-849a-6450bddbaed7"/>
+    <ds:schemaRef ds:uri="http://schemas.microsoft.com/office/2006/documentManagement/types"/>
+    <ds:schemaRef ds:uri="http://purl.org/dc/terms/"/>
+    <ds:schemaRef ds:uri="http://schemas.microsoft.com/office/2006/metadata/properties"/>
+    <ds:schemaRef ds:uri="http://purl.org/dc/dcmitype/"/>
+    <ds:schemaRef ds:uri="965de625-df5b-42e9-a277-2113da4f1195"/>
+    <ds:schemaRef ds:uri="http://schemas.microsoft.com/office/infopath/2007/PartnerControls"/>
+    <ds:schemaRef ds:uri="http://schemas.openxmlformats.org/package/2006/metadata/core-properties"/>
+    <ds:schemaRef ds:uri="http://www.w3.org/XML/1998/namespace"/>
+  </ds:schemaRefs>
+</ds:datastoreItem>
 </file>
 
-<file path=customXml/itemProps1.xml><?xml version="1.0" encoding="utf-8"?>
+<file path=customXml/itemProps3.xml><?xml version="1.0" encoding="utf-8"?>
 <ds:datastoreItem xmlns:ds="http://schemas.openxmlformats.org/officeDocument/2006/customXml" ds:itemID="{13D1D262-8086-483E-8AEE-327E7944ECC8}">
   <ds:schemaRefs>
     <ds:schemaRef ds:uri="http://schemas.microsoft.com/office/2006/metadata/contentType"/>
@@ -36447,32 +36478,6 @@
 </ds:datastoreItem>
 </file>
 
-<file path=customXml/itemProps2.xml><?xml version="1.0" encoding="utf-8"?>
-<ds:datastoreItem xmlns:ds="http://schemas.openxmlformats.org/officeDocument/2006/customXml" ds:itemID="{758FDAC0-319D-4A54-8D8E-1D42CB1F8004}">
-  <ds:schemaRefs>
-    <ds:schemaRef ds:uri="http://schemas.microsoft.com/sharepoint/v3/contenttype/forms"/>
-  </ds:schemaRefs>
-</ds:datastoreItem>
-</file>
-
-<file path=customXml/itemProps3.xml><?xml version="1.0" encoding="utf-8"?>
-<ds:datastoreItem xmlns:ds="http://schemas.openxmlformats.org/officeDocument/2006/customXml" ds:itemID="{F990F116-B58F-4255-B05B-DA3808E0E5C6}">
-  <ds:schemaRefs>
-    <ds:schemaRef ds:uri="http://purl.org/dc/elements/1.1/"/>
-    <ds:schemaRef ds:uri="http://schemas.microsoft.com/sharepoint/v3"/>
-    <ds:schemaRef ds:uri="dcf5ddc1-fb1d-440f-849a-6450bddbaed7"/>
-    <ds:schemaRef ds:uri="http://schemas.microsoft.com/office/2006/documentManagement/types"/>
-    <ds:schemaRef ds:uri="http://purl.org/dc/terms/"/>
-    <ds:schemaRef ds:uri="http://schemas.microsoft.com/office/2006/metadata/properties"/>
-    <ds:schemaRef ds:uri="http://purl.org/dc/dcmitype/"/>
-    <ds:schemaRef ds:uri="965de625-df5b-42e9-a277-2113da4f1195"/>
-    <ds:schemaRef ds:uri="http://schemas.microsoft.com/office/infopath/2007/PartnerControls"/>
-    <ds:schemaRef ds:uri="http://schemas.openxmlformats.org/package/2006/metadata/core-properties"/>
-    <ds:schemaRef ds:uri="http://www.w3.org/XML/1998/namespace"/>
-  </ds:schemaRefs>
-</ds:datastoreItem>
-</file>
-
 <file path=docMetadata/LabelInfo.xml><?xml version="1.0" encoding="utf-8"?>
 <clbl:labelList xmlns:clbl="http://schemas.microsoft.com/office/2020/mipLabelMetadata">
   <clbl:label id="{f42aa342-8706-4288-bd11-ebb85995028c}" enabled="1" method="Privileged" siteId="{72f988bf-86f1-41af-91ab-2d7cd011db47}" removed="0"/>
